--- a/thesis.pptx
+++ b/thesis.pptx
@@ -6,6 +6,7 @@
   </p:sldMasterIdLst>
   <p:sldIdLst>
     <p:sldId id="256" r:id="rId2"/>
+    <p:sldId id="257" r:id="rId3"/>
   </p:sldIdLst>
   <p:sldSz cx="12192000" cy="6858000"/>
   <p:notesSz cx="6858000" cy="9144000"/>
@@ -104,6 +105,11 @@
       </a:defRPr>
     </a:lvl9pPr>
   </p:defaultTextStyle>
+  <p:extLst>
+    <p:ext uri="{EFAFB233-063F-42B5-8137-9DF3F51BA10A}">
+      <p15:sldGuideLst xmlns:p15="http://schemas.microsoft.com/office/powerpoint/2012/main"/>
+    </p:ext>
+  </p:extLst>
 </p:presentation>
 </file>
 
@@ -238,7 +244,7 @@
           <a:p>
             <a:fld id="{868DB8A7-3A18-4C2F-83F4-935BFDFABEE2}" type="datetimeFigureOut">
               <a:rPr lang="en-GB" smtClean="0"/>
-              <a:t>22/10/2018</a:t>
+              <a:t>10/05/2019</a:t>
             </a:fld>
             <a:endParaRPr lang="en-GB"/>
           </a:p>
@@ -408,7 +414,7 @@
           <a:p>
             <a:fld id="{868DB8A7-3A18-4C2F-83F4-935BFDFABEE2}" type="datetimeFigureOut">
               <a:rPr lang="en-GB" smtClean="0"/>
-              <a:t>22/10/2018</a:t>
+              <a:t>10/05/2019</a:t>
             </a:fld>
             <a:endParaRPr lang="en-GB"/>
           </a:p>
@@ -588,7 +594,7 @@
           <a:p>
             <a:fld id="{868DB8A7-3A18-4C2F-83F4-935BFDFABEE2}" type="datetimeFigureOut">
               <a:rPr lang="en-GB" smtClean="0"/>
-              <a:t>22/10/2018</a:t>
+              <a:t>10/05/2019</a:t>
             </a:fld>
             <a:endParaRPr lang="en-GB"/>
           </a:p>
@@ -758,7 +764,7 @@
           <a:p>
             <a:fld id="{868DB8A7-3A18-4C2F-83F4-935BFDFABEE2}" type="datetimeFigureOut">
               <a:rPr lang="en-GB" smtClean="0"/>
-              <a:t>22/10/2018</a:t>
+              <a:t>10/05/2019</a:t>
             </a:fld>
             <a:endParaRPr lang="en-GB"/>
           </a:p>
@@ -1004,7 +1010,7 @@
           <a:p>
             <a:fld id="{868DB8A7-3A18-4C2F-83F4-935BFDFABEE2}" type="datetimeFigureOut">
               <a:rPr lang="en-GB" smtClean="0"/>
-              <a:t>22/10/2018</a:t>
+              <a:t>10/05/2019</a:t>
             </a:fld>
             <a:endParaRPr lang="en-GB"/>
           </a:p>
@@ -1236,7 +1242,7 @@
           <a:p>
             <a:fld id="{868DB8A7-3A18-4C2F-83F4-935BFDFABEE2}" type="datetimeFigureOut">
               <a:rPr lang="en-GB" smtClean="0"/>
-              <a:t>22/10/2018</a:t>
+              <a:t>10/05/2019</a:t>
             </a:fld>
             <a:endParaRPr lang="en-GB"/>
           </a:p>
@@ -1603,7 +1609,7 @@
           <a:p>
             <a:fld id="{868DB8A7-3A18-4C2F-83F4-935BFDFABEE2}" type="datetimeFigureOut">
               <a:rPr lang="en-GB" smtClean="0"/>
-              <a:t>22/10/2018</a:t>
+              <a:t>10/05/2019</a:t>
             </a:fld>
             <a:endParaRPr lang="en-GB"/>
           </a:p>
@@ -1721,7 +1727,7 @@
           <a:p>
             <a:fld id="{868DB8A7-3A18-4C2F-83F4-935BFDFABEE2}" type="datetimeFigureOut">
               <a:rPr lang="en-GB" smtClean="0"/>
-              <a:t>22/10/2018</a:t>
+              <a:t>10/05/2019</a:t>
             </a:fld>
             <a:endParaRPr lang="en-GB"/>
           </a:p>
@@ -1816,7 +1822,7 @@
           <a:p>
             <a:fld id="{868DB8A7-3A18-4C2F-83F4-935BFDFABEE2}" type="datetimeFigureOut">
               <a:rPr lang="en-GB" smtClean="0"/>
-              <a:t>22/10/2018</a:t>
+              <a:t>10/05/2019</a:t>
             </a:fld>
             <a:endParaRPr lang="en-GB"/>
           </a:p>
@@ -2093,7 +2099,7 @@
           <a:p>
             <a:fld id="{868DB8A7-3A18-4C2F-83F4-935BFDFABEE2}" type="datetimeFigureOut">
               <a:rPr lang="en-GB" smtClean="0"/>
-              <a:t>22/10/2018</a:t>
+              <a:t>10/05/2019</a:t>
             </a:fld>
             <a:endParaRPr lang="en-GB"/>
           </a:p>
@@ -2346,7 +2352,7 @@
           <a:p>
             <a:fld id="{868DB8A7-3A18-4C2F-83F4-935BFDFABEE2}" type="datetimeFigureOut">
               <a:rPr lang="en-GB" smtClean="0"/>
-              <a:t>22/10/2018</a:t>
+              <a:t>10/05/2019</a:t>
             </a:fld>
             <a:endParaRPr lang="en-GB"/>
           </a:p>
@@ -2559,7 +2565,7 @@
           <a:p>
             <a:fld id="{868DB8A7-3A18-4C2F-83F4-935BFDFABEE2}" type="datetimeFigureOut">
               <a:rPr lang="en-GB" smtClean="0"/>
-              <a:t>22/10/2018</a:t>
+              <a:t>10/05/2019</a:t>
             </a:fld>
             <a:endParaRPr lang="en-GB"/>
           </a:p>
@@ -2966,46 +2972,5990 @@
       </p:grpSpPr>
       <p:sp>
         <p:nvSpPr>
-          <p:cNvPr id="2" name="Title 1"/>
-          <p:cNvSpPr>
-            <a:spLocks noGrp="1"/>
-          </p:cNvSpPr>
-          <p:nvPr>
-            <p:ph type="ctrTitle"/>
-          </p:nvPr>
+          <p:cNvPr id="7" name="Rectangle 6"/>
+          <p:cNvSpPr/>
+          <p:nvPr/>
         </p:nvSpPr>
-        <p:spPr/>
+        <p:spPr>
+          <a:xfrm>
+            <a:off x="3682538" y="1596044"/>
+            <a:ext cx="3399906" cy="2310938"/>
+          </a:xfrm>
+          <a:prstGeom prst="rect">
+            <a:avLst/>
+          </a:prstGeom>
+          <a:noFill/>
+        </p:spPr>
+        <p:style>
+          <a:lnRef idx="2">
+            <a:schemeClr val="accent1">
+              <a:shade val="50000"/>
+            </a:schemeClr>
+          </a:lnRef>
+          <a:fillRef idx="1">
+            <a:schemeClr val="accent1"/>
+          </a:fillRef>
+          <a:effectRef idx="0">
+            <a:schemeClr val="accent1"/>
+          </a:effectRef>
+          <a:fontRef idx="minor">
+            <a:schemeClr val="lt1"/>
+          </a:fontRef>
+        </p:style>
         <p:txBody>
-          <a:bodyPr/>
+          <a:bodyPr rtlCol="0" anchor="ctr"/>
           <a:lstStyle/>
           <a:p>
+            <a:pPr algn="ctr"/>
             <a:endParaRPr lang="en-GB"/>
           </a:p>
         </p:txBody>
       </p:sp>
       <p:sp>
         <p:nvSpPr>
-          <p:cNvPr id="3" name="Subtitle 2"/>
-          <p:cNvSpPr>
-            <a:spLocks noGrp="1"/>
-          </p:cNvSpPr>
-          <p:nvPr>
-            <p:ph type="subTitle" idx="1"/>
-          </p:nvPr>
+          <p:cNvPr id="8" name="Flowchart: Summing Junction 7"/>
+          <p:cNvSpPr/>
+          <p:nvPr/>
         </p:nvSpPr>
-        <p:spPr/>
+        <p:spPr>
+          <a:xfrm>
+            <a:off x="4510396" y="2719744"/>
+            <a:ext cx="139834" cy="139834"/>
+          </a:xfrm>
+          <a:prstGeom prst="flowChartSummingJunction">
+            <a:avLst/>
+          </a:prstGeom>
+          <a:noFill/>
+        </p:spPr>
+        <p:style>
+          <a:lnRef idx="2">
+            <a:schemeClr val="accent1">
+              <a:shade val="50000"/>
+            </a:schemeClr>
+          </a:lnRef>
+          <a:fillRef idx="1">
+            <a:schemeClr val="accent1"/>
+          </a:fillRef>
+          <a:effectRef idx="0">
+            <a:schemeClr val="accent1"/>
+          </a:effectRef>
+          <a:fontRef idx="minor">
+            <a:schemeClr val="lt1"/>
+          </a:fontRef>
+        </p:style>
         <p:txBody>
-          <a:bodyPr/>
+          <a:bodyPr rtlCol="0" anchor="ctr"/>
           <a:lstStyle/>
           <a:p>
+            <a:pPr algn="ctr"/>
             <a:endParaRPr lang="en-GB"/>
           </a:p>
         </p:txBody>
       </p:sp>
+      <p:grpSp>
+        <p:nvGrpSpPr>
+          <p:cNvPr id="13" name="Group 12"/>
+          <p:cNvGrpSpPr/>
+          <p:nvPr/>
+        </p:nvGrpSpPr>
+        <p:grpSpPr>
+          <a:xfrm>
+            <a:off x="3694962" y="2608882"/>
+            <a:ext cx="361558" cy="361558"/>
+            <a:chOff x="3694962" y="2623671"/>
+            <a:chExt cx="361558" cy="361558"/>
+          </a:xfrm>
+        </p:grpSpPr>
+        <p:sp>
+          <p:nvSpPr>
+            <p:cNvPr id="11" name="Freeform 10"/>
+            <p:cNvSpPr/>
+            <p:nvPr/>
+          </p:nvSpPr>
+          <p:spPr>
+            <a:xfrm>
+              <a:off x="3765176" y="2716385"/>
+              <a:ext cx="221130" cy="176131"/>
+            </a:xfrm>
+            <a:custGeom>
+              <a:avLst/>
+              <a:gdLst>
+                <a:gd name="connsiteX0" fmla="*/ 0 w 221130"/>
+                <a:gd name="connsiteY0" fmla="*/ 170250 h 176131"/>
+                <a:gd name="connsiteX1" fmla="*/ 71718 w 221130"/>
+                <a:gd name="connsiteY1" fmla="*/ 158297 h 176131"/>
+                <a:gd name="connsiteX2" fmla="*/ 137459 w 221130"/>
+                <a:gd name="connsiteY2" fmla="*/ 20839 h 176131"/>
+                <a:gd name="connsiteX3" fmla="*/ 221130 w 221130"/>
+                <a:gd name="connsiteY3" fmla="*/ 2909 h 176131"/>
+              </a:gdLst>
+              <a:ahLst/>
+              <a:cxnLst>
+                <a:cxn ang="0">
+                  <a:pos x="connsiteX0" y="connsiteY0"/>
+                </a:cxn>
+                <a:cxn ang="0">
+                  <a:pos x="connsiteX1" y="connsiteY1"/>
+                </a:cxn>
+                <a:cxn ang="0">
+                  <a:pos x="connsiteX2" y="connsiteY2"/>
+                </a:cxn>
+                <a:cxn ang="0">
+                  <a:pos x="connsiteX3" y="connsiteY3"/>
+                </a:cxn>
+              </a:cxnLst>
+              <a:rect l="l" t="t" r="r" b="b"/>
+              <a:pathLst>
+                <a:path w="221130" h="176131">
+                  <a:moveTo>
+                    <a:pt x="0" y="170250"/>
+                  </a:moveTo>
+                  <a:cubicBezTo>
+                    <a:pt x="24404" y="176724"/>
+                    <a:pt x="48808" y="183199"/>
+                    <a:pt x="71718" y="158297"/>
+                  </a:cubicBezTo>
+                  <a:cubicBezTo>
+                    <a:pt x="94628" y="133395"/>
+                    <a:pt x="112557" y="46737"/>
+                    <a:pt x="137459" y="20839"/>
+                  </a:cubicBezTo>
+                  <a:cubicBezTo>
+                    <a:pt x="162361" y="-5059"/>
+                    <a:pt x="191745" y="-1075"/>
+                    <a:pt x="221130" y="2909"/>
+                  </a:cubicBezTo>
+                </a:path>
+              </a:pathLst>
+            </a:custGeom>
+            <a:noFill/>
+            <a:ln w="19050"/>
+          </p:spPr>
+          <p:style>
+            <a:lnRef idx="2">
+              <a:schemeClr val="accent1">
+                <a:shade val="50000"/>
+              </a:schemeClr>
+            </a:lnRef>
+            <a:fillRef idx="1">
+              <a:schemeClr val="accent1"/>
+            </a:fillRef>
+            <a:effectRef idx="0">
+              <a:schemeClr val="accent1"/>
+            </a:effectRef>
+            <a:fontRef idx="minor">
+              <a:schemeClr val="lt1"/>
+            </a:fontRef>
+          </p:style>
+          <p:txBody>
+            <a:bodyPr rtlCol="0" anchor="ctr"/>
+            <a:lstStyle/>
+            <a:p>
+              <a:pPr algn="ctr"/>
+              <a:endParaRPr lang="en-GB"/>
+            </a:p>
+          </p:txBody>
+        </p:sp>
+        <p:sp>
+          <p:nvSpPr>
+            <p:cNvPr id="12" name="Oval 11"/>
+            <p:cNvSpPr/>
+            <p:nvPr/>
+          </p:nvSpPr>
+          <p:spPr>
+            <a:xfrm>
+              <a:off x="3694962" y="2623671"/>
+              <a:ext cx="361558" cy="361558"/>
+            </a:xfrm>
+            <a:prstGeom prst="ellipse">
+              <a:avLst/>
+            </a:prstGeom>
+            <a:noFill/>
+          </p:spPr>
+          <p:style>
+            <a:lnRef idx="2">
+              <a:schemeClr val="accent1">
+                <a:shade val="50000"/>
+              </a:schemeClr>
+            </a:lnRef>
+            <a:fillRef idx="1">
+              <a:schemeClr val="accent1"/>
+            </a:fillRef>
+            <a:effectRef idx="0">
+              <a:schemeClr val="accent1"/>
+            </a:effectRef>
+            <a:fontRef idx="minor">
+              <a:schemeClr val="lt1"/>
+            </a:fontRef>
+          </p:style>
+          <p:txBody>
+            <a:bodyPr rtlCol="0" anchor="ctr"/>
+            <a:lstStyle/>
+            <a:p>
+              <a:pPr algn="ctr"/>
+              <a:endParaRPr lang="en-GB"/>
+            </a:p>
+          </p:txBody>
+        </p:sp>
+      </p:grpSp>
+      <p:grpSp>
+        <p:nvGrpSpPr>
+          <p:cNvPr id="14" name="Group 13"/>
+          <p:cNvGrpSpPr/>
+          <p:nvPr/>
+        </p:nvGrpSpPr>
+        <p:grpSpPr>
+          <a:xfrm>
+            <a:off x="5997308" y="2608882"/>
+            <a:ext cx="361558" cy="361558"/>
+            <a:chOff x="3694962" y="2623671"/>
+            <a:chExt cx="361558" cy="361558"/>
+          </a:xfrm>
+        </p:grpSpPr>
+        <p:sp>
+          <p:nvSpPr>
+            <p:cNvPr id="15" name="Freeform 14"/>
+            <p:cNvSpPr/>
+            <p:nvPr/>
+          </p:nvSpPr>
+          <p:spPr>
+            <a:xfrm>
+              <a:off x="3765176" y="2716385"/>
+              <a:ext cx="221130" cy="176131"/>
+            </a:xfrm>
+            <a:custGeom>
+              <a:avLst/>
+              <a:gdLst>
+                <a:gd name="connsiteX0" fmla="*/ 0 w 221130"/>
+                <a:gd name="connsiteY0" fmla="*/ 170250 h 176131"/>
+                <a:gd name="connsiteX1" fmla="*/ 71718 w 221130"/>
+                <a:gd name="connsiteY1" fmla="*/ 158297 h 176131"/>
+                <a:gd name="connsiteX2" fmla="*/ 137459 w 221130"/>
+                <a:gd name="connsiteY2" fmla="*/ 20839 h 176131"/>
+                <a:gd name="connsiteX3" fmla="*/ 221130 w 221130"/>
+                <a:gd name="connsiteY3" fmla="*/ 2909 h 176131"/>
+              </a:gdLst>
+              <a:ahLst/>
+              <a:cxnLst>
+                <a:cxn ang="0">
+                  <a:pos x="connsiteX0" y="connsiteY0"/>
+                </a:cxn>
+                <a:cxn ang="0">
+                  <a:pos x="connsiteX1" y="connsiteY1"/>
+                </a:cxn>
+                <a:cxn ang="0">
+                  <a:pos x="connsiteX2" y="connsiteY2"/>
+                </a:cxn>
+                <a:cxn ang="0">
+                  <a:pos x="connsiteX3" y="connsiteY3"/>
+                </a:cxn>
+              </a:cxnLst>
+              <a:rect l="l" t="t" r="r" b="b"/>
+              <a:pathLst>
+                <a:path w="221130" h="176131">
+                  <a:moveTo>
+                    <a:pt x="0" y="170250"/>
+                  </a:moveTo>
+                  <a:cubicBezTo>
+                    <a:pt x="24404" y="176724"/>
+                    <a:pt x="48808" y="183199"/>
+                    <a:pt x="71718" y="158297"/>
+                  </a:cubicBezTo>
+                  <a:cubicBezTo>
+                    <a:pt x="94628" y="133395"/>
+                    <a:pt x="112557" y="46737"/>
+                    <a:pt x="137459" y="20839"/>
+                  </a:cubicBezTo>
+                  <a:cubicBezTo>
+                    <a:pt x="162361" y="-5059"/>
+                    <a:pt x="191745" y="-1075"/>
+                    <a:pt x="221130" y="2909"/>
+                  </a:cubicBezTo>
+                </a:path>
+              </a:pathLst>
+            </a:custGeom>
+            <a:noFill/>
+            <a:ln w="19050"/>
+          </p:spPr>
+          <p:style>
+            <a:lnRef idx="2">
+              <a:schemeClr val="accent1">
+                <a:shade val="50000"/>
+              </a:schemeClr>
+            </a:lnRef>
+            <a:fillRef idx="1">
+              <a:schemeClr val="accent1"/>
+            </a:fillRef>
+            <a:effectRef idx="0">
+              <a:schemeClr val="accent1"/>
+            </a:effectRef>
+            <a:fontRef idx="minor">
+              <a:schemeClr val="lt1"/>
+            </a:fontRef>
+          </p:style>
+          <p:txBody>
+            <a:bodyPr rtlCol="0" anchor="ctr"/>
+            <a:lstStyle/>
+            <a:p>
+              <a:pPr algn="ctr"/>
+              <a:endParaRPr lang="en-GB"/>
+            </a:p>
+          </p:txBody>
+        </p:sp>
+        <p:sp>
+          <p:nvSpPr>
+            <p:cNvPr id="16" name="Oval 15"/>
+            <p:cNvSpPr/>
+            <p:nvPr/>
+          </p:nvSpPr>
+          <p:spPr>
+            <a:xfrm>
+              <a:off x="3694962" y="2623671"/>
+              <a:ext cx="361558" cy="361558"/>
+            </a:xfrm>
+            <a:prstGeom prst="ellipse">
+              <a:avLst/>
+            </a:prstGeom>
+            <a:noFill/>
+          </p:spPr>
+          <p:style>
+            <a:lnRef idx="2">
+              <a:schemeClr val="accent1">
+                <a:shade val="50000"/>
+              </a:schemeClr>
+            </a:lnRef>
+            <a:fillRef idx="1">
+              <a:schemeClr val="accent1"/>
+            </a:fillRef>
+            <a:effectRef idx="0">
+              <a:schemeClr val="accent1"/>
+            </a:effectRef>
+            <a:fontRef idx="minor">
+              <a:schemeClr val="lt1"/>
+            </a:fontRef>
+          </p:style>
+          <p:txBody>
+            <a:bodyPr rtlCol="0" anchor="ctr"/>
+            <a:lstStyle/>
+            <a:p>
+              <a:pPr algn="ctr"/>
+              <a:endParaRPr lang="en-GB"/>
+            </a:p>
+          </p:txBody>
+        </p:sp>
+      </p:grpSp>
+      <p:grpSp>
+        <p:nvGrpSpPr>
+          <p:cNvPr id="21" name="Group 20"/>
+          <p:cNvGrpSpPr/>
+          <p:nvPr/>
+        </p:nvGrpSpPr>
+        <p:grpSpPr>
+          <a:xfrm>
+            <a:off x="4399534" y="1605329"/>
+            <a:ext cx="361558" cy="361558"/>
+            <a:chOff x="4399534" y="1605329"/>
+            <a:chExt cx="361558" cy="361558"/>
+          </a:xfrm>
+        </p:grpSpPr>
+        <p:sp>
+          <p:nvSpPr>
+            <p:cNvPr id="19" name="Oval 18"/>
+            <p:cNvSpPr/>
+            <p:nvPr/>
+          </p:nvSpPr>
+          <p:spPr>
+            <a:xfrm>
+              <a:off x="4399534" y="1605329"/>
+              <a:ext cx="361558" cy="361558"/>
+            </a:xfrm>
+            <a:prstGeom prst="ellipse">
+              <a:avLst/>
+            </a:prstGeom>
+            <a:noFill/>
+          </p:spPr>
+          <p:style>
+            <a:lnRef idx="2">
+              <a:schemeClr val="accent1">
+                <a:shade val="50000"/>
+              </a:schemeClr>
+            </a:lnRef>
+            <a:fillRef idx="1">
+              <a:schemeClr val="accent1"/>
+            </a:fillRef>
+            <a:effectRef idx="0">
+              <a:schemeClr val="accent1"/>
+            </a:effectRef>
+            <a:fontRef idx="minor">
+              <a:schemeClr val="lt1"/>
+            </a:fontRef>
+          </p:style>
+          <p:txBody>
+            <a:bodyPr rtlCol="0" anchor="ctr"/>
+            <a:lstStyle/>
+            <a:p>
+              <a:pPr algn="ctr"/>
+              <a:endParaRPr lang="en-GB"/>
+            </a:p>
+          </p:txBody>
+        </p:sp>
+        <mc:AlternateContent xmlns:mc="http://schemas.openxmlformats.org/markup-compatibility/2006">
+          <mc:Choice xmlns:a14="http://schemas.microsoft.com/office/drawing/2010/main" Requires="a14">
+            <p:sp>
+              <p:nvSpPr>
+                <p:cNvPr id="20" name="TextBox 19"/>
+                <p:cNvSpPr txBox="1"/>
+                <p:nvPr/>
+              </p:nvSpPr>
+              <p:spPr>
+                <a:xfrm>
+                  <a:off x="4485063" y="1662998"/>
+                  <a:ext cx="190501" cy="246221"/>
+                </a:xfrm>
+                <a:prstGeom prst="rect">
+                  <a:avLst/>
+                </a:prstGeom>
+                <a:noFill/>
+              </p:spPr>
+              <p:txBody>
+                <a:bodyPr wrap="none" lIns="0" tIns="0" rIns="0" bIns="0" rtlCol="0">
+                  <a:spAutoFit/>
+                </a:bodyPr>
+                <a:lstStyle/>
+                <a:p>
+                  <a14:m>
+                    <m:oMathPara xmlns:m="http://schemas.openxmlformats.org/officeDocument/2006/math">
+                      <m:oMathParaPr>
+                        <m:jc m:val="centerGroup"/>
+                      </m:oMathParaPr>
+                      <m:oMath xmlns:m="http://schemas.openxmlformats.org/officeDocument/2006/math">
+                        <m:sSub>
+                          <m:sSubPr>
+                            <m:ctrlPr>
+                              <a:rPr lang="en-GB" sz="1600" b="0" i="1" smtClean="0">
+                                <a:latin typeface="Cambria Math" panose="02040503050406030204" pitchFamily="18" charset="0"/>
+                              </a:rPr>
+                            </m:ctrlPr>
+                          </m:sSubPr>
+                          <m:e>
+                            <m:r>
+                              <a:rPr lang="en-GB" sz="1600" b="0" i="1" smtClean="0">
+                                <a:latin typeface="Cambria Math" panose="02040503050406030204" pitchFamily="18" charset="0"/>
+                              </a:rPr>
+                              <m:t>𝑖</m:t>
+                            </m:r>
+                          </m:e>
+                          <m:sub>
+                            <m:r>
+                              <a:rPr lang="en-GB" sz="1600" b="0" i="1" smtClean="0">
+                                <a:latin typeface="Cambria Math" panose="02040503050406030204" pitchFamily="18" charset="0"/>
+                              </a:rPr>
+                              <m:t>𝑡</m:t>
+                            </m:r>
+                          </m:sub>
+                        </m:sSub>
+                      </m:oMath>
+                    </m:oMathPara>
+                  </a14:m>
+                  <a:endParaRPr lang="en-GB" dirty="0"/>
+                </a:p>
+              </p:txBody>
+            </p:sp>
+          </mc:Choice>
+          <mc:Fallback>
+            <p:sp>
+              <p:nvSpPr>
+                <p:cNvPr id="20" name="TextBox 19"/>
+                <p:cNvSpPr txBox="1">
+                  <a:spLocks noRot="1" noChangeAspect="1" noMove="1" noResize="1" noEditPoints="1" noAdjustHandles="1" noChangeArrowheads="1" noChangeShapeType="1" noTextEdit="1"/>
+                </p:cNvSpPr>
+                <p:nvPr/>
+              </p:nvSpPr>
+              <p:spPr>
+                <a:xfrm>
+                  <a:off x="4485063" y="1662998"/>
+                  <a:ext cx="190501" cy="246221"/>
+                </a:xfrm>
+                <a:prstGeom prst="rect">
+                  <a:avLst/>
+                </a:prstGeom>
+                <a:blipFill>
+                  <a:blip r:embed="rId2"/>
+                  <a:stretch>
+                    <a:fillRect l="-25806" r="-6452" b="-15000"/>
+                  </a:stretch>
+                </a:blipFill>
+              </p:spPr>
+              <p:txBody>
+                <a:bodyPr/>
+                <a:lstStyle/>
+                <a:p>
+                  <a:r>
+                    <a:rPr lang="en-GB">
+                      <a:noFill/>
+                    </a:rPr>
+                    <a:t> </a:t>
+                  </a:r>
+                </a:p>
+              </p:txBody>
+            </p:sp>
+          </mc:Fallback>
+        </mc:AlternateContent>
+      </p:grpSp>
+      <p:grpSp>
+        <p:nvGrpSpPr>
+          <p:cNvPr id="22" name="Group 21"/>
+          <p:cNvGrpSpPr/>
+          <p:nvPr/>
+        </p:nvGrpSpPr>
+        <p:grpSpPr>
+          <a:xfrm>
+            <a:off x="5201712" y="3545424"/>
+            <a:ext cx="361558" cy="361558"/>
+            <a:chOff x="4399534" y="1605329"/>
+            <a:chExt cx="361558" cy="361558"/>
+          </a:xfrm>
+        </p:grpSpPr>
+        <p:sp>
+          <p:nvSpPr>
+            <p:cNvPr id="23" name="Oval 22"/>
+            <p:cNvSpPr/>
+            <p:nvPr/>
+          </p:nvSpPr>
+          <p:spPr>
+            <a:xfrm>
+              <a:off x="4399534" y="1605329"/>
+              <a:ext cx="361558" cy="361558"/>
+            </a:xfrm>
+            <a:prstGeom prst="ellipse">
+              <a:avLst/>
+            </a:prstGeom>
+            <a:noFill/>
+          </p:spPr>
+          <p:style>
+            <a:lnRef idx="2">
+              <a:schemeClr val="accent1">
+                <a:shade val="50000"/>
+              </a:schemeClr>
+            </a:lnRef>
+            <a:fillRef idx="1">
+              <a:schemeClr val="accent1"/>
+            </a:fillRef>
+            <a:effectRef idx="0">
+              <a:schemeClr val="accent1"/>
+            </a:effectRef>
+            <a:fontRef idx="minor">
+              <a:schemeClr val="lt1"/>
+            </a:fontRef>
+          </p:style>
+          <p:txBody>
+            <a:bodyPr rtlCol="0" anchor="ctr"/>
+            <a:lstStyle/>
+            <a:p>
+              <a:pPr algn="ctr"/>
+              <a:endParaRPr lang="en-GB"/>
+            </a:p>
+          </p:txBody>
+        </p:sp>
+        <mc:AlternateContent xmlns:mc="http://schemas.openxmlformats.org/markup-compatibility/2006">
+          <mc:Choice xmlns:a14="http://schemas.microsoft.com/office/drawing/2010/main" Requires="a14">
+            <p:sp>
+              <p:nvSpPr>
+                <p:cNvPr id="24" name="TextBox 23"/>
+                <p:cNvSpPr txBox="1"/>
+                <p:nvPr/>
+              </p:nvSpPr>
+              <p:spPr>
+                <a:xfrm>
+                  <a:off x="4485063" y="1662998"/>
+                  <a:ext cx="190501" cy="246221"/>
+                </a:xfrm>
+                <a:prstGeom prst="rect">
+                  <a:avLst/>
+                </a:prstGeom>
+                <a:noFill/>
+              </p:spPr>
+              <p:txBody>
+                <a:bodyPr wrap="none" lIns="0" tIns="0" rIns="0" bIns="0" rtlCol="0">
+                  <a:spAutoFit/>
+                </a:bodyPr>
+                <a:lstStyle/>
+                <a:p>
+                  <a14:m>
+                    <m:oMathPara xmlns:m="http://schemas.openxmlformats.org/officeDocument/2006/math">
+                      <m:oMathParaPr>
+                        <m:jc m:val="centerGroup"/>
+                      </m:oMathParaPr>
+                      <m:oMath xmlns:m="http://schemas.openxmlformats.org/officeDocument/2006/math">
+                        <m:sSub>
+                          <m:sSubPr>
+                            <m:ctrlPr>
+                              <a:rPr lang="en-GB" sz="1600" b="0" i="1" smtClean="0">
+                                <a:latin typeface="Cambria Math" panose="02040503050406030204" pitchFamily="18" charset="0"/>
+                              </a:rPr>
+                            </m:ctrlPr>
+                          </m:sSubPr>
+                          <m:e>
+                            <m:r>
+                              <a:rPr lang="en-GB" sz="1600" b="0" i="1" smtClean="0">
+                                <a:latin typeface="Cambria Math" panose="02040503050406030204" pitchFamily="18" charset="0"/>
+                              </a:rPr>
+                              <m:t>𝑖</m:t>
+                            </m:r>
+                          </m:e>
+                          <m:sub>
+                            <m:r>
+                              <a:rPr lang="en-GB" sz="1600" b="0" i="1" smtClean="0">
+                                <a:latin typeface="Cambria Math" panose="02040503050406030204" pitchFamily="18" charset="0"/>
+                              </a:rPr>
+                              <m:t>𝑡</m:t>
+                            </m:r>
+                          </m:sub>
+                        </m:sSub>
+                      </m:oMath>
+                    </m:oMathPara>
+                  </a14:m>
+                  <a:endParaRPr lang="en-GB" dirty="0"/>
+                </a:p>
+              </p:txBody>
+            </p:sp>
+          </mc:Choice>
+          <mc:Fallback>
+            <p:sp>
+              <p:nvSpPr>
+                <p:cNvPr id="24" name="TextBox 23"/>
+                <p:cNvSpPr txBox="1">
+                  <a:spLocks noRot="1" noChangeAspect="1" noMove="1" noResize="1" noEditPoints="1" noAdjustHandles="1" noChangeArrowheads="1" noChangeShapeType="1" noTextEdit="1"/>
+                </p:cNvSpPr>
+                <p:nvPr/>
+              </p:nvSpPr>
+              <p:spPr>
+                <a:xfrm>
+                  <a:off x="4485063" y="1662998"/>
+                  <a:ext cx="190501" cy="246221"/>
+                </a:xfrm>
+                <a:prstGeom prst="rect">
+                  <a:avLst/>
+                </a:prstGeom>
+                <a:blipFill>
+                  <a:blip r:embed="rId3"/>
+                  <a:stretch>
+                    <a:fillRect l="-21875" r="-3125" b="-15000"/>
+                  </a:stretch>
+                </a:blipFill>
+              </p:spPr>
+              <p:txBody>
+                <a:bodyPr/>
+                <a:lstStyle/>
+                <a:p>
+                  <a:r>
+                    <a:rPr lang="en-GB">
+                      <a:noFill/>
+                    </a:rPr>
+                    <a:t> </a:t>
+                  </a:r>
+                </a:p>
+              </p:txBody>
+            </p:sp>
+          </mc:Fallback>
+        </mc:AlternateContent>
+      </p:grpSp>
+      <p:grpSp>
+        <p:nvGrpSpPr>
+          <p:cNvPr id="25" name="Group 24"/>
+          <p:cNvGrpSpPr/>
+          <p:nvPr/>
+        </p:nvGrpSpPr>
+        <p:grpSpPr>
+          <a:xfrm>
+            <a:off x="6720886" y="1605329"/>
+            <a:ext cx="361558" cy="361558"/>
+            <a:chOff x="4399534" y="1605329"/>
+            <a:chExt cx="361558" cy="361558"/>
+          </a:xfrm>
+        </p:grpSpPr>
+        <p:sp>
+          <p:nvSpPr>
+            <p:cNvPr id="26" name="Oval 25"/>
+            <p:cNvSpPr/>
+            <p:nvPr/>
+          </p:nvSpPr>
+          <p:spPr>
+            <a:xfrm>
+              <a:off x="4399534" y="1605329"/>
+              <a:ext cx="361558" cy="361558"/>
+            </a:xfrm>
+            <a:prstGeom prst="ellipse">
+              <a:avLst/>
+            </a:prstGeom>
+            <a:noFill/>
+          </p:spPr>
+          <p:style>
+            <a:lnRef idx="2">
+              <a:schemeClr val="accent1">
+                <a:shade val="50000"/>
+              </a:schemeClr>
+            </a:lnRef>
+            <a:fillRef idx="1">
+              <a:schemeClr val="accent1"/>
+            </a:fillRef>
+            <a:effectRef idx="0">
+              <a:schemeClr val="accent1"/>
+            </a:effectRef>
+            <a:fontRef idx="minor">
+              <a:schemeClr val="lt1"/>
+            </a:fontRef>
+          </p:style>
+          <p:txBody>
+            <a:bodyPr rtlCol="0" anchor="ctr"/>
+            <a:lstStyle/>
+            <a:p>
+              <a:pPr algn="ctr"/>
+              <a:endParaRPr lang="en-GB"/>
+            </a:p>
+          </p:txBody>
+        </p:sp>
+        <mc:AlternateContent xmlns:mc="http://schemas.openxmlformats.org/markup-compatibility/2006">
+          <mc:Choice xmlns:a14="http://schemas.microsoft.com/office/drawing/2010/main" Requires="a14">
+            <p:sp>
+              <p:nvSpPr>
+                <p:cNvPr id="27" name="TextBox 26"/>
+                <p:cNvSpPr txBox="1"/>
+                <p:nvPr/>
+              </p:nvSpPr>
+              <p:spPr>
+                <a:xfrm>
+                  <a:off x="4485063" y="1662998"/>
+                  <a:ext cx="190501" cy="246221"/>
+                </a:xfrm>
+                <a:prstGeom prst="rect">
+                  <a:avLst/>
+                </a:prstGeom>
+                <a:noFill/>
+              </p:spPr>
+              <p:txBody>
+                <a:bodyPr wrap="none" lIns="0" tIns="0" rIns="0" bIns="0" rtlCol="0">
+                  <a:spAutoFit/>
+                </a:bodyPr>
+                <a:lstStyle/>
+                <a:p>
+                  <a14:m>
+                    <m:oMathPara xmlns:m="http://schemas.openxmlformats.org/officeDocument/2006/math">
+                      <m:oMathParaPr>
+                        <m:jc m:val="centerGroup"/>
+                      </m:oMathParaPr>
+                      <m:oMath xmlns:m="http://schemas.openxmlformats.org/officeDocument/2006/math">
+                        <m:sSub>
+                          <m:sSubPr>
+                            <m:ctrlPr>
+                              <a:rPr lang="en-GB" sz="1600" b="0" i="1" smtClean="0">
+                                <a:latin typeface="Cambria Math" panose="02040503050406030204" pitchFamily="18" charset="0"/>
+                              </a:rPr>
+                            </m:ctrlPr>
+                          </m:sSubPr>
+                          <m:e>
+                            <m:r>
+                              <a:rPr lang="en-GB" sz="1600" b="0" i="1" smtClean="0">
+                                <a:latin typeface="Cambria Math" panose="02040503050406030204" pitchFamily="18" charset="0"/>
+                              </a:rPr>
+                              <m:t>𝑖</m:t>
+                            </m:r>
+                          </m:e>
+                          <m:sub>
+                            <m:r>
+                              <a:rPr lang="en-GB" sz="1600" b="0" i="1" smtClean="0">
+                                <a:latin typeface="Cambria Math" panose="02040503050406030204" pitchFamily="18" charset="0"/>
+                              </a:rPr>
+                              <m:t>𝑡</m:t>
+                            </m:r>
+                          </m:sub>
+                        </m:sSub>
+                      </m:oMath>
+                    </m:oMathPara>
+                  </a14:m>
+                  <a:endParaRPr lang="en-GB" dirty="0"/>
+                </a:p>
+              </p:txBody>
+            </p:sp>
+          </mc:Choice>
+          <mc:Fallback>
+            <p:sp>
+              <p:nvSpPr>
+                <p:cNvPr id="27" name="TextBox 26"/>
+                <p:cNvSpPr txBox="1">
+                  <a:spLocks noRot="1" noChangeAspect="1" noMove="1" noResize="1" noEditPoints="1" noAdjustHandles="1" noChangeArrowheads="1" noChangeShapeType="1" noTextEdit="1"/>
+                </p:cNvSpPr>
+                <p:nvPr/>
+              </p:nvSpPr>
+              <p:spPr>
+                <a:xfrm>
+                  <a:off x="4485063" y="1662998"/>
+                  <a:ext cx="190501" cy="246221"/>
+                </a:xfrm>
+                <a:prstGeom prst="rect">
+                  <a:avLst/>
+                </a:prstGeom>
+                <a:blipFill>
+                  <a:blip r:embed="rId4"/>
+                  <a:stretch>
+                    <a:fillRect l="-25806" r="-6452" b="-15000"/>
+                  </a:stretch>
+                </a:blipFill>
+              </p:spPr>
+              <p:txBody>
+                <a:bodyPr/>
+                <a:lstStyle/>
+                <a:p>
+                  <a:r>
+                    <a:rPr lang="en-GB">
+                      <a:noFill/>
+                    </a:rPr>
+                    <a:t> </a:t>
+                  </a:r>
+                </a:p>
+              </p:txBody>
+            </p:sp>
+          </mc:Fallback>
+        </mc:AlternateContent>
+      </p:grpSp>
+      <mc:AlternateContent xmlns:mc="http://schemas.openxmlformats.org/markup-compatibility/2006">
+        <mc:Choice xmlns:a14="http://schemas.microsoft.com/office/drawing/2010/main" Requires="a14">
+          <p:sp>
+            <p:nvSpPr>
+              <p:cNvPr id="30" name="TextBox 29"/>
+              <p:cNvSpPr txBox="1"/>
+              <p:nvPr/>
+            </p:nvSpPr>
+            <p:spPr>
+              <a:xfrm>
+                <a:off x="3142629" y="2892515"/>
+                <a:ext cx="231794" cy="246221"/>
+              </a:xfrm>
+              <a:prstGeom prst="rect">
+                <a:avLst/>
+              </a:prstGeom>
+              <a:noFill/>
+            </p:spPr>
+            <p:txBody>
+              <a:bodyPr wrap="none" lIns="0" tIns="0" rIns="0" bIns="0" rtlCol="0">
+                <a:spAutoFit/>
+              </a:bodyPr>
+              <a:lstStyle/>
+              <a:p>
+                <a14:m>
+                  <m:oMathPara xmlns:m="http://schemas.openxmlformats.org/officeDocument/2006/math">
+                    <m:oMathParaPr>
+                      <m:jc m:val="centerGroup"/>
+                    </m:oMathParaPr>
+                    <m:oMath xmlns:m="http://schemas.openxmlformats.org/officeDocument/2006/math">
+                      <m:sSub>
+                        <m:sSubPr>
+                          <m:ctrlPr>
+                            <a:rPr lang="en-GB" sz="1600" b="0" i="1" smtClean="0">
+                              <a:latin typeface="Cambria Math" panose="02040503050406030204" pitchFamily="18" charset="0"/>
+                            </a:rPr>
+                          </m:ctrlPr>
+                        </m:sSubPr>
+                        <m:e>
+                          <m:r>
+                            <a:rPr lang="en-GB" sz="1600" b="0" i="1" smtClean="0">
+                              <a:latin typeface="Cambria Math" panose="02040503050406030204" pitchFamily="18" charset="0"/>
+                            </a:rPr>
+                            <m:t>𝑥</m:t>
+                          </m:r>
+                        </m:e>
+                        <m:sub>
+                          <m:r>
+                            <a:rPr lang="en-GB" sz="1600" b="0" i="1" smtClean="0">
+                              <a:latin typeface="Cambria Math" panose="02040503050406030204" pitchFamily="18" charset="0"/>
+                            </a:rPr>
+                            <m:t>𝑡</m:t>
+                          </m:r>
+                        </m:sub>
+                      </m:sSub>
+                    </m:oMath>
+                  </m:oMathPara>
+                </a14:m>
+                <a:endParaRPr lang="en-GB" dirty="0"/>
+              </a:p>
+            </p:txBody>
+          </p:sp>
+        </mc:Choice>
+        <mc:Fallback>
+          <p:sp>
+            <p:nvSpPr>
+              <p:cNvPr id="30" name="TextBox 29"/>
+              <p:cNvSpPr txBox="1">
+                <a:spLocks noRot="1" noChangeAspect="1" noMove="1" noResize="1" noEditPoints="1" noAdjustHandles="1" noChangeArrowheads="1" noChangeShapeType="1" noTextEdit="1"/>
+              </p:cNvSpPr>
+              <p:nvPr/>
+            </p:nvSpPr>
+            <p:spPr>
+              <a:xfrm>
+                <a:off x="3142629" y="2892515"/>
+                <a:ext cx="231794" cy="246221"/>
+              </a:xfrm>
+              <a:prstGeom prst="rect">
+                <a:avLst/>
+              </a:prstGeom>
+              <a:blipFill>
+                <a:blip r:embed="rId5"/>
+                <a:stretch>
+                  <a:fillRect l="-13158" r="-7895" b="-12195"/>
+                </a:stretch>
+              </a:blipFill>
+            </p:spPr>
+            <p:txBody>
+              <a:bodyPr/>
+              <a:lstStyle/>
+              <a:p>
+                <a:r>
+                  <a:rPr lang="en-GB">
+                    <a:noFill/>
+                  </a:rPr>
+                  <a:t> </a:t>
+                </a:r>
+              </a:p>
+            </p:txBody>
+          </p:sp>
+        </mc:Fallback>
+      </mc:AlternateContent>
+      <mc:AlternateContent xmlns:mc="http://schemas.openxmlformats.org/markup-compatibility/2006">
+        <mc:Choice xmlns:a14="http://schemas.microsoft.com/office/drawing/2010/main" Requires="a14">
+          <p:sp>
+            <p:nvSpPr>
+              <p:cNvPr id="31" name="TextBox 30"/>
+              <p:cNvSpPr txBox="1"/>
+              <p:nvPr/>
+            </p:nvSpPr>
+            <p:spPr>
+              <a:xfrm>
+                <a:off x="3152323" y="2455375"/>
+                <a:ext cx="238590" cy="246221"/>
+              </a:xfrm>
+              <a:prstGeom prst="rect">
+                <a:avLst/>
+              </a:prstGeom>
+              <a:noFill/>
+            </p:spPr>
+            <p:txBody>
+              <a:bodyPr wrap="none" lIns="0" tIns="0" rIns="0" bIns="0" rtlCol="0">
+                <a:spAutoFit/>
+              </a:bodyPr>
+              <a:lstStyle/>
+              <a:p>
+                <a14:m>
+                  <m:oMathPara xmlns:m="http://schemas.openxmlformats.org/officeDocument/2006/math">
+                    <m:oMathParaPr>
+                      <m:jc m:val="centerGroup"/>
+                    </m:oMathParaPr>
+                    <m:oMath xmlns:m="http://schemas.openxmlformats.org/officeDocument/2006/math">
+                      <m:sSub>
+                        <m:sSubPr>
+                          <m:ctrlPr>
+                            <a:rPr lang="en-GB" sz="1600" b="0" i="1" smtClean="0">
+                              <a:latin typeface="Cambria Math" panose="02040503050406030204" pitchFamily="18" charset="0"/>
+                            </a:rPr>
+                          </m:ctrlPr>
+                        </m:sSubPr>
+                        <m:e>
+                          <m:r>
+                            <a:rPr lang="en-GB" sz="1600" b="0" i="1" smtClean="0">
+                              <a:latin typeface="Cambria Math" panose="02040503050406030204" pitchFamily="18" charset="0"/>
+                            </a:rPr>
+                            <m:t>h</m:t>
+                          </m:r>
+                        </m:e>
+                        <m:sub>
+                          <m:r>
+                            <a:rPr lang="en-GB" sz="1600" b="0" i="1" smtClean="0">
+                              <a:latin typeface="Cambria Math" panose="02040503050406030204" pitchFamily="18" charset="0"/>
+                            </a:rPr>
+                            <m:t>𝑡</m:t>
+                          </m:r>
+                        </m:sub>
+                      </m:sSub>
+                    </m:oMath>
+                  </m:oMathPara>
+                </a14:m>
+                <a:endParaRPr lang="en-GB" dirty="0"/>
+              </a:p>
+            </p:txBody>
+          </p:sp>
+        </mc:Choice>
+        <mc:Fallback>
+          <p:sp>
+            <p:nvSpPr>
+              <p:cNvPr id="31" name="TextBox 30"/>
+              <p:cNvSpPr txBox="1">
+                <a:spLocks noRot="1" noChangeAspect="1" noMove="1" noResize="1" noEditPoints="1" noAdjustHandles="1" noChangeArrowheads="1" noChangeShapeType="1" noTextEdit="1"/>
+              </p:cNvSpPr>
+              <p:nvPr/>
+            </p:nvSpPr>
+            <p:spPr>
+              <a:xfrm>
+                <a:off x="3152323" y="2455375"/>
+                <a:ext cx="238590" cy="246221"/>
+              </a:xfrm>
+              <a:prstGeom prst="rect">
+                <a:avLst/>
+              </a:prstGeom>
+              <a:blipFill>
+                <a:blip r:embed="rId6"/>
+                <a:stretch>
+                  <a:fillRect l="-20513" r="-5128" b="-15000"/>
+                </a:stretch>
+              </a:blipFill>
+            </p:spPr>
+            <p:txBody>
+              <a:bodyPr/>
+              <a:lstStyle/>
+              <a:p>
+                <a:r>
+                  <a:rPr lang="en-GB">
+                    <a:noFill/>
+                  </a:rPr>
+                  <a:t> </a:t>
+                </a:r>
+              </a:p>
+            </p:txBody>
+          </p:sp>
+        </mc:Fallback>
+      </mc:AlternateContent>
+      <mc:AlternateContent xmlns:mc="http://schemas.openxmlformats.org/markup-compatibility/2006">
+        <mc:Choice xmlns:a14="http://schemas.microsoft.com/office/drawing/2010/main" Requires="a14">
+          <p:sp>
+            <p:nvSpPr>
+              <p:cNvPr id="32" name="TextBox 31"/>
+              <p:cNvSpPr txBox="1"/>
+              <p:nvPr/>
+            </p:nvSpPr>
+            <p:spPr>
+              <a:xfrm>
+                <a:off x="5129694" y="4163244"/>
+                <a:ext cx="231794" cy="246221"/>
+              </a:xfrm>
+              <a:prstGeom prst="rect">
+                <a:avLst/>
+              </a:prstGeom>
+              <a:noFill/>
+            </p:spPr>
+            <p:txBody>
+              <a:bodyPr wrap="none" lIns="0" tIns="0" rIns="0" bIns="0" rtlCol="0">
+                <a:spAutoFit/>
+              </a:bodyPr>
+              <a:lstStyle/>
+              <a:p>
+                <a14:m>
+                  <m:oMathPara xmlns:m="http://schemas.openxmlformats.org/officeDocument/2006/math">
+                    <m:oMathParaPr>
+                      <m:jc m:val="centerGroup"/>
+                    </m:oMathParaPr>
+                    <m:oMath xmlns:m="http://schemas.openxmlformats.org/officeDocument/2006/math">
+                      <m:sSub>
+                        <m:sSubPr>
+                          <m:ctrlPr>
+                            <a:rPr lang="en-GB" sz="1600" b="0" i="1" smtClean="0">
+                              <a:latin typeface="Cambria Math" panose="02040503050406030204" pitchFamily="18" charset="0"/>
+                            </a:rPr>
+                          </m:ctrlPr>
+                        </m:sSubPr>
+                        <m:e>
+                          <m:r>
+                            <a:rPr lang="en-GB" sz="1600" b="0" i="1" smtClean="0">
+                              <a:latin typeface="Cambria Math" panose="02040503050406030204" pitchFamily="18" charset="0"/>
+                            </a:rPr>
+                            <m:t>𝑥</m:t>
+                          </m:r>
+                        </m:e>
+                        <m:sub>
+                          <m:r>
+                            <a:rPr lang="en-GB" sz="1600" b="0" i="1" smtClean="0">
+                              <a:latin typeface="Cambria Math" panose="02040503050406030204" pitchFamily="18" charset="0"/>
+                            </a:rPr>
+                            <m:t>𝑡</m:t>
+                          </m:r>
+                        </m:sub>
+                      </m:sSub>
+                    </m:oMath>
+                  </m:oMathPara>
+                </a14:m>
+                <a:endParaRPr lang="en-GB" dirty="0"/>
+              </a:p>
+            </p:txBody>
+          </p:sp>
+        </mc:Choice>
+        <mc:Fallback>
+          <p:sp>
+            <p:nvSpPr>
+              <p:cNvPr id="32" name="TextBox 31"/>
+              <p:cNvSpPr txBox="1">
+                <a:spLocks noRot="1" noChangeAspect="1" noMove="1" noResize="1" noEditPoints="1" noAdjustHandles="1" noChangeArrowheads="1" noChangeShapeType="1" noTextEdit="1"/>
+              </p:cNvSpPr>
+              <p:nvPr/>
+            </p:nvSpPr>
+            <p:spPr>
+              <a:xfrm>
+                <a:off x="5129694" y="4163244"/>
+                <a:ext cx="231794" cy="246221"/>
+              </a:xfrm>
+              <a:prstGeom prst="rect">
+                <a:avLst/>
+              </a:prstGeom>
+              <a:blipFill>
+                <a:blip r:embed="rId7"/>
+                <a:stretch>
+                  <a:fillRect l="-10256" r="-5128" b="-15000"/>
+                </a:stretch>
+              </a:blipFill>
+            </p:spPr>
+            <p:txBody>
+              <a:bodyPr/>
+              <a:lstStyle/>
+              <a:p>
+                <a:r>
+                  <a:rPr lang="en-GB">
+                    <a:noFill/>
+                  </a:rPr>
+                  <a:t> </a:t>
+                </a:r>
+              </a:p>
+            </p:txBody>
+          </p:sp>
+        </mc:Fallback>
+      </mc:AlternateContent>
+      <mc:AlternateContent xmlns:mc="http://schemas.openxmlformats.org/markup-compatibility/2006">
+        <mc:Choice xmlns:a14="http://schemas.microsoft.com/office/drawing/2010/main" Requires="a14">
+          <p:sp>
+            <p:nvSpPr>
+              <p:cNvPr id="33" name="TextBox 32"/>
+              <p:cNvSpPr txBox="1"/>
+              <p:nvPr/>
+            </p:nvSpPr>
+            <p:spPr>
+              <a:xfrm>
+                <a:off x="5434611" y="4163727"/>
+                <a:ext cx="238590" cy="246221"/>
+              </a:xfrm>
+              <a:prstGeom prst="rect">
+                <a:avLst/>
+              </a:prstGeom>
+              <a:noFill/>
+            </p:spPr>
+            <p:txBody>
+              <a:bodyPr wrap="none" lIns="0" tIns="0" rIns="0" bIns="0" rtlCol="0">
+                <a:spAutoFit/>
+              </a:bodyPr>
+              <a:lstStyle/>
+              <a:p>
+                <a14:m>
+                  <m:oMathPara xmlns:m="http://schemas.openxmlformats.org/officeDocument/2006/math">
+                    <m:oMathParaPr>
+                      <m:jc m:val="centerGroup"/>
+                    </m:oMathParaPr>
+                    <m:oMath xmlns:m="http://schemas.openxmlformats.org/officeDocument/2006/math">
+                      <m:sSub>
+                        <m:sSubPr>
+                          <m:ctrlPr>
+                            <a:rPr lang="en-GB" sz="1600" b="0" i="1" smtClean="0">
+                              <a:latin typeface="Cambria Math" panose="02040503050406030204" pitchFamily="18" charset="0"/>
+                            </a:rPr>
+                          </m:ctrlPr>
+                        </m:sSubPr>
+                        <m:e>
+                          <m:r>
+                            <a:rPr lang="en-GB" sz="1600" b="0" i="1" smtClean="0">
+                              <a:latin typeface="Cambria Math" panose="02040503050406030204" pitchFamily="18" charset="0"/>
+                            </a:rPr>
+                            <m:t>h</m:t>
+                          </m:r>
+                        </m:e>
+                        <m:sub>
+                          <m:r>
+                            <a:rPr lang="en-GB" sz="1600" b="0" i="1" smtClean="0">
+                              <a:latin typeface="Cambria Math" panose="02040503050406030204" pitchFamily="18" charset="0"/>
+                            </a:rPr>
+                            <m:t>𝑡</m:t>
+                          </m:r>
+                        </m:sub>
+                      </m:sSub>
+                    </m:oMath>
+                  </m:oMathPara>
+                </a14:m>
+                <a:endParaRPr lang="en-GB" dirty="0"/>
+              </a:p>
+            </p:txBody>
+          </p:sp>
+        </mc:Choice>
+        <mc:Fallback>
+          <p:sp>
+            <p:nvSpPr>
+              <p:cNvPr id="33" name="TextBox 32"/>
+              <p:cNvSpPr txBox="1">
+                <a:spLocks noRot="1" noChangeAspect="1" noMove="1" noResize="1" noEditPoints="1" noAdjustHandles="1" noChangeArrowheads="1" noChangeShapeType="1" noTextEdit="1"/>
+              </p:cNvSpPr>
+              <p:nvPr/>
+            </p:nvSpPr>
+            <p:spPr>
+              <a:xfrm>
+                <a:off x="5434611" y="4163727"/>
+                <a:ext cx="238590" cy="246221"/>
+              </a:xfrm>
+              <a:prstGeom prst="rect">
+                <a:avLst/>
+              </a:prstGeom>
+              <a:blipFill>
+                <a:blip r:embed="rId8"/>
+                <a:stretch>
+                  <a:fillRect l="-20513" r="-5128" b="-15000"/>
+                </a:stretch>
+              </a:blipFill>
+            </p:spPr>
+            <p:txBody>
+              <a:bodyPr/>
+              <a:lstStyle/>
+              <a:p>
+                <a:r>
+                  <a:rPr lang="en-GB">
+                    <a:noFill/>
+                  </a:rPr>
+                  <a:t> </a:t>
+                </a:r>
+              </a:p>
+            </p:txBody>
+          </p:sp>
+        </mc:Fallback>
+      </mc:AlternateContent>
+      <mc:AlternateContent xmlns:mc="http://schemas.openxmlformats.org/markup-compatibility/2006">
+        <mc:Choice xmlns:a14="http://schemas.microsoft.com/office/drawing/2010/main" Requires="a14">
+          <p:sp>
+            <p:nvSpPr>
+              <p:cNvPr id="34" name="TextBox 33"/>
+              <p:cNvSpPr txBox="1"/>
+              <p:nvPr/>
+            </p:nvSpPr>
+            <p:spPr>
+              <a:xfrm>
+                <a:off x="4336880" y="986111"/>
+                <a:ext cx="231794" cy="246221"/>
+              </a:xfrm>
+              <a:prstGeom prst="rect">
+                <a:avLst/>
+              </a:prstGeom>
+              <a:noFill/>
+            </p:spPr>
+            <p:txBody>
+              <a:bodyPr wrap="none" lIns="0" tIns="0" rIns="0" bIns="0" rtlCol="0">
+                <a:spAutoFit/>
+              </a:bodyPr>
+              <a:lstStyle/>
+              <a:p>
+                <a14:m>
+                  <m:oMathPara xmlns:m="http://schemas.openxmlformats.org/officeDocument/2006/math">
+                    <m:oMathParaPr>
+                      <m:jc m:val="centerGroup"/>
+                    </m:oMathParaPr>
+                    <m:oMath xmlns:m="http://schemas.openxmlformats.org/officeDocument/2006/math">
+                      <m:sSub>
+                        <m:sSubPr>
+                          <m:ctrlPr>
+                            <a:rPr lang="en-GB" sz="1600" b="0" i="1" smtClean="0">
+                              <a:latin typeface="Cambria Math" panose="02040503050406030204" pitchFamily="18" charset="0"/>
+                            </a:rPr>
+                          </m:ctrlPr>
+                        </m:sSubPr>
+                        <m:e>
+                          <m:r>
+                            <a:rPr lang="en-GB" sz="1600" b="0" i="1" smtClean="0">
+                              <a:latin typeface="Cambria Math" panose="02040503050406030204" pitchFamily="18" charset="0"/>
+                            </a:rPr>
+                            <m:t>𝑥</m:t>
+                          </m:r>
+                        </m:e>
+                        <m:sub>
+                          <m:r>
+                            <a:rPr lang="en-GB" sz="1600" b="0" i="1" smtClean="0">
+                              <a:latin typeface="Cambria Math" panose="02040503050406030204" pitchFamily="18" charset="0"/>
+                            </a:rPr>
+                            <m:t>𝑡</m:t>
+                          </m:r>
+                        </m:sub>
+                      </m:sSub>
+                    </m:oMath>
+                  </m:oMathPara>
+                </a14:m>
+                <a:endParaRPr lang="en-GB" dirty="0"/>
+              </a:p>
+            </p:txBody>
+          </p:sp>
+        </mc:Choice>
+        <mc:Fallback>
+          <p:sp>
+            <p:nvSpPr>
+              <p:cNvPr id="34" name="TextBox 33"/>
+              <p:cNvSpPr txBox="1">
+                <a:spLocks noRot="1" noChangeAspect="1" noMove="1" noResize="1" noEditPoints="1" noAdjustHandles="1" noChangeArrowheads="1" noChangeShapeType="1" noTextEdit="1"/>
+              </p:cNvSpPr>
+              <p:nvPr/>
+            </p:nvSpPr>
+            <p:spPr>
+              <a:xfrm>
+                <a:off x="4336880" y="986111"/>
+                <a:ext cx="231794" cy="246221"/>
+              </a:xfrm>
+              <a:prstGeom prst="rect">
+                <a:avLst/>
+              </a:prstGeom>
+              <a:blipFill>
+                <a:blip r:embed="rId9"/>
+                <a:stretch>
+                  <a:fillRect l="-10526" r="-7895" b="-15000"/>
+                </a:stretch>
+              </a:blipFill>
+            </p:spPr>
+            <p:txBody>
+              <a:bodyPr/>
+              <a:lstStyle/>
+              <a:p>
+                <a:r>
+                  <a:rPr lang="en-GB">
+                    <a:noFill/>
+                  </a:rPr>
+                  <a:t> </a:t>
+                </a:r>
+              </a:p>
+            </p:txBody>
+          </p:sp>
+        </mc:Fallback>
+      </mc:AlternateContent>
+      <mc:AlternateContent xmlns:mc="http://schemas.openxmlformats.org/markup-compatibility/2006">
+        <mc:Choice xmlns:a14="http://schemas.microsoft.com/office/drawing/2010/main" Requires="a14">
+          <p:sp>
+            <p:nvSpPr>
+              <p:cNvPr id="35" name="TextBox 34"/>
+              <p:cNvSpPr txBox="1"/>
+              <p:nvPr/>
+            </p:nvSpPr>
+            <p:spPr>
+              <a:xfrm>
+                <a:off x="4641797" y="986594"/>
+                <a:ext cx="238590" cy="246221"/>
+              </a:xfrm>
+              <a:prstGeom prst="rect">
+                <a:avLst/>
+              </a:prstGeom>
+              <a:noFill/>
+            </p:spPr>
+            <p:txBody>
+              <a:bodyPr wrap="none" lIns="0" tIns="0" rIns="0" bIns="0" rtlCol="0">
+                <a:spAutoFit/>
+              </a:bodyPr>
+              <a:lstStyle/>
+              <a:p>
+                <a14:m>
+                  <m:oMathPara xmlns:m="http://schemas.openxmlformats.org/officeDocument/2006/math">
+                    <m:oMathParaPr>
+                      <m:jc m:val="centerGroup"/>
+                    </m:oMathParaPr>
+                    <m:oMath xmlns:m="http://schemas.openxmlformats.org/officeDocument/2006/math">
+                      <m:sSub>
+                        <m:sSubPr>
+                          <m:ctrlPr>
+                            <a:rPr lang="en-GB" sz="1600" b="0" i="1" smtClean="0">
+                              <a:latin typeface="Cambria Math" panose="02040503050406030204" pitchFamily="18" charset="0"/>
+                            </a:rPr>
+                          </m:ctrlPr>
+                        </m:sSubPr>
+                        <m:e>
+                          <m:r>
+                            <a:rPr lang="en-GB" sz="1600" b="0" i="1" smtClean="0">
+                              <a:latin typeface="Cambria Math" panose="02040503050406030204" pitchFamily="18" charset="0"/>
+                            </a:rPr>
+                            <m:t>h</m:t>
+                          </m:r>
+                        </m:e>
+                        <m:sub>
+                          <m:r>
+                            <a:rPr lang="en-GB" sz="1600" b="0" i="1" smtClean="0">
+                              <a:latin typeface="Cambria Math" panose="02040503050406030204" pitchFamily="18" charset="0"/>
+                            </a:rPr>
+                            <m:t>𝑡</m:t>
+                          </m:r>
+                        </m:sub>
+                      </m:sSub>
+                    </m:oMath>
+                  </m:oMathPara>
+                </a14:m>
+                <a:endParaRPr lang="en-GB" dirty="0"/>
+              </a:p>
+            </p:txBody>
+          </p:sp>
+        </mc:Choice>
+        <mc:Fallback>
+          <p:sp>
+            <p:nvSpPr>
+              <p:cNvPr id="35" name="TextBox 34"/>
+              <p:cNvSpPr txBox="1">
+                <a:spLocks noRot="1" noChangeAspect="1" noMove="1" noResize="1" noEditPoints="1" noAdjustHandles="1" noChangeArrowheads="1" noChangeShapeType="1" noTextEdit="1"/>
+              </p:cNvSpPr>
+              <p:nvPr/>
+            </p:nvSpPr>
+            <p:spPr>
+              <a:xfrm>
+                <a:off x="4641797" y="986594"/>
+                <a:ext cx="238590" cy="246221"/>
+              </a:xfrm>
+              <a:prstGeom prst="rect">
+                <a:avLst/>
+              </a:prstGeom>
+              <a:blipFill>
+                <a:blip r:embed="rId10"/>
+                <a:stretch>
+                  <a:fillRect l="-20000" r="-2500" b="-15000"/>
+                </a:stretch>
+              </a:blipFill>
+            </p:spPr>
+            <p:txBody>
+              <a:bodyPr/>
+              <a:lstStyle/>
+              <a:p>
+                <a:r>
+                  <a:rPr lang="en-GB">
+                    <a:noFill/>
+                  </a:rPr>
+                  <a:t> </a:t>
+                </a:r>
+              </a:p>
+            </p:txBody>
+          </p:sp>
+        </mc:Fallback>
+      </mc:AlternateContent>
+      <mc:AlternateContent xmlns:mc="http://schemas.openxmlformats.org/markup-compatibility/2006">
+        <mc:Choice xmlns:a14="http://schemas.microsoft.com/office/drawing/2010/main" Requires="a14">
+          <p:sp>
+            <p:nvSpPr>
+              <p:cNvPr id="36" name="TextBox 35"/>
+              <p:cNvSpPr txBox="1"/>
+              <p:nvPr/>
+            </p:nvSpPr>
+            <p:spPr>
+              <a:xfrm>
+                <a:off x="6658232" y="1044132"/>
+                <a:ext cx="231794" cy="246221"/>
+              </a:xfrm>
+              <a:prstGeom prst="rect">
+                <a:avLst/>
+              </a:prstGeom>
+              <a:noFill/>
+            </p:spPr>
+            <p:txBody>
+              <a:bodyPr wrap="none" lIns="0" tIns="0" rIns="0" bIns="0" rtlCol="0">
+                <a:spAutoFit/>
+              </a:bodyPr>
+              <a:lstStyle/>
+              <a:p>
+                <a14:m>
+                  <m:oMathPara xmlns:m="http://schemas.openxmlformats.org/officeDocument/2006/math">
+                    <m:oMathParaPr>
+                      <m:jc m:val="centerGroup"/>
+                    </m:oMathParaPr>
+                    <m:oMath xmlns:m="http://schemas.openxmlformats.org/officeDocument/2006/math">
+                      <m:sSub>
+                        <m:sSubPr>
+                          <m:ctrlPr>
+                            <a:rPr lang="en-GB" sz="1600" b="0" i="1" smtClean="0">
+                              <a:latin typeface="Cambria Math" panose="02040503050406030204" pitchFamily="18" charset="0"/>
+                            </a:rPr>
+                          </m:ctrlPr>
+                        </m:sSubPr>
+                        <m:e>
+                          <m:r>
+                            <a:rPr lang="en-GB" sz="1600" b="0" i="1" smtClean="0">
+                              <a:latin typeface="Cambria Math" panose="02040503050406030204" pitchFamily="18" charset="0"/>
+                            </a:rPr>
+                            <m:t>𝑥</m:t>
+                          </m:r>
+                        </m:e>
+                        <m:sub>
+                          <m:r>
+                            <a:rPr lang="en-GB" sz="1600" b="0" i="1" smtClean="0">
+                              <a:latin typeface="Cambria Math" panose="02040503050406030204" pitchFamily="18" charset="0"/>
+                            </a:rPr>
+                            <m:t>𝑡</m:t>
+                          </m:r>
+                        </m:sub>
+                      </m:sSub>
+                    </m:oMath>
+                  </m:oMathPara>
+                </a14:m>
+                <a:endParaRPr lang="en-GB" dirty="0"/>
+              </a:p>
+            </p:txBody>
+          </p:sp>
+        </mc:Choice>
+        <mc:Fallback>
+          <p:sp>
+            <p:nvSpPr>
+              <p:cNvPr id="36" name="TextBox 35"/>
+              <p:cNvSpPr txBox="1">
+                <a:spLocks noRot="1" noChangeAspect="1" noMove="1" noResize="1" noEditPoints="1" noAdjustHandles="1" noChangeArrowheads="1" noChangeShapeType="1" noTextEdit="1"/>
+              </p:cNvSpPr>
+              <p:nvPr/>
+            </p:nvSpPr>
+            <p:spPr>
+              <a:xfrm>
+                <a:off x="6658232" y="1044132"/>
+                <a:ext cx="231794" cy="246221"/>
+              </a:xfrm>
+              <a:prstGeom prst="rect">
+                <a:avLst/>
+              </a:prstGeom>
+              <a:blipFill>
+                <a:blip r:embed="rId11"/>
+                <a:stretch>
+                  <a:fillRect l="-10526" r="-7895" b="-12195"/>
+                </a:stretch>
+              </a:blipFill>
+            </p:spPr>
+            <p:txBody>
+              <a:bodyPr/>
+              <a:lstStyle/>
+              <a:p>
+                <a:r>
+                  <a:rPr lang="en-GB">
+                    <a:noFill/>
+                  </a:rPr>
+                  <a:t> </a:t>
+                </a:r>
+              </a:p>
+            </p:txBody>
+          </p:sp>
+        </mc:Fallback>
+      </mc:AlternateContent>
+      <mc:AlternateContent xmlns:mc="http://schemas.openxmlformats.org/markup-compatibility/2006">
+        <mc:Choice xmlns:a14="http://schemas.microsoft.com/office/drawing/2010/main" Requires="a14">
+          <p:sp>
+            <p:nvSpPr>
+              <p:cNvPr id="37" name="TextBox 36"/>
+              <p:cNvSpPr txBox="1"/>
+              <p:nvPr/>
+            </p:nvSpPr>
+            <p:spPr>
+              <a:xfrm>
+                <a:off x="6963149" y="1044615"/>
+                <a:ext cx="238590" cy="246221"/>
+              </a:xfrm>
+              <a:prstGeom prst="rect">
+                <a:avLst/>
+              </a:prstGeom>
+              <a:noFill/>
+            </p:spPr>
+            <p:txBody>
+              <a:bodyPr wrap="none" lIns="0" tIns="0" rIns="0" bIns="0" rtlCol="0">
+                <a:spAutoFit/>
+              </a:bodyPr>
+              <a:lstStyle/>
+              <a:p>
+                <a14:m>
+                  <m:oMathPara xmlns:m="http://schemas.openxmlformats.org/officeDocument/2006/math">
+                    <m:oMathParaPr>
+                      <m:jc m:val="centerGroup"/>
+                    </m:oMathParaPr>
+                    <m:oMath xmlns:m="http://schemas.openxmlformats.org/officeDocument/2006/math">
+                      <m:sSub>
+                        <m:sSubPr>
+                          <m:ctrlPr>
+                            <a:rPr lang="en-GB" sz="1600" b="0" i="1" smtClean="0">
+                              <a:latin typeface="Cambria Math" panose="02040503050406030204" pitchFamily="18" charset="0"/>
+                            </a:rPr>
+                          </m:ctrlPr>
+                        </m:sSubPr>
+                        <m:e>
+                          <m:r>
+                            <a:rPr lang="en-GB" sz="1600" b="0" i="1" smtClean="0">
+                              <a:latin typeface="Cambria Math" panose="02040503050406030204" pitchFamily="18" charset="0"/>
+                            </a:rPr>
+                            <m:t>h</m:t>
+                          </m:r>
+                        </m:e>
+                        <m:sub>
+                          <m:r>
+                            <a:rPr lang="en-GB" sz="1600" b="0" i="1" smtClean="0">
+                              <a:latin typeface="Cambria Math" panose="02040503050406030204" pitchFamily="18" charset="0"/>
+                            </a:rPr>
+                            <m:t>𝑡</m:t>
+                          </m:r>
+                        </m:sub>
+                      </m:sSub>
+                    </m:oMath>
+                  </m:oMathPara>
+                </a14:m>
+                <a:endParaRPr lang="en-GB" dirty="0"/>
+              </a:p>
+            </p:txBody>
+          </p:sp>
+        </mc:Choice>
+        <mc:Fallback>
+          <p:sp>
+            <p:nvSpPr>
+              <p:cNvPr id="37" name="TextBox 36"/>
+              <p:cNvSpPr txBox="1">
+                <a:spLocks noRot="1" noChangeAspect="1" noMove="1" noResize="1" noEditPoints="1" noAdjustHandles="1" noChangeArrowheads="1" noChangeShapeType="1" noTextEdit="1"/>
+              </p:cNvSpPr>
+              <p:nvPr/>
+            </p:nvSpPr>
+            <p:spPr>
+              <a:xfrm>
+                <a:off x="6963149" y="1044615"/>
+                <a:ext cx="238590" cy="246221"/>
+              </a:xfrm>
+              <a:prstGeom prst="rect">
+                <a:avLst/>
+              </a:prstGeom>
+              <a:blipFill>
+                <a:blip r:embed="rId12"/>
+                <a:stretch>
+                  <a:fillRect l="-20513" r="-5128" b="-12195"/>
+                </a:stretch>
+              </a:blipFill>
+            </p:spPr>
+            <p:txBody>
+              <a:bodyPr/>
+              <a:lstStyle/>
+              <a:p>
+                <a:r>
+                  <a:rPr lang="en-GB">
+                    <a:noFill/>
+                  </a:rPr>
+                  <a:t> </a:t>
+                </a:r>
+              </a:p>
+            </p:txBody>
+          </p:sp>
+        </mc:Fallback>
+      </mc:AlternateContent>
+      <mc:AlternateContent xmlns:mc="http://schemas.openxmlformats.org/markup-compatibility/2006">
+        <mc:Choice xmlns:a14="http://schemas.microsoft.com/office/drawing/2010/main" Requires="a14">
+          <p:sp>
+            <p:nvSpPr>
+              <p:cNvPr id="38" name="TextBox 37"/>
+              <p:cNvSpPr txBox="1"/>
+              <p:nvPr/>
+            </p:nvSpPr>
+            <p:spPr>
+              <a:xfrm>
+                <a:off x="7442613" y="2666551"/>
+                <a:ext cx="238590" cy="246221"/>
+              </a:xfrm>
+              <a:prstGeom prst="rect">
+                <a:avLst/>
+              </a:prstGeom>
+              <a:noFill/>
+            </p:spPr>
+            <p:txBody>
+              <a:bodyPr wrap="none" lIns="0" tIns="0" rIns="0" bIns="0" rtlCol="0">
+                <a:spAutoFit/>
+              </a:bodyPr>
+              <a:lstStyle/>
+              <a:p>
+                <a14:m>
+                  <m:oMathPara xmlns:m="http://schemas.openxmlformats.org/officeDocument/2006/math">
+                    <m:oMathParaPr>
+                      <m:jc m:val="centerGroup"/>
+                    </m:oMathParaPr>
+                    <m:oMath xmlns:m="http://schemas.openxmlformats.org/officeDocument/2006/math">
+                      <m:sSub>
+                        <m:sSubPr>
+                          <m:ctrlPr>
+                            <a:rPr lang="en-GB" sz="1600" b="0" i="1" smtClean="0">
+                              <a:latin typeface="Cambria Math" panose="02040503050406030204" pitchFamily="18" charset="0"/>
+                            </a:rPr>
+                          </m:ctrlPr>
+                        </m:sSubPr>
+                        <m:e>
+                          <m:r>
+                            <a:rPr lang="en-GB" sz="1600" b="0" i="1" smtClean="0">
+                              <a:latin typeface="Cambria Math" panose="02040503050406030204" pitchFamily="18" charset="0"/>
+                            </a:rPr>
+                            <m:t>h</m:t>
+                          </m:r>
+                        </m:e>
+                        <m:sub>
+                          <m:r>
+                            <a:rPr lang="en-GB" sz="1600" b="0" i="1" smtClean="0">
+                              <a:latin typeface="Cambria Math" panose="02040503050406030204" pitchFamily="18" charset="0"/>
+                            </a:rPr>
+                            <m:t>𝑡</m:t>
+                          </m:r>
+                        </m:sub>
+                      </m:sSub>
+                    </m:oMath>
+                  </m:oMathPara>
+                </a14:m>
+                <a:endParaRPr lang="en-GB" dirty="0"/>
+              </a:p>
+            </p:txBody>
+          </p:sp>
+        </mc:Choice>
+        <mc:Fallback>
+          <p:sp>
+            <p:nvSpPr>
+              <p:cNvPr id="38" name="TextBox 37"/>
+              <p:cNvSpPr txBox="1">
+                <a:spLocks noRot="1" noChangeAspect="1" noMove="1" noResize="1" noEditPoints="1" noAdjustHandles="1" noChangeArrowheads="1" noChangeShapeType="1" noTextEdit="1"/>
+              </p:cNvSpPr>
+              <p:nvPr/>
+            </p:nvSpPr>
+            <p:spPr>
+              <a:xfrm>
+                <a:off x="7442613" y="2666551"/>
+                <a:ext cx="238590" cy="246221"/>
+              </a:xfrm>
+              <a:prstGeom prst="rect">
+                <a:avLst/>
+              </a:prstGeom>
+              <a:blipFill>
+                <a:blip r:embed="rId13"/>
+                <a:stretch>
+                  <a:fillRect l="-20513" r="-5128" b="-12195"/>
+                </a:stretch>
+              </a:blipFill>
+            </p:spPr>
+            <p:txBody>
+              <a:bodyPr/>
+              <a:lstStyle/>
+              <a:p>
+                <a:r>
+                  <a:rPr lang="en-GB">
+                    <a:noFill/>
+                  </a:rPr>
+                  <a:t> </a:t>
+                </a:r>
+              </a:p>
+            </p:txBody>
+          </p:sp>
+        </mc:Fallback>
+      </mc:AlternateContent>
+      <p:sp>
+        <p:nvSpPr>
+          <p:cNvPr id="39" name="Flowchart: Summing Junction 38"/>
+          <p:cNvSpPr/>
+          <p:nvPr/>
+        </p:nvSpPr>
+        <p:spPr>
+          <a:xfrm>
+            <a:off x="6823315" y="2719744"/>
+            <a:ext cx="139834" cy="139834"/>
+          </a:xfrm>
+          <a:prstGeom prst="flowChartSummingJunction">
+            <a:avLst/>
+          </a:prstGeom>
+          <a:noFill/>
+        </p:spPr>
+        <p:style>
+          <a:lnRef idx="2">
+            <a:schemeClr val="accent1">
+              <a:shade val="50000"/>
+            </a:schemeClr>
+          </a:lnRef>
+          <a:fillRef idx="1">
+            <a:schemeClr val="accent1"/>
+          </a:fillRef>
+          <a:effectRef idx="0">
+            <a:schemeClr val="accent1"/>
+          </a:effectRef>
+          <a:fontRef idx="minor">
+            <a:schemeClr val="lt1"/>
+          </a:fontRef>
+        </p:style>
+        <p:txBody>
+          <a:bodyPr rtlCol="0" anchor="ctr"/>
+          <a:lstStyle/>
+          <a:p>
+            <a:pPr algn="ctr"/>
+            <a:endParaRPr lang="en-GB"/>
+          </a:p>
+        </p:txBody>
+      </p:sp>
+      <p:sp>
+        <p:nvSpPr>
+          <p:cNvPr id="40" name="TextBox 39"/>
+          <p:cNvSpPr txBox="1"/>
+          <p:nvPr/>
+        </p:nvSpPr>
+        <p:spPr>
+          <a:xfrm>
+            <a:off x="3704247" y="1662998"/>
+            <a:ext cx="752129" cy="246221"/>
+          </a:xfrm>
+          <a:prstGeom prst="rect">
+            <a:avLst/>
+          </a:prstGeom>
+          <a:noFill/>
+        </p:spPr>
+        <p:txBody>
+          <a:bodyPr wrap="none" rtlCol="0">
+            <a:spAutoFit/>
+          </a:bodyPr>
+          <a:lstStyle/>
+          <a:p>
+            <a:pPr algn="ctr"/>
+            <a:r>
+              <a:rPr lang="en-GB" sz="1000" b="1" dirty="0" smtClean="0"/>
+              <a:t>Input Gate</a:t>
+            </a:r>
+            <a:endParaRPr lang="en-GB" sz="1000" b="1" dirty="0"/>
+          </a:p>
+        </p:txBody>
+      </p:sp>
+      <p:sp>
+        <p:nvSpPr>
+          <p:cNvPr id="41" name="TextBox 40"/>
+          <p:cNvSpPr txBox="1"/>
+          <p:nvPr/>
+        </p:nvSpPr>
+        <p:spPr>
+          <a:xfrm>
+            <a:off x="5855631" y="1662998"/>
+            <a:ext cx="849913" cy="246221"/>
+          </a:xfrm>
+          <a:prstGeom prst="rect">
+            <a:avLst/>
+          </a:prstGeom>
+          <a:noFill/>
+        </p:spPr>
+        <p:txBody>
+          <a:bodyPr wrap="none" rtlCol="0">
+            <a:spAutoFit/>
+          </a:bodyPr>
+          <a:lstStyle/>
+          <a:p>
+            <a:pPr algn="ctr"/>
+            <a:r>
+              <a:rPr lang="en-GB" sz="1000" b="1" dirty="0" smtClean="0"/>
+              <a:t>Output Gate</a:t>
+            </a:r>
+            <a:endParaRPr lang="en-GB" sz="1000" b="1" dirty="0"/>
+          </a:p>
+        </p:txBody>
+      </p:sp>
+      <p:sp>
+        <p:nvSpPr>
+          <p:cNvPr id="42" name="TextBox 41"/>
+          <p:cNvSpPr txBox="1"/>
+          <p:nvPr/>
+        </p:nvSpPr>
+        <p:spPr>
+          <a:xfrm>
+            <a:off x="5509177" y="3463600"/>
+            <a:ext cx="809837" cy="246221"/>
+          </a:xfrm>
+          <a:prstGeom prst="rect">
+            <a:avLst/>
+          </a:prstGeom>
+          <a:noFill/>
+        </p:spPr>
+        <p:txBody>
+          <a:bodyPr wrap="none" rtlCol="0">
+            <a:spAutoFit/>
+          </a:bodyPr>
+          <a:lstStyle/>
+          <a:p>
+            <a:pPr algn="ctr"/>
+            <a:r>
+              <a:rPr lang="en-GB" sz="1000" b="1" dirty="0" smtClean="0"/>
+              <a:t>Forget Gate</a:t>
+            </a:r>
+            <a:endParaRPr lang="en-GB" sz="1000" b="1" dirty="0"/>
+          </a:p>
+        </p:txBody>
+      </p:sp>
+      <p:sp>
+        <p:nvSpPr>
+          <p:cNvPr id="43" name="Flowchart: Summing Junction 42"/>
+          <p:cNvSpPr/>
+          <p:nvPr/>
+        </p:nvSpPr>
+        <p:spPr>
+          <a:xfrm>
+            <a:off x="5312574" y="3218762"/>
+            <a:ext cx="139834" cy="139834"/>
+          </a:xfrm>
+          <a:prstGeom prst="flowChartSummingJunction">
+            <a:avLst/>
+          </a:prstGeom>
+          <a:noFill/>
+        </p:spPr>
+        <p:style>
+          <a:lnRef idx="2">
+            <a:schemeClr val="accent1">
+              <a:shade val="50000"/>
+            </a:schemeClr>
+          </a:lnRef>
+          <a:fillRef idx="1">
+            <a:schemeClr val="accent1"/>
+          </a:fillRef>
+          <a:effectRef idx="0">
+            <a:schemeClr val="accent1"/>
+          </a:effectRef>
+          <a:fontRef idx="minor">
+            <a:schemeClr val="lt1"/>
+          </a:fontRef>
+        </p:style>
+        <p:txBody>
+          <a:bodyPr rtlCol="0" anchor="ctr"/>
+          <a:lstStyle/>
+          <a:p>
+            <a:pPr algn="ctr"/>
+            <a:endParaRPr lang="en-GB"/>
+          </a:p>
+        </p:txBody>
+      </p:sp>
+      <p:cxnSp>
+        <p:nvCxnSpPr>
+          <p:cNvPr id="45" name="Straight Arrow Connector 44"/>
+          <p:cNvCxnSpPr/>
+          <p:nvPr/>
+        </p:nvCxnSpPr>
+        <p:spPr>
+          <a:xfrm flipV="1">
+            <a:off x="4056520" y="2785505"/>
+            <a:ext cx="453876" cy="8313"/>
+          </a:xfrm>
+          <a:prstGeom prst="straightConnector1">
+            <a:avLst/>
+          </a:prstGeom>
+          <a:ln>
+            <a:tailEnd type="triangle"/>
+          </a:ln>
+        </p:spPr>
+        <p:style>
+          <a:lnRef idx="1">
+            <a:schemeClr val="accent1"/>
+          </a:lnRef>
+          <a:fillRef idx="0">
+            <a:schemeClr val="accent1"/>
+          </a:fillRef>
+          <a:effectRef idx="0">
+            <a:schemeClr val="accent1"/>
+          </a:effectRef>
+          <a:fontRef idx="minor">
+            <a:schemeClr val="tx1"/>
+          </a:fontRef>
+        </p:style>
+      </p:cxnSp>
+      <p:cxnSp>
+        <p:nvCxnSpPr>
+          <p:cNvPr id="48" name="Straight Arrow Connector 47"/>
+          <p:cNvCxnSpPr>
+            <a:stCxn id="19" idx="4"/>
+            <a:endCxn id="8" idx="0"/>
+          </p:cNvCxnSpPr>
+          <p:nvPr/>
+        </p:nvCxnSpPr>
+        <p:spPr>
+          <a:xfrm>
+            <a:off x="4580313" y="1966887"/>
+            <a:ext cx="0" cy="752857"/>
+          </a:xfrm>
+          <a:prstGeom prst="straightConnector1">
+            <a:avLst/>
+          </a:prstGeom>
+          <a:ln>
+            <a:tailEnd type="triangle"/>
+          </a:ln>
+        </p:spPr>
+        <p:style>
+          <a:lnRef idx="1">
+            <a:schemeClr val="accent1"/>
+          </a:lnRef>
+          <a:fillRef idx="0">
+            <a:schemeClr val="accent1"/>
+          </a:fillRef>
+          <a:effectRef idx="0">
+            <a:schemeClr val="accent1"/>
+          </a:effectRef>
+          <a:fontRef idx="minor">
+            <a:schemeClr val="tx1"/>
+          </a:fontRef>
+        </p:style>
+      </p:cxnSp>
+      <p:cxnSp>
+        <p:nvCxnSpPr>
+          <p:cNvPr id="50" name="Straight Arrow Connector 49"/>
+          <p:cNvCxnSpPr/>
+          <p:nvPr/>
+        </p:nvCxnSpPr>
+        <p:spPr>
+          <a:xfrm>
+            <a:off x="4675564" y="2785505"/>
+            <a:ext cx="454130" cy="8313"/>
+          </a:xfrm>
+          <a:prstGeom prst="straightConnector1">
+            <a:avLst/>
+          </a:prstGeom>
+          <a:ln>
+            <a:tailEnd type="triangle"/>
+          </a:ln>
+        </p:spPr>
+        <p:style>
+          <a:lnRef idx="1">
+            <a:schemeClr val="accent1"/>
+          </a:lnRef>
+          <a:fillRef idx="0">
+            <a:schemeClr val="accent1"/>
+          </a:fillRef>
+          <a:effectRef idx="0">
+            <a:schemeClr val="accent1"/>
+          </a:effectRef>
+          <a:fontRef idx="minor">
+            <a:schemeClr val="tx1"/>
+          </a:fontRef>
+        </p:style>
+      </p:cxnSp>
+      <p:cxnSp>
+        <p:nvCxnSpPr>
+          <p:cNvPr id="52" name="Straight Arrow Connector 51"/>
+          <p:cNvCxnSpPr>
+            <a:stCxn id="9" idx="1"/>
+            <a:endCxn id="19" idx="5"/>
+          </p:cNvCxnSpPr>
+          <p:nvPr/>
+        </p:nvCxnSpPr>
+        <p:spPr>
+          <a:xfrm flipH="1" flipV="1">
+            <a:off x="4708143" y="1913938"/>
+            <a:ext cx="495594" cy="696969"/>
+          </a:xfrm>
+          <a:prstGeom prst="straightConnector1">
+            <a:avLst/>
+          </a:prstGeom>
+          <a:ln>
+            <a:tailEnd type="triangle"/>
+          </a:ln>
+        </p:spPr>
+        <p:style>
+          <a:lnRef idx="1">
+            <a:schemeClr val="accent1"/>
+          </a:lnRef>
+          <a:fillRef idx="0">
+            <a:schemeClr val="accent1"/>
+          </a:fillRef>
+          <a:effectRef idx="0">
+            <a:schemeClr val="accent1"/>
+          </a:effectRef>
+          <a:fontRef idx="minor">
+            <a:schemeClr val="tx1"/>
+          </a:fontRef>
+        </p:style>
+      </p:cxnSp>
+      <p:cxnSp>
+        <p:nvCxnSpPr>
+          <p:cNvPr id="55" name="Straight Arrow Connector 54"/>
+          <p:cNvCxnSpPr>
+            <a:stCxn id="9" idx="7"/>
+            <a:endCxn id="26" idx="3"/>
+          </p:cNvCxnSpPr>
+          <p:nvPr/>
+        </p:nvCxnSpPr>
+        <p:spPr>
+          <a:xfrm flipV="1">
+            <a:off x="5561245" y="1913938"/>
+            <a:ext cx="1212590" cy="696969"/>
+          </a:xfrm>
+          <a:prstGeom prst="straightConnector1">
+            <a:avLst/>
+          </a:prstGeom>
+          <a:ln>
+            <a:tailEnd type="triangle"/>
+          </a:ln>
+        </p:spPr>
+        <p:style>
+          <a:lnRef idx="1">
+            <a:schemeClr val="accent1"/>
+          </a:lnRef>
+          <a:fillRef idx="0">
+            <a:schemeClr val="accent1"/>
+          </a:fillRef>
+          <a:effectRef idx="0">
+            <a:schemeClr val="accent1"/>
+          </a:effectRef>
+          <a:fontRef idx="minor">
+            <a:schemeClr val="tx1"/>
+          </a:fontRef>
+        </p:style>
+      </p:cxnSp>
+      <p:cxnSp>
+        <p:nvCxnSpPr>
+          <p:cNvPr id="57" name="Straight Arrow Connector 56"/>
+          <p:cNvCxnSpPr/>
+          <p:nvPr/>
+        </p:nvCxnSpPr>
+        <p:spPr>
+          <a:xfrm>
+            <a:off x="5635288" y="2787583"/>
+            <a:ext cx="362020" cy="4157"/>
+          </a:xfrm>
+          <a:prstGeom prst="straightConnector1">
+            <a:avLst/>
+          </a:prstGeom>
+          <a:ln>
+            <a:tailEnd type="triangle"/>
+          </a:ln>
+        </p:spPr>
+        <p:style>
+          <a:lnRef idx="1">
+            <a:schemeClr val="accent1"/>
+          </a:lnRef>
+          <a:fillRef idx="0">
+            <a:schemeClr val="accent1"/>
+          </a:fillRef>
+          <a:effectRef idx="0">
+            <a:schemeClr val="accent1"/>
+          </a:effectRef>
+          <a:fontRef idx="minor">
+            <a:schemeClr val="tx1"/>
+          </a:fontRef>
+        </p:style>
+      </p:cxnSp>
+      <p:cxnSp>
+        <p:nvCxnSpPr>
+          <p:cNvPr id="59" name="Straight Arrow Connector 58"/>
+          <p:cNvCxnSpPr/>
+          <p:nvPr/>
+        </p:nvCxnSpPr>
+        <p:spPr>
+          <a:xfrm>
+            <a:off x="6358866" y="2789661"/>
+            <a:ext cx="464449" cy="0"/>
+          </a:xfrm>
+          <a:prstGeom prst="straightConnector1">
+            <a:avLst/>
+          </a:prstGeom>
+          <a:ln>
+            <a:tailEnd type="triangle"/>
+          </a:ln>
+        </p:spPr>
+        <p:style>
+          <a:lnRef idx="1">
+            <a:schemeClr val="accent1"/>
+          </a:lnRef>
+          <a:fillRef idx="0">
+            <a:schemeClr val="accent1"/>
+          </a:fillRef>
+          <a:effectRef idx="0">
+            <a:schemeClr val="accent1"/>
+          </a:effectRef>
+          <a:fontRef idx="minor">
+            <a:schemeClr val="tx1"/>
+          </a:fontRef>
+        </p:style>
+      </p:cxnSp>
+      <p:cxnSp>
+        <p:nvCxnSpPr>
+          <p:cNvPr id="62" name="Straight Arrow Connector 61"/>
+          <p:cNvCxnSpPr/>
+          <p:nvPr/>
+        </p:nvCxnSpPr>
+        <p:spPr>
+          <a:xfrm flipV="1">
+            <a:off x="6963149" y="2779533"/>
+            <a:ext cx="479464" cy="20256"/>
+          </a:xfrm>
+          <a:prstGeom prst="straightConnector1">
+            <a:avLst/>
+          </a:prstGeom>
+          <a:ln>
+            <a:tailEnd type="triangle"/>
+          </a:ln>
+        </p:spPr>
+        <p:style>
+          <a:lnRef idx="1">
+            <a:schemeClr val="accent1"/>
+          </a:lnRef>
+          <a:fillRef idx="0">
+            <a:schemeClr val="accent1"/>
+          </a:fillRef>
+          <a:effectRef idx="0">
+            <a:schemeClr val="accent1"/>
+          </a:effectRef>
+          <a:fontRef idx="minor">
+            <a:schemeClr val="tx1"/>
+          </a:fontRef>
+        </p:style>
+      </p:cxnSp>
+      <p:cxnSp>
+        <p:nvCxnSpPr>
+          <p:cNvPr id="64" name="Straight Arrow Connector 63"/>
+          <p:cNvCxnSpPr>
+            <a:stCxn id="31" idx="3"/>
+            <a:endCxn id="12" idx="1"/>
+          </p:cNvCxnSpPr>
+          <p:nvPr/>
+        </p:nvCxnSpPr>
+        <p:spPr>
+          <a:xfrm>
+            <a:off x="3390913" y="2578486"/>
+            <a:ext cx="356998" cy="83345"/>
+          </a:xfrm>
+          <a:prstGeom prst="straightConnector1">
+            <a:avLst/>
+          </a:prstGeom>
+          <a:ln>
+            <a:tailEnd type="triangle"/>
+          </a:ln>
+        </p:spPr>
+        <p:style>
+          <a:lnRef idx="1">
+            <a:schemeClr val="accent1"/>
+          </a:lnRef>
+          <a:fillRef idx="0">
+            <a:schemeClr val="accent1"/>
+          </a:fillRef>
+          <a:effectRef idx="0">
+            <a:schemeClr val="accent1"/>
+          </a:effectRef>
+          <a:fontRef idx="minor">
+            <a:schemeClr val="tx1"/>
+          </a:fontRef>
+        </p:style>
+      </p:cxnSp>
+      <p:cxnSp>
+        <p:nvCxnSpPr>
+          <p:cNvPr id="66" name="Straight Arrow Connector 65"/>
+          <p:cNvCxnSpPr>
+            <a:stCxn id="30" idx="3"/>
+            <a:endCxn id="12" idx="3"/>
+          </p:cNvCxnSpPr>
+          <p:nvPr/>
+        </p:nvCxnSpPr>
+        <p:spPr>
+          <a:xfrm flipV="1">
+            <a:off x="3374423" y="2917491"/>
+            <a:ext cx="373488" cy="98135"/>
+          </a:xfrm>
+          <a:prstGeom prst="straightConnector1">
+            <a:avLst/>
+          </a:prstGeom>
+          <a:ln>
+            <a:tailEnd type="triangle"/>
+          </a:ln>
+        </p:spPr>
+        <p:style>
+          <a:lnRef idx="1">
+            <a:schemeClr val="accent1"/>
+          </a:lnRef>
+          <a:fillRef idx="0">
+            <a:schemeClr val="accent1"/>
+          </a:fillRef>
+          <a:effectRef idx="0">
+            <a:schemeClr val="accent1"/>
+          </a:effectRef>
+          <a:fontRef idx="minor">
+            <a:schemeClr val="tx1"/>
+          </a:fontRef>
+        </p:style>
+      </p:cxnSp>
+      <p:grpSp>
+        <p:nvGrpSpPr>
+          <p:cNvPr id="69" name="Group 68"/>
+          <p:cNvGrpSpPr/>
+          <p:nvPr/>
+        </p:nvGrpSpPr>
+        <p:grpSpPr>
+          <a:xfrm>
+            <a:off x="5129694" y="2536864"/>
+            <a:ext cx="505594" cy="505594"/>
+            <a:chOff x="5129694" y="2536864"/>
+            <a:chExt cx="505594" cy="505594"/>
+          </a:xfrm>
+        </p:grpSpPr>
+        <p:sp>
+          <p:nvSpPr>
+            <p:cNvPr id="9" name="Oval 8"/>
+            <p:cNvSpPr/>
+            <p:nvPr/>
+          </p:nvSpPr>
+          <p:spPr>
+            <a:xfrm>
+              <a:off x="5129694" y="2536864"/>
+              <a:ext cx="505594" cy="505594"/>
+            </a:xfrm>
+            <a:prstGeom prst="ellipse">
+              <a:avLst/>
+            </a:prstGeom>
+            <a:noFill/>
+          </p:spPr>
+          <p:style>
+            <a:lnRef idx="2">
+              <a:schemeClr val="accent1">
+                <a:shade val="50000"/>
+              </a:schemeClr>
+            </a:lnRef>
+            <a:fillRef idx="1">
+              <a:schemeClr val="accent1"/>
+            </a:fillRef>
+            <a:effectRef idx="0">
+              <a:schemeClr val="accent1"/>
+            </a:effectRef>
+            <a:fontRef idx="minor">
+              <a:schemeClr val="lt1"/>
+            </a:fontRef>
+          </p:style>
+          <p:txBody>
+            <a:bodyPr rtlCol="0" anchor="ctr"/>
+            <a:lstStyle/>
+            <a:p>
+              <a:pPr algn="ctr"/>
+              <a:endParaRPr lang="en-GB"/>
+            </a:p>
+          </p:txBody>
+        </p:sp>
+        <mc:AlternateContent xmlns:mc="http://schemas.openxmlformats.org/markup-compatibility/2006">
+          <mc:Choice xmlns:a14="http://schemas.microsoft.com/office/drawing/2010/main" Requires="a14">
+            <p:sp>
+              <p:nvSpPr>
+                <p:cNvPr id="68" name="TextBox 67"/>
+                <p:cNvSpPr txBox="1"/>
+                <p:nvPr/>
+              </p:nvSpPr>
+              <p:spPr>
+                <a:xfrm>
+                  <a:off x="5268005" y="2666551"/>
+                  <a:ext cx="228973" cy="246221"/>
+                </a:xfrm>
+                <a:prstGeom prst="rect">
+                  <a:avLst/>
+                </a:prstGeom>
+                <a:noFill/>
+              </p:spPr>
+              <p:txBody>
+                <a:bodyPr wrap="none" lIns="0" tIns="0" rIns="0" bIns="0" rtlCol="0">
+                  <a:spAutoFit/>
+                </a:bodyPr>
+                <a:lstStyle/>
+                <a:p>
+                  <a14:m>
+                    <m:oMathPara xmlns:m="http://schemas.openxmlformats.org/officeDocument/2006/math">
+                      <m:oMathParaPr>
+                        <m:jc m:val="centerGroup"/>
+                      </m:oMathParaPr>
+                      <m:oMath xmlns:m="http://schemas.openxmlformats.org/officeDocument/2006/math">
+                        <m:sSub>
+                          <m:sSubPr>
+                            <m:ctrlPr>
+                              <a:rPr lang="en-GB" sz="1600" b="0" i="1" smtClean="0">
+                                <a:latin typeface="Cambria Math" panose="02040503050406030204" pitchFamily="18" charset="0"/>
+                              </a:rPr>
+                            </m:ctrlPr>
+                          </m:sSubPr>
+                          <m:e>
+                            <m:r>
+                              <a:rPr lang="en-GB" sz="1600" b="1" i="1" smtClean="0">
+                                <a:latin typeface="Cambria Math" panose="02040503050406030204" pitchFamily="18" charset="0"/>
+                              </a:rPr>
+                              <m:t>𝒄</m:t>
+                            </m:r>
+                          </m:e>
+                          <m:sub>
+                            <m:r>
+                              <a:rPr lang="en-GB" sz="1600" b="0" i="1" smtClean="0">
+                                <a:latin typeface="Cambria Math" panose="02040503050406030204" pitchFamily="18" charset="0"/>
+                              </a:rPr>
+                              <m:t>𝑡</m:t>
+                            </m:r>
+                          </m:sub>
+                        </m:sSub>
+                      </m:oMath>
+                    </m:oMathPara>
+                  </a14:m>
+                  <a:endParaRPr lang="en-GB" dirty="0"/>
+                </a:p>
+              </p:txBody>
+            </p:sp>
+          </mc:Choice>
+          <mc:Fallback>
+            <p:sp>
+              <p:nvSpPr>
+                <p:cNvPr id="68" name="TextBox 67"/>
+                <p:cNvSpPr txBox="1">
+                  <a:spLocks noRot="1" noChangeAspect="1" noMove="1" noResize="1" noEditPoints="1" noAdjustHandles="1" noChangeArrowheads="1" noChangeShapeType="1" noTextEdit="1"/>
+                </p:cNvSpPr>
+                <p:nvPr/>
+              </p:nvSpPr>
+              <p:spPr>
+                <a:xfrm>
+                  <a:off x="5268005" y="2666551"/>
+                  <a:ext cx="228973" cy="246221"/>
+                </a:xfrm>
+                <a:prstGeom prst="rect">
+                  <a:avLst/>
+                </a:prstGeom>
+                <a:blipFill>
+                  <a:blip r:embed="rId14"/>
+                  <a:stretch>
+                    <a:fillRect l="-10526" r="-5263" b="-12195"/>
+                  </a:stretch>
+                </a:blipFill>
+              </p:spPr>
+              <p:txBody>
+                <a:bodyPr/>
+                <a:lstStyle/>
+                <a:p>
+                  <a:r>
+                    <a:rPr lang="en-GB">
+                      <a:noFill/>
+                    </a:rPr>
+                    <a:t> </a:t>
+                  </a:r>
+                </a:p>
+              </p:txBody>
+            </p:sp>
+          </mc:Fallback>
+        </mc:AlternateContent>
+      </p:grpSp>
+      <p:cxnSp>
+        <p:nvCxnSpPr>
+          <p:cNvPr id="73" name="Straight Arrow Connector 72"/>
+          <p:cNvCxnSpPr>
+            <a:stCxn id="34" idx="2"/>
+            <a:endCxn id="19" idx="1"/>
+          </p:cNvCxnSpPr>
+          <p:nvPr/>
+        </p:nvCxnSpPr>
+        <p:spPr>
+          <a:xfrm flipH="1">
+            <a:off x="4452483" y="1232332"/>
+            <a:ext cx="294" cy="425946"/>
+          </a:xfrm>
+          <a:prstGeom prst="straightConnector1">
+            <a:avLst/>
+          </a:prstGeom>
+          <a:ln>
+            <a:tailEnd type="triangle"/>
+          </a:ln>
+        </p:spPr>
+        <p:style>
+          <a:lnRef idx="1">
+            <a:schemeClr val="accent1"/>
+          </a:lnRef>
+          <a:fillRef idx="0">
+            <a:schemeClr val="accent1"/>
+          </a:fillRef>
+          <a:effectRef idx="0">
+            <a:schemeClr val="accent1"/>
+          </a:effectRef>
+          <a:fontRef idx="minor">
+            <a:schemeClr val="tx1"/>
+          </a:fontRef>
+        </p:style>
+      </p:cxnSp>
+      <p:cxnSp>
+        <p:nvCxnSpPr>
+          <p:cNvPr id="75" name="Straight Arrow Connector 74"/>
+          <p:cNvCxnSpPr>
+            <a:stCxn id="35" idx="2"/>
+            <a:endCxn id="19" idx="7"/>
+          </p:cNvCxnSpPr>
+          <p:nvPr/>
+        </p:nvCxnSpPr>
+        <p:spPr>
+          <a:xfrm flipH="1">
+            <a:off x="4708143" y="1232815"/>
+            <a:ext cx="52949" cy="425463"/>
+          </a:xfrm>
+          <a:prstGeom prst="straightConnector1">
+            <a:avLst/>
+          </a:prstGeom>
+          <a:ln>
+            <a:tailEnd type="triangle"/>
+          </a:ln>
+        </p:spPr>
+        <p:style>
+          <a:lnRef idx="1">
+            <a:schemeClr val="accent1"/>
+          </a:lnRef>
+          <a:fillRef idx="0">
+            <a:schemeClr val="accent1"/>
+          </a:fillRef>
+          <a:effectRef idx="0">
+            <a:schemeClr val="accent1"/>
+          </a:effectRef>
+          <a:fontRef idx="minor">
+            <a:schemeClr val="tx1"/>
+          </a:fontRef>
+        </p:style>
+      </p:cxnSp>
+      <p:cxnSp>
+        <p:nvCxnSpPr>
+          <p:cNvPr id="77" name="Straight Arrow Connector 76"/>
+          <p:cNvCxnSpPr>
+            <a:stCxn id="36" idx="2"/>
+            <a:endCxn id="26" idx="1"/>
+          </p:cNvCxnSpPr>
+          <p:nvPr/>
+        </p:nvCxnSpPr>
+        <p:spPr>
+          <a:xfrm flipH="1">
+            <a:off x="6773835" y="1290353"/>
+            <a:ext cx="294" cy="367925"/>
+          </a:xfrm>
+          <a:prstGeom prst="straightConnector1">
+            <a:avLst/>
+          </a:prstGeom>
+          <a:ln>
+            <a:tailEnd type="triangle"/>
+          </a:ln>
+        </p:spPr>
+        <p:style>
+          <a:lnRef idx="1">
+            <a:schemeClr val="accent1"/>
+          </a:lnRef>
+          <a:fillRef idx="0">
+            <a:schemeClr val="accent1"/>
+          </a:fillRef>
+          <a:effectRef idx="0">
+            <a:schemeClr val="accent1"/>
+          </a:effectRef>
+          <a:fontRef idx="minor">
+            <a:schemeClr val="tx1"/>
+          </a:fontRef>
+        </p:style>
+      </p:cxnSp>
+      <p:cxnSp>
+        <p:nvCxnSpPr>
+          <p:cNvPr id="79" name="Straight Arrow Connector 78"/>
+          <p:cNvCxnSpPr>
+            <a:stCxn id="37" idx="2"/>
+            <a:endCxn id="26" idx="7"/>
+          </p:cNvCxnSpPr>
+          <p:nvPr/>
+        </p:nvCxnSpPr>
+        <p:spPr>
+          <a:xfrm flipH="1">
+            <a:off x="7029495" y="1290836"/>
+            <a:ext cx="52949" cy="367442"/>
+          </a:xfrm>
+          <a:prstGeom prst="straightConnector1">
+            <a:avLst/>
+          </a:prstGeom>
+          <a:ln>
+            <a:tailEnd type="triangle"/>
+          </a:ln>
+        </p:spPr>
+        <p:style>
+          <a:lnRef idx="1">
+            <a:schemeClr val="accent1"/>
+          </a:lnRef>
+          <a:fillRef idx="0">
+            <a:schemeClr val="accent1"/>
+          </a:fillRef>
+          <a:effectRef idx="0">
+            <a:schemeClr val="accent1"/>
+          </a:effectRef>
+          <a:fontRef idx="minor">
+            <a:schemeClr val="tx1"/>
+          </a:fontRef>
+        </p:style>
+      </p:cxnSp>
+      <p:cxnSp>
+        <p:nvCxnSpPr>
+          <p:cNvPr id="81" name="Straight Arrow Connector 80"/>
+          <p:cNvCxnSpPr>
+            <a:stCxn id="32" idx="0"/>
+            <a:endCxn id="23" idx="3"/>
+          </p:cNvCxnSpPr>
+          <p:nvPr/>
+        </p:nvCxnSpPr>
+        <p:spPr>
+          <a:xfrm flipV="1">
+            <a:off x="5245591" y="3854033"/>
+            <a:ext cx="9070" cy="309211"/>
+          </a:xfrm>
+          <a:prstGeom prst="straightConnector1">
+            <a:avLst/>
+          </a:prstGeom>
+          <a:ln>
+            <a:tailEnd type="triangle"/>
+          </a:ln>
+        </p:spPr>
+        <p:style>
+          <a:lnRef idx="1">
+            <a:schemeClr val="accent1"/>
+          </a:lnRef>
+          <a:fillRef idx="0">
+            <a:schemeClr val="accent1"/>
+          </a:fillRef>
+          <a:effectRef idx="0">
+            <a:schemeClr val="accent1"/>
+          </a:effectRef>
+          <a:fontRef idx="minor">
+            <a:schemeClr val="tx1"/>
+          </a:fontRef>
+        </p:style>
+      </p:cxnSp>
+      <p:cxnSp>
+        <p:nvCxnSpPr>
+          <p:cNvPr id="83" name="Straight Arrow Connector 82"/>
+          <p:cNvCxnSpPr>
+            <a:stCxn id="33" idx="0"/>
+            <a:endCxn id="23" idx="5"/>
+          </p:cNvCxnSpPr>
+          <p:nvPr/>
+        </p:nvCxnSpPr>
+        <p:spPr>
+          <a:xfrm flipH="1" flipV="1">
+            <a:off x="5510321" y="3854033"/>
+            <a:ext cx="43585" cy="309694"/>
+          </a:xfrm>
+          <a:prstGeom prst="straightConnector1">
+            <a:avLst/>
+          </a:prstGeom>
+          <a:ln>
+            <a:tailEnd type="triangle"/>
+          </a:ln>
+        </p:spPr>
+        <p:style>
+          <a:lnRef idx="1">
+            <a:schemeClr val="accent1"/>
+          </a:lnRef>
+          <a:fillRef idx="0">
+            <a:schemeClr val="accent1"/>
+          </a:fillRef>
+          <a:effectRef idx="0">
+            <a:schemeClr val="accent1"/>
+          </a:effectRef>
+          <a:fontRef idx="minor">
+            <a:schemeClr val="tx1"/>
+          </a:fontRef>
+        </p:style>
+      </p:cxnSp>
+      <p:sp>
+        <p:nvSpPr>
+          <p:cNvPr id="84" name="Freeform 83"/>
+          <p:cNvSpPr/>
+          <p:nvPr/>
+        </p:nvSpPr>
+        <p:spPr>
+          <a:xfrm>
+            <a:off x="4954392" y="2928802"/>
+            <a:ext cx="247320" cy="740752"/>
+          </a:xfrm>
+          <a:custGeom>
+            <a:avLst/>
+            <a:gdLst>
+              <a:gd name="connsiteX0" fmla="*/ 221232 w 245137"/>
+              <a:gd name="connsiteY0" fmla="*/ 0 h 699247"/>
+              <a:gd name="connsiteX1" fmla="*/ 102 w 245137"/>
+              <a:gd name="connsiteY1" fmla="*/ 304800 h 699247"/>
+              <a:gd name="connsiteX2" fmla="*/ 245137 w 245137"/>
+              <a:gd name="connsiteY2" fmla="*/ 699247 h 699247"/>
+            </a:gdLst>
+            <a:ahLst/>
+            <a:cxnLst>
+              <a:cxn ang="0">
+                <a:pos x="connsiteX0" y="connsiteY0"/>
+              </a:cxn>
+              <a:cxn ang="0">
+                <a:pos x="connsiteX1" y="connsiteY1"/>
+              </a:cxn>
+              <a:cxn ang="0">
+                <a:pos x="connsiteX2" y="connsiteY2"/>
+              </a:cxn>
+            </a:cxnLst>
+            <a:rect l="l" t="t" r="r" b="b"/>
+            <a:pathLst>
+              <a:path w="245137" h="699247">
+                <a:moveTo>
+                  <a:pt x="221232" y="0"/>
+                </a:moveTo>
+                <a:cubicBezTo>
+                  <a:pt x="108675" y="94129"/>
+                  <a:pt x="-3882" y="188259"/>
+                  <a:pt x="102" y="304800"/>
+                </a:cubicBezTo>
+                <a:cubicBezTo>
+                  <a:pt x="4086" y="421341"/>
+                  <a:pt x="124611" y="560294"/>
+                  <a:pt x="245137" y="699247"/>
+                </a:cubicBezTo>
+              </a:path>
+            </a:pathLst>
+          </a:custGeom>
+          <a:noFill/>
+          <a:ln>
+            <a:headEnd type="none" w="med" len="med"/>
+            <a:tailEnd type="triangle" w="med" len="med"/>
+          </a:ln>
+        </p:spPr>
+        <p:style>
+          <a:lnRef idx="2">
+            <a:schemeClr val="accent1">
+              <a:shade val="50000"/>
+            </a:schemeClr>
+          </a:lnRef>
+          <a:fillRef idx="1">
+            <a:schemeClr val="accent1"/>
+          </a:fillRef>
+          <a:effectRef idx="0">
+            <a:schemeClr val="accent1"/>
+          </a:effectRef>
+          <a:fontRef idx="minor">
+            <a:schemeClr val="lt1"/>
+          </a:fontRef>
+        </p:style>
+        <p:txBody>
+          <a:bodyPr rtlCol="0" anchor="ctr"/>
+          <a:lstStyle/>
+          <a:p>
+            <a:pPr algn="ctr"/>
+            <a:endParaRPr lang="en-GB"/>
+          </a:p>
+        </p:txBody>
+      </p:sp>
+      <p:sp>
+        <p:nvSpPr>
+          <p:cNvPr id="85" name="Freeform 84"/>
+          <p:cNvSpPr/>
+          <p:nvPr/>
+        </p:nvSpPr>
+        <p:spPr>
+          <a:xfrm>
+            <a:off x="5444565" y="2982259"/>
+            <a:ext cx="171842" cy="286870"/>
+          </a:xfrm>
+          <a:custGeom>
+            <a:avLst/>
+            <a:gdLst>
+              <a:gd name="connsiteX0" fmla="*/ 107576 w 171842"/>
+              <a:gd name="connsiteY0" fmla="*/ 0 h 286870"/>
+              <a:gd name="connsiteX1" fmla="*/ 167341 w 171842"/>
+              <a:gd name="connsiteY1" fmla="*/ 185270 h 286870"/>
+              <a:gd name="connsiteX2" fmla="*/ 0 w 171842"/>
+              <a:gd name="connsiteY2" fmla="*/ 286870 h 286870"/>
+            </a:gdLst>
+            <a:ahLst/>
+            <a:cxnLst>
+              <a:cxn ang="0">
+                <a:pos x="connsiteX0" y="connsiteY0"/>
+              </a:cxn>
+              <a:cxn ang="0">
+                <a:pos x="connsiteX1" y="connsiteY1"/>
+              </a:cxn>
+              <a:cxn ang="0">
+                <a:pos x="connsiteX2" y="connsiteY2"/>
+              </a:cxn>
+            </a:cxnLst>
+            <a:rect l="l" t="t" r="r" b="b"/>
+            <a:pathLst>
+              <a:path w="171842" h="286870">
+                <a:moveTo>
+                  <a:pt x="107576" y="0"/>
+                </a:moveTo>
+                <a:cubicBezTo>
+                  <a:pt x="146423" y="68729"/>
+                  <a:pt x="185270" y="137458"/>
+                  <a:pt x="167341" y="185270"/>
+                </a:cubicBezTo>
+                <a:cubicBezTo>
+                  <a:pt x="149412" y="233082"/>
+                  <a:pt x="74706" y="259976"/>
+                  <a:pt x="0" y="286870"/>
+                </a:cubicBezTo>
+              </a:path>
+            </a:pathLst>
+          </a:custGeom>
+          <a:noFill/>
+          <a:ln>
+            <a:headEnd type="none" w="med" len="med"/>
+            <a:tailEnd type="triangle" w="med" len="med"/>
+          </a:ln>
+        </p:spPr>
+        <p:style>
+          <a:lnRef idx="2">
+            <a:schemeClr val="accent1">
+              <a:shade val="50000"/>
+            </a:schemeClr>
+          </a:lnRef>
+          <a:fillRef idx="1">
+            <a:schemeClr val="accent1"/>
+          </a:fillRef>
+          <a:effectRef idx="0">
+            <a:schemeClr val="accent1"/>
+          </a:effectRef>
+          <a:fontRef idx="minor">
+            <a:schemeClr val="lt1"/>
+          </a:fontRef>
+        </p:style>
+        <p:txBody>
+          <a:bodyPr rtlCol="0" anchor="ctr"/>
+          <a:lstStyle/>
+          <a:p>
+            <a:pPr algn="ctr"/>
+            <a:endParaRPr lang="en-GB"/>
+          </a:p>
+        </p:txBody>
+      </p:sp>
+      <p:sp>
+        <p:nvSpPr>
+          <p:cNvPr id="86" name="Freeform 85"/>
+          <p:cNvSpPr/>
+          <p:nvPr/>
+        </p:nvSpPr>
+        <p:spPr>
+          <a:xfrm rot="9000000">
+            <a:off x="5170131" y="3017657"/>
+            <a:ext cx="171842" cy="286870"/>
+          </a:xfrm>
+          <a:custGeom>
+            <a:avLst/>
+            <a:gdLst>
+              <a:gd name="connsiteX0" fmla="*/ 107576 w 171842"/>
+              <a:gd name="connsiteY0" fmla="*/ 0 h 286870"/>
+              <a:gd name="connsiteX1" fmla="*/ 167341 w 171842"/>
+              <a:gd name="connsiteY1" fmla="*/ 185270 h 286870"/>
+              <a:gd name="connsiteX2" fmla="*/ 0 w 171842"/>
+              <a:gd name="connsiteY2" fmla="*/ 286870 h 286870"/>
+            </a:gdLst>
+            <a:ahLst/>
+            <a:cxnLst>
+              <a:cxn ang="0">
+                <a:pos x="connsiteX0" y="connsiteY0"/>
+              </a:cxn>
+              <a:cxn ang="0">
+                <a:pos x="connsiteX1" y="connsiteY1"/>
+              </a:cxn>
+              <a:cxn ang="0">
+                <a:pos x="connsiteX2" y="connsiteY2"/>
+              </a:cxn>
+            </a:cxnLst>
+            <a:rect l="l" t="t" r="r" b="b"/>
+            <a:pathLst>
+              <a:path w="171842" h="286870">
+                <a:moveTo>
+                  <a:pt x="107576" y="0"/>
+                </a:moveTo>
+                <a:cubicBezTo>
+                  <a:pt x="146423" y="68729"/>
+                  <a:pt x="185270" y="137458"/>
+                  <a:pt x="167341" y="185270"/>
+                </a:cubicBezTo>
+                <a:cubicBezTo>
+                  <a:pt x="149412" y="233082"/>
+                  <a:pt x="74706" y="259976"/>
+                  <a:pt x="0" y="286870"/>
+                </a:cubicBezTo>
+              </a:path>
+            </a:pathLst>
+          </a:custGeom>
+          <a:noFill/>
+          <a:ln>
+            <a:headEnd type="none" w="med" len="med"/>
+            <a:tailEnd type="triangle" w="med" len="med"/>
+          </a:ln>
+        </p:spPr>
+        <p:style>
+          <a:lnRef idx="2">
+            <a:schemeClr val="accent1">
+              <a:shade val="50000"/>
+            </a:schemeClr>
+          </a:lnRef>
+          <a:fillRef idx="1">
+            <a:schemeClr val="accent1"/>
+          </a:fillRef>
+          <a:effectRef idx="0">
+            <a:schemeClr val="accent1"/>
+          </a:effectRef>
+          <a:fontRef idx="minor">
+            <a:schemeClr val="lt1"/>
+          </a:fontRef>
+        </p:style>
+        <p:txBody>
+          <a:bodyPr rtlCol="0" anchor="ctr"/>
+          <a:lstStyle/>
+          <a:p>
+            <a:pPr algn="ctr"/>
+            <a:endParaRPr lang="en-GB"/>
+          </a:p>
+        </p:txBody>
+      </p:sp>
+      <p:sp>
+        <p:nvSpPr>
+          <p:cNvPr id="87" name="TextBox 86"/>
+          <p:cNvSpPr txBox="1"/>
+          <p:nvPr/>
+        </p:nvSpPr>
+        <p:spPr>
+          <a:xfrm>
+            <a:off x="4985985" y="2104967"/>
+            <a:ext cx="744114" cy="246221"/>
+          </a:xfrm>
+          <a:prstGeom prst="rect">
+            <a:avLst/>
+          </a:prstGeom>
+          <a:noFill/>
+        </p:spPr>
+        <p:txBody>
+          <a:bodyPr wrap="none" rtlCol="0">
+            <a:spAutoFit/>
+          </a:bodyPr>
+          <a:lstStyle/>
+          <a:p>
+            <a:pPr algn="ctr"/>
+            <a:r>
+              <a:rPr lang="en-GB" sz="1000" b="1" dirty="0" smtClean="0"/>
+              <a:t>LSTM CELL</a:t>
+            </a:r>
+            <a:endParaRPr lang="en-GB" sz="1000" b="1" dirty="0"/>
+          </a:p>
+        </p:txBody>
+      </p:sp>
+      <p:pic>
+        <p:nvPicPr>
+          <p:cNvPr id="88" name="Picture 87"/>
+          <p:cNvPicPr>
+            <a:picLocks noChangeAspect="1"/>
+          </p:cNvPicPr>
+          <p:nvPr/>
+        </p:nvPicPr>
+        <p:blipFill>
+          <a:blip r:embed="rId15"/>
+          <a:stretch>
+            <a:fillRect/>
+          </a:stretch>
+        </p:blipFill>
+        <p:spPr>
+          <a:xfrm>
+            <a:off x="243161" y="349773"/>
+            <a:ext cx="3562350" cy="2019300"/>
+          </a:xfrm>
+          <a:prstGeom prst="rect">
+            <a:avLst/>
+          </a:prstGeom>
+        </p:spPr>
+      </p:pic>
     </p:spTree>
     <p:extLst>
       <p:ext uri="{BB962C8B-B14F-4D97-AF65-F5344CB8AC3E}">
         <p14:creationId xmlns:p14="http://schemas.microsoft.com/office/powerpoint/2010/main" val="207074584"/>
+      </p:ext>
+    </p:extLst>
+  </p:cSld>
+  <p:clrMapOvr>
+    <a:masterClrMapping/>
+  </p:clrMapOvr>
+</p:sld>
+</file>
+
+<file path=ppt/slides/slide2.xml><?xml version="1.0" encoding="utf-8"?>
+<p:sld xmlns:a="http://schemas.openxmlformats.org/drawingml/2006/main" xmlns:r="http://schemas.openxmlformats.org/officeDocument/2006/relationships" xmlns:p="http://schemas.openxmlformats.org/presentationml/2006/main">
+  <p:cSld>
+    <p:spTree>
+      <p:nvGrpSpPr>
+        <p:cNvPr id="1" name=""/>
+        <p:cNvGrpSpPr/>
+        <p:nvPr/>
+      </p:nvGrpSpPr>
+      <p:grpSpPr>
+        <a:xfrm>
+          <a:off x="0" y="0"/>
+          <a:ext cx="0" cy="0"/>
+          <a:chOff x="0" y="0"/>
+          <a:chExt cx="0" cy="0"/>
+        </a:xfrm>
+      </p:grpSpPr>
+      <p:sp>
+        <p:nvSpPr>
+          <p:cNvPr id="7" name="Rectangle 6"/>
+          <p:cNvSpPr/>
+          <p:nvPr/>
+        </p:nvSpPr>
+        <p:spPr>
+          <a:xfrm>
+            <a:off x="3682538" y="1596044"/>
+            <a:ext cx="3399906" cy="2310938"/>
+          </a:xfrm>
+          <a:prstGeom prst="rect">
+            <a:avLst/>
+          </a:prstGeom>
+          <a:noFill/>
+        </p:spPr>
+        <p:style>
+          <a:lnRef idx="2">
+            <a:schemeClr val="accent1">
+              <a:shade val="50000"/>
+            </a:schemeClr>
+          </a:lnRef>
+          <a:fillRef idx="1">
+            <a:schemeClr val="accent1"/>
+          </a:fillRef>
+          <a:effectRef idx="0">
+            <a:schemeClr val="accent1"/>
+          </a:effectRef>
+          <a:fontRef idx="minor">
+            <a:schemeClr val="lt1"/>
+          </a:fontRef>
+        </p:style>
+        <p:txBody>
+          <a:bodyPr rtlCol="0" anchor="ctr"/>
+          <a:lstStyle/>
+          <a:p>
+            <a:pPr algn="ctr"/>
+            <a:endParaRPr lang="en-GB"/>
+          </a:p>
+        </p:txBody>
+      </p:sp>
+      <p:sp>
+        <p:nvSpPr>
+          <p:cNvPr id="8" name="Flowchart: Summing Junction 7"/>
+          <p:cNvSpPr/>
+          <p:nvPr/>
+        </p:nvSpPr>
+        <p:spPr>
+          <a:xfrm>
+            <a:off x="4510396" y="2719744"/>
+            <a:ext cx="139834" cy="139834"/>
+          </a:xfrm>
+          <a:prstGeom prst="flowChartSummingJunction">
+            <a:avLst/>
+          </a:prstGeom>
+          <a:noFill/>
+        </p:spPr>
+        <p:style>
+          <a:lnRef idx="2">
+            <a:schemeClr val="accent1">
+              <a:shade val="50000"/>
+            </a:schemeClr>
+          </a:lnRef>
+          <a:fillRef idx="1">
+            <a:schemeClr val="accent1"/>
+          </a:fillRef>
+          <a:effectRef idx="0">
+            <a:schemeClr val="accent1"/>
+          </a:effectRef>
+          <a:fontRef idx="minor">
+            <a:schemeClr val="lt1"/>
+          </a:fontRef>
+        </p:style>
+        <p:txBody>
+          <a:bodyPr rtlCol="0" anchor="ctr"/>
+          <a:lstStyle/>
+          <a:p>
+            <a:pPr algn="ctr"/>
+            <a:endParaRPr lang="en-GB"/>
+          </a:p>
+        </p:txBody>
+      </p:sp>
+      <p:grpSp>
+        <p:nvGrpSpPr>
+          <p:cNvPr id="13" name="Group 12"/>
+          <p:cNvGrpSpPr/>
+          <p:nvPr/>
+        </p:nvGrpSpPr>
+        <p:grpSpPr>
+          <a:xfrm>
+            <a:off x="3694962" y="2608882"/>
+            <a:ext cx="361558" cy="361558"/>
+            <a:chOff x="3694962" y="2623671"/>
+            <a:chExt cx="361558" cy="361558"/>
+          </a:xfrm>
+        </p:grpSpPr>
+        <p:sp>
+          <p:nvSpPr>
+            <p:cNvPr id="11" name="Freeform 10"/>
+            <p:cNvSpPr/>
+            <p:nvPr/>
+          </p:nvSpPr>
+          <p:spPr>
+            <a:xfrm>
+              <a:off x="3765176" y="2716385"/>
+              <a:ext cx="221130" cy="176131"/>
+            </a:xfrm>
+            <a:custGeom>
+              <a:avLst/>
+              <a:gdLst>
+                <a:gd name="connsiteX0" fmla="*/ 0 w 221130"/>
+                <a:gd name="connsiteY0" fmla="*/ 170250 h 176131"/>
+                <a:gd name="connsiteX1" fmla="*/ 71718 w 221130"/>
+                <a:gd name="connsiteY1" fmla="*/ 158297 h 176131"/>
+                <a:gd name="connsiteX2" fmla="*/ 137459 w 221130"/>
+                <a:gd name="connsiteY2" fmla="*/ 20839 h 176131"/>
+                <a:gd name="connsiteX3" fmla="*/ 221130 w 221130"/>
+                <a:gd name="connsiteY3" fmla="*/ 2909 h 176131"/>
+              </a:gdLst>
+              <a:ahLst/>
+              <a:cxnLst>
+                <a:cxn ang="0">
+                  <a:pos x="connsiteX0" y="connsiteY0"/>
+                </a:cxn>
+                <a:cxn ang="0">
+                  <a:pos x="connsiteX1" y="connsiteY1"/>
+                </a:cxn>
+                <a:cxn ang="0">
+                  <a:pos x="connsiteX2" y="connsiteY2"/>
+                </a:cxn>
+                <a:cxn ang="0">
+                  <a:pos x="connsiteX3" y="connsiteY3"/>
+                </a:cxn>
+              </a:cxnLst>
+              <a:rect l="l" t="t" r="r" b="b"/>
+              <a:pathLst>
+                <a:path w="221130" h="176131">
+                  <a:moveTo>
+                    <a:pt x="0" y="170250"/>
+                  </a:moveTo>
+                  <a:cubicBezTo>
+                    <a:pt x="24404" y="176724"/>
+                    <a:pt x="48808" y="183199"/>
+                    <a:pt x="71718" y="158297"/>
+                  </a:cubicBezTo>
+                  <a:cubicBezTo>
+                    <a:pt x="94628" y="133395"/>
+                    <a:pt x="112557" y="46737"/>
+                    <a:pt x="137459" y="20839"/>
+                  </a:cubicBezTo>
+                  <a:cubicBezTo>
+                    <a:pt x="162361" y="-5059"/>
+                    <a:pt x="191745" y="-1075"/>
+                    <a:pt x="221130" y="2909"/>
+                  </a:cubicBezTo>
+                </a:path>
+              </a:pathLst>
+            </a:custGeom>
+            <a:noFill/>
+            <a:ln w="19050"/>
+          </p:spPr>
+          <p:style>
+            <a:lnRef idx="2">
+              <a:schemeClr val="accent1">
+                <a:shade val="50000"/>
+              </a:schemeClr>
+            </a:lnRef>
+            <a:fillRef idx="1">
+              <a:schemeClr val="accent1"/>
+            </a:fillRef>
+            <a:effectRef idx="0">
+              <a:schemeClr val="accent1"/>
+            </a:effectRef>
+            <a:fontRef idx="minor">
+              <a:schemeClr val="lt1"/>
+            </a:fontRef>
+          </p:style>
+          <p:txBody>
+            <a:bodyPr rtlCol="0" anchor="ctr"/>
+            <a:lstStyle/>
+            <a:p>
+              <a:pPr algn="ctr"/>
+              <a:endParaRPr lang="en-GB"/>
+            </a:p>
+          </p:txBody>
+        </p:sp>
+        <p:sp>
+          <p:nvSpPr>
+            <p:cNvPr id="12" name="Oval 11"/>
+            <p:cNvSpPr/>
+            <p:nvPr/>
+          </p:nvSpPr>
+          <p:spPr>
+            <a:xfrm>
+              <a:off x="3694962" y="2623671"/>
+              <a:ext cx="361558" cy="361558"/>
+            </a:xfrm>
+            <a:prstGeom prst="ellipse">
+              <a:avLst/>
+            </a:prstGeom>
+            <a:noFill/>
+          </p:spPr>
+          <p:style>
+            <a:lnRef idx="2">
+              <a:schemeClr val="accent1">
+                <a:shade val="50000"/>
+              </a:schemeClr>
+            </a:lnRef>
+            <a:fillRef idx="1">
+              <a:schemeClr val="accent1"/>
+            </a:fillRef>
+            <a:effectRef idx="0">
+              <a:schemeClr val="accent1"/>
+            </a:effectRef>
+            <a:fontRef idx="minor">
+              <a:schemeClr val="lt1"/>
+            </a:fontRef>
+          </p:style>
+          <p:txBody>
+            <a:bodyPr rtlCol="0" anchor="ctr"/>
+            <a:lstStyle/>
+            <a:p>
+              <a:pPr algn="ctr"/>
+              <a:endParaRPr lang="en-GB"/>
+            </a:p>
+          </p:txBody>
+        </p:sp>
+      </p:grpSp>
+      <p:grpSp>
+        <p:nvGrpSpPr>
+          <p:cNvPr id="14" name="Group 13"/>
+          <p:cNvGrpSpPr/>
+          <p:nvPr/>
+        </p:nvGrpSpPr>
+        <p:grpSpPr>
+          <a:xfrm>
+            <a:off x="5997308" y="2608882"/>
+            <a:ext cx="361558" cy="361558"/>
+            <a:chOff x="3694962" y="2623671"/>
+            <a:chExt cx="361558" cy="361558"/>
+          </a:xfrm>
+        </p:grpSpPr>
+        <p:sp>
+          <p:nvSpPr>
+            <p:cNvPr id="15" name="Freeform 14"/>
+            <p:cNvSpPr/>
+            <p:nvPr/>
+          </p:nvSpPr>
+          <p:spPr>
+            <a:xfrm>
+              <a:off x="3765176" y="2716385"/>
+              <a:ext cx="221130" cy="176131"/>
+            </a:xfrm>
+            <a:custGeom>
+              <a:avLst/>
+              <a:gdLst>
+                <a:gd name="connsiteX0" fmla="*/ 0 w 221130"/>
+                <a:gd name="connsiteY0" fmla="*/ 170250 h 176131"/>
+                <a:gd name="connsiteX1" fmla="*/ 71718 w 221130"/>
+                <a:gd name="connsiteY1" fmla="*/ 158297 h 176131"/>
+                <a:gd name="connsiteX2" fmla="*/ 137459 w 221130"/>
+                <a:gd name="connsiteY2" fmla="*/ 20839 h 176131"/>
+                <a:gd name="connsiteX3" fmla="*/ 221130 w 221130"/>
+                <a:gd name="connsiteY3" fmla="*/ 2909 h 176131"/>
+              </a:gdLst>
+              <a:ahLst/>
+              <a:cxnLst>
+                <a:cxn ang="0">
+                  <a:pos x="connsiteX0" y="connsiteY0"/>
+                </a:cxn>
+                <a:cxn ang="0">
+                  <a:pos x="connsiteX1" y="connsiteY1"/>
+                </a:cxn>
+                <a:cxn ang="0">
+                  <a:pos x="connsiteX2" y="connsiteY2"/>
+                </a:cxn>
+                <a:cxn ang="0">
+                  <a:pos x="connsiteX3" y="connsiteY3"/>
+                </a:cxn>
+              </a:cxnLst>
+              <a:rect l="l" t="t" r="r" b="b"/>
+              <a:pathLst>
+                <a:path w="221130" h="176131">
+                  <a:moveTo>
+                    <a:pt x="0" y="170250"/>
+                  </a:moveTo>
+                  <a:cubicBezTo>
+                    <a:pt x="24404" y="176724"/>
+                    <a:pt x="48808" y="183199"/>
+                    <a:pt x="71718" y="158297"/>
+                  </a:cubicBezTo>
+                  <a:cubicBezTo>
+                    <a:pt x="94628" y="133395"/>
+                    <a:pt x="112557" y="46737"/>
+                    <a:pt x="137459" y="20839"/>
+                  </a:cubicBezTo>
+                  <a:cubicBezTo>
+                    <a:pt x="162361" y="-5059"/>
+                    <a:pt x="191745" y="-1075"/>
+                    <a:pt x="221130" y="2909"/>
+                  </a:cubicBezTo>
+                </a:path>
+              </a:pathLst>
+            </a:custGeom>
+            <a:noFill/>
+            <a:ln w="19050"/>
+          </p:spPr>
+          <p:style>
+            <a:lnRef idx="2">
+              <a:schemeClr val="accent1">
+                <a:shade val="50000"/>
+              </a:schemeClr>
+            </a:lnRef>
+            <a:fillRef idx="1">
+              <a:schemeClr val="accent1"/>
+            </a:fillRef>
+            <a:effectRef idx="0">
+              <a:schemeClr val="accent1"/>
+            </a:effectRef>
+            <a:fontRef idx="minor">
+              <a:schemeClr val="lt1"/>
+            </a:fontRef>
+          </p:style>
+          <p:txBody>
+            <a:bodyPr rtlCol="0" anchor="ctr"/>
+            <a:lstStyle/>
+            <a:p>
+              <a:pPr algn="ctr"/>
+              <a:endParaRPr lang="en-GB"/>
+            </a:p>
+          </p:txBody>
+        </p:sp>
+        <p:sp>
+          <p:nvSpPr>
+            <p:cNvPr id="16" name="Oval 15"/>
+            <p:cNvSpPr/>
+            <p:nvPr/>
+          </p:nvSpPr>
+          <p:spPr>
+            <a:xfrm>
+              <a:off x="3694962" y="2623671"/>
+              <a:ext cx="361558" cy="361558"/>
+            </a:xfrm>
+            <a:prstGeom prst="ellipse">
+              <a:avLst/>
+            </a:prstGeom>
+            <a:noFill/>
+          </p:spPr>
+          <p:style>
+            <a:lnRef idx="2">
+              <a:schemeClr val="accent1">
+                <a:shade val="50000"/>
+              </a:schemeClr>
+            </a:lnRef>
+            <a:fillRef idx="1">
+              <a:schemeClr val="accent1"/>
+            </a:fillRef>
+            <a:effectRef idx="0">
+              <a:schemeClr val="accent1"/>
+            </a:effectRef>
+            <a:fontRef idx="minor">
+              <a:schemeClr val="lt1"/>
+            </a:fontRef>
+          </p:style>
+          <p:txBody>
+            <a:bodyPr rtlCol="0" anchor="ctr"/>
+            <a:lstStyle/>
+            <a:p>
+              <a:pPr algn="ctr"/>
+              <a:endParaRPr lang="en-GB"/>
+            </a:p>
+          </p:txBody>
+        </p:sp>
+      </p:grpSp>
+      <p:grpSp>
+        <p:nvGrpSpPr>
+          <p:cNvPr id="21" name="Group 20"/>
+          <p:cNvGrpSpPr/>
+          <p:nvPr/>
+        </p:nvGrpSpPr>
+        <p:grpSpPr>
+          <a:xfrm>
+            <a:off x="4399534" y="1605329"/>
+            <a:ext cx="361558" cy="361558"/>
+            <a:chOff x="4399534" y="1605329"/>
+            <a:chExt cx="361558" cy="361558"/>
+          </a:xfrm>
+        </p:grpSpPr>
+        <p:sp>
+          <p:nvSpPr>
+            <p:cNvPr id="19" name="Oval 18"/>
+            <p:cNvSpPr/>
+            <p:nvPr/>
+          </p:nvSpPr>
+          <p:spPr>
+            <a:xfrm>
+              <a:off x="4399534" y="1605329"/>
+              <a:ext cx="361558" cy="361558"/>
+            </a:xfrm>
+            <a:prstGeom prst="ellipse">
+              <a:avLst/>
+            </a:prstGeom>
+            <a:noFill/>
+          </p:spPr>
+          <p:style>
+            <a:lnRef idx="2">
+              <a:schemeClr val="accent1">
+                <a:shade val="50000"/>
+              </a:schemeClr>
+            </a:lnRef>
+            <a:fillRef idx="1">
+              <a:schemeClr val="accent1"/>
+            </a:fillRef>
+            <a:effectRef idx="0">
+              <a:schemeClr val="accent1"/>
+            </a:effectRef>
+            <a:fontRef idx="minor">
+              <a:schemeClr val="lt1"/>
+            </a:fontRef>
+          </p:style>
+          <p:txBody>
+            <a:bodyPr rtlCol="0" anchor="ctr"/>
+            <a:lstStyle/>
+            <a:p>
+              <a:pPr algn="ctr"/>
+              <a:endParaRPr lang="en-GB"/>
+            </a:p>
+          </p:txBody>
+        </p:sp>
+        <mc:AlternateContent xmlns:mc="http://schemas.openxmlformats.org/markup-compatibility/2006">
+          <mc:Choice xmlns:a14="http://schemas.microsoft.com/office/drawing/2010/main" Requires="a14">
+            <p:sp>
+              <p:nvSpPr>
+                <p:cNvPr id="20" name="TextBox 19"/>
+                <p:cNvSpPr txBox="1"/>
+                <p:nvPr/>
+              </p:nvSpPr>
+              <p:spPr>
+                <a:xfrm>
+                  <a:off x="4485063" y="1662998"/>
+                  <a:ext cx="190501" cy="246221"/>
+                </a:xfrm>
+                <a:prstGeom prst="rect">
+                  <a:avLst/>
+                </a:prstGeom>
+                <a:noFill/>
+              </p:spPr>
+              <p:txBody>
+                <a:bodyPr wrap="none" lIns="0" tIns="0" rIns="0" bIns="0" rtlCol="0">
+                  <a:spAutoFit/>
+                </a:bodyPr>
+                <a:lstStyle/>
+                <a:p>
+                  <a14:m>
+                    <m:oMathPara xmlns:m="http://schemas.openxmlformats.org/officeDocument/2006/math">
+                      <m:oMathParaPr>
+                        <m:jc m:val="centerGroup"/>
+                      </m:oMathParaPr>
+                      <m:oMath xmlns:m="http://schemas.openxmlformats.org/officeDocument/2006/math">
+                        <m:sSub>
+                          <m:sSubPr>
+                            <m:ctrlPr>
+                              <a:rPr lang="en-GB" sz="1600" b="0" i="1" smtClean="0">
+                                <a:latin typeface="Cambria Math" panose="02040503050406030204" pitchFamily="18" charset="0"/>
+                              </a:rPr>
+                            </m:ctrlPr>
+                          </m:sSubPr>
+                          <m:e>
+                            <m:r>
+                              <a:rPr lang="en-GB" sz="1600" b="0" i="1" smtClean="0">
+                                <a:latin typeface="Cambria Math" panose="02040503050406030204" pitchFamily="18" charset="0"/>
+                              </a:rPr>
+                              <m:t>𝑖</m:t>
+                            </m:r>
+                          </m:e>
+                          <m:sub>
+                            <m:r>
+                              <a:rPr lang="en-GB" sz="1600" b="0" i="1" smtClean="0">
+                                <a:latin typeface="Cambria Math" panose="02040503050406030204" pitchFamily="18" charset="0"/>
+                              </a:rPr>
+                              <m:t>𝑡</m:t>
+                            </m:r>
+                          </m:sub>
+                        </m:sSub>
+                      </m:oMath>
+                    </m:oMathPara>
+                  </a14:m>
+                  <a:endParaRPr lang="en-GB" dirty="0"/>
+                </a:p>
+              </p:txBody>
+            </p:sp>
+          </mc:Choice>
+          <mc:Fallback>
+            <p:sp>
+              <p:nvSpPr>
+                <p:cNvPr id="20" name="TextBox 19"/>
+                <p:cNvSpPr txBox="1">
+                  <a:spLocks noRot="1" noChangeAspect="1" noMove="1" noResize="1" noEditPoints="1" noAdjustHandles="1" noChangeArrowheads="1" noChangeShapeType="1" noTextEdit="1"/>
+                </p:cNvSpPr>
+                <p:nvPr/>
+              </p:nvSpPr>
+              <p:spPr>
+                <a:xfrm>
+                  <a:off x="4485063" y="1662998"/>
+                  <a:ext cx="190501" cy="246221"/>
+                </a:xfrm>
+                <a:prstGeom prst="rect">
+                  <a:avLst/>
+                </a:prstGeom>
+                <a:blipFill>
+                  <a:blip r:embed="rId2"/>
+                  <a:stretch>
+                    <a:fillRect l="-25806" r="-6452" b="-15000"/>
+                  </a:stretch>
+                </a:blipFill>
+              </p:spPr>
+              <p:txBody>
+                <a:bodyPr/>
+                <a:lstStyle/>
+                <a:p>
+                  <a:r>
+                    <a:rPr lang="en-GB">
+                      <a:noFill/>
+                    </a:rPr>
+                    <a:t> </a:t>
+                  </a:r>
+                </a:p>
+              </p:txBody>
+            </p:sp>
+          </mc:Fallback>
+        </mc:AlternateContent>
+      </p:grpSp>
+      <p:grpSp>
+        <p:nvGrpSpPr>
+          <p:cNvPr id="22" name="Group 21"/>
+          <p:cNvGrpSpPr/>
+          <p:nvPr/>
+        </p:nvGrpSpPr>
+        <p:grpSpPr>
+          <a:xfrm>
+            <a:off x="5201712" y="3545424"/>
+            <a:ext cx="361558" cy="361558"/>
+            <a:chOff x="4399534" y="1605329"/>
+            <a:chExt cx="361558" cy="361558"/>
+          </a:xfrm>
+        </p:grpSpPr>
+        <p:sp>
+          <p:nvSpPr>
+            <p:cNvPr id="23" name="Oval 22"/>
+            <p:cNvSpPr/>
+            <p:nvPr/>
+          </p:nvSpPr>
+          <p:spPr>
+            <a:xfrm>
+              <a:off x="4399534" y="1605329"/>
+              <a:ext cx="361558" cy="361558"/>
+            </a:xfrm>
+            <a:prstGeom prst="ellipse">
+              <a:avLst/>
+            </a:prstGeom>
+            <a:noFill/>
+          </p:spPr>
+          <p:style>
+            <a:lnRef idx="2">
+              <a:schemeClr val="accent1">
+                <a:shade val="50000"/>
+              </a:schemeClr>
+            </a:lnRef>
+            <a:fillRef idx="1">
+              <a:schemeClr val="accent1"/>
+            </a:fillRef>
+            <a:effectRef idx="0">
+              <a:schemeClr val="accent1"/>
+            </a:effectRef>
+            <a:fontRef idx="minor">
+              <a:schemeClr val="lt1"/>
+            </a:fontRef>
+          </p:style>
+          <p:txBody>
+            <a:bodyPr rtlCol="0" anchor="ctr"/>
+            <a:lstStyle/>
+            <a:p>
+              <a:pPr algn="ctr"/>
+              <a:endParaRPr lang="en-GB"/>
+            </a:p>
+          </p:txBody>
+        </p:sp>
+        <mc:AlternateContent xmlns:mc="http://schemas.openxmlformats.org/markup-compatibility/2006">
+          <mc:Choice xmlns:a14="http://schemas.microsoft.com/office/drawing/2010/main" Requires="a14">
+            <p:sp>
+              <p:nvSpPr>
+                <p:cNvPr id="24" name="TextBox 23"/>
+                <p:cNvSpPr txBox="1"/>
+                <p:nvPr/>
+              </p:nvSpPr>
+              <p:spPr>
+                <a:xfrm>
+                  <a:off x="4485063" y="1662998"/>
+                  <a:ext cx="190501" cy="246221"/>
+                </a:xfrm>
+                <a:prstGeom prst="rect">
+                  <a:avLst/>
+                </a:prstGeom>
+                <a:noFill/>
+              </p:spPr>
+              <p:txBody>
+                <a:bodyPr wrap="none" lIns="0" tIns="0" rIns="0" bIns="0" rtlCol="0">
+                  <a:spAutoFit/>
+                </a:bodyPr>
+                <a:lstStyle/>
+                <a:p>
+                  <a14:m>
+                    <m:oMathPara xmlns:m="http://schemas.openxmlformats.org/officeDocument/2006/math">
+                      <m:oMathParaPr>
+                        <m:jc m:val="centerGroup"/>
+                      </m:oMathParaPr>
+                      <m:oMath xmlns:m="http://schemas.openxmlformats.org/officeDocument/2006/math">
+                        <m:sSub>
+                          <m:sSubPr>
+                            <m:ctrlPr>
+                              <a:rPr lang="en-GB" sz="1600" b="0" i="1" smtClean="0">
+                                <a:latin typeface="Cambria Math" panose="02040503050406030204" pitchFamily="18" charset="0"/>
+                              </a:rPr>
+                            </m:ctrlPr>
+                          </m:sSubPr>
+                          <m:e>
+                            <m:r>
+                              <a:rPr lang="en-GB" sz="1600" b="0" i="1" smtClean="0">
+                                <a:latin typeface="Cambria Math" panose="02040503050406030204" pitchFamily="18" charset="0"/>
+                              </a:rPr>
+                              <m:t>𝑖</m:t>
+                            </m:r>
+                          </m:e>
+                          <m:sub>
+                            <m:r>
+                              <a:rPr lang="en-GB" sz="1600" b="0" i="1" smtClean="0">
+                                <a:latin typeface="Cambria Math" panose="02040503050406030204" pitchFamily="18" charset="0"/>
+                              </a:rPr>
+                              <m:t>𝑡</m:t>
+                            </m:r>
+                          </m:sub>
+                        </m:sSub>
+                      </m:oMath>
+                    </m:oMathPara>
+                  </a14:m>
+                  <a:endParaRPr lang="en-GB" dirty="0"/>
+                </a:p>
+              </p:txBody>
+            </p:sp>
+          </mc:Choice>
+          <mc:Fallback>
+            <p:sp>
+              <p:nvSpPr>
+                <p:cNvPr id="24" name="TextBox 23"/>
+                <p:cNvSpPr txBox="1">
+                  <a:spLocks noRot="1" noChangeAspect="1" noMove="1" noResize="1" noEditPoints="1" noAdjustHandles="1" noChangeArrowheads="1" noChangeShapeType="1" noTextEdit="1"/>
+                </p:cNvSpPr>
+                <p:nvPr/>
+              </p:nvSpPr>
+              <p:spPr>
+                <a:xfrm>
+                  <a:off x="4485063" y="1662998"/>
+                  <a:ext cx="190501" cy="246221"/>
+                </a:xfrm>
+                <a:prstGeom prst="rect">
+                  <a:avLst/>
+                </a:prstGeom>
+                <a:blipFill>
+                  <a:blip r:embed="rId3"/>
+                  <a:stretch>
+                    <a:fillRect l="-21875" r="-3125" b="-15000"/>
+                  </a:stretch>
+                </a:blipFill>
+              </p:spPr>
+              <p:txBody>
+                <a:bodyPr/>
+                <a:lstStyle/>
+                <a:p>
+                  <a:r>
+                    <a:rPr lang="en-GB">
+                      <a:noFill/>
+                    </a:rPr>
+                    <a:t> </a:t>
+                  </a:r>
+                </a:p>
+              </p:txBody>
+            </p:sp>
+          </mc:Fallback>
+        </mc:AlternateContent>
+      </p:grpSp>
+      <p:grpSp>
+        <p:nvGrpSpPr>
+          <p:cNvPr id="25" name="Group 24"/>
+          <p:cNvGrpSpPr/>
+          <p:nvPr/>
+        </p:nvGrpSpPr>
+        <p:grpSpPr>
+          <a:xfrm>
+            <a:off x="6720886" y="1605329"/>
+            <a:ext cx="361558" cy="361558"/>
+            <a:chOff x="4399534" y="1605329"/>
+            <a:chExt cx="361558" cy="361558"/>
+          </a:xfrm>
+        </p:grpSpPr>
+        <p:sp>
+          <p:nvSpPr>
+            <p:cNvPr id="26" name="Oval 25"/>
+            <p:cNvSpPr/>
+            <p:nvPr/>
+          </p:nvSpPr>
+          <p:spPr>
+            <a:xfrm>
+              <a:off x="4399534" y="1605329"/>
+              <a:ext cx="361558" cy="361558"/>
+            </a:xfrm>
+            <a:prstGeom prst="ellipse">
+              <a:avLst/>
+            </a:prstGeom>
+            <a:noFill/>
+          </p:spPr>
+          <p:style>
+            <a:lnRef idx="2">
+              <a:schemeClr val="accent1">
+                <a:shade val="50000"/>
+              </a:schemeClr>
+            </a:lnRef>
+            <a:fillRef idx="1">
+              <a:schemeClr val="accent1"/>
+            </a:fillRef>
+            <a:effectRef idx="0">
+              <a:schemeClr val="accent1"/>
+            </a:effectRef>
+            <a:fontRef idx="minor">
+              <a:schemeClr val="lt1"/>
+            </a:fontRef>
+          </p:style>
+          <p:txBody>
+            <a:bodyPr rtlCol="0" anchor="ctr"/>
+            <a:lstStyle/>
+            <a:p>
+              <a:pPr algn="ctr"/>
+              <a:endParaRPr lang="en-GB"/>
+            </a:p>
+          </p:txBody>
+        </p:sp>
+        <mc:AlternateContent xmlns:mc="http://schemas.openxmlformats.org/markup-compatibility/2006">
+          <mc:Choice xmlns:a14="http://schemas.microsoft.com/office/drawing/2010/main" Requires="a14">
+            <p:sp>
+              <p:nvSpPr>
+                <p:cNvPr id="27" name="TextBox 26"/>
+                <p:cNvSpPr txBox="1"/>
+                <p:nvPr/>
+              </p:nvSpPr>
+              <p:spPr>
+                <a:xfrm>
+                  <a:off x="4485063" y="1662998"/>
+                  <a:ext cx="190501" cy="246221"/>
+                </a:xfrm>
+                <a:prstGeom prst="rect">
+                  <a:avLst/>
+                </a:prstGeom>
+                <a:noFill/>
+              </p:spPr>
+              <p:txBody>
+                <a:bodyPr wrap="none" lIns="0" tIns="0" rIns="0" bIns="0" rtlCol="0">
+                  <a:spAutoFit/>
+                </a:bodyPr>
+                <a:lstStyle/>
+                <a:p>
+                  <a14:m>
+                    <m:oMathPara xmlns:m="http://schemas.openxmlformats.org/officeDocument/2006/math">
+                      <m:oMathParaPr>
+                        <m:jc m:val="centerGroup"/>
+                      </m:oMathParaPr>
+                      <m:oMath xmlns:m="http://schemas.openxmlformats.org/officeDocument/2006/math">
+                        <m:sSub>
+                          <m:sSubPr>
+                            <m:ctrlPr>
+                              <a:rPr lang="en-GB" sz="1600" b="0" i="1" smtClean="0">
+                                <a:latin typeface="Cambria Math" panose="02040503050406030204" pitchFamily="18" charset="0"/>
+                              </a:rPr>
+                            </m:ctrlPr>
+                          </m:sSubPr>
+                          <m:e>
+                            <m:r>
+                              <a:rPr lang="en-GB" sz="1600" b="0" i="1" smtClean="0">
+                                <a:latin typeface="Cambria Math" panose="02040503050406030204" pitchFamily="18" charset="0"/>
+                              </a:rPr>
+                              <m:t>𝑖</m:t>
+                            </m:r>
+                          </m:e>
+                          <m:sub>
+                            <m:r>
+                              <a:rPr lang="en-GB" sz="1600" b="0" i="1" smtClean="0">
+                                <a:latin typeface="Cambria Math" panose="02040503050406030204" pitchFamily="18" charset="0"/>
+                              </a:rPr>
+                              <m:t>𝑡</m:t>
+                            </m:r>
+                          </m:sub>
+                        </m:sSub>
+                      </m:oMath>
+                    </m:oMathPara>
+                  </a14:m>
+                  <a:endParaRPr lang="en-GB" dirty="0"/>
+                </a:p>
+              </p:txBody>
+            </p:sp>
+          </mc:Choice>
+          <mc:Fallback>
+            <p:sp>
+              <p:nvSpPr>
+                <p:cNvPr id="27" name="TextBox 26"/>
+                <p:cNvSpPr txBox="1">
+                  <a:spLocks noRot="1" noChangeAspect="1" noMove="1" noResize="1" noEditPoints="1" noAdjustHandles="1" noChangeArrowheads="1" noChangeShapeType="1" noTextEdit="1"/>
+                </p:cNvSpPr>
+                <p:nvPr/>
+              </p:nvSpPr>
+              <p:spPr>
+                <a:xfrm>
+                  <a:off x="4485063" y="1662998"/>
+                  <a:ext cx="190501" cy="246221"/>
+                </a:xfrm>
+                <a:prstGeom prst="rect">
+                  <a:avLst/>
+                </a:prstGeom>
+                <a:blipFill>
+                  <a:blip r:embed="rId4"/>
+                  <a:stretch>
+                    <a:fillRect l="-25806" r="-6452" b="-15000"/>
+                  </a:stretch>
+                </a:blipFill>
+              </p:spPr>
+              <p:txBody>
+                <a:bodyPr/>
+                <a:lstStyle/>
+                <a:p>
+                  <a:r>
+                    <a:rPr lang="en-GB">
+                      <a:noFill/>
+                    </a:rPr>
+                    <a:t> </a:t>
+                  </a:r>
+                </a:p>
+              </p:txBody>
+            </p:sp>
+          </mc:Fallback>
+        </mc:AlternateContent>
+      </p:grpSp>
+      <mc:AlternateContent xmlns:mc="http://schemas.openxmlformats.org/markup-compatibility/2006">
+        <mc:Choice xmlns:a14="http://schemas.microsoft.com/office/drawing/2010/main" Requires="a14">
+          <p:sp>
+            <p:nvSpPr>
+              <p:cNvPr id="30" name="TextBox 29"/>
+              <p:cNvSpPr txBox="1"/>
+              <p:nvPr/>
+            </p:nvSpPr>
+            <p:spPr>
+              <a:xfrm>
+                <a:off x="3142629" y="2892515"/>
+                <a:ext cx="231794" cy="246221"/>
+              </a:xfrm>
+              <a:prstGeom prst="rect">
+                <a:avLst/>
+              </a:prstGeom>
+              <a:noFill/>
+            </p:spPr>
+            <p:txBody>
+              <a:bodyPr wrap="none" lIns="0" tIns="0" rIns="0" bIns="0" rtlCol="0">
+                <a:spAutoFit/>
+              </a:bodyPr>
+              <a:lstStyle/>
+              <a:p>
+                <a14:m>
+                  <m:oMathPara xmlns:m="http://schemas.openxmlformats.org/officeDocument/2006/math">
+                    <m:oMathParaPr>
+                      <m:jc m:val="centerGroup"/>
+                    </m:oMathParaPr>
+                    <m:oMath xmlns:m="http://schemas.openxmlformats.org/officeDocument/2006/math">
+                      <m:sSub>
+                        <m:sSubPr>
+                          <m:ctrlPr>
+                            <a:rPr lang="en-GB" sz="1600" b="0" i="1" smtClean="0">
+                              <a:latin typeface="Cambria Math" panose="02040503050406030204" pitchFamily="18" charset="0"/>
+                            </a:rPr>
+                          </m:ctrlPr>
+                        </m:sSubPr>
+                        <m:e>
+                          <m:r>
+                            <a:rPr lang="en-GB" sz="1600" b="0" i="1" smtClean="0">
+                              <a:latin typeface="Cambria Math" panose="02040503050406030204" pitchFamily="18" charset="0"/>
+                            </a:rPr>
+                            <m:t>𝑥</m:t>
+                          </m:r>
+                        </m:e>
+                        <m:sub>
+                          <m:r>
+                            <a:rPr lang="en-GB" sz="1600" b="0" i="1" smtClean="0">
+                              <a:latin typeface="Cambria Math" panose="02040503050406030204" pitchFamily="18" charset="0"/>
+                            </a:rPr>
+                            <m:t>𝑡</m:t>
+                          </m:r>
+                        </m:sub>
+                      </m:sSub>
+                    </m:oMath>
+                  </m:oMathPara>
+                </a14:m>
+                <a:endParaRPr lang="en-GB" dirty="0"/>
+              </a:p>
+            </p:txBody>
+          </p:sp>
+        </mc:Choice>
+        <mc:Fallback>
+          <p:sp>
+            <p:nvSpPr>
+              <p:cNvPr id="30" name="TextBox 29"/>
+              <p:cNvSpPr txBox="1">
+                <a:spLocks noRot="1" noChangeAspect="1" noMove="1" noResize="1" noEditPoints="1" noAdjustHandles="1" noChangeArrowheads="1" noChangeShapeType="1" noTextEdit="1"/>
+              </p:cNvSpPr>
+              <p:nvPr/>
+            </p:nvSpPr>
+            <p:spPr>
+              <a:xfrm>
+                <a:off x="3142629" y="2892515"/>
+                <a:ext cx="231794" cy="246221"/>
+              </a:xfrm>
+              <a:prstGeom prst="rect">
+                <a:avLst/>
+              </a:prstGeom>
+              <a:blipFill>
+                <a:blip r:embed="rId5"/>
+                <a:stretch>
+                  <a:fillRect l="-13158" r="-7895" b="-12195"/>
+                </a:stretch>
+              </a:blipFill>
+            </p:spPr>
+            <p:txBody>
+              <a:bodyPr/>
+              <a:lstStyle/>
+              <a:p>
+                <a:r>
+                  <a:rPr lang="en-GB">
+                    <a:noFill/>
+                  </a:rPr>
+                  <a:t> </a:t>
+                </a:r>
+              </a:p>
+            </p:txBody>
+          </p:sp>
+        </mc:Fallback>
+      </mc:AlternateContent>
+      <mc:AlternateContent xmlns:mc="http://schemas.openxmlformats.org/markup-compatibility/2006">
+        <mc:Choice xmlns:a14="http://schemas.microsoft.com/office/drawing/2010/main" Requires="a14">
+          <p:sp>
+            <p:nvSpPr>
+              <p:cNvPr id="31" name="TextBox 30"/>
+              <p:cNvSpPr txBox="1"/>
+              <p:nvPr/>
+            </p:nvSpPr>
+            <p:spPr>
+              <a:xfrm>
+                <a:off x="3152323" y="2455375"/>
+                <a:ext cx="238590" cy="246221"/>
+              </a:xfrm>
+              <a:prstGeom prst="rect">
+                <a:avLst/>
+              </a:prstGeom>
+              <a:noFill/>
+            </p:spPr>
+            <p:txBody>
+              <a:bodyPr wrap="none" lIns="0" tIns="0" rIns="0" bIns="0" rtlCol="0">
+                <a:spAutoFit/>
+              </a:bodyPr>
+              <a:lstStyle/>
+              <a:p>
+                <a14:m>
+                  <m:oMathPara xmlns:m="http://schemas.openxmlformats.org/officeDocument/2006/math">
+                    <m:oMathParaPr>
+                      <m:jc m:val="centerGroup"/>
+                    </m:oMathParaPr>
+                    <m:oMath xmlns:m="http://schemas.openxmlformats.org/officeDocument/2006/math">
+                      <m:sSub>
+                        <m:sSubPr>
+                          <m:ctrlPr>
+                            <a:rPr lang="en-GB" sz="1600" b="0" i="1" smtClean="0">
+                              <a:latin typeface="Cambria Math" panose="02040503050406030204" pitchFamily="18" charset="0"/>
+                            </a:rPr>
+                          </m:ctrlPr>
+                        </m:sSubPr>
+                        <m:e>
+                          <m:r>
+                            <a:rPr lang="en-GB" sz="1600" b="0" i="1" smtClean="0">
+                              <a:latin typeface="Cambria Math" panose="02040503050406030204" pitchFamily="18" charset="0"/>
+                            </a:rPr>
+                            <m:t>h</m:t>
+                          </m:r>
+                        </m:e>
+                        <m:sub>
+                          <m:r>
+                            <a:rPr lang="en-GB" sz="1600" b="0" i="1" smtClean="0">
+                              <a:latin typeface="Cambria Math" panose="02040503050406030204" pitchFamily="18" charset="0"/>
+                            </a:rPr>
+                            <m:t>𝑡</m:t>
+                          </m:r>
+                        </m:sub>
+                      </m:sSub>
+                    </m:oMath>
+                  </m:oMathPara>
+                </a14:m>
+                <a:endParaRPr lang="en-GB" dirty="0"/>
+              </a:p>
+            </p:txBody>
+          </p:sp>
+        </mc:Choice>
+        <mc:Fallback>
+          <p:sp>
+            <p:nvSpPr>
+              <p:cNvPr id="31" name="TextBox 30"/>
+              <p:cNvSpPr txBox="1">
+                <a:spLocks noRot="1" noChangeAspect="1" noMove="1" noResize="1" noEditPoints="1" noAdjustHandles="1" noChangeArrowheads="1" noChangeShapeType="1" noTextEdit="1"/>
+              </p:cNvSpPr>
+              <p:nvPr/>
+            </p:nvSpPr>
+            <p:spPr>
+              <a:xfrm>
+                <a:off x="3152323" y="2455375"/>
+                <a:ext cx="238590" cy="246221"/>
+              </a:xfrm>
+              <a:prstGeom prst="rect">
+                <a:avLst/>
+              </a:prstGeom>
+              <a:blipFill>
+                <a:blip r:embed="rId6"/>
+                <a:stretch>
+                  <a:fillRect l="-20513" r="-5128" b="-15000"/>
+                </a:stretch>
+              </a:blipFill>
+            </p:spPr>
+            <p:txBody>
+              <a:bodyPr/>
+              <a:lstStyle/>
+              <a:p>
+                <a:r>
+                  <a:rPr lang="en-GB">
+                    <a:noFill/>
+                  </a:rPr>
+                  <a:t> </a:t>
+                </a:r>
+              </a:p>
+            </p:txBody>
+          </p:sp>
+        </mc:Fallback>
+      </mc:AlternateContent>
+      <mc:AlternateContent xmlns:mc="http://schemas.openxmlformats.org/markup-compatibility/2006">
+        <mc:Choice xmlns:a14="http://schemas.microsoft.com/office/drawing/2010/main" Requires="a14">
+          <p:sp>
+            <p:nvSpPr>
+              <p:cNvPr id="32" name="TextBox 31"/>
+              <p:cNvSpPr txBox="1"/>
+              <p:nvPr/>
+            </p:nvSpPr>
+            <p:spPr>
+              <a:xfrm>
+                <a:off x="5129694" y="4163244"/>
+                <a:ext cx="231794" cy="246221"/>
+              </a:xfrm>
+              <a:prstGeom prst="rect">
+                <a:avLst/>
+              </a:prstGeom>
+              <a:noFill/>
+            </p:spPr>
+            <p:txBody>
+              <a:bodyPr wrap="none" lIns="0" tIns="0" rIns="0" bIns="0" rtlCol="0">
+                <a:spAutoFit/>
+              </a:bodyPr>
+              <a:lstStyle/>
+              <a:p>
+                <a14:m>
+                  <m:oMathPara xmlns:m="http://schemas.openxmlformats.org/officeDocument/2006/math">
+                    <m:oMathParaPr>
+                      <m:jc m:val="centerGroup"/>
+                    </m:oMathParaPr>
+                    <m:oMath xmlns:m="http://schemas.openxmlformats.org/officeDocument/2006/math">
+                      <m:sSub>
+                        <m:sSubPr>
+                          <m:ctrlPr>
+                            <a:rPr lang="en-GB" sz="1600" b="0" i="1" smtClean="0">
+                              <a:latin typeface="Cambria Math" panose="02040503050406030204" pitchFamily="18" charset="0"/>
+                            </a:rPr>
+                          </m:ctrlPr>
+                        </m:sSubPr>
+                        <m:e>
+                          <m:r>
+                            <a:rPr lang="en-GB" sz="1600" b="0" i="1" smtClean="0">
+                              <a:latin typeface="Cambria Math" panose="02040503050406030204" pitchFamily="18" charset="0"/>
+                            </a:rPr>
+                            <m:t>𝑥</m:t>
+                          </m:r>
+                        </m:e>
+                        <m:sub>
+                          <m:r>
+                            <a:rPr lang="en-GB" sz="1600" b="0" i="1" smtClean="0">
+                              <a:latin typeface="Cambria Math" panose="02040503050406030204" pitchFamily="18" charset="0"/>
+                            </a:rPr>
+                            <m:t>𝑡</m:t>
+                          </m:r>
+                        </m:sub>
+                      </m:sSub>
+                    </m:oMath>
+                  </m:oMathPara>
+                </a14:m>
+                <a:endParaRPr lang="en-GB" dirty="0"/>
+              </a:p>
+            </p:txBody>
+          </p:sp>
+        </mc:Choice>
+        <mc:Fallback>
+          <p:sp>
+            <p:nvSpPr>
+              <p:cNvPr id="32" name="TextBox 31"/>
+              <p:cNvSpPr txBox="1">
+                <a:spLocks noRot="1" noChangeAspect="1" noMove="1" noResize="1" noEditPoints="1" noAdjustHandles="1" noChangeArrowheads="1" noChangeShapeType="1" noTextEdit="1"/>
+              </p:cNvSpPr>
+              <p:nvPr/>
+            </p:nvSpPr>
+            <p:spPr>
+              <a:xfrm>
+                <a:off x="5129694" y="4163244"/>
+                <a:ext cx="231794" cy="246221"/>
+              </a:xfrm>
+              <a:prstGeom prst="rect">
+                <a:avLst/>
+              </a:prstGeom>
+              <a:blipFill>
+                <a:blip r:embed="rId7"/>
+                <a:stretch>
+                  <a:fillRect l="-10256" r="-5128" b="-15000"/>
+                </a:stretch>
+              </a:blipFill>
+            </p:spPr>
+            <p:txBody>
+              <a:bodyPr/>
+              <a:lstStyle/>
+              <a:p>
+                <a:r>
+                  <a:rPr lang="en-GB">
+                    <a:noFill/>
+                  </a:rPr>
+                  <a:t> </a:t>
+                </a:r>
+              </a:p>
+            </p:txBody>
+          </p:sp>
+        </mc:Fallback>
+      </mc:AlternateContent>
+      <mc:AlternateContent xmlns:mc="http://schemas.openxmlformats.org/markup-compatibility/2006">
+        <mc:Choice xmlns:a14="http://schemas.microsoft.com/office/drawing/2010/main" Requires="a14">
+          <p:sp>
+            <p:nvSpPr>
+              <p:cNvPr id="33" name="TextBox 32"/>
+              <p:cNvSpPr txBox="1"/>
+              <p:nvPr/>
+            </p:nvSpPr>
+            <p:spPr>
+              <a:xfrm>
+                <a:off x="5434611" y="4163727"/>
+                <a:ext cx="238590" cy="246221"/>
+              </a:xfrm>
+              <a:prstGeom prst="rect">
+                <a:avLst/>
+              </a:prstGeom>
+              <a:noFill/>
+            </p:spPr>
+            <p:txBody>
+              <a:bodyPr wrap="none" lIns="0" tIns="0" rIns="0" bIns="0" rtlCol="0">
+                <a:spAutoFit/>
+              </a:bodyPr>
+              <a:lstStyle/>
+              <a:p>
+                <a14:m>
+                  <m:oMathPara xmlns:m="http://schemas.openxmlformats.org/officeDocument/2006/math">
+                    <m:oMathParaPr>
+                      <m:jc m:val="centerGroup"/>
+                    </m:oMathParaPr>
+                    <m:oMath xmlns:m="http://schemas.openxmlformats.org/officeDocument/2006/math">
+                      <m:sSub>
+                        <m:sSubPr>
+                          <m:ctrlPr>
+                            <a:rPr lang="en-GB" sz="1600" b="0" i="1" smtClean="0">
+                              <a:latin typeface="Cambria Math" panose="02040503050406030204" pitchFamily="18" charset="0"/>
+                            </a:rPr>
+                          </m:ctrlPr>
+                        </m:sSubPr>
+                        <m:e>
+                          <m:r>
+                            <a:rPr lang="en-GB" sz="1600" b="0" i="1" smtClean="0">
+                              <a:latin typeface="Cambria Math" panose="02040503050406030204" pitchFamily="18" charset="0"/>
+                            </a:rPr>
+                            <m:t>h</m:t>
+                          </m:r>
+                        </m:e>
+                        <m:sub>
+                          <m:r>
+                            <a:rPr lang="en-GB" sz="1600" b="0" i="1" smtClean="0">
+                              <a:latin typeface="Cambria Math" panose="02040503050406030204" pitchFamily="18" charset="0"/>
+                            </a:rPr>
+                            <m:t>𝑡</m:t>
+                          </m:r>
+                        </m:sub>
+                      </m:sSub>
+                    </m:oMath>
+                  </m:oMathPara>
+                </a14:m>
+                <a:endParaRPr lang="en-GB" dirty="0"/>
+              </a:p>
+            </p:txBody>
+          </p:sp>
+        </mc:Choice>
+        <mc:Fallback>
+          <p:sp>
+            <p:nvSpPr>
+              <p:cNvPr id="33" name="TextBox 32"/>
+              <p:cNvSpPr txBox="1">
+                <a:spLocks noRot="1" noChangeAspect="1" noMove="1" noResize="1" noEditPoints="1" noAdjustHandles="1" noChangeArrowheads="1" noChangeShapeType="1" noTextEdit="1"/>
+              </p:cNvSpPr>
+              <p:nvPr/>
+            </p:nvSpPr>
+            <p:spPr>
+              <a:xfrm>
+                <a:off x="5434611" y="4163727"/>
+                <a:ext cx="238590" cy="246221"/>
+              </a:xfrm>
+              <a:prstGeom prst="rect">
+                <a:avLst/>
+              </a:prstGeom>
+              <a:blipFill>
+                <a:blip r:embed="rId8"/>
+                <a:stretch>
+                  <a:fillRect l="-20513" r="-5128" b="-15000"/>
+                </a:stretch>
+              </a:blipFill>
+            </p:spPr>
+            <p:txBody>
+              <a:bodyPr/>
+              <a:lstStyle/>
+              <a:p>
+                <a:r>
+                  <a:rPr lang="en-GB">
+                    <a:noFill/>
+                  </a:rPr>
+                  <a:t> </a:t>
+                </a:r>
+              </a:p>
+            </p:txBody>
+          </p:sp>
+        </mc:Fallback>
+      </mc:AlternateContent>
+      <mc:AlternateContent xmlns:mc="http://schemas.openxmlformats.org/markup-compatibility/2006">
+        <mc:Choice xmlns:a14="http://schemas.microsoft.com/office/drawing/2010/main" Requires="a14">
+          <p:sp>
+            <p:nvSpPr>
+              <p:cNvPr id="34" name="TextBox 33"/>
+              <p:cNvSpPr txBox="1"/>
+              <p:nvPr/>
+            </p:nvSpPr>
+            <p:spPr>
+              <a:xfrm>
+                <a:off x="4336880" y="986111"/>
+                <a:ext cx="231794" cy="246221"/>
+              </a:xfrm>
+              <a:prstGeom prst="rect">
+                <a:avLst/>
+              </a:prstGeom>
+              <a:noFill/>
+            </p:spPr>
+            <p:txBody>
+              <a:bodyPr wrap="none" lIns="0" tIns="0" rIns="0" bIns="0" rtlCol="0">
+                <a:spAutoFit/>
+              </a:bodyPr>
+              <a:lstStyle/>
+              <a:p>
+                <a14:m>
+                  <m:oMathPara xmlns:m="http://schemas.openxmlformats.org/officeDocument/2006/math">
+                    <m:oMathParaPr>
+                      <m:jc m:val="centerGroup"/>
+                    </m:oMathParaPr>
+                    <m:oMath xmlns:m="http://schemas.openxmlformats.org/officeDocument/2006/math">
+                      <m:sSub>
+                        <m:sSubPr>
+                          <m:ctrlPr>
+                            <a:rPr lang="en-GB" sz="1600" b="0" i="1" smtClean="0">
+                              <a:latin typeface="Cambria Math" panose="02040503050406030204" pitchFamily="18" charset="0"/>
+                            </a:rPr>
+                          </m:ctrlPr>
+                        </m:sSubPr>
+                        <m:e>
+                          <m:r>
+                            <a:rPr lang="en-GB" sz="1600" b="0" i="1" smtClean="0">
+                              <a:latin typeface="Cambria Math" panose="02040503050406030204" pitchFamily="18" charset="0"/>
+                            </a:rPr>
+                            <m:t>𝑥</m:t>
+                          </m:r>
+                        </m:e>
+                        <m:sub>
+                          <m:r>
+                            <a:rPr lang="en-GB" sz="1600" b="0" i="1" smtClean="0">
+                              <a:latin typeface="Cambria Math" panose="02040503050406030204" pitchFamily="18" charset="0"/>
+                            </a:rPr>
+                            <m:t>𝑡</m:t>
+                          </m:r>
+                        </m:sub>
+                      </m:sSub>
+                    </m:oMath>
+                  </m:oMathPara>
+                </a14:m>
+                <a:endParaRPr lang="en-GB" dirty="0"/>
+              </a:p>
+            </p:txBody>
+          </p:sp>
+        </mc:Choice>
+        <mc:Fallback>
+          <p:sp>
+            <p:nvSpPr>
+              <p:cNvPr id="34" name="TextBox 33"/>
+              <p:cNvSpPr txBox="1">
+                <a:spLocks noRot="1" noChangeAspect="1" noMove="1" noResize="1" noEditPoints="1" noAdjustHandles="1" noChangeArrowheads="1" noChangeShapeType="1" noTextEdit="1"/>
+              </p:cNvSpPr>
+              <p:nvPr/>
+            </p:nvSpPr>
+            <p:spPr>
+              <a:xfrm>
+                <a:off x="4336880" y="986111"/>
+                <a:ext cx="231794" cy="246221"/>
+              </a:xfrm>
+              <a:prstGeom prst="rect">
+                <a:avLst/>
+              </a:prstGeom>
+              <a:blipFill>
+                <a:blip r:embed="rId9"/>
+                <a:stretch>
+                  <a:fillRect l="-10526" r="-7895" b="-15000"/>
+                </a:stretch>
+              </a:blipFill>
+            </p:spPr>
+            <p:txBody>
+              <a:bodyPr/>
+              <a:lstStyle/>
+              <a:p>
+                <a:r>
+                  <a:rPr lang="en-GB">
+                    <a:noFill/>
+                  </a:rPr>
+                  <a:t> </a:t>
+                </a:r>
+              </a:p>
+            </p:txBody>
+          </p:sp>
+        </mc:Fallback>
+      </mc:AlternateContent>
+      <mc:AlternateContent xmlns:mc="http://schemas.openxmlformats.org/markup-compatibility/2006">
+        <mc:Choice xmlns:a14="http://schemas.microsoft.com/office/drawing/2010/main" Requires="a14">
+          <p:sp>
+            <p:nvSpPr>
+              <p:cNvPr id="35" name="TextBox 34"/>
+              <p:cNvSpPr txBox="1"/>
+              <p:nvPr/>
+            </p:nvSpPr>
+            <p:spPr>
+              <a:xfrm>
+                <a:off x="4641797" y="986594"/>
+                <a:ext cx="238590" cy="246221"/>
+              </a:xfrm>
+              <a:prstGeom prst="rect">
+                <a:avLst/>
+              </a:prstGeom>
+              <a:noFill/>
+            </p:spPr>
+            <p:txBody>
+              <a:bodyPr wrap="none" lIns="0" tIns="0" rIns="0" bIns="0" rtlCol="0">
+                <a:spAutoFit/>
+              </a:bodyPr>
+              <a:lstStyle/>
+              <a:p>
+                <a14:m>
+                  <m:oMathPara xmlns:m="http://schemas.openxmlformats.org/officeDocument/2006/math">
+                    <m:oMathParaPr>
+                      <m:jc m:val="centerGroup"/>
+                    </m:oMathParaPr>
+                    <m:oMath xmlns:m="http://schemas.openxmlformats.org/officeDocument/2006/math">
+                      <m:sSub>
+                        <m:sSubPr>
+                          <m:ctrlPr>
+                            <a:rPr lang="en-GB" sz="1600" b="0" i="1" smtClean="0">
+                              <a:latin typeface="Cambria Math" panose="02040503050406030204" pitchFamily="18" charset="0"/>
+                            </a:rPr>
+                          </m:ctrlPr>
+                        </m:sSubPr>
+                        <m:e>
+                          <m:r>
+                            <a:rPr lang="en-GB" sz="1600" b="0" i="1" smtClean="0">
+                              <a:latin typeface="Cambria Math" panose="02040503050406030204" pitchFamily="18" charset="0"/>
+                            </a:rPr>
+                            <m:t>h</m:t>
+                          </m:r>
+                        </m:e>
+                        <m:sub>
+                          <m:r>
+                            <a:rPr lang="en-GB" sz="1600" b="0" i="1" smtClean="0">
+                              <a:latin typeface="Cambria Math" panose="02040503050406030204" pitchFamily="18" charset="0"/>
+                            </a:rPr>
+                            <m:t>𝑡</m:t>
+                          </m:r>
+                        </m:sub>
+                      </m:sSub>
+                    </m:oMath>
+                  </m:oMathPara>
+                </a14:m>
+                <a:endParaRPr lang="en-GB" dirty="0"/>
+              </a:p>
+            </p:txBody>
+          </p:sp>
+        </mc:Choice>
+        <mc:Fallback>
+          <p:sp>
+            <p:nvSpPr>
+              <p:cNvPr id="35" name="TextBox 34"/>
+              <p:cNvSpPr txBox="1">
+                <a:spLocks noRot="1" noChangeAspect="1" noMove="1" noResize="1" noEditPoints="1" noAdjustHandles="1" noChangeArrowheads="1" noChangeShapeType="1" noTextEdit="1"/>
+              </p:cNvSpPr>
+              <p:nvPr/>
+            </p:nvSpPr>
+            <p:spPr>
+              <a:xfrm>
+                <a:off x="4641797" y="986594"/>
+                <a:ext cx="238590" cy="246221"/>
+              </a:xfrm>
+              <a:prstGeom prst="rect">
+                <a:avLst/>
+              </a:prstGeom>
+              <a:blipFill>
+                <a:blip r:embed="rId10"/>
+                <a:stretch>
+                  <a:fillRect l="-20000" r="-2500" b="-15000"/>
+                </a:stretch>
+              </a:blipFill>
+            </p:spPr>
+            <p:txBody>
+              <a:bodyPr/>
+              <a:lstStyle/>
+              <a:p>
+                <a:r>
+                  <a:rPr lang="en-GB">
+                    <a:noFill/>
+                  </a:rPr>
+                  <a:t> </a:t>
+                </a:r>
+              </a:p>
+            </p:txBody>
+          </p:sp>
+        </mc:Fallback>
+      </mc:AlternateContent>
+      <mc:AlternateContent xmlns:mc="http://schemas.openxmlformats.org/markup-compatibility/2006">
+        <mc:Choice xmlns:a14="http://schemas.microsoft.com/office/drawing/2010/main" Requires="a14">
+          <p:sp>
+            <p:nvSpPr>
+              <p:cNvPr id="36" name="TextBox 35"/>
+              <p:cNvSpPr txBox="1"/>
+              <p:nvPr/>
+            </p:nvSpPr>
+            <p:spPr>
+              <a:xfrm>
+                <a:off x="6658232" y="1044132"/>
+                <a:ext cx="231794" cy="246221"/>
+              </a:xfrm>
+              <a:prstGeom prst="rect">
+                <a:avLst/>
+              </a:prstGeom>
+              <a:noFill/>
+            </p:spPr>
+            <p:txBody>
+              <a:bodyPr wrap="none" lIns="0" tIns="0" rIns="0" bIns="0" rtlCol="0">
+                <a:spAutoFit/>
+              </a:bodyPr>
+              <a:lstStyle/>
+              <a:p>
+                <a14:m>
+                  <m:oMathPara xmlns:m="http://schemas.openxmlformats.org/officeDocument/2006/math">
+                    <m:oMathParaPr>
+                      <m:jc m:val="centerGroup"/>
+                    </m:oMathParaPr>
+                    <m:oMath xmlns:m="http://schemas.openxmlformats.org/officeDocument/2006/math">
+                      <m:sSub>
+                        <m:sSubPr>
+                          <m:ctrlPr>
+                            <a:rPr lang="en-GB" sz="1600" b="0" i="1" smtClean="0">
+                              <a:latin typeface="Cambria Math" panose="02040503050406030204" pitchFamily="18" charset="0"/>
+                            </a:rPr>
+                          </m:ctrlPr>
+                        </m:sSubPr>
+                        <m:e>
+                          <m:r>
+                            <a:rPr lang="en-GB" sz="1600" b="0" i="1" smtClean="0">
+                              <a:latin typeface="Cambria Math" panose="02040503050406030204" pitchFamily="18" charset="0"/>
+                            </a:rPr>
+                            <m:t>𝑥</m:t>
+                          </m:r>
+                        </m:e>
+                        <m:sub>
+                          <m:r>
+                            <a:rPr lang="en-GB" sz="1600" b="0" i="1" smtClean="0">
+                              <a:latin typeface="Cambria Math" panose="02040503050406030204" pitchFamily="18" charset="0"/>
+                            </a:rPr>
+                            <m:t>𝑡</m:t>
+                          </m:r>
+                        </m:sub>
+                      </m:sSub>
+                    </m:oMath>
+                  </m:oMathPara>
+                </a14:m>
+                <a:endParaRPr lang="en-GB" dirty="0"/>
+              </a:p>
+            </p:txBody>
+          </p:sp>
+        </mc:Choice>
+        <mc:Fallback>
+          <p:sp>
+            <p:nvSpPr>
+              <p:cNvPr id="36" name="TextBox 35"/>
+              <p:cNvSpPr txBox="1">
+                <a:spLocks noRot="1" noChangeAspect="1" noMove="1" noResize="1" noEditPoints="1" noAdjustHandles="1" noChangeArrowheads="1" noChangeShapeType="1" noTextEdit="1"/>
+              </p:cNvSpPr>
+              <p:nvPr/>
+            </p:nvSpPr>
+            <p:spPr>
+              <a:xfrm>
+                <a:off x="6658232" y="1044132"/>
+                <a:ext cx="231794" cy="246221"/>
+              </a:xfrm>
+              <a:prstGeom prst="rect">
+                <a:avLst/>
+              </a:prstGeom>
+              <a:blipFill>
+                <a:blip r:embed="rId11"/>
+                <a:stretch>
+                  <a:fillRect l="-10526" r="-7895" b="-12195"/>
+                </a:stretch>
+              </a:blipFill>
+            </p:spPr>
+            <p:txBody>
+              <a:bodyPr/>
+              <a:lstStyle/>
+              <a:p>
+                <a:r>
+                  <a:rPr lang="en-GB">
+                    <a:noFill/>
+                  </a:rPr>
+                  <a:t> </a:t>
+                </a:r>
+              </a:p>
+            </p:txBody>
+          </p:sp>
+        </mc:Fallback>
+      </mc:AlternateContent>
+      <mc:AlternateContent xmlns:mc="http://schemas.openxmlformats.org/markup-compatibility/2006">
+        <mc:Choice xmlns:a14="http://schemas.microsoft.com/office/drawing/2010/main" Requires="a14">
+          <p:sp>
+            <p:nvSpPr>
+              <p:cNvPr id="37" name="TextBox 36"/>
+              <p:cNvSpPr txBox="1"/>
+              <p:nvPr/>
+            </p:nvSpPr>
+            <p:spPr>
+              <a:xfrm>
+                <a:off x="6963149" y="1044615"/>
+                <a:ext cx="238590" cy="246221"/>
+              </a:xfrm>
+              <a:prstGeom prst="rect">
+                <a:avLst/>
+              </a:prstGeom>
+              <a:noFill/>
+            </p:spPr>
+            <p:txBody>
+              <a:bodyPr wrap="none" lIns="0" tIns="0" rIns="0" bIns="0" rtlCol="0">
+                <a:spAutoFit/>
+              </a:bodyPr>
+              <a:lstStyle/>
+              <a:p>
+                <a14:m>
+                  <m:oMathPara xmlns:m="http://schemas.openxmlformats.org/officeDocument/2006/math">
+                    <m:oMathParaPr>
+                      <m:jc m:val="centerGroup"/>
+                    </m:oMathParaPr>
+                    <m:oMath xmlns:m="http://schemas.openxmlformats.org/officeDocument/2006/math">
+                      <m:sSub>
+                        <m:sSubPr>
+                          <m:ctrlPr>
+                            <a:rPr lang="en-GB" sz="1600" b="0" i="1" smtClean="0">
+                              <a:latin typeface="Cambria Math" panose="02040503050406030204" pitchFamily="18" charset="0"/>
+                            </a:rPr>
+                          </m:ctrlPr>
+                        </m:sSubPr>
+                        <m:e>
+                          <m:r>
+                            <a:rPr lang="en-GB" sz="1600" b="0" i="1" smtClean="0">
+                              <a:latin typeface="Cambria Math" panose="02040503050406030204" pitchFamily="18" charset="0"/>
+                            </a:rPr>
+                            <m:t>h</m:t>
+                          </m:r>
+                        </m:e>
+                        <m:sub>
+                          <m:r>
+                            <a:rPr lang="en-GB" sz="1600" b="0" i="1" smtClean="0">
+                              <a:latin typeface="Cambria Math" panose="02040503050406030204" pitchFamily="18" charset="0"/>
+                            </a:rPr>
+                            <m:t>𝑡</m:t>
+                          </m:r>
+                        </m:sub>
+                      </m:sSub>
+                    </m:oMath>
+                  </m:oMathPara>
+                </a14:m>
+                <a:endParaRPr lang="en-GB" dirty="0"/>
+              </a:p>
+            </p:txBody>
+          </p:sp>
+        </mc:Choice>
+        <mc:Fallback>
+          <p:sp>
+            <p:nvSpPr>
+              <p:cNvPr id="37" name="TextBox 36"/>
+              <p:cNvSpPr txBox="1">
+                <a:spLocks noRot="1" noChangeAspect="1" noMove="1" noResize="1" noEditPoints="1" noAdjustHandles="1" noChangeArrowheads="1" noChangeShapeType="1" noTextEdit="1"/>
+              </p:cNvSpPr>
+              <p:nvPr/>
+            </p:nvSpPr>
+            <p:spPr>
+              <a:xfrm>
+                <a:off x="6963149" y="1044615"/>
+                <a:ext cx="238590" cy="246221"/>
+              </a:xfrm>
+              <a:prstGeom prst="rect">
+                <a:avLst/>
+              </a:prstGeom>
+              <a:blipFill>
+                <a:blip r:embed="rId12"/>
+                <a:stretch>
+                  <a:fillRect l="-20513" r="-5128" b="-12195"/>
+                </a:stretch>
+              </a:blipFill>
+            </p:spPr>
+            <p:txBody>
+              <a:bodyPr/>
+              <a:lstStyle/>
+              <a:p>
+                <a:r>
+                  <a:rPr lang="en-GB">
+                    <a:noFill/>
+                  </a:rPr>
+                  <a:t> </a:t>
+                </a:r>
+              </a:p>
+            </p:txBody>
+          </p:sp>
+        </mc:Fallback>
+      </mc:AlternateContent>
+      <mc:AlternateContent xmlns:mc="http://schemas.openxmlformats.org/markup-compatibility/2006">
+        <mc:Choice xmlns:a14="http://schemas.microsoft.com/office/drawing/2010/main" Requires="a14">
+          <p:sp>
+            <p:nvSpPr>
+              <p:cNvPr id="38" name="TextBox 37"/>
+              <p:cNvSpPr txBox="1"/>
+              <p:nvPr/>
+            </p:nvSpPr>
+            <p:spPr>
+              <a:xfrm>
+                <a:off x="7442613" y="2666551"/>
+                <a:ext cx="238590" cy="246221"/>
+              </a:xfrm>
+              <a:prstGeom prst="rect">
+                <a:avLst/>
+              </a:prstGeom>
+              <a:noFill/>
+            </p:spPr>
+            <p:txBody>
+              <a:bodyPr wrap="none" lIns="0" tIns="0" rIns="0" bIns="0" rtlCol="0">
+                <a:spAutoFit/>
+              </a:bodyPr>
+              <a:lstStyle/>
+              <a:p>
+                <a14:m>
+                  <m:oMathPara xmlns:m="http://schemas.openxmlformats.org/officeDocument/2006/math">
+                    <m:oMathParaPr>
+                      <m:jc m:val="centerGroup"/>
+                    </m:oMathParaPr>
+                    <m:oMath xmlns:m="http://schemas.openxmlformats.org/officeDocument/2006/math">
+                      <m:sSub>
+                        <m:sSubPr>
+                          <m:ctrlPr>
+                            <a:rPr lang="en-GB" sz="1600" b="0" i="1" smtClean="0">
+                              <a:latin typeface="Cambria Math" panose="02040503050406030204" pitchFamily="18" charset="0"/>
+                            </a:rPr>
+                          </m:ctrlPr>
+                        </m:sSubPr>
+                        <m:e>
+                          <m:r>
+                            <a:rPr lang="en-GB" sz="1600" b="0" i="1" smtClean="0">
+                              <a:latin typeface="Cambria Math" panose="02040503050406030204" pitchFamily="18" charset="0"/>
+                            </a:rPr>
+                            <m:t>h</m:t>
+                          </m:r>
+                        </m:e>
+                        <m:sub>
+                          <m:r>
+                            <a:rPr lang="en-GB" sz="1600" b="0" i="1" smtClean="0">
+                              <a:latin typeface="Cambria Math" panose="02040503050406030204" pitchFamily="18" charset="0"/>
+                            </a:rPr>
+                            <m:t>𝑡</m:t>
+                          </m:r>
+                        </m:sub>
+                      </m:sSub>
+                    </m:oMath>
+                  </m:oMathPara>
+                </a14:m>
+                <a:endParaRPr lang="en-GB" dirty="0"/>
+              </a:p>
+            </p:txBody>
+          </p:sp>
+        </mc:Choice>
+        <mc:Fallback>
+          <p:sp>
+            <p:nvSpPr>
+              <p:cNvPr id="38" name="TextBox 37"/>
+              <p:cNvSpPr txBox="1">
+                <a:spLocks noRot="1" noChangeAspect="1" noMove="1" noResize="1" noEditPoints="1" noAdjustHandles="1" noChangeArrowheads="1" noChangeShapeType="1" noTextEdit="1"/>
+              </p:cNvSpPr>
+              <p:nvPr/>
+            </p:nvSpPr>
+            <p:spPr>
+              <a:xfrm>
+                <a:off x="7442613" y="2666551"/>
+                <a:ext cx="238590" cy="246221"/>
+              </a:xfrm>
+              <a:prstGeom prst="rect">
+                <a:avLst/>
+              </a:prstGeom>
+              <a:blipFill>
+                <a:blip r:embed="rId13"/>
+                <a:stretch>
+                  <a:fillRect l="-20513" r="-5128" b="-12195"/>
+                </a:stretch>
+              </a:blipFill>
+            </p:spPr>
+            <p:txBody>
+              <a:bodyPr/>
+              <a:lstStyle/>
+              <a:p>
+                <a:r>
+                  <a:rPr lang="en-GB">
+                    <a:noFill/>
+                  </a:rPr>
+                  <a:t> </a:t>
+                </a:r>
+              </a:p>
+            </p:txBody>
+          </p:sp>
+        </mc:Fallback>
+      </mc:AlternateContent>
+      <p:sp>
+        <p:nvSpPr>
+          <p:cNvPr id="39" name="Flowchart: Summing Junction 38"/>
+          <p:cNvSpPr/>
+          <p:nvPr/>
+        </p:nvSpPr>
+        <p:spPr>
+          <a:xfrm>
+            <a:off x="6823315" y="2719744"/>
+            <a:ext cx="139834" cy="139834"/>
+          </a:xfrm>
+          <a:prstGeom prst="flowChartSummingJunction">
+            <a:avLst/>
+          </a:prstGeom>
+          <a:noFill/>
+        </p:spPr>
+        <p:style>
+          <a:lnRef idx="2">
+            <a:schemeClr val="accent1">
+              <a:shade val="50000"/>
+            </a:schemeClr>
+          </a:lnRef>
+          <a:fillRef idx="1">
+            <a:schemeClr val="accent1"/>
+          </a:fillRef>
+          <a:effectRef idx="0">
+            <a:schemeClr val="accent1"/>
+          </a:effectRef>
+          <a:fontRef idx="minor">
+            <a:schemeClr val="lt1"/>
+          </a:fontRef>
+        </p:style>
+        <p:txBody>
+          <a:bodyPr rtlCol="0" anchor="ctr"/>
+          <a:lstStyle/>
+          <a:p>
+            <a:pPr algn="ctr"/>
+            <a:endParaRPr lang="en-GB"/>
+          </a:p>
+        </p:txBody>
+      </p:sp>
+      <p:sp>
+        <p:nvSpPr>
+          <p:cNvPr id="40" name="TextBox 39"/>
+          <p:cNvSpPr txBox="1"/>
+          <p:nvPr/>
+        </p:nvSpPr>
+        <p:spPr>
+          <a:xfrm>
+            <a:off x="3704247" y="1662998"/>
+            <a:ext cx="752129" cy="246221"/>
+          </a:xfrm>
+          <a:prstGeom prst="rect">
+            <a:avLst/>
+          </a:prstGeom>
+          <a:noFill/>
+        </p:spPr>
+        <p:txBody>
+          <a:bodyPr wrap="none" rtlCol="0">
+            <a:spAutoFit/>
+          </a:bodyPr>
+          <a:lstStyle/>
+          <a:p>
+            <a:pPr algn="ctr"/>
+            <a:r>
+              <a:rPr lang="en-GB" sz="1000" b="1" dirty="0" smtClean="0"/>
+              <a:t>Input Gate</a:t>
+            </a:r>
+            <a:endParaRPr lang="en-GB" sz="1000" b="1" dirty="0"/>
+          </a:p>
+        </p:txBody>
+      </p:sp>
+      <p:sp>
+        <p:nvSpPr>
+          <p:cNvPr id="41" name="TextBox 40"/>
+          <p:cNvSpPr txBox="1"/>
+          <p:nvPr/>
+        </p:nvSpPr>
+        <p:spPr>
+          <a:xfrm>
+            <a:off x="5855631" y="1662998"/>
+            <a:ext cx="849913" cy="246221"/>
+          </a:xfrm>
+          <a:prstGeom prst="rect">
+            <a:avLst/>
+          </a:prstGeom>
+          <a:noFill/>
+        </p:spPr>
+        <p:txBody>
+          <a:bodyPr wrap="none" rtlCol="0">
+            <a:spAutoFit/>
+          </a:bodyPr>
+          <a:lstStyle/>
+          <a:p>
+            <a:pPr algn="ctr"/>
+            <a:r>
+              <a:rPr lang="en-GB" sz="1000" b="1" dirty="0" smtClean="0"/>
+              <a:t>Output Gate</a:t>
+            </a:r>
+            <a:endParaRPr lang="en-GB" sz="1000" b="1" dirty="0"/>
+          </a:p>
+        </p:txBody>
+      </p:sp>
+      <p:sp>
+        <p:nvSpPr>
+          <p:cNvPr id="42" name="TextBox 41"/>
+          <p:cNvSpPr txBox="1"/>
+          <p:nvPr/>
+        </p:nvSpPr>
+        <p:spPr>
+          <a:xfrm>
+            <a:off x="5509177" y="3463600"/>
+            <a:ext cx="809837" cy="246221"/>
+          </a:xfrm>
+          <a:prstGeom prst="rect">
+            <a:avLst/>
+          </a:prstGeom>
+          <a:noFill/>
+        </p:spPr>
+        <p:txBody>
+          <a:bodyPr wrap="none" rtlCol="0">
+            <a:spAutoFit/>
+          </a:bodyPr>
+          <a:lstStyle/>
+          <a:p>
+            <a:pPr algn="ctr"/>
+            <a:r>
+              <a:rPr lang="en-GB" sz="1000" b="1" dirty="0" smtClean="0"/>
+              <a:t>Forget Gate</a:t>
+            </a:r>
+            <a:endParaRPr lang="en-GB" sz="1000" b="1" dirty="0"/>
+          </a:p>
+        </p:txBody>
+      </p:sp>
+      <p:sp>
+        <p:nvSpPr>
+          <p:cNvPr id="43" name="Flowchart: Summing Junction 42"/>
+          <p:cNvSpPr/>
+          <p:nvPr/>
+        </p:nvSpPr>
+        <p:spPr>
+          <a:xfrm>
+            <a:off x="5312574" y="3218762"/>
+            <a:ext cx="139834" cy="139834"/>
+          </a:xfrm>
+          <a:prstGeom prst="flowChartSummingJunction">
+            <a:avLst/>
+          </a:prstGeom>
+          <a:noFill/>
+        </p:spPr>
+        <p:style>
+          <a:lnRef idx="2">
+            <a:schemeClr val="accent1">
+              <a:shade val="50000"/>
+            </a:schemeClr>
+          </a:lnRef>
+          <a:fillRef idx="1">
+            <a:schemeClr val="accent1"/>
+          </a:fillRef>
+          <a:effectRef idx="0">
+            <a:schemeClr val="accent1"/>
+          </a:effectRef>
+          <a:fontRef idx="minor">
+            <a:schemeClr val="lt1"/>
+          </a:fontRef>
+        </p:style>
+        <p:txBody>
+          <a:bodyPr rtlCol="0" anchor="ctr"/>
+          <a:lstStyle/>
+          <a:p>
+            <a:pPr algn="ctr"/>
+            <a:endParaRPr lang="en-GB"/>
+          </a:p>
+        </p:txBody>
+      </p:sp>
+      <p:cxnSp>
+        <p:nvCxnSpPr>
+          <p:cNvPr id="45" name="Straight Arrow Connector 44"/>
+          <p:cNvCxnSpPr/>
+          <p:nvPr/>
+        </p:nvCxnSpPr>
+        <p:spPr>
+          <a:xfrm flipV="1">
+            <a:off x="4056520" y="2785505"/>
+            <a:ext cx="453876" cy="8313"/>
+          </a:xfrm>
+          <a:prstGeom prst="straightConnector1">
+            <a:avLst/>
+          </a:prstGeom>
+          <a:ln>
+            <a:tailEnd type="triangle"/>
+          </a:ln>
+        </p:spPr>
+        <p:style>
+          <a:lnRef idx="1">
+            <a:schemeClr val="accent1"/>
+          </a:lnRef>
+          <a:fillRef idx="0">
+            <a:schemeClr val="accent1"/>
+          </a:fillRef>
+          <a:effectRef idx="0">
+            <a:schemeClr val="accent1"/>
+          </a:effectRef>
+          <a:fontRef idx="minor">
+            <a:schemeClr val="tx1"/>
+          </a:fontRef>
+        </p:style>
+      </p:cxnSp>
+      <p:cxnSp>
+        <p:nvCxnSpPr>
+          <p:cNvPr id="48" name="Straight Arrow Connector 47"/>
+          <p:cNvCxnSpPr>
+            <a:stCxn id="19" idx="4"/>
+            <a:endCxn id="8" idx="0"/>
+          </p:cNvCxnSpPr>
+          <p:nvPr/>
+        </p:nvCxnSpPr>
+        <p:spPr>
+          <a:xfrm>
+            <a:off x="4580313" y="1966887"/>
+            <a:ext cx="0" cy="752857"/>
+          </a:xfrm>
+          <a:prstGeom prst="straightConnector1">
+            <a:avLst/>
+          </a:prstGeom>
+          <a:ln>
+            <a:tailEnd type="triangle"/>
+          </a:ln>
+        </p:spPr>
+        <p:style>
+          <a:lnRef idx="1">
+            <a:schemeClr val="accent1"/>
+          </a:lnRef>
+          <a:fillRef idx="0">
+            <a:schemeClr val="accent1"/>
+          </a:fillRef>
+          <a:effectRef idx="0">
+            <a:schemeClr val="accent1"/>
+          </a:effectRef>
+          <a:fontRef idx="minor">
+            <a:schemeClr val="tx1"/>
+          </a:fontRef>
+        </p:style>
+      </p:cxnSp>
+      <p:cxnSp>
+        <p:nvCxnSpPr>
+          <p:cNvPr id="50" name="Straight Arrow Connector 49"/>
+          <p:cNvCxnSpPr/>
+          <p:nvPr/>
+        </p:nvCxnSpPr>
+        <p:spPr>
+          <a:xfrm>
+            <a:off x="4675564" y="2785505"/>
+            <a:ext cx="454130" cy="8313"/>
+          </a:xfrm>
+          <a:prstGeom prst="straightConnector1">
+            <a:avLst/>
+          </a:prstGeom>
+          <a:ln>
+            <a:tailEnd type="triangle"/>
+          </a:ln>
+        </p:spPr>
+        <p:style>
+          <a:lnRef idx="1">
+            <a:schemeClr val="accent1"/>
+          </a:lnRef>
+          <a:fillRef idx="0">
+            <a:schemeClr val="accent1"/>
+          </a:fillRef>
+          <a:effectRef idx="0">
+            <a:schemeClr val="accent1"/>
+          </a:effectRef>
+          <a:fontRef idx="minor">
+            <a:schemeClr val="tx1"/>
+          </a:fontRef>
+        </p:style>
+      </p:cxnSp>
+      <p:cxnSp>
+        <p:nvCxnSpPr>
+          <p:cNvPr id="52" name="Straight Arrow Connector 51"/>
+          <p:cNvCxnSpPr>
+            <a:stCxn id="9" idx="1"/>
+            <a:endCxn id="19" idx="5"/>
+          </p:cNvCxnSpPr>
+          <p:nvPr/>
+        </p:nvCxnSpPr>
+        <p:spPr>
+          <a:xfrm flipH="1" flipV="1">
+            <a:off x="4708143" y="1913938"/>
+            <a:ext cx="495594" cy="696969"/>
+          </a:xfrm>
+          <a:prstGeom prst="straightConnector1">
+            <a:avLst/>
+          </a:prstGeom>
+          <a:ln>
+            <a:tailEnd type="triangle"/>
+          </a:ln>
+        </p:spPr>
+        <p:style>
+          <a:lnRef idx="1">
+            <a:schemeClr val="accent1"/>
+          </a:lnRef>
+          <a:fillRef idx="0">
+            <a:schemeClr val="accent1"/>
+          </a:fillRef>
+          <a:effectRef idx="0">
+            <a:schemeClr val="accent1"/>
+          </a:effectRef>
+          <a:fontRef idx="minor">
+            <a:schemeClr val="tx1"/>
+          </a:fontRef>
+        </p:style>
+      </p:cxnSp>
+      <p:cxnSp>
+        <p:nvCxnSpPr>
+          <p:cNvPr id="55" name="Straight Arrow Connector 54"/>
+          <p:cNvCxnSpPr>
+            <a:stCxn id="9" idx="7"/>
+            <a:endCxn id="26" idx="3"/>
+          </p:cNvCxnSpPr>
+          <p:nvPr/>
+        </p:nvCxnSpPr>
+        <p:spPr>
+          <a:xfrm flipV="1">
+            <a:off x="5561245" y="1913938"/>
+            <a:ext cx="1212590" cy="696969"/>
+          </a:xfrm>
+          <a:prstGeom prst="straightConnector1">
+            <a:avLst/>
+          </a:prstGeom>
+          <a:ln>
+            <a:tailEnd type="triangle"/>
+          </a:ln>
+        </p:spPr>
+        <p:style>
+          <a:lnRef idx="1">
+            <a:schemeClr val="accent1"/>
+          </a:lnRef>
+          <a:fillRef idx="0">
+            <a:schemeClr val="accent1"/>
+          </a:fillRef>
+          <a:effectRef idx="0">
+            <a:schemeClr val="accent1"/>
+          </a:effectRef>
+          <a:fontRef idx="minor">
+            <a:schemeClr val="tx1"/>
+          </a:fontRef>
+        </p:style>
+      </p:cxnSp>
+      <p:cxnSp>
+        <p:nvCxnSpPr>
+          <p:cNvPr id="57" name="Straight Arrow Connector 56"/>
+          <p:cNvCxnSpPr/>
+          <p:nvPr/>
+        </p:nvCxnSpPr>
+        <p:spPr>
+          <a:xfrm>
+            <a:off x="5635288" y="2787583"/>
+            <a:ext cx="362020" cy="4157"/>
+          </a:xfrm>
+          <a:prstGeom prst="straightConnector1">
+            <a:avLst/>
+          </a:prstGeom>
+          <a:ln>
+            <a:tailEnd type="triangle"/>
+          </a:ln>
+        </p:spPr>
+        <p:style>
+          <a:lnRef idx="1">
+            <a:schemeClr val="accent1"/>
+          </a:lnRef>
+          <a:fillRef idx="0">
+            <a:schemeClr val="accent1"/>
+          </a:fillRef>
+          <a:effectRef idx="0">
+            <a:schemeClr val="accent1"/>
+          </a:effectRef>
+          <a:fontRef idx="minor">
+            <a:schemeClr val="tx1"/>
+          </a:fontRef>
+        </p:style>
+      </p:cxnSp>
+      <p:cxnSp>
+        <p:nvCxnSpPr>
+          <p:cNvPr id="59" name="Straight Arrow Connector 58"/>
+          <p:cNvCxnSpPr/>
+          <p:nvPr/>
+        </p:nvCxnSpPr>
+        <p:spPr>
+          <a:xfrm>
+            <a:off x="6358866" y="2789661"/>
+            <a:ext cx="464449" cy="0"/>
+          </a:xfrm>
+          <a:prstGeom prst="straightConnector1">
+            <a:avLst/>
+          </a:prstGeom>
+          <a:ln>
+            <a:tailEnd type="triangle"/>
+          </a:ln>
+        </p:spPr>
+        <p:style>
+          <a:lnRef idx="1">
+            <a:schemeClr val="accent1"/>
+          </a:lnRef>
+          <a:fillRef idx="0">
+            <a:schemeClr val="accent1"/>
+          </a:fillRef>
+          <a:effectRef idx="0">
+            <a:schemeClr val="accent1"/>
+          </a:effectRef>
+          <a:fontRef idx="minor">
+            <a:schemeClr val="tx1"/>
+          </a:fontRef>
+        </p:style>
+      </p:cxnSp>
+      <p:cxnSp>
+        <p:nvCxnSpPr>
+          <p:cNvPr id="62" name="Straight Arrow Connector 61"/>
+          <p:cNvCxnSpPr/>
+          <p:nvPr/>
+        </p:nvCxnSpPr>
+        <p:spPr>
+          <a:xfrm flipV="1">
+            <a:off x="6963149" y="2779533"/>
+            <a:ext cx="479464" cy="20256"/>
+          </a:xfrm>
+          <a:prstGeom prst="straightConnector1">
+            <a:avLst/>
+          </a:prstGeom>
+          <a:ln>
+            <a:tailEnd type="triangle"/>
+          </a:ln>
+        </p:spPr>
+        <p:style>
+          <a:lnRef idx="1">
+            <a:schemeClr val="accent1"/>
+          </a:lnRef>
+          <a:fillRef idx="0">
+            <a:schemeClr val="accent1"/>
+          </a:fillRef>
+          <a:effectRef idx="0">
+            <a:schemeClr val="accent1"/>
+          </a:effectRef>
+          <a:fontRef idx="minor">
+            <a:schemeClr val="tx1"/>
+          </a:fontRef>
+        </p:style>
+      </p:cxnSp>
+      <p:cxnSp>
+        <p:nvCxnSpPr>
+          <p:cNvPr id="64" name="Straight Arrow Connector 63"/>
+          <p:cNvCxnSpPr>
+            <a:stCxn id="31" idx="3"/>
+            <a:endCxn id="12" idx="1"/>
+          </p:cNvCxnSpPr>
+          <p:nvPr/>
+        </p:nvCxnSpPr>
+        <p:spPr>
+          <a:xfrm>
+            <a:off x="3390913" y="2578486"/>
+            <a:ext cx="356998" cy="83345"/>
+          </a:xfrm>
+          <a:prstGeom prst="straightConnector1">
+            <a:avLst/>
+          </a:prstGeom>
+          <a:ln>
+            <a:tailEnd type="triangle"/>
+          </a:ln>
+        </p:spPr>
+        <p:style>
+          <a:lnRef idx="1">
+            <a:schemeClr val="accent1"/>
+          </a:lnRef>
+          <a:fillRef idx="0">
+            <a:schemeClr val="accent1"/>
+          </a:fillRef>
+          <a:effectRef idx="0">
+            <a:schemeClr val="accent1"/>
+          </a:effectRef>
+          <a:fontRef idx="minor">
+            <a:schemeClr val="tx1"/>
+          </a:fontRef>
+        </p:style>
+      </p:cxnSp>
+      <p:cxnSp>
+        <p:nvCxnSpPr>
+          <p:cNvPr id="66" name="Straight Arrow Connector 65"/>
+          <p:cNvCxnSpPr>
+            <a:stCxn id="30" idx="3"/>
+            <a:endCxn id="12" idx="3"/>
+          </p:cNvCxnSpPr>
+          <p:nvPr/>
+        </p:nvCxnSpPr>
+        <p:spPr>
+          <a:xfrm flipV="1">
+            <a:off x="3374423" y="2917491"/>
+            <a:ext cx="373488" cy="98135"/>
+          </a:xfrm>
+          <a:prstGeom prst="straightConnector1">
+            <a:avLst/>
+          </a:prstGeom>
+          <a:ln>
+            <a:tailEnd type="triangle"/>
+          </a:ln>
+        </p:spPr>
+        <p:style>
+          <a:lnRef idx="1">
+            <a:schemeClr val="accent1"/>
+          </a:lnRef>
+          <a:fillRef idx="0">
+            <a:schemeClr val="accent1"/>
+          </a:fillRef>
+          <a:effectRef idx="0">
+            <a:schemeClr val="accent1"/>
+          </a:effectRef>
+          <a:fontRef idx="minor">
+            <a:schemeClr val="tx1"/>
+          </a:fontRef>
+        </p:style>
+      </p:cxnSp>
+      <p:grpSp>
+        <p:nvGrpSpPr>
+          <p:cNvPr id="69" name="Group 68"/>
+          <p:cNvGrpSpPr/>
+          <p:nvPr/>
+        </p:nvGrpSpPr>
+        <p:grpSpPr>
+          <a:xfrm>
+            <a:off x="5129694" y="2536864"/>
+            <a:ext cx="505594" cy="505594"/>
+            <a:chOff x="5129694" y="2536864"/>
+            <a:chExt cx="505594" cy="505594"/>
+          </a:xfrm>
+        </p:grpSpPr>
+        <p:sp>
+          <p:nvSpPr>
+            <p:cNvPr id="9" name="Oval 8"/>
+            <p:cNvSpPr/>
+            <p:nvPr/>
+          </p:nvSpPr>
+          <p:spPr>
+            <a:xfrm>
+              <a:off x="5129694" y="2536864"/>
+              <a:ext cx="505594" cy="505594"/>
+            </a:xfrm>
+            <a:prstGeom prst="ellipse">
+              <a:avLst/>
+            </a:prstGeom>
+            <a:noFill/>
+          </p:spPr>
+          <p:style>
+            <a:lnRef idx="2">
+              <a:schemeClr val="accent1">
+                <a:shade val="50000"/>
+              </a:schemeClr>
+            </a:lnRef>
+            <a:fillRef idx="1">
+              <a:schemeClr val="accent1"/>
+            </a:fillRef>
+            <a:effectRef idx="0">
+              <a:schemeClr val="accent1"/>
+            </a:effectRef>
+            <a:fontRef idx="minor">
+              <a:schemeClr val="lt1"/>
+            </a:fontRef>
+          </p:style>
+          <p:txBody>
+            <a:bodyPr rtlCol="0" anchor="ctr"/>
+            <a:lstStyle/>
+            <a:p>
+              <a:pPr algn="ctr"/>
+              <a:endParaRPr lang="en-GB"/>
+            </a:p>
+          </p:txBody>
+        </p:sp>
+        <mc:AlternateContent xmlns:mc="http://schemas.openxmlformats.org/markup-compatibility/2006">
+          <mc:Choice xmlns:a14="http://schemas.microsoft.com/office/drawing/2010/main" Requires="a14">
+            <p:sp>
+              <p:nvSpPr>
+                <p:cNvPr id="68" name="TextBox 67"/>
+                <p:cNvSpPr txBox="1"/>
+                <p:nvPr/>
+              </p:nvSpPr>
+              <p:spPr>
+                <a:xfrm>
+                  <a:off x="5268005" y="2666551"/>
+                  <a:ext cx="228973" cy="246221"/>
+                </a:xfrm>
+                <a:prstGeom prst="rect">
+                  <a:avLst/>
+                </a:prstGeom>
+                <a:noFill/>
+              </p:spPr>
+              <p:txBody>
+                <a:bodyPr wrap="none" lIns="0" tIns="0" rIns="0" bIns="0" rtlCol="0">
+                  <a:spAutoFit/>
+                </a:bodyPr>
+                <a:lstStyle/>
+                <a:p>
+                  <a14:m>
+                    <m:oMathPara xmlns:m="http://schemas.openxmlformats.org/officeDocument/2006/math">
+                      <m:oMathParaPr>
+                        <m:jc m:val="centerGroup"/>
+                      </m:oMathParaPr>
+                      <m:oMath xmlns:m="http://schemas.openxmlformats.org/officeDocument/2006/math">
+                        <m:sSub>
+                          <m:sSubPr>
+                            <m:ctrlPr>
+                              <a:rPr lang="en-GB" sz="1600" b="0" i="1" smtClean="0">
+                                <a:latin typeface="Cambria Math" panose="02040503050406030204" pitchFamily="18" charset="0"/>
+                              </a:rPr>
+                            </m:ctrlPr>
+                          </m:sSubPr>
+                          <m:e>
+                            <m:r>
+                              <a:rPr lang="en-GB" sz="1600" b="1" i="1" smtClean="0">
+                                <a:latin typeface="Cambria Math" panose="02040503050406030204" pitchFamily="18" charset="0"/>
+                              </a:rPr>
+                              <m:t>𝒄</m:t>
+                            </m:r>
+                          </m:e>
+                          <m:sub>
+                            <m:r>
+                              <a:rPr lang="en-GB" sz="1600" b="0" i="1" smtClean="0">
+                                <a:latin typeface="Cambria Math" panose="02040503050406030204" pitchFamily="18" charset="0"/>
+                              </a:rPr>
+                              <m:t>𝑡</m:t>
+                            </m:r>
+                          </m:sub>
+                        </m:sSub>
+                      </m:oMath>
+                    </m:oMathPara>
+                  </a14:m>
+                  <a:endParaRPr lang="en-GB" dirty="0"/>
+                </a:p>
+              </p:txBody>
+            </p:sp>
+          </mc:Choice>
+          <mc:Fallback>
+            <p:sp>
+              <p:nvSpPr>
+                <p:cNvPr id="68" name="TextBox 67"/>
+                <p:cNvSpPr txBox="1">
+                  <a:spLocks noRot="1" noChangeAspect="1" noMove="1" noResize="1" noEditPoints="1" noAdjustHandles="1" noChangeArrowheads="1" noChangeShapeType="1" noTextEdit="1"/>
+                </p:cNvSpPr>
+                <p:nvPr/>
+              </p:nvSpPr>
+              <p:spPr>
+                <a:xfrm>
+                  <a:off x="5268005" y="2666551"/>
+                  <a:ext cx="228973" cy="246221"/>
+                </a:xfrm>
+                <a:prstGeom prst="rect">
+                  <a:avLst/>
+                </a:prstGeom>
+                <a:blipFill>
+                  <a:blip r:embed="rId14"/>
+                  <a:stretch>
+                    <a:fillRect l="-10526" r="-5263" b="-12195"/>
+                  </a:stretch>
+                </a:blipFill>
+              </p:spPr>
+              <p:txBody>
+                <a:bodyPr/>
+                <a:lstStyle/>
+                <a:p>
+                  <a:r>
+                    <a:rPr lang="en-GB">
+                      <a:noFill/>
+                    </a:rPr>
+                    <a:t> </a:t>
+                  </a:r>
+                </a:p>
+              </p:txBody>
+            </p:sp>
+          </mc:Fallback>
+        </mc:AlternateContent>
+      </p:grpSp>
+      <p:cxnSp>
+        <p:nvCxnSpPr>
+          <p:cNvPr id="73" name="Straight Arrow Connector 72"/>
+          <p:cNvCxnSpPr>
+            <a:stCxn id="34" idx="2"/>
+            <a:endCxn id="19" idx="1"/>
+          </p:cNvCxnSpPr>
+          <p:nvPr/>
+        </p:nvCxnSpPr>
+        <p:spPr>
+          <a:xfrm flipH="1">
+            <a:off x="4452483" y="1232332"/>
+            <a:ext cx="294" cy="425946"/>
+          </a:xfrm>
+          <a:prstGeom prst="straightConnector1">
+            <a:avLst/>
+          </a:prstGeom>
+          <a:ln>
+            <a:tailEnd type="triangle"/>
+          </a:ln>
+        </p:spPr>
+        <p:style>
+          <a:lnRef idx="1">
+            <a:schemeClr val="accent1"/>
+          </a:lnRef>
+          <a:fillRef idx="0">
+            <a:schemeClr val="accent1"/>
+          </a:fillRef>
+          <a:effectRef idx="0">
+            <a:schemeClr val="accent1"/>
+          </a:effectRef>
+          <a:fontRef idx="minor">
+            <a:schemeClr val="tx1"/>
+          </a:fontRef>
+        </p:style>
+      </p:cxnSp>
+      <p:cxnSp>
+        <p:nvCxnSpPr>
+          <p:cNvPr id="75" name="Straight Arrow Connector 74"/>
+          <p:cNvCxnSpPr>
+            <a:stCxn id="35" idx="2"/>
+            <a:endCxn id="19" idx="7"/>
+          </p:cNvCxnSpPr>
+          <p:nvPr/>
+        </p:nvCxnSpPr>
+        <p:spPr>
+          <a:xfrm flipH="1">
+            <a:off x="4708143" y="1232815"/>
+            <a:ext cx="52949" cy="425463"/>
+          </a:xfrm>
+          <a:prstGeom prst="straightConnector1">
+            <a:avLst/>
+          </a:prstGeom>
+          <a:ln>
+            <a:tailEnd type="triangle"/>
+          </a:ln>
+        </p:spPr>
+        <p:style>
+          <a:lnRef idx="1">
+            <a:schemeClr val="accent1"/>
+          </a:lnRef>
+          <a:fillRef idx="0">
+            <a:schemeClr val="accent1"/>
+          </a:fillRef>
+          <a:effectRef idx="0">
+            <a:schemeClr val="accent1"/>
+          </a:effectRef>
+          <a:fontRef idx="minor">
+            <a:schemeClr val="tx1"/>
+          </a:fontRef>
+        </p:style>
+      </p:cxnSp>
+      <p:cxnSp>
+        <p:nvCxnSpPr>
+          <p:cNvPr id="77" name="Straight Arrow Connector 76"/>
+          <p:cNvCxnSpPr>
+            <a:stCxn id="36" idx="2"/>
+            <a:endCxn id="26" idx="1"/>
+          </p:cNvCxnSpPr>
+          <p:nvPr/>
+        </p:nvCxnSpPr>
+        <p:spPr>
+          <a:xfrm flipH="1">
+            <a:off x="6773835" y="1290353"/>
+            <a:ext cx="294" cy="367925"/>
+          </a:xfrm>
+          <a:prstGeom prst="straightConnector1">
+            <a:avLst/>
+          </a:prstGeom>
+          <a:ln>
+            <a:tailEnd type="triangle"/>
+          </a:ln>
+        </p:spPr>
+        <p:style>
+          <a:lnRef idx="1">
+            <a:schemeClr val="accent1"/>
+          </a:lnRef>
+          <a:fillRef idx="0">
+            <a:schemeClr val="accent1"/>
+          </a:fillRef>
+          <a:effectRef idx="0">
+            <a:schemeClr val="accent1"/>
+          </a:effectRef>
+          <a:fontRef idx="minor">
+            <a:schemeClr val="tx1"/>
+          </a:fontRef>
+        </p:style>
+      </p:cxnSp>
+      <p:cxnSp>
+        <p:nvCxnSpPr>
+          <p:cNvPr id="79" name="Straight Arrow Connector 78"/>
+          <p:cNvCxnSpPr>
+            <a:stCxn id="37" idx="2"/>
+            <a:endCxn id="26" idx="7"/>
+          </p:cNvCxnSpPr>
+          <p:nvPr/>
+        </p:nvCxnSpPr>
+        <p:spPr>
+          <a:xfrm flipH="1">
+            <a:off x="7029495" y="1290836"/>
+            <a:ext cx="52949" cy="367442"/>
+          </a:xfrm>
+          <a:prstGeom prst="straightConnector1">
+            <a:avLst/>
+          </a:prstGeom>
+          <a:ln>
+            <a:tailEnd type="triangle"/>
+          </a:ln>
+        </p:spPr>
+        <p:style>
+          <a:lnRef idx="1">
+            <a:schemeClr val="accent1"/>
+          </a:lnRef>
+          <a:fillRef idx="0">
+            <a:schemeClr val="accent1"/>
+          </a:fillRef>
+          <a:effectRef idx="0">
+            <a:schemeClr val="accent1"/>
+          </a:effectRef>
+          <a:fontRef idx="minor">
+            <a:schemeClr val="tx1"/>
+          </a:fontRef>
+        </p:style>
+      </p:cxnSp>
+      <p:cxnSp>
+        <p:nvCxnSpPr>
+          <p:cNvPr id="81" name="Straight Arrow Connector 80"/>
+          <p:cNvCxnSpPr>
+            <a:stCxn id="32" idx="0"/>
+            <a:endCxn id="23" idx="3"/>
+          </p:cNvCxnSpPr>
+          <p:nvPr/>
+        </p:nvCxnSpPr>
+        <p:spPr>
+          <a:xfrm flipV="1">
+            <a:off x="5245591" y="3854033"/>
+            <a:ext cx="9070" cy="309211"/>
+          </a:xfrm>
+          <a:prstGeom prst="straightConnector1">
+            <a:avLst/>
+          </a:prstGeom>
+          <a:ln>
+            <a:tailEnd type="triangle"/>
+          </a:ln>
+        </p:spPr>
+        <p:style>
+          <a:lnRef idx="1">
+            <a:schemeClr val="accent1"/>
+          </a:lnRef>
+          <a:fillRef idx="0">
+            <a:schemeClr val="accent1"/>
+          </a:fillRef>
+          <a:effectRef idx="0">
+            <a:schemeClr val="accent1"/>
+          </a:effectRef>
+          <a:fontRef idx="minor">
+            <a:schemeClr val="tx1"/>
+          </a:fontRef>
+        </p:style>
+      </p:cxnSp>
+      <p:cxnSp>
+        <p:nvCxnSpPr>
+          <p:cNvPr id="83" name="Straight Arrow Connector 82"/>
+          <p:cNvCxnSpPr>
+            <a:stCxn id="33" idx="0"/>
+            <a:endCxn id="23" idx="5"/>
+          </p:cNvCxnSpPr>
+          <p:nvPr/>
+        </p:nvCxnSpPr>
+        <p:spPr>
+          <a:xfrm flipH="1" flipV="1">
+            <a:off x="5510321" y="3854033"/>
+            <a:ext cx="43585" cy="309694"/>
+          </a:xfrm>
+          <a:prstGeom prst="straightConnector1">
+            <a:avLst/>
+          </a:prstGeom>
+          <a:ln>
+            <a:tailEnd type="triangle"/>
+          </a:ln>
+        </p:spPr>
+        <p:style>
+          <a:lnRef idx="1">
+            <a:schemeClr val="accent1"/>
+          </a:lnRef>
+          <a:fillRef idx="0">
+            <a:schemeClr val="accent1"/>
+          </a:fillRef>
+          <a:effectRef idx="0">
+            <a:schemeClr val="accent1"/>
+          </a:effectRef>
+          <a:fontRef idx="minor">
+            <a:schemeClr val="tx1"/>
+          </a:fontRef>
+        </p:style>
+      </p:cxnSp>
+      <p:sp>
+        <p:nvSpPr>
+          <p:cNvPr id="84" name="Freeform 83"/>
+          <p:cNvSpPr/>
+          <p:nvPr/>
+        </p:nvSpPr>
+        <p:spPr>
+          <a:xfrm>
+            <a:off x="4954392" y="2928802"/>
+            <a:ext cx="247320" cy="740752"/>
+          </a:xfrm>
+          <a:custGeom>
+            <a:avLst/>
+            <a:gdLst>
+              <a:gd name="connsiteX0" fmla="*/ 221232 w 245137"/>
+              <a:gd name="connsiteY0" fmla="*/ 0 h 699247"/>
+              <a:gd name="connsiteX1" fmla="*/ 102 w 245137"/>
+              <a:gd name="connsiteY1" fmla="*/ 304800 h 699247"/>
+              <a:gd name="connsiteX2" fmla="*/ 245137 w 245137"/>
+              <a:gd name="connsiteY2" fmla="*/ 699247 h 699247"/>
+            </a:gdLst>
+            <a:ahLst/>
+            <a:cxnLst>
+              <a:cxn ang="0">
+                <a:pos x="connsiteX0" y="connsiteY0"/>
+              </a:cxn>
+              <a:cxn ang="0">
+                <a:pos x="connsiteX1" y="connsiteY1"/>
+              </a:cxn>
+              <a:cxn ang="0">
+                <a:pos x="connsiteX2" y="connsiteY2"/>
+              </a:cxn>
+            </a:cxnLst>
+            <a:rect l="l" t="t" r="r" b="b"/>
+            <a:pathLst>
+              <a:path w="245137" h="699247">
+                <a:moveTo>
+                  <a:pt x="221232" y="0"/>
+                </a:moveTo>
+                <a:cubicBezTo>
+                  <a:pt x="108675" y="94129"/>
+                  <a:pt x="-3882" y="188259"/>
+                  <a:pt x="102" y="304800"/>
+                </a:cubicBezTo>
+                <a:cubicBezTo>
+                  <a:pt x="4086" y="421341"/>
+                  <a:pt x="124611" y="560294"/>
+                  <a:pt x="245137" y="699247"/>
+                </a:cubicBezTo>
+              </a:path>
+            </a:pathLst>
+          </a:custGeom>
+          <a:noFill/>
+          <a:ln>
+            <a:headEnd type="none" w="med" len="med"/>
+            <a:tailEnd type="triangle" w="med" len="med"/>
+          </a:ln>
+        </p:spPr>
+        <p:style>
+          <a:lnRef idx="2">
+            <a:schemeClr val="accent1">
+              <a:shade val="50000"/>
+            </a:schemeClr>
+          </a:lnRef>
+          <a:fillRef idx="1">
+            <a:schemeClr val="accent1"/>
+          </a:fillRef>
+          <a:effectRef idx="0">
+            <a:schemeClr val="accent1"/>
+          </a:effectRef>
+          <a:fontRef idx="minor">
+            <a:schemeClr val="lt1"/>
+          </a:fontRef>
+        </p:style>
+        <p:txBody>
+          <a:bodyPr rtlCol="0" anchor="ctr"/>
+          <a:lstStyle/>
+          <a:p>
+            <a:pPr algn="ctr"/>
+            <a:endParaRPr lang="en-GB"/>
+          </a:p>
+        </p:txBody>
+      </p:sp>
+      <p:sp>
+        <p:nvSpPr>
+          <p:cNvPr id="85" name="Freeform 84"/>
+          <p:cNvSpPr/>
+          <p:nvPr/>
+        </p:nvSpPr>
+        <p:spPr>
+          <a:xfrm>
+            <a:off x="5444565" y="2982259"/>
+            <a:ext cx="171842" cy="286870"/>
+          </a:xfrm>
+          <a:custGeom>
+            <a:avLst/>
+            <a:gdLst>
+              <a:gd name="connsiteX0" fmla="*/ 107576 w 171842"/>
+              <a:gd name="connsiteY0" fmla="*/ 0 h 286870"/>
+              <a:gd name="connsiteX1" fmla="*/ 167341 w 171842"/>
+              <a:gd name="connsiteY1" fmla="*/ 185270 h 286870"/>
+              <a:gd name="connsiteX2" fmla="*/ 0 w 171842"/>
+              <a:gd name="connsiteY2" fmla="*/ 286870 h 286870"/>
+            </a:gdLst>
+            <a:ahLst/>
+            <a:cxnLst>
+              <a:cxn ang="0">
+                <a:pos x="connsiteX0" y="connsiteY0"/>
+              </a:cxn>
+              <a:cxn ang="0">
+                <a:pos x="connsiteX1" y="connsiteY1"/>
+              </a:cxn>
+              <a:cxn ang="0">
+                <a:pos x="connsiteX2" y="connsiteY2"/>
+              </a:cxn>
+            </a:cxnLst>
+            <a:rect l="l" t="t" r="r" b="b"/>
+            <a:pathLst>
+              <a:path w="171842" h="286870">
+                <a:moveTo>
+                  <a:pt x="107576" y="0"/>
+                </a:moveTo>
+                <a:cubicBezTo>
+                  <a:pt x="146423" y="68729"/>
+                  <a:pt x="185270" y="137458"/>
+                  <a:pt x="167341" y="185270"/>
+                </a:cubicBezTo>
+                <a:cubicBezTo>
+                  <a:pt x="149412" y="233082"/>
+                  <a:pt x="74706" y="259976"/>
+                  <a:pt x="0" y="286870"/>
+                </a:cubicBezTo>
+              </a:path>
+            </a:pathLst>
+          </a:custGeom>
+          <a:noFill/>
+          <a:ln>
+            <a:headEnd type="none" w="med" len="med"/>
+            <a:tailEnd type="triangle" w="med" len="med"/>
+          </a:ln>
+        </p:spPr>
+        <p:style>
+          <a:lnRef idx="2">
+            <a:schemeClr val="accent1">
+              <a:shade val="50000"/>
+            </a:schemeClr>
+          </a:lnRef>
+          <a:fillRef idx="1">
+            <a:schemeClr val="accent1"/>
+          </a:fillRef>
+          <a:effectRef idx="0">
+            <a:schemeClr val="accent1"/>
+          </a:effectRef>
+          <a:fontRef idx="minor">
+            <a:schemeClr val="lt1"/>
+          </a:fontRef>
+        </p:style>
+        <p:txBody>
+          <a:bodyPr rtlCol="0" anchor="ctr"/>
+          <a:lstStyle/>
+          <a:p>
+            <a:pPr algn="ctr"/>
+            <a:endParaRPr lang="en-GB"/>
+          </a:p>
+        </p:txBody>
+      </p:sp>
+      <p:sp>
+        <p:nvSpPr>
+          <p:cNvPr id="86" name="Freeform 85"/>
+          <p:cNvSpPr/>
+          <p:nvPr/>
+        </p:nvSpPr>
+        <p:spPr>
+          <a:xfrm rot="9000000">
+            <a:off x="5170131" y="3017657"/>
+            <a:ext cx="171842" cy="286870"/>
+          </a:xfrm>
+          <a:custGeom>
+            <a:avLst/>
+            <a:gdLst>
+              <a:gd name="connsiteX0" fmla="*/ 107576 w 171842"/>
+              <a:gd name="connsiteY0" fmla="*/ 0 h 286870"/>
+              <a:gd name="connsiteX1" fmla="*/ 167341 w 171842"/>
+              <a:gd name="connsiteY1" fmla="*/ 185270 h 286870"/>
+              <a:gd name="connsiteX2" fmla="*/ 0 w 171842"/>
+              <a:gd name="connsiteY2" fmla="*/ 286870 h 286870"/>
+            </a:gdLst>
+            <a:ahLst/>
+            <a:cxnLst>
+              <a:cxn ang="0">
+                <a:pos x="connsiteX0" y="connsiteY0"/>
+              </a:cxn>
+              <a:cxn ang="0">
+                <a:pos x="connsiteX1" y="connsiteY1"/>
+              </a:cxn>
+              <a:cxn ang="0">
+                <a:pos x="connsiteX2" y="connsiteY2"/>
+              </a:cxn>
+            </a:cxnLst>
+            <a:rect l="l" t="t" r="r" b="b"/>
+            <a:pathLst>
+              <a:path w="171842" h="286870">
+                <a:moveTo>
+                  <a:pt x="107576" y="0"/>
+                </a:moveTo>
+                <a:cubicBezTo>
+                  <a:pt x="146423" y="68729"/>
+                  <a:pt x="185270" y="137458"/>
+                  <a:pt x="167341" y="185270"/>
+                </a:cubicBezTo>
+                <a:cubicBezTo>
+                  <a:pt x="149412" y="233082"/>
+                  <a:pt x="74706" y="259976"/>
+                  <a:pt x="0" y="286870"/>
+                </a:cubicBezTo>
+              </a:path>
+            </a:pathLst>
+          </a:custGeom>
+          <a:noFill/>
+          <a:ln>
+            <a:headEnd type="none" w="med" len="med"/>
+            <a:tailEnd type="triangle" w="med" len="med"/>
+          </a:ln>
+        </p:spPr>
+        <p:style>
+          <a:lnRef idx="2">
+            <a:schemeClr val="accent1">
+              <a:shade val="50000"/>
+            </a:schemeClr>
+          </a:lnRef>
+          <a:fillRef idx="1">
+            <a:schemeClr val="accent1"/>
+          </a:fillRef>
+          <a:effectRef idx="0">
+            <a:schemeClr val="accent1"/>
+          </a:effectRef>
+          <a:fontRef idx="minor">
+            <a:schemeClr val="lt1"/>
+          </a:fontRef>
+        </p:style>
+        <p:txBody>
+          <a:bodyPr rtlCol="0" anchor="ctr"/>
+          <a:lstStyle/>
+          <a:p>
+            <a:pPr algn="ctr"/>
+            <a:endParaRPr lang="en-GB"/>
+          </a:p>
+        </p:txBody>
+      </p:sp>
+      <p:sp>
+        <p:nvSpPr>
+          <p:cNvPr id="87" name="TextBox 86"/>
+          <p:cNvSpPr txBox="1"/>
+          <p:nvPr/>
+        </p:nvSpPr>
+        <p:spPr>
+          <a:xfrm>
+            <a:off x="4985985" y="2104967"/>
+            <a:ext cx="744114" cy="246221"/>
+          </a:xfrm>
+          <a:prstGeom prst="rect">
+            <a:avLst/>
+          </a:prstGeom>
+          <a:noFill/>
+        </p:spPr>
+        <p:txBody>
+          <a:bodyPr wrap="none" rtlCol="0">
+            <a:spAutoFit/>
+          </a:bodyPr>
+          <a:lstStyle/>
+          <a:p>
+            <a:pPr algn="ctr"/>
+            <a:r>
+              <a:rPr lang="en-GB" sz="1000" b="1" dirty="0" smtClean="0"/>
+              <a:t>LSTM CELL</a:t>
+            </a:r>
+            <a:endParaRPr lang="en-GB" sz="1000" b="1" dirty="0"/>
+          </a:p>
+        </p:txBody>
+      </p:sp>
+      <p:pic>
+        <p:nvPicPr>
+          <p:cNvPr id="2" name="Picture 1"/>
+          <p:cNvPicPr>
+            <a:picLocks noChangeAspect="1"/>
+          </p:cNvPicPr>
+          <p:nvPr/>
+        </p:nvPicPr>
+        <p:blipFill>
+          <a:blip r:embed="rId15"/>
+          <a:stretch>
+            <a:fillRect/>
+          </a:stretch>
+        </p:blipFill>
+        <p:spPr>
+          <a:xfrm>
+            <a:off x="231521" y="328128"/>
+            <a:ext cx="3562350" cy="2019300"/>
+          </a:xfrm>
+          <a:prstGeom prst="rect">
+            <a:avLst/>
+          </a:prstGeom>
+        </p:spPr>
+      </p:pic>
+      <p:pic>
+        <p:nvPicPr>
+          <p:cNvPr id="3" name="Picture 2"/>
+          <p:cNvPicPr>
+            <a:picLocks noChangeAspect="1"/>
+          </p:cNvPicPr>
+          <p:nvPr/>
+        </p:nvPicPr>
+        <p:blipFill>
+          <a:blip r:embed="rId16"/>
+          <a:stretch>
+            <a:fillRect/>
+          </a:stretch>
+        </p:blipFill>
+        <p:spPr>
+          <a:xfrm>
+            <a:off x="277618" y="3218762"/>
+            <a:ext cx="3076575" cy="1619250"/>
+          </a:xfrm>
+          <a:prstGeom prst="rect">
+            <a:avLst/>
+          </a:prstGeom>
+        </p:spPr>
+      </p:pic>
+    </p:spTree>
+    <p:extLst>
+      <p:ext uri="{BB962C8B-B14F-4D97-AF65-F5344CB8AC3E}">
+        <p14:creationId xmlns:p14="http://schemas.microsoft.com/office/powerpoint/2010/main" val="1078268631"/>
       </p:ext>
     </p:extLst>
   </p:cSld>

--- a/thesis.pptx
+++ b/thesis.pptx
@@ -6,7 +6,10 @@
   </p:sldMasterIdLst>
   <p:sldIdLst>
     <p:sldId id="256" r:id="rId2"/>
-    <p:sldId id="257" r:id="rId3"/>
+    <p:sldId id="258" r:id="rId3"/>
+    <p:sldId id="257" r:id="rId4"/>
+    <p:sldId id="259" r:id="rId5"/>
+    <p:sldId id="260" r:id="rId6"/>
   </p:sldIdLst>
   <p:sldSz cx="12192000" cy="6858000"/>
   <p:notesSz cx="6858000" cy="9144000"/>
@@ -111,6 +114,4862 @@
     </p:ext>
   </p:extLst>
 </p:presentation>
+</file>
+
+<file path=ppt/diagrams/colors1.xml><?xml version="1.0" encoding="utf-8"?>
+<dgm:colorsDef xmlns:dgm="http://schemas.openxmlformats.org/drawingml/2006/diagram" xmlns:a="http://schemas.openxmlformats.org/drawingml/2006/main" uniqueId="urn:microsoft.com/office/officeart/2005/8/colors/accent1_2">
+  <dgm:title val=""/>
+  <dgm:desc val=""/>
+  <dgm:catLst>
+    <dgm:cat type="accent1" pri="11200"/>
+  </dgm:catLst>
+  <dgm:styleLbl name="node0">
+    <dgm:fillClrLst meth="repeat">
+      <a:schemeClr val="accent1"/>
+    </dgm:fillClrLst>
+    <dgm:linClrLst meth="repeat">
+      <a:schemeClr val="lt1"/>
+    </dgm:linClrLst>
+    <dgm:effectClrLst/>
+    <dgm:txLinClrLst/>
+    <dgm:txFillClrLst/>
+    <dgm:txEffectClrLst/>
+  </dgm:styleLbl>
+  <dgm:styleLbl name="alignNode1">
+    <dgm:fillClrLst meth="repeat">
+      <a:schemeClr val="accent1"/>
+    </dgm:fillClrLst>
+    <dgm:linClrLst meth="repeat">
+      <a:schemeClr val="accent1"/>
+    </dgm:linClrLst>
+    <dgm:effectClrLst/>
+    <dgm:txLinClrLst/>
+    <dgm:txFillClrLst/>
+    <dgm:txEffectClrLst/>
+  </dgm:styleLbl>
+  <dgm:styleLbl name="node1">
+    <dgm:fillClrLst meth="repeat">
+      <a:schemeClr val="accent1"/>
+    </dgm:fillClrLst>
+    <dgm:linClrLst meth="repeat">
+      <a:schemeClr val="lt1"/>
+    </dgm:linClrLst>
+    <dgm:effectClrLst/>
+    <dgm:txLinClrLst/>
+    <dgm:txFillClrLst/>
+    <dgm:txEffectClrLst/>
+  </dgm:styleLbl>
+  <dgm:styleLbl name="lnNode1">
+    <dgm:fillClrLst meth="repeat">
+      <a:schemeClr val="accent1"/>
+    </dgm:fillClrLst>
+    <dgm:linClrLst meth="repeat">
+      <a:schemeClr val="lt1"/>
+    </dgm:linClrLst>
+    <dgm:effectClrLst/>
+    <dgm:txLinClrLst/>
+    <dgm:txFillClrLst/>
+    <dgm:txEffectClrLst/>
+  </dgm:styleLbl>
+  <dgm:styleLbl name="vennNode1">
+    <dgm:fillClrLst meth="repeat">
+      <a:schemeClr val="accent1">
+        <a:alpha val="50000"/>
+      </a:schemeClr>
+    </dgm:fillClrLst>
+    <dgm:linClrLst meth="repeat">
+      <a:schemeClr val="lt1"/>
+    </dgm:linClrLst>
+    <dgm:effectClrLst/>
+    <dgm:txLinClrLst/>
+    <dgm:txFillClrLst/>
+    <dgm:txEffectClrLst/>
+  </dgm:styleLbl>
+  <dgm:styleLbl name="node2">
+    <dgm:fillClrLst meth="repeat">
+      <a:schemeClr val="accent1"/>
+    </dgm:fillClrLst>
+    <dgm:linClrLst meth="repeat">
+      <a:schemeClr val="lt1"/>
+    </dgm:linClrLst>
+    <dgm:effectClrLst/>
+    <dgm:txLinClrLst/>
+    <dgm:txFillClrLst/>
+    <dgm:txEffectClrLst/>
+  </dgm:styleLbl>
+  <dgm:styleLbl name="node3">
+    <dgm:fillClrLst meth="repeat">
+      <a:schemeClr val="accent1"/>
+    </dgm:fillClrLst>
+    <dgm:linClrLst meth="repeat">
+      <a:schemeClr val="lt1"/>
+    </dgm:linClrLst>
+    <dgm:effectClrLst/>
+    <dgm:txLinClrLst/>
+    <dgm:txFillClrLst/>
+    <dgm:txEffectClrLst/>
+  </dgm:styleLbl>
+  <dgm:styleLbl name="node4">
+    <dgm:fillClrLst meth="repeat">
+      <a:schemeClr val="accent1"/>
+    </dgm:fillClrLst>
+    <dgm:linClrLst meth="repeat">
+      <a:schemeClr val="lt1"/>
+    </dgm:linClrLst>
+    <dgm:effectClrLst/>
+    <dgm:txLinClrLst/>
+    <dgm:txFillClrLst/>
+    <dgm:txEffectClrLst/>
+  </dgm:styleLbl>
+  <dgm:styleLbl name="fgImgPlace1">
+    <dgm:fillClrLst meth="repeat">
+      <a:schemeClr val="accent1">
+        <a:tint val="50000"/>
+      </a:schemeClr>
+    </dgm:fillClrLst>
+    <dgm:linClrLst meth="repeat">
+      <a:schemeClr val="lt1"/>
+    </dgm:linClrLst>
+    <dgm:effectClrLst/>
+    <dgm:txLinClrLst/>
+    <dgm:txFillClrLst meth="repeat">
+      <a:schemeClr val="lt1"/>
+    </dgm:txFillClrLst>
+    <dgm:txEffectClrLst/>
+  </dgm:styleLbl>
+  <dgm:styleLbl name="alignImgPlace1">
+    <dgm:fillClrLst meth="repeat">
+      <a:schemeClr val="accent1">
+        <a:tint val="50000"/>
+      </a:schemeClr>
+    </dgm:fillClrLst>
+    <dgm:linClrLst meth="repeat">
+      <a:schemeClr val="lt1"/>
+    </dgm:linClrLst>
+    <dgm:effectClrLst/>
+    <dgm:txLinClrLst/>
+    <dgm:txFillClrLst meth="repeat">
+      <a:schemeClr val="lt1"/>
+    </dgm:txFillClrLst>
+    <dgm:txEffectClrLst/>
+  </dgm:styleLbl>
+  <dgm:styleLbl name="bgImgPlace1">
+    <dgm:fillClrLst meth="repeat">
+      <a:schemeClr val="accent1">
+        <a:tint val="50000"/>
+      </a:schemeClr>
+    </dgm:fillClrLst>
+    <dgm:linClrLst meth="repeat">
+      <a:schemeClr val="lt1"/>
+    </dgm:linClrLst>
+    <dgm:effectClrLst/>
+    <dgm:txLinClrLst/>
+    <dgm:txFillClrLst meth="repeat">
+      <a:schemeClr val="lt1"/>
+    </dgm:txFillClrLst>
+    <dgm:txEffectClrLst/>
+  </dgm:styleLbl>
+  <dgm:styleLbl name="sibTrans2D1">
+    <dgm:fillClrLst meth="repeat">
+      <a:schemeClr val="accent1">
+        <a:tint val="60000"/>
+      </a:schemeClr>
+    </dgm:fillClrLst>
+    <dgm:linClrLst meth="repeat">
+      <a:schemeClr val="accent1">
+        <a:tint val="60000"/>
+      </a:schemeClr>
+    </dgm:linClrLst>
+    <dgm:effectClrLst/>
+    <dgm:txLinClrLst/>
+    <dgm:txFillClrLst/>
+    <dgm:txEffectClrLst/>
+  </dgm:styleLbl>
+  <dgm:styleLbl name="fgSibTrans2D1">
+    <dgm:fillClrLst meth="repeat">
+      <a:schemeClr val="accent1">
+        <a:tint val="60000"/>
+      </a:schemeClr>
+    </dgm:fillClrLst>
+    <dgm:linClrLst meth="repeat">
+      <a:schemeClr val="accent1">
+        <a:tint val="60000"/>
+      </a:schemeClr>
+    </dgm:linClrLst>
+    <dgm:effectClrLst/>
+    <dgm:txLinClrLst/>
+    <dgm:txFillClrLst/>
+    <dgm:txEffectClrLst/>
+  </dgm:styleLbl>
+  <dgm:styleLbl name="bgSibTrans2D1">
+    <dgm:fillClrLst meth="repeat">
+      <a:schemeClr val="accent1">
+        <a:tint val="60000"/>
+      </a:schemeClr>
+    </dgm:fillClrLst>
+    <dgm:linClrLst meth="repeat">
+      <a:schemeClr val="accent1">
+        <a:tint val="60000"/>
+      </a:schemeClr>
+    </dgm:linClrLst>
+    <dgm:effectClrLst/>
+    <dgm:txLinClrLst/>
+    <dgm:txFillClrLst/>
+    <dgm:txEffectClrLst/>
+  </dgm:styleLbl>
+  <dgm:styleLbl name="sibTrans1D1">
+    <dgm:fillClrLst meth="repeat">
+      <a:schemeClr val="accent1"/>
+    </dgm:fillClrLst>
+    <dgm:linClrLst meth="repeat">
+      <a:schemeClr val="accent1"/>
+    </dgm:linClrLst>
+    <dgm:effectClrLst/>
+    <dgm:txLinClrLst/>
+    <dgm:txFillClrLst meth="repeat">
+      <a:schemeClr val="tx1"/>
+    </dgm:txFillClrLst>
+    <dgm:txEffectClrLst/>
+  </dgm:styleLbl>
+  <dgm:styleLbl name="callout">
+    <dgm:fillClrLst meth="repeat">
+      <a:schemeClr val="accent1"/>
+    </dgm:fillClrLst>
+    <dgm:linClrLst meth="repeat">
+      <a:schemeClr val="accent1">
+        <a:tint val="50000"/>
+      </a:schemeClr>
+    </dgm:linClrLst>
+    <dgm:effectClrLst/>
+    <dgm:txLinClrLst/>
+    <dgm:txFillClrLst meth="repeat">
+      <a:schemeClr val="tx1"/>
+    </dgm:txFillClrLst>
+    <dgm:txEffectClrLst/>
+  </dgm:styleLbl>
+  <dgm:styleLbl name="asst0">
+    <dgm:fillClrLst meth="repeat">
+      <a:schemeClr val="accent1"/>
+    </dgm:fillClrLst>
+    <dgm:linClrLst meth="repeat">
+      <a:schemeClr val="lt1"/>
+    </dgm:linClrLst>
+    <dgm:effectClrLst/>
+    <dgm:txLinClrLst/>
+    <dgm:txFillClrLst/>
+    <dgm:txEffectClrLst/>
+  </dgm:styleLbl>
+  <dgm:styleLbl name="asst1">
+    <dgm:fillClrLst meth="repeat">
+      <a:schemeClr val="accent1"/>
+    </dgm:fillClrLst>
+    <dgm:linClrLst meth="repeat">
+      <a:schemeClr val="lt1"/>
+    </dgm:linClrLst>
+    <dgm:effectClrLst/>
+    <dgm:txLinClrLst/>
+    <dgm:txFillClrLst/>
+    <dgm:txEffectClrLst/>
+  </dgm:styleLbl>
+  <dgm:styleLbl name="asst2">
+    <dgm:fillClrLst meth="repeat">
+      <a:schemeClr val="accent1"/>
+    </dgm:fillClrLst>
+    <dgm:linClrLst meth="repeat">
+      <a:schemeClr val="lt1"/>
+    </dgm:linClrLst>
+    <dgm:effectClrLst/>
+    <dgm:txLinClrLst/>
+    <dgm:txFillClrLst/>
+    <dgm:txEffectClrLst/>
+  </dgm:styleLbl>
+  <dgm:styleLbl name="asst3">
+    <dgm:fillClrLst meth="repeat">
+      <a:schemeClr val="accent1"/>
+    </dgm:fillClrLst>
+    <dgm:linClrLst meth="repeat">
+      <a:schemeClr val="lt1"/>
+    </dgm:linClrLst>
+    <dgm:effectClrLst/>
+    <dgm:txLinClrLst/>
+    <dgm:txFillClrLst/>
+    <dgm:txEffectClrLst/>
+  </dgm:styleLbl>
+  <dgm:styleLbl name="asst4">
+    <dgm:fillClrLst meth="repeat">
+      <a:schemeClr val="accent1"/>
+    </dgm:fillClrLst>
+    <dgm:linClrLst meth="repeat">
+      <a:schemeClr val="lt1"/>
+    </dgm:linClrLst>
+    <dgm:effectClrLst/>
+    <dgm:txLinClrLst/>
+    <dgm:txFillClrLst/>
+    <dgm:txEffectClrLst/>
+  </dgm:styleLbl>
+  <dgm:styleLbl name="parChTrans2D1">
+    <dgm:fillClrLst meth="repeat">
+      <a:schemeClr val="accent1">
+        <a:tint val="60000"/>
+      </a:schemeClr>
+    </dgm:fillClrLst>
+    <dgm:linClrLst meth="repeat">
+      <a:schemeClr val="accent1">
+        <a:tint val="60000"/>
+      </a:schemeClr>
+    </dgm:linClrLst>
+    <dgm:effectClrLst/>
+    <dgm:txLinClrLst/>
+    <dgm:txFillClrLst meth="repeat">
+      <a:schemeClr val="lt1"/>
+    </dgm:txFillClrLst>
+    <dgm:txEffectClrLst/>
+  </dgm:styleLbl>
+  <dgm:styleLbl name="parChTrans2D2">
+    <dgm:fillClrLst meth="repeat">
+      <a:schemeClr val="accent1"/>
+    </dgm:fillClrLst>
+    <dgm:linClrLst meth="repeat">
+      <a:schemeClr val="accent1"/>
+    </dgm:linClrLst>
+    <dgm:effectClrLst/>
+    <dgm:txLinClrLst/>
+    <dgm:txFillClrLst meth="repeat">
+      <a:schemeClr val="lt1"/>
+    </dgm:txFillClrLst>
+    <dgm:txEffectClrLst/>
+  </dgm:styleLbl>
+  <dgm:styleLbl name="parChTrans2D3">
+    <dgm:fillClrLst meth="repeat">
+      <a:schemeClr val="accent1"/>
+    </dgm:fillClrLst>
+    <dgm:linClrLst meth="repeat">
+      <a:schemeClr val="accent1"/>
+    </dgm:linClrLst>
+    <dgm:effectClrLst/>
+    <dgm:txLinClrLst/>
+    <dgm:txFillClrLst meth="repeat">
+      <a:schemeClr val="lt1"/>
+    </dgm:txFillClrLst>
+    <dgm:txEffectClrLst/>
+  </dgm:styleLbl>
+  <dgm:styleLbl name="parChTrans2D4">
+    <dgm:fillClrLst meth="repeat">
+      <a:schemeClr val="accent1"/>
+    </dgm:fillClrLst>
+    <dgm:linClrLst meth="repeat">
+      <a:schemeClr val="accent1"/>
+    </dgm:linClrLst>
+    <dgm:effectClrLst/>
+    <dgm:txLinClrLst/>
+    <dgm:txFillClrLst meth="repeat">
+      <a:schemeClr val="lt1"/>
+    </dgm:txFillClrLst>
+    <dgm:txEffectClrLst/>
+  </dgm:styleLbl>
+  <dgm:styleLbl name="parChTrans1D1">
+    <dgm:fillClrLst meth="repeat">
+      <a:schemeClr val="accent1"/>
+    </dgm:fillClrLst>
+    <dgm:linClrLst meth="repeat">
+      <a:schemeClr val="accent1">
+        <a:shade val="60000"/>
+      </a:schemeClr>
+    </dgm:linClrLst>
+    <dgm:effectClrLst/>
+    <dgm:txLinClrLst/>
+    <dgm:txFillClrLst meth="repeat">
+      <a:schemeClr val="tx1"/>
+    </dgm:txFillClrLst>
+    <dgm:txEffectClrLst/>
+  </dgm:styleLbl>
+  <dgm:styleLbl name="parChTrans1D2">
+    <dgm:fillClrLst meth="repeat">
+      <a:schemeClr val="accent1"/>
+    </dgm:fillClrLst>
+    <dgm:linClrLst meth="repeat">
+      <a:schemeClr val="accent1">
+        <a:shade val="60000"/>
+      </a:schemeClr>
+    </dgm:linClrLst>
+    <dgm:effectClrLst/>
+    <dgm:txLinClrLst/>
+    <dgm:txFillClrLst meth="repeat">
+      <a:schemeClr val="tx1"/>
+    </dgm:txFillClrLst>
+    <dgm:txEffectClrLst/>
+  </dgm:styleLbl>
+  <dgm:styleLbl name="parChTrans1D3">
+    <dgm:fillClrLst meth="repeat">
+      <a:schemeClr val="accent1"/>
+    </dgm:fillClrLst>
+    <dgm:linClrLst meth="repeat">
+      <a:schemeClr val="accent1">
+        <a:shade val="80000"/>
+      </a:schemeClr>
+    </dgm:linClrLst>
+    <dgm:effectClrLst/>
+    <dgm:txLinClrLst/>
+    <dgm:txFillClrLst meth="repeat">
+      <a:schemeClr val="tx1"/>
+    </dgm:txFillClrLst>
+    <dgm:txEffectClrLst/>
+  </dgm:styleLbl>
+  <dgm:styleLbl name="parChTrans1D4">
+    <dgm:fillClrLst meth="repeat">
+      <a:schemeClr val="accent1"/>
+    </dgm:fillClrLst>
+    <dgm:linClrLst meth="repeat">
+      <a:schemeClr val="accent1">
+        <a:shade val="80000"/>
+      </a:schemeClr>
+    </dgm:linClrLst>
+    <dgm:effectClrLst/>
+    <dgm:txLinClrLst/>
+    <dgm:txFillClrLst meth="repeat">
+      <a:schemeClr val="tx1"/>
+    </dgm:txFillClrLst>
+    <dgm:txEffectClrLst/>
+  </dgm:styleLbl>
+  <dgm:styleLbl name="fgAcc1">
+    <dgm:fillClrLst meth="repeat">
+      <a:schemeClr val="lt1">
+        <a:alpha val="90000"/>
+      </a:schemeClr>
+    </dgm:fillClrLst>
+    <dgm:linClrLst meth="repeat">
+      <a:schemeClr val="accent1"/>
+    </dgm:linClrLst>
+    <dgm:effectClrLst/>
+    <dgm:txLinClrLst/>
+    <dgm:txFillClrLst meth="repeat">
+      <a:schemeClr val="dk1"/>
+    </dgm:txFillClrLst>
+    <dgm:txEffectClrLst/>
+  </dgm:styleLbl>
+  <dgm:styleLbl name="conFgAcc1">
+    <dgm:fillClrLst meth="repeat">
+      <a:schemeClr val="lt1">
+        <a:alpha val="90000"/>
+      </a:schemeClr>
+    </dgm:fillClrLst>
+    <dgm:linClrLst meth="repeat">
+      <a:schemeClr val="accent1"/>
+    </dgm:linClrLst>
+    <dgm:effectClrLst/>
+    <dgm:txLinClrLst/>
+    <dgm:txFillClrLst meth="repeat">
+      <a:schemeClr val="dk1"/>
+    </dgm:txFillClrLst>
+    <dgm:txEffectClrLst/>
+  </dgm:styleLbl>
+  <dgm:styleLbl name="alignAcc1">
+    <dgm:fillClrLst meth="repeat">
+      <a:schemeClr val="lt1">
+        <a:alpha val="90000"/>
+      </a:schemeClr>
+    </dgm:fillClrLst>
+    <dgm:linClrLst meth="repeat">
+      <a:schemeClr val="accent1"/>
+    </dgm:linClrLst>
+    <dgm:effectClrLst/>
+    <dgm:txLinClrLst/>
+    <dgm:txFillClrLst meth="repeat">
+      <a:schemeClr val="dk1"/>
+    </dgm:txFillClrLst>
+    <dgm:txEffectClrLst/>
+  </dgm:styleLbl>
+  <dgm:styleLbl name="trAlignAcc1">
+    <dgm:fillClrLst meth="repeat">
+      <a:schemeClr val="lt1">
+        <a:alpha val="40000"/>
+      </a:schemeClr>
+    </dgm:fillClrLst>
+    <dgm:linClrLst meth="repeat">
+      <a:schemeClr val="accent1"/>
+    </dgm:linClrLst>
+    <dgm:effectClrLst/>
+    <dgm:txLinClrLst/>
+    <dgm:txFillClrLst meth="repeat">
+      <a:schemeClr val="dk1"/>
+    </dgm:txFillClrLst>
+    <dgm:txEffectClrLst/>
+  </dgm:styleLbl>
+  <dgm:styleLbl name="bgAcc1">
+    <dgm:fillClrLst meth="repeat">
+      <a:schemeClr val="lt1">
+        <a:alpha val="90000"/>
+      </a:schemeClr>
+    </dgm:fillClrLst>
+    <dgm:linClrLst meth="repeat">
+      <a:schemeClr val="accent1"/>
+    </dgm:linClrLst>
+    <dgm:effectClrLst/>
+    <dgm:txLinClrLst/>
+    <dgm:txFillClrLst meth="repeat">
+      <a:schemeClr val="dk1"/>
+    </dgm:txFillClrLst>
+    <dgm:txEffectClrLst/>
+  </dgm:styleLbl>
+  <dgm:styleLbl name="solidFgAcc1">
+    <dgm:fillClrLst meth="repeat">
+      <a:schemeClr val="lt1"/>
+    </dgm:fillClrLst>
+    <dgm:linClrLst meth="repeat">
+      <a:schemeClr val="accent1"/>
+    </dgm:linClrLst>
+    <dgm:effectClrLst/>
+    <dgm:txLinClrLst/>
+    <dgm:txFillClrLst meth="repeat">
+      <a:schemeClr val="dk1"/>
+    </dgm:txFillClrLst>
+    <dgm:txEffectClrLst/>
+  </dgm:styleLbl>
+  <dgm:styleLbl name="solidAlignAcc1">
+    <dgm:fillClrLst meth="repeat">
+      <a:schemeClr val="lt1"/>
+    </dgm:fillClrLst>
+    <dgm:linClrLst meth="repeat">
+      <a:schemeClr val="accent1"/>
+    </dgm:linClrLst>
+    <dgm:effectClrLst/>
+    <dgm:txLinClrLst/>
+    <dgm:txFillClrLst meth="repeat">
+      <a:schemeClr val="dk1"/>
+    </dgm:txFillClrLst>
+    <dgm:txEffectClrLst/>
+  </dgm:styleLbl>
+  <dgm:styleLbl name="solidBgAcc1">
+    <dgm:fillClrLst meth="repeat">
+      <a:schemeClr val="lt1"/>
+    </dgm:fillClrLst>
+    <dgm:linClrLst meth="repeat">
+      <a:schemeClr val="accent1"/>
+    </dgm:linClrLst>
+    <dgm:effectClrLst/>
+    <dgm:txLinClrLst/>
+    <dgm:txFillClrLst meth="repeat">
+      <a:schemeClr val="dk1"/>
+    </dgm:txFillClrLst>
+    <dgm:txEffectClrLst/>
+  </dgm:styleLbl>
+  <dgm:styleLbl name="fgAccFollowNode1">
+    <dgm:fillClrLst meth="repeat">
+      <a:schemeClr val="accent1">
+        <a:alpha val="90000"/>
+        <a:tint val="40000"/>
+      </a:schemeClr>
+    </dgm:fillClrLst>
+    <dgm:linClrLst meth="repeat">
+      <a:schemeClr val="accent1">
+        <a:alpha val="90000"/>
+        <a:tint val="40000"/>
+      </a:schemeClr>
+    </dgm:linClrLst>
+    <dgm:effectClrLst/>
+    <dgm:txLinClrLst/>
+    <dgm:txFillClrLst meth="repeat">
+      <a:schemeClr val="dk1"/>
+    </dgm:txFillClrLst>
+    <dgm:txEffectClrLst/>
+  </dgm:styleLbl>
+  <dgm:styleLbl name="alignAccFollowNode1">
+    <dgm:fillClrLst meth="repeat">
+      <a:schemeClr val="accent1">
+        <a:alpha val="90000"/>
+        <a:tint val="40000"/>
+      </a:schemeClr>
+    </dgm:fillClrLst>
+    <dgm:linClrLst meth="repeat">
+      <a:schemeClr val="accent1">
+        <a:alpha val="90000"/>
+        <a:tint val="40000"/>
+      </a:schemeClr>
+    </dgm:linClrLst>
+    <dgm:effectClrLst/>
+    <dgm:txLinClrLst/>
+    <dgm:txFillClrLst meth="repeat">
+      <a:schemeClr val="dk1"/>
+    </dgm:txFillClrLst>
+    <dgm:txEffectClrLst/>
+  </dgm:styleLbl>
+  <dgm:styleLbl name="bgAccFollowNode1">
+    <dgm:fillClrLst meth="repeat">
+      <a:schemeClr val="accent1">
+        <a:alpha val="90000"/>
+        <a:tint val="40000"/>
+      </a:schemeClr>
+    </dgm:fillClrLst>
+    <dgm:linClrLst meth="repeat">
+      <a:schemeClr val="accent1">
+        <a:alpha val="90000"/>
+        <a:tint val="40000"/>
+      </a:schemeClr>
+    </dgm:linClrLst>
+    <dgm:effectClrLst/>
+    <dgm:txLinClrLst/>
+    <dgm:txFillClrLst meth="repeat">
+      <a:schemeClr val="dk1"/>
+    </dgm:txFillClrLst>
+    <dgm:txEffectClrLst/>
+  </dgm:styleLbl>
+  <dgm:styleLbl name="fgAcc0">
+    <dgm:fillClrLst meth="repeat">
+      <a:schemeClr val="lt1">
+        <a:alpha val="90000"/>
+      </a:schemeClr>
+    </dgm:fillClrLst>
+    <dgm:linClrLst meth="repeat">
+      <a:schemeClr val="accent1"/>
+    </dgm:linClrLst>
+    <dgm:effectClrLst/>
+    <dgm:txLinClrLst/>
+    <dgm:txFillClrLst meth="repeat">
+      <a:schemeClr val="dk1"/>
+    </dgm:txFillClrLst>
+    <dgm:txEffectClrLst/>
+  </dgm:styleLbl>
+  <dgm:styleLbl name="fgAcc2">
+    <dgm:fillClrLst meth="repeat">
+      <a:schemeClr val="lt1">
+        <a:alpha val="90000"/>
+      </a:schemeClr>
+    </dgm:fillClrLst>
+    <dgm:linClrLst meth="repeat">
+      <a:schemeClr val="accent1"/>
+    </dgm:linClrLst>
+    <dgm:effectClrLst/>
+    <dgm:txLinClrLst/>
+    <dgm:txFillClrLst meth="repeat">
+      <a:schemeClr val="dk1"/>
+    </dgm:txFillClrLst>
+    <dgm:txEffectClrLst/>
+  </dgm:styleLbl>
+  <dgm:styleLbl name="fgAcc3">
+    <dgm:fillClrLst meth="repeat">
+      <a:schemeClr val="lt1">
+        <a:alpha val="90000"/>
+      </a:schemeClr>
+    </dgm:fillClrLst>
+    <dgm:linClrLst meth="repeat">
+      <a:schemeClr val="accent1"/>
+    </dgm:linClrLst>
+    <dgm:effectClrLst/>
+    <dgm:txLinClrLst/>
+    <dgm:txFillClrLst meth="repeat">
+      <a:schemeClr val="dk1"/>
+    </dgm:txFillClrLst>
+    <dgm:txEffectClrLst/>
+  </dgm:styleLbl>
+  <dgm:styleLbl name="fgAcc4">
+    <dgm:fillClrLst meth="repeat">
+      <a:schemeClr val="lt1">
+        <a:alpha val="90000"/>
+      </a:schemeClr>
+    </dgm:fillClrLst>
+    <dgm:linClrLst meth="repeat">
+      <a:schemeClr val="accent1"/>
+    </dgm:linClrLst>
+    <dgm:effectClrLst/>
+    <dgm:txLinClrLst/>
+    <dgm:txFillClrLst meth="repeat">
+      <a:schemeClr val="dk1"/>
+    </dgm:txFillClrLst>
+    <dgm:txEffectClrLst/>
+  </dgm:styleLbl>
+  <dgm:styleLbl name="bgShp">
+    <dgm:fillClrLst meth="repeat">
+      <a:schemeClr val="accent1">
+        <a:tint val="40000"/>
+      </a:schemeClr>
+    </dgm:fillClrLst>
+    <dgm:linClrLst meth="repeat">
+      <a:schemeClr val="accent1"/>
+    </dgm:linClrLst>
+    <dgm:effectClrLst/>
+    <dgm:txLinClrLst/>
+    <dgm:txFillClrLst meth="repeat">
+      <a:schemeClr val="dk1"/>
+    </dgm:txFillClrLst>
+    <dgm:txEffectClrLst/>
+  </dgm:styleLbl>
+  <dgm:styleLbl name="dkBgShp">
+    <dgm:fillClrLst meth="repeat">
+      <a:schemeClr val="accent1">
+        <a:shade val="80000"/>
+      </a:schemeClr>
+    </dgm:fillClrLst>
+    <dgm:linClrLst meth="repeat">
+      <a:schemeClr val="accent1"/>
+    </dgm:linClrLst>
+    <dgm:effectClrLst/>
+    <dgm:txLinClrLst/>
+    <dgm:txFillClrLst meth="repeat">
+      <a:schemeClr val="lt1"/>
+    </dgm:txFillClrLst>
+    <dgm:txEffectClrLst/>
+  </dgm:styleLbl>
+  <dgm:styleLbl name="trBgShp">
+    <dgm:fillClrLst meth="repeat">
+      <a:schemeClr val="accent1">
+        <a:tint val="50000"/>
+        <a:alpha val="40000"/>
+      </a:schemeClr>
+    </dgm:fillClrLst>
+    <dgm:linClrLst meth="repeat">
+      <a:schemeClr val="accent1"/>
+    </dgm:linClrLst>
+    <dgm:effectClrLst/>
+    <dgm:txLinClrLst/>
+    <dgm:txFillClrLst meth="repeat">
+      <a:schemeClr val="lt1"/>
+    </dgm:txFillClrLst>
+    <dgm:txEffectClrLst/>
+  </dgm:styleLbl>
+  <dgm:styleLbl name="fgShp">
+    <dgm:fillClrLst meth="repeat">
+      <a:schemeClr val="accent1">
+        <a:tint val="60000"/>
+      </a:schemeClr>
+    </dgm:fillClrLst>
+    <dgm:linClrLst meth="repeat">
+      <a:schemeClr val="lt1"/>
+    </dgm:linClrLst>
+    <dgm:effectClrLst/>
+    <dgm:txLinClrLst/>
+    <dgm:txFillClrLst meth="repeat">
+      <a:schemeClr val="dk1"/>
+    </dgm:txFillClrLst>
+    <dgm:txEffectClrLst/>
+  </dgm:styleLbl>
+  <dgm:styleLbl name="revTx">
+    <dgm:fillClrLst meth="repeat">
+      <a:schemeClr val="lt1">
+        <a:alpha val="0"/>
+      </a:schemeClr>
+    </dgm:fillClrLst>
+    <dgm:linClrLst meth="repeat">
+      <a:schemeClr val="dk1">
+        <a:alpha val="0"/>
+      </a:schemeClr>
+    </dgm:linClrLst>
+    <dgm:effectClrLst/>
+    <dgm:txLinClrLst/>
+    <dgm:txFillClrLst meth="repeat">
+      <a:schemeClr val="tx1"/>
+    </dgm:txFillClrLst>
+    <dgm:txEffectClrLst/>
+  </dgm:styleLbl>
+</dgm:colorsDef>
+</file>
+
+<file path=ppt/diagrams/colors2.xml><?xml version="1.0" encoding="utf-8"?>
+<dgm:colorsDef xmlns:dgm="http://schemas.openxmlformats.org/drawingml/2006/diagram" xmlns:a="http://schemas.openxmlformats.org/drawingml/2006/main" uniqueId="urn:microsoft.com/office/officeart/2005/8/colors/accent1_2">
+  <dgm:title val=""/>
+  <dgm:desc val=""/>
+  <dgm:catLst>
+    <dgm:cat type="accent1" pri="11200"/>
+  </dgm:catLst>
+  <dgm:styleLbl name="node0">
+    <dgm:fillClrLst meth="repeat">
+      <a:schemeClr val="accent1"/>
+    </dgm:fillClrLst>
+    <dgm:linClrLst meth="repeat">
+      <a:schemeClr val="lt1"/>
+    </dgm:linClrLst>
+    <dgm:effectClrLst/>
+    <dgm:txLinClrLst/>
+    <dgm:txFillClrLst/>
+    <dgm:txEffectClrLst/>
+  </dgm:styleLbl>
+  <dgm:styleLbl name="alignNode1">
+    <dgm:fillClrLst meth="repeat">
+      <a:schemeClr val="accent1"/>
+    </dgm:fillClrLst>
+    <dgm:linClrLst meth="repeat">
+      <a:schemeClr val="accent1"/>
+    </dgm:linClrLst>
+    <dgm:effectClrLst/>
+    <dgm:txLinClrLst/>
+    <dgm:txFillClrLst/>
+    <dgm:txEffectClrLst/>
+  </dgm:styleLbl>
+  <dgm:styleLbl name="node1">
+    <dgm:fillClrLst meth="repeat">
+      <a:schemeClr val="accent1"/>
+    </dgm:fillClrLst>
+    <dgm:linClrLst meth="repeat">
+      <a:schemeClr val="lt1"/>
+    </dgm:linClrLst>
+    <dgm:effectClrLst/>
+    <dgm:txLinClrLst/>
+    <dgm:txFillClrLst/>
+    <dgm:txEffectClrLst/>
+  </dgm:styleLbl>
+  <dgm:styleLbl name="lnNode1">
+    <dgm:fillClrLst meth="repeat">
+      <a:schemeClr val="accent1"/>
+    </dgm:fillClrLst>
+    <dgm:linClrLst meth="repeat">
+      <a:schemeClr val="lt1"/>
+    </dgm:linClrLst>
+    <dgm:effectClrLst/>
+    <dgm:txLinClrLst/>
+    <dgm:txFillClrLst/>
+    <dgm:txEffectClrLst/>
+  </dgm:styleLbl>
+  <dgm:styleLbl name="vennNode1">
+    <dgm:fillClrLst meth="repeat">
+      <a:schemeClr val="accent1">
+        <a:alpha val="50000"/>
+      </a:schemeClr>
+    </dgm:fillClrLst>
+    <dgm:linClrLst meth="repeat">
+      <a:schemeClr val="lt1"/>
+    </dgm:linClrLst>
+    <dgm:effectClrLst/>
+    <dgm:txLinClrLst/>
+    <dgm:txFillClrLst/>
+    <dgm:txEffectClrLst/>
+  </dgm:styleLbl>
+  <dgm:styleLbl name="node2">
+    <dgm:fillClrLst meth="repeat">
+      <a:schemeClr val="accent1"/>
+    </dgm:fillClrLst>
+    <dgm:linClrLst meth="repeat">
+      <a:schemeClr val="lt1"/>
+    </dgm:linClrLst>
+    <dgm:effectClrLst/>
+    <dgm:txLinClrLst/>
+    <dgm:txFillClrLst/>
+    <dgm:txEffectClrLst/>
+  </dgm:styleLbl>
+  <dgm:styleLbl name="node3">
+    <dgm:fillClrLst meth="repeat">
+      <a:schemeClr val="accent1"/>
+    </dgm:fillClrLst>
+    <dgm:linClrLst meth="repeat">
+      <a:schemeClr val="lt1"/>
+    </dgm:linClrLst>
+    <dgm:effectClrLst/>
+    <dgm:txLinClrLst/>
+    <dgm:txFillClrLst/>
+    <dgm:txEffectClrLst/>
+  </dgm:styleLbl>
+  <dgm:styleLbl name="node4">
+    <dgm:fillClrLst meth="repeat">
+      <a:schemeClr val="accent1"/>
+    </dgm:fillClrLst>
+    <dgm:linClrLst meth="repeat">
+      <a:schemeClr val="lt1"/>
+    </dgm:linClrLst>
+    <dgm:effectClrLst/>
+    <dgm:txLinClrLst/>
+    <dgm:txFillClrLst/>
+    <dgm:txEffectClrLst/>
+  </dgm:styleLbl>
+  <dgm:styleLbl name="fgImgPlace1">
+    <dgm:fillClrLst meth="repeat">
+      <a:schemeClr val="accent1">
+        <a:tint val="50000"/>
+      </a:schemeClr>
+    </dgm:fillClrLst>
+    <dgm:linClrLst meth="repeat">
+      <a:schemeClr val="lt1"/>
+    </dgm:linClrLst>
+    <dgm:effectClrLst/>
+    <dgm:txLinClrLst/>
+    <dgm:txFillClrLst meth="repeat">
+      <a:schemeClr val="lt1"/>
+    </dgm:txFillClrLst>
+    <dgm:txEffectClrLst/>
+  </dgm:styleLbl>
+  <dgm:styleLbl name="alignImgPlace1">
+    <dgm:fillClrLst meth="repeat">
+      <a:schemeClr val="accent1">
+        <a:tint val="50000"/>
+      </a:schemeClr>
+    </dgm:fillClrLst>
+    <dgm:linClrLst meth="repeat">
+      <a:schemeClr val="lt1"/>
+    </dgm:linClrLst>
+    <dgm:effectClrLst/>
+    <dgm:txLinClrLst/>
+    <dgm:txFillClrLst meth="repeat">
+      <a:schemeClr val="lt1"/>
+    </dgm:txFillClrLst>
+    <dgm:txEffectClrLst/>
+  </dgm:styleLbl>
+  <dgm:styleLbl name="bgImgPlace1">
+    <dgm:fillClrLst meth="repeat">
+      <a:schemeClr val="accent1">
+        <a:tint val="50000"/>
+      </a:schemeClr>
+    </dgm:fillClrLst>
+    <dgm:linClrLst meth="repeat">
+      <a:schemeClr val="lt1"/>
+    </dgm:linClrLst>
+    <dgm:effectClrLst/>
+    <dgm:txLinClrLst/>
+    <dgm:txFillClrLst meth="repeat">
+      <a:schemeClr val="lt1"/>
+    </dgm:txFillClrLst>
+    <dgm:txEffectClrLst/>
+  </dgm:styleLbl>
+  <dgm:styleLbl name="sibTrans2D1">
+    <dgm:fillClrLst meth="repeat">
+      <a:schemeClr val="accent1">
+        <a:tint val="60000"/>
+      </a:schemeClr>
+    </dgm:fillClrLst>
+    <dgm:linClrLst meth="repeat">
+      <a:schemeClr val="accent1">
+        <a:tint val="60000"/>
+      </a:schemeClr>
+    </dgm:linClrLst>
+    <dgm:effectClrLst/>
+    <dgm:txLinClrLst/>
+    <dgm:txFillClrLst/>
+    <dgm:txEffectClrLst/>
+  </dgm:styleLbl>
+  <dgm:styleLbl name="fgSibTrans2D1">
+    <dgm:fillClrLst meth="repeat">
+      <a:schemeClr val="accent1">
+        <a:tint val="60000"/>
+      </a:schemeClr>
+    </dgm:fillClrLst>
+    <dgm:linClrLst meth="repeat">
+      <a:schemeClr val="accent1">
+        <a:tint val="60000"/>
+      </a:schemeClr>
+    </dgm:linClrLst>
+    <dgm:effectClrLst/>
+    <dgm:txLinClrLst/>
+    <dgm:txFillClrLst/>
+    <dgm:txEffectClrLst/>
+  </dgm:styleLbl>
+  <dgm:styleLbl name="bgSibTrans2D1">
+    <dgm:fillClrLst meth="repeat">
+      <a:schemeClr val="accent1">
+        <a:tint val="60000"/>
+      </a:schemeClr>
+    </dgm:fillClrLst>
+    <dgm:linClrLst meth="repeat">
+      <a:schemeClr val="accent1">
+        <a:tint val="60000"/>
+      </a:schemeClr>
+    </dgm:linClrLst>
+    <dgm:effectClrLst/>
+    <dgm:txLinClrLst/>
+    <dgm:txFillClrLst/>
+    <dgm:txEffectClrLst/>
+  </dgm:styleLbl>
+  <dgm:styleLbl name="sibTrans1D1">
+    <dgm:fillClrLst meth="repeat">
+      <a:schemeClr val="accent1"/>
+    </dgm:fillClrLst>
+    <dgm:linClrLst meth="repeat">
+      <a:schemeClr val="accent1"/>
+    </dgm:linClrLst>
+    <dgm:effectClrLst/>
+    <dgm:txLinClrLst/>
+    <dgm:txFillClrLst meth="repeat">
+      <a:schemeClr val="tx1"/>
+    </dgm:txFillClrLst>
+    <dgm:txEffectClrLst/>
+  </dgm:styleLbl>
+  <dgm:styleLbl name="callout">
+    <dgm:fillClrLst meth="repeat">
+      <a:schemeClr val="accent1"/>
+    </dgm:fillClrLst>
+    <dgm:linClrLst meth="repeat">
+      <a:schemeClr val="accent1">
+        <a:tint val="50000"/>
+      </a:schemeClr>
+    </dgm:linClrLst>
+    <dgm:effectClrLst/>
+    <dgm:txLinClrLst/>
+    <dgm:txFillClrLst meth="repeat">
+      <a:schemeClr val="tx1"/>
+    </dgm:txFillClrLst>
+    <dgm:txEffectClrLst/>
+  </dgm:styleLbl>
+  <dgm:styleLbl name="asst0">
+    <dgm:fillClrLst meth="repeat">
+      <a:schemeClr val="accent1"/>
+    </dgm:fillClrLst>
+    <dgm:linClrLst meth="repeat">
+      <a:schemeClr val="lt1"/>
+    </dgm:linClrLst>
+    <dgm:effectClrLst/>
+    <dgm:txLinClrLst/>
+    <dgm:txFillClrLst/>
+    <dgm:txEffectClrLst/>
+  </dgm:styleLbl>
+  <dgm:styleLbl name="asst1">
+    <dgm:fillClrLst meth="repeat">
+      <a:schemeClr val="accent1"/>
+    </dgm:fillClrLst>
+    <dgm:linClrLst meth="repeat">
+      <a:schemeClr val="lt1"/>
+    </dgm:linClrLst>
+    <dgm:effectClrLst/>
+    <dgm:txLinClrLst/>
+    <dgm:txFillClrLst/>
+    <dgm:txEffectClrLst/>
+  </dgm:styleLbl>
+  <dgm:styleLbl name="asst2">
+    <dgm:fillClrLst meth="repeat">
+      <a:schemeClr val="accent1"/>
+    </dgm:fillClrLst>
+    <dgm:linClrLst meth="repeat">
+      <a:schemeClr val="lt1"/>
+    </dgm:linClrLst>
+    <dgm:effectClrLst/>
+    <dgm:txLinClrLst/>
+    <dgm:txFillClrLst/>
+    <dgm:txEffectClrLst/>
+  </dgm:styleLbl>
+  <dgm:styleLbl name="asst3">
+    <dgm:fillClrLst meth="repeat">
+      <a:schemeClr val="accent1"/>
+    </dgm:fillClrLst>
+    <dgm:linClrLst meth="repeat">
+      <a:schemeClr val="lt1"/>
+    </dgm:linClrLst>
+    <dgm:effectClrLst/>
+    <dgm:txLinClrLst/>
+    <dgm:txFillClrLst/>
+    <dgm:txEffectClrLst/>
+  </dgm:styleLbl>
+  <dgm:styleLbl name="asst4">
+    <dgm:fillClrLst meth="repeat">
+      <a:schemeClr val="accent1"/>
+    </dgm:fillClrLst>
+    <dgm:linClrLst meth="repeat">
+      <a:schemeClr val="lt1"/>
+    </dgm:linClrLst>
+    <dgm:effectClrLst/>
+    <dgm:txLinClrLst/>
+    <dgm:txFillClrLst/>
+    <dgm:txEffectClrLst/>
+  </dgm:styleLbl>
+  <dgm:styleLbl name="parChTrans2D1">
+    <dgm:fillClrLst meth="repeat">
+      <a:schemeClr val="accent1">
+        <a:tint val="60000"/>
+      </a:schemeClr>
+    </dgm:fillClrLst>
+    <dgm:linClrLst meth="repeat">
+      <a:schemeClr val="accent1">
+        <a:tint val="60000"/>
+      </a:schemeClr>
+    </dgm:linClrLst>
+    <dgm:effectClrLst/>
+    <dgm:txLinClrLst/>
+    <dgm:txFillClrLst meth="repeat">
+      <a:schemeClr val="lt1"/>
+    </dgm:txFillClrLst>
+    <dgm:txEffectClrLst/>
+  </dgm:styleLbl>
+  <dgm:styleLbl name="parChTrans2D2">
+    <dgm:fillClrLst meth="repeat">
+      <a:schemeClr val="accent1"/>
+    </dgm:fillClrLst>
+    <dgm:linClrLst meth="repeat">
+      <a:schemeClr val="accent1"/>
+    </dgm:linClrLst>
+    <dgm:effectClrLst/>
+    <dgm:txLinClrLst/>
+    <dgm:txFillClrLst meth="repeat">
+      <a:schemeClr val="lt1"/>
+    </dgm:txFillClrLst>
+    <dgm:txEffectClrLst/>
+  </dgm:styleLbl>
+  <dgm:styleLbl name="parChTrans2D3">
+    <dgm:fillClrLst meth="repeat">
+      <a:schemeClr val="accent1"/>
+    </dgm:fillClrLst>
+    <dgm:linClrLst meth="repeat">
+      <a:schemeClr val="accent1"/>
+    </dgm:linClrLst>
+    <dgm:effectClrLst/>
+    <dgm:txLinClrLst/>
+    <dgm:txFillClrLst meth="repeat">
+      <a:schemeClr val="lt1"/>
+    </dgm:txFillClrLst>
+    <dgm:txEffectClrLst/>
+  </dgm:styleLbl>
+  <dgm:styleLbl name="parChTrans2D4">
+    <dgm:fillClrLst meth="repeat">
+      <a:schemeClr val="accent1"/>
+    </dgm:fillClrLst>
+    <dgm:linClrLst meth="repeat">
+      <a:schemeClr val="accent1"/>
+    </dgm:linClrLst>
+    <dgm:effectClrLst/>
+    <dgm:txLinClrLst/>
+    <dgm:txFillClrLst meth="repeat">
+      <a:schemeClr val="lt1"/>
+    </dgm:txFillClrLst>
+    <dgm:txEffectClrLst/>
+  </dgm:styleLbl>
+  <dgm:styleLbl name="parChTrans1D1">
+    <dgm:fillClrLst meth="repeat">
+      <a:schemeClr val="accent1"/>
+    </dgm:fillClrLst>
+    <dgm:linClrLst meth="repeat">
+      <a:schemeClr val="accent1">
+        <a:shade val="60000"/>
+      </a:schemeClr>
+    </dgm:linClrLst>
+    <dgm:effectClrLst/>
+    <dgm:txLinClrLst/>
+    <dgm:txFillClrLst meth="repeat">
+      <a:schemeClr val="tx1"/>
+    </dgm:txFillClrLst>
+    <dgm:txEffectClrLst/>
+  </dgm:styleLbl>
+  <dgm:styleLbl name="parChTrans1D2">
+    <dgm:fillClrLst meth="repeat">
+      <a:schemeClr val="accent1"/>
+    </dgm:fillClrLst>
+    <dgm:linClrLst meth="repeat">
+      <a:schemeClr val="accent1">
+        <a:shade val="60000"/>
+      </a:schemeClr>
+    </dgm:linClrLst>
+    <dgm:effectClrLst/>
+    <dgm:txLinClrLst/>
+    <dgm:txFillClrLst meth="repeat">
+      <a:schemeClr val="tx1"/>
+    </dgm:txFillClrLst>
+    <dgm:txEffectClrLst/>
+  </dgm:styleLbl>
+  <dgm:styleLbl name="parChTrans1D3">
+    <dgm:fillClrLst meth="repeat">
+      <a:schemeClr val="accent1"/>
+    </dgm:fillClrLst>
+    <dgm:linClrLst meth="repeat">
+      <a:schemeClr val="accent1">
+        <a:shade val="80000"/>
+      </a:schemeClr>
+    </dgm:linClrLst>
+    <dgm:effectClrLst/>
+    <dgm:txLinClrLst/>
+    <dgm:txFillClrLst meth="repeat">
+      <a:schemeClr val="tx1"/>
+    </dgm:txFillClrLst>
+    <dgm:txEffectClrLst/>
+  </dgm:styleLbl>
+  <dgm:styleLbl name="parChTrans1D4">
+    <dgm:fillClrLst meth="repeat">
+      <a:schemeClr val="accent1"/>
+    </dgm:fillClrLst>
+    <dgm:linClrLst meth="repeat">
+      <a:schemeClr val="accent1">
+        <a:shade val="80000"/>
+      </a:schemeClr>
+    </dgm:linClrLst>
+    <dgm:effectClrLst/>
+    <dgm:txLinClrLst/>
+    <dgm:txFillClrLst meth="repeat">
+      <a:schemeClr val="tx1"/>
+    </dgm:txFillClrLst>
+    <dgm:txEffectClrLst/>
+  </dgm:styleLbl>
+  <dgm:styleLbl name="fgAcc1">
+    <dgm:fillClrLst meth="repeat">
+      <a:schemeClr val="lt1">
+        <a:alpha val="90000"/>
+      </a:schemeClr>
+    </dgm:fillClrLst>
+    <dgm:linClrLst meth="repeat">
+      <a:schemeClr val="accent1"/>
+    </dgm:linClrLst>
+    <dgm:effectClrLst/>
+    <dgm:txLinClrLst/>
+    <dgm:txFillClrLst meth="repeat">
+      <a:schemeClr val="dk1"/>
+    </dgm:txFillClrLst>
+    <dgm:txEffectClrLst/>
+  </dgm:styleLbl>
+  <dgm:styleLbl name="conFgAcc1">
+    <dgm:fillClrLst meth="repeat">
+      <a:schemeClr val="lt1">
+        <a:alpha val="90000"/>
+      </a:schemeClr>
+    </dgm:fillClrLst>
+    <dgm:linClrLst meth="repeat">
+      <a:schemeClr val="accent1"/>
+    </dgm:linClrLst>
+    <dgm:effectClrLst/>
+    <dgm:txLinClrLst/>
+    <dgm:txFillClrLst meth="repeat">
+      <a:schemeClr val="dk1"/>
+    </dgm:txFillClrLst>
+    <dgm:txEffectClrLst/>
+  </dgm:styleLbl>
+  <dgm:styleLbl name="alignAcc1">
+    <dgm:fillClrLst meth="repeat">
+      <a:schemeClr val="lt1">
+        <a:alpha val="90000"/>
+      </a:schemeClr>
+    </dgm:fillClrLst>
+    <dgm:linClrLst meth="repeat">
+      <a:schemeClr val="accent1"/>
+    </dgm:linClrLst>
+    <dgm:effectClrLst/>
+    <dgm:txLinClrLst/>
+    <dgm:txFillClrLst meth="repeat">
+      <a:schemeClr val="dk1"/>
+    </dgm:txFillClrLst>
+    <dgm:txEffectClrLst/>
+  </dgm:styleLbl>
+  <dgm:styleLbl name="trAlignAcc1">
+    <dgm:fillClrLst meth="repeat">
+      <a:schemeClr val="lt1">
+        <a:alpha val="40000"/>
+      </a:schemeClr>
+    </dgm:fillClrLst>
+    <dgm:linClrLst meth="repeat">
+      <a:schemeClr val="accent1"/>
+    </dgm:linClrLst>
+    <dgm:effectClrLst/>
+    <dgm:txLinClrLst/>
+    <dgm:txFillClrLst meth="repeat">
+      <a:schemeClr val="dk1"/>
+    </dgm:txFillClrLst>
+    <dgm:txEffectClrLst/>
+  </dgm:styleLbl>
+  <dgm:styleLbl name="bgAcc1">
+    <dgm:fillClrLst meth="repeat">
+      <a:schemeClr val="lt1">
+        <a:alpha val="90000"/>
+      </a:schemeClr>
+    </dgm:fillClrLst>
+    <dgm:linClrLst meth="repeat">
+      <a:schemeClr val="accent1"/>
+    </dgm:linClrLst>
+    <dgm:effectClrLst/>
+    <dgm:txLinClrLst/>
+    <dgm:txFillClrLst meth="repeat">
+      <a:schemeClr val="dk1"/>
+    </dgm:txFillClrLst>
+    <dgm:txEffectClrLst/>
+  </dgm:styleLbl>
+  <dgm:styleLbl name="solidFgAcc1">
+    <dgm:fillClrLst meth="repeat">
+      <a:schemeClr val="lt1"/>
+    </dgm:fillClrLst>
+    <dgm:linClrLst meth="repeat">
+      <a:schemeClr val="accent1"/>
+    </dgm:linClrLst>
+    <dgm:effectClrLst/>
+    <dgm:txLinClrLst/>
+    <dgm:txFillClrLst meth="repeat">
+      <a:schemeClr val="dk1"/>
+    </dgm:txFillClrLst>
+    <dgm:txEffectClrLst/>
+  </dgm:styleLbl>
+  <dgm:styleLbl name="solidAlignAcc1">
+    <dgm:fillClrLst meth="repeat">
+      <a:schemeClr val="lt1"/>
+    </dgm:fillClrLst>
+    <dgm:linClrLst meth="repeat">
+      <a:schemeClr val="accent1"/>
+    </dgm:linClrLst>
+    <dgm:effectClrLst/>
+    <dgm:txLinClrLst/>
+    <dgm:txFillClrLst meth="repeat">
+      <a:schemeClr val="dk1"/>
+    </dgm:txFillClrLst>
+    <dgm:txEffectClrLst/>
+  </dgm:styleLbl>
+  <dgm:styleLbl name="solidBgAcc1">
+    <dgm:fillClrLst meth="repeat">
+      <a:schemeClr val="lt1"/>
+    </dgm:fillClrLst>
+    <dgm:linClrLst meth="repeat">
+      <a:schemeClr val="accent1"/>
+    </dgm:linClrLst>
+    <dgm:effectClrLst/>
+    <dgm:txLinClrLst/>
+    <dgm:txFillClrLst meth="repeat">
+      <a:schemeClr val="dk1"/>
+    </dgm:txFillClrLst>
+    <dgm:txEffectClrLst/>
+  </dgm:styleLbl>
+  <dgm:styleLbl name="fgAccFollowNode1">
+    <dgm:fillClrLst meth="repeat">
+      <a:schemeClr val="accent1">
+        <a:alpha val="90000"/>
+        <a:tint val="40000"/>
+      </a:schemeClr>
+    </dgm:fillClrLst>
+    <dgm:linClrLst meth="repeat">
+      <a:schemeClr val="accent1">
+        <a:alpha val="90000"/>
+        <a:tint val="40000"/>
+      </a:schemeClr>
+    </dgm:linClrLst>
+    <dgm:effectClrLst/>
+    <dgm:txLinClrLst/>
+    <dgm:txFillClrLst meth="repeat">
+      <a:schemeClr val="dk1"/>
+    </dgm:txFillClrLst>
+    <dgm:txEffectClrLst/>
+  </dgm:styleLbl>
+  <dgm:styleLbl name="alignAccFollowNode1">
+    <dgm:fillClrLst meth="repeat">
+      <a:schemeClr val="accent1">
+        <a:alpha val="90000"/>
+        <a:tint val="40000"/>
+      </a:schemeClr>
+    </dgm:fillClrLst>
+    <dgm:linClrLst meth="repeat">
+      <a:schemeClr val="accent1">
+        <a:alpha val="90000"/>
+        <a:tint val="40000"/>
+      </a:schemeClr>
+    </dgm:linClrLst>
+    <dgm:effectClrLst/>
+    <dgm:txLinClrLst/>
+    <dgm:txFillClrLst meth="repeat">
+      <a:schemeClr val="dk1"/>
+    </dgm:txFillClrLst>
+    <dgm:txEffectClrLst/>
+  </dgm:styleLbl>
+  <dgm:styleLbl name="bgAccFollowNode1">
+    <dgm:fillClrLst meth="repeat">
+      <a:schemeClr val="accent1">
+        <a:alpha val="90000"/>
+        <a:tint val="40000"/>
+      </a:schemeClr>
+    </dgm:fillClrLst>
+    <dgm:linClrLst meth="repeat">
+      <a:schemeClr val="accent1">
+        <a:alpha val="90000"/>
+        <a:tint val="40000"/>
+      </a:schemeClr>
+    </dgm:linClrLst>
+    <dgm:effectClrLst/>
+    <dgm:txLinClrLst/>
+    <dgm:txFillClrLst meth="repeat">
+      <a:schemeClr val="dk1"/>
+    </dgm:txFillClrLst>
+    <dgm:txEffectClrLst/>
+  </dgm:styleLbl>
+  <dgm:styleLbl name="fgAcc0">
+    <dgm:fillClrLst meth="repeat">
+      <a:schemeClr val="lt1">
+        <a:alpha val="90000"/>
+      </a:schemeClr>
+    </dgm:fillClrLst>
+    <dgm:linClrLst meth="repeat">
+      <a:schemeClr val="accent1"/>
+    </dgm:linClrLst>
+    <dgm:effectClrLst/>
+    <dgm:txLinClrLst/>
+    <dgm:txFillClrLst meth="repeat">
+      <a:schemeClr val="dk1"/>
+    </dgm:txFillClrLst>
+    <dgm:txEffectClrLst/>
+  </dgm:styleLbl>
+  <dgm:styleLbl name="fgAcc2">
+    <dgm:fillClrLst meth="repeat">
+      <a:schemeClr val="lt1">
+        <a:alpha val="90000"/>
+      </a:schemeClr>
+    </dgm:fillClrLst>
+    <dgm:linClrLst meth="repeat">
+      <a:schemeClr val="accent1"/>
+    </dgm:linClrLst>
+    <dgm:effectClrLst/>
+    <dgm:txLinClrLst/>
+    <dgm:txFillClrLst meth="repeat">
+      <a:schemeClr val="dk1"/>
+    </dgm:txFillClrLst>
+    <dgm:txEffectClrLst/>
+  </dgm:styleLbl>
+  <dgm:styleLbl name="fgAcc3">
+    <dgm:fillClrLst meth="repeat">
+      <a:schemeClr val="lt1">
+        <a:alpha val="90000"/>
+      </a:schemeClr>
+    </dgm:fillClrLst>
+    <dgm:linClrLst meth="repeat">
+      <a:schemeClr val="accent1"/>
+    </dgm:linClrLst>
+    <dgm:effectClrLst/>
+    <dgm:txLinClrLst/>
+    <dgm:txFillClrLst meth="repeat">
+      <a:schemeClr val="dk1"/>
+    </dgm:txFillClrLst>
+    <dgm:txEffectClrLst/>
+  </dgm:styleLbl>
+  <dgm:styleLbl name="fgAcc4">
+    <dgm:fillClrLst meth="repeat">
+      <a:schemeClr val="lt1">
+        <a:alpha val="90000"/>
+      </a:schemeClr>
+    </dgm:fillClrLst>
+    <dgm:linClrLst meth="repeat">
+      <a:schemeClr val="accent1"/>
+    </dgm:linClrLst>
+    <dgm:effectClrLst/>
+    <dgm:txLinClrLst/>
+    <dgm:txFillClrLst meth="repeat">
+      <a:schemeClr val="dk1"/>
+    </dgm:txFillClrLst>
+    <dgm:txEffectClrLst/>
+  </dgm:styleLbl>
+  <dgm:styleLbl name="bgShp">
+    <dgm:fillClrLst meth="repeat">
+      <a:schemeClr val="accent1">
+        <a:tint val="40000"/>
+      </a:schemeClr>
+    </dgm:fillClrLst>
+    <dgm:linClrLst meth="repeat">
+      <a:schemeClr val="accent1"/>
+    </dgm:linClrLst>
+    <dgm:effectClrLst/>
+    <dgm:txLinClrLst/>
+    <dgm:txFillClrLst meth="repeat">
+      <a:schemeClr val="dk1"/>
+    </dgm:txFillClrLst>
+    <dgm:txEffectClrLst/>
+  </dgm:styleLbl>
+  <dgm:styleLbl name="dkBgShp">
+    <dgm:fillClrLst meth="repeat">
+      <a:schemeClr val="accent1">
+        <a:shade val="80000"/>
+      </a:schemeClr>
+    </dgm:fillClrLst>
+    <dgm:linClrLst meth="repeat">
+      <a:schemeClr val="accent1"/>
+    </dgm:linClrLst>
+    <dgm:effectClrLst/>
+    <dgm:txLinClrLst/>
+    <dgm:txFillClrLst meth="repeat">
+      <a:schemeClr val="lt1"/>
+    </dgm:txFillClrLst>
+    <dgm:txEffectClrLst/>
+  </dgm:styleLbl>
+  <dgm:styleLbl name="trBgShp">
+    <dgm:fillClrLst meth="repeat">
+      <a:schemeClr val="accent1">
+        <a:tint val="50000"/>
+        <a:alpha val="40000"/>
+      </a:schemeClr>
+    </dgm:fillClrLst>
+    <dgm:linClrLst meth="repeat">
+      <a:schemeClr val="accent1"/>
+    </dgm:linClrLst>
+    <dgm:effectClrLst/>
+    <dgm:txLinClrLst/>
+    <dgm:txFillClrLst meth="repeat">
+      <a:schemeClr val="lt1"/>
+    </dgm:txFillClrLst>
+    <dgm:txEffectClrLst/>
+  </dgm:styleLbl>
+  <dgm:styleLbl name="fgShp">
+    <dgm:fillClrLst meth="repeat">
+      <a:schemeClr val="accent1">
+        <a:tint val="60000"/>
+      </a:schemeClr>
+    </dgm:fillClrLst>
+    <dgm:linClrLst meth="repeat">
+      <a:schemeClr val="lt1"/>
+    </dgm:linClrLst>
+    <dgm:effectClrLst/>
+    <dgm:txLinClrLst/>
+    <dgm:txFillClrLst meth="repeat">
+      <a:schemeClr val="dk1"/>
+    </dgm:txFillClrLst>
+    <dgm:txEffectClrLst/>
+  </dgm:styleLbl>
+  <dgm:styleLbl name="revTx">
+    <dgm:fillClrLst meth="repeat">
+      <a:schemeClr val="lt1">
+        <a:alpha val="0"/>
+      </a:schemeClr>
+    </dgm:fillClrLst>
+    <dgm:linClrLst meth="repeat">
+      <a:schemeClr val="dk1">
+        <a:alpha val="0"/>
+      </a:schemeClr>
+    </dgm:linClrLst>
+    <dgm:effectClrLst/>
+    <dgm:txLinClrLst/>
+    <dgm:txFillClrLst meth="repeat">
+      <a:schemeClr val="tx1"/>
+    </dgm:txFillClrLst>
+    <dgm:txEffectClrLst/>
+  </dgm:styleLbl>
+</dgm:colorsDef>
+</file>
+
+<file path=ppt/diagrams/data1.xml><?xml version="1.0" encoding="utf-8"?>
+<dgm:dataModel xmlns:dgm="http://schemas.openxmlformats.org/drawingml/2006/diagram" xmlns:a="http://schemas.openxmlformats.org/drawingml/2006/main">
+  <dgm:ptLst>
+    <dgm:pt modelId="{D0672782-9A7F-480A-BE15-CCA191207A27}" type="doc">
+      <dgm:prSet loTypeId="urn:microsoft.com/office/officeart/2005/8/layout/process1" loCatId="process" qsTypeId="urn:microsoft.com/office/officeart/2005/8/quickstyle/simple1" qsCatId="simple" csTypeId="urn:microsoft.com/office/officeart/2005/8/colors/accent1_2" csCatId="accent1" phldr="1"/>
+      <dgm:spPr/>
+    </dgm:pt>
+    <dgm:pt modelId="{52FBB3D7-CE90-4673-BCF7-80440BCA4D74}">
+      <dgm:prSet phldrT="[Text]"/>
+      <dgm:spPr/>
+      <dgm:t>
+        <a:bodyPr/>
+        <a:lstStyle/>
+        <a:p>
+          <a:r>
+            <a:rPr lang="en-US" dirty="0" smtClean="0"/>
+            <a:t>GRU LM train</a:t>
+          </a:r>
+          <a:endParaRPr lang="en-US" dirty="0"/>
+        </a:p>
+      </dgm:t>
+    </dgm:pt>
+    <dgm:pt modelId="{F69BBA0E-0B61-4F42-90B3-A2EC3AD5461C}" type="parTrans" cxnId="{B81D5B10-2E98-4A93-A474-668F0F1A6C52}">
+      <dgm:prSet/>
+      <dgm:spPr/>
+      <dgm:t>
+        <a:bodyPr/>
+        <a:lstStyle/>
+        <a:p>
+          <a:endParaRPr lang="en-US"/>
+        </a:p>
+      </dgm:t>
+    </dgm:pt>
+    <dgm:pt modelId="{B747527B-8291-4D49-A3F1-F791005146F1}" type="sibTrans" cxnId="{B81D5B10-2E98-4A93-A474-668F0F1A6C52}">
+      <dgm:prSet/>
+      <dgm:spPr/>
+      <dgm:t>
+        <a:bodyPr/>
+        <a:lstStyle/>
+        <a:p>
+          <a:endParaRPr lang="en-US"/>
+        </a:p>
+      </dgm:t>
+    </dgm:pt>
+    <dgm:pt modelId="{F3B42860-9A38-48D7-92DA-4A669D6D1A14}">
+      <dgm:prSet phldrT="[Text]"/>
+      <dgm:spPr/>
+      <dgm:t>
+        <a:bodyPr/>
+        <a:lstStyle/>
+        <a:p>
+          <a:r>
+            <a:rPr lang="en-US" dirty="0" smtClean="0"/>
+            <a:t>GRU-Generated-Corpus 5-gram train</a:t>
+          </a:r>
+          <a:endParaRPr lang="en-US" dirty="0"/>
+        </a:p>
+      </dgm:t>
+    </dgm:pt>
+    <dgm:pt modelId="{5EFE6899-D1DF-44EA-A1EA-6B9C9A128439}" type="parTrans" cxnId="{BA1B9362-A31B-4AAB-A988-C9CDEBC78BFA}">
+      <dgm:prSet/>
+      <dgm:spPr/>
+      <dgm:t>
+        <a:bodyPr/>
+        <a:lstStyle/>
+        <a:p>
+          <a:endParaRPr lang="en-US"/>
+        </a:p>
+      </dgm:t>
+    </dgm:pt>
+    <dgm:pt modelId="{2965F43C-69DD-45A6-9D5B-096BED74AA06}" type="sibTrans" cxnId="{BA1B9362-A31B-4AAB-A988-C9CDEBC78BFA}">
+      <dgm:prSet/>
+      <dgm:spPr/>
+      <dgm:t>
+        <a:bodyPr/>
+        <a:lstStyle/>
+        <a:p>
+          <a:endParaRPr lang="en-US"/>
+        </a:p>
+      </dgm:t>
+    </dgm:pt>
+    <dgm:pt modelId="{67875303-6A9A-4887-9FEC-9ADC28C0204C}">
+      <dgm:prSet phldrT="[Text]"/>
+      <dgm:spPr/>
+      <dgm:t>
+        <a:bodyPr/>
+        <a:lstStyle/>
+        <a:p>
+          <a:r>
+            <a:rPr lang="en-US" dirty="0" smtClean="0"/>
+            <a:t>GRU-Generated-Corpus 5-gram evaluate perplexity</a:t>
+          </a:r>
+          <a:endParaRPr lang="en-US" dirty="0"/>
+        </a:p>
+      </dgm:t>
+    </dgm:pt>
+    <dgm:pt modelId="{276E35D5-B886-40D9-BF33-26EACDBE5747}" type="parTrans" cxnId="{E33B14EC-03E5-46DD-A9A8-A9CC588B1B70}">
+      <dgm:prSet/>
+      <dgm:spPr/>
+      <dgm:t>
+        <a:bodyPr/>
+        <a:lstStyle/>
+        <a:p>
+          <a:endParaRPr lang="en-US"/>
+        </a:p>
+      </dgm:t>
+    </dgm:pt>
+    <dgm:pt modelId="{90508E00-809F-46E6-B9EC-982BEBE0DB5F}" type="sibTrans" cxnId="{E33B14EC-03E5-46DD-A9A8-A9CC588B1B70}">
+      <dgm:prSet/>
+      <dgm:spPr/>
+      <dgm:t>
+        <a:bodyPr/>
+        <a:lstStyle/>
+        <a:p>
+          <a:endParaRPr lang="en-US"/>
+        </a:p>
+      </dgm:t>
+    </dgm:pt>
+    <dgm:pt modelId="{57E72CE2-7ED2-4128-A5FA-CA3B1216FDF7}" type="pres">
+      <dgm:prSet presAssocID="{D0672782-9A7F-480A-BE15-CCA191207A27}" presName="Name0" presStyleCnt="0">
+        <dgm:presLayoutVars>
+          <dgm:dir/>
+          <dgm:resizeHandles val="exact"/>
+        </dgm:presLayoutVars>
+      </dgm:prSet>
+      <dgm:spPr/>
+    </dgm:pt>
+    <dgm:pt modelId="{F6BD852D-7445-46DF-A95A-F1D63242590C}" type="pres">
+      <dgm:prSet presAssocID="{52FBB3D7-CE90-4673-BCF7-80440BCA4D74}" presName="node" presStyleLbl="node1" presStyleIdx="0" presStyleCnt="3">
+        <dgm:presLayoutVars>
+          <dgm:bulletEnabled val="1"/>
+        </dgm:presLayoutVars>
+      </dgm:prSet>
+      <dgm:spPr/>
+      <dgm:t>
+        <a:bodyPr/>
+        <a:lstStyle/>
+        <a:p>
+          <a:endParaRPr lang="en-US"/>
+        </a:p>
+      </dgm:t>
+    </dgm:pt>
+    <dgm:pt modelId="{0DD9F322-72CE-4C6E-B08A-2F65D3EF43B1}" type="pres">
+      <dgm:prSet presAssocID="{B747527B-8291-4D49-A3F1-F791005146F1}" presName="sibTrans" presStyleLbl="sibTrans2D1" presStyleIdx="0" presStyleCnt="2"/>
+      <dgm:spPr/>
+    </dgm:pt>
+    <dgm:pt modelId="{FA9AF5CD-AC7E-45AD-BCF7-9F2B14CAE444}" type="pres">
+      <dgm:prSet presAssocID="{B747527B-8291-4D49-A3F1-F791005146F1}" presName="connectorText" presStyleLbl="sibTrans2D1" presStyleIdx="0" presStyleCnt="2"/>
+      <dgm:spPr/>
+    </dgm:pt>
+    <dgm:pt modelId="{98745794-894B-48B7-BE3B-2DD2C448B82E}" type="pres">
+      <dgm:prSet presAssocID="{F3B42860-9A38-48D7-92DA-4A669D6D1A14}" presName="node" presStyleLbl="node1" presStyleIdx="1" presStyleCnt="3">
+        <dgm:presLayoutVars>
+          <dgm:bulletEnabled val="1"/>
+        </dgm:presLayoutVars>
+      </dgm:prSet>
+      <dgm:spPr/>
+      <dgm:t>
+        <a:bodyPr/>
+        <a:lstStyle/>
+        <a:p>
+          <a:endParaRPr lang="en-US"/>
+        </a:p>
+      </dgm:t>
+    </dgm:pt>
+    <dgm:pt modelId="{BF134F57-BBD9-4AF8-A6A5-72CCAA5A11E4}" type="pres">
+      <dgm:prSet presAssocID="{2965F43C-69DD-45A6-9D5B-096BED74AA06}" presName="sibTrans" presStyleLbl="sibTrans2D1" presStyleIdx="1" presStyleCnt="2"/>
+      <dgm:spPr/>
+    </dgm:pt>
+    <dgm:pt modelId="{77BE0449-2B5A-491C-89D3-08A77D108BE4}" type="pres">
+      <dgm:prSet presAssocID="{2965F43C-69DD-45A6-9D5B-096BED74AA06}" presName="connectorText" presStyleLbl="sibTrans2D1" presStyleIdx="1" presStyleCnt="2"/>
+      <dgm:spPr/>
+    </dgm:pt>
+    <dgm:pt modelId="{16C4371C-182F-411B-8001-68546A784BDB}" type="pres">
+      <dgm:prSet presAssocID="{67875303-6A9A-4887-9FEC-9ADC28C0204C}" presName="node" presStyleLbl="node1" presStyleIdx="2" presStyleCnt="3">
+        <dgm:presLayoutVars>
+          <dgm:bulletEnabled val="1"/>
+        </dgm:presLayoutVars>
+      </dgm:prSet>
+      <dgm:spPr/>
+      <dgm:t>
+        <a:bodyPr/>
+        <a:lstStyle/>
+        <a:p>
+          <a:endParaRPr lang="en-US"/>
+        </a:p>
+      </dgm:t>
+    </dgm:pt>
+  </dgm:ptLst>
+  <dgm:cxnLst>
+    <dgm:cxn modelId="{6E658152-376E-4D20-A24F-24B6E7271FEE}" type="presOf" srcId="{2965F43C-69DD-45A6-9D5B-096BED74AA06}" destId="{77BE0449-2B5A-491C-89D3-08A77D108BE4}" srcOrd="1" destOrd="0" presId="urn:microsoft.com/office/officeart/2005/8/layout/process1"/>
+    <dgm:cxn modelId="{6A4181C2-1976-436D-AD00-3668870A475B}" type="presOf" srcId="{B747527B-8291-4D49-A3F1-F791005146F1}" destId="{0DD9F322-72CE-4C6E-B08A-2F65D3EF43B1}" srcOrd="0" destOrd="0" presId="urn:microsoft.com/office/officeart/2005/8/layout/process1"/>
+    <dgm:cxn modelId="{7959BA5D-A15F-4D8A-8F1C-C6E414AC807E}" type="presOf" srcId="{2965F43C-69DD-45A6-9D5B-096BED74AA06}" destId="{BF134F57-BBD9-4AF8-A6A5-72CCAA5A11E4}" srcOrd="0" destOrd="0" presId="urn:microsoft.com/office/officeart/2005/8/layout/process1"/>
+    <dgm:cxn modelId="{4A3C4683-05F2-4FA1-96AC-0B5868C641AB}" type="presOf" srcId="{67875303-6A9A-4887-9FEC-9ADC28C0204C}" destId="{16C4371C-182F-411B-8001-68546A784BDB}" srcOrd="0" destOrd="0" presId="urn:microsoft.com/office/officeart/2005/8/layout/process1"/>
+    <dgm:cxn modelId="{98EF3AF8-1AE4-43F0-AB37-BF4C888CFA03}" type="presOf" srcId="{D0672782-9A7F-480A-BE15-CCA191207A27}" destId="{57E72CE2-7ED2-4128-A5FA-CA3B1216FDF7}" srcOrd="0" destOrd="0" presId="urn:microsoft.com/office/officeart/2005/8/layout/process1"/>
+    <dgm:cxn modelId="{BA1B9362-A31B-4AAB-A988-C9CDEBC78BFA}" srcId="{D0672782-9A7F-480A-BE15-CCA191207A27}" destId="{F3B42860-9A38-48D7-92DA-4A669D6D1A14}" srcOrd="1" destOrd="0" parTransId="{5EFE6899-D1DF-44EA-A1EA-6B9C9A128439}" sibTransId="{2965F43C-69DD-45A6-9D5B-096BED74AA06}"/>
+    <dgm:cxn modelId="{E33B14EC-03E5-46DD-A9A8-A9CC588B1B70}" srcId="{D0672782-9A7F-480A-BE15-CCA191207A27}" destId="{67875303-6A9A-4887-9FEC-9ADC28C0204C}" srcOrd="2" destOrd="0" parTransId="{276E35D5-B886-40D9-BF33-26EACDBE5747}" sibTransId="{90508E00-809F-46E6-B9EC-982BEBE0DB5F}"/>
+    <dgm:cxn modelId="{16D3261D-6481-4061-9ADE-9FEABF226A2E}" type="presOf" srcId="{52FBB3D7-CE90-4673-BCF7-80440BCA4D74}" destId="{F6BD852D-7445-46DF-A95A-F1D63242590C}" srcOrd="0" destOrd="0" presId="urn:microsoft.com/office/officeart/2005/8/layout/process1"/>
+    <dgm:cxn modelId="{0EE3ABBC-1343-4DF7-AA3F-AA3AECEEEE99}" type="presOf" srcId="{B747527B-8291-4D49-A3F1-F791005146F1}" destId="{FA9AF5CD-AC7E-45AD-BCF7-9F2B14CAE444}" srcOrd="1" destOrd="0" presId="urn:microsoft.com/office/officeart/2005/8/layout/process1"/>
+    <dgm:cxn modelId="{363713AC-1311-4DF3-AF59-AEEA4926BD17}" type="presOf" srcId="{F3B42860-9A38-48D7-92DA-4A669D6D1A14}" destId="{98745794-894B-48B7-BE3B-2DD2C448B82E}" srcOrd="0" destOrd="0" presId="urn:microsoft.com/office/officeart/2005/8/layout/process1"/>
+    <dgm:cxn modelId="{B81D5B10-2E98-4A93-A474-668F0F1A6C52}" srcId="{D0672782-9A7F-480A-BE15-CCA191207A27}" destId="{52FBB3D7-CE90-4673-BCF7-80440BCA4D74}" srcOrd="0" destOrd="0" parTransId="{F69BBA0E-0B61-4F42-90B3-A2EC3AD5461C}" sibTransId="{B747527B-8291-4D49-A3F1-F791005146F1}"/>
+    <dgm:cxn modelId="{49A56DD8-AAF8-4D67-ACCB-0794E09A350B}" type="presParOf" srcId="{57E72CE2-7ED2-4128-A5FA-CA3B1216FDF7}" destId="{F6BD852D-7445-46DF-A95A-F1D63242590C}" srcOrd="0" destOrd="0" presId="urn:microsoft.com/office/officeart/2005/8/layout/process1"/>
+    <dgm:cxn modelId="{71341BD5-4D1F-45CB-8C0A-241F9D0C6A4E}" type="presParOf" srcId="{57E72CE2-7ED2-4128-A5FA-CA3B1216FDF7}" destId="{0DD9F322-72CE-4C6E-B08A-2F65D3EF43B1}" srcOrd="1" destOrd="0" presId="urn:microsoft.com/office/officeart/2005/8/layout/process1"/>
+    <dgm:cxn modelId="{7B69413D-E7D4-4DEC-B8E0-9F1416834532}" type="presParOf" srcId="{0DD9F322-72CE-4C6E-B08A-2F65D3EF43B1}" destId="{FA9AF5CD-AC7E-45AD-BCF7-9F2B14CAE444}" srcOrd="0" destOrd="0" presId="urn:microsoft.com/office/officeart/2005/8/layout/process1"/>
+    <dgm:cxn modelId="{DCA0F2F5-EAE9-484E-A2DB-F24018CB63E2}" type="presParOf" srcId="{57E72CE2-7ED2-4128-A5FA-CA3B1216FDF7}" destId="{98745794-894B-48B7-BE3B-2DD2C448B82E}" srcOrd="2" destOrd="0" presId="urn:microsoft.com/office/officeart/2005/8/layout/process1"/>
+    <dgm:cxn modelId="{ED1D0462-22BA-4DA1-818A-B287756C07A1}" type="presParOf" srcId="{57E72CE2-7ED2-4128-A5FA-CA3B1216FDF7}" destId="{BF134F57-BBD9-4AF8-A6A5-72CCAA5A11E4}" srcOrd="3" destOrd="0" presId="urn:microsoft.com/office/officeart/2005/8/layout/process1"/>
+    <dgm:cxn modelId="{0BD62D1D-DF95-478B-A6D3-B80049B4A748}" type="presParOf" srcId="{BF134F57-BBD9-4AF8-A6A5-72CCAA5A11E4}" destId="{77BE0449-2B5A-491C-89D3-08A77D108BE4}" srcOrd="0" destOrd="0" presId="urn:microsoft.com/office/officeart/2005/8/layout/process1"/>
+    <dgm:cxn modelId="{4DBC7C37-0271-4482-B9D9-BD47C2BABF47}" type="presParOf" srcId="{57E72CE2-7ED2-4128-A5FA-CA3B1216FDF7}" destId="{16C4371C-182F-411B-8001-68546A784BDB}" srcOrd="4" destOrd="0" presId="urn:microsoft.com/office/officeart/2005/8/layout/process1"/>
+  </dgm:cxnLst>
+  <dgm:bg/>
+  <dgm:whole/>
+  <dgm:extLst>
+    <a:ext uri="http://schemas.microsoft.com/office/drawing/2008/diagram">
+      <dsp:dataModelExt xmlns:dsp="http://schemas.microsoft.com/office/drawing/2008/diagram" relId="rId6" minVer="http://schemas.openxmlformats.org/drawingml/2006/diagram"/>
+    </a:ext>
+  </dgm:extLst>
+</dgm:dataModel>
+</file>
+
+<file path=ppt/diagrams/data2.xml><?xml version="1.0" encoding="utf-8"?>
+<dgm:dataModel xmlns:dgm="http://schemas.openxmlformats.org/drawingml/2006/diagram" xmlns:a="http://schemas.openxmlformats.org/drawingml/2006/main">
+  <dgm:ptLst>
+    <dgm:pt modelId="{D0672782-9A7F-480A-BE15-CCA191207A27}" type="doc">
+      <dgm:prSet loTypeId="urn:microsoft.com/office/officeart/2005/8/layout/process1" loCatId="process" qsTypeId="urn:microsoft.com/office/officeart/2005/8/quickstyle/simple1" qsCatId="simple" csTypeId="urn:microsoft.com/office/officeart/2005/8/colors/accent1_2" csCatId="accent1" phldr="1"/>
+      <dgm:spPr/>
+    </dgm:pt>
+    <dgm:pt modelId="{52FBB3D7-CE90-4673-BCF7-80440BCA4D74}">
+      <dgm:prSet phldrT="[Text]"/>
+      <dgm:spPr/>
+      <dgm:t>
+        <a:bodyPr/>
+        <a:lstStyle/>
+        <a:p>
+          <a:r>
+            <a:rPr lang="en-US" dirty="0" smtClean="0"/>
+            <a:t>5-gram LM train</a:t>
+          </a:r>
+          <a:endParaRPr lang="en-US" dirty="0"/>
+        </a:p>
+      </dgm:t>
+    </dgm:pt>
+    <dgm:pt modelId="{F69BBA0E-0B61-4F42-90B3-A2EC3AD5461C}" type="parTrans" cxnId="{B81D5B10-2E98-4A93-A474-668F0F1A6C52}">
+      <dgm:prSet/>
+      <dgm:spPr/>
+      <dgm:t>
+        <a:bodyPr/>
+        <a:lstStyle/>
+        <a:p>
+          <a:endParaRPr lang="en-US"/>
+        </a:p>
+      </dgm:t>
+    </dgm:pt>
+    <dgm:pt modelId="{B747527B-8291-4D49-A3F1-F791005146F1}" type="sibTrans" cxnId="{B81D5B10-2E98-4A93-A474-668F0F1A6C52}">
+      <dgm:prSet/>
+      <dgm:spPr/>
+      <dgm:t>
+        <a:bodyPr/>
+        <a:lstStyle/>
+        <a:p>
+          <a:endParaRPr lang="en-US"/>
+        </a:p>
+      </dgm:t>
+    </dgm:pt>
+    <dgm:pt modelId="{F3B42860-9A38-48D7-92DA-4A669D6D1A14}">
+      <dgm:prSet phldrT="[Text]"/>
+      <dgm:spPr/>
+      <dgm:t>
+        <a:bodyPr/>
+        <a:lstStyle/>
+        <a:p>
+          <a:r>
+            <a:rPr lang="en-US" dirty="0" smtClean="0"/>
+            <a:t>5-gram LM evaluate perplexity</a:t>
+          </a:r>
+          <a:endParaRPr lang="en-US" dirty="0"/>
+        </a:p>
+      </dgm:t>
+    </dgm:pt>
+    <dgm:pt modelId="{5EFE6899-D1DF-44EA-A1EA-6B9C9A128439}" type="parTrans" cxnId="{BA1B9362-A31B-4AAB-A988-C9CDEBC78BFA}">
+      <dgm:prSet/>
+      <dgm:spPr/>
+      <dgm:t>
+        <a:bodyPr/>
+        <a:lstStyle/>
+        <a:p>
+          <a:endParaRPr lang="en-US"/>
+        </a:p>
+      </dgm:t>
+    </dgm:pt>
+    <dgm:pt modelId="{2965F43C-69DD-45A6-9D5B-096BED74AA06}" type="sibTrans" cxnId="{BA1B9362-A31B-4AAB-A988-C9CDEBC78BFA}">
+      <dgm:prSet/>
+      <dgm:spPr/>
+      <dgm:t>
+        <a:bodyPr/>
+        <a:lstStyle/>
+        <a:p>
+          <a:endParaRPr lang="en-US"/>
+        </a:p>
+      </dgm:t>
+    </dgm:pt>
+    <dgm:pt modelId="{57E72CE2-7ED2-4128-A5FA-CA3B1216FDF7}" type="pres">
+      <dgm:prSet presAssocID="{D0672782-9A7F-480A-BE15-CCA191207A27}" presName="Name0" presStyleCnt="0">
+        <dgm:presLayoutVars>
+          <dgm:dir/>
+          <dgm:resizeHandles val="exact"/>
+        </dgm:presLayoutVars>
+      </dgm:prSet>
+      <dgm:spPr/>
+    </dgm:pt>
+    <dgm:pt modelId="{F6BD852D-7445-46DF-A95A-F1D63242590C}" type="pres">
+      <dgm:prSet presAssocID="{52FBB3D7-CE90-4673-BCF7-80440BCA4D74}" presName="node" presStyleLbl="node1" presStyleIdx="0" presStyleCnt="2">
+        <dgm:presLayoutVars>
+          <dgm:bulletEnabled val="1"/>
+        </dgm:presLayoutVars>
+      </dgm:prSet>
+      <dgm:spPr/>
+      <dgm:t>
+        <a:bodyPr/>
+        <a:lstStyle/>
+        <a:p>
+          <a:endParaRPr lang="en-US"/>
+        </a:p>
+      </dgm:t>
+    </dgm:pt>
+    <dgm:pt modelId="{0DD9F322-72CE-4C6E-B08A-2F65D3EF43B1}" type="pres">
+      <dgm:prSet presAssocID="{B747527B-8291-4D49-A3F1-F791005146F1}" presName="sibTrans" presStyleLbl="sibTrans2D1" presStyleIdx="0" presStyleCnt="1"/>
+      <dgm:spPr/>
+    </dgm:pt>
+    <dgm:pt modelId="{FA9AF5CD-AC7E-45AD-BCF7-9F2B14CAE444}" type="pres">
+      <dgm:prSet presAssocID="{B747527B-8291-4D49-A3F1-F791005146F1}" presName="connectorText" presStyleLbl="sibTrans2D1" presStyleIdx="0" presStyleCnt="1"/>
+      <dgm:spPr/>
+    </dgm:pt>
+    <dgm:pt modelId="{98745794-894B-48B7-BE3B-2DD2C448B82E}" type="pres">
+      <dgm:prSet presAssocID="{F3B42860-9A38-48D7-92DA-4A669D6D1A14}" presName="node" presStyleLbl="node1" presStyleIdx="1" presStyleCnt="2">
+        <dgm:presLayoutVars>
+          <dgm:bulletEnabled val="1"/>
+        </dgm:presLayoutVars>
+      </dgm:prSet>
+      <dgm:spPr/>
+      <dgm:t>
+        <a:bodyPr/>
+        <a:lstStyle/>
+        <a:p>
+          <a:endParaRPr lang="en-US"/>
+        </a:p>
+      </dgm:t>
+    </dgm:pt>
+  </dgm:ptLst>
+  <dgm:cxnLst>
+    <dgm:cxn modelId="{16D3261D-6481-4061-9ADE-9FEABF226A2E}" type="presOf" srcId="{52FBB3D7-CE90-4673-BCF7-80440BCA4D74}" destId="{F6BD852D-7445-46DF-A95A-F1D63242590C}" srcOrd="0" destOrd="0" presId="urn:microsoft.com/office/officeart/2005/8/layout/process1"/>
+    <dgm:cxn modelId="{B81D5B10-2E98-4A93-A474-668F0F1A6C52}" srcId="{D0672782-9A7F-480A-BE15-CCA191207A27}" destId="{52FBB3D7-CE90-4673-BCF7-80440BCA4D74}" srcOrd="0" destOrd="0" parTransId="{F69BBA0E-0B61-4F42-90B3-A2EC3AD5461C}" sibTransId="{B747527B-8291-4D49-A3F1-F791005146F1}"/>
+    <dgm:cxn modelId="{98EF3AF8-1AE4-43F0-AB37-BF4C888CFA03}" type="presOf" srcId="{D0672782-9A7F-480A-BE15-CCA191207A27}" destId="{57E72CE2-7ED2-4128-A5FA-CA3B1216FDF7}" srcOrd="0" destOrd="0" presId="urn:microsoft.com/office/officeart/2005/8/layout/process1"/>
+    <dgm:cxn modelId="{BA1B9362-A31B-4AAB-A988-C9CDEBC78BFA}" srcId="{D0672782-9A7F-480A-BE15-CCA191207A27}" destId="{F3B42860-9A38-48D7-92DA-4A669D6D1A14}" srcOrd="1" destOrd="0" parTransId="{5EFE6899-D1DF-44EA-A1EA-6B9C9A128439}" sibTransId="{2965F43C-69DD-45A6-9D5B-096BED74AA06}"/>
+    <dgm:cxn modelId="{363713AC-1311-4DF3-AF59-AEEA4926BD17}" type="presOf" srcId="{F3B42860-9A38-48D7-92DA-4A669D6D1A14}" destId="{98745794-894B-48B7-BE3B-2DD2C448B82E}" srcOrd="0" destOrd="0" presId="urn:microsoft.com/office/officeart/2005/8/layout/process1"/>
+    <dgm:cxn modelId="{6A4181C2-1976-436D-AD00-3668870A475B}" type="presOf" srcId="{B747527B-8291-4D49-A3F1-F791005146F1}" destId="{0DD9F322-72CE-4C6E-B08A-2F65D3EF43B1}" srcOrd="0" destOrd="0" presId="urn:microsoft.com/office/officeart/2005/8/layout/process1"/>
+    <dgm:cxn modelId="{0EE3ABBC-1343-4DF7-AA3F-AA3AECEEEE99}" type="presOf" srcId="{B747527B-8291-4D49-A3F1-F791005146F1}" destId="{FA9AF5CD-AC7E-45AD-BCF7-9F2B14CAE444}" srcOrd="1" destOrd="0" presId="urn:microsoft.com/office/officeart/2005/8/layout/process1"/>
+    <dgm:cxn modelId="{49A56DD8-AAF8-4D67-ACCB-0794E09A350B}" type="presParOf" srcId="{57E72CE2-7ED2-4128-A5FA-CA3B1216FDF7}" destId="{F6BD852D-7445-46DF-A95A-F1D63242590C}" srcOrd="0" destOrd="0" presId="urn:microsoft.com/office/officeart/2005/8/layout/process1"/>
+    <dgm:cxn modelId="{71341BD5-4D1F-45CB-8C0A-241F9D0C6A4E}" type="presParOf" srcId="{57E72CE2-7ED2-4128-A5FA-CA3B1216FDF7}" destId="{0DD9F322-72CE-4C6E-B08A-2F65D3EF43B1}" srcOrd="1" destOrd="0" presId="urn:microsoft.com/office/officeart/2005/8/layout/process1"/>
+    <dgm:cxn modelId="{7B69413D-E7D4-4DEC-B8E0-9F1416834532}" type="presParOf" srcId="{0DD9F322-72CE-4C6E-B08A-2F65D3EF43B1}" destId="{FA9AF5CD-AC7E-45AD-BCF7-9F2B14CAE444}" srcOrd="0" destOrd="0" presId="urn:microsoft.com/office/officeart/2005/8/layout/process1"/>
+    <dgm:cxn modelId="{DCA0F2F5-EAE9-484E-A2DB-F24018CB63E2}" type="presParOf" srcId="{57E72CE2-7ED2-4128-A5FA-CA3B1216FDF7}" destId="{98745794-894B-48B7-BE3B-2DD2C448B82E}" srcOrd="2" destOrd="0" presId="urn:microsoft.com/office/officeart/2005/8/layout/process1"/>
+  </dgm:cxnLst>
+  <dgm:bg/>
+  <dgm:whole/>
+  <dgm:extLst>
+    <a:ext uri="http://schemas.microsoft.com/office/drawing/2008/diagram">
+      <dsp:dataModelExt xmlns:dsp="http://schemas.microsoft.com/office/drawing/2008/diagram" relId="rId11" minVer="http://schemas.openxmlformats.org/drawingml/2006/diagram"/>
+    </a:ext>
+  </dgm:extLst>
+</dgm:dataModel>
+</file>
+
+<file path=ppt/diagrams/drawing1.xml><?xml version="1.0" encoding="utf-8"?>
+<dsp:drawing xmlns:dgm="http://schemas.openxmlformats.org/drawingml/2006/diagram" xmlns:dsp="http://schemas.microsoft.com/office/drawing/2008/diagram" xmlns:a="http://schemas.openxmlformats.org/drawingml/2006/main">
+  <dsp:spTree>
+    <dsp:nvGrpSpPr>
+      <dsp:cNvPr id="0" name=""/>
+      <dsp:cNvGrpSpPr/>
+    </dsp:nvGrpSpPr>
+    <dsp:grpSpPr/>
+    <dsp:sp modelId="{F6BD852D-7445-46DF-A95A-F1D63242590C}">
+      <dsp:nvSpPr>
+        <dsp:cNvPr id="0" name=""/>
+        <dsp:cNvSpPr/>
+      </dsp:nvSpPr>
+      <dsp:spPr>
+        <a:xfrm>
+          <a:off x="9242" y="0"/>
+          <a:ext cx="2762398" cy="1205674"/>
+        </a:xfrm>
+        <a:prstGeom prst="roundRect">
+          <a:avLst>
+            <a:gd name="adj" fmla="val 10000"/>
+          </a:avLst>
+        </a:prstGeom>
+        <a:solidFill>
+          <a:schemeClr val="accent1">
+            <a:hueOff val="0"/>
+            <a:satOff val="0"/>
+            <a:lumOff val="0"/>
+            <a:alphaOff val="0"/>
+          </a:schemeClr>
+        </a:solidFill>
+        <a:ln w="12700" cap="flat" cmpd="sng" algn="ctr">
+          <a:solidFill>
+            <a:schemeClr val="lt1">
+              <a:hueOff val="0"/>
+              <a:satOff val="0"/>
+              <a:lumOff val="0"/>
+              <a:alphaOff val="0"/>
+            </a:schemeClr>
+          </a:solidFill>
+          <a:prstDash val="solid"/>
+          <a:miter lim="800000"/>
+        </a:ln>
+        <a:effectLst/>
+      </dsp:spPr>
+      <dsp:style>
+        <a:lnRef idx="2">
+          <a:scrgbClr r="0" g="0" b="0"/>
+        </a:lnRef>
+        <a:fillRef idx="1">
+          <a:scrgbClr r="0" g="0" b="0"/>
+        </a:fillRef>
+        <a:effectRef idx="0">
+          <a:scrgbClr r="0" g="0" b="0"/>
+        </a:effectRef>
+        <a:fontRef idx="minor">
+          <a:schemeClr val="lt1"/>
+        </a:fontRef>
+      </dsp:style>
+      <dsp:txBody>
+        <a:bodyPr spcFirstLastPara="0" vert="horz" wrap="square" lIns="83820" tIns="83820" rIns="83820" bIns="83820" numCol="1" spcCol="1270" anchor="ctr" anchorCtr="0">
+          <a:noAutofit/>
+        </a:bodyPr>
+        <a:lstStyle/>
+        <a:p>
+          <a:pPr lvl="0" algn="ctr" defTabSz="977900">
+            <a:lnSpc>
+              <a:spcPct val="90000"/>
+            </a:lnSpc>
+            <a:spcBef>
+              <a:spcPct val="0"/>
+            </a:spcBef>
+            <a:spcAft>
+              <a:spcPct val="35000"/>
+            </a:spcAft>
+          </a:pPr>
+          <a:r>
+            <a:rPr lang="en-US" sz="2200" kern="1200" dirty="0" smtClean="0"/>
+            <a:t>GRU LM train</a:t>
+          </a:r>
+          <a:endParaRPr lang="en-US" sz="2200" kern="1200" dirty="0"/>
+        </a:p>
+      </dsp:txBody>
+      <dsp:txXfrm>
+        <a:off x="44555" y="35313"/>
+        <a:ext cx="2691772" cy="1135048"/>
+      </dsp:txXfrm>
+    </dsp:sp>
+    <dsp:sp modelId="{0DD9F322-72CE-4C6E-B08A-2F65D3EF43B1}">
+      <dsp:nvSpPr>
+        <dsp:cNvPr id="0" name=""/>
+        <dsp:cNvSpPr/>
+      </dsp:nvSpPr>
+      <dsp:spPr>
+        <a:xfrm>
+          <a:off x="3047880" y="260299"/>
+          <a:ext cx="585628" cy="685074"/>
+        </a:xfrm>
+        <a:prstGeom prst="rightArrow">
+          <a:avLst>
+            <a:gd name="adj1" fmla="val 60000"/>
+            <a:gd name="adj2" fmla="val 50000"/>
+          </a:avLst>
+        </a:prstGeom>
+        <a:solidFill>
+          <a:schemeClr val="accent1">
+            <a:tint val="60000"/>
+            <a:hueOff val="0"/>
+            <a:satOff val="0"/>
+            <a:lumOff val="0"/>
+            <a:alphaOff val="0"/>
+          </a:schemeClr>
+        </a:solidFill>
+        <a:ln>
+          <a:noFill/>
+        </a:ln>
+        <a:effectLst/>
+      </dsp:spPr>
+      <dsp:style>
+        <a:lnRef idx="0">
+          <a:scrgbClr r="0" g="0" b="0"/>
+        </a:lnRef>
+        <a:fillRef idx="1">
+          <a:scrgbClr r="0" g="0" b="0"/>
+        </a:fillRef>
+        <a:effectRef idx="0">
+          <a:scrgbClr r="0" g="0" b="0"/>
+        </a:effectRef>
+        <a:fontRef idx="minor">
+          <a:schemeClr val="lt1"/>
+        </a:fontRef>
+      </dsp:style>
+      <dsp:txBody>
+        <a:bodyPr spcFirstLastPara="0" vert="horz" wrap="square" lIns="0" tIns="0" rIns="0" bIns="0" numCol="1" spcCol="1270" anchor="ctr" anchorCtr="0">
+          <a:noAutofit/>
+        </a:bodyPr>
+        <a:lstStyle/>
+        <a:p>
+          <a:pPr lvl="0" algn="ctr" defTabSz="800100">
+            <a:lnSpc>
+              <a:spcPct val="90000"/>
+            </a:lnSpc>
+            <a:spcBef>
+              <a:spcPct val="0"/>
+            </a:spcBef>
+            <a:spcAft>
+              <a:spcPct val="35000"/>
+            </a:spcAft>
+          </a:pPr>
+          <a:endParaRPr lang="en-US" sz="1800" kern="1200"/>
+        </a:p>
+      </dsp:txBody>
+      <dsp:txXfrm>
+        <a:off x="3047880" y="397314"/>
+        <a:ext cx="409940" cy="411044"/>
+      </dsp:txXfrm>
+    </dsp:sp>
+    <dsp:sp modelId="{98745794-894B-48B7-BE3B-2DD2C448B82E}">
+      <dsp:nvSpPr>
+        <dsp:cNvPr id="0" name=""/>
+        <dsp:cNvSpPr/>
+      </dsp:nvSpPr>
+      <dsp:spPr>
+        <a:xfrm>
+          <a:off x="3876600" y="0"/>
+          <a:ext cx="2762398" cy="1205674"/>
+        </a:xfrm>
+        <a:prstGeom prst="roundRect">
+          <a:avLst>
+            <a:gd name="adj" fmla="val 10000"/>
+          </a:avLst>
+        </a:prstGeom>
+        <a:solidFill>
+          <a:schemeClr val="accent1">
+            <a:hueOff val="0"/>
+            <a:satOff val="0"/>
+            <a:lumOff val="0"/>
+            <a:alphaOff val="0"/>
+          </a:schemeClr>
+        </a:solidFill>
+        <a:ln w="12700" cap="flat" cmpd="sng" algn="ctr">
+          <a:solidFill>
+            <a:schemeClr val="lt1">
+              <a:hueOff val="0"/>
+              <a:satOff val="0"/>
+              <a:lumOff val="0"/>
+              <a:alphaOff val="0"/>
+            </a:schemeClr>
+          </a:solidFill>
+          <a:prstDash val="solid"/>
+          <a:miter lim="800000"/>
+        </a:ln>
+        <a:effectLst/>
+      </dsp:spPr>
+      <dsp:style>
+        <a:lnRef idx="2">
+          <a:scrgbClr r="0" g="0" b="0"/>
+        </a:lnRef>
+        <a:fillRef idx="1">
+          <a:scrgbClr r="0" g="0" b="0"/>
+        </a:fillRef>
+        <a:effectRef idx="0">
+          <a:scrgbClr r="0" g="0" b="0"/>
+        </a:effectRef>
+        <a:fontRef idx="minor">
+          <a:schemeClr val="lt1"/>
+        </a:fontRef>
+      </dsp:style>
+      <dsp:txBody>
+        <a:bodyPr spcFirstLastPara="0" vert="horz" wrap="square" lIns="83820" tIns="83820" rIns="83820" bIns="83820" numCol="1" spcCol="1270" anchor="ctr" anchorCtr="0">
+          <a:noAutofit/>
+        </a:bodyPr>
+        <a:lstStyle/>
+        <a:p>
+          <a:pPr lvl="0" algn="ctr" defTabSz="977900">
+            <a:lnSpc>
+              <a:spcPct val="90000"/>
+            </a:lnSpc>
+            <a:spcBef>
+              <a:spcPct val="0"/>
+            </a:spcBef>
+            <a:spcAft>
+              <a:spcPct val="35000"/>
+            </a:spcAft>
+          </a:pPr>
+          <a:r>
+            <a:rPr lang="en-US" sz="2200" kern="1200" dirty="0" smtClean="0"/>
+            <a:t>GRU-Generated-Corpus 5-gram train</a:t>
+          </a:r>
+          <a:endParaRPr lang="en-US" sz="2200" kern="1200" dirty="0"/>
+        </a:p>
+      </dsp:txBody>
+      <dsp:txXfrm>
+        <a:off x="3911913" y="35313"/>
+        <a:ext cx="2691772" cy="1135048"/>
+      </dsp:txXfrm>
+    </dsp:sp>
+    <dsp:sp modelId="{BF134F57-BBD9-4AF8-A6A5-72CCAA5A11E4}">
+      <dsp:nvSpPr>
+        <dsp:cNvPr id="0" name=""/>
+        <dsp:cNvSpPr/>
+      </dsp:nvSpPr>
+      <dsp:spPr>
+        <a:xfrm>
+          <a:off x="6915239" y="260299"/>
+          <a:ext cx="585628" cy="685074"/>
+        </a:xfrm>
+        <a:prstGeom prst="rightArrow">
+          <a:avLst>
+            <a:gd name="adj1" fmla="val 60000"/>
+            <a:gd name="adj2" fmla="val 50000"/>
+          </a:avLst>
+        </a:prstGeom>
+        <a:solidFill>
+          <a:schemeClr val="accent1">
+            <a:tint val="60000"/>
+            <a:hueOff val="0"/>
+            <a:satOff val="0"/>
+            <a:lumOff val="0"/>
+            <a:alphaOff val="0"/>
+          </a:schemeClr>
+        </a:solidFill>
+        <a:ln>
+          <a:noFill/>
+        </a:ln>
+        <a:effectLst/>
+      </dsp:spPr>
+      <dsp:style>
+        <a:lnRef idx="0">
+          <a:scrgbClr r="0" g="0" b="0"/>
+        </a:lnRef>
+        <a:fillRef idx="1">
+          <a:scrgbClr r="0" g="0" b="0"/>
+        </a:fillRef>
+        <a:effectRef idx="0">
+          <a:scrgbClr r="0" g="0" b="0"/>
+        </a:effectRef>
+        <a:fontRef idx="minor">
+          <a:schemeClr val="lt1"/>
+        </a:fontRef>
+      </dsp:style>
+      <dsp:txBody>
+        <a:bodyPr spcFirstLastPara="0" vert="horz" wrap="square" lIns="0" tIns="0" rIns="0" bIns="0" numCol="1" spcCol="1270" anchor="ctr" anchorCtr="0">
+          <a:noAutofit/>
+        </a:bodyPr>
+        <a:lstStyle/>
+        <a:p>
+          <a:pPr lvl="0" algn="ctr" defTabSz="800100">
+            <a:lnSpc>
+              <a:spcPct val="90000"/>
+            </a:lnSpc>
+            <a:spcBef>
+              <a:spcPct val="0"/>
+            </a:spcBef>
+            <a:spcAft>
+              <a:spcPct val="35000"/>
+            </a:spcAft>
+          </a:pPr>
+          <a:endParaRPr lang="en-US" sz="1800" kern="1200"/>
+        </a:p>
+      </dsp:txBody>
+      <dsp:txXfrm>
+        <a:off x="6915239" y="397314"/>
+        <a:ext cx="409940" cy="411044"/>
+      </dsp:txXfrm>
+    </dsp:sp>
+    <dsp:sp modelId="{16C4371C-182F-411B-8001-68546A784BDB}">
+      <dsp:nvSpPr>
+        <dsp:cNvPr id="0" name=""/>
+        <dsp:cNvSpPr/>
+      </dsp:nvSpPr>
+      <dsp:spPr>
+        <a:xfrm>
+          <a:off x="7743958" y="0"/>
+          <a:ext cx="2762398" cy="1205674"/>
+        </a:xfrm>
+        <a:prstGeom prst="roundRect">
+          <a:avLst>
+            <a:gd name="adj" fmla="val 10000"/>
+          </a:avLst>
+        </a:prstGeom>
+        <a:solidFill>
+          <a:schemeClr val="accent1">
+            <a:hueOff val="0"/>
+            <a:satOff val="0"/>
+            <a:lumOff val="0"/>
+            <a:alphaOff val="0"/>
+          </a:schemeClr>
+        </a:solidFill>
+        <a:ln w="12700" cap="flat" cmpd="sng" algn="ctr">
+          <a:solidFill>
+            <a:schemeClr val="lt1">
+              <a:hueOff val="0"/>
+              <a:satOff val="0"/>
+              <a:lumOff val="0"/>
+              <a:alphaOff val="0"/>
+            </a:schemeClr>
+          </a:solidFill>
+          <a:prstDash val="solid"/>
+          <a:miter lim="800000"/>
+        </a:ln>
+        <a:effectLst/>
+      </dsp:spPr>
+      <dsp:style>
+        <a:lnRef idx="2">
+          <a:scrgbClr r="0" g="0" b="0"/>
+        </a:lnRef>
+        <a:fillRef idx="1">
+          <a:scrgbClr r="0" g="0" b="0"/>
+        </a:fillRef>
+        <a:effectRef idx="0">
+          <a:scrgbClr r="0" g="0" b="0"/>
+        </a:effectRef>
+        <a:fontRef idx="minor">
+          <a:schemeClr val="lt1"/>
+        </a:fontRef>
+      </dsp:style>
+      <dsp:txBody>
+        <a:bodyPr spcFirstLastPara="0" vert="horz" wrap="square" lIns="83820" tIns="83820" rIns="83820" bIns="83820" numCol="1" spcCol="1270" anchor="ctr" anchorCtr="0">
+          <a:noAutofit/>
+        </a:bodyPr>
+        <a:lstStyle/>
+        <a:p>
+          <a:pPr lvl="0" algn="ctr" defTabSz="977900">
+            <a:lnSpc>
+              <a:spcPct val="90000"/>
+            </a:lnSpc>
+            <a:spcBef>
+              <a:spcPct val="0"/>
+            </a:spcBef>
+            <a:spcAft>
+              <a:spcPct val="35000"/>
+            </a:spcAft>
+          </a:pPr>
+          <a:r>
+            <a:rPr lang="en-US" sz="2200" kern="1200" dirty="0" smtClean="0"/>
+            <a:t>GRU-Generated-Corpus 5-gram evaluate perplexity</a:t>
+          </a:r>
+          <a:endParaRPr lang="en-US" sz="2200" kern="1200" dirty="0"/>
+        </a:p>
+      </dsp:txBody>
+      <dsp:txXfrm>
+        <a:off x="7779271" y="35313"/>
+        <a:ext cx="2691772" cy="1135048"/>
+      </dsp:txXfrm>
+    </dsp:sp>
+  </dsp:spTree>
+</dsp:drawing>
+</file>
+
+<file path=ppt/diagrams/drawing2.xml><?xml version="1.0" encoding="utf-8"?>
+<dsp:drawing xmlns:dgm="http://schemas.openxmlformats.org/drawingml/2006/diagram" xmlns:dsp="http://schemas.microsoft.com/office/drawing/2008/diagram" xmlns:a="http://schemas.openxmlformats.org/drawingml/2006/main">
+  <dsp:spTree>
+    <dsp:nvGrpSpPr>
+      <dsp:cNvPr id="0" name=""/>
+      <dsp:cNvGrpSpPr/>
+    </dsp:nvGrpSpPr>
+    <dsp:grpSpPr/>
+    <dsp:sp modelId="{F6BD852D-7445-46DF-A95A-F1D63242590C}">
+      <dsp:nvSpPr>
+        <dsp:cNvPr id="0" name=""/>
+        <dsp:cNvSpPr/>
+      </dsp:nvSpPr>
+      <dsp:spPr>
+        <a:xfrm>
+          <a:off x="2053" y="0"/>
+          <a:ext cx="4379788" cy="1205674"/>
+        </a:xfrm>
+        <a:prstGeom prst="roundRect">
+          <a:avLst>
+            <a:gd name="adj" fmla="val 10000"/>
+          </a:avLst>
+        </a:prstGeom>
+        <a:solidFill>
+          <a:schemeClr val="accent1">
+            <a:hueOff val="0"/>
+            <a:satOff val="0"/>
+            <a:lumOff val="0"/>
+            <a:alphaOff val="0"/>
+          </a:schemeClr>
+        </a:solidFill>
+        <a:ln w="12700" cap="flat" cmpd="sng" algn="ctr">
+          <a:solidFill>
+            <a:schemeClr val="lt1">
+              <a:hueOff val="0"/>
+              <a:satOff val="0"/>
+              <a:lumOff val="0"/>
+              <a:alphaOff val="0"/>
+            </a:schemeClr>
+          </a:solidFill>
+          <a:prstDash val="solid"/>
+          <a:miter lim="800000"/>
+        </a:ln>
+        <a:effectLst/>
+      </dsp:spPr>
+      <dsp:style>
+        <a:lnRef idx="2">
+          <a:scrgbClr r="0" g="0" b="0"/>
+        </a:lnRef>
+        <a:fillRef idx="1">
+          <a:scrgbClr r="0" g="0" b="0"/>
+        </a:fillRef>
+        <a:effectRef idx="0">
+          <a:scrgbClr r="0" g="0" b="0"/>
+        </a:effectRef>
+        <a:fontRef idx="minor">
+          <a:schemeClr val="lt1"/>
+        </a:fontRef>
+      </dsp:style>
+      <dsp:txBody>
+        <a:bodyPr spcFirstLastPara="0" vert="horz" wrap="square" lIns="118110" tIns="118110" rIns="118110" bIns="118110" numCol="1" spcCol="1270" anchor="ctr" anchorCtr="0">
+          <a:noAutofit/>
+        </a:bodyPr>
+        <a:lstStyle/>
+        <a:p>
+          <a:pPr lvl="0" algn="ctr" defTabSz="1377950">
+            <a:lnSpc>
+              <a:spcPct val="90000"/>
+            </a:lnSpc>
+            <a:spcBef>
+              <a:spcPct val="0"/>
+            </a:spcBef>
+            <a:spcAft>
+              <a:spcPct val="35000"/>
+            </a:spcAft>
+          </a:pPr>
+          <a:r>
+            <a:rPr lang="en-US" sz="3100" kern="1200" dirty="0" smtClean="0"/>
+            <a:t>5-gram LM train</a:t>
+          </a:r>
+          <a:endParaRPr lang="en-US" sz="3100" kern="1200" dirty="0"/>
+        </a:p>
+      </dsp:txBody>
+      <dsp:txXfrm>
+        <a:off x="37366" y="35313"/>
+        <a:ext cx="4309162" cy="1135048"/>
+      </dsp:txXfrm>
+    </dsp:sp>
+    <dsp:sp modelId="{0DD9F322-72CE-4C6E-B08A-2F65D3EF43B1}">
+      <dsp:nvSpPr>
+        <dsp:cNvPr id="0" name=""/>
+        <dsp:cNvSpPr/>
+      </dsp:nvSpPr>
+      <dsp:spPr>
+        <a:xfrm>
+          <a:off x="4819821" y="59743"/>
+          <a:ext cx="928515" cy="1086187"/>
+        </a:xfrm>
+        <a:prstGeom prst="rightArrow">
+          <a:avLst>
+            <a:gd name="adj1" fmla="val 60000"/>
+            <a:gd name="adj2" fmla="val 50000"/>
+          </a:avLst>
+        </a:prstGeom>
+        <a:solidFill>
+          <a:schemeClr val="accent1">
+            <a:tint val="60000"/>
+            <a:hueOff val="0"/>
+            <a:satOff val="0"/>
+            <a:lumOff val="0"/>
+            <a:alphaOff val="0"/>
+          </a:schemeClr>
+        </a:solidFill>
+        <a:ln>
+          <a:noFill/>
+        </a:ln>
+        <a:effectLst/>
+      </dsp:spPr>
+      <dsp:style>
+        <a:lnRef idx="0">
+          <a:scrgbClr r="0" g="0" b="0"/>
+        </a:lnRef>
+        <a:fillRef idx="1">
+          <a:scrgbClr r="0" g="0" b="0"/>
+        </a:fillRef>
+        <a:effectRef idx="0">
+          <a:scrgbClr r="0" g="0" b="0"/>
+        </a:effectRef>
+        <a:fontRef idx="minor">
+          <a:schemeClr val="lt1"/>
+        </a:fontRef>
+      </dsp:style>
+      <dsp:txBody>
+        <a:bodyPr spcFirstLastPara="0" vert="horz" wrap="square" lIns="0" tIns="0" rIns="0" bIns="0" numCol="1" spcCol="1270" anchor="ctr" anchorCtr="0">
+          <a:noAutofit/>
+        </a:bodyPr>
+        <a:lstStyle/>
+        <a:p>
+          <a:pPr lvl="0" algn="ctr" defTabSz="1111250">
+            <a:lnSpc>
+              <a:spcPct val="90000"/>
+            </a:lnSpc>
+            <a:spcBef>
+              <a:spcPct val="0"/>
+            </a:spcBef>
+            <a:spcAft>
+              <a:spcPct val="35000"/>
+            </a:spcAft>
+          </a:pPr>
+          <a:endParaRPr lang="en-US" sz="2500" kern="1200"/>
+        </a:p>
+      </dsp:txBody>
+      <dsp:txXfrm>
+        <a:off x="4819821" y="276980"/>
+        <a:ext cx="649961" cy="651713"/>
+      </dsp:txXfrm>
+    </dsp:sp>
+    <dsp:sp modelId="{98745794-894B-48B7-BE3B-2DD2C448B82E}">
+      <dsp:nvSpPr>
+        <dsp:cNvPr id="0" name=""/>
+        <dsp:cNvSpPr/>
+      </dsp:nvSpPr>
+      <dsp:spPr>
+        <a:xfrm>
+          <a:off x="6133757" y="0"/>
+          <a:ext cx="4379788" cy="1205674"/>
+        </a:xfrm>
+        <a:prstGeom prst="roundRect">
+          <a:avLst>
+            <a:gd name="adj" fmla="val 10000"/>
+          </a:avLst>
+        </a:prstGeom>
+        <a:solidFill>
+          <a:schemeClr val="accent1">
+            <a:hueOff val="0"/>
+            <a:satOff val="0"/>
+            <a:lumOff val="0"/>
+            <a:alphaOff val="0"/>
+          </a:schemeClr>
+        </a:solidFill>
+        <a:ln w="12700" cap="flat" cmpd="sng" algn="ctr">
+          <a:solidFill>
+            <a:schemeClr val="lt1">
+              <a:hueOff val="0"/>
+              <a:satOff val="0"/>
+              <a:lumOff val="0"/>
+              <a:alphaOff val="0"/>
+            </a:schemeClr>
+          </a:solidFill>
+          <a:prstDash val="solid"/>
+          <a:miter lim="800000"/>
+        </a:ln>
+        <a:effectLst/>
+      </dsp:spPr>
+      <dsp:style>
+        <a:lnRef idx="2">
+          <a:scrgbClr r="0" g="0" b="0"/>
+        </a:lnRef>
+        <a:fillRef idx="1">
+          <a:scrgbClr r="0" g="0" b="0"/>
+        </a:fillRef>
+        <a:effectRef idx="0">
+          <a:scrgbClr r="0" g="0" b="0"/>
+        </a:effectRef>
+        <a:fontRef idx="minor">
+          <a:schemeClr val="lt1"/>
+        </a:fontRef>
+      </dsp:style>
+      <dsp:txBody>
+        <a:bodyPr spcFirstLastPara="0" vert="horz" wrap="square" lIns="118110" tIns="118110" rIns="118110" bIns="118110" numCol="1" spcCol="1270" anchor="ctr" anchorCtr="0">
+          <a:noAutofit/>
+        </a:bodyPr>
+        <a:lstStyle/>
+        <a:p>
+          <a:pPr lvl="0" algn="ctr" defTabSz="1377950">
+            <a:lnSpc>
+              <a:spcPct val="90000"/>
+            </a:lnSpc>
+            <a:spcBef>
+              <a:spcPct val="0"/>
+            </a:spcBef>
+            <a:spcAft>
+              <a:spcPct val="35000"/>
+            </a:spcAft>
+          </a:pPr>
+          <a:r>
+            <a:rPr lang="en-US" sz="3100" kern="1200" dirty="0" smtClean="0"/>
+            <a:t>5-gram LM evaluate perplexity</a:t>
+          </a:r>
+          <a:endParaRPr lang="en-US" sz="3100" kern="1200" dirty="0"/>
+        </a:p>
+      </dsp:txBody>
+      <dsp:txXfrm>
+        <a:off x="6169070" y="35313"/>
+        <a:ext cx="4309162" cy="1135048"/>
+      </dsp:txXfrm>
+    </dsp:sp>
+  </dsp:spTree>
+</dsp:drawing>
+</file>
+
+<file path=ppt/diagrams/layout1.xml><?xml version="1.0" encoding="utf-8"?>
+<dgm:layoutDef xmlns:dgm="http://schemas.openxmlformats.org/drawingml/2006/diagram" xmlns:a="http://schemas.openxmlformats.org/drawingml/2006/main" uniqueId="urn:microsoft.com/office/officeart/2005/8/layout/process1">
+  <dgm:title val=""/>
+  <dgm:desc val=""/>
+  <dgm:catLst>
+    <dgm:cat type="process" pri="1000"/>
+    <dgm:cat type="convert" pri="15000"/>
+  </dgm:catLst>
+  <dgm:sampData useDef="1">
+    <dgm:dataModel>
+      <dgm:ptLst/>
+      <dgm:bg/>
+      <dgm:whole/>
+    </dgm:dataModel>
+  </dgm:sampData>
+  <dgm:styleData>
+    <dgm:dataModel>
+      <dgm:ptLst>
+        <dgm:pt modelId="0" type="doc"/>
+        <dgm:pt modelId="1"/>
+        <dgm:pt modelId="2"/>
+      </dgm:ptLst>
+      <dgm:cxnLst>
+        <dgm:cxn modelId="3" srcId="0" destId="1" srcOrd="0" destOrd="0"/>
+        <dgm:cxn modelId="4" srcId="0" destId="2" srcOrd="1" destOrd="0"/>
+      </dgm:cxnLst>
+      <dgm:bg/>
+      <dgm:whole/>
+    </dgm:dataModel>
+  </dgm:styleData>
+  <dgm:clrData>
+    <dgm:dataModel>
+      <dgm:ptLst>
+        <dgm:pt modelId="0" type="doc"/>
+        <dgm:pt modelId="1"/>
+        <dgm:pt modelId="2"/>
+        <dgm:pt modelId="3"/>
+        <dgm:pt modelId="4"/>
+      </dgm:ptLst>
+      <dgm:cxnLst>
+        <dgm:cxn modelId="5" srcId="0" destId="1" srcOrd="0" destOrd="0"/>
+        <dgm:cxn modelId="6" srcId="0" destId="2" srcOrd="1" destOrd="0"/>
+        <dgm:cxn modelId="7" srcId="0" destId="3" srcOrd="2" destOrd="0"/>
+        <dgm:cxn modelId="8" srcId="0" destId="4" srcOrd="3" destOrd="0"/>
+      </dgm:cxnLst>
+      <dgm:bg/>
+      <dgm:whole/>
+    </dgm:dataModel>
+  </dgm:clrData>
+  <dgm:layoutNode name="Name0">
+    <dgm:varLst>
+      <dgm:dir/>
+      <dgm:resizeHandles val="exact"/>
+    </dgm:varLst>
+    <dgm:choose name="Name1">
+      <dgm:if name="Name2" func="var" arg="dir" op="equ" val="norm">
+        <dgm:alg type="lin"/>
+      </dgm:if>
+      <dgm:else name="Name3">
+        <dgm:alg type="lin">
+          <dgm:param type="linDir" val="fromR"/>
+        </dgm:alg>
+      </dgm:else>
+    </dgm:choose>
+    <dgm:shape xmlns:r="http://schemas.openxmlformats.org/officeDocument/2006/relationships" r:blip="">
+      <dgm:adjLst/>
+    </dgm:shape>
+    <dgm:presOf/>
+    <dgm:constrLst>
+      <dgm:constr type="w" for="ch" ptType="node" refType="w"/>
+      <dgm:constr type="h" for="ch" ptType="node" op="equ"/>
+      <dgm:constr type="primFontSz" for="ch" ptType="node" op="equ" val="65"/>
+      <dgm:constr type="w" for="ch" ptType="sibTrans" refType="w" refFor="ch" refPtType="node" op="equ" fact="0.4"/>
+      <dgm:constr type="h" for="ch" ptType="sibTrans" op="equ"/>
+      <dgm:constr type="primFontSz" for="des" forName="connectorText" op="equ" val="55"/>
+      <dgm:constr type="primFontSz" for="des" forName="connectorText" refType="primFontSz" refFor="ch" refPtType="node" op="lte" fact="0.8"/>
+    </dgm:constrLst>
+    <dgm:ruleLst/>
+    <dgm:forEach name="nodesForEach" axis="ch" ptType="node">
+      <dgm:layoutNode name="node">
+        <dgm:varLst>
+          <dgm:bulletEnabled val="1"/>
+        </dgm:varLst>
+        <dgm:alg type="tx"/>
+        <dgm:shape xmlns:r="http://schemas.openxmlformats.org/officeDocument/2006/relationships" type="roundRect" r:blip="">
+          <dgm:adjLst>
+            <dgm:adj idx="1" val="0.1"/>
+          </dgm:adjLst>
+        </dgm:shape>
+        <dgm:presOf axis="desOrSelf" ptType="node"/>
+        <dgm:constrLst>
+          <dgm:constr type="h" refType="w" fact="0.6"/>
+          <dgm:constr type="tMarg" refType="primFontSz" fact="0.3"/>
+          <dgm:constr type="bMarg" refType="primFontSz" fact="0.3"/>
+          <dgm:constr type="lMarg" refType="primFontSz" fact="0.3"/>
+          <dgm:constr type="rMarg" refType="primFontSz" fact="0.3"/>
+        </dgm:constrLst>
+        <dgm:ruleLst>
+          <dgm:rule type="primFontSz" val="18" fact="NaN" max="NaN"/>
+          <dgm:rule type="h" val="NaN" fact="1.5" max="NaN"/>
+          <dgm:rule type="primFontSz" val="5" fact="NaN" max="NaN"/>
+          <dgm:rule type="h" val="INF" fact="NaN" max="NaN"/>
+        </dgm:ruleLst>
+      </dgm:layoutNode>
+      <dgm:forEach name="sibTransForEach" axis="followSib" ptType="sibTrans" cnt="1">
+        <dgm:layoutNode name="sibTrans">
+          <dgm:alg type="conn">
+            <dgm:param type="begPts" val="auto"/>
+            <dgm:param type="endPts" val="auto"/>
+          </dgm:alg>
+          <dgm:shape xmlns:r="http://schemas.openxmlformats.org/officeDocument/2006/relationships" type="conn" r:blip="">
+            <dgm:adjLst/>
+          </dgm:shape>
+          <dgm:presOf axis="self"/>
+          <dgm:constrLst>
+            <dgm:constr type="h" refType="w" fact="0.62"/>
+            <dgm:constr type="connDist"/>
+            <dgm:constr type="begPad" refType="connDist" fact="0.25"/>
+            <dgm:constr type="endPad" refType="connDist" fact="0.22"/>
+          </dgm:constrLst>
+          <dgm:ruleLst/>
+          <dgm:layoutNode name="connectorText">
+            <dgm:alg type="tx">
+              <dgm:param type="autoTxRot" val="grav"/>
+            </dgm:alg>
+            <dgm:shape xmlns:r="http://schemas.openxmlformats.org/officeDocument/2006/relationships" type="conn" r:blip="" hideGeom="1">
+              <dgm:adjLst/>
+            </dgm:shape>
+            <dgm:presOf axis="self"/>
+            <dgm:constrLst>
+              <dgm:constr type="lMarg"/>
+              <dgm:constr type="rMarg"/>
+              <dgm:constr type="tMarg"/>
+              <dgm:constr type="bMarg"/>
+            </dgm:constrLst>
+            <dgm:ruleLst>
+              <dgm:rule type="primFontSz" val="5" fact="NaN" max="NaN"/>
+            </dgm:ruleLst>
+          </dgm:layoutNode>
+        </dgm:layoutNode>
+      </dgm:forEach>
+    </dgm:forEach>
+  </dgm:layoutNode>
+</dgm:layoutDef>
+</file>
+
+<file path=ppt/diagrams/layout2.xml><?xml version="1.0" encoding="utf-8"?>
+<dgm:layoutDef xmlns:dgm="http://schemas.openxmlformats.org/drawingml/2006/diagram" xmlns:a="http://schemas.openxmlformats.org/drawingml/2006/main" uniqueId="urn:microsoft.com/office/officeart/2005/8/layout/process1">
+  <dgm:title val=""/>
+  <dgm:desc val=""/>
+  <dgm:catLst>
+    <dgm:cat type="process" pri="1000"/>
+    <dgm:cat type="convert" pri="15000"/>
+  </dgm:catLst>
+  <dgm:sampData useDef="1">
+    <dgm:dataModel>
+      <dgm:ptLst/>
+      <dgm:bg/>
+      <dgm:whole/>
+    </dgm:dataModel>
+  </dgm:sampData>
+  <dgm:styleData>
+    <dgm:dataModel>
+      <dgm:ptLst>
+        <dgm:pt modelId="0" type="doc"/>
+        <dgm:pt modelId="1"/>
+        <dgm:pt modelId="2"/>
+      </dgm:ptLst>
+      <dgm:cxnLst>
+        <dgm:cxn modelId="3" srcId="0" destId="1" srcOrd="0" destOrd="0"/>
+        <dgm:cxn modelId="4" srcId="0" destId="2" srcOrd="1" destOrd="0"/>
+      </dgm:cxnLst>
+      <dgm:bg/>
+      <dgm:whole/>
+    </dgm:dataModel>
+  </dgm:styleData>
+  <dgm:clrData>
+    <dgm:dataModel>
+      <dgm:ptLst>
+        <dgm:pt modelId="0" type="doc"/>
+        <dgm:pt modelId="1"/>
+        <dgm:pt modelId="2"/>
+        <dgm:pt modelId="3"/>
+        <dgm:pt modelId="4"/>
+      </dgm:ptLst>
+      <dgm:cxnLst>
+        <dgm:cxn modelId="5" srcId="0" destId="1" srcOrd="0" destOrd="0"/>
+        <dgm:cxn modelId="6" srcId="0" destId="2" srcOrd="1" destOrd="0"/>
+        <dgm:cxn modelId="7" srcId="0" destId="3" srcOrd="2" destOrd="0"/>
+        <dgm:cxn modelId="8" srcId="0" destId="4" srcOrd="3" destOrd="0"/>
+      </dgm:cxnLst>
+      <dgm:bg/>
+      <dgm:whole/>
+    </dgm:dataModel>
+  </dgm:clrData>
+  <dgm:layoutNode name="Name0">
+    <dgm:varLst>
+      <dgm:dir/>
+      <dgm:resizeHandles val="exact"/>
+    </dgm:varLst>
+    <dgm:choose name="Name1">
+      <dgm:if name="Name2" func="var" arg="dir" op="equ" val="norm">
+        <dgm:alg type="lin"/>
+      </dgm:if>
+      <dgm:else name="Name3">
+        <dgm:alg type="lin">
+          <dgm:param type="linDir" val="fromR"/>
+        </dgm:alg>
+      </dgm:else>
+    </dgm:choose>
+    <dgm:shape xmlns:r="http://schemas.openxmlformats.org/officeDocument/2006/relationships" r:blip="">
+      <dgm:adjLst/>
+    </dgm:shape>
+    <dgm:presOf/>
+    <dgm:constrLst>
+      <dgm:constr type="w" for="ch" ptType="node" refType="w"/>
+      <dgm:constr type="h" for="ch" ptType="node" op="equ"/>
+      <dgm:constr type="primFontSz" for="ch" ptType="node" op="equ" val="65"/>
+      <dgm:constr type="w" for="ch" ptType="sibTrans" refType="w" refFor="ch" refPtType="node" op="equ" fact="0.4"/>
+      <dgm:constr type="h" for="ch" ptType="sibTrans" op="equ"/>
+      <dgm:constr type="primFontSz" for="des" forName="connectorText" op="equ" val="55"/>
+      <dgm:constr type="primFontSz" for="des" forName="connectorText" refType="primFontSz" refFor="ch" refPtType="node" op="lte" fact="0.8"/>
+    </dgm:constrLst>
+    <dgm:ruleLst/>
+    <dgm:forEach name="nodesForEach" axis="ch" ptType="node">
+      <dgm:layoutNode name="node">
+        <dgm:varLst>
+          <dgm:bulletEnabled val="1"/>
+        </dgm:varLst>
+        <dgm:alg type="tx"/>
+        <dgm:shape xmlns:r="http://schemas.openxmlformats.org/officeDocument/2006/relationships" type="roundRect" r:blip="">
+          <dgm:adjLst>
+            <dgm:adj idx="1" val="0.1"/>
+          </dgm:adjLst>
+        </dgm:shape>
+        <dgm:presOf axis="desOrSelf" ptType="node"/>
+        <dgm:constrLst>
+          <dgm:constr type="h" refType="w" fact="0.6"/>
+          <dgm:constr type="tMarg" refType="primFontSz" fact="0.3"/>
+          <dgm:constr type="bMarg" refType="primFontSz" fact="0.3"/>
+          <dgm:constr type="lMarg" refType="primFontSz" fact="0.3"/>
+          <dgm:constr type="rMarg" refType="primFontSz" fact="0.3"/>
+        </dgm:constrLst>
+        <dgm:ruleLst>
+          <dgm:rule type="primFontSz" val="18" fact="NaN" max="NaN"/>
+          <dgm:rule type="h" val="NaN" fact="1.5" max="NaN"/>
+          <dgm:rule type="primFontSz" val="5" fact="NaN" max="NaN"/>
+          <dgm:rule type="h" val="INF" fact="NaN" max="NaN"/>
+        </dgm:ruleLst>
+      </dgm:layoutNode>
+      <dgm:forEach name="sibTransForEach" axis="followSib" ptType="sibTrans" cnt="1">
+        <dgm:layoutNode name="sibTrans">
+          <dgm:alg type="conn">
+            <dgm:param type="begPts" val="auto"/>
+            <dgm:param type="endPts" val="auto"/>
+          </dgm:alg>
+          <dgm:shape xmlns:r="http://schemas.openxmlformats.org/officeDocument/2006/relationships" type="conn" r:blip="">
+            <dgm:adjLst/>
+          </dgm:shape>
+          <dgm:presOf axis="self"/>
+          <dgm:constrLst>
+            <dgm:constr type="h" refType="w" fact="0.62"/>
+            <dgm:constr type="connDist"/>
+            <dgm:constr type="begPad" refType="connDist" fact="0.25"/>
+            <dgm:constr type="endPad" refType="connDist" fact="0.22"/>
+          </dgm:constrLst>
+          <dgm:ruleLst/>
+          <dgm:layoutNode name="connectorText">
+            <dgm:alg type="tx">
+              <dgm:param type="autoTxRot" val="grav"/>
+            </dgm:alg>
+            <dgm:shape xmlns:r="http://schemas.openxmlformats.org/officeDocument/2006/relationships" type="conn" r:blip="" hideGeom="1">
+              <dgm:adjLst/>
+            </dgm:shape>
+            <dgm:presOf axis="self"/>
+            <dgm:constrLst>
+              <dgm:constr type="lMarg"/>
+              <dgm:constr type="rMarg"/>
+              <dgm:constr type="tMarg"/>
+              <dgm:constr type="bMarg"/>
+            </dgm:constrLst>
+            <dgm:ruleLst>
+              <dgm:rule type="primFontSz" val="5" fact="NaN" max="NaN"/>
+            </dgm:ruleLst>
+          </dgm:layoutNode>
+        </dgm:layoutNode>
+      </dgm:forEach>
+    </dgm:forEach>
+  </dgm:layoutNode>
+</dgm:layoutDef>
+</file>
+
+<file path=ppt/diagrams/quickStyle1.xml><?xml version="1.0" encoding="utf-8"?>
+<dgm:styleDef xmlns:dgm="http://schemas.openxmlformats.org/drawingml/2006/diagram" xmlns:a="http://schemas.openxmlformats.org/drawingml/2006/main" uniqueId="urn:microsoft.com/office/officeart/2005/8/quickstyle/simple1">
+  <dgm:title val=""/>
+  <dgm:desc val=""/>
+  <dgm:catLst>
+    <dgm:cat type="simple" pri="10100"/>
+  </dgm:catLst>
+  <dgm:scene3d>
+    <a:camera prst="orthographicFront"/>
+    <a:lightRig rig="threePt" dir="t"/>
+  </dgm:scene3d>
+  <dgm:styleLbl name="node0">
+    <dgm:scene3d>
+      <a:camera prst="orthographicFront"/>
+      <a:lightRig rig="threePt" dir="t"/>
+    </dgm:scene3d>
+    <dgm:sp3d/>
+    <dgm:txPr/>
+    <dgm:style>
+      <a:lnRef idx="2">
+        <a:scrgbClr r="0" g="0" b="0"/>
+      </a:lnRef>
+      <a:fillRef idx="1">
+        <a:scrgbClr r="0" g="0" b="0"/>
+      </a:fillRef>
+      <a:effectRef idx="0">
+        <a:scrgbClr r="0" g="0" b="0"/>
+      </a:effectRef>
+      <a:fontRef idx="minor">
+        <a:schemeClr val="lt1"/>
+      </a:fontRef>
+    </dgm:style>
+  </dgm:styleLbl>
+  <dgm:styleLbl name="lnNode1">
+    <dgm:scene3d>
+      <a:camera prst="orthographicFront"/>
+      <a:lightRig rig="threePt" dir="t"/>
+    </dgm:scene3d>
+    <dgm:sp3d/>
+    <dgm:txPr/>
+    <dgm:style>
+      <a:lnRef idx="2">
+        <a:scrgbClr r="0" g="0" b="0"/>
+      </a:lnRef>
+      <a:fillRef idx="1">
+        <a:scrgbClr r="0" g="0" b="0"/>
+      </a:fillRef>
+      <a:effectRef idx="0">
+        <a:scrgbClr r="0" g="0" b="0"/>
+      </a:effectRef>
+      <a:fontRef idx="minor">
+        <a:schemeClr val="lt1"/>
+      </a:fontRef>
+    </dgm:style>
+  </dgm:styleLbl>
+  <dgm:styleLbl name="vennNode1">
+    <dgm:scene3d>
+      <a:camera prst="orthographicFront"/>
+      <a:lightRig rig="threePt" dir="t"/>
+    </dgm:scene3d>
+    <dgm:sp3d/>
+    <dgm:txPr/>
+    <dgm:style>
+      <a:lnRef idx="2">
+        <a:scrgbClr r="0" g="0" b="0"/>
+      </a:lnRef>
+      <a:fillRef idx="1">
+        <a:scrgbClr r="0" g="0" b="0"/>
+      </a:fillRef>
+      <a:effectRef idx="0">
+        <a:scrgbClr r="0" g="0" b="0"/>
+      </a:effectRef>
+      <a:fontRef idx="minor">
+        <a:schemeClr val="tx1"/>
+      </a:fontRef>
+    </dgm:style>
+  </dgm:styleLbl>
+  <dgm:styleLbl name="alignNode1">
+    <dgm:scene3d>
+      <a:camera prst="orthographicFront"/>
+      <a:lightRig rig="threePt" dir="t"/>
+    </dgm:scene3d>
+    <dgm:sp3d/>
+    <dgm:txPr/>
+    <dgm:style>
+      <a:lnRef idx="2">
+        <a:scrgbClr r="0" g="0" b="0"/>
+      </a:lnRef>
+      <a:fillRef idx="1">
+        <a:scrgbClr r="0" g="0" b="0"/>
+      </a:fillRef>
+      <a:effectRef idx="0">
+        <a:scrgbClr r="0" g="0" b="0"/>
+      </a:effectRef>
+      <a:fontRef idx="minor">
+        <a:schemeClr val="lt1"/>
+      </a:fontRef>
+    </dgm:style>
+  </dgm:styleLbl>
+  <dgm:styleLbl name="node1">
+    <dgm:scene3d>
+      <a:camera prst="orthographicFront"/>
+      <a:lightRig rig="threePt" dir="t"/>
+    </dgm:scene3d>
+    <dgm:sp3d/>
+    <dgm:txPr/>
+    <dgm:style>
+      <a:lnRef idx="2">
+        <a:scrgbClr r="0" g="0" b="0"/>
+      </a:lnRef>
+      <a:fillRef idx="1">
+        <a:scrgbClr r="0" g="0" b="0"/>
+      </a:fillRef>
+      <a:effectRef idx="0">
+        <a:scrgbClr r="0" g="0" b="0"/>
+      </a:effectRef>
+      <a:fontRef idx="minor">
+        <a:schemeClr val="lt1"/>
+      </a:fontRef>
+    </dgm:style>
+  </dgm:styleLbl>
+  <dgm:styleLbl name="node2">
+    <dgm:scene3d>
+      <a:camera prst="orthographicFront"/>
+      <a:lightRig rig="threePt" dir="t"/>
+    </dgm:scene3d>
+    <dgm:sp3d/>
+    <dgm:txPr/>
+    <dgm:style>
+      <a:lnRef idx="2">
+        <a:scrgbClr r="0" g="0" b="0"/>
+      </a:lnRef>
+      <a:fillRef idx="1">
+        <a:scrgbClr r="0" g="0" b="0"/>
+      </a:fillRef>
+      <a:effectRef idx="0">
+        <a:scrgbClr r="0" g="0" b="0"/>
+      </a:effectRef>
+      <a:fontRef idx="minor">
+        <a:schemeClr val="lt1"/>
+      </a:fontRef>
+    </dgm:style>
+  </dgm:styleLbl>
+  <dgm:styleLbl name="node3">
+    <dgm:scene3d>
+      <a:camera prst="orthographicFront"/>
+      <a:lightRig rig="threePt" dir="t"/>
+    </dgm:scene3d>
+    <dgm:sp3d/>
+    <dgm:txPr/>
+    <dgm:style>
+      <a:lnRef idx="2">
+        <a:scrgbClr r="0" g="0" b="0"/>
+      </a:lnRef>
+      <a:fillRef idx="1">
+        <a:scrgbClr r="0" g="0" b="0"/>
+      </a:fillRef>
+      <a:effectRef idx="0">
+        <a:scrgbClr r="0" g="0" b="0"/>
+      </a:effectRef>
+      <a:fontRef idx="minor">
+        <a:schemeClr val="lt1"/>
+      </a:fontRef>
+    </dgm:style>
+  </dgm:styleLbl>
+  <dgm:styleLbl name="node4">
+    <dgm:scene3d>
+      <a:camera prst="orthographicFront"/>
+      <a:lightRig rig="threePt" dir="t"/>
+    </dgm:scene3d>
+    <dgm:sp3d/>
+    <dgm:txPr/>
+    <dgm:style>
+      <a:lnRef idx="2">
+        <a:scrgbClr r="0" g="0" b="0"/>
+      </a:lnRef>
+      <a:fillRef idx="1">
+        <a:scrgbClr r="0" g="0" b="0"/>
+      </a:fillRef>
+      <a:effectRef idx="0">
+        <a:scrgbClr r="0" g="0" b="0"/>
+      </a:effectRef>
+      <a:fontRef idx="minor">
+        <a:schemeClr val="lt1"/>
+      </a:fontRef>
+    </dgm:style>
+  </dgm:styleLbl>
+  <dgm:styleLbl name="fgImgPlace1">
+    <dgm:scene3d>
+      <a:camera prst="orthographicFront"/>
+      <a:lightRig rig="threePt" dir="t"/>
+    </dgm:scene3d>
+    <dgm:sp3d/>
+    <dgm:txPr/>
+    <dgm:style>
+      <a:lnRef idx="2">
+        <a:scrgbClr r="0" g="0" b="0"/>
+      </a:lnRef>
+      <a:fillRef idx="1">
+        <a:scrgbClr r="0" g="0" b="0"/>
+      </a:fillRef>
+      <a:effectRef idx="0">
+        <a:scrgbClr r="0" g="0" b="0"/>
+      </a:effectRef>
+      <a:fontRef idx="minor"/>
+    </dgm:style>
+  </dgm:styleLbl>
+  <dgm:styleLbl name="alignImgPlace1">
+    <dgm:scene3d>
+      <a:camera prst="orthographicFront"/>
+      <a:lightRig rig="threePt" dir="t"/>
+    </dgm:scene3d>
+    <dgm:sp3d/>
+    <dgm:txPr/>
+    <dgm:style>
+      <a:lnRef idx="2">
+        <a:scrgbClr r="0" g="0" b="0"/>
+      </a:lnRef>
+      <a:fillRef idx="1">
+        <a:scrgbClr r="0" g="0" b="0"/>
+      </a:fillRef>
+      <a:effectRef idx="0">
+        <a:scrgbClr r="0" g="0" b="0"/>
+      </a:effectRef>
+      <a:fontRef idx="minor"/>
+    </dgm:style>
+  </dgm:styleLbl>
+  <dgm:styleLbl name="bgImgPlace1">
+    <dgm:scene3d>
+      <a:camera prst="orthographicFront"/>
+      <a:lightRig rig="threePt" dir="t"/>
+    </dgm:scene3d>
+    <dgm:sp3d/>
+    <dgm:txPr/>
+    <dgm:style>
+      <a:lnRef idx="2">
+        <a:scrgbClr r="0" g="0" b="0"/>
+      </a:lnRef>
+      <a:fillRef idx="1">
+        <a:scrgbClr r="0" g="0" b="0"/>
+      </a:fillRef>
+      <a:effectRef idx="0">
+        <a:scrgbClr r="0" g="0" b="0"/>
+      </a:effectRef>
+      <a:fontRef idx="minor"/>
+    </dgm:style>
+  </dgm:styleLbl>
+  <dgm:styleLbl name="sibTrans2D1">
+    <dgm:scene3d>
+      <a:camera prst="orthographicFront"/>
+      <a:lightRig rig="threePt" dir="t"/>
+    </dgm:scene3d>
+    <dgm:sp3d/>
+    <dgm:txPr/>
+    <dgm:style>
+      <a:lnRef idx="0">
+        <a:scrgbClr r="0" g="0" b="0"/>
+      </a:lnRef>
+      <a:fillRef idx="1">
+        <a:scrgbClr r="0" g="0" b="0"/>
+      </a:fillRef>
+      <a:effectRef idx="0">
+        <a:scrgbClr r="0" g="0" b="0"/>
+      </a:effectRef>
+      <a:fontRef idx="minor">
+        <a:schemeClr val="lt1"/>
+      </a:fontRef>
+    </dgm:style>
+  </dgm:styleLbl>
+  <dgm:styleLbl name="fgSibTrans2D1">
+    <dgm:scene3d>
+      <a:camera prst="orthographicFront"/>
+      <a:lightRig rig="threePt" dir="t"/>
+    </dgm:scene3d>
+    <dgm:sp3d/>
+    <dgm:txPr/>
+    <dgm:style>
+      <a:lnRef idx="0">
+        <a:scrgbClr r="0" g="0" b="0"/>
+      </a:lnRef>
+      <a:fillRef idx="1">
+        <a:scrgbClr r="0" g="0" b="0"/>
+      </a:fillRef>
+      <a:effectRef idx="0">
+        <a:scrgbClr r="0" g="0" b="0"/>
+      </a:effectRef>
+      <a:fontRef idx="minor">
+        <a:schemeClr val="lt1"/>
+      </a:fontRef>
+    </dgm:style>
+  </dgm:styleLbl>
+  <dgm:styleLbl name="bgSibTrans2D1">
+    <dgm:scene3d>
+      <a:camera prst="orthographicFront"/>
+      <a:lightRig rig="threePt" dir="t"/>
+    </dgm:scene3d>
+    <dgm:sp3d/>
+    <dgm:txPr/>
+    <dgm:style>
+      <a:lnRef idx="0">
+        <a:scrgbClr r="0" g="0" b="0"/>
+      </a:lnRef>
+      <a:fillRef idx="1">
+        <a:scrgbClr r="0" g="0" b="0"/>
+      </a:fillRef>
+      <a:effectRef idx="0">
+        <a:scrgbClr r="0" g="0" b="0"/>
+      </a:effectRef>
+      <a:fontRef idx="minor">
+        <a:schemeClr val="lt1"/>
+      </a:fontRef>
+    </dgm:style>
+  </dgm:styleLbl>
+  <dgm:styleLbl name="sibTrans1D1">
+    <dgm:scene3d>
+      <a:camera prst="orthographicFront"/>
+      <a:lightRig rig="threePt" dir="t"/>
+    </dgm:scene3d>
+    <dgm:sp3d/>
+    <dgm:txPr/>
+    <dgm:style>
+      <a:lnRef idx="1">
+        <a:scrgbClr r="0" g="0" b="0"/>
+      </a:lnRef>
+      <a:fillRef idx="0">
+        <a:scrgbClr r="0" g="0" b="0"/>
+      </a:fillRef>
+      <a:effectRef idx="0">
+        <a:scrgbClr r="0" g="0" b="0"/>
+      </a:effectRef>
+      <a:fontRef idx="minor"/>
+    </dgm:style>
+  </dgm:styleLbl>
+  <dgm:styleLbl name="callout">
+    <dgm:scene3d>
+      <a:camera prst="orthographicFront"/>
+      <a:lightRig rig="threePt" dir="t"/>
+    </dgm:scene3d>
+    <dgm:sp3d/>
+    <dgm:txPr/>
+    <dgm:style>
+      <a:lnRef idx="2">
+        <a:scrgbClr r="0" g="0" b="0"/>
+      </a:lnRef>
+      <a:fillRef idx="1">
+        <a:scrgbClr r="0" g="0" b="0"/>
+      </a:fillRef>
+      <a:effectRef idx="0">
+        <a:scrgbClr r="0" g="0" b="0"/>
+      </a:effectRef>
+      <a:fontRef idx="minor"/>
+    </dgm:style>
+  </dgm:styleLbl>
+  <dgm:styleLbl name="asst0">
+    <dgm:scene3d>
+      <a:camera prst="orthographicFront"/>
+      <a:lightRig rig="threePt" dir="t"/>
+    </dgm:scene3d>
+    <dgm:sp3d/>
+    <dgm:txPr/>
+    <dgm:style>
+      <a:lnRef idx="2">
+        <a:scrgbClr r="0" g="0" b="0"/>
+      </a:lnRef>
+      <a:fillRef idx="1">
+        <a:scrgbClr r="0" g="0" b="0"/>
+      </a:fillRef>
+      <a:effectRef idx="0">
+        <a:scrgbClr r="0" g="0" b="0"/>
+      </a:effectRef>
+      <a:fontRef idx="minor">
+        <a:schemeClr val="lt1"/>
+      </a:fontRef>
+    </dgm:style>
+  </dgm:styleLbl>
+  <dgm:styleLbl name="asst1">
+    <dgm:scene3d>
+      <a:camera prst="orthographicFront"/>
+      <a:lightRig rig="threePt" dir="t"/>
+    </dgm:scene3d>
+    <dgm:sp3d/>
+    <dgm:txPr/>
+    <dgm:style>
+      <a:lnRef idx="2">
+        <a:scrgbClr r="0" g="0" b="0"/>
+      </a:lnRef>
+      <a:fillRef idx="1">
+        <a:scrgbClr r="0" g="0" b="0"/>
+      </a:fillRef>
+      <a:effectRef idx="0">
+        <a:scrgbClr r="0" g="0" b="0"/>
+      </a:effectRef>
+      <a:fontRef idx="minor">
+        <a:schemeClr val="lt1"/>
+      </a:fontRef>
+    </dgm:style>
+  </dgm:styleLbl>
+  <dgm:styleLbl name="asst2">
+    <dgm:scene3d>
+      <a:camera prst="orthographicFront"/>
+      <a:lightRig rig="threePt" dir="t"/>
+    </dgm:scene3d>
+    <dgm:sp3d/>
+    <dgm:txPr/>
+    <dgm:style>
+      <a:lnRef idx="2">
+        <a:scrgbClr r="0" g="0" b="0"/>
+      </a:lnRef>
+      <a:fillRef idx="1">
+        <a:scrgbClr r="0" g="0" b="0"/>
+      </a:fillRef>
+      <a:effectRef idx="0">
+        <a:scrgbClr r="0" g="0" b="0"/>
+      </a:effectRef>
+      <a:fontRef idx="minor">
+        <a:schemeClr val="lt1"/>
+      </a:fontRef>
+    </dgm:style>
+  </dgm:styleLbl>
+  <dgm:styleLbl name="asst3">
+    <dgm:scene3d>
+      <a:camera prst="orthographicFront"/>
+      <a:lightRig rig="threePt" dir="t"/>
+    </dgm:scene3d>
+    <dgm:sp3d/>
+    <dgm:txPr/>
+    <dgm:style>
+      <a:lnRef idx="2">
+        <a:scrgbClr r="0" g="0" b="0"/>
+      </a:lnRef>
+      <a:fillRef idx="1">
+        <a:scrgbClr r="0" g="0" b="0"/>
+      </a:fillRef>
+      <a:effectRef idx="0">
+        <a:scrgbClr r="0" g="0" b="0"/>
+      </a:effectRef>
+      <a:fontRef idx="minor">
+        <a:schemeClr val="lt1"/>
+      </a:fontRef>
+    </dgm:style>
+  </dgm:styleLbl>
+  <dgm:styleLbl name="asst4">
+    <dgm:scene3d>
+      <a:camera prst="orthographicFront"/>
+      <a:lightRig rig="threePt" dir="t"/>
+    </dgm:scene3d>
+    <dgm:sp3d/>
+    <dgm:txPr/>
+    <dgm:style>
+      <a:lnRef idx="2">
+        <a:scrgbClr r="0" g="0" b="0"/>
+      </a:lnRef>
+      <a:fillRef idx="1">
+        <a:scrgbClr r="0" g="0" b="0"/>
+      </a:fillRef>
+      <a:effectRef idx="0">
+        <a:scrgbClr r="0" g="0" b="0"/>
+      </a:effectRef>
+      <a:fontRef idx="minor">
+        <a:schemeClr val="lt1"/>
+      </a:fontRef>
+    </dgm:style>
+  </dgm:styleLbl>
+  <dgm:styleLbl name="parChTrans2D1">
+    <dgm:scene3d>
+      <a:camera prst="orthographicFront"/>
+      <a:lightRig rig="threePt" dir="t"/>
+    </dgm:scene3d>
+    <dgm:sp3d/>
+    <dgm:txPr/>
+    <dgm:style>
+      <a:lnRef idx="2">
+        <a:scrgbClr r="0" g="0" b="0"/>
+      </a:lnRef>
+      <a:fillRef idx="1">
+        <a:scrgbClr r="0" g="0" b="0"/>
+      </a:fillRef>
+      <a:effectRef idx="0">
+        <a:scrgbClr r="0" g="0" b="0"/>
+      </a:effectRef>
+      <a:fontRef idx="minor">
+        <a:schemeClr val="lt1"/>
+      </a:fontRef>
+    </dgm:style>
+  </dgm:styleLbl>
+  <dgm:styleLbl name="parChTrans2D2">
+    <dgm:scene3d>
+      <a:camera prst="orthographicFront"/>
+      <a:lightRig rig="threePt" dir="t"/>
+    </dgm:scene3d>
+    <dgm:sp3d/>
+    <dgm:txPr/>
+    <dgm:style>
+      <a:lnRef idx="2">
+        <a:scrgbClr r="0" g="0" b="0"/>
+      </a:lnRef>
+      <a:fillRef idx="1">
+        <a:scrgbClr r="0" g="0" b="0"/>
+      </a:fillRef>
+      <a:effectRef idx="0">
+        <a:scrgbClr r="0" g="0" b="0"/>
+      </a:effectRef>
+      <a:fontRef idx="minor">
+        <a:schemeClr val="lt1"/>
+      </a:fontRef>
+    </dgm:style>
+  </dgm:styleLbl>
+  <dgm:styleLbl name="parChTrans2D3">
+    <dgm:scene3d>
+      <a:camera prst="orthographicFront"/>
+      <a:lightRig rig="threePt" dir="t"/>
+    </dgm:scene3d>
+    <dgm:sp3d/>
+    <dgm:txPr/>
+    <dgm:style>
+      <a:lnRef idx="2">
+        <a:scrgbClr r="0" g="0" b="0"/>
+      </a:lnRef>
+      <a:fillRef idx="1">
+        <a:scrgbClr r="0" g="0" b="0"/>
+      </a:fillRef>
+      <a:effectRef idx="0">
+        <a:scrgbClr r="0" g="0" b="0"/>
+      </a:effectRef>
+      <a:fontRef idx="minor">
+        <a:schemeClr val="lt1"/>
+      </a:fontRef>
+    </dgm:style>
+  </dgm:styleLbl>
+  <dgm:styleLbl name="parChTrans2D4">
+    <dgm:scene3d>
+      <a:camera prst="orthographicFront"/>
+      <a:lightRig rig="threePt" dir="t"/>
+    </dgm:scene3d>
+    <dgm:sp3d/>
+    <dgm:txPr/>
+    <dgm:style>
+      <a:lnRef idx="2">
+        <a:scrgbClr r="0" g="0" b="0"/>
+      </a:lnRef>
+      <a:fillRef idx="1">
+        <a:scrgbClr r="0" g="0" b="0"/>
+      </a:fillRef>
+      <a:effectRef idx="0">
+        <a:scrgbClr r="0" g="0" b="0"/>
+      </a:effectRef>
+      <a:fontRef idx="minor">
+        <a:schemeClr val="lt1"/>
+      </a:fontRef>
+    </dgm:style>
+  </dgm:styleLbl>
+  <dgm:styleLbl name="parChTrans1D1">
+    <dgm:scene3d>
+      <a:camera prst="orthographicFront"/>
+      <a:lightRig rig="threePt" dir="t"/>
+    </dgm:scene3d>
+    <dgm:sp3d/>
+    <dgm:txPr/>
+    <dgm:style>
+      <a:lnRef idx="2">
+        <a:scrgbClr r="0" g="0" b="0"/>
+      </a:lnRef>
+      <a:fillRef idx="0">
+        <a:scrgbClr r="0" g="0" b="0"/>
+      </a:fillRef>
+      <a:effectRef idx="0">
+        <a:scrgbClr r="0" g="0" b="0"/>
+      </a:effectRef>
+      <a:fontRef idx="minor"/>
+    </dgm:style>
+  </dgm:styleLbl>
+  <dgm:styleLbl name="parChTrans1D2">
+    <dgm:scene3d>
+      <a:camera prst="orthographicFront"/>
+      <a:lightRig rig="threePt" dir="t"/>
+    </dgm:scene3d>
+    <dgm:sp3d/>
+    <dgm:txPr/>
+    <dgm:style>
+      <a:lnRef idx="2">
+        <a:scrgbClr r="0" g="0" b="0"/>
+      </a:lnRef>
+      <a:fillRef idx="0">
+        <a:scrgbClr r="0" g="0" b="0"/>
+      </a:fillRef>
+      <a:effectRef idx="0">
+        <a:scrgbClr r="0" g="0" b="0"/>
+      </a:effectRef>
+      <a:fontRef idx="minor"/>
+    </dgm:style>
+  </dgm:styleLbl>
+  <dgm:styleLbl name="parChTrans1D3">
+    <dgm:scene3d>
+      <a:camera prst="orthographicFront"/>
+      <a:lightRig rig="threePt" dir="t"/>
+    </dgm:scene3d>
+    <dgm:sp3d/>
+    <dgm:txPr/>
+    <dgm:style>
+      <a:lnRef idx="2">
+        <a:scrgbClr r="0" g="0" b="0"/>
+      </a:lnRef>
+      <a:fillRef idx="0">
+        <a:scrgbClr r="0" g="0" b="0"/>
+      </a:fillRef>
+      <a:effectRef idx="0">
+        <a:scrgbClr r="0" g="0" b="0"/>
+      </a:effectRef>
+      <a:fontRef idx="minor"/>
+    </dgm:style>
+  </dgm:styleLbl>
+  <dgm:styleLbl name="parChTrans1D4">
+    <dgm:scene3d>
+      <a:camera prst="orthographicFront"/>
+      <a:lightRig rig="threePt" dir="t"/>
+    </dgm:scene3d>
+    <dgm:sp3d/>
+    <dgm:txPr/>
+    <dgm:style>
+      <a:lnRef idx="2">
+        <a:scrgbClr r="0" g="0" b="0"/>
+      </a:lnRef>
+      <a:fillRef idx="0">
+        <a:scrgbClr r="0" g="0" b="0"/>
+      </a:fillRef>
+      <a:effectRef idx="0">
+        <a:scrgbClr r="0" g="0" b="0"/>
+      </a:effectRef>
+      <a:fontRef idx="minor"/>
+    </dgm:style>
+  </dgm:styleLbl>
+  <dgm:styleLbl name="fgAcc1">
+    <dgm:scene3d>
+      <a:camera prst="orthographicFront"/>
+      <a:lightRig rig="threePt" dir="t"/>
+    </dgm:scene3d>
+    <dgm:sp3d/>
+    <dgm:txPr/>
+    <dgm:style>
+      <a:lnRef idx="2">
+        <a:scrgbClr r="0" g="0" b="0"/>
+      </a:lnRef>
+      <a:fillRef idx="1">
+        <a:scrgbClr r="0" g="0" b="0"/>
+      </a:fillRef>
+      <a:effectRef idx="0">
+        <a:scrgbClr r="0" g="0" b="0"/>
+      </a:effectRef>
+      <a:fontRef idx="minor"/>
+    </dgm:style>
+  </dgm:styleLbl>
+  <dgm:styleLbl name="conFgAcc1">
+    <dgm:scene3d>
+      <a:camera prst="orthographicFront"/>
+      <a:lightRig rig="threePt" dir="t"/>
+    </dgm:scene3d>
+    <dgm:sp3d/>
+    <dgm:txPr/>
+    <dgm:style>
+      <a:lnRef idx="2">
+        <a:scrgbClr r="0" g="0" b="0"/>
+      </a:lnRef>
+      <a:fillRef idx="1">
+        <a:scrgbClr r="0" g="0" b="0"/>
+      </a:fillRef>
+      <a:effectRef idx="0">
+        <a:scrgbClr r="0" g="0" b="0"/>
+      </a:effectRef>
+      <a:fontRef idx="minor"/>
+    </dgm:style>
+  </dgm:styleLbl>
+  <dgm:styleLbl name="alignAcc1">
+    <dgm:scene3d>
+      <a:camera prst="orthographicFront"/>
+      <a:lightRig rig="threePt" dir="t"/>
+    </dgm:scene3d>
+    <dgm:sp3d/>
+    <dgm:txPr/>
+    <dgm:style>
+      <a:lnRef idx="2">
+        <a:scrgbClr r="0" g="0" b="0"/>
+      </a:lnRef>
+      <a:fillRef idx="1">
+        <a:scrgbClr r="0" g="0" b="0"/>
+      </a:fillRef>
+      <a:effectRef idx="0">
+        <a:scrgbClr r="0" g="0" b="0"/>
+      </a:effectRef>
+      <a:fontRef idx="minor"/>
+    </dgm:style>
+  </dgm:styleLbl>
+  <dgm:styleLbl name="trAlignAcc1">
+    <dgm:scene3d>
+      <a:camera prst="orthographicFront"/>
+      <a:lightRig rig="threePt" dir="t"/>
+    </dgm:scene3d>
+    <dgm:sp3d/>
+    <dgm:txPr/>
+    <dgm:style>
+      <a:lnRef idx="1">
+        <a:scrgbClr r="0" g="0" b="0"/>
+      </a:lnRef>
+      <a:fillRef idx="1">
+        <a:scrgbClr r="0" g="0" b="0"/>
+      </a:fillRef>
+      <a:effectRef idx="0">
+        <a:scrgbClr r="0" g="0" b="0"/>
+      </a:effectRef>
+      <a:fontRef idx="minor"/>
+    </dgm:style>
+  </dgm:styleLbl>
+  <dgm:styleLbl name="bgAcc1">
+    <dgm:scene3d>
+      <a:camera prst="orthographicFront"/>
+      <a:lightRig rig="threePt" dir="t"/>
+    </dgm:scene3d>
+    <dgm:sp3d/>
+    <dgm:txPr/>
+    <dgm:style>
+      <a:lnRef idx="2">
+        <a:scrgbClr r="0" g="0" b="0"/>
+      </a:lnRef>
+      <a:fillRef idx="1">
+        <a:scrgbClr r="0" g="0" b="0"/>
+      </a:fillRef>
+      <a:effectRef idx="0">
+        <a:scrgbClr r="0" g="0" b="0"/>
+      </a:effectRef>
+      <a:fontRef idx="minor"/>
+    </dgm:style>
+  </dgm:styleLbl>
+  <dgm:styleLbl name="solidFgAcc1">
+    <dgm:scene3d>
+      <a:camera prst="orthographicFront"/>
+      <a:lightRig rig="threePt" dir="t"/>
+    </dgm:scene3d>
+    <dgm:sp3d/>
+    <dgm:txPr/>
+    <dgm:style>
+      <a:lnRef idx="2">
+        <a:scrgbClr r="0" g="0" b="0"/>
+      </a:lnRef>
+      <a:fillRef idx="1">
+        <a:scrgbClr r="0" g="0" b="0"/>
+      </a:fillRef>
+      <a:effectRef idx="0">
+        <a:scrgbClr r="0" g="0" b="0"/>
+      </a:effectRef>
+      <a:fontRef idx="minor"/>
+    </dgm:style>
+  </dgm:styleLbl>
+  <dgm:styleLbl name="solidAlignAcc1">
+    <dgm:scene3d>
+      <a:camera prst="orthographicFront"/>
+      <a:lightRig rig="threePt" dir="t"/>
+    </dgm:scene3d>
+    <dgm:sp3d/>
+    <dgm:txPr/>
+    <dgm:style>
+      <a:lnRef idx="2">
+        <a:scrgbClr r="0" g="0" b="0"/>
+      </a:lnRef>
+      <a:fillRef idx="1">
+        <a:scrgbClr r="0" g="0" b="0"/>
+      </a:fillRef>
+      <a:effectRef idx="0">
+        <a:scrgbClr r="0" g="0" b="0"/>
+      </a:effectRef>
+      <a:fontRef idx="minor"/>
+    </dgm:style>
+  </dgm:styleLbl>
+  <dgm:styleLbl name="solidBgAcc1">
+    <dgm:scene3d>
+      <a:camera prst="orthographicFront"/>
+      <a:lightRig rig="threePt" dir="t"/>
+    </dgm:scene3d>
+    <dgm:sp3d/>
+    <dgm:txPr/>
+    <dgm:style>
+      <a:lnRef idx="2">
+        <a:scrgbClr r="0" g="0" b="0"/>
+      </a:lnRef>
+      <a:fillRef idx="1">
+        <a:scrgbClr r="0" g="0" b="0"/>
+      </a:fillRef>
+      <a:effectRef idx="0">
+        <a:scrgbClr r="0" g="0" b="0"/>
+      </a:effectRef>
+      <a:fontRef idx="minor"/>
+    </dgm:style>
+  </dgm:styleLbl>
+  <dgm:styleLbl name="fgAccFollowNode1">
+    <dgm:scene3d>
+      <a:camera prst="orthographicFront"/>
+      <a:lightRig rig="threePt" dir="t"/>
+    </dgm:scene3d>
+    <dgm:sp3d/>
+    <dgm:txPr/>
+    <dgm:style>
+      <a:lnRef idx="2">
+        <a:scrgbClr r="0" g="0" b="0"/>
+      </a:lnRef>
+      <a:fillRef idx="1">
+        <a:scrgbClr r="0" g="0" b="0"/>
+      </a:fillRef>
+      <a:effectRef idx="0">
+        <a:scrgbClr r="0" g="0" b="0"/>
+      </a:effectRef>
+      <a:fontRef idx="minor"/>
+    </dgm:style>
+  </dgm:styleLbl>
+  <dgm:styleLbl name="alignAccFollowNode1">
+    <dgm:scene3d>
+      <a:camera prst="orthographicFront"/>
+      <a:lightRig rig="threePt" dir="t"/>
+    </dgm:scene3d>
+    <dgm:sp3d/>
+    <dgm:txPr/>
+    <dgm:style>
+      <a:lnRef idx="2">
+        <a:scrgbClr r="0" g="0" b="0"/>
+      </a:lnRef>
+      <a:fillRef idx="1">
+        <a:scrgbClr r="0" g="0" b="0"/>
+      </a:fillRef>
+      <a:effectRef idx="0">
+        <a:scrgbClr r="0" g="0" b="0"/>
+      </a:effectRef>
+      <a:fontRef idx="minor"/>
+    </dgm:style>
+  </dgm:styleLbl>
+  <dgm:styleLbl name="bgAccFollowNode1">
+    <dgm:scene3d>
+      <a:camera prst="orthographicFront"/>
+      <a:lightRig rig="threePt" dir="t"/>
+    </dgm:scene3d>
+    <dgm:sp3d/>
+    <dgm:txPr/>
+    <dgm:style>
+      <a:lnRef idx="2">
+        <a:scrgbClr r="0" g="0" b="0"/>
+      </a:lnRef>
+      <a:fillRef idx="1">
+        <a:scrgbClr r="0" g="0" b="0"/>
+      </a:fillRef>
+      <a:effectRef idx="0">
+        <a:scrgbClr r="0" g="0" b="0"/>
+      </a:effectRef>
+      <a:fontRef idx="minor"/>
+    </dgm:style>
+  </dgm:styleLbl>
+  <dgm:styleLbl name="fgAcc0">
+    <dgm:scene3d>
+      <a:camera prst="orthographicFront"/>
+      <a:lightRig rig="threePt" dir="t"/>
+    </dgm:scene3d>
+    <dgm:sp3d/>
+    <dgm:txPr/>
+    <dgm:style>
+      <a:lnRef idx="2">
+        <a:scrgbClr r="0" g="0" b="0"/>
+      </a:lnRef>
+      <a:fillRef idx="1">
+        <a:scrgbClr r="0" g="0" b="0"/>
+      </a:fillRef>
+      <a:effectRef idx="0">
+        <a:scrgbClr r="0" g="0" b="0"/>
+      </a:effectRef>
+      <a:fontRef idx="minor"/>
+    </dgm:style>
+  </dgm:styleLbl>
+  <dgm:styleLbl name="fgAcc2">
+    <dgm:scene3d>
+      <a:camera prst="orthographicFront"/>
+      <a:lightRig rig="threePt" dir="t"/>
+    </dgm:scene3d>
+    <dgm:sp3d/>
+    <dgm:txPr/>
+    <dgm:style>
+      <a:lnRef idx="2">
+        <a:scrgbClr r="0" g="0" b="0"/>
+      </a:lnRef>
+      <a:fillRef idx="1">
+        <a:scrgbClr r="0" g="0" b="0"/>
+      </a:fillRef>
+      <a:effectRef idx="0">
+        <a:scrgbClr r="0" g="0" b="0"/>
+      </a:effectRef>
+      <a:fontRef idx="minor"/>
+    </dgm:style>
+  </dgm:styleLbl>
+  <dgm:styleLbl name="fgAcc3">
+    <dgm:scene3d>
+      <a:camera prst="orthographicFront"/>
+      <a:lightRig rig="threePt" dir="t"/>
+    </dgm:scene3d>
+    <dgm:sp3d/>
+    <dgm:txPr/>
+    <dgm:style>
+      <a:lnRef idx="2">
+        <a:scrgbClr r="0" g="0" b="0"/>
+      </a:lnRef>
+      <a:fillRef idx="1">
+        <a:scrgbClr r="0" g="0" b="0"/>
+      </a:fillRef>
+      <a:effectRef idx="0">
+        <a:scrgbClr r="0" g="0" b="0"/>
+      </a:effectRef>
+      <a:fontRef idx="minor"/>
+    </dgm:style>
+  </dgm:styleLbl>
+  <dgm:styleLbl name="fgAcc4">
+    <dgm:scene3d>
+      <a:camera prst="orthographicFront"/>
+      <a:lightRig rig="threePt" dir="t"/>
+    </dgm:scene3d>
+    <dgm:sp3d/>
+    <dgm:txPr/>
+    <dgm:style>
+      <a:lnRef idx="2">
+        <a:scrgbClr r="0" g="0" b="0"/>
+      </a:lnRef>
+      <a:fillRef idx="1">
+        <a:scrgbClr r="0" g="0" b="0"/>
+      </a:fillRef>
+      <a:effectRef idx="0">
+        <a:scrgbClr r="0" g="0" b="0"/>
+      </a:effectRef>
+      <a:fontRef idx="minor"/>
+    </dgm:style>
+  </dgm:styleLbl>
+  <dgm:styleLbl name="bgShp">
+    <dgm:scene3d>
+      <a:camera prst="orthographicFront"/>
+      <a:lightRig rig="threePt" dir="t"/>
+    </dgm:scene3d>
+    <dgm:sp3d/>
+    <dgm:txPr/>
+    <dgm:style>
+      <a:lnRef idx="0">
+        <a:scrgbClr r="0" g="0" b="0"/>
+      </a:lnRef>
+      <a:fillRef idx="1">
+        <a:scrgbClr r="0" g="0" b="0"/>
+      </a:fillRef>
+      <a:effectRef idx="0">
+        <a:scrgbClr r="0" g="0" b="0"/>
+      </a:effectRef>
+      <a:fontRef idx="minor"/>
+    </dgm:style>
+  </dgm:styleLbl>
+  <dgm:styleLbl name="dkBgShp">
+    <dgm:scene3d>
+      <a:camera prst="orthographicFront"/>
+      <a:lightRig rig="threePt" dir="t"/>
+    </dgm:scene3d>
+    <dgm:sp3d/>
+    <dgm:txPr/>
+    <dgm:style>
+      <a:lnRef idx="0">
+        <a:scrgbClr r="0" g="0" b="0"/>
+      </a:lnRef>
+      <a:fillRef idx="1">
+        <a:scrgbClr r="0" g="0" b="0"/>
+      </a:fillRef>
+      <a:effectRef idx="0">
+        <a:scrgbClr r="0" g="0" b="0"/>
+      </a:effectRef>
+      <a:fontRef idx="minor"/>
+    </dgm:style>
+  </dgm:styleLbl>
+  <dgm:styleLbl name="trBgShp">
+    <dgm:scene3d>
+      <a:camera prst="orthographicFront"/>
+      <a:lightRig rig="threePt" dir="t"/>
+    </dgm:scene3d>
+    <dgm:sp3d/>
+    <dgm:txPr/>
+    <dgm:style>
+      <a:lnRef idx="0">
+        <a:scrgbClr r="0" g="0" b="0"/>
+      </a:lnRef>
+      <a:fillRef idx="1">
+        <a:scrgbClr r="0" g="0" b="0"/>
+      </a:fillRef>
+      <a:effectRef idx="0">
+        <a:scrgbClr r="0" g="0" b="0"/>
+      </a:effectRef>
+      <a:fontRef idx="minor"/>
+    </dgm:style>
+  </dgm:styleLbl>
+  <dgm:styleLbl name="fgShp">
+    <dgm:scene3d>
+      <a:camera prst="orthographicFront"/>
+      <a:lightRig rig="threePt" dir="t"/>
+    </dgm:scene3d>
+    <dgm:sp3d/>
+    <dgm:txPr/>
+    <dgm:style>
+      <a:lnRef idx="2">
+        <a:scrgbClr r="0" g="0" b="0"/>
+      </a:lnRef>
+      <a:fillRef idx="1">
+        <a:scrgbClr r="0" g="0" b="0"/>
+      </a:fillRef>
+      <a:effectRef idx="0">
+        <a:scrgbClr r="0" g="0" b="0"/>
+      </a:effectRef>
+      <a:fontRef idx="minor"/>
+    </dgm:style>
+  </dgm:styleLbl>
+  <dgm:styleLbl name="revTx">
+    <dgm:scene3d>
+      <a:camera prst="orthographicFront"/>
+      <a:lightRig rig="threePt" dir="t"/>
+    </dgm:scene3d>
+    <dgm:sp3d/>
+    <dgm:txPr/>
+    <dgm:style>
+      <a:lnRef idx="0">
+        <a:scrgbClr r="0" g="0" b="0"/>
+      </a:lnRef>
+      <a:fillRef idx="0">
+        <a:scrgbClr r="0" g="0" b="0"/>
+      </a:fillRef>
+      <a:effectRef idx="0">
+        <a:scrgbClr r="0" g="0" b="0"/>
+      </a:effectRef>
+      <a:fontRef idx="minor"/>
+    </dgm:style>
+  </dgm:styleLbl>
+</dgm:styleDef>
+</file>
+
+<file path=ppt/diagrams/quickStyle2.xml><?xml version="1.0" encoding="utf-8"?>
+<dgm:styleDef xmlns:dgm="http://schemas.openxmlformats.org/drawingml/2006/diagram" xmlns:a="http://schemas.openxmlformats.org/drawingml/2006/main" uniqueId="urn:microsoft.com/office/officeart/2005/8/quickstyle/simple1">
+  <dgm:title val=""/>
+  <dgm:desc val=""/>
+  <dgm:catLst>
+    <dgm:cat type="simple" pri="10100"/>
+  </dgm:catLst>
+  <dgm:scene3d>
+    <a:camera prst="orthographicFront"/>
+    <a:lightRig rig="threePt" dir="t"/>
+  </dgm:scene3d>
+  <dgm:styleLbl name="node0">
+    <dgm:scene3d>
+      <a:camera prst="orthographicFront"/>
+      <a:lightRig rig="threePt" dir="t"/>
+    </dgm:scene3d>
+    <dgm:sp3d/>
+    <dgm:txPr/>
+    <dgm:style>
+      <a:lnRef idx="2">
+        <a:scrgbClr r="0" g="0" b="0"/>
+      </a:lnRef>
+      <a:fillRef idx="1">
+        <a:scrgbClr r="0" g="0" b="0"/>
+      </a:fillRef>
+      <a:effectRef idx="0">
+        <a:scrgbClr r="0" g="0" b="0"/>
+      </a:effectRef>
+      <a:fontRef idx="minor">
+        <a:schemeClr val="lt1"/>
+      </a:fontRef>
+    </dgm:style>
+  </dgm:styleLbl>
+  <dgm:styleLbl name="lnNode1">
+    <dgm:scene3d>
+      <a:camera prst="orthographicFront"/>
+      <a:lightRig rig="threePt" dir="t"/>
+    </dgm:scene3d>
+    <dgm:sp3d/>
+    <dgm:txPr/>
+    <dgm:style>
+      <a:lnRef idx="2">
+        <a:scrgbClr r="0" g="0" b="0"/>
+      </a:lnRef>
+      <a:fillRef idx="1">
+        <a:scrgbClr r="0" g="0" b="0"/>
+      </a:fillRef>
+      <a:effectRef idx="0">
+        <a:scrgbClr r="0" g="0" b="0"/>
+      </a:effectRef>
+      <a:fontRef idx="minor">
+        <a:schemeClr val="lt1"/>
+      </a:fontRef>
+    </dgm:style>
+  </dgm:styleLbl>
+  <dgm:styleLbl name="vennNode1">
+    <dgm:scene3d>
+      <a:camera prst="orthographicFront"/>
+      <a:lightRig rig="threePt" dir="t"/>
+    </dgm:scene3d>
+    <dgm:sp3d/>
+    <dgm:txPr/>
+    <dgm:style>
+      <a:lnRef idx="2">
+        <a:scrgbClr r="0" g="0" b="0"/>
+      </a:lnRef>
+      <a:fillRef idx="1">
+        <a:scrgbClr r="0" g="0" b="0"/>
+      </a:fillRef>
+      <a:effectRef idx="0">
+        <a:scrgbClr r="0" g="0" b="0"/>
+      </a:effectRef>
+      <a:fontRef idx="minor">
+        <a:schemeClr val="tx1"/>
+      </a:fontRef>
+    </dgm:style>
+  </dgm:styleLbl>
+  <dgm:styleLbl name="alignNode1">
+    <dgm:scene3d>
+      <a:camera prst="orthographicFront"/>
+      <a:lightRig rig="threePt" dir="t"/>
+    </dgm:scene3d>
+    <dgm:sp3d/>
+    <dgm:txPr/>
+    <dgm:style>
+      <a:lnRef idx="2">
+        <a:scrgbClr r="0" g="0" b="0"/>
+      </a:lnRef>
+      <a:fillRef idx="1">
+        <a:scrgbClr r="0" g="0" b="0"/>
+      </a:fillRef>
+      <a:effectRef idx="0">
+        <a:scrgbClr r="0" g="0" b="0"/>
+      </a:effectRef>
+      <a:fontRef idx="minor">
+        <a:schemeClr val="lt1"/>
+      </a:fontRef>
+    </dgm:style>
+  </dgm:styleLbl>
+  <dgm:styleLbl name="node1">
+    <dgm:scene3d>
+      <a:camera prst="orthographicFront"/>
+      <a:lightRig rig="threePt" dir="t"/>
+    </dgm:scene3d>
+    <dgm:sp3d/>
+    <dgm:txPr/>
+    <dgm:style>
+      <a:lnRef idx="2">
+        <a:scrgbClr r="0" g="0" b="0"/>
+      </a:lnRef>
+      <a:fillRef idx="1">
+        <a:scrgbClr r="0" g="0" b="0"/>
+      </a:fillRef>
+      <a:effectRef idx="0">
+        <a:scrgbClr r="0" g="0" b="0"/>
+      </a:effectRef>
+      <a:fontRef idx="minor">
+        <a:schemeClr val="lt1"/>
+      </a:fontRef>
+    </dgm:style>
+  </dgm:styleLbl>
+  <dgm:styleLbl name="node2">
+    <dgm:scene3d>
+      <a:camera prst="orthographicFront"/>
+      <a:lightRig rig="threePt" dir="t"/>
+    </dgm:scene3d>
+    <dgm:sp3d/>
+    <dgm:txPr/>
+    <dgm:style>
+      <a:lnRef idx="2">
+        <a:scrgbClr r="0" g="0" b="0"/>
+      </a:lnRef>
+      <a:fillRef idx="1">
+        <a:scrgbClr r="0" g="0" b="0"/>
+      </a:fillRef>
+      <a:effectRef idx="0">
+        <a:scrgbClr r="0" g="0" b="0"/>
+      </a:effectRef>
+      <a:fontRef idx="minor">
+        <a:schemeClr val="lt1"/>
+      </a:fontRef>
+    </dgm:style>
+  </dgm:styleLbl>
+  <dgm:styleLbl name="node3">
+    <dgm:scene3d>
+      <a:camera prst="orthographicFront"/>
+      <a:lightRig rig="threePt" dir="t"/>
+    </dgm:scene3d>
+    <dgm:sp3d/>
+    <dgm:txPr/>
+    <dgm:style>
+      <a:lnRef idx="2">
+        <a:scrgbClr r="0" g="0" b="0"/>
+      </a:lnRef>
+      <a:fillRef idx="1">
+        <a:scrgbClr r="0" g="0" b="0"/>
+      </a:fillRef>
+      <a:effectRef idx="0">
+        <a:scrgbClr r="0" g="0" b="0"/>
+      </a:effectRef>
+      <a:fontRef idx="minor">
+        <a:schemeClr val="lt1"/>
+      </a:fontRef>
+    </dgm:style>
+  </dgm:styleLbl>
+  <dgm:styleLbl name="node4">
+    <dgm:scene3d>
+      <a:camera prst="orthographicFront"/>
+      <a:lightRig rig="threePt" dir="t"/>
+    </dgm:scene3d>
+    <dgm:sp3d/>
+    <dgm:txPr/>
+    <dgm:style>
+      <a:lnRef idx="2">
+        <a:scrgbClr r="0" g="0" b="0"/>
+      </a:lnRef>
+      <a:fillRef idx="1">
+        <a:scrgbClr r="0" g="0" b="0"/>
+      </a:fillRef>
+      <a:effectRef idx="0">
+        <a:scrgbClr r="0" g="0" b="0"/>
+      </a:effectRef>
+      <a:fontRef idx="minor">
+        <a:schemeClr val="lt1"/>
+      </a:fontRef>
+    </dgm:style>
+  </dgm:styleLbl>
+  <dgm:styleLbl name="fgImgPlace1">
+    <dgm:scene3d>
+      <a:camera prst="orthographicFront"/>
+      <a:lightRig rig="threePt" dir="t"/>
+    </dgm:scene3d>
+    <dgm:sp3d/>
+    <dgm:txPr/>
+    <dgm:style>
+      <a:lnRef idx="2">
+        <a:scrgbClr r="0" g="0" b="0"/>
+      </a:lnRef>
+      <a:fillRef idx="1">
+        <a:scrgbClr r="0" g="0" b="0"/>
+      </a:fillRef>
+      <a:effectRef idx="0">
+        <a:scrgbClr r="0" g="0" b="0"/>
+      </a:effectRef>
+      <a:fontRef idx="minor"/>
+    </dgm:style>
+  </dgm:styleLbl>
+  <dgm:styleLbl name="alignImgPlace1">
+    <dgm:scene3d>
+      <a:camera prst="orthographicFront"/>
+      <a:lightRig rig="threePt" dir="t"/>
+    </dgm:scene3d>
+    <dgm:sp3d/>
+    <dgm:txPr/>
+    <dgm:style>
+      <a:lnRef idx="2">
+        <a:scrgbClr r="0" g="0" b="0"/>
+      </a:lnRef>
+      <a:fillRef idx="1">
+        <a:scrgbClr r="0" g="0" b="0"/>
+      </a:fillRef>
+      <a:effectRef idx="0">
+        <a:scrgbClr r="0" g="0" b="0"/>
+      </a:effectRef>
+      <a:fontRef idx="minor"/>
+    </dgm:style>
+  </dgm:styleLbl>
+  <dgm:styleLbl name="bgImgPlace1">
+    <dgm:scene3d>
+      <a:camera prst="orthographicFront"/>
+      <a:lightRig rig="threePt" dir="t"/>
+    </dgm:scene3d>
+    <dgm:sp3d/>
+    <dgm:txPr/>
+    <dgm:style>
+      <a:lnRef idx="2">
+        <a:scrgbClr r="0" g="0" b="0"/>
+      </a:lnRef>
+      <a:fillRef idx="1">
+        <a:scrgbClr r="0" g="0" b="0"/>
+      </a:fillRef>
+      <a:effectRef idx="0">
+        <a:scrgbClr r="0" g="0" b="0"/>
+      </a:effectRef>
+      <a:fontRef idx="minor"/>
+    </dgm:style>
+  </dgm:styleLbl>
+  <dgm:styleLbl name="sibTrans2D1">
+    <dgm:scene3d>
+      <a:camera prst="orthographicFront"/>
+      <a:lightRig rig="threePt" dir="t"/>
+    </dgm:scene3d>
+    <dgm:sp3d/>
+    <dgm:txPr/>
+    <dgm:style>
+      <a:lnRef idx="0">
+        <a:scrgbClr r="0" g="0" b="0"/>
+      </a:lnRef>
+      <a:fillRef idx="1">
+        <a:scrgbClr r="0" g="0" b="0"/>
+      </a:fillRef>
+      <a:effectRef idx="0">
+        <a:scrgbClr r="0" g="0" b="0"/>
+      </a:effectRef>
+      <a:fontRef idx="minor">
+        <a:schemeClr val="lt1"/>
+      </a:fontRef>
+    </dgm:style>
+  </dgm:styleLbl>
+  <dgm:styleLbl name="fgSibTrans2D1">
+    <dgm:scene3d>
+      <a:camera prst="orthographicFront"/>
+      <a:lightRig rig="threePt" dir="t"/>
+    </dgm:scene3d>
+    <dgm:sp3d/>
+    <dgm:txPr/>
+    <dgm:style>
+      <a:lnRef idx="0">
+        <a:scrgbClr r="0" g="0" b="0"/>
+      </a:lnRef>
+      <a:fillRef idx="1">
+        <a:scrgbClr r="0" g="0" b="0"/>
+      </a:fillRef>
+      <a:effectRef idx="0">
+        <a:scrgbClr r="0" g="0" b="0"/>
+      </a:effectRef>
+      <a:fontRef idx="minor">
+        <a:schemeClr val="lt1"/>
+      </a:fontRef>
+    </dgm:style>
+  </dgm:styleLbl>
+  <dgm:styleLbl name="bgSibTrans2D1">
+    <dgm:scene3d>
+      <a:camera prst="orthographicFront"/>
+      <a:lightRig rig="threePt" dir="t"/>
+    </dgm:scene3d>
+    <dgm:sp3d/>
+    <dgm:txPr/>
+    <dgm:style>
+      <a:lnRef idx="0">
+        <a:scrgbClr r="0" g="0" b="0"/>
+      </a:lnRef>
+      <a:fillRef idx="1">
+        <a:scrgbClr r="0" g="0" b="0"/>
+      </a:fillRef>
+      <a:effectRef idx="0">
+        <a:scrgbClr r="0" g="0" b="0"/>
+      </a:effectRef>
+      <a:fontRef idx="minor">
+        <a:schemeClr val="lt1"/>
+      </a:fontRef>
+    </dgm:style>
+  </dgm:styleLbl>
+  <dgm:styleLbl name="sibTrans1D1">
+    <dgm:scene3d>
+      <a:camera prst="orthographicFront"/>
+      <a:lightRig rig="threePt" dir="t"/>
+    </dgm:scene3d>
+    <dgm:sp3d/>
+    <dgm:txPr/>
+    <dgm:style>
+      <a:lnRef idx="1">
+        <a:scrgbClr r="0" g="0" b="0"/>
+      </a:lnRef>
+      <a:fillRef idx="0">
+        <a:scrgbClr r="0" g="0" b="0"/>
+      </a:fillRef>
+      <a:effectRef idx="0">
+        <a:scrgbClr r="0" g="0" b="0"/>
+      </a:effectRef>
+      <a:fontRef idx="minor"/>
+    </dgm:style>
+  </dgm:styleLbl>
+  <dgm:styleLbl name="callout">
+    <dgm:scene3d>
+      <a:camera prst="orthographicFront"/>
+      <a:lightRig rig="threePt" dir="t"/>
+    </dgm:scene3d>
+    <dgm:sp3d/>
+    <dgm:txPr/>
+    <dgm:style>
+      <a:lnRef idx="2">
+        <a:scrgbClr r="0" g="0" b="0"/>
+      </a:lnRef>
+      <a:fillRef idx="1">
+        <a:scrgbClr r="0" g="0" b="0"/>
+      </a:fillRef>
+      <a:effectRef idx="0">
+        <a:scrgbClr r="0" g="0" b="0"/>
+      </a:effectRef>
+      <a:fontRef idx="minor"/>
+    </dgm:style>
+  </dgm:styleLbl>
+  <dgm:styleLbl name="asst0">
+    <dgm:scene3d>
+      <a:camera prst="orthographicFront"/>
+      <a:lightRig rig="threePt" dir="t"/>
+    </dgm:scene3d>
+    <dgm:sp3d/>
+    <dgm:txPr/>
+    <dgm:style>
+      <a:lnRef idx="2">
+        <a:scrgbClr r="0" g="0" b="0"/>
+      </a:lnRef>
+      <a:fillRef idx="1">
+        <a:scrgbClr r="0" g="0" b="0"/>
+      </a:fillRef>
+      <a:effectRef idx="0">
+        <a:scrgbClr r="0" g="0" b="0"/>
+      </a:effectRef>
+      <a:fontRef idx="minor">
+        <a:schemeClr val="lt1"/>
+      </a:fontRef>
+    </dgm:style>
+  </dgm:styleLbl>
+  <dgm:styleLbl name="asst1">
+    <dgm:scene3d>
+      <a:camera prst="orthographicFront"/>
+      <a:lightRig rig="threePt" dir="t"/>
+    </dgm:scene3d>
+    <dgm:sp3d/>
+    <dgm:txPr/>
+    <dgm:style>
+      <a:lnRef idx="2">
+        <a:scrgbClr r="0" g="0" b="0"/>
+      </a:lnRef>
+      <a:fillRef idx="1">
+        <a:scrgbClr r="0" g="0" b="0"/>
+      </a:fillRef>
+      <a:effectRef idx="0">
+        <a:scrgbClr r="0" g="0" b="0"/>
+      </a:effectRef>
+      <a:fontRef idx="minor">
+        <a:schemeClr val="lt1"/>
+      </a:fontRef>
+    </dgm:style>
+  </dgm:styleLbl>
+  <dgm:styleLbl name="asst2">
+    <dgm:scene3d>
+      <a:camera prst="orthographicFront"/>
+      <a:lightRig rig="threePt" dir="t"/>
+    </dgm:scene3d>
+    <dgm:sp3d/>
+    <dgm:txPr/>
+    <dgm:style>
+      <a:lnRef idx="2">
+        <a:scrgbClr r="0" g="0" b="0"/>
+      </a:lnRef>
+      <a:fillRef idx="1">
+        <a:scrgbClr r="0" g="0" b="0"/>
+      </a:fillRef>
+      <a:effectRef idx="0">
+        <a:scrgbClr r="0" g="0" b="0"/>
+      </a:effectRef>
+      <a:fontRef idx="minor">
+        <a:schemeClr val="lt1"/>
+      </a:fontRef>
+    </dgm:style>
+  </dgm:styleLbl>
+  <dgm:styleLbl name="asst3">
+    <dgm:scene3d>
+      <a:camera prst="orthographicFront"/>
+      <a:lightRig rig="threePt" dir="t"/>
+    </dgm:scene3d>
+    <dgm:sp3d/>
+    <dgm:txPr/>
+    <dgm:style>
+      <a:lnRef idx="2">
+        <a:scrgbClr r="0" g="0" b="0"/>
+      </a:lnRef>
+      <a:fillRef idx="1">
+        <a:scrgbClr r="0" g="0" b="0"/>
+      </a:fillRef>
+      <a:effectRef idx="0">
+        <a:scrgbClr r="0" g="0" b="0"/>
+      </a:effectRef>
+      <a:fontRef idx="minor">
+        <a:schemeClr val="lt1"/>
+      </a:fontRef>
+    </dgm:style>
+  </dgm:styleLbl>
+  <dgm:styleLbl name="asst4">
+    <dgm:scene3d>
+      <a:camera prst="orthographicFront"/>
+      <a:lightRig rig="threePt" dir="t"/>
+    </dgm:scene3d>
+    <dgm:sp3d/>
+    <dgm:txPr/>
+    <dgm:style>
+      <a:lnRef idx="2">
+        <a:scrgbClr r="0" g="0" b="0"/>
+      </a:lnRef>
+      <a:fillRef idx="1">
+        <a:scrgbClr r="0" g="0" b="0"/>
+      </a:fillRef>
+      <a:effectRef idx="0">
+        <a:scrgbClr r="0" g="0" b="0"/>
+      </a:effectRef>
+      <a:fontRef idx="minor">
+        <a:schemeClr val="lt1"/>
+      </a:fontRef>
+    </dgm:style>
+  </dgm:styleLbl>
+  <dgm:styleLbl name="parChTrans2D1">
+    <dgm:scene3d>
+      <a:camera prst="orthographicFront"/>
+      <a:lightRig rig="threePt" dir="t"/>
+    </dgm:scene3d>
+    <dgm:sp3d/>
+    <dgm:txPr/>
+    <dgm:style>
+      <a:lnRef idx="2">
+        <a:scrgbClr r="0" g="0" b="0"/>
+      </a:lnRef>
+      <a:fillRef idx="1">
+        <a:scrgbClr r="0" g="0" b="0"/>
+      </a:fillRef>
+      <a:effectRef idx="0">
+        <a:scrgbClr r="0" g="0" b="0"/>
+      </a:effectRef>
+      <a:fontRef idx="minor">
+        <a:schemeClr val="lt1"/>
+      </a:fontRef>
+    </dgm:style>
+  </dgm:styleLbl>
+  <dgm:styleLbl name="parChTrans2D2">
+    <dgm:scene3d>
+      <a:camera prst="orthographicFront"/>
+      <a:lightRig rig="threePt" dir="t"/>
+    </dgm:scene3d>
+    <dgm:sp3d/>
+    <dgm:txPr/>
+    <dgm:style>
+      <a:lnRef idx="2">
+        <a:scrgbClr r="0" g="0" b="0"/>
+      </a:lnRef>
+      <a:fillRef idx="1">
+        <a:scrgbClr r="0" g="0" b="0"/>
+      </a:fillRef>
+      <a:effectRef idx="0">
+        <a:scrgbClr r="0" g="0" b="0"/>
+      </a:effectRef>
+      <a:fontRef idx="minor">
+        <a:schemeClr val="lt1"/>
+      </a:fontRef>
+    </dgm:style>
+  </dgm:styleLbl>
+  <dgm:styleLbl name="parChTrans2D3">
+    <dgm:scene3d>
+      <a:camera prst="orthographicFront"/>
+      <a:lightRig rig="threePt" dir="t"/>
+    </dgm:scene3d>
+    <dgm:sp3d/>
+    <dgm:txPr/>
+    <dgm:style>
+      <a:lnRef idx="2">
+        <a:scrgbClr r="0" g="0" b="0"/>
+      </a:lnRef>
+      <a:fillRef idx="1">
+        <a:scrgbClr r="0" g="0" b="0"/>
+      </a:fillRef>
+      <a:effectRef idx="0">
+        <a:scrgbClr r="0" g="0" b="0"/>
+      </a:effectRef>
+      <a:fontRef idx="minor">
+        <a:schemeClr val="lt1"/>
+      </a:fontRef>
+    </dgm:style>
+  </dgm:styleLbl>
+  <dgm:styleLbl name="parChTrans2D4">
+    <dgm:scene3d>
+      <a:camera prst="orthographicFront"/>
+      <a:lightRig rig="threePt" dir="t"/>
+    </dgm:scene3d>
+    <dgm:sp3d/>
+    <dgm:txPr/>
+    <dgm:style>
+      <a:lnRef idx="2">
+        <a:scrgbClr r="0" g="0" b="0"/>
+      </a:lnRef>
+      <a:fillRef idx="1">
+        <a:scrgbClr r="0" g="0" b="0"/>
+      </a:fillRef>
+      <a:effectRef idx="0">
+        <a:scrgbClr r="0" g="0" b="0"/>
+      </a:effectRef>
+      <a:fontRef idx="minor">
+        <a:schemeClr val="lt1"/>
+      </a:fontRef>
+    </dgm:style>
+  </dgm:styleLbl>
+  <dgm:styleLbl name="parChTrans1D1">
+    <dgm:scene3d>
+      <a:camera prst="orthographicFront"/>
+      <a:lightRig rig="threePt" dir="t"/>
+    </dgm:scene3d>
+    <dgm:sp3d/>
+    <dgm:txPr/>
+    <dgm:style>
+      <a:lnRef idx="2">
+        <a:scrgbClr r="0" g="0" b="0"/>
+      </a:lnRef>
+      <a:fillRef idx="0">
+        <a:scrgbClr r="0" g="0" b="0"/>
+      </a:fillRef>
+      <a:effectRef idx="0">
+        <a:scrgbClr r="0" g="0" b="0"/>
+      </a:effectRef>
+      <a:fontRef idx="minor"/>
+    </dgm:style>
+  </dgm:styleLbl>
+  <dgm:styleLbl name="parChTrans1D2">
+    <dgm:scene3d>
+      <a:camera prst="orthographicFront"/>
+      <a:lightRig rig="threePt" dir="t"/>
+    </dgm:scene3d>
+    <dgm:sp3d/>
+    <dgm:txPr/>
+    <dgm:style>
+      <a:lnRef idx="2">
+        <a:scrgbClr r="0" g="0" b="0"/>
+      </a:lnRef>
+      <a:fillRef idx="0">
+        <a:scrgbClr r="0" g="0" b="0"/>
+      </a:fillRef>
+      <a:effectRef idx="0">
+        <a:scrgbClr r="0" g="0" b="0"/>
+      </a:effectRef>
+      <a:fontRef idx="minor"/>
+    </dgm:style>
+  </dgm:styleLbl>
+  <dgm:styleLbl name="parChTrans1D3">
+    <dgm:scene3d>
+      <a:camera prst="orthographicFront"/>
+      <a:lightRig rig="threePt" dir="t"/>
+    </dgm:scene3d>
+    <dgm:sp3d/>
+    <dgm:txPr/>
+    <dgm:style>
+      <a:lnRef idx="2">
+        <a:scrgbClr r="0" g="0" b="0"/>
+      </a:lnRef>
+      <a:fillRef idx="0">
+        <a:scrgbClr r="0" g="0" b="0"/>
+      </a:fillRef>
+      <a:effectRef idx="0">
+        <a:scrgbClr r="0" g="0" b="0"/>
+      </a:effectRef>
+      <a:fontRef idx="minor"/>
+    </dgm:style>
+  </dgm:styleLbl>
+  <dgm:styleLbl name="parChTrans1D4">
+    <dgm:scene3d>
+      <a:camera prst="orthographicFront"/>
+      <a:lightRig rig="threePt" dir="t"/>
+    </dgm:scene3d>
+    <dgm:sp3d/>
+    <dgm:txPr/>
+    <dgm:style>
+      <a:lnRef idx="2">
+        <a:scrgbClr r="0" g="0" b="0"/>
+      </a:lnRef>
+      <a:fillRef idx="0">
+        <a:scrgbClr r="0" g="0" b="0"/>
+      </a:fillRef>
+      <a:effectRef idx="0">
+        <a:scrgbClr r="0" g="0" b="0"/>
+      </a:effectRef>
+      <a:fontRef idx="minor"/>
+    </dgm:style>
+  </dgm:styleLbl>
+  <dgm:styleLbl name="fgAcc1">
+    <dgm:scene3d>
+      <a:camera prst="orthographicFront"/>
+      <a:lightRig rig="threePt" dir="t"/>
+    </dgm:scene3d>
+    <dgm:sp3d/>
+    <dgm:txPr/>
+    <dgm:style>
+      <a:lnRef idx="2">
+        <a:scrgbClr r="0" g="0" b="0"/>
+      </a:lnRef>
+      <a:fillRef idx="1">
+        <a:scrgbClr r="0" g="0" b="0"/>
+      </a:fillRef>
+      <a:effectRef idx="0">
+        <a:scrgbClr r="0" g="0" b="0"/>
+      </a:effectRef>
+      <a:fontRef idx="minor"/>
+    </dgm:style>
+  </dgm:styleLbl>
+  <dgm:styleLbl name="conFgAcc1">
+    <dgm:scene3d>
+      <a:camera prst="orthographicFront"/>
+      <a:lightRig rig="threePt" dir="t"/>
+    </dgm:scene3d>
+    <dgm:sp3d/>
+    <dgm:txPr/>
+    <dgm:style>
+      <a:lnRef idx="2">
+        <a:scrgbClr r="0" g="0" b="0"/>
+      </a:lnRef>
+      <a:fillRef idx="1">
+        <a:scrgbClr r="0" g="0" b="0"/>
+      </a:fillRef>
+      <a:effectRef idx="0">
+        <a:scrgbClr r="0" g="0" b="0"/>
+      </a:effectRef>
+      <a:fontRef idx="minor"/>
+    </dgm:style>
+  </dgm:styleLbl>
+  <dgm:styleLbl name="alignAcc1">
+    <dgm:scene3d>
+      <a:camera prst="orthographicFront"/>
+      <a:lightRig rig="threePt" dir="t"/>
+    </dgm:scene3d>
+    <dgm:sp3d/>
+    <dgm:txPr/>
+    <dgm:style>
+      <a:lnRef idx="2">
+        <a:scrgbClr r="0" g="0" b="0"/>
+      </a:lnRef>
+      <a:fillRef idx="1">
+        <a:scrgbClr r="0" g="0" b="0"/>
+      </a:fillRef>
+      <a:effectRef idx="0">
+        <a:scrgbClr r="0" g="0" b="0"/>
+      </a:effectRef>
+      <a:fontRef idx="minor"/>
+    </dgm:style>
+  </dgm:styleLbl>
+  <dgm:styleLbl name="trAlignAcc1">
+    <dgm:scene3d>
+      <a:camera prst="orthographicFront"/>
+      <a:lightRig rig="threePt" dir="t"/>
+    </dgm:scene3d>
+    <dgm:sp3d/>
+    <dgm:txPr/>
+    <dgm:style>
+      <a:lnRef idx="1">
+        <a:scrgbClr r="0" g="0" b="0"/>
+      </a:lnRef>
+      <a:fillRef idx="1">
+        <a:scrgbClr r="0" g="0" b="0"/>
+      </a:fillRef>
+      <a:effectRef idx="0">
+        <a:scrgbClr r="0" g="0" b="0"/>
+      </a:effectRef>
+      <a:fontRef idx="minor"/>
+    </dgm:style>
+  </dgm:styleLbl>
+  <dgm:styleLbl name="bgAcc1">
+    <dgm:scene3d>
+      <a:camera prst="orthographicFront"/>
+      <a:lightRig rig="threePt" dir="t"/>
+    </dgm:scene3d>
+    <dgm:sp3d/>
+    <dgm:txPr/>
+    <dgm:style>
+      <a:lnRef idx="2">
+        <a:scrgbClr r="0" g="0" b="0"/>
+      </a:lnRef>
+      <a:fillRef idx="1">
+        <a:scrgbClr r="0" g="0" b="0"/>
+      </a:fillRef>
+      <a:effectRef idx="0">
+        <a:scrgbClr r="0" g="0" b="0"/>
+      </a:effectRef>
+      <a:fontRef idx="minor"/>
+    </dgm:style>
+  </dgm:styleLbl>
+  <dgm:styleLbl name="solidFgAcc1">
+    <dgm:scene3d>
+      <a:camera prst="orthographicFront"/>
+      <a:lightRig rig="threePt" dir="t"/>
+    </dgm:scene3d>
+    <dgm:sp3d/>
+    <dgm:txPr/>
+    <dgm:style>
+      <a:lnRef idx="2">
+        <a:scrgbClr r="0" g="0" b="0"/>
+      </a:lnRef>
+      <a:fillRef idx="1">
+        <a:scrgbClr r="0" g="0" b="0"/>
+      </a:fillRef>
+      <a:effectRef idx="0">
+        <a:scrgbClr r="0" g="0" b="0"/>
+      </a:effectRef>
+      <a:fontRef idx="minor"/>
+    </dgm:style>
+  </dgm:styleLbl>
+  <dgm:styleLbl name="solidAlignAcc1">
+    <dgm:scene3d>
+      <a:camera prst="orthographicFront"/>
+      <a:lightRig rig="threePt" dir="t"/>
+    </dgm:scene3d>
+    <dgm:sp3d/>
+    <dgm:txPr/>
+    <dgm:style>
+      <a:lnRef idx="2">
+        <a:scrgbClr r="0" g="0" b="0"/>
+      </a:lnRef>
+      <a:fillRef idx="1">
+        <a:scrgbClr r="0" g="0" b="0"/>
+      </a:fillRef>
+      <a:effectRef idx="0">
+        <a:scrgbClr r="0" g="0" b="0"/>
+      </a:effectRef>
+      <a:fontRef idx="minor"/>
+    </dgm:style>
+  </dgm:styleLbl>
+  <dgm:styleLbl name="solidBgAcc1">
+    <dgm:scene3d>
+      <a:camera prst="orthographicFront"/>
+      <a:lightRig rig="threePt" dir="t"/>
+    </dgm:scene3d>
+    <dgm:sp3d/>
+    <dgm:txPr/>
+    <dgm:style>
+      <a:lnRef idx="2">
+        <a:scrgbClr r="0" g="0" b="0"/>
+      </a:lnRef>
+      <a:fillRef idx="1">
+        <a:scrgbClr r="0" g="0" b="0"/>
+      </a:fillRef>
+      <a:effectRef idx="0">
+        <a:scrgbClr r="0" g="0" b="0"/>
+      </a:effectRef>
+      <a:fontRef idx="minor"/>
+    </dgm:style>
+  </dgm:styleLbl>
+  <dgm:styleLbl name="fgAccFollowNode1">
+    <dgm:scene3d>
+      <a:camera prst="orthographicFront"/>
+      <a:lightRig rig="threePt" dir="t"/>
+    </dgm:scene3d>
+    <dgm:sp3d/>
+    <dgm:txPr/>
+    <dgm:style>
+      <a:lnRef idx="2">
+        <a:scrgbClr r="0" g="0" b="0"/>
+      </a:lnRef>
+      <a:fillRef idx="1">
+        <a:scrgbClr r="0" g="0" b="0"/>
+      </a:fillRef>
+      <a:effectRef idx="0">
+        <a:scrgbClr r="0" g="0" b="0"/>
+      </a:effectRef>
+      <a:fontRef idx="minor"/>
+    </dgm:style>
+  </dgm:styleLbl>
+  <dgm:styleLbl name="alignAccFollowNode1">
+    <dgm:scene3d>
+      <a:camera prst="orthographicFront"/>
+      <a:lightRig rig="threePt" dir="t"/>
+    </dgm:scene3d>
+    <dgm:sp3d/>
+    <dgm:txPr/>
+    <dgm:style>
+      <a:lnRef idx="2">
+        <a:scrgbClr r="0" g="0" b="0"/>
+      </a:lnRef>
+      <a:fillRef idx="1">
+        <a:scrgbClr r="0" g="0" b="0"/>
+      </a:fillRef>
+      <a:effectRef idx="0">
+        <a:scrgbClr r="0" g="0" b="0"/>
+      </a:effectRef>
+      <a:fontRef idx="minor"/>
+    </dgm:style>
+  </dgm:styleLbl>
+  <dgm:styleLbl name="bgAccFollowNode1">
+    <dgm:scene3d>
+      <a:camera prst="orthographicFront"/>
+      <a:lightRig rig="threePt" dir="t"/>
+    </dgm:scene3d>
+    <dgm:sp3d/>
+    <dgm:txPr/>
+    <dgm:style>
+      <a:lnRef idx="2">
+        <a:scrgbClr r="0" g="0" b="0"/>
+      </a:lnRef>
+      <a:fillRef idx="1">
+        <a:scrgbClr r="0" g="0" b="0"/>
+      </a:fillRef>
+      <a:effectRef idx="0">
+        <a:scrgbClr r="0" g="0" b="0"/>
+      </a:effectRef>
+      <a:fontRef idx="minor"/>
+    </dgm:style>
+  </dgm:styleLbl>
+  <dgm:styleLbl name="fgAcc0">
+    <dgm:scene3d>
+      <a:camera prst="orthographicFront"/>
+      <a:lightRig rig="threePt" dir="t"/>
+    </dgm:scene3d>
+    <dgm:sp3d/>
+    <dgm:txPr/>
+    <dgm:style>
+      <a:lnRef idx="2">
+        <a:scrgbClr r="0" g="0" b="0"/>
+      </a:lnRef>
+      <a:fillRef idx="1">
+        <a:scrgbClr r="0" g="0" b="0"/>
+      </a:fillRef>
+      <a:effectRef idx="0">
+        <a:scrgbClr r="0" g="0" b="0"/>
+      </a:effectRef>
+      <a:fontRef idx="minor"/>
+    </dgm:style>
+  </dgm:styleLbl>
+  <dgm:styleLbl name="fgAcc2">
+    <dgm:scene3d>
+      <a:camera prst="orthographicFront"/>
+      <a:lightRig rig="threePt" dir="t"/>
+    </dgm:scene3d>
+    <dgm:sp3d/>
+    <dgm:txPr/>
+    <dgm:style>
+      <a:lnRef idx="2">
+        <a:scrgbClr r="0" g="0" b="0"/>
+      </a:lnRef>
+      <a:fillRef idx="1">
+        <a:scrgbClr r="0" g="0" b="0"/>
+      </a:fillRef>
+      <a:effectRef idx="0">
+        <a:scrgbClr r="0" g="0" b="0"/>
+      </a:effectRef>
+      <a:fontRef idx="minor"/>
+    </dgm:style>
+  </dgm:styleLbl>
+  <dgm:styleLbl name="fgAcc3">
+    <dgm:scene3d>
+      <a:camera prst="orthographicFront"/>
+      <a:lightRig rig="threePt" dir="t"/>
+    </dgm:scene3d>
+    <dgm:sp3d/>
+    <dgm:txPr/>
+    <dgm:style>
+      <a:lnRef idx="2">
+        <a:scrgbClr r="0" g="0" b="0"/>
+      </a:lnRef>
+      <a:fillRef idx="1">
+        <a:scrgbClr r="0" g="0" b="0"/>
+      </a:fillRef>
+      <a:effectRef idx="0">
+        <a:scrgbClr r="0" g="0" b="0"/>
+      </a:effectRef>
+      <a:fontRef idx="minor"/>
+    </dgm:style>
+  </dgm:styleLbl>
+  <dgm:styleLbl name="fgAcc4">
+    <dgm:scene3d>
+      <a:camera prst="orthographicFront"/>
+      <a:lightRig rig="threePt" dir="t"/>
+    </dgm:scene3d>
+    <dgm:sp3d/>
+    <dgm:txPr/>
+    <dgm:style>
+      <a:lnRef idx="2">
+        <a:scrgbClr r="0" g="0" b="0"/>
+      </a:lnRef>
+      <a:fillRef idx="1">
+        <a:scrgbClr r="0" g="0" b="0"/>
+      </a:fillRef>
+      <a:effectRef idx="0">
+        <a:scrgbClr r="0" g="0" b="0"/>
+      </a:effectRef>
+      <a:fontRef idx="minor"/>
+    </dgm:style>
+  </dgm:styleLbl>
+  <dgm:styleLbl name="bgShp">
+    <dgm:scene3d>
+      <a:camera prst="orthographicFront"/>
+      <a:lightRig rig="threePt" dir="t"/>
+    </dgm:scene3d>
+    <dgm:sp3d/>
+    <dgm:txPr/>
+    <dgm:style>
+      <a:lnRef idx="0">
+        <a:scrgbClr r="0" g="0" b="0"/>
+      </a:lnRef>
+      <a:fillRef idx="1">
+        <a:scrgbClr r="0" g="0" b="0"/>
+      </a:fillRef>
+      <a:effectRef idx="0">
+        <a:scrgbClr r="0" g="0" b="0"/>
+      </a:effectRef>
+      <a:fontRef idx="minor"/>
+    </dgm:style>
+  </dgm:styleLbl>
+  <dgm:styleLbl name="dkBgShp">
+    <dgm:scene3d>
+      <a:camera prst="orthographicFront"/>
+      <a:lightRig rig="threePt" dir="t"/>
+    </dgm:scene3d>
+    <dgm:sp3d/>
+    <dgm:txPr/>
+    <dgm:style>
+      <a:lnRef idx="0">
+        <a:scrgbClr r="0" g="0" b="0"/>
+      </a:lnRef>
+      <a:fillRef idx="1">
+        <a:scrgbClr r="0" g="0" b="0"/>
+      </a:fillRef>
+      <a:effectRef idx="0">
+        <a:scrgbClr r="0" g="0" b="0"/>
+      </a:effectRef>
+      <a:fontRef idx="minor"/>
+    </dgm:style>
+  </dgm:styleLbl>
+  <dgm:styleLbl name="trBgShp">
+    <dgm:scene3d>
+      <a:camera prst="orthographicFront"/>
+      <a:lightRig rig="threePt" dir="t"/>
+    </dgm:scene3d>
+    <dgm:sp3d/>
+    <dgm:txPr/>
+    <dgm:style>
+      <a:lnRef idx="0">
+        <a:scrgbClr r="0" g="0" b="0"/>
+      </a:lnRef>
+      <a:fillRef idx="1">
+        <a:scrgbClr r="0" g="0" b="0"/>
+      </a:fillRef>
+      <a:effectRef idx="0">
+        <a:scrgbClr r="0" g="0" b="0"/>
+      </a:effectRef>
+      <a:fontRef idx="minor"/>
+    </dgm:style>
+  </dgm:styleLbl>
+  <dgm:styleLbl name="fgShp">
+    <dgm:scene3d>
+      <a:camera prst="orthographicFront"/>
+      <a:lightRig rig="threePt" dir="t"/>
+    </dgm:scene3d>
+    <dgm:sp3d/>
+    <dgm:txPr/>
+    <dgm:style>
+      <a:lnRef idx="2">
+        <a:scrgbClr r="0" g="0" b="0"/>
+      </a:lnRef>
+      <a:fillRef idx="1">
+        <a:scrgbClr r="0" g="0" b="0"/>
+      </a:fillRef>
+      <a:effectRef idx="0">
+        <a:scrgbClr r="0" g="0" b="0"/>
+      </a:effectRef>
+      <a:fontRef idx="minor"/>
+    </dgm:style>
+  </dgm:styleLbl>
+  <dgm:styleLbl name="revTx">
+    <dgm:scene3d>
+      <a:camera prst="orthographicFront"/>
+      <a:lightRig rig="threePt" dir="t"/>
+    </dgm:scene3d>
+    <dgm:sp3d/>
+    <dgm:txPr/>
+    <dgm:style>
+      <a:lnRef idx="0">
+        <a:scrgbClr r="0" g="0" b="0"/>
+      </a:lnRef>
+      <a:fillRef idx="0">
+        <a:scrgbClr r="0" g="0" b="0"/>
+      </a:fillRef>
+      <a:effectRef idx="0">
+        <a:scrgbClr r="0" g="0" b="0"/>
+      </a:effectRef>
+      <a:fontRef idx="minor"/>
+    </dgm:style>
+  </dgm:styleLbl>
+</dgm:styleDef>
 </file>
 
 <file path=ppt/slideLayouts/slideLayout1.xml><?xml version="1.0" encoding="utf-8"?>
@@ -244,7 +5103,7 @@
           <a:p>
             <a:fld id="{868DB8A7-3A18-4C2F-83F4-935BFDFABEE2}" type="datetimeFigureOut">
               <a:rPr lang="en-GB" smtClean="0"/>
-              <a:t>10/05/2019</a:t>
+              <a:t>22/07/2019</a:t>
             </a:fld>
             <a:endParaRPr lang="en-GB"/>
           </a:p>
@@ -414,7 +5273,7 @@
           <a:p>
             <a:fld id="{868DB8A7-3A18-4C2F-83F4-935BFDFABEE2}" type="datetimeFigureOut">
               <a:rPr lang="en-GB" smtClean="0"/>
-              <a:t>10/05/2019</a:t>
+              <a:t>22/07/2019</a:t>
             </a:fld>
             <a:endParaRPr lang="en-GB"/>
           </a:p>
@@ -594,7 +5453,7 @@
           <a:p>
             <a:fld id="{868DB8A7-3A18-4C2F-83F4-935BFDFABEE2}" type="datetimeFigureOut">
               <a:rPr lang="en-GB" smtClean="0"/>
-              <a:t>10/05/2019</a:t>
+              <a:t>22/07/2019</a:t>
             </a:fld>
             <a:endParaRPr lang="en-GB"/>
           </a:p>
@@ -764,7 +5623,7 @@
           <a:p>
             <a:fld id="{868DB8A7-3A18-4C2F-83F4-935BFDFABEE2}" type="datetimeFigureOut">
               <a:rPr lang="en-GB" smtClean="0"/>
-              <a:t>10/05/2019</a:t>
+              <a:t>22/07/2019</a:t>
             </a:fld>
             <a:endParaRPr lang="en-GB"/>
           </a:p>
@@ -1010,7 +5869,7 @@
           <a:p>
             <a:fld id="{868DB8A7-3A18-4C2F-83F4-935BFDFABEE2}" type="datetimeFigureOut">
               <a:rPr lang="en-GB" smtClean="0"/>
-              <a:t>10/05/2019</a:t>
+              <a:t>22/07/2019</a:t>
             </a:fld>
             <a:endParaRPr lang="en-GB"/>
           </a:p>
@@ -1242,7 +6101,7 @@
           <a:p>
             <a:fld id="{868DB8A7-3A18-4C2F-83F4-935BFDFABEE2}" type="datetimeFigureOut">
               <a:rPr lang="en-GB" smtClean="0"/>
-              <a:t>10/05/2019</a:t>
+              <a:t>22/07/2019</a:t>
             </a:fld>
             <a:endParaRPr lang="en-GB"/>
           </a:p>
@@ -1609,7 +6468,7 @@
           <a:p>
             <a:fld id="{868DB8A7-3A18-4C2F-83F4-935BFDFABEE2}" type="datetimeFigureOut">
               <a:rPr lang="en-GB" smtClean="0"/>
-              <a:t>10/05/2019</a:t>
+              <a:t>22/07/2019</a:t>
             </a:fld>
             <a:endParaRPr lang="en-GB"/>
           </a:p>
@@ -1727,7 +6586,7 @@
           <a:p>
             <a:fld id="{868DB8A7-3A18-4C2F-83F4-935BFDFABEE2}" type="datetimeFigureOut">
               <a:rPr lang="en-GB" smtClean="0"/>
-              <a:t>10/05/2019</a:t>
+              <a:t>22/07/2019</a:t>
             </a:fld>
             <a:endParaRPr lang="en-GB"/>
           </a:p>
@@ -1822,7 +6681,7 @@
           <a:p>
             <a:fld id="{868DB8A7-3A18-4C2F-83F4-935BFDFABEE2}" type="datetimeFigureOut">
               <a:rPr lang="en-GB" smtClean="0"/>
-              <a:t>10/05/2019</a:t>
+              <a:t>22/07/2019</a:t>
             </a:fld>
             <a:endParaRPr lang="en-GB"/>
           </a:p>
@@ -2099,7 +6958,7 @@
           <a:p>
             <a:fld id="{868DB8A7-3A18-4C2F-83F4-935BFDFABEE2}" type="datetimeFigureOut">
               <a:rPr lang="en-GB" smtClean="0"/>
-              <a:t>10/05/2019</a:t>
+              <a:t>22/07/2019</a:t>
             </a:fld>
             <a:endParaRPr lang="en-GB"/>
           </a:p>
@@ -2352,7 +7211,7 @@
           <a:p>
             <a:fld id="{868DB8A7-3A18-4C2F-83F4-935BFDFABEE2}" type="datetimeFigureOut">
               <a:rPr lang="en-GB" smtClean="0"/>
-              <a:t>10/05/2019</a:t>
+              <a:t>22/07/2019</a:t>
             </a:fld>
             <a:endParaRPr lang="en-GB"/>
           </a:p>
@@ -2565,7 +7424,7 @@
           <a:p>
             <a:fld id="{868DB8A7-3A18-4C2F-83F4-935BFDFABEE2}" type="datetimeFigureOut">
               <a:rPr lang="en-GB" smtClean="0"/>
-              <a:t>10/05/2019</a:t>
+              <a:t>22/07/2019</a:t>
             </a:fld>
             <a:endParaRPr lang="en-GB"/>
           </a:p>
@@ -3399,8 +8258,8 @@
             </a:p>
           </p:txBody>
         </p:sp>
-        <mc:AlternateContent xmlns:mc="http://schemas.openxmlformats.org/markup-compatibility/2006">
-          <mc:Choice xmlns:a14="http://schemas.microsoft.com/office/drawing/2010/main" Requires="a14">
+        <mc:AlternateContent xmlns:mc="http://schemas.openxmlformats.org/markup-compatibility/2006" xmlns:a14="http://schemas.microsoft.com/office/drawing/2010/main">
+          <mc:Choice Requires="a14">
             <p:sp>
               <p:nvSpPr>
                 <p:cNvPr id="20" name="TextBox 19"/>
@@ -3423,6 +8282,7 @@
                 </a:bodyPr>
                 <a:lstStyle/>
                 <a:p>
+                  <a:pPr/>
                   <a14:m>
                     <m:oMathPara xmlns:m="http://schemas.openxmlformats.org/officeDocument/2006/math">
                       <m:oMathParaPr>
@@ -3462,7 +8322,7 @@
               </p:txBody>
             </p:sp>
           </mc:Choice>
-          <mc:Fallback>
+          <mc:Fallback xmlns="">
             <p:sp>
               <p:nvSpPr>
                 <p:cNvPr id="20" name="TextBox 19"/>
@@ -3557,8 +8417,8 @@
             </a:p>
           </p:txBody>
         </p:sp>
-        <mc:AlternateContent xmlns:mc="http://schemas.openxmlformats.org/markup-compatibility/2006">
-          <mc:Choice xmlns:a14="http://schemas.microsoft.com/office/drawing/2010/main" Requires="a14">
+        <mc:AlternateContent xmlns:mc="http://schemas.openxmlformats.org/markup-compatibility/2006" xmlns:a14="http://schemas.microsoft.com/office/drawing/2010/main">
+          <mc:Choice Requires="a14">
             <p:sp>
               <p:nvSpPr>
                 <p:cNvPr id="24" name="TextBox 23"/>
@@ -3581,6 +8441,7 @@
                 </a:bodyPr>
                 <a:lstStyle/>
                 <a:p>
+                  <a:pPr/>
                   <a14:m>
                     <m:oMathPara xmlns:m="http://schemas.openxmlformats.org/officeDocument/2006/math">
                       <m:oMathParaPr>
@@ -3620,7 +8481,7 @@
               </p:txBody>
             </p:sp>
           </mc:Choice>
-          <mc:Fallback>
+          <mc:Fallback xmlns="">
             <p:sp>
               <p:nvSpPr>
                 <p:cNvPr id="24" name="TextBox 23"/>
@@ -3715,8 +8576,8 @@
             </a:p>
           </p:txBody>
         </p:sp>
-        <mc:AlternateContent xmlns:mc="http://schemas.openxmlformats.org/markup-compatibility/2006">
-          <mc:Choice xmlns:a14="http://schemas.microsoft.com/office/drawing/2010/main" Requires="a14">
+        <mc:AlternateContent xmlns:mc="http://schemas.openxmlformats.org/markup-compatibility/2006" xmlns:a14="http://schemas.microsoft.com/office/drawing/2010/main">
+          <mc:Choice Requires="a14">
             <p:sp>
               <p:nvSpPr>
                 <p:cNvPr id="27" name="TextBox 26"/>
@@ -3739,6 +8600,7 @@
                 </a:bodyPr>
                 <a:lstStyle/>
                 <a:p>
+                  <a:pPr/>
                   <a14:m>
                     <m:oMathPara xmlns:m="http://schemas.openxmlformats.org/officeDocument/2006/math">
                       <m:oMathParaPr>
@@ -3778,7 +8640,7 @@
               </p:txBody>
             </p:sp>
           </mc:Choice>
-          <mc:Fallback>
+          <mc:Fallback xmlns="">
             <p:sp>
               <p:nvSpPr>
                 <p:cNvPr id="27" name="TextBox 26"/>
@@ -3818,8 +8680,8 @@
           </mc:Fallback>
         </mc:AlternateContent>
       </p:grpSp>
-      <mc:AlternateContent xmlns:mc="http://schemas.openxmlformats.org/markup-compatibility/2006">
-        <mc:Choice xmlns:a14="http://schemas.microsoft.com/office/drawing/2010/main" Requires="a14">
+      <mc:AlternateContent xmlns:mc="http://schemas.openxmlformats.org/markup-compatibility/2006" xmlns:a14="http://schemas.microsoft.com/office/drawing/2010/main">
+        <mc:Choice Requires="a14">
           <p:sp>
             <p:nvSpPr>
               <p:cNvPr id="30" name="TextBox 29"/>
@@ -3842,6 +8704,7 @@
               </a:bodyPr>
               <a:lstStyle/>
               <a:p>
+                <a:pPr/>
                 <a14:m>
                   <m:oMathPara xmlns:m="http://schemas.openxmlformats.org/officeDocument/2006/math">
                     <m:oMathParaPr>
@@ -3881,7 +8744,7 @@
             </p:txBody>
           </p:sp>
         </mc:Choice>
-        <mc:Fallback>
+        <mc:Fallback xmlns="">
           <p:sp>
             <p:nvSpPr>
               <p:cNvPr id="30" name="TextBox 29"/>
@@ -3920,8 +8783,8 @@
           </p:sp>
         </mc:Fallback>
       </mc:AlternateContent>
-      <mc:AlternateContent xmlns:mc="http://schemas.openxmlformats.org/markup-compatibility/2006">
-        <mc:Choice xmlns:a14="http://schemas.microsoft.com/office/drawing/2010/main" Requires="a14">
+      <mc:AlternateContent xmlns:mc="http://schemas.openxmlformats.org/markup-compatibility/2006" xmlns:a14="http://schemas.microsoft.com/office/drawing/2010/main">
+        <mc:Choice Requires="a14">
           <p:sp>
             <p:nvSpPr>
               <p:cNvPr id="31" name="TextBox 30"/>
@@ -3944,6 +8807,7 @@
               </a:bodyPr>
               <a:lstStyle/>
               <a:p>
+                <a:pPr/>
                 <a14:m>
                   <m:oMathPara xmlns:m="http://schemas.openxmlformats.org/officeDocument/2006/math">
                     <m:oMathParaPr>
@@ -3983,7 +8847,7 @@
             </p:txBody>
           </p:sp>
         </mc:Choice>
-        <mc:Fallback>
+        <mc:Fallback xmlns="">
           <p:sp>
             <p:nvSpPr>
               <p:cNvPr id="31" name="TextBox 30"/>
@@ -4022,8 +8886,8 @@
           </p:sp>
         </mc:Fallback>
       </mc:AlternateContent>
-      <mc:AlternateContent xmlns:mc="http://schemas.openxmlformats.org/markup-compatibility/2006">
-        <mc:Choice xmlns:a14="http://schemas.microsoft.com/office/drawing/2010/main" Requires="a14">
+      <mc:AlternateContent xmlns:mc="http://schemas.openxmlformats.org/markup-compatibility/2006" xmlns:a14="http://schemas.microsoft.com/office/drawing/2010/main">
+        <mc:Choice Requires="a14">
           <p:sp>
             <p:nvSpPr>
               <p:cNvPr id="32" name="TextBox 31"/>
@@ -4046,6 +8910,7 @@
               </a:bodyPr>
               <a:lstStyle/>
               <a:p>
+                <a:pPr/>
                 <a14:m>
                   <m:oMathPara xmlns:m="http://schemas.openxmlformats.org/officeDocument/2006/math">
                     <m:oMathParaPr>
@@ -4085,7 +8950,7 @@
             </p:txBody>
           </p:sp>
         </mc:Choice>
-        <mc:Fallback>
+        <mc:Fallback xmlns="">
           <p:sp>
             <p:nvSpPr>
               <p:cNvPr id="32" name="TextBox 31"/>
@@ -4124,8 +8989,8 @@
           </p:sp>
         </mc:Fallback>
       </mc:AlternateContent>
-      <mc:AlternateContent xmlns:mc="http://schemas.openxmlformats.org/markup-compatibility/2006">
-        <mc:Choice xmlns:a14="http://schemas.microsoft.com/office/drawing/2010/main" Requires="a14">
+      <mc:AlternateContent xmlns:mc="http://schemas.openxmlformats.org/markup-compatibility/2006" xmlns:a14="http://schemas.microsoft.com/office/drawing/2010/main">
+        <mc:Choice Requires="a14">
           <p:sp>
             <p:nvSpPr>
               <p:cNvPr id="33" name="TextBox 32"/>
@@ -4148,6 +9013,7 @@
               </a:bodyPr>
               <a:lstStyle/>
               <a:p>
+                <a:pPr/>
                 <a14:m>
                   <m:oMathPara xmlns:m="http://schemas.openxmlformats.org/officeDocument/2006/math">
                     <m:oMathParaPr>
@@ -4187,7 +9053,7 @@
             </p:txBody>
           </p:sp>
         </mc:Choice>
-        <mc:Fallback>
+        <mc:Fallback xmlns="">
           <p:sp>
             <p:nvSpPr>
               <p:cNvPr id="33" name="TextBox 32"/>
@@ -4226,8 +9092,8 @@
           </p:sp>
         </mc:Fallback>
       </mc:AlternateContent>
-      <mc:AlternateContent xmlns:mc="http://schemas.openxmlformats.org/markup-compatibility/2006">
-        <mc:Choice xmlns:a14="http://schemas.microsoft.com/office/drawing/2010/main" Requires="a14">
+      <mc:AlternateContent xmlns:mc="http://schemas.openxmlformats.org/markup-compatibility/2006" xmlns:a14="http://schemas.microsoft.com/office/drawing/2010/main">
+        <mc:Choice Requires="a14">
           <p:sp>
             <p:nvSpPr>
               <p:cNvPr id="34" name="TextBox 33"/>
@@ -4250,6 +9116,7 @@
               </a:bodyPr>
               <a:lstStyle/>
               <a:p>
+                <a:pPr/>
                 <a14:m>
                   <m:oMathPara xmlns:m="http://schemas.openxmlformats.org/officeDocument/2006/math">
                     <m:oMathParaPr>
@@ -4289,7 +9156,7 @@
             </p:txBody>
           </p:sp>
         </mc:Choice>
-        <mc:Fallback>
+        <mc:Fallback xmlns="">
           <p:sp>
             <p:nvSpPr>
               <p:cNvPr id="34" name="TextBox 33"/>
@@ -4328,8 +9195,8 @@
           </p:sp>
         </mc:Fallback>
       </mc:AlternateContent>
-      <mc:AlternateContent xmlns:mc="http://schemas.openxmlformats.org/markup-compatibility/2006">
-        <mc:Choice xmlns:a14="http://schemas.microsoft.com/office/drawing/2010/main" Requires="a14">
+      <mc:AlternateContent xmlns:mc="http://schemas.openxmlformats.org/markup-compatibility/2006" xmlns:a14="http://schemas.microsoft.com/office/drawing/2010/main">
+        <mc:Choice Requires="a14">
           <p:sp>
             <p:nvSpPr>
               <p:cNvPr id="35" name="TextBox 34"/>
@@ -4352,6 +9219,7 @@
               </a:bodyPr>
               <a:lstStyle/>
               <a:p>
+                <a:pPr/>
                 <a14:m>
                   <m:oMathPara xmlns:m="http://schemas.openxmlformats.org/officeDocument/2006/math">
                     <m:oMathParaPr>
@@ -4391,7 +9259,7 @@
             </p:txBody>
           </p:sp>
         </mc:Choice>
-        <mc:Fallback>
+        <mc:Fallback xmlns="">
           <p:sp>
             <p:nvSpPr>
               <p:cNvPr id="35" name="TextBox 34"/>
@@ -4430,8 +9298,8 @@
           </p:sp>
         </mc:Fallback>
       </mc:AlternateContent>
-      <mc:AlternateContent xmlns:mc="http://schemas.openxmlformats.org/markup-compatibility/2006">
-        <mc:Choice xmlns:a14="http://schemas.microsoft.com/office/drawing/2010/main" Requires="a14">
+      <mc:AlternateContent xmlns:mc="http://schemas.openxmlformats.org/markup-compatibility/2006" xmlns:a14="http://schemas.microsoft.com/office/drawing/2010/main">
+        <mc:Choice Requires="a14">
           <p:sp>
             <p:nvSpPr>
               <p:cNvPr id="36" name="TextBox 35"/>
@@ -4454,6 +9322,7 @@
               </a:bodyPr>
               <a:lstStyle/>
               <a:p>
+                <a:pPr/>
                 <a14:m>
                   <m:oMathPara xmlns:m="http://schemas.openxmlformats.org/officeDocument/2006/math">
                     <m:oMathParaPr>
@@ -4493,7 +9362,7 @@
             </p:txBody>
           </p:sp>
         </mc:Choice>
-        <mc:Fallback>
+        <mc:Fallback xmlns="">
           <p:sp>
             <p:nvSpPr>
               <p:cNvPr id="36" name="TextBox 35"/>
@@ -4532,8 +9401,8 @@
           </p:sp>
         </mc:Fallback>
       </mc:AlternateContent>
-      <mc:AlternateContent xmlns:mc="http://schemas.openxmlformats.org/markup-compatibility/2006">
-        <mc:Choice xmlns:a14="http://schemas.microsoft.com/office/drawing/2010/main" Requires="a14">
+      <mc:AlternateContent xmlns:mc="http://schemas.openxmlformats.org/markup-compatibility/2006" xmlns:a14="http://schemas.microsoft.com/office/drawing/2010/main">
+        <mc:Choice Requires="a14">
           <p:sp>
             <p:nvSpPr>
               <p:cNvPr id="37" name="TextBox 36"/>
@@ -4556,6 +9425,7 @@
               </a:bodyPr>
               <a:lstStyle/>
               <a:p>
+                <a:pPr/>
                 <a14:m>
                   <m:oMathPara xmlns:m="http://schemas.openxmlformats.org/officeDocument/2006/math">
                     <m:oMathParaPr>
@@ -4595,7 +9465,7 @@
             </p:txBody>
           </p:sp>
         </mc:Choice>
-        <mc:Fallback>
+        <mc:Fallback xmlns="">
           <p:sp>
             <p:nvSpPr>
               <p:cNvPr id="37" name="TextBox 36"/>
@@ -4634,8 +9504,8 @@
           </p:sp>
         </mc:Fallback>
       </mc:AlternateContent>
-      <mc:AlternateContent xmlns:mc="http://schemas.openxmlformats.org/markup-compatibility/2006">
-        <mc:Choice xmlns:a14="http://schemas.microsoft.com/office/drawing/2010/main" Requires="a14">
+      <mc:AlternateContent xmlns:mc="http://schemas.openxmlformats.org/markup-compatibility/2006" xmlns:a14="http://schemas.microsoft.com/office/drawing/2010/main">
+        <mc:Choice Requires="a14">
           <p:sp>
             <p:nvSpPr>
               <p:cNvPr id="38" name="TextBox 37"/>
@@ -4658,6 +9528,7 @@
               </a:bodyPr>
               <a:lstStyle/>
               <a:p>
+                <a:pPr/>
                 <a14:m>
                   <m:oMathPara xmlns:m="http://schemas.openxmlformats.org/officeDocument/2006/math">
                     <m:oMathParaPr>
@@ -4697,7 +9568,7 @@
             </p:txBody>
           </p:sp>
         </mc:Choice>
-        <mc:Fallback>
+        <mc:Fallback xmlns="">
           <p:sp>
             <p:nvSpPr>
               <p:cNvPr id="38" name="TextBox 37"/>
@@ -5311,8 +10182,8 @@
             </a:p>
           </p:txBody>
         </p:sp>
-        <mc:AlternateContent xmlns:mc="http://schemas.openxmlformats.org/markup-compatibility/2006">
-          <mc:Choice xmlns:a14="http://schemas.microsoft.com/office/drawing/2010/main" Requires="a14">
+        <mc:AlternateContent xmlns:mc="http://schemas.openxmlformats.org/markup-compatibility/2006" xmlns:a14="http://schemas.microsoft.com/office/drawing/2010/main">
+          <mc:Choice Requires="a14">
             <p:sp>
               <p:nvSpPr>
                 <p:cNvPr id="68" name="TextBox 67"/>
@@ -5335,6 +10206,7 @@
                 </a:bodyPr>
                 <a:lstStyle/>
                 <a:p>
+                  <a:pPr/>
                   <a14:m>
                     <m:oMathPara xmlns:m="http://schemas.openxmlformats.org/officeDocument/2006/math">
                       <m:oMathParaPr>
@@ -5374,7 +10246,7 @@
               </p:txBody>
             </p:sp>
           </mc:Choice>
-          <mc:Fallback>
+          <mc:Fallback xmlns="">
             <p:sp>
               <p:nvSpPr>
                 <p:cNvPr id="68" name="TextBox 67"/>
@@ -5966,6 +10838,74 @@
       </p:grpSpPr>
       <p:sp>
         <p:nvSpPr>
+          <p:cNvPr id="2" name="Title 1"/>
+          <p:cNvSpPr>
+            <a:spLocks noGrp="1"/>
+          </p:cNvSpPr>
+          <p:nvPr>
+            <p:ph type="title"/>
+          </p:nvPr>
+        </p:nvSpPr>
+        <p:spPr/>
+        <p:txBody>
+          <a:bodyPr/>
+          <a:lstStyle/>
+          <a:p>
+            <a:endParaRPr lang="en-GB"/>
+          </a:p>
+        </p:txBody>
+      </p:sp>
+      <p:sp>
+        <p:nvSpPr>
+          <p:cNvPr id="3" name="Content Placeholder 2"/>
+          <p:cNvSpPr>
+            <a:spLocks noGrp="1"/>
+          </p:cNvSpPr>
+          <p:nvPr>
+            <p:ph idx="1"/>
+          </p:nvPr>
+        </p:nvSpPr>
+        <p:spPr/>
+        <p:txBody>
+          <a:bodyPr/>
+          <a:lstStyle/>
+          <a:p>
+            <a:endParaRPr lang="en-GB"/>
+          </a:p>
+        </p:txBody>
+      </p:sp>
+    </p:spTree>
+    <p:extLst>
+      <p:ext uri="{BB962C8B-B14F-4D97-AF65-F5344CB8AC3E}">
+        <p14:creationId xmlns:p14="http://schemas.microsoft.com/office/powerpoint/2010/main" val="1089245390"/>
+      </p:ext>
+    </p:extLst>
+  </p:cSld>
+  <p:clrMapOvr>
+    <a:masterClrMapping/>
+  </p:clrMapOvr>
+</p:sld>
+</file>
+
+<file path=ppt/slides/slide3.xml><?xml version="1.0" encoding="utf-8"?>
+<p:sld xmlns:a="http://schemas.openxmlformats.org/drawingml/2006/main" xmlns:r="http://schemas.openxmlformats.org/officeDocument/2006/relationships" xmlns:p="http://schemas.openxmlformats.org/presentationml/2006/main">
+  <p:cSld>
+    <p:spTree>
+      <p:nvGrpSpPr>
+        <p:cNvPr id="1" name=""/>
+        <p:cNvGrpSpPr/>
+        <p:nvPr/>
+      </p:nvGrpSpPr>
+      <p:grpSpPr>
+        <a:xfrm>
+          <a:off x="0" y="0"/>
+          <a:ext cx="0" cy="0"/>
+          <a:chOff x="0" y="0"/>
+          <a:chExt cx="0" cy="0"/>
+        </a:xfrm>
+      </p:grpSpPr>
+      <p:sp>
+        <p:nvSpPr>
           <p:cNvPr id="7" name="Rectangle 6"/>
           <p:cNvSpPr/>
           <p:nvPr/>
@@ -6393,8 +11333,8 @@
             </a:p>
           </p:txBody>
         </p:sp>
-        <mc:AlternateContent xmlns:mc="http://schemas.openxmlformats.org/markup-compatibility/2006">
-          <mc:Choice xmlns:a14="http://schemas.microsoft.com/office/drawing/2010/main" Requires="a14">
+        <mc:AlternateContent xmlns:mc="http://schemas.openxmlformats.org/markup-compatibility/2006" xmlns:a14="http://schemas.microsoft.com/office/drawing/2010/main">
+          <mc:Choice Requires="a14">
             <p:sp>
               <p:nvSpPr>
                 <p:cNvPr id="20" name="TextBox 19"/>
@@ -6417,6 +11357,7 @@
                 </a:bodyPr>
                 <a:lstStyle/>
                 <a:p>
+                  <a:pPr/>
                   <a14:m>
                     <m:oMathPara xmlns:m="http://schemas.openxmlformats.org/officeDocument/2006/math">
                       <m:oMathParaPr>
@@ -6456,7 +11397,7 @@
               </p:txBody>
             </p:sp>
           </mc:Choice>
-          <mc:Fallback>
+          <mc:Fallback xmlns="">
             <p:sp>
               <p:nvSpPr>
                 <p:cNvPr id="20" name="TextBox 19"/>
@@ -6551,8 +11492,8 @@
             </a:p>
           </p:txBody>
         </p:sp>
-        <mc:AlternateContent xmlns:mc="http://schemas.openxmlformats.org/markup-compatibility/2006">
-          <mc:Choice xmlns:a14="http://schemas.microsoft.com/office/drawing/2010/main" Requires="a14">
+        <mc:AlternateContent xmlns:mc="http://schemas.openxmlformats.org/markup-compatibility/2006" xmlns:a14="http://schemas.microsoft.com/office/drawing/2010/main">
+          <mc:Choice Requires="a14">
             <p:sp>
               <p:nvSpPr>
                 <p:cNvPr id="24" name="TextBox 23"/>
@@ -6575,6 +11516,7 @@
                 </a:bodyPr>
                 <a:lstStyle/>
                 <a:p>
+                  <a:pPr/>
                   <a14:m>
                     <m:oMathPara xmlns:m="http://schemas.openxmlformats.org/officeDocument/2006/math">
                       <m:oMathParaPr>
@@ -6614,7 +11556,7 @@
               </p:txBody>
             </p:sp>
           </mc:Choice>
-          <mc:Fallback>
+          <mc:Fallback xmlns="">
             <p:sp>
               <p:nvSpPr>
                 <p:cNvPr id="24" name="TextBox 23"/>
@@ -6709,8 +11651,8 @@
             </a:p>
           </p:txBody>
         </p:sp>
-        <mc:AlternateContent xmlns:mc="http://schemas.openxmlformats.org/markup-compatibility/2006">
-          <mc:Choice xmlns:a14="http://schemas.microsoft.com/office/drawing/2010/main" Requires="a14">
+        <mc:AlternateContent xmlns:mc="http://schemas.openxmlformats.org/markup-compatibility/2006" xmlns:a14="http://schemas.microsoft.com/office/drawing/2010/main">
+          <mc:Choice Requires="a14">
             <p:sp>
               <p:nvSpPr>
                 <p:cNvPr id="27" name="TextBox 26"/>
@@ -6733,6 +11675,7 @@
                 </a:bodyPr>
                 <a:lstStyle/>
                 <a:p>
+                  <a:pPr/>
                   <a14:m>
                     <m:oMathPara xmlns:m="http://schemas.openxmlformats.org/officeDocument/2006/math">
                       <m:oMathParaPr>
@@ -6772,7 +11715,7 @@
               </p:txBody>
             </p:sp>
           </mc:Choice>
-          <mc:Fallback>
+          <mc:Fallback xmlns="">
             <p:sp>
               <p:nvSpPr>
                 <p:cNvPr id="27" name="TextBox 26"/>
@@ -6812,8 +11755,8 @@
           </mc:Fallback>
         </mc:AlternateContent>
       </p:grpSp>
-      <mc:AlternateContent xmlns:mc="http://schemas.openxmlformats.org/markup-compatibility/2006">
-        <mc:Choice xmlns:a14="http://schemas.microsoft.com/office/drawing/2010/main" Requires="a14">
+      <mc:AlternateContent xmlns:mc="http://schemas.openxmlformats.org/markup-compatibility/2006" xmlns:a14="http://schemas.microsoft.com/office/drawing/2010/main">
+        <mc:Choice Requires="a14">
           <p:sp>
             <p:nvSpPr>
               <p:cNvPr id="30" name="TextBox 29"/>
@@ -6836,6 +11779,7 @@
               </a:bodyPr>
               <a:lstStyle/>
               <a:p>
+                <a:pPr/>
                 <a14:m>
                   <m:oMathPara xmlns:m="http://schemas.openxmlformats.org/officeDocument/2006/math">
                     <m:oMathParaPr>
@@ -6875,7 +11819,7 @@
             </p:txBody>
           </p:sp>
         </mc:Choice>
-        <mc:Fallback>
+        <mc:Fallback xmlns="">
           <p:sp>
             <p:nvSpPr>
               <p:cNvPr id="30" name="TextBox 29"/>
@@ -6914,8 +11858,8 @@
           </p:sp>
         </mc:Fallback>
       </mc:AlternateContent>
-      <mc:AlternateContent xmlns:mc="http://schemas.openxmlformats.org/markup-compatibility/2006">
-        <mc:Choice xmlns:a14="http://schemas.microsoft.com/office/drawing/2010/main" Requires="a14">
+      <mc:AlternateContent xmlns:mc="http://schemas.openxmlformats.org/markup-compatibility/2006" xmlns:a14="http://schemas.microsoft.com/office/drawing/2010/main">
+        <mc:Choice Requires="a14">
           <p:sp>
             <p:nvSpPr>
               <p:cNvPr id="31" name="TextBox 30"/>
@@ -6938,6 +11882,7 @@
               </a:bodyPr>
               <a:lstStyle/>
               <a:p>
+                <a:pPr/>
                 <a14:m>
                   <m:oMathPara xmlns:m="http://schemas.openxmlformats.org/officeDocument/2006/math">
                     <m:oMathParaPr>
@@ -6977,7 +11922,7 @@
             </p:txBody>
           </p:sp>
         </mc:Choice>
-        <mc:Fallback>
+        <mc:Fallback xmlns="">
           <p:sp>
             <p:nvSpPr>
               <p:cNvPr id="31" name="TextBox 30"/>
@@ -7016,8 +11961,8 @@
           </p:sp>
         </mc:Fallback>
       </mc:AlternateContent>
-      <mc:AlternateContent xmlns:mc="http://schemas.openxmlformats.org/markup-compatibility/2006">
-        <mc:Choice xmlns:a14="http://schemas.microsoft.com/office/drawing/2010/main" Requires="a14">
+      <mc:AlternateContent xmlns:mc="http://schemas.openxmlformats.org/markup-compatibility/2006" xmlns:a14="http://schemas.microsoft.com/office/drawing/2010/main">
+        <mc:Choice Requires="a14">
           <p:sp>
             <p:nvSpPr>
               <p:cNvPr id="32" name="TextBox 31"/>
@@ -7040,6 +11985,7 @@
               </a:bodyPr>
               <a:lstStyle/>
               <a:p>
+                <a:pPr/>
                 <a14:m>
                   <m:oMathPara xmlns:m="http://schemas.openxmlformats.org/officeDocument/2006/math">
                     <m:oMathParaPr>
@@ -7079,7 +12025,7 @@
             </p:txBody>
           </p:sp>
         </mc:Choice>
-        <mc:Fallback>
+        <mc:Fallback xmlns="">
           <p:sp>
             <p:nvSpPr>
               <p:cNvPr id="32" name="TextBox 31"/>
@@ -7118,8 +12064,8 @@
           </p:sp>
         </mc:Fallback>
       </mc:AlternateContent>
-      <mc:AlternateContent xmlns:mc="http://schemas.openxmlformats.org/markup-compatibility/2006">
-        <mc:Choice xmlns:a14="http://schemas.microsoft.com/office/drawing/2010/main" Requires="a14">
+      <mc:AlternateContent xmlns:mc="http://schemas.openxmlformats.org/markup-compatibility/2006" xmlns:a14="http://schemas.microsoft.com/office/drawing/2010/main">
+        <mc:Choice Requires="a14">
           <p:sp>
             <p:nvSpPr>
               <p:cNvPr id="33" name="TextBox 32"/>
@@ -7142,6 +12088,7 @@
               </a:bodyPr>
               <a:lstStyle/>
               <a:p>
+                <a:pPr/>
                 <a14:m>
                   <m:oMathPara xmlns:m="http://schemas.openxmlformats.org/officeDocument/2006/math">
                     <m:oMathParaPr>
@@ -7181,7 +12128,7 @@
             </p:txBody>
           </p:sp>
         </mc:Choice>
-        <mc:Fallback>
+        <mc:Fallback xmlns="">
           <p:sp>
             <p:nvSpPr>
               <p:cNvPr id="33" name="TextBox 32"/>
@@ -7220,8 +12167,8 @@
           </p:sp>
         </mc:Fallback>
       </mc:AlternateContent>
-      <mc:AlternateContent xmlns:mc="http://schemas.openxmlformats.org/markup-compatibility/2006">
-        <mc:Choice xmlns:a14="http://schemas.microsoft.com/office/drawing/2010/main" Requires="a14">
+      <mc:AlternateContent xmlns:mc="http://schemas.openxmlformats.org/markup-compatibility/2006" xmlns:a14="http://schemas.microsoft.com/office/drawing/2010/main">
+        <mc:Choice Requires="a14">
           <p:sp>
             <p:nvSpPr>
               <p:cNvPr id="34" name="TextBox 33"/>
@@ -7244,6 +12191,7 @@
               </a:bodyPr>
               <a:lstStyle/>
               <a:p>
+                <a:pPr/>
                 <a14:m>
                   <m:oMathPara xmlns:m="http://schemas.openxmlformats.org/officeDocument/2006/math">
                     <m:oMathParaPr>
@@ -7283,7 +12231,7 @@
             </p:txBody>
           </p:sp>
         </mc:Choice>
-        <mc:Fallback>
+        <mc:Fallback xmlns="">
           <p:sp>
             <p:nvSpPr>
               <p:cNvPr id="34" name="TextBox 33"/>
@@ -7322,8 +12270,8 @@
           </p:sp>
         </mc:Fallback>
       </mc:AlternateContent>
-      <mc:AlternateContent xmlns:mc="http://schemas.openxmlformats.org/markup-compatibility/2006">
-        <mc:Choice xmlns:a14="http://schemas.microsoft.com/office/drawing/2010/main" Requires="a14">
+      <mc:AlternateContent xmlns:mc="http://schemas.openxmlformats.org/markup-compatibility/2006" xmlns:a14="http://schemas.microsoft.com/office/drawing/2010/main">
+        <mc:Choice Requires="a14">
           <p:sp>
             <p:nvSpPr>
               <p:cNvPr id="35" name="TextBox 34"/>
@@ -7346,6 +12294,7 @@
               </a:bodyPr>
               <a:lstStyle/>
               <a:p>
+                <a:pPr/>
                 <a14:m>
                   <m:oMathPara xmlns:m="http://schemas.openxmlformats.org/officeDocument/2006/math">
                     <m:oMathParaPr>
@@ -7385,7 +12334,7 @@
             </p:txBody>
           </p:sp>
         </mc:Choice>
-        <mc:Fallback>
+        <mc:Fallback xmlns="">
           <p:sp>
             <p:nvSpPr>
               <p:cNvPr id="35" name="TextBox 34"/>
@@ -7424,8 +12373,8 @@
           </p:sp>
         </mc:Fallback>
       </mc:AlternateContent>
-      <mc:AlternateContent xmlns:mc="http://schemas.openxmlformats.org/markup-compatibility/2006">
-        <mc:Choice xmlns:a14="http://schemas.microsoft.com/office/drawing/2010/main" Requires="a14">
+      <mc:AlternateContent xmlns:mc="http://schemas.openxmlformats.org/markup-compatibility/2006" xmlns:a14="http://schemas.microsoft.com/office/drawing/2010/main">
+        <mc:Choice Requires="a14">
           <p:sp>
             <p:nvSpPr>
               <p:cNvPr id="36" name="TextBox 35"/>
@@ -7448,6 +12397,7 @@
               </a:bodyPr>
               <a:lstStyle/>
               <a:p>
+                <a:pPr/>
                 <a14:m>
                   <m:oMathPara xmlns:m="http://schemas.openxmlformats.org/officeDocument/2006/math">
                     <m:oMathParaPr>
@@ -7487,7 +12437,7 @@
             </p:txBody>
           </p:sp>
         </mc:Choice>
-        <mc:Fallback>
+        <mc:Fallback xmlns="">
           <p:sp>
             <p:nvSpPr>
               <p:cNvPr id="36" name="TextBox 35"/>
@@ -7526,8 +12476,8 @@
           </p:sp>
         </mc:Fallback>
       </mc:AlternateContent>
-      <mc:AlternateContent xmlns:mc="http://schemas.openxmlformats.org/markup-compatibility/2006">
-        <mc:Choice xmlns:a14="http://schemas.microsoft.com/office/drawing/2010/main" Requires="a14">
+      <mc:AlternateContent xmlns:mc="http://schemas.openxmlformats.org/markup-compatibility/2006" xmlns:a14="http://schemas.microsoft.com/office/drawing/2010/main">
+        <mc:Choice Requires="a14">
           <p:sp>
             <p:nvSpPr>
               <p:cNvPr id="37" name="TextBox 36"/>
@@ -7550,6 +12500,7 @@
               </a:bodyPr>
               <a:lstStyle/>
               <a:p>
+                <a:pPr/>
                 <a14:m>
                   <m:oMathPara xmlns:m="http://schemas.openxmlformats.org/officeDocument/2006/math">
                     <m:oMathParaPr>
@@ -7589,7 +12540,7 @@
             </p:txBody>
           </p:sp>
         </mc:Choice>
-        <mc:Fallback>
+        <mc:Fallback xmlns="">
           <p:sp>
             <p:nvSpPr>
               <p:cNvPr id="37" name="TextBox 36"/>
@@ -7628,8 +12579,8 @@
           </p:sp>
         </mc:Fallback>
       </mc:AlternateContent>
-      <mc:AlternateContent xmlns:mc="http://schemas.openxmlformats.org/markup-compatibility/2006">
-        <mc:Choice xmlns:a14="http://schemas.microsoft.com/office/drawing/2010/main" Requires="a14">
+      <mc:AlternateContent xmlns:mc="http://schemas.openxmlformats.org/markup-compatibility/2006" xmlns:a14="http://schemas.microsoft.com/office/drawing/2010/main">
+        <mc:Choice Requires="a14">
           <p:sp>
             <p:nvSpPr>
               <p:cNvPr id="38" name="TextBox 37"/>
@@ -7652,6 +12603,7 @@
               </a:bodyPr>
               <a:lstStyle/>
               <a:p>
+                <a:pPr/>
                 <a14:m>
                   <m:oMathPara xmlns:m="http://schemas.openxmlformats.org/officeDocument/2006/math">
                     <m:oMathParaPr>
@@ -7691,7 +12643,7 @@
             </p:txBody>
           </p:sp>
         </mc:Choice>
-        <mc:Fallback>
+        <mc:Fallback xmlns="">
           <p:sp>
             <p:nvSpPr>
               <p:cNvPr id="38" name="TextBox 37"/>
@@ -8305,8 +13257,8 @@
             </a:p>
           </p:txBody>
         </p:sp>
-        <mc:AlternateContent xmlns:mc="http://schemas.openxmlformats.org/markup-compatibility/2006">
-          <mc:Choice xmlns:a14="http://schemas.microsoft.com/office/drawing/2010/main" Requires="a14">
+        <mc:AlternateContent xmlns:mc="http://schemas.openxmlformats.org/markup-compatibility/2006" xmlns:a14="http://schemas.microsoft.com/office/drawing/2010/main">
+          <mc:Choice Requires="a14">
             <p:sp>
               <p:nvSpPr>
                 <p:cNvPr id="68" name="TextBox 67"/>
@@ -8329,6 +13281,7 @@
                 </a:bodyPr>
                 <a:lstStyle/>
                 <a:p>
+                  <a:pPr/>
                   <a14:m>
                     <m:oMathPara xmlns:m="http://schemas.openxmlformats.org/officeDocument/2006/math">
                       <m:oMathParaPr>
@@ -8368,7 +13321,7 @@
               </p:txBody>
             </p:sp>
           </mc:Choice>
-          <mc:Fallback>
+          <mc:Fallback xmlns="">
             <p:sp>
               <p:nvSpPr>
                 <p:cNvPr id="68" name="TextBox 67"/>
@@ -8965,6 +13918,723 @@
 </p:sld>
 </file>
 
+<file path=ppt/slides/slide4.xml><?xml version="1.0" encoding="utf-8"?>
+<p:sld xmlns:a="http://schemas.openxmlformats.org/drawingml/2006/main" xmlns:r="http://schemas.openxmlformats.org/officeDocument/2006/relationships" xmlns:p="http://schemas.openxmlformats.org/presentationml/2006/main">
+  <p:cSld>
+    <p:spTree>
+      <p:nvGrpSpPr>
+        <p:cNvPr id="1" name=""/>
+        <p:cNvGrpSpPr/>
+        <p:nvPr/>
+      </p:nvGrpSpPr>
+      <p:grpSpPr>
+        <a:xfrm>
+          <a:off x="0" y="0"/>
+          <a:ext cx="0" cy="0"/>
+          <a:chOff x="0" y="0"/>
+          <a:chExt cx="0" cy="0"/>
+        </a:xfrm>
+      </p:grpSpPr>
+      <p:pic>
+        <p:nvPicPr>
+          <p:cNvPr id="4" name="Picture 3"/>
+          <p:cNvPicPr>
+            <a:picLocks noChangeAspect="1"/>
+          </p:cNvPicPr>
+          <p:nvPr/>
+        </p:nvPicPr>
+        <p:blipFill>
+          <a:blip r:embed="rId2"/>
+          <a:stretch>
+            <a:fillRect/>
+          </a:stretch>
+        </p:blipFill>
+        <p:spPr>
+          <a:xfrm>
+            <a:off x="3524250" y="2028825"/>
+            <a:ext cx="5143500" cy="2800350"/>
+          </a:xfrm>
+          <a:prstGeom prst="rect">
+            <a:avLst/>
+          </a:prstGeom>
+        </p:spPr>
+      </p:pic>
+      <p:sp>
+        <p:nvSpPr>
+          <p:cNvPr id="5" name="Rounded Rectangular Callout 4"/>
+          <p:cNvSpPr/>
+          <p:nvPr/>
+        </p:nvSpPr>
+        <p:spPr>
+          <a:xfrm>
+            <a:off x="7114784" y="2028825"/>
+            <a:ext cx="2718148" cy="363646"/>
+          </a:xfrm>
+          <a:prstGeom prst="wedgeRoundRectCallout">
+            <a:avLst>
+              <a:gd name="adj1" fmla="val -77696"/>
+              <a:gd name="adj2" fmla="val 36413"/>
+              <a:gd name="adj3" fmla="val 16667"/>
+            </a:avLst>
+          </a:prstGeom>
+        </p:spPr>
+        <p:style>
+          <a:lnRef idx="2">
+            <a:schemeClr val="accent1">
+              <a:shade val="50000"/>
+            </a:schemeClr>
+          </a:lnRef>
+          <a:fillRef idx="1">
+            <a:schemeClr val="accent1"/>
+          </a:fillRef>
+          <a:effectRef idx="0">
+            <a:schemeClr val="accent1"/>
+          </a:effectRef>
+          <a:fontRef idx="minor">
+            <a:schemeClr val="lt1"/>
+          </a:fontRef>
+        </p:style>
+        <p:txBody>
+          <a:bodyPr rtlCol="0" anchor="ctr"/>
+          <a:lstStyle/>
+          <a:p>
+            <a:pPr algn="ctr"/>
+            <a:r>
+              <a:rPr lang="en-GB" dirty="0" smtClean="0"/>
+              <a:t>Import </a:t>
+            </a:r>
+            <a:r>
+              <a:rPr lang="en-GB" dirty="0" err="1" smtClean="0"/>
+              <a:t>Tensorflow</a:t>
+            </a:r>
+            <a:r>
+              <a:rPr lang="en-GB" dirty="0" smtClean="0"/>
+              <a:t> library</a:t>
+            </a:r>
+            <a:endParaRPr lang="en-GB" dirty="0"/>
+          </a:p>
+        </p:txBody>
+      </p:sp>
+      <p:sp>
+        <p:nvSpPr>
+          <p:cNvPr id="60" name="Rounded Rectangular Callout 59"/>
+          <p:cNvSpPr/>
+          <p:nvPr/>
+        </p:nvSpPr>
+        <p:spPr>
+          <a:xfrm>
+            <a:off x="7578247" y="2718148"/>
+            <a:ext cx="2718148" cy="475989"/>
+          </a:xfrm>
+          <a:prstGeom prst="wedgeRoundRectCallout">
+            <a:avLst>
+              <a:gd name="adj1" fmla="val -77696"/>
+              <a:gd name="adj2" fmla="val 36413"/>
+              <a:gd name="adj3" fmla="val 16667"/>
+            </a:avLst>
+          </a:prstGeom>
+        </p:spPr>
+        <p:style>
+          <a:lnRef idx="2">
+            <a:schemeClr val="accent1">
+              <a:shade val="50000"/>
+            </a:schemeClr>
+          </a:lnRef>
+          <a:fillRef idx="1">
+            <a:schemeClr val="accent1"/>
+          </a:fillRef>
+          <a:effectRef idx="0">
+            <a:schemeClr val="accent1"/>
+          </a:effectRef>
+          <a:fontRef idx="minor">
+            <a:schemeClr val="lt1"/>
+          </a:fontRef>
+        </p:style>
+        <p:txBody>
+          <a:bodyPr rtlCol="0" anchor="ctr"/>
+          <a:lstStyle/>
+          <a:p>
+            <a:pPr algn="ctr"/>
+            <a:r>
+              <a:rPr lang="en-GB" dirty="0" smtClean="0"/>
+              <a:t>Define placeholder for input data</a:t>
+            </a:r>
+            <a:endParaRPr lang="en-GB" dirty="0"/>
+          </a:p>
+        </p:txBody>
+      </p:sp>
+      <p:sp>
+        <p:nvSpPr>
+          <p:cNvPr id="61" name="Rounded Rectangular Callout 60"/>
+          <p:cNvSpPr/>
+          <p:nvPr/>
+        </p:nvSpPr>
+        <p:spPr>
+          <a:xfrm>
+            <a:off x="6951946" y="3337991"/>
+            <a:ext cx="2880986" cy="363646"/>
+          </a:xfrm>
+          <a:prstGeom prst="wedgeRoundRectCallout">
+            <a:avLst>
+              <a:gd name="adj1" fmla="val -77696"/>
+              <a:gd name="adj2" fmla="val 36413"/>
+              <a:gd name="adj3" fmla="val 16667"/>
+            </a:avLst>
+          </a:prstGeom>
+        </p:spPr>
+        <p:style>
+          <a:lnRef idx="2">
+            <a:schemeClr val="accent1">
+              <a:shade val="50000"/>
+            </a:schemeClr>
+          </a:lnRef>
+          <a:fillRef idx="1">
+            <a:schemeClr val="accent1"/>
+          </a:fillRef>
+          <a:effectRef idx="0">
+            <a:schemeClr val="accent1"/>
+          </a:effectRef>
+          <a:fontRef idx="minor">
+            <a:schemeClr val="lt1"/>
+          </a:fontRef>
+        </p:style>
+        <p:txBody>
+          <a:bodyPr rtlCol="0" anchor="ctr"/>
+          <a:lstStyle/>
+          <a:p>
+            <a:pPr algn="ctr"/>
+            <a:r>
+              <a:rPr lang="en-GB" dirty="0" smtClean="0"/>
+              <a:t>Add multiply to build graph</a:t>
+            </a:r>
+            <a:endParaRPr lang="en-GB" dirty="0"/>
+          </a:p>
+        </p:txBody>
+      </p:sp>
+      <p:sp>
+        <p:nvSpPr>
+          <p:cNvPr id="63" name="Rounded Rectangular Callout 62"/>
+          <p:cNvSpPr/>
+          <p:nvPr/>
+        </p:nvSpPr>
+        <p:spPr>
+          <a:xfrm>
+            <a:off x="6751530" y="3845491"/>
+            <a:ext cx="2880986" cy="363646"/>
+          </a:xfrm>
+          <a:prstGeom prst="wedgeRoundRectCallout">
+            <a:avLst>
+              <a:gd name="adj1" fmla="val -77696"/>
+              <a:gd name="adj2" fmla="val 36413"/>
+              <a:gd name="adj3" fmla="val 16667"/>
+            </a:avLst>
+          </a:prstGeom>
+        </p:spPr>
+        <p:style>
+          <a:lnRef idx="2">
+            <a:schemeClr val="accent1">
+              <a:shade val="50000"/>
+            </a:schemeClr>
+          </a:lnRef>
+          <a:fillRef idx="1">
+            <a:schemeClr val="accent1"/>
+          </a:fillRef>
+          <a:effectRef idx="0">
+            <a:schemeClr val="accent1"/>
+          </a:effectRef>
+          <a:fontRef idx="minor">
+            <a:schemeClr val="lt1"/>
+          </a:fontRef>
+        </p:style>
+        <p:txBody>
+          <a:bodyPr rtlCol="0" anchor="ctr"/>
+          <a:lstStyle/>
+          <a:p>
+            <a:pPr algn="ctr"/>
+            <a:r>
+              <a:rPr lang="en-GB" dirty="0" smtClean="0"/>
+              <a:t>Start a run session</a:t>
+            </a:r>
+            <a:endParaRPr lang="en-GB" dirty="0"/>
+          </a:p>
+        </p:txBody>
+      </p:sp>
+      <p:sp>
+        <p:nvSpPr>
+          <p:cNvPr id="65" name="Rounded Rectangular Callout 64"/>
+          <p:cNvSpPr/>
+          <p:nvPr/>
+        </p:nvSpPr>
+        <p:spPr>
+          <a:xfrm>
+            <a:off x="9311014" y="4352991"/>
+            <a:ext cx="2880986" cy="476184"/>
+          </a:xfrm>
+          <a:prstGeom prst="wedgeRoundRectCallout">
+            <a:avLst>
+              <a:gd name="adj1" fmla="val -77261"/>
+              <a:gd name="adj2" fmla="val 15369"/>
+              <a:gd name="adj3" fmla="val 16667"/>
+            </a:avLst>
+          </a:prstGeom>
+        </p:spPr>
+        <p:style>
+          <a:lnRef idx="2">
+            <a:schemeClr val="accent1">
+              <a:shade val="50000"/>
+            </a:schemeClr>
+          </a:lnRef>
+          <a:fillRef idx="1">
+            <a:schemeClr val="accent1"/>
+          </a:fillRef>
+          <a:effectRef idx="0">
+            <a:schemeClr val="accent1"/>
+          </a:effectRef>
+          <a:fontRef idx="minor">
+            <a:schemeClr val="lt1"/>
+          </a:fontRef>
+        </p:style>
+        <p:txBody>
+          <a:bodyPr rtlCol="0" anchor="ctr"/>
+          <a:lstStyle/>
+          <a:p>
+            <a:pPr algn="ctr"/>
+            <a:r>
+              <a:rPr lang="en-GB" dirty="0" smtClean="0"/>
+              <a:t>Execute graph within session with data supplied</a:t>
+            </a:r>
+            <a:endParaRPr lang="en-GB" dirty="0"/>
+          </a:p>
+        </p:txBody>
+      </p:sp>
+      <p:sp>
+        <p:nvSpPr>
+          <p:cNvPr id="6" name="Left Brace 5"/>
+          <p:cNvSpPr/>
+          <p:nvPr/>
+        </p:nvSpPr>
+        <p:spPr>
+          <a:xfrm>
+            <a:off x="3256767" y="2718148"/>
+            <a:ext cx="75156" cy="1127343"/>
+          </a:xfrm>
+          <a:prstGeom prst="leftBrace">
+            <a:avLst/>
+          </a:prstGeom>
+        </p:spPr>
+        <p:style>
+          <a:lnRef idx="1">
+            <a:schemeClr val="accent1"/>
+          </a:lnRef>
+          <a:fillRef idx="0">
+            <a:schemeClr val="accent1"/>
+          </a:fillRef>
+          <a:effectRef idx="0">
+            <a:schemeClr val="accent1"/>
+          </a:effectRef>
+          <a:fontRef idx="minor">
+            <a:schemeClr val="tx1"/>
+          </a:fontRef>
+        </p:style>
+        <p:txBody>
+          <a:bodyPr rtlCol="0" anchor="ctr"/>
+          <a:lstStyle/>
+          <a:p>
+            <a:pPr algn="ctr"/>
+            <a:endParaRPr lang="en-GB"/>
+          </a:p>
+        </p:txBody>
+      </p:sp>
+      <p:sp>
+        <p:nvSpPr>
+          <p:cNvPr id="67" name="Left Brace 66"/>
+          <p:cNvSpPr/>
+          <p:nvPr/>
+        </p:nvSpPr>
+        <p:spPr>
+          <a:xfrm>
+            <a:off x="3256767" y="3845491"/>
+            <a:ext cx="75156" cy="1127343"/>
+          </a:xfrm>
+          <a:prstGeom prst="leftBrace">
+            <a:avLst/>
+          </a:prstGeom>
+        </p:spPr>
+        <p:style>
+          <a:lnRef idx="1">
+            <a:schemeClr val="accent1"/>
+          </a:lnRef>
+          <a:fillRef idx="0">
+            <a:schemeClr val="accent1"/>
+          </a:fillRef>
+          <a:effectRef idx="0">
+            <a:schemeClr val="accent1"/>
+          </a:effectRef>
+          <a:fontRef idx="minor">
+            <a:schemeClr val="tx1"/>
+          </a:fontRef>
+        </p:style>
+        <p:txBody>
+          <a:bodyPr rtlCol="0" anchor="ctr"/>
+          <a:lstStyle/>
+          <a:p>
+            <a:pPr algn="ctr"/>
+            <a:endParaRPr lang="en-GB"/>
+          </a:p>
+        </p:txBody>
+      </p:sp>
+      <p:sp>
+        <p:nvSpPr>
+          <p:cNvPr id="10" name="Rectangle 9"/>
+          <p:cNvSpPr/>
+          <p:nvPr/>
+        </p:nvSpPr>
+        <p:spPr>
+          <a:xfrm>
+            <a:off x="442583" y="2993721"/>
+            <a:ext cx="2814184" cy="523220"/>
+          </a:xfrm>
+          <a:prstGeom prst="rect">
+            <a:avLst/>
+          </a:prstGeom>
+          <a:noFill/>
+        </p:spPr>
+        <p:txBody>
+          <a:bodyPr wrap="square" lIns="91440" tIns="45720" rIns="91440" bIns="45720">
+            <a:spAutoFit/>
+          </a:bodyPr>
+          <a:lstStyle/>
+          <a:p>
+            <a:pPr algn="ctr"/>
+            <a:r>
+              <a:rPr lang="en-US" sz="2800" b="0" cap="none" spc="0" dirty="0" smtClean="0">
+                <a:ln w="0"/>
+                <a:solidFill>
+                  <a:schemeClr val="tx1"/>
+                </a:solidFill>
+                <a:effectLst>
+                  <a:outerShdw blurRad="38100" dist="19050" dir="2700000" algn="tl" rotWithShape="0">
+                    <a:schemeClr val="dk1">
+                      <a:alpha val="40000"/>
+                    </a:schemeClr>
+                  </a:outerShdw>
+                </a:effectLst>
+              </a:rPr>
+              <a:t>Build Graph stage</a:t>
+            </a:r>
+            <a:endParaRPr lang="en-US" sz="2800" b="0" cap="none" spc="0" dirty="0">
+              <a:ln w="0"/>
+              <a:solidFill>
+                <a:schemeClr val="tx1"/>
+              </a:solidFill>
+              <a:effectLst>
+                <a:outerShdw blurRad="38100" dist="19050" dir="2700000" algn="tl" rotWithShape="0">
+                  <a:schemeClr val="dk1">
+                    <a:alpha val="40000"/>
+                  </a:schemeClr>
+                </a:outerShdw>
+              </a:effectLst>
+            </a:endParaRPr>
+          </a:p>
+        </p:txBody>
+      </p:sp>
+      <p:sp>
+        <p:nvSpPr>
+          <p:cNvPr id="70" name="Rectangle 69"/>
+          <p:cNvSpPr/>
+          <p:nvPr/>
+        </p:nvSpPr>
+        <p:spPr>
+          <a:xfrm>
+            <a:off x="710066" y="3961686"/>
+            <a:ext cx="2814184" cy="954107"/>
+          </a:xfrm>
+          <a:prstGeom prst="rect">
+            <a:avLst/>
+          </a:prstGeom>
+          <a:noFill/>
+        </p:spPr>
+        <p:txBody>
+          <a:bodyPr wrap="square" lIns="91440" tIns="45720" rIns="91440" bIns="45720">
+            <a:spAutoFit/>
+          </a:bodyPr>
+          <a:lstStyle/>
+          <a:p>
+            <a:pPr algn="ctr"/>
+            <a:r>
+              <a:rPr lang="en-US" sz="2800" dirty="0" smtClean="0">
+                <a:ln w="0"/>
+                <a:effectLst>
+                  <a:outerShdw blurRad="38100" dist="19050" dir="2700000" algn="tl" rotWithShape="0">
+                    <a:schemeClr val="dk1">
+                      <a:alpha val="40000"/>
+                    </a:schemeClr>
+                  </a:outerShdw>
+                </a:effectLst>
+              </a:rPr>
+              <a:t>Run graph in session</a:t>
+            </a:r>
+            <a:endParaRPr lang="en-US" sz="2800" b="0" cap="none" spc="0" dirty="0">
+              <a:ln w="0"/>
+              <a:solidFill>
+                <a:schemeClr val="tx1"/>
+              </a:solidFill>
+              <a:effectLst>
+                <a:outerShdw blurRad="38100" dist="19050" dir="2700000" algn="tl" rotWithShape="0">
+                  <a:schemeClr val="dk1">
+                    <a:alpha val="40000"/>
+                  </a:schemeClr>
+                </a:outerShdw>
+              </a:effectLst>
+            </a:endParaRPr>
+          </a:p>
+        </p:txBody>
+      </p:sp>
+    </p:spTree>
+    <p:extLst>
+      <p:ext uri="{BB962C8B-B14F-4D97-AF65-F5344CB8AC3E}">
+        <p14:creationId xmlns:p14="http://schemas.microsoft.com/office/powerpoint/2010/main" val="2874700282"/>
+      </p:ext>
+    </p:extLst>
+  </p:cSld>
+  <p:clrMapOvr>
+    <a:masterClrMapping/>
+  </p:clrMapOvr>
+</p:sld>
+</file>
+
+<file path=ppt/slides/slide5.xml><?xml version="1.0" encoding="utf-8"?>
+<p:sld xmlns:a="http://schemas.openxmlformats.org/drawingml/2006/main" xmlns:r="http://schemas.openxmlformats.org/officeDocument/2006/relationships" xmlns:p="http://schemas.openxmlformats.org/presentationml/2006/main">
+  <p:cSld>
+    <p:spTree>
+      <p:nvGrpSpPr>
+        <p:cNvPr id="1" name=""/>
+        <p:cNvGrpSpPr/>
+        <p:nvPr/>
+      </p:nvGrpSpPr>
+      <p:grpSpPr>
+        <a:xfrm>
+          <a:off x="0" y="0"/>
+          <a:ext cx="0" cy="0"/>
+          <a:chOff x="0" y="0"/>
+          <a:chExt cx="0" cy="0"/>
+        </a:xfrm>
+      </p:grpSpPr>
+      <p:sp>
+        <p:nvSpPr>
+          <p:cNvPr id="2" name="Title 1"/>
+          <p:cNvSpPr>
+            <a:spLocks noGrp="1"/>
+          </p:cNvSpPr>
+          <p:nvPr>
+            <p:ph type="title"/>
+          </p:nvPr>
+        </p:nvSpPr>
+        <p:spPr/>
+        <p:txBody>
+          <a:bodyPr/>
+          <a:lstStyle/>
+          <a:p>
+            <a:r>
+              <a:rPr lang="en-GB" dirty="0" smtClean="0"/>
+              <a:t>Language model evaluation pipeline</a:t>
+            </a:r>
+            <a:endParaRPr lang="en-GB" dirty="0"/>
+          </a:p>
+        </p:txBody>
+      </p:sp>
+      <p:graphicFrame>
+        <p:nvGraphicFramePr>
+          <p:cNvPr id="4" name="Content Placeholder 3"/>
+          <p:cNvGraphicFramePr>
+            <a:graphicFrameLocks noGrp="1"/>
+          </p:cNvGraphicFramePr>
+          <p:nvPr>
+            <p:ph idx="1"/>
+            <p:extLst>
+              <p:ext uri="{D42A27DB-BD31-4B8C-83A1-F6EECF244321}">
+                <p14:modId xmlns:p14="http://schemas.microsoft.com/office/powerpoint/2010/main" val="1582315941"/>
+              </p:ext>
+            </p:extLst>
+          </p:nvPr>
+        </p:nvGraphicFramePr>
+        <p:xfrm>
+          <a:off x="838200" y="1825625"/>
+          <a:ext cx="10515600" cy="1205674"/>
+        </p:xfrm>
+        <a:graphic>
+          <a:graphicData uri="http://schemas.openxmlformats.org/drawingml/2006/diagram">
+            <dgm:relIds xmlns:dgm="http://schemas.openxmlformats.org/drawingml/2006/diagram" xmlns:r="http://schemas.openxmlformats.org/officeDocument/2006/relationships" r:dm="rId2" r:lo="rId3" r:qs="rId4" r:cs="rId5"/>
+          </a:graphicData>
+        </a:graphic>
+      </p:graphicFrame>
+      <p:graphicFrame>
+        <p:nvGraphicFramePr>
+          <p:cNvPr id="5" name="Content Placeholder 3"/>
+          <p:cNvGraphicFramePr>
+            <a:graphicFrameLocks/>
+          </p:cNvGraphicFramePr>
+          <p:nvPr>
+            <p:extLst>
+              <p:ext uri="{D42A27DB-BD31-4B8C-83A1-F6EECF244321}">
+                <p14:modId xmlns:p14="http://schemas.microsoft.com/office/powerpoint/2010/main" val="2075590665"/>
+              </p:ext>
+            </p:extLst>
+          </p:nvPr>
+        </p:nvGraphicFramePr>
+        <p:xfrm>
+          <a:off x="975986" y="4092836"/>
+          <a:ext cx="10515600" cy="1205674"/>
+        </p:xfrm>
+        <a:graphic>
+          <a:graphicData uri="http://schemas.openxmlformats.org/drawingml/2006/diagram">
+            <dgm:relIds xmlns:dgm="http://schemas.openxmlformats.org/drawingml/2006/diagram" xmlns:r="http://schemas.openxmlformats.org/officeDocument/2006/relationships" r:dm="rId7" r:lo="rId8" r:qs="rId9" r:cs="rId10"/>
+          </a:graphicData>
+        </a:graphic>
+      </p:graphicFrame>
+      <p:sp>
+        <p:nvSpPr>
+          <p:cNvPr id="7" name="Rounded Rectangle 6"/>
+          <p:cNvSpPr/>
+          <p:nvPr/>
+        </p:nvSpPr>
+        <p:spPr>
+          <a:xfrm>
+            <a:off x="8968635" y="3292758"/>
+            <a:ext cx="1966586" cy="538619"/>
+          </a:xfrm>
+          <a:prstGeom prst="roundRect">
+            <a:avLst/>
+          </a:prstGeom>
+        </p:spPr>
+        <p:style>
+          <a:lnRef idx="2">
+            <a:schemeClr val="accent1">
+              <a:shade val="50000"/>
+            </a:schemeClr>
+          </a:lnRef>
+          <a:fillRef idx="1">
+            <a:schemeClr val="accent1"/>
+          </a:fillRef>
+          <a:effectRef idx="0">
+            <a:schemeClr val="accent1"/>
+          </a:effectRef>
+          <a:fontRef idx="minor">
+            <a:schemeClr val="lt1"/>
+          </a:fontRef>
+        </p:style>
+        <p:txBody>
+          <a:bodyPr rtlCol="0" anchor="ctr"/>
+          <a:lstStyle/>
+          <a:p>
+            <a:pPr algn="ctr"/>
+            <a:r>
+              <a:rPr lang="en-GB" sz="2200" dirty="0" smtClean="0"/>
+              <a:t>Held out data</a:t>
+            </a:r>
+            <a:endParaRPr lang="en-GB" sz="2200" dirty="0"/>
+          </a:p>
+        </p:txBody>
+      </p:sp>
+      <p:sp>
+        <p:nvSpPr>
+          <p:cNvPr id="8" name="Right Arrow 7"/>
+          <p:cNvSpPr/>
+          <p:nvPr/>
+        </p:nvSpPr>
+        <p:spPr>
+          <a:xfrm rot="16200000">
+            <a:off x="9795353" y="2942029"/>
+            <a:ext cx="313150" cy="388307"/>
+          </a:xfrm>
+          <a:prstGeom prst="rightArrow">
+            <a:avLst/>
+          </a:prstGeom>
+          <a:solidFill>
+            <a:srgbClr val="B5CBE7"/>
+          </a:solidFill>
+        </p:spPr>
+        <p:style>
+          <a:lnRef idx="2">
+            <a:schemeClr val="accent1">
+              <a:shade val="50000"/>
+            </a:schemeClr>
+          </a:lnRef>
+          <a:fillRef idx="1">
+            <a:schemeClr val="accent1"/>
+          </a:fillRef>
+          <a:effectRef idx="0">
+            <a:schemeClr val="accent1"/>
+          </a:effectRef>
+          <a:fontRef idx="minor">
+            <a:schemeClr val="lt1"/>
+          </a:fontRef>
+        </p:style>
+        <p:txBody>
+          <a:bodyPr rtlCol="0" anchor="ctr"/>
+          <a:lstStyle/>
+          <a:p>
+            <a:pPr algn="ctr"/>
+            <a:endParaRPr lang="en-GB"/>
+          </a:p>
+        </p:txBody>
+      </p:sp>
+      <p:sp>
+        <p:nvSpPr>
+          <p:cNvPr id="9" name="Right Arrow 8"/>
+          <p:cNvSpPr/>
+          <p:nvPr/>
+        </p:nvSpPr>
+        <p:spPr>
+          <a:xfrm rot="5400000" flipV="1">
+            <a:off x="9795353" y="3791418"/>
+            <a:ext cx="313150" cy="388307"/>
+          </a:xfrm>
+          <a:prstGeom prst="rightArrow">
+            <a:avLst/>
+          </a:prstGeom>
+          <a:solidFill>
+            <a:srgbClr val="B5CBE7"/>
+          </a:solidFill>
+        </p:spPr>
+        <p:style>
+          <a:lnRef idx="2">
+            <a:schemeClr val="accent1">
+              <a:shade val="50000"/>
+            </a:schemeClr>
+          </a:lnRef>
+          <a:fillRef idx="1">
+            <a:schemeClr val="accent1"/>
+          </a:fillRef>
+          <a:effectRef idx="0">
+            <a:schemeClr val="accent1"/>
+          </a:effectRef>
+          <a:fontRef idx="minor">
+            <a:schemeClr val="lt1"/>
+          </a:fontRef>
+        </p:style>
+        <p:txBody>
+          <a:bodyPr rtlCol="0" anchor="ctr"/>
+          <a:lstStyle/>
+          <a:p>
+            <a:pPr algn="ctr"/>
+            <a:endParaRPr lang="en-GB"/>
+          </a:p>
+        </p:txBody>
+      </p:sp>
+    </p:spTree>
+    <p:extLst>
+      <p:ext uri="{BB962C8B-B14F-4D97-AF65-F5344CB8AC3E}">
+        <p14:creationId xmlns:p14="http://schemas.microsoft.com/office/powerpoint/2010/main" val="1138139222"/>
+      </p:ext>
+    </p:extLst>
+  </p:cSld>
+  <p:clrMapOvr>
+    <a:masterClrMapping/>
+  </p:clrMapOvr>
+</p:sld>
+</file>
+
 <file path=ppt/theme/theme1.xml><?xml version="1.0" encoding="utf-8"?>
 <a:theme xmlns:a="http://schemas.openxmlformats.org/drawingml/2006/main" name="Office Theme">
   <a:themeElements>

--- a/thesis.pptx
+++ b/thesis.pptx
@@ -7,9 +7,11 @@
   <p:sldIdLst>
     <p:sldId id="256" r:id="rId2"/>
     <p:sldId id="258" r:id="rId3"/>
-    <p:sldId id="257" r:id="rId4"/>
-    <p:sldId id="259" r:id="rId5"/>
-    <p:sldId id="260" r:id="rId6"/>
+    <p:sldId id="261" r:id="rId4"/>
+    <p:sldId id="262" r:id="rId5"/>
+    <p:sldId id="257" r:id="rId6"/>
+    <p:sldId id="259" r:id="rId7"/>
+    <p:sldId id="260" r:id="rId8"/>
   </p:sldIdLst>
   <p:sldSz cx="12192000" cy="6858000"/>
   <p:notesSz cx="6858000" cy="9144000"/>
@@ -109,6 +111,25 @@
     </a:lvl9pPr>
   </p:defaultTextStyle>
   <p:extLst>
+    <p:ext uri="{521415D9-36F7-43E2-AB2F-B90AF26B5E84}">
+      <p14:sectionLst xmlns:p14="http://schemas.microsoft.com/office/powerpoint/2010/main">
+        <p14:section name="Default Section" id="{345F3E90-088C-433A-862C-ED9DB9A67A60}">
+          <p14:sldIdLst>
+            <p14:sldId id="256"/>
+          </p14:sldIdLst>
+        </p14:section>
+        <p14:section name="Untitled Section" id="{09FC8EAA-C38E-40BC-B9CF-A8D61707C53C}">
+          <p14:sldIdLst>
+            <p14:sldId id="258"/>
+            <p14:sldId id="261"/>
+            <p14:sldId id="262"/>
+            <p14:sldId id="257"/>
+            <p14:sldId id="259"/>
+            <p14:sldId id="260"/>
+          </p14:sldIdLst>
+        </p14:section>
+      </p14:sectionLst>
+    </p:ext>
     <p:ext uri="{EFAFB233-063F-42B5-8137-9DF3F51BA10A}">
       <p15:sldGuideLst xmlns:p15="http://schemas.microsoft.com/office/powerpoint/2012/main"/>
     </p:ext>
@@ -1610,7 +1631,2101 @@
 </dgm:colorsDef>
 </file>
 
+<file path=ppt/diagrams/colors3.xml><?xml version="1.0" encoding="utf-8"?>
+<dgm:colorsDef xmlns:dgm="http://schemas.openxmlformats.org/drawingml/2006/diagram" xmlns:a="http://schemas.openxmlformats.org/drawingml/2006/main" uniqueId="urn:microsoft.com/office/officeart/2005/8/colors/accent1_2">
+  <dgm:title val=""/>
+  <dgm:desc val=""/>
+  <dgm:catLst>
+    <dgm:cat type="accent1" pri="11200"/>
+  </dgm:catLst>
+  <dgm:styleLbl name="node0">
+    <dgm:fillClrLst meth="repeat">
+      <a:schemeClr val="accent1"/>
+    </dgm:fillClrLst>
+    <dgm:linClrLst meth="repeat">
+      <a:schemeClr val="lt1"/>
+    </dgm:linClrLst>
+    <dgm:effectClrLst/>
+    <dgm:txLinClrLst/>
+    <dgm:txFillClrLst/>
+    <dgm:txEffectClrLst/>
+  </dgm:styleLbl>
+  <dgm:styleLbl name="alignNode1">
+    <dgm:fillClrLst meth="repeat">
+      <a:schemeClr val="accent1"/>
+    </dgm:fillClrLst>
+    <dgm:linClrLst meth="repeat">
+      <a:schemeClr val="accent1"/>
+    </dgm:linClrLst>
+    <dgm:effectClrLst/>
+    <dgm:txLinClrLst/>
+    <dgm:txFillClrLst/>
+    <dgm:txEffectClrLst/>
+  </dgm:styleLbl>
+  <dgm:styleLbl name="node1">
+    <dgm:fillClrLst meth="repeat">
+      <a:schemeClr val="accent1"/>
+    </dgm:fillClrLst>
+    <dgm:linClrLst meth="repeat">
+      <a:schemeClr val="lt1"/>
+    </dgm:linClrLst>
+    <dgm:effectClrLst/>
+    <dgm:txLinClrLst/>
+    <dgm:txFillClrLst/>
+    <dgm:txEffectClrLst/>
+  </dgm:styleLbl>
+  <dgm:styleLbl name="lnNode1">
+    <dgm:fillClrLst meth="repeat">
+      <a:schemeClr val="accent1"/>
+    </dgm:fillClrLst>
+    <dgm:linClrLst meth="repeat">
+      <a:schemeClr val="lt1"/>
+    </dgm:linClrLst>
+    <dgm:effectClrLst/>
+    <dgm:txLinClrLst/>
+    <dgm:txFillClrLst/>
+    <dgm:txEffectClrLst/>
+  </dgm:styleLbl>
+  <dgm:styleLbl name="vennNode1">
+    <dgm:fillClrLst meth="repeat">
+      <a:schemeClr val="accent1">
+        <a:alpha val="50000"/>
+      </a:schemeClr>
+    </dgm:fillClrLst>
+    <dgm:linClrLst meth="repeat">
+      <a:schemeClr val="lt1"/>
+    </dgm:linClrLst>
+    <dgm:effectClrLst/>
+    <dgm:txLinClrLst/>
+    <dgm:txFillClrLst/>
+    <dgm:txEffectClrLst/>
+  </dgm:styleLbl>
+  <dgm:styleLbl name="node2">
+    <dgm:fillClrLst meth="repeat">
+      <a:schemeClr val="accent1"/>
+    </dgm:fillClrLst>
+    <dgm:linClrLst meth="repeat">
+      <a:schemeClr val="lt1"/>
+    </dgm:linClrLst>
+    <dgm:effectClrLst/>
+    <dgm:txLinClrLst/>
+    <dgm:txFillClrLst/>
+    <dgm:txEffectClrLst/>
+  </dgm:styleLbl>
+  <dgm:styleLbl name="node3">
+    <dgm:fillClrLst meth="repeat">
+      <a:schemeClr val="accent1"/>
+    </dgm:fillClrLst>
+    <dgm:linClrLst meth="repeat">
+      <a:schemeClr val="lt1"/>
+    </dgm:linClrLst>
+    <dgm:effectClrLst/>
+    <dgm:txLinClrLst/>
+    <dgm:txFillClrLst/>
+    <dgm:txEffectClrLst/>
+  </dgm:styleLbl>
+  <dgm:styleLbl name="node4">
+    <dgm:fillClrLst meth="repeat">
+      <a:schemeClr val="accent1"/>
+    </dgm:fillClrLst>
+    <dgm:linClrLst meth="repeat">
+      <a:schemeClr val="lt1"/>
+    </dgm:linClrLst>
+    <dgm:effectClrLst/>
+    <dgm:txLinClrLst/>
+    <dgm:txFillClrLst/>
+    <dgm:txEffectClrLst/>
+  </dgm:styleLbl>
+  <dgm:styleLbl name="fgImgPlace1">
+    <dgm:fillClrLst meth="repeat">
+      <a:schemeClr val="accent1">
+        <a:tint val="50000"/>
+      </a:schemeClr>
+    </dgm:fillClrLst>
+    <dgm:linClrLst meth="repeat">
+      <a:schemeClr val="lt1"/>
+    </dgm:linClrLst>
+    <dgm:effectClrLst/>
+    <dgm:txLinClrLst/>
+    <dgm:txFillClrLst meth="repeat">
+      <a:schemeClr val="lt1"/>
+    </dgm:txFillClrLst>
+    <dgm:txEffectClrLst/>
+  </dgm:styleLbl>
+  <dgm:styleLbl name="alignImgPlace1">
+    <dgm:fillClrLst meth="repeat">
+      <a:schemeClr val="accent1">
+        <a:tint val="50000"/>
+      </a:schemeClr>
+    </dgm:fillClrLst>
+    <dgm:linClrLst meth="repeat">
+      <a:schemeClr val="lt1"/>
+    </dgm:linClrLst>
+    <dgm:effectClrLst/>
+    <dgm:txLinClrLst/>
+    <dgm:txFillClrLst meth="repeat">
+      <a:schemeClr val="lt1"/>
+    </dgm:txFillClrLst>
+    <dgm:txEffectClrLst/>
+  </dgm:styleLbl>
+  <dgm:styleLbl name="bgImgPlace1">
+    <dgm:fillClrLst meth="repeat">
+      <a:schemeClr val="accent1">
+        <a:tint val="50000"/>
+      </a:schemeClr>
+    </dgm:fillClrLst>
+    <dgm:linClrLst meth="repeat">
+      <a:schemeClr val="lt1"/>
+    </dgm:linClrLst>
+    <dgm:effectClrLst/>
+    <dgm:txLinClrLst/>
+    <dgm:txFillClrLst meth="repeat">
+      <a:schemeClr val="lt1"/>
+    </dgm:txFillClrLst>
+    <dgm:txEffectClrLst/>
+  </dgm:styleLbl>
+  <dgm:styleLbl name="sibTrans2D1">
+    <dgm:fillClrLst meth="repeat">
+      <a:schemeClr val="accent1">
+        <a:tint val="60000"/>
+      </a:schemeClr>
+    </dgm:fillClrLst>
+    <dgm:linClrLst meth="repeat">
+      <a:schemeClr val="accent1">
+        <a:tint val="60000"/>
+      </a:schemeClr>
+    </dgm:linClrLst>
+    <dgm:effectClrLst/>
+    <dgm:txLinClrLst/>
+    <dgm:txFillClrLst/>
+    <dgm:txEffectClrLst/>
+  </dgm:styleLbl>
+  <dgm:styleLbl name="fgSibTrans2D1">
+    <dgm:fillClrLst meth="repeat">
+      <a:schemeClr val="accent1">
+        <a:tint val="60000"/>
+      </a:schemeClr>
+    </dgm:fillClrLst>
+    <dgm:linClrLst meth="repeat">
+      <a:schemeClr val="accent1">
+        <a:tint val="60000"/>
+      </a:schemeClr>
+    </dgm:linClrLst>
+    <dgm:effectClrLst/>
+    <dgm:txLinClrLst/>
+    <dgm:txFillClrLst/>
+    <dgm:txEffectClrLst/>
+  </dgm:styleLbl>
+  <dgm:styleLbl name="bgSibTrans2D1">
+    <dgm:fillClrLst meth="repeat">
+      <a:schemeClr val="accent1">
+        <a:tint val="60000"/>
+      </a:schemeClr>
+    </dgm:fillClrLst>
+    <dgm:linClrLst meth="repeat">
+      <a:schemeClr val="accent1">
+        <a:tint val="60000"/>
+      </a:schemeClr>
+    </dgm:linClrLst>
+    <dgm:effectClrLst/>
+    <dgm:txLinClrLst/>
+    <dgm:txFillClrLst/>
+    <dgm:txEffectClrLst/>
+  </dgm:styleLbl>
+  <dgm:styleLbl name="sibTrans1D1">
+    <dgm:fillClrLst meth="repeat">
+      <a:schemeClr val="accent1"/>
+    </dgm:fillClrLst>
+    <dgm:linClrLst meth="repeat">
+      <a:schemeClr val="accent1"/>
+    </dgm:linClrLst>
+    <dgm:effectClrLst/>
+    <dgm:txLinClrLst/>
+    <dgm:txFillClrLst meth="repeat">
+      <a:schemeClr val="tx1"/>
+    </dgm:txFillClrLst>
+    <dgm:txEffectClrLst/>
+  </dgm:styleLbl>
+  <dgm:styleLbl name="callout">
+    <dgm:fillClrLst meth="repeat">
+      <a:schemeClr val="accent1"/>
+    </dgm:fillClrLst>
+    <dgm:linClrLst meth="repeat">
+      <a:schemeClr val="accent1">
+        <a:tint val="50000"/>
+      </a:schemeClr>
+    </dgm:linClrLst>
+    <dgm:effectClrLst/>
+    <dgm:txLinClrLst/>
+    <dgm:txFillClrLst meth="repeat">
+      <a:schemeClr val="tx1"/>
+    </dgm:txFillClrLst>
+    <dgm:txEffectClrLst/>
+  </dgm:styleLbl>
+  <dgm:styleLbl name="asst0">
+    <dgm:fillClrLst meth="repeat">
+      <a:schemeClr val="accent1"/>
+    </dgm:fillClrLst>
+    <dgm:linClrLst meth="repeat">
+      <a:schemeClr val="lt1"/>
+    </dgm:linClrLst>
+    <dgm:effectClrLst/>
+    <dgm:txLinClrLst/>
+    <dgm:txFillClrLst/>
+    <dgm:txEffectClrLst/>
+  </dgm:styleLbl>
+  <dgm:styleLbl name="asst1">
+    <dgm:fillClrLst meth="repeat">
+      <a:schemeClr val="accent1"/>
+    </dgm:fillClrLst>
+    <dgm:linClrLst meth="repeat">
+      <a:schemeClr val="lt1"/>
+    </dgm:linClrLst>
+    <dgm:effectClrLst/>
+    <dgm:txLinClrLst/>
+    <dgm:txFillClrLst/>
+    <dgm:txEffectClrLst/>
+  </dgm:styleLbl>
+  <dgm:styleLbl name="asst2">
+    <dgm:fillClrLst meth="repeat">
+      <a:schemeClr val="accent1"/>
+    </dgm:fillClrLst>
+    <dgm:linClrLst meth="repeat">
+      <a:schemeClr val="lt1"/>
+    </dgm:linClrLst>
+    <dgm:effectClrLst/>
+    <dgm:txLinClrLst/>
+    <dgm:txFillClrLst/>
+    <dgm:txEffectClrLst/>
+  </dgm:styleLbl>
+  <dgm:styleLbl name="asst3">
+    <dgm:fillClrLst meth="repeat">
+      <a:schemeClr val="accent1"/>
+    </dgm:fillClrLst>
+    <dgm:linClrLst meth="repeat">
+      <a:schemeClr val="lt1"/>
+    </dgm:linClrLst>
+    <dgm:effectClrLst/>
+    <dgm:txLinClrLst/>
+    <dgm:txFillClrLst/>
+    <dgm:txEffectClrLst/>
+  </dgm:styleLbl>
+  <dgm:styleLbl name="asst4">
+    <dgm:fillClrLst meth="repeat">
+      <a:schemeClr val="accent1"/>
+    </dgm:fillClrLst>
+    <dgm:linClrLst meth="repeat">
+      <a:schemeClr val="lt1"/>
+    </dgm:linClrLst>
+    <dgm:effectClrLst/>
+    <dgm:txLinClrLst/>
+    <dgm:txFillClrLst/>
+    <dgm:txEffectClrLst/>
+  </dgm:styleLbl>
+  <dgm:styleLbl name="parChTrans2D1">
+    <dgm:fillClrLst meth="repeat">
+      <a:schemeClr val="accent1">
+        <a:tint val="60000"/>
+      </a:schemeClr>
+    </dgm:fillClrLst>
+    <dgm:linClrLst meth="repeat">
+      <a:schemeClr val="accent1">
+        <a:tint val="60000"/>
+      </a:schemeClr>
+    </dgm:linClrLst>
+    <dgm:effectClrLst/>
+    <dgm:txLinClrLst/>
+    <dgm:txFillClrLst meth="repeat">
+      <a:schemeClr val="lt1"/>
+    </dgm:txFillClrLst>
+    <dgm:txEffectClrLst/>
+  </dgm:styleLbl>
+  <dgm:styleLbl name="parChTrans2D2">
+    <dgm:fillClrLst meth="repeat">
+      <a:schemeClr val="accent1"/>
+    </dgm:fillClrLst>
+    <dgm:linClrLst meth="repeat">
+      <a:schemeClr val="accent1"/>
+    </dgm:linClrLst>
+    <dgm:effectClrLst/>
+    <dgm:txLinClrLst/>
+    <dgm:txFillClrLst meth="repeat">
+      <a:schemeClr val="lt1"/>
+    </dgm:txFillClrLst>
+    <dgm:txEffectClrLst/>
+  </dgm:styleLbl>
+  <dgm:styleLbl name="parChTrans2D3">
+    <dgm:fillClrLst meth="repeat">
+      <a:schemeClr val="accent1"/>
+    </dgm:fillClrLst>
+    <dgm:linClrLst meth="repeat">
+      <a:schemeClr val="accent1"/>
+    </dgm:linClrLst>
+    <dgm:effectClrLst/>
+    <dgm:txLinClrLst/>
+    <dgm:txFillClrLst meth="repeat">
+      <a:schemeClr val="lt1"/>
+    </dgm:txFillClrLst>
+    <dgm:txEffectClrLst/>
+  </dgm:styleLbl>
+  <dgm:styleLbl name="parChTrans2D4">
+    <dgm:fillClrLst meth="repeat">
+      <a:schemeClr val="accent1"/>
+    </dgm:fillClrLst>
+    <dgm:linClrLst meth="repeat">
+      <a:schemeClr val="accent1"/>
+    </dgm:linClrLst>
+    <dgm:effectClrLst/>
+    <dgm:txLinClrLst/>
+    <dgm:txFillClrLst meth="repeat">
+      <a:schemeClr val="lt1"/>
+    </dgm:txFillClrLst>
+    <dgm:txEffectClrLst/>
+  </dgm:styleLbl>
+  <dgm:styleLbl name="parChTrans1D1">
+    <dgm:fillClrLst meth="repeat">
+      <a:schemeClr val="accent1"/>
+    </dgm:fillClrLst>
+    <dgm:linClrLst meth="repeat">
+      <a:schemeClr val="accent1">
+        <a:shade val="60000"/>
+      </a:schemeClr>
+    </dgm:linClrLst>
+    <dgm:effectClrLst/>
+    <dgm:txLinClrLst/>
+    <dgm:txFillClrLst meth="repeat">
+      <a:schemeClr val="tx1"/>
+    </dgm:txFillClrLst>
+    <dgm:txEffectClrLst/>
+  </dgm:styleLbl>
+  <dgm:styleLbl name="parChTrans1D2">
+    <dgm:fillClrLst meth="repeat">
+      <a:schemeClr val="accent1"/>
+    </dgm:fillClrLst>
+    <dgm:linClrLst meth="repeat">
+      <a:schemeClr val="accent1">
+        <a:shade val="60000"/>
+      </a:schemeClr>
+    </dgm:linClrLst>
+    <dgm:effectClrLst/>
+    <dgm:txLinClrLst/>
+    <dgm:txFillClrLst meth="repeat">
+      <a:schemeClr val="tx1"/>
+    </dgm:txFillClrLst>
+    <dgm:txEffectClrLst/>
+  </dgm:styleLbl>
+  <dgm:styleLbl name="parChTrans1D3">
+    <dgm:fillClrLst meth="repeat">
+      <a:schemeClr val="accent1"/>
+    </dgm:fillClrLst>
+    <dgm:linClrLst meth="repeat">
+      <a:schemeClr val="accent1">
+        <a:shade val="80000"/>
+      </a:schemeClr>
+    </dgm:linClrLst>
+    <dgm:effectClrLst/>
+    <dgm:txLinClrLst/>
+    <dgm:txFillClrLst meth="repeat">
+      <a:schemeClr val="tx1"/>
+    </dgm:txFillClrLst>
+    <dgm:txEffectClrLst/>
+  </dgm:styleLbl>
+  <dgm:styleLbl name="parChTrans1D4">
+    <dgm:fillClrLst meth="repeat">
+      <a:schemeClr val="accent1"/>
+    </dgm:fillClrLst>
+    <dgm:linClrLst meth="repeat">
+      <a:schemeClr val="accent1">
+        <a:shade val="80000"/>
+      </a:schemeClr>
+    </dgm:linClrLst>
+    <dgm:effectClrLst/>
+    <dgm:txLinClrLst/>
+    <dgm:txFillClrLst meth="repeat">
+      <a:schemeClr val="tx1"/>
+    </dgm:txFillClrLst>
+    <dgm:txEffectClrLst/>
+  </dgm:styleLbl>
+  <dgm:styleLbl name="fgAcc1">
+    <dgm:fillClrLst meth="repeat">
+      <a:schemeClr val="lt1">
+        <a:alpha val="90000"/>
+      </a:schemeClr>
+    </dgm:fillClrLst>
+    <dgm:linClrLst meth="repeat">
+      <a:schemeClr val="accent1"/>
+    </dgm:linClrLst>
+    <dgm:effectClrLst/>
+    <dgm:txLinClrLst/>
+    <dgm:txFillClrLst meth="repeat">
+      <a:schemeClr val="dk1"/>
+    </dgm:txFillClrLst>
+    <dgm:txEffectClrLst/>
+  </dgm:styleLbl>
+  <dgm:styleLbl name="conFgAcc1">
+    <dgm:fillClrLst meth="repeat">
+      <a:schemeClr val="lt1">
+        <a:alpha val="90000"/>
+      </a:schemeClr>
+    </dgm:fillClrLst>
+    <dgm:linClrLst meth="repeat">
+      <a:schemeClr val="accent1"/>
+    </dgm:linClrLst>
+    <dgm:effectClrLst/>
+    <dgm:txLinClrLst/>
+    <dgm:txFillClrLst meth="repeat">
+      <a:schemeClr val="dk1"/>
+    </dgm:txFillClrLst>
+    <dgm:txEffectClrLst/>
+  </dgm:styleLbl>
+  <dgm:styleLbl name="alignAcc1">
+    <dgm:fillClrLst meth="repeat">
+      <a:schemeClr val="lt1">
+        <a:alpha val="90000"/>
+      </a:schemeClr>
+    </dgm:fillClrLst>
+    <dgm:linClrLst meth="repeat">
+      <a:schemeClr val="accent1"/>
+    </dgm:linClrLst>
+    <dgm:effectClrLst/>
+    <dgm:txLinClrLst/>
+    <dgm:txFillClrLst meth="repeat">
+      <a:schemeClr val="dk1"/>
+    </dgm:txFillClrLst>
+    <dgm:txEffectClrLst/>
+  </dgm:styleLbl>
+  <dgm:styleLbl name="trAlignAcc1">
+    <dgm:fillClrLst meth="repeat">
+      <a:schemeClr val="lt1">
+        <a:alpha val="40000"/>
+      </a:schemeClr>
+    </dgm:fillClrLst>
+    <dgm:linClrLst meth="repeat">
+      <a:schemeClr val="accent1"/>
+    </dgm:linClrLst>
+    <dgm:effectClrLst/>
+    <dgm:txLinClrLst/>
+    <dgm:txFillClrLst meth="repeat">
+      <a:schemeClr val="dk1"/>
+    </dgm:txFillClrLst>
+    <dgm:txEffectClrLst/>
+  </dgm:styleLbl>
+  <dgm:styleLbl name="bgAcc1">
+    <dgm:fillClrLst meth="repeat">
+      <a:schemeClr val="lt1">
+        <a:alpha val="90000"/>
+      </a:schemeClr>
+    </dgm:fillClrLst>
+    <dgm:linClrLst meth="repeat">
+      <a:schemeClr val="accent1"/>
+    </dgm:linClrLst>
+    <dgm:effectClrLst/>
+    <dgm:txLinClrLst/>
+    <dgm:txFillClrLst meth="repeat">
+      <a:schemeClr val="dk1"/>
+    </dgm:txFillClrLst>
+    <dgm:txEffectClrLst/>
+  </dgm:styleLbl>
+  <dgm:styleLbl name="solidFgAcc1">
+    <dgm:fillClrLst meth="repeat">
+      <a:schemeClr val="lt1"/>
+    </dgm:fillClrLst>
+    <dgm:linClrLst meth="repeat">
+      <a:schemeClr val="accent1"/>
+    </dgm:linClrLst>
+    <dgm:effectClrLst/>
+    <dgm:txLinClrLst/>
+    <dgm:txFillClrLst meth="repeat">
+      <a:schemeClr val="dk1"/>
+    </dgm:txFillClrLst>
+    <dgm:txEffectClrLst/>
+  </dgm:styleLbl>
+  <dgm:styleLbl name="solidAlignAcc1">
+    <dgm:fillClrLst meth="repeat">
+      <a:schemeClr val="lt1"/>
+    </dgm:fillClrLst>
+    <dgm:linClrLst meth="repeat">
+      <a:schemeClr val="accent1"/>
+    </dgm:linClrLst>
+    <dgm:effectClrLst/>
+    <dgm:txLinClrLst/>
+    <dgm:txFillClrLst meth="repeat">
+      <a:schemeClr val="dk1"/>
+    </dgm:txFillClrLst>
+    <dgm:txEffectClrLst/>
+  </dgm:styleLbl>
+  <dgm:styleLbl name="solidBgAcc1">
+    <dgm:fillClrLst meth="repeat">
+      <a:schemeClr val="lt1"/>
+    </dgm:fillClrLst>
+    <dgm:linClrLst meth="repeat">
+      <a:schemeClr val="accent1"/>
+    </dgm:linClrLst>
+    <dgm:effectClrLst/>
+    <dgm:txLinClrLst/>
+    <dgm:txFillClrLst meth="repeat">
+      <a:schemeClr val="dk1"/>
+    </dgm:txFillClrLst>
+    <dgm:txEffectClrLst/>
+  </dgm:styleLbl>
+  <dgm:styleLbl name="fgAccFollowNode1">
+    <dgm:fillClrLst meth="repeat">
+      <a:schemeClr val="accent1">
+        <a:alpha val="90000"/>
+        <a:tint val="40000"/>
+      </a:schemeClr>
+    </dgm:fillClrLst>
+    <dgm:linClrLst meth="repeat">
+      <a:schemeClr val="accent1">
+        <a:alpha val="90000"/>
+        <a:tint val="40000"/>
+      </a:schemeClr>
+    </dgm:linClrLst>
+    <dgm:effectClrLst/>
+    <dgm:txLinClrLst/>
+    <dgm:txFillClrLst meth="repeat">
+      <a:schemeClr val="dk1"/>
+    </dgm:txFillClrLst>
+    <dgm:txEffectClrLst/>
+  </dgm:styleLbl>
+  <dgm:styleLbl name="alignAccFollowNode1">
+    <dgm:fillClrLst meth="repeat">
+      <a:schemeClr val="accent1">
+        <a:alpha val="90000"/>
+        <a:tint val="40000"/>
+      </a:schemeClr>
+    </dgm:fillClrLst>
+    <dgm:linClrLst meth="repeat">
+      <a:schemeClr val="accent1">
+        <a:alpha val="90000"/>
+        <a:tint val="40000"/>
+      </a:schemeClr>
+    </dgm:linClrLst>
+    <dgm:effectClrLst/>
+    <dgm:txLinClrLst/>
+    <dgm:txFillClrLst meth="repeat">
+      <a:schemeClr val="dk1"/>
+    </dgm:txFillClrLst>
+    <dgm:txEffectClrLst/>
+  </dgm:styleLbl>
+  <dgm:styleLbl name="bgAccFollowNode1">
+    <dgm:fillClrLst meth="repeat">
+      <a:schemeClr val="accent1">
+        <a:alpha val="90000"/>
+        <a:tint val="40000"/>
+      </a:schemeClr>
+    </dgm:fillClrLst>
+    <dgm:linClrLst meth="repeat">
+      <a:schemeClr val="accent1">
+        <a:alpha val="90000"/>
+        <a:tint val="40000"/>
+      </a:schemeClr>
+    </dgm:linClrLst>
+    <dgm:effectClrLst/>
+    <dgm:txLinClrLst/>
+    <dgm:txFillClrLst meth="repeat">
+      <a:schemeClr val="dk1"/>
+    </dgm:txFillClrLst>
+    <dgm:txEffectClrLst/>
+  </dgm:styleLbl>
+  <dgm:styleLbl name="fgAcc0">
+    <dgm:fillClrLst meth="repeat">
+      <a:schemeClr val="lt1">
+        <a:alpha val="90000"/>
+      </a:schemeClr>
+    </dgm:fillClrLst>
+    <dgm:linClrLst meth="repeat">
+      <a:schemeClr val="accent1"/>
+    </dgm:linClrLst>
+    <dgm:effectClrLst/>
+    <dgm:txLinClrLst/>
+    <dgm:txFillClrLst meth="repeat">
+      <a:schemeClr val="dk1"/>
+    </dgm:txFillClrLst>
+    <dgm:txEffectClrLst/>
+  </dgm:styleLbl>
+  <dgm:styleLbl name="fgAcc2">
+    <dgm:fillClrLst meth="repeat">
+      <a:schemeClr val="lt1">
+        <a:alpha val="90000"/>
+      </a:schemeClr>
+    </dgm:fillClrLst>
+    <dgm:linClrLst meth="repeat">
+      <a:schemeClr val="accent1"/>
+    </dgm:linClrLst>
+    <dgm:effectClrLst/>
+    <dgm:txLinClrLst/>
+    <dgm:txFillClrLst meth="repeat">
+      <a:schemeClr val="dk1"/>
+    </dgm:txFillClrLst>
+    <dgm:txEffectClrLst/>
+  </dgm:styleLbl>
+  <dgm:styleLbl name="fgAcc3">
+    <dgm:fillClrLst meth="repeat">
+      <a:schemeClr val="lt1">
+        <a:alpha val="90000"/>
+      </a:schemeClr>
+    </dgm:fillClrLst>
+    <dgm:linClrLst meth="repeat">
+      <a:schemeClr val="accent1"/>
+    </dgm:linClrLst>
+    <dgm:effectClrLst/>
+    <dgm:txLinClrLst/>
+    <dgm:txFillClrLst meth="repeat">
+      <a:schemeClr val="dk1"/>
+    </dgm:txFillClrLst>
+    <dgm:txEffectClrLst/>
+  </dgm:styleLbl>
+  <dgm:styleLbl name="fgAcc4">
+    <dgm:fillClrLst meth="repeat">
+      <a:schemeClr val="lt1">
+        <a:alpha val="90000"/>
+      </a:schemeClr>
+    </dgm:fillClrLst>
+    <dgm:linClrLst meth="repeat">
+      <a:schemeClr val="accent1"/>
+    </dgm:linClrLst>
+    <dgm:effectClrLst/>
+    <dgm:txLinClrLst/>
+    <dgm:txFillClrLst meth="repeat">
+      <a:schemeClr val="dk1"/>
+    </dgm:txFillClrLst>
+    <dgm:txEffectClrLst/>
+  </dgm:styleLbl>
+  <dgm:styleLbl name="bgShp">
+    <dgm:fillClrLst meth="repeat">
+      <a:schemeClr val="accent1">
+        <a:tint val="40000"/>
+      </a:schemeClr>
+    </dgm:fillClrLst>
+    <dgm:linClrLst meth="repeat">
+      <a:schemeClr val="accent1"/>
+    </dgm:linClrLst>
+    <dgm:effectClrLst/>
+    <dgm:txLinClrLst/>
+    <dgm:txFillClrLst meth="repeat">
+      <a:schemeClr val="dk1"/>
+    </dgm:txFillClrLst>
+    <dgm:txEffectClrLst/>
+  </dgm:styleLbl>
+  <dgm:styleLbl name="dkBgShp">
+    <dgm:fillClrLst meth="repeat">
+      <a:schemeClr val="accent1">
+        <a:shade val="80000"/>
+      </a:schemeClr>
+    </dgm:fillClrLst>
+    <dgm:linClrLst meth="repeat">
+      <a:schemeClr val="accent1"/>
+    </dgm:linClrLst>
+    <dgm:effectClrLst/>
+    <dgm:txLinClrLst/>
+    <dgm:txFillClrLst meth="repeat">
+      <a:schemeClr val="lt1"/>
+    </dgm:txFillClrLst>
+    <dgm:txEffectClrLst/>
+  </dgm:styleLbl>
+  <dgm:styleLbl name="trBgShp">
+    <dgm:fillClrLst meth="repeat">
+      <a:schemeClr val="accent1">
+        <a:tint val="50000"/>
+        <a:alpha val="40000"/>
+      </a:schemeClr>
+    </dgm:fillClrLst>
+    <dgm:linClrLst meth="repeat">
+      <a:schemeClr val="accent1"/>
+    </dgm:linClrLst>
+    <dgm:effectClrLst/>
+    <dgm:txLinClrLst/>
+    <dgm:txFillClrLst meth="repeat">
+      <a:schemeClr val="lt1"/>
+    </dgm:txFillClrLst>
+    <dgm:txEffectClrLst/>
+  </dgm:styleLbl>
+  <dgm:styleLbl name="fgShp">
+    <dgm:fillClrLst meth="repeat">
+      <a:schemeClr val="accent1">
+        <a:tint val="60000"/>
+      </a:schemeClr>
+    </dgm:fillClrLst>
+    <dgm:linClrLst meth="repeat">
+      <a:schemeClr val="lt1"/>
+    </dgm:linClrLst>
+    <dgm:effectClrLst/>
+    <dgm:txLinClrLst/>
+    <dgm:txFillClrLst meth="repeat">
+      <a:schemeClr val="dk1"/>
+    </dgm:txFillClrLst>
+    <dgm:txEffectClrLst/>
+  </dgm:styleLbl>
+  <dgm:styleLbl name="revTx">
+    <dgm:fillClrLst meth="repeat">
+      <a:schemeClr val="lt1">
+        <a:alpha val="0"/>
+      </a:schemeClr>
+    </dgm:fillClrLst>
+    <dgm:linClrLst meth="repeat">
+      <a:schemeClr val="dk1">
+        <a:alpha val="0"/>
+      </a:schemeClr>
+    </dgm:linClrLst>
+    <dgm:effectClrLst/>
+    <dgm:txLinClrLst/>
+    <dgm:txFillClrLst meth="repeat">
+      <a:schemeClr val="tx1"/>
+    </dgm:txFillClrLst>
+    <dgm:txEffectClrLst/>
+  </dgm:styleLbl>
+</dgm:colorsDef>
+</file>
+
 <file path=ppt/diagrams/data1.xml><?xml version="1.0" encoding="utf-8"?>
+<dgm:dataModel xmlns:dgm="http://schemas.openxmlformats.org/drawingml/2006/diagram" xmlns:a="http://schemas.openxmlformats.org/drawingml/2006/main">
+  <dgm:ptLst>
+    <dgm:pt modelId="{D259E7F4-F464-42E7-A0C7-2D210D41E940}" type="doc">
+      <dgm:prSet loTypeId="urn:microsoft.com/office/officeart/2008/layout/HorizontalMultiLevelHierarchy" loCatId="hierarchy" qsTypeId="urn:microsoft.com/office/officeart/2005/8/quickstyle/simple1" qsCatId="simple" csTypeId="urn:microsoft.com/office/officeart/2005/8/colors/accent1_2" csCatId="accent1" phldr="1"/>
+      <dgm:spPr/>
+      <dgm:t>
+        <a:bodyPr/>
+        <a:lstStyle/>
+        <a:p>
+          <a:endParaRPr lang="en-US"/>
+        </a:p>
+      </dgm:t>
+    </dgm:pt>
+    <mc:AlternateContent xmlns:mc="http://schemas.openxmlformats.org/markup-compatibility/2006">
+      <mc:Choice xmlns:a14="http://schemas.microsoft.com/office/drawing/2010/main" Requires="a14">
+        <dgm:pt modelId="{0959BF1D-294B-499D-9FA8-0F7AAA1AFE35}">
+          <dgm:prSet phldrT="[Text]"/>
+          <dgm:spPr/>
+          <dgm:t>
+            <a:bodyPr/>
+            <a:lstStyle/>
+            <a:p>
+              <a14:m>
+                <m:oMathPara xmlns:m="http://schemas.openxmlformats.org/officeDocument/2006/math">
+                  <m:oMathParaPr>
+                    <m:jc m:val="centerGroup"/>
+                  </m:oMathParaPr>
+                  <m:oMath xmlns:m="http://schemas.openxmlformats.org/officeDocument/2006/math">
+                    <m:sSub>
+                      <m:sSubPr>
+                        <m:ctrlPr>
+                          <a:rPr lang="en-GB" b="0" i="1" smtClean="0">
+                            <a:latin typeface="Cambria Math" panose="02040503050406030204" pitchFamily="18" charset="0"/>
+                          </a:rPr>
+                        </m:ctrlPr>
+                      </m:sSubPr>
+                      <m:e>
+                        <m:r>
+                          <a:rPr lang="en-GB" b="0" i="1" smtClean="0">
+                            <a:latin typeface="Cambria Math" panose="02040503050406030204" pitchFamily="18" charset="0"/>
+                          </a:rPr>
+                          <m:t>𝑈</m:t>
+                        </m:r>
+                      </m:e>
+                      <m:sub>
+                        <m:sSub>
+                          <m:sSubPr>
+                            <m:ctrlPr>
+                              <a:rPr lang="en-GB" b="0" i="1" smtClean="0">
+                                <a:latin typeface="Cambria Math" panose="02040503050406030204" pitchFamily="18" charset="0"/>
+                              </a:rPr>
+                            </m:ctrlPr>
+                          </m:sSubPr>
+                          <m:e>
+                            <m:r>
+                              <m:rPr>
+                                <m:sty m:val="p"/>
+                              </m:rPr>
+                              <a:rPr lang="en-GB" b="0" i="0" smtClean="0">
+                                <a:latin typeface="Cambria Math" panose="02040503050406030204" pitchFamily="18" charset="0"/>
+                              </a:rPr>
+                              <m:t>Δ</m:t>
+                            </m:r>
+                          </m:e>
+                          <m:sub>
+                            <m:r>
+                              <a:rPr lang="en-GB" b="0" i="1" smtClean="0">
+                                <a:latin typeface="Cambria Math" panose="02040503050406030204" pitchFamily="18" charset="0"/>
+                              </a:rPr>
+                              <m:t>1</m:t>
+                            </m:r>
+                          </m:sub>
+                        </m:sSub>
+                      </m:sub>
+                    </m:sSub>
+                    <m:r>
+                      <a:rPr lang="en-GB" b="0" i="1" smtClean="0">
+                        <a:latin typeface="Cambria Math" panose="02040503050406030204" pitchFamily="18" charset="0"/>
+                      </a:rPr>
+                      <m:t>(</m:t>
+                    </m:r>
+                    <m:r>
+                      <a:rPr lang="en-GB" b="0" i="1" smtClean="0">
+                        <a:latin typeface="Cambria Math" panose="02040503050406030204" pitchFamily="18" charset="0"/>
+                      </a:rPr>
+                      <m:t>𝑘</m:t>
+                    </m:r>
+                    <m:r>
+                      <a:rPr lang="en-GB" b="0" i="1" smtClean="0">
+                        <a:latin typeface="Cambria Math" panose="02040503050406030204" pitchFamily="18" charset="0"/>
+                      </a:rPr>
+                      <m:t>+</m:t>
+                    </m:r>
+                    <m:sSub>
+                      <m:sSubPr>
+                        <m:ctrlPr>
+                          <a:rPr lang="en-GB" b="0" i="1" smtClean="0">
+                            <a:latin typeface="Cambria Math" panose="02040503050406030204" pitchFamily="18" charset="0"/>
+                          </a:rPr>
+                        </m:ctrlPr>
+                      </m:sSubPr>
+                      <m:e>
+                        <m:r>
+                          <a:rPr lang="en-GB" b="0" i="1" smtClean="0">
+                            <a:latin typeface="Cambria Math" panose="02040503050406030204" pitchFamily="18" charset="0"/>
+                          </a:rPr>
+                          <m:t>𝑏</m:t>
+                        </m:r>
+                      </m:e>
+                      <m:sub>
+                        <m:r>
+                          <a:rPr lang="en-GB" b="0" i="1" smtClean="0">
+                            <a:latin typeface="Cambria Math" panose="02040503050406030204" pitchFamily="18" charset="0"/>
+                          </a:rPr>
+                          <m:t>1</m:t>
+                        </m:r>
+                      </m:sub>
+                    </m:sSub>
+                    <m:r>
+                      <a:rPr lang="en-GB" b="0" i="1" smtClean="0">
+                        <a:latin typeface="Cambria Math" panose="02040503050406030204" pitchFamily="18" charset="0"/>
+                      </a:rPr>
+                      <m:t>)</m:t>
+                    </m:r>
+                  </m:oMath>
+                </m:oMathPara>
+              </a14:m>
+              <a:endParaRPr lang="en-US" dirty="0"/>
+            </a:p>
+          </dgm:t>
+        </dgm:pt>
+      </mc:Choice>
+      <mc:Fallback>
+        <dgm:pt modelId="{0959BF1D-294B-499D-9FA8-0F7AAA1AFE35}">
+          <dgm:prSet phldrT="[Text]"/>
+          <dgm:spPr/>
+          <dgm:t>
+            <a:bodyPr/>
+            <a:lstStyle/>
+            <a:p>
+              <a:r>
+                <a:rPr lang="en-GB" b="0" i="0" smtClean="0">
+                  <a:latin typeface="Cambria Math" panose="02040503050406030204" pitchFamily="18" charset="0"/>
+                </a:rPr>
+                <a:t>𝑈_(Δ_1 ) (𝑘+𝑏_1)</a:t>
+              </a:r>
+              <a:endParaRPr lang="en-US" dirty="0"/>
+            </a:p>
+          </dgm:t>
+        </dgm:pt>
+      </mc:Fallback>
+    </mc:AlternateContent>
+    <dgm:pt modelId="{5F54D8F6-6EF0-49BB-8E5A-1982503F70D9}" type="parTrans" cxnId="{4E0F4DB6-0601-44D9-8B26-EBFB4B4060BF}">
+      <dgm:prSet/>
+      <dgm:spPr/>
+      <dgm:t>
+        <a:bodyPr/>
+        <a:lstStyle/>
+        <a:p>
+          <a:endParaRPr lang="en-US"/>
+        </a:p>
+      </dgm:t>
+    </dgm:pt>
+    <dgm:pt modelId="{A9F45DF7-5312-426D-B5FA-03EBDA235A72}" type="sibTrans" cxnId="{4E0F4DB6-0601-44D9-8B26-EBFB4B4060BF}">
+      <dgm:prSet/>
+      <dgm:spPr/>
+      <dgm:t>
+        <a:bodyPr/>
+        <a:lstStyle/>
+        <a:p>
+          <a:endParaRPr lang="en-US"/>
+        </a:p>
+      </dgm:t>
+    </dgm:pt>
+    <mc:AlternateContent xmlns:mc="http://schemas.openxmlformats.org/markup-compatibility/2006">
+      <mc:Choice xmlns:a14="http://schemas.microsoft.com/office/drawing/2010/main" Requires="a14">
+        <dgm:pt modelId="{66C01631-095A-4F31-8D45-6369BBA62FA4}">
+          <dgm:prSet phldrT="[Text]"/>
+          <dgm:spPr/>
+          <dgm:t>
+            <a:bodyPr/>
+            <a:lstStyle/>
+            <a:p>
+              <a14:m>
+                <m:oMathPara xmlns:m="http://schemas.openxmlformats.org/officeDocument/2006/math">
+                  <m:oMathParaPr>
+                    <m:jc m:val="centerGroup"/>
+                  </m:oMathParaPr>
+                  <m:oMath xmlns:m="http://schemas.openxmlformats.org/officeDocument/2006/math">
+                    <m:sSub>
+                      <m:sSubPr>
+                        <m:ctrlPr>
+                          <a:rPr lang="en-GB" b="0" i="1" smtClean="0">
+                            <a:latin typeface="Cambria Math" panose="02040503050406030204" pitchFamily="18" charset="0"/>
+                          </a:rPr>
+                        </m:ctrlPr>
+                      </m:sSubPr>
+                      <m:e>
+                        <m:r>
+                          <a:rPr lang="en-GB" b="0" i="1" smtClean="0">
+                            <a:latin typeface="Cambria Math" panose="02040503050406030204" pitchFamily="18" charset="0"/>
+                          </a:rPr>
+                          <m:t>𝑈</m:t>
+                        </m:r>
+                      </m:e>
+                      <m:sub>
+                        <m:sSub>
+                          <m:sSubPr>
+                            <m:ctrlPr>
+                              <a:rPr lang="en-GB" b="0" i="1" smtClean="0">
+                                <a:latin typeface="Cambria Math" panose="02040503050406030204" pitchFamily="18" charset="0"/>
+                              </a:rPr>
+                            </m:ctrlPr>
+                          </m:sSubPr>
+                          <m:e>
+                            <m:r>
+                              <m:rPr>
+                                <m:sty m:val="p"/>
+                              </m:rPr>
+                              <a:rPr lang="en-GB" b="0" i="0" smtClean="0">
+                                <a:latin typeface="Cambria Math" panose="02040503050406030204" pitchFamily="18" charset="0"/>
+                              </a:rPr>
+                              <m:t>Δ</m:t>
+                            </m:r>
+                          </m:e>
+                          <m:sub>
+                            <m:r>
+                              <a:rPr lang="en-GB" b="0" i="1" smtClean="0">
+                                <a:latin typeface="Cambria Math" panose="02040503050406030204" pitchFamily="18" charset="0"/>
+                              </a:rPr>
+                              <m:t>2</m:t>
+                            </m:r>
+                          </m:sub>
+                        </m:sSub>
+                      </m:sub>
+                    </m:sSub>
+                    <m:r>
+                      <a:rPr lang="en-GB" b="0" i="1" smtClean="0">
+                        <a:latin typeface="Cambria Math" panose="02040503050406030204" pitchFamily="18" charset="0"/>
+                      </a:rPr>
+                      <m:t>(</m:t>
+                    </m:r>
+                    <m:r>
+                      <a:rPr lang="en-GB" b="0" i="1" smtClean="0">
+                        <a:latin typeface="Cambria Math" panose="02040503050406030204" pitchFamily="18" charset="0"/>
+                      </a:rPr>
+                      <m:t>𝑘</m:t>
+                    </m:r>
+                    <m:r>
+                      <a:rPr lang="en-GB" b="0" i="1" smtClean="0">
+                        <a:latin typeface="Cambria Math" panose="02040503050406030204" pitchFamily="18" charset="0"/>
+                      </a:rPr>
+                      <m:t>+</m:t>
+                    </m:r>
+                    <m:sSub>
+                      <m:sSubPr>
+                        <m:ctrlPr>
+                          <a:rPr lang="en-GB" b="0" i="1" smtClean="0">
+                            <a:latin typeface="Cambria Math" panose="02040503050406030204" pitchFamily="18" charset="0"/>
+                          </a:rPr>
+                        </m:ctrlPr>
+                      </m:sSubPr>
+                      <m:e>
+                        <m:r>
+                          <a:rPr lang="en-GB" b="0" i="1" smtClean="0">
+                            <a:latin typeface="Cambria Math" panose="02040503050406030204" pitchFamily="18" charset="0"/>
+                          </a:rPr>
+                          <m:t>𝑏</m:t>
+                        </m:r>
+                      </m:e>
+                      <m:sub>
+                        <m:r>
+                          <a:rPr lang="en-GB" b="0" i="1" smtClean="0">
+                            <a:latin typeface="Cambria Math" panose="02040503050406030204" pitchFamily="18" charset="0"/>
+                          </a:rPr>
+                          <m:t>2</m:t>
+                        </m:r>
+                      </m:sub>
+                    </m:sSub>
+                    <m:r>
+                      <a:rPr lang="en-GB" b="0" i="1" smtClean="0">
+                        <a:latin typeface="Cambria Math" panose="02040503050406030204" pitchFamily="18" charset="0"/>
+                      </a:rPr>
+                      <m:t>)</m:t>
+                    </m:r>
+                  </m:oMath>
+                </m:oMathPara>
+              </a14:m>
+              <a:endParaRPr lang="en-US" dirty="0"/>
+            </a:p>
+          </dgm:t>
+        </dgm:pt>
+      </mc:Choice>
+      <mc:Fallback>
+        <dgm:pt modelId="{66C01631-095A-4F31-8D45-6369BBA62FA4}">
+          <dgm:prSet phldrT="[Text]"/>
+          <dgm:spPr/>
+          <dgm:t>
+            <a:bodyPr/>
+            <a:lstStyle/>
+            <a:p>
+              <a:r>
+                <a:rPr lang="en-GB" b="0" i="0" smtClean="0">
+                  <a:latin typeface="Cambria Math" panose="02040503050406030204" pitchFamily="18" charset="0"/>
+                </a:rPr>
+                <a:t>𝑈</a:t>
+              </a:r>
+              <a:r>
+                <a:rPr lang="en-GB" b="0" i="0" smtClean="0">
+                  <a:latin typeface="Cambria Math" panose="02040503050406030204" pitchFamily="18" charset="0"/>
+                </a:rPr>
+                <a:t>_(Δ_2 ) </a:t>
+              </a:r>
+              <a:r>
+                <a:rPr lang="en-GB" b="0" i="0" smtClean="0">
+                  <a:latin typeface="Cambria Math" panose="02040503050406030204" pitchFamily="18" charset="0"/>
+                </a:rPr>
+                <a:t>(𝑘+𝑏_</a:t>
+              </a:r>
+              <a:r>
+                <a:rPr lang="en-GB" b="0" i="0" smtClean="0">
+                  <a:latin typeface="Cambria Math" panose="02040503050406030204" pitchFamily="18" charset="0"/>
+                </a:rPr>
+                <a:t>2</a:t>
+              </a:r>
+              <a:r>
+                <a:rPr lang="en-GB" b="0" i="0" smtClean="0">
+                  <a:latin typeface="Cambria Math" panose="02040503050406030204" pitchFamily="18" charset="0"/>
+                </a:rPr>
+                <a:t>)</a:t>
+              </a:r>
+              <a:endParaRPr lang="en-US" dirty="0"/>
+            </a:p>
+          </dgm:t>
+        </dgm:pt>
+      </mc:Fallback>
+    </mc:AlternateContent>
+    <dgm:pt modelId="{BB413EBF-9427-4804-81A6-42C2B3D584EA}" type="parTrans" cxnId="{DC42CA26-5259-4053-BA9D-D458500E5C29}">
+      <dgm:prSet/>
+      <dgm:spPr/>
+      <dgm:t>
+        <a:bodyPr/>
+        <a:lstStyle/>
+        <a:p>
+          <a:endParaRPr lang="en-US"/>
+        </a:p>
+      </dgm:t>
+    </dgm:pt>
+    <dgm:pt modelId="{26D54FA5-01BD-4A26-A723-6007511E6EBE}" type="sibTrans" cxnId="{DC42CA26-5259-4053-BA9D-D458500E5C29}">
+      <dgm:prSet/>
+      <dgm:spPr/>
+      <dgm:t>
+        <a:bodyPr/>
+        <a:lstStyle/>
+        <a:p>
+          <a:endParaRPr lang="en-US"/>
+        </a:p>
+      </dgm:t>
+    </dgm:pt>
+    <dgm:pt modelId="{2875BF53-EE03-44E9-A84F-905DCCDEBF28}">
+      <dgm:prSet phldrT="[Text]"/>
+      <dgm:spPr/>
+      <dgm:t>
+        <a:bodyPr/>
+        <a:lstStyle/>
+        <a:p>
+          <a:r>
+            <a:rPr lang="en-US" dirty="0" smtClean="0"/>
+            <a:t>…</a:t>
+          </a:r>
+        </a:p>
+      </dgm:t>
+    </dgm:pt>
+    <dgm:pt modelId="{CB4FBE43-5E66-4A04-9E65-D7B240A2F07C}" type="parTrans" cxnId="{E4839317-1451-4E0C-9D44-77AC785B8D4F}">
+      <dgm:prSet/>
+      <dgm:spPr/>
+      <dgm:t>
+        <a:bodyPr/>
+        <a:lstStyle/>
+        <a:p>
+          <a:endParaRPr lang="en-US"/>
+        </a:p>
+      </dgm:t>
+    </dgm:pt>
+    <dgm:pt modelId="{EA2A4C38-C426-4758-8821-4F49C11A0F2E}" type="sibTrans" cxnId="{E4839317-1451-4E0C-9D44-77AC785B8D4F}">
+      <dgm:prSet/>
+      <dgm:spPr/>
+      <dgm:t>
+        <a:bodyPr/>
+        <a:lstStyle/>
+        <a:p>
+          <a:endParaRPr lang="en-US"/>
+        </a:p>
+      </dgm:t>
+    </dgm:pt>
+    <mc:AlternateContent xmlns:mc="http://schemas.openxmlformats.org/markup-compatibility/2006">
+      <mc:Choice xmlns:a14="http://schemas.microsoft.com/office/drawing/2010/main" Requires="a14">
+        <dgm:pt modelId="{E2301DEF-9A5B-480E-8A00-23A8E512687E}">
+          <dgm:prSet phldrT="[Text]"/>
+          <dgm:spPr/>
+          <dgm:t>
+            <a:bodyPr/>
+            <a:lstStyle/>
+            <a:p>
+              <a14:m>
+                <m:oMathPara xmlns:m="http://schemas.openxmlformats.org/officeDocument/2006/math">
+                  <m:oMathParaPr>
+                    <m:jc m:val="centerGroup"/>
+                  </m:oMathParaPr>
+                  <m:oMath xmlns:m="http://schemas.openxmlformats.org/officeDocument/2006/math">
+                    <m:sSub>
+                      <m:sSubPr>
+                        <m:ctrlPr>
+                          <a:rPr lang="en-GB" b="0" i="1" smtClean="0">
+                            <a:latin typeface="Cambria Math" panose="02040503050406030204" pitchFamily="18" charset="0"/>
+                          </a:rPr>
+                        </m:ctrlPr>
+                      </m:sSubPr>
+                      <m:e>
+                        <m:r>
+                          <a:rPr lang="en-GB" b="0" i="1" smtClean="0">
+                            <a:latin typeface="Cambria Math" panose="02040503050406030204" pitchFamily="18" charset="0"/>
+                          </a:rPr>
+                          <m:t>𝑋</m:t>
+                        </m:r>
+                      </m:e>
+                      <m:sub>
+                        <m:r>
+                          <a:rPr lang="en-GB" b="0" i="1" smtClean="0">
+                            <a:latin typeface="Cambria Math" panose="02040503050406030204" pitchFamily="18" charset="0"/>
+                          </a:rPr>
+                          <m:t>𝑡</m:t>
+                        </m:r>
+                      </m:sub>
+                    </m:sSub>
+                    <m:r>
+                      <a:rPr lang="en-GB" b="0" i="1" smtClean="0">
+                        <a:latin typeface="Cambria Math" panose="02040503050406030204" pitchFamily="18" charset="0"/>
+                      </a:rPr>
+                      <m:t>(</m:t>
+                    </m:r>
+                    <m:r>
+                      <a:rPr lang="en-GB" b="0" i="1" smtClean="0">
+                        <a:latin typeface="Cambria Math" panose="02040503050406030204" pitchFamily="18" charset="0"/>
+                      </a:rPr>
+                      <m:t>𝑘</m:t>
+                    </m:r>
+                    <m:r>
+                      <a:rPr lang="en-GB" b="0" i="1" smtClean="0">
+                        <a:latin typeface="Cambria Math" panose="02040503050406030204" pitchFamily="18" charset="0"/>
+                      </a:rPr>
+                      <m:t>)</m:t>
+                    </m:r>
+                  </m:oMath>
+                </m:oMathPara>
+              </a14:m>
+              <a:endParaRPr lang="en-US" dirty="0"/>
+            </a:p>
+          </dgm:t>
+        </dgm:pt>
+      </mc:Choice>
+      <mc:Fallback>
+        <dgm:pt modelId="{E2301DEF-9A5B-480E-8A00-23A8E512687E}">
+          <dgm:prSet phldrT="[Text]"/>
+          <dgm:spPr/>
+          <dgm:t>
+            <a:bodyPr/>
+            <a:lstStyle/>
+            <a:p>
+              <a:r>
+                <a:rPr lang="en-GB" b="0" i="0" smtClean="0">
+                  <a:latin typeface="Cambria Math" panose="02040503050406030204" pitchFamily="18" charset="0"/>
+                </a:rPr>
+                <a:t>𝑋_𝑡 (𝑘)</a:t>
+              </a:r>
+              <a:endParaRPr lang="en-US" dirty="0"/>
+            </a:p>
+          </dgm:t>
+        </dgm:pt>
+      </mc:Fallback>
+    </mc:AlternateContent>
+    <dgm:pt modelId="{2586AB36-3AF9-482B-816C-812CB246B125}" type="sibTrans" cxnId="{7CEF208F-9AB7-440F-B12B-9F6DC4AF0692}">
+      <dgm:prSet/>
+      <dgm:spPr/>
+      <dgm:t>
+        <a:bodyPr/>
+        <a:lstStyle/>
+        <a:p>
+          <a:endParaRPr lang="en-US"/>
+        </a:p>
+      </dgm:t>
+    </dgm:pt>
+    <dgm:pt modelId="{43CFBD72-B4D5-4F02-8060-4B5D3F9F0881}" type="parTrans" cxnId="{7CEF208F-9AB7-440F-B12B-9F6DC4AF0692}">
+      <dgm:prSet/>
+      <dgm:spPr/>
+      <dgm:t>
+        <a:bodyPr/>
+        <a:lstStyle/>
+        <a:p>
+          <a:endParaRPr lang="en-US"/>
+        </a:p>
+      </dgm:t>
+    </dgm:pt>
+    <mc:AlternateContent xmlns:mc="http://schemas.openxmlformats.org/markup-compatibility/2006">
+      <mc:Choice xmlns:a14="http://schemas.microsoft.com/office/drawing/2010/main" Requires="a14">
+        <dgm:pt modelId="{A36823CB-F23B-47DF-8932-44214C4F36A5}">
+          <dgm:prSet phldrT="[Text]"/>
+          <dgm:spPr/>
+          <dgm:t>
+            <a:bodyPr/>
+            <a:lstStyle/>
+            <a:p>
+              <a14:m>
+                <m:oMathPara xmlns:m="http://schemas.openxmlformats.org/officeDocument/2006/math">
+                  <m:oMathParaPr>
+                    <m:jc m:val="centerGroup"/>
+                  </m:oMathParaPr>
+                  <m:oMath xmlns:m="http://schemas.openxmlformats.org/officeDocument/2006/math">
+                    <m:sSub>
+                      <m:sSubPr>
+                        <m:ctrlPr>
+                          <a:rPr lang="en-GB" b="0" i="1" smtClean="0">
+                            <a:latin typeface="Cambria Math" panose="02040503050406030204" pitchFamily="18" charset="0"/>
+                          </a:rPr>
+                        </m:ctrlPr>
+                      </m:sSubPr>
+                      <m:e>
+                        <m:r>
+                          <a:rPr lang="en-GB" b="0" i="1" smtClean="0">
+                            <a:latin typeface="Cambria Math" panose="02040503050406030204" pitchFamily="18" charset="0"/>
+                          </a:rPr>
+                          <m:t>𝑈</m:t>
+                        </m:r>
+                      </m:e>
+                      <m:sub>
+                        <m:sSub>
+                          <m:sSubPr>
+                            <m:ctrlPr>
+                              <a:rPr lang="en-GB" b="0" i="1" smtClean="0">
+                                <a:latin typeface="Cambria Math" panose="02040503050406030204" pitchFamily="18" charset="0"/>
+                              </a:rPr>
+                            </m:ctrlPr>
+                          </m:sSubPr>
+                          <m:e>
+                            <m:r>
+                              <m:rPr>
+                                <m:sty m:val="p"/>
+                              </m:rPr>
+                              <a:rPr lang="en-GB" b="0" i="0" smtClean="0">
+                                <a:latin typeface="Cambria Math" panose="02040503050406030204" pitchFamily="18" charset="0"/>
+                              </a:rPr>
+                              <m:t>Δ</m:t>
+                            </m:r>
+                          </m:e>
+                          <m:sub>
+                            <m:r>
+                              <a:rPr lang="en-GB" b="0" i="1" smtClean="0">
+                                <a:latin typeface="Cambria Math" panose="02040503050406030204" pitchFamily="18" charset="0"/>
+                              </a:rPr>
+                              <m:t>24</m:t>
+                            </m:r>
+                          </m:sub>
+                        </m:sSub>
+                      </m:sub>
+                    </m:sSub>
+                    <m:r>
+                      <a:rPr lang="en-GB" b="0" i="1" smtClean="0">
+                        <a:latin typeface="Cambria Math" panose="02040503050406030204" pitchFamily="18" charset="0"/>
+                      </a:rPr>
+                      <m:t>(</m:t>
+                    </m:r>
+                    <m:r>
+                      <a:rPr lang="en-GB" b="0" i="1" smtClean="0">
+                        <a:latin typeface="Cambria Math" panose="02040503050406030204" pitchFamily="18" charset="0"/>
+                      </a:rPr>
+                      <m:t>𝑘</m:t>
+                    </m:r>
+                    <m:r>
+                      <a:rPr lang="en-GB" b="0" i="1" smtClean="0">
+                        <a:latin typeface="Cambria Math" panose="02040503050406030204" pitchFamily="18" charset="0"/>
+                      </a:rPr>
+                      <m:t>+</m:t>
+                    </m:r>
+                    <m:sSub>
+                      <m:sSubPr>
+                        <m:ctrlPr>
+                          <a:rPr lang="en-GB" b="0" i="1" smtClean="0">
+                            <a:latin typeface="Cambria Math" panose="02040503050406030204" pitchFamily="18" charset="0"/>
+                          </a:rPr>
+                        </m:ctrlPr>
+                      </m:sSubPr>
+                      <m:e>
+                        <m:r>
+                          <a:rPr lang="en-GB" b="0" i="1" smtClean="0">
+                            <a:latin typeface="Cambria Math" panose="02040503050406030204" pitchFamily="18" charset="0"/>
+                          </a:rPr>
+                          <m:t>𝑏</m:t>
+                        </m:r>
+                      </m:e>
+                      <m:sub>
+                        <m:r>
+                          <a:rPr lang="en-GB" b="0" i="1" smtClean="0">
+                            <a:latin typeface="Cambria Math" panose="02040503050406030204" pitchFamily="18" charset="0"/>
+                          </a:rPr>
+                          <m:t>24</m:t>
+                        </m:r>
+                      </m:sub>
+                    </m:sSub>
+                    <m:r>
+                      <a:rPr lang="en-GB" b="0" i="1" smtClean="0">
+                        <a:latin typeface="Cambria Math" panose="02040503050406030204" pitchFamily="18" charset="0"/>
+                      </a:rPr>
+                      <m:t>)</m:t>
+                    </m:r>
+                  </m:oMath>
+                </m:oMathPara>
+              </a14:m>
+              <a:endParaRPr lang="en-US" dirty="0" smtClean="0"/>
+            </a:p>
+          </dgm:t>
+        </dgm:pt>
+      </mc:Choice>
+      <mc:Fallback>
+        <dgm:pt modelId="{A36823CB-F23B-47DF-8932-44214C4F36A5}">
+          <dgm:prSet phldrT="[Text]"/>
+          <dgm:spPr/>
+          <dgm:t>
+            <a:bodyPr/>
+            <a:lstStyle/>
+            <a:p>
+              <a:r>
+                <a:rPr lang="en-GB" b="0" i="0" smtClean="0">
+                  <a:latin typeface="Cambria Math" panose="02040503050406030204" pitchFamily="18" charset="0"/>
+                </a:rPr>
+                <a:t>𝑈</a:t>
+              </a:r>
+              <a:r>
+                <a:rPr lang="en-GB" b="0" i="0" smtClean="0">
+                  <a:latin typeface="Cambria Math" panose="02040503050406030204" pitchFamily="18" charset="0"/>
+                </a:rPr>
+                <a:t>_(Δ_24 ) </a:t>
+              </a:r>
+              <a:r>
+                <a:rPr lang="en-GB" b="0" i="0" smtClean="0">
+                  <a:latin typeface="Cambria Math" panose="02040503050406030204" pitchFamily="18" charset="0"/>
+                </a:rPr>
+                <a:t>(𝑘+𝑏_</a:t>
+              </a:r>
+              <a:r>
+                <a:rPr lang="en-GB" b="0" i="0" smtClean="0">
+                  <a:latin typeface="Cambria Math" panose="02040503050406030204" pitchFamily="18" charset="0"/>
+                </a:rPr>
+                <a:t>24</a:t>
+              </a:r>
+              <a:r>
+                <a:rPr lang="en-GB" b="0" i="0" smtClean="0">
+                  <a:latin typeface="Cambria Math" panose="02040503050406030204" pitchFamily="18" charset="0"/>
+                </a:rPr>
+                <a:t>)</a:t>
+              </a:r>
+              <a:endParaRPr lang="en-US" dirty="0" smtClean="0"/>
+            </a:p>
+          </dgm:t>
+        </dgm:pt>
+      </mc:Fallback>
+    </mc:AlternateContent>
+    <dgm:pt modelId="{388CA375-04E0-4508-8146-E15672EC186A}" type="parTrans" cxnId="{37008776-1E1A-4323-AC1D-A53C9E0AEE6D}">
+      <dgm:prSet/>
+      <dgm:spPr/>
+      <dgm:t>
+        <a:bodyPr/>
+        <a:lstStyle/>
+        <a:p>
+          <a:endParaRPr lang="en-US"/>
+        </a:p>
+      </dgm:t>
+    </dgm:pt>
+    <dgm:pt modelId="{A8951124-5893-4444-ACAC-F03D6C9330E8}" type="sibTrans" cxnId="{37008776-1E1A-4323-AC1D-A53C9E0AEE6D}">
+      <dgm:prSet/>
+      <dgm:spPr/>
+      <dgm:t>
+        <a:bodyPr/>
+        <a:lstStyle/>
+        <a:p>
+          <a:endParaRPr lang="en-US"/>
+        </a:p>
+      </dgm:t>
+    </dgm:pt>
+    <dgm:pt modelId="{F53ECAAD-A031-4E9F-B89A-7EF768D6B084}" type="pres">
+      <dgm:prSet presAssocID="{D259E7F4-F464-42E7-A0C7-2D210D41E940}" presName="Name0" presStyleCnt="0">
+        <dgm:presLayoutVars>
+          <dgm:chPref val="1"/>
+          <dgm:dir/>
+          <dgm:animOne val="branch"/>
+          <dgm:animLvl val="lvl"/>
+          <dgm:resizeHandles val="exact"/>
+        </dgm:presLayoutVars>
+      </dgm:prSet>
+      <dgm:spPr/>
+    </dgm:pt>
+    <dgm:pt modelId="{3A5811A8-5D06-458B-BC5D-9F8AC7655899}" type="pres">
+      <dgm:prSet presAssocID="{E2301DEF-9A5B-480E-8A00-23A8E512687E}" presName="root1" presStyleCnt="0"/>
+      <dgm:spPr/>
+    </dgm:pt>
+    <dgm:pt modelId="{EDFD6A01-F950-439B-B5C7-1C7F720F7DC1}" type="pres">
+      <dgm:prSet presAssocID="{E2301DEF-9A5B-480E-8A00-23A8E512687E}" presName="LevelOneTextNode" presStyleLbl="node0" presStyleIdx="0" presStyleCnt="1">
+        <dgm:presLayoutVars>
+          <dgm:chPref val="3"/>
+        </dgm:presLayoutVars>
+      </dgm:prSet>
+      <dgm:spPr/>
+      <dgm:t>
+        <a:bodyPr/>
+        <a:lstStyle/>
+        <a:p>
+          <a:endParaRPr lang="en-US"/>
+        </a:p>
+      </dgm:t>
+    </dgm:pt>
+    <dgm:pt modelId="{8E9D1E25-2609-4930-BA94-92B6565F56AA}" type="pres">
+      <dgm:prSet presAssocID="{E2301DEF-9A5B-480E-8A00-23A8E512687E}" presName="level2hierChild" presStyleCnt="0"/>
+      <dgm:spPr/>
+    </dgm:pt>
+    <dgm:pt modelId="{DBCD2123-D742-4B15-92C6-A9A3D4207A4A}" type="pres">
+      <dgm:prSet presAssocID="{5F54D8F6-6EF0-49BB-8E5A-1982503F70D9}" presName="conn2-1" presStyleLbl="parChTrans1D2" presStyleIdx="0" presStyleCnt="4"/>
+      <dgm:spPr/>
+    </dgm:pt>
+    <dgm:pt modelId="{DBB62CEA-6870-4A3B-9BA0-0D0234480EBB}" type="pres">
+      <dgm:prSet presAssocID="{5F54D8F6-6EF0-49BB-8E5A-1982503F70D9}" presName="connTx" presStyleLbl="parChTrans1D2" presStyleIdx="0" presStyleCnt="4"/>
+      <dgm:spPr/>
+    </dgm:pt>
+    <dgm:pt modelId="{4EBC50E9-39A2-4600-85E4-B3CAB19049E5}" type="pres">
+      <dgm:prSet presAssocID="{0959BF1D-294B-499D-9FA8-0F7AAA1AFE35}" presName="root2" presStyleCnt="0"/>
+      <dgm:spPr/>
+    </dgm:pt>
+    <dgm:pt modelId="{761B4BD4-7785-4662-B47E-C44F3DEC6AC1}" type="pres">
+      <dgm:prSet presAssocID="{0959BF1D-294B-499D-9FA8-0F7AAA1AFE35}" presName="LevelTwoTextNode" presStyleLbl="node2" presStyleIdx="0" presStyleCnt="4">
+        <dgm:presLayoutVars>
+          <dgm:chPref val="3"/>
+        </dgm:presLayoutVars>
+      </dgm:prSet>
+      <dgm:spPr/>
+      <dgm:t>
+        <a:bodyPr/>
+        <a:lstStyle/>
+        <a:p>
+          <a:endParaRPr lang="en-US"/>
+        </a:p>
+      </dgm:t>
+    </dgm:pt>
+    <dgm:pt modelId="{D88B508A-FA9B-438D-AC57-0E43E22982D1}" type="pres">
+      <dgm:prSet presAssocID="{0959BF1D-294B-499D-9FA8-0F7AAA1AFE35}" presName="level3hierChild" presStyleCnt="0"/>
+      <dgm:spPr/>
+    </dgm:pt>
+    <dgm:pt modelId="{5F1D099B-3639-4A53-BDE5-EEF2F059BB2D}" type="pres">
+      <dgm:prSet presAssocID="{BB413EBF-9427-4804-81A6-42C2B3D584EA}" presName="conn2-1" presStyleLbl="parChTrans1D2" presStyleIdx="1" presStyleCnt="4"/>
+      <dgm:spPr/>
+    </dgm:pt>
+    <dgm:pt modelId="{9F427D6A-FCA4-4BD4-BFA4-870D91D2875B}" type="pres">
+      <dgm:prSet presAssocID="{BB413EBF-9427-4804-81A6-42C2B3D584EA}" presName="connTx" presStyleLbl="parChTrans1D2" presStyleIdx="1" presStyleCnt="4"/>
+      <dgm:spPr/>
+    </dgm:pt>
+    <dgm:pt modelId="{3C509D81-4E31-4638-9698-35779E357053}" type="pres">
+      <dgm:prSet presAssocID="{66C01631-095A-4F31-8D45-6369BBA62FA4}" presName="root2" presStyleCnt="0"/>
+      <dgm:spPr/>
+    </dgm:pt>
+    <dgm:pt modelId="{4D538711-A400-4253-AB5A-68AA77561006}" type="pres">
+      <dgm:prSet presAssocID="{66C01631-095A-4F31-8D45-6369BBA62FA4}" presName="LevelTwoTextNode" presStyleLbl="node2" presStyleIdx="1" presStyleCnt="4">
+        <dgm:presLayoutVars>
+          <dgm:chPref val="3"/>
+        </dgm:presLayoutVars>
+      </dgm:prSet>
+      <dgm:spPr/>
+      <dgm:t>
+        <a:bodyPr/>
+        <a:lstStyle/>
+        <a:p>
+          <a:endParaRPr lang="en-US"/>
+        </a:p>
+      </dgm:t>
+    </dgm:pt>
+    <dgm:pt modelId="{AE2D267D-1623-4861-B883-A437BD657712}" type="pres">
+      <dgm:prSet presAssocID="{66C01631-095A-4F31-8D45-6369BBA62FA4}" presName="level3hierChild" presStyleCnt="0"/>
+      <dgm:spPr/>
+    </dgm:pt>
+    <dgm:pt modelId="{A1E32B02-D7BB-46A5-9C60-A86A8E88E98F}" type="pres">
+      <dgm:prSet presAssocID="{CB4FBE43-5E66-4A04-9E65-D7B240A2F07C}" presName="conn2-1" presStyleLbl="parChTrans1D2" presStyleIdx="2" presStyleCnt="4"/>
+      <dgm:spPr/>
+    </dgm:pt>
+    <dgm:pt modelId="{15F44E0B-AE9E-4E47-8940-C431B64491CA}" type="pres">
+      <dgm:prSet presAssocID="{CB4FBE43-5E66-4A04-9E65-D7B240A2F07C}" presName="connTx" presStyleLbl="parChTrans1D2" presStyleIdx="2" presStyleCnt="4"/>
+      <dgm:spPr/>
+    </dgm:pt>
+    <dgm:pt modelId="{F737C2DD-D24D-43B2-BF18-8DC589BE8F72}" type="pres">
+      <dgm:prSet presAssocID="{2875BF53-EE03-44E9-A84F-905DCCDEBF28}" presName="root2" presStyleCnt="0"/>
+      <dgm:spPr/>
+    </dgm:pt>
+    <dgm:pt modelId="{7D4CDD25-83F8-482F-947F-2C9D5112B73C}" type="pres">
+      <dgm:prSet presAssocID="{2875BF53-EE03-44E9-A84F-905DCCDEBF28}" presName="LevelTwoTextNode" presStyleLbl="node2" presStyleIdx="2" presStyleCnt="4">
+        <dgm:presLayoutVars>
+          <dgm:chPref val="3"/>
+        </dgm:presLayoutVars>
+      </dgm:prSet>
+      <dgm:spPr/>
+      <dgm:t>
+        <a:bodyPr/>
+        <a:lstStyle/>
+        <a:p>
+          <a:endParaRPr lang="en-US"/>
+        </a:p>
+      </dgm:t>
+    </dgm:pt>
+    <dgm:pt modelId="{2140974F-0C26-41F3-A589-D75F0EEF4887}" type="pres">
+      <dgm:prSet presAssocID="{2875BF53-EE03-44E9-A84F-905DCCDEBF28}" presName="level3hierChild" presStyleCnt="0"/>
+      <dgm:spPr/>
+    </dgm:pt>
+    <dgm:pt modelId="{1E0708CF-D3E1-43F4-A539-A22953819225}" type="pres">
+      <dgm:prSet presAssocID="{388CA375-04E0-4508-8146-E15672EC186A}" presName="conn2-1" presStyleLbl="parChTrans1D2" presStyleIdx="3" presStyleCnt="4"/>
+      <dgm:spPr/>
+    </dgm:pt>
+    <dgm:pt modelId="{FAD77D50-2F01-42CD-9E05-4FC97561BCAF}" type="pres">
+      <dgm:prSet presAssocID="{388CA375-04E0-4508-8146-E15672EC186A}" presName="connTx" presStyleLbl="parChTrans1D2" presStyleIdx="3" presStyleCnt="4"/>
+      <dgm:spPr/>
+    </dgm:pt>
+    <dgm:pt modelId="{FB0EA3C1-5DC6-41AE-AD71-41E0D1628683}" type="pres">
+      <dgm:prSet presAssocID="{A36823CB-F23B-47DF-8932-44214C4F36A5}" presName="root2" presStyleCnt="0"/>
+      <dgm:spPr/>
+    </dgm:pt>
+    <dgm:pt modelId="{B83BD01B-26DA-40A8-95E7-54A054A14A88}" type="pres">
+      <dgm:prSet presAssocID="{A36823CB-F23B-47DF-8932-44214C4F36A5}" presName="LevelTwoTextNode" presStyleLbl="node2" presStyleIdx="3" presStyleCnt="4">
+        <dgm:presLayoutVars>
+          <dgm:chPref val="3"/>
+        </dgm:presLayoutVars>
+      </dgm:prSet>
+      <dgm:spPr/>
+      <dgm:t>
+        <a:bodyPr/>
+        <a:lstStyle/>
+        <a:p>
+          <a:endParaRPr lang="en-US"/>
+        </a:p>
+      </dgm:t>
+    </dgm:pt>
+    <dgm:pt modelId="{1EEE1D19-A42E-4D74-9FE2-A9C0327FC0C7}" type="pres">
+      <dgm:prSet presAssocID="{A36823CB-F23B-47DF-8932-44214C4F36A5}" presName="level3hierChild" presStyleCnt="0"/>
+      <dgm:spPr/>
+    </dgm:pt>
+  </dgm:ptLst>
+  <dgm:cxnLst>
+    <dgm:cxn modelId="{42787747-96AB-479B-8946-C8A03CB10E0D}" type="presOf" srcId="{BB413EBF-9427-4804-81A6-42C2B3D584EA}" destId="{5F1D099B-3639-4A53-BDE5-EEF2F059BB2D}" srcOrd="0" destOrd="0" presId="urn:microsoft.com/office/officeart/2008/layout/HorizontalMultiLevelHierarchy"/>
+    <dgm:cxn modelId="{7CEF208F-9AB7-440F-B12B-9F6DC4AF0692}" srcId="{D259E7F4-F464-42E7-A0C7-2D210D41E940}" destId="{E2301DEF-9A5B-480E-8A00-23A8E512687E}" srcOrd="0" destOrd="0" parTransId="{43CFBD72-B4D5-4F02-8060-4B5D3F9F0881}" sibTransId="{2586AB36-3AF9-482B-816C-812CB246B125}"/>
+    <dgm:cxn modelId="{AB425E09-9B21-4C3A-94A8-FCD445FD6D3B}" type="presOf" srcId="{0959BF1D-294B-499D-9FA8-0F7AAA1AFE35}" destId="{761B4BD4-7785-4662-B47E-C44F3DEC6AC1}" srcOrd="0" destOrd="0" presId="urn:microsoft.com/office/officeart/2008/layout/HorizontalMultiLevelHierarchy"/>
+    <dgm:cxn modelId="{3F74165D-4D07-42C7-AD38-B83DDECB179E}" type="presOf" srcId="{E2301DEF-9A5B-480E-8A00-23A8E512687E}" destId="{EDFD6A01-F950-439B-B5C7-1C7F720F7DC1}" srcOrd="0" destOrd="0" presId="urn:microsoft.com/office/officeart/2008/layout/HorizontalMultiLevelHierarchy"/>
+    <dgm:cxn modelId="{37008776-1E1A-4323-AC1D-A53C9E0AEE6D}" srcId="{E2301DEF-9A5B-480E-8A00-23A8E512687E}" destId="{A36823CB-F23B-47DF-8932-44214C4F36A5}" srcOrd="3" destOrd="0" parTransId="{388CA375-04E0-4508-8146-E15672EC186A}" sibTransId="{A8951124-5893-4444-ACAC-F03D6C9330E8}"/>
+    <dgm:cxn modelId="{7BEF2A01-24FF-4D4A-A2EA-DB4481D0F00E}" type="presOf" srcId="{388CA375-04E0-4508-8146-E15672EC186A}" destId="{1E0708CF-D3E1-43F4-A539-A22953819225}" srcOrd="0" destOrd="0" presId="urn:microsoft.com/office/officeart/2008/layout/HorizontalMultiLevelHierarchy"/>
+    <dgm:cxn modelId="{E4839317-1451-4E0C-9D44-77AC785B8D4F}" srcId="{E2301DEF-9A5B-480E-8A00-23A8E512687E}" destId="{2875BF53-EE03-44E9-A84F-905DCCDEBF28}" srcOrd="2" destOrd="0" parTransId="{CB4FBE43-5E66-4A04-9E65-D7B240A2F07C}" sibTransId="{EA2A4C38-C426-4758-8821-4F49C11A0F2E}"/>
+    <dgm:cxn modelId="{01CBDCD8-BB1B-41FD-B3B6-B40E3B438B45}" type="presOf" srcId="{A36823CB-F23B-47DF-8932-44214C4F36A5}" destId="{B83BD01B-26DA-40A8-95E7-54A054A14A88}" srcOrd="0" destOrd="0" presId="urn:microsoft.com/office/officeart/2008/layout/HorizontalMultiLevelHierarchy"/>
+    <dgm:cxn modelId="{CF53AD3A-1150-441F-9B60-C49A624E1A79}" type="presOf" srcId="{5F54D8F6-6EF0-49BB-8E5A-1982503F70D9}" destId="{DBB62CEA-6870-4A3B-9BA0-0D0234480EBB}" srcOrd="1" destOrd="0" presId="urn:microsoft.com/office/officeart/2008/layout/HorizontalMultiLevelHierarchy"/>
+    <dgm:cxn modelId="{4E0F4DB6-0601-44D9-8B26-EBFB4B4060BF}" srcId="{E2301DEF-9A5B-480E-8A00-23A8E512687E}" destId="{0959BF1D-294B-499D-9FA8-0F7AAA1AFE35}" srcOrd="0" destOrd="0" parTransId="{5F54D8F6-6EF0-49BB-8E5A-1982503F70D9}" sibTransId="{A9F45DF7-5312-426D-B5FA-03EBDA235A72}"/>
+    <dgm:cxn modelId="{C05F66B6-3C3F-4115-8DD0-492ECAFE11F5}" type="presOf" srcId="{D259E7F4-F464-42E7-A0C7-2D210D41E940}" destId="{F53ECAAD-A031-4E9F-B89A-7EF768D6B084}" srcOrd="0" destOrd="0" presId="urn:microsoft.com/office/officeart/2008/layout/HorizontalMultiLevelHierarchy"/>
+    <dgm:cxn modelId="{E308FCA7-17D8-44D2-B47D-AE63759A6F71}" type="presOf" srcId="{CB4FBE43-5E66-4A04-9E65-D7B240A2F07C}" destId="{15F44E0B-AE9E-4E47-8940-C431B64491CA}" srcOrd="1" destOrd="0" presId="urn:microsoft.com/office/officeart/2008/layout/HorizontalMultiLevelHierarchy"/>
+    <dgm:cxn modelId="{DC42CA26-5259-4053-BA9D-D458500E5C29}" srcId="{E2301DEF-9A5B-480E-8A00-23A8E512687E}" destId="{66C01631-095A-4F31-8D45-6369BBA62FA4}" srcOrd="1" destOrd="0" parTransId="{BB413EBF-9427-4804-81A6-42C2B3D584EA}" sibTransId="{26D54FA5-01BD-4A26-A723-6007511E6EBE}"/>
+    <dgm:cxn modelId="{BBCED4B6-2451-4928-8772-7B5942A97191}" type="presOf" srcId="{66C01631-095A-4F31-8D45-6369BBA62FA4}" destId="{4D538711-A400-4253-AB5A-68AA77561006}" srcOrd="0" destOrd="0" presId="urn:microsoft.com/office/officeart/2008/layout/HorizontalMultiLevelHierarchy"/>
+    <dgm:cxn modelId="{B3C599A6-420D-44D2-9E34-69792B951929}" type="presOf" srcId="{5F54D8F6-6EF0-49BB-8E5A-1982503F70D9}" destId="{DBCD2123-D742-4B15-92C6-A9A3D4207A4A}" srcOrd="0" destOrd="0" presId="urn:microsoft.com/office/officeart/2008/layout/HorizontalMultiLevelHierarchy"/>
+    <dgm:cxn modelId="{92B2D537-E21E-4271-868A-5416B2C08C46}" type="presOf" srcId="{388CA375-04E0-4508-8146-E15672EC186A}" destId="{FAD77D50-2F01-42CD-9E05-4FC97561BCAF}" srcOrd="1" destOrd="0" presId="urn:microsoft.com/office/officeart/2008/layout/HorizontalMultiLevelHierarchy"/>
+    <dgm:cxn modelId="{437E0A00-E027-4A85-B55C-59B73A793136}" type="presOf" srcId="{2875BF53-EE03-44E9-A84F-905DCCDEBF28}" destId="{7D4CDD25-83F8-482F-947F-2C9D5112B73C}" srcOrd="0" destOrd="0" presId="urn:microsoft.com/office/officeart/2008/layout/HorizontalMultiLevelHierarchy"/>
+    <dgm:cxn modelId="{719E5025-1780-4230-BA14-FE2E4FB7FAB9}" type="presOf" srcId="{CB4FBE43-5E66-4A04-9E65-D7B240A2F07C}" destId="{A1E32B02-D7BB-46A5-9C60-A86A8E88E98F}" srcOrd="0" destOrd="0" presId="urn:microsoft.com/office/officeart/2008/layout/HorizontalMultiLevelHierarchy"/>
+    <dgm:cxn modelId="{DDB89F3A-0469-4836-B2CB-0074EF9BB1DE}" type="presOf" srcId="{BB413EBF-9427-4804-81A6-42C2B3D584EA}" destId="{9F427D6A-FCA4-4BD4-BFA4-870D91D2875B}" srcOrd="1" destOrd="0" presId="urn:microsoft.com/office/officeart/2008/layout/HorizontalMultiLevelHierarchy"/>
+    <dgm:cxn modelId="{0705A512-A444-4CE5-824D-3770BDBC99FA}" type="presParOf" srcId="{F53ECAAD-A031-4E9F-B89A-7EF768D6B084}" destId="{3A5811A8-5D06-458B-BC5D-9F8AC7655899}" srcOrd="0" destOrd="0" presId="urn:microsoft.com/office/officeart/2008/layout/HorizontalMultiLevelHierarchy"/>
+    <dgm:cxn modelId="{C36E9478-3AD2-47F3-9B47-A74C36B0C7E5}" type="presParOf" srcId="{3A5811A8-5D06-458B-BC5D-9F8AC7655899}" destId="{EDFD6A01-F950-439B-B5C7-1C7F720F7DC1}" srcOrd="0" destOrd="0" presId="urn:microsoft.com/office/officeart/2008/layout/HorizontalMultiLevelHierarchy"/>
+    <dgm:cxn modelId="{3E020433-06E2-4D08-B4D7-3EEE1710A570}" type="presParOf" srcId="{3A5811A8-5D06-458B-BC5D-9F8AC7655899}" destId="{8E9D1E25-2609-4930-BA94-92B6565F56AA}" srcOrd="1" destOrd="0" presId="urn:microsoft.com/office/officeart/2008/layout/HorizontalMultiLevelHierarchy"/>
+    <dgm:cxn modelId="{2D8AF2F6-BADB-4881-9258-FF8A8132A171}" type="presParOf" srcId="{8E9D1E25-2609-4930-BA94-92B6565F56AA}" destId="{DBCD2123-D742-4B15-92C6-A9A3D4207A4A}" srcOrd="0" destOrd="0" presId="urn:microsoft.com/office/officeart/2008/layout/HorizontalMultiLevelHierarchy"/>
+    <dgm:cxn modelId="{995D7F1C-73BB-4352-B337-0BC1BBC43D94}" type="presParOf" srcId="{DBCD2123-D742-4B15-92C6-A9A3D4207A4A}" destId="{DBB62CEA-6870-4A3B-9BA0-0D0234480EBB}" srcOrd="0" destOrd="0" presId="urn:microsoft.com/office/officeart/2008/layout/HorizontalMultiLevelHierarchy"/>
+    <dgm:cxn modelId="{F45712B8-3BDC-4ED7-BC22-1DC5B873F68A}" type="presParOf" srcId="{8E9D1E25-2609-4930-BA94-92B6565F56AA}" destId="{4EBC50E9-39A2-4600-85E4-B3CAB19049E5}" srcOrd="1" destOrd="0" presId="urn:microsoft.com/office/officeart/2008/layout/HorizontalMultiLevelHierarchy"/>
+    <dgm:cxn modelId="{EFD4F94F-FAEA-47CD-9E42-A126467E26B7}" type="presParOf" srcId="{4EBC50E9-39A2-4600-85E4-B3CAB19049E5}" destId="{761B4BD4-7785-4662-B47E-C44F3DEC6AC1}" srcOrd="0" destOrd="0" presId="urn:microsoft.com/office/officeart/2008/layout/HorizontalMultiLevelHierarchy"/>
+    <dgm:cxn modelId="{5AFA4F03-8BF8-418C-9C13-FA731FABF2D1}" type="presParOf" srcId="{4EBC50E9-39A2-4600-85E4-B3CAB19049E5}" destId="{D88B508A-FA9B-438D-AC57-0E43E22982D1}" srcOrd="1" destOrd="0" presId="urn:microsoft.com/office/officeart/2008/layout/HorizontalMultiLevelHierarchy"/>
+    <dgm:cxn modelId="{AA607501-A861-4C5A-A6D6-C3FE3F692BBD}" type="presParOf" srcId="{8E9D1E25-2609-4930-BA94-92B6565F56AA}" destId="{5F1D099B-3639-4A53-BDE5-EEF2F059BB2D}" srcOrd="2" destOrd="0" presId="urn:microsoft.com/office/officeart/2008/layout/HorizontalMultiLevelHierarchy"/>
+    <dgm:cxn modelId="{B66918E4-9A1E-49B7-8693-EE8DDB6EA2CE}" type="presParOf" srcId="{5F1D099B-3639-4A53-BDE5-EEF2F059BB2D}" destId="{9F427D6A-FCA4-4BD4-BFA4-870D91D2875B}" srcOrd="0" destOrd="0" presId="urn:microsoft.com/office/officeart/2008/layout/HorizontalMultiLevelHierarchy"/>
+    <dgm:cxn modelId="{05F687B8-590E-417B-ADCA-BD5D332ABF94}" type="presParOf" srcId="{8E9D1E25-2609-4930-BA94-92B6565F56AA}" destId="{3C509D81-4E31-4638-9698-35779E357053}" srcOrd="3" destOrd="0" presId="urn:microsoft.com/office/officeart/2008/layout/HorizontalMultiLevelHierarchy"/>
+    <dgm:cxn modelId="{5B9A4811-ABA6-42C2-9F82-E9466401EF14}" type="presParOf" srcId="{3C509D81-4E31-4638-9698-35779E357053}" destId="{4D538711-A400-4253-AB5A-68AA77561006}" srcOrd="0" destOrd="0" presId="urn:microsoft.com/office/officeart/2008/layout/HorizontalMultiLevelHierarchy"/>
+    <dgm:cxn modelId="{93521A7A-EDC6-4FDE-8EE7-6352AF918929}" type="presParOf" srcId="{3C509D81-4E31-4638-9698-35779E357053}" destId="{AE2D267D-1623-4861-B883-A437BD657712}" srcOrd="1" destOrd="0" presId="urn:microsoft.com/office/officeart/2008/layout/HorizontalMultiLevelHierarchy"/>
+    <dgm:cxn modelId="{01882A47-3241-4858-BA8A-28B6A6773D90}" type="presParOf" srcId="{8E9D1E25-2609-4930-BA94-92B6565F56AA}" destId="{A1E32B02-D7BB-46A5-9C60-A86A8E88E98F}" srcOrd="4" destOrd="0" presId="urn:microsoft.com/office/officeart/2008/layout/HorizontalMultiLevelHierarchy"/>
+    <dgm:cxn modelId="{99234879-1B4A-41DD-9AE0-98A0C02FE6F6}" type="presParOf" srcId="{A1E32B02-D7BB-46A5-9C60-A86A8E88E98F}" destId="{15F44E0B-AE9E-4E47-8940-C431B64491CA}" srcOrd="0" destOrd="0" presId="urn:microsoft.com/office/officeart/2008/layout/HorizontalMultiLevelHierarchy"/>
+    <dgm:cxn modelId="{352433BB-015D-4FD5-8937-29BF76A95702}" type="presParOf" srcId="{8E9D1E25-2609-4930-BA94-92B6565F56AA}" destId="{F737C2DD-D24D-43B2-BF18-8DC589BE8F72}" srcOrd="5" destOrd="0" presId="urn:microsoft.com/office/officeart/2008/layout/HorizontalMultiLevelHierarchy"/>
+    <dgm:cxn modelId="{AC84D580-FA19-4535-A755-E26F5E271703}" type="presParOf" srcId="{F737C2DD-D24D-43B2-BF18-8DC589BE8F72}" destId="{7D4CDD25-83F8-482F-947F-2C9D5112B73C}" srcOrd="0" destOrd="0" presId="urn:microsoft.com/office/officeart/2008/layout/HorizontalMultiLevelHierarchy"/>
+    <dgm:cxn modelId="{44A6FA57-A9BC-4D5D-B6B9-F8B777006730}" type="presParOf" srcId="{F737C2DD-D24D-43B2-BF18-8DC589BE8F72}" destId="{2140974F-0C26-41F3-A589-D75F0EEF4887}" srcOrd="1" destOrd="0" presId="urn:microsoft.com/office/officeart/2008/layout/HorizontalMultiLevelHierarchy"/>
+    <dgm:cxn modelId="{6CD9C49F-8630-42D2-82CD-18733CC95E0E}" type="presParOf" srcId="{8E9D1E25-2609-4930-BA94-92B6565F56AA}" destId="{1E0708CF-D3E1-43F4-A539-A22953819225}" srcOrd="6" destOrd="0" presId="urn:microsoft.com/office/officeart/2008/layout/HorizontalMultiLevelHierarchy"/>
+    <dgm:cxn modelId="{DA3F9AF7-3BBB-4A08-B7EC-E7B39056E82C}" type="presParOf" srcId="{1E0708CF-D3E1-43F4-A539-A22953819225}" destId="{FAD77D50-2F01-42CD-9E05-4FC97561BCAF}" srcOrd="0" destOrd="0" presId="urn:microsoft.com/office/officeart/2008/layout/HorizontalMultiLevelHierarchy"/>
+    <dgm:cxn modelId="{53201579-A4CC-429C-B721-A612F8A38B94}" type="presParOf" srcId="{8E9D1E25-2609-4930-BA94-92B6565F56AA}" destId="{FB0EA3C1-5DC6-41AE-AD71-41E0D1628683}" srcOrd="7" destOrd="0" presId="urn:microsoft.com/office/officeart/2008/layout/HorizontalMultiLevelHierarchy"/>
+    <dgm:cxn modelId="{0F8783D9-8A77-44BB-BB27-A3FF4EAC16CD}" type="presParOf" srcId="{FB0EA3C1-5DC6-41AE-AD71-41E0D1628683}" destId="{B83BD01B-26DA-40A8-95E7-54A054A14A88}" srcOrd="0" destOrd="0" presId="urn:microsoft.com/office/officeart/2008/layout/HorizontalMultiLevelHierarchy"/>
+    <dgm:cxn modelId="{CB14214A-6B0F-42A8-8FAC-E0599D6BA273}" type="presParOf" srcId="{FB0EA3C1-5DC6-41AE-AD71-41E0D1628683}" destId="{1EEE1D19-A42E-4D74-9FE2-A9C0327FC0C7}" srcOrd="1" destOrd="0" presId="urn:microsoft.com/office/officeart/2008/layout/HorizontalMultiLevelHierarchy"/>
+  </dgm:cxnLst>
+  <dgm:bg/>
+  <dgm:whole/>
+  <dgm:extLst>
+    <a:ext uri="http://schemas.microsoft.com/office/drawing/2008/diagram">
+      <dsp:dataModelExt xmlns:dsp="http://schemas.microsoft.com/office/drawing/2008/diagram" relId="rId6" minVer="http://schemas.openxmlformats.org/drawingml/2006/diagram"/>
+    </a:ext>
+  </dgm:extLst>
+</dgm:dataModel>
+</file>
+
+<file path=ppt/diagrams/data2.xml><?xml version="1.0" encoding="utf-8"?>
+<dgm:dataModel xmlns:dgm="http://schemas.openxmlformats.org/drawingml/2006/diagram" xmlns:a="http://schemas.openxmlformats.org/drawingml/2006/main">
+  <dgm:ptLst>
+    <dgm:pt modelId="{D259E7F4-F464-42E7-A0C7-2D210D41E940}" type="doc">
+      <dgm:prSet loTypeId="urn:microsoft.com/office/officeart/2008/layout/HorizontalMultiLevelHierarchy" loCatId="hierarchy" qsTypeId="urn:microsoft.com/office/officeart/2005/8/quickstyle/simple1" qsCatId="simple" csTypeId="urn:microsoft.com/office/officeart/2005/8/colors/accent1_2" csCatId="accent1" phldr="1"/>
+      <dgm:spPr/>
+      <dgm:t>
+        <a:bodyPr/>
+        <a:lstStyle/>
+        <a:p>
+          <a:endParaRPr lang="en-US"/>
+        </a:p>
+      </dgm:t>
+    </dgm:pt>
+    <dgm:pt modelId="{0959BF1D-294B-499D-9FA8-0F7AAA1AFE35}">
+      <dgm:prSet phldrT="[Text]"/>
+      <dgm:spPr>
+        <a:blipFill>
+          <a:blip xmlns:r="http://schemas.openxmlformats.org/officeDocument/2006/relationships" r:embed="rId1"/>
+          <a:stretch>
+            <a:fillRect/>
+          </a:stretch>
+        </a:blipFill>
+      </dgm:spPr>
+      <dgm:t>
+        <a:bodyPr/>
+        <a:lstStyle/>
+        <a:p>
+          <a:r>
+            <a:rPr lang="en-GB">
+              <a:noFill/>
+            </a:rPr>
+            <a:t> </a:t>
+          </a:r>
+        </a:p>
+      </dgm:t>
+    </dgm:pt>
+    <dgm:pt modelId="{5F54D8F6-6EF0-49BB-8E5A-1982503F70D9}" type="parTrans" cxnId="{4E0F4DB6-0601-44D9-8B26-EBFB4B4060BF}">
+      <dgm:prSet/>
+      <dgm:spPr/>
+      <dgm:t>
+        <a:bodyPr/>
+        <a:lstStyle/>
+        <a:p>
+          <a:endParaRPr lang="en-US"/>
+        </a:p>
+      </dgm:t>
+    </dgm:pt>
+    <dgm:pt modelId="{A9F45DF7-5312-426D-B5FA-03EBDA235A72}" type="sibTrans" cxnId="{4E0F4DB6-0601-44D9-8B26-EBFB4B4060BF}">
+      <dgm:prSet/>
+      <dgm:spPr/>
+      <dgm:t>
+        <a:bodyPr/>
+        <a:lstStyle/>
+        <a:p>
+          <a:endParaRPr lang="en-US"/>
+        </a:p>
+      </dgm:t>
+    </dgm:pt>
+    <dgm:pt modelId="{66C01631-095A-4F31-8D45-6369BBA62FA4}">
+      <dgm:prSet phldrT="[Text]"/>
+      <dgm:spPr>
+        <a:blipFill>
+          <a:blip xmlns:r="http://schemas.openxmlformats.org/officeDocument/2006/relationships" r:embed="rId2"/>
+          <a:stretch>
+            <a:fillRect/>
+          </a:stretch>
+        </a:blipFill>
+      </dgm:spPr>
+      <dgm:t>
+        <a:bodyPr/>
+        <a:lstStyle/>
+        <a:p>
+          <a:r>
+            <a:rPr lang="en-GB">
+              <a:noFill/>
+            </a:rPr>
+            <a:t> </a:t>
+          </a:r>
+        </a:p>
+      </dgm:t>
+    </dgm:pt>
+    <dgm:pt modelId="{BB413EBF-9427-4804-81A6-42C2B3D584EA}" type="parTrans" cxnId="{DC42CA26-5259-4053-BA9D-D458500E5C29}">
+      <dgm:prSet/>
+      <dgm:spPr/>
+      <dgm:t>
+        <a:bodyPr/>
+        <a:lstStyle/>
+        <a:p>
+          <a:endParaRPr lang="en-US"/>
+        </a:p>
+      </dgm:t>
+    </dgm:pt>
+    <dgm:pt modelId="{26D54FA5-01BD-4A26-A723-6007511E6EBE}" type="sibTrans" cxnId="{DC42CA26-5259-4053-BA9D-D458500E5C29}">
+      <dgm:prSet/>
+      <dgm:spPr/>
+      <dgm:t>
+        <a:bodyPr/>
+        <a:lstStyle/>
+        <a:p>
+          <a:endParaRPr lang="en-US"/>
+        </a:p>
+      </dgm:t>
+    </dgm:pt>
+    <dgm:pt modelId="{2875BF53-EE03-44E9-A84F-905DCCDEBF28}">
+      <dgm:prSet phldrT="[Text]"/>
+      <dgm:spPr/>
+      <dgm:t>
+        <a:bodyPr/>
+        <a:lstStyle/>
+        <a:p>
+          <a:r>
+            <a:rPr lang="en-US" dirty="0" smtClean="0"/>
+            <a:t>…</a:t>
+          </a:r>
+        </a:p>
+      </dgm:t>
+    </dgm:pt>
+    <dgm:pt modelId="{CB4FBE43-5E66-4A04-9E65-D7B240A2F07C}" type="parTrans" cxnId="{E4839317-1451-4E0C-9D44-77AC785B8D4F}">
+      <dgm:prSet/>
+      <dgm:spPr/>
+      <dgm:t>
+        <a:bodyPr/>
+        <a:lstStyle/>
+        <a:p>
+          <a:endParaRPr lang="en-US"/>
+        </a:p>
+      </dgm:t>
+    </dgm:pt>
+    <dgm:pt modelId="{EA2A4C38-C426-4758-8821-4F49C11A0F2E}" type="sibTrans" cxnId="{E4839317-1451-4E0C-9D44-77AC785B8D4F}">
+      <dgm:prSet/>
+      <dgm:spPr/>
+      <dgm:t>
+        <a:bodyPr/>
+        <a:lstStyle/>
+        <a:p>
+          <a:endParaRPr lang="en-US"/>
+        </a:p>
+      </dgm:t>
+    </dgm:pt>
+    <dgm:pt modelId="{E2301DEF-9A5B-480E-8A00-23A8E512687E}">
+      <dgm:prSet phldrT="[Text]"/>
+      <dgm:spPr>
+        <a:blipFill>
+          <a:blip xmlns:r="http://schemas.openxmlformats.org/officeDocument/2006/relationships" r:embed="rId3"/>
+          <a:stretch>
+            <a:fillRect/>
+          </a:stretch>
+        </a:blipFill>
+      </dgm:spPr>
+      <dgm:t>
+        <a:bodyPr/>
+        <a:lstStyle/>
+        <a:p>
+          <a:r>
+            <a:rPr lang="en-GB">
+              <a:noFill/>
+            </a:rPr>
+            <a:t> </a:t>
+          </a:r>
+        </a:p>
+      </dgm:t>
+    </dgm:pt>
+    <dgm:pt modelId="{2586AB36-3AF9-482B-816C-812CB246B125}" type="sibTrans" cxnId="{7CEF208F-9AB7-440F-B12B-9F6DC4AF0692}">
+      <dgm:prSet/>
+      <dgm:spPr/>
+      <dgm:t>
+        <a:bodyPr/>
+        <a:lstStyle/>
+        <a:p>
+          <a:endParaRPr lang="en-US"/>
+        </a:p>
+      </dgm:t>
+    </dgm:pt>
+    <dgm:pt modelId="{43CFBD72-B4D5-4F02-8060-4B5D3F9F0881}" type="parTrans" cxnId="{7CEF208F-9AB7-440F-B12B-9F6DC4AF0692}">
+      <dgm:prSet/>
+      <dgm:spPr/>
+      <dgm:t>
+        <a:bodyPr/>
+        <a:lstStyle/>
+        <a:p>
+          <a:endParaRPr lang="en-US"/>
+        </a:p>
+      </dgm:t>
+    </dgm:pt>
+    <dgm:pt modelId="{A36823CB-F23B-47DF-8932-44214C4F36A5}">
+      <dgm:prSet phldrT="[Text]"/>
+      <dgm:spPr>
+        <a:blipFill>
+          <a:blip xmlns:r="http://schemas.openxmlformats.org/officeDocument/2006/relationships" r:embed="rId4"/>
+          <a:stretch>
+            <a:fillRect/>
+          </a:stretch>
+        </a:blipFill>
+      </dgm:spPr>
+      <dgm:t>
+        <a:bodyPr/>
+        <a:lstStyle/>
+        <a:p>
+          <a:r>
+            <a:rPr lang="en-GB">
+              <a:noFill/>
+            </a:rPr>
+            <a:t> </a:t>
+          </a:r>
+        </a:p>
+      </dgm:t>
+    </dgm:pt>
+    <dgm:pt modelId="{388CA375-04E0-4508-8146-E15672EC186A}" type="parTrans" cxnId="{37008776-1E1A-4323-AC1D-A53C9E0AEE6D}">
+      <dgm:prSet/>
+      <dgm:spPr/>
+      <dgm:t>
+        <a:bodyPr/>
+        <a:lstStyle/>
+        <a:p>
+          <a:endParaRPr lang="en-US"/>
+        </a:p>
+      </dgm:t>
+    </dgm:pt>
+    <dgm:pt modelId="{A8951124-5893-4444-ACAC-F03D6C9330E8}" type="sibTrans" cxnId="{37008776-1E1A-4323-AC1D-A53C9E0AEE6D}">
+      <dgm:prSet/>
+      <dgm:spPr/>
+      <dgm:t>
+        <a:bodyPr/>
+        <a:lstStyle/>
+        <a:p>
+          <a:endParaRPr lang="en-US"/>
+        </a:p>
+      </dgm:t>
+    </dgm:pt>
+    <dgm:pt modelId="{F53ECAAD-A031-4E9F-B89A-7EF768D6B084}" type="pres">
+      <dgm:prSet presAssocID="{D259E7F4-F464-42E7-A0C7-2D210D41E940}" presName="Name0" presStyleCnt="0">
+        <dgm:presLayoutVars>
+          <dgm:chPref val="1"/>
+          <dgm:dir/>
+          <dgm:animOne val="branch"/>
+          <dgm:animLvl val="lvl"/>
+          <dgm:resizeHandles val="exact"/>
+        </dgm:presLayoutVars>
+      </dgm:prSet>
+      <dgm:spPr/>
+    </dgm:pt>
+    <dgm:pt modelId="{3A5811A8-5D06-458B-BC5D-9F8AC7655899}" type="pres">
+      <dgm:prSet presAssocID="{E2301DEF-9A5B-480E-8A00-23A8E512687E}" presName="root1" presStyleCnt="0"/>
+      <dgm:spPr/>
+    </dgm:pt>
+    <dgm:pt modelId="{EDFD6A01-F950-439B-B5C7-1C7F720F7DC1}" type="pres">
+      <dgm:prSet presAssocID="{E2301DEF-9A5B-480E-8A00-23A8E512687E}" presName="LevelOneTextNode" presStyleLbl="node0" presStyleIdx="0" presStyleCnt="1">
+        <dgm:presLayoutVars>
+          <dgm:chPref val="3"/>
+        </dgm:presLayoutVars>
+      </dgm:prSet>
+      <dgm:spPr/>
+      <dgm:t>
+        <a:bodyPr/>
+        <a:lstStyle/>
+        <a:p>
+          <a:endParaRPr lang="en-US"/>
+        </a:p>
+      </dgm:t>
+    </dgm:pt>
+    <dgm:pt modelId="{8E9D1E25-2609-4930-BA94-92B6565F56AA}" type="pres">
+      <dgm:prSet presAssocID="{E2301DEF-9A5B-480E-8A00-23A8E512687E}" presName="level2hierChild" presStyleCnt="0"/>
+      <dgm:spPr/>
+    </dgm:pt>
+    <dgm:pt modelId="{DBCD2123-D742-4B15-92C6-A9A3D4207A4A}" type="pres">
+      <dgm:prSet presAssocID="{5F54D8F6-6EF0-49BB-8E5A-1982503F70D9}" presName="conn2-1" presStyleLbl="parChTrans1D2" presStyleIdx="0" presStyleCnt="4"/>
+      <dgm:spPr/>
+    </dgm:pt>
+    <dgm:pt modelId="{DBB62CEA-6870-4A3B-9BA0-0D0234480EBB}" type="pres">
+      <dgm:prSet presAssocID="{5F54D8F6-6EF0-49BB-8E5A-1982503F70D9}" presName="connTx" presStyleLbl="parChTrans1D2" presStyleIdx="0" presStyleCnt="4"/>
+      <dgm:spPr/>
+    </dgm:pt>
+    <dgm:pt modelId="{4EBC50E9-39A2-4600-85E4-B3CAB19049E5}" type="pres">
+      <dgm:prSet presAssocID="{0959BF1D-294B-499D-9FA8-0F7AAA1AFE35}" presName="root2" presStyleCnt="0"/>
+      <dgm:spPr/>
+    </dgm:pt>
+    <dgm:pt modelId="{761B4BD4-7785-4662-B47E-C44F3DEC6AC1}" type="pres">
+      <dgm:prSet presAssocID="{0959BF1D-294B-499D-9FA8-0F7AAA1AFE35}" presName="LevelTwoTextNode" presStyleLbl="node2" presStyleIdx="0" presStyleCnt="4">
+        <dgm:presLayoutVars>
+          <dgm:chPref val="3"/>
+        </dgm:presLayoutVars>
+      </dgm:prSet>
+      <dgm:spPr/>
+      <dgm:t>
+        <a:bodyPr/>
+        <a:lstStyle/>
+        <a:p>
+          <a:endParaRPr lang="en-US"/>
+        </a:p>
+      </dgm:t>
+    </dgm:pt>
+    <dgm:pt modelId="{D88B508A-FA9B-438D-AC57-0E43E22982D1}" type="pres">
+      <dgm:prSet presAssocID="{0959BF1D-294B-499D-9FA8-0F7AAA1AFE35}" presName="level3hierChild" presStyleCnt="0"/>
+      <dgm:spPr/>
+    </dgm:pt>
+    <dgm:pt modelId="{5F1D099B-3639-4A53-BDE5-EEF2F059BB2D}" type="pres">
+      <dgm:prSet presAssocID="{BB413EBF-9427-4804-81A6-42C2B3D584EA}" presName="conn2-1" presStyleLbl="parChTrans1D2" presStyleIdx="1" presStyleCnt="4"/>
+      <dgm:spPr/>
+    </dgm:pt>
+    <dgm:pt modelId="{9F427D6A-FCA4-4BD4-BFA4-870D91D2875B}" type="pres">
+      <dgm:prSet presAssocID="{BB413EBF-9427-4804-81A6-42C2B3D584EA}" presName="connTx" presStyleLbl="parChTrans1D2" presStyleIdx="1" presStyleCnt="4"/>
+      <dgm:spPr/>
+    </dgm:pt>
+    <dgm:pt modelId="{3C509D81-4E31-4638-9698-35779E357053}" type="pres">
+      <dgm:prSet presAssocID="{66C01631-095A-4F31-8D45-6369BBA62FA4}" presName="root2" presStyleCnt="0"/>
+      <dgm:spPr/>
+    </dgm:pt>
+    <dgm:pt modelId="{4D538711-A400-4253-AB5A-68AA77561006}" type="pres">
+      <dgm:prSet presAssocID="{66C01631-095A-4F31-8D45-6369BBA62FA4}" presName="LevelTwoTextNode" presStyleLbl="node2" presStyleIdx="1" presStyleCnt="4">
+        <dgm:presLayoutVars>
+          <dgm:chPref val="3"/>
+        </dgm:presLayoutVars>
+      </dgm:prSet>
+      <dgm:spPr/>
+      <dgm:t>
+        <a:bodyPr/>
+        <a:lstStyle/>
+        <a:p>
+          <a:endParaRPr lang="en-US"/>
+        </a:p>
+      </dgm:t>
+    </dgm:pt>
+    <dgm:pt modelId="{AE2D267D-1623-4861-B883-A437BD657712}" type="pres">
+      <dgm:prSet presAssocID="{66C01631-095A-4F31-8D45-6369BBA62FA4}" presName="level3hierChild" presStyleCnt="0"/>
+      <dgm:spPr/>
+    </dgm:pt>
+    <dgm:pt modelId="{A1E32B02-D7BB-46A5-9C60-A86A8E88E98F}" type="pres">
+      <dgm:prSet presAssocID="{CB4FBE43-5E66-4A04-9E65-D7B240A2F07C}" presName="conn2-1" presStyleLbl="parChTrans1D2" presStyleIdx="2" presStyleCnt="4"/>
+      <dgm:spPr/>
+    </dgm:pt>
+    <dgm:pt modelId="{15F44E0B-AE9E-4E47-8940-C431B64491CA}" type="pres">
+      <dgm:prSet presAssocID="{CB4FBE43-5E66-4A04-9E65-D7B240A2F07C}" presName="connTx" presStyleLbl="parChTrans1D2" presStyleIdx="2" presStyleCnt="4"/>
+      <dgm:spPr/>
+    </dgm:pt>
+    <dgm:pt modelId="{F737C2DD-D24D-43B2-BF18-8DC589BE8F72}" type="pres">
+      <dgm:prSet presAssocID="{2875BF53-EE03-44E9-A84F-905DCCDEBF28}" presName="root2" presStyleCnt="0"/>
+      <dgm:spPr/>
+    </dgm:pt>
+    <dgm:pt modelId="{7D4CDD25-83F8-482F-947F-2C9D5112B73C}" type="pres">
+      <dgm:prSet presAssocID="{2875BF53-EE03-44E9-A84F-905DCCDEBF28}" presName="LevelTwoTextNode" presStyleLbl="node2" presStyleIdx="2" presStyleCnt="4">
+        <dgm:presLayoutVars>
+          <dgm:chPref val="3"/>
+        </dgm:presLayoutVars>
+      </dgm:prSet>
+      <dgm:spPr/>
+      <dgm:t>
+        <a:bodyPr/>
+        <a:lstStyle/>
+        <a:p>
+          <a:endParaRPr lang="en-US"/>
+        </a:p>
+      </dgm:t>
+    </dgm:pt>
+    <dgm:pt modelId="{2140974F-0C26-41F3-A589-D75F0EEF4887}" type="pres">
+      <dgm:prSet presAssocID="{2875BF53-EE03-44E9-A84F-905DCCDEBF28}" presName="level3hierChild" presStyleCnt="0"/>
+      <dgm:spPr/>
+    </dgm:pt>
+    <dgm:pt modelId="{1E0708CF-D3E1-43F4-A539-A22953819225}" type="pres">
+      <dgm:prSet presAssocID="{388CA375-04E0-4508-8146-E15672EC186A}" presName="conn2-1" presStyleLbl="parChTrans1D2" presStyleIdx="3" presStyleCnt="4"/>
+      <dgm:spPr/>
+    </dgm:pt>
+    <dgm:pt modelId="{FAD77D50-2F01-42CD-9E05-4FC97561BCAF}" type="pres">
+      <dgm:prSet presAssocID="{388CA375-04E0-4508-8146-E15672EC186A}" presName="connTx" presStyleLbl="parChTrans1D2" presStyleIdx="3" presStyleCnt="4"/>
+      <dgm:spPr/>
+    </dgm:pt>
+    <dgm:pt modelId="{FB0EA3C1-5DC6-41AE-AD71-41E0D1628683}" type="pres">
+      <dgm:prSet presAssocID="{A36823CB-F23B-47DF-8932-44214C4F36A5}" presName="root2" presStyleCnt="0"/>
+      <dgm:spPr/>
+    </dgm:pt>
+    <dgm:pt modelId="{B83BD01B-26DA-40A8-95E7-54A054A14A88}" type="pres">
+      <dgm:prSet presAssocID="{A36823CB-F23B-47DF-8932-44214C4F36A5}" presName="LevelTwoTextNode" presStyleLbl="node2" presStyleIdx="3" presStyleCnt="4">
+        <dgm:presLayoutVars>
+          <dgm:chPref val="3"/>
+        </dgm:presLayoutVars>
+      </dgm:prSet>
+      <dgm:spPr/>
+      <dgm:t>
+        <a:bodyPr/>
+        <a:lstStyle/>
+        <a:p>
+          <a:endParaRPr lang="en-US"/>
+        </a:p>
+      </dgm:t>
+    </dgm:pt>
+    <dgm:pt modelId="{1EEE1D19-A42E-4D74-9FE2-A9C0327FC0C7}" type="pres">
+      <dgm:prSet presAssocID="{A36823CB-F23B-47DF-8932-44214C4F36A5}" presName="level3hierChild" presStyleCnt="0"/>
+      <dgm:spPr/>
+    </dgm:pt>
+  </dgm:ptLst>
+  <dgm:cxnLst>
+    <dgm:cxn modelId="{42787747-96AB-479B-8946-C8A03CB10E0D}" type="presOf" srcId="{BB413EBF-9427-4804-81A6-42C2B3D584EA}" destId="{5F1D099B-3639-4A53-BDE5-EEF2F059BB2D}" srcOrd="0" destOrd="0" presId="urn:microsoft.com/office/officeart/2008/layout/HorizontalMultiLevelHierarchy"/>
+    <dgm:cxn modelId="{7CEF208F-9AB7-440F-B12B-9F6DC4AF0692}" srcId="{D259E7F4-F464-42E7-A0C7-2D210D41E940}" destId="{E2301DEF-9A5B-480E-8A00-23A8E512687E}" srcOrd="0" destOrd="0" parTransId="{43CFBD72-B4D5-4F02-8060-4B5D3F9F0881}" sibTransId="{2586AB36-3AF9-482B-816C-812CB246B125}"/>
+    <dgm:cxn modelId="{AB425E09-9B21-4C3A-94A8-FCD445FD6D3B}" type="presOf" srcId="{0959BF1D-294B-499D-9FA8-0F7AAA1AFE35}" destId="{761B4BD4-7785-4662-B47E-C44F3DEC6AC1}" srcOrd="0" destOrd="0" presId="urn:microsoft.com/office/officeart/2008/layout/HorizontalMultiLevelHierarchy"/>
+    <dgm:cxn modelId="{3F74165D-4D07-42C7-AD38-B83DDECB179E}" type="presOf" srcId="{E2301DEF-9A5B-480E-8A00-23A8E512687E}" destId="{EDFD6A01-F950-439B-B5C7-1C7F720F7DC1}" srcOrd="0" destOrd="0" presId="urn:microsoft.com/office/officeart/2008/layout/HorizontalMultiLevelHierarchy"/>
+    <dgm:cxn modelId="{37008776-1E1A-4323-AC1D-A53C9E0AEE6D}" srcId="{E2301DEF-9A5B-480E-8A00-23A8E512687E}" destId="{A36823CB-F23B-47DF-8932-44214C4F36A5}" srcOrd="3" destOrd="0" parTransId="{388CA375-04E0-4508-8146-E15672EC186A}" sibTransId="{A8951124-5893-4444-ACAC-F03D6C9330E8}"/>
+    <dgm:cxn modelId="{7BEF2A01-24FF-4D4A-A2EA-DB4481D0F00E}" type="presOf" srcId="{388CA375-04E0-4508-8146-E15672EC186A}" destId="{1E0708CF-D3E1-43F4-A539-A22953819225}" srcOrd="0" destOrd="0" presId="urn:microsoft.com/office/officeart/2008/layout/HorizontalMultiLevelHierarchy"/>
+    <dgm:cxn modelId="{E4839317-1451-4E0C-9D44-77AC785B8D4F}" srcId="{E2301DEF-9A5B-480E-8A00-23A8E512687E}" destId="{2875BF53-EE03-44E9-A84F-905DCCDEBF28}" srcOrd="2" destOrd="0" parTransId="{CB4FBE43-5E66-4A04-9E65-D7B240A2F07C}" sibTransId="{EA2A4C38-C426-4758-8821-4F49C11A0F2E}"/>
+    <dgm:cxn modelId="{01CBDCD8-BB1B-41FD-B3B6-B40E3B438B45}" type="presOf" srcId="{A36823CB-F23B-47DF-8932-44214C4F36A5}" destId="{B83BD01B-26DA-40A8-95E7-54A054A14A88}" srcOrd="0" destOrd="0" presId="urn:microsoft.com/office/officeart/2008/layout/HorizontalMultiLevelHierarchy"/>
+    <dgm:cxn modelId="{CF53AD3A-1150-441F-9B60-C49A624E1A79}" type="presOf" srcId="{5F54D8F6-6EF0-49BB-8E5A-1982503F70D9}" destId="{DBB62CEA-6870-4A3B-9BA0-0D0234480EBB}" srcOrd="1" destOrd="0" presId="urn:microsoft.com/office/officeart/2008/layout/HorizontalMultiLevelHierarchy"/>
+    <dgm:cxn modelId="{4E0F4DB6-0601-44D9-8B26-EBFB4B4060BF}" srcId="{E2301DEF-9A5B-480E-8A00-23A8E512687E}" destId="{0959BF1D-294B-499D-9FA8-0F7AAA1AFE35}" srcOrd="0" destOrd="0" parTransId="{5F54D8F6-6EF0-49BB-8E5A-1982503F70D9}" sibTransId="{A9F45DF7-5312-426D-B5FA-03EBDA235A72}"/>
+    <dgm:cxn modelId="{C05F66B6-3C3F-4115-8DD0-492ECAFE11F5}" type="presOf" srcId="{D259E7F4-F464-42E7-A0C7-2D210D41E940}" destId="{F53ECAAD-A031-4E9F-B89A-7EF768D6B084}" srcOrd="0" destOrd="0" presId="urn:microsoft.com/office/officeart/2008/layout/HorizontalMultiLevelHierarchy"/>
+    <dgm:cxn modelId="{E308FCA7-17D8-44D2-B47D-AE63759A6F71}" type="presOf" srcId="{CB4FBE43-5E66-4A04-9E65-D7B240A2F07C}" destId="{15F44E0B-AE9E-4E47-8940-C431B64491CA}" srcOrd="1" destOrd="0" presId="urn:microsoft.com/office/officeart/2008/layout/HorizontalMultiLevelHierarchy"/>
+    <dgm:cxn modelId="{DC42CA26-5259-4053-BA9D-D458500E5C29}" srcId="{E2301DEF-9A5B-480E-8A00-23A8E512687E}" destId="{66C01631-095A-4F31-8D45-6369BBA62FA4}" srcOrd="1" destOrd="0" parTransId="{BB413EBF-9427-4804-81A6-42C2B3D584EA}" sibTransId="{26D54FA5-01BD-4A26-A723-6007511E6EBE}"/>
+    <dgm:cxn modelId="{BBCED4B6-2451-4928-8772-7B5942A97191}" type="presOf" srcId="{66C01631-095A-4F31-8D45-6369BBA62FA4}" destId="{4D538711-A400-4253-AB5A-68AA77561006}" srcOrd="0" destOrd="0" presId="urn:microsoft.com/office/officeart/2008/layout/HorizontalMultiLevelHierarchy"/>
+    <dgm:cxn modelId="{B3C599A6-420D-44D2-9E34-69792B951929}" type="presOf" srcId="{5F54D8F6-6EF0-49BB-8E5A-1982503F70D9}" destId="{DBCD2123-D742-4B15-92C6-A9A3D4207A4A}" srcOrd="0" destOrd="0" presId="urn:microsoft.com/office/officeart/2008/layout/HorizontalMultiLevelHierarchy"/>
+    <dgm:cxn modelId="{92B2D537-E21E-4271-868A-5416B2C08C46}" type="presOf" srcId="{388CA375-04E0-4508-8146-E15672EC186A}" destId="{FAD77D50-2F01-42CD-9E05-4FC97561BCAF}" srcOrd="1" destOrd="0" presId="urn:microsoft.com/office/officeart/2008/layout/HorizontalMultiLevelHierarchy"/>
+    <dgm:cxn modelId="{437E0A00-E027-4A85-B55C-59B73A793136}" type="presOf" srcId="{2875BF53-EE03-44E9-A84F-905DCCDEBF28}" destId="{7D4CDD25-83F8-482F-947F-2C9D5112B73C}" srcOrd="0" destOrd="0" presId="urn:microsoft.com/office/officeart/2008/layout/HorizontalMultiLevelHierarchy"/>
+    <dgm:cxn modelId="{719E5025-1780-4230-BA14-FE2E4FB7FAB9}" type="presOf" srcId="{CB4FBE43-5E66-4A04-9E65-D7B240A2F07C}" destId="{A1E32B02-D7BB-46A5-9C60-A86A8E88E98F}" srcOrd="0" destOrd="0" presId="urn:microsoft.com/office/officeart/2008/layout/HorizontalMultiLevelHierarchy"/>
+    <dgm:cxn modelId="{DDB89F3A-0469-4836-B2CB-0074EF9BB1DE}" type="presOf" srcId="{BB413EBF-9427-4804-81A6-42C2B3D584EA}" destId="{9F427D6A-FCA4-4BD4-BFA4-870D91D2875B}" srcOrd="1" destOrd="0" presId="urn:microsoft.com/office/officeart/2008/layout/HorizontalMultiLevelHierarchy"/>
+    <dgm:cxn modelId="{0705A512-A444-4CE5-824D-3770BDBC99FA}" type="presParOf" srcId="{F53ECAAD-A031-4E9F-B89A-7EF768D6B084}" destId="{3A5811A8-5D06-458B-BC5D-9F8AC7655899}" srcOrd="0" destOrd="0" presId="urn:microsoft.com/office/officeart/2008/layout/HorizontalMultiLevelHierarchy"/>
+    <dgm:cxn modelId="{C36E9478-3AD2-47F3-9B47-A74C36B0C7E5}" type="presParOf" srcId="{3A5811A8-5D06-458B-BC5D-9F8AC7655899}" destId="{EDFD6A01-F950-439B-B5C7-1C7F720F7DC1}" srcOrd="0" destOrd="0" presId="urn:microsoft.com/office/officeart/2008/layout/HorizontalMultiLevelHierarchy"/>
+    <dgm:cxn modelId="{3E020433-06E2-4D08-B4D7-3EEE1710A570}" type="presParOf" srcId="{3A5811A8-5D06-458B-BC5D-9F8AC7655899}" destId="{8E9D1E25-2609-4930-BA94-92B6565F56AA}" srcOrd="1" destOrd="0" presId="urn:microsoft.com/office/officeart/2008/layout/HorizontalMultiLevelHierarchy"/>
+    <dgm:cxn modelId="{2D8AF2F6-BADB-4881-9258-FF8A8132A171}" type="presParOf" srcId="{8E9D1E25-2609-4930-BA94-92B6565F56AA}" destId="{DBCD2123-D742-4B15-92C6-A9A3D4207A4A}" srcOrd="0" destOrd="0" presId="urn:microsoft.com/office/officeart/2008/layout/HorizontalMultiLevelHierarchy"/>
+    <dgm:cxn modelId="{995D7F1C-73BB-4352-B337-0BC1BBC43D94}" type="presParOf" srcId="{DBCD2123-D742-4B15-92C6-A9A3D4207A4A}" destId="{DBB62CEA-6870-4A3B-9BA0-0D0234480EBB}" srcOrd="0" destOrd="0" presId="urn:microsoft.com/office/officeart/2008/layout/HorizontalMultiLevelHierarchy"/>
+    <dgm:cxn modelId="{F45712B8-3BDC-4ED7-BC22-1DC5B873F68A}" type="presParOf" srcId="{8E9D1E25-2609-4930-BA94-92B6565F56AA}" destId="{4EBC50E9-39A2-4600-85E4-B3CAB19049E5}" srcOrd="1" destOrd="0" presId="urn:microsoft.com/office/officeart/2008/layout/HorizontalMultiLevelHierarchy"/>
+    <dgm:cxn modelId="{EFD4F94F-FAEA-47CD-9E42-A126467E26B7}" type="presParOf" srcId="{4EBC50E9-39A2-4600-85E4-B3CAB19049E5}" destId="{761B4BD4-7785-4662-B47E-C44F3DEC6AC1}" srcOrd="0" destOrd="0" presId="urn:microsoft.com/office/officeart/2008/layout/HorizontalMultiLevelHierarchy"/>
+    <dgm:cxn modelId="{5AFA4F03-8BF8-418C-9C13-FA731FABF2D1}" type="presParOf" srcId="{4EBC50E9-39A2-4600-85E4-B3CAB19049E5}" destId="{D88B508A-FA9B-438D-AC57-0E43E22982D1}" srcOrd="1" destOrd="0" presId="urn:microsoft.com/office/officeart/2008/layout/HorizontalMultiLevelHierarchy"/>
+    <dgm:cxn modelId="{AA607501-A861-4C5A-A6D6-C3FE3F692BBD}" type="presParOf" srcId="{8E9D1E25-2609-4930-BA94-92B6565F56AA}" destId="{5F1D099B-3639-4A53-BDE5-EEF2F059BB2D}" srcOrd="2" destOrd="0" presId="urn:microsoft.com/office/officeart/2008/layout/HorizontalMultiLevelHierarchy"/>
+    <dgm:cxn modelId="{B66918E4-9A1E-49B7-8693-EE8DDB6EA2CE}" type="presParOf" srcId="{5F1D099B-3639-4A53-BDE5-EEF2F059BB2D}" destId="{9F427D6A-FCA4-4BD4-BFA4-870D91D2875B}" srcOrd="0" destOrd="0" presId="urn:microsoft.com/office/officeart/2008/layout/HorizontalMultiLevelHierarchy"/>
+    <dgm:cxn modelId="{05F687B8-590E-417B-ADCA-BD5D332ABF94}" type="presParOf" srcId="{8E9D1E25-2609-4930-BA94-92B6565F56AA}" destId="{3C509D81-4E31-4638-9698-35779E357053}" srcOrd="3" destOrd="0" presId="urn:microsoft.com/office/officeart/2008/layout/HorizontalMultiLevelHierarchy"/>
+    <dgm:cxn modelId="{5B9A4811-ABA6-42C2-9F82-E9466401EF14}" type="presParOf" srcId="{3C509D81-4E31-4638-9698-35779E357053}" destId="{4D538711-A400-4253-AB5A-68AA77561006}" srcOrd="0" destOrd="0" presId="urn:microsoft.com/office/officeart/2008/layout/HorizontalMultiLevelHierarchy"/>
+    <dgm:cxn modelId="{93521A7A-EDC6-4FDE-8EE7-6352AF918929}" type="presParOf" srcId="{3C509D81-4E31-4638-9698-35779E357053}" destId="{AE2D267D-1623-4861-B883-A437BD657712}" srcOrd="1" destOrd="0" presId="urn:microsoft.com/office/officeart/2008/layout/HorizontalMultiLevelHierarchy"/>
+    <dgm:cxn modelId="{01882A47-3241-4858-BA8A-28B6A6773D90}" type="presParOf" srcId="{8E9D1E25-2609-4930-BA94-92B6565F56AA}" destId="{A1E32B02-D7BB-46A5-9C60-A86A8E88E98F}" srcOrd="4" destOrd="0" presId="urn:microsoft.com/office/officeart/2008/layout/HorizontalMultiLevelHierarchy"/>
+    <dgm:cxn modelId="{99234879-1B4A-41DD-9AE0-98A0C02FE6F6}" type="presParOf" srcId="{A1E32B02-D7BB-46A5-9C60-A86A8E88E98F}" destId="{15F44E0B-AE9E-4E47-8940-C431B64491CA}" srcOrd="0" destOrd="0" presId="urn:microsoft.com/office/officeart/2008/layout/HorizontalMultiLevelHierarchy"/>
+    <dgm:cxn modelId="{352433BB-015D-4FD5-8937-29BF76A95702}" type="presParOf" srcId="{8E9D1E25-2609-4930-BA94-92B6565F56AA}" destId="{F737C2DD-D24D-43B2-BF18-8DC589BE8F72}" srcOrd="5" destOrd="0" presId="urn:microsoft.com/office/officeart/2008/layout/HorizontalMultiLevelHierarchy"/>
+    <dgm:cxn modelId="{AC84D580-FA19-4535-A755-E26F5E271703}" type="presParOf" srcId="{F737C2DD-D24D-43B2-BF18-8DC589BE8F72}" destId="{7D4CDD25-83F8-482F-947F-2C9D5112B73C}" srcOrd="0" destOrd="0" presId="urn:microsoft.com/office/officeart/2008/layout/HorizontalMultiLevelHierarchy"/>
+    <dgm:cxn modelId="{44A6FA57-A9BC-4D5D-B6B9-F8B777006730}" type="presParOf" srcId="{F737C2DD-D24D-43B2-BF18-8DC589BE8F72}" destId="{2140974F-0C26-41F3-A589-D75F0EEF4887}" srcOrd="1" destOrd="0" presId="urn:microsoft.com/office/officeart/2008/layout/HorizontalMultiLevelHierarchy"/>
+    <dgm:cxn modelId="{6CD9C49F-8630-42D2-82CD-18733CC95E0E}" type="presParOf" srcId="{8E9D1E25-2609-4930-BA94-92B6565F56AA}" destId="{1E0708CF-D3E1-43F4-A539-A22953819225}" srcOrd="6" destOrd="0" presId="urn:microsoft.com/office/officeart/2008/layout/HorizontalMultiLevelHierarchy"/>
+    <dgm:cxn modelId="{DA3F9AF7-3BBB-4A08-B7EC-E7B39056E82C}" type="presParOf" srcId="{1E0708CF-D3E1-43F4-A539-A22953819225}" destId="{FAD77D50-2F01-42CD-9E05-4FC97561BCAF}" srcOrd="0" destOrd="0" presId="urn:microsoft.com/office/officeart/2008/layout/HorizontalMultiLevelHierarchy"/>
+    <dgm:cxn modelId="{53201579-A4CC-429C-B721-A612F8A38B94}" type="presParOf" srcId="{8E9D1E25-2609-4930-BA94-92B6565F56AA}" destId="{FB0EA3C1-5DC6-41AE-AD71-41E0D1628683}" srcOrd="7" destOrd="0" presId="urn:microsoft.com/office/officeart/2008/layout/HorizontalMultiLevelHierarchy"/>
+    <dgm:cxn modelId="{0F8783D9-8A77-44BB-BB27-A3FF4EAC16CD}" type="presParOf" srcId="{FB0EA3C1-5DC6-41AE-AD71-41E0D1628683}" destId="{B83BD01B-26DA-40A8-95E7-54A054A14A88}" srcOrd="0" destOrd="0" presId="urn:microsoft.com/office/officeart/2008/layout/HorizontalMultiLevelHierarchy"/>
+    <dgm:cxn modelId="{CB14214A-6B0F-42A8-8FAC-E0599D6BA273}" type="presParOf" srcId="{FB0EA3C1-5DC6-41AE-AD71-41E0D1628683}" destId="{1EEE1D19-A42E-4D74-9FE2-A9C0327FC0C7}" srcOrd="1" destOrd="0" presId="urn:microsoft.com/office/officeart/2008/layout/HorizontalMultiLevelHierarchy"/>
+  </dgm:cxnLst>
+  <dgm:bg/>
+  <dgm:whole/>
+  <dgm:extLst>
+    <a:ext uri="http://schemas.microsoft.com/office/drawing/2008/diagram">
+      <dsp:dataModelExt xmlns:dsp="http://schemas.microsoft.com/office/drawing/2008/diagram" relId="rId6" minVer="http://schemas.openxmlformats.org/drawingml/2006/diagram"/>
+    </a:ext>
+  </dgm:extLst>
+</dgm:dataModel>
+</file>
+
+<file path=ppt/diagrams/data3.xml><?xml version="1.0" encoding="utf-8"?>
 <dgm:dataModel xmlns:dgm="http://schemas.openxmlformats.org/drawingml/2006/diagram" xmlns:a="http://schemas.openxmlformats.org/drawingml/2006/main">
   <dgm:ptLst>
     <dgm:pt modelId="{D0672782-9A7F-480A-BE15-CCA191207A27}" type="doc">
@@ -1755,10 +3870,24 @@
     <dgm:pt modelId="{0DD9F322-72CE-4C6E-B08A-2F65D3EF43B1}" type="pres">
       <dgm:prSet presAssocID="{B747527B-8291-4D49-A3F1-F791005146F1}" presName="sibTrans" presStyleLbl="sibTrans2D1" presStyleIdx="0" presStyleCnt="2"/>
       <dgm:spPr/>
+      <dgm:t>
+        <a:bodyPr/>
+        <a:lstStyle/>
+        <a:p>
+          <a:endParaRPr lang="en-US"/>
+        </a:p>
+      </dgm:t>
     </dgm:pt>
     <dgm:pt modelId="{FA9AF5CD-AC7E-45AD-BCF7-9F2B14CAE444}" type="pres">
       <dgm:prSet presAssocID="{B747527B-8291-4D49-A3F1-F791005146F1}" presName="connectorText" presStyleLbl="sibTrans2D1" presStyleIdx="0" presStyleCnt="2"/>
       <dgm:spPr/>
+      <dgm:t>
+        <a:bodyPr/>
+        <a:lstStyle/>
+        <a:p>
+          <a:endParaRPr lang="en-US"/>
+        </a:p>
+      </dgm:t>
     </dgm:pt>
     <dgm:pt modelId="{98745794-894B-48B7-BE3B-2DD2C448B82E}" type="pres">
       <dgm:prSet presAssocID="{F3B42860-9A38-48D7-92DA-4A669D6D1A14}" presName="node" presStyleLbl="node1" presStyleIdx="1" presStyleCnt="3">
@@ -1778,10 +3907,24 @@
     <dgm:pt modelId="{BF134F57-BBD9-4AF8-A6A5-72CCAA5A11E4}" type="pres">
       <dgm:prSet presAssocID="{2965F43C-69DD-45A6-9D5B-096BED74AA06}" presName="sibTrans" presStyleLbl="sibTrans2D1" presStyleIdx="1" presStyleCnt="2"/>
       <dgm:spPr/>
+      <dgm:t>
+        <a:bodyPr/>
+        <a:lstStyle/>
+        <a:p>
+          <a:endParaRPr lang="en-US"/>
+        </a:p>
+      </dgm:t>
     </dgm:pt>
     <dgm:pt modelId="{77BE0449-2B5A-491C-89D3-08A77D108BE4}" type="pres">
       <dgm:prSet presAssocID="{2965F43C-69DD-45A6-9D5B-096BED74AA06}" presName="connectorText" presStyleLbl="sibTrans2D1" presStyleIdx="1" presStyleCnt="2"/>
       <dgm:spPr/>
+      <dgm:t>
+        <a:bodyPr/>
+        <a:lstStyle/>
+        <a:p>
+          <a:endParaRPr lang="en-US"/>
+        </a:p>
+      </dgm:t>
     </dgm:pt>
     <dgm:pt modelId="{16C4371C-182F-411B-8001-68546A784BDB}" type="pres">
       <dgm:prSet presAssocID="{67875303-6A9A-4887-9FEC-9ADC28C0204C}" presName="node" presStyleLbl="node1" presStyleIdx="2" presStyleCnt="3">
@@ -1800,16 +3943,16 @@
     </dgm:pt>
   </dgm:ptLst>
   <dgm:cxnLst>
+    <dgm:cxn modelId="{E33B14EC-03E5-46DD-A9A8-A9CC588B1B70}" srcId="{D0672782-9A7F-480A-BE15-CCA191207A27}" destId="{67875303-6A9A-4887-9FEC-9ADC28C0204C}" srcOrd="2" destOrd="0" parTransId="{276E35D5-B886-40D9-BF33-26EACDBE5747}" sibTransId="{90508E00-809F-46E6-B9EC-982BEBE0DB5F}"/>
+    <dgm:cxn modelId="{4A3C4683-05F2-4FA1-96AC-0B5868C641AB}" type="presOf" srcId="{67875303-6A9A-4887-9FEC-9ADC28C0204C}" destId="{16C4371C-182F-411B-8001-68546A784BDB}" srcOrd="0" destOrd="0" presId="urn:microsoft.com/office/officeart/2005/8/layout/process1"/>
+    <dgm:cxn modelId="{7959BA5D-A15F-4D8A-8F1C-C6E414AC807E}" type="presOf" srcId="{2965F43C-69DD-45A6-9D5B-096BED74AA06}" destId="{BF134F57-BBD9-4AF8-A6A5-72CCAA5A11E4}" srcOrd="0" destOrd="0" presId="urn:microsoft.com/office/officeart/2005/8/layout/process1"/>
+    <dgm:cxn modelId="{363713AC-1311-4DF3-AF59-AEEA4926BD17}" type="presOf" srcId="{F3B42860-9A38-48D7-92DA-4A669D6D1A14}" destId="{98745794-894B-48B7-BE3B-2DD2C448B82E}" srcOrd="0" destOrd="0" presId="urn:microsoft.com/office/officeart/2005/8/layout/process1"/>
+    <dgm:cxn modelId="{0EE3ABBC-1343-4DF7-AA3F-AA3AECEEEE99}" type="presOf" srcId="{B747527B-8291-4D49-A3F1-F791005146F1}" destId="{FA9AF5CD-AC7E-45AD-BCF7-9F2B14CAE444}" srcOrd="1" destOrd="0" presId="urn:microsoft.com/office/officeart/2005/8/layout/process1"/>
+    <dgm:cxn modelId="{98EF3AF8-1AE4-43F0-AB37-BF4C888CFA03}" type="presOf" srcId="{D0672782-9A7F-480A-BE15-CCA191207A27}" destId="{57E72CE2-7ED2-4128-A5FA-CA3B1216FDF7}" srcOrd="0" destOrd="0" presId="urn:microsoft.com/office/officeart/2005/8/layout/process1"/>
     <dgm:cxn modelId="{6E658152-376E-4D20-A24F-24B6E7271FEE}" type="presOf" srcId="{2965F43C-69DD-45A6-9D5B-096BED74AA06}" destId="{77BE0449-2B5A-491C-89D3-08A77D108BE4}" srcOrd="1" destOrd="0" presId="urn:microsoft.com/office/officeart/2005/8/layout/process1"/>
+    <dgm:cxn modelId="{16D3261D-6481-4061-9ADE-9FEABF226A2E}" type="presOf" srcId="{52FBB3D7-CE90-4673-BCF7-80440BCA4D74}" destId="{F6BD852D-7445-46DF-A95A-F1D63242590C}" srcOrd="0" destOrd="0" presId="urn:microsoft.com/office/officeart/2005/8/layout/process1"/>
     <dgm:cxn modelId="{6A4181C2-1976-436D-AD00-3668870A475B}" type="presOf" srcId="{B747527B-8291-4D49-A3F1-F791005146F1}" destId="{0DD9F322-72CE-4C6E-B08A-2F65D3EF43B1}" srcOrd="0" destOrd="0" presId="urn:microsoft.com/office/officeart/2005/8/layout/process1"/>
-    <dgm:cxn modelId="{7959BA5D-A15F-4D8A-8F1C-C6E414AC807E}" type="presOf" srcId="{2965F43C-69DD-45A6-9D5B-096BED74AA06}" destId="{BF134F57-BBD9-4AF8-A6A5-72CCAA5A11E4}" srcOrd="0" destOrd="0" presId="urn:microsoft.com/office/officeart/2005/8/layout/process1"/>
-    <dgm:cxn modelId="{4A3C4683-05F2-4FA1-96AC-0B5868C641AB}" type="presOf" srcId="{67875303-6A9A-4887-9FEC-9ADC28C0204C}" destId="{16C4371C-182F-411B-8001-68546A784BDB}" srcOrd="0" destOrd="0" presId="urn:microsoft.com/office/officeart/2005/8/layout/process1"/>
-    <dgm:cxn modelId="{98EF3AF8-1AE4-43F0-AB37-BF4C888CFA03}" type="presOf" srcId="{D0672782-9A7F-480A-BE15-CCA191207A27}" destId="{57E72CE2-7ED2-4128-A5FA-CA3B1216FDF7}" srcOrd="0" destOrd="0" presId="urn:microsoft.com/office/officeart/2005/8/layout/process1"/>
     <dgm:cxn modelId="{BA1B9362-A31B-4AAB-A988-C9CDEBC78BFA}" srcId="{D0672782-9A7F-480A-BE15-CCA191207A27}" destId="{F3B42860-9A38-48D7-92DA-4A669D6D1A14}" srcOrd="1" destOrd="0" parTransId="{5EFE6899-D1DF-44EA-A1EA-6B9C9A128439}" sibTransId="{2965F43C-69DD-45A6-9D5B-096BED74AA06}"/>
-    <dgm:cxn modelId="{E33B14EC-03E5-46DD-A9A8-A9CC588B1B70}" srcId="{D0672782-9A7F-480A-BE15-CCA191207A27}" destId="{67875303-6A9A-4887-9FEC-9ADC28C0204C}" srcOrd="2" destOrd="0" parTransId="{276E35D5-B886-40D9-BF33-26EACDBE5747}" sibTransId="{90508E00-809F-46E6-B9EC-982BEBE0DB5F}"/>
-    <dgm:cxn modelId="{16D3261D-6481-4061-9ADE-9FEABF226A2E}" type="presOf" srcId="{52FBB3D7-CE90-4673-BCF7-80440BCA4D74}" destId="{F6BD852D-7445-46DF-A95A-F1D63242590C}" srcOrd="0" destOrd="0" presId="urn:microsoft.com/office/officeart/2005/8/layout/process1"/>
-    <dgm:cxn modelId="{0EE3ABBC-1343-4DF7-AA3F-AA3AECEEEE99}" type="presOf" srcId="{B747527B-8291-4D49-A3F1-F791005146F1}" destId="{FA9AF5CD-AC7E-45AD-BCF7-9F2B14CAE444}" srcOrd="1" destOrd="0" presId="urn:microsoft.com/office/officeart/2005/8/layout/process1"/>
-    <dgm:cxn modelId="{363713AC-1311-4DF3-AF59-AEEA4926BD17}" type="presOf" srcId="{F3B42860-9A38-48D7-92DA-4A669D6D1A14}" destId="{98745794-894B-48B7-BE3B-2DD2C448B82E}" srcOrd="0" destOrd="0" presId="urn:microsoft.com/office/officeart/2005/8/layout/process1"/>
     <dgm:cxn modelId="{B81D5B10-2E98-4A93-A474-668F0F1A6C52}" srcId="{D0672782-9A7F-480A-BE15-CCA191207A27}" destId="{52FBB3D7-CE90-4673-BCF7-80440BCA4D74}" srcOrd="0" destOrd="0" parTransId="{F69BBA0E-0B61-4F42-90B3-A2EC3AD5461C}" sibTransId="{B747527B-8291-4D49-A3F1-F791005146F1}"/>
     <dgm:cxn modelId="{49A56DD8-AAF8-4D67-ACCB-0794E09A350B}" type="presParOf" srcId="{57E72CE2-7ED2-4128-A5FA-CA3B1216FDF7}" destId="{F6BD852D-7445-46DF-A95A-F1D63242590C}" srcOrd="0" destOrd="0" presId="urn:microsoft.com/office/officeart/2005/8/layout/process1"/>
     <dgm:cxn modelId="{71341BD5-4D1F-45CB-8C0A-241F9D0C6A4E}" type="presParOf" srcId="{57E72CE2-7ED2-4128-A5FA-CA3B1216FDF7}" destId="{0DD9F322-72CE-4C6E-B08A-2F65D3EF43B1}" srcOrd="1" destOrd="0" presId="urn:microsoft.com/office/officeart/2005/8/layout/process1"/>
@@ -1829,7 +3972,7 @@
 </dgm:dataModel>
 </file>
 
-<file path=ppt/diagrams/data2.xml><?xml version="1.0" encoding="utf-8"?>
+<file path=ppt/diagrams/data4.xml><?xml version="1.0" encoding="utf-8"?>
 <dgm:dataModel xmlns:dgm="http://schemas.openxmlformats.org/drawingml/2006/diagram" xmlns:a="http://schemas.openxmlformats.org/drawingml/2006/main">
   <dgm:ptLst>
     <dgm:pt modelId="{D0672782-9A7F-480A-BE15-CCA191207A27}" type="doc">
@@ -1937,10 +4080,24 @@
     <dgm:pt modelId="{0DD9F322-72CE-4C6E-B08A-2F65D3EF43B1}" type="pres">
       <dgm:prSet presAssocID="{B747527B-8291-4D49-A3F1-F791005146F1}" presName="sibTrans" presStyleLbl="sibTrans2D1" presStyleIdx="0" presStyleCnt="1"/>
       <dgm:spPr/>
+      <dgm:t>
+        <a:bodyPr/>
+        <a:lstStyle/>
+        <a:p>
+          <a:endParaRPr lang="en-US"/>
+        </a:p>
+      </dgm:t>
     </dgm:pt>
     <dgm:pt modelId="{FA9AF5CD-AC7E-45AD-BCF7-9F2B14CAE444}" type="pres">
       <dgm:prSet presAssocID="{B747527B-8291-4D49-A3F1-F791005146F1}" presName="connectorText" presStyleLbl="sibTrans2D1" presStyleIdx="0" presStyleCnt="1"/>
       <dgm:spPr/>
+      <dgm:t>
+        <a:bodyPr/>
+        <a:lstStyle/>
+        <a:p>
+          <a:endParaRPr lang="en-US"/>
+        </a:p>
+      </dgm:t>
     </dgm:pt>
     <dgm:pt modelId="{98745794-894B-48B7-BE3B-2DD2C448B82E}" type="pres">
       <dgm:prSet presAssocID="{F3B42860-9A38-48D7-92DA-4A669D6D1A14}" presName="node" presStyleLbl="node1" presStyleIdx="1" presStyleCnt="2">
@@ -1959,13 +4116,13 @@
     </dgm:pt>
   </dgm:ptLst>
   <dgm:cxnLst>
+    <dgm:cxn modelId="{6A4181C2-1976-436D-AD00-3668870A475B}" type="presOf" srcId="{B747527B-8291-4D49-A3F1-F791005146F1}" destId="{0DD9F322-72CE-4C6E-B08A-2F65D3EF43B1}" srcOrd="0" destOrd="0" presId="urn:microsoft.com/office/officeart/2005/8/layout/process1"/>
     <dgm:cxn modelId="{16D3261D-6481-4061-9ADE-9FEABF226A2E}" type="presOf" srcId="{52FBB3D7-CE90-4673-BCF7-80440BCA4D74}" destId="{F6BD852D-7445-46DF-A95A-F1D63242590C}" srcOrd="0" destOrd="0" presId="urn:microsoft.com/office/officeart/2005/8/layout/process1"/>
+    <dgm:cxn modelId="{BA1B9362-A31B-4AAB-A988-C9CDEBC78BFA}" srcId="{D0672782-9A7F-480A-BE15-CCA191207A27}" destId="{F3B42860-9A38-48D7-92DA-4A669D6D1A14}" srcOrd="1" destOrd="0" parTransId="{5EFE6899-D1DF-44EA-A1EA-6B9C9A128439}" sibTransId="{2965F43C-69DD-45A6-9D5B-096BED74AA06}"/>
+    <dgm:cxn modelId="{0EE3ABBC-1343-4DF7-AA3F-AA3AECEEEE99}" type="presOf" srcId="{B747527B-8291-4D49-A3F1-F791005146F1}" destId="{FA9AF5CD-AC7E-45AD-BCF7-9F2B14CAE444}" srcOrd="1" destOrd="0" presId="urn:microsoft.com/office/officeart/2005/8/layout/process1"/>
+    <dgm:cxn modelId="{98EF3AF8-1AE4-43F0-AB37-BF4C888CFA03}" type="presOf" srcId="{D0672782-9A7F-480A-BE15-CCA191207A27}" destId="{57E72CE2-7ED2-4128-A5FA-CA3B1216FDF7}" srcOrd="0" destOrd="0" presId="urn:microsoft.com/office/officeart/2005/8/layout/process1"/>
     <dgm:cxn modelId="{B81D5B10-2E98-4A93-A474-668F0F1A6C52}" srcId="{D0672782-9A7F-480A-BE15-CCA191207A27}" destId="{52FBB3D7-CE90-4673-BCF7-80440BCA4D74}" srcOrd="0" destOrd="0" parTransId="{F69BBA0E-0B61-4F42-90B3-A2EC3AD5461C}" sibTransId="{B747527B-8291-4D49-A3F1-F791005146F1}"/>
-    <dgm:cxn modelId="{98EF3AF8-1AE4-43F0-AB37-BF4C888CFA03}" type="presOf" srcId="{D0672782-9A7F-480A-BE15-CCA191207A27}" destId="{57E72CE2-7ED2-4128-A5FA-CA3B1216FDF7}" srcOrd="0" destOrd="0" presId="urn:microsoft.com/office/officeart/2005/8/layout/process1"/>
-    <dgm:cxn modelId="{BA1B9362-A31B-4AAB-A988-C9CDEBC78BFA}" srcId="{D0672782-9A7F-480A-BE15-CCA191207A27}" destId="{F3B42860-9A38-48D7-92DA-4A669D6D1A14}" srcOrd="1" destOrd="0" parTransId="{5EFE6899-D1DF-44EA-A1EA-6B9C9A128439}" sibTransId="{2965F43C-69DD-45A6-9D5B-096BED74AA06}"/>
     <dgm:cxn modelId="{363713AC-1311-4DF3-AF59-AEEA4926BD17}" type="presOf" srcId="{F3B42860-9A38-48D7-92DA-4A669D6D1A14}" destId="{98745794-894B-48B7-BE3B-2DD2C448B82E}" srcOrd="0" destOrd="0" presId="urn:microsoft.com/office/officeart/2005/8/layout/process1"/>
-    <dgm:cxn modelId="{6A4181C2-1976-436D-AD00-3668870A475B}" type="presOf" srcId="{B747527B-8291-4D49-A3F1-F791005146F1}" destId="{0DD9F322-72CE-4C6E-B08A-2F65D3EF43B1}" srcOrd="0" destOrd="0" presId="urn:microsoft.com/office/officeart/2005/8/layout/process1"/>
-    <dgm:cxn modelId="{0EE3ABBC-1343-4DF7-AA3F-AA3AECEEEE99}" type="presOf" srcId="{B747527B-8291-4D49-A3F1-F791005146F1}" destId="{FA9AF5CD-AC7E-45AD-BCF7-9F2B14CAE444}" srcOrd="1" destOrd="0" presId="urn:microsoft.com/office/officeart/2005/8/layout/process1"/>
     <dgm:cxn modelId="{49A56DD8-AAF8-4D67-ACCB-0794E09A350B}" type="presParOf" srcId="{57E72CE2-7ED2-4128-A5FA-CA3B1216FDF7}" destId="{F6BD852D-7445-46DF-A95A-F1D63242590C}" srcOrd="0" destOrd="0" presId="urn:microsoft.com/office/officeart/2005/8/layout/process1"/>
     <dgm:cxn modelId="{71341BD5-4D1F-45CB-8C0A-241F9D0C6A4E}" type="presParOf" srcId="{57E72CE2-7ED2-4128-A5FA-CA3B1216FDF7}" destId="{0DD9F322-72CE-4C6E-B08A-2F65D3EF43B1}" srcOrd="1" destOrd="0" presId="urn:microsoft.com/office/officeart/2005/8/layout/process1"/>
     <dgm:cxn modelId="{7B69413D-E7D4-4DEC-B8E0-9F1416834532}" type="presParOf" srcId="{0DD9F322-72CE-4C6E-B08A-2F65D3EF43B1}" destId="{FA9AF5CD-AC7E-45AD-BCF7-9F2B14CAE444}" srcOrd="0" destOrd="0" presId="urn:microsoft.com/office/officeart/2005/8/layout/process1"/>
@@ -1982,6 +4139,1102 @@
 </file>
 
 <file path=ppt/diagrams/drawing1.xml><?xml version="1.0" encoding="utf-8"?>
+<dsp:drawing xmlns:dgm="http://schemas.openxmlformats.org/drawingml/2006/diagram" xmlns:dsp="http://schemas.microsoft.com/office/drawing/2008/diagram" xmlns:a="http://schemas.openxmlformats.org/drawingml/2006/main">
+  <dsp:spTree>
+    <dsp:nvGrpSpPr>
+      <dsp:cNvPr id="0" name=""/>
+      <dsp:cNvGrpSpPr/>
+    </dsp:nvGrpSpPr>
+    <dsp:grpSpPr/>
+    <dsp:sp modelId="{1E0708CF-D3E1-43F4-A539-A22953819225}">
+      <dsp:nvSpPr>
+        <dsp:cNvPr id="0" name=""/>
+        <dsp:cNvSpPr/>
+      </dsp:nvSpPr>
+      <dsp:spPr>
+        <a:xfrm>
+          <a:off x="1795850" y="2709333"/>
+          <a:ext cx="675382" cy="1930400"/>
+        </a:xfrm>
+        <a:custGeom>
+          <a:avLst/>
+          <a:gdLst/>
+          <a:ahLst/>
+          <a:cxnLst/>
+          <a:rect l="0" t="0" r="0" b="0"/>
+          <a:pathLst>
+            <a:path>
+              <a:moveTo>
+                <a:pt x="0" y="0"/>
+              </a:moveTo>
+              <a:lnTo>
+                <a:pt x="337691" y="0"/>
+              </a:lnTo>
+              <a:lnTo>
+                <a:pt x="337691" y="1930400"/>
+              </a:lnTo>
+              <a:lnTo>
+                <a:pt x="675382" y="1930400"/>
+              </a:lnTo>
+            </a:path>
+          </a:pathLst>
+        </a:custGeom>
+        <a:noFill/>
+        <a:ln w="12700" cap="flat" cmpd="sng" algn="ctr">
+          <a:solidFill>
+            <a:schemeClr val="accent1">
+              <a:shade val="60000"/>
+              <a:hueOff val="0"/>
+              <a:satOff val="0"/>
+              <a:lumOff val="0"/>
+              <a:alphaOff val="0"/>
+            </a:schemeClr>
+          </a:solidFill>
+          <a:prstDash val="solid"/>
+          <a:miter lim="800000"/>
+        </a:ln>
+        <a:effectLst/>
+      </dsp:spPr>
+      <dsp:style>
+        <a:lnRef idx="2">
+          <a:scrgbClr r="0" g="0" b="0"/>
+        </a:lnRef>
+        <a:fillRef idx="0">
+          <a:scrgbClr r="0" g="0" b="0"/>
+        </a:fillRef>
+        <a:effectRef idx="0">
+          <a:scrgbClr r="0" g="0" b="0"/>
+        </a:effectRef>
+        <a:fontRef idx="minor"/>
+      </dsp:style>
+      <dsp:txBody>
+        <a:bodyPr spcFirstLastPara="0" vert="horz" wrap="square" lIns="12700" tIns="0" rIns="12700" bIns="0" numCol="1" spcCol="1270" anchor="ctr" anchorCtr="0">
+          <a:noAutofit/>
+        </a:bodyPr>
+        <a:lstStyle/>
+        <a:p>
+          <a:pPr lvl="0" algn="ctr" defTabSz="311150">
+            <a:lnSpc>
+              <a:spcPct val="90000"/>
+            </a:lnSpc>
+            <a:spcBef>
+              <a:spcPct val="0"/>
+            </a:spcBef>
+            <a:spcAft>
+              <a:spcPct val="35000"/>
+            </a:spcAft>
+          </a:pPr>
+          <a:endParaRPr lang="en-US" sz="700" kern="1200"/>
+        </a:p>
+      </dsp:txBody>
+      <dsp:txXfrm>
+        <a:off x="2082413" y="3623405"/>
+        <a:ext cx="102256" cy="102256"/>
+      </dsp:txXfrm>
+    </dsp:sp>
+    <dsp:sp modelId="{A1E32B02-D7BB-46A5-9C60-A86A8E88E98F}">
+      <dsp:nvSpPr>
+        <dsp:cNvPr id="0" name=""/>
+        <dsp:cNvSpPr/>
+      </dsp:nvSpPr>
+      <dsp:spPr>
+        <a:xfrm>
+          <a:off x="1795850" y="2709333"/>
+          <a:ext cx="675382" cy="643466"/>
+        </a:xfrm>
+        <a:custGeom>
+          <a:avLst/>
+          <a:gdLst/>
+          <a:ahLst/>
+          <a:cxnLst/>
+          <a:rect l="0" t="0" r="0" b="0"/>
+          <a:pathLst>
+            <a:path>
+              <a:moveTo>
+                <a:pt x="0" y="0"/>
+              </a:moveTo>
+              <a:lnTo>
+                <a:pt x="337691" y="0"/>
+              </a:lnTo>
+              <a:lnTo>
+                <a:pt x="337691" y="643466"/>
+              </a:lnTo>
+              <a:lnTo>
+                <a:pt x="675382" y="643466"/>
+              </a:lnTo>
+            </a:path>
+          </a:pathLst>
+        </a:custGeom>
+        <a:noFill/>
+        <a:ln w="12700" cap="flat" cmpd="sng" algn="ctr">
+          <a:solidFill>
+            <a:schemeClr val="accent1">
+              <a:shade val="60000"/>
+              <a:hueOff val="0"/>
+              <a:satOff val="0"/>
+              <a:lumOff val="0"/>
+              <a:alphaOff val="0"/>
+            </a:schemeClr>
+          </a:solidFill>
+          <a:prstDash val="solid"/>
+          <a:miter lim="800000"/>
+        </a:ln>
+        <a:effectLst/>
+      </dsp:spPr>
+      <dsp:style>
+        <a:lnRef idx="2">
+          <a:scrgbClr r="0" g="0" b="0"/>
+        </a:lnRef>
+        <a:fillRef idx="0">
+          <a:scrgbClr r="0" g="0" b="0"/>
+        </a:fillRef>
+        <a:effectRef idx="0">
+          <a:scrgbClr r="0" g="0" b="0"/>
+        </a:effectRef>
+        <a:fontRef idx="minor"/>
+      </dsp:style>
+      <dsp:txBody>
+        <a:bodyPr spcFirstLastPara="0" vert="horz" wrap="square" lIns="12700" tIns="0" rIns="12700" bIns="0" numCol="1" spcCol="1270" anchor="ctr" anchorCtr="0">
+          <a:noAutofit/>
+        </a:bodyPr>
+        <a:lstStyle/>
+        <a:p>
+          <a:pPr lvl="0" algn="ctr" defTabSz="222250">
+            <a:lnSpc>
+              <a:spcPct val="90000"/>
+            </a:lnSpc>
+            <a:spcBef>
+              <a:spcPct val="0"/>
+            </a:spcBef>
+            <a:spcAft>
+              <a:spcPct val="35000"/>
+            </a:spcAft>
+          </a:pPr>
+          <a:endParaRPr lang="en-US" sz="500" kern="1200"/>
+        </a:p>
+      </dsp:txBody>
+      <dsp:txXfrm>
+        <a:off x="2110220" y="3007745"/>
+        <a:ext cx="46642" cy="46642"/>
+      </dsp:txXfrm>
+    </dsp:sp>
+    <dsp:sp modelId="{5F1D099B-3639-4A53-BDE5-EEF2F059BB2D}">
+      <dsp:nvSpPr>
+        <dsp:cNvPr id="0" name=""/>
+        <dsp:cNvSpPr/>
+      </dsp:nvSpPr>
+      <dsp:spPr>
+        <a:xfrm>
+          <a:off x="1795850" y="2065866"/>
+          <a:ext cx="675382" cy="643466"/>
+        </a:xfrm>
+        <a:custGeom>
+          <a:avLst/>
+          <a:gdLst/>
+          <a:ahLst/>
+          <a:cxnLst/>
+          <a:rect l="0" t="0" r="0" b="0"/>
+          <a:pathLst>
+            <a:path>
+              <a:moveTo>
+                <a:pt x="0" y="643466"/>
+              </a:moveTo>
+              <a:lnTo>
+                <a:pt x="337691" y="643466"/>
+              </a:lnTo>
+              <a:lnTo>
+                <a:pt x="337691" y="0"/>
+              </a:lnTo>
+              <a:lnTo>
+                <a:pt x="675382" y="0"/>
+              </a:lnTo>
+            </a:path>
+          </a:pathLst>
+        </a:custGeom>
+        <a:noFill/>
+        <a:ln w="12700" cap="flat" cmpd="sng" algn="ctr">
+          <a:solidFill>
+            <a:schemeClr val="accent1">
+              <a:shade val="60000"/>
+              <a:hueOff val="0"/>
+              <a:satOff val="0"/>
+              <a:lumOff val="0"/>
+              <a:alphaOff val="0"/>
+            </a:schemeClr>
+          </a:solidFill>
+          <a:prstDash val="solid"/>
+          <a:miter lim="800000"/>
+        </a:ln>
+        <a:effectLst/>
+      </dsp:spPr>
+      <dsp:style>
+        <a:lnRef idx="2">
+          <a:scrgbClr r="0" g="0" b="0"/>
+        </a:lnRef>
+        <a:fillRef idx="0">
+          <a:scrgbClr r="0" g="0" b="0"/>
+        </a:fillRef>
+        <a:effectRef idx="0">
+          <a:scrgbClr r="0" g="0" b="0"/>
+        </a:effectRef>
+        <a:fontRef idx="minor"/>
+      </dsp:style>
+      <dsp:txBody>
+        <a:bodyPr spcFirstLastPara="0" vert="horz" wrap="square" lIns="12700" tIns="0" rIns="12700" bIns="0" numCol="1" spcCol="1270" anchor="ctr" anchorCtr="0">
+          <a:noAutofit/>
+        </a:bodyPr>
+        <a:lstStyle/>
+        <a:p>
+          <a:pPr lvl="0" algn="ctr" defTabSz="222250">
+            <a:lnSpc>
+              <a:spcPct val="90000"/>
+            </a:lnSpc>
+            <a:spcBef>
+              <a:spcPct val="0"/>
+            </a:spcBef>
+            <a:spcAft>
+              <a:spcPct val="35000"/>
+            </a:spcAft>
+          </a:pPr>
+          <a:endParaRPr lang="en-US" sz="500" kern="1200"/>
+        </a:p>
+      </dsp:txBody>
+      <dsp:txXfrm>
+        <a:off x="2110220" y="2364279"/>
+        <a:ext cx="46642" cy="46642"/>
+      </dsp:txXfrm>
+    </dsp:sp>
+    <dsp:sp modelId="{DBCD2123-D742-4B15-92C6-A9A3D4207A4A}">
+      <dsp:nvSpPr>
+        <dsp:cNvPr id="0" name=""/>
+        <dsp:cNvSpPr/>
+      </dsp:nvSpPr>
+      <dsp:spPr>
+        <a:xfrm>
+          <a:off x="1795850" y="778933"/>
+          <a:ext cx="675382" cy="1930400"/>
+        </a:xfrm>
+        <a:custGeom>
+          <a:avLst/>
+          <a:gdLst/>
+          <a:ahLst/>
+          <a:cxnLst/>
+          <a:rect l="0" t="0" r="0" b="0"/>
+          <a:pathLst>
+            <a:path>
+              <a:moveTo>
+                <a:pt x="0" y="1930400"/>
+              </a:moveTo>
+              <a:lnTo>
+                <a:pt x="337691" y="1930400"/>
+              </a:lnTo>
+              <a:lnTo>
+                <a:pt x="337691" y="0"/>
+              </a:lnTo>
+              <a:lnTo>
+                <a:pt x="675382" y="0"/>
+              </a:lnTo>
+            </a:path>
+          </a:pathLst>
+        </a:custGeom>
+        <a:noFill/>
+        <a:ln w="12700" cap="flat" cmpd="sng" algn="ctr">
+          <a:solidFill>
+            <a:schemeClr val="accent1">
+              <a:shade val="60000"/>
+              <a:hueOff val="0"/>
+              <a:satOff val="0"/>
+              <a:lumOff val="0"/>
+              <a:alphaOff val="0"/>
+            </a:schemeClr>
+          </a:solidFill>
+          <a:prstDash val="solid"/>
+          <a:miter lim="800000"/>
+        </a:ln>
+        <a:effectLst/>
+      </dsp:spPr>
+      <dsp:style>
+        <a:lnRef idx="2">
+          <a:scrgbClr r="0" g="0" b="0"/>
+        </a:lnRef>
+        <a:fillRef idx="0">
+          <a:scrgbClr r="0" g="0" b="0"/>
+        </a:fillRef>
+        <a:effectRef idx="0">
+          <a:scrgbClr r="0" g="0" b="0"/>
+        </a:effectRef>
+        <a:fontRef idx="minor"/>
+      </dsp:style>
+      <dsp:txBody>
+        <a:bodyPr spcFirstLastPara="0" vert="horz" wrap="square" lIns="12700" tIns="0" rIns="12700" bIns="0" numCol="1" spcCol="1270" anchor="ctr" anchorCtr="0">
+          <a:noAutofit/>
+        </a:bodyPr>
+        <a:lstStyle/>
+        <a:p>
+          <a:pPr lvl="0" algn="ctr" defTabSz="311150">
+            <a:lnSpc>
+              <a:spcPct val="90000"/>
+            </a:lnSpc>
+            <a:spcBef>
+              <a:spcPct val="0"/>
+            </a:spcBef>
+            <a:spcAft>
+              <a:spcPct val="35000"/>
+            </a:spcAft>
+          </a:pPr>
+          <a:endParaRPr lang="en-US" sz="700" kern="1200"/>
+        </a:p>
+      </dsp:txBody>
+      <dsp:txXfrm>
+        <a:off x="2082413" y="1693005"/>
+        <a:ext cx="102256" cy="102256"/>
+      </dsp:txXfrm>
+    </dsp:sp>
+    <dsp:sp modelId="{EDFD6A01-F950-439B-B5C7-1C7F720F7DC1}">
+      <dsp:nvSpPr>
+        <dsp:cNvPr id="0" name=""/>
+        <dsp:cNvSpPr/>
+      </dsp:nvSpPr>
+      <dsp:spPr>
+        <a:xfrm rot="16200000">
+          <a:off x="-1428256" y="2194560"/>
+          <a:ext cx="5418667" cy="1029546"/>
+        </a:xfrm>
+        <a:prstGeom prst="rect">
+          <a:avLst/>
+        </a:prstGeom>
+        <a:solidFill>
+          <a:schemeClr val="accent1">
+            <a:hueOff val="0"/>
+            <a:satOff val="0"/>
+            <a:lumOff val="0"/>
+            <a:alphaOff val="0"/>
+          </a:schemeClr>
+        </a:solidFill>
+        <a:ln w="12700" cap="flat" cmpd="sng" algn="ctr">
+          <a:solidFill>
+            <a:schemeClr val="lt1">
+              <a:hueOff val="0"/>
+              <a:satOff val="0"/>
+              <a:lumOff val="0"/>
+              <a:alphaOff val="0"/>
+            </a:schemeClr>
+          </a:solidFill>
+          <a:prstDash val="solid"/>
+          <a:miter lim="800000"/>
+        </a:ln>
+        <a:effectLst/>
+      </dsp:spPr>
+      <dsp:style>
+        <a:lnRef idx="2">
+          <a:scrgbClr r="0" g="0" b="0"/>
+        </a:lnRef>
+        <a:fillRef idx="1">
+          <a:scrgbClr r="0" g="0" b="0"/>
+        </a:fillRef>
+        <a:effectRef idx="0">
+          <a:scrgbClr r="0" g="0" b="0"/>
+        </a:effectRef>
+        <a:fontRef idx="minor">
+          <a:schemeClr val="lt1"/>
+        </a:fontRef>
+      </dsp:style>
+      <dsp:txBody>
+        <a:bodyPr spcFirstLastPara="0" vert="horz" wrap="square" lIns="31115" tIns="31115" rIns="31115" bIns="31115" numCol="1" spcCol="1270" anchor="ctr" anchorCtr="0">
+          <a:noAutofit/>
+        </a:bodyPr>
+        <a:lstStyle/>
+        <a:p>
+          <a:pPr lvl="0" algn="ctr" defTabSz="2178050">
+            <a:lnSpc>
+              <a:spcPct val="90000"/>
+            </a:lnSpc>
+            <a:spcBef>
+              <a:spcPct val="0"/>
+            </a:spcBef>
+            <a:spcAft>
+              <a:spcPct val="35000"/>
+            </a:spcAft>
+          </a:pPr>
+          <a14:m xmlns:a14="http://schemas.microsoft.com/office/drawing/2010/main">
+            <m:oMathPara xmlns:m="http://schemas.openxmlformats.org/officeDocument/2006/math">
+              <m:oMathParaPr>
+                <m:jc m:val="centerGroup"/>
+              </m:oMathParaPr>
+              <m:oMath xmlns:m="http://schemas.openxmlformats.org/officeDocument/2006/math">
+                <m:sSub>
+                  <m:sSubPr>
+                    <m:ctrlPr>
+                      <a:rPr lang="en-GB" sz="4900" b="0" i="1" kern="1200" smtClean="0">
+                        <a:latin typeface="Cambria Math" panose="02040503050406030204" pitchFamily="18" charset="0"/>
+                      </a:rPr>
+                    </m:ctrlPr>
+                  </m:sSubPr>
+                  <m:e>
+                    <m:r>
+                      <a:rPr lang="en-GB" sz="4900" b="0" i="1" kern="1200" smtClean="0">
+                        <a:latin typeface="Cambria Math" panose="02040503050406030204" pitchFamily="18" charset="0"/>
+                      </a:rPr>
+                      <m:t>𝑋</m:t>
+                    </m:r>
+                  </m:e>
+                  <m:sub>
+                    <m:r>
+                      <a:rPr lang="en-GB" sz="4900" b="0" i="1" kern="1200" smtClean="0">
+                        <a:latin typeface="Cambria Math" panose="02040503050406030204" pitchFamily="18" charset="0"/>
+                      </a:rPr>
+                      <m:t>𝑡</m:t>
+                    </m:r>
+                  </m:sub>
+                </m:sSub>
+                <m:r>
+                  <a:rPr lang="en-GB" sz="4900" b="0" i="1" kern="1200" smtClean="0">
+                    <a:latin typeface="Cambria Math" panose="02040503050406030204" pitchFamily="18" charset="0"/>
+                  </a:rPr>
+                  <m:t>(</m:t>
+                </m:r>
+                <m:r>
+                  <a:rPr lang="en-GB" sz="4900" b="0" i="1" kern="1200" smtClean="0">
+                    <a:latin typeface="Cambria Math" panose="02040503050406030204" pitchFamily="18" charset="0"/>
+                  </a:rPr>
+                  <m:t>𝑘</m:t>
+                </m:r>
+                <m:r>
+                  <a:rPr lang="en-GB" sz="4900" b="0" i="1" kern="1200" smtClean="0">
+                    <a:latin typeface="Cambria Math" panose="02040503050406030204" pitchFamily="18" charset="0"/>
+                  </a:rPr>
+                  <m:t>)</m:t>
+                </m:r>
+              </m:oMath>
+            </m:oMathPara>
+          </a14:m>
+          <a:endParaRPr lang="en-US" sz="4900" kern="1200" dirty="0"/>
+        </a:p>
+      </dsp:txBody>
+      <dsp:txXfrm>
+        <a:off x="-1428256" y="2194560"/>
+        <a:ext cx="5418667" cy="1029546"/>
+      </dsp:txXfrm>
+    </dsp:sp>
+    <dsp:sp modelId="{761B4BD4-7785-4662-B47E-C44F3DEC6AC1}">
+      <dsp:nvSpPr>
+        <dsp:cNvPr id="0" name=""/>
+        <dsp:cNvSpPr/>
+      </dsp:nvSpPr>
+      <dsp:spPr>
+        <a:xfrm>
+          <a:off x="2471233" y="264160"/>
+          <a:ext cx="3376913" cy="1029546"/>
+        </a:xfrm>
+        <a:prstGeom prst="rect">
+          <a:avLst/>
+        </a:prstGeom>
+        <a:solidFill>
+          <a:schemeClr val="accent1">
+            <a:hueOff val="0"/>
+            <a:satOff val="0"/>
+            <a:lumOff val="0"/>
+            <a:alphaOff val="0"/>
+          </a:schemeClr>
+        </a:solidFill>
+        <a:ln w="12700" cap="flat" cmpd="sng" algn="ctr">
+          <a:solidFill>
+            <a:schemeClr val="lt1">
+              <a:hueOff val="0"/>
+              <a:satOff val="0"/>
+              <a:lumOff val="0"/>
+              <a:alphaOff val="0"/>
+            </a:schemeClr>
+          </a:solidFill>
+          <a:prstDash val="solid"/>
+          <a:miter lim="800000"/>
+        </a:ln>
+        <a:effectLst/>
+      </dsp:spPr>
+      <dsp:style>
+        <a:lnRef idx="2">
+          <a:scrgbClr r="0" g="0" b="0"/>
+        </a:lnRef>
+        <a:fillRef idx="1">
+          <a:scrgbClr r="0" g="0" b="0"/>
+        </a:fillRef>
+        <a:effectRef idx="0">
+          <a:scrgbClr r="0" g="0" b="0"/>
+        </a:effectRef>
+        <a:fontRef idx="minor">
+          <a:schemeClr val="lt1"/>
+        </a:fontRef>
+      </dsp:style>
+      <dsp:txBody>
+        <a:bodyPr spcFirstLastPara="0" vert="horz" wrap="square" lIns="27940" tIns="27940" rIns="27940" bIns="27940" numCol="1" spcCol="1270" anchor="ctr" anchorCtr="0">
+          <a:noAutofit/>
+        </a:bodyPr>
+        <a:lstStyle/>
+        <a:p>
+          <a:pPr lvl="0" algn="ctr" defTabSz="1955800">
+            <a:lnSpc>
+              <a:spcPct val="90000"/>
+            </a:lnSpc>
+            <a:spcBef>
+              <a:spcPct val="0"/>
+            </a:spcBef>
+            <a:spcAft>
+              <a:spcPct val="35000"/>
+            </a:spcAft>
+          </a:pPr>
+          <a14:m xmlns:a14="http://schemas.microsoft.com/office/drawing/2010/main">
+            <m:oMathPara xmlns:m="http://schemas.openxmlformats.org/officeDocument/2006/math">
+              <m:oMathParaPr>
+                <m:jc m:val="centerGroup"/>
+              </m:oMathParaPr>
+              <m:oMath xmlns:m="http://schemas.openxmlformats.org/officeDocument/2006/math">
+                <m:sSub>
+                  <m:sSubPr>
+                    <m:ctrlPr>
+                      <a:rPr lang="en-GB" sz="4400" b="0" i="1" kern="1200" smtClean="0">
+                        <a:latin typeface="Cambria Math" panose="02040503050406030204" pitchFamily="18" charset="0"/>
+                      </a:rPr>
+                    </m:ctrlPr>
+                  </m:sSubPr>
+                  <m:e>
+                    <m:r>
+                      <a:rPr lang="en-GB" sz="4400" b="0" i="1" kern="1200" smtClean="0">
+                        <a:latin typeface="Cambria Math" panose="02040503050406030204" pitchFamily="18" charset="0"/>
+                      </a:rPr>
+                      <m:t>𝑈</m:t>
+                    </m:r>
+                  </m:e>
+                  <m:sub>
+                    <m:sSub>
+                      <m:sSubPr>
+                        <m:ctrlPr>
+                          <a:rPr lang="en-GB" sz="4400" b="0" i="1" kern="1200" smtClean="0">
+                            <a:latin typeface="Cambria Math" panose="02040503050406030204" pitchFamily="18" charset="0"/>
+                          </a:rPr>
+                        </m:ctrlPr>
+                      </m:sSubPr>
+                      <m:e>
+                        <m:r>
+                          <m:rPr>
+                            <m:sty m:val="p"/>
+                          </m:rPr>
+                          <a:rPr lang="en-GB" sz="4400" b="0" i="0" kern="1200" smtClean="0">
+                            <a:latin typeface="Cambria Math" panose="02040503050406030204" pitchFamily="18" charset="0"/>
+                          </a:rPr>
+                          <m:t>Δ</m:t>
+                        </m:r>
+                      </m:e>
+                      <m:sub>
+                        <m:r>
+                          <a:rPr lang="en-GB" sz="4400" b="0" i="1" kern="1200" smtClean="0">
+                            <a:latin typeface="Cambria Math" panose="02040503050406030204" pitchFamily="18" charset="0"/>
+                          </a:rPr>
+                          <m:t>1</m:t>
+                        </m:r>
+                      </m:sub>
+                    </m:sSub>
+                  </m:sub>
+                </m:sSub>
+                <m:r>
+                  <a:rPr lang="en-GB" sz="4400" b="0" i="1" kern="1200" smtClean="0">
+                    <a:latin typeface="Cambria Math" panose="02040503050406030204" pitchFamily="18" charset="0"/>
+                  </a:rPr>
+                  <m:t>(</m:t>
+                </m:r>
+                <m:r>
+                  <a:rPr lang="en-GB" sz="4400" b="0" i="1" kern="1200" smtClean="0">
+                    <a:latin typeface="Cambria Math" panose="02040503050406030204" pitchFamily="18" charset="0"/>
+                  </a:rPr>
+                  <m:t>𝑘</m:t>
+                </m:r>
+                <m:r>
+                  <a:rPr lang="en-GB" sz="4400" b="0" i="1" kern="1200" smtClean="0">
+                    <a:latin typeface="Cambria Math" panose="02040503050406030204" pitchFamily="18" charset="0"/>
+                  </a:rPr>
+                  <m:t>+</m:t>
+                </m:r>
+                <m:sSub>
+                  <m:sSubPr>
+                    <m:ctrlPr>
+                      <a:rPr lang="en-GB" sz="4400" b="0" i="1" kern="1200" smtClean="0">
+                        <a:latin typeface="Cambria Math" panose="02040503050406030204" pitchFamily="18" charset="0"/>
+                      </a:rPr>
+                    </m:ctrlPr>
+                  </m:sSubPr>
+                  <m:e>
+                    <m:r>
+                      <a:rPr lang="en-GB" sz="4400" b="0" i="1" kern="1200" smtClean="0">
+                        <a:latin typeface="Cambria Math" panose="02040503050406030204" pitchFamily="18" charset="0"/>
+                      </a:rPr>
+                      <m:t>𝑏</m:t>
+                    </m:r>
+                  </m:e>
+                  <m:sub>
+                    <m:r>
+                      <a:rPr lang="en-GB" sz="4400" b="0" i="1" kern="1200" smtClean="0">
+                        <a:latin typeface="Cambria Math" panose="02040503050406030204" pitchFamily="18" charset="0"/>
+                      </a:rPr>
+                      <m:t>1</m:t>
+                    </m:r>
+                  </m:sub>
+                </m:sSub>
+                <m:r>
+                  <a:rPr lang="en-GB" sz="4400" b="0" i="1" kern="1200" smtClean="0">
+                    <a:latin typeface="Cambria Math" panose="02040503050406030204" pitchFamily="18" charset="0"/>
+                  </a:rPr>
+                  <m:t>)</m:t>
+                </m:r>
+              </m:oMath>
+            </m:oMathPara>
+          </a14:m>
+          <a:endParaRPr lang="en-US" sz="4400" kern="1200" dirty="0"/>
+        </a:p>
+      </dsp:txBody>
+      <dsp:txXfrm>
+        <a:off x="2471233" y="264160"/>
+        <a:ext cx="3376913" cy="1029546"/>
+      </dsp:txXfrm>
+    </dsp:sp>
+    <dsp:sp modelId="{4D538711-A400-4253-AB5A-68AA77561006}">
+      <dsp:nvSpPr>
+        <dsp:cNvPr id="0" name=""/>
+        <dsp:cNvSpPr/>
+      </dsp:nvSpPr>
+      <dsp:spPr>
+        <a:xfrm>
+          <a:off x="2471233" y="1551093"/>
+          <a:ext cx="3376913" cy="1029546"/>
+        </a:xfrm>
+        <a:prstGeom prst="rect">
+          <a:avLst/>
+        </a:prstGeom>
+        <a:solidFill>
+          <a:schemeClr val="accent1">
+            <a:hueOff val="0"/>
+            <a:satOff val="0"/>
+            <a:lumOff val="0"/>
+            <a:alphaOff val="0"/>
+          </a:schemeClr>
+        </a:solidFill>
+        <a:ln w="12700" cap="flat" cmpd="sng" algn="ctr">
+          <a:solidFill>
+            <a:schemeClr val="lt1">
+              <a:hueOff val="0"/>
+              <a:satOff val="0"/>
+              <a:lumOff val="0"/>
+              <a:alphaOff val="0"/>
+            </a:schemeClr>
+          </a:solidFill>
+          <a:prstDash val="solid"/>
+          <a:miter lim="800000"/>
+        </a:ln>
+        <a:effectLst/>
+      </dsp:spPr>
+      <dsp:style>
+        <a:lnRef idx="2">
+          <a:scrgbClr r="0" g="0" b="0"/>
+        </a:lnRef>
+        <a:fillRef idx="1">
+          <a:scrgbClr r="0" g="0" b="0"/>
+        </a:fillRef>
+        <a:effectRef idx="0">
+          <a:scrgbClr r="0" g="0" b="0"/>
+        </a:effectRef>
+        <a:fontRef idx="minor">
+          <a:schemeClr val="lt1"/>
+        </a:fontRef>
+      </dsp:style>
+      <dsp:txBody>
+        <a:bodyPr spcFirstLastPara="0" vert="horz" wrap="square" lIns="27940" tIns="27940" rIns="27940" bIns="27940" numCol="1" spcCol="1270" anchor="ctr" anchorCtr="0">
+          <a:noAutofit/>
+        </a:bodyPr>
+        <a:lstStyle/>
+        <a:p>
+          <a:pPr lvl="0" algn="ctr" defTabSz="1955800">
+            <a:lnSpc>
+              <a:spcPct val="90000"/>
+            </a:lnSpc>
+            <a:spcBef>
+              <a:spcPct val="0"/>
+            </a:spcBef>
+            <a:spcAft>
+              <a:spcPct val="35000"/>
+            </a:spcAft>
+          </a:pPr>
+          <a14:m xmlns:a14="http://schemas.microsoft.com/office/drawing/2010/main">
+            <m:oMathPara xmlns:m="http://schemas.openxmlformats.org/officeDocument/2006/math">
+              <m:oMathParaPr>
+                <m:jc m:val="centerGroup"/>
+              </m:oMathParaPr>
+              <m:oMath xmlns:m="http://schemas.openxmlformats.org/officeDocument/2006/math">
+                <m:sSub>
+                  <m:sSubPr>
+                    <m:ctrlPr>
+                      <a:rPr lang="en-GB" sz="4400" b="0" i="1" kern="1200" smtClean="0">
+                        <a:latin typeface="Cambria Math" panose="02040503050406030204" pitchFamily="18" charset="0"/>
+                      </a:rPr>
+                    </m:ctrlPr>
+                  </m:sSubPr>
+                  <m:e>
+                    <m:r>
+                      <a:rPr lang="en-GB" sz="4400" b="0" i="1" kern="1200" smtClean="0">
+                        <a:latin typeface="Cambria Math" panose="02040503050406030204" pitchFamily="18" charset="0"/>
+                      </a:rPr>
+                      <m:t>𝑈</m:t>
+                    </m:r>
+                  </m:e>
+                  <m:sub>
+                    <m:sSub>
+                      <m:sSubPr>
+                        <m:ctrlPr>
+                          <a:rPr lang="en-GB" sz="4400" b="0" i="1" kern="1200" smtClean="0">
+                            <a:latin typeface="Cambria Math" panose="02040503050406030204" pitchFamily="18" charset="0"/>
+                          </a:rPr>
+                        </m:ctrlPr>
+                      </m:sSubPr>
+                      <m:e>
+                        <m:r>
+                          <m:rPr>
+                            <m:sty m:val="p"/>
+                          </m:rPr>
+                          <a:rPr lang="en-GB" sz="4400" b="0" i="0" kern="1200" smtClean="0">
+                            <a:latin typeface="Cambria Math" panose="02040503050406030204" pitchFamily="18" charset="0"/>
+                          </a:rPr>
+                          <m:t>Δ</m:t>
+                        </m:r>
+                      </m:e>
+                      <m:sub>
+                        <m:r>
+                          <a:rPr lang="en-GB" sz="4400" b="0" i="1" kern="1200" smtClean="0">
+                            <a:latin typeface="Cambria Math" panose="02040503050406030204" pitchFamily="18" charset="0"/>
+                          </a:rPr>
+                          <m:t>2</m:t>
+                        </m:r>
+                      </m:sub>
+                    </m:sSub>
+                  </m:sub>
+                </m:sSub>
+                <m:r>
+                  <a:rPr lang="en-GB" sz="4400" b="0" i="1" kern="1200" smtClean="0">
+                    <a:latin typeface="Cambria Math" panose="02040503050406030204" pitchFamily="18" charset="0"/>
+                  </a:rPr>
+                  <m:t>(</m:t>
+                </m:r>
+                <m:r>
+                  <a:rPr lang="en-GB" sz="4400" b="0" i="1" kern="1200" smtClean="0">
+                    <a:latin typeface="Cambria Math" panose="02040503050406030204" pitchFamily="18" charset="0"/>
+                  </a:rPr>
+                  <m:t>𝑘</m:t>
+                </m:r>
+                <m:r>
+                  <a:rPr lang="en-GB" sz="4400" b="0" i="1" kern="1200" smtClean="0">
+                    <a:latin typeface="Cambria Math" panose="02040503050406030204" pitchFamily="18" charset="0"/>
+                  </a:rPr>
+                  <m:t>+</m:t>
+                </m:r>
+                <m:sSub>
+                  <m:sSubPr>
+                    <m:ctrlPr>
+                      <a:rPr lang="en-GB" sz="4400" b="0" i="1" kern="1200" smtClean="0">
+                        <a:latin typeface="Cambria Math" panose="02040503050406030204" pitchFamily="18" charset="0"/>
+                      </a:rPr>
+                    </m:ctrlPr>
+                  </m:sSubPr>
+                  <m:e>
+                    <m:r>
+                      <a:rPr lang="en-GB" sz="4400" b="0" i="1" kern="1200" smtClean="0">
+                        <a:latin typeface="Cambria Math" panose="02040503050406030204" pitchFamily="18" charset="0"/>
+                      </a:rPr>
+                      <m:t>𝑏</m:t>
+                    </m:r>
+                  </m:e>
+                  <m:sub>
+                    <m:r>
+                      <a:rPr lang="en-GB" sz="4400" b="0" i="1" kern="1200" smtClean="0">
+                        <a:latin typeface="Cambria Math" panose="02040503050406030204" pitchFamily="18" charset="0"/>
+                      </a:rPr>
+                      <m:t>2</m:t>
+                    </m:r>
+                  </m:sub>
+                </m:sSub>
+                <m:r>
+                  <a:rPr lang="en-GB" sz="4400" b="0" i="1" kern="1200" smtClean="0">
+                    <a:latin typeface="Cambria Math" panose="02040503050406030204" pitchFamily="18" charset="0"/>
+                  </a:rPr>
+                  <m:t>)</m:t>
+                </m:r>
+              </m:oMath>
+            </m:oMathPara>
+          </a14:m>
+          <a:endParaRPr lang="en-US" sz="4400" kern="1200" dirty="0"/>
+        </a:p>
+      </dsp:txBody>
+      <dsp:txXfrm>
+        <a:off x="2471233" y="1551093"/>
+        <a:ext cx="3376913" cy="1029546"/>
+      </dsp:txXfrm>
+    </dsp:sp>
+    <dsp:sp modelId="{7D4CDD25-83F8-482F-947F-2C9D5112B73C}">
+      <dsp:nvSpPr>
+        <dsp:cNvPr id="0" name=""/>
+        <dsp:cNvSpPr/>
+      </dsp:nvSpPr>
+      <dsp:spPr>
+        <a:xfrm>
+          <a:off x="2471233" y="2838026"/>
+          <a:ext cx="3376913" cy="1029546"/>
+        </a:xfrm>
+        <a:prstGeom prst="rect">
+          <a:avLst/>
+        </a:prstGeom>
+        <a:solidFill>
+          <a:schemeClr val="accent1">
+            <a:hueOff val="0"/>
+            <a:satOff val="0"/>
+            <a:lumOff val="0"/>
+            <a:alphaOff val="0"/>
+          </a:schemeClr>
+        </a:solidFill>
+        <a:ln w="12700" cap="flat" cmpd="sng" algn="ctr">
+          <a:solidFill>
+            <a:schemeClr val="lt1">
+              <a:hueOff val="0"/>
+              <a:satOff val="0"/>
+              <a:lumOff val="0"/>
+              <a:alphaOff val="0"/>
+            </a:schemeClr>
+          </a:solidFill>
+          <a:prstDash val="solid"/>
+          <a:miter lim="800000"/>
+        </a:ln>
+        <a:effectLst/>
+      </dsp:spPr>
+      <dsp:style>
+        <a:lnRef idx="2">
+          <a:scrgbClr r="0" g="0" b="0"/>
+        </a:lnRef>
+        <a:fillRef idx="1">
+          <a:scrgbClr r="0" g="0" b="0"/>
+        </a:fillRef>
+        <a:effectRef idx="0">
+          <a:scrgbClr r="0" g="0" b="0"/>
+        </a:effectRef>
+        <a:fontRef idx="minor">
+          <a:schemeClr val="lt1"/>
+        </a:fontRef>
+      </dsp:style>
+      <dsp:txBody>
+        <a:bodyPr spcFirstLastPara="0" vert="horz" wrap="square" lIns="27940" tIns="27940" rIns="27940" bIns="27940" numCol="1" spcCol="1270" anchor="ctr" anchorCtr="0">
+          <a:noAutofit/>
+        </a:bodyPr>
+        <a:lstStyle/>
+        <a:p>
+          <a:pPr lvl="0" algn="ctr" defTabSz="1955800">
+            <a:lnSpc>
+              <a:spcPct val="90000"/>
+            </a:lnSpc>
+            <a:spcBef>
+              <a:spcPct val="0"/>
+            </a:spcBef>
+            <a:spcAft>
+              <a:spcPct val="35000"/>
+            </a:spcAft>
+          </a:pPr>
+          <a:r>
+            <a:rPr lang="en-US" sz="4400" kern="1200" dirty="0" smtClean="0"/>
+            <a:t>…</a:t>
+          </a:r>
+        </a:p>
+      </dsp:txBody>
+      <dsp:txXfrm>
+        <a:off x="2471233" y="2838026"/>
+        <a:ext cx="3376913" cy="1029546"/>
+      </dsp:txXfrm>
+    </dsp:sp>
+    <dsp:sp modelId="{B83BD01B-26DA-40A8-95E7-54A054A14A88}">
+      <dsp:nvSpPr>
+        <dsp:cNvPr id="0" name=""/>
+        <dsp:cNvSpPr/>
+      </dsp:nvSpPr>
+      <dsp:spPr>
+        <a:xfrm>
+          <a:off x="2471233" y="4124960"/>
+          <a:ext cx="3376913" cy="1029546"/>
+        </a:xfrm>
+        <a:prstGeom prst="rect">
+          <a:avLst/>
+        </a:prstGeom>
+        <a:solidFill>
+          <a:schemeClr val="accent1">
+            <a:hueOff val="0"/>
+            <a:satOff val="0"/>
+            <a:lumOff val="0"/>
+            <a:alphaOff val="0"/>
+          </a:schemeClr>
+        </a:solidFill>
+        <a:ln w="12700" cap="flat" cmpd="sng" algn="ctr">
+          <a:solidFill>
+            <a:schemeClr val="lt1">
+              <a:hueOff val="0"/>
+              <a:satOff val="0"/>
+              <a:lumOff val="0"/>
+              <a:alphaOff val="0"/>
+            </a:schemeClr>
+          </a:solidFill>
+          <a:prstDash val="solid"/>
+          <a:miter lim="800000"/>
+        </a:ln>
+        <a:effectLst/>
+      </dsp:spPr>
+      <dsp:style>
+        <a:lnRef idx="2">
+          <a:scrgbClr r="0" g="0" b="0"/>
+        </a:lnRef>
+        <a:fillRef idx="1">
+          <a:scrgbClr r="0" g="0" b="0"/>
+        </a:fillRef>
+        <a:effectRef idx="0">
+          <a:scrgbClr r="0" g="0" b="0"/>
+        </a:effectRef>
+        <a:fontRef idx="minor">
+          <a:schemeClr val="lt1"/>
+        </a:fontRef>
+      </dsp:style>
+      <dsp:txBody>
+        <a:bodyPr spcFirstLastPara="0" vert="horz" wrap="square" lIns="27940" tIns="27940" rIns="27940" bIns="27940" numCol="1" spcCol="1270" anchor="ctr" anchorCtr="0">
+          <a:noAutofit/>
+        </a:bodyPr>
+        <a:lstStyle/>
+        <a:p>
+          <a:pPr lvl="0" algn="ctr" defTabSz="1955800">
+            <a:lnSpc>
+              <a:spcPct val="90000"/>
+            </a:lnSpc>
+            <a:spcBef>
+              <a:spcPct val="0"/>
+            </a:spcBef>
+            <a:spcAft>
+              <a:spcPct val="35000"/>
+            </a:spcAft>
+          </a:pPr>
+          <a14:m xmlns:a14="http://schemas.microsoft.com/office/drawing/2010/main">
+            <m:oMathPara xmlns:m="http://schemas.openxmlformats.org/officeDocument/2006/math">
+              <m:oMathParaPr>
+                <m:jc m:val="centerGroup"/>
+              </m:oMathParaPr>
+              <m:oMath xmlns:m="http://schemas.openxmlformats.org/officeDocument/2006/math">
+                <m:sSub>
+                  <m:sSubPr>
+                    <m:ctrlPr>
+                      <a:rPr lang="en-GB" sz="4400" b="0" i="1" kern="1200" smtClean="0">
+                        <a:latin typeface="Cambria Math" panose="02040503050406030204" pitchFamily="18" charset="0"/>
+                      </a:rPr>
+                    </m:ctrlPr>
+                  </m:sSubPr>
+                  <m:e>
+                    <m:r>
+                      <a:rPr lang="en-GB" sz="4400" b="0" i="1" kern="1200" smtClean="0">
+                        <a:latin typeface="Cambria Math" panose="02040503050406030204" pitchFamily="18" charset="0"/>
+                      </a:rPr>
+                      <m:t>𝑈</m:t>
+                    </m:r>
+                  </m:e>
+                  <m:sub>
+                    <m:sSub>
+                      <m:sSubPr>
+                        <m:ctrlPr>
+                          <a:rPr lang="en-GB" sz="4400" b="0" i="1" kern="1200" smtClean="0">
+                            <a:latin typeface="Cambria Math" panose="02040503050406030204" pitchFamily="18" charset="0"/>
+                          </a:rPr>
+                        </m:ctrlPr>
+                      </m:sSubPr>
+                      <m:e>
+                        <m:r>
+                          <m:rPr>
+                            <m:sty m:val="p"/>
+                          </m:rPr>
+                          <a:rPr lang="en-GB" sz="4400" b="0" i="0" kern="1200" smtClean="0">
+                            <a:latin typeface="Cambria Math" panose="02040503050406030204" pitchFamily="18" charset="0"/>
+                          </a:rPr>
+                          <m:t>Δ</m:t>
+                        </m:r>
+                      </m:e>
+                      <m:sub>
+                        <m:r>
+                          <a:rPr lang="en-GB" sz="4400" b="0" i="1" kern="1200" smtClean="0">
+                            <a:latin typeface="Cambria Math" panose="02040503050406030204" pitchFamily="18" charset="0"/>
+                          </a:rPr>
+                          <m:t>24</m:t>
+                        </m:r>
+                      </m:sub>
+                    </m:sSub>
+                  </m:sub>
+                </m:sSub>
+                <m:r>
+                  <a:rPr lang="en-GB" sz="4400" b="0" i="1" kern="1200" smtClean="0">
+                    <a:latin typeface="Cambria Math" panose="02040503050406030204" pitchFamily="18" charset="0"/>
+                  </a:rPr>
+                  <m:t>(</m:t>
+                </m:r>
+                <m:r>
+                  <a:rPr lang="en-GB" sz="4400" b="0" i="1" kern="1200" smtClean="0">
+                    <a:latin typeface="Cambria Math" panose="02040503050406030204" pitchFamily="18" charset="0"/>
+                  </a:rPr>
+                  <m:t>𝑘</m:t>
+                </m:r>
+                <m:r>
+                  <a:rPr lang="en-GB" sz="4400" b="0" i="1" kern="1200" smtClean="0">
+                    <a:latin typeface="Cambria Math" panose="02040503050406030204" pitchFamily="18" charset="0"/>
+                  </a:rPr>
+                  <m:t>+</m:t>
+                </m:r>
+                <m:sSub>
+                  <m:sSubPr>
+                    <m:ctrlPr>
+                      <a:rPr lang="en-GB" sz="4400" b="0" i="1" kern="1200" smtClean="0">
+                        <a:latin typeface="Cambria Math" panose="02040503050406030204" pitchFamily="18" charset="0"/>
+                      </a:rPr>
+                    </m:ctrlPr>
+                  </m:sSubPr>
+                  <m:e>
+                    <m:r>
+                      <a:rPr lang="en-GB" sz="4400" b="0" i="1" kern="1200" smtClean="0">
+                        <a:latin typeface="Cambria Math" panose="02040503050406030204" pitchFamily="18" charset="0"/>
+                      </a:rPr>
+                      <m:t>𝑏</m:t>
+                    </m:r>
+                  </m:e>
+                  <m:sub>
+                    <m:r>
+                      <a:rPr lang="en-GB" sz="4400" b="0" i="1" kern="1200" smtClean="0">
+                        <a:latin typeface="Cambria Math" panose="02040503050406030204" pitchFamily="18" charset="0"/>
+                      </a:rPr>
+                      <m:t>24</m:t>
+                    </m:r>
+                  </m:sub>
+                </m:sSub>
+                <m:r>
+                  <a:rPr lang="en-GB" sz="4400" b="0" i="1" kern="1200" smtClean="0">
+                    <a:latin typeface="Cambria Math" panose="02040503050406030204" pitchFamily="18" charset="0"/>
+                  </a:rPr>
+                  <m:t>)</m:t>
+                </m:r>
+              </m:oMath>
+            </m:oMathPara>
+          </a14:m>
+          <a:endParaRPr lang="en-US" sz="4400" kern="1200" dirty="0" smtClean="0"/>
+        </a:p>
+      </dsp:txBody>
+      <dsp:txXfrm>
+        <a:off x="2471233" y="4124960"/>
+        <a:ext cx="3376913" cy="1029546"/>
+      </dsp:txXfrm>
+    </dsp:sp>
+  </dsp:spTree>
+</dsp:drawing>
+</file>
+
+<file path=ppt/diagrams/drawing2.xml><?xml version="1.0" encoding="utf-8"?>
 <dsp:drawing xmlns:dgm="http://schemas.openxmlformats.org/drawingml/2006/diagram" xmlns:dsp="http://schemas.microsoft.com/office/drawing/2008/diagram" xmlns:a="http://schemas.openxmlformats.org/drawingml/2006/main">
   <dsp:spTree>
     <dsp:nvGrpSpPr>
@@ -2371,7 +5624,7 @@
 </dsp:drawing>
 </file>
 
-<file path=ppt/diagrams/drawing2.xml><?xml version="1.0" encoding="utf-8"?>
+<file path=ppt/diagrams/drawing3.xml><?xml version="1.0" encoding="utf-8"?>
 <dsp:drawing xmlns:dgm="http://schemas.openxmlformats.org/drawingml/2006/diagram" xmlns:dsp="http://schemas.microsoft.com/office/drawing/2008/diagram" xmlns:a="http://schemas.openxmlformats.org/drawingml/2006/main">
   <dsp:spTree>
     <dsp:nvGrpSpPr>
@@ -2613,6 +5866,329 @@
 </file>
 
 <file path=ppt/diagrams/layout1.xml><?xml version="1.0" encoding="utf-8"?>
+<dgm:layoutDef xmlns:dgm="http://schemas.openxmlformats.org/drawingml/2006/diagram" xmlns:a="http://schemas.openxmlformats.org/drawingml/2006/main" uniqueId="urn:microsoft.com/office/officeart/2008/layout/HorizontalMultiLevelHierarchy">
+  <dgm:title val=""/>
+  <dgm:desc val=""/>
+  <dgm:catLst>
+    <dgm:cat type="hierarchy" pri="4600"/>
+  </dgm:catLst>
+  <dgm:sampData>
+    <dgm:dataModel>
+      <dgm:ptLst>
+        <dgm:pt modelId="0" type="doc"/>
+        <dgm:pt modelId="1">
+          <dgm:prSet phldr="1"/>
+        </dgm:pt>
+        <dgm:pt modelId="11">
+          <dgm:prSet phldr="1"/>
+        </dgm:pt>
+        <dgm:pt modelId="12">
+          <dgm:prSet phldr="1"/>
+        </dgm:pt>
+        <dgm:pt modelId="13">
+          <dgm:prSet phldr="1"/>
+        </dgm:pt>
+      </dgm:ptLst>
+      <dgm:cxnLst>
+        <dgm:cxn modelId="2" srcId="0" destId="1" srcOrd="0" destOrd="0"/>
+        <dgm:cxn modelId="3" srcId="1" destId="11" srcOrd="0" destOrd="0"/>
+        <dgm:cxn modelId="4" srcId="1" destId="12" srcOrd="1" destOrd="0"/>
+        <dgm:cxn modelId="5" srcId="1" destId="13" srcOrd="2" destOrd="0"/>
+      </dgm:cxnLst>
+      <dgm:bg/>
+      <dgm:whole/>
+    </dgm:dataModel>
+  </dgm:sampData>
+  <dgm:styleData>
+    <dgm:dataModel>
+      <dgm:ptLst>
+        <dgm:pt modelId="0" type="doc"/>
+        <dgm:pt modelId="1">
+          <dgm:prSet phldr="1"/>
+        </dgm:pt>
+        <dgm:pt modelId="11">
+          <dgm:prSet phldr="1"/>
+        </dgm:pt>
+        <dgm:pt modelId="12">
+          <dgm:prSet phldr="1"/>
+        </dgm:pt>
+      </dgm:ptLst>
+      <dgm:cxnLst>
+        <dgm:cxn modelId="2" srcId="0" destId="1" srcOrd="0" destOrd="0"/>
+        <dgm:cxn modelId="3" srcId="1" destId="11" srcOrd="0" destOrd="0"/>
+        <dgm:cxn modelId="4" srcId="1" destId="12" srcOrd="1" destOrd="0"/>
+      </dgm:cxnLst>
+      <dgm:bg/>
+      <dgm:whole/>
+    </dgm:dataModel>
+  </dgm:styleData>
+  <dgm:clrData>
+    <dgm:dataModel>
+      <dgm:ptLst>
+        <dgm:pt modelId="0" type="doc"/>
+        <dgm:pt modelId="1">
+          <dgm:prSet phldr="1"/>
+        </dgm:pt>
+        <dgm:pt modelId="11">
+          <dgm:prSet phldr="1"/>
+        </dgm:pt>
+        <dgm:pt modelId="12">
+          <dgm:prSet phldr="1"/>
+        </dgm:pt>
+        <dgm:pt modelId="13">
+          <dgm:prSet phldr="1"/>
+        </dgm:pt>
+      </dgm:ptLst>
+      <dgm:cxnLst>
+        <dgm:cxn modelId="2" srcId="0" destId="1" srcOrd="0" destOrd="0"/>
+        <dgm:cxn modelId="3" srcId="1" destId="11" srcOrd="0" destOrd="0"/>
+        <dgm:cxn modelId="4" srcId="1" destId="12" srcOrd="1" destOrd="0"/>
+        <dgm:cxn modelId="5" srcId="1" destId="13" srcOrd="2" destOrd="0"/>
+      </dgm:cxnLst>
+      <dgm:bg/>
+      <dgm:whole/>
+    </dgm:dataModel>
+  </dgm:clrData>
+  <dgm:layoutNode name="Name0">
+    <dgm:varLst>
+      <dgm:chPref val="1"/>
+      <dgm:dir/>
+      <dgm:animOne val="branch"/>
+      <dgm:animLvl val="lvl"/>
+      <dgm:resizeHandles val="exact"/>
+    </dgm:varLst>
+    <dgm:choose name="Name1">
+      <dgm:if name="Name2" func="var" arg="dir" op="equ" val="norm">
+        <dgm:alg type="hierChild">
+          <dgm:param type="linDir" val="fromT"/>
+          <dgm:param type="chAlign" val="l"/>
+        </dgm:alg>
+      </dgm:if>
+      <dgm:else name="Name3">
+        <dgm:alg type="hierChild">
+          <dgm:param type="linDir" val="fromT"/>
+          <dgm:param type="chAlign" val="r"/>
+        </dgm:alg>
+      </dgm:else>
+    </dgm:choose>
+    <dgm:shape xmlns:r="http://schemas.openxmlformats.org/officeDocument/2006/relationships" r:blip="">
+      <dgm:adjLst/>
+    </dgm:shape>
+    <dgm:presOf/>
+    <dgm:constrLst>
+      <dgm:constr type="h" for="des" forName="LevelOneTextNode" refType="h"/>
+      <dgm:constr type="w" for="des" forName="LevelOneTextNode" refType="h" refFor="des" refForName="LevelOneTextNode" fact="0.19"/>
+      <dgm:constr type="h" for="des" forName="LevelTwoTextNode" refType="w" refFor="des" refForName="LevelOneTextNode"/>
+      <dgm:constr type="w" for="des" forName="LevelTwoTextNode" refType="h" refFor="des" refForName="LevelTwoTextNode" fact="3.28"/>
+      <dgm:constr type="sibSp" refType="h" refFor="des" refForName="LevelTwoTextNode" op="equ" fact="0.25"/>
+      <dgm:constr type="sibSp" for="des" forName="level2hierChild" refType="h" refFor="des" refForName="LevelTwoTextNode" op="equ" fact="0.25"/>
+      <dgm:constr type="sibSp" for="des" forName="level3hierChild" refType="h" refFor="des" refForName="LevelTwoTextNode" op="equ" fact="0.25"/>
+      <dgm:constr type="sp" for="des" forName="root1" refType="w" refFor="des" refForName="LevelTwoTextNode" fact="0.2"/>
+      <dgm:constr type="sp" for="des" forName="root2" refType="sp" refFor="des" refForName="root1" op="equ"/>
+      <dgm:constr type="primFontSz" for="des" forName="LevelOneTextNode" op="equ" val="65"/>
+      <dgm:constr type="primFontSz" for="des" forName="LevelTwoTextNode" op="equ" val="65"/>
+      <dgm:constr type="primFontSz" for="des" forName="LevelTwoTextNode" refType="primFontSz" refFor="des" refForName="LevelOneTextNode" op="lte"/>
+      <dgm:constr type="primFontSz" for="des" forName="connTx" op="equ" val="50"/>
+      <dgm:constr type="primFontSz" for="des" forName="connTx" refType="primFontSz" refFor="des" refForName="LevelOneTextNode" op="lte" fact="0.78"/>
+    </dgm:constrLst>
+    <dgm:forEach name="Name4" axis="ch">
+      <dgm:forEach name="Name5" axis="self" ptType="node">
+        <dgm:layoutNode name="root1">
+          <dgm:choose name="Name6">
+            <dgm:if name="Name7" func="var" arg="dir" op="equ" val="norm">
+              <dgm:alg type="hierRoot">
+                <dgm:param type="hierAlign" val="lCtrCh"/>
+              </dgm:alg>
+            </dgm:if>
+            <dgm:else name="Name8">
+              <dgm:alg type="hierRoot">
+                <dgm:param type="hierAlign" val="rCtrCh"/>
+              </dgm:alg>
+            </dgm:else>
+          </dgm:choose>
+          <dgm:shape xmlns:r="http://schemas.openxmlformats.org/officeDocument/2006/relationships" r:blip="">
+            <dgm:adjLst/>
+          </dgm:shape>
+          <dgm:presOf/>
+          <dgm:layoutNode name="LevelOneTextNode" styleLbl="node0">
+            <dgm:varLst>
+              <dgm:chPref val="3"/>
+            </dgm:varLst>
+            <dgm:alg type="tx">
+              <dgm:param type="autoTxRot" val="grav"/>
+            </dgm:alg>
+            <dgm:choose name="Name9">
+              <dgm:if name="Name10" func="var" arg="dir" op="equ" val="norm">
+                <dgm:shape xmlns:r="http://schemas.openxmlformats.org/officeDocument/2006/relationships" rot="270" type="rect" r:blip="">
+                  <dgm:adjLst/>
+                </dgm:shape>
+              </dgm:if>
+              <dgm:else name="Name11">
+                <dgm:shape xmlns:r="http://schemas.openxmlformats.org/officeDocument/2006/relationships" rot="90" type="rect" r:blip="">
+                  <dgm:adjLst/>
+                </dgm:shape>
+              </dgm:else>
+            </dgm:choose>
+            <dgm:presOf axis="self"/>
+            <dgm:constrLst>
+              <dgm:constr type="tMarg" refType="primFontSz" fact="0.05"/>
+              <dgm:constr type="bMarg" refType="primFontSz" fact="0.05"/>
+              <dgm:constr type="lMarg" refType="primFontSz" fact="0.05"/>
+              <dgm:constr type="rMarg" refType="primFontSz" fact="0.05"/>
+            </dgm:constrLst>
+            <dgm:ruleLst>
+              <dgm:rule type="primFontSz" val="2" fact="NaN" max="NaN"/>
+            </dgm:ruleLst>
+          </dgm:layoutNode>
+          <dgm:layoutNode name="level2hierChild">
+            <dgm:choose name="Name12">
+              <dgm:if name="Name13" func="var" arg="dir" op="equ" val="norm">
+                <dgm:alg type="hierChild">
+                  <dgm:param type="linDir" val="fromT"/>
+                  <dgm:param type="chAlign" val="l"/>
+                </dgm:alg>
+              </dgm:if>
+              <dgm:else name="Name14">
+                <dgm:alg type="hierChild">
+                  <dgm:param type="linDir" val="fromT"/>
+                  <dgm:param type="chAlign" val="r"/>
+                </dgm:alg>
+              </dgm:else>
+            </dgm:choose>
+            <dgm:shape xmlns:r="http://schemas.openxmlformats.org/officeDocument/2006/relationships" r:blip="">
+              <dgm:adjLst/>
+            </dgm:shape>
+            <dgm:presOf/>
+            <dgm:forEach name="repeat" axis="ch">
+              <dgm:forEach name="Name15" axis="self" ptType="parTrans" cnt="1">
+                <dgm:layoutNode name="conn2-1">
+                  <dgm:choose name="Name16">
+                    <dgm:if name="Name17" func="var" arg="dir" op="equ" val="norm">
+                      <dgm:alg type="conn">
+                        <dgm:param type="dim" val="1D"/>
+                        <dgm:param type="begPts" val="midR"/>
+                        <dgm:param type="endPts" val="midL"/>
+                        <dgm:param type="endSty" val="noArr"/>
+                        <dgm:param type="connRout" val="bend"/>
+                      </dgm:alg>
+                    </dgm:if>
+                    <dgm:else name="Name18">
+                      <dgm:alg type="conn">
+                        <dgm:param type="dim" val="1D"/>
+                        <dgm:param type="begPts" val="midL"/>
+                        <dgm:param type="endPts" val="midR"/>
+                        <dgm:param type="endSty" val="noArr"/>
+                        <dgm:param type="connRout" val="bend"/>
+                      </dgm:alg>
+                    </dgm:else>
+                  </dgm:choose>
+                  <dgm:shape xmlns:r="http://schemas.openxmlformats.org/officeDocument/2006/relationships" type="conn" r:blip="" zOrderOff="-99999">
+                    <dgm:adjLst/>
+                  </dgm:shape>
+                  <dgm:presOf axis="self"/>
+                  <dgm:constrLst>
+                    <dgm:constr type="w" val="1"/>
+                    <dgm:constr type="h" val="5"/>
+                    <dgm:constr type="connDist"/>
+                    <dgm:constr type="begPad"/>
+                    <dgm:constr type="endPad"/>
+                    <dgm:constr type="userA" for="ch" refType="connDist"/>
+                  </dgm:constrLst>
+                  <dgm:layoutNode name="connTx">
+                    <dgm:alg type="tx">
+                      <dgm:param type="autoTxRot" val="grav"/>
+                    </dgm:alg>
+                    <dgm:shape xmlns:r="http://schemas.openxmlformats.org/officeDocument/2006/relationships" type="rect" r:blip="" hideGeom="1">
+                      <dgm:adjLst/>
+                    </dgm:shape>
+                    <dgm:presOf axis="self"/>
+                    <dgm:constrLst>
+                      <dgm:constr type="userA"/>
+                      <dgm:constr type="w" refType="userA" fact="0.05"/>
+                      <dgm:constr type="h" refType="userA" fact="0.05"/>
+                      <dgm:constr type="lMarg" val="1"/>
+                      <dgm:constr type="rMarg" val="1"/>
+                      <dgm:constr type="tMarg"/>
+                      <dgm:constr type="bMarg"/>
+                    </dgm:constrLst>
+                    <dgm:ruleLst>
+                      <dgm:rule type="h" val="NaN" fact="0.25" max="NaN"/>
+                      <dgm:rule type="w" val="NaN" fact="0.8" max="NaN"/>
+                      <dgm:rule type="primFontSz" val="5" fact="NaN" max="NaN"/>
+                    </dgm:ruleLst>
+                  </dgm:layoutNode>
+                </dgm:layoutNode>
+              </dgm:forEach>
+              <dgm:forEach name="Name19" axis="self" ptType="node">
+                <dgm:layoutNode name="root2">
+                  <dgm:choose name="Name20">
+                    <dgm:if name="Name21" func="var" arg="dir" op="equ" val="norm">
+                      <dgm:alg type="hierRoot">
+                        <dgm:param type="hierAlign" val="lCtrCh"/>
+                      </dgm:alg>
+                    </dgm:if>
+                    <dgm:else name="Name22">
+                      <dgm:alg type="hierRoot">
+                        <dgm:param type="hierAlign" val="rCtrCh"/>
+                      </dgm:alg>
+                    </dgm:else>
+                  </dgm:choose>
+                  <dgm:shape xmlns:r="http://schemas.openxmlformats.org/officeDocument/2006/relationships" r:blip="">
+                    <dgm:adjLst/>
+                  </dgm:shape>
+                  <dgm:presOf/>
+                  <dgm:layoutNode name="LevelTwoTextNode">
+                    <dgm:varLst>
+                      <dgm:chPref val="3"/>
+                    </dgm:varLst>
+                    <dgm:alg type="tx"/>
+                    <dgm:shape xmlns:r="http://schemas.openxmlformats.org/officeDocument/2006/relationships" type="rect" r:blip="">
+                      <dgm:adjLst/>
+                    </dgm:shape>
+                    <dgm:presOf axis="self"/>
+                    <dgm:constrLst>
+                      <dgm:constr type="tMarg" refType="primFontSz" fact="0.05"/>
+                      <dgm:constr type="bMarg" refType="primFontSz" fact="0.05"/>
+                      <dgm:constr type="lMarg" refType="primFontSz" fact="0.05"/>
+                      <dgm:constr type="rMarg" refType="primFontSz" fact="0.05"/>
+                    </dgm:constrLst>
+                    <dgm:ruleLst>
+                      <dgm:rule type="primFontSz" val="2" fact="NaN" max="NaN"/>
+                    </dgm:ruleLst>
+                  </dgm:layoutNode>
+                  <dgm:layoutNode name="level3hierChild">
+                    <dgm:choose name="Name23">
+                      <dgm:if name="Name24" func="var" arg="dir" op="equ" val="norm">
+                        <dgm:alg type="hierChild">
+                          <dgm:param type="linDir" val="fromT"/>
+                          <dgm:param type="chAlign" val="l"/>
+                        </dgm:alg>
+                      </dgm:if>
+                      <dgm:else name="Name25">
+                        <dgm:alg type="hierChild">
+                          <dgm:param type="linDir" val="fromT"/>
+                          <dgm:param type="chAlign" val="r"/>
+                        </dgm:alg>
+                      </dgm:else>
+                    </dgm:choose>
+                    <dgm:shape xmlns:r="http://schemas.openxmlformats.org/officeDocument/2006/relationships" r:blip="">
+                      <dgm:adjLst/>
+                    </dgm:shape>
+                    <dgm:presOf/>
+                    <dgm:forEach name="Name26" ref="repeat"/>
+                  </dgm:layoutNode>
+                </dgm:layoutNode>
+              </dgm:forEach>
+            </dgm:forEach>
+          </dgm:layoutNode>
+        </dgm:layoutNode>
+      </dgm:forEach>
+    </dgm:forEach>
+  </dgm:layoutNode>
+</dgm:layoutDef>
+</file>
+
+<file path=ppt/diagrams/layout2.xml><?xml version="1.0" encoding="utf-8"?>
 <dgm:layoutDef xmlns:dgm="http://schemas.openxmlformats.org/drawingml/2006/diagram" xmlns:a="http://schemas.openxmlformats.org/drawingml/2006/main" uniqueId="urn:microsoft.com/office/officeart/2005/8/layout/process1">
   <dgm:title val=""/>
   <dgm:desc val=""/>
@@ -2758,7 +6334,7 @@
 </dgm:layoutDef>
 </file>
 
-<file path=ppt/diagrams/layout2.xml><?xml version="1.0" encoding="utf-8"?>
+<file path=ppt/diagrams/layout3.xml><?xml version="1.0" encoding="utf-8"?>
 <dgm:layoutDef xmlns:dgm="http://schemas.openxmlformats.org/drawingml/2006/diagram" xmlns:a="http://schemas.openxmlformats.org/drawingml/2006/main" uniqueId="urn:microsoft.com/office/officeart/2005/8/layout/process1">
   <dgm:title val=""/>
   <dgm:desc val=""/>
@@ -4972,6 +8548,1040 @@
 </dgm:styleDef>
 </file>
 
+<file path=ppt/diagrams/quickStyle3.xml><?xml version="1.0" encoding="utf-8"?>
+<dgm:styleDef xmlns:dgm="http://schemas.openxmlformats.org/drawingml/2006/diagram" xmlns:a="http://schemas.openxmlformats.org/drawingml/2006/main" uniqueId="urn:microsoft.com/office/officeart/2005/8/quickstyle/simple1">
+  <dgm:title val=""/>
+  <dgm:desc val=""/>
+  <dgm:catLst>
+    <dgm:cat type="simple" pri="10100"/>
+  </dgm:catLst>
+  <dgm:scene3d>
+    <a:camera prst="orthographicFront"/>
+    <a:lightRig rig="threePt" dir="t"/>
+  </dgm:scene3d>
+  <dgm:styleLbl name="node0">
+    <dgm:scene3d>
+      <a:camera prst="orthographicFront"/>
+      <a:lightRig rig="threePt" dir="t"/>
+    </dgm:scene3d>
+    <dgm:sp3d/>
+    <dgm:txPr/>
+    <dgm:style>
+      <a:lnRef idx="2">
+        <a:scrgbClr r="0" g="0" b="0"/>
+      </a:lnRef>
+      <a:fillRef idx="1">
+        <a:scrgbClr r="0" g="0" b="0"/>
+      </a:fillRef>
+      <a:effectRef idx="0">
+        <a:scrgbClr r="0" g="0" b="0"/>
+      </a:effectRef>
+      <a:fontRef idx="minor">
+        <a:schemeClr val="lt1"/>
+      </a:fontRef>
+    </dgm:style>
+  </dgm:styleLbl>
+  <dgm:styleLbl name="lnNode1">
+    <dgm:scene3d>
+      <a:camera prst="orthographicFront"/>
+      <a:lightRig rig="threePt" dir="t"/>
+    </dgm:scene3d>
+    <dgm:sp3d/>
+    <dgm:txPr/>
+    <dgm:style>
+      <a:lnRef idx="2">
+        <a:scrgbClr r="0" g="0" b="0"/>
+      </a:lnRef>
+      <a:fillRef idx="1">
+        <a:scrgbClr r="0" g="0" b="0"/>
+      </a:fillRef>
+      <a:effectRef idx="0">
+        <a:scrgbClr r="0" g="0" b="0"/>
+      </a:effectRef>
+      <a:fontRef idx="minor">
+        <a:schemeClr val="lt1"/>
+      </a:fontRef>
+    </dgm:style>
+  </dgm:styleLbl>
+  <dgm:styleLbl name="vennNode1">
+    <dgm:scene3d>
+      <a:camera prst="orthographicFront"/>
+      <a:lightRig rig="threePt" dir="t"/>
+    </dgm:scene3d>
+    <dgm:sp3d/>
+    <dgm:txPr/>
+    <dgm:style>
+      <a:lnRef idx="2">
+        <a:scrgbClr r="0" g="0" b="0"/>
+      </a:lnRef>
+      <a:fillRef idx="1">
+        <a:scrgbClr r="0" g="0" b="0"/>
+      </a:fillRef>
+      <a:effectRef idx="0">
+        <a:scrgbClr r="0" g="0" b="0"/>
+      </a:effectRef>
+      <a:fontRef idx="minor">
+        <a:schemeClr val="tx1"/>
+      </a:fontRef>
+    </dgm:style>
+  </dgm:styleLbl>
+  <dgm:styleLbl name="alignNode1">
+    <dgm:scene3d>
+      <a:camera prst="orthographicFront"/>
+      <a:lightRig rig="threePt" dir="t"/>
+    </dgm:scene3d>
+    <dgm:sp3d/>
+    <dgm:txPr/>
+    <dgm:style>
+      <a:lnRef idx="2">
+        <a:scrgbClr r="0" g="0" b="0"/>
+      </a:lnRef>
+      <a:fillRef idx="1">
+        <a:scrgbClr r="0" g="0" b="0"/>
+      </a:fillRef>
+      <a:effectRef idx="0">
+        <a:scrgbClr r="0" g="0" b="0"/>
+      </a:effectRef>
+      <a:fontRef idx="minor">
+        <a:schemeClr val="lt1"/>
+      </a:fontRef>
+    </dgm:style>
+  </dgm:styleLbl>
+  <dgm:styleLbl name="node1">
+    <dgm:scene3d>
+      <a:camera prst="orthographicFront"/>
+      <a:lightRig rig="threePt" dir="t"/>
+    </dgm:scene3d>
+    <dgm:sp3d/>
+    <dgm:txPr/>
+    <dgm:style>
+      <a:lnRef idx="2">
+        <a:scrgbClr r="0" g="0" b="0"/>
+      </a:lnRef>
+      <a:fillRef idx="1">
+        <a:scrgbClr r="0" g="0" b="0"/>
+      </a:fillRef>
+      <a:effectRef idx="0">
+        <a:scrgbClr r="0" g="0" b="0"/>
+      </a:effectRef>
+      <a:fontRef idx="minor">
+        <a:schemeClr val="lt1"/>
+      </a:fontRef>
+    </dgm:style>
+  </dgm:styleLbl>
+  <dgm:styleLbl name="node2">
+    <dgm:scene3d>
+      <a:camera prst="orthographicFront"/>
+      <a:lightRig rig="threePt" dir="t"/>
+    </dgm:scene3d>
+    <dgm:sp3d/>
+    <dgm:txPr/>
+    <dgm:style>
+      <a:lnRef idx="2">
+        <a:scrgbClr r="0" g="0" b="0"/>
+      </a:lnRef>
+      <a:fillRef idx="1">
+        <a:scrgbClr r="0" g="0" b="0"/>
+      </a:fillRef>
+      <a:effectRef idx="0">
+        <a:scrgbClr r="0" g="0" b="0"/>
+      </a:effectRef>
+      <a:fontRef idx="minor">
+        <a:schemeClr val="lt1"/>
+      </a:fontRef>
+    </dgm:style>
+  </dgm:styleLbl>
+  <dgm:styleLbl name="node3">
+    <dgm:scene3d>
+      <a:camera prst="orthographicFront"/>
+      <a:lightRig rig="threePt" dir="t"/>
+    </dgm:scene3d>
+    <dgm:sp3d/>
+    <dgm:txPr/>
+    <dgm:style>
+      <a:lnRef idx="2">
+        <a:scrgbClr r="0" g="0" b="0"/>
+      </a:lnRef>
+      <a:fillRef idx="1">
+        <a:scrgbClr r="0" g="0" b="0"/>
+      </a:fillRef>
+      <a:effectRef idx="0">
+        <a:scrgbClr r="0" g="0" b="0"/>
+      </a:effectRef>
+      <a:fontRef idx="minor">
+        <a:schemeClr val="lt1"/>
+      </a:fontRef>
+    </dgm:style>
+  </dgm:styleLbl>
+  <dgm:styleLbl name="node4">
+    <dgm:scene3d>
+      <a:camera prst="orthographicFront"/>
+      <a:lightRig rig="threePt" dir="t"/>
+    </dgm:scene3d>
+    <dgm:sp3d/>
+    <dgm:txPr/>
+    <dgm:style>
+      <a:lnRef idx="2">
+        <a:scrgbClr r="0" g="0" b="0"/>
+      </a:lnRef>
+      <a:fillRef idx="1">
+        <a:scrgbClr r="0" g="0" b="0"/>
+      </a:fillRef>
+      <a:effectRef idx="0">
+        <a:scrgbClr r="0" g="0" b="0"/>
+      </a:effectRef>
+      <a:fontRef idx="minor">
+        <a:schemeClr val="lt1"/>
+      </a:fontRef>
+    </dgm:style>
+  </dgm:styleLbl>
+  <dgm:styleLbl name="fgImgPlace1">
+    <dgm:scene3d>
+      <a:camera prst="orthographicFront"/>
+      <a:lightRig rig="threePt" dir="t"/>
+    </dgm:scene3d>
+    <dgm:sp3d/>
+    <dgm:txPr/>
+    <dgm:style>
+      <a:lnRef idx="2">
+        <a:scrgbClr r="0" g="0" b="0"/>
+      </a:lnRef>
+      <a:fillRef idx="1">
+        <a:scrgbClr r="0" g="0" b="0"/>
+      </a:fillRef>
+      <a:effectRef idx="0">
+        <a:scrgbClr r="0" g="0" b="0"/>
+      </a:effectRef>
+      <a:fontRef idx="minor"/>
+    </dgm:style>
+  </dgm:styleLbl>
+  <dgm:styleLbl name="alignImgPlace1">
+    <dgm:scene3d>
+      <a:camera prst="orthographicFront"/>
+      <a:lightRig rig="threePt" dir="t"/>
+    </dgm:scene3d>
+    <dgm:sp3d/>
+    <dgm:txPr/>
+    <dgm:style>
+      <a:lnRef idx="2">
+        <a:scrgbClr r="0" g="0" b="0"/>
+      </a:lnRef>
+      <a:fillRef idx="1">
+        <a:scrgbClr r="0" g="0" b="0"/>
+      </a:fillRef>
+      <a:effectRef idx="0">
+        <a:scrgbClr r="0" g="0" b="0"/>
+      </a:effectRef>
+      <a:fontRef idx="minor"/>
+    </dgm:style>
+  </dgm:styleLbl>
+  <dgm:styleLbl name="bgImgPlace1">
+    <dgm:scene3d>
+      <a:camera prst="orthographicFront"/>
+      <a:lightRig rig="threePt" dir="t"/>
+    </dgm:scene3d>
+    <dgm:sp3d/>
+    <dgm:txPr/>
+    <dgm:style>
+      <a:lnRef idx="2">
+        <a:scrgbClr r="0" g="0" b="0"/>
+      </a:lnRef>
+      <a:fillRef idx="1">
+        <a:scrgbClr r="0" g="0" b="0"/>
+      </a:fillRef>
+      <a:effectRef idx="0">
+        <a:scrgbClr r="0" g="0" b="0"/>
+      </a:effectRef>
+      <a:fontRef idx="minor"/>
+    </dgm:style>
+  </dgm:styleLbl>
+  <dgm:styleLbl name="sibTrans2D1">
+    <dgm:scene3d>
+      <a:camera prst="orthographicFront"/>
+      <a:lightRig rig="threePt" dir="t"/>
+    </dgm:scene3d>
+    <dgm:sp3d/>
+    <dgm:txPr/>
+    <dgm:style>
+      <a:lnRef idx="0">
+        <a:scrgbClr r="0" g="0" b="0"/>
+      </a:lnRef>
+      <a:fillRef idx="1">
+        <a:scrgbClr r="0" g="0" b="0"/>
+      </a:fillRef>
+      <a:effectRef idx="0">
+        <a:scrgbClr r="0" g="0" b="0"/>
+      </a:effectRef>
+      <a:fontRef idx="minor">
+        <a:schemeClr val="lt1"/>
+      </a:fontRef>
+    </dgm:style>
+  </dgm:styleLbl>
+  <dgm:styleLbl name="fgSibTrans2D1">
+    <dgm:scene3d>
+      <a:camera prst="orthographicFront"/>
+      <a:lightRig rig="threePt" dir="t"/>
+    </dgm:scene3d>
+    <dgm:sp3d/>
+    <dgm:txPr/>
+    <dgm:style>
+      <a:lnRef idx="0">
+        <a:scrgbClr r="0" g="0" b="0"/>
+      </a:lnRef>
+      <a:fillRef idx="1">
+        <a:scrgbClr r="0" g="0" b="0"/>
+      </a:fillRef>
+      <a:effectRef idx="0">
+        <a:scrgbClr r="0" g="0" b="0"/>
+      </a:effectRef>
+      <a:fontRef idx="minor">
+        <a:schemeClr val="lt1"/>
+      </a:fontRef>
+    </dgm:style>
+  </dgm:styleLbl>
+  <dgm:styleLbl name="bgSibTrans2D1">
+    <dgm:scene3d>
+      <a:camera prst="orthographicFront"/>
+      <a:lightRig rig="threePt" dir="t"/>
+    </dgm:scene3d>
+    <dgm:sp3d/>
+    <dgm:txPr/>
+    <dgm:style>
+      <a:lnRef idx="0">
+        <a:scrgbClr r="0" g="0" b="0"/>
+      </a:lnRef>
+      <a:fillRef idx="1">
+        <a:scrgbClr r="0" g="0" b="0"/>
+      </a:fillRef>
+      <a:effectRef idx="0">
+        <a:scrgbClr r="0" g="0" b="0"/>
+      </a:effectRef>
+      <a:fontRef idx="minor">
+        <a:schemeClr val="lt1"/>
+      </a:fontRef>
+    </dgm:style>
+  </dgm:styleLbl>
+  <dgm:styleLbl name="sibTrans1D1">
+    <dgm:scene3d>
+      <a:camera prst="orthographicFront"/>
+      <a:lightRig rig="threePt" dir="t"/>
+    </dgm:scene3d>
+    <dgm:sp3d/>
+    <dgm:txPr/>
+    <dgm:style>
+      <a:lnRef idx="1">
+        <a:scrgbClr r="0" g="0" b="0"/>
+      </a:lnRef>
+      <a:fillRef idx="0">
+        <a:scrgbClr r="0" g="0" b="0"/>
+      </a:fillRef>
+      <a:effectRef idx="0">
+        <a:scrgbClr r="0" g="0" b="0"/>
+      </a:effectRef>
+      <a:fontRef idx="minor"/>
+    </dgm:style>
+  </dgm:styleLbl>
+  <dgm:styleLbl name="callout">
+    <dgm:scene3d>
+      <a:camera prst="orthographicFront"/>
+      <a:lightRig rig="threePt" dir="t"/>
+    </dgm:scene3d>
+    <dgm:sp3d/>
+    <dgm:txPr/>
+    <dgm:style>
+      <a:lnRef idx="2">
+        <a:scrgbClr r="0" g="0" b="0"/>
+      </a:lnRef>
+      <a:fillRef idx="1">
+        <a:scrgbClr r="0" g="0" b="0"/>
+      </a:fillRef>
+      <a:effectRef idx="0">
+        <a:scrgbClr r="0" g="0" b="0"/>
+      </a:effectRef>
+      <a:fontRef idx="minor"/>
+    </dgm:style>
+  </dgm:styleLbl>
+  <dgm:styleLbl name="asst0">
+    <dgm:scene3d>
+      <a:camera prst="orthographicFront"/>
+      <a:lightRig rig="threePt" dir="t"/>
+    </dgm:scene3d>
+    <dgm:sp3d/>
+    <dgm:txPr/>
+    <dgm:style>
+      <a:lnRef idx="2">
+        <a:scrgbClr r="0" g="0" b="0"/>
+      </a:lnRef>
+      <a:fillRef idx="1">
+        <a:scrgbClr r="0" g="0" b="0"/>
+      </a:fillRef>
+      <a:effectRef idx="0">
+        <a:scrgbClr r="0" g="0" b="0"/>
+      </a:effectRef>
+      <a:fontRef idx="minor">
+        <a:schemeClr val="lt1"/>
+      </a:fontRef>
+    </dgm:style>
+  </dgm:styleLbl>
+  <dgm:styleLbl name="asst1">
+    <dgm:scene3d>
+      <a:camera prst="orthographicFront"/>
+      <a:lightRig rig="threePt" dir="t"/>
+    </dgm:scene3d>
+    <dgm:sp3d/>
+    <dgm:txPr/>
+    <dgm:style>
+      <a:lnRef idx="2">
+        <a:scrgbClr r="0" g="0" b="0"/>
+      </a:lnRef>
+      <a:fillRef idx="1">
+        <a:scrgbClr r="0" g="0" b="0"/>
+      </a:fillRef>
+      <a:effectRef idx="0">
+        <a:scrgbClr r="0" g="0" b="0"/>
+      </a:effectRef>
+      <a:fontRef idx="minor">
+        <a:schemeClr val="lt1"/>
+      </a:fontRef>
+    </dgm:style>
+  </dgm:styleLbl>
+  <dgm:styleLbl name="asst2">
+    <dgm:scene3d>
+      <a:camera prst="orthographicFront"/>
+      <a:lightRig rig="threePt" dir="t"/>
+    </dgm:scene3d>
+    <dgm:sp3d/>
+    <dgm:txPr/>
+    <dgm:style>
+      <a:lnRef idx="2">
+        <a:scrgbClr r="0" g="0" b="0"/>
+      </a:lnRef>
+      <a:fillRef idx="1">
+        <a:scrgbClr r="0" g="0" b="0"/>
+      </a:fillRef>
+      <a:effectRef idx="0">
+        <a:scrgbClr r="0" g="0" b="0"/>
+      </a:effectRef>
+      <a:fontRef idx="minor">
+        <a:schemeClr val="lt1"/>
+      </a:fontRef>
+    </dgm:style>
+  </dgm:styleLbl>
+  <dgm:styleLbl name="asst3">
+    <dgm:scene3d>
+      <a:camera prst="orthographicFront"/>
+      <a:lightRig rig="threePt" dir="t"/>
+    </dgm:scene3d>
+    <dgm:sp3d/>
+    <dgm:txPr/>
+    <dgm:style>
+      <a:lnRef idx="2">
+        <a:scrgbClr r="0" g="0" b="0"/>
+      </a:lnRef>
+      <a:fillRef idx="1">
+        <a:scrgbClr r="0" g="0" b="0"/>
+      </a:fillRef>
+      <a:effectRef idx="0">
+        <a:scrgbClr r="0" g="0" b="0"/>
+      </a:effectRef>
+      <a:fontRef idx="minor">
+        <a:schemeClr val="lt1"/>
+      </a:fontRef>
+    </dgm:style>
+  </dgm:styleLbl>
+  <dgm:styleLbl name="asst4">
+    <dgm:scene3d>
+      <a:camera prst="orthographicFront"/>
+      <a:lightRig rig="threePt" dir="t"/>
+    </dgm:scene3d>
+    <dgm:sp3d/>
+    <dgm:txPr/>
+    <dgm:style>
+      <a:lnRef idx="2">
+        <a:scrgbClr r="0" g="0" b="0"/>
+      </a:lnRef>
+      <a:fillRef idx="1">
+        <a:scrgbClr r="0" g="0" b="0"/>
+      </a:fillRef>
+      <a:effectRef idx="0">
+        <a:scrgbClr r="0" g="0" b="0"/>
+      </a:effectRef>
+      <a:fontRef idx="minor">
+        <a:schemeClr val="lt1"/>
+      </a:fontRef>
+    </dgm:style>
+  </dgm:styleLbl>
+  <dgm:styleLbl name="parChTrans2D1">
+    <dgm:scene3d>
+      <a:camera prst="orthographicFront"/>
+      <a:lightRig rig="threePt" dir="t"/>
+    </dgm:scene3d>
+    <dgm:sp3d/>
+    <dgm:txPr/>
+    <dgm:style>
+      <a:lnRef idx="2">
+        <a:scrgbClr r="0" g="0" b="0"/>
+      </a:lnRef>
+      <a:fillRef idx="1">
+        <a:scrgbClr r="0" g="0" b="0"/>
+      </a:fillRef>
+      <a:effectRef idx="0">
+        <a:scrgbClr r="0" g="0" b="0"/>
+      </a:effectRef>
+      <a:fontRef idx="minor">
+        <a:schemeClr val="lt1"/>
+      </a:fontRef>
+    </dgm:style>
+  </dgm:styleLbl>
+  <dgm:styleLbl name="parChTrans2D2">
+    <dgm:scene3d>
+      <a:camera prst="orthographicFront"/>
+      <a:lightRig rig="threePt" dir="t"/>
+    </dgm:scene3d>
+    <dgm:sp3d/>
+    <dgm:txPr/>
+    <dgm:style>
+      <a:lnRef idx="2">
+        <a:scrgbClr r="0" g="0" b="0"/>
+      </a:lnRef>
+      <a:fillRef idx="1">
+        <a:scrgbClr r="0" g="0" b="0"/>
+      </a:fillRef>
+      <a:effectRef idx="0">
+        <a:scrgbClr r="0" g="0" b="0"/>
+      </a:effectRef>
+      <a:fontRef idx="minor">
+        <a:schemeClr val="lt1"/>
+      </a:fontRef>
+    </dgm:style>
+  </dgm:styleLbl>
+  <dgm:styleLbl name="parChTrans2D3">
+    <dgm:scene3d>
+      <a:camera prst="orthographicFront"/>
+      <a:lightRig rig="threePt" dir="t"/>
+    </dgm:scene3d>
+    <dgm:sp3d/>
+    <dgm:txPr/>
+    <dgm:style>
+      <a:lnRef idx="2">
+        <a:scrgbClr r="0" g="0" b="0"/>
+      </a:lnRef>
+      <a:fillRef idx="1">
+        <a:scrgbClr r="0" g="0" b="0"/>
+      </a:fillRef>
+      <a:effectRef idx="0">
+        <a:scrgbClr r="0" g="0" b="0"/>
+      </a:effectRef>
+      <a:fontRef idx="minor">
+        <a:schemeClr val="lt1"/>
+      </a:fontRef>
+    </dgm:style>
+  </dgm:styleLbl>
+  <dgm:styleLbl name="parChTrans2D4">
+    <dgm:scene3d>
+      <a:camera prst="orthographicFront"/>
+      <a:lightRig rig="threePt" dir="t"/>
+    </dgm:scene3d>
+    <dgm:sp3d/>
+    <dgm:txPr/>
+    <dgm:style>
+      <a:lnRef idx="2">
+        <a:scrgbClr r="0" g="0" b="0"/>
+      </a:lnRef>
+      <a:fillRef idx="1">
+        <a:scrgbClr r="0" g="0" b="0"/>
+      </a:fillRef>
+      <a:effectRef idx="0">
+        <a:scrgbClr r="0" g="0" b="0"/>
+      </a:effectRef>
+      <a:fontRef idx="minor">
+        <a:schemeClr val="lt1"/>
+      </a:fontRef>
+    </dgm:style>
+  </dgm:styleLbl>
+  <dgm:styleLbl name="parChTrans1D1">
+    <dgm:scene3d>
+      <a:camera prst="orthographicFront"/>
+      <a:lightRig rig="threePt" dir="t"/>
+    </dgm:scene3d>
+    <dgm:sp3d/>
+    <dgm:txPr/>
+    <dgm:style>
+      <a:lnRef idx="2">
+        <a:scrgbClr r="0" g="0" b="0"/>
+      </a:lnRef>
+      <a:fillRef idx="0">
+        <a:scrgbClr r="0" g="0" b="0"/>
+      </a:fillRef>
+      <a:effectRef idx="0">
+        <a:scrgbClr r="0" g="0" b="0"/>
+      </a:effectRef>
+      <a:fontRef idx="minor"/>
+    </dgm:style>
+  </dgm:styleLbl>
+  <dgm:styleLbl name="parChTrans1D2">
+    <dgm:scene3d>
+      <a:camera prst="orthographicFront"/>
+      <a:lightRig rig="threePt" dir="t"/>
+    </dgm:scene3d>
+    <dgm:sp3d/>
+    <dgm:txPr/>
+    <dgm:style>
+      <a:lnRef idx="2">
+        <a:scrgbClr r="0" g="0" b="0"/>
+      </a:lnRef>
+      <a:fillRef idx="0">
+        <a:scrgbClr r="0" g="0" b="0"/>
+      </a:fillRef>
+      <a:effectRef idx="0">
+        <a:scrgbClr r="0" g="0" b="0"/>
+      </a:effectRef>
+      <a:fontRef idx="minor"/>
+    </dgm:style>
+  </dgm:styleLbl>
+  <dgm:styleLbl name="parChTrans1D3">
+    <dgm:scene3d>
+      <a:camera prst="orthographicFront"/>
+      <a:lightRig rig="threePt" dir="t"/>
+    </dgm:scene3d>
+    <dgm:sp3d/>
+    <dgm:txPr/>
+    <dgm:style>
+      <a:lnRef idx="2">
+        <a:scrgbClr r="0" g="0" b="0"/>
+      </a:lnRef>
+      <a:fillRef idx="0">
+        <a:scrgbClr r="0" g="0" b="0"/>
+      </a:fillRef>
+      <a:effectRef idx="0">
+        <a:scrgbClr r="0" g="0" b="0"/>
+      </a:effectRef>
+      <a:fontRef idx="minor"/>
+    </dgm:style>
+  </dgm:styleLbl>
+  <dgm:styleLbl name="parChTrans1D4">
+    <dgm:scene3d>
+      <a:camera prst="orthographicFront"/>
+      <a:lightRig rig="threePt" dir="t"/>
+    </dgm:scene3d>
+    <dgm:sp3d/>
+    <dgm:txPr/>
+    <dgm:style>
+      <a:lnRef idx="2">
+        <a:scrgbClr r="0" g="0" b="0"/>
+      </a:lnRef>
+      <a:fillRef idx="0">
+        <a:scrgbClr r="0" g="0" b="0"/>
+      </a:fillRef>
+      <a:effectRef idx="0">
+        <a:scrgbClr r="0" g="0" b="0"/>
+      </a:effectRef>
+      <a:fontRef idx="minor"/>
+    </dgm:style>
+  </dgm:styleLbl>
+  <dgm:styleLbl name="fgAcc1">
+    <dgm:scene3d>
+      <a:camera prst="orthographicFront"/>
+      <a:lightRig rig="threePt" dir="t"/>
+    </dgm:scene3d>
+    <dgm:sp3d/>
+    <dgm:txPr/>
+    <dgm:style>
+      <a:lnRef idx="2">
+        <a:scrgbClr r="0" g="0" b="0"/>
+      </a:lnRef>
+      <a:fillRef idx="1">
+        <a:scrgbClr r="0" g="0" b="0"/>
+      </a:fillRef>
+      <a:effectRef idx="0">
+        <a:scrgbClr r="0" g="0" b="0"/>
+      </a:effectRef>
+      <a:fontRef idx="minor"/>
+    </dgm:style>
+  </dgm:styleLbl>
+  <dgm:styleLbl name="conFgAcc1">
+    <dgm:scene3d>
+      <a:camera prst="orthographicFront"/>
+      <a:lightRig rig="threePt" dir="t"/>
+    </dgm:scene3d>
+    <dgm:sp3d/>
+    <dgm:txPr/>
+    <dgm:style>
+      <a:lnRef idx="2">
+        <a:scrgbClr r="0" g="0" b="0"/>
+      </a:lnRef>
+      <a:fillRef idx="1">
+        <a:scrgbClr r="0" g="0" b="0"/>
+      </a:fillRef>
+      <a:effectRef idx="0">
+        <a:scrgbClr r="0" g="0" b="0"/>
+      </a:effectRef>
+      <a:fontRef idx="minor"/>
+    </dgm:style>
+  </dgm:styleLbl>
+  <dgm:styleLbl name="alignAcc1">
+    <dgm:scene3d>
+      <a:camera prst="orthographicFront"/>
+      <a:lightRig rig="threePt" dir="t"/>
+    </dgm:scene3d>
+    <dgm:sp3d/>
+    <dgm:txPr/>
+    <dgm:style>
+      <a:lnRef idx="2">
+        <a:scrgbClr r="0" g="0" b="0"/>
+      </a:lnRef>
+      <a:fillRef idx="1">
+        <a:scrgbClr r="0" g="0" b="0"/>
+      </a:fillRef>
+      <a:effectRef idx="0">
+        <a:scrgbClr r="0" g="0" b="0"/>
+      </a:effectRef>
+      <a:fontRef idx="minor"/>
+    </dgm:style>
+  </dgm:styleLbl>
+  <dgm:styleLbl name="trAlignAcc1">
+    <dgm:scene3d>
+      <a:camera prst="orthographicFront"/>
+      <a:lightRig rig="threePt" dir="t"/>
+    </dgm:scene3d>
+    <dgm:sp3d/>
+    <dgm:txPr/>
+    <dgm:style>
+      <a:lnRef idx="1">
+        <a:scrgbClr r="0" g="0" b="0"/>
+      </a:lnRef>
+      <a:fillRef idx="1">
+        <a:scrgbClr r="0" g="0" b="0"/>
+      </a:fillRef>
+      <a:effectRef idx="0">
+        <a:scrgbClr r="0" g="0" b="0"/>
+      </a:effectRef>
+      <a:fontRef idx="minor"/>
+    </dgm:style>
+  </dgm:styleLbl>
+  <dgm:styleLbl name="bgAcc1">
+    <dgm:scene3d>
+      <a:camera prst="orthographicFront"/>
+      <a:lightRig rig="threePt" dir="t"/>
+    </dgm:scene3d>
+    <dgm:sp3d/>
+    <dgm:txPr/>
+    <dgm:style>
+      <a:lnRef idx="2">
+        <a:scrgbClr r="0" g="0" b="0"/>
+      </a:lnRef>
+      <a:fillRef idx="1">
+        <a:scrgbClr r="0" g="0" b="0"/>
+      </a:fillRef>
+      <a:effectRef idx="0">
+        <a:scrgbClr r="0" g="0" b="0"/>
+      </a:effectRef>
+      <a:fontRef idx="minor"/>
+    </dgm:style>
+  </dgm:styleLbl>
+  <dgm:styleLbl name="solidFgAcc1">
+    <dgm:scene3d>
+      <a:camera prst="orthographicFront"/>
+      <a:lightRig rig="threePt" dir="t"/>
+    </dgm:scene3d>
+    <dgm:sp3d/>
+    <dgm:txPr/>
+    <dgm:style>
+      <a:lnRef idx="2">
+        <a:scrgbClr r="0" g="0" b="0"/>
+      </a:lnRef>
+      <a:fillRef idx="1">
+        <a:scrgbClr r="0" g="0" b="0"/>
+      </a:fillRef>
+      <a:effectRef idx="0">
+        <a:scrgbClr r="0" g="0" b="0"/>
+      </a:effectRef>
+      <a:fontRef idx="minor"/>
+    </dgm:style>
+  </dgm:styleLbl>
+  <dgm:styleLbl name="solidAlignAcc1">
+    <dgm:scene3d>
+      <a:camera prst="orthographicFront"/>
+      <a:lightRig rig="threePt" dir="t"/>
+    </dgm:scene3d>
+    <dgm:sp3d/>
+    <dgm:txPr/>
+    <dgm:style>
+      <a:lnRef idx="2">
+        <a:scrgbClr r="0" g="0" b="0"/>
+      </a:lnRef>
+      <a:fillRef idx="1">
+        <a:scrgbClr r="0" g="0" b="0"/>
+      </a:fillRef>
+      <a:effectRef idx="0">
+        <a:scrgbClr r="0" g="0" b="0"/>
+      </a:effectRef>
+      <a:fontRef idx="minor"/>
+    </dgm:style>
+  </dgm:styleLbl>
+  <dgm:styleLbl name="solidBgAcc1">
+    <dgm:scene3d>
+      <a:camera prst="orthographicFront"/>
+      <a:lightRig rig="threePt" dir="t"/>
+    </dgm:scene3d>
+    <dgm:sp3d/>
+    <dgm:txPr/>
+    <dgm:style>
+      <a:lnRef idx="2">
+        <a:scrgbClr r="0" g="0" b="0"/>
+      </a:lnRef>
+      <a:fillRef idx="1">
+        <a:scrgbClr r="0" g="0" b="0"/>
+      </a:fillRef>
+      <a:effectRef idx="0">
+        <a:scrgbClr r="0" g="0" b="0"/>
+      </a:effectRef>
+      <a:fontRef idx="minor"/>
+    </dgm:style>
+  </dgm:styleLbl>
+  <dgm:styleLbl name="fgAccFollowNode1">
+    <dgm:scene3d>
+      <a:camera prst="orthographicFront"/>
+      <a:lightRig rig="threePt" dir="t"/>
+    </dgm:scene3d>
+    <dgm:sp3d/>
+    <dgm:txPr/>
+    <dgm:style>
+      <a:lnRef idx="2">
+        <a:scrgbClr r="0" g="0" b="0"/>
+      </a:lnRef>
+      <a:fillRef idx="1">
+        <a:scrgbClr r="0" g="0" b="0"/>
+      </a:fillRef>
+      <a:effectRef idx="0">
+        <a:scrgbClr r="0" g="0" b="0"/>
+      </a:effectRef>
+      <a:fontRef idx="minor"/>
+    </dgm:style>
+  </dgm:styleLbl>
+  <dgm:styleLbl name="alignAccFollowNode1">
+    <dgm:scene3d>
+      <a:camera prst="orthographicFront"/>
+      <a:lightRig rig="threePt" dir="t"/>
+    </dgm:scene3d>
+    <dgm:sp3d/>
+    <dgm:txPr/>
+    <dgm:style>
+      <a:lnRef idx="2">
+        <a:scrgbClr r="0" g="0" b="0"/>
+      </a:lnRef>
+      <a:fillRef idx="1">
+        <a:scrgbClr r="0" g="0" b="0"/>
+      </a:fillRef>
+      <a:effectRef idx="0">
+        <a:scrgbClr r="0" g="0" b="0"/>
+      </a:effectRef>
+      <a:fontRef idx="minor"/>
+    </dgm:style>
+  </dgm:styleLbl>
+  <dgm:styleLbl name="bgAccFollowNode1">
+    <dgm:scene3d>
+      <a:camera prst="orthographicFront"/>
+      <a:lightRig rig="threePt" dir="t"/>
+    </dgm:scene3d>
+    <dgm:sp3d/>
+    <dgm:txPr/>
+    <dgm:style>
+      <a:lnRef idx="2">
+        <a:scrgbClr r="0" g="0" b="0"/>
+      </a:lnRef>
+      <a:fillRef idx="1">
+        <a:scrgbClr r="0" g="0" b="0"/>
+      </a:fillRef>
+      <a:effectRef idx="0">
+        <a:scrgbClr r="0" g="0" b="0"/>
+      </a:effectRef>
+      <a:fontRef idx="minor"/>
+    </dgm:style>
+  </dgm:styleLbl>
+  <dgm:styleLbl name="fgAcc0">
+    <dgm:scene3d>
+      <a:camera prst="orthographicFront"/>
+      <a:lightRig rig="threePt" dir="t"/>
+    </dgm:scene3d>
+    <dgm:sp3d/>
+    <dgm:txPr/>
+    <dgm:style>
+      <a:lnRef idx="2">
+        <a:scrgbClr r="0" g="0" b="0"/>
+      </a:lnRef>
+      <a:fillRef idx="1">
+        <a:scrgbClr r="0" g="0" b="0"/>
+      </a:fillRef>
+      <a:effectRef idx="0">
+        <a:scrgbClr r="0" g="0" b="0"/>
+      </a:effectRef>
+      <a:fontRef idx="minor"/>
+    </dgm:style>
+  </dgm:styleLbl>
+  <dgm:styleLbl name="fgAcc2">
+    <dgm:scene3d>
+      <a:camera prst="orthographicFront"/>
+      <a:lightRig rig="threePt" dir="t"/>
+    </dgm:scene3d>
+    <dgm:sp3d/>
+    <dgm:txPr/>
+    <dgm:style>
+      <a:lnRef idx="2">
+        <a:scrgbClr r="0" g="0" b="0"/>
+      </a:lnRef>
+      <a:fillRef idx="1">
+        <a:scrgbClr r="0" g="0" b="0"/>
+      </a:fillRef>
+      <a:effectRef idx="0">
+        <a:scrgbClr r="0" g="0" b="0"/>
+      </a:effectRef>
+      <a:fontRef idx="minor"/>
+    </dgm:style>
+  </dgm:styleLbl>
+  <dgm:styleLbl name="fgAcc3">
+    <dgm:scene3d>
+      <a:camera prst="orthographicFront"/>
+      <a:lightRig rig="threePt" dir="t"/>
+    </dgm:scene3d>
+    <dgm:sp3d/>
+    <dgm:txPr/>
+    <dgm:style>
+      <a:lnRef idx="2">
+        <a:scrgbClr r="0" g="0" b="0"/>
+      </a:lnRef>
+      <a:fillRef idx="1">
+        <a:scrgbClr r="0" g="0" b="0"/>
+      </a:fillRef>
+      <a:effectRef idx="0">
+        <a:scrgbClr r="0" g="0" b="0"/>
+      </a:effectRef>
+      <a:fontRef idx="minor"/>
+    </dgm:style>
+  </dgm:styleLbl>
+  <dgm:styleLbl name="fgAcc4">
+    <dgm:scene3d>
+      <a:camera prst="orthographicFront"/>
+      <a:lightRig rig="threePt" dir="t"/>
+    </dgm:scene3d>
+    <dgm:sp3d/>
+    <dgm:txPr/>
+    <dgm:style>
+      <a:lnRef idx="2">
+        <a:scrgbClr r="0" g="0" b="0"/>
+      </a:lnRef>
+      <a:fillRef idx="1">
+        <a:scrgbClr r="0" g="0" b="0"/>
+      </a:fillRef>
+      <a:effectRef idx="0">
+        <a:scrgbClr r="0" g="0" b="0"/>
+      </a:effectRef>
+      <a:fontRef idx="minor"/>
+    </dgm:style>
+  </dgm:styleLbl>
+  <dgm:styleLbl name="bgShp">
+    <dgm:scene3d>
+      <a:camera prst="orthographicFront"/>
+      <a:lightRig rig="threePt" dir="t"/>
+    </dgm:scene3d>
+    <dgm:sp3d/>
+    <dgm:txPr/>
+    <dgm:style>
+      <a:lnRef idx="0">
+        <a:scrgbClr r="0" g="0" b="0"/>
+      </a:lnRef>
+      <a:fillRef idx="1">
+        <a:scrgbClr r="0" g="0" b="0"/>
+      </a:fillRef>
+      <a:effectRef idx="0">
+        <a:scrgbClr r="0" g="0" b="0"/>
+      </a:effectRef>
+      <a:fontRef idx="minor"/>
+    </dgm:style>
+  </dgm:styleLbl>
+  <dgm:styleLbl name="dkBgShp">
+    <dgm:scene3d>
+      <a:camera prst="orthographicFront"/>
+      <a:lightRig rig="threePt" dir="t"/>
+    </dgm:scene3d>
+    <dgm:sp3d/>
+    <dgm:txPr/>
+    <dgm:style>
+      <a:lnRef idx="0">
+        <a:scrgbClr r="0" g="0" b="0"/>
+      </a:lnRef>
+      <a:fillRef idx="1">
+        <a:scrgbClr r="0" g="0" b="0"/>
+      </a:fillRef>
+      <a:effectRef idx="0">
+        <a:scrgbClr r="0" g="0" b="0"/>
+      </a:effectRef>
+      <a:fontRef idx="minor"/>
+    </dgm:style>
+  </dgm:styleLbl>
+  <dgm:styleLbl name="trBgShp">
+    <dgm:scene3d>
+      <a:camera prst="orthographicFront"/>
+      <a:lightRig rig="threePt" dir="t"/>
+    </dgm:scene3d>
+    <dgm:sp3d/>
+    <dgm:txPr/>
+    <dgm:style>
+      <a:lnRef idx="0">
+        <a:scrgbClr r="0" g="0" b="0"/>
+      </a:lnRef>
+      <a:fillRef idx="1">
+        <a:scrgbClr r="0" g="0" b="0"/>
+      </a:fillRef>
+      <a:effectRef idx="0">
+        <a:scrgbClr r="0" g="0" b="0"/>
+      </a:effectRef>
+      <a:fontRef idx="minor"/>
+    </dgm:style>
+  </dgm:styleLbl>
+  <dgm:styleLbl name="fgShp">
+    <dgm:scene3d>
+      <a:camera prst="orthographicFront"/>
+      <a:lightRig rig="threePt" dir="t"/>
+    </dgm:scene3d>
+    <dgm:sp3d/>
+    <dgm:txPr/>
+    <dgm:style>
+      <a:lnRef idx="2">
+        <a:scrgbClr r="0" g="0" b="0"/>
+      </a:lnRef>
+      <a:fillRef idx="1">
+        <a:scrgbClr r="0" g="0" b="0"/>
+      </a:fillRef>
+      <a:effectRef idx="0">
+        <a:scrgbClr r="0" g="0" b="0"/>
+      </a:effectRef>
+      <a:fontRef idx="minor"/>
+    </dgm:style>
+  </dgm:styleLbl>
+  <dgm:styleLbl name="revTx">
+    <dgm:scene3d>
+      <a:camera prst="orthographicFront"/>
+      <a:lightRig rig="threePt" dir="t"/>
+    </dgm:scene3d>
+    <dgm:sp3d/>
+    <dgm:txPr/>
+    <dgm:style>
+      <a:lnRef idx="0">
+        <a:scrgbClr r="0" g="0" b="0"/>
+      </a:lnRef>
+      <a:fillRef idx="0">
+        <a:scrgbClr r="0" g="0" b="0"/>
+      </a:fillRef>
+      <a:effectRef idx="0">
+        <a:scrgbClr r="0" g="0" b="0"/>
+      </a:effectRef>
+      <a:fontRef idx="minor"/>
+    </dgm:style>
+  </dgm:styleLbl>
+</dgm:styleDef>
+</file>
+
 <file path=ppt/slideLayouts/slideLayout1.xml><?xml version="1.0" encoding="utf-8"?>
 <p:sldLayout xmlns:a="http://schemas.openxmlformats.org/drawingml/2006/main" xmlns:r="http://schemas.openxmlformats.org/officeDocument/2006/relationships" xmlns:p="http://schemas.openxmlformats.org/presentationml/2006/main" type="title" preserve="1">
   <p:cSld name="Title Slide">
@@ -5103,7 +9713,7 @@
           <a:p>
             <a:fld id="{868DB8A7-3A18-4C2F-83F4-935BFDFABEE2}" type="datetimeFigureOut">
               <a:rPr lang="en-GB" smtClean="0"/>
-              <a:t>22/07/2019</a:t>
+              <a:t>18/08/2019</a:t>
             </a:fld>
             <a:endParaRPr lang="en-GB"/>
           </a:p>
@@ -5273,7 +9883,7 @@
           <a:p>
             <a:fld id="{868DB8A7-3A18-4C2F-83F4-935BFDFABEE2}" type="datetimeFigureOut">
               <a:rPr lang="en-GB" smtClean="0"/>
-              <a:t>22/07/2019</a:t>
+              <a:t>18/08/2019</a:t>
             </a:fld>
             <a:endParaRPr lang="en-GB"/>
           </a:p>
@@ -5453,7 +10063,7 @@
           <a:p>
             <a:fld id="{868DB8A7-3A18-4C2F-83F4-935BFDFABEE2}" type="datetimeFigureOut">
               <a:rPr lang="en-GB" smtClean="0"/>
-              <a:t>22/07/2019</a:t>
+              <a:t>18/08/2019</a:t>
             </a:fld>
             <a:endParaRPr lang="en-GB"/>
           </a:p>
@@ -5623,7 +10233,7 @@
           <a:p>
             <a:fld id="{868DB8A7-3A18-4C2F-83F4-935BFDFABEE2}" type="datetimeFigureOut">
               <a:rPr lang="en-GB" smtClean="0"/>
-              <a:t>22/07/2019</a:t>
+              <a:t>18/08/2019</a:t>
             </a:fld>
             <a:endParaRPr lang="en-GB"/>
           </a:p>
@@ -5869,7 +10479,7 @@
           <a:p>
             <a:fld id="{868DB8A7-3A18-4C2F-83F4-935BFDFABEE2}" type="datetimeFigureOut">
               <a:rPr lang="en-GB" smtClean="0"/>
-              <a:t>22/07/2019</a:t>
+              <a:t>18/08/2019</a:t>
             </a:fld>
             <a:endParaRPr lang="en-GB"/>
           </a:p>
@@ -6101,7 +10711,7 @@
           <a:p>
             <a:fld id="{868DB8A7-3A18-4C2F-83F4-935BFDFABEE2}" type="datetimeFigureOut">
               <a:rPr lang="en-GB" smtClean="0"/>
-              <a:t>22/07/2019</a:t>
+              <a:t>18/08/2019</a:t>
             </a:fld>
             <a:endParaRPr lang="en-GB"/>
           </a:p>
@@ -6468,7 +11078,7 @@
           <a:p>
             <a:fld id="{868DB8A7-3A18-4C2F-83F4-935BFDFABEE2}" type="datetimeFigureOut">
               <a:rPr lang="en-GB" smtClean="0"/>
-              <a:t>22/07/2019</a:t>
+              <a:t>18/08/2019</a:t>
             </a:fld>
             <a:endParaRPr lang="en-GB"/>
           </a:p>
@@ -6586,7 +11196,7 @@
           <a:p>
             <a:fld id="{868DB8A7-3A18-4C2F-83F4-935BFDFABEE2}" type="datetimeFigureOut">
               <a:rPr lang="en-GB" smtClean="0"/>
-              <a:t>22/07/2019</a:t>
+              <a:t>18/08/2019</a:t>
             </a:fld>
             <a:endParaRPr lang="en-GB"/>
           </a:p>
@@ -6681,7 +11291,7 @@
           <a:p>
             <a:fld id="{868DB8A7-3A18-4C2F-83F4-935BFDFABEE2}" type="datetimeFigureOut">
               <a:rPr lang="en-GB" smtClean="0"/>
-              <a:t>22/07/2019</a:t>
+              <a:t>18/08/2019</a:t>
             </a:fld>
             <a:endParaRPr lang="en-GB"/>
           </a:p>
@@ -6958,7 +11568,7 @@
           <a:p>
             <a:fld id="{868DB8A7-3A18-4C2F-83F4-935BFDFABEE2}" type="datetimeFigureOut">
               <a:rPr lang="en-GB" smtClean="0"/>
-              <a:t>22/07/2019</a:t>
+              <a:t>18/08/2019</a:t>
             </a:fld>
             <a:endParaRPr lang="en-GB"/>
           </a:p>
@@ -7211,7 +11821,7 @@
           <a:p>
             <a:fld id="{868DB8A7-3A18-4C2F-83F4-935BFDFABEE2}" type="datetimeFigureOut">
               <a:rPr lang="en-GB" smtClean="0"/>
-              <a:t>22/07/2019</a:t>
+              <a:t>18/08/2019</a:t>
             </a:fld>
             <a:endParaRPr lang="en-GB"/>
           </a:p>
@@ -7424,7 +12034,7 @@
           <a:p>
             <a:fld id="{868DB8A7-3A18-4C2F-83F4-935BFDFABEE2}" type="datetimeFigureOut">
               <a:rPr lang="en-GB" smtClean="0"/>
-              <a:t>22/07/2019</a:t>
+              <a:t>18/08/2019</a:t>
             </a:fld>
             <a:endParaRPr lang="en-GB"/>
           </a:p>
@@ -10836,44 +15446,1848 @@
           <a:chExt cx="0" cy="0"/>
         </a:xfrm>
       </p:grpSpPr>
+      <mc:AlternateContent xmlns:mc="http://schemas.openxmlformats.org/markup-compatibility/2006" xmlns:a14="http://schemas.microsoft.com/office/drawing/2010/main">
+        <mc:Choice Requires="a14">
+          <p:sp>
+            <p:nvSpPr>
+              <p:cNvPr id="4" name="Rectangle 3"/>
+              <p:cNvSpPr/>
+              <p:nvPr/>
+            </p:nvSpPr>
+            <p:spPr>
+              <a:xfrm>
+                <a:off x="8982461" y="3853969"/>
+                <a:ext cx="3134383" cy="1341201"/>
+              </a:xfrm>
+              <a:prstGeom prst="rect">
+                <a:avLst/>
+              </a:prstGeom>
+            </p:spPr>
+            <p:txBody>
+              <a:bodyPr wrap="none">
+                <a:spAutoFit/>
+              </a:bodyPr>
+              <a:lstStyle/>
+              <a:p>
+                <a:pPr/>
+                <a14:m>
+                  <m:oMathPara xmlns:m="http://schemas.openxmlformats.org/officeDocument/2006/math">
+                    <m:oMathParaPr>
+                      <m:jc m:val="centerGroup"/>
+                    </m:oMathParaPr>
+                    <m:oMath xmlns:m="http://schemas.openxmlformats.org/officeDocument/2006/math">
+                      <m:sSub>
+                        <m:sSubPr>
+                          <m:ctrlPr>
+                            <a:rPr lang="en-GB" b="1" i="1">
+                              <a:latin typeface="Cambria Math" panose="02040503050406030204" pitchFamily="18" charset="0"/>
+                            </a:rPr>
+                          </m:ctrlPr>
+                        </m:sSubPr>
+                        <m:e>
+                          <m:r>
+                            <a:rPr lang="en-GB" b="1" i="1">
+                              <a:latin typeface="Cambria Math" panose="02040503050406030204" pitchFamily="18" charset="0"/>
+                            </a:rPr>
+                            <m:t>𝒚</m:t>
+                          </m:r>
+                        </m:e>
+                        <m:sub>
+                          <m:r>
+                            <a:rPr lang="en-GB" b="1" i="1">
+                              <a:latin typeface="Cambria Math" panose="02040503050406030204" pitchFamily="18" charset="0"/>
+                            </a:rPr>
+                            <m:t>𝒕</m:t>
+                          </m:r>
+                        </m:sub>
+                      </m:sSub>
+                      <m:r>
+                        <a:rPr lang="en-GB" b="0" i="1">
+                          <a:latin typeface="Cambria Math" panose="02040503050406030204" pitchFamily="18" charset="0"/>
+                        </a:rPr>
+                        <m:t>=</m:t>
+                      </m:r>
+                      <m:d>
+                        <m:dPr>
+                          <m:begChr m:val="{"/>
+                          <m:endChr m:val="}"/>
+                          <m:ctrlPr>
+                            <a:rPr lang="en-GB" i="1">
+                              <a:latin typeface="Cambria Math" panose="02040503050406030204" pitchFamily="18" charset="0"/>
+                            </a:rPr>
+                          </m:ctrlPr>
+                        </m:dPr>
+                        <m:e>
+                          <m:m>
+                            <m:mPr>
+                              <m:mcs>
+                                <m:mc>
+                                  <m:mcPr>
+                                    <m:count m:val="1"/>
+                                    <m:mcJc m:val="center"/>
+                                  </m:mcPr>
+                                </m:mc>
+                              </m:mcs>
+                              <m:ctrlPr>
+                                <a:rPr lang="en-GB" i="1">
+                                  <a:latin typeface="Cambria Math" panose="02040503050406030204" pitchFamily="18" charset="0"/>
+                                </a:rPr>
+                              </m:ctrlPr>
+                            </m:mPr>
+                            <m:mr>
+                              <m:e>
+                                <m:sSubSup>
+                                  <m:sSubSupPr>
+                                    <m:ctrlPr>
+                                      <a:rPr lang="en-GB" i="1">
+                                        <a:latin typeface="Cambria Math" panose="02040503050406030204" pitchFamily="18" charset="0"/>
+                                      </a:rPr>
+                                    </m:ctrlPr>
+                                  </m:sSubSupPr>
+                                  <m:e>
+                                    <m:r>
+                                      <m:rPr>
+                                        <m:brk m:alnAt="7"/>
+                                      </m:rPr>
+                                      <a:rPr lang="en-GB" b="0" i="1">
+                                        <a:latin typeface="Cambria Math" panose="02040503050406030204" pitchFamily="18" charset="0"/>
+                                      </a:rPr>
+                                      <m:t>𝑦</m:t>
+                                    </m:r>
+                                  </m:e>
+                                  <m:sub>
+                                    <m:r>
+                                      <m:rPr>
+                                        <m:brk m:alnAt="7"/>
+                                      </m:rPr>
+                                      <a:rPr lang="en-GB" b="0" i="1">
+                                        <a:latin typeface="Cambria Math" panose="02040503050406030204" pitchFamily="18" charset="0"/>
+                                      </a:rPr>
+                                      <m:t>𝑡</m:t>
+                                    </m:r>
+                                  </m:sub>
+                                  <m:sup>
+                                    <m:d>
+                                      <m:dPr>
+                                        <m:ctrlPr>
+                                          <a:rPr lang="en-GB" i="1">
+                                            <a:latin typeface="Cambria Math" panose="02040503050406030204" pitchFamily="18" charset="0"/>
+                                          </a:rPr>
+                                        </m:ctrlPr>
+                                      </m:dPr>
+                                      <m:e>
+                                        <m:r>
+                                          <a:rPr lang="en-GB" b="0" i="1">
+                                            <a:latin typeface="Cambria Math" panose="02040503050406030204" pitchFamily="18" charset="0"/>
+                                          </a:rPr>
+                                          <m:t>𝑚</m:t>
+                                        </m:r>
+                                      </m:e>
+                                    </m:d>
+                                  </m:sup>
+                                </m:sSubSup>
+                                <m:d>
+                                  <m:dPr>
+                                    <m:ctrlPr>
+                                      <a:rPr lang="en-GB" i="1">
+                                        <a:latin typeface="Cambria Math" panose="02040503050406030204" pitchFamily="18" charset="0"/>
+                                      </a:rPr>
+                                    </m:ctrlPr>
+                                  </m:dPr>
+                                  <m:e>
+                                    <m:r>
+                                      <m:rPr>
+                                        <m:brk m:alnAt="7"/>
+                                      </m:rPr>
+                                      <a:rPr lang="en-GB" b="0" i="1">
+                                        <a:latin typeface="Cambria Math" panose="02040503050406030204" pitchFamily="18" charset="0"/>
+                                      </a:rPr>
+                                      <m:t>𝑘</m:t>
+                                    </m:r>
+                                  </m:e>
+                                </m:d>
+                                <m:r>
+                                  <m:rPr>
+                                    <m:brk m:alnAt="7"/>
+                                  </m:rPr>
+                                  <a:rPr lang="en-GB" b="0" i="1">
+                                    <a:latin typeface="Cambria Math" panose="02040503050406030204" pitchFamily="18" charset="0"/>
+                                  </a:rPr>
+                                  <m:t>,</m:t>
+                                </m:r>
+                                <m:sSub>
+                                  <m:sSubPr>
+                                    <m:ctrlPr>
+                                      <a:rPr lang="en-GB" i="1">
+                                        <a:latin typeface="Cambria Math" panose="02040503050406030204" pitchFamily="18" charset="0"/>
+                                      </a:rPr>
+                                    </m:ctrlPr>
+                                  </m:sSubPr>
+                                  <m:e>
+                                    <m:r>
+                                      <m:rPr>
+                                        <m:brk m:alnAt="7"/>
+                                      </m:rPr>
+                                      <a:rPr lang="en-GB" b="0" i="1">
+                                        <a:latin typeface="Cambria Math" panose="02040503050406030204" pitchFamily="18" charset="0"/>
+                                      </a:rPr>
+                                      <m:t>𝑒</m:t>
+                                    </m:r>
+                                  </m:e>
+                                  <m:sub>
+                                    <m:r>
+                                      <m:rPr>
+                                        <m:brk m:alnAt="7"/>
+                                      </m:rPr>
+                                      <a:rPr lang="en-GB" b="0" i="1">
+                                        <a:latin typeface="Cambria Math" panose="02040503050406030204" pitchFamily="18" charset="0"/>
+                                      </a:rPr>
+                                      <m:t>1</m:t>
+                                    </m:r>
+                                  </m:sub>
+                                </m:sSub>
+                                <m:r>
+                                  <m:rPr>
+                                    <m:brk m:alnAt="7"/>
+                                  </m:rPr>
+                                  <a:rPr lang="en-GB" b="0" i="1">
+                                    <a:latin typeface="Cambria Math" panose="02040503050406030204" pitchFamily="18" charset="0"/>
+                                  </a:rPr>
+                                  <m:t>,</m:t>
+                                </m:r>
+                              </m:e>
+                            </m:mr>
+                            <m:mr>
+                              <m:e>
+                                <m:r>
+                                  <m:rPr>
+                                    <m:sty m:val="p"/>
+                                  </m:rPr>
+                                  <a:rPr lang="en-GB" b="0" i="1">
+                                    <a:latin typeface="Cambria Math" panose="02040503050406030204" pitchFamily="18" charset="0"/>
+                                  </a:rPr>
+                                  <m:t>Δ</m:t>
+                                </m:r>
+                                <m:d>
+                                  <m:dPr>
+                                    <m:begChr m:val="{"/>
+                                    <m:endChr m:val="}"/>
+                                    <m:ctrlPr>
+                                      <a:rPr lang="en-GB" i="1">
+                                        <a:latin typeface="Cambria Math" panose="02040503050406030204" pitchFamily="18" charset="0"/>
+                                      </a:rPr>
+                                    </m:ctrlPr>
+                                  </m:dPr>
+                                  <m:e>
+                                    <m:sSubSup>
+                                      <m:sSubSupPr>
+                                        <m:ctrlPr>
+                                          <a:rPr lang="en-GB" i="1">
+                                            <a:latin typeface="Cambria Math" panose="02040503050406030204" pitchFamily="18" charset="0"/>
+                                          </a:rPr>
+                                        </m:ctrlPr>
+                                      </m:sSubSupPr>
+                                      <m:e>
+                                        <m:r>
+                                          <m:rPr>
+                                            <m:sty m:val="p"/>
+                                          </m:rPr>
+                                          <a:rPr lang="en-GB" b="0" i="1">
+                                            <a:latin typeface="Cambria Math" panose="02040503050406030204" pitchFamily="18" charset="0"/>
+                                          </a:rPr>
+                                          <m:t>y</m:t>
+                                        </m:r>
+                                      </m:e>
+                                      <m:sub>
+                                        <m:r>
+                                          <m:rPr>
+                                            <m:sty m:val="p"/>
+                                          </m:rPr>
+                                          <a:rPr lang="en-GB" b="0" i="1">
+                                            <a:latin typeface="Cambria Math" panose="02040503050406030204" pitchFamily="18" charset="0"/>
+                                          </a:rPr>
+                                          <m:t>t</m:t>
+                                        </m:r>
+                                      </m:sub>
+                                      <m:sup>
+                                        <m:d>
+                                          <m:dPr>
+                                            <m:ctrlPr>
+                                              <a:rPr lang="en-GB" i="1">
+                                                <a:latin typeface="Cambria Math" panose="02040503050406030204" pitchFamily="18" charset="0"/>
+                                              </a:rPr>
+                                            </m:ctrlPr>
+                                          </m:dPr>
+                                          <m:e>
+                                            <m:r>
+                                              <a:rPr lang="en-GB" b="0" i="1">
+                                                <a:latin typeface="Cambria Math" panose="02040503050406030204" pitchFamily="18" charset="0"/>
+                                              </a:rPr>
+                                              <m:t>𝑚</m:t>
+                                            </m:r>
+                                          </m:e>
+                                        </m:d>
+                                      </m:sup>
+                                    </m:sSubSup>
+                                    <m:d>
+                                      <m:dPr>
+                                        <m:ctrlPr>
+                                          <a:rPr lang="en-GB" i="1">
+                                            <a:latin typeface="Cambria Math" panose="02040503050406030204" pitchFamily="18" charset="0"/>
+                                          </a:rPr>
+                                        </m:ctrlPr>
+                                      </m:dPr>
+                                      <m:e>
+                                        <m:r>
+                                          <a:rPr lang="en-GB" b="0" i="1">
+                                            <a:latin typeface="Cambria Math" panose="02040503050406030204" pitchFamily="18" charset="0"/>
+                                          </a:rPr>
+                                          <m:t>𝑘</m:t>
+                                        </m:r>
+                                      </m:e>
+                                    </m:d>
+                                  </m:e>
+                                </m:d>
+                                <m:r>
+                                  <a:rPr lang="en-GB" b="0" i="1">
+                                    <a:latin typeface="Cambria Math" panose="02040503050406030204" pitchFamily="18" charset="0"/>
+                                  </a:rPr>
+                                  <m:t>,</m:t>
+                                </m:r>
+                                <m:r>
+                                  <m:rPr>
+                                    <m:sty m:val="p"/>
+                                  </m:rPr>
+                                  <a:rPr lang="en-GB" b="0" i="1">
+                                    <a:latin typeface="Cambria Math" panose="02040503050406030204" pitchFamily="18" charset="0"/>
+                                  </a:rPr>
+                                  <m:t>Δ</m:t>
+                                </m:r>
+                                <m:d>
+                                  <m:dPr>
+                                    <m:begChr m:val="{"/>
+                                    <m:endChr m:val="}"/>
+                                    <m:ctrlPr>
+                                      <a:rPr lang="en-GB" i="1">
+                                        <a:latin typeface="Cambria Math" panose="02040503050406030204" pitchFamily="18" charset="0"/>
+                                      </a:rPr>
+                                    </m:ctrlPr>
+                                  </m:dPr>
+                                  <m:e>
+                                    <m:sSub>
+                                      <m:sSubPr>
+                                        <m:ctrlPr>
+                                          <a:rPr lang="en-GB" i="1">
+                                            <a:latin typeface="Cambria Math" panose="02040503050406030204" pitchFamily="18" charset="0"/>
+                                          </a:rPr>
+                                        </m:ctrlPr>
+                                      </m:sSubPr>
+                                      <m:e>
+                                        <m:r>
+                                          <m:rPr>
+                                            <m:sty m:val="p"/>
+                                          </m:rPr>
+                                          <a:rPr lang="en-GB" b="0" i="1">
+                                            <a:latin typeface="Cambria Math" panose="02040503050406030204" pitchFamily="18" charset="0"/>
+                                          </a:rPr>
+                                          <m:t>e</m:t>
+                                        </m:r>
+                                      </m:e>
+                                      <m:sub>
+                                        <m:r>
+                                          <m:rPr>
+                                            <m:sty m:val="p"/>
+                                          </m:rPr>
+                                          <a:rPr lang="en-GB" b="0" i="1">
+                                            <a:latin typeface="Cambria Math" panose="02040503050406030204" pitchFamily="18" charset="0"/>
+                                          </a:rPr>
+                                          <m:t>t</m:t>
+                                        </m:r>
+                                      </m:sub>
+                                    </m:sSub>
+                                  </m:e>
+                                </m:d>
+                                <m:r>
+                                  <a:rPr lang="en-GB" b="0">
+                                    <a:latin typeface="Cambria Math" panose="02040503050406030204" pitchFamily="18" charset="0"/>
+                                  </a:rPr>
+                                  <m:t>,</m:t>
+                                </m:r>
+                              </m:e>
+                            </m:mr>
+                            <m:mr>
+                              <m:e>
+                                <m:sSup>
+                                  <m:sSupPr>
+                                    <m:ctrlPr>
+                                      <a:rPr lang="en-GB" i="1">
+                                        <a:latin typeface="Cambria Math" panose="02040503050406030204" pitchFamily="18" charset="0"/>
+                                      </a:rPr>
+                                    </m:ctrlPr>
+                                  </m:sSupPr>
+                                  <m:e>
+                                    <m:r>
+                                      <m:rPr>
+                                        <m:sty m:val="p"/>
+                                      </m:rPr>
+                                      <a:rPr lang="en-GB" b="0" i="1">
+                                        <a:latin typeface="Cambria Math" panose="02040503050406030204" pitchFamily="18" charset="0"/>
+                                      </a:rPr>
+                                      <m:t>Δ</m:t>
+                                    </m:r>
+                                  </m:e>
+                                  <m:sup>
+                                    <m:r>
+                                      <a:rPr lang="en-GB" b="0" i="1">
+                                        <a:latin typeface="Cambria Math" panose="02040503050406030204" pitchFamily="18" charset="0"/>
+                                      </a:rPr>
+                                      <m:t>2</m:t>
+                                    </m:r>
+                                  </m:sup>
+                                </m:sSup>
+                                <m:d>
+                                  <m:dPr>
+                                    <m:begChr m:val="{"/>
+                                    <m:endChr m:val="}"/>
+                                    <m:ctrlPr>
+                                      <a:rPr lang="en-GB" i="1">
+                                        <a:latin typeface="Cambria Math" panose="02040503050406030204" pitchFamily="18" charset="0"/>
+                                      </a:rPr>
+                                    </m:ctrlPr>
+                                  </m:dPr>
+                                  <m:e>
+                                    <m:sSubSup>
+                                      <m:sSubSupPr>
+                                        <m:ctrlPr>
+                                          <a:rPr lang="en-GB" i="1">
+                                            <a:latin typeface="Cambria Math" panose="02040503050406030204" pitchFamily="18" charset="0"/>
+                                          </a:rPr>
+                                        </m:ctrlPr>
+                                      </m:sSubSupPr>
+                                      <m:e>
+                                        <m:r>
+                                          <m:rPr>
+                                            <m:sty m:val="p"/>
+                                          </m:rPr>
+                                          <a:rPr lang="en-GB" b="0" i="1">
+                                            <a:latin typeface="Cambria Math" panose="02040503050406030204" pitchFamily="18" charset="0"/>
+                                          </a:rPr>
+                                          <m:t>y</m:t>
+                                        </m:r>
+                                      </m:e>
+                                      <m:sub>
+                                        <m:r>
+                                          <m:rPr>
+                                            <m:sty m:val="p"/>
+                                          </m:rPr>
+                                          <a:rPr lang="en-GB" b="0" i="1">
+                                            <a:latin typeface="Cambria Math" panose="02040503050406030204" pitchFamily="18" charset="0"/>
+                                          </a:rPr>
+                                          <m:t>t</m:t>
+                                        </m:r>
+                                      </m:sub>
+                                      <m:sup>
+                                        <m:d>
+                                          <m:dPr>
+                                            <m:ctrlPr>
+                                              <a:rPr lang="en-GB" i="1">
+                                                <a:latin typeface="Cambria Math" panose="02040503050406030204" pitchFamily="18" charset="0"/>
+                                              </a:rPr>
+                                            </m:ctrlPr>
+                                          </m:dPr>
+                                          <m:e>
+                                            <m:r>
+                                              <a:rPr lang="en-GB" b="0" i="1">
+                                                <a:latin typeface="Cambria Math" panose="02040503050406030204" pitchFamily="18" charset="0"/>
+                                              </a:rPr>
+                                              <m:t>𝑚</m:t>
+                                            </m:r>
+                                          </m:e>
+                                        </m:d>
+                                      </m:sup>
+                                    </m:sSubSup>
+                                    <m:d>
+                                      <m:dPr>
+                                        <m:ctrlPr>
+                                          <a:rPr lang="en-GB" i="1">
+                                            <a:latin typeface="Cambria Math" panose="02040503050406030204" pitchFamily="18" charset="0"/>
+                                          </a:rPr>
+                                        </m:ctrlPr>
+                                      </m:dPr>
+                                      <m:e>
+                                        <m:r>
+                                          <a:rPr lang="en-GB" b="0" i="1">
+                                            <a:latin typeface="Cambria Math" panose="02040503050406030204" pitchFamily="18" charset="0"/>
+                                          </a:rPr>
+                                          <m:t>𝑘</m:t>
+                                        </m:r>
+                                      </m:e>
+                                    </m:d>
+                                  </m:e>
+                                </m:d>
+                                <m:r>
+                                  <a:rPr lang="en-GB" b="0" i="1">
+                                    <a:latin typeface="Cambria Math" panose="02040503050406030204" pitchFamily="18" charset="0"/>
+                                  </a:rPr>
+                                  <m:t>,</m:t>
+                                </m:r>
+                                <m:sSup>
+                                  <m:sSupPr>
+                                    <m:ctrlPr>
+                                      <a:rPr lang="en-GB" i="1">
+                                        <a:latin typeface="Cambria Math" panose="02040503050406030204" pitchFamily="18" charset="0"/>
+                                      </a:rPr>
+                                    </m:ctrlPr>
+                                  </m:sSupPr>
+                                  <m:e>
+                                    <m:r>
+                                      <m:rPr>
+                                        <m:sty m:val="p"/>
+                                      </m:rPr>
+                                      <a:rPr lang="en-GB" b="0" i="1">
+                                        <a:latin typeface="Cambria Math" panose="02040503050406030204" pitchFamily="18" charset="0"/>
+                                      </a:rPr>
+                                      <m:t>Δ</m:t>
+                                    </m:r>
+                                  </m:e>
+                                  <m:sup>
+                                    <m:r>
+                                      <a:rPr lang="en-GB" b="0" i="1">
+                                        <a:latin typeface="Cambria Math" panose="02040503050406030204" pitchFamily="18" charset="0"/>
+                                      </a:rPr>
+                                      <m:t>2</m:t>
+                                    </m:r>
+                                  </m:sup>
+                                </m:sSup>
+                                <m:d>
+                                  <m:dPr>
+                                    <m:begChr m:val="{"/>
+                                    <m:endChr m:val="}"/>
+                                    <m:ctrlPr>
+                                      <a:rPr lang="en-GB" i="1">
+                                        <a:latin typeface="Cambria Math" panose="02040503050406030204" pitchFamily="18" charset="0"/>
+                                      </a:rPr>
+                                    </m:ctrlPr>
+                                  </m:dPr>
+                                  <m:e>
+                                    <m:sSub>
+                                      <m:sSubPr>
+                                        <m:ctrlPr>
+                                          <a:rPr lang="en-GB" i="1">
+                                            <a:latin typeface="Cambria Math" panose="02040503050406030204" pitchFamily="18" charset="0"/>
+                                          </a:rPr>
+                                        </m:ctrlPr>
+                                      </m:sSubPr>
+                                      <m:e>
+                                        <m:r>
+                                          <m:rPr>
+                                            <m:sty m:val="p"/>
+                                          </m:rPr>
+                                          <a:rPr lang="en-GB" b="0" i="1">
+                                            <a:latin typeface="Cambria Math" panose="02040503050406030204" pitchFamily="18" charset="0"/>
+                                          </a:rPr>
+                                          <m:t>e</m:t>
+                                        </m:r>
+                                      </m:e>
+                                      <m:sub>
+                                        <m:r>
+                                          <m:rPr>
+                                            <m:sty m:val="p"/>
+                                          </m:rPr>
+                                          <a:rPr lang="en-GB" b="0" i="1">
+                                            <a:latin typeface="Cambria Math" panose="02040503050406030204" pitchFamily="18" charset="0"/>
+                                          </a:rPr>
+                                          <m:t>t</m:t>
+                                        </m:r>
+                                      </m:sub>
+                                    </m:sSub>
+                                  </m:e>
+                                </m:d>
+                                <m:r>
+                                  <a:rPr lang="en-GB" b="0">
+                                    <a:latin typeface="Cambria Math" panose="02040503050406030204" pitchFamily="18" charset="0"/>
+                                  </a:rPr>
+                                  <m:t>,</m:t>
+                                </m:r>
+                              </m:e>
+                            </m:mr>
+                          </m:m>
+                        </m:e>
+                      </m:d>
+                    </m:oMath>
+                  </m:oMathPara>
+                </a14:m>
+                <a:endParaRPr lang="en-GB" dirty="0"/>
+              </a:p>
+            </p:txBody>
+          </p:sp>
+        </mc:Choice>
+        <mc:Fallback xmlns="">
+          <p:sp>
+            <p:nvSpPr>
+              <p:cNvPr id="4" name="Rectangle 3"/>
+              <p:cNvSpPr>
+                <a:spLocks noRot="1" noChangeAspect="1" noMove="1" noResize="1" noEditPoints="1" noAdjustHandles="1" noChangeArrowheads="1" noChangeShapeType="1" noTextEdit="1"/>
+              </p:cNvSpPr>
+              <p:nvPr/>
+            </p:nvSpPr>
+            <p:spPr>
+              <a:xfrm>
+                <a:off x="8982461" y="3853969"/>
+                <a:ext cx="3134383" cy="1341201"/>
+              </a:xfrm>
+              <a:prstGeom prst="rect">
+                <a:avLst/>
+              </a:prstGeom>
+              <a:blipFill>
+                <a:blip r:embed="rId2"/>
+                <a:stretch>
+                  <a:fillRect/>
+                </a:stretch>
+              </a:blipFill>
+            </p:spPr>
+            <p:txBody>
+              <a:bodyPr/>
+              <a:lstStyle/>
+              <a:p>
+                <a:r>
+                  <a:rPr lang="en-GB">
+                    <a:noFill/>
+                  </a:rPr>
+                  <a:t> </a:t>
+                </a:r>
+              </a:p>
+            </p:txBody>
+          </p:sp>
+        </mc:Fallback>
+      </mc:AlternateContent>
       <p:sp>
         <p:nvSpPr>
-          <p:cNvPr id="2" name="Title 1"/>
-          <p:cNvSpPr>
-            <a:spLocks noGrp="1"/>
-          </p:cNvSpPr>
-          <p:nvPr>
-            <p:ph type="title"/>
-          </p:nvPr>
+          <p:cNvPr id="5" name="Rounded Rectangle 4"/>
+          <p:cNvSpPr/>
+          <p:nvPr/>
         </p:nvSpPr>
-        <p:spPr/>
+        <p:spPr>
+          <a:xfrm>
+            <a:off x="1027134" y="1089764"/>
+            <a:ext cx="1590806" cy="726510"/>
+          </a:xfrm>
+          <a:prstGeom prst="roundRect">
+            <a:avLst/>
+          </a:prstGeom>
+        </p:spPr>
+        <p:style>
+          <a:lnRef idx="2">
+            <a:schemeClr val="accent1">
+              <a:shade val="50000"/>
+            </a:schemeClr>
+          </a:lnRef>
+          <a:fillRef idx="1">
+            <a:schemeClr val="accent1"/>
+          </a:fillRef>
+          <a:effectRef idx="0">
+            <a:schemeClr val="accent1"/>
+          </a:effectRef>
+          <a:fontRef idx="minor">
+            <a:schemeClr val="lt1"/>
+          </a:fontRef>
+        </p:style>
         <p:txBody>
-          <a:bodyPr/>
+          <a:bodyPr rtlCol="0" anchor="ctr"/>
           <a:lstStyle/>
           <a:p>
+            <a:pPr algn="ctr"/>
+            <a:r>
+              <a:rPr lang="en-GB" dirty="0" smtClean="0"/>
+              <a:t>Pre-emphasis</a:t>
+            </a:r>
+            <a:endParaRPr lang="en-GB" dirty="0"/>
+          </a:p>
+        </p:txBody>
+      </p:sp>
+      <p:sp>
+        <p:nvSpPr>
+          <p:cNvPr id="6" name="Rounded Rectangle 5"/>
+          <p:cNvSpPr/>
+          <p:nvPr/>
+        </p:nvSpPr>
+        <p:spPr>
+          <a:xfrm>
+            <a:off x="3970751" y="1089764"/>
+            <a:ext cx="876822" cy="726510"/>
+          </a:xfrm>
+          <a:prstGeom prst="roundRect">
+            <a:avLst/>
+          </a:prstGeom>
+        </p:spPr>
+        <p:style>
+          <a:lnRef idx="2">
+            <a:schemeClr val="accent1">
+              <a:shade val="50000"/>
+            </a:schemeClr>
+          </a:lnRef>
+          <a:fillRef idx="1">
+            <a:schemeClr val="accent1"/>
+          </a:fillRef>
+          <a:effectRef idx="0">
+            <a:schemeClr val="accent1"/>
+          </a:effectRef>
+          <a:fontRef idx="minor">
+            <a:schemeClr val="lt1"/>
+          </a:fontRef>
+        </p:style>
+        <p:txBody>
+          <a:bodyPr rtlCol="0" anchor="ctr"/>
+          <a:lstStyle/>
+          <a:p>
+            <a:pPr algn="ctr"/>
+            <a:r>
+              <a:rPr lang="en-GB" dirty="0" smtClean="0"/>
+              <a:t>DFT</a:t>
+            </a:r>
+            <a:endParaRPr lang="en-GB" dirty="0"/>
+          </a:p>
+        </p:txBody>
+      </p:sp>
+      <p:sp>
+        <p:nvSpPr>
+          <p:cNvPr id="7" name="Rounded Rectangle 6"/>
+          <p:cNvSpPr/>
+          <p:nvPr/>
+        </p:nvSpPr>
+        <p:spPr>
+          <a:xfrm>
+            <a:off x="5486399" y="1089764"/>
+            <a:ext cx="1365337" cy="726510"/>
+          </a:xfrm>
+          <a:prstGeom prst="roundRect">
+            <a:avLst/>
+          </a:prstGeom>
+        </p:spPr>
+        <p:style>
+          <a:lnRef idx="2">
+            <a:schemeClr val="accent1">
+              <a:shade val="50000"/>
+            </a:schemeClr>
+          </a:lnRef>
+          <a:fillRef idx="1">
+            <a:schemeClr val="accent1"/>
+          </a:fillRef>
+          <a:effectRef idx="0">
+            <a:schemeClr val="accent1"/>
+          </a:effectRef>
+          <a:fontRef idx="minor">
+            <a:schemeClr val="lt1"/>
+          </a:fontRef>
+        </p:style>
+        <p:txBody>
+          <a:bodyPr rtlCol="0" anchor="ctr"/>
+          <a:lstStyle/>
+          <a:p>
+            <a:pPr algn="ctr"/>
+            <a:r>
+              <a:rPr lang="en-GB" dirty="0" smtClean="0"/>
+              <a:t>Mel filter banks</a:t>
+            </a:r>
+            <a:endParaRPr lang="en-GB" dirty="0"/>
+          </a:p>
+        </p:txBody>
+      </p:sp>
+      <p:sp>
+        <p:nvSpPr>
+          <p:cNvPr id="8" name="Rounded Rectangle 7"/>
+          <p:cNvSpPr/>
+          <p:nvPr/>
+        </p:nvSpPr>
+        <p:spPr>
+          <a:xfrm>
+            <a:off x="7447371" y="1089764"/>
+            <a:ext cx="1365337" cy="726510"/>
+          </a:xfrm>
+          <a:prstGeom prst="roundRect">
+            <a:avLst/>
+          </a:prstGeom>
+        </p:spPr>
+        <p:style>
+          <a:lnRef idx="2">
+            <a:schemeClr val="accent1">
+              <a:shade val="50000"/>
+            </a:schemeClr>
+          </a:lnRef>
+          <a:fillRef idx="1">
+            <a:schemeClr val="accent1"/>
+          </a:fillRef>
+          <a:effectRef idx="0">
+            <a:schemeClr val="accent1"/>
+          </a:effectRef>
+          <a:fontRef idx="minor">
+            <a:schemeClr val="lt1"/>
+          </a:fontRef>
+        </p:style>
+        <p:txBody>
+          <a:bodyPr rtlCol="0" anchor="ctr"/>
+          <a:lstStyle/>
+          <a:p>
+            <a:pPr algn="ctr"/>
+            <a:r>
+              <a:rPr lang="en-GB" dirty="0" smtClean="0"/>
+              <a:t>Log(| |</a:t>
+            </a:r>
+            <a:r>
+              <a:rPr lang="en-GB" baseline="30000" dirty="0" smtClean="0"/>
+              <a:t>2</a:t>
+            </a:r>
+            <a:r>
+              <a:rPr lang="en-GB" dirty="0" smtClean="0"/>
+              <a:t>)</a:t>
+            </a:r>
+            <a:endParaRPr lang="en-GB" dirty="0"/>
+          </a:p>
+        </p:txBody>
+      </p:sp>
+      <p:sp>
+        <p:nvSpPr>
+          <p:cNvPr id="9" name="Rounded Rectangle 8"/>
+          <p:cNvSpPr/>
+          <p:nvPr/>
+        </p:nvSpPr>
+        <p:spPr>
+          <a:xfrm>
+            <a:off x="9169052" y="1089764"/>
+            <a:ext cx="876822" cy="726510"/>
+          </a:xfrm>
+          <a:prstGeom prst="roundRect">
+            <a:avLst/>
+          </a:prstGeom>
+        </p:spPr>
+        <p:style>
+          <a:lnRef idx="2">
+            <a:schemeClr val="accent1">
+              <a:shade val="50000"/>
+            </a:schemeClr>
+          </a:lnRef>
+          <a:fillRef idx="1">
+            <a:schemeClr val="accent1"/>
+          </a:fillRef>
+          <a:effectRef idx="0">
+            <a:schemeClr val="accent1"/>
+          </a:effectRef>
+          <a:fontRef idx="minor">
+            <a:schemeClr val="lt1"/>
+          </a:fontRef>
+        </p:style>
+        <p:txBody>
+          <a:bodyPr rtlCol="0" anchor="ctr"/>
+          <a:lstStyle/>
+          <a:p>
+            <a:pPr algn="ctr"/>
+            <a:r>
+              <a:rPr lang="en-GB" dirty="0" smtClean="0"/>
+              <a:t>IDFT</a:t>
+            </a:r>
+            <a:endParaRPr lang="en-GB" dirty="0"/>
+          </a:p>
+        </p:txBody>
+      </p:sp>
+      <p:sp>
+        <p:nvSpPr>
+          <p:cNvPr id="10" name="TextBox 9"/>
+          <p:cNvSpPr txBox="1"/>
+          <p:nvPr/>
+        </p:nvSpPr>
+        <p:spPr>
+          <a:xfrm>
+            <a:off x="10549652" y="1268353"/>
+            <a:ext cx="732445" cy="369332"/>
+          </a:xfrm>
+          <a:prstGeom prst="rect">
+            <a:avLst/>
+          </a:prstGeom>
+          <a:noFill/>
+        </p:spPr>
+        <p:txBody>
+          <a:bodyPr wrap="none" rtlCol="0">
+            <a:spAutoFit/>
+          </a:bodyPr>
+          <a:lstStyle/>
+          <a:p>
+            <a:r>
+              <a:rPr lang="en-GB" dirty="0" smtClean="0"/>
+              <a:t>MFCC</a:t>
+            </a:r>
+            <a:endParaRPr lang="en-GB" dirty="0"/>
+          </a:p>
+        </p:txBody>
+      </p:sp>
+      <p:sp>
+        <p:nvSpPr>
+          <p:cNvPr id="11" name="Flowchart: Summing Junction 10"/>
+          <p:cNvSpPr/>
+          <p:nvPr/>
+        </p:nvSpPr>
+        <p:spPr>
+          <a:xfrm>
+            <a:off x="3125243" y="1252602"/>
+            <a:ext cx="400834" cy="400834"/>
+          </a:xfrm>
+          <a:prstGeom prst="flowChartSummingJunction">
+            <a:avLst/>
+          </a:prstGeom>
+        </p:spPr>
+        <p:style>
+          <a:lnRef idx="2">
+            <a:schemeClr val="accent1">
+              <a:shade val="50000"/>
+            </a:schemeClr>
+          </a:lnRef>
+          <a:fillRef idx="1">
+            <a:schemeClr val="accent1"/>
+          </a:fillRef>
+          <a:effectRef idx="0">
+            <a:schemeClr val="accent1"/>
+          </a:effectRef>
+          <a:fontRef idx="minor">
+            <a:schemeClr val="lt1"/>
+          </a:fontRef>
+        </p:style>
+        <p:txBody>
+          <a:bodyPr rtlCol="0" anchor="ctr"/>
+          <a:lstStyle/>
+          <a:p>
+            <a:pPr algn="ctr"/>
             <a:endParaRPr lang="en-GB"/>
           </a:p>
         </p:txBody>
       </p:sp>
       <p:sp>
         <p:nvSpPr>
-          <p:cNvPr id="3" name="Content Placeholder 2"/>
-          <p:cNvSpPr>
-            <a:spLocks noGrp="1"/>
-          </p:cNvSpPr>
-          <p:nvPr>
-            <p:ph idx="1"/>
-          </p:nvPr>
+          <p:cNvPr id="12" name="TextBox 11"/>
+          <p:cNvSpPr txBox="1"/>
+          <p:nvPr/>
         </p:nvSpPr>
-        <p:spPr/>
+        <p:spPr>
+          <a:xfrm>
+            <a:off x="2839437" y="2416779"/>
+            <a:ext cx="972446" cy="369332"/>
+          </a:xfrm>
+          <a:prstGeom prst="rect">
+            <a:avLst/>
+          </a:prstGeom>
+          <a:noFill/>
+        </p:spPr>
         <p:txBody>
-          <a:bodyPr/>
+          <a:bodyPr wrap="none" rtlCol="0">
+            <a:spAutoFit/>
+          </a:bodyPr>
           <a:lstStyle/>
           <a:p>
-            <a:endParaRPr lang="en-GB"/>
+            <a:r>
+              <a:rPr lang="en-GB" dirty="0" smtClean="0"/>
+              <a:t>Window</a:t>
+            </a:r>
+            <a:endParaRPr lang="en-GB" dirty="0"/>
           </a:p>
         </p:txBody>
       </p:sp>
+      <p:sp>
+        <p:nvSpPr>
+          <p:cNvPr id="13" name="TextBox 12"/>
+          <p:cNvSpPr txBox="1"/>
+          <p:nvPr/>
+        </p:nvSpPr>
+        <p:spPr>
+          <a:xfrm>
+            <a:off x="503339" y="1546776"/>
+            <a:ext cx="502061" cy="369332"/>
+          </a:xfrm>
+          <a:prstGeom prst="rect">
+            <a:avLst/>
+          </a:prstGeom>
+          <a:noFill/>
+        </p:spPr>
+        <p:txBody>
+          <a:bodyPr wrap="none" rtlCol="0">
+            <a:spAutoFit/>
+          </a:bodyPr>
+          <a:lstStyle/>
+          <a:p>
+            <a:r>
+              <a:rPr lang="en-GB" dirty="0"/>
+              <a:t>x</a:t>
+            </a:r>
+            <a:r>
+              <a:rPr lang="en-GB" dirty="0" smtClean="0"/>
+              <a:t>(t)</a:t>
+            </a:r>
+            <a:endParaRPr lang="en-GB" dirty="0"/>
+          </a:p>
+        </p:txBody>
+      </p:sp>
+      <p:sp>
+        <p:nvSpPr>
+          <p:cNvPr id="14" name="TextBox 13"/>
+          <p:cNvSpPr txBox="1"/>
+          <p:nvPr/>
+        </p:nvSpPr>
+        <p:spPr>
+          <a:xfrm>
+            <a:off x="2587295" y="1575054"/>
+            <a:ext cx="604653" cy="369332"/>
+          </a:xfrm>
+          <a:prstGeom prst="rect">
+            <a:avLst/>
+          </a:prstGeom>
+          <a:noFill/>
+        </p:spPr>
+        <p:txBody>
+          <a:bodyPr wrap="none" rtlCol="0">
+            <a:spAutoFit/>
+          </a:bodyPr>
+          <a:lstStyle/>
+          <a:p>
+            <a:r>
+              <a:rPr lang="en-GB" dirty="0" smtClean="0"/>
+              <a:t>x‘(n)</a:t>
+            </a:r>
+            <a:endParaRPr lang="en-GB" dirty="0"/>
+          </a:p>
+        </p:txBody>
+      </p:sp>
+      <p:sp>
+        <p:nvSpPr>
+          <p:cNvPr id="15" name="TextBox 14"/>
+          <p:cNvSpPr txBox="1"/>
+          <p:nvPr/>
+        </p:nvSpPr>
+        <p:spPr>
+          <a:xfrm>
+            <a:off x="3526077" y="4501060"/>
+            <a:ext cx="732445" cy="369332"/>
+          </a:xfrm>
+          <a:prstGeom prst="rect">
+            <a:avLst/>
+          </a:prstGeom>
+          <a:noFill/>
+        </p:spPr>
+        <p:txBody>
+          <a:bodyPr wrap="none" rtlCol="0">
+            <a:spAutoFit/>
+          </a:bodyPr>
+          <a:lstStyle/>
+          <a:p>
+            <a:r>
+              <a:rPr lang="en-GB" dirty="0" smtClean="0"/>
+              <a:t>MFCC</a:t>
+            </a:r>
+            <a:endParaRPr lang="en-GB" dirty="0"/>
+          </a:p>
+        </p:txBody>
+      </p:sp>
+      <p:sp>
+        <p:nvSpPr>
+          <p:cNvPr id="16" name="Rounded Rectangle 15"/>
+          <p:cNvSpPr/>
+          <p:nvPr/>
+        </p:nvSpPr>
+        <p:spPr>
+          <a:xfrm>
+            <a:off x="5149175" y="2852709"/>
+            <a:ext cx="1365337" cy="726510"/>
+          </a:xfrm>
+          <a:prstGeom prst="roundRect">
+            <a:avLst/>
+          </a:prstGeom>
+        </p:spPr>
+        <p:style>
+          <a:lnRef idx="2">
+            <a:schemeClr val="accent1">
+              <a:shade val="50000"/>
+            </a:schemeClr>
+          </a:lnRef>
+          <a:fillRef idx="1">
+            <a:schemeClr val="accent1"/>
+          </a:fillRef>
+          <a:effectRef idx="0">
+            <a:schemeClr val="accent1"/>
+          </a:effectRef>
+          <a:fontRef idx="minor">
+            <a:schemeClr val="lt1"/>
+          </a:fontRef>
+        </p:style>
+        <p:txBody>
+          <a:bodyPr rtlCol="0" anchor="ctr"/>
+          <a:lstStyle/>
+          <a:p>
+            <a:pPr algn="ctr"/>
+            <a:r>
+              <a:rPr lang="en-GB" dirty="0" smtClean="0"/>
+              <a:t>Energy</a:t>
+            </a:r>
+            <a:endParaRPr lang="en-GB" dirty="0"/>
+          </a:p>
+        </p:txBody>
+      </p:sp>
+      <p:sp>
+        <p:nvSpPr>
+          <p:cNvPr id="17" name="Rounded Rectangle 16"/>
+          <p:cNvSpPr/>
+          <p:nvPr/>
+        </p:nvSpPr>
+        <p:spPr>
+          <a:xfrm>
+            <a:off x="7103236" y="4161315"/>
+            <a:ext cx="1365337" cy="726510"/>
+          </a:xfrm>
+          <a:prstGeom prst="roundRect">
+            <a:avLst/>
+          </a:prstGeom>
+        </p:spPr>
+        <p:style>
+          <a:lnRef idx="2">
+            <a:schemeClr val="accent1">
+              <a:shade val="50000"/>
+            </a:schemeClr>
+          </a:lnRef>
+          <a:fillRef idx="1">
+            <a:schemeClr val="accent1"/>
+          </a:fillRef>
+          <a:effectRef idx="0">
+            <a:schemeClr val="accent1"/>
+          </a:effectRef>
+          <a:fontRef idx="minor">
+            <a:schemeClr val="lt1"/>
+          </a:fontRef>
+        </p:style>
+        <p:txBody>
+          <a:bodyPr rtlCol="0" anchor="ctr"/>
+          <a:lstStyle/>
+          <a:p>
+            <a:pPr algn="ctr"/>
+            <a:r>
+              <a:rPr lang="en-GB" dirty="0" smtClean="0"/>
+              <a:t>Derivatives</a:t>
+            </a:r>
+            <a:endParaRPr lang="en-GB" dirty="0"/>
+          </a:p>
+        </p:txBody>
+      </p:sp>
+      <p:cxnSp>
+        <p:nvCxnSpPr>
+          <p:cNvPr id="23" name="Straight Arrow Connector 22"/>
+          <p:cNvCxnSpPr/>
+          <p:nvPr/>
+        </p:nvCxnSpPr>
+        <p:spPr>
+          <a:xfrm>
+            <a:off x="514752" y="1440493"/>
+            <a:ext cx="507303" cy="0"/>
+          </a:xfrm>
+          <a:prstGeom prst="straightConnector1">
+            <a:avLst/>
+          </a:prstGeom>
+          <a:ln>
+            <a:tailEnd type="triangle"/>
+          </a:ln>
+        </p:spPr>
+        <p:style>
+          <a:lnRef idx="1">
+            <a:schemeClr val="accent1"/>
+          </a:lnRef>
+          <a:fillRef idx="0">
+            <a:schemeClr val="accent1"/>
+          </a:fillRef>
+          <a:effectRef idx="0">
+            <a:schemeClr val="accent1"/>
+          </a:effectRef>
+          <a:fontRef idx="minor">
+            <a:schemeClr val="tx1"/>
+          </a:fontRef>
+        </p:style>
+      </p:cxnSp>
+      <p:cxnSp>
+        <p:nvCxnSpPr>
+          <p:cNvPr id="26" name="Straight Arrow Connector 25"/>
+          <p:cNvCxnSpPr>
+            <a:stCxn id="11" idx="6"/>
+            <a:endCxn id="6" idx="1"/>
+          </p:cNvCxnSpPr>
+          <p:nvPr/>
+        </p:nvCxnSpPr>
+        <p:spPr>
+          <a:xfrm>
+            <a:off x="3526077" y="1453019"/>
+            <a:ext cx="444674" cy="0"/>
+          </a:xfrm>
+          <a:prstGeom prst="straightConnector1">
+            <a:avLst/>
+          </a:prstGeom>
+          <a:ln>
+            <a:tailEnd type="triangle"/>
+          </a:ln>
+        </p:spPr>
+        <p:style>
+          <a:lnRef idx="1">
+            <a:schemeClr val="accent1"/>
+          </a:lnRef>
+          <a:fillRef idx="0">
+            <a:schemeClr val="accent1"/>
+          </a:fillRef>
+          <a:effectRef idx="0">
+            <a:schemeClr val="accent1"/>
+          </a:effectRef>
+          <a:fontRef idx="minor">
+            <a:schemeClr val="tx1"/>
+          </a:fontRef>
+        </p:style>
+      </p:cxnSp>
+      <p:cxnSp>
+        <p:nvCxnSpPr>
+          <p:cNvPr id="29" name="Elbow Connector 28"/>
+          <p:cNvCxnSpPr>
+            <a:endCxn id="16" idx="1"/>
+          </p:cNvCxnSpPr>
+          <p:nvPr/>
+        </p:nvCxnSpPr>
+        <p:spPr>
+          <a:xfrm rot="16200000" flipH="1">
+            <a:off x="3552584" y="1619372"/>
+            <a:ext cx="1775469" cy="1417713"/>
+          </a:xfrm>
+          <a:prstGeom prst="bentConnector2">
+            <a:avLst/>
+          </a:prstGeom>
+          <a:ln>
+            <a:tailEnd type="triangle"/>
+          </a:ln>
+        </p:spPr>
+        <p:style>
+          <a:lnRef idx="1">
+            <a:schemeClr val="accent1"/>
+          </a:lnRef>
+          <a:fillRef idx="0">
+            <a:schemeClr val="accent1"/>
+          </a:fillRef>
+          <a:effectRef idx="0">
+            <a:schemeClr val="accent1"/>
+          </a:effectRef>
+          <a:fontRef idx="minor">
+            <a:schemeClr val="tx1"/>
+          </a:fontRef>
+        </p:style>
+      </p:cxnSp>
+      <p:cxnSp>
+        <p:nvCxnSpPr>
+          <p:cNvPr id="32" name="Straight Arrow Connector 31"/>
+          <p:cNvCxnSpPr>
+            <a:stCxn id="12" idx="0"/>
+            <a:endCxn id="11" idx="4"/>
+          </p:cNvCxnSpPr>
+          <p:nvPr/>
+        </p:nvCxnSpPr>
+        <p:spPr>
+          <a:xfrm flipV="1">
+            <a:off x="3325660" y="1653436"/>
+            <a:ext cx="0" cy="763343"/>
+          </a:xfrm>
+          <a:prstGeom prst="straightConnector1">
+            <a:avLst/>
+          </a:prstGeom>
+          <a:ln>
+            <a:tailEnd type="triangle"/>
+          </a:ln>
+        </p:spPr>
+        <p:style>
+          <a:lnRef idx="1">
+            <a:schemeClr val="accent1"/>
+          </a:lnRef>
+          <a:fillRef idx="0">
+            <a:schemeClr val="accent1"/>
+          </a:fillRef>
+          <a:effectRef idx="0">
+            <a:schemeClr val="accent1"/>
+          </a:effectRef>
+          <a:fontRef idx="minor">
+            <a:schemeClr val="tx1"/>
+          </a:fontRef>
+        </p:style>
+      </p:cxnSp>
+      <p:cxnSp>
+        <p:nvCxnSpPr>
+          <p:cNvPr id="34" name="Straight Arrow Connector 33"/>
+          <p:cNvCxnSpPr/>
+          <p:nvPr/>
+        </p:nvCxnSpPr>
+        <p:spPr>
+          <a:xfrm>
+            <a:off x="2635969" y="1440493"/>
+            <a:ext cx="507303" cy="0"/>
+          </a:xfrm>
+          <a:prstGeom prst="straightConnector1">
+            <a:avLst/>
+          </a:prstGeom>
+          <a:ln>
+            <a:tailEnd type="triangle"/>
+          </a:ln>
+        </p:spPr>
+        <p:style>
+          <a:lnRef idx="1">
+            <a:schemeClr val="accent1"/>
+          </a:lnRef>
+          <a:fillRef idx="0">
+            <a:schemeClr val="accent1"/>
+          </a:fillRef>
+          <a:effectRef idx="0">
+            <a:schemeClr val="accent1"/>
+          </a:effectRef>
+          <a:fontRef idx="minor">
+            <a:schemeClr val="tx1"/>
+          </a:fontRef>
+        </p:style>
+      </p:cxnSp>
+      <p:sp>
+        <p:nvSpPr>
+          <p:cNvPr id="35" name="TextBox 34"/>
+          <p:cNvSpPr txBox="1"/>
+          <p:nvPr/>
+        </p:nvSpPr>
+        <p:spPr>
+          <a:xfrm>
+            <a:off x="3499616" y="1074200"/>
+            <a:ext cx="598947" cy="369332"/>
+          </a:xfrm>
+          <a:prstGeom prst="rect">
+            <a:avLst/>
+          </a:prstGeom>
+          <a:noFill/>
+        </p:spPr>
+        <p:txBody>
+          <a:bodyPr wrap="none" rtlCol="0">
+            <a:spAutoFit/>
+          </a:bodyPr>
+          <a:lstStyle/>
+          <a:p>
+            <a:r>
+              <a:rPr lang="en-GB" dirty="0" err="1" smtClean="0"/>
+              <a:t>x</a:t>
+            </a:r>
+            <a:r>
+              <a:rPr lang="en-GB" baseline="-25000" dirty="0" err="1" smtClean="0"/>
+              <a:t>t</a:t>
+            </a:r>
+            <a:r>
+              <a:rPr lang="en-GB" dirty="0" smtClean="0"/>
+              <a:t>(n)</a:t>
+            </a:r>
+            <a:endParaRPr lang="en-GB" dirty="0"/>
+          </a:p>
+        </p:txBody>
+      </p:sp>
+      <p:cxnSp>
+        <p:nvCxnSpPr>
+          <p:cNvPr id="37" name="Straight Arrow Connector 36"/>
+          <p:cNvCxnSpPr>
+            <a:stCxn id="6" idx="3"/>
+            <a:endCxn id="7" idx="1"/>
+          </p:cNvCxnSpPr>
+          <p:nvPr/>
+        </p:nvCxnSpPr>
+        <p:spPr>
+          <a:xfrm>
+            <a:off x="4847573" y="1453019"/>
+            <a:ext cx="638826" cy="0"/>
+          </a:xfrm>
+          <a:prstGeom prst="straightConnector1">
+            <a:avLst/>
+          </a:prstGeom>
+          <a:ln>
+            <a:tailEnd type="triangle"/>
+          </a:ln>
+        </p:spPr>
+        <p:style>
+          <a:lnRef idx="1">
+            <a:schemeClr val="accent1"/>
+          </a:lnRef>
+          <a:fillRef idx="0">
+            <a:schemeClr val="accent1"/>
+          </a:fillRef>
+          <a:effectRef idx="0">
+            <a:schemeClr val="accent1"/>
+          </a:effectRef>
+          <a:fontRef idx="minor">
+            <a:schemeClr val="tx1"/>
+          </a:fontRef>
+        </p:style>
+      </p:cxnSp>
+      <p:cxnSp>
+        <p:nvCxnSpPr>
+          <p:cNvPr id="41" name="Straight Arrow Connector 40"/>
+          <p:cNvCxnSpPr>
+            <a:stCxn id="7" idx="3"/>
+            <a:endCxn id="8" idx="1"/>
+          </p:cNvCxnSpPr>
+          <p:nvPr/>
+        </p:nvCxnSpPr>
+        <p:spPr>
+          <a:xfrm>
+            <a:off x="6851736" y="1453019"/>
+            <a:ext cx="595635" cy="0"/>
+          </a:xfrm>
+          <a:prstGeom prst="straightConnector1">
+            <a:avLst/>
+          </a:prstGeom>
+          <a:ln>
+            <a:tailEnd type="triangle"/>
+          </a:ln>
+        </p:spPr>
+        <p:style>
+          <a:lnRef idx="1">
+            <a:schemeClr val="accent1"/>
+          </a:lnRef>
+          <a:fillRef idx="0">
+            <a:schemeClr val="accent1"/>
+          </a:fillRef>
+          <a:effectRef idx="0">
+            <a:schemeClr val="accent1"/>
+          </a:effectRef>
+          <a:fontRef idx="minor">
+            <a:schemeClr val="tx1"/>
+          </a:fontRef>
+        </p:style>
+      </p:cxnSp>
+      <p:cxnSp>
+        <p:nvCxnSpPr>
+          <p:cNvPr id="45" name="Straight Arrow Connector 44"/>
+          <p:cNvCxnSpPr>
+            <a:stCxn id="8" idx="3"/>
+            <a:endCxn id="9" idx="1"/>
+          </p:cNvCxnSpPr>
+          <p:nvPr/>
+        </p:nvCxnSpPr>
+        <p:spPr>
+          <a:xfrm>
+            <a:off x="8812708" y="1453019"/>
+            <a:ext cx="356344" cy="0"/>
+          </a:xfrm>
+          <a:prstGeom prst="straightConnector1">
+            <a:avLst/>
+          </a:prstGeom>
+          <a:ln>
+            <a:tailEnd type="triangle"/>
+          </a:ln>
+        </p:spPr>
+        <p:style>
+          <a:lnRef idx="1">
+            <a:schemeClr val="accent1"/>
+          </a:lnRef>
+          <a:fillRef idx="0">
+            <a:schemeClr val="accent1"/>
+          </a:fillRef>
+          <a:effectRef idx="0">
+            <a:schemeClr val="accent1"/>
+          </a:effectRef>
+          <a:fontRef idx="minor">
+            <a:schemeClr val="tx1"/>
+          </a:fontRef>
+        </p:style>
+      </p:cxnSp>
+      <p:cxnSp>
+        <p:nvCxnSpPr>
+          <p:cNvPr id="47" name="Straight Arrow Connector 46"/>
+          <p:cNvCxnSpPr>
+            <a:stCxn id="9" idx="3"/>
+            <a:endCxn id="10" idx="1"/>
+          </p:cNvCxnSpPr>
+          <p:nvPr/>
+        </p:nvCxnSpPr>
+        <p:spPr>
+          <a:xfrm>
+            <a:off x="10045874" y="1453019"/>
+            <a:ext cx="503778" cy="0"/>
+          </a:xfrm>
+          <a:prstGeom prst="straightConnector1">
+            <a:avLst/>
+          </a:prstGeom>
+          <a:ln>
+            <a:tailEnd type="triangle"/>
+          </a:ln>
+        </p:spPr>
+        <p:style>
+          <a:lnRef idx="1">
+            <a:schemeClr val="accent1"/>
+          </a:lnRef>
+          <a:fillRef idx="0">
+            <a:schemeClr val="accent1"/>
+          </a:fillRef>
+          <a:effectRef idx="0">
+            <a:schemeClr val="accent1"/>
+          </a:effectRef>
+          <a:fontRef idx="minor">
+            <a:schemeClr val="tx1"/>
+          </a:fontRef>
+        </p:style>
+      </p:cxnSp>
+      <p:cxnSp>
+        <p:nvCxnSpPr>
+          <p:cNvPr id="49" name="Elbow Connector 48"/>
+          <p:cNvCxnSpPr>
+            <a:stCxn id="16" idx="3"/>
+            <a:endCxn id="17" idx="1"/>
+          </p:cNvCxnSpPr>
+          <p:nvPr/>
+        </p:nvCxnSpPr>
+        <p:spPr>
+          <a:xfrm>
+            <a:off x="6514512" y="3215964"/>
+            <a:ext cx="588724" cy="1308606"/>
+          </a:xfrm>
+          <a:prstGeom prst="bentConnector3">
+            <a:avLst/>
+          </a:prstGeom>
+          <a:ln>
+            <a:tailEnd type="triangle"/>
+          </a:ln>
+        </p:spPr>
+        <p:style>
+          <a:lnRef idx="1">
+            <a:schemeClr val="accent1"/>
+          </a:lnRef>
+          <a:fillRef idx="0">
+            <a:schemeClr val="accent1"/>
+          </a:fillRef>
+          <a:effectRef idx="0">
+            <a:schemeClr val="accent1"/>
+          </a:effectRef>
+          <a:fontRef idx="minor">
+            <a:schemeClr val="tx1"/>
+          </a:fontRef>
+        </p:style>
+      </p:cxnSp>
+      <p:cxnSp>
+        <p:nvCxnSpPr>
+          <p:cNvPr id="51" name="Straight Arrow Connector 50"/>
+          <p:cNvCxnSpPr>
+            <a:stCxn id="15" idx="3"/>
+          </p:cNvCxnSpPr>
+          <p:nvPr/>
+        </p:nvCxnSpPr>
+        <p:spPr>
+          <a:xfrm>
+            <a:off x="4258522" y="4685726"/>
+            <a:ext cx="2844714" cy="0"/>
+          </a:xfrm>
+          <a:prstGeom prst="straightConnector1">
+            <a:avLst/>
+          </a:prstGeom>
+          <a:ln>
+            <a:tailEnd type="triangle"/>
+          </a:ln>
+        </p:spPr>
+        <p:style>
+          <a:lnRef idx="1">
+            <a:schemeClr val="accent1"/>
+          </a:lnRef>
+          <a:fillRef idx="0">
+            <a:schemeClr val="accent1"/>
+          </a:fillRef>
+          <a:effectRef idx="0">
+            <a:schemeClr val="accent1"/>
+          </a:effectRef>
+          <a:fontRef idx="minor">
+            <a:schemeClr val="tx1"/>
+          </a:fontRef>
+        </p:style>
+      </p:cxnSp>
+      <p:cxnSp>
+        <p:nvCxnSpPr>
+          <p:cNvPr id="54" name="Straight Arrow Connector 53"/>
+          <p:cNvCxnSpPr>
+            <a:stCxn id="17" idx="3"/>
+            <a:endCxn id="4" idx="1"/>
+          </p:cNvCxnSpPr>
+          <p:nvPr/>
+        </p:nvCxnSpPr>
+        <p:spPr>
+          <a:xfrm>
+            <a:off x="8468573" y="4524570"/>
+            <a:ext cx="513888" cy="0"/>
+          </a:xfrm>
+          <a:prstGeom prst="straightConnector1">
+            <a:avLst/>
+          </a:prstGeom>
+          <a:ln>
+            <a:tailEnd type="triangle"/>
+          </a:ln>
+        </p:spPr>
+        <p:style>
+          <a:lnRef idx="1">
+            <a:schemeClr val="accent1"/>
+          </a:lnRef>
+          <a:fillRef idx="0">
+            <a:schemeClr val="accent1"/>
+          </a:fillRef>
+          <a:effectRef idx="0">
+            <a:schemeClr val="accent1"/>
+          </a:effectRef>
+          <a:fontRef idx="minor">
+            <a:schemeClr val="tx1"/>
+          </a:fontRef>
+        </p:style>
+      </p:cxnSp>
+      <mc:AlternateContent xmlns:mc="http://schemas.openxmlformats.org/markup-compatibility/2006" xmlns:a14="http://schemas.microsoft.com/office/drawing/2010/main">
+        <mc:Choice Requires="a14">
+          <p:sp>
+            <p:nvSpPr>
+              <p:cNvPr id="55" name="Rectangle 54"/>
+              <p:cNvSpPr/>
+              <p:nvPr/>
+            </p:nvSpPr>
+            <p:spPr>
+              <a:xfrm>
+                <a:off x="4892540" y="4677115"/>
+                <a:ext cx="1013098" cy="434734"/>
+              </a:xfrm>
+              <a:prstGeom prst="rect">
+                <a:avLst/>
+              </a:prstGeom>
+            </p:spPr>
+            <p:txBody>
+              <a:bodyPr wrap="none">
+                <a:spAutoFit/>
+              </a:bodyPr>
+              <a:lstStyle/>
+              <a:p>
+                <a:pPr/>
+                <a14:m>
+                  <m:oMathPara xmlns:m="http://schemas.openxmlformats.org/officeDocument/2006/math">
+                    <m:oMathParaPr>
+                      <m:jc m:val="centerGroup"/>
+                    </m:oMathParaPr>
+                    <m:oMath xmlns:m="http://schemas.openxmlformats.org/officeDocument/2006/math">
+                      <m:sSubSup>
+                        <m:sSubSupPr>
+                          <m:ctrlPr>
+                            <a:rPr lang="en-GB" i="1">
+                              <a:latin typeface="Cambria Math" panose="02040503050406030204" pitchFamily="18" charset="0"/>
+                            </a:rPr>
+                          </m:ctrlPr>
+                        </m:sSubSupPr>
+                        <m:e>
+                          <m:r>
+                            <m:rPr>
+                              <m:brk m:alnAt="7"/>
+                            </m:rPr>
+                            <a:rPr lang="en-GB" i="1">
+                              <a:latin typeface="Cambria Math" panose="02040503050406030204" pitchFamily="18" charset="0"/>
+                            </a:rPr>
+                            <m:t>𝑦</m:t>
+                          </m:r>
+                        </m:e>
+                        <m:sub>
+                          <m:r>
+                            <m:rPr>
+                              <m:brk m:alnAt="7"/>
+                            </m:rPr>
+                            <a:rPr lang="en-GB" i="1">
+                              <a:latin typeface="Cambria Math" panose="02040503050406030204" pitchFamily="18" charset="0"/>
+                            </a:rPr>
+                            <m:t>𝑡</m:t>
+                          </m:r>
+                        </m:sub>
+                        <m:sup>
+                          <m:d>
+                            <m:dPr>
+                              <m:ctrlPr>
+                                <a:rPr lang="en-GB" i="1">
+                                  <a:latin typeface="Cambria Math" panose="02040503050406030204" pitchFamily="18" charset="0"/>
+                                </a:rPr>
+                              </m:ctrlPr>
+                            </m:dPr>
+                            <m:e>
+                              <m:r>
+                                <a:rPr lang="en-GB" i="1">
+                                  <a:latin typeface="Cambria Math" panose="02040503050406030204" pitchFamily="18" charset="0"/>
+                                </a:rPr>
+                                <m:t>𝑚</m:t>
+                              </m:r>
+                            </m:e>
+                          </m:d>
+                        </m:sup>
+                      </m:sSubSup>
+                      <m:d>
+                        <m:dPr>
+                          <m:ctrlPr>
+                            <a:rPr lang="en-GB" i="1">
+                              <a:latin typeface="Cambria Math" panose="02040503050406030204" pitchFamily="18" charset="0"/>
+                            </a:rPr>
+                          </m:ctrlPr>
+                        </m:dPr>
+                        <m:e>
+                          <m:r>
+                            <m:rPr>
+                              <m:brk m:alnAt="7"/>
+                            </m:rPr>
+                            <a:rPr lang="en-GB" i="1">
+                              <a:latin typeface="Cambria Math" panose="02040503050406030204" pitchFamily="18" charset="0"/>
+                            </a:rPr>
+                            <m:t>𝑘</m:t>
+                          </m:r>
+                        </m:e>
+                      </m:d>
+                    </m:oMath>
+                  </m:oMathPara>
+                </a14:m>
+                <a:endParaRPr lang="en-GB" dirty="0"/>
+              </a:p>
+            </p:txBody>
+          </p:sp>
+        </mc:Choice>
+        <mc:Fallback xmlns="">
+          <p:sp>
+            <p:nvSpPr>
+              <p:cNvPr id="55" name="Rectangle 54"/>
+              <p:cNvSpPr>
+                <a:spLocks noRot="1" noChangeAspect="1" noMove="1" noResize="1" noEditPoints="1" noAdjustHandles="1" noChangeArrowheads="1" noChangeShapeType="1" noTextEdit="1"/>
+              </p:cNvSpPr>
+              <p:nvPr/>
+            </p:nvSpPr>
+            <p:spPr>
+              <a:xfrm>
+                <a:off x="4892540" y="4677115"/>
+                <a:ext cx="1013098" cy="434734"/>
+              </a:xfrm>
+              <a:prstGeom prst="rect">
+                <a:avLst/>
+              </a:prstGeom>
+              <a:blipFill>
+                <a:blip r:embed="rId3"/>
+                <a:stretch>
+                  <a:fillRect b="-4167"/>
+                </a:stretch>
+              </a:blipFill>
+            </p:spPr>
+            <p:txBody>
+              <a:bodyPr/>
+              <a:lstStyle/>
+              <a:p>
+                <a:r>
+                  <a:rPr lang="en-GB">
+                    <a:noFill/>
+                  </a:rPr>
+                  <a:t> </a:t>
+                </a:r>
+              </a:p>
+            </p:txBody>
+          </p:sp>
+        </mc:Fallback>
+      </mc:AlternateContent>
+      <mc:AlternateContent xmlns:mc="http://schemas.openxmlformats.org/markup-compatibility/2006" xmlns:a14="http://schemas.microsoft.com/office/drawing/2010/main">
+        <mc:Choice Requires="a14">
+          <p:sp>
+            <p:nvSpPr>
+              <p:cNvPr id="56" name="Rectangle 55"/>
+              <p:cNvSpPr/>
+              <p:nvPr/>
+            </p:nvSpPr>
+            <p:spPr>
+              <a:xfrm>
+                <a:off x="6690631" y="3447878"/>
+                <a:ext cx="446661" cy="369332"/>
+              </a:xfrm>
+              <a:prstGeom prst="rect">
+                <a:avLst/>
+              </a:prstGeom>
+            </p:spPr>
+            <p:txBody>
+              <a:bodyPr wrap="none">
+                <a:spAutoFit/>
+              </a:bodyPr>
+              <a:lstStyle/>
+              <a:p>
+                <a:pPr/>
+                <a14:m>
+                  <m:oMathPara xmlns:m="http://schemas.openxmlformats.org/officeDocument/2006/math">
+                    <m:oMathParaPr>
+                      <m:jc m:val="centerGroup"/>
+                    </m:oMathParaPr>
+                    <m:oMath xmlns:m="http://schemas.openxmlformats.org/officeDocument/2006/math">
+                      <m:sSub>
+                        <m:sSubPr>
+                          <m:ctrlPr>
+                            <a:rPr lang="en-GB" i="1">
+                              <a:latin typeface="Cambria Math" panose="02040503050406030204" pitchFamily="18" charset="0"/>
+                            </a:rPr>
+                          </m:ctrlPr>
+                        </m:sSubPr>
+                        <m:e>
+                          <m:r>
+                            <m:rPr>
+                              <m:brk m:alnAt="7"/>
+                            </m:rPr>
+                            <a:rPr lang="en-GB" i="1">
+                              <a:latin typeface="Cambria Math" panose="02040503050406030204" pitchFamily="18" charset="0"/>
+                            </a:rPr>
+                            <m:t>𝑒</m:t>
+                          </m:r>
+                        </m:e>
+                        <m:sub>
+                          <m:r>
+                            <m:rPr>
+                              <m:brk m:alnAt="7"/>
+                            </m:rPr>
+                            <a:rPr lang="en-GB" i="1">
+                              <a:latin typeface="Cambria Math" panose="02040503050406030204" pitchFamily="18" charset="0"/>
+                            </a:rPr>
+                            <m:t>1</m:t>
+                          </m:r>
+                        </m:sub>
+                      </m:sSub>
+                    </m:oMath>
+                  </m:oMathPara>
+                </a14:m>
+                <a:endParaRPr lang="en-GB" dirty="0"/>
+              </a:p>
+            </p:txBody>
+          </p:sp>
+        </mc:Choice>
+        <mc:Fallback xmlns="">
+          <p:sp>
+            <p:nvSpPr>
+              <p:cNvPr id="56" name="Rectangle 55"/>
+              <p:cNvSpPr>
+                <a:spLocks noRot="1" noChangeAspect="1" noMove="1" noResize="1" noEditPoints="1" noAdjustHandles="1" noChangeArrowheads="1" noChangeShapeType="1" noTextEdit="1"/>
+              </p:cNvSpPr>
+              <p:nvPr/>
+            </p:nvSpPr>
+            <p:spPr>
+              <a:xfrm>
+                <a:off x="6690631" y="3447878"/>
+                <a:ext cx="446661" cy="369332"/>
+              </a:xfrm>
+              <a:prstGeom prst="rect">
+                <a:avLst/>
+              </a:prstGeom>
+              <a:blipFill>
+                <a:blip r:embed="rId4"/>
+                <a:stretch>
+                  <a:fillRect/>
+                </a:stretch>
+              </a:blipFill>
+            </p:spPr>
+            <p:txBody>
+              <a:bodyPr/>
+              <a:lstStyle/>
+              <a:p>
+                <a:r>
+                  <a:rPr lang="en-GB">
+                    <a:noFill/>
+                  </a:rPr>
+                  <a:t> </a:t>
+                </a:r>
+              </a:p>
+            </p:txBody>
+          </p:sp>
+        </mc:Fallback>
+      </mc:AlternateContent>
     </p:spTree>
     <p:extLst>
       <p:ext uri="{BB962C8B-B14F-4D97-AF65-F5344CB8AC3E}">
@@ -10888,6 +17302,1463 @@
 </file>
 
 <file path=ppt/slides/slide3.xml><?xml version="1.0" encoding="utf-8"?>
+<p:sld xmlns:a="http://schemas.openxmlformats.org/drawingml/2006/main" xmlns:r="http://schemas.openxmlformats.org/officeDocument/2006/relationships" xmlns:p="http://schemas.openxmlformats.org/presentationml/2006/main">
+  <p:cSld>
+    <p:spTree>
+      <p:nvGrpSpPr>
+        <p:cNvPr id="1" name=""/>
+        <p:cNvGrpSpPr/>
+        <p:nvPr/>
+      </p:nvGrpSpPr>
+      <p:grpSpPr>
+        <a:xfrm>
+          <a:off x="0" y="0"/>
+          <a:ext cx="0" cy="0"/>
+          <a:chOff x="0" y="0"/>
+          <a:chExt cx="0" cy="0"/>
+        </a:xfrm>
+      </p:grpSpPr>
+      <p:sp>
+        <p:nvSpPr>
+          <p:cNvPr id="5" name="Rounded Rectangle 4"/>
+          <p:cNvSpPr/>
+          <p:nvPr/>
+        </p:nvSpPr>
+        <p:spPr>
+          <a:xfrm>
+            <a:off x="3093929" y="1089764"/>
+            <a:ext cx="958802" cy="726510"/>
+          </a:xfrm>
+          <a:prstGeom prst="roundRect">
+            <a:avLst/>
+          </a:prstGeom>
+        </p:spPr>
+        <p:style>
+          <a:lnRef idx="2">
+            <a:schemeClr val="accent1">
+              <a:shade val="50000"/>
+            </a:schemeClr>
+          </a:lnRef>
+          <a:fillRef idx="1">
+            <a:schemeClr val="accent1"/>
+          </a:fillRef>
+          <a:effectRef idx="0">
+            <a:schemeClr val="accent1"/>
+          </a:effectRef>
+          <a:fontRef idx="minor">
+            <a:schemeClr val="lt1"/>
+          </a:fontRef>
+        </p:style>
+        <p:txBody>
+          <a:bodyPr rtlCol="0" anchor="ctr"/>
+          <a:lstStyle/>
+          <a:p>
+            <a:pPr algn="ctr"/>
+            <a:r>
+              <a:rPr lang="en-GB" dirty="0" smtClean="0"/>
+              <a:t>DFT</a:t>
+            </a:r>
+            <a:endParaRPr lang="en-GB" dirty="0"/>
+          </a:p>
+        </p:txBody>
+      </p:sp>
+      <p:sp>
+        <p:nvSpPr>
+          <p:cNvPr id="6" name="Rounded Rectangle 5"/>
+          <p:cNvSpPr/>
+          <p:nvPr/>
+        </p:nvSpPr>
+        <p:spPr>
+          <a:xfrm>
+            <a:off x="4806511" y="1102661"/>
+            <a:ext cx="991745" cy="726510"/>
+          </a:xfrm>
+          <a:prstGeom prst="roundRect">
+            <a:avLst/>
+          </a:prstGeom>
+        </p:spPr>
+        <p:style>
+          <a:lnRef idx="2">
+            <a:schemeClr val="accent1">
+              <a:shade val="50000"/>
+            </a:schemeClr>
+          </a:lnRef>
+          <a:fillRef idx="1">
+            <a:schemeClr val="accent1"/>
+          </a:fillRef>
+          <a:effectRef idx="0">
+            <a:schemeClr val="accent1"/>
+          </a:effectRef>
+          <a:fontRef idx="minor">
+            <a:schemeClr val="lt1"/>
+          </a:fontRef>
+        </p:style>
+        <p:txBody>
+          <a:bodyPr rtlCol="0" anchor="ctr"/>
+          <a:lstStyle/>
+          <a:p>
+            <a:pPr algn="ctr"/>
+            <a:r>
+              <a:rPr lang="en-GB" dirty="0" smtClean="0"/>
+              <a:t>Log(| |)</a:t>
+            </a:r>
+            <a:endParaRPr lang="en-GB" dirty="0"/>
+          </a:p>
+        </p:txBody>
+      </p:sp>
+      <p:sp>
+        <p:nvSpPr>
+          <p:cNvPr id="7" name="Rounded Rectangle 6"/>
+          <p:cNvSpPr/>
+          <p:nvPr/>
+        </p:nvSpPr>
+        <p:spPr>
+          <a:xfrm>
+            <a:off x="7025099" y="1083687"/>
+            <a:ext cx="1102105" cy="726510"/>
+          </a:xfrm>
+          <a:prstGeom prst="roundRect">
+            <a:avLst/>
+          </a:prstGeom>
+        </p:spPr>
+        <p:style>
+          <a:lnRef idx="2">
+            <a:schemeClr val="accent1">
+              <a:shade val="50000"/>
+            </a:schemeClr>
+          </a:lnRef>
+          <a:fillRef idx="1">
+            <a:schemeClr val="accent1"/>
+          </a:fillRef>
+          <a:effectRef idx="0">
+            <a:schemeClr val="accent1"/>
+          </a:effectRef>
+          <a:fontRef idx="minor">
+            <a:schemeClr val="lt1"/>
+          </a:fontRef>
+        </p:style>
+        <p:txBody>
+          <a:bodyPr rtlCol="0" anchor="ctr"/>
+          <a:lstStyle/>
+          <a:p>
+            <a:pPr algn="ctr"/>
+            <a:r>
+              <a:rPr lang="en-GB" dirty="0" smtClean="0"/>
+              <a:t>IDFT</a:t>
+            </a:r>
+            <a:endParaRPr lang="en-GB" dirty="0"/>
+          </a:p>
+        </p:txBody>
+      </p:sp>
+      <p:sp>
+        <p:nvSpPr>
+          <p:cNvPr id="10" name="TextBox 9"/>
+          <p:cNvSpPr txBox="1"/>
+          <p:nvPr/>
+        </p:nvSpPr>
+        <p:spPr>
+          <a:xfrm>
+            <a:off x="8219811" y="1465916"/>
+            <a:ext cx="1147558" cy="369332"/>
+          </a:xfrm>
+          <a:prstGeom prst="rect">
+            <a:avLst/>
+          </a:prstGeom>
+          <a:noFill/>
+        </p:spPr>
+        <p:txBody>
+          <a:bodyPr wrap="none" rtlCol="0">
+            <a:spAutoFit/>
+          </a:bodyPr>
+          <a:lstStyle/>
+          <a:p>
+            <a:r>
+              <a:rPr lang="en-GB" dirty="0" smtClean="0"/>
+              <a:t>Cepstrum </a:t>
+            </a:r>
+            <a:endParaRPr lang="en-GB" dirty="0"/>
+          </a:p>
+        </p:txBody>
+      </p:sp>
+      <p:sp>
+        <p:nvSpPr>
+          <p:cNvPr id="13" name="TextBox 12"/>
+          <p:cNvSpPr txBox="1"/>
+          <p:nvPr/>
+        </p:nvSpPr>
+        <p:spPr>
+          <a:xfrm>
+            <a:off x="2622474" y="1096584"/>
+            <a:ext cx="546945" cy="369332"/>
+          </a:xfrm>
+          <a:prstGeom prst="rect">
+            <a:avLst/>
+          </a:prstGeom>
+          <a:noFill/>
+        </p:spPr>
+        <p:txBody>
+          <a:bodyPr wrap="none" rtlCol="0">
+            <a:spAutoFit/>
+          </a:bodyPr>
+          <a:lstStyle/>
+          <a:p>
+            <a:r>
+              <a:rPr lang="en-GB" dirty="0" smtClean="0"/>
+              <a:t>x(n)</a:t>
+            </a:r>
+            <a:endParaRPr lang="en-GB" dirty="0"/>
+          </a:p>
+        </p:txBody>
+      </p:sp>
+      <p:cxnSp>
+        <p:nvCxnSpPr>
+          <p:cNvPr id="23" name="Straight Arrow Connector 22"/>
+          <p:cNvCxnSpPr/>
+          <p:nvPr/>
+        </p:nvCxnSpPr>
+        <p:spPr>
+          <a:xfrm>
+            <a:off x="2581547" y="1440493"/>
+            <a:ext cx="507303" cy="0"/>
+          </a:xfrm>
+          <a:prstGeom prst="straightConnector1">
+            <a:avLst/>
+          </a:prstGeom>
+          <a:ln>
+            <a:tailEnd type="triangle"/>
+          </a:ln>
+        </p:spPr>
+        <p:style>
+          <a:lnRef idx="1">
+            <a:schemeClr val="accent1"/>
+          </a:lnRef>
+          <a:fillRef idx="0">
+            <a:schemeClr val="accent1"/>
+          </a:fillRef>
+          <a:effectRef idx="0">
+            <a:schemeClr val="accent1"/>
+          </a:effectRef>
+          <a:fontRef idx="minor">
+            <a:schemeClr val="tx1"/>
+          </a:fontRef>
+        </p:style>
+      </p:cxnSp>
+      <p:cxnSp>
+        <p:nvCxnSpPr>
+          <p:cNvPr id="26" name="Straight Arrow Connector 25"/>
+          <p:cNvCxnSpPr>
+            <a:stCxn id="5" idx="3"/>
+            <a:endCxn id="6" idx="1"/>
+          </p:cNvCxnSpPr>
+          <p:nvPr/>
+        </p:nvCxnSpPr>
+        <p:spPr>
+          <a:xfrm>
+            <a:off x="4052731" y="1453019"/>
+            <a:ext cx="753780" cy="12897"/>
+          </a:xfrm>
+          <a:prstGeom prst="straightConnector1">
+            <a:avLst/>
+          </a:prstGeom>
+          <a:ln>
+            <a:tailEnd type="triangle"/>
+          </a:ln>
+        </p:spPr>
+        <p:style>
+          <a:lnRef idx="1">
+            <a:schemeClr val="accent1"/>
+          </a:lnRef>
+          <a:fillRef idx="0">
+            <a:schemeClr val="accent1"/>
+          </a:fillRef>
+          <a:effectRef idx="0">
+            <a:schemeClr val="accent1"/>
+          </a:effectRef>
+          <a:fontRef idx="minor">
+            <a:schemeClr val="tx1"/>
+          </a:fontRef>
+        </p:style>
+      </p:cxnSp>
+      <p:sp>
+        <p:nvSpPr>
+          <p:cNvPr id="35" name="TextBox 34"/>
+          <p:cNvSpPr txBox="1"/>
+          <p:nvPr/>
+        </p:nvSpPr>
+        <p:spPr>
+          <a:xfrm>
+            <a:off x="4159246" y="1071161"/>
+            <a:ext cx="567784" cy="369332"/>
+          </a:xfrm>
+          <a:prstGeom prst="rect">
+            <a:avLst/>
+          </a:prstGeom>
+          <a:noFill/>
+        </p:spPr>
+        <p:txBody>
+          <a:bodyPr wrap="none" rtlCol="0">
+            <a:spAutoFit/>
+          </a:bodyPr>
+          <a:lstStyle/>
+          <a:p>
+            <a:r>
+              <a:rPr lang="en-GB" dirty="0" smtClean="0"/>
+              <a:t>X(k)</a:t>
+            </a:r>
+            <a:endParaRPr lang="en-GB" dirty="0"/>
+          </a:p>
+        </p:txBody>
+      </p:sp>
+      <p:cxnSp>
+        <p:nvCxnSpPr>
+          <p:cNvPr id="37" name="Straight Arrow Connector 36"/>
+          <p:cNvCxnSpPr>
+            <a:stCxn id="6" idx="3"/>
+            <a:endCxn id="7" idx="1"/>
+          </p:cNvCxnSpPr>
+          <p:nvPr/>
+        </p:nvCxnSpPr>
+        <p:spPr>
+          <a:xfrm flipV="1">
+            <a:off x="5798256" y="1446942"/>
+            <a:ext cx="1226843" cy="18974"/>
+          </a:xfrm>
+          <a:prstGeom prst="straightConnector1">
+            <a:avLst/>
+          </a:prstGeom>
+          <a:ln>
+            <a:tailEnd type="triangle"/>
+          </a:ln>
+        </p:spPr>
+        <p:style>
+          <a:lnRef idx="1">
+            <a:schemeClr val="accent1"/>
+          </a:lnRef>
+          <a:fillRef idx="0">
+            <a:schemeClr val="accent1"/>
+          </a:fillRef>
+          <a:effectRef idx="0">
+            <a:schemeClr val="accent1"/>
+          </a:effectRef>
+          <a:fontRef idx="minor">
+            <a:schemeClr val="tx1"/>
+          </a:fontRef>
+        </p:style>
+      </p:cxnSp>
+      <p:cxnSp>
+        <p:nvCxnSpPr>
+          <p:cNvPr id="41" name="Straight Arrow Connector 40"/>
+          <p:cNvCxnSpPr/>
+          <p:nvPr/>
+        </p:nvCxnSpPr>
+        <p:spPr>
+          <a:xfrm>
+            <a:off x="8127204" y="1453019"/>
+            <a:ext cx="595635" cy="0"/>
+          </a:xfrm>
+          <a:prstGeom prst="straightConnector1">
+            <a:avLst/>
+          </a:prstGeom>
+          <a:ln>
+            <a:tailEnd type="triangle"/>
+          </a:ln>
+        </p:spPr>
+        <p:style>
+          <a:lnRef idx="1">
+            <a:schemeClr val="accent1"/>
+          </a:lnRef>
+          <a:fillRef idx="0">
+            <a:schemeClr val="accent1"/>
+          </a:fillRef>
+          <a:effectRef idx="0">
+            <a:schemeClr val="accent1"/>
+          </a:effectRef>
+          <a:fontRef idx="minor">
+            <a:schemeClr val="tx1"/>
+          </a:fontRef>
+        </p:style>
+      </p:cxnSp>
+      <mc:AlternateContent xmlns:mc="http://schemas.openxmlformats.org/markup-compatibility/2006">
+        <mc:Choice xmlns:a14="http://schemas.microsoft.com/office/drawing/2010/main" Requires="a14">
+          <p:sp>
+            <p:nvSpPr>
+              <p:cNvPr id="38" name="TextBox 37"/>
+              <p:cNvSpPr txBox="1"/>
+              <p:nvPr/>
+            </p:nvSpPr>
+            <p:spPr>
+              <a:xfrm>
+                <a:off x="8204204" y="1070791"/>
+                <a:ext cx="792781" cy="369332"/>
+              </a:xfrm>
+              <a:prstGeom prst="rect">
+                <a:avLst/>
+              </a:prstGeom>
+              <a:noFill/>
+            </p:spPr>
+            <p:txBody>
+              <a:bodyPr wrap="none" rtlCol="0">
+                <a:spAutoFit/>
+              </a:bodyPr>
+              <a:lstStyle/>
+              <a:p>
+                <a14:m>
+                  <m:oMathPara xmlns:m="http://schemas.openxmlformats.org/officeDocument/2006/math">
+                    <m:oMathParaPr>
+                      <m:jc m:val="centerGroup"/>
+                    </m:oMathParaPr>
+                    <m:oMath xmlns:m="http://schemas.openxmlformats.org/officeDocument/2006/math">
+                      <m:sSub>
+                        <m:sSubPr>
+                          <m:ctrlPr>
+                            <a:rPr lang="en-GB" b="0" i="1" smtClean="0">
+                              <a:latin typeface="Cambria Math" panose="02040503050406030204" pitchFamily="18" charset="0"/>
+                            </a:rPr>
+                          </m:ctrlPr>
+                        </m:sSubPr>
+                        <m:e>
+                          <m:acc>
+                            <m:accPr>
+                              <m:chr m:val="̂"/>
+                              <m:ctrlPr>
+                                <a:rPr lang="en-GB" i="1" smtClean="0">
+                                  <a:latin typeface="Cambria Math" panose="02040503050406030204" pitchFamily="18" charset="0"/>
+                                </a:rPr>
+                              </m:ctrlPr>
+                            </m:accPr>
+                            <m:e>
+                              <m:r>
+                                <a:rPr lang="en-GB" b="0" i="1" smtClean="0">
+                                  <a:latin typeface="Cambria Math" panose="02040503050406030204" pitchFamily="18" charset="0"/>
+                                </a:rPr>
+                                <m:t>𝑥</m:t>
+                              </m:r>
+                            </m:e>
+                          </m:acc>
+                        </m:e>
+                        <m:sub>
+                          <m:r>
+                            <a:rPr lang="en-GB" b="0" i="1" smtClean="0">
+                              <a:latin typeface="Cambria Math" panose="02040503050406030204" pitchFamily="18" charset="0"/>
+                            </a:rPr>
+                            <m:t>𝑟</m:t>
+                          </m:r>
+                        </m:sub>
+                      </m:sSub>
+                      <m:r>
+                        <a:rPr lang="en-GB" b="0" i="1" smtClean="0">
+                          <a:latin typeface="Cambria Math" panose="02040503050406030204" pitchFamily="18" charset="0"/>
+                        </a:rPr>
+                        <m:t>(</m:t>
+                      </m:r>
+                      <m:r>
+                        <a:rPr lang="en-GB" b="0" i="1" smtClean="0">
+                          <a:latin typeface="Cambria Math" panose="02040503050406030204" pitchFamily="18" charset="0"/>
+                        </a:rPr>
+                        <m:t>𝑛</m:t>
+                      </m:r>
+                      <m:r>
+                        <a:rPr lang="en-GB" b="0" i="1" smtClean="0">
+                          <a:latin typeface="Cambria Math" panose="02040503050406030204" pitchFamily="18" charset="0"/>
+                        </a:rPr>
+                        <m:t>)</m:t>
+                      </m:r>
+                    </m:oMath>
+                  </m:oMathPara>
+                </a14:m>
+                <a:endParaRPr lang="en-GB" dirty="0"/>
+              </a:p>
+            </p:txBody>
+          </p:sp>
+        </mc:Choice>
+        <mc:Fallback>
+          <p:sp>
+            <p:nvSpPr>
+              <p:cNvPr id="38" name="TextBox 37"/>
+              <p:cNvSpPr txBox="1">
+                <a:spLocks noRot="1" noChangeAspect="1" noMove="1" noResize="1" noEditPoints="1" noAdjustHandles="1" noChangeArrowheads="1" noChangeShapeType="1" noTextEdit="1"/>
+              </p:cNvSpPr>
+              <p:nvPr/>
+            </p:nvSpPr>
+            <p:spPr>
+              <a:xfrm>
+                <a:off x="8204204" y="1070791"/>
+                <a:ext cx="792781" cy="369332"/>
+              </a:xfrm>
+              <a:prstGeom prst="rect">
+                <a:avLst/>
+              </a:prstGeom>
+              <a:blipFill>
+                <a:blip r:embed="rId2"/>
+                <a:stretch>
+                  <a:fillRect t="-6667" b="-13333"/>
+                </a:stretch>
+              </a:blipFill>
+            </p:spPr>
+            <p:txBody>
+              <a:bodyPr/>
+              <a:lstStyle/>
+              <a:p>
+                <a:r>
+                  <a:rPr lang="en-GB">
+                    <a:noFill/>
+                  </a:rPr>
+                  <a:t> </a:t>
+                </a:r>
+              </a:p>
+            </p:txBody>
+          </p:sp>
+        </mc:Fallback>
+      </mc:AlternateContent>
+      <p:sp>
+        <p:nvSpPr>
+          <p:cNvPr id="39" name="TextBox 38"/>
+          <p:cNvSpPr txBox="1"/>
+          <p:nvPr/>
+        </p:nvSpPr>
+        <p:spPr>
+          <a:xfrm>
+            <a:off x="1779993" y="1102661"/>
+            <a:ext cx="862737" cy="646331"/>
+          </a:xfrm>
+          <a:prstGeom prst="rect">
+            <a:avLst/>
+          </a:prstGeom>
+          <a:noFill/>
+        </p:spPr>
+        <p:txBody>
+          <a:bodyPr wrap="none" rtlCol="0">
+            <a:spAutoFit/>
+          </a:bodyPr>
+          <a:lstStyle/>
+          <a:p>
+            <a:pPr algn="ctr"/>
+            <a:r>
+              <a:rPr lang="en-GB" dirty="0" smtClean="0"/>
+              <a:t>Speech</a:t>
+            </a:r>
+          </a:p>
+          <a:p>
+            <a:pPr algn="ctr"/>
+            <a:r>
+              <a:rPr lang="en-GB" dirty="0" smtClean="0"/>
+              <a:t>Signal</a:t>
+            </a:r>
+            <a:r>
+              <a:rPr lang="en-GB" dirty="0" smtClean="0"/>
+              <a:t> </a:t>
+            </a:r>
+            <a:endParaRPr lang="en-GB" dirty="0"/>
+          </a:p>
+        </p:txBody>
+      </p:sp>
+      <p:sp>
+        <p:nvSpPr>
+          <p:cNvPr id="40" name="TextBox 39"/>
+          <p:cNvSpPr txBox="1"/>
+          <p:nvPr/>
+        </p:nvSpPr>
+        <p:spPr>
+          <a:xfrm>
+            <a:off x="5875256" y="1056494"/>
+            <a:ext cx="1231427" cy="369332"/>
+          </a:xfrm>
+          <a:prstGeom prst="rect">
+            <a:avLst/>
+          </a:prstGeom>
+          <a:noFill/>
+        </p:spPr>
+        <p:txBody>
+          <a:bodyPr wrap="none" rtlCol="0">
+            <a:spAutoFit/>
+          </a:bodyPr>
+          <a:lstStyle/>
+          <a:p>
+            <a:r>
+              <a:rPr lang="en-GB" dirty="0" smtClean="0"/>
+              <a:t>log(|X(k)|)</a:t>
+            </a:r>
+            <a:endParaRPr lang="en-GB" dirty="0"/>
+          </a:p>
+        </p:txBody>
+      </p:sp>
+      <p:cxnSp>
+        <p:nvCxnSpPr>
+          <p:cNvPr id="27" name="Straight Arrow Connector 26"/>
+          <p:cNvCxnSpPr/>
+          <p:nvPr/>
+        </p:nvCxnSpPr>
+        <p:spPr>
+          <a:xfrm flipH="1">
+            <a:off x="6401637" y="1465916"/>
+            <a:ext cx="1" cy="1091906"/>
+          </a:xfrm>
+          <a:prstGeom prst="straightConnector1">
+            <a:avLst/>
+          </a:prstGeom>
+          <a:ln>
+            <a:tailEnd type="triangle"/>
+          </a:ln>
+        </p:spPr>
+        <p:style>
+          <a:lnRef idx="1">
+            <a:schemeClr val="accent1"/>
+          </a:lnRef>
+          <a:fillRef idx="0">
+            <a:schemeClr val="accent1"/>
+          </a:fillRef>
+          <a:effectRef idx="0">
+            <a:schemeClr val="accent1"/>
+          </a:effectRef>
+          <a:fontRef idx="minor">
+            <a:schemeClr val="tx1"/>
+          </a:fontRef>
+        </p:style>
+      </p:cxnSp>
+    </p:spTree>
+    <p:extLst>
+      <p:ext uri="{BB962C8B-B14F-4D97-AF65-F5344CB8AC3E}">
+        <p14:creationId xmlns:p14="http://schemas.microsoft.com/office/powerpoint/2010/main" val="817466722"/>
+      </p:ext>
+    </p:extLst>
+  </p:cSld>
+  <p:clrMapOvr>
+    <a:masterClrMapping/>
+  </p:clrMapOvr>
+</p:sld>
+</file>
+
+<file path=ppt/slides/slide4.xml><?xml version="1.0" encoding="utf-8"?>
+<p:sld xmlns:a="http://schemas.openxmlformats.org/drawingml/2006/main" xmlns:r="http://schemas.openxmlformats.org/officeDocument/2006/relationships" xmlns:p="http://schemas.openxmlformats.org/presentationml/2006/main">
+  <p:cSld>
+    <p:spTree>
+      <p:nvGrpSpPr>
+        <p:cNvPr id="1" name=""/>
+        <p:cNvGrpSpPr/>
+        <p:nvPr/>
+      </p:nvGrpSpPr>
+      <p:grpSpPr>
+        <a:xfrm>
+          <a:off x="0" y="0"/>
+          <a:ext cx="0" cy="0"/>
+          <a:chOff x="0" y="0"/>
+          <a:chExt cx="0" cy="0"/>
+        </a:xfrm>
+      </p:grpSpPr>
+      <p:cxnSp>
+        <p:nvCxnSpPr>
+          <p:cNvPr id="41" name="Straight Arrow Connector 40"/>
+          <p:cNvCxnSpPr/>
+          <p:nvPr/>
+        </p:nvCxnSpPr>
+        <p:spPr>
+          <a:xfrm>
+            <a:off x="5473874" y="1440123"/>
+            <a:ext cx="1127342" cy="0"/>
+          </a:xfrm>
+          <a:prstGeom prst="straightConnector1">
+            <a:avLst/>
+          </a:prstGeom>
+          <a:ln>
+            <a:tailEnd type="triangle"/>
+          </a:ln>
+        </p:spPr>
+        <p:style>
+          <a:lnRef idx="1">
+            <a:schemeClr val="accent1"/>
+          </a:lnRef>
+          <a:fillRef idx="0">
+            <a:schemeClr val="accent1"/>
+          </a:fillRef>
+          <a:effectRef idx="0">
+            <a:schemeClr val="accent1"/>
+          </a:effectRef>
+          <a:fontRef idx="minor">
+            <a:schemeClr val="tx1"/>
+          </a:fontRef>
+        </p:style>
+      </p:cxnSp>
+      <mc:AlternateContent xmlns:mc="http://schemas.openxmlformats.org/markup-compatibility/2006">
+        <mc:Choice xmlns:a14="http://schemas.microsoft.com/office/drawing/2010/main" Requires="a14">
+          <p:graphicFrame>
+            <p:nvGraphicFramePr>
+              <p:cNvPr id="2" name="Diagram 1"/>
+              <p:cNvGraphicFramePr/>
+              <p:nvPr>
+                <p:extLst>
+                  <p:ext uri="{D42A27DB-BD31-4B8C-83A1-F6EECF244321}">
+                    <p14:modId xmlns:p14="http://schemas.microsoft.com/office/powerpoint/2010/main" val="1678329566"/>
+                  </p:ext>
+                </p:extLst>
+              </p:nvPr>
+            </p:nvGraphicFramePr>
+            <p:xfrm>
+              <a:off x="-389014" y="719666"/>
+              <a:ext cx="6614450" cy="5418667"/>
+            </p:xfrm>
+            <a:graphic>
+              <a:graphicData uri="http://schemas.openxmlformats.org/drawingml/2006/diagram">
+                <dgm:relIds xmlns:dgm="http://schemas.openxmlformats.org/drawingml/2006/diagram" xmlns:r="http://schemas.openxmlformats.org/officeDocument/2006/relationships" r:dm="rId2" r:lo="rId3" r:qs="rId4" r:cs="rId5"/>
+              </a:graphicData>
+            </a:graphic>
+          </p:graphicFrame>
+        </mc:Choice>
+        <mc:Fallback>
+          <p:graphicFrame>
+            <p:nvGraphicFramePr>
+              <p:cNvPr id="2" name="Diagram 1"/>
+              <p:cNvGraphicFramePr/>
+              <p:nvPr>
+                <p:extLst>
+                  <p:ext uri="{D42A27DB-BD31-4B8C-83A1-F6EECF244321}">
+                    <p14:modId xmlns:p14="http://schemas.microsoft.com/office/powerpoint/2010/main" val="1678329566"/>
+                  </p:ext>
+                </p:extLst>
+              </p:nvPr>
+            </p:nvGraphicFramePr>
+            <p:xfrm>
+              <a:off x="-389014" y="719666"/>
+              <a:ext cx="6614450" cy="5418667"/>
+            </p:xfrm>
+            <a:graphic>
+              <a:graphicData uri="http://schemas.openxmlformats.org/drawingml/2006/diagram">
+                <dgm:relIds xmlns:dgm="http://schemas.openxmlformats.org/drawingml/2006/diagram" xmlns:r="http://schemas.openxmlformats.org/officeDocument/2006/relationships" r:dm="rId7" r:lo="rId3" r:qs="rId4" r:cs="rId5"/>
+              </a:graphicData>
+            </a:graphic>
+          </p:graphicFrame>
+        </mc:Fallback>
+      </mc:AlternateContent>
+      <p:cxnSp>
+        <p:nvCxnSpPr>
+          <p:cNvPr id="20" name="Straight Arrow Connector 19"/>
+          <p:cNvCxnSpPr/>
+          <p:nvPr/>
+        </p:nvCxnSpPr>
+        <p:spPr>
+          <a:xfrm>
+            <a:off x="5473874" y="2732391"/>
+            <a:ext cx="1127342" cy="0"/>
+          </a:xfrm>
+          <a:prstGeom prst="straightConnector1">
+            <a:avLst/>
+          </a:prstGeom>
+          <a:ln>
+            <a:tailEnd type="triangle"/>
+          </a:ln>
+        </p:spPr>
+        <p:style>
+          <a:lnRef idx="1">
+            <a:schemeClr val="accent1"/>
+          </a:lnRef>
+          <a:fillRef idx="0">
+            <a:schemeClr val="accent1"/>
+          </a:fillRef>
+          <a:effectRef idx="0">
+            <a:schemeClr val="accent1"/>
+          </a:effectRef>
+          <a:fontRef idx="minor">
+            <a:schemeClr val="tx1"/>
+          </a:fontRef>
+        </p:style>
+      </p:cxnSp>
+      <p:cxnSp>
+        <p:nvCxnSpPr>
+          <p:cNvPr id="24" name="Straight Arrow Connector 23"/>
+          <p:cNvCxnSpPr/>
+          <p:nvPr/>
+        </p:nvCxnSpPr>
+        <p:spPr>
+          <a:xfrm>
+            <a:off x="5473874" y="5392085"/>
+            <a:ext cx="1127342" cy="0"/>
+          </a:xfrm>
+          <a:prstGeom prst="straightConnector1">
+            <a:avLst/>
+          </a:prstGeom>
+          <a:ln>
+            <a:tailEnd type="triangle"/>
+          </a:ln>
+        </p:spPr>
+        <p:style>
+          <a:lnRef idx="1">
+            <a:schemeClr val="accent1"/>
+          </a:lnRef>
+          <a:fillRef idx="0">
+            <a:schemeClr val="accent1"/>
+          </a:fillRef>
+          <a:effectRef idx="0">
+            <a:schemeClr val="accent1"/>
+          </a:effectRef>
+          <a:fontRef idx="minor">
+            <a:schemeClr val="tx1"/>
+          </a:fontRef>
+        </p:style>
+      </p:cxnSp>
+      <p:grpSp>
+        <p:nvGrpSpPr>
+          <p:cNvPr id="17" name="Group 16"/>
+          <p:cNvGrpSpPr/>
+          <p:nvPr/>
+        </p:nvGrpSpPr>
+        <p:grpSpPr>
+          <a:xfrm>
+            <a:off x="6702301" y="705924"/>
+            <a:ext cx="4435596" cy="1468398"/>
+            <a:chOff x="6764931" y="1017833"/>
+            <a:chExt cx="4435596" cy="1468398"/>
+          </a:xfrm>
+        </p:grpSpPr>
+        <p:sp>
+          <p:nvSpPr>
+            <p:cNvPr id="10" name="TextBox 9"/>
+            <p:cNvSpPr txBox="1"/>
+            <p:nvPr/>
+          </p:nvSpPr>
+          <p:spPr>
+            <a:xfrm>
+              <a:off x="7225150" y="2116899"/>
+              <a:ext cx="354584" cy="369332"/>
+            </a:xfrm>
+            <a:prstGeom prst="rect">
+              <a:avLst/>
+            </a:prstGeom>
+            <a:noFill/>
+          </p:spPr>
+          <p:txBody>
+            <a:bodyPr wrap="none" rtlCol="0">
+              <a:spAutoFit/>
+            </a:bodyPr>
+            <a:lstStyle/>
+            <a:p>
+              <a:r>
+                <a:rPr lang="en-GB" dirty="0" smtClean="0"/>
+                <a:t>0 </a:t>
+              </a:r>
+              <a:endParaRPr lang="en-GB" dirty="0"/>
+            </a:p>
+          </p:txBody>
+        </p:sp>
+        <p:sp>
+          <p:nvSpPr>
+            <p:cNvPr id="38" name="TextBox 37"/>
+            <p:cNvSpPr txBox="1"/>
+            <p:nvPr/>
+          </p:nvSpPr>
+          <p:spPr>
+            <a:xfrm>
+              <a:off x="6764931" y="1017833"/>
+              <a:ext cx="615874" cy="369332"/>
+            </a:xfrm>
+            <a:prstGeom prst="rect">
+              <a:avLst/>
+            </a:prstGeom>
+            <a:noFill/>
+          </p:spPr>
+          <p:txBody>
+            <a:bodyPr wrap="none" rtlCol="0">
+              <a:spAutoFit/>
+            </a:bodyPr>
+            <a:lstStyle/>
+            <a:p>
+              <a:r>
+                <a:rPr lang="en-GB" dirty="0" smtClean="0"/>
+                <a:t>Gain</a:t>
+              </a:r>
+              <a:endParaRPr lang="en-GB" dirty="0"/>
+            </a:p>
+          </p:txBody>
+        </p:sp>
+        <p:cxnSp>
+          <p:nvCxnSpPr>
+            <p:cNvPr id="25" name="Straight Arrow Connector 24"/>
+            <p:cNvCxnSpPr>
+              <a:stCxn id="10" idx="0"/>
+            </p:cNvCxnSpPr>
+            <p:nvPr/>
+          </p:nvCxnSpPr>
+          <p:spPr>
+            <a:xfrm>
+              <a:off x="7402442" y="2116899"/>
+              <a:ext cx="3758248" cy="0"/>
+            </a:xfrm>
+            <a:prstGeom prst="straightConnector1">
+              <a:avLst/>
+            </a:prstGeom>
+            <a:ln>
+              <a:tailEnd type="triangle"/>
+            </a:ln>
+          </p:spPr>
+          <p:style>
+            <a:lnRef idx="1">
+              <a:schemeClr val="accent1"/>
+            </a:lnRef>
+            <a:fillRef idx="0">
+              <a:schemeClr val="accent1"/>
+            </a:fillRef>
+            <a:effectRef idx="0">
+              <a:schemeClr val="accent1"/>
+            </a:effectRef>
+            <a:fontRef idx="minor">
+              <a:schemeClr val="tx1"/>
+            </a:fontRef>
+          </p:style>
+        </p:cxnSp>
+        <p:sp>
+          <p:nvSpPr>
+            <p:cNvPr id="28" name="TextBox 27"/>
+            <p:cNvSpPr txBox="1"/>
+            <p:nvPr/>
+          </p:nvSpPr>
+          <p:spPr>
+            <a:xfrm>
+              <a:off x="10206344" y="2116899"/>
+              <a:ext cx="994183" cy="369332"/>
+            </a:xfrm>
+            <a:prstGeom prst="rect">
+              <a:avLst/>
+            </a:prstGeom>
+            <a:noFill/>
+          </p:spPr>
+          <p:txBody>
+            <a:bodyPr wrap="none" rtlCol="0">
+              <a:spAutoFit/>
+            </a:bodyPr>
+            <a:lstStyle/>
+            <a:p>
+              <a:r>
+                <a:rPr lang="en-GB" dirty="0" smtClean="0"/>
+                <a:t>8000 Hz</a:t>
+              </a:r>
+              <a:r>
+                <a:rPr lang="en-GB" dirty="0" smtClean="0"/>
+                <a:t> </a:t>
+              </a:r>
+              <a:endParaRPr lang="en-GB" dirty="0"/>
+            </a:p>
+          </p:txBody>
+        </p:sp>
+        <p:sp>
+          <p:nvSpPr>
+            <p:cNvPr id="11" name="Isosceles Triangle 10"/>
+            <p:cNvSpPr/>
+            <p:nvPr/>
+          </p:nvSpPr>
+          <p:spPr>
+            <a:xfrm>
+              <a:off x="7489222" y="1541070"/>
+              <a:ext cx="198929" cy="575828"/>
+            </a:xfrm>
+            <a:prstGeom prst="triangle">
+              <a:avLst/>
+            </a:prstGeom>
+          </p:spPr>
+          <p:style>
+            <a:lnRef idx="2">
+              <a:schemeClr val="accent1">
+                <a:shade val="50000"/>
+              </a:schemeClr>
+            </a:lnRef>
+            <a:fillRef idx="1">
+              <a:schemeClr val="accent1"/>
+            </a:fillRef>
+            <a:effectRef idx="0">
+              <a:schemeClr val="accent1"/>
+            </a:effectRef>
+            <a:fontRef idx="minor">
+              <a:schemeClr val="lt1"/>
+            </a:fontRef>
+          </p:style>
+          <p:txBody>
+            <a:bodyPr rtlCol="0" anchor="ctr"/>
+            <a:lstStyle/>
+            <a:p>
+              <a:pPr algn="ctr"/>
+              <a:endParaRPr lang="en-GB"/>
+            </a:p>
+          </p:txBody>
+        </p:sp>
+        <p:cxnSp>
+          <p:nvCxnSpPr>
+            <p:cNvPr id="29" name="Straight Arrow Connector 28"/>
+            <p:cNvCxnSpPr/>
+            <p:nvPr/>
+          </p:nvCxnSpPr>
+          <p:spPr>
+            <a:xfrm flipH="1" flipV="1">
+              <a:off x="7380805" y="1202499"/>
+              <a:ext cx="3732" cy="914400"/>
+            </a:xfrm>
+            <a:prstGeom prst="straightConnector1">
+              <a:avLst/>
+            </a:prstGeom>
+            <a:ln>
+              <a:tailEnd type="triangle"/>
+            </a:ln>
+          </p:spPr>
+          <p:style>
+            <a:lnRef idx="1">
+              <a:schemeClr val="accent1"/>
+            </a:lnRef>
+            <a:fillRef idx="0">
+              <a:schemeClr val="accent1"/>
+            </a:fillRef>
+            <a:effectRef idx="0">
+              <a:schemeClr val="accent1"/>
+            </a:effectRef>
+            <a:fontRef idx="minor">
+              <a:schemeClr val="tx1"/>
+            </a:fontRef>
+          </p:style>
+        </p:cxnSp>
+      </p:grpSp>
+      <p:grpSp>
+        <p:nvGrpSpPr>
+          <p:cNvPr id="34" name="Group 33"/>
+          <p:cNvGrpSpPr/>
+          <p:nvPr/>
+        </p:nvGrpSpPr>
+        <p:grpSpPr>
+          <a:xfrm>
+            <a:off x="6702301" y="2174322"/>
+            <a:ext cx="4435596" cy="1468398"/>
+            <a:chOff x="6764931" y="1017833"/>
+            <a:chExt cx="4435596" cy="1468398"/>
+          </a:xfrm>
+        </p:grpSpPr>
+        <p:sp>
+          <p:nvSpPr>
+            <p:cNvPr id="36" name="TextBox 35"/>
+            <p:cNvSpPr txBox="1"/>
+            <p:nvPr/>
+          </p:nvSpPr>
+          <p:spPr>
+            <a:xfrm>
+              <a:off x="7225150" y="2116899"/>
+              <a:ext cx="354584" cy="369332"/>
+            </a:xfrm>
+            <a:prstGeom prst="rect">
+              <a:avLst/>
+            </a:prstGeom>
+            <a:noFill/>
+          </p:spPr>
+          <p:txBody>
+            <a:bodyPr wrap="none" rtlCol="0">
+              <a:spAutoFit/>
+            </a:bodyPr>
+            <a:lstStyle/>
+            <a:p>
+              <a:r>
+                <a:rPr lang="en-GB" dirty="0" smtClean="0"/>
+                <a:t>0 </a:t>
+              </a:r>
+              <a:endParaRPr lang="en-GB" dirty="0"/>
+            </a:p>
+          </p:txBody>
+        </p:sp>
+        <p:sp>
+          <p:nvSpPr>
+            <p:cNvPr id="42" name="TextBox 41"/>
+            <p:cNvSpPr txBox="1"/>
+            <p:nvPr/>
+          </p:nvSpPr>
+          <p:spPr>
+            <a:xfrm>
+              <a:off x="6764931" y="1017833"/>
+              <a:ext cx="615874" cy="369332"/>
+            </a:xfrm>
+            <a:prstGeom prst="rect">
+              <a:avLst/>
+            </a:prstGeom>
+            <a:noFill/>
+          </p:spPr>
+          <p:txBody>
+            <a:bodyPr wrap="none" rtlCol="0">
+              <a:spAutoFit/>
+            </a:bodyPr>
+            <a:lstStyle/>
+            <a:p>
+              <a:r>
+                <a:rPr lang="en-GB" dirty="0" smtClean="0"/>
+                <a:t>Gain</a:t>
+              </a:r>
+              <a:endParaRPr lang="en-GB" dirty="0"/>
+            </a:p>
+          </p:txBody>
+        </p:sp>
+        <p:cxnSp>
+          <p:nvCxnSpPr>
+            <p:cNvPr id="43" name="Straight Arrow Connector 42"/>
+            <p:cNvCxnSpPr>
+              <a:stCxn id="36" idx="0"/>
+            </p:cNvCxnSpPr>
+            <p:nvPr/>
+          </p:nvCxnSpPr>
+          <p:spPr>
+            <a:xfrm>
+              <a:off x="7402442" y="2116899"/>
+              <a:ext cx="3758248" cy="0"/>
+            </a:xfrm>
+            <a:prstGeom prst="straightConnector1">
+              <a:avLst/>
+            </a:prstGeom>
+            <a:ln>
+              <a:tailEnd type="triangle"/>
+            </a:ln>
+          </p:spPr>
+          <p:style>
+            <a:lnRef idx="1">
+              <a:schemeClr val="accent1"/>
+            </a:lnRef>
+            <a:fillRef idx="0">
+              <a:schemeClr val="accent1"/>
+            </a:fillRef>
+            <a:effectRef idx="0">
+              <a:schemeClr val="accent1"/>
+            </a:effectRef>
+            <a:fontRef idx="minor">
+              <a:schemeClr val="tx1"/>
+            </a:fontRef>
+          </p:style>
+        </p:cxnSp>
+        <p:sp>
+          <p:nvSpPr>
+            <p:cNvPr id="44" name="TextBox 43"/>
+            <p:cNvSpPr txBox="1"/>
+            <p:nvPr/>
+          </p:nvSpPr>
+          <p:spPr>
+            <a:xfrm>
+              <a:off x="10206344" y="2116899"/>
+              <a:ext cx="994183" cy="369332"/>
+            </a:xfrm>
+            <a:prstGeom prst="rect">
+              <a:avLst/>
+            </a:prstGeom>
+            <a:noFill/>
+          </p:spPr>
+          <p:txBody>
+            <a:bodyPr wrap="none" rtlCol="0">
+              <a:spAutoFit/>
+            </a:bodyPr>
+            <a:lstStyle/>
+            <a:p>
+              <a:r>
+                <a:rPr lang="en-GB" dirty="0" smtClean="0"/>
+                <a:t>8000 Hz</a:t>
+              </a:r>
+              <a:r>
+                <a:rPr lang="en-GB" dirty="0" smtClean="0"/>
+                <a:t> </a:t>
+              </a:r>
+              <a:endParaRPr lang="en-GB" dirty="0"/>
+            </a:p>
+          </p:txBody>
+        </p:sp>
+        <p:sp>
+          <p:nvSpPr>
+            <p:cNvPr id="45" name="Isosceles Triangle 44"/>
+            <p:cNvSpPr/>
+            <p:nvPr/>
+          </p:nvSpPr>
+          <p:spPr>
+            <a:xfrm>
+              <a:off x="7561829" y="1541071"/>
+              <a:ext cx="198929" cy="575828"/>
+            </a:xfrm>
+            <a:prstGeom prst="triangle">
+              <a:avLst/>
+            </a:prstGeom>
+          </p:spPr>
+          <p:style>
+            <a:lnRef idx="2">
+              <a:schemeClr val="accent1">
+                <a:shade val="50000"/>
+              </a:schemeClr>
+            </a:lnRef>
+            <a:fillRef idx="1">
+              <a:schemeClr val="accent1"/>
+            </a:fillRef>
+            <a:effectRef idx="0">
+              <a:schemeClr val="accent1"/>
+            </a:effectRef>
+            <a:fontRef idx="minor">
+              <a:schemeClr val="lt1"/>
+            </a:fontRef>
+          </p:style>
+          <p:txBody>
+            <a:bodyPr rtlCol="0" anchor="ctr"/>
+            <a:lstStyle/>
+            <a:p>
+              <a:pPr algn="ctr"/>
+              <a:endParaRPr lang="en-GB"/>
+            </a:p>
+          </p:txBody>
+        </p:sp>
+        <p:cxnSp>
+          <p:nvCxnSpPr>
+            <p:cNvPr id="46" name="Straight Arrow Connector 45"/>
+            <p:cNvCxnSpPr/>
+            <p:nvPr/>
+          </p:nvCxnSpPr>
+          <p:spPr>
+            <a:xfrm flipH="1" flipV="1">
+              <a:off x="7380805" y="1202499"/>
+              <a:ext cx="3732" cy="914400"/>
+            </a:xfrm>
+            <a:prstGeom prst="straightConnector1">
+              <a:avLst/>
+            </a:prstGeom>
+            <a:ln>
+              <a:tailEnd type="triangle"/>
+            </a:ln>
+          </p:spPr>
+          <p:style>
+            <a:lnRef idx="1">
+              <a:schemeClr val="accent1"/>
+            </a:lnRef>
+            <a:fillRef idx="0">
+              <a:schemeClr val="accent1"/>
+            </a:fillRef>
+            <a:effectRef idx="0">
+              <a:schemeClr val="accent1"/>
+            </a:effectRef>
+            <a:fontRef idx="minor">
+              <a:schemeClr val="tx1"/>
+            </a:fontRef>
+          </p:style>
+        </p:cxnSp>
+      </p:grpSp>
+      <p:grpSp>
+        <p:nvGrpSpPr>
+          <p:cNvPr id="47" name="Group 46"/>
+          <p:cNvGrpSpPr/>
+          <p:nvPr/>
+        </p:nvGrpSpPr>
+        <p:grpSpPr>
+          <a:xfrm>
+            <a:off x="6702301" y="4669935"/>
+            <a:ext cx="4435596" cy="1468398"/>
+            <a:chOff x="6764931" y="1017833"/>
+            <a:chExt cx="4435596" cy="1468398"/>
+          </a:xfrm>
+        </p:grpSpPr>
+        <p:sp>
+          <p:nvSpPr>
+            <p:cNvPr id="48" name="TextBox 47"/>
+            <p:cNvSpPr txBox="1"/>
+            <p:nvPr/>
+          </p:nvSpPr>
+          <p:spPr>
+            <a:xfrm>
+              <a:off x="7225150" y="2116899"/>
+              <a:ext cx="354584" cy="369332"/>
+            </a:xfrm>
+            <a:prstGeom prst="rect">
+              <a:avLst/>
+            </a:prstGeom>
+            <a:noFill/>
+          </p:spPr>
+          <p:txBody>
+            <a:bodyPr wrap="none" rtlCol="0">
+              <a:spAutoFit/>
+            </a:bodyPr>
+            <a:lstStyle/>
+            <a:p>
+              <a:r>
+                <a:rPr lang="en-GB" dirty="0" smtClean="0"/>
+                <a:t>0 </a:t>
+              </a:r>
+              <a:endParaRPr lang="en-GB" dirty="0"/>
+            </a:p>
+          </p:txBody>
+        </p:sp>
+        <p:sp>
+          <p:nvSpPr>
+            <p:cNvPr id="49" name="TextBox 48"/>
+            <p:cNvSpPr txBox="1"/>
+            <p:nvPr/>
+          </p:nvSpPr>
+          <p:spPr>
+            <a:xfrm>
+              <a:off x="6764931" y="1017833"/>
+              <a:ext cx="615874" cy="369332"/>
+            </a:xfrm>
+            <a:prstGeom prst="rect">
+              <a:avLst/>
+            </a:prstGeom>
+            <a:noFill/>
+          </p:spPr>
+          <p:txBody>
+            <a:bodyPr wrap="none" rtlCol="0">
+              <a:spAutoFit/>
+            </a:bodyPr>
+            <a:lstStyle/>
+            <a:p>
+              <a:r>
+                <a:rPr lang="en-GB" dirty="0" smtClean="0"/>
+                <a:t>Gain</a:t>
+              </a:r>
+              <a:endParaRPr lang="en-GB" dirty="0"/>
+            </a:p>
+          </p:txBody>
+        </p:sp>
+        <p:cxnSp>
+          <p:nvCxnSpPr>
+            <p:cNvPr id="50" name="Straight Arrow Connector 49"/>
+            <p:cNvCxnSpPr>
+              <a:stCxn id="48" idx="0"/>
+            </p:cNvCxnSpPr>
+            <p:nvPr/>
+          </p:nvCxnSpPr>
+          <p:spPr>
+            <a:xfrm>
+              <a:off x="7402442" y="2116899"/>
+              <a:ext cx="3758248" cy="0"/>
+            </a:xfrm>
+            <a:prstGeom prst="straightConnector1">
+              <a:avLst/>
+            </a:prstGeom>
+            <a:ln>
+              <a:tailEnd type="triangle"/>
+            </a:ln>
+          </p:spPr>
+          <p:style>
+            <a:lnRef idx="1">
+              <a:schemeClr val="accent1"/>
+            </a:lnRef>
+            <a:fillRef idx="0">
+              <a:schemeClr val="accent1"/>
+            </a:fillRef>
+            <a:effectRef idx="0">
+              <a:schemeClr val="accent1"/>
+            </a:effectRef>
+            <a:fontRef idx="minor">
+              <a:schemeClr val="tx1"/>
+            </a:fontRef>
+          </p:style>
+        </p:cxnSp>
+        <p:sp>
+          <p:nvSpPr>
+            <p:cNvPr id="51" name="TextBox 50"/>
+            <p:cNvSpPr txBox="1"/>
+            <p:nvPr/>
+          </p:nvSpPr>
+          <p:spPr>
+            <a:xfrm>
+              <a:off x="10206344" y="2116899"/>
+              <a:ext cx="994183" cy="369332"/>
+            </a:xfrm>
+            <a:prstGeom prst="rect">
+              <a:avLst/>
+            </a:prstGeom>
+            <a:noFill/>
+          </p:spPr>
+          <p:txBody>
+            <a:bodyPr wrap="none" rtlCol="0">
+              <a:spAutoFit/>
+            </a:bodyPr>
+            <a:lstStyle/>
+            <a:p>
+              <a:r>
+                <a:rPr lang="en-GB" dirty="0" smtClean="0"/>
+                <a:t>8000 Hz</a:t>
+              </a:r>
+              <a:r>
+                <a:rPr lang="en-GB" dirty="0" smtClean="0"/>
+                <a:t> </a:t>
+              </a:r>
+              <a:endParaRPr lang="en-GB" dirty="0"/>
+            </a:p>
+          </p:txBody>
+        </p:sp>
+        <p:sp>
+          <p:nvSpPr>
+            <p:cNvPr id="52" name="Isosceles Triangle 51"/>
+            <p:cNvSpPr/>
+            <p:nvPr/>
+          </p:nvSpPr>
+          <p:spPr>
+            <a:xfrm>
+              <a:off x="9809388" y="1541071"/>
+              <a:ext cx="357119" cy="575828"/>
+            </a:xfrm>
+            <a:prstGeom prst="triangle">
+              <a:avLst/>
+            </a:prstGeom>
+          </p:spPr>
+          <p:style>
+            <a:lnRef idx="2">
+              <a:schemeClr val="accent1">
+                <a:shade val="50000"/>
+              </a:schemeClr>
+            </a:lnRef>
+            <a:fillRef idx="1">
+              <a:schemeClr val="accent1"/>
+            </a:fillRef>
+            <a:effectRef idx="0">
+              <a:schemeClr val="accent1"/>
+            </a:effectRef>
+            <a:fontRef idx="minor">
+              <a:schemeClr val="lt1"/>
+            </a:fontRef>
+          </p:style>
+          <p:txBody>
+            <a:bodyPr rtlCol="0" anchor="ctr"/>
+            <a:lstStyle/>
+            <a:p>
+              <a:pPr algn="ctr"/>
+              <a:endParaRPr lang="en-GB"/>
+            </a:p>
+          </p:txBody>
+        </p:sp>
+        <p:cxnSp>
+          <p:nvCxnSpPr>
+            <p:cNvPr id="53" name="Straight Arrow Connector 52"/>
+            <p:cNvCxnSpPr/>
+            <p:nvPr/>
+          </p:nvCxnSpPr>
+          <p:spPr>
+            <a:xfrm flipH="1" flipV="1">
+              <a:off x="7380805" y="1202499"/>
+              <a:ext cx="3732" cy="914400"/>
+            </a:xfrm>
+            <a:prstGeom prst="straightConnector1">
+              <a:avLst/>
+            </a:prstGeom>
+            <a:ln>
+              <a:tailEnd type="triangle"/>
+            </a:ln>
+          </p:spPr>
+          <p:style>
+            <a:lnRef idx="1">
+              <a:schemeClr val="accent1"/>
+            </a:lnRef>
+            <a:fillRef idx="0">
+              <a:schemeClr val="accent1"/>
+            </a:fillRef>
+            <a:effectRef idx="0">
+              <a:schemeClr val="accent1"/>
+            </a:effectRef>
+            <a:fontRef idx="minor">
+              <a:schemeClr val="tx1"/>
+            </a:fontRef>
+          </p:style>
+        </p:cxnSp>
+      </p:grpSp>
+    </p:spTree>
+    <p:extLst>
+      <p:ext uri="{BB962C8B-B14F-4D97-AF65-F5344CB8AC3E}">
+        <p14:creationId xmlns:p14="http://schemas.microsoft.com/office/powerpoint/2010/main" val="88482484"/>
+      </p:ext>
+    </p:extLst>
+  </p:cSld>
+  <p:clrMapOvr>
+    <a:masterClrMapping/>
+  </p:clrMapOvr>
+</p:sld>
+</file>
+
+<file path=ppt/slides/slide5.xml><?xml version="1.0" encoding="utf-8"?>
 <p:sld xmlns:a="http://schemas.openxmlformats.org/drawingml/2006/main" xmlns:r="http://schemas.openxmlformats.org/officeDocument/2006/relationships" xmlns:p="http://schemas.openxmlformats.org/presentationml/2006/main">
   <p:cSld>
     <p:spTree>
@@ -13918,7 +21789,7 @@
 </p:sld>
 </file>
 
-<file path=ppt/slides/slide4.xml><?xml version="1.0" encoding="utf-8"?>
+<file path=ppt/slides/slide6.xml><?xml version="1.0" encoding="utf-8"?>
 <p:sld xmlns:a="http://schemas.openxmlformats.org/drawingml/2006/main" xmlns:r="http://schemas.openxmlformats.org/officeDocument/2006/relationships" xmlns:p="http://schemas.openxmlformats.org/presentationml/2006/main">
   <p:cSld>
     <p:spTree>
@@ -14403,7 +22274,7 @@
 </p:sld>
 </file>
 
-<file path=ppt/slides/slide5.xml><?xml version="1.0" encoding="utf-8"?>
+<file path=ppt/slides/slide7.xml><?xml version="1.0" encoding="utf-8"?>
 <p:sld xmlns:a="http://schemas.openxmlformats.org/drawingml/2006/main" xmlns:r="http://schemas.openxmlformats.org/officeDocument/2006/relationships" xmlns:p="http://schemas.openxmlformats.org/presentationml/2006/main">
   <p:cSld>
     <p:spTree>

--- a/thesis.pptx
+++ b/thesis.pptx
@@ -12,6 +12,7 @@
     <p:sldId id="257" r:id="rId6"/>
     <p:sldId id="259" r:id="rId7"/>
     <p:sldId id="260" r:id="rId8"/>
+    <p:sldId id="263" r:id="rId9"/>
   </p:sldIdLst>
   <p:sldSz cx="12192000" cy="6858000"/>
   <p:notesSz cx="6858000" cy="9144000"/>
@@ -126,6 +127,7 @@
             <p14:sldId id="257"/>
             <p14:sldId id="259"/>
             <p14:sldId id="260"/>
+            <p14:sldId id="263"/>
           </p14:sldIdLst>
         </p14:section>
       </p14:sectionLst>
@@ -2392,8 +2394,8 @@
         </a:p>
       </dgm:t>
     </dgm:pt>
-    <mc:AlternateContent xmlns:mc="http://schemas.openxmlformats.org/markup-compatibility/2006">
-      <mc:Choice xmlns:a14="http://schemas.microsoft.com/office/drawing/2010/main" Requires="a14">
+    <mc:AlternateContent xmlns:mc="http://schemas.openxmlformats.org/markup-compatibility/2006" xmlns:a14="http://schemas.microsoft.com/office/drawing/2010/main">
+      <mc:Choice Requires="a14">
         <dgm:pt modelId="{0959BF1D-294B-499D-9FA8-0F7AAA1AFE35}">
           <dgm:prSet phldrT="[Text]"/>
           <dgm:spPr/>
@@ -2401,6 +2403,7 @@
             <a:bodyPr/>
             <a:lstStyle/>
             <a:p>
+              <a:pPr/>
               <a14:m>
                 <m:oMathPara xmlns:m="http://schemas.openxmlformats.org/officeDocument/2006/math">
                   <m:oMathParaPr>
@@ -2511,7 +2514,7 @@
           </dgm:t>
         </dgm:pt>
       </mc:Choice>
-      <mc:Fallback>
+      <mc:Fallback xmlns="">
         <dgm:pt modelId="{0959BF1D-294B-499D-9FA8-0F7AAA1AFE35}">
           <dgm:prSet phldrT="[Text]"/>
           <dgm:spPr/>
@@ -2553,8 +2556,8 @@
         </a:p>
       </dgm:t>
     </dgm:pt>
-    <mc:AlternateContent xmlns:mc="http://schemas.openxmlformats.org/markup-compatibility/2006">
-      <mc:Choice xmlns:a14="http://schemas.microsoft.com/office/drawing/2010/main" Requires="a14">
+    <mc:AlternateContent xmlns:mc="http://schemas.openxmlformats.org/markup-compatibility/2006" xmlns:a14="http://schemas.microsoft.com/office/drawing/2010/main">
+      <mc:Choice Requires="a14">
         <dgm:pt modelId="{66C01631-095A-4F31-8D45-6369BBA62FA4}">
           <dgm:prSet phldrT="[Text]"/>
           <dgm:spPr/>
@@ -2562,6 +2565,7 @@
             <a:bodyPr/>
             <a:lstStyle/>
             <a:p>
+              <a:pPr/>
               <a14:m>
                 <m:oMathPara xmlns:m="http://schemas.openxmlformats.org/officeDocument/2006/math">
                   <m:oMathParaPr>
@@ -2672,7 +2676,7 @@
           </dgm:t>
         </dgm:pt>
       </mc:Choice>
-      <mc:Fallback>
+      <mc:Fallback xmlns="">
         <dgm:pt modelId="{66C01631-095A-4F31-8D45-6369BBA62FA4}">
           <dgm:prSet phldrT="[Text]"/>
           <dgm:spPr/>
@@ -2774,8 +2778,8 @@
         </a:p>
       </dgm:t>
     </dgm:pt>
-    <mc:AlternateContent xmlns:mc="http://schemas.openxmlformats.org/markup-compatibility/2006">
-      <mc:Choice xmlns:a14="http://schemas.microsoft.com/office/drawing/2010/main" Requires="a14">
+    <mc:AlternateContent xmlns:mc="http://schemas.openxmlformats.org/markup-compatibility/2006" xmlns:a14="http://schemas.microsoft.com/office/drawing/2010/main">
+      <mc:Choice Requires="a14">
         <dgm:pt modelId="{E2301DEF-9A5B-480E-8A00-23A8E512687E}">
           <dgm:prSet phldrT="[Text]"/>
           <dgm:spPr/>
@@ -2783,6 +2787,7 @@
             <a:bodyPr/>
             <a:lstStyle/>
             <a:p>
+              <a:pPr/>
               <a14:m>
                 <m:oMathPara xmlns:m="http://schemas.openxmlformats.org/officeDocument/2006/math">
                   <m:oMathParaPr>
@@ -2840,7 +2845,7 @@
           </dgm:t>
         </dgm:pt>
       </mc:Choice>
-      <mc:Fallback>
+      <mc:Fallback xmlns="">
         <dgm:pt modelId="{E2301DEF-9A5B-480E-8A00-23A8E512687E}">
           <dgm:prSet phldrT="[Text]"/>
           <dgm:spPr/>
@@ -2882,8 +2887,8 @@
         </a:p>
       </dgm:t>
     </dgm:pt>
-    <mc:AlternateContent xmlns:mc="http://schemas.openxmlformats.org/markup-compatibility/2006">
-      <mc:Choice xmlns:a14="http://schemas.microsoft.com/office/drawing/2010/main" Requires="a14">
+    <mc:AlternateContent xmlns:mc="http://schemas.openxmlformats.org/markup-compatibility/2006" xmlns:a14="http://schemas.microsoft.com/office/drawing/2010/main">
+      <mc:Choice Requires="a14">
         <dgm:pt modelId="{A36823CB-F23B-47DF-8932-44214C4F36A5}">
           <dgm:prSet phldrT="[Text]"/>
           <dgm:spPr/>
@@ -2891,6 +2896,7 @@
             <a:bodyPr/>
             <a:lstStyle/>
             <a:p>
+              <a:pPr/>
               <a14:m>
                 <m:oMathPara xmlns:m="http://schemas.openxmlformats.org/officeDocument/2006/math">
                   <m:oMathParaPr>
@@ -3001,7 +3007,7 @@
           </dgm:t>
         </dgm:pt>
       </mc:Choice>
-      <mc:Fallback>
+      <mc:Fallback xmlns="">
         <dgm:pt modelId="{A36823CB-F23B-47DF-8932-44214C4F36A5}">
           <dgm:prSet phldrT="[Text]"/>
           <dgm:spPr/>
@@ -3078,6 +3084,13 @@
         </dgm:presLayoutVars>
       </dgm:prSet>
       <dgm:spPr/>
+      <dgm:t>
+        <a:bodyPr/>
+        <a:lstStyle/>
+        <a:p>
+          <a:endParaRPr lang="en-US"/>
+        </a:p>
+      </dgm:t>
     </dgm:pt>
     <dgm:pt modelId="{3A5811A8-5D06-458B-BC5D-9F8AC7655899}" type="pres">
       <dgm:prSet presAssocID="{E2301DEF-9A5B-480E-8A00-23A8E512687E}" presName="root1" presStyleCnt="0"/>
@@ -3105,10 +3118,24 @@
     <dgm:pt modelId="{DBCD2123-D742-4B15-92C6-A9A3D4207A4A}" type="pres">
       <dgm:prSet presAssocID="{5F54D8F6-6EF0-49BB-8E5A-1982503F70D9}" presName="conn2-1" presStyleLbl="parChTrans1D2" presStyleIdx="0" presStyleCnt="4"/>
       <dgm:spPr/>
+      <dgm:t>
+        <a:bodyPr/>
+        <a:lstStyle/>
+        <a:p>
+          <a:endParaRPr lang="en-US"/>
+        </a:p>
+      </dgm:t>
     </dgm:pt>
     <dgm:pt modelId="{DBB62CEA-6870-4A3B-9BA0-0D0234480EBB}" type="pres">
       <dgm:prSet presAssocID="{5F54D8F6-6EF0-49BB-8E5A-1982503F70D9}" presName="connTx" presStyleLbl="parChTrans1D2" presStyleIdx="0" presStyleCnt="4"/>
       <dgm:spPr/>
+      <dgm:t>
+        <a:bodyPr/>
+        <a:lstStyle/>
+        <a:p>
+          <a:endParaRPr lang="en-US"/>
+        </a:p>
+      </dgm:t>
     </dgm:pt>
     <dgm:pt modelId="{4EBC50E9-39A2-4600-85E4-B3CAB19049E5}" type="pres">
       <dgm:prSet presAssocID="{0959BF1D-294B-499D-9FA8-0F7AAA1AFE35}" presName="root2" presStyleCnt="0"/>
@@ -3136,10 +3163,24 @@
     <dgm:pt modelId="{5F1D099B-3639-4A53-BDE5-EEF2F059BB2D}" type="pres">
       <dgm:prSet presAssocID="{BB413EBF-9427-4804-81A6-42C2B3D584EA}" presName="conn2-1" presStyleLbl="parChTrans1D2" presStyleIdx="1" presStyleCnt="4"/>
       <dgm:spPr/>
+      <dgm:t>
+        <a:bodyPr/>
+        <a:lstStyle/>
+        <a:p>
+          <a:endParaRPr lang="en-US"/>
+        </a:p>
+      </dgm:t>
     </dgm:pt>
     <dgm:pt modelId="{9F427D6A-FCA4-4BD4-BFA4-870D91D2875B}" type="pres">
       <dgm:prSet presAssocID="{BB413EBF-9427-4804-81A6-42C2B3D584EA}" presName="connTx" presStyleLbl="parChTrans1D2" presStyleIdx="1" presStyleCnt="4"/>
       <dgm:spPr/>
+      <dgm:t>
+        <a:bodyPr/>
+        <a:lstStyle/>
+        <a:p>
+          <a:endParaRPr lang="en-US"/>
+        </a:p>
+      </dgm:t>
     </dgm:pt>
     <dgm:pt modelId="{3C509D81-4E31-4638-9698-35779E357053}" type="pres">
       <dgm:prSet presAssocID="{66C01631-095A-4F31-8D45-6369BBA62FA4}" presName="root2" presStyleCnt="0"/>
@@ -3167,10 +3208,24 @@
     <dgm:pt modelId="{A1E32B02-D7BB-46A5-9C60-A86A8E88E98F}" type="pres">
       <dgm:prSet presAssocID="{CB4FBE43-5E66-4A04-9E65-D7B240A2F07C}" presName="conn2-1" presStyleLbl="parChTrans1D2" presStyleIdx="2" presStyleCnt="4"/>
       <dgm:spPr/>
+      <dgm:t>
+        <a:bodyPr/>
+        <a:lstStyle/>
+        <a:p>
+          <a:endParaRPr lang="en-US"/>
+        </a:p>
+      </dgm:t>
     </dgm:pt>
     <dgm:pt modelId="{15F44E0B-AE9E-4E47-8940-C431B64491CA}" type="pres">
       <dgm:prSet presAssocID="{CB4FBE43-5E66-4A04-9E65-D7B240A2F07C}" presName="connTx" presStyleLbl="parChTrans1D2" presStyleIdx="2" presStyleCnt="4"/>
       <dgm:spPr/>
+      <dgm:t>
+        <a:bodyPr/>
+        <a:lstStyle/>
+        <a:p>
+          <a:endParaRPr lang="en-US"/>
+        </a:p>
+      </dgm:t>
     </dgm:pt>
     <dgm:pt modelId="{F737C2DD-D24D-43B2-BF18-8DC589BE8F72}" type="pres">
       <dgm:prSet presAssocID="{2875BF53-EE03-44E9-A84F-905DCCDEBF28}" presName="root2" presStyleCnt="0"/>
@@ -3198,10 +3253,24 @@
     <dgm:pt modelId="{1E0708CF-D3E1-43F4-A539-A22953819225}" type="pres">
       <dgm:prSet presAssocID="{388CA375-04E0-4508-8146-E15672EC186A}" presName="conn2-1" presStyleLbl="parChTrans1D2" presStyleIdx="3" presStyleCnt="4"/>
       <dgm:spPr/>
+      <dgm:t>
+        <a:bodyPr/>
+        <a:lstStyle/>
+        <a:p>
+          <a:endParaRPr lang="en-US"/>
+        </a:p>
+      </dgm:t>
     </dgm:pt>
     <dgm:pt modelId="{FAD77D50-2F01-42CD-9E05-4FC97561BCAF}" type="pres">
       <dgm:prSet presAssocID="{388CA375-04E0-4508-8146-E15672EC186A}" presName="connTx" presStyleLbl="parChTrans1D2" presStyleIdx="3" presStyleCnt="4"/>
       <dgm:spPr/>
+      <dgm:t>
+        <a:bodyPr/>
+        <a:lstStyle/>
+        <a:p>
+          <a:endParaRPr lang="en-US"/>
+        </a:p>
+      </dgm:t>
     </dgm:pt>
     <dgm:pt modelId="{FB0EA3C1-5DC6-41AE-AD71-41E0D1628683}" type="pres">
       <dgm:prSet presAssocID="{A36823CB-F23B-47DF-8932-44214C4F36A5}" presName="root2" presStyleCnt="0"/>
@@ -3242,8 +3311,8 @@
     <dgm:cxn modelId="{E308FCA7-17D8-44D2-B47D-AE63759A6F71}" type="presOf" srcId="{CB4FBE43-5E66-4A04-9E65-D7B240A2F07C}" destId="{15F44E0B-AE9E-4E47-8940-C431B64491CA}" srcOrd="1" destOrd="0" presId="urn:microsoft.com/office/officeart/2008/layout/HorizontalMultiLevelHierarchy"/>
     <dgm:cxn modelId="{DC42CA26-5259-4053-BA9D-D458500E5C29}" srcId="{E2301DEF-9A5B-480E-8A00-23A8E512687E}" destId="{66C01631-095A-4F31-8D45-6369BBA62FA4}" srcOrd="1" destOrd="0" parTransId="{BB413EBF-9427-4804-81A6-42C2B3D584EA}" sibTransId="{26D54FA5-01BD-4A26-A723-6007511E6EBE}"/>
     <dgm:cxn modelId="{BBCED4B6-2451-4928-8772-7B5942A97191}" type="presOf" srcId="{66C01631-095A-4F31-8D45-6369BBA62FA4}" destId="{4D538711-A400-4253-AB5A-68AA77561006}" srcOrd="0" destOrd="0" presId="urn:microsoft.com/office/officeart/2008/layout/HorizontalMultiLevelHierarchy"/>
+    <dgm:cxn modelId="{92B2D537-E21E-4271-868A-5416B2C08C46}" type="presOf" srcId="{388CA375-04E0-4508-8146-E15672EC186A}" destId="{FAD77D50-2F01-42CD-9E05-4FC97561BCAF}" srcOrd="1" destOrd="0" presId="urn:microsoft.com/office/officeart/2008/layout/HorizontalMultiLevelHierarchy"/>
     <dgm:cxn modelId="{B3C599A6-420D-44D2-9E34-69792B951929}" type="presOf" srcId="{5F54D8F6-6EF0-49BB-8E5A-1982503F70D9}" destId="{DBCD2123-D742-4B15-92C6-A9A3D4207A4A}" srcOrd="0" destOrd="0" presId="urn:microsoft.com/office/officeart/2008/layout/HorizontalMultiLevelHierarchy"/>
-    <dgm:cxn modelId="{92B2D537-E21E-4271-868A-5416B2C08C46}" type="presOf" srcId="{388CA375-04E0-4508-8146-E15672EC186A}" destId="{FAD77D50-2F01-42CD-9E05-4FC97561BCAF}" srcOrd="1" destOrd="0" presId="urn:microsoft.com/office/officeart/2008/layout/HorizontalMultiLevelHierarchy"/>
     <dgm:cxn modelId="{437E0A00-E027-4A85-B55C-59B73A793136}" type="presOf" srcId="{2875BF53-EE03-44E9-A84F-905DCCDEBF28}" destId="{7D4CDD25-83F8-482F-947F-2C9D5112B73C}" srcOrd="0" destOrd="0" presId="urn:microsoft.com/office/officeart/2008/layout/HorizontalMultiLevelHierarchy"/>
     <dgm:cxn modelId="{719E5025-1780-4230-BA14-FE2E4FB7FAB9}" type="presOf" srcId="{CB4FBE43-5E66-4A04-9E65-D7B240A2F07C}" destId="{A1E32B02-D7BB-46A5-9C60-A86A8E88E98F}" srcOrd="0" destOrd="0" presId="urn:microsoft.com/office/officeart/2008/layout/HorizontalMultiLevelHierarchy"/>
     <dgm:cxn modelId="{DDB89F3A-0469-4836-B2CB-0074EF9BB1DE}" type="presOf" srcId="{BB413EBF-9427-4804-81A6-42C2B3D584EA}" destId="{9F427D6A-FCA4-4BD4-BFA4-870D91D2875B}" srcOrd="1" destOrd="0" presId="urn:microsoft.com/office/officeart/2008/layout/HorizontalMultiLevelHierarchy"/>
@@ -9713,7 +9782,7 @@
           <a:p>
             <a:fld id="{868DB8A7-3A18-4C2F-83F4-935BFDFABEE2}" type="datetimeFigureOut">
               <a:rPr lang="en-GB" smtClean="0"/>
-              <a:t>18/08/2019</a:t>
+              <a:t>27/10/2019</a:t>
             </a:fld>
             <a:endParaRPr lang="en-GB"/>
           </a:p>
@@ -9883,7 +9952,7 @@
           <a:p>
             <a:fld id="{868DB8A7-3A18-4C2F-83F4-935BFDFABEE2}" type="datetimeFigureOut">
               <a:rPr lang="en-GB" smtClean="0"/>
-              <a:t>18/08/2019</a:t>
+              <a:t>27/10/2019</a:t>
             </a:fld>
             <a:endParaRPr lang="en-GB"/>
           </a:p>
@@ -10063,7 +10132,7 @@
           <a:p>
             <a:fld id="{868DB8A7-3A18-4C2F-83F4-935BFDFABEE2}" type="datetimeFigureOut">
               <a:rPr lang="en-GB" smtClean="0"/>
-              <a:t>18/08/2019</a:t>
+              <a:t>27/10/2019</a:t>
             </a:fld>
             <a:endParaRPr lang="en-GB"/>
           </a:p>
@@ -10233,7 +10302,7 @@
           <a:p>
             <a:fld id="{868DB8A7-3A18-4C2F-83F4-935BFDFABEE2}" type="datetimeFigureOut">
               <a:rPr lang="en-GB" smtClean="0"/>
-              <a:t>18/08/2019</a:t>
+              <a:t>27/10/2019</a:t>
             </a:fld>
             <a:endParaRPr lang="en-GB"/>
           </a:p>
@@ -10479,7 +10548,7 @@
           <a:p>
             <a:fld id="{868DB8A7-3A18-4C2F-83F4-935BFDFABEE2}" type="datetimeFigureOut">
               <a:rPr lang="en-GB" smtClean="0"/>
-              <a:t>18/08/2019</a:t>
+              <a:t>27/10/2019</a:t>
             </a:fld>
             <a:endParaRPr lang="en-GB"/>
           </a:p>
@@ -10711,7 +10780,7 @@
           <a:p>
             <a:fld id="{868DB8A7-3A18-4C2F-83F4-935BFDFABEE2}" type="datetimeFigureOut">
               <a:rPr lang="en-GB" smtClean="0"/>
-              <a:t>18/08/2019</a:t>
+              <a:t>27/10/2019</a:t>
             </a:fld>
             <a:endParaRPr lang="en-GB"/>
           </a:p>
@@ -11078,7 +11147,7 @@
           <a:p>
             <a:fld id="{868DB8A7-3A18-4C2F-83F4-935BFDFABEE2}" type="datetimeFigureOut">
               <a:rPr lang="en-GB" smtClean="0"/>
-              <a:t>18/08/2019</a:t>
+              <a:t>27/10/2019</a:t>
             </a:fld>
             <a:endParaRPr lang="en-GB"/>
           </a:p>
@@ -11196,7 +11265,7 @@
           <a:p>
             <a:fld id="{868DB8A7-3A18-4C2F-83F4-935BFDFABEE2}" type="datetimeFigureOut">
               <a:rPr lang="en-GB" smtClean="0"/>
-              <a:t>18/08/2019</a:t>
+              <a:t>27/10/2019</a:t>
             </a:fld>
             <a:endParaRPr lang="en-GB"/>
           </a:p>
@@ -11291,7 +11360,7 @@
           <a:p>
             <a:fld id="{868DB8A7-3A18-4C2F-83F4-935BFDFABEE2}" type="datetimeFigureOut">
               <a:rPr lang="en-GB" smtClean="0"/>
-              <a:t>18/08/2019</a:t>
+              <a:t>27/10/2019</a:t>
             </a:fld>
             <a:endParaRPr lang="en-GB"/>
           </a:p>
@@ -11568,7 +11637,7 @@
           <a:p>
             <a:fld id="{868DB8A7-3A18-4C2F-83F4-935BFDFABEE2}" type="datetimeFigureOut">
               <a:rPr lang="en-GB" smtClean="0"/>
-              <a:t>18/08/2019</a:t>
+              <a:t>27/10/2019</a:t>
             </a:fld>
             <a:endParaRPr lang="en-GB"/>
           </a:p>
@@ -11821,7 +11890,7 @@
           <a:p>
             <a:fld id="{868DB8A7-3A18-4C2F-83F4-935BFDFABEE2}" type="datetimeFigureOut">
               <a:rPr lang="en-GB" smtClean="0"/>
-              <a:t>18/08/2019</a:t>
+              <a:t>27/10/2019</a:t>
             </a:fld>
             <a:endParaRPr lang="en-GB"/>
           </a:p>
@@ -12034,7 +12103,7 @@
           <a:p>
             <a:fld id="{868DB8A7-3A18-4C2F-83F4-935BFDFABEE2}" type="datetimeFigureOut">
               <a:rPr lang="en-GB" smtClean="0"/>
-              <a:t>18/08/2019</a:t>
+              <a:t>27/10/2019</a:t>
             </a:fld>
             <a:endParaRPr lang="en-GB"/>
           </a:p>
@@ -17678,8 +17747,8 @@
           </a:fontRef>
         </p:style>
       </p:cxnSp>
-      <mc:AlternateContent xmlns:mc="http://schemas.openxmlformats.org/markup-compatibility/2006">
-        <mc:Choice xmlns:a14="http://schemas.microsoft.com/office/drawing/2010/main" Requires="a14">
+      <mc:AlternateContent xmlns:mc="http://schemas.openxmlformats.org/markup-compatibility/2006" xmlns:a14="http://schemas.microsoft.com/office/drawing/2010/main">
+        <mc:Choice Requires="a14">
           <p:sp>
             <p:nvSpPr>
               <p:cNvPr id="38" name="TextBox 37"/>
@@ -17702,6 +17771,7 @@
               </a:bodyPr>
               <a:lstStyle/>
               <a:p>
+                <a:pPr/>
                 <a14:m>
                   <m:oMathPara xmlns:m="http://schemas.openxmlformats.org/officeDocument/2006/math">
                     <m:oMathParaPr>
@@ -17771,7 +17841,7 @@
             </p:txBody>
           </p:sp>
         </mc:Choice>
-        <mc:Fallback>
+        <mc:Fallback xmlns="">
           <p:sp>
             <p:nvSpPr>
               <p:cNvPr id="38" name="TextBox 37"/>
@@ -17842,11 +17912,7 @@
             <a:pPr algn="ctr"/>
             <a:r>
               <a:rPr lang="en-GB" dirty="0" smtClean="0"/>
-              <a:t>Signal</a:t>
-            </a:r>
-            <a:r>
-              <a:rPr lang="en-GB" dirty="0" smtClean="0"/>
-              <a:t> </a:t>
+              <a:t>Signal </a:t>
             </a:r>
             <a:endParaRPr lang="en-GB" dirty="0"/>
           </a:p>
@@ -17978,8 +18044,8 @@
           </a:fontRef>
         </p:style>
       </p:cxnSp>
-      <mc:AlternateContent xmlns:mc="http://schemas.openxmlformats.org/markup-compatibility/2006">
-        <mc:Choice xmlns:a14="http://schemas.microsoft.com/office/drawing/2010/main" Requires="a14">
+      <mc:AlternateContent xmlns:mc="http://schemas.openxmlformats.org/markup-compatibility/2006" xmlns:a14="http://schemas.microsoft.com/office/drawing/2010/main">
+        <mc:Choice Requires="a14">
           <p:graphicFrame>
             <p:nvGraphicFramePr>
               <p:cNvPr id="2" name="Diagram 1"/>
@@ -18003,7 +18069,7 @@
             </a:graphic>
           </p:graphicFrame>
         </mc:Choice>
-        <mc:Fallback>
+        <mc:Fallback xmlns="">
           <p:graphicFrame>
             <p:nvGraphicFramePr>
               <p:cNvPr id="2" name="Diagram 1"/>
@@ -18022,7 +18088,7 @@
             </p:xfrm>
             <a:graphic>
               <a:graphicData uri="http://schemas.openxmlformats.org/drawingml/2006/diagram">
-                <dgm:relIds xmlns:dgm="http://schemas.openxmlformats.org/drawingml/2006/diagram" xmlns:r="http://schemas.openxmlformats.org/officeDocument/2006/relationships" r:dm="rId7" r:lo="rId3" r:qs="rId4" r:cs="rId5"/>
+                <dgm:relIds xmlns:dgm="http://schemas.openxmlformats.org/drawingml/2006/diagram" xmlns:r="http://schemas.openxmlformats.org/officeDocument/2006/relationships" r:dm="rId7" r:lo="rId8" r:qs="rId9" r:cs="rId10"/>
               </a:graphicData>
             </a:graphic>
           </p:graphicFrame>
@@ -18227,11 +18293,7 @@
             <a:p>
               <a:r>
                 <a:rPr lang="en-GB" dirty="0" smtClean="0"/>
-                <a:t>8000 Hz</a:t>
-              </a:r>
-              <a:r>
-                <a:rPr lang="en-GB" dirty="0" smtClean="0"/>
-                <a:t> </a:t>
+                <a:t>8000 Hz </a:t>
               </a:r>
               <a:endParaRPr lang="en-GB" dirty="0"/>
             </a:p>
@@ -18444,11 +18506,7 @@
             <a:p>
               <a:r>
                 <a:rPr lang="en-GB" dirty="0" smtClean="0"/>
-                <a:t>8000 Hz</a:t>
-              </a:r>
-              <a:r>
-                <a:rPr lang="en-GB" dirty="0" smtClean="0"/>
-                <a:t> </a:t>
+                <a:t>8000 Hz </a:t>
               </a:r>
               <a:endParaRPr lang="en-GB" dirty="0"/>
             </a:p>
@@ -18661,11 +18719,7 @@
             <a:p>
               <a:r>
                 <a:rPr lang="en-GB" dirty="0" smtClean="0"/>
-                <a:t>8000 Hz</a:t>
-              </a:r>
-              <a:r>
-                <a:rPr lang="en-GB" dirty="0" smtClean="0"/>
-                <a:t> </a:t>
+                <a:t>8000 Hz </a:t>
               </a:r>
               <a:endParaRPr lang="en-GB" dirty="0"/>
             </a:p>
@@ -22506,6 +22560,1371 @@
 </p:sld>
 </file>
 
+<file path=ppt/slides/slide8.xml><?xml version="1.0" encoding="utf-8"?>
+<p:sld xmlns:a="http://schemas.openxmlformats.org/drawingml/2006/main" xmlns:r="http://schemas.openxmlformats.org/officeDocument/2006/relationships" xmlns:p="http://schemas.openxmlformats.org/presentationml/2006/main">
+  <p:cSld>
+    <p:spTree>
+      <p:nvGrpSpPr>
+        <p:cNvPr id="1" name=""/>
+        <p:cNvGrpSpPr/>
+        <p:nvPr/>
+      </p:nvGrpSpPr>
+      <p:grpSpPr>
+        <a:xfrm>
+          <a:off x="0" y="0"/>
+          <a:ext cx="0" cy="0"/>
+          <a:chOff x="0" y="0"/>
+          <a:chExt cx="0" cy="0"/>
+        </a:xfrm>
+      </p:grpSpPr>
+      <mc:AlternateContent xmlns:mc="http://schemas.openxmlformats.org/markup-compatibility/2006">
+        <mc:Choice xmlns:a14="http://schemas.microsoft.com/office/drawing/2010/main" Requires="a14">
+          <p:sp>
+            <p:nvSpPr>
+              <p:cNvPr id="4" name="Rectangle 3"/>
+              <p:cNvSpPr/>
+              <p:nvPr/>
+            </p:nvSpPr>
+            <p:spPr>
+              <a:xfrm>
+                <a:off x="4269144" y="1917104"/>
+                <a:ext cx="2633863" cy="710194"/>
+              </a:xfrm>
+              <a:prstGeom prst="rect">
+                <a:avLst/>
+              </a:prstGeom>
+            </p:spPr>
+            <p:txBody>
+              <a:bodyPr wrap="none">
+                <a:spAutoFit/>
+              </a:bodyPr>
+              <a:lstStyle/>
+              <a:p>
+                <a:pPr/>
+                <a14:m>
+                  <m:oMathPara xmlns:m="http://schemas.openxmlformats.org/officeDocument/2006/math">
+                    <m:oMathParaPr>
+                      <m:jc m:val="centerGroup"/>
+                    </m:oMathParaPr>
+                    <m:oMath xmlns:m="http://schemas.openxmlformats.org/officeDocument/2006/math">
+                      <m:r>
+                        <a:rPr lang="en-GB" b="1" i="1" smtClean="0">
+                          <a:latin typeface="Cambria Math" panose="02040503050406030204" pitchFamily="18" charset="0"/>
+                        </a:rPr>
+                        <m:t>𝝓</m:t>
+                      </m:r>
+                      <m:r>
+                        <a:rPr lang="en-GB" b="1" i="1" smtClean="0">
+                          <a:latin typeface="Cambria Math" panose="02040503050406030204" pitchFamily="18" charset="0"/>
+                        </a:rPr>
+                        <m:t>(</m:t>
+                      </m:r>
+                      <m:r>
+                        <a:rPr lang="en-GB" b="1" i="1" smtClean="0">
+                          <a:latin typeface="Cambria Math" panose="02040503050406030204" pitchFamily="18" charset="0"/>
+                        </a:rPr>
+                        <m:t>𝒙</m:t>
+                      </m:r>
+                      <m:r>
+                        <a:rPr lang="en-GB" b="1" i="1" smtClean="0">
+                          <a:latin typeface="Cambria Math" panose="02040503050406030204" pitchFamily="18" charset="0"/>
+                        </a:rPr>
+                        <m:t>)</m:t>
+                      </m:r>
+                      <m:r>
+                        <a:rPr lang="en-GB" b="0" i="1">
+                          <a:latin typeface="Cambria Math" panose="02040503050406030204" pitchFamily="18" charset="0"/>
+                        </a:rPr>
+                        <m:t>=</m:t>
+                      </m:r>
+                      <m:d>
+                        <m:dPr>
+                          <m:begChr m:val="{"/>
+                          <m:endChr m:val=""/>
+                          <m:ctrlPr>
+                            <a:rPr lang="en-GB" b="0" i="1" smtClean="0">
+                              <a:latin typeface="Cambria Math" panose="02040503050406030204" pitchFamily="18" charset="0"/>
+                            </a:rPr>
+                          </m:ctrlPr>
+                        </m:dPr>
+                        <m:e>
+                          <m:m>
+                            <m:mPr>
+                              <m:mcs>
+                                <m:mc>
+                                  <m:mcPr>
+                                    <m:count m:val="2"/>
+                                    <m:mcJc m:val="center"/>
+                                  </m:mcPr>
+                                </m:mc>
+                              </m:mcs>
+                              <m:ctrlPr>
+                                <a:rPr lang="en-GB" b="0" i="1" smtClean="0">
+                                  <a:latin typeface="Cambria Math" panose="02040503050406030204" pitchFamily="18" charset="0"/>
+                                </a:rPr>
+                              </m:ctrlPr>
+                            </m:mPr>
+                            <m:mr>
+                              <m:e>
+                                <m:r>
+                                  <m:rPr>
+                                    <m:brk m:alnAt="7"/>
+                                  </m:rPr>
+                                  <a:rPr lang="en-GB" b="0" i="1" smtClean="0">
+                                    <a:latin typeface="Cambria Math" panose="02040503050406030204" pitchFamily="18" charset="0"/>
+                                  </a:rPr>
+                                  <m:t>1</m:t>
+                                </m:r>
+                              </m:e>
+                              <m:e>
+                                <m:r>
+                                  <a:rPr lang="en-GB" b="0" i="1" smtClean="0">
+                                    <a:latin typeface="Cambria Math" panose="02040503050406030204" pitchFamily="18" charset="0"/>
+                                  </a:rPr>
+                                  <m:t>0≤</m:t>
+                                </m:r>
+                                <m:r>
+                                  <a:rPr lang="en-GB" b="0" i="1" smtClean="0">
+                                    <a:latin typeface="Cambria Math" panose="02040503050406030204" pitchFamily="18" charset="0"/>
+                                  </a:rPr>
+                                  <m:t>𝑥</m:t>
+                                </m:r>
+                                <m:r>
+                                  <a:rPr lang="en-GB" b="0" i="1" smtClean="0">
+                                    <a:latin typeface="Cambria Math" panose="02040503050406030204" pitchFamily="18" charset="0"/>
+                                  </a:rPr>
+                                  <m:t>≤1</m:t>
+                                </m:r>
+                              </m:e>
+                            </m:mr>
+                            <m:mr>
+                              <m:e>
+                                <m:r>
+                                  <a:rPr lang="en-GB" b="0" i="1" smtClean="0">
+                                    <a:latin typeface="Cambria Math" panose="02040503050406030204" pitchFamily="18" charset="0"/>
+                                  </a:rPr>
+                                  <m:t>0</m:t>
+                                </m:r>
+                              </m:e>
+                              <m:e>
+                                <m:r>
+                                  <a:rPr lang="en-GB" b="0" i="1" smtClean="0">
+                                    <a:latin typeface="Cambria Math" panose="02040503050406030204" pitchFamily="18" charset="0"/>
+                                  </a:rPr>
+                                  <m:t>𝑜𝑡h𝑒𝑟𝑤𝑖𝑠𝑒</m:t>
+                                </m:r>
+                              </m:e>
+                            </m:mr>
+                          </m:m>
+                        </m:e>
+                      </m:d>
+                    </m:oMath>
+                  </m:oMathPara>
+                </a14:m>
+                <a:endParaRPr lang="en-GB" dirty="0"/>
+              </a:p>
+            </p:txBody>
+          </p:sp>
+        </mc:Choice>
+        <mc:Fallback>
+          <p:sp>
+            <p:nvSpPr>
+              <p:cNvPr id="4" name="Rectangle 3"/>
+              <p:cNvSpPr>
+                <a:spLocks noRot="1" noChangeAspect="1" noMove="1" noResize="1" noEditPoints="1" noAdjustHandles="1" noChangeArrowheads="1" noChangeShapeType="1" noTextEdit="1"/>
+              </p:cNvSpPr>
+              <p:nvPr/>
+            </p:nvSpPr>
+            <p:spPr>
+              <a:xfrm>
+                <a:off x="4269144" y="1917104"/>
+                <a:ext cx="2633863" cy="710194"/>
+              </a:xfrm>
+              <a:prstGeom prst="rect">
+                <a:avLst/>
+              </a:prstGeom>
+              <a:blipFill>
+                <a:blip r:embed="rId2"/>
+                <a:stretch>
+                  <a:fillRect/>
+                </a:stretch>
+              </a:blipFill>
+            </p:spPr>
+            <p:txBody>
+              <a:bodyPr/>
+              <a:lstStyle/>
+              <a:p>
+                <a:r>
+                  <a:rPr lang="en-GB">
+                    <a:noFill/>
+                  </a:rPr>
+                  <a:t> </a:t>
+                </a:r>
+              </a:p>
+            </p:txBody>
+          </p:sp>
+        </mc:Fallback>
+      </mc:AlternateContent>
+      <mc:AlternateContent xmlns:mc="http://schemas.openxmlformats.org/markup-compatibility/2006">
+        <mc:Choice xmlns:a14="http://schemas.microsoft.com/office/drawing/2010/main" Requires="a14">
+          <p:sp>
+            <p:nvSpPr>
+              <p:cNvPr id="31" name="Rectangle 30"/>
+              <p:cNvSpPr/>
+              <p:nvPr/>
+            </p:nvSpPr>
+            <p:spPr>
+              <a:xfrm>
+                <a:off x="4269143" y="3504835"/>
+                <a:ext cx="2769861" cy="1477840"/>
+              </a:xfrm>
+              <a:prstGeom prst="rect">
+                <a:avLst/>
+              </a:prstGeom>
+            </p:spPr>
+            <p:txBody>
+              <a:bodyPr wrap="none">
+                <a:spAutoFit/>
+              </a:bodyPr>
+              <a:lstStyle/>
+              <a:p>
+                <a:pPr/>
+                <a14:m>
+                  <m:oMathPara xmlns:m="http://schemas.openxmlformats.org/officeDocument/2006/math">
+                    <m:oMathParaPr>
+                      <m:jc m:val="centerGroup"/>
+                    </m:oMathParaPr>
+                    <m:oMath xmlns:m="http://schemas.openxmlformats.org/officeDocument/2006/math">
+                      <m:r>
+                        <a:rPr lang="en-GB" b="1" i="1" smtClean="0">
+                          <a:latin typeface="Cambria Math" panose="02040503050406030204" pitchFamily="18" charset="0"/>
+                        </a:rPr>
+                        <m:t>𝝍</m:t>
+                      </m:r>
+                      <m:r>
+                        <a:rPr lang="en-GB" b="1" i="1" smtClean="0">
+                          <a:latin typeface="Cambria Math" panose="02040503050406030204" pitchFamily="18" charset="0"/>
+                        </a:rPr>
+                        <m:t>(</m:t>
+                      </m:r>
+                      <m:r>
+                        <a:rPr lang="en-GB" b="1" i="1" smtClean="0">
+                          <a:latin typeface="Cambria Math" panose="02040503050406030204" pitchFamily="18" charset="0"/>
+                        </a:rPr>
+                        <m:t>𝒙</m:t>
+                      </m:r>
+                      <m:r>
+                        <a:rPr lang="en-GB" b="1" i="1" smtClean="0">
+                          <a:latin typeface="Cambria Math" panose="02040503050406030204" pitchFamily="18" charset="0"/>
+                        </a:rPr>
+                        <m:t>)</m:t>
+                      </m:r>
+                      <m:r>
+                        <a:rPr lang="en-GB" b="0" i="1">
+                          <a:latin typeface="Cambria Math" panose="02040503050406030204" pitchFamily="18" charset="0"/>
+                        </a:rPr>
+                        <m:t>=</m:t>
+                      </m:r>
+                      <m:d>
+                        <m:dPr>
+                          <m:begChr m:val="{"/>
+                          <m:endChr m:val=""/>
+                          <m:ctrlPr>
+                            <a:rPr lang="en-GB" b="0" i="1" smtClean="0">
+                              <a:latin typeface="Cambria Math" panose="02040503050406030204" pitchFamily="18" charset="0"/>
+                            </a:rPr>
+                          </m:ctrlPr>
+                        </m:dPr>
+                        <m:e>
+                          <m:m>
+                            <m:mPr>
+                              <m:mcs>
+                                <m:mc>
+                                  <m:mcPr>
+                                    <m:count m:val="2"/>
+                                    <m:mcJc m:val="center"/>
+                                  </m:mcPr>
+                                </m:mc>
+                              </m:mcs>
+                              <m:ctrlPr>
+                                <a:rPr lang="en-GB" b="0" i="1" smtClean="0">
+                                  <a:latin typeface="Cambria Math" panose="02040503050406030204" pitchFamily="18" charset="0"/>
+                                </a:rPr>
+                              </m:ctrlPr>
+                            </m:mPr>
+                            <m:mr>
+                              <m:e>
+                                <m:r>
+                                  <m:rPr>
+                                    <m:brk m:alnAt="7"/>
+                                  </m:rPr>
+                                  <a:rPr lang="en-GB" b="0" i="1" smtClean="0">
+                                    <a:latin typeface="Cambria Math" panose="02040503050406030204" pitchFamily="18" charset="0"/>
+                                  </a:rPr>
+                                  <m:t>1</m:t>
+                                </m:r>
+                              </m:e>
+                              <m:e>
+                                <m:r>
+                                  <a:rPr lang="en-GB" b="0" i="1" smtClean="0">
+                                    <a:latin typeface="Cambria Math" panose="02040503050406030204" pitchFamily="18" charset="0"/>
+                                  </a:rPr>
+                                  <m:t>0≤</m:t>
+                                </m:r>
+                                <m:r>
+                                  <a:rPr lang="en-GB" b="0" i="1" smtClean="0">
+                                    <a:latin typeface="Cambria Math" panose="02040503050406030204" pitchFamily="18" charset="0"/>
+                                  </a:rPr>
+                                  <m:t>𝑥</m:t>
+                                </m:r>
+                                <m:r>
+                                  <a:rPr lang="en-GB" b="0" i="1" smtClean="0">
+                                    <a:latin typeface="Cambria Math" panose="02040503050406030204" pitchFamily="18" charset="0"/>
+                                  </a:rPr>
+                                  <m:t>&lt;</m:t>
+                                </m:r>
+                                <m:f>
+                                  <m:fPr>
+                                    <m:ctrlPr>
+                                      <a:rPr lang="en-GB" b="0" i="1" smtClean="0">
+                                        <a:latin typeface="Cambria Math" panose="02040503050406030204" pitchFamily="18" charset="0"/>
+                                      </a:rPr>
+                                    </m:ctrlPr>
+                                  </m:fPr>
+                                  <m:num>
+                                    <m:r>
+                                      <a:rPr lang="en-GB" b="0" i="1" smtClean="0">
+                                        <a:latin typeface="Cambria Math" panose="02040503050406030204" pitchFamily="18" charset="0"/>
+                                      </a:rPr>
+                                      <m:t>1</m:t>
+                                    </m:r>
+                                  </m:num>
+                                  <m:den>
+                                    <m:r>
+                                      <a:rPr lang="en-GB" b="0" i="1" smtClean="0">
+                                        <a:latin typeface="Cambria Math" panose="02040503050406030204" pitchFamily="18" charset="0"/>
+                                      </a:rPr>
+                                      <m:t>2</m:t>
+                                    </m:r>
+                                  </m:den>
+                                </m:f>
+                              </m:e>
+                            </m:mr>
+                            <m:mr>
+                              <m:e>
+                                <m:r>
+                                  <a:rPr lang="en-GB" b="0" i="1" smtClean="0">
+                                    <a:latin typeface="Cambria Math" panose="02040503050406030204" pitchFamily="18" charset="0"/>
+                                  </a:rPr>
+                                  <m:t>−1</m:t>
+                                </m:r>
+                              </m:e>
+                              <m:e>
+                                <m:f>
+                                  <m:fPr>
+                                    <m:ctrlPr>
+                                      <a:rPr lang="en-GB" b="0" i="1" smtClean="0">
+                                        <a:latin typeface="Cambria Math" panose="02040503050406030204" pitchFamily="18" charset="0"/>
+                                      </a:rPr>
+                                    </m:ctrlPr>
+                                  </m:fPr>
+                                  <m:num>
+                                    <m:r>
+                                      <a:rPr lang="en-GB" b="0" i="1" smtClean="0">
+                                        <a:latin typeface="Cambria Math" panose="02040503050406030204" pitchFamily="18" charset="0"/>
+                                      </a:rPr>
+                                      <m:t>1</m:t>
+                                    </m:r>
+                                  </m:num>
+                                  <m:den>
+                                    <m:r>
+                                      <a:rPr lang="en-GB" b="0" i="1" smtClean="0">
+                                        <a:latin typeface="Cambria Math" panose="02040503050406030204" pitchFamily="18" charset="0"/>
+                                      </a:rPr>
+                                      <m:t>2</m:t>
+                                    </m:r>
+                                  </m:den>
+                                </m:f>
+                                <m:r>
+                                  <a:rPr lang="en-GB" b="0" i="1" smtClean="0">
+                                    <a:latin typeface="Cambria Math" panose="02040503050406030204" pitchFamily="18" charset="0"/>
+                                  </a:rPr>
+                                  <m:t>≤</m:t>
+                                </m:r>
+                                <m:r>
+                                  <a:rPr lang="en-GB" b="0" i="1" smtClean="0">
+                                    <a:latin typeface="Cambria Math" panose="02040503050406030204" pitchFamily="18" charset="0"/>
+                                  </a:rPr>
+                                  <m:t>𝑥</m:t>
+                                </m:r>
+                                <m:r>
+                                  <a:rPr lang="en-GB" b="0" i="1" smtClean="0">
+                                    <a:latin typeface="Cambria Math" panose="02040503050406030204" pitchFamily="18" charset="0"/>
+                                  </a:rPr>
+                                  <m:t>&lt;1</m:t>
+                                </m:r>
+                              </m:e>
+                            </m:mr>
+                            <m:mr>
+                              <m:e>
+                                <m:r>
+                                  <a:rPr lang="en-GB" b="0" i="1" smtClean="0">
+                                    <a:latin typeface="Cambria Math" panose="02040503050406030204" pitchFamily="18" charset="0"/>
+                                  </a:rPr>
+                                  <m:t>0</m:t>
+                                </m:r>
+                              </m:e>
+                              <m:e>
+                                <m:r>
+                                  <a:rPr lang="en-GB" b="0" i="1" smtClean="0">
+                                    <a:latin typeface="Cambria Math" panose="02040503050406030204" pitchFamily="18" charset="0"/>
+                                  </a:rPr>
+                                  <m:t>𝑜𝑡h𝑒𝑟𝑤𝑖𝑠𝑒</m:t>
+                                </m:r>
+                              </m:e>
+                            </m:mr>
+                          </m:m>
+                        </m:e>
+                      </m:d>
+                    </m:oMath>
+                  </m:oMathPara>
+                </a14:m>
+                <a:endParaRPr lang="en-GB" dirty="0"/>
+              </a:p>
+            </p:txBody>
+          </p:sp>
+        </mc:Choice>
+        <mc:Fallback>
+          <p:sp>
+            <p:nvSpPr>
+              <p:cNvPr id="31" name="Rectangle 30"/>
+              <p:cNvSpPr>
+                <a:spLocks noRot="1" noChangeAspect="1" noMove="1" noResize="1" noEditPoints="1" noAdjustHandles="1" noChangeArrowheads="1" noChangeShapeType="1" noTextEdit="1"/>
+              </p:cNvSpPr>
+              <p:nvPr/>
+            </p:nvSpPr>
+            <p:spPr>
+              <a:xfrm>
+                <a:off x="4269143" y="3504835"/>
+                <a:ext cx="2769861" cy="1477840"/>
+              </a:xfrm>
+              <a:prstGeom prst="rect">
+                <a:avLst/>
+              </a:prstGeom>
+              <a:blipFill>
+                <a:blip r:embed="rId3"/>
+                <a:stretch>
+                  <a:fillRect/>
+                </a:stretch>
+              </a:blipFill>
+            </p:spPr>
+            <p:txBody>
+              <a:bodyPr/>
+              <a:lstStyle/>
+              <a:p>
+                <a:r>
+                  <a:rPr lang="en-GB">
+                    <a:noFill/>
+                  </a:rPr>
+                  <a:t> </a:t>
+                </a:r>
+              </a:p>
+            </p:txBody>
+          </p:sp>
+        </mc:Fallback>
+      </mc:AlternateContent>
+      <p:cxnSp>
+        <p:nvCxnSpPr>
+          <p:cNvPr id="3" name="Straight Arrow Connector 2"/>
+          <p:cNvCxnSpPr/>
+          <p:nvPr/>
+        </p:nvCxnSpPr>
+        <p:spPr>
+          <a:xfrm>
+            <a:off x="7617229" y="2552482"/>
+            <a:ext cx="1388226" cy="0"/>
+          </a:xfrm>
+          <a:prstGeom prst="straightConnector1">
+            <a:avLst/>
+          </a:prstGeom>
+          <a:ln w="19050">
+            <a:solidFill>
+              <a:schemeClr val="tx1"/>
+            </a:solidFill>
+            <a:tailEnd type="triangle"/>
+          </a:ln>
+        </p:spPr>
+        <p:style>
+          <a:lnRef idx="1">
+            <a:schemeClr val="accent1"/>
+          </a:lnRef>
+          <a:fillRef idx="0">
+            <a:schemeClr val="accent1"/>
+          </a:fillRef>
+          <a:effectRef idx="0">
+            <a:schemeClr val="accent1"/>
+          </a:effectRef>
+          <a:fontRef idx="minor">
+            <a:schemeClr val="tx1"/>
+          </a:fontRef>
+        </p:style>
+      </p:cxnSp>
+      <p:cxnSp>
+        <p:nvCxnSpPr>
+          <p:cNvPr id="39" name="Straight Arrow Connector 38"/>
+          <p:cNvCxnSpPr/>
+          <p:nvPr/>
+        </p:nvCxnSpPr>
+        <p:spPr>
+          <a:xfrm flipH="1" flipV="1">
+            <a:off x="7772400" y="1593510"/>
+            <a:ext cx="5542" cy="1153174"/>
+          </a:xfrm>
+          <a:prstGeom prst="straightConnector1">
+            <a:avLst/>
+          </a:prstGeom>
+          <a:ln w="19050">
+            <a:solidFill>
+              <a:schemeClr val="tx1"/>
+            </a:solidFill>
+            <a:tailEnd type="triangle"/>
+          </a:ln>
+        </p:spPr>
+        <p:style>
+          <a:lnRef idx="1">
+            <a:schemeClr val="accent1"/>
+          </a:lnRef>
+          <a:fillRef idx="0">
+            <a:schemeClr val="accent1"/>
+          </a:fillRef>
+          <a:effectRef idx="0">
+            <a:schemeClr val="accent1"/>
+          </a:effectRef>
+          <a:fontRef idx="minor">
+            <a:schemeClr val="tx1"/>
+          </a:fontRef>
+        </p:style>
+      </p:cxnSp>
+      <p:sp>
+        <p:nvSpPr>
+          <p:cNvPr id="19" name="Rectangle 18"/>
+          <p:cNvSpPr/>
+          <p:nvPr/>
+        </p:nvSpPr>
+        <p:spPr>
+          <a:xfrm>
+            <a:off x="7780713" y="1832577"/>
+            <a:ext cx="806335" cy="720381"/>
+          </a:xfrm>
+          <a:prstGeom prst="rect">
+            <a:avLst/>
+          </a:prstGeom>
+          <a:ln/>
+        </p:spPr>
+        <p:style>
+          <a:lnRef idx="2">
+            <a:schemeClr val="dk1"/>
+          </a:lnRef>
+          <a:fillRef idx="1">
+            <a:schemeClr val="lt1"/>
+          </a:fillRef>
+          <a:effectRef idx="0">
+            <a:schemeClr val="dk1"/>
+          </a:effectRef>
+          <a:fontRef idx="minor">
+            <a:schemeClr val="dk1"/>
+          </a:fontRef>
+        </p:style>
+        <p:txBody>
+          <a:bodyPr rtlCol="0" anchor="ctr"/>
+          <a:lstStyle/>
+          <a:p>
+            <a:pPr algn="ctr"/>
+            <a:endParaRPr lang="en-GB"/>
+          </a:p>
+        </p:txBody>
+      </p:sp>
+      <mc:AlternateContent xmlns:mc="http://schemas.openxmlformats.org/markup-compatibility/2006">
+        <mc:Choice xmlns:a14="http://schemas.microsoft.com/office/drawing/2010/main" Requires="a14">
+          <p:sp>
+            <p:nvSpPr>
+              <p:cNvPr id="21" name="Rectangle 20"/>
+              <p:cNvSpPr/>
+              <p:nvPr/>
+            </p:nvSpPr>
+            <p:spPr>
+              <a:xfrm>
+                <a:off x="7406594" y="1656224"/>
+                <a:ext cx="365806" cy="369332"/>
+              </a:xfrm>
+              <a:prstGeom prst="rect">
+                <a:avLst/>
+              </a:prstGeom>
+            </p:spPr>
+            <p:txBody>
+              <a:bodyPr wrap="none">
+                <a:spAutoFit/>
+              </a:bodyPr>
+              <a:lstStyle/>
+              <a:p>
+                <a14:m>
+                  <m:oMathPara xmlns:m="http://schemas.openxmlformats.org/officeDocument/2006/math">
+                    <m:oMathParaPr>
+                      <m:jc m:val="centerGroup"/>
+                    </m:oMathParaPr>
+                    <m:oMath xmlns:m="http://schemas.openxmlformats.org/officeDocument/2006/math">
+                      <m:r>
+                        <m:rPr>
+                          <m:brk m:alnAt="7"/>
+                        </m:rPr>
+                        <a:rPr lang="en-GB" i="1">
+                          <a:latin typeface="Cambria Math" panose="02040503050406030204" pitchFamily="18" charset="0"/>
+                        </a:rPr>
+                        <m:t>1</m:t>
+                      </m:r>
+                    </m:oMath>
+                  </m:oMathPara>
+                </a14:m>
+                <a:endParaRPr lang="en-GB" dirty="0"/>
+              </a:p>
+            </p:txBody>
+          </p:sp>
+        </mc:Choice>
+        <mc:Fallback>
+          <p:sp>
+            <p:nvSpPr>
+              <p:cNvPr id="21" name="Rectangle 20"/>
+              <p:cNvSpPr>
+                <a:spLocks noRot="1" noChangeAspect="1" noMove="1" noResize="1" noEditPoints="1" noAdjustHandles="1" noChangeArrowheads="1" noChangeShapeType="1" noTextEdit="1"/>
+              </p:cNvSpPr>
+              <p:nvPr/>
+            </p:nvSpPr>
+            <p:spPr>
+              <a:xfrm>
+                <a:off x="7406594" y="1656224"/>
+                <a:ext cx="365806" cy="369332"/>
+              </a:xfrm>
+              <a:prstGeom prst="rect">
+                <a:avLst/>
+              </a:prstGeom>
+              <a:blipFill>
+                <a:blip r:embed="rId4"/>
+                <a:stretch>
+                  <a:fillRect/>
+                </a:stretch>
+              </a:blipFill>
+            </p:spPr>
+            <p:txBody>
+              <a:bodyPr/>
+              <a:lstStyle/>
+              <a:p>
+                <a:r>
+                  <a:rPr lang="en-GB">
+                    <a:noFill/>
+                  </a:rPr>
+                  <a:t> </a:t>
+                </a:r>
+              </a:p>
+            </p:txBody>
+          </p:sp>
+        </mc:Fallback>
+      </mc:AlternateContent>
+      <mc:AlternateContent xmlns:mc="http://schemas.openxmlformats.org/markup-compatibility/2006">
+        <mc:Choice xmlns:a14="http://schemas.microsoft.com/office/drawing/2010/main" Requires="a14">
+          <p:sp>
+            <p:nvSpPr>
+              <p:cNvPr id="43" name="Rectangle 42"/>
+              <p:cNvSpPr/>
+              <p:nvPr/>
+            </p:nvSpPr>
+            <p:spPr>
+              <a:xfrm>
+                <a:off x="8426289" y="2534666"/>
+                <a:ext cx="365806" cy="369332"/>
+              </a:xfrm>
+              <a:prstGeom prst="rect">
+                <a:avLst/>
+              </a:prstGeom>
+            </p:spPr>
+            <p:txBody>
+              <a:bodyPr wrap="none">
+                <a:spAutoFit/>
+              </a:bodyPr>
+              <a:lstStyle/>
+              <a:p>
+                <a14:m>
+                  <m:oMathPara xmlns:m="http://schemas.openxmlformats.org/officeDocument/2006/math">
+                    <m:oMathParaPr>
+                      <m:jc m:val="centerGroup"/>
+                    </m:oMathParaPr>
+                    <m:oMath xmlns:m="http://schemas.openxmlformats.org/officeDocument/2006/math">
+                      <m:r>
+                        <m:rPr>
+                          <m:brk m:alnAt="7"/>
+                        </m:rPr>
+                        <a:rPr lang="en-GB" i="1">
+                          <a:latin typeface="Cambria Math" panose="02040503050406030204" pitchFamily="18" charset="0"/>
+                        </a:rPr>
+                        <m:t>1</m:t>
+                      </m:r>
+                    </m:oMath>
+                  </m:oMathPara>
+                </a14:m>
+                <a:endParaRPr lang="en-GB" dirty="0"/>
+              </a:p>
+            </p:txBody>
+          </p:sp>
+        </mc:Choice>
+        <mc:Fallback>
+          <p:sp>
+            <p:nvSpPr>
+              <p:cNvPr id="43" name="Rectangle 42"/>
+              <p:cNvSpPr>
+                <a:spLocks noRot="1" noChangeAspect="1" noMove="1" noResize="1" noEditPoints="1" noAdjustHandles="1" noChangeArrowheads="1" noChangeShapeType="1" noTextEdit="1"/>
+              </p:cNvSpPr>
+              <p:nvPr/>
+            </p:nvSpPr>
+            <p:spPr>
+              <a:xfrm>
+                <a:off x="8426289" y="2534666"/>
+                <a:ext cx="365806" cy="369332"/>
+              </a:xfrm>
+              <a:prstGeom prst="rect">
+                <a:avLst/>
+              </a:prstGeom>
+              <a:blipFill>
+                <a:blip r:embed="rId5"/>
+                <a:stretch>
+                  <a:fillRect/>
+                </a:stretch>
+              </a:blipFill>
+            </p:spPr>
+            <p:txBody>
+              <a:bodyPr/>
+              <a:lstStyle/>
+              <a:p>
+                <a:r>
+                  <a:rPr lang="en-GB">
+                    <a:noFill/>
+                  </a:rPr>
+                  <a:t> </a:t>
+                </a:r>
+              </a:p>
+            </p:txBody>
+          </p:sp>
+        </mc:Fallback>
+      </mc:AlternateContent>
+      <mc:AlternateContent xmlns:mc="http://schemas.openxmlformats.org/markup-compatibility/2006">
+        <mc:Choice xmlns:a14="http://schemas.microsoft.com/office/drawing/2010/main" Requires="a14">
+          <p:sp>
+            <p:nvSpPr>
+              <p:cNvPr id="22" name="Rectangle 21"/>
+              <p:cNvSpPr/>
+              <p:nvPr/>
+            </p:nvSpPr>
+            <p:spPr>
+              <a:xfrm>
+                <a:off x="7686984" y="1192143"/>
+                <a:ext cx="739305" cy="369332"/>
+              </a:xfrm>
+              <a:prstGeom prst="rect">
+                <a:avLst/>
+              </a:prstGeom>
+            </p:spPr>
+            <p:txBody>
+              <a:bodyPr wrap="none">
+                <a:spAutoFit/>
+              </a:bodyPr>
+              <a:lstStyle/>
+              <a:p>
+                <a14:m>
+                  <m:oMathPara xmlns:m="http://schemas.openxmlformats.org/officeDocument/2006/math">
+                    <m:oMathParaPr>
+                      <m:jc m:val="centerGroup"/>
+                    </m:oMathParaPr>
+                    <m:oMath xmlns:m="http://schemas.openxmlformats.org/officeDocument/2006/math">
+                      <m:r>
+                        <a:rPr lang="en-GB" b="1" i="1">
+                          <a:latin typeface="Cambria Math" panose="02040503050406030204" pitchFamily="18" charset="0"/>
+                        </a:rPr>
+                        <m:t>𝝓</m:t>
+                      </m:r>
+                      <m:r>
+                        <a:rPr lang="en-GB" b="1" i="1">
+                          <a:latin typeface="Cambria Math" panose="02040503050406030204" pitchFamily="18" charset="0"/>
+                        </a:rPr>
+                        <m:t>(</m:t>
+                      </m:r>
+                      <m:r>
+                        <a:rPr lang="en-GB" b="1" i="1">
+                          <a:latin typeface="Cambria Math" panose="02040503050406030204" pitchFamily="18" charset="0"/>
+                        </a:rPr>
+                        <m:t>𝒙</m:t>
+                      </m:r>
+                      <m:r>
+                        <a:rPr lang="en-GB" b="1" i="1">
+                          <a:latin typeface="Cambria Math" panose="02040503050406030204" pitchFamily="18" charset="0"/>
+                        </a:rPr>
+                        <m:t>)</m:t>
+                      </m:r>
+                    </m:oMath>
+                  </m:oMathPara>
+                </a14:m>
+                <a:endParaRPr lang="en-GB" dirty="0"/>
+              </a:p>
+            </p:txBody>
+          </p:sp>
+        </mc:Choice>
+        <mc:Fallback>
+          <p:sp>
+            <p:nvSpPr>
+              <p:cNvPr id="22" name="Rectangle 21"/>
+              <p:cNvSpPr>
+                <a:spLocks noRot="1" noChangeAspect="1" noMove="1" noResize="1" noEditPoints="1" noAdjustHandles="1" noChangeArrowheads="1" noChangeShapeType="1" noTextEdit="1"/>
+              </p:cNvSpPr>
+              <p:nvPr/>
+            </p:nvSpPr>
+            <p:spPr>
+              <a:xfrm>
+                <a:off x="7686984" y="1192143"/>
+                <a:ext cx="739305" cy="369332"/>
+              </a:xfrm>
+              <a:prstGeom prst="rect">
+                <a:avLst/>
+              </a:prstGeom>
+              <a:blipFill>
+                <a:blip r:embed="rId6"/>
+                <a:stretch>
+                  <a:fillRect b="-13333"/>
+                </a:stretch>
+              </a:blipFill>
+            </p:spPr>
+            <p:txBody>
+              <a:bodyPr/>
+              <a:lstStyle/>
+              <a:p>
+                <a:r>
+                  <a:rPr lang="en-GB">
+                    <a:noFill/>
+                  </a:rPr>
+                  <a:t> </a:t>
+                </a:r>
+              </a:p>
+            </p:txBody>
+          </p:sp>
+        </mc:Fallback>
+      </mc:AlternateContent>
+      <p:cxnSp>
+        <p:nvCxnSpPr>
+          <p:cNvPr id="36" name="Straight Arrow Connector 35"/>
+          <p:cNvCxnSpPr/>
+          <p:nvPr/>
+        </p:nvCxnSpPr>
+        <p:spPr>
+          <a:xfrm>
+            <a:off x="7617229" y="4699938"/>
+            <a:ext cx="1388226" cy="0"/>
+          </a:xfrm>
+          <a:prstGeom prst="straightConnector1">
+            <a:avLst/>
+          </a:prstGeom>
+          <a:ln>
+            <a:tailEnd type="triangle"/>
+          </a:ln>
+        </p:spPr>
+        <p:style>
+          <a:lnRef idx="2">
+            <a:schemeClr val="dk1"/>
+          </a:lnRef>
+          <a:fillRef idx="1">
+            <a:schemeClr val="lt1"/>
+          </a:fillRef>
+          <a:effectRef idx="0">
+            <a:schemeClr val="dk1"/>
+          </a:effectRef>
+          <a:fontRef idx="minor">
+            <a:schemeClr val="dk1"/>
+          </a:fontRef>
+        </p:style>
+      </p:cxnSp>
+      <p:cxnSp>
+        <p:nvCxnSpPr>
+          <p:cNvPr id="38" name="Straight Arrow Connector 37"/>
+          <p:cNvCxnSpPr/>
+          <p:nvPr/>
+        </p:nvCxnSpPr>
+        <p:spPr>
+          <a:xfrm flipV="1">
+            <a:off x="7772400" y="3757352"/>
+            <a:ext cx="0" cy="1762299"/>
+          </a:xfrm>
+          <a:prstGeom prst="straightConnector1">
+            <a:avLst/>
+          </a:prstGeom>
+          <a:ln>
+            <a:tailEnd type="triangle"/>
+          </a:ln>
+        </p:spPr>
+        <p:style>
+          <a:lnRef idx="2">
+            <a:schemeClr val="dk1"/>
+          </a:lnRef>
+          <a:fillRef idx="1">
+            <a:schemeClr val="lt1"/>
+          </a:fillRef>
+          <a:effectRef idx="0">
+            <a:schemeClr val="dk1"/>
+          </a:effectRef>
+          <a:fontRef idx="minor">
+            <a:schemeClr val="dk1"/>
+          </a:fontRef>
+        </p:style>
+      </p:cxnSp>
+      <p:sp>
+        <p:nvSpPr>
+          <p:cNvPr id="40" name="Rectangle 39"/>
+          <p:cNvSpPr/>
+          <p:nvPr/>
+        </p:nvSpPr>
+        <p:spPr>
+          <a:xfrm>
+            <a:off x="7772400" y="3976932"/>
+            <a:ext cx="374073" cy="720381"/>
+          </a:xfrm>
+          <a:prstGeom prst="rect">
+            <a:avLst/>
+          </a:prstGeom>
+          <a:ln/>
+        </p:spPr>
+        <p:style>
+          <a:lnRef idx="2">
+            <a:schemeClr val="dk1"/>
+          </a:lnRef>
+          <a:fillRef idx="1">
+            <a:schemeClr val="lt1"/>
+          </a:fillRef>
+          <a:effectRef idx="0">
+            <a:schemeClr val="dk1"/>
+          </a:effectRef>
+          <a:fontRef idx="minor">
+            <a:schemeClr val="dk1"/>
+          </a:fontRef>
+        </p:style>
+        <p:txBody>
+          <a:bodyPr rtlCol="0" anchor="ctr"/>
+          <a:lstStyle/>
+          <a:p>
+            <a:pPr algn="ctr"/>
+            <a:endParaRPr lang="en-GB"/>
+          </a:p>
+        </p:txBody>
+      </p:sp>
+      <p:sp>
+        <p:nvSpPr>
+          <p:cNvPr id="42" name="Rectangle 41"/>
+          <p:cNvSpPr/>
+          <p:nvPr/>
+        </p:nvSpPr>
+        <p:spPr>
+          <a:xfrm>
+            <a:off x="8149244" y="4699938"/>
+            <a:ext cx="374968" cy="720381"/>
+          </a:xfrm>
+          <a:prstGeom prst="rect">
+            <a:avLst/>
+          </a:prstGeom>
+          <a:ln/>
+        </p:spPr>
+        <p:style>
+          <a:lnRef idx="2">
+            <a:schemeClr val="dk1"/>
+          </a:lnRef>
+          <a:fillRef idx="1">
+            <a:schemeClr val="lt1"/>
+          </a:fillRef>
+          <a:effectRef idx="0">
+            <a:schemeClr val="dk1"/>
+          </a:effectRef>
+          <a:fontRef idx="minor">
+            <a:schemeClr val="dk1"/>
+          </a:fontRef>
+        </p:style>
+        <p:txBody>
+          <a:bodyPr rtlCol="0" anchor="ctr"/>
+          <a:lstStyle/>
+          <a:p>
+            <a:pPr algn="ctr"/>
+            <a:endParaRPr lang="en-GB"/>
+          </a:p>
+        </p:txBody>
+      </p:sp>
+      <mc:AlternateContent xmlns:mc="http://schemas.openxmlformats.org/markup-compatibility/2006">
+        <mc:Choice xmlns:a14="http://schemas.microsoft.com/office/drawing/2010/main" Requires="a14">
+          <p:sp>
+            <p:nvSpPr>
+              <p:cNvPr id="44" name="Rectangle 43"/>
+              <p:cNvSpPr/>
+              <p:nvPr/>
+            </p:nvSpPr>
+            <p:spPr>
+              <a:xfrm>
+                <a:off x="8301621" y="4345435"/>
+                <a:ext cx="365806" cy="369332"/>
+              </a:xfrm>
+              <a:prstGeom prst="rect">
+                <a:avLst/>
+              </a:prstGeom>
+            </p:spPr>
+            <p:txBody>
+              <a:bodyPr wrap="none">
+                <a:spAutoFit/>
+              </a:bodyPr>
+              <a:lstStyle/>
+              <a:p>
+                <a14:m>
+                  <m:oMathPara xmlns:m="http://schemas.openxmlformats.org/officeDocument/2006/math">
+                    <m:oMathParaPr>
+                      <m:jc m:val="centerGroup"/>
+                    </m:oMathParaPr>
+                    <m:oMath xmlns:m="http://schemas.openxmlformats.org/officeDocument/2006/math">
+                      <m:r>
+                        <m:rPr>
+                          <m:brk m:alnAt="7"/>
+                        </m:rPr>
+                        <a:rPr lang="en-GB" i="1">
+                          <a:latin typeface="Cambria Math" panose="02040503050406030204" pitchFamily="18" charset="0"/>
+                        </a:rPr>
+                        <m:t>1</m:t>
+                      </m:r>
+                    </m:oMath>
+                  </m:oMathPara>
+                </a14:m>
+                <a:endParaRPr lang="en-GB" dirty="0"/>
+              </a:p>
+            </p:txBody>
+          </p:sp>
+        </mc:Choice>
+        <mc:Fallback>
+          <p:sp>
+            <p:nvSpPr>
+              <p:cNvPr id="44" name="Rectangle 43"/>
+              <p:cNvSpPr>
+                <a:spLocks noRot="1" noChangeAspect="1" noMove="1" noResize="1" noEditPoints="1" noAdjustHandles="1" noChangeArrowheads="1" noChangeShapeType="1" noTextEdit="1"/>
+              </p:cNvSpPr>
+              <p:nvPr/>
+            </p:nvSpPr>
+            <p:spPr>
+              <a:xfrm>
+                <a:off x="8301621" y="4345435"/>
+                <a:ext cx="365806" cy="369332"/>
+              </a:xfrm>
+              <a:prstGeom prst="rect">
+                <a:avLst/>
+              </a:prstGeom>
+              <a:blipFill>
+                <a:blip r:embed="rId7"/>
+                <a:stretch>
+                  <a:fillRect/>
+                </a:stretch>
+              </a:blipFill>
+            </p:spPr>
+            <p:txBody>
+              <a:bodyPr/>
+              <a:lstStyle/>
+              <a:p>
+                <a:r>
+                  <a:rPr lang="en-GB">
+                    <a:noFill/>
+                  </a:rPr>
+                  <a:t> </a:t>
+                </a:r>
+              </a:p>
+            </p:txBody>
+          </p:sp>
+        </mc:Fallback>
+      </mc:AlternateContent>
+      <mc:AlternateContent xmlns:mc="http://schemas.openxmlformats.org/markup-compatibility/2006">
+        <mc:Choice xmlns:a14="http://schemas.microsoft.com/office/drawing/2010/main" Requires="a14">
+          <p:sp>
+            <p:nvSpPr>
+              <p:cNvPr id="46" name="Rectangle 45"/>
+              <p:cNvSpPr/>
+              <p:nvPr/>
+            </p:nvSpPr>
+            <p:spPr>
+              <a:xfrm>
+                <a:off x="7395557" y="3821496"/>
+                <a:ext cx="365806" cy="369332"/>
+              </a:xfrm>
+              <a:prstGeom prst="rect">
+                <a:avLst/>
+              </a:prstGeom>
+            </p:spPr>
+            <p:txBody>
+              <a:bodyPr wrap="none">
+                <a:spAutoFit/>
+              </a:bodyPr>
+              <a:lstStyle/>
+              <a:p>
+                <a14:m>
+                  <m:oMathPara xmlns:m="http://schemas.openxmlformats.org/officeDocument/2006/math">
+                    <m:oMathParaPr>
+                      <m:jc m:val="centerGroup"/>
+                    </m:oMathParaPr>
+                    <m:oMath xmlns:m="http://schemas.openxmlformats.org/officeDocument/2006/math">
+                      <m:r>
+                        <m:rPr>
+                          <m:brk m:alnAt="7"/>
+                        </m:rPr>
+                        <a:rPr lang="en-GB" i="1">
+                          <a:latin typeface="Cambria Math" panose="02040503050406030204" pitchFamily="18" charset="0"/>
+                        </a:rPr>
+                        <m:t>1</m:t>
+                      </m:r>
+                    </m:oMath>
+                  </m:oMathPara>
+                </a14:m>
+                <a:endParaRPr lang="en-GB" dirty="0"/>
+              </a:p>
+            </p:txBody>
+          </p:sp>
+        </mc:Choice>
+        <mc:Fallback>
+          <p:sp>
+            <p:nvSpPr>
+              <p:cNvPr id="46" name="Rectangle 45"/>
+              <p:cNvSpPr>
+                <a:spLocks noRot="1" noChangeAspect="1" noMove="1" noResize="1" noEditPoints="1" noAdjustHandles="1" noChangeArrowheads="1" noChangeShapeType="1" noTextEdit="1"/>
+              </p:cNvSpPr>
+              <p:nvPr/>
+            </p:nvSpPr>
+            <p:spPr>
+              <a:xfrm>
+                <a:off x="7395557" y="3821496"/>
+                <a:ext cx="365806" cy="369332"/>
+              </a:xfrm>
+              <a:prstGeom prst="rect">
+                <a:avLst/>
+              </a:prstGeom>
+              <a:blipFill>
+                <a:blip r:embed="rId8"/>
+                <a:stretch>
+                  <a:fillRect/>
+                </a:stretch>
+              </a:blipFill>
+            </p:spPr>
+            <p:txBody>
+              <a:bodyPr/>
+              <a:lstStyle/>
+              <a:p>
+                <a:r>
+                  <a:rPr lang="en-GB">
+                    <a:noFill/>
+                  </a:rPr>
+                  <a:t> </a:t>
+                </a:r>
+              </a:p>
+            </p:txBody>
+          </p:sp>
+        </mc:Fallback>
+      </mc:AlternateContent>
+      <mc:AlternateContent xmlns:mc="http://schemas.openxmlformats.org/markup-compatibility/2006">
+        <mc:Choice xmlns:a14="http://schemas.microsoft.com/office/drawing/2010/main" Requires="a14">
+          <p:sp>
+            <p:nvSpPr>
+              <p:cNvPr id="48" name="Rectangle 47"/>
+              <p:cNvSpPr/>
+              <p:nvPr/>
+            </p:nvSpPr>
+            <p:spPr>
+              <a:xfrm>
+                <a:off x="7395557" y="5201003"/>
+                <a:ext cx="383438" cy="369332"/>
+              </a:xfrm>
+              <a:prstGeom prst="rect">
+                <a:avLst/>
+              </a:prstGeom>
+            </p:spPr>
+            <p:txBody>
+              <a:bodyPr wrap="none">
+                <a:spAutoFit/>
+              </a:bodyPr>
+              <a:lstStyle/>
+              <a:p>
+                <a:r>
+                  <a:rPr lang="en-GB" dirty="0" smtClean="0"/>
+                  <a:t>-</a:t>
+                </a:r>
+                <a14:m>
+                  <m:oMath xmlns:m="http://schemas.openxmlformats.org/officeDocument/2006/math">
+                    <m:r>
+                      <m:rPr>
+                        <m:brk m:alnAt="7"/>
+                      </m:rPr>
+                      <a:rPr lang="en-GB" i="1">
+                        <a:latin typeface="Cambria Math" panose="02040503050406030204" pitchFamily="18" charset="0"/>
+                      </a:rPr>
+                      <m:t>1</m:t>
+                    </m:r>
+                  </m:oMath>
+                </a14:m>
+                <a:endParaRPr lang="en-GB" dirty="0"/>
+              </a:p>
+            </p:txBody>
+          </p:sp>
+        </mc:Choice>
+        <mc:Fallback>
+          <p:sp>
+            <p:nvSpPr>
+              <p:cNvPr id="48" name="Rectangle 47"/>
+              <p:cNvSpPr>
+                <a:spLocks noRot="1" noChangeAspect="1" noMove="1" noResize="1" noEditPoints="1" noAdjustHandles="1" noChangeArrowheads="1" noChangeShapeType="1" noTextEdit="1"/>
+              </p:cNvSpPr>
+              <p:nvPr/>
+            </p:nvSpPr>
+            <p:spPr>
+              <a:xfrm>
+                <a:off x="7395557" y="5201003"/>
+                <a:ext cx="383438" cy="369332"/>
+              </a:xfrm>
+              <a:prstGeom prst="rect">
+                <a:avLst/>
+              </a:prstGeom>
+              <a:blipFill>
+                <a:blip r:embed="rId9"/>
+                <a:stretch>
+                  <a:fillRect l="-12698" t="-8197" b="-24590"/>
+                </a:stretch>
+              </a:blipFill>
+            </p:spPr>
+            <p:txBody>
+              <a:bodyPr/>
+              <a:lstStyle/>
+              <a:p>
+                <a:r>
+                  <a:rPr lang="en-GB">
+                    <a:noFill/>
+                  </a:rPr>
+                  <a:t> </a:t>
+                </a:r>
+              </a:p>
+            </p:txBody>
+          </p:sp>
+        </mc:Fallback>
+      </mc:AlternateContent>
+      <mc:AlternateContent xmlns:mc="http://schemas.openxmlformats.org/markup-compatibility/2006">
+        <mc:Choice xmlns:a14="http://schemas.microsoft.com/office/drawing/2010/main" Requires="a14">
+          <p:sp>
+            <p:nvSpPr>
+              <p:cNvPr id="50" name="Rectangle 49"/>
+              <p:cNvSpPr/>
+              <p:nvPr/>
+            </p:nvSpPr>
+            <p:spPr>
+              <a:xfrm>
+                <a:off x="7686984" y="3378485"/>
+                <a:ext cx="742511" cy="369332"/>
+              </a:xfrm>
+              <a:prstGeom prst="rect">
+                <a:avLst/>
+              </a:prstGeom>
+            </p:spPr>
+            <p:txBody>
+              <a:bodyPr wrap="none">
+                <a:spAutoFit/>
+              </a:bodyPr>
+              <a:lstStyle/>
+              <a:p>
+                <a14:m>
+                  <m:oMathPara xmlns:m="http://schemas.openxmlformats.org/officeDocument/2006/math">
+                    <m:oMathParaPr>
+                      <m:jc m:val="centerGroup"/>
+                    </m:oMathParaPr>
+                    <m:oMath xmlns:m="http://schemas.openxmlformats.org/officeDocument/2006/math">
+                      <m:r>
+                        <a:rPr lang="en-GB" b="1" i="1" smtClean="0">
+                          <a:latin typeface="Cambria Math" panose="02040503050406030204" pitchFamily="18" charset="0"/>
+                        </a:rPr>
+                        <m:t>𝝍</m:t>
+                      </m:r>
+                      <m:r>
+                        <a:rPr lang="en-GB" b="1" i="1">
+                          <a:latin typeface="Cambria Math" panose="02040503050406030204" pitchFamily="18" charset="0"/>
+                        </a:rPr>
+                        <m:t>(</m:t>
+                      </m:r>
+                      <m:r>
+                        <a:rPr lang="en-GB" b="1" i="1">
+                          <a:latin typeface="Cambria Math" panose="02040503050406030204" pitchFamily="18" charset="0"/>
+                        </a:rPr>
+                        <m:t>𝒙</m:t>
+                      </m:r>
+                      <m:r>
+                        <a:rPr lang="en-GB" b="1" i="1">
+                          <a:latin typeface="Cambria Math" panose="02040503050406030204" pitchFamily="18" charset="0"/>
+                        </a:rPr>
+                        <m:t>)</m:t>
+                      </m:r>
+                    </m:oMath>
+                  </m:oMathPara>
+                </a14:m>
+                <a:endParaRPr lang="en-GB" dirty="0"/>
+              </a:p>
+            </p:txBody>
+          </p:sp>
+        </mc:Choice>
+        <mc:Fallback>
+          <p:sp>
+            <p:nvSpPr>
+              <p:cNvPr id="50" name="Rectangle 49"/>
+              <p:cNvSpPr>
+                <a:spLocks noRot="1" noChangeAspect="1" noMove="1" noResize="1" noEditPoints="1" noAdjustHandles="1" noChangeArrowheads="1" noChangeShapeType="1" noTextEdit="1"/>
+              </p:cNvSpPr>
+              <p:nvPr/>
+            </p:nvSpPr>
+            <p:spPr>
+              <a:xfrm>
+                <a:off x="7686984" y="3378485"/>
+                <a:ext cx="742511" cy="369332"/>
+              </a:xfrm>
+              <a:prstGeom prst="rect">
+                <a:avLst/>
+              </a:prstGeom>
+              <a:blipFill>
+                <a:blip r:embed="rId10"/>
+                <a:stretch>
+                  <a:fillRect b="-13115"/>
+                </a:stretch>
+              </a:blipFill>
+            </p:spPr>
+            <p:txBody>
+              <a:bodyPr/>
+              <a:lstStyle/>
+              <a:p>
+                <a:r>
+                  <a:rPr lang="en-GB">
+                    <a:noFill/>
+                  </a:rPr>
+                  <a:t> </a:t>
+                </a:r>
+              </a:p>
+            </p:txBody>
+          </p:sp>
+        </mc:Fallback>
+      </mc:AlternateContent>
+    </p:spTree>
+    <p:extLst>
+      <p:ext uri="{BB962C8B-B14F-4D97-AF65-F5344CB8AC3E}">
+        <p14:creationId xmlns:p14="http://schemas.microsoft.com/office/powerpoint/2010/main" val="567021134"/>
+      </p:ext>
+    </p:extLst>
+  </p:cSld>
+  <p:clrMapOvr>
+    <a:masterClrMapping/>
+  </p:clrMapOvr>
+</p:sld>
+</file>
+
 <file path=ppt/theme/theme1.xml><?xml version="1.0" encoding="utf-8"?>
 <a:theme xmlns:a="http://schemas.openxmlformats.org/drawingml/2006/main" name="Office Theme">
   <a:themeElements>

--- a/thesis.pptx
+++ b/thesis.pptx
@@ -8,11 +8,12 @@
     <p:sldId id="256" r:id="rId2"/>
     <p:sldId id="258" r:id="rId3"/>
     <p:sldId id="261" r:id="rId4"/>
-    <p:sldId id="262" r:id="rId5"/>
-    <p:sldId id="257" r:id="rId6"/>
-    <p:sldId id="259" r:id="rId7"/>
-    <p:sldId id="260" r:id="rId8"/>
-    <p:sldId id="263" r:id="rId9"/>
+    <p:sldId id="264" r:id="rId5"/>
+    <p:sldId id="262" r:id="rId6"/>
+    <p:sldId id="257" r:id="rId7"/>
+    <p:sldId id="259" r:id="rId8"/>
+    <p:sldId id="260" r:id="rId9"/>
+    <p:sldId id="263" r:id="rId10"/>
   </p:sldIdLst>
   <p:sldSz cx="12192000" cy="6858000"/>
   <p:notesSz cx="6858000" cy="9144000"/>
@@ -123,6 +124,7 @@
           <p14:sldIdLst>
             <p14:sldId id="258"/>
             <p14:sldId id="261"/>
+            <p14:sldId id="264"/>
             <p14:sldId id="262"/>
             <p14:sldId id="257"/>
             <p14:sldId id="259"/>
@@ -2750,7 +2752,7 @@
         <a:lstStyle/>
         <a:p>
           <a:r>
-            <a:rPr lang="en-US" dirty="0" smtClean="0"/>
+            <a:rPr lang="en-US" dirty="0"/>
             <a:t>…</a:t>
           </a:r>
         </a:p>
@@ -3002,7 +3004,7 @@
                   </m:oMath>
                 </m:oMathPara>
               </a14:m>
-              <a:endParaRPr lang="en-US" dirty="0" smtClean="0"/>
+              <a:endParaRPr lang="en-US" dirty="0"/>
             </a:p>
           </dgm:t>
         </dgm:pt>
@@ -3084,13 +3086,6 @@
         </dgm:presLayoutVars>
       </dgm:prSet>
       <dgm:spPr/>
-      <dgm:t>
-        <a:bodyPr/>
-        <a:lstStyle/>
-        <a:p>
-          <a:endParaRPr lang="en-US"/>
-        </a:p>
-      </dgm:t>
     </dgm:pt>
     <dgm:pt modelId="{3A5811A8-5D06-458B-BC5D-9F8AC7655899}" type="pres">
       <dgm:prSet presAssocID="{E2301DEF-9A5B-480E-8A00-23A8E512687E}" presName="root1" presStyleCnt="0"/>
@@ -3103,13 +3098,6 @@
         </dgm:presLayoutVars>
       </dgm:prSet>
       <dgm:spPr/>
-      <dgm:t>
-        <a:bodyPr/>
-        <a:lstStyle/>
-        <a:p>
-          <a:endParaRPr lang="en-US"/>
-        </a:p>
-      </dgm:t>
     </dgm:pt>
     <dgm:pt modelId="{8E9D1E25-2609-4930-BA94-92B6565F56AA}" type="pres">
       <dgm:prSet presAssocID="{E2301DEF-9A5B-480E-8A00-23A8E512687E}" presName="level2hierChild" presStyleCnt="0"/>
@@ -3118,24 +3106,10 @@
     <dgm:pt modelId="{DBCD2123-D742-4B15-92C6-A9A3D4207A4A}" type="pres">
       <dgm:prSet presAssocID="{5F54D8F6-6EF0-49BB-8E5A-1982503F70D9}" presName="conn2-1" presStyleLbl="parChTrans1D2" presStyleIdx="0" presStyleCnt="4"/>
       <dgm:spPr/>
-      <dgm:t>
-        <a:bodyPr/>
-        <a:lstStyle/>
-        <a:p>
-          <a:endParaRPr lang="en-US"/>
-        </a:p>
-      </dgm:t>
     </dgm:pt>
     <dgm:pt modelId="{DBB62CEA-6870-4A3B-9BA0-0D0234480EBB}" type="pres">
       <dgm:prSet presAssocID="{5F54D8F6-6EF0-49BB-8E5A-1982503F70D9}" presName="connTx" presStyleLbl="parChTrans1D2" presStyleIdx="0" presStyleCnt="4"/>
       <dgm:spPr/>
-      <dgm:t>
-        <a:bodyPr/>
-        <a:lstStyle/>
-        <a:p>
-          <a:endParaRPr lang="en-US"/>
-        </a:p>
-      </dgm:t>
     </dgm:pt>
     <dgm:pt modelId="{4EBC50E9-39A2-4600-85E4-B3CAB19049E5}" type="pres">
       <dgm:prSet presAssocID="{0959BF1D-294B-499D-9FA8-0F7AAA1AFE35}" presName="root2" presStyleCnt="0"/>
@@ -3148,13 +3122,6 @@
         </dgm:presLayoutVars>
       </dgm:prSet>
       <dgm:spPr/>
-      <dgm:t>
-        <a:bodyPr/>
-        <a:lstStyle/>
-        <a:p>
-          <a:endParaRPr lang="en-US"/>
-        </a:p>
-      </dgm:t>
     </dgm:pt>
     <dgm:pt modelId="{D88B508A-FA9B-438D-AC57-0E43E22982D1}" type="pres">
       <dgm:prSet presAssocID="{0959BF1D-294B-499D-9FA8-0F7AAA1AFE35}" presName="level3hierChild" presStyleCnt="0"/>
@@ -3163,24 +3130,10 @@
     <dgm:pt modelId="{5F1D099B-3639-4A53-BDE5-EEF2F059BB2D}" type="pres">
       <dgm:prSet presAssocID="{BB413EBF-9427-4804-81A6-42C2B3D584EA}" presName="conn2-1" presStyleLbl="parChTrans1D2" presStyleIdx="1" presStyleCnt="4"/>
       <dgm:spPr/>
-      <dgm:t>
-        <a:bodyPr/>
-        <a:lstStyle/>
-        <a:p>
-          <a:endParaRPr lang="en-US"/>
-        </a:p>
-      </dgm:t>
     </dgm:pt>
     <dgm:pt modelId="{9F427D6A-FCA4-4BD4-BFA4-870D91D2875B}" type="pres">
       <dgm:prSet presAssocID="{BB413EBF-9427-4804-81A6-42C2B3D584EA}" presName="connTx" presStyleLbl="parChTrans1D2" presStyleIdx="1" presStyleCnt="4"/>
       <dgm:spPr/>
-      <dgm:t>
-        <a:bodyPr/>
-        <a:lstStyle/>
-        <a:p>
-          <a:endParaRPr lang="en-US"/>
-        </a:p>
-      </dgm:t>
     </dgm:pt>
     <dgm:pt modelId="{3C509D81-4E31-4638-9698-35779E357053}" type="pres">
       <dgm:prSet presAssocID="{66C01631-095A-4F31-8D45-6369BBA62FA4}" presName="root2" presStyleCnt="0"/>
@@ -3193,13 +3146,6 @@
         </dgm:presLayoutVars>
       </dgm:prSet>
       <dgm:spPr/>
-      <dgm:t>
-        <a:bodyPr/>
-        <a:lstStyle/>
-        <a:p>
-          <a:endParaRPr lang="en-US"/>
-        </a:p>
-      </dgm:t>
     </dgm:pt>
     <dgm:pt modelId="{AE2D267D-1623-4861-B883-A437BD657712}" type="pres">
       <dgm:prSet presAssocID="{66C01631-095A-4F31-8D45-6369BBA62FA4}" presName="level3hierChild" presStyleCnt="0"/>
@@ -3208,24 +3154,10 @@
     <dgm:pt modelId="{A1E32B02-D7BB-46A5-9C60-A86A8E88E98F}" type="pres">
       <dgm:prSet presAssocID="{CB4FBE43-5E66-4A04-9E65-D7B240A2F07C}" presName="conn2-1" presStyleLbl="parChTrans1D2" presStyleIdx="2" presStyleCnt="4"/>
       <dgm:spPr/>
-      <dgm:t>
-        <a:bodyPr/>
-        <a:lstStyle/>
-        <a:p>
-          <a:endParaRPr lang="en-US"/>
-        </a:p>
-      </dgm:t>
     </dgm:pt>
     <dgm:pt modelId="{15F44E0B-AE9E-4E47-8940-C431B64491CA}" type="pres">
       <dgm:prSet presAssocID="{CB4FBE43-5E66-4A04-9E65-D7B240A2F07C}" presName="connTx" presStyleLbl="parChTrans1D2" presStyleIdx="2" presStyleCnt="4"/>
       <dgm:spPr/>
-      <dgm:t>
-        <a:bodyPr/>
-        <a:lstStyle/>
-        <a:p>
-          <a:endParaRPr lang="en-US"/>
-        </a:p>
-      </dgm:t>
     </dgm:pt>
     <dgm:pt modelId="{F737C2DD-D24D-43B2-BF18-8DC589BE8F72}" type="pres">
       <dgm:prSet presAssocID="{2875BF53-EE03-44E9-A84F-905DCCDEBF28}" presName="root2" presStyleCnt="0"/>
@@ -3238,13 +3170,6 @@
         </dgm:presLayoutVars>
       </dgm:prSet>
       <dgm:spPr/>
-      <dgm:t>
-        <a:bodyPr/>
-        <a:lstStyle/>
-        <a:p>
-          <a:endParaRPr lang="en-US"/>
-        </a:p>
-      </dgm:t>
     </dgm:pt>
     <dgm:pt modelId="{2140974F-0C26-41F3-A589-D75F0EEF4887}" type="pres">
       <dgm:prSet presAssocID="{2875BF53-EE03-44E9-A84F-905DCCDEBF28}" presName="level3hierChild" presStyleCnt="0"/>
@@ -3253,24 +3178,10 @@
     <dgm:pt modelId="{1E0708CF-D3E1-43F4-A539-A22953819225}" type="pres">
       <dgm:prSet presAssocID="{388CA375-04E0-4508-8146-E15672EC186A}" presName="conn2-1" presStyleLbl="parChTrans1D2" presStyleIdx="3" presStyleCnt="4"/>
       <dgm:spPr/>
-      <dgm:t>
-        <a:bodyPr/>
-        <a:lstStyle/>
-        <a:p>
-          <a:endParaRPr lang="en-US"/>
-        </a:p>
-      </dgm:t>
     </dgm:pt>
     <dgm:pt modelId="{FAD77D50-2F01-42CD-9E05-4FC97561BCAF}" type="pres">
       <dgm:prSet presAssocID="{388CA375-04E0-4508-8146-E15672EC186A}" presName="connTx" presStyleLbl="parChTrans1D2" presStyleIdx="3" presStyleCnt="4"/>
       <dgm:spPr/>
-      <dgm:t>
-        <a:bodyPr/>
-        <a:lstStyle/>
-        <a:p>
-          <a:endParaRPr lang="en-US"/>
-        </a:p>
-      </dgm:t>
     </dgm:pt>
     <dgm:pt modelId="{FB0EA3C1-5DC6-41AE-AD71-41E0D1628683}" type="pres">
       <dgm:prSet presAssocID="{A36823CB-F23B-47DF-8932-44214C4F36A5}" presName="root2" presStyleCnt="0"/>
@@ -3283,13 +3194,6 @@
         </dgm:presLayoutVars>
       </dgm:prSet>
       <dgm:spPr/>
-      <dgm:t>
-        <a:bodyPr/>
-        <a:lstStyle/>
-        <a:p>
-          <a:endParaRPr lang="en-US"/>
-        </a:p>
-      </dgm:t>
     </dgm:pt>
     <dgm:pt modelId="{1EEE1D19-A42E-4D74-9FE2-A9C0327FC0C7}" type="pres">
       <dgm:prSet presAssocID="{A36823CB-F23B-47DF-8932-44214C4F36A5}" presName="level3hierChild" presStyleCnt="0"/>
@@ -3297,25 +3201,25 @@
     </dgm:pt>
   </dgm:ptLst>
   <dgm:cxnLst>
+    <dgm:cxn modelId="{437E0A00-E027-4A85-B55C-59B73A793136}" type="presOf" srcId="{2875BF53-EE03-44E9-A84F-905DCCDEBF28}" destId="{7D4CDD25-83F8-482F-947F-2C9D5112B73C}" srcOrd="0" destOrd="0" presId="urn:microsoft.com/office/officeart/2008/layout/HorizontalMultiLevelHierarchy"/>
+    <dgm:cxn modelId="{7BEF2A01-24FF-4D4A-A2EA-DB4481D0F00E}" type="presOf" srcId="{388CA375-04E0-4508-8146-E15672EC186A}" destId="{1E0708CF-D3E1-43F4-A539-A22953819225}" srcOrd="0" destOrd="0" presId="urn:microsoft.com/office/officeart/2008/layout/HorizontalMultiLevelHierarchy"/>
+    <dgm:cxn modelId="{AB425E09-9B21-4C3A-94A8-FCD445FD6D3B}" type="presOf" srcId="{0959BF1D-294B-499D-9FA8-0F7AAA1AFE35}" destId="{761B4BD4-7785-4662-B47E-C44F3DEC6AC1}" srcOrd="0" destOrd="0" presId="urn:microsoft.com/office/officeart/2008/layout/HorizontalMultiLevelHierarchy"/>
+    <dgm:cxn modelId="{E4839317-1451-4E0C-9D44-77AC785B8D4F}" srcId="{E2301DEF-9A5B-480E-8A00-23A8E512687E}" destId="{2875BF53-EE03-44E9-A84F-905DCCDEBF28}" srcOrd="2" destOrd="0" parTransId="{CB4FBE43-5E66-4A04-9E65-D7B240A2F07C}" sibTransId="{EA2A4C38-C426-4758-8821-4F49C11A0F2E}"/>
+    <dgm:cxn modelId="{719E5025-1780-4230-BA14-FE2E4FB7FAB9}" type="presOf" srcId="{CB4FBE43-5E66-4A04-9E65-D7B240A2F07C}" destId="{A1E32B02-D7BB-46A5-9C60-A86A8E88E98F}" srcOrd="0" destOrd="0" presId="urn:microsoft.com/office/officeart/2008/layout/HorizontalMultiLevelHierarchy"/>
+    <dgm:cxn modelId="{DC42CA26-5259-4053-BA9D-D458500E5C29}" srcId="{E2301DEF-9A5B-480E-8A00-23A8E512687E}" destId="{66C01631-095A-4F31-8D45-6369BBA62FA4}" srcOrd="1" destOrd="0" parTransId="{BB413EBF-9427-4804-81A6-42C2B3D584EA}" sibTransId="{26D54FA5-01BD-4A26-A723-6007511E6EBE}"/>
+    <dgm:cxn modelId="{92B2D537-E21E-4271-868A-5416B2C08C46}" type="presOf" srcId="{388CA375-04E0-4508-8146-E15672EC186A}" destId="{FAD77D50-2F01-42CD-9E05-4FC97561BCAF}" srcOrd="1" destOrd="0" presId="urn:microsoft.com/office/officeart/2008/layout/HorizontalMultiLevelHierarchy"/>
+    <dgm:cxn modelId="{DDB89F3A-0469-4836-B2CB-0074EF9BB1DE}" type="presOf" srcId="{BB413EBF-9427-4804-81A6-42C2B3D584EA}" destId="{9F427D6A-FCA4-4BD4-BFA4-870D91D2875B}" srcOrd="1" destOrd="0" presId="urn:microsoft.com/office/officeart/2008/layout/HorizontalMultiLevelHierarchy"/>
+    <dgm:cxn modelId="{CF53AD3A-1150-441F-9B60-C49A624E1A79}" type="presOf" srcId="{5F54D8F6-6EF0-49BB-8E5A-1982503F70D9}" destId="{DBB62CEA-6870-4A3B-9BA0-0D0234480EBB}" srcOrd="1" destOrd="0" presId="urn:microsoft.com/office/officeart/2008/layout/HorizontalMultiLevelHierarchy"/>
+    <dgm:cxn modelId="{3F74165D-4D07-42C7-AD38-B83DDECB179E}" type="presOf" srcId="{E2301DEF-9A5B-480E-8A00-23A8E512687E}" destId="{EDFD6A01-F950-439B-B5C7-1C7F720F7DC1}" srcOrd="0" destOrd="0" presId="urn:microsoft.com/office/officeart/2008/layout/HorizontalMultiLevelHierarchy"/>
     <dgm:cxn modelId="{42787747-96AB-479B-8946-C8A03CB10E0D}" type="presOf" srcId="{BB413EBF-9427-4804-81A6-42C2B3D584EA}" destId="{5F1D099B-3639-4A53-BDE5-EEF2F059BB2D}" srcOrd="0" destOrd="0" presId="urn:microsoft.com/office/officeart/2008/layout/HorizontalMultiLevelHierarchy"/>
+    <dgm:cxn modelId="{37008776-1E1A-4323-AC1D-A53C9E0AEE6D}" srcId="{E2301DEF-9A5B-480E-8A00-23A8E512687E}" destId="{A36823CB-F23B-47DF-8932-44214C4F36A5}" srcOrd="3" destOrd="0" parTransId="{388CA375-04E0-4508-8146-E15672EC186A}" sibTransId="{A8951124-5893-4444-ACAC-F03D6C9330E8}"/>
     <dgm:cxn modelId="{7CEF208F-9AB7-440F-B12B-9F6DC4AF0692}" srcId="{D259E7F4-F464-42E7-A0C7-2D210D41E940}" destId="{E2301DEF-9A5B-480E-8A00-23A8E512687E}" srcOrd="0" destOrd="0" parTransId="{43CFBD72-B4D5-4F02-8060-4B5D3F9F0881}" sibTransId="{2586AB36-3AF9-482B-816C-812CB246B125}"/>
-    <dgm:cxn modelId="{AB425E09-9B21-4C3A-94A8-FCD445FD6D3B}" type="presOf" srcId="{0959BF1D-294B-499D-9FA8-0F7AAA1AFE35}" destId="{761B4BD4-7785-4662-B47E-C44F3DEC6AC1}" srcOrd="0" destOrd="0" presId="urn:microsoft.com/office/officeart/2008/layout/HorizontalMultiLevelHierarchy"/>
-    <dgm:cxn modelId="{3F74165D-4D07-42C7-AD38-B83DDECB179E}" type="presOf" srcId="{E2301DEF-9A5B-480E-8A00-23A8E512687E}" destId="{EDFD6A01-F950-439B-B5C7-1C7F720F7DC1}" srcOrd="0" destOrd="0" presId="urn:microsoft.com/office/officeart/2008/layout/HorizontalMultiLevelHierarchy"/>
-    <dgm:cxn modelId="{37008776-1E1A-4323-AC1D-A53C9E0AEE6D}" srcId="{E2301DEF-9A5B-480E-8A00-23A8E512687E}" destId="{A36823CB-F23B-47DF-8932-44214C4F36A5}" srcOrd="3" destOrd="0" parTransId="{388CA375-04E0-4508-8146-E15672EC186A}" sibTransId="{A8951124-5893-4444-ACAC-F03D6C9330E8}"/>
-    <dgm:cxn modelId="{7BEF2A01-24FF-4D4A-A2EA-DB4481D0F00E}" type="presOf" srcId="{388CA375-04E0-4508-8146-E15672EC186A}" destId="{1E0708CF-D3E1-43F4-A539-A22953819225}" srcOrd="0" destOrd="0" presId="urn:microsoft.com/office/officeart/2008/layout/HorizontalMultiLevelHierarchy"/>
-    <dgm:cxn modelId="{E4839317-1451-4E0C-9D44-77AC785B8D4F}" srcId="{E2301DEF-9A5B-480E-8A00-23A8E512687E}" destId="{2875BF53-EE03-44E9-A84F-905DCCDEBF28}" srcOrd="2" destOrd="0" parTransId="{CB4FBE43-5E66-4A04-9E65-D7B240A2F07C}" sibTransId="{EA2A4C38-C426-4758-8821-4F49C11A0F2E}"/>
+    <dgm:cxn modelId="{B3C599A6-420D-44D2-9E34-69792B951929}" type="presOf" srcId="{5F54D8F6-6EF0-49BB-8E5A-1982503F70D9}" destId="{DBCD2123-D742-4B15-92C6-A9A3D4207A4A}" srcOrd="0" destOrd="0" presId="urn:microsoft.com/office/officeart/2008/layout/HorizontalMultiLevelHierarchy"/>
+    <dgm:cxn modelId="{E308FCA7-17D8-44D2-B47D-AE63759A6F71}" type="presOf" srcId="{CB4FBE43-5E66-4A04-9E65-D7B240A2F07C}" destId="{15F44E0B-AE9E-4E47-8940-C431B64491CA}" srcOrd="1" destOrd="0" presId="urn:microsoft.com/office/officeart/2008/layout/HorizontalMultiLevelHierarchy"/>
+    <dgm:cxn modelId="{C05F66B6-3C3F-4115-8DD0-492ECAFE11F5}" type="presOf" srcId="{D259E7F4-F464-42E7-A0C7-2D210D41E940}" destId="{F53ECAAD-A031-4E9F-B89A-7EF768D6B084}" srcOrd="0" destOrd="0" presId="urn:microsoft.com/office/officeart/2008/layout/HorizontalMultiLevelHierarchy"/>
+    <dgm:cxn modelId="{4E0F4DB6-0601-44D9-8B26-EBFB4B4060BF}" srcId="{E2301DEF-9A5B-480E-8A00-23A8E512687E}" destId="{0959BF1D-294B-499D-9FA8-0F7AAA1AFE35}" srcOrd="0" destOrd="0" parTransId="{5F54D8F6-6EF0-49BB-8E5A-1982503F70D9}" sibTransId="{A9F45DF7-5312-426D-B5FA-03EBDA235A72}"/>
+    <dgm:cxn modelId="{BBCED4B6-2451-4928-8772-7B5942A97191}" type="presOf" srcId="{66C01631-095A-4F31-8D45-6369BBA62FA4}" destId="{4D538711-A400-4253-AB5A-68AA77561006}" srcOrd="0" destOrd="0" presId="urn:microsoft.com/office/officeart/2008/layout/HorizontalMultiLevelHierarchy"/>
     <dgm:cxn modelId="{01CBDCD8-BB1B-41FD-B3B6-B40E3B438B45}" type="presOf" srcId="{A36823CB-F23B-47DF-8932-44214C4F36A5}" destId="{B83BD01B-26DA-40A8-95E7-54A054A14A88}" srcOrd="0" destOrd="0" presId="urn:microsoft.com/office/officeart/2008/layout/HorizontalMultiLevelHierarchy"/>
-    <dgm:cxn modelId="{CF53AD3A-1150-441F-9B60-C49A624E1A79}" type="presOf" srcId="{5F54D8F6-6EF0-49BB-8E5A-1982503F70D9}" destId="{DBB62CEA-6870-4A3B-9BA0-0D0234480EBB}" srcOrd="1" destOrd="0" presId="urn:microsoft.com/office/officeart/2008/layout/HorizontalMultiLevelHierarchy"/>
-    <dgm:cxn modelId="{4E0F4DB6-0601-44D9-8B26-EBFB4B4060BF}" srcId="{E2301DEF-9A5B-480E-8A00-23A8E512687E}" destId="{0959BF1D-294B-499D-9FA8-0F7AAA1AFE35}" srcOrd="0" destOrd="0" parTransId="{5F54D8F6-6EF0-49BB-8E5A-1982503F70D9}" sibTransId="{A9F45DF7-5312-426D-B5FA-03EBDA235A72}"/>
-    <dgm:cxn modelId="{C05F66B6-3C3F-4115-8DD0-492ECAFE11F5}" type="presOf" srcId="{D259E7F4-F464-42E7-A0C7-2D210D41E940}" destId="{F53ECAAD-A031-4E9F-B89A-7EF768D6B084}" srcOrd="0" destOrd="0" presId="urn:microsoft.com/office/officeart/2008/layout/HorizontalMultiLevelHierarchy"/>
-    <dgm:cxn modelId="{E308FCA7-17D8-44D2-B47D-AE63759A6F71}" type="presOf" srcId="{CB4FBE43-5E66-4A04-9E65-D7B240A2F07C}" destId="{15F44E0B-AE9E-4E47-8940-C431B64491CA}" srcOrd="1" destOrd="0" presId="urn:microsoft.com/office/officeart/2008/layout/HorizontalMultiLevelHierarchy"/>
-    <dgm:cxn modelId="{DC42CA26-5259-4053-BA9D-D458500E5C29}" srcId="{E2301DEF-9A5B-480E-8A00-23A8E512687E}" destId="{66C01631-095A-4F31-8D45-6369BBA62FA4}" srcOrd="1" destOrd="0" parTransId="{BB413EBF-9427-4804-81A6-42C2B3D584EA}" sibTransId="{26D54FA5-01BD-4A26-A723-6007511E6EBE}"/>
-    <dgm:cxn modelId="{BBCED4B6-2451-4928-8772-7B5942A97191}" type="presOf" srcId="{66C01631-095A-4F31-8D45-6369BBA62FA4}" destId="{4D538711-A400-4253-AB5A-68AA77561006}" srcOrd="0" destOrd="0" presId="urn:microsoft.com/office/officeart/2008/layout/HorizontalMultiLevelHierarchy"/>
-    <dgm:cxn modelId="{92B2D537-E21E-4271-868A-5416B2C08C46}" type="presOf" srcId="{388CA375-04E0-4508-8146-E15672EC186A}" destId="{FAD77D50-2F01-42CD-9E05-4FC97561BCAF}" srcOrd="1" destOrd="0" presId="urn:microsoft.com/office/officeart/2008/layout/HorizontalMultiLevelHierarchy"/>
-    <dgm:cxn modelId="{B3C599A6-420D-44D2-9E34-69792B951929}" type="presOf" srcId="{5F54D8F6-6EF0-49BB-8E5A-1982503F70D9}" destId="{DBCD2123-D742-4B15-92C6-A9A3D4207A4A}" srcOrd="0" destOrd="0" presId="urn:microsoft.com/office/officeart/2008/layout/HorizontalMultiLevelHierarchy"/>
-    <dgm:cxn modelId="{437E0A00-E027-4A85-B55C-59B73A793136}" type="presOf" srcId="{2875BF53-EE03-44E9-A84F-905DCCDEBF28}" destId="{7D4CDD25-83F8-482F-947F-2C9D5112B73C}" srcOrd="0" destOrd="0" presId="urn:microsoft.com/office/officeart/2008/layout/HorizontalMultiLevelHierarchy"/>
-    <dgm:cxn modelId="{719E5025-1780-4230-BA14-FE2E4FB7FAB9}" type="presOf" srcId="{CB4FBE43-5E66-4A04-9E65-D7B240A2F07C}" destId="{A1E32B02-D7BB-46A5-9C60-A86A8E88E98F}" srcOrd="0" destOrd="0" presId="urn:microsoft.com/office/officeart/2008/layout/HorizontalMultiLevelHierarchy"/>
-    <dgm:cxn modelId="{DDB89F3A-0469-4836-B2CB-0074EF9BB1DE}" type="presOf" srcId="{BB413EBF-9427-4804-81A6-42C2B3D584EA}" destId="{9F427D6A-FCA4-4BD4-BFA4-870D91D2875B}" srcOrd="1" destOrd="0" presId="urn:microsoft.com/office/officeart/2008/layout/HorizontalMultiLevelHierarchy"/>
     <dgm:cxn modelId="{0705A512-A444-4CE5-824D-3770BDBC99FA}" type="presParOf" srcId="{F53ECAAD-A031-4E9F-B89A-7EF768D6B084}" destId="{3A5811A8-5D06-458B-BC5D-9F8AC7655899}" srcOrd="0" destOrd="0" presId="urn:microsoft.com/office/officeart/2008/layout/HorizontalMultiLevelHierarchy"/>
     <dgm:cxn modelId="{C36E9478-3AD2-47F3-9B47-A74C36B0C7E5}" type="presParOf" srcId="{3A5811A8-5D06-458B-BC5D-9F8AC7655899}" destId="{EDFD6A01-F950-439B-B5C7-1C7F720F7DC1}" srcOrd="0" destOrd="0" presId="urn:microsoft.com/office/officeart/2008/layout/HorizontalMultiLevelHierarchy"/>
     <dgm:cxn modelId="{3E020433-06E2-4D08-B4D7-3EEE1710A570}" type="presParOf" srcId="{3A5811A8-5D06-458B-BC5D-9F8AC7655899}" destId="{8E9D1E25-2609-4930-BA94-92B6565F56AA}" srcOrd="1" destOrd="0" presId="urn:microsoft.com/office/officeart/2008/layout/HorizontalMultiLevelHierarchy"/>
@@ -3809,10 +3713,9 @@
         <a:lstStyle/>
         <a:p>
           <a:r>
-            <a:rPr lang="en-US" dirty="0" smtClean="0"/>
+            <a:rPr lang="en-US" dirty="0"/>
             <a:t>GRU LM train</a:t>
           </a:r>
-          <a:endParaRPr lang="en-US" dirty="0"/>
         </a:p>
       </dgm:t>
     </dgm:pt>
@@ -3846,10 +3749,9 @@
         <a:lstStyle/>
         <a:p>
           <a:r>
-            <a:rPr lang="en-US" dirty="0" smtClean="0"/>
+            <a:rPr lang="en-US" dirty="0"/>
             <a:t>GRU-Generated-Corpus 5-gram train</a:t>
           </a:r>
-          <a:endParaRPr lang="en-US" dirty="0"/>
         </a:p>
       </dgm:t>
     </dgm:pt>
@@ -3883,10 +3785,9 @@
         <a:lstStyle/>
         <a:p>
           <a:r>
-            <a:rPr lang="en-US" dirty="0" smtClean="0"/>
+            <a:rPr lang="en-US" dirty="0"/>
             <a:t>GRU-Generated-Corpus 5-gram evaluate perplexity</a:t>
           </a:r>
-          <a:endParaRPr lang="en-US" dirty="0"/>
         </a:p>
       </dgm:t>
     </dgm:pt>
@@ -3928,35 +3829,14 @@
         </dgm:presLayoutVars>
       </dgm:prSet>
       <dgm:spPr/>
-      <dgm:t>
-        <a:bodyPr/>
-        <a:lstStyle/>
-        <a:p>
-          <a:endParaRPr lang="en-US"/>
-        </a:p>
-      </dgm:t>
     </dgm:pt>
     <dgm:pt modelId="{0DD9F322-72CE-4C6E-B08A-2F65D3EF43B1}" type="pres">
       <dgm:prSet presAssocID="{B747527B-8291-4D49-A3F1-F791005146F1}" presName="sibTrans" presStyleLbl="sibTrans2D1" presStyleIdx="0" presStyleCnt="2"/>
       <dgm:spPr/>
-      <dgm:t>
-        <a:bodyPr/>
-        <a:lstStyle/>
-        <a:p>
-          <a:endParaRPr lang="en-US"/>
-        </a:p>
-      </dgm:t>
     </dgm:pt>
     <dgm:pt modelId="{FA9AF5CD-AC7E-45AD-BCF7-9F2B14CAE444}" type="pres">
       <dgm:prSet presAssocID="{B747527B-8291-4D49-A3F1-F791005146F1}" presName="connectorText" presStyleLbl="sibTrans2D1" presStyleIdx="0" presStyleCnt="2"/>
       <dgm:spPr/>
-      <dgm:t>
-        <a:bodyPr/>
-        <a:lstStyle/>
-        <a:p>
-          <a:endParaRPr lang="en-US"/>
-        </a:p>
-      </dgm:t>
     </dgm:pt>
     <dgm:pt modelId="{98745794-894B-48B7-BE3B-2DD2C448B82E}" type="pres">
       <dgm:prSet presAssocID="{F3B42860-9A38-48D7-92DA-4A669D6D1A14}" presName="node" presStyleLbl="node1" presStyleIdx="1" presStyleCnt="3">
@@ -3965,35 +3845,14 @@
         </dgm:presLayoutVars>
       </dgm:prSet>
       <dgm:spPr/>
-      <dgm:t>
-        <a:bodyPr/>
-        <a:lstStyle/>
-        <a:p>
-          <a:endParaRPr lang="en-US"/>
-        </a:p>
-      </dgm:t>
     </dgm:pt>
     <dgm:pt modelId="{BF134F57-BBD9-4AF8-A6A5-72CCAA5A11E4}" type="pres">
       <dgm:prSet presAssocID="{2965F43C-69DD-45A6-9D5B-096BED74AA06}" presName="sibTrans" presStyleLbl="sibTrans2D1" presStyleIdx="1" presStyleCnt="2"/>
       <dgm:spPr/>
-      <dgm:t>
-        <a:bodyPr/>
-        <a:lstStyle/>
-        <a:p>
-          <a:endParaRPr lang="en-US"/>
-        </a:p>
-      </dgm:t>
     </dgm:pt>
     <dgm:pt modelId="{77BE0449-2B5A-491C-89D3-08A77D108BE4}" type="pres">
       <dgm:prSet presAssocID="{2965F43C-69DD-45A6-9D5B-096BED74AA06}" presName="connectorText" presStyleLbl="sibTrans2D1" presStyleIdx="1" presStyleCnt="2"/>
       <dgm:spPr/>
-      <dgm:t>
-        <a:bodyPr/>
-        <a:lstStyle/>
-        <a:p>
-          <a:endParaRPr lang="en-US"/>
-        </a:p>
-      </dgm:t>
     </dgm:pt>
     <dgm:pt modelId="{16C4371C-182F-411B-8001-68546A784BDB}" type="pres">
       <dgm:prSet presAssocID="{67875303-6A9A-4887-9FEC-9ADC28C0204C}" presName="node" presStyleLbl="node1" presStyleIdx="2" presStyleCnt="3">
@@ -4002,27 +3861,20 @@
         </dgm:presLayoutVars>
       </dgm:prSet>
       <dgm:spPr/>
-      <dgm:t>
-        <a:bodyPr/>
-        <a:lstStyle/>
-        <a:p>
-          <a:endParaRPr lang="en-US"/>
-        </a:p>
-      </dgm:t>
     </dgm:pt>
   </dgm:ptLst>
   <dgm:cxnLst>
-    <dgm:cxn modelId="{E33B14EC-03E5-46DD-A9A8-A9CC588B1B70}" srcId="{D0672782-9A7F-480A-BE15-CCA191207A27}" destId="{67875303-6A9A-4887-9FEC-9ADC28C0204C}" srcOrd="2" destOrd="0" parTransId="{276E35D5-B886-40D9-BF33-26EACDBE5747}" sibTransId="{90508E00-809F-46E6-B9EC-982BEBE0DB5F}"/>
+    <dgm:cxn modelId="{B81D5B10-2E98-4A93-A474-668F0F1A6C52}" srcId="{D0672782-9A7F-480A-BE15-CCA191207A27}" destId="{52FBB3D7-CE90-4673-BCF7-80440BCA4D74}" srcOrd="0" destOrd="0" parTransId="{F69BBA0E-0B61-4F42-90B3-A2EC3AD5461C}" sibTransId="{B747527B-8291-4D49-A3F1-F791005146F1}"/>
+    <dgm:cxn modelId="{16D3261D-6481-4061-9ADE-9FEABF226A2E}" type="presOf" srcId="{52FBB3D7-CE90-4673-BCF7-80440BCA4D74}" destId="{F6BD852D-7445-46DF-A95A-F1D63242590C}" srcOrd="0" destOrd="0" presId="urn:microsoft.com/office/officeart/2005/8/layout/process1"/>
+    <dgm:cxn modelId="{7959BA5D-A15F-4D8A-8F1C-C6E414AC807E}" type="presOf" srcId="{2965F43C-69DD-45A6-9D5B-096BED74AA06}" destId="{BF134F57-BBD9-4AF8-A6A5-72CCAA5A11E4}" srcOrd="0" destOrd="0" presId="urn:microsoft.com/office/officeart/2005/8/layout/process1"/>
+    <dgm:cxn modelId="{BA1B9362-A31B-4AAB-A988-C9CDEBC78BFA}" srcId="{D0672782-9A7F-480A-BE15-CCA191207A27}" destId="{F3B42860-9A38-48D7-92DA-4A669D6D1A14}" srcOrd="1" destOrd="0" parTransId="{5EFE6899-D1DF-44EA-A1EA-6B9C9A128439}" sibTransId="{2965F43C-69DD-45A6-9D5B-096BED74AA06}"/>
+    <dgm:cxn modelId="{6E658152-376E-4D20-A24F-24B6E7271FEE}" type="presOf" srcId="{2965F43C-69DD-45A6-9D5B-096BED74AA06}" destId="{77BE0449-2B5A-491C-89D3-08A77D108BE4}" srcOrd="1" destOrd="0" presId="urn:microsoft.com/office/officeart/2005/8/layout/process1"/>
     <dgm:cxn modelId="{4A3C4683-05F2-4FA1-96AC-0B5868C641AB}" type="presOf" srcId="{67875303-6A9A-4887-9FEC-9ADC28C0204C}" destId="{16C4371C-182F-411B-8001-68546A784BDB}" srcOrd="0" destOrd="0" presId="urn:microsoft.com/office/officeart/2005/8/layout/process1"/>
-    <dgm:cxn modelId="{7959BA5D-A15F-4D8A-8F1C-C6E414AC807E}" type="presOf" srcId="{2965F43C-69DD-45A6-9D5B-096BED74AA06}" destId="{BF134F57-BBD9-4AF8-A6A5-72CCAA5A11E4}" srcOrd="0" destOrd="0" presId="urn:microsoft.com/office/officeart/2005/8/layout/process1"/>
     <dgm:cxn modelId="{363713AC-1311-4DF3-AF59-AEEA4926BD17}" type="presOf" srcId="{F3B42860-9A38-48D7-92DA-4A669D6D1A14}" destId="{98745794-894B-48B7-BE3B-2DD2C448B82E}" srcOrd="0" destOrd="0" presId="urn:microsoft.com/office/officeart/2005/8/layout/process1"/>
     <dgm:cxn modelId="{0EE3ABBC-1343-4DF7-AA3F-AA3AECEEEE99}" type="presOf" srcId="{B747527B-8291-4D49-A3F1-F791005146F1}" destId="{FA9AF5CD-AC7E-45AD-BCF7-9F2B14CAE444}" srcOrd="1" destOrd="0" presId="urn:microsoft.com/office/officeart/2005/8/layout/process1"/>
+    <dgm:cxn modelId="{6A4181C2-1976-436D-AD00-3668870A475B}" type="presOf" srcId="{B747527B-8291-4D49-A3F1-F791005146F1}" destId="{0DD9F322-72CE-4C6E-B08A-2F65D3EF43B1}" srcOrd="0" destOrd="0" presId="urn:microsoft.com/office/officeart/2005/8/layout/process1"/>
+    <dgm:cxn modelId="{E33B14EC-03E5-46DD-A9A8-A9CC588B1B70}" srcId="{D0672782-9A7F-480A-BE15-CCA191207A27}" destId="{67875303-6A9A-4887-9FEC-9ADC28C0204C}" srcOrd="2" destOrd="0" parTransId="{276E35D5-B886-40D9-BF33-26EACDBE5747}" sibTransId="{90508E00-809F-46E6-B9EC-982BEBE0DB5F}"/>
     <dgm:cxn modelId="{98EF3AF8-1AE4-43F0-AB37-BF4C888CFA03}" type="presOf" srcId="{D0672782-9A7F-480A-BE15-CCA191207A27}" destId="{57E72CE2-7ED2-4128-A5FA-CA3B1216FDF7}" srcOrd="0" destOrd="0" presId="urn:microsoft.com/office/officeart/2005/8/layout/process1"/>
-    <dgm:cxn modelId="{6E658152-376E-4D20-A24F-24B6E7271FEE}" type="presOf" srcId="{2965F43C-69DD-45A6-9D5B-096BED74AA06}" destId="{77BE0449-2B5A-491C-89D3-08A77D108BE4}" srcOrd="1" destOrd="0" presId="urn:microsoft.com/office/officeart/2005/8/layout/process1"/>
-    <dgm:cxn modelId="{16D3261D-6481-4061-9ADE-9FEABF226A2E}" type="presOf" srcId="{52FBB3D7-CE90-4673-BCF7-80440BCA4D74}" destId="{F6BD852D-7445-46DF-A95A-F1D63242590C}" srcOrd="0" destOrd="0" presId="urn:microsoft.com/office/officeart/2005/8/layout/process1"/>
-    <dgm:cxn modelId="{6A4181C2-1976-436D-AD00-3668870A475B}" type="presOf" srcId="{B747527B-8291-4D49-A3F1-F791005146F1}" destId="{0DD9F322-72CE-4C6E-B08A-2F65D3EF43B1}" srcOrd="0" destOrd="0" presId="urn:microsoft.com/office/officeart/2005/8/layout/process1"/>
-    <dgm:cxn modelId="{BA1B9362-A31B-4AAB-A988-C9CDEBC78BFA}" srcId="{D0672782-9A7F-480A-BE15-CCA191207A27}" destId="{F3B42860-9A38-48D7-92DA-4A669D6D1A14}" srcOrd="1" destOrd="0" parTransId="{5EFE6899-D1DF-44EA-A1EA-6B9C9A128439}" sibTransId="{2965F43C-69DD-45A6-9D5B-096BED74AA06}"/>
-    <dgm:cxn modelId="{B81D5B10-2E98-4A93-A474-668F0F1A6C52}" srcId="{D0672782-9A7F-480A-BE15-CCA191207A27}" destId="{52FBB3D7-CE90-4673-BCF7-80440BCA4D74}" srcOrd="0" destOrd="0" parTransId="{F69BBA0E-0B61-4F42-90B3-A2EC3AD5461C}" sibTransId="{B747527B-8291-4D49-A3F1-F791005146F1}"/>
     <dgm:cxn modelId="{49A56DD8-AAF8-4D67-ACCB-0794E09A350B}" type="presParOf" srcId="{57E72CE2-7ED2-4128-A5FA-CA3B1216FDF7}" destId="{F6BD852D-7445-46DF-A95A-F1D63242590C}" srcOrd="0" destOrd="0" presId="urn:microsoft.com/office/officeart/2005/8/layout/process1"/>
     <dgm:cxn modelId="{71341BD5-4D1F-45CB-8C0A-241F9D0C6A4E}" type="presParOf" srcId="{57E72CE2-7ED2-4128-A5FA-CA3B1216FDF7}" destId="{0DD9F322-72CE-4C6E-B08A-2F65D3EF43B1}" srcOrd="1" destOrd="0" presId="urn:microsoft.com/office/officeart/2005/8/layout/process1"/>
     <dgm:cxn modelId="{7B69413D-E7D4-4DEC-B8E0-9F1416834532}" type="presParOf" srcId="{0DD9F322-72CE-4C6E-B08A-2F65D3EF43B1}" destId="{FA9AF5CD-AC7E-45AD-BCF7-9F2B14CAE444}" srcOrd="0" destOrd="0" presId="urn:microsoft.com/office/officeart/2005/8/layout/process1"/>
@@ -4056,10 +3908,9 @@
         <a:lstStyle/>
         <a:p>
           <a:r>
-            <a:rPr lang="en-US" dirty="0" smtClean="0"/>
+            <a:rPr lang="en-US" dirty="0"/>
             <a:t>5-gram LM train</a:t>
           </a:r>
-          <a:endParaRPr lang="en-US" dirty="0"/>
         </a:p>
       </dgm:t>
     </dgm:pt>
@@ -4093,10 +3944,9 @@
         <a:lstStyle/>
         <a:p>
           <a:r>
-            <a:rPr lang="en-US" dirty="0" smtClean="0"/>
+            <a:rPr lang="en-US" dirty="0"/>
             <a:t>5-gram LM evaluate perplexity</a:t>
           </a:r>
-          <a:endParaRPr lang="en-US" dirty="0"/>
         </a:p>
       </dgm:t>
     </dgm:pt>
@@ -4138,35 +3988,14 @@
         </dgm:presLayoutVars>
       </dgm:prSet>
       <dgm:spPr/>
-      <dgm:t>
-        <a:bodyPr/>
-        <a:lstStyle/>
-        <a:p>
-          <a:endParaRPr lang="en-US"/>
-        </a:p>
-      </dgm:t>
     </dgm:pt>
     <dgm:pt modelId="{0DD9F322-72CE-4C6E-B08A-2F65D3EF43B1}" type="pres">
       <dgm:prSet presAssocID="{B747527B-8291-4D49-A3F1-F791005146F1}" presName="sibTrans" presStyleLbl="sibTrans2D1" presStyleIdx="0" presStyleCnt="1"/>
       <dgm:spPr/>
-      <dgm:t>
-        <a:bodyPr/>
-        <a:lstStyle/>
-        <a:p>
-          <a:endParaRPr lang="en-US"/>
-        </a:p>
-      </dgm:t>
     </dgm:pt>
     <dgm:pt modelId="{FA9AF5CD-AC7E-45AD-BCF7-9F2B14CAE444}" type="pres">
       <dgm:prSet presAssocID="{B747527B-8291-4D49-A3F1-F791005146F1}" presName="connectorText" presStyleLbl="sibTrans2D1" presStyleIdx="0" presStyleCnt="1"/>
       <dgm:spPr/>
-      <dgm:t>
-        <a:bodyPr/>
-        <a:lstStyle/>
-        <a:p>
-          <a:endParaRPr lang="en-US"/>
-        </a:p>
-      </dgm:t>
     </dgm:pt>
     <dgm:pt modelId="{98745794-894B-48B7-BE3B-2DD2C448B82E}" type="pres">
       <dgm:prSet presAssocID="{F3B42860-9A38-48D7-92DA-4A669D6D1A14}" presName="node" presStyleLbl="node1" presStyleIdx="1" presStyleCnt="2">
@@ -4175,23 +4004,16 @@
         </dgm:presLayoutVars>
       </dgm:prSet>
       <dgm:spPr/>
-      <dgm:t>
-        <a:bodyPr/>
-        <a:lstStyle/>
-        <a:p>
-          <a:endParaRPr lang="en-US"/>
-        </a:p>
-      </dgm:t>
     </dgm:pt>
   </dgm:ptLst>
   <dgm:cxnLst>
-    <dgm:cxn modelId="{6A4181C2-1976-436D-AD00-3668870A475B}" type="presOf" srcId="{B747527B-8291-4D49-A3F1-F791005146F1}" destId="{0DD9F322-72CE-4C6E-B08A-2F65D3EF43B1}" srcOrd="0" destOrd="0" presId="urn:microsoft.com/office/officeart/2005/8/layout/process1"/>
+    <dgm:cxn modelId="{B81D5B10-2E98-4A93-A474-668F0F1A6C52}" srcId="{D0672782-9A7F-480A-BE15-CCA191207A27}" destId="{52FBB3D7-CE90-4673-BCF7-80440BCA4D74}" srcOrd="0" destOrd="0" parTransId="{F69BBA0E-0B61-4F42-90B3-A2EC3AD5461C}" sibTransId="{B747527B-8291-4D49-A3F1-F791005146F1}"/>
     <dgm:cxn modelId="{16D3261D-6481-4061-9ADE-9FEABF226A2E}" type="presOf" srcId="{52FBB3D7-CE90-4673-BCF7-80440BCA4D74}" destId="{F6BD852D-7445-46DF-A95A-F1D63242590C}" srcOrd="0" destOrd="0" presId="urn:microsoft.com/office/officeart/2005/8/layout/process1"/>
     <dgm:cxn modelId="{BA1B9362-A31B-4AAB-A988-C9CDEBC78BFA}" srcId="{D0672782-9A7F-480A-BE15-CCA191207A27}" destId="{F3B42860-9A38-48D7-92DA-4A669D6D1A14}" srcOrd="1" destOrd="0" parTransId="{5EFE6899-D1DF-44EA-A1EA-6B9C9A128439}" sibTransId="{2965F43C-69DD-45A6-9D5B-096BED74AA06}"/>
+    <dgm:cxn modelId="{363713AC-1311-4DF3-AF59-AEEA4926BD17}" type="presOf" srcId="{F3B42860-9A38-48D7-92DA-4A669D6D1A14}" destId="{98745794-894B-48B7-BE3B-2DD2C448B82E}" srcOrd="0" destOrd="0" presId="urn:microsoft.com/office/officeart/2005/8/layout/process1"/>
     <dgm:cxn modelId="{0EE3ABBC-1343-4DF7-AA3F-AA3AECEEEE99}" type="presOf" srcId="{B747527B-8291-4D49-A3F1-F791005146F1}" destId="{FA9AF5CD-AC7E-45AD-BCF7-9F2B14CAE444}" srcOrd="1" destOrd="0" presId="urn:microsoft.com/office/officeart/2005/8/layout/process1"/>
+    <dgm:cxn modelId="{6A4181C2-1976-436D-AD00-3668870A475B}" type="presOf" srcId="{B747527B-8291-4D49-A3F1-F791005146F1}" destId="{0DD9F322-72CE-4C6E-B08A-2F65D3EF43B1}" srcOrd="0" destOrd="0" presId="urn:microsoft.com/office/officeart/2005/8/layout/process1"/>
     <dgm:cxn modelId="{98EF3AF8-1AE4-43F0-AB37-BF4C888CFA03}" type="presOf" srcId="{D0672782-9A7F-480A-BE15-CCA191207A27}" destId="{57E72CE2-7ED2-4128-A5FA-CA3B1216FDF7}" srcOrd="0" destOrd="0" presId="urn:microsoft.com/office/officeart/2005/8/layout/process1"/>
-    <dgm:cxn modelId="{B81D5B10-2E98-4A93-A474-668F0F1A6C52}" srcId="{D0672782-9A7F-480A-BE15-CCA191207A27}" destId="{52FBB3D7-CE90-4673-BCF7-80440BCA4D74}" srcOrd="0" destOrd="0" parTransId="{F69BBA0E-0B61-4F42-90B3-A2EC3AD5461C}" sibTransId="{B747527B-8291-4D49-A3F1-F791005146F1}"/>
-    <dgm:cxn modelId="{363713AC-1311-4DF3-AF59-AEEA4926BD17}" type="presOf" srcId="{F3B42860-9A38-48D7-92DA-4A669D6D1A14}" destId="{98745794-894B-48B7-BE3B-2DD2C448B82E}" srcOrd="0" destOrd="0" presId="urn:microsoft.com/office/officeart/2005/8/layout/process1"/>
     <dgm:cxn modelId="{49A56DD8-AAF8-4D67-ACCB-0794E09A350B}" type="presParOf" srcId="{57E72CE2-7ED2-4128-A5FA-CA3B1216FDF7}" destId="{F6BD852D-7445-46DF-A95A-F1D63242590C}" srcOrd="0" destOrd="0" presId="urn:microsoft.com/office/officeart/2005/8/layout/process1"/>
     <dgm:cxn modelId="{71341BD5-4D1F-45CB-8C0A-241F9D0C6A4E}" type="presParOf" srcId="{57E72CE2-7ED2-4128-A5FA-CA3B1216FDF7}" destId="{0DD9F322-72CE-4C6E-B08A-2F65D3EF43B1}" srcOrd="1" destOrd="0" presId="urn:microsoft.com/office/officeart/2005/8/layout/process1"/>
     <dgm:cxn modelId="{7B69413D-E7D4-4DEC-B8E0-9F1416834532}" type="presParOf" srcId="{0DD9F322-72CE-4C6E-B08A-2F65D3EF43B1}" destId="{FA9AF5CD-AC7E-45AD-BCF7-9F2B14CAE444}" srcOrd="0" destOrd="0" presId="urn:microsoft.com/office/officeart/2005/8/layout/process1"/>
@@ -4282,7 +4104,7 @@
         </a:bodyPr>
         <a:lstStyle/>
         <a:p>
-          <a:pPr lvl="0" algn="ctr" defTabSz="311150">
+          <a:pPr marL="0" lvl="0" indent="0" algn="ctr" defTabSz="311150">
             <a:lnSpc>
               <a:spcPct val="90000"/>
             </a:lnSpc>
@@ -4292,6 +4114,7 @@
             <a:spcAft>
               <a:spcPct val="35000"/>
             </a:spcAft>
+            <a:buNone/>
           </a:pPr>
           <a:endParaRPr lang="en-US" sz="700" kern="1200"/>
         </a:p>
@@ -4368,7 +4191,7 @@
         </a:bodyPr>
         <a:lstStyle/>
         <a:p>
-          <a:pPr lvl="0" algn="ctr" defTabSz="222250">
+          <a:pPr marL="0" lvl="0" indent="0" algn="ctr" defTabSz="222250">
             <a:lnSpc>
               <a:spcPct val="90000"/>
             </a:lnSpc>
@@ -4378,6 +4201,7 @@
             <a:spcAft>
               <a:spcPct val="35000"/>
             </a:spcAft>
+            <a:buNone/>
           </a:pPr>
           <a:endParaRPr lang="en-US" sz="500" kern="1200"/>
         </a:p>
@@ -4454,7 +4278,7 @@
         </a:bodyPr>
         <a:lstStyle/>
         <a:p>
-          <a:pPr lvl="0" algn="ctr" defTabSz="222250">
+          <a:pPr marL="0" lvl="0" indent="0" algn="ctr" defTabSz="222250">
             <a:lnSpc>
               <a:spcPct val="90000"/>
             </a:lnSpc>
@@ -4464,6 +4288,7 @@
             <a:spcAft>
               <a:spcPct val="35000"/>
             </a:spcAft>
+            <a:buNone/>
           </a:pPr>
           <a:endParaRPr lang="en-US" sz="500" kern="1200"/>
         </a:p>
@@ -4540,7 +4365,7 @@
         </a:bodyPr>
         <a:lstStyle/>
         <a:p>
-          <a:pPr lvl="0" algn="ctr" defTabSz="311150">
+          <a:pPr marL="0" lvl="0" indent="0" algn="ctr" defTabSz="311150">
             <a:lnSpc>
               <a:spcPct val="90000"/>
             </a:lnSpc>
@@ -4550,6 +4375,7 @@
             <a:spcAft>
               <a:spcPct val="35000"/>
             </a:spcAft>
+            <a:buNone/>
           </a:pPr>
           <a:endParaRPr lang="en-US" sz="700" kern="1200"/>
         </a:p>
@@ -4614,7 +4440,7 @@
         </a:bodyPr>
         <a:lstStyle/>
         <a:p>
-          <a:pPr lvl="0" algn="ctr" defTabSz="2178050">
+          <a:pPr marL="0" lvl="0" indent="0" algn="ctr" defTabSz="2178050">
             <a:lnSpc>
               <a:spcPct val="90000"/>
             </a:lnSpc>
@@ -4624,6 +4450,7 @@
             <a:spcAft>
               <a:spcPct val="35000"/>
             </a:spcAft>
+            <a:buNone/>
           </a:pPr>
           <a14:m xmlns:a14="http://schemas.microsoft.com/office/drawing/2010/main">
             <m:oMathPara xmlns:m="http://schemas.openxmlformats.org/officeDocument/2006/math">
@@ -4740,7 +4567,7 @@
         </a:bodyPr>
         <a:lstStyle/>
         <a:p>
-          <a:pPr lvl="0" algn="ctr" defTabSz="1955800">
+          <a:pPr marL="0" lvl="0" indent="0" algn="ctr" defTabSz="1955800">
             <a:lnSpc>
               <a:spcPct val="90000"/>
             </a:lnSpc>
@@ -4750,6 +4577,7 @@
             <a:spcAft>
               <a:spcPct val="35000"/>
             </a:spcAft>
+            <a:buNone/>
           </a:pPr>
           <a14:m xmlns:a14="http://schemas.microsoft.com/office/drawing/2010/main">
             <m:oMathPara xmlns:m="http://schemas.openxmlformats.org/officeDocument/2006/math">
@@ -4919,7 +4747,7 @@
         </a:bodyPr>
         <a:lstStyle/>
         <a:p>
-          <a:pPr lvl="0" algn="ctr" defTabSz="1955800">
+          <a:pPr marL="0" lvl="0" indent="0" algn="ctr" defTabSz="1955800">
             <a:lnSpc>
               <a:spcPct val="90000"/>
             </a:lnSpc>
@@ -4929,6 +4757,7 @@
             <a:spcAft>
               <a:spcPct val="35000"/>
             </a:spcAft>
+            <a:buNone/>
           </a:pPr>
           <a14:m xmlns:a14="http://schemas.microsoft.com/office/drawing/2010/main">
             <m:oMathPara xmlns:m="http://schemas.openxmlformats.org/officeDocument/2006/math">
@@ -5098,7 +4927,7 @@
         </a:bodyPr>
         <a:lstStyle/>
         <a:p>
-          <a:pPr lvl="0" algn="ctr" defTabSz="1955800">
+          <a:pPr marL="0" lvl="0" indent="0" algn="ctr" defTabSz="1955800">
             <a:lnSpc>
               <a:spcPct val="90000"/>
             </a:lnSpc>
@@ -5108,9 +4937,10 @@
             <a:spcAft>
               <a:spcPct val="35000"/>
             </a:spcAft>
+            <a:buNone/>
           </a:pPr>
           <a:r>
-            <a:rPr lang="en-US" sz="4400" kern="1200" dirty="0" smtClean="0"/>
+            <a:rPr lang="en-US" sz="4400" kern="1200" dirty="0"/>
             <a:t>…</a:t>
           </a:r>
         </a:p>
@@ -5175,7 +5005,7 @@
         </a:bodyPr>
         <a:lstStyle/>
         <a:p>
-          <a:pPr lvl="0" algn="ctr" defTabSz="1955800">
+          <a:pPr marL="0" lvl="0" indent="0" algn="ctr" defTabSz="1955800">
             <a:lnSpc>
               <a:spcPct val="90000"/>
             </a:lnSpc>
@@ -5185,6 +5015,7 @@
             <a:spcAft>
               <a:spcPct val="35000"/>
             </a:spcAft>
+            <a:buNone/>
           </a:pPr>
           <a14:m xmlns:a14="http://schemas.microsoft.com/office/drawing/2010/main">
             <m:oMathPara xmlns:m="http://schemas.openxmlformats.org/officeDocument/2006/math">
@@ -5291,7 +5122,7 @@
               </m:oMath>
             </m:oMathPara>
           </a14:m>
-          <a:endParaRPr lang="en-US" sz="4400" kern="1200" dirty="0" smtClean="0"/>
+          <a:endParaRPr lang="en-US" sz="4400" kern="1200" dirty="0"/>
         </a:p>
       </dsp:txBody>
       <dsp:txXfrm>
@@ -5368,7 +5199,7 @@
         </a:bodyPr>
         <a:lstStyle/>
         <a:p>
-          <a:pPr lvl="0" algn="ctr" defTabSz="977900">
+          <a:pPr marL="0" lvl="0" indent="0" algn="ctr" defTabSz="977900">
             <a:lnSpc>
               <a:spcPct val="90000"/>
             </a:lnSpc>
@@ -5378,12 +5209,12 @@
             <a:spcAft>
               <a:spcPct val="35000"/>
             </a:spcAft>
+            <a:buNone/>
           </a:pPr>
           <a:r>
-            <a:rPr lang="en-US" sz="2200" kern="1200" dirty="0" smtClean="0"/>
+            <a:rPr lang="en-US" sz="2200" kern="1200" dirty="0"/>
             <a:t>GRU LM train</a:t>
           </a:r>
-          <a:endParaRPr lang="en-US" sz="2200" kern="1200" dirty="0"/>
         </a:p>
       </dsp:txBody>
       <dsp:txXfrm>
@@ -5441,7 +5272,7 @@
         </a:bodyPr>
         <a:lstStyle/>
         <a:p>
-          <a:pPr lvl="0" algn="ctr" defTabSz="800100">
+          <a:pPr marL="0" lvl="0" indent="0" algn="ctr" defTabSz="800100">
             <a:lnSpc>
               <a:spcPct val="90000"/>
             </a:lnSpc>
@@ -5451,6 +5282,7 @@
             <a:spcAft>
               <a:spcPct val="35000"/>
             </a:spcAft>
+            <a:buNone/>
           </a:pPr>
           <a:endParaRPr lang="en-US" sz="1800" kern="1200"/>
         </a:p>
@@ -5517,7 +5349,7 @@
         </a:bodyPr>
         <a:lstStyle/>
         <a:p>
-          <a:pPr lvl="0" algn="ctr" defTabSz="977900">
+          <a:pPr marL="0" lvl="0" indent="0" algn="ctr" defTabSz="977900">
             <a:lnSpc>
               <a:spcPct val="90000"/>
             </a:lnSpc>
@@ -5527,12 +5359,12 @@
             <a:spcAft>
               <a:spcPct val="35000"/>
             </a:spcAft>
+            <a:buNone/>
           </a:pPr>
           <a:r>
-            <a:rPr lang="en-US" sz="2200" kern="1200" dirty="0" smtClean="0"/>
+            <a:rPr lang="en-US" sz="2200" kern="1200" dirty="0"/>
             <a:t>GRU-Generated-Corpus 5-gram train</a:t>
           </a:r>
-          <a:endParaRPr lang="en-US" sz="2200" kern="1200" dirty="0"/>
         </a:p>
       </dsp:txBody>
       <dsp:txXfrm>
@@ -5590,7 +5422,7 @@
         </a:bodyPr>
         <a:lstStyle/>
         <a:p>
-          <a:pPr lvl="0" algn="ctr" defTabSz="800100">
+          <a:pPr marL="0" lvl="0" indent="0" algn="ctr" defTabSz="800100">
             <a:lnSpc>
               <a:spcPct val="90000"/>
             </a:lnSpc>
@@ -5600,6 +5432,7 @@
             <a:spcAft>
               <a:spcPct val="35000"/>
             </a:spcAft>
+            <a:buNone/>
           </a:pPr>
           <a:endParaRPr lang="en-US" sz="1800" kern="1200"/>
         </a:p>
@@ -5666,7 +5499,7 @@
         </a:bodyPr>
         <a:lstStyle/>
         <a:p>
-          <a:pPr lvl="0" algn="ctr" defTabSz="977900">
+          <a:pPr marL="0" lvl="0" indent="0" algn="ctr" defTabSz="977900">
             <a:lnSpc>
               <a:spcPct val="90000"/>
             </a:lnSpc>
@@ -5676,12 +5509,12 @@
             <a:spcAft>
               <a:spcPct val="35000"/>
             </a:spcAft>
+            <a:buNone/>
           </a:pPr>
           <a:r>
-            <a:rPr lang="en-US" sz="2200" kern="1200" dirty="0" smtClean="0"/>
+            <a:rPr lang="en-US" sz="2200" kern="1200" dirty="0"/>
             <a:t>GRU-Generated-Corpus 5-gram evaluate perplexity</a:t>
           </a:r>
-          <a:endParaRPr lang="en-US" sz="2200" kern="1200" dirty="0"/>
         </a:p>
       </dsp:txBody>
       <dsp:txXfrm>
@@ -5758,7 +5591,7 @@
         </a:bodyPr>
         <a:lstStyle/>
         <a:p>
-          <a:pPr lvl="0" algn="ctr" defTabSz="1377950">
+          <a:pPr marL="0" lvl="0" indent="0" algn="ctr" defTabSz="1377950">
             <a:lnSpc>
               <a:spcPct val="90000"/>
             </a:lnSpc>
@@ -5768,12 +5601,12 @@
             <a:spcAft>
               <a:spcPct val="35000"/>
             </a:spcAft>
+            <a:buNone/>
           </a:pPr>
           <a:r>
-            <a:rPr lang="en-US" sz="3100" kern="1200" dirty="0" smtClean="0"/>
+            <a:rPr lang="en-US" sz="3100" kern="1200" dirty="0"/>
             <a:t>5-gram LM train</a:t>
           </a:r>
-          <a:endParaRPr lang="en-US" sz="3100" kern="1200" dirty="0"/>
         </a:p>
       </dsp:txBody>
       <dsp:txXfrm>
@@ -5831,7 +5664,7 @@
         </a:bodyPr>
         <a:lstStyle/>
         <a:p>
-          <a:pPr lvl="0" algn="ctr" defTabSz="1111250">
+          <a:pPr marL="0" lvl="0" indent="0" algn="ctr" defTabSz="1111250">
             <a:lnSpc>
               <a:spcPct val="90000"/>
             </a:lnSpc>
@@ -5841,6 +5674,7 @@
             <a:spcAft>
               <a:spcPct val="35000"/>
             </a:spcAft>
+            <a:buNone/>
           </a:pPr>
           <a:endParaRPr lang="en-US" sz="2500" kern="1200"/>
         </a:p>
@@ -5907,7 +5741,7 @@
         </a:bodyPr>
         <a:lstStyle/>
         <a:p>
-          <a:pPr lvl="0" algn="ctr" defTabSz="1377950">
+          <a:pPr marL="0" lvl="0" indent="0" algn="ctr" defTabSz="1377950">
             <a:lnSpc>
               <a:spcPct val="90000"/>
             </a:lnSpc>
@@ -5917,12 +5751,12 @@
             <a:spcAft>
               <a:spcPct val="35000"/>
             </a:spcAft>
+            <a:buNone/>
           </a:pPr>
           <a:r>
-            <a:rPr lang="en-US" sz="3100" kern="1200" dirty="0" smtClean="0"/>
+            <a:rPr lang="en-US" sz="3100" kern="1200" dirty="0"/>
             <a:t>5-gram LM evaluate perplexity</a:t>
           </a:r>
-          <a:endParaRPr lang="en-US" sz="3100" kern="1200" dirty="0"/>
         </a:p>
       </dsp:txBody>
       <dsp:txXfrm>
@@ -9693,7 +9527,7 @@
           </a:lstStyle>
           <a:p>
             <a:r>
-              <a:rPr lang="en-US" smtClean="0"/>
+              <a:rPr lang="en-US"/>
               <a:t>Click to edit Master title style</a:t>
             </a:r>
             <a:endParaRPr lang="en-GB"/>
@@ -9758,7 +9592,7 @@
           </a:lstStyle>
           <a:p>
             <a:r>
-              <a:rPr lang="en-US" smtClean="0"/>
+              <a:rPr lang="en-US"/>
               <a:t>Click to edit Master subtitle style</a:t>
             </a:r>
             <a:endParaRPr lang="en-GB"/>
@@ -9782,7 +9616,7 @@
           <a:p>
             <a:fld id="{868DB8A7-3A18-4C2F-83F4-935BFDFABEE2}" type="datetimeFigureOut">
               <a:rPr lang="en-GB" smtClean="0"/>
-              <a:t>27/10/2019</a:t>
+              <a:t>11/12/2020</a:t>
             </a:fld>
             <a:endParaRPr lang="en-GB"/>
           </a:p>
@@ -9876,7 +9710,7 @@
           <a:lstStyle/>
           <a:p>
             <a:r>
-              <a:rPr lang="en-US" smtClean="0"/>
+              <a:rPr lang="en-US"/>
               <a:t>Click to edit Master title style</a:t>
             </a:r>
             <a:endParaRPr lang="en-GB"/>
@@ -9900,35 +9734,35 @@
           <a:p>
             <a:pPr lvl="0"/>
             <a:r>
-              <a:rPr lang="en-US" smtClean="0"/>
+              <a:rPr lang="en-US"/>
               <a:t>Edit Master text styles</a:t>
             </a:r>
           </a:p>
           <a:p>
             <a:pPr lvl="1"/>
             <a:r>
-              <a:rPr lang="en-US" smtClean="0"/>
+              <a:rPr lang="en-US"/>
               <a:t>Second level</a:t>
             </a:r>
           </a:p>
           <a:p>
             <a:pPr lvl="2"/>
             <a:r>
-              <a:rPr lang="en-US" smtClean="0"/>
+              <a:rPr lang="en-US"/>
               <a:t>Third level</a:t>
             </a:r>
           </a:p>
           <a:p>
             <a:pPr lvl="3"/>
             <a:r>
-              <a:rPr lang="en-US" smtClean="0"/>
+              <a:rPr lang="en-US"/>
               <a:t>Fourth level</a:t>
             </a:r>
           </a:p>
           <a:p>
             <a:pPr lvl="4"/>
             <a:r>
-              <a:rPr lang="en-US" smtClean="0"/>
+              <a:rPr lang="en-US"/>
               <a:t>Fifth level</a:t>
             </a:r>
             <a:endParaRPr lang="en-GB"/>
@@ -9952,7 +9786,7 @@
           <a:p>
             <a:fld id="{868DB8A7-3A18-4C2F-83F4-935BFDFABEE2}" type="datetimeFigureOut">
               <a:rPr lang="en-GB" smtClean="0"/>
-              <a:t>27/10/2019</a:t>
+              <a:t>11/12/2020</a:t>
             </a:fld>
             <a:endParaRPr lang="en-GB"/>
           </a:p>
@@ -10051,7 +9885,7 @@
           <a:lstStyle/>
           <a:p>
             <a:r>
-              <a:rPr lang="en-US" smtClean="0"/>
+              <a:rPr lang="en-US"/>
               <a:t>Click to edit Master title style</a:t>
             </a:r>
             <a:endParaRPr lang="en-GB"/>
@@ -10080,35 +9914,35 @@
           <a:p>
             <a:pPr lvl="0"/>
             <a:r>
-              <a:rPr lang="en-US" smtClean="0"/>
+              <a:rPr lang="en-US"/>
               <a:t>Edit Master text styles</a:t>
             </a:r>
           </a:p>
           <a:p>
             <a:pPr lvl="1"/>
             <a:r>
-              <a:rPr lang="en-US" smtClean="0"/>
+              <a:rPr lang="en-US"/>
               <a:t>Second level</a:t>
             </a:r>
           </a:p>
           <a:p>
             <a:pPr lvl="2"/>
             <a:r>
-              <a:rPr lang="en-US" smtClean="0"/>
+              <a:rPr lang="en-US"/>
               <a:t>Third level</a:t>
             </a:r>
           </a:p>
           <a:p>
             <a:pPr lvl="3"/>
             <a:r>
-              <a:rPr lang="en-US" smtClean="0"/>
+              <a:rPr lang="en-US"/>
               <a:t>Fourth level</a:t>
             </a:r>
           </a:p>
           <a:p>
             <a:pPr lvl="4"/>
             <a:r>
-              <a:rPr lang="en-US" smtClean="0"/>
+              <a:rPr lang="en-US"/>
               <a:t>Fifth level</a:t>
             </a:r>
             <a:endParaRPr lang="en-GB"/>
@@ -10132,7 +9966,7 @@
           <a:p>
             <a:fld id="{868DB8A7-3A18-4C2F-83F4-935BFDFABEE2}" type="datetimeFigureOut">
               <a:rPr lang="en-GB" smtClean="0"/>
-              <a:t>27/10/2019</a:t>
+              <a:t>11/12/2020</a:t>
             </a:fld>
             <a:endParaRPr lang="en-GB"/>
           </a:p>
@@ -10226,7 +10060,7 @@
           <a:lstStyle/>
           <a:p>
             <a:r>
-              <a:rPr lang="en-US" smtClean="0"/>
+              <a:rPr lang="en-US"/>
               <a:t>Click to edit Master title style</a:t>
             </a:r>
             <a:endParaRPr lang="en-GB"/>
@@ -10250,35 +10084,35 @@
           <a:p>
             <a:pPr lvl="0"/>
             <a:r>
-              <a:rPr lang="en-US" smtClean="0"/>
+              <a:rPr lang="en-US"/>
               <a:t>Edit Master text styles</a:t>
             </a:r>
           </a:p>
           <a:p>
             <a:pPr lvl="1"/>
             <a:r>
-              <a:rPr lang="en-US" smtClean="0"/>
+              <a:rPr lang="en-US"/>
               <a:t>Second level</a:t>
             </a:r>
           </a:p>
           <a:p>
             <a:pPr lvl="2"/>
             <a:r>
-              <a:rPr lang="en-US" smtClean="0"/>
+              <a:rPr lang="en-US"/>
               <a:t>Third level</a:t>
             </a:r>
           </a:p>
           <a:p>
             <a:pPr lvl="3"/>
             <a:r>
-              <a:rPr lang="en-US" smtClean="0"/>
+              <a:rPr lang="en-US"/>
               <a:t>Fourth level</a:t>
             </a:r>
           </a:p>
           <a:p>
             <a:pPr lvl="4"/>
             <a:r>
-              <a:rPr lang="en-US" smtClean="0"/>
+              <a:rPr lang="en-US"/>
               <a:t>Fifth level</a:t>
             </a:r>
             <a:endParaRPr lang="en-GB"/>
@@ -10302,7 +10136,7 @@
           <a:p>
             <a:fld id="{868DB8A7-3A18-4C2F-83F4-935BFDFABEE2}" type="datetimeFigureOut">
               <a:rPr lang="en-GB" smtClean="0"/>
-              <a:t>27/10/2019</a:t>
+              <a:t>11/12/2020</a:t>
             </a:fld>
             <a:endParaRPr lang="en-GB"/>
           </a:p>
@@ -10405,7 +10239,7 @@
           </a:lstStyle>
           <a:p>
             <a:r>
-              <a:rPr lang="en-US" smtClean="0"/>
+              <a:rPr lang="en-US"/>
               <a:t>Click to edit Master title style</a:t>
             </a:r>
             <a:endParaRPr lang="en-GB"/>
@@ -10525,7 +10359,7 @@
           <a:p>
             <a:pPr lvl="0"/>
             <a:r>
-              <a:rPr lang="en-US" smtClean="0"/>
+              <a:rPr lang="en-US"/>
               <a:t>Edit Master text styles</a:t>
             </a:r>
           </a:p>
@@ -10548,7 +10382,7 @@
           <a:p>
             <a:fld id="{868DB8A7-3A18-4C2F-83F4-935BFDFABEE2}" type="datetimeFigureOut">
               <a:rPr lang="en-GB" smtClean="0"/>
-              <a:t>27/10/2019</a:t>
+              <a:t>11/12/2020</a:t>
             </a:fld>
             <a:endParaRPr lang="en-GB"/>
           </a:p>
@@ -10642,7 +10476,7 @@
           <a:lstStyle/>
           <a:p>
             <a:r>
-              <a:rPr lang="en-US" smtClean="0"/>
+              <a:rPr lang="en-US"/>
               <a:t>Click to edit Master title style</a:t>
             </a:r>
             <a:endParaRPr lang="en-GB"/>
@@ -10671,35 +10505,35 @@
           <a:p>
             <a:pPr lvl="0"/>
             <a:r>
-              <a:rPr lang="en-US" smtClean="0"/>
+              <a:rPr lang="en-US"/>
               <a:t>Edit Master text styles</a:t>
             </a:r>
           </a:p>
           <a:p>
             <a:pPr lvl="1"/>
             <a:r>
-              <a:rPr lang="en-US" smtClean="0"/>
+              <a:rPr lang="en-US"/>
               <a:t>Second level</a:t>
             </a:r>
           </a:p>
           <a:p>
             <a:pPr lvl="2"/>
             <a:r>
-              <a:rPr lang="en-US" smtClean="0"/>
+              <a:rPr lang="en-US"/>
               <a:t>Third level</a:t>
             </a:r>
           </a:p>
           <a:p>
             <a:pPr lvl="3"/>
             <a:r>
-              <a:rPr lang="en-US" smtClean="0"/>
+              <a:rPr lang="en-US"/>
               <a:t>Fourth level</a:t>
             </a:r>
           </a:p>
           <a:p>
             <a:pPr lvl="4"/>
             <a:r>
-              <a:rPr lang="en-US" smtClean="0"/>
+              <a:rPr lang="en-US"/>
               <a:t>Fifth level</a:t>
             </a:r>
             <a:endParaRPr lang="en-GB"/>
@@ -10728,35 +10562,35 @@
           <a:p>
             <a:pPr lvl="0"/>
             <a:r>
-              <a:rPr lang="en-US" smtClean="0"/>
+              <a:rPr lang="en-US"/>
               <a:t>Edit Master text styles</a:t>
             </a:r>
           </a:p>
           <a:p>
             <a:pPr lvl="1"/>
             <a:r>
-              <a:rPr lang="en-US" smtClean="0"/>
+              <a:rPr lang="en-US"/>
               <a:t>Second level</a:t>
             </a:r>
           </a:p>
           <a:p>
             <a:pPr lvl="2"/>
             <a:r>
-              <a:rPr lang="en-US" smtClean="0"/>
+              <a:rPr lang="en-US"/>
               <a:t>Third level</a:t>
             </a:r>
           </a:p>
           <a:p>
             <a:pPr lvl="3"/>
             <a:r>
-              <a:rPr lang="en-US" smtClean="0"/>
+              <a:rPr lang="en-US"/>
               <a:t>Fourth level</a:t>
             </a:r>
           </a:p>
           <a:p>
             <a:pPr lvl="4"/>
             <a:r>
-              <a:rPr lang="en-US" smtClean="0"/>
+              <a:rPr lang="en-US"/>
               <a:t>Fifth level</a:t>
             </a:r>
             <a:endParaRPr lang="en-GB"/>
@@ -10780,7 +10614,7 @@
           <a:p>
             <a:fld id="{868DB8A7-3A18-4C2F-83F4-935BFDFABEE2}" type="datetimeFigureOut">
               <a:rPr lang="en-GB" smtClean="0"/>
-              <a:t>27/10/2019</a:t>
+              <a:t>11/12/2020</a:t>
             </a:fld>
             <a:endParaRPr lang="en-GB"/>
           </a:p>
@@ -10879,7 +10713,7 @@
           <a:lstStyle/>
           <a:p>
             <a:r>
-              <a:rPr lang="en-US" smtClean="0"/>
+              <a:rPr lang="en-US"/>
               <a:t>Click to edit Master title style</a:t>
             </a:r>
             <a:endParaRPr lang="en-GB"/>
@@ -10945,7 +10779,7 @@
           <a:p>
             <a:pPr lvl="0"/>
             <a:r>
-              <a:rPr lang="en-US" smtClean="0"/>
+              <a:rPr lang="en-US"/>
               <a:t>Edit Master text styles</a:t>
             </a:r>
           </a:p>
@@ -10973,35 +10807,35 @@
           <a:p>
             <a:pPr lvl="0"/>
             <a:r>
-              <a:rPr lang="en-US" smtClean="0"/>
+              <a:rPr lang="en-US"/>
               <a:t>Edit Master text styles</a:t>
             </a:r>
           </a:p>
           <a:p>
             <a:pPr lvl="1"/>
             <a:r>
-              <a:rPr lang="en-US" smtClean="0"/>
+              <a:rPr lang="en-US"/>
               <a:t>Second level</a:t>
             </a:r>
           </a:p>
           <a:p>
             <a:pPr lvl="2"/>
             <a:r>
-              <a:rPr lang="en-US" smtClean="0"/>
+              <a:rPr lang="en-US"/>
               <a:t>Third level</a:t>
             </a:r>
           </a:p>
           <a:p>
             <a:pPr lvl="3"/>
             <a:r>
-              <a:rPr lang="en-US" smtClean="0"/>
+              <a:rPr lang="en-US"/>
               <a:t>Fourth level</a:t>
             </a:r>
           </a:p>
           <a:p>
             <a:pPr lvl="4"/>
             <a:r>
-              <a:rPr lang="en-US" smtClean="0"/>
+              <a:rPr lang="en-US"/>
               <a:t>Fifth level</a:t>
             </a:r>
             <a:endParaRPr lang="en-GB"/>
@@ -11067,7 +10901,7 @@
           <a:p>
             <a:pPr lvl="0"/>
             <a:r>
-              <a:rPr lang="en-US" smtClean="0"/>
+              <a:rPr lang="en-US"/>
               <a:t>Edit Master text styles</a:t>
             </a:r>
           </a:p>
@@ -11095,35 +10929,35 @@
           <a:p>
             <a:pPr lvl="0"/>
             <a:r>
-              <a:rPr lang="en-US" smtClean="0"/>
+              <a:rPr lang="en-US"/>
               <a:t>Edit Master text styles</a:t>
             </a:r>
           </a:p>
           <a:p>
             <a:pPr lvl="1"/>
             <a:r>
-              <a:rPr lang="en-US" smtClean="0"/>
+              <a:rPr lang="en-US"/>
               <a:t>Second level</a:t>
             </a:r>
           </a:p>
           <a:p>
             <a:pPr lvl="2"/>
             <a:r>
-              <a:rPr lang="en-US" smtClean="0"/>
+              <a:rPr lang="en-US"/>
               <a:t>Third level</a:t>
             </a:r>
           </a:p>
           <a:p>
             <a:pPr lvl="3"/>
             <a:r>
-              <a:rPr lang="en-US" smtClean="0"/>
+              <a:rPr lang="en-US"/>
               <a:t>Fourth level</a:t>
             </a:r>
           </a:p>
           <a:p>
             <a:pPr lvl="4"/>
             <a:r>
-              <a:rPr lang="en-US" smtClean="0"/>
+              <a:rPr lang="en-US"/>
               <a:t>Fifth level</a:t>
             </a:r>
             <a:endParaRPr lang="en-GB"/>
@@ -11147,7 +10981,7 @@
           <a:p>
             <a:fld id="{868DB8A7-3A18-4C2F-83F4-935BFDFABEE2}" type="datetimeFigureOut">
               <a:rPr lang="en-GB" smtClean="0"/>
-              <a:t>27/10/2019</a:t>
+              <a:t>11/12/2020</a:t>
             </a:fld>
             <a:endParaRPr lang="en-GB"/>
           </a:p>
@@ -11241,7 +11075,7 @@
           <a:lstStyle/>
           <a:p>
             <a:r>
-              <a:rPr lang="en-US" smtClean="0"/>
+              <a:rPr lang="en-US"/>
               <a:t>Click to edit Master title style</a:t>
             </a:r>
             <a:endParaRPr lang="en-GB"/>
@@ -11265,7 +11099,7 @@
           <a:p>
             <a:fld id="{868DB8A7-3A18-4C2F-83F4-935BFDFABEE2}" type="datetimeFigureOut">
               <a:rPr lang="en-GB" smtClean="0"/>
-              <a:t>27/10/2019</a:t>
+              <a:t>11/12/2020</a:t>
             </a:fld>
             <a:endParaRPr lang="en-GB"/>
           </a:p>
@@ -11360,7 +11194,7 @@
           <a:p>
             <a:fld id="{868DB8A7-3A18-4C2F-83F4-935BFDFABEE2}" type="datetimeFigureOut">
               <a:rPr lang="en-GB" smtClean="0"/>
-              <a:t>27/10/2019</a:t>
+              <a:t>11/12/2020</a:t>
             </a:fld>
             <a:endParaRPr lang="en-GB"/>
           </a:p>
@@ -11463,7 +11297,7 @@
           </a:lstStyle>
           <a:p>
             <a:r>
-              <a:rPr lang="en-US" smtClean="0"/>
+              <a:rPr lang="en-US"/>
               <a:t>Click to edit Master title style</a:t>
             </a:r>
             <a:endParaRPr lang="en-GB"/>
@@ -11520,35 +11354,35 @@
           <a:p>
             <a:pPr lvl="0"/>
             <a:r>
-              <a:rPr lang="en-US" smtClean="0"/>
+              <a:rPr lang="en-US"/>
               <a:t>Edit Master text styles</a:t>
             </a:r>
           </a:p>
           <a:p>
             <a:pPr lvl="1"/>
             <a:r>
-              <a:rPr lang="en-US" smtClean="0"/>
+              <a:rPr lang="en-US"/>
               <a:t>Second level</a:t>
             </a:r>
           </a:p>
           <a:p>
             <a:pPr lvl="2"/>
             <a:r>
-              <a:rPr lang="en-US" smtClean="0"/>
+              <a:rPr lang="en-US"/>
               <a:t>Third level</a:t>
             </a:r>
           </a:p>
           <a:p>
             <a:pPr lvl="3"/>
             <a:r>
-              <a:rPr lang="en-US" smtClean="0"/>
+              <a:rPr lang="en-US"/>
               <a:t>Fourth level</a:t>
             </a:r>
           </a:p>
           <a:p>
             <a:pPr lvl="4"/>
             <a:r>
-              <a:rPr lang="en-US" smtClean="0"/>
+              <a:rPr lang="en-US"/>
               <a:t>Fifth level</a:t>
             </a:r>
             <a:endParaRPr lang="en-GB"/>
@@ -11614,7 +11448,7 @@
           <a:p>
             <a:pPr lvl="0"/>
             <a:r>
-              <a:rPr lang="en-US" smtClean="0"/>
+              <a:rPr lang="en-US"/>
               <a:t>Edit Master text styles</a:t>
             </a:r>
           </a:p>
@@ -11637,7 +11471,7 @@
           <a:p>
             <a:fld id="{868DB8A7-3A18-4C2F-83F4-935BFDFABEE2}" type="datetimeFigureOut">
               <a:rPr lang="en-GB" smtClean="0"/>
-              <a:t>27/10/2019</a:t>
+              <a:t>11/12/2020</a:t>
             </a:fld>
             <a:endParaRPr lang="en-GB"/>
           </a:p>
@@ -11740,7 +11574,7 @@
           </a:lstStyle>
           <a:p>
             <a:r>
-              <a:rPr lang="en-US" smtClean="0"/>
+              <a:rPr lang="en-US"/>
               <a:t>Click to edit Master title style</a:t>
             </a:r>
             <a:endParaRPr lang="en-GB"/>
@@ -11867,7 +11701,7 @@
           <a:p>
             <a:pPr lvl="0"/>
             <a:r>
-              <a:rPr lang="en-US" smtClean="0"/>
+              <a:rPr lang="en-US"/>
               <a:t>Edit Master text styles</a:t>
             </a:r>
           </a:p>
@@ -11890,7 +11724,7 @@
           <a:p>
             <a:fld id="{868DB8A7-3A18-4C2F-83F4-935BFDFABEE2}" type="datetimeFigureOut">
               <a:rPr lang="en-GB" smtClean="0"/>
-              <a:t>27/10/2019</a:t>
+              <a:t>11/12/2020</a:t>
             </a:fld>
             <a:endParaRPr lang="en-GB"/>
           </a:p>
@@ -11999,7 +11833,7 @@
           <a:lstStyle/>
           <a:p>
             <a:r>
-              <a:rPr lang="en-US" smtClean="0"/>
+              <a:rPr lang="en-US"/>
               <a:t>Click to edit Master title style</a:t>
             </a:r>
             <a:endParaRPr lang="en-GB"/>
@@ -12033,35 +11867,35 @@
           <a:p>
             <a:pPr lvl="0"/>
             <a:r>
-              <a:rPr lang="en-US" smtClean="0"/>
+              <a:rPr lang="en-US"/>
               <a:t>Edit Master text styles</a:t>
             </a:r>
           </a:p>
           <a:p>
             <a:pPr lvl="1"/>
             <a:r>
-              <a:rPr lang="en-US" smtClean="0"/>
+              <a:rPr lang="en-US"/>
               <a:t>Second level</a:t>
             </a:r>
           </a:p>
           <a:p>
             <a:pPr lvl="2"/>
             <a:r>
-              <a:rPr lang="en-US" smtClean="0"/>
+              <a:rPr lang="en-US"/>
               <a:t>Third level</a:t>
             </a:r>
           </a:p>
           <a:p>
             <a:pPr lvl="3"/>
             <a:r>
-              <a:rPr lang="en-US" smtClean="0"/>
+              <a:rPr lang="en-US"/>
               <a:t>Fourth level</a:t>
             </a:r>
           </a:p>
           <a:p>
             <a:pPr lvl="4"/>
             <a:r>
-              <a:rPr lang="en-US" smtClean="0"/>
+              <a:rPr lang="en-US"/>
               <a:t>Fifth level</a:t>
             </a:r>
             <a:endParaRPr lang="en-GB"/>
@@ -12103,7 +11937,7 @@
           <a:p>
             <a:fld id="{868DB8A7-3A18-4C2F-83F4-935BFDFABEE2}" type="datetimeFigureOut">
               <a:rPr lang="en-GB" smtClean="0"/>
-              <a:t>27/10/2019</a:t>
+              <a:t>11/12/2020</a:t>
             </a:fld>
             <a:endParaRPr lang="en-GB"/>
           </a:p>
@@ -14351,10 +14185,9 @@
           <a:p>
             <a:pPr algn="ctr"/>
             <a:r>
-              <a:rPr lang="en-GB" sz="1000" b="1" dirty="0" smtClean="0"/>
+              <a:rPr lang="en-GB" sz="1000" b="1" dirty="0"/>
               <a:t>Input Gate</a:t>
             </a:r>
-            <a:endParaRPr lang="en-GB" sz="1000" b="1" dirty="0"/>
           </a:p>
         </p:txBody>
       </p:sp>
@@ -14382,10 +14215,9 @@
           <a:p>
             <a:pPr algn="ctr"/>
             <a:r>
-              <a:rPr lang="en-GB" sz="1000" b="1" dirty="0" smtClean="0"/>
+              <a:rPr lang="en-GB" sz="1000" b="1" dirty="0"/>
               <a:t>Output Gate</a:t>
             </a:r>
-            <a:endParaRPr lang="en-GB" sz="1000" b="1" dirty="0"/>
           </a:p>
         </p:txBody>
       </p:sp>
@@ -14413,10 +14245,9 @@
           <a:p>
             <a:pPr algn="ctr"/>
             <a:r>
-              <a:rPr lang="en-GB" sz="1000" b="1" dirty="0" smtClean="0"/>
+              <a:rPr lang="en-GB" sz="1000" b="1" dirty="0"/>
               <a:t>Forget Gate</a:t>
             </a:r>
-            <a:endParaRPr lang="en-GB" sz="1000" b="1" dirty="0"/>
           </a:p>
         </p:txBody>
       </p:sp>
@@ -15454,10 +15285,9 @@
           <a:p>
             <a:pPr algn="ctr"/>
             <a:r>
-              <a:rPr lang="en-GB" sz="1000" b="1" dirty="0" smtClean="0"/>
+              <a:rPr lang="en-GB" sz="1000" b="1" dirty="0"/>
               <a:t>LSTM CELL</a:t>
             </a:r>
-            <a:endParaRPr lang="en-GB" sz="1000" b="1" dirty="0"/>
           </a:p>
         </p:txBody>
       </p:sp>
@@ -16167,10 +15997,9 @@
           <a:p>
             <a:pPr algn="ctr"/>
             <a:r>
-              <a:rPr lang="en-GB" dirty="0" smtClean="0"/>
+              <a:rPr lang="en-GB" dirty="0"/>
               <a:t>Pre-emphasis</a:t>
             </a:r>
-            <a:endParaRPr lang="en-GB" dirty="0"/>
           </a:p>
         </p:txBody>
       </p:sp>
@@ -16211,10 +16040,9 @@
           <a:p>
             <a:pPr algn="ctr"/>
             <a:r>
-              <a:rPr lang="en-GB" dirty="0" smtClean="0"/>
+              <a:rPr lang="en-GB" dirty="0"/>
               <a:t>DFT</a:t>
             </a:r>
-            <a:endParaRPr lang="en-GB" dirty="0"/>
           </a:p>
         </p:txBody>
       </p:sp>
@@ -16255,10 +16083,9 @@
           <a:p>
             <a:pPr algn="ctr"/>
             <a:r>
-              <a:rPr lang="en-GB" dirty="0" smtClean="0"/>
+              <a:rPr lang="en-GB" dirty="0"/>
               <a:t>Mel filter banks</a:t>
             </a:r>
-            <a:endParaRPr lang="en-GB" dirty="0"/>
           </a:p>
         </p:txBody>
       </p:sp>
@@ -16299,18 +16126,17 @@
           <a:p>
             <a:pPr algn="ctr"/>
             <a:r>
-              <a:rPr lang="en-GB" dirty="0" smtClean="0"/>
+              <a:rPr lang="en-GB" dirty="0"/>
               <a:t>Log(| |</a:t>
             </a:r>
             <a:r>
-              <a:rPr lang="en-GB" baseline="30000" dirty="0" smtClean="0"/>
+              <a:rPr lang="en-GB" baseline="30000" dirty="0"/>
               <a:t>2</a:t>
             </a:r>
             <a:r>
-              <a:rPr lang="en-GB" dirty="0" smtClean="0"/>
+              <a:rPr lang="en-GB" dirty="0"/>
               <a:t>)</a:t>
             </a:r>
-            <a:endParaRPr lang="en-GB" dirty="0"/>
           </a:p>
         </p:txBody>
       </p:sp>
@@ -16351,10 +16177,9 @@
           <a:p>
             <a:pPr algn="ctr"/>
             <a:r>
-              <a:rPr lang="en-GB" dirty="0" smtClean="0"/>
+              <a:rPr lang="en-GB" dirty="0"/>
               <a:t>IDFT</a:t>
             </a:r>
-            <a:endParaRPr lang="en-GB" dirty="0"/>
           </a:p>
         </p:txBody>
       </p:sp>
@@ -16381,10 +16206,9 @@
           <a:lstStyle/>
           <a:p>
             <a:r>
-              <a:rPr lang="en-GB" dirty="0" smtClean="0"/>
+              <a:rPr lang="en-GB" dirty="0"/>
               <a:t>MFCC</a:t>
             </a:r>
-            <a:endParaRPr lang="en-GB" dirty="0"/>
           </a:p>
         </p:txBody>
       </p:sp>
@@ -16451,10 +16275,9 @@
           <a:lstStyle/>
           <a:p>
             <a:r>
-              <a:rPr lang="en-GB" dirty="0" smtClean="0"/>
+              <a:rPr lang="en-GB" dirty="0"/>
               <a:t>Window</a:t>
             </a:r>
-            <a:endParaRPr lang="en-GB" dirty="0"/>
           </a:p>
         </p:txBody>
       </p:sp>
@@ -16482,13 +16305,8 @@
           <a:p>
             <a:r>
               <a:rPr lang="en-GB" dirty="0"/>
-              <a:t>x</a:t>
+              <a:t>x(t)</a:t>
             </a:r>
-            <a:r>
-              <a:rPr lang="en-GB" dirty="0" smtClean="0"/>
-              <a:t>(t)</a:t>
-            </a:r>
-            <a:endParaRPr lang="en-GB" dirty="0"/>
           </a:p>
         </p:txBody>
       </p:sp>
@@ -16515,10 +16333,9 @@
           <a:lstStyle/>
           <a:p>
             <a:r>
-              <a:rPr lang="en-GB" dirty="0" smtClean="0"/>
+              <a:rPr lang="en-GB" dirty="0"/>
               <a:t>x‘(n)</a:t>
             </a:r>
-            <a:endParaRPr lang="en-GB" dirty="0"/>
           </a:p>
         </p:txBody>
       </p:sp>
@@ -16545,10 +16362,9 @@
           <a:lstStyle/>
           <a:p>
             <a:r>
-              <a:rPr lang="en-GB" dirty="0" smtClean="0"/>
+              <a:rPr lang="en-GB" dirty="0"/>
               <a:t>MFCC</a:t>
             </a:r>
-            <a:endParaRPr lang="en-GB" dirty="0"/>
           </a:p>
         </p:txBody>
       </p:sp>
@@ -16589,10 +16405,9 @@
           <a:p>
             <a:pPr algn="ctr"/>
             <a:r>
-              <a:rPr lang="en-GB" dirty="0" smtClean="0"/>
+              <a:rPr lang="en-GB" dirty="0"/>
               <a:t>Energy</a:t>
             </a:r>
-            <a:endParaRPr lang="en-GB" dirty="0"/>
           </a:p>
         </p:txBody>
       </p:sp>
@@ -16633,10 +16448,9 @@
           <a:p>
             <a:pPr algn="ctr"/>
             <a:r>
-              <a:rPr lang="en-GB" dirty="0" smtClean="0"/>
+              <a:rPr lang="en-GB" dirty="0"/>
               <a:t>Derivatives</a:t>
             </a:r>
-            <a:endParaRPr lang="en-GB" dirty="0"/>
           </a:p>
         </p:txBody>
       </p:sp>
@@ -16836,18 +16650,17 @@
           <a:lstStyle/>
           <a:p>
             <a:r>
-              <a:rPr lang="en-GB" dirty="0" err="1" smtClean="0"/>
+              <a:rPr lang="en-GB" dirty="0" err="1"/>
               <a:t>x</a:t>
             </a:r>
             <a:r>
-              <a:rPr lang="en-GB" baseline="-25000" dirty="0" err="1" smtClean="0"/>
+              <a:rPr lang="en-GB" baseline="-25000" dirty="0" err="1"/>
               <a:t>t</a:t>
             </a:r>
             <a:r>
-              <a:rPr lang="en-GB" dirty="0" smtClean="0"/>
+              <a:rPr lang="en-GB" dirty="0"/>
               <a:t>(n)</a:t>
             </a:r>
-            <a:endParaRPr lang="en-GB" dirty="0"/>
           </a:p>
         </p:txBody>
       </p:sp>
@@ -17424,10 +17237,9 @@
           <a:p>
             <a:pPr algn="ctr"/>
             <a:r>
-              <a:rPr lang="en-GB" dirty="0" smtClean="0"/>
+              <a:rPr lang="en-GB" dirty="0"/>
               <a:t>DFT</a:t>
             </a:r>
-            <a:endParaRPr lang="en-GB" dirty="0"/>
           </a:p>
         </p:txBody>
       </p:sp>
@@ -17468,10 +17280,9 @@
           <a:p>
             <a:pPr algn="ctr"/>
             <a:r>
-              <a:rPr lang="en-GB" dirty="0" smtClean="0"/>
+              <a:rPr lang="en-GB" dirty="0"/>
               <a:t>Log(| |)</a:t>
             </a:r>
-            <a:endParaRPr lang="en-GB" dirty="0"/>
           </a:p>
         </p:txBody>
       </p:sp>
@@ -17512,10 +17323,9 @@
           <a:p>
             <a:pPr algn="ctr"/>
             <a:r>
-              <a:rPr lang="en-GB" dirty="0" smtClean="0"/>
+              <a:rPr lang="en-GB" dirty="0"/>
               <a:t>IDFT</a:t>
             </a:r>
-            <a:endParaRPr lang="en-GB" dirty="0"/>
           </a:p>
         </p:txBody>
       </p:sp>
@@ -17542,10 +17352,9 @@
           <a:lstStyle/>
           <a:p>
             <a:r>
-              <a:rPr lang="en-GB" dirty="0" smtClean="0"/>
+              <a:rPr lang="en-GB" dirty="0"/>
               <a:t>Cepstrum </a:t>
             </a:r>
-            <a:endParaRPr lang="en-GB" dirty="0"/>
           </a:p>
         </p:txBody>
       </p:sp>
@@ -17572,10 +17381,9 @@
           <a:lstStyle/>
           <a:p>
             <a:r>
-              <a:rPr lang="en-GB" dirty="0" smtClean="0"/>
+              <a:rPr lang="en-GB" dirty="0"/>
               <a:t>x(n)</a:t>
             </a:r>
-            <a:endParaRPr lang="en-GB" dirty="0"/>
           </a:p>
         </p:txBody>
       </p:sp>
@@ -17671,10 +17479,9 @@
           <a:lstStyle/>
           <a:p>
             <a:r>
-              <a:rPr lang="en-GB" dirty="0" smtClean="0"/>
+              <a:rPr lang="en-GB" dirty="0"/>
               <a:t>X(k)</a:t>
             </a:r>
-            <a:endParaRPr lang="en-GB" dirty="0"/>
           </a:p>
         </p:txBody>
       </p:sp>
@@ -17904,17 +17711,16 @@
           <a:p>
             <a:pPr algn="ctr"/>
             <a:r>
-              <a:rPr lang="en-GB" dirty="0" smtClean="0"/>
+              <a:rPr lang="en-GB" dirty="0"/>
               <a:t>Speech</a:t>
             </a:r>
           </a:p>
           <a:p>
             <a:pPr algn="ctr"/>
             <a:r>
-              <a:rPr lang="en-GB" dirty="0" smtClean="0"/>
+              <a:rPr lang="en-GB" dirty="0"/>
               <a:t>Signal </a:t>
             </a:r>
-            <a:endParaRPr lang="en-GB" dirty="0"/>
           </a:p>
         </p:txBody>
       </p:sp>
@@ -17941,10 +17747,9 @@
           <a:lstStyle/>
           <a:p>
             <a:r>
-              <a:rPr lang="en-GB" dirty="0" smtClean="0"/>
+              <a:rPr lang="en-GB" dirty="0"/>
               <a:t>log(|X(k)|)</a:t>
             </a:r>
-            <a:endParaRPr lang="en-GB" dirty="0"/>
           </a:p>
         </p:txBody>
       </p:sp>
@@ -17995,6 +17800,1432 @@
 </file>
 
 <file path=ppt/slides/slide4.xml><?xml version="1.0" encoding="utf-8"?>
+<p:sld xmlns:a="http://schemas.openxmlformats.org/drawingml/2006/main" xmlns:r="http://schemas.openxmlformats.org/officeDocument/2006/relationships" xmlns:p="http://schemas.openxmlformats.org/presentationml/2006/main">
+  <p:cSld>
+    <p:spTree>
+      <p:nvGrpSpPr>
+        <p:cNvPr id="1" name=""/>
+        <p:cNvGrpSpPr/>
+        <p:nvPr/>
+      </p:nvGrpSpPr>
+      <p:grpSpPr>
+        <a:xfrm>
+          <a:off x="0" y="0"/>
+          <a:ext cx="0" cy="0"/>
+          <a:chOff x="0" y="0"/>
+          <a:chExt cx="0" cy="0"/>
+        </a:xfrm>
+      </p:grpSpPr>
+      <p:sp>
+        <p:nvSpPr>
+          <p:cNvPr id="36" name="TextBox 35">
+            <a:extLst>
+              <a:ext uri="{FF2B5EF4-FFF2-40B4-BE49-F238E27FC236}">
+                <a16:creationId xmlns:a16="http://schemas.microsoft.com/office/drawing/2014/main" id="{7164D55B-51D7-48D8-9198-054DE0680585}"/>
+              </a:ext>
+            </a:extLst>
+          </p:cNvPr>
+          <p:cNvSpPr txBox="1"/>
+          <p:nvPr/>
+        </p:nvSpPr>
+        <p:spPr>
+          <a:xfrm>
+            <a:off x="3428921" y="986463"/>
+            <a:ext cx="1490472" cy="646331"/>
+          </a:xfrm>
+          <a:prstGeom prst="rect">
+            <a:avLst/>
+          </a:prstGeom>
+          <a:noFill/>
+        </p:spPr>
+        <p:txBody>
+          <a:bodyPr wrap="none" rtlCol="0">
+            <a:spAutoFit/>
+          </a:bodyPr>
+          <a:lstStyle/>
+          <a:p>
+            <a:pPr algn="ctr"/>
+            <a:r>
+              <a:rPr lang="en-GB" dirty="0"/>
+              <a:t>Segmentation</a:t>
+            </a:r>
+          </a:p>
+          <a:p>
+            <a:pPr algn="ctr"/>
+            <a:r>
+              <a:rPr lang="en-GB" dirty="0"/>
+              <a:t>and training</a:t>
+            </a:r>
+          </a:p>
+        </p:txBody>
+      </p:sp>
+      <p:sp>
+        <p:nvSpPr>
+          <p:cNvPr id="2" name="Rectangle 1">
+            <a:extLst>
+              <a:ext uri="{FF2B5EF4-FFF2-40B4-BE49-F238E27FC236}">
+                <a16:creationId xmlns:a16="http://schemas.microsoft.com/office/drawing/2014/main" id="{7B189225-5E85-4051-9AB0-A864E8FFDC59}"/>
+              </a:ext>
+            </a:extLst>
+          </p:cNvPr>
+          <p:cNvSpPr/>
+          <p:nvPr/>
+        </p:nvSpPr>
+        <p:spPr>
+          <a:xfrm>
+            <a:off x="3262964" y="2723949"/>
+            <a:ext cx="1636295" cy="1183908"/>
+          </a:xfrm>
+          <a:prstGeom prst="rect">
+            <a:avLst/>
+          </a:prstGeom>
+        </p:spPr>
+        <p:style>
+          <a:lnRef idx="2">
+            <a:schemeClr val="accent1">
+              <a:shade val="50000"/>
+            </a:schemeClr>
+          </a:lnRef>
+          <a:fillRef idx="1">
+            <a:schemeClr val="accent1"/>
+          </a:fillRef>
+          <a:effectRef idx="0">
+            <a:schemeClr val="accent1"/>
+          </a:effectRef>
+          <a:fontRef idx="minor">
+            <a:schemeClr val="lt1"/>
+          </a:fontRef>
+        </p:style>
+        <p:txBody>
+          <a:bodyPr rtlCol="0" anchor="ctr"/>
+          <a:lstStyle/>
+          <a:p>
+            <a:pPr algn="ctr"/>
+            <a:r>
+              <a:rPr lang="en-GB" dirty="0"/>
+              <a:t>Feature Extraction</a:t>
+            </a:r>
+          </a:p>
+        </p:txBody>
+      </p:sp>
+      <p:sp>
+        <p:nvSpPr>
+          <p:cNvPr id="17" name="Rectangle 16">
+            <a:extLst>
+              <a:ext uri="{FF2B5EF4-FFF2-40B4-BE49-F238E27FC236}">
+                <a16:creationId xmlns:a16="http://schemas.microsoft.com/office/drawing/2014/main" id="{1680C076-0D86-4B3B-9004-4A2BA94C28C2}"/>
+              </a:ext>
+            </a:extLst>
+          </p:cNvPr>
+          <p:cNvSpPr/>
+          <p:nvPr/>
+        </p:nvSpPr>
+        <p:spPr>
+          <a:xfrm>
+            <a:off x="6596512" y="2723949"/>
+            <a:ext cx="1636295" cy="1183908"/>
+          </a:xfrm>
+          <a:prstGeom prst="rect">
+            <a:avLst/>
+          </a:prstGeom>
+        </p:spPr>
+        <p:style>
+          <a:lnRef idx="2">
+            <a:schemeClr val="accent1">
+              <a:shade val="50000"/>
+            </a:schemeClr>
+          </a:lnRef>
+          <a:fillRef idx="1">
+            <a:schemeClr val="accent1"/>
+          </a:fillRef>
+          <a:effectRef idx="0">
+            <a:schemeClr val="accent1"/>
+          </a:effectRef>
+          <a:fontRef idx="minor">
+            <a:schemeClr val="lt1"/>
+          </a:fontRef>
+        </p:style>
+        <p:txBody>
+          <a:bodyPr rtlCol="0" anchor="ctr"/>
+          <a:lstStyle/>
+          <a:p>
+            <a:pPr algn="ctr"/>
+            <a:r>
+              <a:rPr lang="en-GB" dirty="0"/>
+              <a:t>Speech Decoder</a:t>
+            </a:r>
+          </a:p>
+        </p:txBody>
+      </p:sp>
+      <p:sp>
+        <p:nvSpPr>
+          <p:cNvPr id="3" name="Cylinder 2">
+            <a:extLst>
+              <a:ext uri="{FF2B5EF4-FFF2-40B4-BE49-F238E27FC236}">
+                <a16:creationId xmlns:a16="http://schemas.microsoft.com/office/drawing/2014/main" id="{BCC118FC-D774-40AE-AAAD-DF6C9BF9879C}"/>
+              </a:ext>
+            </a:extLst>
+          </p:cNvPr>
+          <p:cNvSpPr/>
+          <p:nvPr/>
+        </p:nvSpPr>
+        <p:spPr>
+          <a:xfrm>
+            <a:off x="1761425" y="5067099"/>
+            <a:ext cx="1732546" cy="1313848"/>
+          </a:xfrm>
+          <a:prstGeom prst="can">
+            <a:avLst/>
+          </a:prstGeom>
+        </p:spPr>
+        <p:style>
+          <a:lnRef idx="2">
+            <a:schemeClr val="accent1">
+              <a:shade val="50000"/>
+            </a:schemeClr>
+          </a:lnRef>
+          <a:fillRef idx="1">
+            <a:schemeClr val="accent1"/>
+          </a:fillRef>
+          <a:effectRef idx="0">
+            <a:schemeClr val="accent1"/>
+          </a:effectRef>
+          <a:fontRef idx="minor">
+            <a:schemeClr val="lt1"/>
+          </a:fontRef>
+        </p:style>
+        <p:txBody>
+          <a:bodyPr rtlCol="0" anchor="ctr"/>
+          <a:lstStyle/>
+          <a:p>
+            <a:pPr algn="ctr"/>
+            <a:r>
+              <a:rPr lang="en-GB" dirty="0"/>
+              <a:t>Training text data</a:t>
+            </a:r>
+          </a:p>
+        </p:txBody>
+      </p:sp>
+      <p:sp>
+        <p:nvSpPr>
+          <p:cNvPr id="19" name="Cylinder 18">
+            <a:extLst>
+              <a:ext uri="{FF2B5EF4-FFF2-40B4-BE49-F238E27FC236}">
+                <a16:creationId xmlns:a16="http://schemas.microsoft.com/office/drawing/2014/main" id="{E8DE87D8-E0F8-4148-ACA0-9635279DFF61}"/>
+              </a:ext>
+            </a:extLst>
+          </p:cNvPr>
+          <p:cNvSpPr/>
+          <p:nvPr/>
+        </p:nvSpPr>
+        <p:spPr>
+          <a:xfrm>
+            <a:off x="1761424" y="652704"/>
+            <a:ext cx="1732546" cy="1313848"/>
+          </a:xfrm>
+          <a:prstGeom prst="can">
+            <a:avLst/>
+          </a:prstGeom>
+        </p:spPr>
+        <p:style>
+          <a:lnRef idx="2">
+            <a:schemeClr val="accent1">
+              <a:shade val="50000"/>
+            </a:schemeClr>
+          </a:lnRef>
+          <a:fillRef idx="1">
+            <a:schemeClr val="accent1"/>
+          </a:fillRef>
+          <a:effectRef idx="0">
+            <a:schemeClr val="accent1"/>
+          </a:effectRef>
+          <a:fontRef idx="minor">
+            <a:schemeClr val="lt1"/>
+          </a:fontRef>
+        </p:style>
+        <p:txBody>
+          <a:bodyPr rtlCol="0" anchor="ctr"/>
+          <a:lstStyle/>
+          <a:p>
+            <a:pPr algn="ctr"/>
+            <a:r>
+              <a:rPr lang="en-GB" dirty="0"/>
+              <a:t>Training speech data</a:t>
+            </a:r>
+          </a:p>
+        </p:txBody>
+      </p:sp>
+      <p:sp>
+        <p:nvSpPr>
+          <p:cNvPr id="20" name="Cylinder 19">
+            <a:extLst>
+              <a:ext uri="{FF2B5EF4-FFF2-40B4-BE49-F238E27FC236}">
+                <a16:creationId xmlns:a16="http://schemas.microsoft.com/office/drawing/2014/main" id="{079C3556-DFD5-4E80-AFD5-BEB93172ABBA}"/>
+              </a:ext>
+            </a:extLst>
+          </p:cNvPr>
+          <p:cNvSpPr/>
+          <p:nvPr/>
+        </p:nvSpPr>
+        <p:spPr>
+          <a:xfrm>
+            <a:off x="4854340" y="652704"/>
+            <a:ext cx="1732546" cy="1313848"/>
+          </a:xfrm>
+          <a:prstGeom prst="can">
+            <a:avLst/>
+          </a:prstGeom>
+        </p:spPr>
+        <p:style>
+          <a:lnRef idx="2">
+            <a:schemeClr val="accent1">
+              <a:shade val="50000"/>
+            </a:schemeClr>
+          </a:lnRef>
+          <a:fillRef idx="1">
+            <a:schemeClr val="accent1"/>
+          </a:fillRef>
+          <a:effectRef idx="0">
+            <a:schemeClr val="accent1"/>
+          </a:effectRef>
+          <a:fontRef idx="minor">
+            <a:schemeClr val="lt1"/>
+          </a:fontRef>
+        </p:style>
+        <p:txBody>
+          <a:bodyPr rtlCol="0" anchor="ctr"/>
+          <a:lstStyle/>
+          <a:p>
+            <a:pPr algn="ctr"/>
+            <a:r>
+              <a:rPr lang="en-GB" dirty="0"/>
+              <a:t>Acoustic models of speech units  </a:t>
+            </a:r>
+          </a:p>
+        </p:txBody>
+      </p:sp>
+      <p:sp>
+        <p:nvSpPr>
+          <p:cNvPr id="21" name="Cylinder 20">
+            <a:extLst>
+              <a:ext uri="{FF2B5EF4-FFF2-40B4-BE49-F238E27FC236}">
+                <a16:creationId xmlns:a16="http://schemas.microsoft.com/office/drawing/2014/main" id="{4DC1BA13-0932-4E3D-B714-32D57CB7D659}"/>
+              </a:ext>
+            </a:extLst>
+          </p:cNvPr>
+          <p:cNvSpPr/>
+          <p:nvPr/>
+        </p:nvSpPr>
+        <p:spPr>
+          <a:xfrm>
+            <a:off x="4947384" y="5067099"/>
+            <a:ext cx="1732546" cy="1313848"/>
+          </a:xfrm>
+          <a:prstGeom prst="can">
+            <a:avLst/>
+          </a:prstGeom>
+        </p:spPr>
+        <p:style>
+          <a:lnRef idx="2">
+            <a:schemeClr val="accent1">
+              <a:shade val="50000"/>
+            </a:schemeClr>
+          </a:lnRef>
+          <a:fillRef idx="1">
+            <a:schemeClr val="accent1"/>
+          </a:fillRef>
+          <a:effectRef idx="0">
+            <a:schemeClr val="accent1"/>
+          </a:effectRef>
+          <a:fontRef idx="minor">
+            <a:schemeClr val="lt1"/>
+          </a:fontRef>
+        </p:style>
+        <p:txBody>
+          <a:bodyPr rtlCol="0" anchor="ctr"/>
+          <a:lstStyle/>
+          <a:p>
+            <a:pPr algn="ctr"/>
+            <a:r>
+              <a:rPr lang="en-GB" dirty="0"/>
+              <a:t>Statistical language model</a:t>
+            </a:r>
+          </a:p>
+        </p:txBody>
+      </p:sp>
+      <p:sp>
+        <p:nvSpPr>
+          <p:cNvPr id="22" name="Cylinder 21">
+            <a:extLst>
+              <a:ext uri="{FF2B5EF4-FFF2-40B4-BE49-F238E27FC236}">
+                <a16:creationId xmlns:a16="http://schemas.microsoft.com/office/drawing/2014/main" id="{D074CE84-A7F4-4CB6-8EDA-04520D5B032B}"/>
+              </a:ext>
+            </a:extLst>
+          </p:cNvPr>
+          <p:cNvSpPr/>
+          <p:nvPr/>
+        </p:nvSpPr>
+        <p:spPr>
+          <a:xfrm>
+            <a:off x="8152597" y="5052060"/>
+            <a:ext cx="1732546" cy="1313848"/>
+          </a:xfrm>
+          <a:prstGeom prst="can">
+            <a:avLst/>
+          </a:prstGeom>
+        </p:spPr>
+        <p:style>
+          <a:lnRef idx="2">
+            <a:schemeClr val="accent1">
+              <a:shade val="50000"/>
+            </a:schemeClr>
+          </a:lnRef>
+          <a:fillRef idx="1">
+            <a:schemeClr val="accent1"/>
+          </a:fillRef>
+          <a:effectRef idx="0">
+            <a:schemeClr val="accent1"/>
+          </a:effectRef>
+          <a:fontRef idx="minor">
+            <a:schemeClr val="lt1"/>
+          </a:fontRef>
+        </p:style>
+        <p:txBody>
+          <a:bodyPr rtlCol="0" anchor="ctr"/>
+          <a:lstStyle/>
+          <a:p>
+            <a:pPr algn="ctr"/>
+            <a:r>
+              <a:rPr lang="en-GB" dirty="0"/>
+              <a:t>Lexicon model  (pronunciation dictionary)</a:t>
+            </a:r>
+          </a:p>
+        </p:txBody>
+      </p:sp>
+      <p:sp>
+        <p:nvSpPr>
+          <p:cNvPr id="4" name="Arrow: Right 3">
+            <a:extLst>
+              <a:ext uri="{FF2B5EF4-FFF2-40B4-BE49-F238E27FC236}">
+                <a16:creationId xmlns:a16="http://schemas.microsoft.com/office/drawing/2014/main" id="{A0462CF5-E644-4574-9DA1-6A33A933A2BF}"/>
+              </a:ext>
+            </a:extLst>
+          </p:cNvPr>
+          <p:cNvSpPr/>
+          <p:nvPr/>
+        </p:nvSpPr>
+        <p:spPr>
+          <a:xfrm>
+            <a:off x="1419727" y="3262964"/>
+            <a:ext cx="1799923" cy="166036"/>
+          </a:xfrm>
+          <a:prstGeom prst="rightArrow">
+            <a:avLst/>
+          </a:prstGeom>
+        </p:spPr>
+        <p:style>
+          <a:lnRef idx="2">
+            <a:schemeClr val="accent1">
+              <a:shade val="50000"/>
+            </a:schemeClr>
+          </a:lnRef>
+          <a:fillRef idx="1">
+            <a:schemeClr val="accent1"/>
+          </a:fillRef>
+          <a:effectRef idx="0">
+            <a:schemeClr val="accent1"/>
+          </a:effectRef>
+          <a:fontRef idx="minor">
+            <a:schemeClr val="lt1"/>
+          </a:fontRef>
+        </p:style>
+        <p:txBody>
+          <a:bodyPr rtlCol="0" anchor="ctr"/>
+          <a:lstStyle/>
+          <a:p>
+            <a:pPr algn="ctr"/>
+            <a:endParaRPr lang="en-GB"/>
+          </a:p>
+        </p:txBody>
+      </p:sp>
+      <p:sp>
+        <p:nvSpPr>
+          <p:cNvPr id="8" name="TextBox 7">
+            <a:extLst>
+              <a:ext uri="{FF2B5EF4-FFF2-40B4-BE49-F238E27FC236}">
+                <a16:creationId xmlns:a16="http://schemas.microsoft.com/office/drawing/2014/main" id="{0076FD3C-11B4-4AA4-8649-67A819C5FF13}"/>
+              </a:ext>
+            </a:extLst>
+          </p:cNvPr>
+          <p:cNvSpPr txBox="1"/>
+          <p:nvPr/>
+        </p:nvSpPr>
+        <p:spPr>
+          <a:xfrm>
+            <a:off x="1501541" y="2976650"/>
+            <a:ext cx="1640706" cy="369332"/>
+          </a:xfrm>
+          <a:prstGeom prst="rect">
+            <a:avLst/>
+          </a:prstGeom>
+          <a:noFill/>
+        </p:spPr>
+        <p:txBody>
+          <a:bodyPr wrap="none" rtlCol="0">
+            <a:spAutoFit/>
+          </a:bodyPr>
+          <a:lstStyle/>
+          <a:p>
+            <a:pPr algn="ctr"/>
+            <a:r>
+              <a:rPr lang="en-GB" dirty="0"/>
+              <a:t>SPEECH SIGNAL</a:t>
+            </a:r>
+          </a:p>
+        </p:txBody>
+      </p:sp>
+      <mc:AlternateContent xmlns:mc="http://schemas.openxmlformats.org/markup-compatibility/2006">
+        <mc:Choice xmlns:a14="http://schemas.microsoft.com/office/drawing/2010/main" Requires="a14">
+          <p:sp>
+            <p:nvSpPr>
+              <p:cNvPr id="25" name="TextBox 24">
+                <a:extLst>
+                  <a:ext uri="{FF2B5EF4-FFF2-40B4-BE49-F238E27FC236}">
+                    <a16:creationId xmlns:a16="http://schemas.microsoft.com/office/drawing/2014/main" id="{83E77388-1021-446E-A195-1D73263F5662}"/>
+                  </a:ext>
+                </a:extLst>
+              </p:cNvPr>
+              <p:cNvSpPr txBox="1"/>
+              <p:nvPr/>
+            </p:nvSpPr>
+            <p:spPr>
+              <a:xfrm>
+                <a:off x="1460255" y="3352618"/>
+                <a:ext cx="1718868" cy="369332"/>
+              </a:xfrm>
+              <a:prstGeom prst="rect">
+                <a:avLst/>
+              </a:prstGeom>
+              <a:noFill/>
+            </p:spPr>
+            <p:txBody>
+              <a:bodyPr wrap="none" rtlCol="0">
+                <a:spAutoFit/>
+              </a:bodyPr>
+              <a:lstStyle/>
+              <a:p>
+                <a:pPr algn="ctr"/>
+                <a14:m>
+                  <m:oMathPara xmlns:m="http://schemas.openxmlformats.org/officeDocument/2006/math">
+                    <m:oMathParaPr>
+                      <m:jc m:val="centerGroup"/>
+                    </m:oMathParaPr>
+                    <m:oMath xmlns:m="http://schemas.openxmlformats.org/officeDocument/2006/math">
+                      <m:r>
+                        <a:rPr lang="en-GB" b="0" i="1" smtClean="0">
+                          <a:latin typeface="Cambria Math" panose="02040503050406030204" pitchFamily="18" charset="0"/>
+                        </a:rPr>
+                        <m:t>𝑊</m:t>
+                      </m:r>
+                      <m:r>
+                        <a:rPr lang="en-GB" i="1" smtClean="0">
+                          <a:latin typeface="Cambria Math" panose="02040503050406030204" pitchFamily="18" charset="0"/>
+                        </a:rPr>
+                        <m:t>=</m:t>
+                      </m:r>
+                      <m:sSub>
+                        <m:sSubPr>
+                          <m:ctrlPr>
+                            <a:rPr lang="en-GB" b="0" i="1" smtClean="0">
+                              <a:latin typeface="Cambria Math" panose="02040503050406030204" pitchFamily="18" charset="0"/>
+                            </a:rPr>
+                          </m:ctrlPr>
+                        </m:sSubPr>
+                        <m:e>
+                          <m:r>
+                            <a:rPr lang="en-GB" b="0" i="1" smtClean="0">
+                              <a:latin typeface="Cambria Math" panose="02040503050406030204" pitchFamily="18" charset="0"/>
+                            </a:rPr>
+                            <m:t>𝑤</m:t>
+                          </m:r>
+                        </m:e>
+                        <m:sub>
+                          <m:r>
+                            <a:rPr lang="en-GB" b="0" i="1" smtClean="0">
+                              <a:latin typeface="Cambria Math" panose="02040503050406030204" pitchFamily="18" charset="0"/>
+                            </a:rPr>
+                            <m:t>1</m:t>
+                          </m:r>
+                        </m:sub>
+                      </m:sSub>
+                      <m:r>
+                        <a:rPr lang="en-GB" b="0" i="1" smtClean="0">
+                          <a:latin typeface="Cambria Math" panose="02040503050406030204" pitchFamily="18" charset="0"/>
+                        </a:rPr>
+                        <m:t>, …, </m:t>
+                      </m:r>
+                      <m:sSub>
+                        <m:sSubPr>
+                          <m:ctrlPr>
+                            <a:rPr lang="en-GB" b="0" i="1" smtClean="0">
+                              <a:latin typeface="Cambria Math" panose="02040503050406030204" pitchFamily="18" charset="0"/>
+                            </a:rPr>
+                          </m:ctrlPr>
+                        </m:sSubPr>
+                        <m:e>
+                          <m:r>
+                            <a:rPr lang="en-GB" b="0" i="1" smtClean="0">
+                              <a:latin typeface="Cambria Math" panose="02040503050406030204" pitchFamily="18" charset="0"/>
+                            </a:rPr>
+                            <m:t>𝑤</m:t>
+                          </m:r>
+                        </m:e>
+                        <m:sub>
+                          <m:r>
+                            <a:rPr lang="en-GB" b="0" i="1" smtClean="0">
+                              <a:latin typeface="Cambria Math" panose="02040503050406030204" pitchFamily="18" charset="0"/>
+                            </a:rPr>
+                            <m:t>𝑁</m:t>
+                          </m:r>
+                        </m:sub>
+                      </m:sSub>
+                    </m:oMath>
+                  </m:oMathPara>
+                </a14:m>
+                <a:endParaRPr lang="en-GB" dirty="0"/>
+              </a:p>
+            </p:txBody>
+          </p:sp>
+        </mc:Choice>
+        <mc:Fallback>
+          <p:sp>
+            <p:nvSpPr>
+              <p:cNvPr id="25" name="TextBox 24">
+                <a:extLst>
+                  <a:ext uri="{FF2B5EF4-FFF2-40B4-BE49-F238E27FC236}">
+                    <a16:creationId xmlns:a16="http://schemas.microsoft.com/office/drawing/2014/main" id="{83E77388-1021-446E-A195-1D73263F5662}"/>
+                  </a:ext>
+                </a:extLst>
+              </p:cNvPr>
+              <p:cNvSpPr txBox="1">
+                <a:spLocks noRot="1" noChangeAspect="1" noMove="1" noResize="1" noEditPoints="1" noAdjustHandles="1" noChangeArrowheads="1" noChangeShapeType="1" noTextEdit="1"/>
+              </p:cNvSpPr>
+              <p:nvPr/>
+            </p:nvSpPr>
+            <p:spPr>
+              <a:xfrm>
+                <a:off x="1460255" y="3352618"/>
+                <a:ext cx="1718868" cy="369332"/>
+              </a:xfrm>
+              <a:prstGeom prst="rect">
+                <a:avLst/>
+              </a:prstGeom>
+              <a:blipFill>
+                <a:blip r:embed="rId2"/>
+                <a:stretch>
+                  <a:fillRect/>
+                </a:stretch>
+              </a:blipFill>
+            </p:spPr>
+            <p:txBody>
+              <a:bodyPr/>
+              <a:lstStyle/>
+              <a:p>
+                <a:r>
+                  <a:rPr lang="en-GB">
+                    <a:noFill/>
+                  </a:rPr>
+                  <a:t> </a:t>
+                </a:r>
+              </a:p>
+            </p:txBody>
+          </p:sp>
+        </mc:Fallback>
+      </mc:AlternateContent>
+      <p:sp>
+        <p:nvSpPr>
+          <p:cNvPr id="28" name="Arrow: Right 27">
+            <a:extLst>
+              <a:ext uri="{FF2B5EF4-FFF2-40B4-BE49-F238E27FC236}">
+                <a16:creationId xmlns:a16="http://schemas.microsoft.com/office/drawing/2014/main" id="{EFB9E6EB-97D6-4250-B8E3-C45685C98114}"/>
+              </a:ext>
+            </a:extLst>
+          </p:cNvPr>
+          <p:cNvSpPr/>
+          <p:nvPr/>
+        </p:nvSpPr>
+        <p:spPr>
+          <a:xfrm>
+            <a:off x="4933950" y="3262964"/>
+            <a:ext cx="1587343" cy="131764"/>
+          </a:xfrm>
+          <a:prstGeom prst="rightArrow">
+            <a:avLst/>
+          </a:prstGeom>
+        </p:spPr>
+        <p:style>
+          <a:lnRef idx="2">
+            <a:schemeClr val="accent1">
+              <a:shade val="50000"/>
+            </a:schemeClr>
+          </a:lnRef>
+          <a:fillRef idx="1">
+            <a:schemeClr val="accent1"/>
+          </a:fillRef>
+          <a:effectRef idx="0">
+            <a:schemeClr val="accent1"/>
+          </a:effectRef>
+          <a:fontRef idx="minor">
+            <a:schemeClr val="lt1"/>
+          </a:fontRef>
+        </p:style>
+        <p:txBody>
+          <a:bodyPr rtlCol="0" anchor="ctr"/>
+          <a:lstStyle/>
+          <a:p>
+            <a:pPr algn="ctr"/>
+            <a:endParaRPr lang="en-GB"/>
+          </a:p>
+        </p:txBody>
+      </p:sp>
+      <p:sp>
+        <p:nvSpPr>
+          <p:cNvPr id="29" name="TextBox 28">
+            <a:extLst>
+              <a:ext uri="{FF2B5EF4-FFF2-40B4-BE49-F238E27FC236}">
+                <a16:creationId xmlns:a16="http://schemas.microsoft.com/office/drawing/2014/main" id="{2F4B9024-A2C9-4ECE-A47F-E68D1C17815A}"/>
+              </a:ext>
+            </a:extLst>
+          </p:cNvPr>
+          <p:cNvSpPr txBox="1"/>
+          <p:nvPr/>
+        </p:nvSpPr>
+        <p:spPr>
+          <a:xfrm>
+            <a:off x="4840093" y="2976650"/>
+            <a:ext cx="1794722" cy="369332"/>
+          </a:xfrm>
+          <a:prstGeom prst="rect">
+            <a:avLst/>
+          </a:prstGeom>
+          <a:noFill/>
+        </p:spPr>
+        <p:txBody>
+          <a:bodyPr wrap="none" rtlCol="0">
+            <a:spAutoFit/>
+          </a:bodyPr>
+          <a:lstStyle/>
+          <a:p>
+            <a:pPr algn="ctr"/>
+            <a:r>
+              <a:rPr lang="en-GB" dirty="0"/>
+              <a:t>Acoustic features</a:t>
+            </a:r>
+          </a:p>
+        </p:txBody>
+      </p:sp>
+      <mc:AlternateContent xmlns:mc="http://schemas.openxmlformats.org/markup-compatibility/2006">
+        <mc:Choice xmlns:a14="http://schemas.microsoft.com/office/drawing/2010/main" Requires="a14">
+          <p:sp>
+            <p:nvSpPr>
+              <p:cNvPr id="30" name="TextBox 29">
+                <a:extLst>
+                  <a:ext uri="{FF2B5EF4-FFF2-40B4-BE49-F238E27FC236}">
+                    <a16:creationId xmlns:a16="http://schemas.microsoft.com/office/drawing/2014/main" id="{79C2B7B8-F9B2-47F9-8A4F-B2CC4BA058EE}"/>
+                  </a:ext>
+                </a:extLst>
+              </p:cNvPr>
+              <p:cNvSpPr txBox="1"/>
+              <p:nvPr/>
+            </p:nvSpPr>
+            <p:spPr>
+              <a:xfrm>
+                <a:off x="4875811" y="3352618"/>
+                <a:ext cx="1718868" cy="369332"/>
+              </a:xfrm>
+              <a:prstGeom prst="rect">
+                <a:avLst/>
+              </a:prstGeom>
+              <a:noFill/>
+            </p:spPr>
+            <p:txBody>
+              <a:bodyPr wrap="square" rtlCol="0">
+                <a:spAutoFit/>
+              </a:bodyPr>
+              <a:lstStyle/>
+              <a:p>
+                <a:pPr algn="ctr"/>
+                <a14:m>
+                  <m:oMathPara xmlns:m="http://schemas.openxmlformats.org/officeDocument/2006/math">
+                    <m:oMathParaPr>
+                      <m:jc m:val="centerGroup"/>
+                    </m:oMathParaPr>
+                    <m:oMath xmlns:m="http://schemas.openxmlformats.org/officeDocument/2006/math">
+                      <m:r>
+                        <a:rPr lang="en-GB" b="0" i="1" smtClean="0">
+                          <a:latin typeface="Cambria Math" panose="02040503050406030204" pitchFamily="18" charset="0"/>
+                        </a:rPr>
+                        <m:t>𝑂</m:t>
+                      </m:r>
+                      <m:r>
+                        <a:rPr lang="en-GB" i="1" smtClean="0">
+                          <a:latin typeface="Cambria Math" panose="02040503050406030204" pitchFamily="18" charset="0"/>
+                        </a:rPr>
+                        <m:t>=</m:t>
+                      </m:r>
+                      <m:sSub>
+                        <m:sSubPr>
+                          <m:ctrlPr>
+                            <a:rPr lang="en-GB" b="0" i="1" smtClean="0">
+                              <a:latin typeface="Cambria Math" panose="02040503050406030204" pitchFamily="18" charset="0"/>
+                            </a:rPr>
+                          </m:ctrlPr>
+                        </m:sSubPr>
+                        <m:e>
+                          <m:r>
+                            <a:rPr lang="en-GB" b="0" i="1" smtClean="0">
+                              <a:latin typeface="Cambria Math" panose="02040503050406030204" pitchFamily="18" charset="0"/>
+                            </a:rPr>
+                            <m:t>𝑜</m:t>
+                          </m:r>
+                        </m:e>
+                        <m:sub>
+                          <m:r>
+                            <a:rPr lang="en-GB" b="0" i="1" smtClean="0">
+                              <a:latin typeface="Cambria Math" panose="02040503050406030204" pitchFamily="18" charset="0"/>
+                            </a:rPr>
+                            <m:t>1</m:t>
+                          </m:r>
+                        </m:sub>
+                      </m:sSub>
+                      <m:r>
+                        <a:rPr lang="en-GB" b="0" i="1" smtClean="0">
+                          <a:latin typeface="Cambria Math" panose="02040503050406030204" pitchFamily="18" charset="0"/>
+                        </a:rPr>
+                        <m:t>, …, </m:t>
+                      </m:r>
+                      <m:sSub>
+                        <m:sSubPr>
+                          <m:ctrlPr>
+                            <a:rPr lang="en-GB" b="0" i="1" smtClean="0">
+                              <a:latin typeface="Cambria Math" panose="02040503050406030204" pitchFamily="18" charset="0"/>
+                            </a:rPr>
+                          </m:ctrlPr>
+                        </m:sSubPr>
+                        <m:e>
+                          <m:r>
+                            <a:rPr lang="en-GB" b="0" i="1" smtClean="0">
+                              <a:latin typeface="Cambria Math" panose="02040503050406030204" pitchFamily="18" charset="0"/>
+                            </a:rPr>
+                            <m:t>𝑜</m:t>
+                          </m:r>
+                        </m:e>
+                        <m:sub>
+                          <m:r>
+                            <a:rPr lang="en-GB" b="0" i="1" smtClean="0">
+                              <a:latin typeface="Cambria Math" panose="02040503050406030204" pitchFamily="18" charset="0"/>
+                            </a:rPr>
+                            <m:t>𝑡</m:t>
+                          </m:r>
+                        </m:sub>
+                      </m:sSub>
+                    </m:oMath>
+                  </m:oMathPara>
+                </a14:m>
+                <a:endParaRPr lang="en-GB" dirty="0"/>
+              </a:p>
+            </p:txBody>
+          </p:sp>
+        </mc:Choice>
+        <mc:Fallback>
+          <p:sp>
+            <p:nvSpPr>
+              <p:cNvPr id="30" name="TextBox 29">
+                <a:extLst>
+                  <a:ext uri="{FF2B5EF4-FFF2-40B4-BE49-F238E27FC236}">
+                    <a16:creationId xmlns:a16="http://schemas.microsoft.com/office/drawing/2014/main" id="{79C2B7B8-F9B2-47F9-8A4F-B2CC4BA058EE}"/>
+                  </a:ext>
+                </a:extLst>
+              </p:cNvPr>
+              <p:cNvSpPr txBox="1">
+                <a:spLocks noRot="1" noChangeAspect="1" noMove="1" noResize="1" noEditPoints="1" noAdjustHandles="1" noChangeArrowheads="1" noChangeShapeType="1" noTextEdit="1"/>
+              </p:cNvSpPr>
+              <p:nvPr/>
+            </p:nvSpPr>
+            <p:spPr>
+              <a:xfrm>
+                <a:off x="4875811" y="3352618"/>
+                <a:ext cx="1718868" cy="369332"/>
+              </a:xfrm>
+              <a:prstGeom prst="rect">
+                <a:avLst/>
+              </a:prstGeom>
+              <a:blipFill>
+                <a:blip r:embed="rId3"/>
+                <a:stretch>
+                  <a:fillRect/>
+                </a:stretch>
+              </a:blipFill>
+            </p:spPr>
+            <p:txBody>
+              <a:bodyPr/>
+              <a:lstStyle/>
+              <a:p>
+                <a:r>
+                  <a:rPr lang="en-GB">
+                    <a:noFill/>
+                  </a:rPr>
+                  <a:t> </a:t>
+                </a:r>
+              </a:p>
+            </p:txBody>
+          </p:sp>
+        </mc:Fallback>
+      </mc:AlternateContent>
+      <p:cxnSp>
+        <p:nvCxnSpPr>
+          <p:cNvPr id="11" name="Straight Arrow Connector 10">
+            <a:extLst>
+              <a:ext uri="{FF2B5EF4-FFF2-40B4-BE49-F238E27FC236}">
+                <a16:creationId xmlns:a16="http://schemas.microsoft.com/office/drawing/2014/main" id="{413796DC-8438-444F-A29B-97FEEBB8EA68}"/>
+              </a:ext>
+            </a:extLst>
+          </p:cNvPr>
+          <p:cNvCxnSpPr>
+            <a:cxnSpLocks/>
+            <a:stCxn id="19" idx="4"/>
+            <a:endCxn id="20" idx="2"/>
+          </p:cNvCxnSpPr>
+          <p:nvPr/>
+        </p:nvCxnSpPr>
+        <p:spPr>
+          <a:xfrm>
+            <a:off x="3493970" y="1309628"/>
+            <a:ext cx="1360370" cy="0"/>
+          </a:xfrm>
+          <a:prstGeom prst="straightConnector1">
+            <a:avLst/>
+          </a:prstGeom>
+          <a:ln w="19050">
+            <a:tailEnd type="triangle"/>
+          </a:ln>
+        </p:spPr>
+        <p:style>
+          <a:lnRef idx="1">
+            <a:schemeClr val="accent1"/>
+          </a:lnRef>
+          <a:fillRef idx="0">
+            <a:schemeClr val="accent1"/>
+          </a:fillRef>
+          <a:effectRef idx="0">
+            <a:schemeClr val="accent1"/>
+          </a:effectRef>
+          <a:fontRef idx="minor">
+            <a:schemeClr val="tx1"/>
+          </a:fontRef>
+        </p:style>
+      </p:cxnSp>
+      <p:sp>
+        <p:nvSpPr>
+          <p:cNvPr id="32" name="Arrow: Right 31">
+            <a:extLst>
+              <a:ext uri="{FF2B5EF4-FFF2-40B4-BE49-F238E27FC236}">
+                <a16:creationId xmlns:a16="http://schemas.microsoft.com/office/drawing/2014/main" id="{A518D80F-1DB9-48D3-91E5-A86EF1125C18}"/>
+              </a:ext>
+            </a:extLst>
+          </p:cNvPr>
+          <p:cNvSpPr/>
+          <p:nvPr/>
+        </p:nvSpPr>
+        <p:spPr>
+          <a:xfrm>
+            <a:off x="8227974" y="3179946"/>
+            <a:ext cx="1799923" cy="166036"/>
+          </a:xfrm>
+          <a:prstGeom prst="rightArrow">
+            <a:avLst/>
+          </a:prstGeom>
+        </p:spPr>
+        <p:style>
+          <a:lnRef idx="2">
+            <a:schemeClr val="accent1">
+              <a:shade val="50000"/>
+            </a:schemeClr>
+          </a:lnRef>
+          <a:fillRef idx="1">
+            <a:schemeClr val="accent1"/>
+          </a:fillRef>
+          <a:effectRef idx="0">
+            <a:schemeClr val="accent1"/>
+          </a:effectRef>
+          <a:fontRef idx="minor">
+            <a:schemeClr val="lt1"/>
+          </a:fontRef>
+        </p:style>
+        <p:txBody>
+          <a:bodyPr rtlCol="0" anchor="ctr"/>
+          <a:lstStyle/>
+          <a:p>
+            <a:pPr algn="ctr"/>
+            <a:endParaRPr lang="en-GB"/>
+          </a:p>
+        </p:txBody>
+      </p:sp>
+      <p:sp>
+        <p:nvSpPr>
+          <p:cNvPr id="33" name="TextBox 32">
+            <a:extLst>
+              <a:ext uri="{FF2B5EF4-FFF2-40B4-BE49-F238E27FC236}">
+                <a16:creationId xmlns:a16="http://schemas.microsoft.com/office/drawing/2014/main" id="{B6865BE5-46A9-447A-8D9F-826D7D4D4B98}"/>
+              </a:ext>
+            </a:extLst>
+          </p:cNvPr>
+          <p:cNvSpPr txBox="1"/>
+          <p:nvPr/>
+        </p:nvSpPr>
+        <p:spPr>
+          <a:xfrm>
+            <a:off x="8309788" y="2893632"/>
+            <a:ext cx="1640706" cy="369332"/>
+          </a:xfrm>
+          <a:prstGeom prst="rect">
+            <a:avLst/>
+          </a:prstGeom>
+          <a:noFill/>
+        </p:spPr>
+        <p:txBody>
+          <a:bodyPr wrap="none" rtlCol="0">
+            <a:spAutoFit/>
+          </a:bodyPr>
+          <a:lstStyle/>
+          <a:p>
+            <a:pPr algn="ctr"/>
+            <a:r>
+              <a:rPr lang="en-GB" dirty="0"/>
+              <a:t>SPEECH SIGNAL</a:t>
+            </a:r>
+          </a:p>
+        </p:txBody>
+      </p:sp>
+      <mc:AlternateContent xmlns:mc="http://schemas.openxmlformats.org/markup-compatibility/2006">
+        <mc:Choice xmlns:a14="http://schemas.microsoft.com/office/drawing/2010/main" Requires="a14">
+          <p:sp>
+            <p:nvSpPr>
+              <p:cNvPr id="34" name="TextBox 33">
+                <a:extLst>
+                  <a:ext uri="{FF2B5EF4-FFF2-40B4-BE49-F238E27FC236}">
+                    <a16:creationId xmlns:a16="http://schemas.microsoft.com/office/drawing/2014/main" id="{2FA9AD60-FCDE-4AD7-9359-80A0EB3D26F2}"/>
+                  </a:ext>
+                </a:extLst>
+              </p:cNvPr>
+              <p:cNvSpPr txBox="1"/>
+              <p:nvPr/>
+            </p:nvSpPr>
+            <p:spPr>
+              <a:xfrm>
+                <a:off x="8268502" y="3269600"/>
+                <a:ext cx="1718868" cy="369332"/>
+              </a:xfrm>
+              <a:prstGeom prst="rect">
+                <a:avLst/>
+              </a:prstGeom>
+              <a:noFill/>
+            </p:spPr>
+            <p:txBody>
+              <a:bodyPr wrap="none" rtlCol="0">
+                <a:spAutoFit/>
+              </a:bodyPr>
+              <a:lstStyle/>
+              <a:p>
+                <a:pPr algn="ctr"/>
+                <a14:m>
+                  <m:oMathPara xmlns:m="http://schemas.openxmlformats.org/officeDocument/2006/math">
+                    <m:oMathParaPr>
+                      <m:jc m:val="centerGroup"/>
+                    </m:oMathParaPr>
+                    <m:oMath xmlns:m="http://schemas.openxmlformats.org/officeDocument/2006/math">
+                      <m:r>
+                        <a:rPr lang="en-GB" b="0" i="1" smtClean="0">
+                          <a:latin typeface="Cambria Math" panose="02040503050406030204" pitchFamily="18" charset="0"/>
+                        </a:rPr>
+                        <m:t>𝑊</m:t>
+                      </m:r>
+                      <m:r>
+                        <a:rPr lang="en-GB" i="1" smtClean="0">
+                          <a:latin typeface="Cambria Math" panose="02040503050406030204" pitchFamily="18" charset="0"/>
+                        </a:rPr>
+                        <m:t>=</m:t>
+                      </m:r>
+                      <m:sSub>
+                        <m:sSubPr>
+                          <m:ctrlPr>
+                            <a:rPr lang="en-GB" b="0" i="1" smtClean="0">
+                              <a:latin typeface="Cambria Math" panose="02040503050406030204" pitchFamily="18" charset="0"/>
+                            </a:rPr>
+                          </m:ctrlPr>
+                        </m:sSubPr>
+                        <m:e>
+                          <m:r>
+                            <a:rPr lang="en-GB" b="0" i="1" smtClean="0">
+                              <a:latin typeface="Cambria Math" panose="02040503050406030204" pitchFamily="18" charset="0"/>
+                            </a:rPr>
+                            <m:t>𝑤</m:t>
+                          </m:r>
+                        </m:e>
+                        <m:sub>
+                          <m:r>
+                            <a:rPr lang="en-GB" b="0" i="1" smtClean="0">
+                              <a:latin typeface="Cambria Math" panose="02040503050406030204" pitchFamily="18" charset="0"/>
+                            </a:rPr>
+                            <m:t>1</m:t>
+                          </m:r>
+                        </m:sub>
+                      </m:sSub>
+                      <m:r>
+                        <a:rPr lang="en-GB" b="0" i="1" smtClean="0">
+                          <a:latin typeface="Cambria Math" panose="02040503050406030204" pitchFamily="18" charset="0"/>
+                        </a:rPr>
+                        <m:t>, …, </m:t>
+                      </m:r>
+                      <m:sSub>
+                        <m:sSubPr>
+                          <m:ctrlPr>
+                            <a:rPr lang="en-GB" b="0" i="1" smtClean="0">
+                              <a:latin typeface="Cambria Math" panose="02040503050406030204" pitchFamily="18" charset="0"/>
+                            </a:rPr>
+                          </m:ctrlPr>
+                        </m:sSubPr>
+                        <m:e>
+                          <m:r>
+                            <a:rPr lang="en-GB" b="0" i="1" smtClean="0">
+                              <a:latin typeface="Cambria Math" panose="02040503050406030204" pitchFamily="18" charset="0"/>
+                            </a:rPr>
+                            <m:t>𝑤</m:t>
+                          </m:r>
+                        </m:e>
+                        <m:sub>
+                          <m:r>
+                            <a:rPr lang="en-GB" b="0" i="1" smtClean="0">
+                              <a:latin typeface="Cambria Math" panose="02040503050406030204" pitchFamily="18" charset="0"/>
+                            </a:rPr>
+                            <m:t>𝑁</m:t>
+                          </m:r>
+                        </m:sub>
+                      </m:sSub>
+                    </m:oMath>
+                  </m:oMathPara>
+                </a14:m>
+                <a:endParaRPr lang="en-GB" dirty="0"/>
+              </a:p>
+            </p:txBody>
+          </p:sp>
+        </mc:Choice>
+        <mc:Fallback>
+          <p:sp>
+            <p:nvSpPr>
+              <p:cNvPr id="34" name="TextBox 33">
+                <a:extLst>
+                  <a:ext uri="{FF2B5EF4-FFF2-40B4-BE49-F238E27FC236}">
+                    <a16:creationId xmlns:a16="http://schemas.microsoft.com/office/drawing/2014/main" id="{2FA9AD60-FCDE-4AD7-9359-80A0EB3D26F2}"/>
+                  </a:ext>
+                </a:extLst>
+              </p:cNvPr>
+              <p:cNvSpPr txBox="1">
+                <a:spLocks noRot="1" noChangeAspect="1" noMove="1" noResize="1" noEditPoints="1" noAdjustHandles="1" noChangeArrowheads="1" noChangeShapeType="1" noTextEdit="1"/>
+              </p:cNvSpPr>
+              <p:nvPr/>
+            </p:nvSpPr>
+            <p:spPr>
+              <a:xfrm>
+                <a:off x="8268502" y="3269600"/>
+                <a:ext cx="1718868" cy="369332"/>
+              </a:xfrm>
+              <a:prstGeom prst="rect">
+                <a:avLst/>
+              </a:prstGeom>
+              <a:blipFill>
+                <a:blip r:embed="rId4"/>
+                <a:stretch>
+                  <a:fillRect/>
+                </a:stretch>
+              </a:blipFill>
+            </p:spPr>
+            <p:txBody>
+              <a:bodyPr/>
+              <a:lstStyle/>
+              <a:p>
+                <a:r>
+                  <a:rPr lang="en-GB">
+                    <a:noFill/>
+                  </a:rPr>
+                  <a:t> </a:t>
+                </a:r>
+              </a:p>
+            </p:txBody>
+          </p:sp>
+        </mc:Fallback>
+      </mc:AlternateContent>
+      <p:sp>
+        <p:nvSpPr>
+          <p:cNvPr id="42" name="TextBox 41">
+            <a:extLst>
+              <a:ext uri="{FF2B5EF4-FFF2-40B4-BE49-F238E27FC236}">
+                <a16:creationId xmlns:a16="http://schemas.microsoft.com/office/drawing/2014/main" id="{1EC10B28-F9D0-403E-B90B-45F3A515E4DD}"/>
+              </a:ext>
+            </a:extLst>
+          </p:cNvPr>
+          <p:cNvSpPr txBox="1"/>
+          <p:nvPr/>
+        </p:nvSpPr>
+        <p:spPr>
+          <a:xfrm>
+            <a:off x="3495284" y="5400858"/>
+            <a:ext cx="1317477" cy="646331"/>
+          </a:xfrm>
+          <a:prstGeom prst="rect">
+            <a:avLst/>
+          </a:prstGeom>
+          <a:noFill/>
+        </p:spPr>
+        <p:txBody>
+          <a:bodyPr wrap="none" rtlCol="0">
+            <a:spAutoFit/>
+          </a:bodyPr>
+          <a:lstStyle/>
+          <a:p>
+            <a:pPr algn="ctr"/>
+            <a:r>
+              <a:rPr lang="en-GB" dirty="0"/>
+              <a:t>Normalise</a:t>
+            </a:r>
+          </a:p>
+          <a:p>
+            <a:pPr algn="ctr"/>
+            <a:r>
+              <a:rPr lang="en-GB" dirty="0"/>
+              <a:t>and analyse</a:t>
+            </a:r>
+          </a:p>
+        </p:txBody>
+      </p:sp>
+      <p:cxnSp>
+        <p:nvCxnSpPr>
+          <p:cNvPr id="43" name="Straight Arrow Connector 42">
+            <a:extLst>
+              <a:ext uri="{FF2B5EF4-FFF2-40B4-BE49-F238E27FC236}">
+                <a16:creationId xmlns:a16="http://schemas.microsoft.com/office/drawing/2014/main" id="{6C8CDB5B-593E-4EAB-839A-DFBECA65B6D8}"/>
+              </a:ext>
+            </a:extLst>
+          </p:cNvPr>
+          <p:cNvCxnSpPr>
+            <a:cxnSpLocks/>
+            <a:stCxn id="3" idx="4"/>
+            <a:endCxn id="21" idx="2"/>
+          </p:cNvCxnSpPr>
+          <p:nvPr/>
+        </p:nvCxnSpPr>
+        <p:spPr>
+          <a:xfrm>
+            <a:off x="3493971" y="5724023"/>
+            <a:ext cx="1453413" cy="0"/>
+          </a:xfrm>
+          <a:prstGeom prst="straightConnector1">
+            <a:avLst/>
+          </a:prstGeom>
+          <a:ln w="19050">
+            <a:tailEnd type="triangle"/>
+          </a:ln>
+        </p:spPr>
+        <p:style>
+          <a:lnRef idx="1">
+            <a:schemeClr val="accent1"/>
+          </a:lnRef>
+          <a:fillRef idx="0">
+            <a:schemeClr val="accent1"/>
+          </a:fillRef>
+          <a:effectRef idx="0">
+            <a:schemeClr val="accent1"/>
+          </a:effectRef>
+          <a:fontRef idx="minor">
+            <a:schemeClr val="tx1"/>
+          </a:fontRef>
+        </p:style>
+      </p:cxnSp>
+      <p:cxnSp>
+        <p:nvCxnSpPr>
+          <p:cNvPr id="15" name="Connector: Elbow 14">
+            <a:extLst>
+              <a:ext uri="{FF2B5EF4-FFF2-40B4-BE49-F238E27FC236}">
+                <a16:creationId xmlns:a16="http://schemas.microsoft.com/office/drawing/2014/main" id="{6ECE9114-3136-41BD-8095-F9371C887D97}"/>
+              </a:ext>
+            </a:extLst>
+          </p:cNvPr>
+          <p:cNvCxnSpPr>
+            <a:stCxn id="21" idx="4"/>
+          </p:cNvCxnSpPr>
+          <p:nvPr/>
+        </p:nvCxnSpPr>
+        <p:spPr>
+          <a:xfrm flipV="1">
+            <a:off x="6679930" y="3907858"/>
+            <a:ext cx="529393" cy="1816165"/>
+          </a:xfrm>
+          <a:prstGeom prst="bentConnector2">
+            <a:avLst/>
+          </a:prstGeom>
+          <a:ln w="19050">
+            <a:tailEnd type="triangle"/>
+          </a:ln>
+        </p:spPr>
+        <p:style>
+          <a:lnRef idx="1">
+            <a:schemeClr val="accent1"/>
+          </a:lnRef>
+          <a:fillRef idx="0">
+            <a:schemeClr val="accent1"/>
+          </a:fillRef>
+          <a:effectRef idx="0">
+            <a:schemeClr val="accent1"/>
+          </a:effectRef>
+          <a:fontRef idx="minor">
+            <a:schemeClr val="tx1"/>
+          </a:fontRef>
+        </p:style>
+      </p:cxnSp>
+      <p:cxnSp>
+        <p:nvCxnSpPr>
+          <p:cNvPr id="44" name="Connector: Elbow 43">
+            <a:extLst>
+              <a:ext uri="{FF2B5EF4-FFF2-40B4-BE49-F238E27FC236}">
+                <a16:creationId xmlns:a16="http://schemas.microsoft.com/office/drawing/2014/main" id="{2726D96B-63DF-4D86-9EA9-0B0E41F7B75E}"/>
+              </a:ext>
+            </a:extLst>
+          </p:cNvPr>
+          <p:cNvCxnSpPr>
+            <a:cxnSpLocks/>
+          </p:cNvCxnSpPr>
+          <p:nvPr/>
+        </p:nvCxnSpPr>
+        <p:spPr>
+          <a:xfrm flipH="1" flipV="1">
+            <a:off x="7622287" y="3892898"/>
+            <a:ext cx="529393" cy="1801127"/>
+          </a:xfrm>
+          <a:prstGeom prst="bentConnector2">
+            <a:avLst/>
+          </a:prstGeom>
+          <a:ln w="19050">
+            <a:tailEnd type="triangle"/>
+          </a:ln>
+        </p:spPr>
+        <p:style>
+          <a:lnRef idx="1">
+            <a:schemeClr val="accent1"/>
+          </a:lnRef>
+          <a:fillRef idx="0">
+            <a:schemeClr val="accent1"/>
+          </a:fillRef>
+          <a:effectRef idx="0">
+            <a:schemeClr val="accent1"/>
+          </a:effectRef>
+          <a:fontRef idx="minor">
+            <a:schemeClr val="tx1"/>
+          </a:fontRef>
+        </p:style>
+      </p:cxnSp>
+      <p:cxnSp>
+        <p:nvCxnSpPr>
+          <p:cNvPr id="45" name="Connector: Elbow 44">
+            <a:extLst>
+              <a:ext uri="{FF2B5EF4-FFF2-40B4-BE49-F238E27FC236}">
+                <a16:creationId xmlns:a16="http://schemas.microsoft.com/office/drawing/2014/main" id="{705D6967-900D-412D-9A81-806D3BBEC890}"/>
+              </a:ext>
+            </a:extLst>
+          </p:cNvPr>
+          <p:cNvCxnSpPr>
+            <a:cxnSpLocks/>
+            <a:stCxn id="20" idx="4"/>
+            <a:endCxn id="17" idx="0"/>
+          </p:cNvCxnSpPr>
+          <p:nvPr/>
+        </p:nvCxnSpPr>
+        <p:spPr>
+          <a:xfrm>
+            <a:off x="6586886" y="1309628"/>
+            <a:ext cx="827774" cy="1414321"/>
+          </a:xfrm>
+          <a:prstGeom prst="bentConnector2">
+            <a:avLst/>
+          </a:prstGeom>
+          <a:ln w="19050">
+            <a:tailEnd type="triangle"/>
+          </a:ln>
+        </p:spPr>
+        <p:style>
+          <a:lnRef idx="1">
+            <a:schemeClr val="accent1"/>
+          </a:lnRef>
+          <a:fillRef idx="0">
+            <a:schemeClr val="accent1"/>
+          </a:fillRef>
+          <a:effectRef idx="0">
+            <a:schemeClr val="accent1"/>
+          </a:effectRef>
+          <a:fontRef idx="minor">
+            <a:schemeClr val="tx1"/>
+          </a:fontRef>
+        </p:style>
+      </p:cxnSp>
+      <p:pic>
+        <p:nvPicPr>
+          <p:cNvPr id="52" name="Picture 51" descr="Young woman">
+            <a:extLst>
+              <a:ext uri="{FF2B5EF4-FFF2-40B4-BE49-F238E27FC236}">
+                <a16:creationId xmlns:a16="http://schemas.microsoft.com/office/drawing/2014/main" id="{DBE42506-7460-445C-97A0-FDA294282335}"/>
+              </a:ext>
+            </a:extLst>
+          </p:cNvPr>
+          <p:cNvPicPr>
+            <a:picLocks noChangeAspect="1"/>
+          </p:cNvPicPr>
+          <p:nvPr/>
+        </p:nvPicPr>
+        <p:blipFill>
+          <a:blip r:embed="rId5" cstate="print">
+            <a:extLst>
+              <a:ext uri="{28A0092B-C50C-407E-A947-70E740481C1C}">
+                <a14:useLocalDpi xmlns:a14="http://schemas.microsoft.com/office/drawing/2010/main" val="0"/>
+              </a:ext>
+            </a:extLst>
+          </a:blip>
+          <a:stretch>
+            <a:fillRect/>
+          </a:stretch>
+        </p:blipFill>
+        <p:spPr>
+          <a:xfrm>
+            <a:off x="948477" y="2624087"/>
+            <a:ext cx="434375" cy="1443790"/>
+          </a:xfrm>
+          <a:prstGeom prst="rect">
+            <a:avLst/>
+          </a:prstGeom>
+        </p:spPr>
+      </p:pic>
+    </p:spTree>
+    <p:extLst>
+      <p:ext uri="{BB962C8B-B14F-4D97-AF65-F5344CB8AC3E}">
+        <p14:creationId xmlns:p14="http://schemas.microsoft.com/office/powerpoint/2010/main" val="1842232687"/>
+      </p:ext>
+    </p:extLst>
+  </p:cSld>
+  <p:clrMapOvr>
+    <a:masterClrMapping/>
+  </p:clrMapOvr>
+</p:sld>
+</file>
+
+<file path=ppt/slides/slide5.xml><?xml version="1.0" encoding="utf-8"?>
 <p:sld xmlns:a="http://schemas.openxmlformats.org/drawingml/2006/main" xmlns:r="http://schemas.openxmlformats.org/officeDocument/2006/relationships" xmlns:p="http://schemas.openxmlformats.org/presentationml/2006/main">
   <p:cSld>
     <p:spTree>
@@ -18197,10 +19428,9 @@
             <a:lstStyle/>
             <a:p>
               <a:r>
-                <a:rPr lang="en-GB" dirty="0" smtClean="0"/>
+                <a:rPr lang="en-GB" dirty="0"/>
                 <a:t>0 </a:t>
               </a:r>
-              <a:endParaRPr lang="en-GB" dirty="0"/>
             </a:p>
           </p:txBody>
         </p:sp>
@@ -18227,10 +19457,9 @@
             <a:lstStyle/>
             <a:p>
               <a:r>
-                <a:rPr lang="en-GB" dirty="0" smtClean="0"/>
+                <a:rPr lang="en-GB" dirty="0"/>
                 <a:t>Gain</a:t>
               </a:r>
-              <a:endParaRPr lang="en-GB" dirty="0"/>
             </a:p>
           </p:txBody>
         </p:sp>
@@ -18292,10 +19521,9 @@
             <a:lstStyle/>
             <a:p>
               <a:r>
-                <a:rPr lang="en-GB" dirty="0" smtClean="0"/>
+                <a:rPr lang="en-GB" dirty="0"/>
                 <a:t>8000 Hz </a:t>
               </a:r>
-              <a:endParaRPr lang="en-GB" dirty="0"/>
             </a:p>
           </p:txBody>
         </p:sp>
@@ -18410,10 +19638,9 @@
             <a:lstStyle/>
             <a:p>
               <a:r>
-                <a:rPr lang="en-GB" dirty="0" smtClean="0"/>
+                <a:rPr lang="en-GB" dirty="0"/>
                 <a:t>0 </a:t>
               </a:r>
-              <a:endParaRPr lang="en-GB" dirty="0"/>
             </a:p>
           </p:txBody>
         </p:sp>
@@ -18440,10 +19667,9 @@
             <a:lstStyle/>
             <a:p>
               <a:r>
-                <a:rPr lang="en-GB" dirty="0" smtClean="0"/>
+                <a:rPr lang="en-GB" dirty="0"/>
                 <a:t>Gain</a:t>
               </a:r>
-              <a:endParaRPr lang="en-GB" dirty="0"/>
             </a:p>
           </p:txBody>
         </p:sp>
@@ -18505,10 +19731,9 @@
             <a:lstStyle/>
             <a:p>
               <a:r>
-                <a:rPr lang="en-GB" dirty="0" smtClean="0"/>
+                <a:rPr lang="en-GB" dirty="0"/>
                 <a:t>8000 Hz </a:t>
               </a:r>
-              <a:endParaRPr lang="en-GB" dirty="0"/>
             </a:p>
           </p:txBody>
         </p:sp>
@@ -18623,10 +19848,9 @@
             <a:lstStyle/>
             <a:p>
               <a:r>
-                <a:rPr lang="en-GB" dirty="0" smtClean="0"/>
+                <a:rPr lang="en-GB" dirty="0"/>
                 <a:t>0 </a:t>
               </a:r>
-              <a:endParaRPr lang="en-GB" dirty="0"/>
             </a:p>
           </p:txBody>
         </p:sp>
@@ -18653,10 +19877,9 @@
             <a:lstStyle/>
             <a:p>
               <a:r>
-                <a:rPr lang="en-GB" dirty="0" smtClean="0"/>
+                <a:rPr lang="en-GB" dirty="0"/>
                 <a:t>Gain</a:t>
               </a:r>
-              <a:endParaRPr lang="en-GB" dirty="0"/>
             </a:p>
           </p:txBody>
         </p:sp>
@@ -18718,10 +19941,9 @@
             <a:lstStyle/>
             <a:p>
               <a:r>
-                <a:rPr lang="en-GB" dirty="0" smtClean="0"/>
+                <a:rPr lang="en-GB" dirty="0"/>
                 <a:t>8000 Hz </a:t>
               </a:r>
-              <a:endParaRPr lang="en-GB" dirty="0"/>
             </a:p>
           </p:txBody>
         </p:sp>
@@ -18812,7 +20034,7 @@
 </p:sld>
 </file>
 
-<file path=ppt/slides/slide5.xml><?xml version="1.0" encoding="utf-8"?>
+<file path=ppt/slides/slide6.xml><?xml version="1.0" encoding="utf-8"?>
 <p:sld xmlns:a="http://schemas.openxmlformats.org/drawingml/2006/main" xmlns:r="http://schemas.openxmlformats.org/officeDocument/2006/relationships" xmlns:p="http://schemas.openxmlformats.org/presentationml/2006/main">
   <p:cSld>
     <p:spTree>
@@ -20672,10 +21894,9 @@
           <a:p>
             <a:pPr algn="ctr"/>
             <a:r>
-              <a:rPr lang="en-GB" sz="1000" b="1" dirty="0" smtClean="0"/>
+              <a:rPr lang="en-GB" sz="1000" b="1" dirty="0"/>
               <a:t>Input Gate</a:t>
             </a:r>
-            <a:endParaRPr lang="en-GB" sz="1000" b="1" dirty="0"/>
           </a:p>
         </p:txBody>
       </p:sp>
@@ -20703,10 +21924,9 @@
           <a:p>
             <a:pPr algn="ctr"/>
             <a:r>
-              <a:rPr lang="en-GB" sz="1000" b="1" dirty="0" smtClean="0"/>
+              <a:rPr lang="en-GB" sz="1000" b="1" dirty="0"/>
               <a:t>Output Gate</a:t>
             </a:r>
-            <a:endParaRPr lang="en-GB" sz="1000" b="1" dirty="0"/>
           </a:p>
         </p:txBody>
       </p:sp>
@@ -20734,10 +21954,9 @@
           <a:p>
             <a:pPr algn="ctr"/>
             <a:r>
-              <a:rPr lang="en-GB" sz="1000" b="1" dirty="0" smtClean="0"/>
+              <a:rPr lang="en-GB" sz="1000" b="1" dirty="0"/>
               <a:t>Forget Gate</a:t>
             </a:r>
-            <a:endParaRPr lang="en-GB" sz="1000" b="1" dirty="0"/>
           </a:p>
         </p:txBody>
       </p:sp>
@@ -21775,10 +22994,9 @@
           <a:p>
             <a:pPr algn="ctr"/>
             <a:r>
-              <a:rPr lang="en-GB" sz="1000" b="1" dirty="0" smtClean="0"/>
+              <a:rPr lang="en-GB" sz="1000" b="1" dirty="0"/>
               <a:t>LSTM CELL</a:t>
             </a:r>
-            <a:endParaRPr lang="en-GB" sz="1000" b="1" dirty="0"/>
           </a:p>
         </p:txBody>
       </p:sp>
@@ -21843,7 +23061,7 @@
 </p:sld>
 </file>
 
-<file path=ppt/slides/slide6.xml><?xml version="1.0" encoding="utf-8"?>
+<file path=ppt/slides/slide7.xml><?xml version="1.0" encoding="utf-8"?>
 <p:sld xmlns:a="http://schemas.openxmlformats.org/drawingml/2006/main" xmlns:r="http://schemas.openxmlformats.org/officeDocument/2006/relationships" xmlns:p="http://schemas.openxmlformats.org/presentationml/2006/main">
   <p:cSld>
     <p:spTree>
@@ -21925,18 +23143,17 @@
           <a:p>
             <a:pPr algn="ctr"/>
             <a:r>
-              <a:rPr lang="en-GB" dirty="0" smtClean="0"/>
+              <a:rPr lang="en-GB" dirty="0"/>
               <a:t>Import </a:t>
             </a:r>
             <a:r>
-              <a:rPr lang="en-GB" dirty="0" err="1" smtClean="0"/>
+              <a:rPr lang="en-GB" dirty="0" err="1"/>
               <a:t>Tensorflow</a:t>
             </a:r>
             <a:r>
-              <a:rPr lang="en-GB" dirty="0" smtClean="0"/>
+              <a:rPr lang="en-GB" dirty="0"/>
               <a:t> library</a:t>
             </a:r>
-            <a:endParaRPr lang="en-GB" dirty="0"/>
           </a:p>
         </p:txBody>
       </p:sp>
@@ -21981,10 +23198,9 @@
           <a:p>
             <a:pPr algn="ctr"/>
             <a:r>
-              <a:rPr lang="en-GB" dirty="0" smtClean="0"/>
+              <a:rPr lang="en-GB" dirty="0"/>
               <a:t>Define placeholder for input data</a:t>
             </a:r>
-            <a:endParaRPr lang="en-GB" dirty="0"/>
           </a:p>
         </p:txBody>
       </p:sp>
@@ -22029,10 +23245,9 @@
           <a:p>
             <a:pPr algn="ctr"/>
             <a:r>
-              <a:rPr lang="en-GB" dirty="0" smtClean="0"/>
+              <a:rPr lang="en-GB" dirty="0"/>
               <a:t>Add multiply to build graph</a:t>
             </a:r>
-            <a:endParaRPr lang="en-GB" dirty="0"/>
           </a:p>
         </p:txBody>
       </p:sp>
@@ -22077,10 +23292,9 @@
           <a:p>
             <a:pPr algn="ctr"/>
             <a:r>
-              <a:rPr lang="en-GB" dirty="0" smtClean="0"/>
+              <a:rPr lang="en-GB" dirty="0"/>
               <a:t>Start a run session</a:t>
             </a:r>
-            <a:endParaRPr lang="en-GB" dirty="0"/>
           </a:p>
         </p:txBody>
       </p:sp>
@@ -22125,10 +23339,9 @@
           <a:p>
             <a:pPr algn="ctr"/>
             <a:r>
-              <a:rPr lang="en-GB" dirty="0" smtClean="0"/>
+              <a:rPr lang="en-GB" dirty="0"/>
               <a:t>Execute graph within session with data supplied</a:t>
             </a:r>
-            <a:endParaRPr lang="en-GB" dirty="0"/>
           </a:p>
         </p:txBody>
       </p:sp>
@@ -22232,7 +23445,7 @@
           <a:p>
             <a:pPr algn="ctr"/>
             <a:r>
-              <a:rPr lang="en-US" sz="2800" b="0" cap="none" spc="0" dirty="0" smtClean="0">
+              <a:rPr lang="en-US" sz="2800" b="0" cap="none" spc="0" dirty="0">
                 <a:ln w="0"/>
                 <a:solidFill>
                   <a:schemeClr val="tx1"/>
@@ -22247,19 +23460,6 @@
               </a:rPr>
               <a:t>Build Graph stage</a:t>
             </a:r>
-            <a:endParaRPr lang="en-US" sz="2800" b="0" cap="none" spc="0" dirty="0">
-              <a:ln w="0"/>
-              <a:solidFill>
-                <a:schemeClr val="tx1"/>
-              </a:solidFill>
-              <a:effectLst>
-                <a:outerShdw blurRad="38100" dist="19050" dir="2700000" algn="tl" rotWithShape="0">
-                  <a:schemeClr val="dk1">
-                    <a:alpha val="40000"/>
-                  </a:schemeClr>
-                </a:outerShdw>
-              </a:effectLst>
-            </a:endParaRPr>
           </a:p>
         </p:txBody>
       </p:sp>
@@ -22287,7 +23487,7 @@
           <a:p>
             <a:pPr algn="ctr"/>
             <a:r>
-              <a:rPr lang="en-US" sz="2800" dirty="0" smtClean="0">
+              <a:rPr lang="en-US" sz="2800" dirty="0">
                 <a:ln w="0"/>
                 <a:effectLst>
                   <a:outerShdw blurRad="38100" dist="19050" dir="2700000" algn="tl" rotWithShape="0">
@@ -22328,7 +23528,7 @@
 </p:sld>
 </file>
 
-<file path=ppt/slides/slide7.xml><?xml version="1.0" encoding="utf-8"?>
+<file path=ppt/slides/slide8.xml><?xml version="1.0" encoding="utf-8"?>
 <p:sld xmlns:a="http://schemas.openxmlformats.org/drawingml/2006/main" xmlns:r="http://schemas.openxmlformats.org/officeDocument/2006/relationships" xmlns:p="http://schemas.openxmlformats.org/presentationml/2006/main">
   <p:cSld>
     <p:spTree>
@@ -22361,10 +23561,9 @@
           <a:lstStyle/>
           <a:p>
             <a:r>
-              <a:rPr lang="en-GB" dirty="0" smtClean="0"/>
+              <a:rPr lang="en-GB" dirty="0"/>
               <a:t>Language model evaluation pipeline</a:t>
             </a:r>
-            <a:endParaRPr lang="en-GB" dirty="0"/>
           </a:p>
         </p:txBody>
       </p:sp>
@@ -22454,10 +23653,9 @@
           <a:p>
             <a:pPr algn="ctr"/>
             <a:r>
-              <a:rPr lang="en-GB" sz="2200" dirty="0" smtClean="0"/>
+              <a:rPr lang="en-GB" sz="2200" dirty="0"/>
               <a:t>Held out data</a:t>
             </a:r>
-            <a:endParaRPr lang="en-GB" sz="2200" dirty="0"/>
           </a:p>
         </p:txBody>
       </p:sp>
@@ -22560,7 +23758,7 @@
 </p:sld>
 </file>
 
-<file path=ppt/slides/slide8.xml><?xml version="1.0" encoding="utf-8"?>
+<file path=ppt/slides/slide9.xml><?xml version="1.0" encoding="utf-8"?>
 <p:sld xmlns:a="http://schemas.openxmlformats.org/drawingml/2006/main" xmlns:r="http://schemas.openxmlformats.org/officeDocument/2006/relationships" xmlns:p="http://schemas.openxmlformats.org/presentationml/2006/main">
   <p:cSld>
     <p:spTree>
@@ -22577,8 +23775,8 @@
           <a:chExt cx="0" cy="0"/>
         </a:xfrm>
       </p:grpSpPr>
-      <mc:AlternateContent xmlns:mc="http://schemas.openxmlformats.org/markup-compatibility/2006">
-        <mc:Choice xmlns:a14="http://schemas.microsoft.com/office/drawing/2010/main" Requires="a14">
+      <mc:AlternateContent xmlns:mc="http://schemas.openxmlformats.org/markup-compatibility/2006" xmlns:a14="http://schemas.microsoft.com/office/drawing/2010/main">
+        <mc:Choice Requires="a14">
           <p:sp>
             <p:nvSpPr>
               <p:cNvPr id="4" name="Rectangle 3"/>
@@ -22726,7 +23924,7 @@
             </p:txBody>
           </p:sp>
         </mc:Choice>
-        <mc:Fallback>
+        <mc:Fallback xmlns="">
           <p:sp>
             <p:nvSpPr>
               <p:cNvPr id="4" name="Rectangle 3"/>
@@ -22765,8 +23963,8 @@
           </p:sp>
         </mc:Fallback>
       </mc:AlternateContent>
-      <mc:AlternateContent xmlns:mc="http://schemas.openxmlformats.org/markup-compatibility/2006">
-        <mc:Choice xmlns:a14="http://schemas.microsoft.com/office/drawing/2010/main" Requires="a14">
+      <mc:AlternateContent xmlns:mc="http://schemas.openxmlformats.org/markup-compatibility/2006" xmlns:a14="http://schemas.microsoft.com/office/drawing/2010/main">
+        <mc:Choice Requires="a14">
           <p:sp>
             <p:nvSpPr>
               <p:cNvPr id="31" name="Rectangle 30"/>
@@ -22994,7 +24192,7 @@
             </p:txBody>
           </p:sp>
         </mc:Choice>
-        <mc:Fallback>
+        <mc:Fallback xmlns="">
           <p:sp>
             <p:nvSpPr>
               <p:cNvPr id="31" name="Rectangle 30"/>
@@ -23144,8 +24342,8 @@
           </a:p>
         </p:txBody>
       </p:sp>
-      <mc:AlternateContent xmlns:mc="http://schemas.openxmlformats.org/markup-compatibility/2006">
-        <mc:Choice xmlns:a14="http://schemas.microsoft.com/office/drawing/2010/main" Requires="a14">
+      <mc:AlternateContent xmlns:mc="http://schemas.openxmlformats.org/markup-compatibility/2006" xmlns:a14="http://schemas.microsoft.com/office/drawing/2010/main">
+        <mc:Choice Requires="a14">
           <p:sp>
             <p:nvSpPr>
               <p:cNvPr id="21" name="Rectangle 20"/>
@@ -23167,6 +24365,7 @@
               </a:bodyPr>
               <a:lstStyle/>
               <a:p>
+                <a:pPr/>
                 <a14:m>
                   <m:oMathPara xmlns:m="http://schemas.openxmlformats.org/officeDocument/2006/math">
                     <m:oMathParaPr>
@@ -23190,7 +24389,7 @@
             </p:txBody>
           </p:sp>
         </mc:Choice>
-        <mc:Fallback>
+        <mc:Fallback xmlns="">
           <p:sp>
             <p:nvSpPr>
               <p:cNvPr id="21" name="Rectangle 20"/>
@@ -23229,8 +24428,8 @@
           </p:sp>
         </mc:Fallback>
       </mc:AlternateContent>
-      <mc:AlternateContent xmlns:mc="http://schemas.openxmlformats.org/markup-compatibility/2006">
-        <mc:Choice xmlns:a14="http://schemas.microsoft.com/office/drawing/2010/main" Requires="a14">
+      <mc:AlternateContent xmlns:mc="http://schemas.openxmlformats.org/markup-compatibility/2006" xmlns:a14="http://schemas.microsoft.com/office/drawing/2010/main">
+        <mc:Choice Requires="a14">
           <p:sp>
             <p:nvSpPr>
               <p:cNvPr id="43" name="Rectangle 42"/>
@@ -23252,6 +24451,7 @@
               </a:bodyPr>
               <a:lstStyle/>
               <a:p>
+                <a:pPr/>
                 <a14:m>
                   <m:oMathPara xmlns:m="http://schemas.openxmlformats.org/officeDocument/2006/math">
                     <m:oMathParaPr>
@@ -23275,7 +24475,7 @@
             </p:txBody>
           </p:sp>
         </mc:Choice>
-        <mc:Fallback>
+        <mc:Fallback xmlns="">
           <p:sp>
             <p:nvSpPr>
               <p:cNvPr id="43" name="Rectangle 42"/>
@@ -23314,8 +24514,8 @@
           </p:sp>
         </mc:Fallback>
       </mc:AlternateContent>
-      <mc:AlternateContent xmlns:mc="http://schemas.openxmlformats.org/markup-compatibility/2006">
-        <mc:Choice xmlns:a14="http://schemas.microsoft.com/office/drawing/2010/main" Requires="a14">
+      <mc:AlternateContent xmlns:mc="http://schemas.openxmlformats.org/markup-compatibility/2006" xmlns:a14="http://schemas.microsoft.com/office/drawing/2010/main">
+        <mc:Choice Requires="a14">
           <p:sp>
             <p:nvSpPr>
               <p:cNvPr id="22" name="Rectangle 21"/>
@@ -23337,6 +24537,7 @@
               </a:bodyPr>
               <a:lstStyle/>
               <a:p>
+                <a:pPr/>
                 <a14:m>
                   <m:oMathPara xmlns:m="http://schemas.openxmlformats.org/officeDocument/2006/math">
                     <m:oMathParaPr>
@@ -23375,7 +24576,7 @@
             </p:txBody>
           </p:sp>
         </mc:Choice>
-        <mc:Fallback>
+        <mc:Fallback xmlns="">
           <p:sp>
             <p:nvSpPr>
               <p:cNvPr id="22" name="Rectangle 21"/>
@@ -23558,8 +24759,8 @@
           </a:p>
         </p:txBody>
       </p:sp>
-      <mc:AlternateContent xmlns:mc="http://schemas.openxmlformats.org/markup-compatibility/2006">
-        <mc:Choice xmlns:a14="http://schemas.microsoft.com/office/drawing/2010/main" Requires="a14">
+      <mc:AlternateContent xmlns:mc="http://schemas.openxmlformats.org/markup-compatibility/2006" xmlns:a14="http://schemas.microsoft.com/office/drawing/2010/main">
+        <mc:Choice Requires="a14">
           <p:sp>
             <p:nvSpPr>
               <p:cNvPr id="44" name="Rectangle 43"/>
@@ -23581,6 +24782,7 @@
               </a:bodyPr>
               <a:lstStyle/>
               <a:p>
+                <a:pPr/>
                 <a14:m>
                   <m:oMathPara xmlns:m="http://schemas.openxmlformats.org/officeDocument/2006/math">
                     <m:oMathParaPr>
@@ -23604,7 +24806,7 @@
             </p:txBody>
           </p:sp>
         </mc:Choice>
-        <mc:Fallback>
+        <mc:Fallback xmlns="">
           <p:sp>
             <p:nvSpPr>
               <p:cNvPr id="44" name="Rectangle 43"/>
@@ -23643,8 +24845,8 @@
           </p:sp>
         </mc:Fallback>
       </mc:AlternateContent>
-      <mc:AlternateContent xmlns:mc="http://schemas.openxmlformats.org/markup-compatibility/2006">
-        <mc:Choice xmlns:a14="http://schemas.microsoft.com/office/drawing/2010/main" Requires="a14">
+      <mc:AlternateContent xmlns:mc="http://schemas.openxmlformats.org/markup-compatibility/2006" xmlns:a14="http://schemas.microsoft.com/office/drawing/2010/main">
+        <mc:Choice Requires="a14">
           <p:sp>
             <p:nvSpPr>
               <p:cNvPr id="46" name="Rectangle 45"/>
@@ -23666,6 +24868,7 @@
               </a:bodyPr>
               <a:lstStyle/>
               <a:p>
+                <a:pPr/>
                 <a14:m>
                   <m:oMathPara xmlns:m="http://schemas.openxmlformats.org/officeDocument/2006/math">
                     <m:oMathParaPr>
@@ -23689,7 +24892,7 @@
             </p:txBody>
           </p:sp>
         </mc:Choice>
-        <mc:Fallback>
+        <mc:Fallback xmlns="">
           <p:sp>
             <p:nvSpPr>
               <p:cNvPr id="46" name="Rectangle 45"/>
@@ -23728,8 +24931,8 @@
           </p:sp>
         </mc:Fallback>
       </mc:AlternateContent>
-      <mc:AlternateContent xmlns:mc="http://schemas.openxmlformats.org/markup-compatibility/2006">
-        <mc:Choice xmlns:a14="http://schemas.microsoft.com/office/drawing/2010/main" Requires="a14">
+      <mc:AlternateContent xmlns:mc="http://schemas.openxmlformats.org/markup-compatibility/2006" xmlns:a14="http://schemas.microsoft.com/office/drawing/2010/main">
+        <mc:Choice Requires="a14">
           <p:sp>
             <p:nvSpPr>
               <p:cNvPr id="48" name="Rectangle 47"/>
@@ -23752,7 +24955,7 @@
               <a:lstStyle/>
               <a:p>
                 <a:r>
-                  <a:rPr lang="en-GB" dirty="0" smtClean="0"/>
+                  <a:rPr lang="en-GB" dirty="0"/>
                   <a:t>-</a:t>
                 </a:r>
                 <a14:m>
@@ -23773,7 +24976,7 @@
             </p:txBody>
           </p:sp>
         </mc:Choice>
-        <mc:Fallback>
+        <mc:Fallback xmlns="">
           <p:sp>
             <p:nvSpPr>
               <p:cNvPr id="48" name="Rectangle 47"/>
@@ -23812,8 +25015,8 @@
           </p:sp>
         </mc:Fallback>
       </mc:AlternateContent>
-      <mc:AlternateContent xmlns:mc="http://schemas.openxmlformats.org/markup-compatibility/2006">
-        <mc:Choice xmlns:a14="http://schemas.microsoft.com/office/drawing/2010/main" Requires="a14">
+      <mc:AlternateContent xmlns:mc="http://schemas.openxmlformats.org/markup-compatibility/2006" xmlns:a14="http://schemas.microsoft.com/office/drawing/2010/main">
+        <mc:Choice Requires="a14">
           <p:sp>
             <p:nvSpPr>
               <p:cNvPr id="50" name="Rectangle 49"/>
@@ -23835,6 +25038,7 @@
               </a:bodyPr>
               <a:lstStyle/>
               <a:p>
+                <a:pPr/>
                 <a14:m>
                   <m:oMathPara xmlns:m="http://schemas.openxmlformats.org/officeDocument/2006/math">
                     <m:oMathParaPr>
@@ -23873,7 +25077,7 @@
             </p:txBody>
           </p:sp>
         </mc:Choice>
-        <mc:Fallback>
+        <mc:Fallback xmlns="">
           <p:sp>
             <p:nvSpPr>
               <p:cNvPr id="50" name="Rectangle 49"/>

--- a/thesis.pptx
+++ b/thesis.pptx
@@ -14,6 +14,7 @@
     <p:sldId id="259" r:id="rId8"/>
     <p:sldId id="260" r:id="rId9"/>
     <p:sldId id="263" r:id="rId10"/>
+    <p:sldId id="265" r:id="rId11"/>
   </p:sldIdLst>
   <p:sldSz cx="12192000" cy="6858000"/>
   <p:notesSz cx="6858000" cy="9144000"/>
@@ -130,6 +131,7 @@
             <p14:sldId id="259"/>
             <p14:sldId id="260"/>
             <p14:sldId id="263"/>
+            <p14:sldId id="265"/>
           </p14:sldIdLst>
         </p14:section>
       </p14:sectionLst>
@@ -9616,7 +9618,7 @@
           <a:p>
             <a:fld id="{868DB8A7-3A18-4C2F-83F4-935BFDFABEE2}" type="datetimeFigureOut">
               <a:rPr lang="en-GB" smtClean="0"/>
-              <a:t>11/12/2020</a:t>
+              <a:t>24/12/2020</a:t>
             </a:fld>
             <a:endParaRPr lang="en-GB"/>
           </a:p>
@@ -9786,7 +9788,7 @@
           <a:p>
             <a:fld id="{868DB8A7-3A18-4C2F-83F4-935BFDFABEE2}" type="datetimeFigureOut">
               <a:rPr lang="en-GB" smtClean="0"/>
-              <a:t>11/12/2020</a:t>
+              <a:t>24/12/2020</a:t>
             </a:fld>
             <a:endParaRPr lang="en-GB"/>
           </a:p>
@@ -9966,7 +9968,7 @@
           <a:p>
             <a:fld id="{868DB8A7-3A18-4C2F-83F4-935BFDFABEE2}" type="datetimeFigureOut">
               <a:rPr lang="en-GB" smtClean="0"/>
-              <a:t>11/12/2020</a:t>
+              <a:t>24/12/2020</a:t>
             </a:fld>
             <a:endParaRPr lang="en-GB"/>
           </a:p>
@@ -10136,7 +10138,7 @@
           <a:p>
             <a:fld id="{868DB8A7-3A18-4C2F-83F4-935BFDFABEE2}" type="datetimeFigureOut">
               <a:rPr lang="en-GB" smtClean="0"/>
-              <a:t>11/12/2020</a:t>
+              <a:t>24/12/2020</a:t>
             </a:fld>
             <a:endParaRPr lang="en-GB"/>
           </a:p>
@@ -10382,7 +10384,7 @@
           <a:p>
             <a:fld id="{868DB8A7-3A18-4C2F-83F4-935BFDFABEE2}" type="datetimeFigureOut">
               <a:rPr lang="en-GB" smtClean="0"/>
-              <a:t>11/12/2020</a:t>
+              <a:t>24/12/2020</a:t>
             </a:fld>
             <a:endParaRPr lang="en-GB"/>
           </a:p>
@@ -10614,7 +10616,7 @@
           <a:p>
             <a:fld id="{868DB8A7-3A18-4C2F-83F4-935BFDFABEE2}" type="datetimeFigureOut">
               <a:rPr lang="en-GB" smtClean="0"/>
-              <a:t>11/12/2020</a:t>
+              <a:t>24/12/2020</a:t>
             </a:fld>
             <a:endParaRPr lang="en-GB"/>
           </a:p>
@@ -10981,7 +10983,7 @@
           <a:p>
             <a:fld id="{868DB8A7-3A18-4C2F-83F4-935BFDFABEE2}" type="datetimeFigureOut">
               <a:rPr lang="en-GB" smtClean="0"/>
-              <a:t>11/12/2020</a:t>
+              <a:t>24/12/2020</a:t>
             </a:fld>
             <a:endParaRPr lang="en-GB"/>
           </a:p>
@@ -11099,7 +11101,7 @@
           <a:p>
             <a:fld id="{868DB8A7-3A18-4C2F-83F4-935BFDFABEE2}" type="datetimeFigureOut">
               <a:rPr lang="en-GB" smtClean="0"/>
-              <a:t>11/12/2020</a:t>
+              <a:t>24/12/2020</a:t>
             </a:fld>
             <a:endParaRPr lang="en-GB"/>
           </a:p>
@@ -11194,7 +11196,7 @@
           <a:p>
             <a:fld id="{868DB8A7-3A18-4C2F-83F4-935BFDFABEE2}" type="datetimeFigureOut">
               <a:rPr lang="en-GB" smtClean="0"/>
-              <a:t>11/12/2020</a:t>
+              <a:t>24/12/2020</a:t>
             </a:fld>
             <a:endParaRPr lang="en-GB"/>
           </a:p>
@@ -11471,7 +11473,7 @@
           <a:p>
             <a:fld id="{868DB8A7-3A18-4C2F-83F4-935BFDFABEE2}" type="datetimeFigureOut">
               <a:rPr lang="en-GB" smtClean="0"/>
-              <a:t>11/12/2020</a:t>
+              <a:t>24/12/2020</a:t>
             </a:fld>
             <a:endParaRPr lang="en-GB"/>
           </a:p>
@@ -11724,7 +11726,7 @@
           <a:p>
             <a:fld id="{868DB8A7-3A18-4C2F-83F4-935BFDFABEE2}" type="datetimeFigureOut">
               <a:rPr lang="en-GB" smtClean="0"/>
-              <a:t>11/12/2020</a:t>
+              <a:t>24/12/2020</a:t>
             </a:fld>
             <a:endParaRPr lang="en-GB"/>
           </a:p>
@@ -11937,7 +11939,7 @@
           <a:p>
             <a:fld id="{868DB8A7-3A18-4C2F-83F4-935BFDFABEE2}" type="datetimeFigureOut">
               <a:rPr lang="en-GB" smtClean="0"/>
-              <a:t>11/12/2020</a:t>
+              <a:t>24/12/2020</a:t>
             </a:fld>
             <a:endParaRPr lang="en-GB"/>
           </a:p>
@@ -15328,6 +15330,72 @@
 </p:sld>
 </file>
 
+<file path=ppt/slides/slide10.xml><?xml version="1.0" encoding="utf-8"?>
+<p:sld xmlns:a="http://schemas.openxmlformats.org/drawingml/2006/main" xmlns:r="http://schemas.openxmlformats.org/officeDocument/2006/relationships" xmlns:p="http://schemas.openxmlformats.org/presentationml/2006/main">
+  <p:cSld>
+    <p:spTree>
+      <p:nvGrpSpPr>
+        <p:cNvPr id="1" name=""/>
+        <p:cNvGrpSpPr/>
+        <p:nvPr/>
+      </p:nvGrpSpPr>
+      <p:grpSpPr>
+        <a:xfrm>
+          <a:off x="0" y="0"/>
+          <a:ext cx="0" cy="0"/>
+          <a:chOff x="0" y="0"/>
+          <a:chExt cx="0" cy="0"/>
+        </a:xfrm>
+      </p:grpSpPr>
+      <p:pic>
+        <p:nvPicPr>
+          <p:cNvPr id="3" name="Picture 2" descr="Chart&#10;&#10;Description automatically generated">
+            <a:extLst>
+              <a:ext uri="{FF2B5EF4-FFF2-40B4-BE49-F238E27FC236}">
+                <a16:creationId xmlns:a16="http://schemas.microsoft.com/office/drawing/2014/main" id="{4ADC88CD-9E6F-4988-9910-1D9D2B27EFCC}"/>
+              </a:ext>
+            </a:extLst>
+          </p:cNvPr>
+          <p:cNvPicPr>
+            <a:picLocks noChangeAspect="1"/>
+          </p:cNvPicPr>
+          <p:nvPr/>
+        </p:nvPicPr>
+        <p:blipFill>
+          <a:blip r:embed="rId2">
+            <a:extLst>
+              <a:ext uri="{28A0092B-C50C-407E-A947-70E740481C1C}">
+                <a14:useLocalDpi xmlns:a14="http://schemas.microsoft.com/office/drawing/2010/main" val="0"/>
+              </a:ext>
+            </a:extLst>
+          </a:blip>
+          <a:stretch>
+            <a:fillRect/>
+          </a:stretch>
+        </p:blipFill>
+        <p:spPr>
+          <a:xfrm>
+            <a:off x="2404547" y="1947656"/>
+            <a:ext cx="7382905" cy="2962688"/>
+          </a:xfrm>
+          <a:prstGeom prst="rect">
+            <a:avLst/>
+          </a:prstGeom>
+        </p:spPr>
+      </p:pic>
+    </p:spTree>
+    <p:extLst>
+      <p:ext uri="{BB962C8B-B14F-4D97-AF65-F5344CB8AC3E}">
+        <p14:creationId xmlns:p14="http://schemas.microsoft.com/office/powerpoint/2010/main" val="2678488588"/>
+      </p:ext>
+    </p:extLst>
+  </p:cSld>
+  <p:clrMapOvr>
+    <a:masterClrMapping/>
+  </p:clrMapOvr>
+</p:sld>
+</file>
+
 <file path=ppt/slides/slide2.xml><?xml version="1.0" encoding="utf-8"?>
 <p:sld xmlns:a="http://schemas.openxmlformats.org/drawingml/2006/main" xmlns:r="http://schemas.openxmlformats.org/officeDocument/2006/relationships" xmlns:p="http://schemas.openxmlformats.org/presentationml/2006/main">
   <p:cSld>
@@ -18284,8 +18352,8 @@
           </a:p>
         </p:txBody>
       </p:sp>
-      <mc:AlternateContent xmlns:mc="http://schemas.openxmlformats.org/markup-compatibility/2006">
-        <mc:Choice xmlns:a14="http://schemas.microsoft.com/office/drawing/2010/main" Requires="a14">
+      <mc:AlternateContent xmlns:mc="http://schemas.openxmlformats.org/markup-compatibility/2006" xmlns:a14="http://schemas.microsoft.com/office/drawing/2010/main">
+        <mc:Choice Requires="a14">
           <p:sp>
             <p:nvSpPr>
               <p:cNvPr id="25" name="TextBox 24">
@@ -18397,7 +18465,7 @@
             </p:txBody>
           </p:sp>
         </mc:Choice>
-        <mc:Fallback>
+        <mc:Fallback xmlns="">
           <p:sp>
             <p:nvSpPr>
               <p:cNvPr id="25" name="TextBox 24">
@@ -18524,8 +18592,8 @@
           </a:p>
         </p:txBody>
       </p:sp>
-      <mc:AlternateContent xmlns:mc="http://schemas.openxmlformats.org/markup-compatibility/2006">
-        <mc:Choice xmlns:a14="http://schemas.microsoft.com/office/drawing/2010/main" Requires="a14">
+      <mc:AlternateContent xmlns:mc="http://schemas.openxmlformats.org/markup-compatibility/2006" xmlns:a14="http://schemas.microsoft.com/office/drawing/2010/main">
+        <mc:Choice Requires="a14">
           <p:sp>
             <p:nvSpPr>
               <p:cNvPr id="30" name="TextBox 29">
@@ -18637,7 +18705,7 @@
             </p:txBody>
           </p:sp>
         </mc:Choice>
-        <mc:Fallback>
+        <mc:Fallback xmlns="">
           <p:sp>
             <p:nvSpPr>
               <p:cNvPr id="30" name="TextBox 29">
@@ -18807,8 +18875,8 @@
           </a:p>
         </p:txBody>
       </p:sp>
-      <mc:AlternateContent xmlns:mc="http://schemas.openxmlformats.org/markup-compatibility/2006">
-        <mc:Choice xmlns:a14="http://schemas.microsoft.com/office/drawing/2010/main" Requires="a14">
+      <mc:AlternateContent xmlns:mc="http://schemas.openxmlformats.org/markup-compatibility/2006" xmlns:a14="http://schemas.microsoft.com/office/drawing/2010/main">
+        <mc:Choice Requires="a14">
           <p:sp>
             <p:nvSpPr>
               <p:cNvPr id="34" name="TextBox 33">
@@ -18920,7 +18988,7 @@
             </p:txBody>
           </p:sp>
         </mc:Choice>
-        <mc:Fallback>
+        <mc:Fallback xmlns="">
           <p:sp>
             <p:nvSpPr>
               <p:cNvPr id="34" name="TextBox 33">

--- a/thesis.pptx
+++ b/thesis.pptx
@@ -15,6 +15,7 @@
     <p:sldId id="260" r:id="rId9"/>
     <p:sldId id="263" r:id="rId10"/>
     <p:sldId id="265" r:id="rId11"/>
+    <p:sldId id="266" r:id="rId12"/>
   </p:sldIdLst>
   <p:sldSz cx="12192000" cy="6858000"/>
   <p:notesSz cx="6858000" cy="9144000"/>
@@ -132,6 +133,7 @@
             <p14:sldId id="260"/>
             <p14:sldId id="263"/>
             <p14:sldId id="265"/>
+            <p14:sldId id="266"/>
           </p14:sldIdLst>
         </p14:section>
       </p14:sectionLst>
@@ -9618,7 +9620,7 @@
           <a:p>
             <a:fld id="{868DB8A7-3A18-4C2F-83F4-935BFDFABEE2}" type="datetimeFigureOut">
               <a:rPr lang="en-GB" smtClean="0"/>
-              <a:t>24/12/2020</a:t>
+              <a:t>27/12/2020</a:t>
             </a:fld>
             <a:endParaRPr lang="en-GB"/>
           </a:p>
@@ -9788,7 +9790,7 @@
           <a:p>
             <a:fld id="{868DB8A7-3A18-4C2F-83F4-935BFDFABEE2}" type="datetimeFigureOut">
               <a:rPr lang="en-GB" smtClean="0"/>
-              <a:t>24/12/2020</a:t>
+              <a:t>27/12/2020</a:t>
             </a:fld>
             <a:endParaRPr lang="en-GB"/>
           </a:p>
@@ -9968,7 +9970,7 @@
           <a:p>
             <a:fld id="{868DB8A7-3A18-4C2F-83F4-935BFDFABEE2}" type="datetimeFigureOut">
               <a:rPr lang="en-GB" smtClean="0"/>
-              <a:t>24/12/2020</a:t>
+              <a:t>27/12/2020</a:t>
             </a:fld>
             <a:endParaRPr lang="en-GB"/>
           </a:p>
@@ -10138,7 +10140,7 @@
           <a:p>
             <a:fld id="{868DB8A7-3A18-4C2F-83F4-935BFDFABEE2}" type="datetimeFigureOut">
               <a:rPr lang="en-GB" smtClean="0"/>
-              <a:t>24/12/2020</a:t>
+              <a:t>27/12/2020</a:t>
             </a:fld>
             <a:endParaRPr lang="en-GB"/>
           </a:p>
@@ -10384,7 +10386,7 @@
           <a:p>
             <a:fld id="{868DB8A7-3A18-4C2F-83F4-935BFDFABEE2}" type="datetimeFigureOut">
               <a:rPr lang="en-GB" smtClean="0"/>
-              <a:t>24/12/2020</a:t>
+              <a:t>27/12/2020</a:t>
             </a:fld>
             <a:endParaRPr lang="en-GB"/>
           </a:p>
@@ -10616,7 +10618,7 @@
           <a:p>
             <a:fld id="{868DB8A7-3A18-4C2F-83F4-935BFDFABEE2}" type="datetimeFigureOut">
               <a:rPr lang="en-GB" smtClean="0"/>
-              <a:t>24/12/2020</a:t>
+              <a:t>27/12/2020</a:t>
             </a:fld>
             <a:endParaRPr lang="en-GB"/>
           </a:p>
@@ -10983,7 +10985,7 @@
           <a:p>
             <a:fld id="{868DB8A7-3A18-4C2F-83F4-935BFDFABEE2}" type="datetimeFigureOut">
               <a:rPr lang="en-GB" smtClean="0"/>
-              <a:t>24/12/2020</a:t>
+              <a:t>27/12/2020</a:t>
             </a:fld>
             <a:endParaRPr lang="en-GB"/>
           </a:p>
@@ -11101,7 +11103,7 @@
           <a:p>
             <a:fld id="{868DB8A7-3A18-4C2F-83F4-935BFDFABEE2}" type="datetimeFigureOut">
               <a:rPr lang="en-GB" smtClean="0"/>
-              <a:t>24/12/2020</a:t>
+              <a:t>27/12/2020</a:t>
             </a:fld>
             <a:endParaRPr lang="en-GB"/>
           </a:p>
@@ -11196,7 +11198,7 @@
           <a:p>
             <a:fld id="{868DB8A7-3A18-4C2F-83F4-935BFDFABEE2}" type="datetimeFigureOut">
               <a:rPr lang="en-GB" smtClean="0"/>
-              <a:t>24/12/2020</a:t>
+              <a:t>27/12/2020</a:t>
             </a:fld>
             <a:endParaRPr lang="en-GB"/>
           </a:p>
@@ -11473,7 +11475,7 @@
           <a:p>
             <a:fld id="{868DB8A7-3A18-4C2F-83F4-935BFDFABEE2}" type="datetimeFigureOut">
               <a:rPr lang="en-GB" smtClean="0"/>
-              <a:t>24/12/2020</a:t>
+              <a:t>27/12/2020</a:t>
             </a:fld>
             <a:endParaRPr lang="en-GB"/>
           </a:p>
@@ -11726,7 +11728,7 @@
           <a:p>
             <a:fld id="{868DB8A7-3A18-4C2F-83F4-935BFDFABEE2}" type="datetimeFigureOut">
               <a:rPr lang="en-GB" smtClean="0"/>
-              <a:t>24/12/2020</a:t>
+              <a:t>27/12/2020</a:t>
             </a:fld>
             <a:endParaRPr lang="en-GB"/>
           </a:p>
@@ -11939,7 +11941,7 @@
           <a:p>
             <a:fld id="{868DB8A7-3A18-4C2F-83F4-935BFDFABEE2}" type="datetimeFigureOut">
               <a:rPr lang="en-GB" smtClean="0"/>
-              <a:t>24/12/2020</a:t>
+              <a:t>27/12/2020</a:t>
             </a:fld>
             <a:endParaRPr lang="en-GB"/>
           </a:p>
@@ -15396,6 +15398,338 @@
 </p:sld>
 </file>
 
+<file path=ppt/slides/slide11.xml><?xml version="1.0" encoding="utf-8"?>
+<p:sld xmlns:a="http://schemas.openxmlformats.org/drawingml/2006/main" xmlns:r="http://schemas.openxmlformats.org/officeDocument/2006/relationships" xmlns:p="http://schemas.openxmlformats.org/presentationml/2006/main">
+  <p:cSld>
+    <p:bg>
+      <p:bgPr>
+        <a:solidFill>
+          <a:schemeClr val="bg1"/>
+        </a:solidFill>
+        <a:effectLst/>
+      </p:bgPr>
+    </p:bg>
+    <p:spTree>
+      <p:nvGrpSpPr>
+        <p:cNvPr id="1" name=""/>
+        <p:cNvGrpSpPr/>
+        <p:nvPr/>
+      </p:nvGrpSpPr>
+      <p:grpSpPr>
+        <a:xfrm>
+          <a:off x="0" y="0"/>
+          <a:ext cx="0" cy="0"/>
+          <a:chOff x="0" y="0"/>
+          <a:chExt cx="0" cy="0"/>
+        </a:xfrm>
+      </p:grpSpPr>
+      <p:sp useBgFill="1">
+        <p:nvSpPr>
+          <p:cNvPr id="20" name="Rectangle 13">
+            <a:extLst>
+              <a:ext uri="{FF2B5EF4-FFF2-40B4-BE49-F238E27FC236}">
+                <a16:creationId xmlns:a16="http://schemas.microsoft.com/office/drawing/2014/main" id="{E8DC6FCD-811B-436E-9FEE-FC957486CD7E}"/>
+              </a:ext>
+              <a:ext uri="{C183D7F6-B498-43B3-948B-1728B52AA6E4}">
+                <adec:decorative xmlns:adec="http://schemas.microsoft.com/office/drawing/2017/decorative" val="1"/>
+              </a:ext>
+            </a:extLst>
+          </p:cNvPr>
+          <p:cNvSpPr>
+            <a:spLocks noGrp="1" noRot="1" noChangeAspect="1" noMove="1" noResize="1" noEditPoints="1" noAdjustHandles="1" noChangeArrowheads="1" noChangeShapeType="1" noTextEdit="1"/>
+          </p:cNvSpPr>
+          <p:nvPr>
+            <p:extLst>
+              <p:ext uri="{386F3935-93C4-4BCD-93E2-E3B085C9AB24}">
+                <p16:designElem xmlns:p16="http://schemas.microsoft.com/office/powerpoint/2015/main" val="1"/>
+              </p:ext>
+            </p:extLst>
+          </p:nvPr>
+        </p:nvSpPr>
+        <p:spPr bwMode="white">
+          <a:xfrm>
+            <a:off x="1524" y="0"/>
+            <a:ext cx="12188952" cy="6858000"/>
+          </a:xfrm>
+          <a:prstGeom prst="rect">
+            <a:avLst/>
+          </a:prstGeom>
+          <a:ln>
+            <a:noFill/>
+          </a:ln>
+        </p:spPr>
+        <p:style>
+          <a:lnRef idx="2">
+            <a:schemeClr val="accent1">
+              <a:shade val="50000"/>
+            </a:schemeClr>
+          </a:lnRef>
+          <a:fillRef idx="1">
+            <a:schemeClr val="accent1"/>
+          </a:fillRef>
+          <a:effectRef idx="0">
+            <a:schemeClr val="accent1"/>
+          </a:effectRef>
+          <a:fontRef idx="minor">
+            <a:schemeClr val="lt1"/>
+          </a:fontRef>
+        </p:style>
+        <p:txBody>
+          <a:bodyPr rtlCol="0" anchor="ctr"/>
+          <a:lstStyle>
+            <a:defPPr>
+              <a:defRPr lang="en-US"/>
+            </a:defPPr>
+            <a:lvl1pPr marL="0" algn="l" defTabSz="914400" rtl="0" eaLnBrk="1" latinLnBrk="0" hangingPunct="1">
+              <a:defRPr sz="1800" kern="1200">
+                <a:solidFill>
+                  <a:schemeClr val="lt1"/>
+                </a:solidFill>
+                <a:latin typeface="+mn-lt"/>
+                <a:ea typeface="+mn-ea"/>
+                <a:cs typeface="+mn-cs"/>
+              </a:defRPr>
+            </a:lvl1pPr>
+            <a:lvl2pPr marL="457200" algn="l" defTabSz="914400" rtl="0" eaLnBrk="1" latinLnBrk="0" hangingPunct="1">
+              <a:defRPr sz="1800" kern="1200">
+                <a:solidFill>
+                  <a:schemeClr val="lt1"/>
+                </a:solidFill>
+                <a:latin typeface="+mn-lt"/>
+                <a:ea typeface="+mn-ea"/>
+                <a:cs typeface="+mn-cs"/>
+              </a:defRPr>
+            </a:lvl2pPr>
+            <a:lvl3pPr marL="914400" algn="l" defTabSz="914400" rtl="0" eaLnBrk="1" latinLnBrk="0" hangingPunct="1">
+              <a:defRPr sz="1800" kern="1200">
+                <a:solidFill>
+                  <a:schemeClr val="lt1"/>
+                </a:solidFill>
+                <a:latin typeface="+mn-lt"/>
+                <a:ea typeface="+mn-ea"/>
+                <a:cs typeface="+mn-cs"/>
+              </a:defRPr>
+            </a:lvl3pPr>
+            <a:lvl4pPr marL="1371600" algn="l" defTabSz="914400" rtl="0" eaLnBrk="1" latinLnBrk="0" hangingPunct="1">
+              <a:defRPr sz="1800" kern="1200">
+                <a:solidFill>
+                  <a:schemeClr val="lt1"/>
+                </a:solidFill>
+                <a:latin typeface="+mn-lt"/>
+                <a:ea typeface="+mn-ea"/>
+                <a:cs typeface="+mn-cs"/>
+              </a:defRPr>
+            </a:lvl4pPr>
+            <a:lvl5pPr marL="1828800" algn="l" defTabSz="914400" rtl="0" eaLnBrk="1" latinLnBrk="0" hangingPunct="1">
+              <a:defRPr sz="1800" kern="1200">
+                <a:solidFill>
+                  <a:schemeClr val="lt1"/>
+                </a:solidFill>
+                <a:latin typeface="+mn-lt"/>
+                <a:ea typeface="+mn-ea"/>
+                <a:cs typeface="+mn-cs"/>
+              </a:defRPr>
+            </a:lvl5pPr>
+            <a:lvl6pPr marL="2286000" algn="l" defTabSz="914400" rtl="0" eaLnBrk="1" latinLnBrk="0" hangingPunct="1">
+              <a:defRPr sz="1800" kern="1200">
+                <a:solidFill>
+                  <a:schemeClr val="lt1"/>
+                </a:solidFill>
+                <a:latin typeface="+mn-lt"/>
+                <a:ea typeface="+mn-ea"/>
+                <a:cs typeface="+mn-cs"/>
+              </a:defRPr>
+            </a:lvl6pPr>
+            <a:lvl7pPr marL="2743200" algn="l" defTabSz="914400" rtl="0" eaLnBrk="1" latinLnBrk="0" hangingPunct="1">
+              <a:defRPr sz="1800" kern="1200">
+                <a:solidFill>
+                  <a:schemeClr val="lt1"/>
+                </a:solidFill>
+                <a:latin typeface="+mn-lt"/>
+                <a:ea typeface="+mn-ea"/>
+                <a:cs typeface="+mn-cs"/>
+              </a:defRPr>
+            </a:lvl7pPr>
+            <a:lvl8pPr marL="3200400" algn="l" defTabSz="914400" rtl="0" eaLnBrk="1" latinLnBrk="0" hangingPunct="1">
+              <a:defRPr sz="1800" kern="1200">
+                <a:solidFill>
+                  <a:schemeClr val="lt1"/>
+                </a:solidFill>
+                <a:latin typeface="+mn-lt"/>
+                <a:ea typeface="+mn-ea"/>
+                <a:cs typeface="+mn-cs"/>
+              </a:defRPr>
+            </a:lvl8pPr>
+            <a:lvl9pPr marL="3657600" algn="l" defTabSz="914400" rtl="0" eaLnBrk="1" latinLnBrk="0" hangingPunct="1">
+              <a:defRPr sz="1800" kern="1200">
+                <a:solidFill>
+                  <a:schemeClr val="lt1"/>
+                </a:solidFill>
+                <a:latin typeface="+mn-lt"/>
+                <a:ea typeface="+mn-ea"/>
+                <a:cs typeface="+mn-cs"/>
+              </a:defRPr>
+            </a:lvl9pPr>
+          </a:lstStyle>
+          <a:p>
+            <a:pPr algn="ctr"/>
+            <a:endParaRPr lang="en-US"/>
+          </a:p>
+        </p:txBody>
+      </p:sp>
+      <p:pic>
+        <p:nvPicPr>
+          <p:cNvPr id="5" name="Picture 4" descr="Chart, line chart&#10;&#10;Description automatically generated">
+            <a:extLst>
+              <a:ext uri="{FF2B5EF4-FFF2-40B4-BE49-F238E27FC236}">
+                <a16:creationId xmlns:a16="http://schemas.microsoft.com/office/drawing/2014/main" id="{4ADA079A-7F54-4B12-9965-93A0834034DF}"/>
+              </a:ext>
+            </a:extLst>
+          </p:cNvPr>
+          <p:cNvPicPr>
+            <a:picLocks noChangeAspect="1"/>
+          </p:cNvPicPr>
+          <p:nvPr/>
+        </p:nvPicPr>
+        <p:blipFill rotWithShape="1">
+          <a:blip r:embed="rId2">
+            <a:extLst>
+              <a:ext uri="{28A0092B-C50C-407E-A947-70E740481C1C}">
+                <a14:useLocalDpi xmlns:a14="http://schemas.microsoft.com/office/drawing/2010/main" val="0"/>
+              </a:ext>
+            </a:extLst>
+          </a:blip>
+          <a:srcRect r="-2" b="776"/>
+          <a:stretch/>
+        </p:blipFill>
+        <p:spPr>
+          <a:xfrm>
+            <a:off x="198739" y="171717"/>
+            <a:ext cx="5804105" cy="3167426"/>
+          </a:xfrm>
+          <a:prstGeom prst="rect">
+            <a:avLst/>
+          </a:prstGeom>
+        </p:spPr>
+      </p:pic>
+      <p:pic>
+        <p:nvPicPr>
+          <p:cNvPr id="3" name="Picture 2" descr="Chart, line chart&#10;&#10;Description automatically generated">
+            <a:extLst>
+              <a:ext uri="{FF2B5EF4-FFF2-40B4-BE49-F238E27FC236}">
+                <a16:creationId xmlns:a16="http://schemas.microsoft.com/office/drawing/2014/main" id="{E7507097-A13F-4E5F-9FB8-1001BEA83BF3}"/>
+              </a:ext>
+            </a:extLst>
+          </p:cNvPr>
+          <p:cNvPicPr>
+            <a:picLocks noChangeAspect="1"/>
+          </p:cNvPicPr>
+          <p:nvPr/>
+        </p:nvPicPr>
+        <p:blipFill rotWithShape="1">
+          <a:blip r:embed="rId3">
+            <a:extLst>
+              <a:ext uri="{28A0092B-C50C-407E-A947-70E740481C1C}">
+                <a14:useLocalDpi xmlns:a14="http://schemas.microsoft.com/office/drawing/2010/main" val="0"/>
+              </a:ext>
+            </a:extLst>
+          </a:blip>
+          <a:srcRect t="671" r="2" b="2"/>
+          <a:stretch/>
+        </p:blipFill>
+        <p:spPr>
+          <a:xfrm>
+            <a:off x="6195373" y="171717"/>
+            <a:ext cx="5797883" cy="3167426"/>
+          </a:xfrm>
+          <a:prstGeom prst="rect">
+            <a:avLst/>
+          </a:prstGeom>
+        </p:spPr>
+      </p:pic>
+      <p:pic>
+        <p:nvPicPr>
+          <p:cNvPr id="9" name="Picture 8" descr="Chart&#10;&#10;Description automatically generated">
+            <a:extLst>
+              <a:ext uri="{FF2B5EF4-FFF2-40B4-BE49-F238E27FC236}">
+                <a16:creationId xmlns:a16="http://schemas.microsoft.com/office/drawing/2014/main" id="{9C12593D-0743-4AA4-8A9E-2C4021A72F5E}"/>
+              </a:ext>
+            </a:extLst>
+          </p:cNvPr>
+          <p:cNvPicPr>
+            <a:picLocks noChangeAspect="1"/>
+          </p:cNvPicPr>
+          <p:nvPr/>
+        </p:nvPicPr>
+        <p:blipFill rotWithShape="1">
+          <a:blip r:embed="rId4">
+            <a:extLst>
+              <a:ext uri="{28A0092B-C50C-407E-A947-70E740481C1C}">
+                <a14:useLocalDpi xmlns:a14="http://schemas.microsoft.com/office/drawing/2010/main" val="0"/>
+              </a:ext>
+            </a:extLst>
+          </a:blip>
+          <a:srcRect t="11801" r="-2" b="-2"/>
+          <a:stretch/>
+        </p:blipFill>
+        <p:spPr>
+          <a:xfrm>
+            <a:off x="198739" y="3510858"/>
+            <a:ext cx="5804105" cy="2789948"/>
+          </a:xfrm>
+          <a:prstGeom prst="rect">
+            <a:avLst/>
+          </a:prstGeom>
+        </p:spPr>
+      </p:pic>
+      <p:pic>
+        <p:nvPicPr>
+          <p:cNvPr id="7" name="Picture 6" descr="Chart&#10;&#10;Description automatically generated">
+            <a:extLst>
+              <a:ext uri="{FF2B5EF4-FFF2-40B4-BE49-F238E27FC236}">
+                <a16:creationId xmlns:a16="http://schemas.microsoft.com/office/drawing/2014/main" id="{57AC2995-0BC5-489B-AA70-C6721104D594}"/>
+              </a:ext>
+            </a:extLst>
+          </p:cNvPr>
+          <p:cNvPicPr>
+            <a:picLocks noChangeAspect="1"/>
+          </p:cNvPicPr>
+          <p:nvPr/>
+        </p:nvPicPr>
+        <p:blipFill rotWithShape="1">
+          <a:blip r:embed="rId5">
+            <a:extLst>
+              <a:ext uri="{28A0092B-C50C-407E-A947-70E740481C1C}">
+                <a14:useLocalDpi xmlns:a14="http://schemas.microsoft.com/office/drawing/2010/main" val="0"/>
+              </a:ext>
+            </a:extLst>
+          </a:blip>
+          <a:srcRect t="11706" r="2" b="2"/>
+          <a:stretch/>
+        </p:blipFill>
+        <p:spPr>
+          <a:xfrm>
+            <a:off x="6195372" y="3510858"/>
+            <a:ext cx="5797883" cy="2789948"/>
+          </a:xfrm>
+          <a:prstGeom prst="rect">
+            <a:avLst/>
+          </a:prstGeom>
+        </p:spPr>
+      </p:pic>
+    </p:spTree>
+    <p:extLst>
+      <p:ext uri="{BB962C8B-B14F-4D97-AF65-F5344CB8AC3E}">
+        <p14:creationId xmlns:p14="http://schemas.microsoft.com/office/powerpoint/2010/main" val="3573821554"/>
+      </p:ext>
+    </p:extLst>
+  </p:cSld>
+  <p:clrMapOvr>
+    <a:masterClrMapping/>
+  </p:clrMapOvr>
+</p:sld>
+</file>
+
 <file path=ppt/slides/slide2.xml><?xml version="1.0" encoding="utf-8"?>
 <p:sld xmlns:a="http://schemas.openxmlformats.org/drawingml/2006/main" xmlns:r="http://schemas.openxmlformats.org/officeDocument/2006/relationships" xmlns:p="http://schemas.openxmlformats.org/presentationml/2006/main">
   <p:cSld>

--- a/thesis.pptx
+++ b/thesis.pptx
@@ -8,14 +8,15 @@
     <p:sldId id="256" r:id="rId2"/>
     <p:sldId id="258" r:id="rId3"/>
     <p:sldId id="261" r:id="rId4"/>
-    <p:sldId id="264" r:id="rId5"/>
-    <p:sldId id="262" r:id="rId6"/>
-    <p:sldId id="257" r:id="rId7"/>
-    <p:sldId id="259" r:id="rId8"/>
-    <p:sldId id="260" r:id="rId9"/>
-    <p:sldId id="263" r:id="rId10"/>
-    <p:sldId id="265" r:id="rId11"/>
-    <p:sldId id="266" r:id="rId12"/>
+    <p:sldId id="267" r:id="rId5"/>
+    <p:sldId id="264" r:id="rId6"/>
+    <p:sldId id="262" r:id="rId7"/>
+    <p:sldId id="257" r:id="rId8"/>
+    <p:sldId id="259" r:id="rId9"/>
+    <p:sldId id="260" r:id="rId10"/>
+    <p:sldId id="263" r:id="rId11"/>
+    <p:sldId id="265" r:id="rId12"/>
+    <p:sldId id="266" r:id="rId13"/>
   </p:sldIdLst>
   <p:sldSz cx="12192000" cy="6858000"/>
   <p:notesSz cx="6858000" cy="9144000"/>
@@ -126,6 +127,7 @@
           <p14:sldIdLst>
             <p14:sldId id="258"/>
             <p14:sldId id="261"/>
+            <p14:sldId id="267"/>
             <p14:sldId id="264"/>
             <p14:sldId id="262"/>
             <p14:sldId id="257"/>
@@ -9620,7 +9622,7 @@
           <a:p>
             <a:fld id="{868DB8A7-3A18-4C2F-83F4-935BFDFABEE2}" type="datetimeFigureOut">
               <a:rPr lang="en-GB" smtClean="0"/>
-              <a:t>27/12/2020</a:t>
+              <a:t>30/12/2020</a:t>
             </a:fld>
             <a:endParaRPr lang="en-GB"/>
           </a:p>
@@ -9790,7 +9792,7 @@
           <a:p>
             <a:fld id="{868DB8A7-3A18-4C2F-83F4-935BFDFABEE2}" type="datetimeFigureOut">
               <a:rPr lang="en-GB" smtClean="0"/>
-              <a:t>27/12/2020</a:t>
+              <a:t>30/12/2020</a:t>
             </a:fld>
             <a:endParaRPr lang="en-GB"/>
           </a:p>
@@ -9970,7 +9972,7 @@
           <a:p>
             <a:fld id="{868DB8A7-3A18-4C2F-83F4-935BFDFABEE2}" type="datetimeFigureOut">
               <a:rPr lang="en-GB" smtClean="0"/>
-              <a:t>27/12/2020</a:t>
+              <a:t>30/12/2020</a:t>
             </a:fld>
             <a:endParaRPr lang="en-GB"/>
           </a:p>
@@ -10140,7 +10142,7 @@
           <a:p>
             <a:fld id="{868DB8A7-3A18-4C2F-83F4-935BFDFABEE2}" type="datetimeFigureOut">
               <a:rPr lang="en-GB" smtClean="0"/>
-              <a:t>27/12/2020</a:t>
+              <a:t>30/12/2020</a:t>
             </a:fld>
             <a:endParaRPr lang="en-GB"/>
           </a:p>
@@ -10386,7 +10388,7 @@
           <a:p>
             <a:fld id="{868DB8A7-3A18-4C2F-83F4-935BFDFABEE2}" type="datetimeFigureOut">
               <a:rPr lang="en-GB" smtClean="0"/>
-              <a:t>27/12/2020</a:t>
+              <a:t>30/12/2020</a:t>
             </a:fld>
             <a:endParaRPr lang="en-GB"/>
           </a:p>
@@ -10618,7 +10620,7 @@
           <a:p>
             <a:fld id="{868DB8A7-3A18-4C2F-83F4-935BFDFABEE2}" type="datetimeFigureOut">
               <a:rPr lang="en-GB" smtClean="0"/>
-              <a:t>27/12/2020</a:t>
+              <a:t>30/12/2020</a:t>
             </a:fld>
             <a:endParaRPr lang="en-GB"/>
           </a:p>
@@ -10985,7 +10987,7 @@
           <a:p>
             <a:fld id="{868DB8A7-3A18-4C2F-83F4-935BFDFABEE2}" type="datetimeFigureOut">
               <a:rPr lang="en-GB" smtClean="0"/>
-              <a:t>27/12/2020</a:t>
+              <a:t>30/12/2020</a:t>
             </a:fld>
             <a:endParaRPr lang="en-GB"/>
           </a:p>
@@ -11103,7 +11105,7 @@
           <a:p>
             <a:fld id="{868DB8A7-3A18-4C2F-83F4-935BFDFABEE2}" type="datetimeFigureOut">
               <a:rPr lang="en-GB" smtClean="0"/>
-              <a:t>27/12/2020</a:t>
+              <a:t>30/12/2020</a:t>
             </a:fld>
             <a:endParaRPr lang="en-GB"/>
           </a:p>
@@ -11198,7 +11200,7 @@
           <a:p>
             <a:fld id="{868DB8A7-3A18-4C2F-83F4-935BFDFABEE2}" type="datetimeFigureOut">
               <a:rPr lang="en-GB" smtClean="0"/>
-              <a:t>27/12/2020</a:t>
+              <a:t>30/12/2020</a:t>
             </a:fld>
             <a:endParaRPr lang="en-GB"/>
           </a:p>
@@ -11475,7 +11477,7 @@
           <a:p>
             <a:fld id="{868DB8A7-3A18-4C2F-83F4-935BFDFABEE2}" type="datetimeFigureOut">
               <a:rPr lang="en-GB" smtClean="0"/>
-              <a:t>27/12/2020</a:t>
+              <a:t>30/12/2020</a:t>
             </a:fld>
             <a:endParaRPr lang="en-GB"/>
           </a:p>
@@ -11728,7 +11730,7 @@
           <a:p>
             <a:fld id="{868DB8A7-3A18-4C2F-83F4-935BFDFABEE2}" type="datetimeFigureOut">
               <a:rPr lang="en-GB" smtClean="0"/>
-              <a:t>27/12/2020</a:t>
+              <a:t>30/12/2020</a:t>
             </a:fld>
             <a:endParaRPr lang="en-GB"/>
           </a:p>
@@ -11941,7 +11943,7 @@
           <a:p>
             <a:fld id="{868DB8A7-3A18-4C2F-83F4-935BFDFABEE2}" type="datetimeFigureOut">
               <a:rPr lang="en-GB" smtClean="0"/>
-              <a:t>27/12/2020</a:t>
+              <a:t>30/12/2020</a:t>
             </a:fld>
             <a:endParaRPr lang="en-GB"/>
           </a:p>
@@ -15349,6 +15351,1377 @@
           <a:chExt cx="0" cy="0"/>
         </a:xfrm>
       </p:grpSpPr>
+      <mc:AlternateContent xmlns:mc="http://schemas.openxmlformats.org/markup-compatibility/2006" xmlns:a14="http://schemas.microsoft.com/office/drawing/2010/main">
+        <mc:Choice Requires="a14">
+          <p:sp>
+            <p:nvSpPr>
+              <p:cNvPr id="4" name="Rectangle 3"/>
+              <p:cNvSpPr/>
+              <p:nvPr/>
+            </p:nvSpPr>
+            <p:spPr>
+              <a:xfrm>
+                <a:off x="4269144" y="1917104"/>
+                <a:ext cx="2633863" cy="710194"/>
+              </a:xfrm>
+              <a:prstGeom prst="rect">
+                <a:avLst/>
+              </a:prstGeom>
+            </p:spPr>
+            <p:txBody>
+              <a:bodyPr wrap="none">
+                <a:spAutoFit/>
+              </a:bodyPr>
+              <a:lstStyle/>
+              <a:p>
+                <a:pPr/>
+                <a14:m>
+                  <m:oMathPara xmlns:m="http://schemas.openxmlformats.org/officeDocument/2006/math">
+                    <m:oMathParaPr>
+                      <m:jc m:val="centerGroup"/>
+                    </m:oMathParaPr>
+                    <m:oMath xmlns:m="http://schemas.openxmlformats.org/officeDocument/2006/math">
+                      <m:r>
+                        <a:rPr lang="en-GB" b="1" i="1" smtClean="0">
+                          <a:latin typeface="Cambria Math" panose="02040503050406030204" pitchFamily="18" charset="0"/>
+                        </a:rPr>
+                        <m:t>𝝓</m:t>
+                      </m:r>
+                      <m:r>
+                        <a:rPr lang="en-GB" b="1" i="1" smtClean="0">
+                          <a:latin typeface="Cambria Math" panose="02040503050406030204" pitchFamily="18" charset="0"/>
+                        </a:rPr>
+                        <m:t>(</m:t>
+                      </m:r>
+                      <m:r>
+                        <a:rPr lang="en-GB" b="1" i="1" smtClean="0">
+                          <a:latin typeface="Cambria Math" panose="02040503050406030204" pitchFamily="18" charset="0"/>
+                        </a:rPr>
+                        <m:t>𝒙</m:t>
+                      </m:r>
+                      <m:r>
+                        <a:rPr lang="en-GB" b="1" i="1" smtClean="0">
+                          <a:latin typeface="Cambria Math" panose="02040503050406030204" pitchFamily="18" charset="0"/>
+                        </a:rPr>
+                        <m:t>)</m:t>
+                      </m:r>
+                      <m:r>
+                        <a:rPr lang="en-GB" b="0" i="1">
+                          <a:latin typeface="Cambria Math" panose="02040503050406030204" pitchFamily="18" charset="0"/>
+                        </a:rPr>
+                        <m:t>=</m:t>
+                      </m:r>
+                      <m:d>
+                        <m:dPr>
+                          <m:begChr m:val="{"/>
+                          <m:endChr m:val=""/>
+                          <m:ctrlPr>
+                            <a:rPr lang="en-GB" b="0" i="1" smtClean="0">
+                              <a:latin typeface="Cambria Math" panose="02040503050406030204" pitchFamily="18" charset="0"/>
+                            </a:rPr>
+                          </m:ctrlPr>
+                        </m:dPr>
+                        <m:e>
+                          <m:m>
+                            <m:mPr>
+                              <m:mcs>
+                                <m:mc>
+                                  <m:mcPr>
+                                    <m:count m:val="2"/>
+                                    <m:mcJc m:val="center"/>
+                                  </m:mcPr>
+                                </m:mc>
+                              </m:mcs>
+                              <m:ctrlPr>
+                                <a:rPr lang="en-GB" b="0" i="1" smtClean="0">
+                                  <a:latin typeface="Cambria Math" panose="02040503050406030204" pitchFamily="18" charset="0"/>
+                                </a:rPr>
+                              </m:ctrlPr>
+                            </m:mPr>
+                            <m:mr>
+                              <m:e>
+                                <m:r>
+                                  <m:rPr>
+                                    <m:brk m:alnAt="7"/>
+                                  </m:rPr>
+                                  <a:rPr lang="en-GB" b="0" i="1" smtClean="0">
+                                    <a:latin typeface="Cambria Math" panose="02040503050406030204" pitchFamily="18" charset="0"/>
+                                  </a:rPr>
+                                  <m:t>1</m:t>
+                                </m:r>
+                              </m:e>
+                              <m:e>
+                                <m:r>
+                                  <a:rPr lang="en-GB" b="0" i="1" smtClean="0">
+                                    <a:latin typeface="Cambria Math" panose="02040503050406030204" pitchFamily="18" charset="0"/>
+                                  </a:rPr>
+                                  <m:t>0≤</m:t>
+                                </m:r>
+                                <m:r>
+                                  <a:rPr lang="en-GB" b="0" i="1" smtClean="0">
+                                    <a:latin typeface="Cambria Math" panose="02040503050406030204" pitchFamily="18" charset="0"/>
+                                  </a:rPr>
+                                  <m:t>𝑥</m:t>
+                                </m:r>
+                                <m:r>
+                                  <a:rPr lang="en-GB" b="0" i="1" smtClean="0">
+                                    <a:latin typeface="Cambria Math" panose="02040503050406030204" pitchFamily="18" charset="0"/>
+                                  </a:rPr>
+                                  <m:t>≤1</m:t>
+                                </m:r>
+                              </m:e>
+                            </m:mr>
+                            <m:mr>
+                              <m:e>
+                                <m:r>
+                                  <a:rPr lang="en-GB" b="0" i="1" smtClean="0">
+                                    <a:latin typeface="Cambria Math" panose="02040503050406030204" pitchFamily="18" charset="0"/>
+                                  </a:rPr>
+                                  <m:t>0</m:t>
+                                </m:r>
+                              </m:e>
+                              <m:e>
+                                <m:r>
+                                  <a:rPr lang="en-GB" b="0" i="1" smtClean="0">
+                                    <a:latin typeface="Cambria Math" panose="02040503050406030204" pitchFamily="18" charset="0"/>
+                                  </a:rPr>
+                                  <m:t>𝑜𝑡h𝑒𝑟𝑤𝑖𝑠𝑒</m:t>
+                                </m:r>
+                              </m:e>
+                            </m:mr>
+                          </m:m>
+                        </m:e>
+                      </m:d>
+                    </m:oMath>
+                  </m:oMathPara>
+                </a14:m>
+                <a:endParaRPr lang="en-GB" dirty="0"/>
+              </a:p>
+            </p:txBody>
+          </p:sp>
+        </mc:Choice>
+        <mc:Fallback xmlns="">
+          <p:sp>
+            <p:nvSpPr>
+              <p:cNvPr id="4" name="Rectangle 3"/>
+              <p:cNvSpPr>
+                <a:spLocks noRot="1" noChangeAspect="1" noMove="1" noResize="1" noEditPoints="1" noAdjustHandles="1" noChangeArrowheads="1" noChangeShapeType="1" noTextEdit="1"/>
+              </p:cNvSpPr>
+              <p:nvPr/>
+            </p:nvSpPr>
+            <p:spPr>
+              <a:xfrm>
+                <a:off x="4269144" y="1917104"/>
+                <a:ext cx="2633863" cy="710194"/>
+              </a:xfrm>
+              <a:prstGeom prst="rect">
+                <a:avLst/>
+              </a:prstGeom>
+              <a:blipFill>
+                <a:blip r:embed="rId2"/>
+                <a:stretch>
+                  <a:fillRect/>
+                </a:stretch>
+              </a:blipFill>
+            </p:spPr>
+            <p:txBody>
+              <a:bodyPr/>
+              <a:lstStyle/>
+              <a:p>
+                <a:r>
+                  <a:rPr lang="en-GB">
+                    <a:noFill/>
+                  </a:rPr>
+                  <a:t> </a:t>
+                </a:r>
+              </a:p>
+            </p:txBody>
+          </p:sp>
+        </mc:Fallback>
+      </mc:AlternateContent>
+      <mc:AlternateContent xmlns:mc="http://schemas.openxmlformats.org/markup-compatibility/2006" xmlns:a14="http://schemas.microsoft.com/office/drawing/2010/main">
+        <mc:Choice Requires="a14">
+          <p:sp>
+            <p:nvSpPr>
+              <p:cNvPr id="31" name="Rectangle 30"/>
+              <p:cNvSpPr/>
+              <p:nvPr/>
+            </p:nvSpPr>
+            <p:spPr>
+              <a:xfrm>
+                <a:off x="4269143" y="3504835"/>
+                <a:ext cx="2769861" cy="1477840"/>
+              </a:xfrm>
+              <a:prstGeom prst="rect">
+                <a:avLst/>
+              </a:prstGeom>
+            </p:spPr>
+            <p:txBody>
+              <a:bodyPr wrap="none">
+                <a:spAutoFit/>
+              </a:bodyPr>
+              <a:lstStyle/>
+              <a:p>
+                <a:pPr/>
+                <a14:m>
+                  <m:oMathPara xmlns:m="http://schemas.openxmlformats.org/officeDocument/2006/math">
+                    <m:oMathParaPr>
+                      <m:jc m:val="centerGroup"/>
+                    </m:oMathParaPr>
+                    <m:oMath xmlns:m="http://schemas.openxmlformats.org/officeDocument/2006/math">
+                      <m:r>
+                        <a:rPr lang="en-GB" b="1" i="1" smtClean="0">
+                          <a:latin typeface="Cambria Math" panose="02040503050406030204" pitchFamily="18" charset="0"/>
+                        </a:rPr>
+                        <m:t>𝝍</m:t>
+                      </m:r>
+                      <m:r>
+                        <a:rPr lang="en-GB" b="1" i="1" smtClean="0">
+                          <a:latin typeface="Cambria Math" panose="02040503050406030204" pitchFamily="18" charset="0"/>
+                        </a:rPr>
+                        <m:t>(</m:t>
+                      </m:r>
+                      <m:r>
+                        <a:rPr lang="en-GB" b="1" i="1" smtClean="0">
+                          <a:latin typeface="Cambria Math" panose="02040503050406030204" pitchFamily="18" charset="0"/>
+                        </a:rPr>
+                        <m:t>𝒙</m:t>
+                      </m:r>
+                      <m:r>
+                        <a:rPr lang="en-GB" b="1" i="1" smtClean="0">
+                          <a:latin typeface="Cambria Math" panose="02040503050406030204" pitchFamily="18" charset="0"/>
+                        </a:rPr>
+                        <m:t>)</m:t>
+                      </m:r>
+                      <m:r>
+                        <a:rPr lang="en-GB" b="0" i="1">
+                          <a:latin typeface="Cambria Math" panose="02040503050406030204" pitchFamily="18" charset="0"/>
+                        </a:rPr>
+                        <m:t>=</m:t>
+                      </m:r>
+                      <m:d>
+                        <m:dPr>
+                          <m:begChr m:val="{"/>
+                          <m:endChr m:val=""/>
+                          <m:ctrlPr>
+                            <a:rPr lang="en-GB" b="0" i="1" smtClean="0">
+                              <a:latin typeface="Cambria Math" panose="02040503050406030204" pitchFamily="18" charset="0"/>
+                            </a:rPr>
+                          </m:ctrlPr>
+                        </m:dPr>
+                        <m:e>
+                          <m:m>
+                            <m:mPr>
+                              <m:mcs>
+                                <m:mc>
+                                  <m:mcPr>
+                                    <m:count m:val="2"/>
+                                    <m:mcJc m:val="center"/>
+                                  </m:mcPr>
+                                </m:mc>
+                              </m:mcs>
+                              <m:ctrlPr>
+                                <a:rPr lang="en-GB" b="0" i="1" smtClean="0">
+                                  <a:latin typeface="Cambria Math" panose="02040503050406030204" pitchFamily="18" charset="0"/>
+                                </a:rPr>
+                              </m:ctrlPr>
+                            </m:mPr>
+                            <m:mr>
+                              <m:e>
+                                <m:r>
+                                  <m:rPr>
+                                    <m:brk m:alnAt="7"/>
+                                  </m:rPr>
+                                  <a:rPr lang="en-GB" b="0" i="1" smtClean="0">
+                                    <a:latin typeface="Cambria Math" panose="02040503050406030204" pitchFamily="18" charset="0"/>
+                                  </a:rPr>
+                                  <m:t>1</m:t>
+                                </m:r>
+                              </m:e>
+                              <m:e>
+                                <m:r>
+                                  <a:rPr lang="en-GB" b="0" i="1" smtClean="0">
+                                    <a:latin typeface="Cambria Math" panose="02040503050406030204" pitchFamily="18" charset="0"/>
+                                  </a:rPr>
+                                  <m:t>0≤</m:t>
+                                </m:r>
+                                <m:r>
+                                  <a:rPr lang="en-GB" b="0" i="1" smtClean="0">
+                                    <a:latin typeface="Cambria Math" panose="02040503050406030204" pitchFamily="18" charset="0"/>
+                                  </a:rPr>
+                                  <m:t>𝑥</m:t>
+                                </m:r>
+                                <m:r>
+                                  <a:rPr lang="en-GB" b="0" i="1" smtClean="0">
+                                    <a:latin typeface="Cambria Math" panose="02040503050406030204" pitchFamily="18" charset="0"/>
+                                  </a:rPr>
+                                  <m:t>&lt;</m:t>
+                                </m:r>
+                                <m:f>
+                                  <m:fPr>
+                                    <m:ctrlPr>
+                                      <a:rPr lang="en-GB" b="0" i="1" smtClean="0">
+                                        <a:latin typeface="Cambria Math" panose="02040503050406030204" pitchFamily="18" charset="0"/>
+                                      </a:rPr>
+                                    </m:ctrlPr>
+                                  </m:fPr>
+                                  <m:num>
+                                    <m:r>
+                                      <a:rPr lang="en-GB" b="0" i="1" smtClean="0">
+                                        <a:latin typeface="Cambria Math" panose="02040503050406030204" pitchFamily="18" charset="0"/>
+                                      </a:rPr>
+                                      <m:t>1</m:t>
+                                    </m:r>
+                                  </m:num>
+                                  <m:den>
+                                    <m:r>
+                                      <a:rPr lang="en-GB" b="0" i="1" smtClean="0">
+                                        <a:latin typeface="Cambria Math" panose="02040503050406030204" pitchFamily="18" charset="0"/>
+                                      </a:rPr>
+                                      <m:t>2</m:t>
+                                    </m:r>
+                                  </m:den>
+                                </m:f>
+                              </m:e>
+                            </m:mr>
+                            <m:mr>
+                              <m:e>
+                                <m:r>
+                                  <a:rPr lang="en-GB" b="0" i="1" smtClean="0">
+                                    <a:latin typeface="Cambria Math" panose="02040503050406030204" pitchFamily="18" charset="0"/>
+                                  </a:rPr>
+                                  <m:t>−1</m:t>
+                                </m:r>
+                              </m:e>
+                              <m:e>
+                                <m:f>
+                                  <m:fPr>
+                                    <m:ctrlPr>
+                                      <a:rPr lang="en-GB" b="0" i="1" smtClean="0">
+                                        <a:latin typeface="Cambria Math" panose="02040503050406030204" pitchFamily="18" charset="0"/>
+                                      </a:rPr>
+                                    </m:ctrlPr>
+                                  </m:fPr>
+                                  <m:num>
+                                    <m:r>
+                                      <a:rPr lang="en-GB" b="0" i="1" smtClean="0">
+                                        <a:latin typeface="Cambria Math" panose="02040503050406030204" pitchFamily="18" charset="0"/>
+                                      </a:rPr>
+                                      <m:t>1</m:t>
+                                    </m:r>
+                                  </m:num>
+                                  <m:den>
+                                    <m:r>
+                                      <a:rPr lang="en-GB" b="0" i="1" smtClean="0">
+                                        <a:latin typeface="Cambria Math" panose="02040503050406030204" pitchFamily="18" charset="0"/>
+                                      </a:rPr>
+                                      <m:t>2</m:t>
+                                    </m:r>
+                                  </m:den>
+                                </m:f>
+                                <m:r>
+                                  <a:rPr lang="en-GB" b="0" i="1" smtClean="0">
+                                    <a:latin typeface="Cambria Math" panose="02040503050406030204" pitchFamily="18" charset="0"/>
+                                  </a:rPr>
+                                  <m:t>≤</m:t>
+                                </m:r>
+                                <m:r>
+                                  <a:rPr lang="en-GB" b="0" i="1" smtClean="0">
+                                    <a:latin typeface="Cambria Math" panose="02040503050406030204" pitchFamily="18" charset="0"/>
+                                  </a:rPr>
+                                  <m:t>𝑥</m:t>
+                                </m:r>
+                                <m:r>
+                                  <a:rPr lang="en-GB" b="0" i="1" smtClean="0">
+                                    <a:latin typeface="Cambria Math" panose="02040503050406030204" pitchFamily="18" charset="0"/>
+                                  </a:rPr>
+                                  <m:t>&lt;1</m:t>
+                                </m:r>
+                              </m:e>
+                            </m:mr>
+                            <m:mr>
+                              <m:e>
+                                <m:r>
+                                  <a:rPr lang="en-GB" b="0" i="1" smtClean="0">
+                                    <a:latin typeface="Cambria Math" panose="02040503050406030204" pitchFamily="18" charset="0"/>
+                                  </a:rPr>
+                                  <m:t>0</m:t>
+                                </m:r>
+                              </m:e>
+                              <m:e>
+                                <m:r>
+                                  <a:rPr lang="en-GB" b="0" i="1" smtClean="0">
+                                    <a:latin typeface="Cambria Math" panose="02040503050406030204" pitchFamily="18" charset="0"/>
+                                  </a:rPr>
+                                  <m:t>𝑜𝑡h𝑒𝑟𝑤𝑖𝑠𝑒</m:t>
+                                </m:r>
+                              </m:e>
+                            </m:mr>
+                          </m:m>
+                        </m:e>
+                      </m:d>
+                    </m:oMath>
+                  </m:oMathPara>
+                </a14:m>
+                <a:endParaRPr lang="en-GB" dirty="0"/>
+              </a:p>
+            </p:txBody>
+          </p:sp>
+        </mc:Choice>
+        <mc:Fallback xmlns="">
+          <p:sp>
+            <p:nvSpPr>
+              <p:cNvPr id="31" name="Rectangle 30"/>
+              <p:cNvSpPr>
+                <a:spLocks noRot="1" noChangeAspect="1" noMove="1" noResize="1" noEditPoints="1" noAdjustHandles="1" noChangeArrowheads="1" noChangeShapeType="1" noTextEdit="1"/>
+              </p:cNvSpPr>
+              <p:nvPr/>
+            </p:nvSpPr>
+            <p:spPr>
+              <a:xfrm>
+                <a:off x="4269143" y="3504835"/>
+                <a:ext cx="2769861" cy="1477840"/>
+              </a:xfrm>
+              <a:prstGeom prst="rect">
+                <a:avLst/>
+              </a:prstGeom>
+              <a:blipFill>
+                <a:blip r:embed="rId3"/>
+                <a:stretch>
+                  <a:fillRect/>
+                </a:stretch>
+              </a:blipFill>
+            </p:spPr>
+            <p:txBody>
+              <a:bodyPr/>
+              <a:lstStyle/>
+              <a:p>
+                <a:r>
+                  <a:rPr lang="en-GB">
+                    <a:noFill/>
+                  </a:rPr>
+                  <a:t> </a:t>
+                </a:r>
+              </a:p>
+            </p:txBody>
+          </p:sp>
+        </mc:Fallback>
+      </mc:AlternateContent>
+      <p:cxnSp>
+        <p:nvCxnSpPr>
+          <p:cNvPr id="3" name="Straight Arrow Connector 2"/>
+          <p:cNvCxnSpPr/>
+          <p:nvPr/>
+        </p:nvCxnSpPr>
+        <p:spPr>
+          <a:xfrm>
+            <a:off x="7617229" y="2552482"/>
+            <a:ext cx="1388226" cy="0"/>
+          </a:xfrm>
+          <a:prstGeom prst="straightConnector1">
+            <a:avLst/>
+          </a:prstGeom>
+          <a:ln w="19050">
+            <a:solidFill>
+              <a:schemeClr val="tx1"/>
+            </a:solidFill>
+            <a:tailEnd type="triangle"/>
+          </a:ln>
+        </p:spPr>
+        <p:style>
+          <a:lnRef idx="1">
+            <a:schemeClr val="accent1"/>
+          </a:lnRef>
+          <a:fillRef idx="0">
+            <a:schemeClr val="accent1"/>
+          </a:fillRef>
+          <a:effectRef idx="0">
+            <a:schemeClr val="accent1"/>
+          </a:effectRef>
+          <a:fontRef idx="minor">
+            <a:schemeClr val="tx1"/>
+          </a:fontRef>
+        </p:style>
+      </p:cxnSp>
+      <p:cxnSp>
+        <p:nvCxnSpPr>
+          <p:cNvPr id="39" name="Straight Arrow Connector 38"/>
+          <p:cNvCxnSpPr/>
+          <p:nvPr/>
+        </p:nvCxnSpPr>
+        <p:spPr>
+          <a:xfrm flipH="1" flipV="1">
+            <a:off x="7772400" y="1593510"/>
+            <a:ext cx="5542" cy="1153174"/>
+          </a:xfrm>
+          <a:prstGeom prst="straightConnector1">
+            <a:avLst/>
+          </a:prstGeom>
+          <a:ln w="19050">
+            <a:solidFill>
+              <a:schemeClr val="tx1"/>
+            </a:solidFill>
+            <a:tailEnd type="triangle"/>
+          </a:ln>
+        </p:spPr>
+        <p:style>
+          <a:lnRef idx="1">
+            <a:schemeClr val="accent1"/>
+          </a:lnRef>
+          <a:fillRef idx="0">
+            <a:schemeClr val="accent1"/>
+          </a:fillRef>
+          <a:effectRef idx="0">
+            <a:schemeClr val="accent1"/>
+          </a:effectRef>
+          <a:fontRef idx="minor">
+            <a:schemeClr val="tx1"/>
+          </a:fontRef>
+        </p:style>
+      </p:cxnSp>
+      <p:sp>
+        <p:nvSpPr>
+          <p:cNvPr id="19" name="Rectangle 18"/>
+          <p:cNvSpPr/>
+          <p:nvPr/>
+        </p:nvSpPr>
+        <p:spPr>
+          <a:xfrm>
+            <a:off x="7780713" y="1832577"/>
+            <a:ext cx="806335" cy="720381"/>
+          </a:xfrm>
+          <a:prstGeom prst="rect">
+            <a:avLst/>
+          </a:prstGeom>
+          <a:ln/>
+        </p:spPr>
+        <p:style>
+          <a:lnRef idx="2">
+            <a:schemeClr val="dk1"/>
+          </a:lnRef>
+          <a:fillRef idx="1">
+            <a:schemeClr val="lt1"/>
+          </a:fillRef>
+          <a:effectRef idx="0">
+            <a:schemeClr val="dk1"/>
+          </a:effectRef>
+          <a:fontRef idx="minor">
+            <a:schemeClr val="dk1"/>
+          </a:fontRef>
+        </p:style>
+        <p:txBody>
+          <a:bodyPr rtlCol="0" anchor="ctr"/>
+          <a:lstStyle/>
+          <a:p>
+            <a:pPr algn="ctr"/>
+            <a:endParaRPr lang="en-GB"/>
+          </a:p>
+        </p:txBody>
+      </p:sp>
+      <mc:AlternateContent xmlns:mc="http://schemas.openxmlformats.org/markup-compatibility/2006" xmlns:a14="http://schemas.microsoft.com/office/drawing/2010/main">
+        <mc:Choice Requires="a14">
+          <p:sp>
+            <p:nvSpPr>
+              <p:cNvPr id="21" name="Rectangle 20"/>
+              <p:cNvSpPr/>
+              <p:nvPr/>
+            </p:nvSpPr>
+            <p:spPr>
+              <a:xfrm>
+                <a:off x="7406594" y="1656224"/>
+                <a:ext cx="365806" cy="369332"/>
+              </a:xfrm>
+              <a:prstGeom prst="rect">
+                <a:avLst/>
+              </a:prstGeom>
+            </p:spPr>
+            <p:txBody>
+              <a:bodyPr wrap="none">
+                <a:spAutoFit/>
+              </a:bodyPr>
+              <a:lstStyle/>
+              <a:p>
+                <a:pPr/>
+                <a14:m>
+                  <m:oMathPara xmlns:m="http://schemas.openxmlformats.org/officeDocument/2006/math">
+                    <m:oMathParaPr>
+                      <m:jc m:val="centerGroup"/>
+                    </m:oMathParaPr>
+                    <m:oMath xmlns:m="http://schemas.openxmlformats.org/officeDocument/2006/math">
+                      <m:r>
+                        <m:rPr>
+                          <m:brk m:alnAt="7"/>
+                        </m:rPr>
+                        <a:rPr lang="en-GB" i="1">
+                          <a:latin typeface="Cambria Math" panose="02040503050406030204" pitchFamily="18" charset="0"/>
+                        </a:rPr>
+                        <m:t>1</m:t>
+                      </m:r>
+                    </m:oMath>
+                  </m:oMathPara>
+                </a14:m>
+                <a:endParaRPr lang="en-GB" dirty="0"/>
+              </a:p>
+            </p:txBody>
+          </p:sp>
+        </mc:Choice>
+        <mc:Fallback xmlns="">
+          <p:sp>
+            <p:nvSpPr>
+              <p:cNvPr id="21" name="Rectangle 20"/>
+              <p:cNvSpPr>
+                <a:spLocks noRot="1" noChangeAspect="1" noMove="1" noResize="1" noEditPoints="1" noAdjustHandles="1" noChangeArrowheads="1" noChangeShapeType="1" noTextEdit="1"/>
+              </p:cNvSpPr>
+              <p:nvPr/>
+            </p:nvSpPr>
+            <p:spPr>
+              <a:xfrm>
+                <a:off x="7406594" y="1656224"/>
+                <a:ext cx="365806" cy="369332"/>
+              </a:xfrm>
+              <a:prstGeom prst="rect">
+                <a:avLst/>
+              </a:prstGeom>
+              <a:blipFill>
+                <a:blip r:embed="rId4"/>
+                <a:stretch>
+                  <a:fillRect/>
+                </a:stretch>
+              </a:blipFill>
+            </p:spPr>
+            <p:txBody>
+              <a:bodyPr/>
+              <a:lstStyle/>
+              <a:p>
+                <a:r>
+                  <a:rPr lang="en-GB">
+                    <a:noFill/>
+                  </a:rPr>
+                  <a:t> </a:t>
+                </a:r>
+              </a:p>
+            </p:txBody>
+          </p:sp>
+        </mc:Fallback>
+      </mc:AlternateContent>
+      <mc:AlternateContent xmlns:mc="http://schemas.openxmlformats.org/markup-compatibility/2006" xmlns:a14="http://schemas.microsoft.com/office/drawing/2010/main">
+        <mc:Choice Requires="a14">
+          <p:sp>
+            <p:nvSpPr>
+              <p:cNvPr id="43" name="Rectangle 42"/>
+              <p:cNvSpPr/>
+              <p:nvPr/>
+            </p:nvSpPr>
+            <p:spPr>
+              <a:xfrm>
+                <a:off x="8426289" y="2534666"/>
+                <a:ext cx="365806" cy="369332"/>
+              </a:xfrm>
+              <a:prstGeom prst="rect">
+                <a:avLst/>
+              </a:prstGeom>
+            </p:spPr>
+            <p:txBody>
+              <a:bodyPr wrap="none">
+                <a:spAutoFit/>
+              </a:bodyPr>
+              <a:lstStyle/>
+              <a:p>
+                <a:pPr/>
+                <a14:m>
+                  <m:oMathPara xmlns:m="http://schemas.openxmlformats.org/officeDocument/2006/math">
+                    <m:oMathParaPr>
+                      <m:jc m:val="centerGroup"/>
+                    </m:oMathParaPr>
+                    <m:oMath xmlns:m="http://schemas.openxmlformats.org/officeDocument/2006/math">
+                      <m:r>
+                        <m:rPr>
+                          <m:brk m:alnAt="7"/>
+                        </m:rPr>
+                        <a:rPr lang="en-GB" i="1">
+                          <a:latin typeface="Cambria Math" panose="02040503050406030204" pitchFamily="18" charset="0"/>
+                        </a:rPr>
+                        <m:t>1</m:t>
+                      </m:r>
+                    </m:oMath>
+                  </m:oMathPara>
+                </a14:m>
+                <a:endParaRPr lang="en-GB" dirty="0"/>
+              </a:p>
+            </p:txBody>
+          </p:sp>
+        </mc:Choice>
+        <mc:Fallback xmlns="">
+          <p:sp>
+            <p:nvSpPr>
+              <p:cNvPr id="43" name="Rectangle 42"/>
+              <p:cNvSpPr>
+                <a:spLocks noRot="1" noChangeAspect="1" noMove="1" noResize="1" noEditPoints="1" noAdjustHandles="1" noChangeArrowheads="1" noChangeShapeType="1" noTextEdit="1"/>
+              </p:cNvSpPr>
+              <p:nvPr/>
+            </p:nvSpPr>
+            <p:spPr>
+              <a:xfrm>
+                <a:off x="8426289" y="2534666"/>
+                <a:ext cx="365806" cy="369332"/>
+              </a:xfrm>
+              <a:prstGeom prst="rect">
+                <a:avLst/>
+              </a:prstGeom>
+              <a:blipFill>
+                <a:blip r:embed="rId5"/>
+                <a:stretch>
+                  <a:fillRect/>
+                </a:stretch>
+              </a:blipFill>
+            </p:spPr>
+            <p:txBody>
+              <a:bodyPr/>
+              <a:lstStyle/>
+              <a:p>
+                <a:r>
+                  <a:rPr lang="en-GB">
+                    <a:noFill/>
+                  </a:rPr>
+                  <a:t> </a:t>
+                </a:r>
+              </a:p>
+            </p:txBody>
+          </p:sp>
+        </mc:Fallback>
+      </mc:AlternateContent>
+      <mc:AlternateContent xmlns:mc="http://schemas.openxmlformats.org/markup-compatibility/2006" xmlns:a14="http://schemas.microsoft.com/office/drawing/2010/main">
+        <mc:Choice Requires="a14">
+          <p:sp>
+            <p:nvSpPr>
+              <p:cNvPr id="22" name="Rectangle 21"/>
+              <p:cNvSpPr/>
+              <p:nvPr/>
+            </p:nvSpPr>
+            <p:spPr>
+              <a:xfrm>
+                <a:off x="7686984" y="1192143"/>
+                <a:ext cx="739305" cy="369332"/>
+              </a:xfrm>
+              <a:prstGeom prst="rect">
+                <a:avLst/>
+              </a:prstGeom>
+            </p:spPr>
+            <p:txBody>
+              <a:bodyPr wrap="none">
+                <a:spAutoFit/>
+              </a:bodyPr>
+              <a:lstStyle/>
+              <a:p>
+                <a:pPr/>
+                <a14:m>
+                  <m:oMathPara xmlns:m="http://schemas.openxmlformats.org/officeDocument/2006/math">
+                    <m:oMathParaPr>
+                      <m:jc m:val="centerGroup"/>
+                    </m:oMathParaPr>
+                    <m:oMath xmlns:m="http://schemas.openxmlformats.org/officeDocument/2006/math">
+                      <m:r>
+                        <a:rPr lang="en-GB" b="1" i="1">
+                          <a:latin typeface="Cambria Math" panose="02040503050406030204" pitchFamily="18" charset="0"/>
+                        </a:rPr>
+                        <m:t>𝝓</m:t>
+                      </m:r>
+                      <m:r>
+                        <a:rPr lang="en-GB" b="1" i="1">
+                          <a:latin typeface="Cambria Math" panose="02040503050406030204" pitchFamily="18" charset="0"/>
+                        </a:rPr>
+                        <m:t>(</m:t>
+                      </m:r>
+                      <m:r>
+                        <a:rPr lang="en-GB" b="1" i="1">
+                          <a:latin typeface="Cambria Math" panose="02040503050406030204" pitchFamily="18" charset="0"/>
+                        </a:rPr>
+                        <m:t>𝒙</m:t>
+                      </m:r>
+                      <m:r>
+                        <a:rPr lang="en-GB" b="1" i="1">
+                          <a:latin typeface="Cambria Math" panose="02040503050406030204" pitchFamily="18" charset="0"/>
+                        </a:rPr>
+                        <m:t>)</m:t>
+                      </m:r>
+                    </m:oMath>
+                  </m:oMathPara>
+                </a14:m>
+                <a:endParaRPr lang="en-GB" dirty="0"/>
+              </a:p>
+            </p:txBody>
+          </p:sp>
+        </mc:Choice>
+        <mc:Fallback xmlns="">
+          <p:sp>
+            <p:nvSpPr>
+              <p:cNvPr id="22" name="Rectangle 21"/>
+              <p:cNvSpPr>
+                <a:spLocks noRot="1" noChangeAspect="1" noMove="1" noResize="1" noEditPoints="1" noAdjustHandles="1" noChangeArrowheads="1" noChangeShapeType="1" noTextEdit="1"/>
+              </p:cNvSpPr>
+              <p:nvPr/>
+            </p:nvSpPr>
+            <p:spPr>
+              <a:xfrm>
+                <a:off x="7686984" y="1192143"/>
+                <a:ext cx="739305" cy="369332"/>
+              </a:xfrm>
+              <a:prstGeom prst="rect">
+                <a:avLst/>
+              </a:prstGeom>
+              <a:blipFill>
+                <a:blip r:embed="rId6"/>
+                <a:stretch>
+                  <a:fillRect b="-13333"/>
+                </a:stretch>
+              </a:blipFill>
+            </p:spPr>
+            <p:txBody>
+              <a:bodyPr/>
+              <a:lstStyle/>
+              <a:p>
+                <a:r>
+                  <a:rPr lang="en-GB">
+                    <a:noFill/>
+                  </a:rPr>
+                  <a:t> </a:t>
+                </a:r>
+              </a:p>
+            </p:txBody>
+          </p:sp>
+        </mc:Fallback>
+      </mc:AlternateContent>
+      <p:cxnSp>
+        <p:nvCxnSpPr>
+          <p:cNvPr id="36" name="Straight Arrow Connector 35"/>
+          <p:cNvCxnSpPr/>
+          <p:nvPr/>
+        </p:nvCxnSpPr>
+        <p:spPr>
+          <a:xfrm>
+            <a:off x="7617229" y="4699938"/>
+            <a:ext cx="1388226" cy="0"/>
+          </a:xfrm>
+          <a:prstGeom prst="straightConnector1">
+            <a:avLst/>
+          </a:prstGeom>
+          <a:ln>
+            <a:tailEnd type="triangle"/>
+          </a:ln>
+        </p:spPr>
+        <p:style>
+          <a:lnRef idx="2">
+            <a:schemeClr val="dk1"/>
+          </a:lnRef>
+          <a:fillRef idx="1">
+            <a:schemeClr val="lt1"/>
+          </a:fillRef>
+          <a:effectRef idx="0">
+            <a:schemeClr val="dk1"/>
+          </a:effectRef>
+          <a:fontRef idx="minor">
+            <a:schemeClr val="dk1"/>
+          </a:fontRef>
+        </p:style>
+      </p:cxnSp>
+      <p:cxnSp>
+        <p:nvCxnSpPr>
+          <p:cNvPr id="38" name="Straight Arrow Connector 37"/>
+          <p:cNvCxnSpPr/>
+          <p:nvPr/>
+        </p:nvCxnSpPr>
+        <p:spPr>
+          <a:xfrm flipV="1">
+            <a:off x="7772400" y="3757352"/>
+            <a:ext cx="0" cy="1762299"/>
+          </a:xfrm>
+          <a:prstGeom prst="straightConnector1">
+            <a:avLst/>
+          </a:prstGeom>
+          <a:ln>
+            <a:tailEnd type="triangle"/>
+          </a:ln>
+        </p:spPr>
+        <p:style>
+          <a:lnRef idx="2">
+            <a:schemeClr val="dk1"/>
+          </a:lnRef>
+          <a:fillRef idx="1">
+            <a:schemeClr val="lt1"/>
+          </a:fillRef>
+          <a:effectRef idx="0">
+            <a:schemeClr val="dk1"/>
+          </a:effectRef>
+          <a:fontRef idx="minor">
+            <a:schemeClr val="dk1"/>
+          </a:fontRef>
+        </p:style>
+      </p:cxnSp>
+      <p:sp>
+        <p:nvSpPr>
+          <p:cNvPr id="40" name="Rectangle 39"/>
+          <p:cNvSpPr/>
+          <p:nvPr/>
+        </p:nvSpPr>
+        <p:spPr>
+          <a:xfrm>
+            <a:off x="7772400" y="3976932"/>
+            <a:ext cx="374073" cy="720381"/>
+          </a:xfrm>
+          <a:prstGeom prst="rect">
+            <a:avLst/>
+          </a:prstGeom>
+          <a:ln/>
+        </p:spPr>
+        <p:style>
+          <a:lnRef idx="2">
+            <a:schemeClr val="dk1"/>
+          </a:lnRef>
+          <a:fillRef idx="1">
+            <a:schemeClr val="lt1"/>
+          </a:fillRef>
+          <a:effectRef idx="0">
+            <a:schemeClr val="dk1"/>
+          </a:effectRef>
+          <a:fontRef idx="minor">
+            <a:schemeClr val="dk1"/>
+          </a:fontRef>
+        </p:style>
+        <p:txBody>
+          <a:bodyPr rtlCol="0" anchor="ctr"/>
+          <a:lstStyle/>
+          <a:p>
+            <a:pPr algn="ctr"/>
+            <a:endParaRPr lang="en-GB"/>
+          </a:p>
+        </p:txBody>
+      </p:sp>
+      <p:sp>
+        <p:nvSpPr>
+          <p:cNvPr id="42" name="Rectangle 41"/>
+          <p:cNvSpPr/>
+          <p:nvPr/>
+        </p:nvSpPr>
+        <p:spPr>
+          <a:xfrm>
+            <a:off x="8149244" y="4699938"/>
+            <a:ext cx="374968" cy="720381"/>
+          </a:xfrm>
+          <a:prstGeom prst="rect">
+            <a:avLst/>
+          </a:prstGeom>
+          <a:ln/>
+        </p:spPr>
+        <p:style>
+          <a:lnRef idx="2">
+            <a:schemeClr val="dk1"/>
+          </a:lnRef>
+          <a:fillRef idx="1">
+            <a:schemeClr val="lt1"/>
+          </a:fillRef>
+          <a:effectRef idx="0">
+            <a:schemeClr val="dk1"/>
+          </a:effectRef>
+          <a:fontRef idx="minor">
+            <a:schemeClr val="dk1"/>
+          </a:fontRef>
+        </p:style>
+        <p:txBody>
+          <a:bodyPr rtlCol="0" anchor="ctr"/>
+          <a:lstStyle/>
+          <a:p>
+            <a:pPr algn="ctr"/>
+            <a:endParaRPr lang="en-GB"/>
+          </a:p>
+        </p:txBody>
+      </p:sp>
+      <mc:AlternateContent xmlns:mc="http://schemas.openxmlformats.org/markup-compatibility/2006" xmlns:a14="http://schemas.microsoft.com/office/drawing/2010/main">
+        <mc:Choice Requires="a14">
+          <p:sp>
+            <p:nvSpPr>
+              <p:cNvPr id="44" name="Rectangle 43"/>
+              <p:cNvSpPr/>
+              <p:nvPr/>
+            </p:nvSpPr>
+            <p:spPr>
+              <a:xfrm>
+                <a:off x="8301621" y="4345435"/>
+                <a:ext cx="365806" cy="369332"/>
+              </a:xfrm>
+              <a:prstGeom prst="rect">
+                <a:avLst/>
+              </a:prstGeom>
+            </p:spPr>
+            <p:txBody>
+              <a:bodyPr wrap="none">
+                <a:spAutoFit/>
+              </a:bodyPr>
+              <a:lstStyle/>
+              <a:p>
+                <a:pPr/>
+                <a14:m>
+                  <m:oMathPara xmlns:m="http://schemas.openxmlformats.org/officeDocument/2006/math">
+                    <m:oMathParaPr>
+                      <m:jc m:val="centerGroup"/>
+                    </m:oMathParaPr>
+                    <m:oMath xmlns:m="http://schemas.openxmlformats.org/officeDocument/2006/math">
+                      <m:r>
+                        <m:rPr>
+                          <m:brk m:alnAt="7"/>
+                        </m:rPr>
+                        <a:rPr lang="en-GB" i="1">
+                          <a:latin typeface="Cambria Math" panose="02040503050406030204" pitchFamily="18" charset="0"/>
+                        </a:rPr>
+                        <m:t>1</m:t>
+                      </m:r>
+                    </m:oMath>
+                  </m:oMathPara>
+                </a14:m>
+                <a:endParaRPr lang="en-GB" dirty="0"/>
+              </a:p>
+            </p:txBody>
+          </p:sp>
+        </mc:Choice>
+        <mc:Fallback xmlns="">
+          <p:sp>
+            <p:nvSpPr>
+              <p:cNvPr id="44" name="Rectangle 43"/>
+              <p:cNvSpPr>
+                <a:spLocks noRot="1" noChangeAspect="1" noMove="1" noResize="1" noEditPoints="1" noAdjustHandles="1" noChangeArrowheads="1" noChangeShapeType="1" noTextEdit="1"/>
+              </p:cNvSpPr>
+              <p:nvPr/>
+            </p:nvSpPr>
+            <p:spPr>
+              <a:xfrm>
+                <a:off x="8301621" y="4345435"/>
+                <a:ext cx="365806" cy="369332"/>
+              </a:xfrm>
+              <a:prstGeom prst="rect">
+                <a:avLst/>
+              </a:prstGeom>
+              <a:blipFill>
+                <a:blip r:embed="rId7"/>
+                <a:stretch>
+                  <a:fillRect/>
+                </a:stretch>
+              </a:blipFill>
+            </p:spPr>
+            <p:txBody>
+              <a:bodyPr/>
+              <a:lstStyle/>
+              <a:p>
+                <a:r>
+                  <a:rPr lang="en-GB">
+                    <a:noFill/>
+                  </a:rPr>
+                  <a:t> </a:t>
+                </a:r>
+              </a:p>
+            </p:txBody>
+          </p:sp>
+        </mc:Fallback>
+      </mc:AlternateContent>
+      <mc:AlternateContent xmlns:mc="http://schemas.openxmlformats.org/markup-compatibility/2006" xmlns:a14="http://schemas.microsoft.com/office/drawing/2010/main">
+        <mc:Choice Requires="a14">
+          <p:sp>
+            <p:nvSpPr>
+              <p:cNvPr id="46" name="Rectangle 45"/>
+              <p:cNvSpPr/>
+              <p:nvPr/>
+            </p:nvSpPr>
+            <p:spPr>
+              <a:xfrm>
+                <a:off x="7395557" y="3821496"/>
+                <a:ext cx="365806" cy="369332"/>
+              </a:xfrm>
+              <a:prstGeom prst="rect">
+                <a:avLst/>
+              </a:prstGeom>
+            </p:spPr>
+            <p:txBody>
+              <a:bodyPr wrap="none">
+                <a:spAutoFit/>
+              </a:bodyPr>
+              <a:lstStyle/>
+              <a:p>
+                <a:pPr/>
+                <a14:m>
+                  <m:oMathPara xmlns:m="http://schemas.openxmlformats.org/officeDocument/2006/math">
+                    <m:oMathParaPr>
+                      <m:jc m:val="centerGroup"/>
+                    </m:oMathParaPr>
+                    <m:oMath xmlns:m="http://schemas.openxmlformats.org/officeDocument/2006/math">
+                      <m:r>
+                        <m:rPr>
+                          <m:brk m:alnAt="7"/>
+                        </m:rPr>
+                        <a:rPr lang="en-GB" i="1">
+                          <a:latin typeface="Cambria Math" panose="02040503050406030204" pitchFamily="18" charset="0"/>
+                        </a:rPr>
+                        <m:t>1</m:t>
+                      </m:r>
+                    </m:oMath>
+                  </m:oMathPara>
+                </a14:m>
+                <a:endParaRPr lang="en-GB" dirty="0"/>
+              </a:p>
+            </p:txBody>
+          </p:sp>
+        </mc:Choice>
+        <mc:Fallback xmlns="">
+          <p:sp>
+            <p:nvSpPr>
+              <p:cNvPr id="46" name="Rectangle 45"/>
+              <p:cNvSpPr>
+                <a:spLocks noRot="1" noChangeAspect="1" noMove="1" noResize="1" noEditPoints="1" noAdjustHandles="1" noChangeArrowheads="1" noChangeShapeType="1" noTextEdit="1"/>
+              </p:cNvSpPr>
+              <p:nvPr/>
+            </p:nvSpPr>
+            <p:spPr>
+              <a:xfrm>
+                <a:off x="7395557" y="3821496"/>
+                <a:ext cx="365806" cy="369332"/>
+              </a:xfrm>
+              <a:prstGeom prst="rect">
+                <a:avLst/>
+              </a:prstGeom>
+              <a:blipFill>
+                <a:blip r:embed="rId8"/>
+                <a:stretch>
+                  <a:fillRect/>
+                </a:stretch>
+              </a:blipFill>
+            </p:spPr>
+            <p:txBody>
+              <a:bodyPr/>
+              <a:lstStyle/>
+              <a:p>
+                <a:r>
+                  <a:rPr lang="en-GB">
+                    <a:noFill/>
+                  </a:rPr>
+                  <a:t> </a:t>
+                </a:r>
+              </a:p>
+            </p:txBody>
+          </p:sp>
+        </mc:Fallback>
+      </mc:AlternateContent>
+      <mc:AlternateContent xmlns:mc="http://schemas.openxmlformats.org/markup-compatibility/2006" xmlns:a14="http://schemas.microsoft.com/office/drawing/2010/main">
+        <mc:Choice Requires="a14">
+          <p:sp>
+            <p:nvSpPr>
+              <p:cNvPr id="48" name="Rectangle 47"/>
+              <p:cNvSpPr/>
+              <p:nvPr/>
+            </p:nvSpPr>
+            <p:spPr>
+              <a:xfrm>
+                <a:off x="7395557" y="5201003"/>
+                <a:ext cx="383438" cy="369332"/>
+              </a:xfrm>
+              <a:prstGeom prst="rect">
+                <a:avLst/>
+              </a:prstGeom>
+            </p:spPr>
+            <p:txBody>
+              <a:bodyPr wrap="none">
+                <a:spAutoFit/>
+              </a:bodyPr>
+              <a:lstStyle/>
+              <a:p>
+                <a:r>
+                  <a:rPr lang="en-GB" dirty="0"/>
+                  <a:t>-</a:t>
+                </a:r>
+                <a14:m>
+                  <m:oMath xmlns:m="http://schemas.openxmlformats.org/officeDocument/2006/math">
+                    <m:r>
+                      <m:rPr>
+                        <m:brk m:alnAt="7"/>
+                      </m:rPr>
+                      <a:rPr lang="en-GB" i="1">
+                        <a:latin typeface="Cambria Math" panose="02040503050406030204" pitchFamily="18" charset="0"/>
+                      </a:rPr>
+                      <m:t>1</m:t>
+                    </m:r>
+                  </m:oMath>
+                </a14:m>
+                <a:endParaRPr lang="en-GB" dirty="0"/>
+              </a:p>
+            </p:txBody>
+          </p:sp>
+        </mc:Choice>
+        <mc:Fallback xmlns="">
+          <p:sp>
+            <p:nvSpPr>
+              <p:cNvPr id="48" name="Rectangle 47"/>
+              <p:cNvSpPr>
+                <a:spLocks noRot="1" noChangeAspect="1" noMove="1" noResize="1" noEditPoints="1" noAdjustHandles="1" noChangeArrowheads="1" noChangeShapeType="1" noTextEdit="1"/>
+              </p:cNvSpPr>
+              <p:nvPr/>
+            </p:nvSpPr>
+            <p:spPr>
+              <a:xfrm>
+                <a:off x="7395557" y="5201003"/>
+                <a:ext cx="383438" cy="369332"/>
+              </a:xfrm>
+              <a:prstGeom prst="rect">
+                <a:avLst/>
+              </a:prstGeom>
+              <a:blipFill>
+                <a:blip r:embed="rId9"/>
+                <a:stretch>
+                  <a:fillRect l="-12698" t="-8197" b="-24590"/>
+                </a:stretch>
+              </a:blipFill>
+            </p:spPr>
+            <p:txBody>
+              <a:bodyPr/>
+              <a:lstStyle/>
+              <a:p>
+                <a:r>
+                  <a:rPr lang="en-GB">
+                    <a:noFill/>
+                  </a:rPr>
+                  <a:t> </a:t>
+                </a:r>
+              </a:p>
+            </p:txBody>
+          </p:sp>
+        </mc:Fallback>
+      </mc:AlternateContent>
+      <mc:AlternateContent xmlns:mc="http://schemas.openxmlformats.org/markup-compatibility/2006" xmlns:a14="http://schemas.microsoft.com/office/drawing/2010/main">
+        <mc:Choice Requires="a14">
+          <p:sp>
+            <p:nvSpPr>
+              <p:cNvPr id="50" name="Rectangle 49"/>
+              <p:cNvSpPr/>
+              <p:nvPr/>
+            </p:nvSpPr>
+            <p:spPr>
+              <a:xfrm>
+                <a:off x="7686984" y="3378485"/>
+                <a:ext cx="742511" cy="369332"/>
+              </a:xfrm>
+              <a:prstGeom prst="rect">
+                <a:avLst/>
+              </a:prstGeom>
+            </p:spPr>
+            <p:txBody>
+              <a:bodyPr wrap="none">
+                <a:spAutoFit/>
+              </a:bodyPr>
+              <a:lstStyle/>
+              <a:p>
+                <a:pPr/>
+                <a14:m>
+                  <m:oMathPara xmlns:m="http://schemas.openxmlformats.org/officeDocument/2006/math">
+                    <m:oMathParaPr>
+                      <m:jc m:val="centerGroup"/>
+                    </m:oMathParaPr>
+                    <m:oMath xmlns:m="http://schemas.openxmlformats.org/officeDocument/2006/math">
+                      <m:r>
+                        <a:rPr lang="en-GB" b="1" i="1" smtClean="0">
+                          <a:latin typeface="Cambria Math" panose="02040503050406030204" pitchFamily="18" charset="0"/>
+                        </a:rPr>
+                        <m:t>𝝍</m:t>
+                      </m:r>
+                      <m:r>
+                        <a:rPr lang="en-GB" b="1" i="1">
+                          <a:latin typeface="Cambria Math" panose="02040503050406030204" pitchFamily="18" charset="0"/>
+                        </a:rPr>
+                        <m:t>(</m:t>
+                      </m:r>
+                      <m:r>
+                        <a:rPr lang="en-GB" b="1" i="1">
+                          <a:latin typeface="Cambria Math" panose="02040503050406030204" pitchFamily="18" charset="0"/>
+                        </a:rPr>
+                        <m:t>𝒙</m:t>
+                      </m:r>
+                      <m:r>
+                        <a:rPr lang="en-GB" b="1" i="1">
+                          <a:latin typeface="Cambria Math" panose="02040503050406030204" pitchFamily="18" charset="0"/>
+                        </a:rPr>
+                        <m:t>)</m:t>
+                      </m:r>
+                    </m:oMath>
+                  </m:oMathPara>
+                </a14:m>
+                <a:endParaRPr lang="en-GB" dirty="0"/>
+              </a:p>
+            </p:txBody>
+          </p:sp>
+        </mc:Choice>
+        <mc:Fallback xmlns="">
+          <p:sp>
+            <p:nvSpPr>
+              <p:cNvPr id="50" name="Rectangle 49"/>
+              <p:cNvSpPr>
+                <a:spLocks noRot="1" noChangeAspect="1" noMove="1" noResize="1" noEditPoints="1" noAdjustHandles="1" noChangeArrowheads="1" noChangeShapeType="1" noTextEdit="1"/>
+              </p:cNvSpPr>
+              <p:nvPr/>
+            </p:nvSpPr>
+            <p:spPr>
+              <a:xfrm>
+                <a:off x="7686984" y="3378485"/>
+                <a:ext cx="742511" cy="369332"/>
+              </a:xfrm>
+              <a:prstGeom prst="rect">
+                <a:avLst/>
+              </a:prstGeom>
+              <a:blipFill>
+                <a:blip r:embed="rId10"/>
+                <a:stretch>
+                  <a:fillRect b="-13115"/>
+                </a:stretch>
+              </a:blipFill>
+            </p:spPr>
+            <p:txBody>
+              <a:bodyPr/>
+              <a:lstStyle/>
+              <a:p>
+                <a:r>
+                  <a:rPr lang="en-GB">
+                    <a:noFill/>
+                  </a:rPr>
+                  <a:t> </a:t>
+                </a:r>
+              </a:p>
+            </p:txBody>
+          </p:sp>
+        </mc:Fallback>
+      </mc:AlternateContent>
+    </p:spTree>
+    <p:extLst>
+      <p:ext uri="{BB962C8B-B14F-4D97-AF65-F5344CB8AC3E}">
+        <p14:creationId xmlns:p14="http://schemas.microsoft.com/office/powerpoint/2010/main" val="567021134"/>
+      </p:ext>
+    </p:extLst>
+  </p:cSld>
+  <p:clrMapOvr>
+    <a:masterClrMapping/>
+  </p:clrMapOvr>
+</p:sld>
+</file>
+
+<file path=ppt/slides/slide11.xml><?xml version="1.0" encoding="utf-8"?>
+<p:sld xmlns:a="http://schemas.openxmlformats.org/drawingml/2006/main" xmlns:r="http://schemas.openxmlformats.org/officeDocument/2006/relationships" xmlns:p="http://schemas.openxmlformats.org/presentationml/2006/main">
+  <p:cSld>
+    <p:spTree>
+      <p:nvGrpSpPr>
+        <p:cNvPr id="1" name=""/>
+        <p:cNvGrpSpPr/>
+        <p:nvPr/>
+      </p:nvGrpSpPr>
+      <p:grpSpPr>
+        <a:xfrm>
+          <a:off x="0" y="0"/>
+          <a:ext cx="0" cy="0"/>
+          <a:chOff x="0" y="0"/>
+          <a:chExt cx="0" cy="0"/>
+        </a:xfrm>
+      </p:grpSpPr>
       <p:pic>
         <p:nvPicPr>
           <p:cNvPr id="3" name="Picture 2" descr="Chart&#10;&#10;Description automatically generated">
@@ -15398,7 +16771,7 @@
 </p:sld>
 </file>
 
-<file path=ppt/slides/slide11.xml><?xml version="1.0" encoding="utf-8"?>
+<file path=ppt/slides/slide12.xml><?xml version="1.0" encoding="utf-8"?>
 <p:sld xmlns:a="http://schemas.openxmlformats.org/drawingml/2006/main" xmlns:r="http://schemas.openxmlformats.org/officeDocument/2006/relationships" xmlns:p="http://schemas.openxmlformats.org/presentationml/2006/main">
   <p:cSld>
     <p:bg>
@@ -18220,6 +19593,240 @@
       </p:grpSpPr>
       <p:sp>
         <p:nvSpPr>
+          <p:cNvPr id="2" name="Title 1">
+            <a:extLst>
+              <a:ext uri="{FF2B5EF4-FFF2-40B4-BE49-F238E27FC236}">
+                <a16:creationId xmlns:a16="http://schemas.microsoft.com/office/drawing/2014/main" id="{FBD9F667-A298-4649-8B96-8F7A1C795664}"/>
+              </a:ext>
+            </a:extLst>
+          </p:cNvPr>
+          <p:cNvSpPr>
+            <a:spLocks noGrp="1"/>
+          </p:cNvSpPr>
+          <p:nvPr>
+            <p:ph type="title"/>
+          </p:nvPr>
+        </p:nvSpPr>
+        <p:spPr/>
+        <p:txBody>
+          <a:bodyPr/>
+          <a:lstStyle/>
+          <a:p>
+            <a:endParaRPr lang="en-GB"/>
+          </a:p>
+        </p:txBody>
+      </p:sp>
+      <p:pic>
+        <p:nvPicPr>
+          <p:cNvPr id="5" name="Content Placeholder 4" descr="Timeline&#10;&#10;Description automatically generated">
+            <a:extLst>
+              <a:ext uri="{FF2B5EF4-FFF2-40B4-BE49-F238E27FC236}">
+                <a16:creationId xmlns:a16="http://schemas.microsoft.com/office/drawing/2014/main" id="{1FC819B0-AED7-4549-AF46-E043F3F4CF4A}"/>
+              </a:ext>
+            </a:extLst>
+          </p:cNvPr>
+          <p:cNvPicPr>
+            <a:picLocks noGrp="1" noChangeAspect="1"/>
+          </p:cNvPicPr>
+          <p:nvPr>
+            <p:ph idx="1"/>
+          </p:nvPr>
+        </p:nvPicPr>
+        <p:blipFill>
+          <a:blip r:embed="rId2">
+            <a:extLst>
+              <a:ext uri="{28A0092B-C50C-407E-A947-70E740481C1C}">
+                <a14:useLocalDpi xmlns:a14="http://schemas.microsoft.com/office/drawing/2010/main" val="0"/>
+              </a:ext>
+            </a:extLst>
+          </a:blip>
+          <a:stretch>
+            <a:fillRect/>
+          </a:stretch>
+        </p:blipFill>
+        <p:spPr>
+          <a:xfrm>
+            <a:off x="3414712" y="1891506"/>
+            <a:ext cx="5362575" cy="4219575"/>
+          </a:xfrm>
+        </p:spPr>
+      </p:pic>
+      <p:sp>
+        <p:nvSpPr>
+          <p:cNvPr id="6" name="Rectangle 5">
+            <a:extLst>
+              <a:ext uri="{FF2B5EF4-FFF2-40B4-BE49-F238E27FC236}">
+                <a16:creationId xmlns:a16="http://schemas.microsoft.com/office/drawing/2014/main" id="{7AE298AC-00FF-403E-BF65-DCD497102211}"/>
+              </a:ext>
+            </a:extLst>
+          </p:cNvPr>
+          <p:cNvSpPr/>
+          <p:nvPr/>
+        </p:nvSpPr>
+        <p:spPr>
+          <a:xfrm>
+            <a:off x="3013640" y="2231578"/>
+            <a:ext cx="401072" cy="3539430"/>
+          </a:xfrm>
+          <a:prstGeom prst="rect">
+            <a:avLst/>
+          </a:prstGeom>
+          <a:noFill/>
+        </p:spPr>
+        <p:txBody>
+          <a:bodyPr wrap="none" lIns="91440" tIns="45720" rIns="91440" bIns="45720">
+            <a:spAutoFit/>
+          </a:bodyPr>
+          <a:lstStyle/>
+          <a:p>
+            <a:pPr algn="ctr"/>
+            <a:r>
+              <a:rPr lang="en-US" sz="3200" b="0" cap="none" spc="0" dirty="0">
+                <a:ln w="0"/>
+                <a:solidFill>
+                  <a:schemeClr val="tx1"/>
+                </a:solidFill>
+                <a:effectLst>
+                  <a:outerShdw blurRad="38100" dist="19050" dir="2700000" algn="tl" rotWithShape="0">
+                    <a:schemeClr val="dk1">
+                      <a:alpha val="40000"/>
+                    </a:schemeClr>
+                  </a:outerShdw>
+                </a:effectLst>
+              </a:rPr>
+              <a:t>a</a:t>
+            </a:r>
+          </a:p>
+          <a:p>
+            <a:pPr algn="ctr"/>
+            <a:endParaRPr lang="en-US" sz="3200" b="0" cap="none" spc="0" dirty="0">
+              <a:ln w="0"/>
+              <a:solidFill>
+                <a:schemeClr val="tx1"/>
+              </a:solidFill>
+              <a:effectLst>
+                <a:outerShdw blurRad="38100" dist="19050" dir="2700000" algn="tl" rotWithShape="0">
+                  <a:schemeClr val="dk1">
+                    <a:alpha val="40000"/>
+                  </a:schemeClr>
+                </a:outerShdw>
+              </a:effectLst>
+            </a:endParaRPr>
+          </a:p>
+          <a:p>
+            <a:pPr algn="ctr"/>
+            <a:r>
+              <a:rPr lang="en-US" sz="3200" dirty="0">
+                <a:ln w="0"/>
+                <a:effectLst>
+                  <a:outerShdw blurRad="38100" dist="19050" dir="2700000" algn="tl" rotWithShape="0">
+                    <a:schemeClr val="dk1">
+                      <a:alpha val="40000"/>
+                    </a:schemeClr>
+                  </a:outerShdw>
+                </a:effectLst>
+              </a:rPr>
+              <a:t>b</a:t>
+            </a:r>
+          </a:p>
+          <a:p>
+            <a:pPr algn="ctr"/>
+            <a:endParaRPr lang="en-US" sz="3200" dirty="0">
+              <a:ln w="0"/>
+              <a:effectLst>
+                <a:outerShdw blurRad="38100" dist="19050" dir="2700000" algn="tl" rotWithShape="0">
+                  <a:schemeClr val="dk1">
+                    <a:alpha val="40000"/>
+                  </a:schemeClr>
+                </a:outerShdw>
+              </a:effectLst>
+            </a:endParaRPr>
+          </a:p>
+          <a:p>
+            <a:pPr algn="ctr"/>
+            <a:r>
+              <a:rPr lang="en-US" sz="3200" b="0" cap="none" spc="0" dirty="0">
+                <a:ln w="0"/>
+                <a:solidFill>
+                  <a:schemeClr val="tx1"/>
+                </a:solidFill>
+                <a:effectLst>
+                  <a:outerShdw blurRad="38100" dist="19050" dir="2700000" algn="tl" rotWithShape="0">
+                    <a:schemeClr val="dk1">
+                      <a:alpha val="40000"/>
+                    </a:schemeClr>
+                  </a:outerShdw>
+                </a:effectLst>
+              </a:rPr>
+              <a:t>c</a:t>
+            </a:r>
+          </a:p>
+          <a:p>
+            <a:pPr algn="ctr"/>
+            <a:endParaRPr lang="en-US" sz="3200" b="0" cap="none" spc="0" dirty="0">
+              <a:ln w="0"/>
+              <a:solidFill>
+                <a:schemeClr val="tx1"/>
+              </a:solidFill>
+              <a:effectLst>
+                <a:outerShdw blurRad="38100" dist="19050" dir="2700000" algn="tl" rotWithShape="0">
+                  <a:schemeClr val="dk1">
+                    <a:alpha val="40000"/>
+                  </a:schemeClr>
+                </a:outerShdw>
+              </a:effectLst>
+            </a:endParaRPr>
+          </a:p>
+          <a:p>
+            <a:pPr algn="ctr"/>
+            <a:r>
+              <a:rPr lang="en-US" sz="3200" dirty="0">
+                <a:ln w="0"/>
+                <a:effectLst>
+                  <a:outerShdw blurRad="38100" dist="19050" dir="2700000" algn="tl" rotWithShape="0">
+                    <a:schemeClr val="dk1">
+                      <a:alpha val="40000"/>
+                    </a:schemeClr>
+                  </a:outerShdw>
+                </a:effectLst>
+              </a:rPr>
+              <a:t>d</a:t>
+            </a:r>
+          </a:p>
+        </p:txBody>
+      </p:sp>
+    </p:spTree>
+    <p:extLst>
+      <p:ext uri="{BB962C8B-B14F-4D97-AF65-F5344CB8AC3E}">
+        <p14:creationId xmlns:p14="http://schemas.microsoft.com/office/powerpoint/2010/main" val="986337347"/>
+      </p:ext>
+    </p:extLst>
+  </p:cSld>
+  <p:clrMapOvr>
+    <a:masterClrMapping/>
+  </p:clrMapOvr>
+</p:sld>
+</file>
+
+<file path=ppt/slides/slide5.xml><?xml version="1.0" encoding="utf-8"?>
+<p:sld xmlns:a="http://schemas.openxmlformats.org/drawingml/2006/main" xmlns:r="http://schemas.openxmlformats.org/officeDocument/2006/relationships" xmlns:p="http://schemas.openxmlformats.org/presentationml/2006/main">
+  <p:cSld>
+    <p:spTree>
+      <p:nvGrpSpPr>
+        <p:cNvPr id="1" name=""/>
+        <p:cNvGrpSpPr/>
+        <p:nvPr/>
+      </p:nvGrpSpPr>
+      <p:grpSpPr>
+        <a:xfrm>
+          <a:off x="0" y="0"/>
+          <a:ext cx="0" cy="0"/>
+          <a:chOff x="0" y="0"/>
+          <a:chExt cx="0" cy="0"/>
+        </a:xfrm>
+      </p:grpSpPr>
+      <p:sp>
+        <p:nvSpPr>
           <p:cNvPr id="36" name="TextBox 35">
             <a:extLst>
               <a:ext uri="{FF2B5EF4-FFF2-40B4-BE49-F238E27FC236}">
@@ -19627,7 +21234,7 @@
 </p:sld>
 </file>
 
-<file path=ppt/slides/slide5.xml><?xml version="1.0" encoding="utf-8"?>
+<file path=ppt/slides/slide6.xml><?xml version="1.0" encoding="utf-8"?>
 <p:sld xmlns:a="http://schemas.openxmlformats.org/drawingml/2006/main" xmlns:r="http://schemas.openxmlformats.org/officeDocument/2006/relationships" xmlns:p="http://schemas.openxmlformats.org/presentationml/2006/main">
   <p:cSld>
     <p:spTree>
@@ -20436,7 +22043,7 @@
 </p:sld>
 </file>
 
-<file path=ppt/slides/slide6.xml><?xml version="1.0" encoding="utf-8"?>
+<file path=ppt/slides/slide7.xml><?xml version="1.0" encoding="utf-8"?>
 <p:sld xmlns:a="http://schemas.openxmlformats.org/drawingml/2006/main" xmlns:r="http://schemas.openxmlformats.org/officeDocument/2006/relationships" xmlns:p="http://schemas.openxmlformats.org/presentationml/2006/main">
   <p:cSld>
     <p:spTree>
@@ -23463,7 +25070,7 @@
 </p:sld>
 </file>
 
-<file path=ppt/slides/slide7.xml><?xml version="1.0" encoding="utf-8"?>
+<file path=ppt/slides/slide8.xml><?xml version="1.0" encoding="utf-8"?>
 <p:sld xmlns:a="http://schemas.openxmlformats.org/drawingml/2006/main" xmlns:r="http://schemas.openxmlformats.org/officeDocument/2006/relationships" xmlns:p="http://schemas.openxmlformats.org/presentationml/2006/main">
   <p:cSld>
     <p:spTree>
@@ -23930,7 +25537,7 @@
 </p:sld>
 </file>
 
-<file path=ppt/slides/slide8.xml><?xml version="1.0" encoding="utf-8"?>
+<file path=ppt/slides/slide9.xml><?xml version="1.0" encoding="utf-8"?>
 <p:sld xmlns:a="http://schemas.openxmlformats.org/drawingml/2006/main" xmlns:r="http://schemas.openxmlformats.org/officeDocument/2006/relationships" xmlns:p="http://schemas.openxmlformats.org/presentationml/2006/main">
   <p:cSld>
     <p:spTree>
@@ -24151,1377 +25758,6 @@
     <p:extLst>
       <p:ext uri="{BB962C8B-B14F-4D97-AF65-F5344CB8AC3E}">
         <p14:creationId xmlns:p14="http://schemas.microsoft.com/office/powerpoint/2010/main" val="1138139222"/>
-      </p:ext>
-    </p:extLst>
-  </p:cSld>
-  <p:clrMapOvr>
-    <a:masterClrMapping/>
-  </p:clrMapOvr>
-</p:sld>
-</file>
-
-<file path=ppt/slides/slide9.xml><?xml version="1.0" encoding="utf-8"?>
-<p:sld xmlns:a="http://schemas.openxmlformats.org/drawingml/2006/main" xmlns:r="http://schemas.openxmlformats.org/officeDocument/2006/relationships" xmlns:p="http://schemas.openxmlformats.org/presentationml/2006/main">
-  <p:cSld>
-    <p:spTree>
-      <p:nvGrpSpPr>
-        <p:cNvPr id="1" name=""/>
-        <p:cNvGrpSpPr/>
-        <p:nvPr/>
-      </p:nvGrpSpPr>
-      <p:grpSpPr>
-        <a:xfrm>
-          <a:off x="0" y="0"/>
-          <a:ext cx="0" cy="0"/>
-          <a:chOff x="0" y="0"/>
-          <a:chExt cx="0" cy="0"/>
-        </a:xfrm>
-      </p:grpSpPr>
-      <mc:AlternateContent xmlns:mc="http://schemas.openxmlformats.org/markup-compatibility/2006" xmlns:a14="http://schemas.microsoft.com/office/drawing/2010/main">
-        <mc:Choice Requires="a14">
-          <p:sp>
-            <p:nvSpPr>
-              <p:cNvPr id="4" name="Rectangle 3"/>
-              <p:cNvSpPr/>
-              <p:nvPr/>
-            </p:nvSpPr>
-            <p:spPr>
-              <a:xfrm>
-                <a:off x="4269144" y="1917104"/>
-                <a:ext cx="2633863" cy="710194"/>
-              </a:xfrm>
-              <a:prstGeom prst="rect">
-                <a:avLst/>
-              </a:prstGeom>
-            </p:spPr>
-            <p:txBody>
-              <a:bodyPr wrap="none">
-                <a:spAutoFit/>
-              </a:bodyPr>
-              <a:lstStyle/>
-              <a:p>
-                <a:pPr/>
-                <a14:m>
-                  <m:oMathPara xmlns:m="http://schemas.openxmlformats.org/officeDocument/2006/math">
-                    <m:oMathParaPr>
-                      <m:jc m:val="centerGroup"/>
-                    </m:oMathParaPr>
-                    <m:oMath xmlns:m="http://schemas.openxmlformats.org/officeDocument/2006/math">
-                      <m:r>
-                        <a:rPr lang="en-GB" b="1" i="1" smtClean="0">
-                          <a:latin typeface="Cambria Math" panose="02040503050406030204" pitchFamily="18" charset="0"/>
-                        </a:rPr>
-                        <m:t>𝝓</m:t>
-                      </m:r>
-                      <m:r>
-                        <a:rPr lang="en-GB" b="1" i="1" smtClean="0">
-                          <a:latin typeface="Cambria Math" panose="02040503050406030204" pitchFamily="18" charset="0"/>
-                        </a:rPr>
-                        <m:t>(</m:t>
-                      </m:r>
-                      <m:r>
-                        <a:rPr lang="en-GB" b="1" i="1" smtClean="0">
-                          <a:latin typeface="Cambria Math" panose="02040503050406030204" pitchFamily="18" charset="0"/>
-                        </a:rPr>
-                        <m:t>𝒙</m:t>
-                      </m:r>
-                      <m:r>
-                        <a:rPr lang="en-GB" b="1" i="1" smtClean="0">
-                          <a:latin typeface="Cambria Math" panose="02040503050406030204" pitchFamily="18" charset="0"/>
-                        </a:rPr>
-                        <m:t>)</m:t>
-                      </m:r>
-                      <m:r>
-                        <a:rPr lang="en-GB" b="0" i="1">
-                          <a:latin typeface="Cambria Math" panose="02040503050406030204" pitchFamily="18" charset="0"/>
-                        </a:rPr>
-                        <m:t>=</m:t>
-                      </m:r>
-                      <m:d>
-                        <m:dPr>
-                          <m:begChr m:val="{"/>
-                          <m:endChr m:val=""/>
-                          <m:ctrlPr>
-                            <a:rPr lang="en-GB" b="0" i="1" smtClean="0">
-                              <a:latin typeface="Cambria Math" panose="02040503050406030204" pitchFamily="18" charset="0"/>
-                            </a:rPr>
-                          </m:ctrlPr>
-                        </m:dPr>
-                        <m:e>
-                          <m:m>
-                            <m:mPr>
-                              <m:mcs>
-                                <m:mc>
-                                  <m:mcPr>
-                                    <m:count m:val="2"/>
-                                    <m:mcJc m:val="center"/>
-                                  </m:mcPr>
-                                </m:mc>
-                              </m:mcs>
-                              <m:ctrlPr>
-                                <a:rPr lang="en-GB" b="0" i="1" smtClean="0">
-                                  <a:latin typeface="Cambria Math" panose="02040503050406030204" pitchFamily="18" charset="0"/>
-                                </a:rPr>
-                              </m:ctrlPr>
-                            </m:mPr>
-                            <m:mr>
-                              <m:e>
-                                <m:r>
-                                  <m:rPr>
-                                    <m:brk m:alnAt="7"/>
-                                  </m:rPr>
-                                  <a:rPr lang="en-GB" b="0" i="1" smtClean="0">
-                                    <a:latin typeface="Cambria Math" panose="02040503050406030204" pitchFamily="18" charset="0"/>
-                                  </a:rPr>
-                                  <m:t>1</m:t>
-                                </m:r>
-                              </m:e>
-                              <m:e>
-                                <m:r>
-                                  <a:rPr lang="en-GB" b="0" i="1" smtClean="0">
-                                    <a:latin typeface="Cambria Math" panose="02040503050406030204" pitchFamily="18" charset="0"/>
-                                  </a:rPr>
-                                  <m:t>0≤</m:t>
-                                </m:r>
-                                <m:r>
-                                  <a:rPr lang="en-GB" b="0" i="1" smtClean="0">
-                                    <a:latin typeface="Cambria Math" panose="02040503050406030204" pitchFamily="18" charset="0"/>
-                                  </a:rPr>
-                                  <m:t>𝑥</m:t>
-                                </m:r>
-                                <m:r>
-                                  <a:rPr lang="en-GB" b="0" i="1" smtClean="0">
-                                    <a:latin typeface="Cambria Math" panose="02040503050406030204" pitchFamily="18" charset="0"/>
-                                  </a:rPr>
-                                  <m:t>≤1</m:t>
-                                </m:r>
-                              </m:e>
-                            </m:mr>
-                            <m:mr>
-                              <m:e>
-                                <m:r>
-                                  <a:rPr lang="en-GB" b="0" i="1" smtClean="0">
-                                    <a:latin typeface="Cambria Math" panose="02040503050406030204" pitchFamily="18" charset="0"/>
-                                  </a:rPr>
-                                  <m:t>0</m:t>
-                                </m:r>
-                              </m:e>
-                              <m:e>
-                                <m:r>
-                                  <a:rPr lang="en-GB" b="0" i="1" smtClean="0">
-                                    <a:latin typeface="Cambria Math" panose="02040503050406030204" pitchFamily="18" charset="0"/>
-                                  </a:rPr>
-                                  <m:t>𝑜𝑡h𝑒𝑟𝑤𝑖𝑠𝑒</m:t>
-                                </m:r>
-                              </m:e>
-                            </m:mr>
-                          </m:m>
-                        </m:e>
-                      </m:d>
-                    </m:oMath>
-                  </m:oMathPara>
-                </a14:m>
-                <a:endParaRPr lang="en-GB" dirty="0"/>
-              </a:p>
-            </p:txBody>
-          </p:sp>
-        </mc:Choice>
-        <mc:Fallback xmlns="">
-          <p:sp>
-            <p:nvSpPr>
-              <p:cNvPr id="4" name="Rectangle 3"/>
-              <p:cNvSpPr>
-                <a:spLocks noRot="1" noChangeAspect="1" noMove="1" noResize="1" noEditPoints="1" noAdjustHandles="1" noChangeArrowheads="1" noChangeShapeType="1" noTextEdit="1"/>
-              </p:cNvSpPr>
-              <p:nvPr/>
-            </p:nvSpPr>
-            <p:spPr>
-              <a:xfrm>
-                <a:off x="4269144" y="1917104"/>
-                <a:ext cx="2633863" cy="710194"/>
-              </a:xfrm>
-              <a:prstGeom prst="rect">
-                <a:avLst/>
-              </a:prstGeom>
-              <a:blipFill>
-                <a:blip r:embed="rId2"/>
-                <a:stretch>
-                  <a:fillRect/>
-                </a:stretch>
-              </a:blipFill>
-            </p:spPr>
-            <p:txBody>
-              <a:bodyPr/>
-              <a:lstStyle/>
-              <a:p>
-                <a:r>
-                  <a:rPr lang="en-GB">
-                    <a:noFill/>
-                  </a:rPr>
-                  <a:t> </a:t>
-                </a:r>
-              </a:p>
-            </p:txBody>
-          </p:sp>
-        </mc:Fallback>
-      </mc:AlternateContent>
-      <mc:AlternateContent xmlns:mc="http://schemas.openxmlformats.org/markup-compatibility/2006" xmlns:a14="http://schemas.microsoft.com/office/drawing/2010/main">
-        <mc:Choice Requires="a14">
-          <p:sp>
-            <p:nvSpPr>
-              <p:cNvPr id="31" name="Rectangle 30"/>
-              <p:cNvSpPr/>
-              <p:nvPr/>
-            </p:nvSpPr>
-            <p:spPr>
-              <a:xfrm>
-                <a:off x="4269143" y="3504835"/>
-                <a:ext cx="2769861" cy="1477840"/>
-              </a:xfrm>
-              <a:prstGeom prst="rect">
-                <a:avLst/>
-              </a:prstGeom>
-            </p:spPr>
-            <p:txBody>
-              <a:bodyPr wrap="none">
-                <a:spAutoFit/>
-              </a:bodyPr>
-              <a:lstStyle/>
-              <a:p>
-                <a:pPr/>
-                <a14:m>
-                  <m:oMathPara xmlns:m="http://schemas.openxmlformats.org/officeDocument/2006/math">
-                    <m:oMathParaPr>
-                      <m:jc m:val="centerGroup"/>
-                    </m:oMathParaPr>
-                    <m:oMath xmlns:m="http://schemas.openxmlformats.org/officeDocument/2006/math">
-                      <m:r>
-                        <a:rPr lang="en-GB" b="1" i="1" smtClean="0">
-                          <a:latin typeface="Cambria Math" panose="02040503050406030204" pitchFamily="18" charset="0"/>
-                        </a:rPr>
-                        <m:t>𝝍</m:t>
-                      </m:r>
-                      <m:r>
-                        <a:rPr lang="en-GB" b="1" i="1" smtClean="0">
-                          <a:latin typeface="Cambria Math" panose="02040503050406030204" pitchFamily="18" charset="0"/>
-                        </a:rPr>
-                        <m:t>(</m:t>
-                      </m:r>
-                      <m:r>
-                        <a:rPr lang="en-GB" b="1" i="1" smtClean="0">
-                          <a:latin typeface="Cambria Math" panose="02040503050406030204" pitchFamily="18" charset="0"/>
-                        </a:rPr>
-                        <m:t>𝒙</m:t>
-                      </m:r>
-                      <m:r>
-                        <a:rPr lang="en-GB" b="1" i="1" smtClean="0">
-                          <a:latin typeface="Cambria Math" panose="02040503050406030204" pitchFamily="18" charset="0"/>
-                        </a:rPr>
-                        <m:t>)</m:t>
-                      </m:r>
-                      <m:r>
-                        <a:rPr lang="en-GB" b="0" i="1">
-                          <a:latin typeface="Cambria Math" panose="02040503050406030204" pitchFamily="18" charset="0"/>
-                        </a:rPr>
-                        <m:t>=</m:t>
-                      </m:r>
-                      <m:d>
-                        <m:dPr>
-                          <m:begChr m:val="{"/>
-                          <m:endChr m:val=""/>
-                          <m:ctrlPr>
-                            <a:rPr lang="en-GB" b="0" i="1" smtClean="0">
-                              <a:latin typeface="Cambria Math" panose="02040503050406030204" pitchFamily="18" charset="0"/>
-                            </a:rPr>
-                          </m:ctrlPr>
-                        </m:dPr>
-                        <m:e>
-                          <m:m>
-                            <m:mPr>
-                              <m:mcs>
-                                <m:mc>
-                                  <m:mcPr>
-                                    <m:count m:val="2"/>
-                                    <m:mcJc m:val="center"/>
-                                  </m:mcPr>
-                                </m:mc>
-                              </m:mcs>
-                              <m:ctrlPr>
-                                <a:rPr lang="en-GB" b="0" i="1" smtClean="0">
-                                  <a:latin typeface="Cambria Math" panose="02040503050406030204" pitchFamily="18" charset="0"/>
-                                </a:rPr>
-                              </m:ctrlPr>
-                            </m:mPr>
-                            <m:mr>
-                              <m:e>
-                                <m:r>
-                                  <m:rPr>
-                                    <m:brk m:alnAt="7"/>
-                                  </m:rPr>
-                                  <a:rPr lang="en-GB" b="0" i="1" smtClean="0">
-                                    <a:latin typeface="Cambria Math" panose="02040503050406030204" pitchFamily="18" charset="0"/>
-                                  </a:rPr>
-                                  <m:t>1</m:t>
-                                </m:r>
-                              </m:e>
-                              <m:e>
-                                <m:r>
-                                  <a:rPr lang="en-GB" b="0" i="1" smtClean="0">
-                                    <a:latin typeface="Cambria Math" panose="02040503050406030204" pitchFamily="18" charset="0"/>
-                                  </a:rPr>
-                                  <m:t>0≤</m:t>
-                                </m:r>
-                                <m:r>
-                                  <a:rPr lang="en-GB" b="0" i="1" smtClean="0">
-                                    <a:latin typeface="Cambria Math" panose="02040503050406030204" pitchFamily="18" charset="0"/>
-                                  </a:rPr>
-                                  <m:t>𝑥</m:t>
-                                </m:r>
-                                <m:r>
-                                  <a:rPr lang="en-GB" b="0" i="1" smtClean="0">
-                                    <a:latin typeface="Cambria Math" panose="02040503050406030204" pitchFamily="18" charset="0"/>
-                                  </a:rPr>
-                                  <m:t>&lt;</m:t>
-                                </m:r>
-                                <m:f>
-                                  <m:fPr>
-                                    <m:ctrlPr>
-                                      <a:rPr lang="en-GB" b="0" i="1" smtClean="0">
-                                        <a:latin typeface="Cambria Math" panose="02040503050406030204" pitchFamily="18" charset="0"/>
-                                      </a:rPr>
-                                    </m:ctrlPr>
-                                  </m:fPr>
-                                  <m:num>
-                                    <m:r>
-                                      <a:rPr lang="en-GB" b="0" i="1" smtClean="0">
-                                        <a:latin typeface="Cambria Math" panose="02040503050406030204" pitchFamily="18" charset="0"/>
-                                      </a:rPr>
-                                      <m:t>1</m:t>
-                                    </m:r>
-                                  </m:num>
-                                  <m:den>
-                                    <m:r>
-                                      <a:rPr lang="en-GB" b="0" i="1" smtClean="0">
-                                        <a:latin typeface="Cambria Math" panose="02040503050406030204" pitchFamily="18" charset="0"/>
-                                      </a:rPr>
-                                      <m:t>2</m:t>
-                                    </m:r>
-                                  </m:den>
-                                </m:f>
-                              </m:e>
-                            </m:mr>
-                            <m:mr>
-                              <m:e>
-                                <m:r>
-                                  <a:rPr lang="en-GB" b="0" i="1" smtClean="0">
-                                    <a:latin typeface="Cambria Math" panose="02040503050406030204" pitchFamily="18" charset="0"/>
-                                  </a:rPr>
-                                  <m:t>−1</m:t>
-                                </m:r>
-                              </m:e>
-                              <m:e>
-                                <m:f>
-                                  <m:fPr>
-                                    <m:ctrlPr>
-                                      <a:rPr lang="en-GB" b="0" i="1" smtClean="0">
-                                        <a:latin typeface="Cambria Math" panose="02040503050406030204" pitchFamily="18" charset="0"/>
-                                      </a:rPr>
-                                    </m:ctrlPr>
-                                  </m:fPr>
-                                  <m:num>
-                                    <m:r>
-                                      <a:rPr lang="en-GB" b="0" i="1" smtClean="0">
-                                        <a:latin typeface="Cambria Math" panose="02040503050406030204" pitchFamily="18" charset="0"/>
-                                      </a:rPr>
-                                      <m:t>1</m:t>
-                                    </m:r>
-                                  </m:num>
-                                  <m:den>
-                                    <m:r>
-                                      <a:rPr lang="en-GB" b="0" i="1" smtClean="0">
-                                        <a:latin typeface="Cambria Math" panose="02040503050406030204" pitchFamily="18" charset="0"/>
-                                      </a:rPr>
-                                      <m:t>2</m:t>
-                                    </m:r>
-                                  </m:den>
-                                </m:f>
-                                <m:r>
-                                  <a:rPr lang="en-GB" b="0" i="1" smtClean="0">
-                                    <a:latin typeface="Cambria Math" panose="02040503050406030204" pitchFamily="18" charset="0"/>
-                                  </a:rPr>
-                                  <m:t>≤</m:t>
-                                </m:r>
-                                <m:r>
-                                  <a:rPr lang="en-GB" b="0" i="1" smtClean="0">
-                                    <a:latin typeface="Cambria Math" panose="02040503050406030204" pitchFamily="18" charset="0"/>
-                                  </a:rPr>
-                                  <m:t>𝑥</m:t>
-                                </m:r>
-                                <m:r>
-                                  <a:rPr lang="en-GB" b="0" i="1" smtClean="0">
-                                    <a:latin typeface="Cambria Math" panose="02040503050406030204" pitchFamily="18" charset="0"/>
-                                  </a:rPr>
-                                  <m:t>&lt;1</m:t>
-                                </m:r>
-                              </m:e>
-                            </m:mr>
-                            <m:mr>
-                              <m:e>
-                                <m:r>
-                                  <a:rPr lang="en-GB" b="0" i="1" smtClean="0">
-                                    <a:latin typeface="Cambria Math" panose="02040503050406030204" pitchFamily="18" charset="0"/>
-                                  </a:rPr>
-                                  <m:t>0</m:t>
-                                </m:r>
-                              </m:e>
-                              <m:e>
-                                <m:r>
-                                  <a:rPr lang="en-GB" b="0" i="1" smtClean="0">
-                                    <a:latin typeface="Cambria Math" panose="02040503050406030204" pitchFamily="18" charset="0"/>
-                                  </a:rPr>
-                                  <m:t>𝑜𝑡h𝑒𝑟𝑤𝑖𝑠𝑒</m:t>
-                                </m:r>
-                              </m:e>
-                            </m:mr>
-                          </m:m>
-                        </m:e>
-                      </m:d>
-                    </m:oMath>
-                  </m:oMathPara>
-                </a14:m>
-                <a:endParaRPr lang="en-GB" dirty="0"/>
-              </a:p>
-            </p:txBody>
-          </p:sp>
-        </mc:Choice>
-        <mc:Fallback xmlns="">
-          <p:sp>
-            <p:nvSpPr>
-              <p:cNvPr id="31" name="Rectangle 30"/>
-              <p:cNvSpPr>
-                <a:spLocks noRot="1" noChangeAspect="1" noMove="1" noResize="1" noEditPoints="1" noAdjustHandles="1" noChangeArrowheads="1" noChangeShapeType="1" noTextEdit="1"/>
-              </p:cNvSpPr>
-              <p:nvPr/>
-            </p:nvSpPr>
-            <p:spPr>
-              <a:xfrm>
-                <a:off x="4269143" y="3504835"/>
-                <a:ext cx="2769861" cy="1477840"/>
-              </a:xfrm>
-              <a:prstGeom prst="rect">
-                <a:avLst/>
-              </a:prstGeom>
-              <a:blipFill>
-                <a:blip r:embed="rId3"/>
-                <a:stretch>
-                  <a:fillRect/>
-                </a:stretch>
-              </a:blipFill>
-            </p:spPr>
-            <p:txBody>
-              <a:bodyPr/>
-              <a:lstStyle/>
-              <a:p>
-                <a:r>
-                  <a:rPr lang="en-GB">
-                    <a:noFill/>
-                  </a:rPr>
-                  <a:t> </a:t>
-                </a:r>
-              </a:p>
-            </p:txBody>
-          </p:sp>
-        </mc:Fallback>
-      </mc:AlternateContent>
-      <p:cxnSp>
-        <p:nvCxnSpPr>
-          <p:cNvPr id="3" name="Straight Arrow Connector 2"/>
-          <p:cNvCxnSpPr/>
-          <p:nvPr/>
-        </p:nvCxnSpPr>
-        <p:spPr>
-          <a:xfrm>
-            <a:off x="7617229" y="2552482"/>
-            <a:ext cx="1388226" cy="0"/>
-          </a:xfrm>
-          <a:prstGeom prst="straightConnector1">
-            <a:avLst/>
-          </a:prstGeom>
-          <a:ln w="19050">
-            <a:solidFill>
-              <a:schemeClr val="tx1"/>
-            </a:solidFill>
-            <a:tailEnd type="triangle"/>
-          </a:ln>
-        </p:spPr>
-        <p:style>
-          <a:lnRef idx="1">
-            <a:schemeClr val="accent1"/>
-          </a:lnRef>
-          <a:fillRef idx="0">
-            <a:schemeClr val="accent1"/>
-          </a:fillRef>
-          <a:effectRef idx="0">
-            <a:schemeClr val="accent1"/>
-          </a:effectRef>
-          <a:fontRef idx="minor">
-            <a:schemeClr val="tx1"/>
-          </a:fontRef>
-        </p:style>
-      </p:cxnSp>
-      <p:cxnSp>
-        <p:nvCxnSpPr>
-          <p:cNvPr id="39" name="Straight Arrow Connector 38"/>
-          <p:cNvCxnSpPr/>
-          <p:nvPr/>
-        </p:nvCxnSpPr>
-        <p:spPr>
-          <a:xfrm flipH="1" flipV="1">
-            <a:off x="7772400" y="1593510"/>
-            <a:ext cx="5542" cy="1153174"/>
-          </a:xfrm>
-          <a:prstGeom prst="straightConnector1">
-            <a:avLst/>
-          </a:prstGeom>
-          <a:ln w="19050">
-            <a:solidFill>
-              <a:schemeClr val="tx1"/>
-            </a:solidFill>
-            <a:tailEnd type="triangle"/>
-          </a:ln>
-        </p:spPr>
-        <p:style>
-          <a:lnRef idx="1">
-            <a:schemeClr val="accent1"/>
-          </a:lnRef>
-          <a:fillRef idx="0">
-            <a:schemeClr val="accent1"/>
-          </a:fillRef>
-          <a:effectRef idx="0">
-            <a:schemeClr val="accent1"/>
-          </a:effectRef>
-          <a:fontRef idx="minor">
-            <a:schemeClr val="tx1"/>
-          </a:fontRef>
-        </p:style>
-      </p:cxnSp>
-      <p:sp>
-        <p:nvSpPr>
-          <p:cNvPr id="19" name="Rectangle 18"/>
-          <p:cNvSpPr/>
-          <p:nvPr/>
-        </p:nvSpPr>
-        <p:spPr>
-          <a:xfrm>
-            <a:off x="7780713" y="1832577"/>
-            <a:ext cx="806335" cy="720381"/>
-          </a:xfrm>
-          <a:prstGeom prst="rect">
-            <a:avLst/>
-          </a:prstGeom>
-          <a:ln/>
-        </p:spPr>
-        <p:style>
-          <a:lnRef idx="2">
-            <a:schemeClr val="dk1"/>
-          </a:lnRef>
-          <a:fillRef idx="1">
-            <a:schemeClr val="lt1"/>
-          </a:fillRef>
-          <a:effectRef idx="0">
-            <a:schemeClr val="dk1"/>
-          </a:effectRef>
-          <a:fontRef idx="minor">
-            <a:schemeClr val="dk1"/>
-          </a:fontRef>
-        </p:style>
-        <p:txBody>
-          <a:bodyPr rtlCol="0" anchor="ctr"/>
-          <a:lstStyle/>
-          <a:p>
-            <a:pPr algn="ctr"/>
-            <a:endParaRPr lang="en-GB"/>
-          </a:p>
-        </p:txBody>
-      </p:sp>
-      <mc:AlternateContent xmlns:mc="http://schemas.openxmlformats.org/markup-compatibility/2006" xmlns:a14="http://schemas.microsoft.com/office/drawing/2010/main">
-        <mc:Choice Requires="a14">
-          <p:sp>
-            <p:nvSpPr>
-              <p:cNvPr id="21" name="Rectangle 20"/>
-              <p:cNvSpPr/>
-              <p:nvPr/>
-            </p:nvSpPr>
-            <p:spPr>
-              <a:xfrm>
-                <a:off x="7406594" y="1656224"/>
-                <a:ext cx="365806" cy="369332"/>
-              </a:xfrm>
-              <a:prstGeom prst="rect">
-                <a:avLst/>
-              </a:prstGeom>
-            </p:spPr>
-            <p:txBody>
-              <a:bodyPr wrap="none">
-                <a:spAutoFit/>
-              </a:bodyPr>
-              <a:lstStyle/>
-              <a:p>
-                <a:pPr/>
-                <a14:m>
-                  <m:oMathPara xmlns:m="http://schemas.openxmlformats.org/officeDocument/2006/math">
-                    <m:oMathParaPr>
-                      <m:jc m:val="centerGroup"/>
-                    </m:oMathParaPr>
-                    <m:oMath xmlns:m="http://schemas.openxmlformats.org/officeDocument/2006/math">
-                      <m:r>
-                        <m:rPr>
-                          <m:brk m:alnAt="7"/>
-                        </m:rPr>
-                        <a:rPr lang="en-GB" i="1">
-                          <a:latin typeface="Cambria Math" panose="02040503050406030204" pitchFamily="18" charset="0"/>
-                        </a:rPr>
-                        <m:t>1</m:t>
-                      </m:r>
-                    </m:oMath>
-                  </m:oMathPara>
-                </a14:m>
-                <a:endParaRPr lang="en-GB" dirty="0"/>
-              </a:p>
-            </p:txBody>
-          </p:sp>
-        </mc:Choice>
-        <mc:Fallback xmlns="">
-          <p:sp>
-            <p:nvSpPr>
-              <p:cNvPr id="21" name="Rectangle 20"/>
-              <p:cNvSpPr>
-                <a:spLocks noRot="1" noChangeAspect="1" noMove="1" noResize="1" noEditPoints="1" noAdjustHandles="1" noChangeArrowheads="1" noChangeShapeType="1" noTextEdit="1"/>
-              </p:cNvSpPr>
-              <p:nvPr/>
-            </p:nvSpPr>
-            <p:spPr>
-              <a:xfrm>
-                <a:off x="7406594" y="1656224"/>
-                <a:ext cx="365806" cy="369332"/>
-              </a:xfrm>
-              <a:prstGeom prst="rect">
-                <a:avLst/>
-              </a:prstGeom>
-              <a:blipFill>
-                <a:blip r:embed="rId4"/>
-                <a:stretch>
-                  <a:fillRect/>
-                </a:stretch>
-              </a:blipFill>
-            </p:spPr>
-            <p:txBody>
-              <a:bodyPr/>
-              <a:lstStyle/>
-              <a:p>
-                <a:r>
-                  <a:rPr lang="en-GB">
-                    <a:noFill/>
-                  </a:rPr>
-                  <a:t> </a:t>
-                </a:r>
-              </a:p>
-            </p:txBody>
-          </p:sp>
-        </mc:Fallback>
-      </mc:AlternateContent>
-      <mc:AlternateContent xmlns:mc="http://schemas.openxmlformats.org/markup-compatibility/2006" xmlns:a14="http://schemas.microsoft.com/office/drawing/2010/main">
-        <mc:Choice Requires="a14">
-          <p:sp>
-            <p:nvSpPr>
-              <p:cNvPr id="43" name="Rectangle 42"/>
-              <p:cNvSpPr/>
-              <p:nvPr/>
-            </p:nvSpPr>
-            <p:spPr>
-              <a:xfrm>
-                <a:off x="8426289" y="2534666"/>
-                <a:ext cx="365806" cy="369332"/>
-              </a:xfrm>
-              <a:prstGeom prst="rect">
-                <a:avLst/>
-              </a:prstGeom>
-            </p:spPr>
-            <p:txBody>
-              <a:bodyPr wrap="none">
-                <a:spAutoFit/>
-              </a:bodyPr>
-              <a:lstStyle/>
-              <a:p>
-                <a:pPr/>
-                <a14:m>
-                  <m:oMathPara xmlns:m="http://schemas.openxmlformats.org/officeDocument/2006/math">
-                    <m:oMathParaPr>
-                      <m:jc m:val="centerGroup"/>
-                    </m:oMathParaPr>
-                    <m:oMath xmlns:m="http://schemas.openxmlformats.org/officeDocument/2006/math">
-                      <m:r>
-                        <m:rPr>
-                          <m:brk m:alnAt="7"/>
-                        </m:rPr>
-                        <a:rPr lang="en-GB" i="1">
-                          <a:latin typeface="Cambria Math" panose="02040503050406030204" pitchFamily="18" charset="0"/>
-                        </a:rPr>
-                        <m:t>1</m:t>
-                      </m:r>
-                    </m:oMath>
-                  </m:oMathPara>
-                </a14:m>
-                <a:endParaRPr lang="en-GB" dirty="0"/>
-              </a:p>
-            </p:txBody>
-          </p:sp>
-        </mc:Choice>
-        <mc:Fallback xmlns="">
-          <p:sp>
-            <p:nvSpPr>
-              <p:cNvPr id="43" name="Rectangle 42"/>
-              <p:cNvSpPr>
-                <a:spLocks noRot="1" noChangeAspect="1" noMove="1" noResize="1" noEditPoints="1" noAdjustHandles="1" noChangeArrowheads="1" noChangeShapeType="1" noTextEdit="1"/>
-              </p:cNvSpPr>
-              <p:nvPr/>
-            </p:nvSpPr>
-            <p:spPr>
-              <a:xfrm>
-                <a:off x="8426289" y="2534666"/>
-                <a:ext cx="365806" cy="369332"/>
-              </a:xfrm>
-              <a:prstGeom prst="rect">
-                <a:avLst/>
-              </a:prstGeom>
-              <a:blipFill>
-                <a:blip r:embed="rId5"/>
-                <a:stretch>
-                  <a:fillRect/>
-                </a:stretch>
-              </a:blipFill>
-            </p:spPr>
-            <p:txBody>
-              <a:bodyPr/>
-              <a:lstStyle/>
-              <a:p>
-                <a:r>
-                  <a:rPr lang="en-GB">
-                    <a:noFill/>
-                  </a:rPr>
-                  <a:t> </a:t>
-                </a:r>
-              </a:p>
-            </p:txBody>
-          </p:sp>
-        </mc:Fallback>
-      </mc:AlternateContent>
-      <mc:AlternateContent xmlns:mc="http://schemas.openxmlformats.org/markup-compatibility/2006" xmlns:a14="http://schemas.microsoft.com/office/drawing/2010/main">
-        <mc:Choice Requires="a14">
-          <p:sp>
-            <p:nvSpPr>
-              <p:cNvPr id="22" name="Rectangle 21"/>
-              <p:cNvSpPr/>
-              <p:nvPr/>
-            </p:nvSpPr>
-            <p:spPr>
-              <a:xfrm>
-                <a:off x="7686984" y="1192143"/>
-                <a:ext cx="739305" cy="369332"/>
-              </a:xfrm>
-              <a:prstGeom prst="rect">
-                <a:avLst/>
-              </a:prstGeom>
-            </p:spPr>
-            <p:txBody>
-              <a:bodyPr wrap="none">
-                <a:spAutoFit/>
-              </a:bodyPr>
-              <a:lstStyle/>
-              <a:p>
-                <a:pPr/>
-                <a14:m>
-                  <m:oMathPara xmlns:m="http://schemas.openxmlformats.org/officeDocument/2006/math">
-                    <m:oMathParaPr>
-                      <m:jc m:val="centerGroup"/>
-                    </m:oMathParaPr>
-                    <m:oMath xmlns:m="http://schemas.openxmlformats.org/officeDocument/2006/math">
-                      <m:r>
-                        <a:rPr lang="en-GB" b="1" i="1">
-                          <a:latin typeface="Cambria Math" panose="02040503050406030204" pitchFamily="18" charset="0"/>
-                        </a:rPr>
-                        <m:t>𝝓</m:t>
-                      </m:r>
-                      <m:r>
-                        <a:rPr lang="en-GB" b="1" i="1">
-                          <a:latin typeface="Cambria Math" panose="02040503050406030204" pitchFamily="18" charset="0"/>
-                        </a:rPr>
-                        <m:t>(</m:t>
-                      </m:r>
-                      <m:r>
-                        <a:rPr lang="en-GB" b="1" i="1">
-                          <a:latin typeface="Cambria Math" panose="02040503050406030204" pitchFamily="18" charset="0"/>
-                        </a:rPr>
-                        <m:t>𝒙</m:t>
-                      </m:r>
-                      <m:r>
-                        <a:rPr lang="en-GB" b="1" i="1">
-                          <a:latin typeface="Cambria Math" panose="02040503050406030204" pitchFamily="18" charset="0"/>
-                        </a:rPr>
-                        <m:t>)</m:t>
-                      </m:r>
-                    </m:oMath>
-                  </m:oMathPara>
-                </a14:m>
-                <a:endParaRPr lang="en-GB" dirty="0"/>
-              </a:p>
-            </p:txBody>
-          </p:sp>
-        </mc:Choice>
-        <mc:Fallback xmlns="">
-          <p:sp>
-            <p:nvSpPr>
-              <p:cNvPr id="22" name="Rectangle 21"/>
-              <p:cNvSpPr>
-                <a:spLocks noRot="1" noChangeAspect="1" noMove="1" noResize="1" noEditPoints="1" noAdjustHandles="1" noChangeArrowheads="1" noChangeShapeType="1" noTextEdit="1"/>
-              </p:cNvSpPr>
-              <p:nvPr/>
-            </p:nvSpPr>
-            <p:spPr>
-              <a:xfrm>
-                <a:off x="7686984" y="1192143"/>
-                <a:ext cx="739305" cy="369332"/>
-              </a:xfrm>
-              <a:prstGeom prst="rect">
-                <a:avLst/>
-              </a:prstGeom>
-              <a:blipFill>
-                <a:blip r:embed="rId6"/>
-                <a:stretch>
-                  <a:fillRect b="-13333"/>
-                </a:stretch>
-              </a:blipFill>
-            </p:spPr>
-            <p:txBody>
-              <a:bodyPr/>
-              <a:lstStyle/>
-              <a:p>
-                <a:r>
-                  <a:rPr lang="en-GB">
-                    <a:noFill/>
-                  </a:rPr>
-                  <a:t> </a:t>
-                </a:r>
-              </a:p>
-            </p:txBody>
-          </p:sp>
-        </mc:Fallback>
-      </mc:AlternateContent>
-      <p:cxnSp>
-        <p:nvCxnSpPr>
-          <p:cNvPr id="36" name="Straight Arrow Connector 35"/>
-          <p:cNvCxnSpPr/>
-          <p:nvPr/>
-        </p:nvCxnSpPr>
-        <p:spPr>
-          <a:xfrm>
-            <a:off x="7617229" y="4699938"/>
-            <a:ext cx="1388226" cy="0"/>
-          </a:xfrm>
-          <a:prstGeom prst="straightConnector1">
-            <a:avLst/>
-          </a:prstGeom>
-          <a:ln>
-            <a:tailEnd type="triangle"/>
-          </a:ln>
-        </p:spPr>
-        <p:style>
-          <a:lnRef idx="2">
-            <a:schemeClr val="dk1"/>
-          </a:lnRef>
-          <a:fillRef idx="1">
-            <a:schemeClr val="lt1"/>
-          </a:fillRef>
-          <a:effectRef idx="0">
-            <a:schemeClr val="dk1"/>
-          </a:effectRef>
-          <a:fontRef idx="minor">
-            <a:schemeClr val="dk1"/>
-          </a:fontRef>
-        </p:style>
-      </p:cxnSp>
-      <p:cxnSp>
-        <p:nvCxnSpPr>
-          <p:cNvPr id="38" name="Straight Arrow Connector 37"/>
-          <p:cNvCxnSpPr/>
-          <p:nvPr/>
-        </p:nvCxnSpPr>
-        <p:spPr>
-          <a:xfrm flipV="1">
-            <a:off x="7772400" y="3757352"/>
-            <a:ext cx="0" cy="1762299"/>
-          </a:xfrm>
-          <a:prstGeom prst="straightConnector1">
-            <a:avLst/>
-          </a:prstGeom>
-          <a:ln>
-            <a:tailEnd type="triangle"/>
-          </a:ln>
-        </p:spPr>
-        <p:style>
-          <a:lnRef idx="2">
-            <a:schemeClr val="dk1"/>
-          </a:lnRef>
-          <a:fillRef idx="1">
-            <a:schemeClr val="lt1"/>
-          </a:fillRef>
-          <a:effectRef idx="0">
-            <a:schemeClr val="dk1"/>
-          </a:effectRef>
-          <a:fontRef idx="minor">
-            <a:schemeClr val="dk1"/>
-          </a:fontRef>
-        </p:style>
-      </p:cxnSp>
-      <p:sp>
-        <p:nvSpPr>
-          <p:cNvPr id="40" name="Rectangle 39"/>
-          <p:cNvSpPr/>
-          <p:nvPr/>
-        </p:nvSpPr>
-        <p:spPr>
-          <a:xfrm>
-            <a:off x="7772400" y="3976932"/>
-            <a:ext cx="374073" cy="720381"/>
-          </a:xfrm>
-          <a:prstGeom prst="rect">
-            <a:avLst/>
-          </a:prstGeom>
-          <a:ln/>
-        </p:spPr>
-        <p:style>
-          <a:lnRef idx="2">
-            <a:schemeClr val="dk1"/>
-          </a:lnRef>
-          <a:fillRef idx="1">
-            <a:schemeClr val="lt1"/>
-          </a:fillRef>
-          <a:effectRef idx="0">
-            <a:schemeClr val="dk1"/>
-          </a:effectRef>
-          <a:fontRef idx="minor">
-            <a:schemeClr val="dk1"/>
-          </a:fontRef>
-        </p:style>
-        <p:txBody>
-          <a:bodyPr rtlCol="0" anchor="ctr"/>
-          <a:lstStyle/>
-          <a:p>
-            <a:pPr algn="ctr"/>
-            <a:endParaRPr lang="en-GB"/>
-          </a:p>
-        </p:txBody>
-      </p:sp>
-      <p:sp>
-        <p:nvSpPr>
-          <p:cNvPr id="42" name="Rectangle 41"/>
-          <p:cNvSpPr/>
-          <p:nvPr/>
-        </p:nvSpPr>
-        <p:spPr>
-          <a:xfrm>
-            <a:off x="8149244" y="4699938"/>
-            <a:ext cx="374968" cy="720381"/>
-          </a:xfrm>
-          <a:prstGeom prst="rect">
-            <a:avLst/>
-          </a:prstGeom>
-          <a:ln/>
-        </p:spPr>
-        <p:style>
-          <a:lnRef idx="2">
-            <a:schemeClr val="dk1"/>
-          </a:lnRef>
-          <a:fillRef idx="1">
-            <a:schemeClr val="lt1"/>
-          </a:fillRef>
-          <a:effectRef idx="0">
-            <a:schemeClr val="dk1"/>
-          </a:effectRef>
-          <a:fontRef idx="minor">
-            <a:schemeClr val="dk1"/>
-          </a:fontRef>
-        </p:style>
-        <p:txBody>
-          <a:bodyPr rtlCol="0" anchor="ctr"/>
-          <a:lstStyle/>
-          <a:p>
-            <a:pPr algn="ctr"/>
-            <a:endParaRPr lang="en-GB"/>
-          </a:p>
-        </p:txBody>
-      </p:sp>
-      <mc:AlternateContent xmlns:mc="http://schemas.openxmlformats.org/markup-compatibility/2006" xmlns:a14="http://schemas.microsoft.com/office/drawing/2010/main">
-        <mc:Choice Requires="a14">
-          <p:sp>
-            <p:nvSpPr>
-              <p:cNvPr id="44" name="Rectangle 43"/>
-              <p:cNvSpPr/>
-              <p:nvPr/>
-            </p:nvSpPr>
-            <p:spPr>
-              <a:xfrm>
-                <a:off x="8301621" y="4345435"/>
-                <a:ext cx="365806" cy="369332"/>
-              </a:xfrm>
-              <a:prstGeom prst="rect">
-                <a:avLst/>
-              </a:prstGeom>
-            </p:spPr>
-            <p:txBody>
-              <a:bodyPr wrap="none">
-                <a:spAutoFit/>
-              </a:bodyPr>
-              <a:lstStyle/>
-              <a:p>
-                <a:pPr/>
-                <a14:m>
-                  <m:oMathPara xmlns:m="http://schemas.openxmlformats.org/officeDocument/2006/math">
-                    <m:oMathParaPr>
-                      <m:jc m:val="centerGroup"/>
-                    </m:oMathParaPr>
-                    <m:oMath xmlns:m="http://schemas.openxmlformats.org/officeDocument/2006/math">
-                      <m:r>
-                        <m:rPr>
-                          <m:brk m:alnAt="7"/>
-                        </m:rPr>
-                        <a:rPr lang="en-GB" i="1">
-                          <a:latin typeface="Cambria Math" panose="02040503050406030204" pitchFamily="18" charset="0"/>
-                        </a:rPr>
-                        <m:t>1</m:t>
-                      </m:r>
-                    </m:oMath>
-                  </m:oMathPara>
-                </a14:m>
-                <a:endParaRPr lang="en-GB" dirty="0"/>
-              </a:p>
-            </p:txBody>
-          </p:sp>
-        </mc:Choice>
-        <mc:Fallback xmlns="">
-          <p:sp>
-            <p:nvSpPr>
-              <p:cNvPr id="44" name="Rectangle 43"/>
-              <p:cNvSpPr>
-                <a:spLocks noRot="1" noChangeAspect="1" noMove="1" noResize="1" noEditPoints="1" noAdjustHandles="1" noChangeArrowheads="1" noChangeShapeType="1" noTextEdit="1"/>
-              </p:cNvSpPr>
-              <p:nvPr/>
-            </p:nvSpPr>
-            <p:spPr>
-              <a:xfrm>
-                <a:off x="8301621" y="4345435"/>
-                <a:ext cx="365806" cy="369332"/>
-              </a:xfrm>
-              <a:prstGeom prst="rect">
-                <a:avLst/>
-              </a:prstGeom>
-              <a:blipFill>
-                <a:blip r:embed="rId7"/>
-                <a:stretch>
-                  <a:fillRect/>
-                </a:stretch>
-              </a:blipFill>
-            </p:spPr>
-            <p:txBody>
-              <a:bodyPr/>
-              <a:lstStyle/>
-              <a:p>
-                <a:r>
-                  <a:rPr lang="en-GB">
-                    <a:noFill/>
-                  </a:rPr>
-                  <a:t> </a:t>
-                </a:r>
-              </a:p>
-            </p:txBody>
-          </p:sp>
-        </mc:Fallback>
-      </mc:AlternateContent>
-      <mc:AlternateContent xmlns:mc="http://schemas.openxmlformats.org/markup-compatibility/2006" xmlns:a14="http://schemas.microsoft.com/office/drawing/2010/main">
-        <mc:Choice Requires="a14">
-          <p:sp>
-            <p:nvSpPr>
-              <p:cNvPr id="46" name="Rectangle 45"/>
-              <p:cNvSpPr/>
-              <p:nvPr/>
-            </p:nvSpPr>
-            <p:spPr>
-              <a:xfrm>
-                <a:off x="7395557" y="3821496"/>
-                <a:ext cx="365806" cy="369332"/>
-              </a:xfrm>
-              <a:prstGeom prst="rect">
-                <a:avLst/>
-              </a:prstGeom>
-            </p:spPr>
-            <p:txBody>
-              <a:bodyPr wrap="none">
-                <a:spAutoFit/>
-              </a:bodyPr>
-              <a:lstStyle/>
-              <a:p>
-                <a:pPr/>
-                <a14:m>
-                  <m:oMathPara xmlns:m="http://schemas.openxmlformats.org/officeDocument/2006/math">
-                    <m:oMathParaPr>
-                      <m:jc m:val="centerGroup"/>
-                    </m:oMathParaPr>
-                    <m:oMath xmlns:m="http://schemas.openxmlformats.org/officeDocument/2006/math">
-                      <m:r>
-                        <m:rPr>
-                          <m:brk m:alnAt="7"/>
-                        </m:rPr>
-                        <a:rPr lang="en-GB" i="1">
-                          <a:latin typeface="Cambria Math" panose="02040503050406030204" pitchFamily="18" charset="0"/>
-                        </a:rPr>
-                        <m:t>1</m:t>
-                      </m:r>
-                    </m:oMath>
-                  </m:oMathPara>
-                </a14:m>
-                <a:endParaRPr lang="en-GB" dirty="0"/>
-              </a:p>
-            </p:txBody>
-          </p:sp>
-        </mc:Choice>
-        <mc:Fallback xmlns="">
-          <p:sp>
-            <p:nvSpPr>
-              <p:cNvPr id="46" name="Rectangle 45"/>
-              <p:cNvSpPr>
-                <a:spLocks noRot="1" noChangeAspect="1" noMove="1" noResize="1" noEditPoints="1" noAdjustHandles="1" noChangeArrowheads="1" noChangeShapeType="1" noTextEdit="1"/>
-              </p:cNvSpPr>
-              <p:nvPr/>
-            </p:nvSpPr>
-            <p:spPr>
-              <a:xfrm>
-                <a:off x="7395557" y="3821496"/>
-                <a:ext cx="365806" cy="369332"/>
-              </a:xfrm>
-              <a:prstGeom prst="rect">
-                <a:avLst/>
-              </a:prstGeom>
-              <a:blipFill>
-                <a:blip r:embed="rId8"/>
-                <a:stretch>
-                  <a:fillRect/>
-                </a:stretch>
-              </a:blipFill>
-            </p:spPr>
-            <p:txBody>
-              <a:bodyPr/>
-              <a:lstStyle/>
-              <a:p>
-                <a:r>
-                  <a:rPr lang="en-GB">
-                    <a:noFill/>
-                  </a:rPr>
-                  <a:t> </a:t>
-                </a:r>
-              </a:p>
-            </p:txBody>
-          </p:sp>
-        </mc:Fallback>
-      </mc:AlternateContent>
-      <mc:AlternateContent xmlns:mc="http://schemas.openxmlformats.org/markup-compatibility/2006" xmlns:a14="http://schemas.microsoft.com/office/drawing/2010/main">
-        <mc:Choice Requires="a14">
-          <p:sp>
-            <p:nvSpPr>
-              <p:cNvPr id="48" name="Rectangle 47"/>
-              <p:cNvSpPr/>
-              <p:nvPr/>
-            </p:nvSpPr>
-            <p:spPr>
-              <a:xfrm>
-                <a:off x="7395557" y="5201003"/>
-                <a:ext cx="383438" cy="369332"/>
-              </a:xfrm>
-              <a:prstGeom prst="rect">
-                <a:avLst/>
-              </a:prstGeom>
-            </p:spPr>
-            <p:txBody>
-              <a:bodyPr wrap="none">
-                <a:spAutoFit/>
-              </a:bodyPr>
-              <a:lstStyle/>
-              <a:p>
-                <a:r>
-                  <a:rPr lang="en-GB" dirty="0"/>
-                  <a:t>-</a:t>
-                </a:r>
-                <a14:m>
-                  <m:oMath xmlns:m="http://schemas.openxmlformats.org/officeDocument/2006/math">
-                    <m:r>
-                      <m:rPr>
-                        <m:brk m:alnAt="7"/>
-                      </m:rPr>
-                      <a:rPr lang="en-GB" i="1">
-                        <a:latin typeface="Cambria Math" panose="02040503050406030204" pitchFamily="18" charset="0"/>
-                      </a:rPr>
-                      <m:t>1</m:t>
-                    </m:r>
-                  </m:oMath>
-                </a14:m>
-                <a:endParaRPr lang="en-GB" dirty="0"/>
-              </a:p>
-            </p:txBody>
-          </p:sp>
-        </mc:Choice>
-        <mc:Fallback xmlns="">
-          <p:sp>
-            <p:nvSpPr>
-              <p:cNvPr id="48" name="Rectangle 47"/>
-              <p:cNvSpPr>
-                <a:spLocks noRot="1" noChangeAspect="1" noMove="1" noResize="1" noEditPoints="1" noAdjustHandles="1" noChangeArrowheads="1" noChangeShapeType="1" noTextEdit="1"/>
-              </p:cNvSpPr>
-              <p:nvPr/>
-            </p:nvSpPr>
-            <p:spPr>
-              <a:xfrm>
-                <a:off x="7395557" y="5201003"/>
-                <a:ext cx="383438" cy="369332"/>
-              </a:xfrm>
-              <a:prstGeom prst="rect">
-                <a:avLst/>
-              </a:prstGeom>
-              <a:blipFill>
-                <a:blip r:embed="rId9"/>
-                <a:stretch>
-                  <a:fillRect l="-12698" t="-8197" b="-24590"/>
-                </a:stretch>
-              </a:blipFill>
-            </p:spPr>
-            <p:txBody>
-              <a:bodyPr/>
-              <a:lstStyle/>
-              <a:p>
-                <a:r>
-                  <a:rPr lang="en-GB">
-                    <a:noFill/>
-                  </a:rPr>
-                  <a:t> </a:t>
-                </a:r>
-              </a:p>
-            </p:txBody>
-          </p:sp>
-        </mc:Fallback>
-      </mc:AlternateContent>
-      <mc:AlternateContent xmlns:mc="http://schemas.openxmlformats.org/markup-compatibility/2006" xmlns:a14="http://schemas.microsoft.com/office/drawing/2010/main">
-        <mc:Choice Requires="a14">
-          <p:sp>
-            <p:nvSpPr>
-              <p:cNvPr id="50" name="Rectangle 49"/>
-              <p:cNvSpPr/>
-              <p:nvPr/>
-            </p:nvSpPr>
-            <p:spPr>
-              <a:xfrm>
-                <a:off x="7686984" y="3378485"/>
-                <a:ext cx="742511" cy="369332"/>
-              </a:xfrm>
-              <a:prstGeom prst="rect">
-                <a:avLst/>
-              </a:prstGeom>
-            </p:spPr>
-            <p:txBody>
-              <a:bodyPr wrap="none">
-                <a:spAutoFit/>
-              </a:bodyPr>
-              <a:lstStyle/>
-              <a:p>
-                <a:pPr/>
-                <a14:m>
-                  <m:oMathPara xmlns:m="http://schemas.openxmlformats.org/officeDocument/2006/math">
-                    <m:oMathParaPr>
-                      <m:jc m:val="centerGroup"/>
-                    </m:oMathParaPr>
-                    <m:oMath xmlns:m="http://schemas.openxmlformats.org/officeDocument/2006/math">
-                      <m:r>
-                        <a:rPr lang="en-GB" b="1" i="1" smtClean="0">
-                          <a:latin typeface="Cambria Math" panose="02040503050406030204" pitchFamily="18" charset="0"/>
-                        </a:rPr>
-                        <m:t>𝝍</m:t>
-                      </m:r>
-                      <m:r>
-                        <a:rPr lang="en-GB" b="1" i="1">
-                          <a:latin typeface="Cambria Math" panose="02040503050406030204" pitchFamily="18" charset="0"/>
-                        </a:rPr>
-                        <m:t>(</m:t>
-                      </m:r>
-                      <m:r>
-                        <a:rPr lang="en-GB" b="1" i="1">
-                          <a:latin typeface="Cambria Math" panose="02040503050406030204" pitchFamily="18" charset="0"/>
-                        </a:rPr>
-                        <m:t>𝒙</m:t>
-                      </m:r>
-                      <m:r>
-                        <a:rPr lang="en-GB" b="1" i="1">
-                          <a:latin typeface="Cambria Math" panose="02040503050406030204" pitchFamily="18" charset="0"/>
-                        </a:rPr>
-                        <m:t>)</m:t>
-                      </m:r>
-                    </m:oMath>
-                  </m:oMathPara>
-                </a14:m>
-                <a:endParaRPr lang="en-GB" dirty="0"/>
-              </a:p>
-            </p:txBody>
-          </p:sp>
-        </mc:Choice>
-        <mc:Fallback xmlns="">
-          <p:sp>
-            <p:nvSpPr>
-              <p:cNvPr id="50" name="Rectangle 49"/>
-              <p:cNvSpPr>
-                <a:spLocks noRot="1" noChangeAspect="1" noMove="1" noResize="1" noEditPoints="1" noAdjustHandles="1" noChangeArrowheads="1" noChangeShapeType="1" noTextEdit="1"/>
-              </p:cNvSpPr>
-              <p:nvPr/>
-            </p:nvSpPr>
-            <p:spPr>
-              <a:xfrm>
-                <a:off x="7686984" y="3378485"/>
-                <a:ext cx="742511" cy="369332"/>
-              </a:xfrm>
-              <a:prstGeom prst="rect">
-                <a:avLst/>
-              </a:prstGeom>
-              <a:blipFill>
-                <a:blip r:embed="rId10"/>
-                <a:stretch>
-                  <a:fillRect b="-13115"/>
-                </a:stretch>
-              </a:blipFill>
-            </p:spPr>
-            <p:txBody>
-              <a:bodyPr/>
-              <a:lstStyle/>
-              <a:p>
-                <a:r>
-                  <a:rPr lang="en-GB">
-                    <a:noFill/>
-                  </a:rPr>
-                  <a:t> </a:t>
-                </a:r>
-              </a:p>
-            </p:txBody>
-          </p:sp>
-        </mc:Fallback>
-      </mc:AlternateContent>
-    </p:spTree>
-    <p:extLst>
-      <p:ext uri="{BB962C8B-B14F-4D97-AF65-F5344CB8AC3E}">
-        <p14:creationId xmlns:p14="http://schemas.microsoft.com/office/powerpoint/2010/main" val="567021134"/>
       </p:ext>
     </p:extLst>
   </p:cSld>

--- a/thesis.pptx
+++ b/thesis.pptx
@@ -9,14 +9,15 @@
     <p:sldId id="258" r:id="rId3"/>
     <p:sldId id="261" r:id="rId4"/>
     <p:sldId id="267" r:id="rId5"/>
-    <p:sldId id="264" r:id="rId6"/>
-    <p:sldId id="262" r:id="rId7"/>
-    <p:sldId id="257" r:id="rId8"/>
-    <p:sldId id="259" r:id="rId9"/>
-    <p:sldId id="260" r:id="rId10"/>
-    <p:sldId id="263" r:id="rId11"/>
-    <p:sldId id="265" r:id="rId12"/>
-    <p:sldId id="266" r:id="rId13"/>
+    <p:sldId id="268" r:id="rId6"/>
+    <p:sldId id="264" r:id="rId7"/>
+    <p:sldId id="262" r:id="rId8"/>
+    <p:sldId id="257" r:id="rId9"/>
+    <p:sldId id="259" r:id="rId10"/>
+    <p:sldId id="260" r:id="rId11"/>
+    <p:sldId id="263" r:id="rId12"/>
+    <p:sldId id="265" r:id="rId13"/>
+    <p:sldId id="266" r:id="rId14"/>
   </p:sldIdLst>
   <p:sldSz cx="12192000" cy="6858000"/>
   <p:notesSz cx="6858000" cy="9144000"/>
@@ -128,6 +129,7 @@
             <p14:sldId id="258"/>
             <p14:sldId id="261"/>
             <p14:sldId id="267"/>
+            <p14:sldId id="268"/>
             <p14:sldId id="264"/>
             <p14:sldId id="262"/>
             <p14:sldId id="257"/>
@@ -9622,7 +9624,7 @@
           <a:p>
             <a:fld id="{868DB8A7-3A18-4C2F-83F4-935BFDFABEE2}" type="datetimeFigureOut">
               <a:rPr lang="en-GB" smtClean="0"/>
-              <a:t>30/12/2020</a:t>
+              <a:t>31/12/2020</a:t>
             </a:fld>
             <a:endParaRPr lang="en-GB"/>
           </a:p>
@@ -9792,7 +9794,7 @@
           <a:p>
             <a:fld id="{868DB8A7-3A18-4C2F-83F4-935BFDFABEE2}" type="datetimeFigureOut">
               <a:rPr lang="en-GB" smtClean="0"/>
-              <a:t>30/12/2020</a:t>
+              <a:t>31/12/2020</a:t>
             </a:fld>
             <a:endParaRPr lang="en-GB"/>
           </a:p>
@@ -9972,7 +9974,7 @@
           <a:p>
             <a:fld id="{868DB8A7-3A18-4C2F-83F4-935BFDFABEE2}" type="datetimeFigureOut">
               <a:rPr lang="en-GB" smtClean="0"/>
-              <a:t>30/12/2020</a:t>
+              <a:t>31/12/2020</a:t>
             </a:fld>
             <a:endParaRPr lang="en-GB"/>
           </a:p>
@@ -10142,7 +10144,7 @@
           <a:p>
             <a:fld id="{868DB8A7-3A18-4C2F-83F4-935BFDFABEE2}" type="datetimeFigureOut">
               <a:rPr lang="en-GB" smtClean="0"/>
-              <a:t>30/12/2020</a:t>
+              <a:t>31/12/2020</a:t>
             </a:fld>
             <a:endParaRPr lang="en-GB"/>
           </a:p>
@@ -10388,7 +10390,7 @@
           <a:p>
             <a:fld id="{868DB8A7-3A18-4C2F-83F4-935BFDFABEE2}" type="datetimeFigureOut">
               <a:rPr lang="en-GB" smtClean="0"/>
-              <a:t>30/12/2020</a:t>
+              <a:t>31/12/2020</a:t>
             </a:fld>
             <a:endParaRPr lang="en-GB"/>
           </a:p>
@@ -10620,7 +10622,7 @@
           <a:p>
             <a:fld id="{868DB8A7-3A18-4C2F-83F4-935BFDFABEE2}" type="datetimeFigureOut">
               <a:rPr lang="en-GB" smtClean="0"/>
-              <a:t>30/12/2020</a:t>
+              <a:t>31/12/2020</a:t>
             </a:fld>
             <a:endParaRPr lang="en-GB"/>
           </a:p>
@@ -10987,7 +10989,7 @@
           <a:p>
             <a:fld id="{868DB8A7-3A18-4C2F-83F4-935BFDFABEE2}" type="datetimeFigureOut">
               <a:rPr lang="en-GB" smtClean="0"/>
-              <a:t>30/12/2020</a:t>
+              <a:t>31/12/2020</a:t>
             </a:fld>
             <a:endParaRPr lang="en-GB"/>
           </a:p>
@@ -11105,7 +11107,7 @@
           <a:p>
             <a:fld id="{868DB8A7-3A18-4C2F-83F4-935BFDFABEE2}" type="datetimeFigureOut">
               <a:rPr lang="en-GB" smtClean="0"/>
-              <a:t>30/12/2020</a:t>
+              <a:t>31/12/2020</a:t>
             </a:fld>
             <a:endParaRPr lang="en-GB"/>
           </a:p>
@@ -11200,7 +11202,7 @@
           <a:p>
             <a:fld id="{868DB8A7-3A18-4C2F-83F4-935BFDFABEE2}" type="datetimeFigureOut">
               <a:rPr lang="en-GB" smtClean="0"/>
-              <a:t>30/12/2020</a:t>
+              <a:t>31/12/2020</a:t>
             </a:fld>
             <a:endParaRPr lang="en-GB"/>
           </a:p>
@@ -11477,7 +11479,7 @@
           <a:p>
             <a:fld id="{868DB8A7-3A18-4C2F-83F4-935BFDFABEE2}" type="datetimeFigureOut">
               <a:rPr lang="en-GB" smtClean="0"/>
-              <a:t>30/12/2020</a:t>
+              <a:t>31/12/2020</a:t>
             </a:fld>
             <a:endParaRPr lang="en-GB"/>
           </a:p>
@@ -11730,7 +11732,7 @@
           <a:p>
             <a:fld id="{868DB8A7-3A18-4C2F-83F4-935BFDFABEE2}" type="datetimeFigureOut">
               <a:rPr lang="en-GB" smtClean="0"/>
-              <a:t>30/12/2020</a:t>
+              <a:t>31/12/2020</a:t>
             </a:fld>
             <a:endParaRPr lang="en-GB"/>
           </a:p>
@@ -11943,7 +11945,7 @@
           <a:p>
             <a:fld id="{868DB8A7-3A18-4C2F-83F4-935BFDFABEE2}" type="datetimeFigureOut">
               <a:rPr lang="en-GB" smtClean="0"/>
-              <a:t>30/12/2020</a:t>
+              <a:t>31/12/2020</a:t>
             </a:fld>
             <a:endParaRPr lang="en-GB"/>
           </a:p>
@@ -15351,6 +15353,236 @@
           <a:chExt cx="0" cy="0"/>
         </a:xfrm>
       </p:grpSpPr>
+      <p:sp>
+        <p:nvSpPr>
+          <p:cNvPr id="2" name="Title 1"/>
+          <p:cNvSpPr>
+            <a:spLocks noGrp="1"/>
+          </p:cNvSpPr>
+          <p:nvPr>
+            <p:ph type="title"/>
+          </p:nvPr>
+        </p:nvSpPr>
+        <p:spPr/>
+        <p:txBody>
+          <a:bodyPr/>
+          <a:lstStyle/>
+          <a:p>
+            <a:r>
+              <a:rPr lang="en-GB" dirty="0"/>
+              <a:t>Language model evaluation pipeline</a:t>
+            </a:r>
+          </a:p>
+        </p:txBody>
+      </p:sp>
+      <p:graphicFrame>
+        <p:nvGraphicFramePr>
+          <p:cNvPr id="4" name="Content Placeholder 3"/>
+          <p:cNvGraphicFramePr>
+            <a:graphicFrameLocks noGrp="1"/>
+          </p:cNvGraphicFramePr>
+          <p:nvPr>
+            <p:ph idx="1"/>
+            <p:extLst>
+              <p:ext uri="{D42A27DB-BD31-4B8C-83A1-F6EECF244321}">
+                <p14:modId xmlns:p14="http://schemas.microsoft.com/office/powerpoint/2010/main" val="1582315941"/>
+              </p:ext>
+            </p:extLst>
+          </p:nvPr>
+        </p:nvGraphicFramePr>
+        <p:xfrm>
+          <a:off x="838200" y="1825625"/>
+          <a:ext cx="10515600" cy="1205674"/>
+        </p:xfrm>
+        <a:graphic>
+          <a:graphicData uri="http://schemas.openxmlformats.org/drawingml/2006/diagram">
+            <dgm:relIds xmlns:dgm="http://schemas.openxmlformats.org/drawingml/2006/diagram" xmlns:r="http://schemas.openxmlformats.org/officeDocument/2006/relationships" r:dm="rId2" r:lo="rId3" r:qs="rId4" r:cs="rId5"/>
+          </a:graphicData>
+        </a:graphic>
+      </p:graphicFrame>
+      <p:graphicFrame>
+        <p:nvGraphicFramePr>
+          <p:cNvPr id="5" name="Content Placeholder 3"/>
+          <p:cNvGraphicFramePr>
+            <a:graphicFrameLocks/>
+          </p:cNvGraphicFramePr>
+          <p:nvPr>
+            <p:extLst>
+              <p:ext uri="{D42A27DB-BD31-4B8C-83A1-F6EECF244321}">
+                <p14:modId xmlns:p14="http://schemas.microsoft.com/office/powerpoint/2010/main" val="2075590665"/>
+              </p:ext>
+            </p:extLst>
+          </p:nvPr>
+        </p:nvGraphicFramePr>
+        <p:xfrm>
+          <a:off x="975986" y="4092836"/>
+          <a:ext cx="10515600" cy="1205674"/>
+        </p:xfrm>
+        <a:graphic>
+          <a:graphicData uri="http://schemas.openxmlformats.org/drawingml/2006/diagram">
+            <dgm:relIds xmlns:dgm="http://schemas.openxmlformats.org/drawingml/2006/diagram" xmlns:r="http://schemas.openxmlformats.org/officeDocument/2006/relationships" r:dm="rId7" r:lo="rId8" r:qs="rId9" r:cs="rId10"/>
+          </a:graphicData>
+        </a:graphic>
+      </p:graphicFrame>
+      <p:sp>
+        <p:nvSpPr>
+          <p:cNvPr id="7" name="Rounded Rectangle 6"/>
+          <p:cNvSpPr/>
+          <p:nvPr/>
+        </p:nvSpPr>
+        <p:spPr>
+          <a:xfrm>
+            <a:off x="8968635" y="3292758"/>
+            <a:ext cx="1966586" cy="538619"/>
+          </a:xfrm>
+          <a:prstGeom prst="roundRect">
+            <a:avLst/>
+          </a:prstGeom>
+        </p:spPr>
+        <p:style>
+          <a:lnRef idx="2">
+            <a:schemeClr val="accent1">
+              <a:shade val="50000"/>
+            </a:schemeClr>
+          </a:lnRef>
+          <a:fillRef idx="1">
+            <a:schemeClr val="accent1"/>
+          </a:fillRef>
+          <a:effectRef idx="0">
+            <a:schemeClr val="accent1"/>
+          </a:effectRef>
+          <a:fontRef idx="minor">
+            <a:schemeClr val="lt1"/>
+          </a:fontRef>
+        </p:style>
+        <p:txBody>
+          <a:bodyPr rtlCol="0" anchor="ctr"/>
+          <a:lstStyle/>
+          <a:p>
+            <a:pPr algn="ctr"/>
+            <a:r>
+              <a:rPr lang="en-GB" sz="2200" dirty="0"/>
+              <a:t>Held out data</a:t>
+            </a:r>
+          </a:p>
+        </p:txBody>
+      </p:sp>
+      <p:sp>
+        <p:nvSpPr>
+          <p:cNvPr id="8" name="Right Arrow 7"/>
+          <p:cNvSpPr/>
+          <p:nvPr/>
+        </p:nvSpPr>
+        <p:spPr>
+          <a:xfrm rot="16200000">
+            <a:off x="9795353" y="2942029"/>
+            <a:ext cx="313150" cy="388307"/>
+          </a:xfrm>
+          <a:prstGeom prst="rightArrow">
+            <a:avLst/>
+          </a:prstGeom>
+          <a:solidFill>
+            <a:srgbClr val="B5CBE7"/>
+          </a:solidFill>
+        </p:spPr>
+        <p:style>
+          <a:lnRef idx="2">
+            <a:schemeClr val="accent1">
+              <a:shade val="50000"/>
+            </a:schemeClr>
+          </a:lnRef>
+          <a:fillRef idx="1">
+            <a:schemeClr val="accent1"/>
+          </a:fillRef>
+          <a:effectRef idx="0">
+            <a:schemeClr val="accent1"/>
+          </a:effectRef>
+          <a:fontRef idx="minor">
+            <a:schemeClr val="lt1"/>
+          </a:fontRef>
+        </p:style>
+        <p:txBody>
+          <a:bodyPr rtlCol="0" anchor="ctr"/>
+          <a:lstStyle/>
+          <a:p>
+            <a:pPr algn="ctr"/>
+            <a:endParaRPr lang="en-GB"/>
+          </a:p>
+        </p:txBody>
+      </p:sp>
+      <p:sp>
+        <p:nvSpPr>
+          <p:cNvPr id="9" name="Right Arrow 8"/>
+          <p:cNvSpPr/>
+          <p:nvPr/>
+        </p:nvSpPr>
+        <p:spPr>
+          <a:xfrm rot="5400000" flipV="1">
+            <a:off x="9795353" y="3791418"/>
+            <a:ext cx="313150" cy="388307"/>
+          </a:xfrm>
+          <a:prstGeom prst="rightArrow">
+            <a:avLst/>
+          </a:prstGeom>
+          <a:solidFill>
+            <a:srgbClr val="B5CBE7"/>
+          </a:solidFill>
+        </p:spPr>
+        <p:style>
+          <a:lnRef idx="2">
+            <a:schemeClr val="accent1">
+              <a:shade val="50000"/>
+            </a:schemeClr>
+          </a:lnRef>
+          <a:fillRef idx="1">
+            <a:schemeClr val="accent1"/>
+          </a:fillRef>
+          <a:effectRef idx="0">
+            <a:schemeClr val="accent1"/>
+          </a:effectRef>
+          <a:fontRef idx="minor">
+            <a:schemeClr val="lt1"/>
+          </a:fontRef>
+        </p:style>
+        <p:txBody>
+          <a:bodyPr rtlCol="0" anchor="ctr"/>
+          <a:lstStyle/>
+          <a:p>
+            <a:pPr algn="ctr"/>
+            <a:endParaRPr lang="en-GB"/>
+          </a:p>
+        </p:txBody>
+      </p:sp>
+    </p:spTree>
+    <p:extLst>
+      <p:ext uri="{BB962C8B-B14F-4D97-AF65-F5344CB8AC3E}">
+        <p14:creationId xmlns:p14="http://schemas.microsoft.com/office/powerpoint/2010/main" val="1138139222"/>
+      </p:ext>
+    </p:extLst>
+  </p:cSld>
+  <p:clrMapOvr>
+    <a:masterClrMapping/>
+  </p:clrMapOvr>
+</p:sld>
+</file>
+
+<file path=ppt/slides/slide11.xml><?xml version="1.0" encoding="utf-8"?>
+<p:sld xmlns:a="http://schemas.openxmlformats.org/drawingml/2006/main" xmlns:r="http://schemas.openxmlformats.org/officeDocument/2006/relationships" xmlns:p="http://schemas.openxmlformats.org/presentationml/2006/main">
+  <p:cSld>
+    <p:spTree>
+      <p:nvGrpSpPr>
+        <p:cNvPr id="1" name=""/>
+        <p:cNvGrpSpPr/>
+        <p:nvPr/>
+      </p:nvGrpSpPr>
+      <p:grpSpPr>
+        <a:xfrm>
+          <a:off x="0" y="0"/>
+          <a:ext cx="0" cy="0"/>
+          <a:chOff x="0" y="0"/>
+          <a:chExt cx="0" cy="0"/>
+        </a:xfrm>
+      </p:grpSpPr>
       <mc:AlternateContent xmlns:mc="http://schemas.openxmlformats.org/markup-compatibility/2006" xmlns:a14="http://schemas.microsoft.com/office/drawing/2010/main">
         <mc:Choice Requires="a14">
           <p:sp>
@@ -16705,7 +16937,7 @@
 </p:sld>
 </file>
 
-<file path=ppt/slides/slide11.xml><?xml version="1.0" encoding="utf-8"?>
+<file path=ppt/slides/slide12.xml><?xml version="1.0" encoding="utf-8"?>
 <p:sld xmlns:a="http://schemas.openxmlformats.org/drawingml/2006/main" xmlns:r="http://schemas.openxmlformats.org/officeDocument/2006/relationships" xmlns:p="http://schemas.openxmlformats.org/presentationml/2006/main">
   <p:cSld>
     <p:spTree>
@@ -16771,7 +17003,7 @@
 </p:sld>
 </file>
 
-<file path=ppt/slides/slide12.xml><?xml version="1.0" encoding="utf-8"?>
+<file path=ppt/slides/slide13.xml><?xml version="1.0" encoding="utf-8"?>
 <p:sld xmlns:a="http://schemas.openxmlformats.org/drawingml/2006/main" xmlns:r="http://schemas.openxmlformats.org/officeDocument/2006/relationships" xmlns:p="http://schemas.openxmlformats.org/presentationml/2006/main">
   <p:cSld>
     <p:bg>
@@ -19827,6 +20059,203 @@
       </p:grpSpPr>
       <p:sp>
         <p:nvSpPr>
+          <p:cNvPr id="2" name="Title 1">
+            <a:extLst>
+              <a:ext uri="{FF2B5EF4-FFF2-40B4-BE49-F238E27FC236}">
+                <a16:creationId xmlns:a16="http://schemas.microsoft.com/office/drawing/2014/main" id="{FBD9F667-A298-4649-8B96-8F7A1C795664}"/>
+              </a:ext>
+            </a:extLst>
+          </p:cNvPr>
+          <p:cNvSpPr>
+            <a:spLocks noGrp="1"/>
+          </p:cNvSpPr>
+          <p:nvPr>
+            <p:ph type="title"/>
+          </p:nvPr>
+        </p:nvSpPr>
+        <p:spPr/>
+        <p:txBody>
+          <a:bodyPr/>
+          <a:lstStyle/>
+          <a:p>
+            <a:endParaRPr lang="en-GB"/>
+          </a:p>
+        </p:txBody>
+      </p:sp>
+      <p:sp>
+        <p:nvSpPr>
+          <p:cNvPr id="6" name="Rectangle 5">
+            <a:extLst>
+              <a:ext uri="{FF2B5EF4-FFF2-40B4-BE49-F238E27FC236}">
+                <a16:creationId xmlns:a16="http://schemas.microsoft.com/office/drawing/2014/main" id="{7AE298AC-00FF-403E-BF65-DCD497102211}"/>
+              </a:ext>
+            </a:extLst>
+          </p:cNvPr>
+          <p:cNvSpPr/>
+          <p:nvPr/>
+        </p:nvSpPr>
+        <p:spPr>
+          <a:xfrm>
+            <a:off x="2959940" y="1988979"/>
+            <a:ext cx="508474" cy="3785652"/>
+          </a:xfrm>
+          <a:prstGeom prst="rect">
+            <a:avLst/>
+          </a:prstGeom>
+          <a:noFill/>
+        </p:spPr>
+        <p:txBody>
+          <a:bodyPr wrap="none" lIns="91440" tIns="45720" rIns="91440" bIns="45720">
+            <a:spAutoFit/>
+          </a:bodyPr>
+          <a:lstStyle/>
+          <a:p>
+            <a:pPr algn="ctr"/>
+            <a:r>
+              <a:rPr lang="en-US" sz="4800" b="0" cap="none" spc="0" dirty="0">
+                <a:ln w="0"/>
+                <a:solidFill>
+                  <a:schemeClr val="tx1"/>
+                </a:solidFill>
+                <a:effectLst>
+                  <a:outerShdw blurRad="38100" dist="19050" dir="2700000" algn="tl" rotWithShape="0">
+                    <a:schemeClr val="dk1">
+                      <a:alpha val="40000"/>
+                    </a:schemeClr>
+                  </a:outerShdw>
+                </a:effectLst>
+              </a:rPr>
+              <a:t>a</a:t>
+            </a:r>
+          </a:p>
+          <a:p>
+            <a:pPr algn="ctr"/>
+            <a:endParaRPr lang="en-US" sz="4800" b="0" cap="none" spc="0" dirty="0">
+              <a:ln w="0"/>
+              <a:solidFill>
+                <a:schemeClr val="tx1"/>
+              </a:solidFill>
+              <a:effectLst>
+                <a:outerShdw blurRad="38100" dist="19050" dir="2700000" algn="tl" rotWithShape="0">
+                  <a:schemeClr val="dk1">
+                    <a:alpha val="40000"/>
+                  </a:schemeClr>
+                </a:outerShdw>
+              </a:effectLst>
+            </a:endParaRPr>
+          </a:p>
+          <a:p>
+            <a:pPr algn="ctr"/>
+            <a:r>
+              <a:rPr lang="en-US" sz="4800" dirty="0">
+                <a:ln w="0"/>
+                <a:effectLst>
+                  <a:outerShdw blurRad="38100" dist="19050" dir="2700000" algn="tl" rotWithShape="0">
+                    <a:schemeClr val="dk1">
+                      <a:alpha val="40000"/>
+                    </a:schemeClr>
+                  </a:outerShdw>
+                </a:effectLst>
+              </a:rPr>
+              <a:t>b</a:t>
+            </a:r>
+          </a:p>
+          <a:p>
+            <a:pPr algn="ctr"/>
+            <a:endParaRPr lang="en-US" sz="4800" dirty="0">
+              <a:ln w="0"/>
+              <a:effectLst>
+                <a:outerShdw blurRad="38100" dist="19050" dir="2700000" algn="tl" rotWithShape="0">
+                  <a:schemeClr val="dk1">
+                    <a:alpha val="40000"/>
+                  </a:schemeClr>
+                </a:outerShdw>
+              </a:effectLst>
+            </a:endParaRPr>
+          </a:p>
+          <a:p>
+            <a:pPr algn="ctr"/>
+            <a:r>
+              <a:rPr lang="en-US" sz="4800" b="0" cap="none" spc="0" dirty="0">
+                <a:ln w="0"/>
+                <a:solidFill>
+                  <a:schemeClr val="tx1"/>
+                </a:solidFill>
+                <a:effectLst>
+                  <a:outerShdw blurRad="38100" dist="19050" dir="2700000" algn="tl" rotWithShape="0">
+                    <a:schemeClr val="dk1">
+                      <a:alpha val="40000"/>
+                    </a:schemeClr>
+                  </a:outerShdw>
+                </a:effectLst>
+              </a:rPr>
+              <a:t>c</a:t>
+            </a:r>
+          </a:p>
+        </p:txBody>
+      </p:sp>
+      <p:pic>
+        <p:nvPicPr>
+          <p:cNvPr id="8" name="Picture 7">
+            <a:extLst>
+              <a:ext uri="{FF2B5EF4-FFF2-40B4-BE49-F238E27FC236}">
+                <a16:creationId xmlns:a16="http://schemas.microsoft.com/office/drawing/2014/main" id="{D9E541D8-9948-475D-893D-DA14E5DAD09A}"/>
+              </a:ext>
+            </a:extLst>
+          </p:cNvPr>
+          <p:cNvPicPr>
+            <a:picLocks noChangeAspect="1"/>
+          </p:cNvPicPr>
+          <p:nvPr/>
+        </p:nvPicPr>
+        <p:blipFill>
+          <a:blip r:embed="rId2"/>
+          <a:stretch>
+            <a:fillRect/>
+          </a:stretch>
+        </p:blipFill>
+        <p:spPr>
+          <a:xfrm>
+            <a:off x="3414712" y="1734343"/>
+            <a:ext cx="5724525" cy="4533900"/>
+          </a:xfrm>
+          <a:prstGeom prst="rect">
+            <a:avLst/>
+          </a:prstGeom>
+        </p:spPr>
+      </p:pic>
+    </p:spTree>
+    <p:extLst>
+      <p:ext uri="{BB962C8B-B14F-4D97-AF65-F5344CB8AC3E}">
+        <p14:creationId xmlns:p14="http://schemas.microsoft.com/office/powerpoint/2010/main" val="2453821619"/>
+      </p:ext>
+    </p:extLst>
+  </p:cSld>
+  <p:clrMapOvr>
+    <a:masterClrMapping/>
+  </p:clrMapOvr>
+</p:sld>
+</file>
+
+<file path=ppt/slides/slide6.xml><?xml version="1.0" encoding="utf-8"?>
+<p:sld xmlns:a="http://schemas.openxmlformats.org/drawingml/2006/main" xmlns:r="http://schemas.openxmlformats.org/officeDocument/2006/relationships" xmlns:p="http://schemas.openxmlformats.org/presentationml/2006/main">
+  <p:cSld>
+    <p:spTree>
+      <p:nvGrpSpPr>
+        <p:cNvPr id="1" name=""/>
+        <p:cNvGrpSpPr/>
+        <p:nvPr/>
+      </p:nvGrpSpPr>
+      <p:grpSpPr>
+        <a:xfrm>
+          <a:off x="0" y="0"/>
+          <a:ext cx="0" cy="0"/>
+          <a:chOff x="0" y="0"/>
+          <a:chExt cx="0" cy="0"/>
+        </a:xfrm>
+      </p:grpSpPr>
+      <p:sp>
+        <p:nvSpPr>
           <p:cNvPr id="36" name="TextBox 35">
             <a:extLst>
               <a:ext uri="{FF2B5EF4-FFF2-40B4-BE49-F238E27FC236}">
@@ -21234,7 +21663,7 @@
 </p:sld>
 </file>
 
-<file path=ppt/slides/slide6.xml><?xml version="1.0" encoding="utf-8"?>
+<file path=ppt/slides/slide7.xml><?xml version="1.0" encoding="utf-8"?>
 <p:sld xmlns:a="http://schemas.openxmlformats.org/drawingml/2006/main" xmlns:r="http://schemas.openxmlformats.org/officeDocument/2006/relationships" xmlns:p="http://schemas.openxmlformats.org/presentationml/2006/main">
   <p:cSld>
     <p:spTree>
@@ -22043,7 +22472,7 @@
 </p:sld>
 </file>
 
-<file path=ppt/slides/slide7.xml><?xml version="1.0" encoding="utf-8"?>
+<file path=ppt/slides/slide8.xml><?xml version="1.0" encoding="utf-8"?>
 <p:sld xmlns:a="http://schemas.openxmlformats.org/drawingml/2006/main" xmlns:r="http://schemas.openxmlformats.org/officeDocument/2006/relationships" xmlns:p="http://schemas.openxmlformats.org/presentationml/2006/main">
   <p:cSld>
     <p:spTree>
@@ -25070,7 +25499,7 @@
 </p:sld>
 </file>
 
-<file path=ppt/slides/slide8.xml><?xml version="1.0" encoding="utf-8"?>
+<file path=ppt/slides/slide9.xml><?xml version="1.0" encoding="utf-8"?>
 <p:sld xmlns:a="http://schemas.openxmlformats.org/drawingml/2006/main" xmlns:r="http://schemas.openxmlformats.org/officeDocument/2006/relationships" xmlns:p="http://schemas.openxmlformats.org/presentationml/2006/main">
   <p:cSld>
     <p:spTree>
@@ -25528,236 +25957,6 @@
     <p:extLst>
       <p:ext uri="{BB962C8B-B14F-4D97-AF65-F5344CB8AC3E}">
         <p14:creationId xmlns:p14="http://schemas.microsoft.com/office/powerpoint/2010/main" val="2874700282"/>
-      </p:ext>
-    </p:extLst>
-  </p:cSld>
-  <p:clrMapOvr>
-    <a:masterClrMapping/>
-  </p:clrMapOvr>
-</p:sld>
-</file>
-
-<file path=ppt/slides/slide9.xml><?xml version="1.0" encoding="utf-8"?>
-<p:sld xmlns:a="http://schemas.openxmlformats.org/drawingml/2006/main" xmlns:r="http://schemas.openxmlformats.org/officeDocument/2006/relationships" xmlns:p="http://schemas.openxmlformats.org/presentationml/2006/main">
-  <p:cSld>
-    <p:spTree>
-      <p:nvGrpSpPr>
-        <p:cNvPr id="1" name=""/>
-        <p:cNvGrpSpPr/>
-        <p:nvPr/>
-      </p:nvGrpSpPr>
-      <p:grpSpPr>
-        <a:xfrm>
-          <a:off x="0" y="0"/>
-          <a:ext cx="0" cy="0"/>
-          <a:chOff x="0" y="0"/>
-          <a:chExt cx="0" cy="0"/>
-        </a:xfrm>
-      </p:grpSpPr>
-      <p:sp>
-        <p:nvSpPr>
-          <p:cNvPr id="2" name="Title 1"/>
-          <p:cNvSpPr>
-            <a:spLocks noGrp="1"/>
-          </p:cNvSpPr>
-          <p:nvPr>
-            <p:ph type="title"/>
-          </p:nvPr>
-        </p:nvSpPr>
-        <p:spPr/>
-        <p:txBody>
-          <a:bodyPr/>
-          <a:lstStyle/>
-          <a:p>
-            <a:r>
-              <a:rPr lang="en-GB" dirty="0"/>
-              <a:t>Language model evaluation pipeline</a:t>
-            </a:r>
-          </a:p>
-        </p:txBody>
-      </p:sp>
-      <p:graphicFrame>
-        <p:nvGraphicFramePr>
-          <p:cNvPr id="4" name="Content Placeholder 3"/>
-          <p:cNvGraphicFramePr>
-            <a:graphicFrameLocks noGrp="1"/>
-          </p:cNvGraphicFramePr>
-          <p:nvPr>
-            <p:ph idx="1"/>
-            <p:extLst>
-              <p:ext uri="{D42A27DB-BD31-4B8C-83A1-F6EECF244321}">
-                <p14:modId xmlns:p14="http://schemas.microsoft.com/office/powerpoint/2010/main" val="1582315941"/>
-              </p:ext>
-            </p:extLst>
-          </p:nvPr>
-        </p:nvGraphicFramePr>
-        <p:xfrm>
-          <a:off x="838200" y="1825625"/>
-          <a:ext cx="10515600" cy="1205674"/>
-        </p:xfrm>
-        <a:graphic>
-          <a:graphicData uri="http://schemas.openxmlformats.org/drawingml/2006/diagram">
-            <dgm:relIds xmlns:dgm="http://schemas.openxmlformats.org/drawingml/2006/diagram" xmlns:r="http://schemas.openxmlformats.org/officeDocument/2006/relationships" r:dm="rId2" r:lo="rId3" r:qs="rId4" r:cs="rId5"/>
-          </a:graphicData>
-        </a:graphic>
-      </p:graphicFrame>
-      <p:graphicFrame>
-        <p:nvGraphicFramePr>
-          <p:cNvPr id="5" name="Content Placeholder 3"/>
-          <p:cNvGraphicFramePr>
-            <a:graphicFrameLocks/>
-          </p:cNvGraphicFramePr>
-          <p:nvPr>
-            <p:extLst>
-              <p:ext uri="{D42A27DB-BD31-4B8C-83A1-F6EECF244321}">
-                <p14:modId xmlns:p14="http://schemas.microsoft.com/office/powerpoint/2010/main" val="2075590665"/>
-              </p:ext>
-            </p:extLst>
-          </p:nvPr>
-        </p:nvGraphicFramePr>
-        <p:xfrm>
-          <a:off x="975986" y="4092836"/>
-          <a:ext cx="10515600" cy="1205674"/>
-        </p:xfrm>
-        <a:graphic>
-          <a:graphicData uri="http://schemas.openxmlformats.org/drawingml/2006/diagram">
-            <dgm:relIds xmlns:dgm="http://schemas.openxmlformats.org/drawingml/2006/diagram" xmlns:r="http://schemas.openxmlformats.org/officeDocument/2006/relationships" r:dm="rId7" r:lo="rId8" r:qs="rId9" r:cs="rId10"/>
-          </a:graphicData>
-        </a:graphic>
-      </p:graphicFrame>
-      <p:sp>
-        <p:nvSpPr>
-          <p:cNvPr id="7" name="Rounded Rectangle 6"/>
-          <p:cNvSpPr/>
-          <p:nvPr/>
-        </p:nvSpPr>
-        <p:spPr>
-          <a:xfrm>
-            <a:off x="8968635" y="3292758"/>
-            <a:ext cx="1966586" cy="538619"/>
-          </a:xfrm>
-          <a:prstGeom prst="roundRect">
-            <a:avLst/>
-          </a:prstGeom>
-        </p:spPr>
-        <p:style>
-          <a:lnRef idx="2">
-            <a:schemeClr val="accent1">
-              <a:shade val="50000"/>
-            </a:schemeClr>
-          </a:lnRef>
-          <a:fillRef idx="1">
-            <a:schemeClr val="accent1"/>
-          </a:fillRef>
-          <a:effectRef idx="0">
-            <a:schemeClr val="accent1"/>
-          </a:effectRef>
-          <a:fontRef idx="minor">
-            <a:schemeClr val="lt1"/>
-          </a:fontRef>
-        </p:style>
-        <p:txBody>
-          <a:bodyPr rtlCol="0" anchor="ctr"/>
-          <a:lstStyle/>
-          <a:p>
-            <a:pPr algn="ctr"/>
-            <a:r>
-              <a:rPr lang="en-GB" sz="2200" dirty="0"/>
-              <a:t>Held out data</a:t>
-            </a:r>
-          </a:p>
-        </p:txBody>
-      </p:sp>
-      <p:sp>
-        <p:nvSpPr>
-          <p:cNvPr id="8" name="Right Arrow 7"/>
-          <p:cNvSpPr/>
-          <p:nvPr/>
-        </p:nvSpPr>
-        <p:spPr>
-          <a:xfrm rot="16200000">
-            <a:off x="9795353" y="2942029"/>
-            <a:ext cx="313150" cy="388307"/>
-          </a:xfrm>
-          <a:prstGeom prst="rightArrow">
-            <a:avLst/>
-          </a:prstGeom>
-          <a:solidFill>
-            <a:srgbClr val="B5CBE7"/>
-          </a:solidFill>
-        </p:spPr>
-        <p:style>
-          <a:lnRef idx="2">
-            <a:schemeClr val="accent1">
-              <a:shade val="50000"/>
-            </a:schemeClr>
-          </a:lnRef>
-          <a:fillRef idx="1">
-            <a:schemeClr val="accent1"/>
-          </a:fillRef>
-          <a:effectRef idx="0">
-            <a:schemeClr val="accent1"/>
-          </a:effectRef>
-          <a:fontRef idx="minor">
-            <a:schemeClr val="lt1"/>
-          </a:fontRef>
-        </p:style>
-        <p:txBody>
-          <a:bodyPr rtlCol="0" anchor="ctr"/>
-          <a:lstStyle/>
-          <a:p>
-            <a:pPr algn="ctr"/>
-            <a:endParaRPr lang="en-GB"/>
-          </a:p>
-        </p:txBody>
-      </p:sp>
-      <p:sp>
-        <p:nvSpPr>
-          <p:cNvPr id="9" name="Right Arrow 8"/>
-          <p:cNvSpPr/>
-          <p:nvPr/>
-        </p:nvSpPr>
-        <p:spPr>
-          <a:xfrm rot="5400000" flipV="1">
-            <a:off x="9795353" y="3791418"/>
-            <a:ext cx="313150" cy="388307"/>
-          </a:xfrm>
-          <a:prstGeom prst="rightArrow">
-            <a:avLst/>
-          </a:prstGeom>
-          <a:solidFill>
-            <a:srgbClr val="B5CBE7"/>
-          </a:solidFill>
-        </p:spPr>
-        <p:style>
-          <a:lnRef idx="2">
-            <a:schemeClr val="accent1">
-              <a:shade val="50000"/>
-            </a:schemeClr>
-          </a:lnRef>
-          <a:fillRef idx="1">
-            <a:schemeClr val="accent1"/>
-          </a:fillRef>
-          <a:effectRef idx="0">
-            <a:schemeClr val="accent1"/>
-          </a:effectRef>
-          <a:fontRef idx="minor">
-            <a:schemeClr val="lt1"/>
-          </a:fontRef>
-        </p:style>
-        <p:txBody>
-          <a:bodyPr rtlCol="0" anchor="ctr"/>
-          <a:lstStyle/>
-          <a:p>
-            <a:pPr algn="ctr"/>
-            <a:endParaRPr lang="en-GB"/>
-          </a:p>
-        </p:txBody>
-      </p:sp>
-    </p:spTree>
-    <p:extLst>
-      <p:ext uri="{BB962C8B-B14F-4D97-AF65-F5344CB8AC3E}">
-        <p14:creationId xmlns:p14="http://schemas.microsoft.com/office/powerpoint/2010/main" val="1138139222"/>
       </p:ext>
     </p:extLst>
   </p:cSld>

--- a/thesis.pptx
+++ b/thesis.pptx
@@ -18,6 +18,7 @@
     <p:sldId id="263" r:id="rId12"/>
     <p:sldId id="265" r:id="rId13"/>
     <p:sldId id="266" r:id="rId14"/>
+    <p:sldId id="269" r:id="rId15"/>
   </p:sldIdLst>
   <p:sldSz cx="12192000" cy="6858000"/>
   <p:notesSz cx="6858000" cy="9144000"/>
@@ -138,6 +139,11 @@
             <p14:sldId id="263"/>
             <p14:sldId id="265"/>
             <p14:sldId id="266"/>
+          </p14:sldIdLst>
+        </p14:section>
+        <p14:section name="Untitled Section" id="{B962FB78-9199-4487-AC0D-18D494D51F77}">
+          <p14:sldIdLst>
+            <p14:sldId id="269"/>
           </p14:sldIdLst>
         </p14:section>
       </p14:sectionLst>
@@ -9624,7 +9630,7 @@
           <a:p>
             <a:fld id="{868DB8A7-3A18-4C2F-83F4-935BFDFABEE2}" type="datetimeFigureOut">
               <a:rPr lang="en-GB" smtClean="0"/>
-              <a:t>31/12/2020</a:t>
+              <a:t>02/01/2021</a:t>
             </a:fld>
             <a:endParaRPr lang="en-GB"/>
           </a:p>
@@ -9794,7 +9800,7 @@
           <a:p>
             <a:fld id="{868DB8A7-3A18-4C2F-83F4-935BFDFABEE2}" type="datetimeFigureOut">
               <a:rPr lang="en-GB" smtClean="0"/>
-              <a:t>31/12/2020</a:t>
+              <a:t>02/01/2021</a:t>
             </a:fld>
             <a:endParaRPr lang="en-GB"/>
           </a:p>
@@ -9974,7 +9980,7 @@
           <a:p>
             <a:fld id="{868DB8A7-3A18-4C2F-83F4-935BFDFABEE2}" type="datetimeFigureOut">
               <a:rPr lang="en-GB" smtClean="0"/>
-              <a:t>31/12/2020</a:t>
+              <a:t>02/01/2021</a:t>
             </a:fld>
             <a:endParaRPr lang="en-GB"/>
           </a:p>
@@ -10144,7 +10150,7 @@
           <a:p>
             <a:fld id="{868DB8A7-3A18-4C2F-83F4-935BFDFABEE2}" type="datetimeFigureOut">
               <a:rPr lang="en-GB" smtClean="0"/>
-              <a:t>31/12/2020</a:t>
+              <a:t>02/01/2021</a:t>
             </a:fld>
             <a:endParaRPr lang="en-GB"/>
           </a:p>
@@ -10390,7 +10396,7 @@
           <a:p>
             <a:fld id="{868DB8A7-3A18-4C2F-83F4-935BFDFABEE2}" type="datetimeFigureOut">
               <a:rPr lang="en-GB" smtClean="0"/>
-              <a:t>31/12/2020</a:t>
+              <a:t>02/01/2021</a:t>
             </a:fld>
             <a:endParaRPr lang="en-GB"/>
           </a:p>
@@ -10622,7 +10628,7 @@
           <a:p>
             <a:fld id="{868DB8A7-3A18-4C2F-83F4-935BFDFABEE2}" type="datetimeFigureOut">
               <a:rPr lang="en-GB" smtClean="0"/>
-              <a:t>31/12/2020</a:t>
+              <a:t>02/01/2021</a:t>
             </a:fld>
             <a:endParaRPr lang="en-GB"/>
           </a:p>
@@ -10989,7 +10995,7 @@
           <a:p>
             <a:fld id="{868DB8A7-3A18-4C2F-83F4-935BFDFABEE2}" type="datetimeFigureOut">
               <a:rPr lang="en-GB" smtClean="0"/>
-              <a:t>31/12/2020</a:t>
+              <a:t>02/01/2021</a:t>
             </a:fld>
             <a:endParaRPr lang="en-GB"/>
           </a:p>
@@ -11107,7 +11113,7 @@
           <a:p>
             <a:fld id="{868DB8A7-3A18-4C2F-83F4-935BFDFABEE2}" type="datetimeFigureOut">
               <a:rPr lang="en-GB" smtClean="0"/>
-              <a:t>31/12/2020</a:t>
+              <a:t>02/01/2021</a:t>
             </a:fld>
             <a:endParaRPr lang="en-GB"/>
           </a:p>
@@ -11202,7 +11208,7 @@
           <a:p>
             <a:fld id="{868DB8A7-3A18-4C2F-83F4-935BFDFABEE2}" type="datetimeFigureOut">
               <a:rPr lang="en-GB" smtClean="0"/>
-              <a:t>31/12/2020</a:t>
+              <a:t>02/01/2021</a:t>
             </a:fld>
             <a:endParaRPr lang="en-GB"/>
           </a:p>
@@ -11479,7 +11485,7 @@
           <a:p>
             <a:fld id="{868DB8A7-3A18-4C2F-83F4-935BFDFABEE2}" type="datetimeFigureOut">
               <a:rPr lang="en-GB" smtClean="0"/>
-              <a:t>31/12/2020</a:t>
+              <a:t>02/01/2021</a:t>
             </a:fld>
             <a:endParaRPr lang="en-GB"/>
           </a:p>
@@ -11732,7 +11738,7 @@
           <a:p>
             <a:fld id="{868DB8A7-3A18-4C2F-83F4-935BFDFABEE2}" type="datetimeFigureOut">
               <a:rPr lang="en-GB" smtClean="0"/>
-              <a:t>31/12/2020</a:t>
+              <a:t>02/01/2021</a:t>
             </a:fld>
             <a:endParaRPr lang="en-GB"/>
           </a:p>
@@ -11945,7 +11951,7 @@
           <a:p>
             <a:fld id="{868DB8A7-3A18-4C2F-83F4-935BFDFABEE2}" type="datetimeFigureOut">
               <a:rPr lang="en-GB" smtClean="0"/>
-              <a:t>31/12/2020</a:t>
+              <a:t>02/01/2021</a:t>
             </a:fld>
             <a:endParaRPr lang="en-GB"/>
           </a:p>
@@ -17335,6 +17341,3718 @@
 </p:sld>
 </file>
 
+<file path=ppt/slides/slide14.xml><?xml version="1.0" encoding="utf-8"?>
+<p:sld xmlns:a="http://schemas.openxmlformats.org/drawingml/2006/main" xmlns:r="http://schemas.openxmlformats.org/officeDocument/2006/relationships" xmlns:p="http://schemas.openxmlformats.org/presentationml/2006/main">
+  <p:cSld>
+    <p:spTree>
+      <p:nvGrpSpPr>
+        <p:cNvPr id="1" name=""/>
+        <p:cNvGrpSpPr/>
+        <p:nvPr/>
+      </p:nvGrpSpPr>
+      <p:grpSpPr>
+        <a:xfrm>
+          <a:off x="0" y="0"/>
+          <a:ext cx="0" cy="0"/>
+          <a:chOff x="0" y="0"/>
+          <a:chExt cx="0" cy="0"/>
+        </a:xfrm>
+      </p:grpSpPr>
+      <p:sp>
+        <p:nvSpPr>
+          <p:cNvPr id="2" name="Rectangle: Rounded Corners 1">
+            <a:extLst>
+              <a:ext uri="{FF2B5EF4-FFF2-40B4-BE49-F238E27FC236}">
+                <a16:creationId xmlns:a16="http://schemas.microsoft.com/office/drawing/2014/main" id="{CAFDDE6D-FCEC-43B0-A12C-AD4658653AFB}"/>
+              </a:ext>
+            </a:extLst>
+          </p:cNvPr>
+          <p:cNvSpPr/>
+          <p:nvPr/>
+        </p:nvSpPr>
+        <p:spPr>
+          <a:xfrm>
+            <a:off x="2213296" y="1400962"/>
+            <a:ext cx="637563" cy="478173"/>
+          </a:xfrm>
+          <a:prstGeom prst="roundRect">
+            <a:avLst/>
+          </a:prstGeom>
+          <a:ln w="38100">
+            <a:prstDash val="sysDash"/>
+          </a:ln>
+        </p:spPr>
+        <p:style>
+          <a:lnRef idx="1">
+            <a:schemeClr val="accent2"/>
+          </a:lnRef>
+          <a:fillRef idx="2">
+            <a:schemeClr val="accent2"/>
+          </a:fillRef>
+          <a:effectRef idx="1">
+            <a:schemeClr val="accent2"/>
+          </a:effectRef>
+          <a:fontRef idx="minor">
+            <a:schemeClr val="dk1"/>
+          </a:fontRef>
+        </p:style>
+        <p:txBody>
+          <a:bodyPr rtlCol="0" anchor="ctr"/>
+          <a:lstStyle/>
+          <a:p>
+            <a:pPr algn="ctr"/>
+            <a:endParaRPr lang="en-GB"/>
+          </a:p>
+        </p:txBody>
+      </p:sp>
+      <p:sp>
+        <p:nvSpPr>
+          <p:cNvPr id="3" name="Rectangle: Rounded Corners 2">
+            <a:extLst>
+              <a:ext uri="{FF2B5EF4-FFF2-40B4-BE49-F238E27FC236}">
+                <a16:creationId xmlns:a16="http://schemas.microsoft.com/office/drawing/2014/main" id="{80004BDB-B851-42BB-8DD7-8DC5D46C70EA}"/>
+              </a:ext>
+            </a:extLst>
+          </p:cNvPr>
+          <p:cNvSpPr/>
+          <p:nvPr/>
+        </p:nvSpPr>
+        <p:spPr>
+          <a:xfrm>
+            <a:off x="3338819" y="1400961"/>
+            <a:ext cx="637563" cy="478173"/>
+          </a:xfrm>
+          <a:prstGeom prst="roundRect">
+            <a:avLst/>
+          </a:prstGeom>
+          <a:ln w="38100"/>
+        </p:spPr>
+        <p:style>
+          <a:lnRef idx="1">
+            <a:schemeClr val="accent2"/>
+          </a:lnRef>
+          <a:fillRef idx="2">
+            <a:schemeClr val="accent2"/>
+          </a:fillRef>
+          <a:effectRef idx="1">
+            <a:schemeClr val="accent2"/>
+          </a:effectRef>
+          <a:fontRef idx="minor">
+            <a:schemeClr val="dk1"/>
+          </a:fontRef>
+        </p:style>
+        <p:txBody>
+          <a:bodyPr rtlCol="0" anchor="ctr"/>
+          <a:lstStyle/>
+          <a:p>
+            <a:pPr algn="ctr"/>
+            <a:endParaRPr lang="en-GB"/>
+          </a:p>
+        </p:txBody>
+      </p:sp>
+      <p:sp>
+        <p:nvSpPr>
+          <p:cNvPr id="4" name="Rectangle: Rounded Corners 3">
+            <a:extLst>
+              <a:ext uri="{FF2B5EF4-FFF2-40B4-BE49-F238E27FC236}">
+                <a16:creationId xmlns:a16="http://schemas.microsoft.com/office/drawing/2014/main" id="{5059D609-94AE-47B8-AA2C-3F41C1EED83B}"/>
+              </a:ext>
+            </a:extLst>
+          </p:cNvPr>
+          <p:cNvSpPr/>
+          <p:nvPr/>
+        </p:nvSpPr>
+        <p:spPr>
+          <a:xfrm>
+            <a:off x="4464342" y="1400960"/>
+            <a:ext cx="637563" cy="478173"/>
+          </a:xfrm>
+          <a:prstGeom prst="roundRect">
+            <a:avLst/>
+          </a:prstGeom>
+          <a:ln w="38100">
+            <a:prstDash val="sysDash"/>
+          </a:ln>
+        </p:spPr>
+        <p:style>
+          <a:lnRef idx="1">
+            <a:schemeClr val="accent2"/>
+          </a:lnRef>
+          <a:fillRef idx="2">
+            <a:schemeClr val="accent2"/>
+          </a:fillRef>
+          <a:effectRef idx="1">
+            <a:schemeClr val="accent2"/>
+          </a:effectRef>
+          <a:fontRef idx="minor">
+            <a:schemeClr val="dk1"/>
+          </a:fontRef>
+        </p:style>
+        <p:txBody>
+          <a:bodyPr rtlCol="0" anchor="ctr"/>
+          <a:lstStyle/>
+          <a:p>
+            <a:pPr algn="ctr"/>
+            <a:endParaRPr lang="en-GB"/>
+          </a:p>
+        </p:txBody>
+      </p:sp>
+      <p:sp>
+        <p:nvSpPr>
+          <p:cNvPr id="5" name="Rectangle: Rounded Corners 4">
+            <a:extLst>
+              <a:ext uri="{FF2B5EF4-FFF2-40B4-BE49-F238E27FC236}">
+                <a16:creationId xmlns:a16="http://schemas.microsoft.com/office/drawing/2014/main" id="{B8B5D7E9-B94A-4E0C-BD95-8889C99FE84F}"/>
+              </a:ext>
+            </a:extLst>
+          </p:cNvPr>
+          <p:cNvSpPr/>
+          <p:nvPr/>
+        </p:nvSpPr>
+        <p:spPr>
+          <a:xfrm>
+            <a:off x="2213296" y="3858936"/>
+            <a:ext cx="637563" cy="478173"/>
+          </a:xfrm>
+          <a:prstGeom prst="roundRect">
+            <a:avLst/>
+          </a:prstGeom>
+          <a:ln w="38100"/>
+        </p:spPr>
+        <p:style>
+          <a:lnRef idx="1">
+            <a:schemeClr val="accent2"/>
+          </a:lnRef>
+          <a:fillRef idx="2">
+            <a:schemeClr val="accent2"/>
+          </a:fillRef>
+          <a:effectRef idx="1">
+            <a:schemeClr val="accent2"/>
+          </a:effectRef>
+          <a:fontRef idx="minor">
+            <a:schemeClr val="dk1"/>
+          </a:fontRef>
+        </p:style>
+        <p:txBody>
+          <a:bodyPr rtlCol="0" anchor="ctr"/>
+          <a:lstStyle/>
+          <a:p>
+            <a:pPr algn="ctr"/>
+            <a:endParaRPr lang="en-GB"/>
+          </a:p>
+        </p:txBody>
+      </p:sp>
+      <p:sp>
+        <p:nvSpPr>
+          <p:cNvPr id="6" name="Rectangle: Rounded Corners 5">
+            <a:extLst>
+              <a:ext uri="{FF2B5EF4-FFF2-40B4-BE49-F238E27FC236}">
+                <a16:creationId xmlns:a16="http://schemas.microsoft.com/office/drawing/2014/main" id="{AC68A528-FA1E-4B43-9D63-104BC59ED1BF}"/>
+              </a:ext>
+            </a:extLst>
+          </p:cNvPr>
+          <p:cNvSpPr/>
+          <p:nvPr/>
+        </p:nvSpPr>
+        <p:spPr>
+          <a:xfrm>
+            <a:off x="3338819" y="3858935"/>
+            <a:ext cx="637563" cy="478173"/>
+          </a:xfrm>
+          <a:prstGeom prst="roundRect">
+            <a:avLst/>
+          </a:prstGeom>
+          <a:ln w="38100"/>
+        </p:spPr>
+        <p:style>
+          <a:lnRef idx="1">
+            <a:schemeClr val="accent2"/>
+          </a:lnRef>
+          <a:fillRef idx="2">
+            <a:schemeClr val="accent2"/>
+          </a:fillRef>
+          <a:effectRef idx="1">
+            <a:schemeClr val="accent2"/>
+          </a:effectRef>
+          <a:fontRef idx="minor">
+            <a:schemeClr val="dk1"/>
+          </a:fontRef>
+        </p:style>
+        <p:txBody>
+          <a:bodyPr rtlCol="0" anchor="ctr"/>
+          <a:lstStyle/>
+          <a:p>
+            <a:pPr algn="ctr"/>
+            <a:endParaRPr lang="en-GB"/>
+          </a:p>
+        </p:txBody>
+      </p:sp>
+      <p:sp>
+        <p:nvSpPr>
+          <p:cNvPr id="7" name="Rectangle: Rounded Corners 6">
+            <a:extLst>
+              <a:ext uri="{FF2B5EF4-FFF2-40B4-BE49-F238E27FC236}">
+                <a16:creationId xmlns:a16="http://schemas.microsoft.com/office/drawing/2014/main" id="{2EAA6FEB-96BB-4BD2-8747-40F1506968EB}"/>
+              </a:ext>
+            </a:extLst>
+          </p:cNvPr>
+          <p:cNvSpPr/>
+          <p:nvPr/>
+        </p:nvSpPr>
+        <p:spPr>
+          <a:xfrm>
+            <a:off x="4464342" y="3858934"/>
+            <a:ext cx="637563" cy="478173"/>
+          </a:xfrm>
+          <a:prstGeom prst="roundRect">
+            <a:avLst/>
+          </a:prstGeom>
+          <a:ln w="38100"/>
+        </p:spPr>
+        <p:style>
+          <a:lnRef idx="1">
+            <a:schemeClr val="accent2"/>
+          </a:lnRef>
+          <a:fillRef idx="2">
+            <a:schemeClr val="accent2"/>
+          </a:fillRef>
+          <a:effectRef idx="1">
+            <a:schemeClr val="accent2"/>
+          </a:effectRef>
+          <a:fontRef idx="minor">
+            <a:schemeClr val="dk1"/>
+          </a:fontRef>
+        </p:style>
+        <p:txBody>
+          <a:bodyPr rtlCol="0" anchor="ctr"/>
+          <a:lstStyle/>
+          <a:p>
+            <a:pPr algn="ctr"/>
+            <a:endParaRPr lang="en-GB"/>
+          </a:p>
+        </p:txBody>
+      </p:sp>
+      <p:cxnSp>
+        <p:nvCxnSpPr>
+          <p:cNvPr id="9" name="Connector: Elbow 8">
+            <a:extLst>
+              <a:ext uri="{FF2B5EF4-FFF2-40B4-BE49-F238E27FC236}">
+                <a16:creationId xmlns:a16="http://schemas.microsoft.com/office/drawing/2014/main" id="{2C6675D3-54C8-4008-B2BC-D168B7F21086}"/>
+              </a:ext>
+            </a:extLst>
+          </p:cNvPr>
+          <p:cNvCxnSpPr>
+            <a:stCxn id="2" idx="3"/>
+            <a:endCxn id="3" idx="1"/>
+          </p:cNvCxnSpPr>
+          <p:nvPr/>
+        </p:nvCxnSpPr>
+        <p:spPr>
+          <a:xfrm flipV="1">
+            <a:off x="2850859" y="1640048"/>
+            <a:ext cx="487960" cy="1"/>
+          </a:xfrm>
+          <a:prstGeom prst="bentConnector3">
+            <a:avLst/>
+          </a:prstGeom>
+          <a:ln w="38100">
+            <a:tailEnd type="triangle"/>
+          </a:ln>
+        </p:spPr>
+        <p:style>
+          <a:lnRef idx="1">
+            <a:schemeClr val="accent1"/>
+          </a:lnRef>
+          <a:fillRef idx="0">
+            <a:schemeClr val="accent1"/>
+          </a:fillRef>
+          <a:effectRef idx="0">
+            <a:schemeClr val="accent1"/>
+          </a:effectRef>
+          <a:fontRef idx="minor">
+            <a:schemeClr val="tx1"/>
+          </a:fontRef>
+        </p:style>
+      </p:cxnSp>
+      <p:cxnSp>
+        <p:nvCxnSpPr>
+          <p:cNvPr id="10" name="Connector: Elbow 9">
+            <a:extLst>
+              <a:ext uri="{FF2B5EF4-FFF2-40B4-BE49-F238E27FC236}">
+                <a16:creationId xmlns:a16="http://schemas.microsoft.com/office/drawing/2014/main" id="{F4A8AE63-5FA3-47F6-A45E-666C2F5D04EB}"/>
+              </a:ext>
+            </a:extLst>
+          </p:cNvPr>
+          <p:cNvCxnSpPr/>
+          <p:nvPr/>
+        </p:nvCxnSpPr>
+        <p:spPr>
+          <a:xfrm flipV="1">
+            <a:off x="1725336" y="1640046"/>
+            <a:ext cx="487960" cy="1"/>
+          </a:xfrm>
+          <a:prstGeom prst="bentConnector3">
+            <a:avLst/>
+          </a:prstGeom>
+          <a:ln w="38100">
+            <a:prstDash val="sysDash"/>
+            <a:tailEnd type="triangle"/>
+          </a:ln>
+        </p:spPr>
+        <p:style>
+          <a:lnRef idx="1">
+            <a:schemeClr val="accent1"/>
+          </a:lnRef>
+          <a:fillRef idx="0">
+            <a:schemeClr val="accent1"/>
+          </a:fillRef>
+          <a:effectRef idx="0">
+            <a:schemeClr val="accent1"/>
+          </a:effectRef>
+          <a:fontRef idx="minor">
+            <a:schemeClr val="tx1"/>
+          </a:fontRef>
+        </p:style>
+      </p:cxnSp>
+      <p:cxnSp>
+        <p:nvCxnSpPr>
+          <p:cNvPr id="11" name="Connector: Elbow 10">
+            <a:extLst>
+              <a:ext uri="{FF2B5EF4-FFF2-40B4-BE49-F238E27FC236}">
+                <a16:creationId xmlns:a16="http://schemas.microsoft.com/office/drawing/2014/main" id="{0DB508B3-B853-4CE0-A363-D1F94C7A03D8}"/>
+              </a:ext>
+            </a:extLst>
+          </p:cNvPr>
+          <p:cNvCxnSpPr/>
+          <p:nvPr/>
+        </p:nvCxnSpPr>
+        <p:spPr>
+          <a:xfrm flipV="1">
+            <a:off x="3976382" y="1640046"/>
+            <a:ext cx="487960" cy="1"/>
+          </a:xfrm>
+          <a:prstGeom prst="bentConnector3">
+            <a:avLst/>
+          </a:prstGeom>
+          <a:ln w="38100">
+            <a:tailEnd type="triangle"/>
+          </a:ln>
+        </p:spPr>
+        <p:style>
+          <a:lnRef idx="1">
+            <a:schemeClr val="accent1"/>
+          </a:lnRef>
+          <a:fillRef idx="0">
+            <a:schemeClr val="accent1"/>
+          </a:fillRef>
+          <a:effectRef idx="0">
+            <a:schemeClr val="accent1"/>
+          </a:effectRef>
+          <a:fontRef idx="minor">
+            <a:schemeClr val="tx1"/>
+          </a:fontRef>
+        </p:style>
+      </p:cxnSp>
+      <p:cxnSp>
+        <p:nvCxnSpPr>
+          <p:cNvPr id="12" name="Connector: Elbow 11">
+            <a:extLst>
+              <a:ext uri="{FF2B5EF4-FFF2-40B4-BE49-F238E27FC236}">
+                <a16:creationId xmlns:a16="http://schemas.microsoft.com/office/drawing/2014/main" id="{90D3E9A7-A024-4422-9151-0F170D39F0A5}"/>
+              </a:ext>
+            </a:extLst>
+          </p:cNvPr>
+          <p:cNvCxnSpPr/>
+          <p:nvPr/>
+        </p:nvCxnSpPr>
+        <p:spPr>
+          <a:xfrm flipV="1">
+            <a:off x="2850859" y="4098023"/>
+            <a:ext cx="487960" cy="1"/>
+          </a:xfrm>
+          <a:prstGeom prst="bentConnector3">
+            <a:avLst/>
+          </a:prstGeom>
+          <a:ln w="38100">
+            <a:tailEnd type="triangle"/>
+          </a:ln>
+        </p:spPr>
+        <p:style>
+          <a:lnRef idx="1">
+            <a:schemeClr val="accent1"/>
+          </a:lnRef>
+          <a:fillRef idx="0">
+            <a:schemeClr val="accent1"/>
+          </a:fillRef>
+          <a:effectRef idx="0">
+            <a:schemeClr val="accent1"/>
+          </a:effectRef>
+          <a:fontRef idx="minor">
+            <a:schemeClr val="tx1"/>
+          </a:fontRef>
+        </p:style>
+      </p:cxnSp>
+      <p:cxnSp>
+        <p:nvCxnSpPr>
+          <p:cNvPr id="13" name="Connector: Elbow 12">
+            <a:extLst>
+              <a:ext uri="{FF2B5EF4-FFF2-40B4-BE49-F238E27FC236}">
+                <a16:creationId xmlns:a16="http://schemas.microsoft.com/office/drawing/2014/main" id="{FAC2D85F-C7CF-49C4-A50E-CD09237C84B6}"/>
+              </a:ext>
+            </a:extLst>
+          </p:cNvPr>
+          <p:cNvCxnSpPr/>
+          <p:nvPr/>
+        </p:nvCxnSpPr>
+        <p:spPr>
+          <a:xfrm flipV="1">
+            <a:off x="1725336" y="4098021"/>
+            <a:ext cx="487960" cy="1"/>
+          </a:xfrm>
+          <a:prstGeom prst="bentConnector3">
+            <a:avLst/>
+          </a:prstGeom>
+          <a:ln w="38100">
+            <a:tailEnd type="triangle"/>
+          </a:ln>
+        </p:spPr>
+        <p:style>
+          <a:lnRef idx="1">
+            <a:schemeClr val="accent1"/>
+          </a:lnRef>
+          <a:fillRef idx="0">
+            <a:schemeClr val="accent1"/>
+          </a:fillRef>
+          <a:effectRef idx="0">
+            <a:schemeClr val="accent1"/>
+          </a:effectRef>
+          <a:fontRef idx="minor">
+            <a:schemeClr val="tx1"/>
+          </a:fontRef>
+        </p:style>
+      </p:cxnSp>
+      <p:cxnSp>
+        <p:nvCxnSpPr>
+          <p:cNvPr id="14" name="Connector: Elbow 13">
+            <a:extLst>
+              <a:ext uri="{FF2B5EF4-FFF2-40B4-BE49-F238E27FC236}">
+                <a16:creationId xmlns:a16="http://schemas.microsoft.com/office/drawing/2014/main" id="{BB211C5E-FAEF-4666-80C2-F86B7E018AA7}"/>
+              </a:ext>
+            </a:extLst>
+          </p:cNvPr>
+          <p:cNvCxnSpPr/>
+          <p:nvPr/>
+        </p:nvCxnSpPr>
+        <p:spPr>
+          <a:xfrm flipV="1">
+            <a:off x="3976382" y="4098021"/>
+            <a:ext cx="487960" cy="1"/>
+          </a:xfrm>
+          <a:prstGeom prst="bentConnector3">
+            <a:avLst/>
+          </a:prstGeom>
+          <a:ln w="38100">
+            <a:tailEnd type="triangle"/>
+          </a:ln>
+        </p:spPr>
+        <p:style>
+          <a:lnRef idx="1">
+            <a:schemeClr val="accent1"/>
+          </a:lnRef>
+          <a:fillRef idx="0">
+            <a:schemeClr val="accent1"/>
+          </a:fillRef>
+          <a:effectRef idx="0">
+            <a:schemeClr val="accent1"/>
+          </a:effectRef>
+          <a:fontRef idx="minor">
+            <a:schemeClr val="tx1"/>
+          </a:fontRef>
+        </p:style>
+      </p:cxnSp>
+      <p:sp>
+        <p:nvSpPr>
+          <p:cNvPr id="17" name="Rectangle: Rounded Corners 16">
+            <a:extLst>
+              <a:ext uri="{FF2B5EF4-FFF2-40B4-BE49-F238E27FC236}">
+                <a16:creationId xmlns:a16="http://schemas.microsoft.com/office/drawing/2014/main" id="{B39103AE-1153-40CB-9731-F5066322B76D}"/>
+              </a:ext>
+            </a:extLst>
+          </p:cNvPr>
+          <p:cNvSpPr/>
+          <p:nvPr/>
+        </p:nvSpPr>
+        <p:spPr>
+          <a:xfrm>
+            <a:off x="3347208" y="2277629"/>
+            <a:ext cx="637563" cy="478173"/>
+          </a:xfrm>
+          <a:prstGeom prst="roundRect">
+            <a:avLst/>
+          </a:prstGeom>
+          <a:ln/>
+        </p:spPr>
+        <p:style>
+          <a:lnRef idx="1">
+            <a:schemeClr val="accent1"/>
+          </a:lnRef>
+          <a:fillRef idx="2">
+            <a:schemeClr val="accent1"/>
+          </a:fillRef>
+          <a:effectRef idx="1">
+            <a:schemeClr val="accent1"/>
+          </a:effectRef>
+          <a:fontRef idx="minor">
+            <a:schemeClr val="dk1"/>
+          </a:fontRef>
+        </p:style>
+        <p:txBody>
+          <a:bodyPr rtlCol="0" anchor="ctr"/>
+          <a:lstStyle/>
+          <a:p>
+            <a:pPr algn="ctr"/>
+            <a:r>
+              <a:rPr lang="en-GB" dirty="0"/>
+              <a:t>+</a:t>
+            </a:r>
+          </a:p>
+        </p:txBody>
+      </p:sp>
+      <p:sp>
+        <p:nvSpPr>
+          <p:cNvPr id="18" name="Rectangle: Rounded Corners 17">
+            <a:extLst>
+              <a:ext uri="{FF2B5EF4-FFF2-40B4-BE49-F238E27FC236}">
+                <a16:creationId xmlns:a16="http://schemas.microsoft.com/office/drawing/2014/main" id="{350873A8-E399-4097-AA1C-8A2C49066F80}"/>
+              </a:ext>
+            </a:extLst>
+          </p:cNvPr>
+          <p:cNvSpPr/>
+          <p:nvPr/>
+        </p:nvSpPr>
+        <p:spPr>
+          <a:xfrm>
+            <a:off x="1140903" y="738231"/>
+            <a:ext cx="4253218" cy="2290182"/>
+          </a:xfrm>
+          <a:prstGeom prst="roundRect">
+            <a:avLst/>
+          </a:prstGeom>
+          <a:noFill/>
+          <a:ln>
+            <a:prstDash val="dash"/>
+          </a:ln>
+        </p:spPr>
+        <p:style>
+          <a:lnRef idx="2">
+            <a:schemeClr val="accent1">
+              <a:shade val="50000"/>
+            </a:schemeClr>
+          </a:lnRef>
+          <a:fillRef idx="1">
+            <a:schemeClr val="accent1"/>
+          </a:fillRef>
+          <a:effectRef idx="0">
+            <a:schemeClr val="accent1"/>
+          </a:effectRef>
+          <a:fontRef idx="minor">
+            <a:schemeClr val="lt1"/>
+          </a:fontRef>
+        </p:style>
+        <p:txBody>
+          <a:bodyPr rtlCol="0" anchor="ctr"/>
+          <a:lstStyle/>
+          <a:p>
+            <a:pPr algn="ctr"/>
+            <a:endParaRPr lang="en-GB"/>
+          </a:p>
+        </p:txBody>
+      </p:sp>
+      <p:sp>
+        <p:nvSpPr>
+          <p:cNvPr id="19" name="Rectangle: Rounded Corners 18">
+            <a:extLst>
+              <a:ext uri="{FF2B5EF4-FFF2-40B4-BE49-F238E27FC236}">
+                <a16:creationId xmlns:a16="http://schemas.microsoft.com/office/drawing/2014/main" id="{7A7301E9-1203-4AD8-998A-70CE0F9603FA}"/>
+              </a:ext>
+            </a:extLst>
+          </p:cNvPr>
+          <p:cNvSpPr/>
+          <p:nvPr/>
+        </p:nvSpPr>
+        <p:spPr>
+          <a:xfrm>
+            <a:off x="1140903" y="3123513"/>
+            <a:ext cx="4253218" cy="2290182"/>
+          </a:xfrm>
+          <a:prstGeom prst="roundRect">
+            <a:avLst/>
+          </a:prstGeom>
+          <a:noFill/>
+          <a:ln>
+            <a:prstDash val="dash"/>
+          </a:ln>
+        </p:spPr>
+        <p:style>
+          <a:lnRef idx="2">
+            <a:schemeClr val="accent1">
+              <a:shade val="50000"/>
+            </a:schemeClr>
+          </a:lnRef>
+          <a:fillRef idx="1">
+            <a:schemeClr val="accent1"/>
+          </a:fillRef>
+          <a:effectRef idx="0">
+            <a:schemeClr val="accent1"/>
+          </a:effectRef>
+          <a:fontRef idx="minor">
+            <a:schemeClr val="lt1"/>
+          </a:fontRef>
+        </p:style>
+        <p:txBody>
+          <a:bodyPr rtlCol="0" anchor="ctr"/>
+          <a:lstStyle/>
+          <a:p>
+            <a:pPr algn="ctr"/>
+            <a:endParaRPr lang="en-GB"/>
+          </a:p>
+        </p:txBody>
+      </p:sp>
+      <p:sp>
+        <p:nvSpPr>
+          <p:cNvPr id="32" name="TextBox 31">
+            <a:extLst>
+              <a:ext uri="{FF2B5EF4-FFF2-40B4-BE49-F238E27FC236}">
+                <a16:creationId xmlns:a16="http://schemas.microsoft.com/office/drawing/2014/main" id="{84BE00EE-6798-45A5-9D36-C38D44886763}"/>
+              </a:ext>
+            </a:extLst>
+          </p:cNvPr>
+          <p:cNvSpPr txBox="1"/>
+          <p:nvPr/>
+        </p:nvSpPr>
+        <p:spPr>
+          <a:xfrm>
+            <a:off x="1246207" y="2692637"/>
+            <a:ext cx="977832" cy="369332"/>
+          </a:xfrm>
+          <a:prstGeom prst="rect">
+            <a:avLst/>
+          </a:prstGeom>
+          <a:noFill/>
+        </p:spPr>
+        <p:txBody>
+          <a:bodyPr wrap="none" rtlCol="0">
+            <a:spAutoFit/>
+          </a:bodyPr>
+          <a:lstStyle/>
+          <a:p>
+            <a:r>
+              <a:rPr lang="en-GB" dirty="0"/>
+              <a:t>Decoder</a:t>
+            </a:r>
+          </a:p>
+        </p:txBody>
+      </p:sp>
+      <p:sp>
+        <p:nvSpPr>
+          <p:cNvPr id="33" name="TextBox 32">
+            <a:extLst>
+              <a:ext uri="{FF2B5EF4-FFF2-40B4-BE49-F238E27FC236}">
+                <a16:creationId xmlns:a16="http://schemas.microsoft.com/office/drawing/2014/main" id="{3B944413-4508-4C4D-B87E-25826F56919D}"/>
+              </a:ext>
+            </a:extLst>
+          </p:cNvPr>
+          <p:cNvSpPr txBox="1"/>
+          <p:nvPr/>
+        </p:nvSpPr>
+        <p:spPr>
+          <a:xfrm>
+            <a:off x="1269020" y="5094708"/>
+            <a:ext cx="953787" cy="369332"/>
+          </a:xfrm>
+          <a:prstGeom prst="rect">
+            <a:avLst/>
+          </a:prstGeom>
+          <a:noFill/>
+        </p:spPr>
+        <p:txBody>
+          <a:bodyPr wrap="none" rtlCol="0">
+            <a:spAutoFit/>
+          </a:bodyPr>
+          <a:lstStyle/>
+          <a:p>
+            <a:r>
+              <a:rPr lang="en-GB" dirty="0"/>
+              <a:t>Encoder</a:t>
+            </a:r>
+          </a:p>
+        </p:txBody>
+      </p:sp>
+      <p:cxnSp>
+        <p:nvCxnSpPr>
+          <p:cNvPr id="34" name="Connector: Elbow 33">
+            <a:extLst>
+              <a:ext uri="{FF2B5EF4-FFF2-40B4-BE49-F238E27FC236}">
+                <a16:creationId xmlns:a16="http://schemas.microsoft.com/office/drawing/2014/main" id="{CE7A224F-02C5-45D4-BBBC-E1653497A818}"/>
+              </a:ext>
+            </a:extLst>
+          </p:cNvPr>
+          <p:cNvCxnSpPr>
+            <a:cxnSpLocks/>
+          </p:cNvCxnSpPr>
+          <p:nvPr/>
+        </p:nvCxnSpPr>
+        <p:spPr>
+          <a:xfrm rot="16200000" flipV="1">
+            <a:off x="3438789" y="1200321"/>
+            <a:ext cx="437620" cy="1"/>
+          </a:xfrm>
+          <a:prstGeom prst="bentConnector3">
+            <a:avLst>
+              <a:gd name="adj1" fmla="val 25079"/>
+            </a:avLst>
+          </a:prstGeom>
+          <a:ln w="38100">
+            <a:tailEnd type="triangle"/>
+          </a:ln>
+        </p:spPr>
+        <p:style>
+          <a:lnRef idx="1">
+            <a:schemeClr val="accent1"/>
+          </a:lnRef>
+          <a:fillRef idx="0">
+            <a:schemeClr val="accent1"/>
+          </a:fillRef>
+          <a:effectRef idx="0">
+            <a:schemeClr val="accent1"/>
+          </a:effectRef>
+          <a:fontRef idx="minor">
+            <a:schemeClr val="tx1"/>
+          </a:fontRef>
+        </p:style>
+      </p:cxnSp>
+      <p:cxnSp>
+        <p:nvCxnSpPr>
+          <p:cNvPr id="36" name="Connector: Elbow 35">
+            <a:extLst>
+              <a:ext uri="{FF2B5EF4-FFF2-40B4-BE49-F238E27FC236}">
+                <a16:creationId xmlns:a16="http://schemas.microsoft.com/office/drawing/2014/main" id="{E9F6DEE7-D3D4-43B8-A3D0-B0144177BF3E}"/>
+              </a:ext>
+            </a:extLst>
+          </p:cNvPr>
+          <p:cNvCxnSpPr>
+            <a:cxnSpLocks/>
+          </p:cNvCxnSpPr>
+          <p:nvPr/>
+        </p:nvCxnSpPr>
+        <p:spPr>
+          <a:xfrm rot="16200000" flipV="1">
+            <a:off x="3452072" y="2081165"/>
+            <a:ext cx="437620" cy="1"/>
+          </a:xfrm>
+          <a:prstGeom prst="bentConnector3">
+            <a:avLst>
+              <a:gd name="adj1" fmla="val 50000"/>
+            </a:avLst>
+          </a:prstGeom>
+          <a:ln w="38100">
+            <a:tailEnd type="triangle"/>
+          </a:ln>
+        </p:spPr>
+        <p:style>
+          <a:lnRef idx="1">
+            <a:schemeClr val="accent1"/>
+          </a:lnRef>
+          <a:fillRef idx="0">
+            <a:schemeClr val="accent1"/>
+          </a:fillRef>
+          <a:effectRef idx="0">
+            <a:schemeClr val="accent1"/>
+          </a:effectRef>
+          <a:fontRef idx="minor">
+            <a:schemeClr val="tx1"/>
+          </a:fontRef>
+        </p:style>
+      </p:cxnSp>
+      <p:cxnSp>
+        <p:nvCxnSpPr>
+          <p:cNvPr id="37" name="Connector: Elbow 36">
+            <a:extLst>
+              <a:ext uri="{FF2B5EF4-FFF2-40B4-BE49-F238E27FC236}">
+                <a16:creationId xmlns:a16="http://schemas.microsoft.com/office/drawing/2014/main" id="{18B5B52A-62C4-44E3-B9F6-3BE84FDA4B6C}"/>
+              </a:ext>
+            </a:extLst>
+          </p:cNvPr>
+          <p:cNvCxnSpPr>
+            <a:cxnSpLocks/>
+          </p:cNvCxnSpPr>
+          <p:nvPr/>
+        </p:nvCxnSpPr>
+        <p:spPr>
+          <a:xfrm rot="16200000" flipV="1">
+            <a:off x="2333538" y="1225494"/>
+            <a:ext cx="437620" cy="1"/>
+          </a:xfrm>
+          <a:prstGeom prst="bentConnector3">
+            <a:avLst>
+              <a:gd name="adj1" fmla="val 50000"/>
+            </a:avLst>
+          </a:prstGeom>
+          <a:ln w="38100">
+            <a:prstDash val="sysDash"/>
+            <a:tailEnd type="triangle"/>
+          </a:ln>
+        </p:spPr>
+        <p:style>
+          <a:lnRef idx="1">
+            <a:schemeClr val="accent1"/>
+          </a:lnRef>
+          <a:fillRef idx="0">
+            <a:schemeClr val="accent1"/>
+          </a:fillRef>
+          <a:effectRef idx="0">
+            <a:schemeClr val="accent1"/>
+          </a:effectRef>
+          <a:fontRef idx="minor">
+            <a:schemeClr val="tx1"/>
+          </a:fontRef>
+        </p:style>
+      </p:cxnSp>
+      <p:cxnSp>
+        <p:nvCxnSpPr>
+          <p:cNvPr id="38" name="Connector: Elbow 37">
+            <a:extLst>
+              <a:ext uri="{FF2B5EF4-FFF2-40B4-BE49-F238E27FC236}">
+                <a16:creationId xmlns:a16="http://schemas.microsoft.com/office/drawing/2014/main" id="{7F06C7E2-ADA3-4383-B7CE-793DEA9AE7F0}"/>
+              </a:ext>
+            </a:extLst>
+          </p:cNvPr>
+          <p:cNvCxnSpPr>
+            <a:cxnSpLocks/>
+          </p:cNvCxnSpPr>
+          <p:nvPr/>
+        </p:nvCxnSpPr>
+        <p:spPr>
+          <a:xfrm rot="16200000" flipV="1">
+            <a:off x="2333537" y="2086733"/>
+            <a:ext cx="437620" cy="1"/>
+          </a:xfrm>
+          <a:prstGeom prst="bentConnector3">
+            <a:avLst>
+              <a:gd name="adj1" fmla="val 50000"/>
+            </a:avLst>
+          </a:prstGeom>
+          <a:ln w="38100">
+            <a:prstDash val="sysDash"/>
+            <a:tailEnd type="triangle"/>
+          </a:ln>
+        </p:spPr>
+        <p:style>
+          <a:lnRef idx="1">
+            <a:schemeClr val="accent1"/>
+          </a:lnRef>
+          <a:fillRef idx="0">
+            <a:schemeClr val="accent1"/>
+          </a:fillRef>
+          <a:effectRef idx="0">
+            <a:schemeClr val="accent1"/>
+          </a:effectRef>
+          <a:fontRef idx="minor">
+            <a:schemeClr val="tx1"/>
+          </a:fontRef>
+        </p:style>
+      </p:cxnSp>
+      <p:cxnSp>
+        <p:nvCxnSpPr>
+          <p:cNvPr id="40" name="Connector: Elbow 39">
+            <a:extLst>
+              <a:ext uri="{FF2B5EF4-FFF2-40B4-BE49-F238E27FC236}">
+                <a16:creationId xmlns:a16="http://schemas.microsoft.com/office/drawing/2014/main" id="{B9BD6E45-8F6C-41AC-933B-B74677B75315}"/>
+              </a:ext>
+            </a:extLst>
+          </p:cNvPr>
+          <p:cNvCxnSpPr>
+            <a:cxnSpLocks/>
+          </p:cNvCxnSpPr>
+          <p:nvPr/>
+        </p:nvCxnSpPr>
+        <p:spPr>
+          <a:xfrm rot="16200000" flipV="1">
+            <a:off x="2307764" y="3663253"/>
+            <a:ext cx="437620" cy="1"/>
+          </a:xfrm>
+          <a:prstGeom prst="bentConnector3">
+            <a:avLst>
+              <a:gd name="adj1" fmla="val 50000"/>
+            </a:avLst>
+          </a:prstGeom>
+          <a:ln w="38100">
+            <a:tailEnd type="triangle"/>
+          </a:ln>
+        </p:spPr>
+        <p:style>
+          <a:lnRef idx="1">
+            <a:schemeClr val="accent1"/>
+          </a:lnRef>
+          <a:fillRef idx="0">
+            <a:schemeClr val="accent1"/>
+          </a:fillRef>
+          <a:effectRef idx="0">
+            <a:schemeClr val="accent1"/>
+          </a:effectRef>
+          <a:fontRef idx="minor">
+            <a:schemeClr val="tx1"/>
+          </a:fontRef>
+        </p:style>
+      </p:cxnSp>
+      <p:cxnSp>
+        <p:nvCxnSpPr>
+          <p:cNvPr id="42" name="Connector: Elbow 41">
+            <a:extLst>
+              <a:ext uri="{FF2B5EF4-FFF2-40B4-BE49-F238E27FC236}">
+                <a16:creationId xmlns:a16="http://schemas.microsoft.com/office/drawing/2014/main" id="{1071E26D-24AE-4ACD-9BC3-43B6D974B5FB}"/>
+              </a:ext>
+            </a:extLst>
+          </p:cNvPr>
+          <p:cNvCxnSpPr>
+            <a:cxnSpLocks/>
+            <a:endCxn id="17" idx="2"/>
+          </p:cNvCxnSpPr>
+          <p:nvPr/>
+        </p:nvCxnSpPr>
+        <p:spPr>
+          <a:xfrm rot="16200000" flipV="1">
+            <a:off x="3107786" y="3314006"/>
+            <a:ext cx="1121304" cy="4895"/>
+          </a:xfrm>
+          <a:prstGeom prst="bentConnector3">
+            <a:avLst>
+              <a:gd name="adj1" fmla="val 50000"/>
+            </a:avLst>
+          </a:prstGeom>
+          <a:ln w="38100">
+            <a:tailEnd type="triangle"/>
+          </a:ln>
+        </p:spPr>
+        <p:style>
+          <a:lnRef idx="1">
+            <a:schemeClr val="accent1"/>
+          </a:lnRef>
+          <a:fillRef idx="0">
+            <a:schemeClr val="accent1"/>
+          </a:fillRef>
+          <a:effectRef idx="0">
+            <a:schemeClr val="accent1"/>
+          </a:effectRef>
+          <a:fontRef idx="minor">
+            <a:schemeClr val="tx1"/>
+          </a:fontRef>
+        </p:style>
+      </p:cxnSp>
+      <p:cxnSp>
+        <p:nvCxnSpPr>
+          <p:cNvPr id="44" name="Connector: Elbow 43">
+            <a:extLst>
+              <a:ext uri="{FF2B5EF4-FFF2-40B4-BE49-F238E27FC236}">
+                <a16:creationId xmlns:a16="http://schemas.microsoft.com/office/drawing/2014/main" id="{E325E354-62A5-4296-B58F-E9AEE131E282}"/>
+              </a:ext>
+            </a:extLst>
+          </p:cNvPr>
+          <p:cNvCxnSpPr>
+            <a:cxnSpLocks/>
+          </p:cNvCxnSpPr>
+          <p:nvPr/>
+        </p:nvCxnSpPr>
+        <p:spPr>
+          <a:xfrm rot="16200000" flipV="1">
+            <a:off x="4566319" y="3658293"/>
+            <a:ext cx="437620" cy="1"/>
+          </a:xfrm>
+          <a:prstGeom prst="bentConnector3">
+            <a:avLst>
+              <a:gd name="adj1" fmla="val 50000"/>
+            </a:avLst>
+          </a:prstGeom>
+          <a:ln w="38100">
+            <a:tailEnd type="triangle"/>
+          </a:ln>
+        </p:spPr>
+        <p:style>
+          <a:lnRef idx="1">
+            <a:schemeClr val="accent1"/>
+          </a:lnRef>
+          <a:fillRef idx="0">
+            <a:schemeClr val="accent1"/>
+          </a:fillRef>
+          <a:effectRef idx="0">
+            <a:schemeClr val="accent1"/>
+          </a:effectRef>
+          <a:fontRef idx="minor">
+            <a:schemeClr val="tx1"/>
+          </a:fontRef>
+        </p:style>
+      </p:cxnSp>
+      <p:grpSp>
+        <p:nvGrpSpPr>
+          <p:cNvPr id="52" name="Group 51">
+            <a:extLst>
+              <a:ext uri="{FF2B5EF4-FFF2-40B4-BE49-F238E27FC236}">
+                <a16:creationId xmlns:a16="http://schemas.microsoft.com/office/drawing/2014/main" id="{7A64E79E-1638-421E-BE36-BDFF0F75EA22}"/>
+              </a:ext>
+            </a:extLst>
+          </p:cNvPr>
+          <p:cNvGrpSpPr/>
+          <p:nvPr/>
+        </p:nvGrpSpPr>
+        <p:grpSpPr>
+          <a:xfrm>
+            <a:off x="2539856" y="4320327"/>
+            <a:ext cx="2258556" cy="1409337"/>
+            <a:chOff x="2539856" y="4320328"/>
+            <a:chExt cx="2258556" cy="442580"/>
+          </a:xfrm>
+        </p:grpSpPr>
+        <p:cxnSp>
+          <p:nvCxnSpPr>
+            <p:cNvPr id="41" name="Connector: Elbow 40">
+              <a:extLst>
+                <a:ext uri="{FF2B5EF4-FFF2-40B4-BE49-F238E27FC236}">
+                  <a16:creationId xmlns:a16="http://schemas.microsoft.com/office/drawing/2014/main" id="{FC57DB17-BBA8-4D02-AE48-AB7ACC1C1C7C}"/>
+                </a:ext>
+              </a:extLst>
+            </p:cNvPr>
+            <p:cNvCxnSpPr>
+              <a:cxnSpLocks/>
+            </p:cNvCxnSpPr>
+            <p:nvPr/>
+          </p:nvCxnSpPr>
+          <p:spPr>
+            <a:xfrm rot="16200000" flipV="1">
+              <a:off x="2321047" y="4544097"/>
+              <a:ext cx="437620" cy="1"/>
+            </a:xfrm>
+            <a:prstGeom prst="bentConnector3">
+              <a:avLst>
+                <a:gd name="adj1" fmla="val 50000"/>
+              </a:avLst>
+            </a:prstGeom>
+            <a:ln w="38100">
+              <a:tailEnd type="triangle"/>
+            </a:ln>
+          </p:spPr>
+          <p:style>
+            <a:lnRef idx="1">
+              <a:schemeClr val="accent1"/>
+            </a:lnRef>
+            <a:fillRef idx="0">
+              <a:schemeClr val="accent1"/>
+            </a:fillRef>
+            <a:effectRef idx="0">
+              <a:schemeClr val="accent1"/>
+            </a:effectRef>
+            <a:fontRef idx="minor">
+              <a:schemeClr val="tx1"/>
+            </a:fontRef>
+          </p:style>
+        </p:cxnSp>
+        <p:cxnSp>
+          <p:nvCxnSpPr>
+            <p:cNvPr id="43" name="Connector: Elbow 42">
+              <a:extLst>
+                <a:ext uri="{FF2B5EF4-FFF2-40B4-BE49-F238E27FC236}">
+                  <a16:creationId xmlns:a16="http://schemas.microsoft.com/office/drawing/2014/main" id="{ECE3990A-F3D6-4734-ACFE-B75C43B56406}"/>
+                </a:ext>
+              </a:extLst>
+            </p:cNvPr>
+            <p:cNvCxnSpPr>
+              <a:cxnSpLocks/>
+            </p:cNvCxnSpPr>
+            <p:nvPr/>
+          </p:nvCxnSpPr>
+          <p:spPr>
+            <a:xfrm rot="16200000" flipV="1">
+              <a:off x="3465355" y="4539138"/>
+              <a:ext cx="437620" cy="1"/>
+            </a:xfrm>
+            <a:prstGeom prst="bentConnector3">
+              <a:avLst>
+                <a:gd name="adj1" fmla="val 50000"/>
+              </a:avLst>
+            </a:prstGeom>
+            <a:ln w="38100">
+              <a:tailEnd type="triangle"/>
+            </a:ln>
+          </p:spPr>
+          <p:style>
+            <a:lnRef idx="1">
+              <a:schemeClr val="accent1"/>
+            </a:lnRef>
+            <a:fillRef idx="0">
+              <a:schemeClr val="accent1"/>
+            </a:fillRef>
+            <a:effectRef idx="0">
+              <a:schemeClr val="accent1"/>
+            </a:effectRef>
+            <a:fontRef idx="minor">
+              <a:schemeClr val="tx1"/>
+            </a:fontRef>
+          </p:style>
+        </p:cxnSp>
+        <p:cxnSp>
+          <p:nvCxnSpPr>
+            <p:cNvPr id="45" name="Connector: Elbow 44">
+              <a:extLst>
+                <a:ext uri="{FF2B5EF4-FFF2-40B4-BE49-F238E27FC236}">
+                  <a16:creationId xmlns:a16="http://schemas.microsoft.com/office/drawing/2014/main" id="{837EBF82-BEC3-4895-B43D-A828D0719732}"/>
+                </a:ext>
+              </a:extLst>
+            </p:cNvPr>
+            <p:cNvCxnSpPr>
+              <a:cxnSpLocks/>
+            </p:cNvCxnSpPr>
+            <p:nvPr/>
+          </p:nvCxnSpPr>
+          <p:spPr>
+            <a:xfrm rot="16200000" flipV="1">
+              <a:off x="4579602" y="4539137"/>
+              <a:ext cx="437620" cy="1"/>
+            </a:xfrm>
+            <a:prstGeom prst="bentConnector3">
+              <a:avLst>
+                <a:gd name="adj1" fmla="val 50000"/>
+              </a:avLst>
+            </a:prstGeom>
+            <a:ln w="38100">
+              <a:tailEnd type="triangle"/>
+            </a:ln>
+          </p:spPr>
+          <p:style>
+            <a:lnRef idx="1">
+              <a:schemeClr val="accent1"/>
+            </a:lnRef>
+            <a:fillRef idx="0">
+              <a:schemeClr val="accent1"/>
+            </a:fillRef>
+            <a:effectRef idx="0">
+              <a:schemeClr val="accent1"/>
+            </a:effectRef>
+            <a:fontRef idx="minor">
+              <a:schemeClr val="tx1"/>
+            </a:fontRef>
+          </p:style>
+        </p:cxnSp>
+      </p:grpSp>
+      <p:sp>
+        <p:nvSpPr>
+          <p:cNvPr id="53" name="TextBox 52">
+            <a:extLst>
+              <a:ext uri="{FF2B5EF4-FFF2-40B4-BE49-F238E27FC236}">
+                <a16:creationId xmlns:a16="http://schemas.microsoft.com/office/drawing/2014/main" id="{E099BD5D-CF99-472D-B6E6-FD287363E869}"/>
+              </a:ext>
+            </a:extLst>
+          </p:cNvPr>
+          <p:cNvSpPr txBox="1"/>
+          <p:nvPr/>
+        </p:nvSpPr>
+        <p:spPr>
+          <a:xfrm>
+            <a:off x="2255506" y="4658603"/>
+            <a:ext cx="542136" cy="369332"/>
+          </a:xfrm>
+          <a:prstGeom prst="rect">
+            <a:avLst/>
+          </a:prstGeom>
+          <a:solidFill>
+            <a:schemeClr val="bg1"/>
+          </a:solidFill>
+        </p:spPr>
+        <p:txBody>
+          <a:bodyPr wrap="none" rtlCol="0">
+            <a:spAutoFit/>
+          </a:bodyPr>
+          <a:lstStyle/>
+          <a:p>
+            <a:pPr algn="ctr"/>
+            <a:r>
+              <a:rPr lang="en-GB" dirty="0"/>
+              <a:t>x(0)</a:t>
+            </a:r>
+          </a:p>
+        </p:txBody>
+      </p:sp>
+      <p:sp>
+        <p:nvSpPr>
+          <p:cNvPr id="54" name="TextBox 53">
+            <a:extLst>
+              <a:ext uri="{FF2B5EF4-FFF2-40B4-BE49-F238E27FC236}">
+                <a16:creationId xmlns:a16="http://schemas.microsoft.com/office/drawing/2014/main" id="{CA717272-4964-47EE-B5CB-D8FDFA1E114F}"/>
+              </a:ext>
+            </a:extLst>
+          </p:cNvPr>
+          <p:cNvSpPr txBox="1"/>
+          <p:nvPr/>
+        </p:nvSpPr>
+        <p:spPr>
+          <a:xfrm>
+            <a:off x="2268789" y="3150420"/>
+            <a:ext cx="542136" cy="369332"/>
+          </a:xfrm>
+          <a:prstGeom prst="rect">
+            <a:avLst/>
+          </a:prstGeom>
+          <a:noFill/>
+        </p:spPr>
+        <p:txBody>
+          <a:bodyPr wrap="none" rtlCol="0">
+            <a:spAutoFit/>
+          </a:bodyPr>
+          <a:lstStyle/>
+          <a:p>
+            <a:pPr algn="ctr"/>
+            <a:r>
+              <a:rPr lang="en-GB" dirty="0"/>
+              <a:t>y(0)</a:t>
+            </a:r>
+          </a:p>
+        </p:txBody>
+      </p:sp>
+      <p:sp>
+        <p:nvSpPr>
+          <p:cNvPr id="55" name="TextBox 54">
+            <a:extLst>
+              <a:ext uri="{FF2B5EF4-FFF2-40B4-BE49-F238E27FC236}">
+                <a16:creationId xmlns:a16="http://schemas.microsoft.com/office/drawing/2014/main" id="{73B98388-D5F9-4DF3-B219-F20F1A66CA46}"/>
+              </a:ext>
+            </a:extLst>
+          </p:cNvPr>
+          <p:cNvSpPr txBox="1"/>
+          <p:nvPr/>
+        </p:nvSpPr>
+        <p:spPr>
+          <a:xfrm>
+            <a:off x="3419828" y="4690735"/>
+            <a:ext cx="542136" cy="369332"/>
+          </a:xfrm>
+          <a:prstGeom prst="rect">
+            <a:avLst/>
+          </a:prstGeom>
+          <a:solidFill>
+            <a:schemeClr val="bg1"/>
+          </a:solidFill>
+        </p:spPr>
+        <p:txBody>
+          <a:bodyPr wrap="none" rtlCol="0">
+            <a:spAutoFit/>
+          </a:bodyPr>
+          <a:lstStyle/>
+          <a:p>
+            <a:pPr algn="ctr"/>
+            <a:r>
+              <a:rPr lang="en-GB" dirty="0"/>
+              <a:t>x(1)</a:t>
+            </a:r>
+          </a:p>
+        </p:txBody>
+      </p:sp>
+      <p:sp>
+        <p:nvSpPr>
+          <p:cNvPr id="56" name="TextBox 55">
+            <a:extLst>
+              <a:ext uri="{FF2B5EF4-FFF2-40B4-BE49-F238E27FC236}">
+                <a16:creationId xmlns:a16="http://schemas.microsoft.com/office/drawing/2014/main" id="{4529EEB9-33C9-4E56-9203-B1441E7F0D26}"/>
+              </a:ext>
+            </a:extLst>
+          </p:cNvPr>
+          <p:cNvSpPr txBox="1"/>
+          <p:nvPr/>
+        </p:nvSpPr>
+        <p:spPr>
+          <a:xfrm>
+            <a:off x="4512055" y="4701498"/>
+            <a:ext cx="542136" cy="369332"/>
+          </a:xfrm>
+          <a:prstGeom prst="rect">
+            <a:avLst/>
+          </a:prstGeom>
+          <a:solidFill>
+            <a:schemeClr val="bg1"/>
+          </a:solidFill>
+        </p:spPr>
+        <p:txBody>
+          <a:bodyPr wrap="none" rtlCol="0">
+            <a:spAutoFit/>
+          </a:bodyPr>
+          <a:lstStyle/>
+          <a:p>
+            <a:pPr algn="ctr"/>
+            <a:r>
+              <a:rPr lang="en-GB" dirty="0"/>
+              <a:t>x(2)</a:t>
+            </a:r>
+          </a:p>
+        </p:txBody>
+      </p:sp>
+      <p:sp>
+        <p:nvSpPr>
+          <p:cNvPr id="58" name="TextBox 57">
+            <a:extLst>
+              <a:ext uri="{FF2B5EF4-FFF2-40B4-BE49-F238E27FC236}">
+                <a16:creationId xmlns:a16="http://schemas.microsoft.com/office/drawing/2014/main" id="{1911162A-4CCF-4DA0-AB1D-4D424E257718}"/>
+              </a:ext>
+            </a:extLst>
+          </p:cNvPr>
+          <p:cNvSpPr txBox="1"/>
+          <p:nvPr/>
+        </p:nvSpPr>
+        <p:spPr>
+          <a:xfrm>
+            <a:off x="3374169" y="3150420"/>
+            <a:ext cx="542136" cy="369332"/>
+          </a:xfrm>
+          <a:prstGeom prst="rect">
+            <a:avLst/>
+          </a:prstGeom>
+          <a:solidFill>
+            <a:schemeClr val="bg1"/>
+          </a:solidFill>
+        </p:spPr>
+        <p:txBody>
+          <a:bodyPr wrap="none" rtlCol="0">
+            <a:spAutoFit/>
+          </a:bodyPr>
+          <a:lstStyle/>
+          <a:p>
+            <a:pPr algn="ctr"/>
+            <a:r>
+              <a:rPr lang="en-GB" dirty="0"/>
+              <a:t>y(1)</a:t>
+            </a:r>
+          </a:p>
+        </p:txBody>
+      </p:sp>
+      <p:sp>
+        <p:nvSpPr>
+          <p:cNvPr id="59" name="TextBox 58">
+            <a:extLst>
+              <a:ext uri="{FF2B5EF4-FFF2-40B4-BE49-F238E27FC236}">
+                <a16:creationId xmlns:a16="http://schemas.microsoft.com/office/drawing/2014/main" id="{FB37D094-9B74-4C4A-8BDC-9BE56C16A81F}"/>
+              </a:ext>
+            </a:extLst>
+          </p:cNvPr>
+          <p:cNvSpPr txBox="1"/>
+          <p:nvPr/>
+        </p:nvSpPr>
+        <p:spPr>
+          <a:xfrm>
+            <a:off x="4500302" y="3142307"/>
+            <a:ext cx="542136" cy="369332"/>
+          </a:xfrm>
+          <a:prstGeom prst="rect">
+            <a:avLst/>
+          </a:prstGeom>
+          <a:noFill/>
+        </p:spPr>
+        <p:txBody>
+          <a:bodyPr wrap="none" rtlCol="0">
+            <a:spAutoFit/>
+          </a:bodyPr>
+          <a:lstStyle/>
+          <a:p>
+            <a:pPr algn="ctr"/>
+            <a:r>
+              <a:rPr lang="en-GB" dirty="0"/>
+              <a:t>y(2)</a:t>
+            </a:r>
+          </a:p>
+        </p:txBody>
+      </p:sp>
+      <p:cxnSp>
+        <p:nvCxnSpPr>
+          <p:cNvPr id="60" name="Connector: Elbow 59">
+            <a:extLst>
+              <a:ext uri="{FF2B5EF4-FFF2-40B4-BE49-F238E27FC236}">
+                <a16:creationId xmlns:a16="http://schemas.microsoft.com/office/drawing/2014/main" id="{0F6360B1-869C-4F33-98E5-6D8BCB944891}"/>
+              </a:ext>
+            </a:extLst>
+          </p:cNvPr>
+          <p:cNvCxnSpPr>
+            <a:cxnSpLocks/>
+          </p:cNvCxnSpPr>
+          <p:nvPr/>
+        </p:nvCxnSpPr>
+        <p:spPr>
+          <a:xfrm flipV="1">
+            <a:off x="2628547" y="2755800"/>
+            <a:ext cx="710272" cy="317368"/>
+          </a:xfrm>
+          <a:prstGeom prst="straightConnector1">
+            <a:avLst/>
+          </a:prstGeom>
+          <a:ln w="38100">
+            <a:tailEnd type="triangle"/>
+          </a:ln>
+        </p:spPr>
+        <p:style>
+          <a:lnRef idx="1">
+            <a:schemeClr val="accent1"/>
+          </a:lnRef>
+          <a:fillRef idx="0">
+            <a:schemeClr val="accent1"/>
+          </a:fillRef>
+          <a:effectRef idx="0">
+            <a:schemeClr val="accent1"/>
+          </a:effectRef>
+          <a:fontRef idx="minor">
+            <a:schemeClr val="tx1"/>
+          </a:fontRef>
+        </p:style>
+      </p:cxnSp>
+      <p:cxnSp>
+        <p:nvCxnSpPr>
+          <p:cNvPr id="63" name="Connector: Elbow 59">
+            <a:extLst>
+              <a:ext uri="{FF2B5EF4-FFF2-40B4-BE49-F238E27FC236}">
+                <a16:creationId xmlns:a16="http://schemas.microsoft.com/office/drawing/2014/main" id="{4B438D67-E289-4546-802B-F514AB3D0215}"/>
+              </a:ext>
+            </a:extLst>
+          </p:cNvPr>
+          <p:cNvCxnSpPr>
+            <a:cxnSpLocks/>
+          </p:cNvCxnSpPr>
+          <p:nvPr/>
+        </p:nvCxnSpPr>
+        <p:spPr>
+          <a:xfrm flipH="1" flipV="1">
+            <a:off x="3983349" y="2746752"/>
+            <a:ext cx="757782" cy="389563"/>
+          </a:xfrm>
+          <a:prstGeom prst="straightConnector1">
+            <a:avLst/>
+          </a:prstGeom>
+          <a:ln w="38100">
+            <a:tailEnd type="triangle"/>
+          </a:ln>
+        </p:spPr>
+        <p:style>
+          <a:lnRef idx="1">
+            <a:schemeClr val="accent1"/>
+          </a:lnRef>
+          <a:fillRef idx="0">
+            <a:schemeClr val="accent1"/>
+          </a:fillRef>
+          <a:effectRef idx="0">
+            <a:schemeClr val="accent1"/>
+          </a:effectRef>
+          <a:fontRef idx="minor">
+            <a:schemeClr val="tx1"/>
+          </a:fontRef>
+        </p:style>
+      </p:cxnSp>
+      <mc:AlternateContent xmlns:mc="http://schemas.openxmlformats.org/markup-compatibility/2006">
+        <mc:Choice xmlns:a14="http://schemas.microsoft.com/office/drawing/2010/main" Requires="a14">
+          <p:sp>
+            <p:nvSpPr>
+              <p:cNvPr id="66" name="TextBox 65">
+                <a:extLst>
+                  <a:ext uri="{FF2B5EF4-FFF2-40B4-BE49-F238E27FC236}">
+                    <a16:creationId xmlns:a16="http://schemas.microsoft.com/office/drawing/2014/main" id="{6E537F16-EC8C-4859-9657-091DA42D400F}"/>
+                  </a:ext>
+                </a:extLst>
+              </p:cNvPr>
+              <p:cNvSpPr txBox="1"/>
+              <p:nvPr/>
+            </p:nvSpPr>
+            <p:spPr>
+              <a:xfrm>
+                <a:off x="2472422" y="2593667"/>
+                <a:ext cx="756874" cy="396006"/>
+              </a:xfrm>
+              <a:prstGeom prst="rect">
+                <a:avLst/>
+              </a:prstGeom>
+              <a:noFill/>
+            </p:spPr>
+            <p:txBody>
+              <a:bodyPr wrap="none" rtlCol="0">
+                <a:spAutoFit/>
+              </a:bodyPr>
+              <a:lstStyle/>
+              <a:p>
+                <a:pPr algn="ctr"/>
+                <a14:m>
+                  <m:oMathPara xmlns:m="http://schemas.openxmlformats.org/officeDocument/2006/math">
+                    <m:oMathParaPr>
+                      <m:jc m:val="centerGroup"/>
+                    </m:oMathParaPr>
+                    <m:oMath xmlns:m="http://schemas.openxmlformats.org/officeDocument/2006/math">
+                      <m:sSub>
+                        <m:sSubPr>
+                          <m:ctrlPr>
+                            <a:rPr lang="en-GB" b="0" i="1" dirty="0" smtClean="0">
+                              <a:latin typeface="Cambria Math" panose="02040503050406030204" pitchFamily="18" charset="0"/>
+                            </a:rPr>
+                          </m:ctrlPr>
+                        </m:sSubPr>
+                        <m:e>
+                          <m:r>
+                            <a:rPr lang="en-GB" b="0" i="1" dirty="0" smtClean="0">
+                              <a:latin typeface="Cambria Math" panose="02040503050406030204" pitchFamily="18" charset="0"/>
+                            </a:rPr>
+                            <m:t>𝛼</m:t>
+                          </m:r>
+                        </m:e>
+                        <m:sub>
+                          <m:r>
+                            <a:rPr lang="en-GB" b="0" i="1" dirty="0" smtClean="0">
+                              <a:latin typeface="Cambria Math" panose="02040503050406030204" pitchFamily="18" charset="0"/>
+                            </a:rPr>
+                            <m:t>(3,0)</m:t>
+                          </m:r>
+                        </m:sub>
+                      </m:sSub>
+                    </m:oMath>
+                  </m:oMathPara>
+                </a14:m>
+                <a:endParaRPr lang="en-GB" dirty="0"/>
+              </a:p>
+            </p:txBody>
+          </p:sp>
+        </mc:Choice>
+        <mc:Fallback>
+          <p:sp>
+            <p:nvSpPr>
+              <p:cNvPr id="66" name="TextBox 65">
+                <a:extLst>
+                  <a:ext uri="{FF2B5EF4-FFF2-40B4-BE49-F238E27FC236}">
+                    <a16:creationId xmlns:a16="http://schemas.microsoft.com/office/drawing/2014/main" id="{6E537F16-EC8C-4859-9657-091DA42D400F}"/>
+                  </a:ext>
+                </a:extLst>
+              </p:cNvPr>
+              <p:cNvSpPr txBox="1">
+                <a:spLocks noRot="1" noChangeAspect="1" noMove="1" noResize="1" noEditPoints="1" noAdjustHandles="1" noChangeArrowheads="1" noChangeShapeType="1" noTextEdit="1"/>
+              </p:cNvSpPr>
+              <p:nvPr/>
+            </p:nvSpPr>
+            <p:spPr>
+              <a:xfrm>
+                <a:off x="2472422" y="2593667"/>
+                <a:ext cx="756874" cy="396006"/>
+              </a:xfrm>
+              <a:prstGeom prst="rect">
+                <a:avLst/>
+              </a:prstGeom>
+              <a:blipFill>
+                <a:blip r:embed="rId2"/>
+                <a:stretch>
+                  <a:fillRect b="-9231"/>
+                </a:stretch>
+              </a:blipFill>
+            </p:spPr>
+            <p:txBody>
+              <a:bodyPr/>
+              <a:lstStyle/>
+              <a:p>
+                <a:r>
+                  <a:rPr lang="en-GB">
+                    <a:noFill/>
+                  </a:rPr>
+                  <a:t> </a:t>
+                </a:r>
+              </a:p>
+            </p:txBody>
+          </p:sp>
+        </mc:Fallback>
+      </mc:AlternateContent>
+      <mc:AlternateContent xmlns:mc="http://schemas.openxmlformats.org/markup-compatibility/2006">
+        <mc:Choice xmlns:a14="http://schemas.microsoft.com/office/drawing/2010/main" Requires="a14">
+          <p:sp>
+            <p:nvSpPr>
+              <p:cNvPr id="67" name="TextBox 66">
+                <a:extLst>
+                  <a:ext uri="{FF2B5EF4-FFF2-40B4-BE49-F238E27FC236}">
+                    <a16:creationId xmlns:a16="http://schemas.microsoft.com/office/drawing/2014/main" id="{D10FDD65-973D-429A-8C0D-74752F2A2598}"/>
+                  </a:ext>
+                </a:extLst>
+              </p:cNvPr>
+              <p:cNvSpPr txBox="1"/>
+              <p:nvPr/>
+            </p:nvSpPr>
+            <p:spPr>
+              <a:xfrm>
+                <a:off x="4182378" y="2601752"/>
+                <a:ext cx="756874" cy="396006"/>
+              </a:xfrm>
+              <a:prstGeom prst="rect">
+                <a:avLst/>
+              </a:prstGeom>
+              <a:noFill/>
+            </p:spPr>
+            <p:txBody>
+              <a:bodyPr wrap="none" rtlCol="0">
+                <a:spAutoFit/>
+              </a:bodyPr>
+              <a:lstStyle/>
+              <a:p>
+                <a:pPr algn="ctr"/>
+                <a14:m>
+                  <m:oMathPara xmlns:m="http://schemas.openxmlformats.org/officeDocument/2006/math">
+                    <m:oMathParaPr>
+                      <m:jc m:val="centerGroup"/>
+                    </m:oMathParaPr>
+                    <m:oMath xmlns:m="http://schemas.openxmlformats.org/officeDocument/2006/math">
+                      <m:sSub>
+                        <m:sSubPr>
+                          <m:ctrlPr>
+                            <a:rPr lang="en-GB" b="0" i="1" dirty="0" smtClean="0">
+                              <a:latin typeface="Cambria Math" panose="02040503050406030204" pitchFamily="18" charset="0"/>
+                            </a:rPr>
+                          </m:ctrlPr>
+                        </m:sSubPr>
+                        <m:e>
+                          <m:r>
+                            <a:rPr lang="en-GB" b="0" i="1" dirty="0" smtClean="0">
+                              <a:latin typeface="Cambria Math" panose="02040503050406030204" pitchFamily="18" charset="0"/>
+                            </a:rPr>
+                            <m:t>𝛼</m:t>
+                          </m:r>
+                        </m:e>
+                        <m:sub>
+                          <m:r>
+                            <a:rPr lang="en-GB" b="0" i="1" dirty="0" smtClean="0">
+                              <a:latin typeface="Cambria Math" panose="02040503050406030204" pitchFamily="18" charset="0"/>
+                            </a:rPr>
+                            <m:t>(3,2)</m:t>
+                          </m:r>
+                        </m:sub>
+                      </m:sSub>
+                    </m:oMath>
+                  </m:oMathPara>
+                </a14:m>
+                <a:endParaRPr lang="en-GB" dirty="0"/>
+              </a:p>
+            </p:txBody>
+          </p:sp>
+        </mc:Choice>
+        <mc:Fallback>
+          <p:sp>
+            <p:nvSpPr>
+              <p:cNvPr id="67" name="TextBox 66">
+                <a:extLst>
+                  <a:ext uri="{FF2B5EF4-FFF2-40B4-BE49-F238E27FC236}">
+                    <a16:creationId xmlns:a16="http://schemas.microsoft.com/office/drawing/2014/main" id="{D10FDD65-973D-429A-8C0D-74752F2A2598}"/>
+                  </a:ext>
+                </a:extLst>
+              </p:cNvPr>
+              <p:cNvSpPr txBox="1">
+                <a:spLocks noRot="1" noChangeAspect="1" noMove="1" noResize="1" noEditPoints="1" noAdjustHandles="1" noChangeArrowheads="1" noChangeShapeType="1" noTextEdit="1"/>
+              </p:cNvSpPr>
+              <p:nvPr/>
+            </p:nvSpPr>
+            <p:spPr>
+              <a:xfrm>
+                <a:off x="4182378" y="2601752"/>
+                <a:ext cx="756874" cy="396006"/>
+              </a:xfrm>
+              <a:prstGeom prst="rect">
+                <a:avLst/>
+              </a:prstGeom>
+              <a:blipFill>
+                <a:blip r:embed="rId3"/>
+                <a:stretch>
+                  <a:fillRect b="-9231"/>
+                </a:stretch>
+              </a:blipFill>
+            </p:spPr>
+            <p:txBody>
+              <a:bodyPr/>
+              <a:lstStyle/>
+              <a:p>
+                <a:r>
+                  <a:rPr lang="en-GB">
+                    <a:noFill/>
+                  </a:rPr>
+                  <a:t> </a:t>
+                </a:r>
+              </a:p>
+            </p:txBody>
+          </p:sp>
+        </mc:Fallback>
+      </mc:AlternateContent>
+      <p:sp>
+        <p:nvSpPr>
+          <p:cNvPr id="68" name="TextBox 67">
+            <a:extLst>
+              <a:ext uri="{FF2B5EF4-FFF2-40B4-BE49-F238E27FC236}">
+                <a16:creationId xmlns:a16="http://schemas.microsoft.com/office/drawing/2014/main" id="{9DAFB769-BD7D-4F21-AA1B-24CB2A26BF8E}"/>
+              </a:ext>
+            </a:extLst>
+          </p:cNvPr>
+          <p:cNvSpPr txBox="1"/>
+          <p:nvPr/>
+        </p:nvSpPr>
+        <p:spPr>
+          <a:xfrm>
+            <a:off x="2812025" y="1658864"/>
+            <a:ext cx="564578" cy="369332"/>
+          </a:xfrm>
+          <a:prstGeom prst="rect">
+            <a:avLst/>
+          </a:prstGeom>
+          <a:noFill/>
+        </p:spPr>
+        <p:txBody>
+          <a:bodyPr wrap="none" rtlCol="0">
+            <a:spAutoFit/>
+          </a:bodyPr>
+          <a:lstStyle/>
+          <a:p>
+            <a:pPr algn="ctr"/>
+            <a:r>
+              <a:rPr lang="en-GB" dirty="0"/>
+              <a:t>h(2)</a:t>
+            </a:r>
+          </a:p>
+        </p:txBody>
+      </p:sp>
+      <p:sp>
+        <p:nvSpPr>
+          <p:cNvPr id="69" name="TextBox 68">
+            <a:extLst>
+              <a:ext uri="{FF2B5EF4-FFF2-40B4-BE49-F238E27FC236}">
+                <a16:creationId xmlns:a16="http://schemas.microsoft.com/office/drawing/2014/main" id="{14692FD8-33B1-4F8C-9B83-FB28AA996358}"/>
+              </a:ext>
+            </a:extLst>
+          </p:cNvPr>
+          <p:cNvSpPr txBox="1"/>
+          <p:nvPr/>
+        </p:nvSpPr>
+        <p:spPr>
+          <a:xfrm>
+            <a:off x="2262745" y="718561"/>
+            <a:ext cx="611642" cy="369332"/>
+          </a:xfrm>
+          <a:prstGeom prst="rect">
+            <a:avLst/>
+          </a:prstGeom>
+          <a:noFill/>
+        </p:spPr>
+        <p:txBody>
+          <a:bodyPr wrap="none" rtlCol="0">
+            <a:spAutoFit/>
+          </a:bodyPr>
+          <a:lstStyle/>
+          <a:p>
+            <a:pPr algn="ctr"/>
+            <a:r>
+              <a:rPr lang="en-GB" dirty="0"/>
+              <a:t>y’(0)</a:t>
+            </a:r>
+          </a:p>
+        </p:txBody>
+      </p:sp>
+      <p:sp>
+        <p:nvSpPr>
+          <p:cNvPr id="70" name="TextBox 69">
+            <a:extLst>
+              <a:ext uri="{FF2B5EF4-FFF2-40B4-BE49-F238E27FC236}">
+                <a16:creationId xmlns:a16="http://schemas.microsoft.com/office/drawing/2014/main" id="{B059C089-F7FD-4624-97E3-9CB5AB56C70F}"/>
+              </a:ext>
+            </a:extLst>
+          </p:cNvPr>
+          <p:cNvSpPr txBox="1"/>
+          <p:nvPr/>
+        </p:nvSpPr>
+        <p:spPr>
+          <a:xfrm>
+            <a:off x="3338819" y="712838"/>
+            <a:ext cx="611642" cy="369332"/>
+          </a:xfrm>
+          <a:prstGeom prst="rect">
+            <a:avLst/>
+          </a:prstGeom>
+          <a:noFill/>
+        </p:spPr>
+        <p:txBody>
+          <a:bodyPr wrap="none" rtlCol="0">
+            <a:spAutoFit/>
+          </a:bodyPr>
+          <a:lstStyle/>
+          <a:p>
+            <a:pPr algn="ctr"/>
+            <a:r>
+              <a:rPr lang="en-GB" dirty="0"/>
+              <a:t>y’(1)</a:t>
+            </a:r>
+          </a:p>
+        </p:txBody>
+      </p:sp>
+      <p:sp>
+        <p:nvSpPr>
+          <p:cNvPr id="71" name="TextBox 70">
+            <a:extLst>
+              <a:ext uri="{FF2B5EF4-FFF2-40B4-BE49-F238E27FC236}">
+                <a16:creationId xmlns:a16="http://schemas.microsoft.com/office/drawing/2014/main" id="{C24D6A04-17CF-43F7-B9BA-55891A0CA8D7}"/>
+              </a:ext>
+            </a:extLst>
+          </p:cNvPr>
+          <p:cNvSpPr txBox="1"/>
+          <p:nvPr/>
+        </p:nvSpPr>
+        <p:spPr>
+          <a:xfrm>
+            <a:off x="4490263" y="715651"/>
+            <a:ext cx="611642" cy="369332"/>
+          </a:xfrm>
+          <a:prstGeom prst="rect">
+            <a:avLst/>
+          </a:prstGeom>
+          <a:noFill/>
+        </p:spPr>
+        <p:txBody>
+          <a:bodyPr wrap="none" rtlCol="0">
+            <a:spAutoFit/>
+          </a:bodyPr>
+          <a:lstStyle/>
+          <a:p>
+            <a:pPr algn="ctr"/>
+            <a:r>
+              <a:rPr lang="en-GB" dirty="0"/>
+              <a:t>y’(2)</a:t>
+            </a:r>
+          </a:p>
+        </p:txBody>
+      </p:sp>
+      <p:cxnSp>
+        <p:nvCxnSpPr>
+          <p:cNvPr id="73" name="Connector: Elbow 72">
+            <a:extLst>
+              <a:ext uri="{FF2B5EF4-FFF2-40B4-BE49-F238E27FC236}">
+                <a16:creationId xmlns:a16="http://schemas.microsoft.com/office/drawing/2014/main" id="{868E8445-1387-40D4-9F81-2A677F510123}"/>
+              </a:ext>
+            </a:extLst>
+          </p:cNvPr>
+          <p:cNvCxnSpPr>
+            <a:cxnSpLocks/>
+          </p:cNvCxnSpPr>
+          <p:nvPr/>
+        </p:nvCxnSpPr>
+        <p:spPr>
+          <a:xfrm rot="16200000" flipV="1">
+            <a:off x="4558942" y="1212532"/>
+            <a:ext cx="437620" cy="1"/>
+          </a:xfrm>
+          <a:prstGeom prst="bentConnector3">
+            <a:avLst>
+              <a:gd name="adj1" fmla="val 50000"/>
+            </a:avLst>
+          </a:prstGeom>
+          <a:ln w="38100">
+            <a:prstDash val="sysDash"/>
+            <a:tailEnd type="triangle"/>
+          </a:ln>
+        </p:spPr>
+        <p:style>
+          <a:lnRef idx="1">
+            <a:schemeClr val="accent1"/>
+          </a:lnRef>
+          <a:fillRef idx="0">
+            <a:schemeClr val="accent1"/>
+          </a:fillRef>
+          <a:effectRef idx="0">
+            <a:schemeClr val="accent1"/>
+          </a:effectRef>
+          <a:fontRef idx="minor">
+            <a:schemeClr val="tx1"/>
+          </a:fontRef>
+        </p:style>
+      </p:cxnSp>
+      <p:cxnSp>
+        <p:nvCxnSpPr>
+          <p:cNvPr id="74" name="Connector: Elbow 73">
+            <a:extLst>
+              <a:ext uri="{FF2B5EF4-FFF2-40B4-BE49-F238E27FC236}">
+                <a16:creationId xmlns:a16="http://schemas.microsoft.com/office/drawing/2014/main" id="{464A9A80-37EC-44AD-9EC6-1F176C8284DB}"/>
+              </a:ext>
+            </a:extLst>
+          </p:cNvPr>
+          <p:cNvCxnSpPr>
+            <a:cxnSpLocks/>
+          </p:cNvCxnSpPr>
+          <p:nvPr/>
+        </p:nvCxnSpPr>
+        <p:spPr>
+          <a:xfrm rot="16200000" flipV="1">
+            <a:off x="4585986" y="2081165"/>
+            <a:ext cx="437620" cy="1"/>
+          </a:xfrm>
+          <a:prstGeom prst="bentConnector3">
+            <a:avLst>
+              <a:gd name="adj1" fmla="val 50000"/>
+            </a:avLst>
+          </a:prstGeom>
+          <a:ln w="38100">
+            <a:prstDash val="sysDash"/>
+            <a:tailEnd type="triangle"/>
+          </a:ln>
+        </p:spPr>
+        <p:style>
+          <a:lnRef idx="1">
+            <a:schemeClr val="accent1"/>
+          </a:lnRef>
+          <a:fillRef idx="0">
+            <a:schemeClr val="accent1"/>
+          </a:fillRef>
+          <a:effectRef idx="0">
+            <a:schemeClr val="accent1"/>
+          </a:effectRef>
+          <a:fontRef idx="minor">
+            <a:schemeClr val="tx1"/>
+          </a:fontRef>
+        </p:style>
+      </p:cxnSp>
+      <p:sp>
+        <p:nvSpPr>
+          <p:cNvPr id="75" name="Rectangle: Rounded Corners 74">
+            <a:extLst>
+              <a:ext uri="{FF2B5EF4-FFF2-40B4-BE49-F238E27FC236}">
+                <a16:creationId xmlns:a16="http://schemas.microsoft.com/office/drawing/2014/main" id="{1842E9B0-A954-4175-8CD1-CF3F2CAF3414}"/>
+              </a:ext>
+            </a:extLst>
+          </p:cNvPr>
+          <p:cNvSpPr/>
+          <p:nvPr/>
+        </p:nvSpPr>
+        <p:spPr>
+          <a:xfrm>
+            <a:off x="5816805" y="717263"/>
+            <a:ext cx="4253218" cy="4696431"/>
+          </a:xfrm>
+          <a:prstGeom prst="roundRect">
+            <a:avLst/>
+          </a:prstGeom>
+          <a:noFill/>
+          <a:ln>
+            <a:prstDash val="dash"/>
+          </a:ln>
+        </p:spPr>
+        <p:style>
+          <a:lnRef idx="2">
+            <a:schemeClr val="accent1">
+              <a:shade val="50000"/>
+            </a:schemeClr>
+          </a:lnRef>
+          <a:fillRef idx="1">
+            <a:schemeClr val="accent1"/>
+          </a:fillRef>
+          <a:effectRef idx="0">
+            <a:schemeClr val="accent1"/>
+          </a:effectRef>
+          <a:fontRef idx="minor">
+            <a:schemeClr val="lt1"/>
+          </a:fontRef>
+        </p:style>
+        <p:txBody>
+          <a:bodyPr rtlCol="0" anchor="ctr"/>
+          <a:lstStyle/>
+          <a:p>
+            <a:pPr algn="ctr"/>
+            <a:endParaRPr lang="en-GB"/>
+          </a:p>
+        </p:txBody>
+      </p:sp>
+      <p:sp>
+        <p:nvSpPr>
+          <p:cNvPr id="76" name="TextBox 75">
+            <a:extLst>
+              <a:ext uri="{FF2B5EF4-FFF2-40B4-BE49-F238E27FC236}">
+                <a16:creationId xmlns:a16="http://schemas.microsoft.com/office/drawing/2014/main" id="{34F124F3-7A3F-4002-90E9-782F27B528D0}"/>
+              </a:ext>
+            </a:extLst>
+          </p:cNvPr>
+          <p:cNvSpPr txBox="1"/>
+          <p:nvPr/>
+        </p:nvSpPr>
+        <p:spPr>
+          <a:xfrm>
+            <a:off x="6235211" y="5017096"/>
+            <a:ext cx="1799980" cy="369332"/>
+          </a:xfrm>
+          <a:prstGeom prst="rect">
+            <a:avLst/>
+          </a:prstGeom>
+          <a:noFill/>
+        </p:spPr>
+        <p:txBody>
+          <a:bodyPr wrap="none" rtlCol="0">
+            <a:spAutoFit/>
+          </a:bodyPr>
+          <a:lstStyle/>
+          <a:p>
+            <a:r>
+              <a:rPr lang="en-GB" dirty="0"/>
+              <a:t>Alignment model</a:t>
+            </a:r>
+          </a:p>
+        </p:txBody>
+      </p:sp>
+      <p:sp>
+        <p:nvSpPr>
+          <p:cNvPr id="77" name="Rectangle: Rounded Corners 76">
+            <a:extLst>
+              <a:ext uri="{FF2B5EF4-FFF2-40B4-BE49-F238E27FC236}">
+                <a16:creationId xmlns:a16="http://schemas.microsoft.com/office/drawing/2014/main" id="{BEC20014-0ADA-4924-A5DC-D6F7D6669EBB}"/>
+              </a:ext>
+            </a:extLst>
+          </p:cNvPr>
+          <p:cNvSpPr/>
+          <p:nvPr/>
+        </p:nvSpPr>
+        <p:spPr>
+          <a:xfrm>
+            <a:off x="6667818" y="3734491"/>
+            <a:ext cx="2955786" cy="478173"/>
+          </a:xfrm>
+          <a:prstGeom prst="roundRect">
+            <a:avLst/>
+          </a:prstGeom>
+          <a:ln w="38100"/>
+        </p:spPr>
+        <p:style>
+          <a:lnRef idx="1">
+            <a:schemeClr val="accent2"/>
+          </a:lnRef>
+          <a:fillRef idx="2">
+            <a:schemeClr val="accent2"/>
+          </a:fillRef>
+          <a:effectRef idx="1">
+            <a:schemeClr val="accent2"/>
+          </a:effectRef>
+          <a:fontRef idx="minor">
+            <a:schemeClr val="dk1"/>
+          </a:fontRef>
+        </p:style>
+        <p:txBody>
+          <a:bodyPr rtlCol="0" anchor="ctr"/>
+          <a:lstStyle/>
+          <a:p>
+            <a:pPr algn="ctr"/>
+            <a:r>
+              <a:rPr lang="en-GB" dirty="0"/>
+              <a:t>Time Distributed (Dense)</a:t>
+            </a:r>
+          </a:p>
+        </p:txBody>
+      </p:sp>
+      <p:sp>
+        <p:nvSpPr>
+          <p:cNvPr id="78" name="Rectangle: Rounded Corners 77">
+            <a:extLst>
+              <a:ext uri="{FF2B5EF4-FFF2-40B4-BE49-F238E27FC236}">
+                <a16:creationId xmlns:a16="http://schemas.microsoft.com/office/drawing/2014/main" id="{627E59FC-A3E1-4089-9CA0-E1E1B52BABAF}"/>
+              </a:ext>
+            </a:extLst>
+          </p:cNvPr>
+          <p:cNvSpPr/>
+          <p:nvPr/>
+        </p:nvSpPr>
+        <p:spPr>
+          <a:xfrm>
+            <a:off x="6689990" y="2360985"/>
+            <a:ext cx="2955786" cy="478173"/>
+          </a:xfrm>
+          <a:prstGeom prst="roundRect">
+            <a:avLst/>
+          </a:prstGeom>
+          <a:ln/>
+        </p:spPr>
+        <p:style>
+          <a:lnRef idx="1">
+            <a:schemeClr val="accent1"/>
+          </a:lnRef>
+          <a:fillRef idx="2">
+            <a:schemeClr val="accent1"/>
+          </a:fillRef>
+          <a:effectRef idx="1">
+            <a:schemeClr val="accent1"/>
+          </a:effectRef>
+          <a:fontRef idx="minor">
+            <a:schemeClr val="dk1"/>
+          </a:fontRef>
+        </p:style>
+        <p:txBody>
+          <a:bodyPr rtlCol="0" anchor="ctr"/>
+          <a:lstStyle/>
+          <a:p>
+            <a:pPr algn="ctr"/>
+            <a:r>
+              <a:rPr lang="en-GB" dirty="0" err="1"/>
+              <a:t>Softmax</a:t>
+            </a:r>
+            <a:endParaRPr lang="en-GB" dirty="0"/>
+          </a:p>
+        </p:txBody>
+      </p:sp>
+      <p:grpSp>
+        <p:nvGrpSpPr>
+          <p:cNvPr id="106" name="Group 105">
+            <a:extLst>
+              <a:ext uri="{FF2B5EF4-FFF2-40B4-BE49-F238E27FC236}">
+                <a16:creationId xmlns:a16="http://schemas.microsoft.com/office/drawing/2014/main" id="{A4038045-B979-41BE-8460-E122AB1E2950}"/>
+              </a:ext>
+            </a:extLst>
+          </p:cNvPr>
+          <p:cNvGrpSpPr/>
+          <p:nvPr/>
+        </p:nvGrpSpPr>
+        <p:grpSpPr>
+          <a:xfrm>
+            <a:off x="6967165" y="4295161"/>
+            <a:ext cx="2258556" cy="478173"/>
+            <a:chOff x="6967165" y="4001546"/>
+            <a:chExt cx="2258556" cy="478173"/>
+          </a:xfrm>
+        </p:grpSpPr>
+        <p:cxnSp>
+          <p:nvCxnSpPr>
+            <p:cNvPr id="80" name="Connector: Elbow 79">
+              <a:extLst>
+                <a:ext uri="{FF2B5EF4-FFF2-40B4-BE49-F238E27FC236}">
+                  <a16:creationId xmlns:a16="http://schemas.microsoft.com/office/drawing/2014/main" id="{9A66C104-D5FF-43C5-BE2A-EC9AB9C155F9}"/>
+                </a:ext>
+              </a:extLst>
+            </p:cNvPr>
+            <p:cNvCxnSpPr>
+              <a:cxnSpLocks/>
+            </p:cNvCxnSpPr>
+            <p:nvPr/>
+          </p:nvCxnSpPr>
+          <p:spPr>
+            <a:xfrm rot="16200000" flipV="1">
+              <a:off x="6730758" y="4243311"/>
+              <a:ext cx="472815" cy="1"/>
+            </a:xfrm>
+            <a:prstGeom prst="bentConnector3">
+              <a:avLst>
+                <a:gd name="adj1" fmla="val 50000"/>
+              </a:avLst>
+            </a:prstGeom>
+            <a:ln w="38100">
+              <a:tailEnd type="triangle"/>
+            </a:ln>
+          </p:spPr>
+          <p:style>
+            <a:lnRef idx="1">
+              <a:schemeClr val="accent1"/>
+            </a:lnRef>
+            <a:fillRef idx="0">
+              <a:schemeClr val="accent1"/>
+            </a:fillRef>
+            <a:effectRef idx="0">
+              <a:schemeClr val="accent1"/>
+            </a:effectRef>
+            <a:fontRef idx="minor">
+              <a:schemeClr val="tx1"/>
+            </a:fontRef>
+          </p:style>
+        </p:cxnSp>
+        <p:cxnSp>
+          <p:nvCxnSpPr>
+            <p:cNvPr id="81" name="Connector: Elbow 80">
+              <a:extLst>
+                <a:ext uri="{FF2B5EF4-FFF2-40B4-BE49-F238E27FC236}">
+                  <a16:creationId xmlns:a16="http://schemas.microsoft.com/office/drawing/2014/main" id="{0041A724-5FB9-4F78-824D-D0F8406BA592}"/>
+                </a:ext>
+              </a:extLst>
+            </p:cNvPr>
+            <p:cNvCxnSpPr>
+              <a:cxnSpLocks/>
+            </p:cNvCxnSpPr>
+            <p:nvPr/>
+          </p:nvCxnSpPr>
+          <p:spPr>
+            <a:xfrm rot="16200000" flipV="1">
+              <a:off x="7875066" y="4237954"/>
+              <a:ext cx="472815" cy="1"/>
+            </a:xfrm>
+            <a:prstGeom prst="bentConnector3">
+              <a:avLst>
+                <a:gd name="adj1" fmla="val 50000"/>
+              </a:avLst>
+            </a:prstGeom>
+            <a:ln w="38100">
+              <a:tailEnd type="triangle"/>
+            </a:ln>
+          </p:spPr>
+          <p:style>
+            <a:lnRef idx="1">
+              <a:schemeClr val="accent1"/>
+            </a:lnRef>
+            <a:fillRef idx="0">
+              <a:schemeClr val="accent1"/>
+            </a:fillRef>
+            <a:effectRef idx="0">
+              <a:schemeClr val="accent1"/>
+            </a:effectRef>
+            <a:fontRef idx="minor">
+              <a:schemeClr val="tx1"/>
+            </a:fontRef>
+          </p:style>
+        </p:cxnSp>
+        <p:cxnSp>
+          <p:nvCxnSpPr>
+            <p:cNvPr id="82" name="Connector: Elbow 81">
+              <a:extLst>
+                <a:ext uri="{FF2B5EF4-FFF2-40B4-BE49-F238E27FC236}">
+                  <a16:creationId xmlns:a16="http://schemas.microsoft.com/office/drawing/2014/main" id="{FFABA35D-2770-49B9-B17A-1F0290D9A149}"/>
+                </a:ext>
+              </a:extLst>
+            </p:cNvPr>
+            <p:cNvCxnSpPr>
+              <a:cxnSpLocks/>
+            </p:cNvCxnSpPr>
+            <p:nvPr/>
+          </p:nvCxnSpPr>
+          <p:spPr>
+            <a:xfrm rot="16200000" flipV="1">
+              <a:off x="8989313" y="4237953"/>
+              <a:ext cx="472815" cy="1"/>
+            </a:xfrm>
+            <a:prstGeom prst="bentConnector3">
+              <a:avLst>
+                <a:gd name="adj1" fmla="val 50000"/>
+              </a:avLst>
+            </a:prstGeom>
+            <a:ln w="38100">
+              <a:tailEnd type="triangle"/>
+            </a:ln>
+          </p:spPr>
+          <p:style>
+            <a:lnRef idx="1">
+              <a:schemeClr val="accent1"/>
+            </a:lnRef>
+            <a:fillRef idx="0">
+              <a:schemeClr val="accent1"/>
+            </a:fillRef>
+            <a:effectRef idx="0">
+              <a:schemeClr val="accent1"/>
+            </a:effectRef>
+            <a:fontRef idx="minor">
+              <a:schemeClr val="tx1"/>
+            </a:fontRef>
+          </p:style>
+        </p:cxnSp>
+      </p:grpSp>
+      <p:sp>
+        <p:nvSpPr>
+          <p:cNvPr id="83" name="TextBox 82">
+            <a:extLst>
+              <a:ext uri="{FF2B5EF4-FFF2-40B4-BE49-F238E27FC236}">
+                <a16:creationId xmlns:a16="http://schemas.microsoft.com/office/drawing/2014/main" id="{EC36FE1C-0BB4-4639-92D6-2DA6B178EDD3}"/>
+              </a:ext>
+            </a:extLst>
+          </p:cNvPr>
+          <p:cNvSpPr txBox="1"/>
+          <p:nvPr/>
+        </p:nvSpPr>
+        <p:spPr>
+          <a:xfrm>
+            <a:off x="6682815" y="4633436"/>
+            <a:ext cx="542136" cy="369332"/>
+          </a:xfrm>
+          <a:prstGeom prst="rect">
+            <a:avLst/>
+          </a:prstGeom>
+          <a:solidFill>
+            <a:schemeClr val="bg1"/>
+          </a:solidFill>
+        </p:spPr>
+        <p:txBody>
+          <a:bodyPr wrap="none" rtlCol="0">
+            <a:spAutoFit/>
+          </a:bodyPr>
+          <a:lstStyle/>
+          <a:p>
+            <a:pPr algn="ctr"/>
+            <a:r>
+              <a:rPr lang="en-GB" dirty="0"/>
+              <a:t>y(0)</a:t>
+            </a:r>
+          </a:p>
+        </p:txBody>
+      </p:sp>
+      <p:sp>
+        <p:nvSpPr>
+          <p:cNvPr id="84" name="TextBox 83">
+            <a:extLst>
+              <a:ext uri="{FF2B5EF4-FFF2-40B4-BE49-F238E27FC236}">
+                <a16:creationId xmlns:a16="http://schemas.microsoft.com/office/drawing/2014/main" id="{8C60E8C7-6915-4BC1-AB38-290464BA3FBE}"/>
+              </a:ext>
+            </a:extLst>
+          </p:cNvPr>
+          <p:cNvSpPr txBox="1"/>
+          <p:nvPr/>
+        </p:nvSpPr>
+        <p:spPr>
+          <a:xfrm>
+            <a:off x="7847137" y="4665568"/>
+            <a:ext cx="542136" cy="369332"/>
+          </a:xfrm>
+          <a:prstGeom prst="rect">
+            <a:avLst/>
+          </a:prstGeom>
+          <a:solidFill>
+            <a:schemeClr val="bg1"/>
+          </a:solidFill>
+        </p:spPr>
+        <p:txBody>
+          <a:bodyPr wrap="none" rtlCol="0">
+            <a:spAutoFit/>
+          </a:bodyPr>
+          <a:lstStyle/>
+          <a:p>
+            <a:pPr algn="ctr"/>
+            <a:r>
+              <a:rPr lang="en-GB" dirty="0"/>
+              <a:t>y(1)</a:t>
+            </a:r>
+          </a:p>
+        </p:txBody>
+      </p:sp>
+      <p:sp>
+        <p:nvSpPr>
+          <p:cNvPr id="85" name="TextBox 84">
+            <a:extLst>
+              <a:ext uri="{FF2B5EF4-FFF2-40B4-BE49-F238E27FC236}">
+                <a16:creationId xmlns:a16="http://schemas.microsoft.com/office/drawing/2014/main" id="{A501D9FB-E5DD-476E-B935-7EF4A01DD6E4}"/>
+              </a:ext>
+            </a:extLst>
+          </p:cNvPr>
+          <p:cNvSpPr txBox="1"/>
+          <p:nvPr/>
+        </p:nvSpPr>
+        <p:spPr>
+          <a:xfrm>
+            <a:off x="8939364" y="4676331"/>
+            <a:ext cx="542136" cy="369332"/>
+          </a:xfrm>
+          <a:prstGeom prst="rect">
+            <a:avLst/>
+          </a:prstGeom>
+          <a:solidFill>
+            <a:schemeClr val="bg1"/>
+          </a:solidFill>
+        </p:spPr>
+        <p:txBody>
+          <a:bodyPr wrap="none" rtlCol="0">
+            <a:spAutoFit/>
+          </a:bodyPr>
+          <a:lstStyle/>
+          <a:p>
+            <a:pPr algn="ctr"/>
+            <a:r>
+              <a:rPr lang="en-GB" dirty="0"/>
+              <a:t>y(2)</a:t>
+            </a:r>
+          </a:p>
+        </p:txBody>
+      </p:sp>
+      <p:sp>
+        <p:nvSpPr>
+          <p:cNvPr id="86" name="TextBox 85">
+            <a:extLst>
+              <a:ext uri="{FF2B5EF4-FFF2-40B4-BE49-F238E27FC236}">
+                <a16:creationId xmlns:a16="http://schemas.microsoft.com/office/drawing/2014/main" id="{A9B6C018-92FC-4CCF-899A-F63D4825F5C8}"/>
+              </a:ext>
+            </a:extLst>
+          </p:cNvPr>
+          <p:cNvSpPr txBox="1"/>
+          <p:nvPr/>
+        </p:nvSpPr>
+        <p:spPr>
+          <a:xfrm>
+            <a:off x="5895290" y="4377553"/>
+            <a:ext cx="564578" cy="369332"/>
+          </a:xfrm>
+          <a:prstGeom prst="rect">
+            <a:avLst/>
+          </a:prstGeom>
+          <a:noFill/>
+        </p:spPr>
+        <p:txBody>
+          <a:bodyPr wrap="none" rtlCol="0">
+            <a:spAutoFit/>
+          </a:bodyPr>
+          <a:lstStyle/>
+          <a:p>
+            <a:pPr algn="ctr"/>
+            <a:r>
+              <a:rPr lang="en-GB" dirty="0"/>
+              <a:t>h(2)</a:t>
+            </a:r>
+          </a:p>
+        </p:txBody>
+      </p:sp>
+      <p:grpSp>
+        <p:nvGrpSpPr>
+          <p:cNvPr id="94" name="Group 93">
+            <a:extLst>
+              <a:ext uri="{FF2B5EF4-FFF2-40B4-BE49-F238E27FC236}">
+                <a16:creationId xmlns:a16="http://schemas.microsoft.com/office/drawing/2014/main" id="{2C7C5B20-1BDD-44A9-B282-FA2B83650352}"/>
+              </a:ext>
+            </a:extLst>
+          </p:cNvPr>
+          <p:cNvGrpSpPr/>
+          <p:nvPr/>
+        </p:nvGrpSpPr>
+        <p:grpSpPr>
+          <a:xfrm>
+            <a:off x="6336027" y="4198822"/>
+            <a:ext cx="3067865" cy="388156"/>
+            <a:chOff x="6336027" y="3905207"/>
+            <a:chExt cx="3067865" cy="388156"/>
+          </a:xfrm>
+        </p:grpSpPr>
+        <p:cxnSp>
+          <p:nvCxnSpPr>
+            <p:cNvPr id="87" name="Connector: Elbow 86">
+              <a:extLst>
+                <a:ext uri="{FF2B5EF4-FFF2-40B4-BE49-F238E27FC236}">
+                  <a16:creationId xmlns:a16="http://schemas.microsoft.com/office/drawing/2014/main" id="{84C70EFF-ABD3-40EA-8F0D-D56086C59426}"/>
+                </a:ext>
+              </a:extLst>
+            </p:cNvPr>
+            <p:cNvCxnSpPr>
+              <a:cxnSpLocks/>
+            </p:cNvCxnSpPr>
+            <p:nvPr/>
+          </p:nvCxnSpPr>
+          <p:spPr>
+            <a:xfrm flipV="1">
+              <a:off x="6336027" y="3929966"/>
+              <a:ext cx="3067865" cy="338838"/>
+            </a:xfrm>
+            <a:prstGeom prst="bentConnector3">
+              <a:avLst>
+                <a:gd name="adj1" fmla="val 100041"/>
+              </a:avLst>
+            </a:prstGeom>
+            <a:ln w="38100">
+              <a:solidFill>
+                <a:schemeClr val="accent2"/>
+              </a:solidFill>
+              <a:tailEnd type="triangle"/>
+            </a:ln>
+          </p:spPr>
+          <p:style>
+            <a:lnRef idx="1">
+              <a:schemeClr val="accent1"/>
+            </a:lnRef>
+            <a:fillRef idx="0">
+              <a:schemeClr val="accent1"/>
+            </a:fillRef>
+            <a:effectRef idx="0">
+              <a:schemeClr val="accent1"/>
+            </a:effectRef>
+            <a:fontRef idx="minor">
+              <a:schemeClr val="tx1"/>
+            </a:fontRef>
+          </p:style>
+        </p:cxnSp>
+        <p:cxnSp>
+          <p:nvCxnSpPr>
+            <p:cNvPr id="90" name="Connector: Elbow 89">
+              <a:extLst>
+                <a:ext uri="{FF2B5EF4-FFF2-40B4-BE49-F238E27FC236}">
+                  <a16:creationId xmlns:a16="http://schemas.microsoft.com/office/drawing/2014/main" id="{E53FE7EA-5FDF-4389-8ED9-B51F5FB59DC7}"/>
+                </a:ext>
+              </a:extLst>
+            </p:cNvPr>
+            <p:cNvCxnSpPr>
+              <a:cxnSpLocks/>
+            </p:cNvCxnSpPr>
+            <p:nvPr/>
+          </p:nvCxnSpPr>
+          <p:spPr>
+            <a:xfrm rot="16200000" flipV="1">
+              <a:off x="8078754" y="4111664"/>
+              <a:ext cx="363397" cy="1"/>
+            </a:xfrm>
+            <a:prstGeom prst="bentConnector3">
+              <a:avLst>
+                <a:gd name="adj1" fmla="val 50000"/>
+              </a:avLst>
+            </a:prstGeom>
+            <a:ln w="38100">
+              <a:solidFill>
+                <a:schemeClr val="accent2"/>
+              </a:solidFill>
+              <a:tailEnd type="triangle"/>
+            </a:ln>
+          </p:spPr>
+          <p:style>
+            <a:lnRef idx="1">
+              <a:schemeClr val="accent1"/>
+            </a:lnRef>
+            <a:fillRef idx="0">
+              <a:schemeClr val="accent1"/>
+            </a:fillRef>
+            <a:effectRef idx="0">
+              <a:schemeClr val="accent1"/>
+            </a:effectRef>
+            <a:fontRef idx="minor">
+              <a:schemeClr val="tx1"/>
+            </a:fontRef>
+          </p:style>
+        </p:cxnSp>
+        <p:cxnSp>
+          <p:nvCxnSpPr>
+            <p:cNvPr id="92" name="Connector: Elbow 91">
+              <a:extLst>
+                <a:ext uri="{FF2B5EF4-FFF2-40B4-BE49-F238E27FC236}">
+                  <a16:creationId xmlns:a16="http://schemas.microsoft.com/office/drawing/2014/main" id="{787C26AF-AE46-4BFA-81E5-277424776996}"/>
+                </a:ext>
+              </a:extLst>
+            </p:cNvPr>
+            <p:cNvCxnSpPr>
+              <a:cxnSpLocks/>
+            </p:cNvCxnSpPr>
+            <p:nvPr/>
+          </p:nvCxnSpPr>
+          <p:spPr>
+            <a:xfrm rot="16200000" flipV="1">
+              <a:off x="6953503" y="4086905"/>
+              <a:ext cx="363397" cy="1"/>
+            </a:xfrm>
+            <a:prstGeom prst="bentConnector3">
+              <a:avLst>
+                <a:gd name="adj1" fmla="val 29224"/>
+              </a:avLst>
+            </a:prstGeom>
+            <a:ln w="38100">
+              <a:solidFill>
+                <a:schemeClr val="accent2"/>
+              </a:solidFill>
+              <a:tailEnd type="triangle"/>
+            </a:ln>
+          </p:spPr>
+          <p:style>
+            <a:lnRef idx="1">
+              <a:schemeClr val="accent1"/>
+            </a:lnRef>
+            <a:fillRef idx="0">
+              <a:schemeClr val="accent1"/>
+            </a:fillRef>
+            <a:effectRef idx="0">
+              <a:schemeClr val="accent1"/>
+            </a:effectRef>
+            <a:fontRef idx="minor">
+              <a:schemeClr val="tx1"/>
+            </a:fontRef>
+          </p:style>
+        </p:cxnSp>
+      </p:grpSp>
+      <p:grpSp>
+        <p:nvGrpSpPr>
+          <p:cNvPr id="95" name="Group 94">
+            <a:extLst>
+              <a:ext uri="{FF2B5EF4-FFF2-40B4-BE49-F238E27FC236}">
+                <a16:creationId xmlns:a16="http://schemas.microsoft.com/office/drawing/2014/main" id="{295A90A6-4268-4B30-AD00-4255ED0A23BC}"/>
+              </a:ext>
+            </a:extLst>
+          </p:cNvPr>
+          <p:cNvGrpSpPr/>
+          <p:nvPr/>
+        </p:nvGrpSpPr>
+        <p:grpSpPr>
+          <a:xfrm>
+            <a:off x="6982195" y="2853486"/>
+            <a:ext cx="2258556" cy="879614"/>
+            <a:chOff x="2539856" y="4320328"/>
+            <a:chExt cx="2258556" cy="442580"/>
+          </a:xfrm>
+        </p:grpSpPr>
+        <p:cxnSp>
+          <p:nvCxnSpPr>
+            <p:cNvPr id="96" name="Connector: Elbow 95">
+              <a:extLst>
+                <a:ext uri="{FF2B5EF4-FFF2-40B4-BE49-F238E27FC236}">
+                  <a16:creationId xmlns:a16="http://schemas.microsoft.com/office/drawing/2014/main" id="{826FB7EA-96DD-4232-97C2-7529AAD04F23}"/>
+                </a:ext>
+              </a:extLst>
+            </p:cNvPr>
+            <p:cNvCxnSpPr>
+              <a:cxnSpLocks/>
+            </p:cNvCxnSpPr>
+            <p:nvPr/>
+          </p:nvCxnSpPr>
+          <p:spPr>
+            <a:xfrm rot="16200000" flipV="1">
+              <a:off x="2321047" y="4544097"/>
+              <a:ext cx="437620" cy="1"/>
+            </a:xfrm>
+            <a:prstGeom prst="bentConnector3">
+              <a:avLst>
+                <a:gd name="adj1" fmla="val 50000"/>
+              </a:avLst>
+            </a:prstGeom>
+            <a:ln w="38100">
+              <a:tailEnd type="triangle"/>
+            </a:ln>
+          </p:spPr>
+          <p:style>
+            <a:lnRef idx="1">
+              <a:schemeClr val="accent1"/>
+            </a:lnRef>
+            <a:fillRef idx="0">
+              <a:schemeClr val="accent1"/>
+            </a:fillRef>
+            <a:effectRef idx="0">
+              <a:schemeClr val="accent1"/>
+            </a:effectRef>
+            <a:fontRef idx="minor">
+              <a:schemeClr val="tx1"/>
+            </a:fontRef>
+          </p:style>
+        </p:cxnSp>
+        <p:cxnSp>
+          <p:nvCxnSpPr>
+            <p:cNvPr id="97" name="Connector: Elbow 96">
+              <a:extLst>
+                <a:ext uri="{FF2B5EF4-FFF2-40B4-BE49-F238E27FC236}">
+                  <a16:creationId xmlns:a16="http://schemas.microsoft.com/office/drawing/2014/main" id="{2C581EF4-7296-461C-9F24-D5F73CCD56F7}"/>
+                </a:ext>
+              </a:extLst>
+            </p:cNvPr>
+            <p:cNvCxnSpPr>
+              <a:cxnSpLocks/>
+            </p:cNvCxnSpPr>
+            <p:nvPr/>
+          </p:nvCxnSpPr>
+          <p:spPr>
+            <a:xfrm rot="16200000" flipV="1">
+              <a:off x="3465355" y="4539138"/>
+              <a:ext cx="437620" cy="1"/>
+            </a:xfrm>
+            <a:prstGeom prst="bentConnector3">
+              <a:avLst>
+                <a:gd name="adj1" fmla="val 50000"/>
+              </a:avLst>
+            </a:prstGeom>
+            <a:ln w="38100">
+              <a:tailEnd type="triangle"/>
+            </a:ln>
+          </p:spPr>
+          <p:style>
+            <a:lnRef idx="1">
+              <a:schemeClr val="accent1"/>
+            </a:lnRef>
+            <a:fillRef idx="0">
+              <a:schemeClr val="accent1"/>
+            </a:fillRef>
+            <a:effectRef idx="0">
+              <a:schemeClr val="accent1"/>
+            </a:effectRef>
+            <a:fontRef idx="minor">
+              <a:schemeClr val="tx1"/>
+            </a:fontRef>
+          </p:style>
+        </p:cxnSp>
+        <p:cxnSp>
+          <p:nvCxnSpPr>
+            <p:cNvPr id="98" name="Connector: Elbow 97">
+              <a:extLst>
+                <a:ext uri="{FF2B5EF4-FFF2-40B4-BE49-F238E27FC236}">
+                  <a16:creationId xmlns:a16="http://schemas.microsoft.com/office/drawing/2014/main" id="{B83CFCC5-0179-4DDA-906C-C298CF7BFE57}"/>
+                </a:ext>
+              </a:extLst>
+            </p:cNvPr>
+            <p:cNvCxnSpPr>
+              <a:cxnSpLocks/>
+            </p:cNvCxnSpPr>
+            <p:nvPr/>
+          </p:nvCxnSpPr>
+          <p:spPr>
+            <a:xfrm rot="16200000" flipV="1">
+              <a:off x="4579602" y="4539137"/>
+              <a:ext cx="437620" cy="1"/>
+            </a:xfrm>
+            <a:prstGeom prst="bentConnector3">
+              <a:avLst>
+                <a:gd name="adj1" fmla="val 50000"/>
+              </a:avLst>
+            </a:prstGeom>
+            <a:ln w="38100">
+              <a:tailEnd type="triangle"/>
+            </a:ln>
+          </p:spPr>
+          <p:style>
+            <a:lnRef idx="1">
+              <a:schemeClr val="accent1"/>
+            </a:lnRef>
+            <a:fillRef idx="0">
+              <a:schemeClr val="accent1"/>
+            </a:fillRef>
+            <a:effectRef idx="0">
+              <a:schemeClr val="accent1"/>
+            </a:effectRef>
+            <a:fontRef idx="minor">
+              <a:schemeClr val="tx1"/>
+            </a:fontRef>
+          </p:style>
+        </p:cxnSp>
+      </p:grpSp>
+      <p:grpSp>
+        <p:nvGrpSpPr>
+          <p:cNvPr id="121" name="Group 120">
+            <a:extLst>
+              <a:ext uri="{FF2B5EF4-FFF2-40B4-BE49-F238E27FC236}">
+                <a16:creationId xmlns:a16="http://schemas.microsoft.com/office/drawing/2014/main" id="{A91C7D59-E008-48E1-814F-078356A9F222}"/>
+              </a:ext>
+            </a:extLst>
+          </p:cNvPr>
+          <p:cNvGrpSpPr/>
+          <p:nvPr/>
+        </p:nvGrpSpPr>
+        <p:grpSpPr>
+          <a:xfrm>
+            <a:off x="6674601" y="3140471"/>
+            <a:ext cx="2845173" cy="412227"/>
+            <a:chOff x="6674601" y="2796522"/>
+            <a:chExt cx="2845173" cy="412227"/>
+          </a:xfrm>
+        </p:grpSpPr>
+        <p:sp>
+          <p:nvSpPr>
+            <p:cNvPr id="99" name="TextBox 98">
+              <a:extLst>
+                <a:ext uri="{FF2B5EF4-FFF2-40B4-BE49-F238E27FC236}">
+                  <a16:creationId xmlns:a16="http://schemas.microsoft.com/office/drawing/2014/main" id="{9E08F904-19BD-4B87-AAEF-4A161F136C7F}"/>
+                </a:ext>
+              </a:extLst>
+            </p:cNvPr>
+            <p:cNvSpPr txBox="1"/>
+            <p:nvPr/>
+          </p:nvSpPr>
+          <p:spPr>
+            <a:xfrm>
+              <a:off x="6674601" y="2796522"/>
+              <a:ext cx="588623" cy="369332"/>
+            </a:xfrm>
+            <a:prstGeom prst="rect">
+              <a:avLst/>
+            </a:prstGeom>
+            <a:solidFill>
+              <a:schemeClr val="bg1"/>
+            </a:solidFill>
+          </p:spPr>
+          <p:txBody>
+            <a:bodyPr wrap="none" rtlCol="0">
+              <a:spAutoFit/>
+            </a:bodyPr>
+            <a:lstStyle/>
+            <a:p>
+              <a:pPr algn="ctr"/>
+              <a:r>
+                <a:rPr lang="en-GB" dirty="0"/>
+                <a:t>e</a:t>
+              </a:r>
+              <a:r>
+                <a:rPr lang="en-GB" baseline="-25000" dirty="0"/>
+                <a:t>(3,0)</a:t>
+              </a:r>
+            </a:p>
+          </p:txBody>
+        </p:sp>
+        <p:sp>
+          <p:nvSpPr>
+            <p:cNvPr id="100" name="TextBox 99">
+              <a:extLst>
+                <a:ext uri="{FF2B5EF4-FFF2-40B4-BE49-F238E27FC236}">
+                  <a16:creationId xmlns:a16="http://schemas.microsoft.com/office/drawing/2014/main" id="{40E4BF1B-1662-4B18-AD7E-01BD334EABD9}"/>
+                </a:ext>
+              </a:extLst>
+            </p:cNvPr>
+            <p:cNvSpPr txBox="1"/>
+            <p:nvPr/>
+          </p:nvSpPr>
+          <p:spPr>
+            <a:xfrm>
+              <a:off x="7838923" y="2828654"/>
+              <a:ext cx="588623" cy="369332"/>
+            </a:xfrm>
+            <a:prstGeom prst="rect">
+              <a:avLst/>
+            </a:prstGeom>
+            <a:solidFill>
+              <a:schemeClr val="bg1"/>
+            </a:solidFill>
+          </p:spPr>
+          <p:txBody>
+            <a:bodyPr wrap="none" rtlCol="0">
+              <a:spAutoFit/>
+            </a:bodyPr>
+            <a:lstStyle/>
+            <a:p>
+              <a:pPr algn="ctr"/>
+              <a:r>
+                <a:rPr lang="en-GB" dirty="0"/>
+                <a:t>e</a:t>
+              </a:r>
+              <a:r>
+                <a:rPr lang="en-GB" baseline="-25000" dirty="0"/>
+                <a:t>(3,1)</a:t>
+              </a:r>
+            </a:p>
+          </p:txBody>
+        </p:sp>
+        <p:sp>
+          <p:nvSpPr>
+            <p:cNvPr id="101" name="TextBox 100">
+              <a:extLst>
+                <a:ext uri="{FF2B5EF4-FFF2-40B4-BE49-F238E27FC236}">
+                  <a16:creationId xmlns:a16="http://schemas.microsoft.com/office/drawing/2014/main" id="{1A280D9B-731D-4F7F-8562-015E94B267CB}"/>
+                </a:ext>
+              </a:extLst>
+            </p:cNvPr>
+            <p:cNvSpPr txBox="1"/>
+            <p:nvPr/>
+          </p:nvSpPr>
+          <p:spPr>
+            <a:xfrm>
+              <a:off x="8931151" y="2839417"/>
+              <a:ext cx="588623" cy="369332"/>
+            </a:xfrm>
+            <a:prstGeom prst="rect">
+              <a:avLst/>
+            </a:prstGeom>
+            <a:solidFill>
+              <a:schemeClr val="bg1"/>
+            </a:solidFill>
+          </p:spPr>
+          <p:txBody>
+            <a:bodyPr wrap="none" rtlCol="0">
+              <a:spAutoFit/>
+            </a:bodyPr>
+            <a:lstStyle/>
+            <a:p>
+              <a:pPr algn="ctr"/>
+              <a:r>
+                <a:rPr lang="en-GB" dirty="0"/>
+                <a:t>e</a:t>
+              </a:r>
+              <a:r>
+                <a:rPr lang="en-GB" baseline="-25000" dirty="0"/>
+                <a:t>(3,2)</a:t>
+              </a:r>
+            </a:p>
+          </p:txBody>
+        </p:sp>
+      </p:grpSp>
+      <p:grpSp>
+        <p:nvGrpSpPr>
+          <p:cNvPr id="107" name="Group 106">
+            <a:extLst>
+              <a:ext uri="{FF2B5EF4-FFF2-40B4-BE49-F238E27FC236}">
+                <a16:creationId xmlns:a16="http://schemas.microsoft.com/office/drawing/2014/main" id="{88B1BAFC-3BE3-4D30-BF1C-B47B5FF1C6A4}"/>
+              </a:ext>
+            </a:extLst>
+          </p:cNvPr>
+          <p:cNvGrpSpPr/>
+          <p:nvPr/>
+        </p:nvGrpSpPr>
+        <p:grpSpPr>
+          <a:xfrm>
+            <a:off x="6983187" y="1880591"/>
+            <a:ext cx="2258556" cy="478173"/>
+            <a:chOff x="6967165" y="4001546"/>
+            <a:chExt cx="2258556" cy="478173"/>
+          </a:xfrm>
+        </p:grpSpPr>
+        <p:cxnSp>
+          <p:nvCxnSpPr>
+            <p:cNvPr id="108" name="Connector: Elbow 107">
+              <a:extLst>
+                <a:ext uri="{FF2B5EF4-FFF2-40B4-BE49-F238E27FC236}">
+                  <a16:creationId xmlns:a16="http://schemas.microsoft.com/office/drawing/2014/main" id="{FFDC4C17-1DC1-4882-9EED-794CD99EF366}"/>
+                </a:ext>
+              </a:extLst>
+            </p:cNvPr>
+            <p:cNvCxnSpPr>
+              <a:cxnSpLocks/>
+            </p:cNvCxnSpPr>
+            <p:nvPr/>
+          </p:nvCxnSpPr>
+          <p:spPr>
+            <a:xfrm rot="16200000" flipV="1">
+              <a:off x="6730758" y="4243311"/>
+              <a:ext cx="472815" cy="1"/>
+            </a:xfrm>
+            <a:prstGeom prst="bentConnector3">
+              <a:avLst>
+                <a:gd name="adj1" fmla="val 50000"/>
+              </a:avLst>
+            </a:prstGeom>
+            <a:ln w="38100">
+              <a:tailEnd type="triangle"/>
+            </a:ln>
+          </p:spPr>
+          <p:style>
+            <a:lnRef idx="1">
+              <a:schemeClr val="accent1"/>
+            </a:lnRef>
+            <a:fillRef idx="0">
+              <a:schemeClr val="accent1"/>
+            </a:fillRef>
+            <a:effectRef idx="0">
+              <a:schemeClr val="accent1"/>
+            </a:effectRef>
+            <a:fontRef idx="minor">
+              <a:schemeClr val="tx1"/>
+            </a:fontRef>
+          </p:style>
+        </p:cxnSp>
+        <p:cxnSp>
+          <p:nvCxnSpPr>
+            <p:cNvPr id="109" name="Connector: Elbow 108">
+              <a:extLst>
+                <a:ext uri="{FF2B5EF4-FFF2-40B4-BE49-F238E27FC236}">
+                  <a16:creationId xmlns:a16="http://schemas.microsoft.com/office/drawing/2014/main" id="{01736D01-A37C-4A5B-BE4B-54E194BC9423}"/>
+                </a:ext>
+              </a:extLst>
+            </p:cNvPr>
+            <p:cNvCxnSpPr>
+              <a:cxnSpLocks/>
+            </p:cNvCxnSpPr>
+            <p:nvPr/>
+          </p:nvCxnSpPr>
+          <p:spPr>
+            <a:xfrm rot="16200000" flipV="1">
+              <a:off x="7875066" y="4237954"/>
+              <a:ext cx="472815" cy="1"/>
+            </a:xfrm>
+            <a:prstGeom prst="bentConnector3">
+              <a:avLst>
+                <a:gd name="adj1" fmla="val 50000"/>
+              </a:avLst>
+            </a:prstGeom>
+            <a:ln w="38100">
+              <a:tailEnd type="triangle"/>
+            </a:ln>
+          </p:spPr>
+          <p:style>
+            <a:lnRef idx="1">
+              <a:schemeClr val="accent1"/>
+            </a:lnRef>
+            <a:fillRef idx="0">
+              <a:schemeClr val="accent1"/>
+            </a:fillRef>
+            <a:effectRef idx="0">
+              <a:schemeClr val="accent1"/>
+            </a:effectRef>
+            <a:fontRef idx="minor">
+              <a:schemeClr val="tx1"/>
+            </a:fontRef>
+          </p:style>
+        </p:cxnSp>
+        <p:cxnSp>
+          <p:nvCxnSpPr>
+            <p:cNvPr id="110" name="Connector: Elbow 109">
+              <a:extLst>
+                <a:ext uri="{FF2B5EF4-FFF2-40B4-BE49-F238E27FC236}">
+                  <a16:creationId xmlns:a16="http://schemas.microsoft.com/office/drawing/2014/main" id="{B49B8D62-A4FB-49EB-BC65-B1E6A1759B58}"/>
+                </a:ext>
+              </a:extLst>
+            </p:cNvPr>
+            <p:cNvCxnSpPr>
+              <a:cxnSpLocks/>
+            </p:cNvCxnSpPr>
+            <p:nvPr/>
+          </p:nvCxnSpPr>
+          <p:spPr>
+            <a:xfrm rot="16200000" flipV="1">
+              <a:off x="8989313" y="4237953"/>
+              <a:ext cx="472815" cy="1"/>
+            </a:xfrm>
+            <a:prstGeom prst="bentConnector3">
+              <a:avLst>
+                <a:gd name="adj1" fmla="val 50000"/>
+              </a:avLst>
+            </a:prstGeom>
+            <a:ln w="38100">
+              <a:tailEnd type="triangle"/>
+            </a:ln>
+          </p:spPr>
+          <p:style>
+            <a:lnRef idx="1">
+              <a:schemeClr val="accent1"/>
+            </a:lnRef>
+            <a:fillRef idx="0">
+              <a:schemeClr val="accent1"/>
+            </a:fillRef>
+            <a:effectRef idx="0">
+              <a:schemeClr val="accent1"/>
+            </a:effectRef>
+            <a:fontRef idx="minor">
+              <a:schemeClr val="tx1"/>
+            </a:fontRef>
+          </p:style>
+        </p:cxnSp>
+      </p:grpSp>
+      <mc:AlternateContent xmlns:mc="http://schemas.openxmlformats.org/markup-compatibility/2006">
+        <mc:Choice xmlns:a14="http://schemas.microsoft.com/office/drawing/2010/main" Requires="a14">
+          <p:sp>
+            <p:nvSpPr>
+              <p:cNvPr id="111" name="TextBox 110">
+                <a:extLst>
+                  <a:ext uri="{FF2B5EF4-FFF2-40B4-BE49-F238E27FC236}">
+                    <a16:creationId xmlns:a16="http://schemas.microsoft.com/office/drawing/2014/main" id="{C14E60AB-2087-4E1F-B60D-C7CD9B874459}"/>
+                  </a:ext>
+                </a:extLst>
+              </p:cNvPr>
+              <p:cNvSpPr txBox="1"/>
+              <p:nvPr/>
+            </p:nvSpPr>
+            <p:spPr>
+              <a:xfrm>
+                <a:off x="6664694" y="1567549"/>
+                <a:ext cx="756874" cy="396006"/>
+              </a:xfrm>
+              <a:prstGeom prst="rect">
+                <a:avLst/>
+              </a:prstGeom>
+              <a:noFill/>
+            </p:spPr>
+            <p:txBody>
+              <a:bodyPr wrap="none" rtlCol="0">
+                <a:spAutoFit/>
+              </a:bodyPr>
+              <a:lstStyle/>
+              <a:p>
+                <a:pPr algn="ctr"/>
+                <a14:m>
+                  <m:oMathPara xmlns:m="http://schemas.openxmlformats.org/officeDocument/2006/math">
+                    <m:oMathParaPr>
+                      <m:jc m:val="centerGroup"/>
+                    </m:oMathParaPr>
+                    <m:oMath xmlns:m="http://schemas.openxmlformats.org/officeDocument/2006/math">
+                      <m:sSub>
+                        <m:sSubPr>
+                          <m:ctrlPr>
+                            <a:rPr lang="en-GB" b="0" i="1" dirty="0" smtClean="0">
+                              <a:latin typeface="Cambria Math" panose="02040503050406030204" pitchFamily="18" charset="0"/>
+                            </a:rPr>
+                          </m:ctrlPr>
+                        </m:sSubPr>
+                        <m:e>
+                          <m:r>
+                            <a:rPr lang="en-GB" b="0" i="1" dirty="0" smtClean="0">
+                              <a:latin typeface="Cambria Math" panose="02040503050406030204" pitchFamily="18" charset="0"/>
+                            </a:rPr>
+                            <m:t>𝛼</m:t>
+                          </m:r>
+                        </m:e>
+                        <m:sub>
+                          <m:r>
+                            <a:rPr lang="en-GB" b="0" i="1" dirty="0" smtClean="0">
+                              <a:latin typeface="Cambria Math" panose="02040503050406030204" pitchFamily="18" charset="0"/>
+                            </a:rPr>
+                            <m:t>(3,0)</m:t>
+                          </m:r>
+                        </m:sub>
+                      </m:sSub>
+                    </m:oMath>
+                  </m:oMathPara>
+                </a14:m>
+                <a:endParaRPr lang="en-GB" dirty="0"/>
+              </a:p>
+            </p:txBody>
+          </p:sp>
+        </mc:Choice>
+        <mc:Fallback>
+          <p:sp>
+            <p:nvSpPr>
+              <p:cNvPr id="111" name="TextBox 110">
+                <a:extLst>
+                  <a:ext uri="{FF2B5EF4-FFF2-40B4-BE49-F238E27FC236}">
+                    <a16:creationId xmlns:a16="http://schemas.microsoft.com/office/drawing/2014/main" id="{C14E60AB-2087-4E1F-B60D-C7CD9B874459}"/>
+                  </a:ext>
+                </a:extLst>
+              </p:cNvPr>
+              <p:cNvSpPr txBox="1">
+                <a:spLocks noRot="1" noChangeAspect="1" noMove="1" noResize="1" noEditPoints="1" noAdjustHandles="1" noChangeArrowheads="1" noChangeShapeType="1" noTextEdit="1"/>
+              </p:cNvSpPr>
+              <p:nvPr/>
+            </p:nvSpPr>
+            <p:spPr>
+              <a:xfrm>
+                <a:off x="6664694" y="1567549"/>
+                <a:ext cx="756874" cy="396006"/>
+              </a:xfrm>
+              <a:prstGeom prst="rect">
+                <a:avLst/>
+              </a:prstGeom>
+              <a:blipFill>
+                <a:blip r:embed="rId4"/>
+                <a:stretch>
+                  <a:fillRect b="-9231"/>
+                </a:stretch>
+              </a:blipFill>
+            </p:spPr>
+            <p:txBody>
+              <a:bodyPr/>
+              <a:lstStyle/>
+              <a:p>
+                <a:r>
+                  <a:rPr lang="en-GB">
+                    <a:noFill/>
+                  </a:rPr>
+                  <a:t> </a:t>
+                </a:r>
+              </a:p>
+            </p:txBody>
+          </p:sp>
+        </mc:Fallback>
+      </mc:AlternateContent>
+      <mc:AlternateContent xmlns:mc="http://schemas.openxmlformats.org/markup-compatibility/2006">
+        <mc:Choice xmlns:a14="http://schemas.microsoft.com/office/drawing/2010/main" Requires="a14">
+          <p:sp>
+            <p:nvSpPr>
+              <p:cNvPr id="112" name="TextBox 111">
+                <a:extLst>
+                  <a:ext uri="{FF2B5EF4-FFF2-40B4-BE49-F238E27FC236}">
+                    <a16:creationId xmlns:a16="http://schemas.microsoft.com/office/drawing/2014/main" id="{197E1E64-B43F-4CB3-86D2-661490265B2E}"/>
+                  </a:ext>
+                </a:extLst>
+              </p:cNvPr>
+              <p:cNvSpPr txBox="1"/>
+              <p:nvPr/>
+            </p:nvSpPr>
+            <p:spPr>
+              <a:xfrm>
+                <a:off x="8863340" y="1563060"/>
+                <a:ext cx="756874" cy="396006"/>
+              </a:xfrm>
+              <a:prstGeom prst="rect">
+                <a:avLst/>
+              </a:prstGeom>
+              <a:noFill/>
+            </p:spPr>
+            <p:txBody>
+              <a:bodyPr wrap="none" rtlCol="0">
+                <a:spAutoFit/>
+              </a:bodyPr>
+              <a:lstStyle/>
+              <a:p>
+                <a:pPr algn="ctr"/>
+                <a14:m>
+                  <m:oMathPara xmlns:m="http://schemas.openxmlformats.org/officeDocument/2006/math">
+                    <m:oMathParaPr>
+                      <m:jc m:val="centerGroup"/>
+                    </m:oMathParaPr>
+                    <m:oMath xmlns:m="http://schemas.openxmlformats.org/officeDocument/2006/math">
+                      <m:sSub>
+                        <m:sSubPr>
+                          <m:ctrlPr>
+                            <a:rPr lang="en-GB" b="0" i="1" dirty="0" smtClean="0">
+                              <a:latin typeface="Cambria Math" panose="02040503050406030204" pitchFamily="18" charset="0"/>
+                            </a:rPr>
+                          </m:ctrlPr>
+                        </m:sSubPr>
+                        <m:e>
+                          <m:r>
+                            <a:rPr lang="en-GB" b="0" i="1" dirty="0" smtClean="0">
+                              <a:latin typeface="Cambria Math" panose="02040503050406030204" pitchFamily="18" charset="0"/>
+                            </a:rPr>
+                            <m:t>𝛼</m:t>
+                          </m:r>
+                        </m:e>
+                        <m:sub>
+                          <m:r>
+                            <a:rPr lang="en-GB" b="0" i="1" dirty="0" smtClean="0">
+                              <a:latin typeface="Cambria Math" panose="02040503050406030204" pitchFamily="18" charset="0"/>
+                            </a:rPr>
+                            <m:t>(3,2)</m:t>
+                          </m:r>
+                        </m:sub>
+                      </m:sSub>
+                    </m:oMath>
+                  </m:oMathPara>
+                </a14:m>
+                <a:endParaRPr lang="en-GB" dirty="0"/>
+              </a:p>
+            </p:txBody>
+          </p:sp>
+        </mc:Choice>
+        <mc:Fallback>
+          <p:sp>
+            <p:nvSpPr>
+              <p:cNvPr id="112" name="TextBox 111">
+                <a:extLst>
+                  <a:ext uri="{FF2B5EF4-FFF2-40B4-BE49-F238E27FC236}">
+                    <a16:creationId xmlns:a16="http://schemas.microsoft.com/office/drawing/2014/main" id="{197E1E64-B43F-4CB3-86D2-661490265B2E}"/>
+                  </a:ext>
+                </a:extLst>
+              </p:cNvPr>
+              <p:cNvSpPr txBox="1">
+                <a:spLocks noRot="1" noChangeAspect="1" noMove="1" noResize="1" noEditPoints="1" noAdjustHandles="1" noChangeArrowheads="1" noChangeShapeType="1" noTextEdit="1"/>
+              </p:cNvSpPr>
+              <p:nvPr/>
+            </p:nvSpPr>
+            <p:spPr>
+              <a:xfrm>
+                <a:off x="8863340" y="1563060"/>
+                <a:ext cx="756874" cy="396006"/>
+              </a:xfrm>
+              <a:prstGeom prst="rect">
+                <a:avLst/>
+              </a:prstGeom>
+              <a:blipFill>
+                <a:blip r:embed="rId5"/>
+                <a:stretch>
+                  <a:fillRect b="-9231"/>
+                </a:stretch>
+              </a:blipFill>
+            </p:spPr>
+            <p:txBody>
+              <a:bodyPr/>
+              <a:lstStyle/>
+              <a:p>
+                <a:r>
+                  <a:rPr lang="en-GB">
+                    <a:noFill/>
+                  </a:rPr>
+                  <a:t> </a:t>
+                </a:r>
+              </a:p>
+            </p:txBody>
+          </p:sp>
+        </mc:Fallback>
+      </mc:AlternateContent>
+      <mc:AlternateContent xmlns:mc="http://schemas.openxmlformats.org/markup-compatibility/2006">
+        <mc:Choice xmlns:a14="http://schemas.microsoft.com/office/drawing/2010/main" Requires="a14">
+          <p:sp>
+            <p:nvSpPr>
+              <p:cNvPr id="113" name="TextBox 112">
+                <a:extLst>
+                  <a:ext uri="{FF2B5EF4-FFF2-40B4-BE49-F238E27FC236}">
+                    <a16:creationId xmlns:a16="http://schemas.microsoft.com/office/drawing/2014/main" id="{95021FDD-324E-4CFF-950A-994FA03AABB6}"/>
+                  </a:ext>
+                </a:extLst>
+              </p:cNvPr>
+              <p:cNvSpPr txBox="1"/>
+              <p:nvPr/>
+            </p:nvSpPr>
+            <p:spPr>
+              <a:xfrm>
+                <a:off x="7721684" y="1543947"/>
+                <a:ext cx="756874" cy="396006"/>
+              </a:xfrm>
+              <a:prstGeom prst="rect">
+                <a:avLst/>
+              </a:prstGeom>
+              <a:noFill/>
+            </p:spPr>
+            <p:txBody>
+              <a:bodyPr wrap="none" rtlCol="0">
+                <a:spAutoFit/>
+              </a:bodyPr>
+              <a:lstStyle/>
+              <a:p>
+                <a:pPr algn="ctr"/>
+                <a14:m>
+                  <m:oMathPara xmlns:m="http://schemas.openxmlformats.org/officeDocument/2006/math">
+                    <m:oMathParaPr>
+                      <m:jc m:val="centerGroup"/>
+                    </m:oMathParaPr>
+                    <m:oMath xmlns:m="http://schemas.openxmlformats.org/officeDocument/2006/math">
+                      <m:sSub>
+                        <m:sSubPr>
+                          <m:ctrlPr>
+                            <a:rPr lang="en-GB" b="0" i="1" dirty="0" smtClean="0">
+                              <a:latin typeface="Cambria Math" panose="02040503050406030204" pitchFamily="18" charset="0"/>
+                            </a:rPr>
+                          </m:ctrlPr>
+                        </m:sSubPr>
+                        <m:e>
+                          <m:r>
+                            <a:rPr lang="en-GB" b="0" i="1" dirty="0" smtClean="0">
+                              <a:latin typeface="Cambria Math" panose="02040503050406030204" pitchFamily="18" charset="0"/>
+                            </a:rPr>
+                            <m:t>𝛼</m:t>
+                          </m:r>
+                        </m:e>
+                        <m:sub>
+                          <m:r>
+                            <a:rPr lang="en-GB" b="0" i="1" dirty="0" smtClean="0">
+                              <a:latin typeface="Cambria Math" panose="02040503050406030204" pitchFamily="18" charset="0"/>
+                            </a:rPr>
+                            <m:t>(3,1)</m:t>
+                          </m:r>
+                        </m:sub>
+                      </m:sSub>
+                    </m:oMath>
+                  </m:oMathPara>
+                </a14:m>
+                <a:endParaRPr lang="en-GB" dirty="0"/>
+              </a:p>
+            </p:txBody>
+          </p:sp>
+        </mc:Choice>
+        <mc:Fallback>
+          <p:sp>
+            <p:nvSpPr>
+              <p:cNvPr id="113" name="TextBox 112">
+                <a:extLst>
+                  <a:ext uri="{FF2B5EF4-FFF2-40B4-BE49-F238E27FC236}">
+                    <a16:creationId xmlns:a16="http://schemas.microsoft.com/office/drawing/2014/main" id="{95021FDD-324E-4CFF-950A-994FA03AABB6}"/>
+                  </a:ext>
+                </a:extLst>
+              </p:cNvPr>
+              <p:cNvSpPr txBox="1">
+                <a:spLocks noRot="1" noChangeAspect="1" noMove="1" noResize="1" noEditPoints="1" noAdjustHandles="1" noChangeArrowheads="1" noChangeShapeType="1" noTextEdit="1"/>
+              </p:cNvSpPr>
+              <p:nvPr/>
+            </p:nvSpPr>
+            <p:spPr>
+              <a:xfrm>
+                <a:off x="7721684" y="1543947"/>
+                <a:ext cx="756874" cy="396006"/>
+              </a:xfrm>
+              <a:prstGeom prst="rect">
+                <a:avLst/>
+              </a:prstGeom>
+              <a:blipFill>
+                <a:blip r:embed="rId6"/>
+                <a:stretch>
+                  <a:fillRect b="-9231"/>
+                </a:stretch>
+              </a:blipFill>
+            </p:spPr>
+            <p:txBody>
+              <a:bodyPr/>
+              <a:lstStyle/>
+              <a:p>
+                <a:r>
+                  <a:rPr lang="en-GB">
+                    <a:noFill/>
+                  </a:rPr>
+                  <a:t> </a:t>
+                </a:r>
+              </a:p>
+            </p:txBody>
+          </p:sp>
+        </mc:Fallback>
+      </mc:AlternateContent>
+      <p:sp>
+        <p:nvSpPr>
+          <p:cNvPr id="114" name="Rectangle: Rounded Corners 113">
+            <a:extLst>
+              <a:ext uri="{FF2B5EF4-FFF2-40B4-BE49-F238E27FC236}">
+                <a16:creationId xmlns:a16="http://schemas.microsoft.com/office/drawing/2014/main" id="{1EEFB260-DE02-41BA-9692-6D1D82369C72}"/>
+              </a:ext>
+            </a:extLst>
+          </p:cNvPr>
+          <p:cNvSpPr/>
+          <p:nvPr/>
+        </p:nvSpPr>
+        <p:spPr>
+          <a:xfrm>
+            <a:off x="7776468" y="862888"/>
+            <a:ext cx="637563" cy="478173"/>
+          </a:xfrm>
+          <a:prstGeom prst="roundRect">
+            <a:avLst/>
+          </a:prstGeom>
+          <a:ln/>
+        </p:spPr>
+        <p:style>
+          <a:lnRef idx="1">
+            <a:schemeClr val="accent1"/>
+          </a:lnRef>
+          <a:fillRef idx="2">
+            <a:schemeClr val="accent1"/>
+          </a:fillRef>
+          <a:effectRef idx="1">
+            <a:schemeClr val="accent1"/>
+          </a:effectRef>
+          <a:fontRef idx="minor">
+            <a:schemeClr val="dk1"/>
+          </a:fontRef>
+        </p:style>
+        <p:txBody>
+          <a:bodyPr rtlCol="0" anchor="ctr"/>
+          <a:lstStyle/>
+          <a:p>
+            <a:pPr algn="ctr"/>
+            <a:r>
+              <a:rPr lang="en-GB" dirty="0"/>
+              <a:t>+</a:t>
+            </a:r>
+          </a:p>
+        </p:txBody>
+      </p:sp>
+      <p:cxnSp>
+        <p:nvCxnSpPr>
+          <p:cNvPr id="115" name="Connector: Elbow 59">
+            <a:extLst>
+              <a:ext uri="{FF2B5EF4-FFF2-40B4-BE49-F238E27FC236}">
+                <a16:creationId xmlns:a16="http://schemas.microsoft.com/office/drawing/2014/main" id="{76C2B1A6-47C5-47FE-A7F8-13E56118A21D}"/>
+              </a:ext>
+            </a:extLst>
+          </p:cNvPr>
+          <p:cNvCxnSpPr>
+            <a:cxnSpLocks/>
+          </p:cNvCxnSpPr>
+          <p:nvPr/>
+        </p:nvCxnSpPr>
+        <p:spPr>
+          <a:xfrm flipV="1">
+            <a:off x="7057807" y="1341059"/>
+            <a:ext cx="710272" cy="317368"/>
+          </a:xfrm>
+          <a:prstGeom prst="straightConnector1">
+            <a:avLst/>
+          </a:prstGeom>
+          <a:ln w="38100">
+            <a:tailEnd type="triangle"/>
+          </a:ln>
+        </p:spPr>
+        <p:style>
+          <a:lnRef idx="1">
+            <a:schemeClr val="accent1"/>
+          </a:lnRef>
+          <a:fillRef idx="0">
+            <a:schemeClr val="accent1"/>
+          </a:fillRef>
+          <a:effectRef idx="0">
+            <a:schemeClr val="accent1"/>
+          </a:effectRef>
+          <a:fontRef idx="minor">
+            <a:schemeClr val="tx1"/>
+          </a:fontRef>
+        </p:style>
+      </p:cxnSp>
+      <p:cxnSp>
+        <p:nvCxnSpPr>
+          <p:cNvPr id="116" name="Connector: Elbow 59">
+            <a:extLst>
+              <a:ext uri="{FF2B5EF4-FFF2-40B4-BE49-F238E27FC236}">
+                <a16:creationId xmlns:a16="http://schemas.microsoft.com/office/drawing/2014/main" id="{ABB9C1AD-93A6-47C3-AD60-76A020F4A269}"/>
+              </a:ext>
+            </a:extLst>
+          </p:cNvPr>
+          <p:cNvCxnSpPr>
+            <a:cxnSpLocks/>
+          </p:cNvCxnSpPr>
+          <p:nvPr/>
+        </p:nvCxnSpPr>
+        <p:spPr>
+          <a:xfrm flipH="1" flipV="1">
+            <a:off x="8412609" y="1332011"/>
+            <a:ext cx="757782" cy="389563"/>
+          </a:xfrm>
+          <a:prstGeom prst="straightConnector1">
+            <a:avLst/>
+          </a:prstGeom>
+          <a:ln w="38100">
+            <a:tailEnd type="triangle"/>
+          </a:ln>
+        </p:spPr>
+        <p:style>
+          <a:lnRef idx="1">
+            <a:schemeClr val="accent1"/>
+          </a:lnRef>
+          <a:fillRef idx="0">
+            <a:schemeClr val="accent1"/>
+          </a:fillRef>
+          <a:effectRef idx="0">
+            <a:schemeClr val="accent1"/>
+          </a:effectRef>
+          <a:fontRef idx="minor">
+            <a:schemeClr val="tx1"/>
+          </a:fontRef>
+        </p:style>
+      </p:cxnSp>
+      <p:cxnSp>
+        <p:nvCxnSpPr>
+          <p:cNvPr id="120" name="Connector: Elbow 119">
+            <a:extLst>
+              <a:ext uri="{FF2B5EF4-FFF2-40B4-BE49-F238E27FC236}">
+                <a16:creationId xmlns:a16="http://schemas.microsoft.com/office/drawing/2014/main" id="{E0FB4E60-2A44-45A2-B6BD-0F99ED6EBA54}"/>
+              </a:ext>
+            </a:extLst>
+          </p:cNvPr>
+          <p:cNvCxnSpPr>
+            <a:cxnSpLocks/>
+          </p:cNvCxnSpPr>
+          <p:nvPr/>
+        </p:nvCxnSpPr>
+        <p:spPr>
+          <a:xfrm rot="16200000" flipV="1">
+            <a:off x="7901810" y="1533954"/>
+            <a:ext cx="437620" cy="1"/>
+          </a:xfrm>
+          <a:prstGeom prst="bentConnector3">
+            <a:avLst>
+              <a:gd name="adj1" fmla="val 25079"/>
+            </a:avLst>
+          </a:prstGeom>
+          <a:ln w="38100">
+            <a:tailEnd type="triangle"/>
+          </a:ln>
+        </p:spPr>
+        <p:style>
+          <a:lnRef idx="1">
+            <a:schemeClr val="accent1"/>
+          </a:lnRef>
+          <a:fillRef idx="0">
+            <a:schemeClr val="accent1"/>
+          </a:fillRef>
+          <a:effectRef idx="0">
+            <a:schemeClr val="accent1"/>
+          </a:effectRef>
+          <a:fontRef idx="minor">
+            <a:schemeClr val="tx1"/>
+          </a:fontRef>
+        </p:style>
+      </p:cxnSp>
+      <p:sp>
+        <p:nvSpPr>
+          <p:cNvPr id="123" name="Right Brace 122">
+            <a:extLst>
+              <a:ext uri="{FF2B5EF4-FFF2-40B4-BE49-F238E27FC236}">
+                <a16:creationId xmlns:a16="http://schemas.microsoft.com/office/drawing/2014/main" id="{40D36E52-3A9A-4C38-9649-A024414D2293}"/>
+              </a:ext>
+            </a:extLst>
+          </p:cNvPr>
+          <p:cNvSpPr/>
+          <p:nvPr/>
+        </p:nvSpPr>
+        <p:spPr>
+          <a:xfrm>
+            <a:off x="5394121" y="2299976"/>
+            <a:ext cx="255135" cy="1121305"/>
+          </a:xfrm>
+          <a:prstGeom prst="rightBrace">
+            <a:avLst>
+              <a:gd name="adj1" fmla="val 8333"/>
+              <a:gd name="adj2" fmla="val 51496"/>
+            </a:avLst>
+          </a:prstGeom>
+          <a:ln w="38100"/>
+        </p:spPr>
+        <p:style>
+          <a:lnRef idx="1">
+            <a:schemeClr val="accent1"/>
+          </a:lnRef>
+          <a:fillRef idx="0">
+            <a:schemeClr val="accent1"/>
+          </a:fillRef>
+          <a:effectRef idx="0">
+            <a:schemeClr val="accent1"/>
+          </a:effectRef>
+          <a:fontRef idx="minor">
+            <a:schemeClr val="tx1"/>
+          </a:fontRef>
+        </p:style>
+        <p:txBody>
+          <a:bodyPr rtlCol="0" anchor="ctr"/>
+          <a:lstStyle/>
+          <a:p>
+            <a:pPr algn="ctr"/>
+            <a:endParaRPr lang="en-GB">
+              <a:ln w="38100">
+                <a:solidFill>
+                  <a:schemeClr val="tx1"/>
+                </a:solidFill>
+              </a:ln>
+            </a:endParaRPr>
+          </a:p>
+        </p:txBody>
+      </p:sp>
+      <p:sp>
+        <p:nvSpPr>
+          <p:cNvPr id="124" name="TextBox 123">
+            <a:extLst>
+              <a:ext uri="{FF2B5EF4-FFF2-40B4-BE49-F238E27FC236}">
+                <a16:creationId xmlns:a16="http://schemas.microsoft.com/office/drawing/2014/main" id="{E0C8AFDF-663B-494F-A923-222983420C90}"/>
+              </a:ext>
+            </a:extLst>
+          </p:cNvPr>
+          <p:cNvSpPr txBox="1"/>
+          <p:nvPr/>
+        </p:nvSpPr>
+        <p:spPr>
+          <a:xfrm>
+            <a:off x="2342231" y="5727965"/>
+            <a:ext cx="3131369" cy="369332"/>
+          </a:xfrm>
+          <a:prstGeom prst="rect">
+            <a:avLst/>
+          </a:prstGeom>
+          <a:noFill/>
+        </p:spPr>
+        <p:txBody>
+          <a:bodyPr wrap="square" rtlCol="0">
+            <a:spAutoFit/>
+          </a:bodyPr>
+          <a:lstStyle/>
+          <a:p>
+            <a:r>
+              <a:rPr lang="en-GB" dirty="0"/>
+              <a:t>“I”	“drink”	      “milk”</a:t>
+            </a:r>
+          </a:p>
+        </p:txBody>
+      </p:sp>
+      <p:sp>
+        <p:nvSpPr>
+          <p:cNvPr id="125" name="TextBox 124">
+            <a:extLst>
+              <a:ext uri="{FF2B5EF4-FFF2-40B4-BE49-F238E27FC236}">
+                <a16:creationId xmlns:a16="http://schemas.microsoft.com/office/drawing/2014/main" id="{66768D19-854E-426D-80C1-6C6B407ED8D3}"/>
+              </a:ext>
+            </a:extLst>
+          </p:cNvPr>
+          <p:cNvSpPr txBox="1"/>
+          <p:nvPr/>
+        </p:nvSpPr>
+        <p:spPr>
+          <a:xfrm>
+            <a:off x="2327986" y="349965"/>
+            <a:ext cx="3131369" cy="369332"/>
+          </a:xfrm>
+          <a:prstGeom prst="rect">
+            <a:avLst/>
+          </a:prstGeom>
+          <a:noFill/>
+        </p:spPr>
+        <p:txBody>
+          <a:bodyPr wrap="square" rtlCol="0">
+            <a:spAutoFit/>
+          </a:bodyPr>
+          <a:lstStyle/>
+          <a:p>
+            <a:r>
+              <a:rPr lang="en-GB" dirty="0"/>
+              <a:t>“du”	“lait”</a:t>
+            </a:r>
+          </a:p>
+        </p:txBody>
+      </p:sp>
+    </p:spTree>
+    <p:extLst>
+      <p:ext uri="{BB962C8B-B14F-4D97-AF65-F5344CB8AC3E}">
+        <p14:creationId xmlns:p14="http://schemas.microsoft.com/office/powerpoint/2010/main" val="3271074161"/>
+      </p:ext>
+    </p:extLst>
+  </p:cSld>
+  <p:clrMapOvr>
+    <a:masterClrMapping/>
+  </p:clrMapOvr>
+</p:sld>
+</file>
+
 <file path=ppt/slides/slide2.xml><?xml version="1.0" encoding="utf-8"?>
 <p:sld xmlns:a="http://schemas.openxmlformats.org/drawingml/2006/main" xmlns:r="http://schemas.openxmlformats.org/officeDocument/2006/relationships" xmlns:p="http://schemas.openxmlformats.org/presentationml/2006/main">
   <p:cSld>

--- a/thesis.pptx
+++ b/thesis.pptx
@@ -9630,7 +9630,7 @@
           <a:p>
             <a:fld id="{868DB8A7-3A18-4C2F-83F4-935BFDFABEE2}" type="datetimeFigureOut">
               <a:rPr lang="en-GB" smtClean="0"/>
-              <a:t>02/01/2021</a:t>
+              <a:t>03/01/2021</a:t>
             </a:fld>
             <a:endParaRPr lang="en-GB"/>
           </a:p>
@@ -9800,7 +9800,7 @@
           <a:p>
             <a:fld id="{868DB8A7-3A18-4C2F-83F4-935BFDFABEE2}" type="datetimeFigureOut">
               <a:rPr lang="en-GB" smtClean="0"/>
-              <a:t>02/01/2021</a:t>
+              <a:t>03/01/2021</a:t>
             </a:fld>
             <a:endParaRPr lang="en-GB"/>
           </a:p>
@@ -9980,7 +9980,7 @@
           <a:p>
             <a:fld id="{868DB8A7-3A18-4C2F-83F4-935BFDFABEE2}" type="datetimeFigureOut">
               <a:rPr lang="en-GB" smtClean="0"/>
-              <a:t>02/01/2021</a:t>
+              <a:t>03/01/2021</a:t>
             </a:fld>
             <a:endParaRPr lang="en-GB"/>
           </a:p>
@@ -10150,7 +10150,7 @@
           <a:p>
             <a:fld id="{868DB8A7-3A18-4C2F-83F4-935BFDFABEE2}" type="datetimeFigureOut">
               <a:rPr lang="en-GB" smtClean="0"/>
-              <a:t>02/01/2021</a:t>
+              <a:t>03/01/2021</a:t>
             </a:fld>
             <a:endParaRPr lang="en-GB"/>
           </a:p>
@@ -10396,7 +10396,7 @@
           <a:p>
             <a:fld id="{868DB8A7-3A18-4C2F-83F4-935BFDFABEE2}" type="datetimeFigureOut">
               <a:rPr lang="en-GB" smtClean="0"/>
-              <a:t>02/01/2021</a:t>
+              <a:t>03/01/2021</a:t>
             </a:fld>
             <a:endParaRPr lang="en-GB"/>
           </a:p>
@@ -10628,7 +10628,7 @@
           <a:p>
             <a:fld id="{868DB8A7-3A18-4C2F-83F4-935BFDFABEE2}" type="datetimeFigureOut">
               <a:rPr lang="en-GB" smtClean="0"/>
-              <a:t>02/01/2021</a:t>
+              <a:t>03/01/2021</a:t>
             </a:fld>
             <a:endParaRPr lang="en-GB"/>
           </a:p>
@@ -10995,7 +10995,7 @@
           <a:p>
             <a:fld id="{868DB8A7-3A18-4C2F-83F4-935BFDFABEE2}" type="datetimeFigureOut">
               <a:rPr lang="en-GB" smtClean="0"/>
-              <a:t>02/01/2021</a:t>
+              <a:t>03/01/2021</a:t>
             </a:fld>
             <a:endParaRPr lang="en-GB"/>
           </a:p>
@@ -11113,7 +11113,7 @@
           <a:p>
             <a:fld id="{868DB8A7-3A18-4C2F-83F4-935BFDFABEE2}" type="datetimeFigureOut">
               <a:rPr lang="en-GB" smtClean="0"/>
-              <a:t>02/01/2021</a:t>
+              <a:t>03/01/2021</a:t>
             </a:fld>
             <a:endParaRPr lang="en-GB"/>
           </a:p>
@@ -11208,7 +11208,7 @@
           <a:p>
             <a:fld id="{868DB8A7-3A18-4C2F-83F4-935BFDFABEE2}" type="datetimeFigureOut">
               <a:rPr lang="en-GB" smtClean="0"/>
-              <a:t>02/01/2021</a:t>
+              <a:t>03/01/2021</a:t>
             </a:fld>
             <a:endParaRPr lang="en-GB"/>
           </a:p>
@@ -11485,7 +11485,7 @@
           <a:p>
             <a:fld id="{868DB8A7-3A18-4C2F-83F4-935BFDFABEE2}" type="datetimeFigureOut">
               <a:rPr lang="en-GB" smtClean="0"/>
-              <a:t>02/01/2021</a:t>
+              <a:t>03/01/2021</a:t>
             </a:fld>
             <a:endParaRPr lang="en-GB"/>
           </a:p>
@@ -11738,7 +11738,7 @@
           <a:p>
             <a:fld id="{868DB8A7-3A18-4C2F-83F4-935BFDFABEE2}" type="datetimeFigureOut">
               <a:rPr lang="en-GB" smtClean="0"/>
-              <a:t>02/01/2021</a:t>
+              <a:t>03/01/2021</a:t>
             </a:fld>
             <a:endParaRPr lang="en-GB"/>
           </a:p>
@@ -11951,7 +11951,7 @@
           <a:p>
             <a:fld id="{868DB8A7-3A18-4C2F-83F4-935BFDFABEE2}" type="datetimeFigureOut">
               <a:rPr lang="en-GB" smtClean="0"/>
-              <a:t>02/01/2021</a:t>
+              <a:t>03/01/2021</a:t>
             </a:fld>
             <a:endParaRPr lang="en-GB"/>
           </a:p>
@@ -18848,8 +18848,8 @@
           </a:fontRef>
         </p:style>
       </p:cxnSp>
-      <mc:AlternateContent xmlns:mc="http://schemas.openxmlformats.org/markup-compatibility/2006">
-        <mc:Choice xmlns:a14="http://schemas.microsoft.com/office/drawing/2010/main" Requires="a14">
+      <mc:AlternateContent xmlns:mc="http://schemas.openxmlformats.org/markup-compatibility/2006" xmlns:a14="http://schemas.microsoft.com/office/drawing/2010/main">
+        <mc:Choice Requires="a14">
           <p:sp>
             <p:nvSpPr>
               <p:cNvPr id="66" name="TextBox 65">
@@ -18918,7 +18918,7 @@
             </p:txBody>
           </p:sp>
         </mc:Choice>
-        <mc:Fallback>
+        <mc:Fallback xmlns="">
           <p:sp>
             <p:nvSpPr>
               <p:cNvPr id="66" name="TextBox 65">
@@ -18963,8 +18963,8 @@
           </p:sp>
         </mc:Fallback>
       </mc:AlternateContent>
-      <mc:AlternateContent xmlns:mc="http://schemas.openxmlformats.org/markup-compatibility/2006">
-        <mc:Choice xmlns:a14="http://schemas.microsoft.com/office/drawing/2010/main" Requires="a14">
+      <mc:AlternateContent xmlns:mc="http://schemas.openxmlformats.org/markup-compatibility/2006" xmlns:a14="http://schemas.microsoft.com/office/drawing/2010/main">
+        <mc:Choice Requires="a14">
           <p:sp>
             <p:nvSpPr>
               <p:cNvPr id="67" name="TextBox 66">
@@ -19033,7 +19033,7 @@
             </p:txBody>
           </p:sp>
         </mc:Choice>
-        <mc:Fallback>
+        <mc:Fallback xmlns="">
           <p:sp>
             <p:nvSpPr>
               <p:cNvPr id="67" name="TextBox 66">
@@ -19485,10 +19485,9 @@
           <a:p>
             <a:pPr algn="ctr"/>
             <a:r>
-              <a:rPr lang="en-GB" dirty="0" err="1"/>
-              <a:t>Softmax</a:t>
+              <a:rPr lang="en-GB" dirty="0"/>
+              <a:t>SoftMax</a:t>
             </a:r>
-            <a:endParaRPr lang="en-GB" dirty="0"/>
           </a:p>
         </p:txBody>
       </p:sp>
@@ -20398,8 +20397,8 @@
           </p:style>
         </p:cxnSp>
       </p:grpSp>
-      <mc:AlternateContent xmlns:mc="http://schemas.openxmlformats.org/markup-compatibility/2006">
-        <mc:Choice xmlns:a14="http://schemas.microsoft.com/office/drawing/2010/main" Requires="a14">
+      <mc:AlternateContent xmlns:mc="http://schemas.openxmlformats.org/markup-compatibility/2006" xmlns:a14="http://schemas.microsoft.com/office/drawing/2010/main">
+        <mc:Choice Requires="a14">
           <p:sp>
             <p:nvSpPr>
               <p:cNvPr id="111" name="TextBox 110">
@@ -20468,7 +20467,7 @@
             </p:txBody>
           </p:sp>
         </mc:Choice>
-        <mc:Fallback>
+        <mc:Fallback xmlns="">
           <p:sp>
             <p:nvSpPr>
               <p:cNvPr id="111" name="TextBox 110">
@@ -20513,8 +20512,8 @@
           </p:sp>
         </mc:Fallback>
       </mc:AlternateContent>
-      <mc:AlternateContent xmlns:mc="http://schemas.openxmlformats.org/markup-compatibility/2006">
-        <mc:Choice xmlns:a14="http://schemas.microsoft.com/office/drawing/2010/main" Requires="a14">
+      <mc:AlternateContent xmlns:mc="http://schemas.openxmlformats.org/markup-compatibility/2006" xmlns:a14="http://schemas.microsoft.com/office/drawing/2010/main">
+        <mc:Choice Requires="a14">
           <p:sp>
             <p:nvSpPr>
               <p:cNvPr id="112" name="TextBox 111">
@@ -20583,7 +20582,7 @@
             </p:txBody>
           </p:sp>
         </mc:Choice>
-        <mc:Fallback>
+        <mc:Fallback xmlns="">
           <p:sp>
             <p:nvSpPr>
               <p:cNvPr id="112" name="TextBox 111">
@@ -20628,8 +20627,8 @@
           </p:sp>
         </mc:Fallback>
       </mc:AlternateContent>
-      <mc:AlternateContent xmlns:mc="http://schemas.openxmlformats.org/markup-compatibility/2006">
-        <mc:Choice xmlns:a14="http://schemas.microsoft.com/office/drawing/2010/main" Requires="a14">
+      <mc:AlternateContent xmlns:mc="http://schemas.openxmlformats.org/markup-compatibility/2006" xmlns:a14="http://schemas.microsoft.com/office/drawing/2010/main">
+        <mc:Choice Requires="a14">
           <p:sp>
             <p:nvSpPr>
               <p:cNvPr id="113" name="TextBox 112">
@@ -20698,7 +20697,7 @@
             </p:txBody>
           </p:sp>
         </mc:Choice>
-        <mc:Fallback>
+        <mc:Fallback xmlns="">
           <p:sp>
             <p:nvSpPr>
               <p:cNvPr id="113" name="TextBox 112">

--- a/thesis.pptx
+++ b/thesis.pptx
@@ -19,6 +19,7 @@
     <p:sldId id="265" r:id="rId13"/>
     <p:sldId id="266" r:id="rId14"/>
     <p:sldId id="269" r:id="rId15"/>
+    <p:sldId id="270" r:id="rId16"/>
   </p:sldIdLst>
   <p:sldSz cx="12192000" cy="6858000"/>
   <p:notesSz cx="6858000" cy="9144000"/>
@@ -144,6 +145,7 @@
         <p14:section name="Untitled Section" id="{B962FB78-9199-4487-AC0D-18D494D51F77}">
           <p14:sldIdLst>
             <p14:sldId id="269"/>
+            <p14:sldId id="270"/>
           </p14:sldIdLst>
         </p14:section>
       </p14:sectionLst>
@@ -9630,7 +9632,7 @@
           <a:p>
             <a:fld id="{868DB8A7-3A18-4C2F-83F4-935BFDFABEE2}" type="datetimeFigureOut">
               <a:rPr lang="en-GB" smtClean="0"/>
-              <a:t>03/01/2021</a:t>
+              <a:t>04/01/2021</a:t>
             </a:fld>
             <a:endParaRPr lang="en-GB"/>
           </a:p>
@@ -9800,7 +9802,7 @@
           <a:p>
             <a:fld id="{868DB8A7-3A18-4C2F-83F4-935BFDFABEE2}" type="datetimeFigureOut">
               <a:rPr lang="en-GB" smtClean="0"/>
-              <a:t>03/01/2021</a:t>
+              <a:t>04/01/2021</a:t>
             </a:fld>
             <a:endParaRPr lang="en-GB"/>
           </a:p>
@@ -9980,7 +9982,7 @@
           <a:p>
             <a:fld id="{868DB8A7-3A18-4C2F-83F4-935BFDFABEE2}" type="datetimeFigureOut">
               <a:rPr lang="en-GB" smtClean="0"/>
-              <a:t>03/01/2021</a:t>
+              <a:t>04/01/2021</a:t>
             </a:fld>
             <a:endParaRPr lang="en-GB"/>
           </a:p>
@@ -10150,7 +10152,7 @@
           <a:p>
             <a:fld id="{868DB8A7-3A18-4C2F-83F4-935BFDFABEE2}" type="datetimeFigureOut">
               <a:rPr lang="en-GB" smtClean="0"/>
-              <a:t>03/01/2021</a:t>
+              <a:t>04/01/2021</a:t>
             </a:fld>
             <a:endParaRPr lang="en-GB"/>
           </a:p>
@@ -10396,7 +10398,7 @@
           <a:p>
             <a:fld id="{868DB8A7-3A18-4C2F-83F4-935BFDFABEE2}" type="datetimeFigureOut">
               <a:rPr lang="en-GB" smtClean="0"/>
-              <a:t>03/01/2021</a:t>
+              <a:t>04/01/2021</a:t>
             </a:fld>
             <a:endParaRPr lang="en-GB"/>
           </a:p>
@@ -10628,7 +10630,7 @@
           <a:p>
             <a:fld id="{868DB8A7-3A18-4C2F-83F4-935BFDFABEE2}" type="datetimeFigureOut">
               <a:rPr lang="en-GB" smtClean="0"/>
-              <a:t>03/01/2021</a:t>
+              <a:t>04/01/2021</a:t>
             </a:fld>
             <a:endParaRPr lang="en-GB"/>
           </a:p>
@@ -10995,7 +10997,7 @@
           <a:p>
             <a:fld id="{868DB8A7-3A18-4C2F-83F4-935BFDFABEE2}" type="datetimeFigureOut">
               <a:rPr lang="en-GB" smtClean="0"/>
-              <a:t>03/01/2021</a:t>
+              <a:t>04/01/2021</a:t>
             </a:fld>
             <a:endParaRPr lang="en-GB"/>
           </a:p>
@@ -11113,7 +11115,7 @@
           <a:p>
             <a:fld id="{868DB8A7-3A18-4C2F-83F4-935BFDFABEE2}" type="datetimeFigureOut">
               <a:rPr lang="en-GB" smtClean="0"/>
-              <a:t>03/01/2021</a:t>
+              <a:t>04/01/2021</a:t>
             </a:fld>
             <a:endParaRPr lang="en-GB"/>
           </a:p>
@@ -11208,7 +11210,7 @@
           <a:p>
             <a:fld id="{868DB8A7-3A18-4C2F-83F4-935BFDFABEE2}" type="datetimeFigureOut">
               <a:rPr lang="en-GB" smtClean="0"/>
-              <a:t>03/01/2021</a:t>
+              <a:t>04/01/2021</a:t>
             </a:fld>
             <a:endParaRPr lang="en-GB"/>
           </a:p>
@@ -11485,7 +11487,7 @@
           <a:p>
             <a:fld id="{868DB8A7-3A18-4C2F-83F4-935BFDFABEE2}" type="datetimeFigureOut">
               <a:rPr lang="en-GB" smtClean="0"/>
-              <a:t>03/01/2021</a:t>
+              <a:t>04/01/2021</a:t>
             </a:fld>
             <a:endParaRPr lang="en-GB"/>
           </a:p>
@@ -11738,7 +11740,7 @@
           <a:p>
             <a:fld id="{868DB8A7-3A18-4C2F-83F4-935BFDFABEE2}" type="datetimeFigureOut">
               <a:rPr lang="en-GB" smtClean="0"/>
-              <a:t>03/01/2021</a:t>
+              <a:t>04/01/2021</a:t>
             </a:fld>
             <a:endParaRPr lang="en-GB"/>
           </a:p>
@@ -11951,7 +11953,7 @@
           <a:p>
             <a:fld id="{868DB8A7-3A18-4C2F-83F4-935BFDFABEE2}" type="datetimeFigureOut">
               <a:rPr lang="en-GB" smtClean="0"/>
-              <a:t>03/01/2021</a:t>
+              <a:t>04/01/2021</a:t>
             </a:fld>
             <a:endParaRPr lang="en-GB"/>
           </a:p>
@@ -21052,6 +21054,2726 @@
 </p:sld>
 </file>
 
+<file path=ppt/slides/slide15.xml><?xml version="1.0" encoding="utf-8"?>
+<p:sld xmlns:a="http://schemas.openxmlformats.org/drawingml/2006/main" xmlns:r="http://schemas.openxmlformats.org/officeDocument/2006/relationships" xmlns:p="http://schemas.openxmlformats.org/presentationml/2006/main">
+  <p:cSld>
+    <p:spTree>
+      <p:nvGrpSpPr>
+        <p:cNvPr id="1" name=""/>
+        <p:cNvGrpSpPr/>
+        <p:nvPr/>
+      </p:nvGrpSpPr>
+      <p:grpSpPr>
+        <a:xfrm>
+          <a:off x="0" y="0"/>
+          <a:ext cx="0" cy="0"/>
+          <a:chOff x="0" y="0"/>
+          <a:chExt cx="0" cy="0"/>
+        </a:xfrm>
+      </p:grpSpPr>
+      <p:grpSp>
+        <p:nvGrpSpPr>
+          <p:cNvPr id="24" name="Group 23">
+            <a:extLst>
+              <a:ext uri="{FF2B5EF4-FFF2-40B4-BE49-F238E27FC236}">
+                <a16:creationId xmlns:a16="http://schemas.microsoft.com/office/drawing/2014/main" id="{886848E3-19CC-488D-B419-1A560A61E1F6}"/>
+              </a:ext>
+            </a:extLst>
+          </p:cNvPr>
+          <p:cNvGrpSpPr/>
+          <p:nvPr/>
+        </p:nvGrpSpPr>
+        <p:grpSpPr>
+          <a:xfrm>
+            <a:off x="1264514" y="112230"/>
+            <a:ext cx="3391887" cy="1964649"/>
+            <a:chOff x="1264514" y="112230"/>
+            <a:chExt cx="3391887" cy="1964649"/>
+          </a:xfrm>
+        </p:grpSpPr>
+        <p:sp>
+          <p:nvSpPr>
+            <p:cNvPr id="71" name="TextBox 70">
+              <a:extLst>
+                <a:ext uri="{FF2B5EF4-FFF2-40B4-BE49-F238E27FC236}">
+                  <a16:creationId xmlns:a16="http://schemas.microsoft.com/office/drawing/2014/main" id="{C24D6A04-17CF-43F7-B9BA-55891A0CA8D7}"/>
+                </a:ext>
+              </a:extLst>
+            </p:cNvPr>
+            <p:cNvSpPr txBox="1"/>
+            <p:nvPr/>
+          </p:nvSpPr>
+          <p:spPr>
+            <a:xfrm>
+              <a:off x="4206439" y="112230"/>
+              <a:ext cx="288862" cy="369332"/>
+            </a:xfrm>
+            <a:prstGeom prst="rect">
+              <a:avLst/>
+            </a:prstGeom>
+            <a:noFill/>
+          </p:spPr>
+          <p:txBody>
+            <a:bodyPr wrap="none" rtlCol="0">
+              <a:spAutoFit/>
+            </a:bodyPr>
+            <a:lstStyle/>
+            <a:p>
+              <a:pPr algn="ctr"/>
+              <a:r>
+                <a:rPr lang="en-GB" dirty="0"/>
+                <a:t>y</a:t>
+              </a:r>
+            </a:p>
+          </p:txBody>
+        </p:sp>
+        <p:grpSp>
+          <p:nvGrpSpPr>
+            <p:cNvPr id="23" name="Group 22">
+              <a:extLst>
+                <a:ext uri="{FF2B5EF4-FFF2-40B4-BE49-F238E27FC236}">
+                  <a16:creationId xmlns:a16="http://schemas.microsoft.com/office/drawing/2014/main" id="{CCE04CF5-743D-4863-8D21-4F02ADAF06EA}"/>
+                </a:ext>
+              </a:extLst>
+            </p:cNvPr>
+            <p:cNvGrpSpPr/>
+            <p:nvPr/>
+          </p:nvGrpSpPr>
+          <p:grpSpPr>
+            <a:xfrm>
+              <a:off x="1264514" y="412262"/>
+              <a:ext cx="3391887" cy="1664617"/>
+              <a:chOff x="1264514" y="412262"/>
+              <a:chExt cx="3391887" cy="1664617"/>
+            </a:xfrm>
+          </p:grpSpPr>
+          <p:sp>
+            <p:nvSpPr>
+              <p:cNvPr id="2" name="Rectangle: Rounded Corners 1">
+                <a:extLst>
+                  <a:ext uri="{FF2B5EF4-FFF2-40B4-BE49-F238E27FC236}">
+                    <a16:creationId xmlns:a16="http://schemas.microsoft.com/office/drawing/2014/main" id="{CAFDDE6D-FCEC-43B0-A12C-AD4658653AFB}"/>
+                  </a:ext>
+                </a:extLst>
+              </p:cNvPr>
+              <p:cNvSpPr/>
+              <p:nvPr/>
+            </p:nvSpPr>
+            <p:spPr>
+              <a:xfrm>
+                <a:off x="1767792" y="819501"/>
+                <a:ext cx="637563" cy="478173"/>
+              </a:xfrm>
+              <a:prstGeom prst="roundRect">
+                <a:avLst/>
+              </a:prstGeom>
+              <a:ln w="38100">
+                <a:prstDash val="solid"/>
+              </a:ln>
+            </p:spPr>
+            <p:style>
+              <a:lnRef idx="1">
+                <a:schemeClr val="accent2"/>
+              </a:lnRef>
+              <a:fillRef idx="2">
+                <a:schemeClr val="accent2"/>
+              </a:fillRef>
+              <a:effectRef idx="1">
+                <a:schemeClr val="accent2"/>
+              </a:effectRef>
+              <a:fontRef idx="minor">
+                <a:schemeClr val="dk1"/>
+              </a:fontRef>
+            </p:style>
+            <p:txBody>
+              <a:bodyPr rtlCol="0" anchor="ctr"/>
+              <a:lstStyle/>
+              <a:p>
+                <a:pPr algn="ctr"/>
+                <a:endParaRPr lang="en-GB"/>
+              </a:p>
+            </p:txBody>
+          </p:sp>
+          <p:sp>
+            <p:nvSpPr>
+              <p:cNvPr id="3" name="Rectangle: Rounded Corners 2">
+                <a:extLst>
+                  <a:ext uri="{FF2B5EF4-FFF2-40B4-BE49-F238E27FC236}">
+                    <a16:creationId xmlns:a16="http://schemas.microsoft.com/office/drawing/2014/main" id="{80004BDB-B851-42BB-8DD7-8DC5D46C70EA}"/>
+                  </a:ext>
+                </a:extLst>
+              </p:cNvPr>
+              <p:cNvSpPr/>
+              <p:nvPr/>
+            </p:nvSpPr>
+            <p:spPr>
+              <a:xfrm>
+                <a:off x="2893315" y="819500"/>
+                <a:ext cx="637563" cy="478173"/>
+              </a:xfrm>
+              <a:prstGeom prst="roundRect">
+                <a:avLst/>
+              </a:prstGeom>
+              <a:ln w="38100"/>
+            </p:spPr>
+            <p:style>
+              <a:lnRef idx="1">
+                <a:schemeClr val="accent2"/>
+              </a:lnRef>
+              <a:fillRef idx="2">
+                <a:schemeClr val="accent2"/>
+              </a:fillRef>
+              <a:effectRef idx="1">
+                <a:schemeClr val="accent2"/>
+              </a:effectRef>
+              <a:fontRef idx="minor">
+                <a:schemeClr val="dk1"/>
+              </a:fontRef>
+            </p:style>
+            <p:txBody>
+              <a:bodyPr rtlCol="0" anchor="ctr"/>
+              <a:lstStyle/>
+              <a:p>
+                <a:pPr algn="ctr"/>
+                <a:endParaRPr lang="en-GB"/>
+              </a:p>
+            </p:txBody>
+          </p:sp>
+          <p:sp>
+            <p:nvSpPr>
+              <p:cNvPr id="4" name="Rectangle: Rounded Corners 3">
+                <a:extLst>
+                  <a:ext uri="{FF2B5EF4-FFF2-40B4-BE49-F238E27FC236}">
+                    <a16:creationId xmlns:a16="http://schemas.microsoft.com/office/drawing/2014/main" id="{5059D609-94AE-47B8-AA2C-3F41C1EED83B}"/>
+                  </a:ext>
+                </a:extLst>
+              </p:cNvPr>
+              <p:cNvSpPr/>
+              <p:nvPr/>
+            </p:nvSpPr>
+            <p:spPr>
+              <a:xfrm>
+                <a:off x="4018838" y="819499"/>
+                <a:ext cx="637563" cy="478173"/>
+              </a:xfrm>
+              <a:prstGeom prst="roundRect">
+                <a:avLst/>
+              </a:prstGeom>
+              <a:ln w="38100">
+                <a:prstDash val="solid"/>
+              </a:ln>
+            </p:spPr>
+            <p:style>
+              <a:lnRef idx="1">
+                <a:schemeClr val="accent2"/>
+              </a:lnRef>
+              <a:fillRef idx="2">
+                <a:schemeClr val="accent2"/>
+              </a:fillRef>
+              <a:effectRef idx="1">
+                <a:schemeClr val="accent2"/>
+              </a:effectRef>
+              <a:fontRef idx="minor">
+                <a:schemeClr val="dk1"/>
+              </a:fontRef>
+            </p:style>
+            <p:txBody>
+              <a:bodyPr rtlCol="0" anchor="ctr"/>
+              <a:lstStyle/>
+              <a:p>
+                <a:pPr algn="ctr"/>
+                <a:endParaRPr lang="en-GB"/>
+              </a:p>
+            </p:txBody>
+          </p:sp>
+          <p:cxnSp>
+            <p:nvCxnSpPr>
+              <p:cNvPr id="9" name="Connector: Elbow 8">
+                <a:extLst>
+                  <a:ext uri="{FF2B5EF4-FFF2-40B4-BE49-F238E27FC236}">
+                    <a16:creationId xmlns:a16="http://schemas.microsoft.com/office/drawing/2014/main" id="{2C6675D3-54C8-4008-B2BC-D168B7F21086}"/>
+                  </a:ext>
+                </a:extLst>
+              </p:cNvPr>
+              <p:cNvCxnSpPr>
+                <a:stCxn id="2" idx="3"/>
+                <a:endCxn id="3" idx="1"/>
+              </p:cNvCxnSpPr>
+              <p:nvPr/>
+            </p:nvCxnSpPr>
+            <p:spPr>
+              <a:xfrm flipV="1">
+                <a:off x="2405355" y="1058587"/>
+                <a:ext cx="487960" cy="1"/>
+              </a:xfrm>
+              <a:prstGeom prst="bentConnector3">
+                <a:avLst/>
+              </a:prstGeom>
+              <a:ln w="38100">
+                <a:tailEnd type="triangle"/>
+              </a:ln>
+            </p:spPr>
+            <p:style>
+              <a:lnRef idx="1">
+                <a:schemeClr val="accent1"/>
+              </a:lnRef>
+              <a:fillRef idx="0">
+                <a:schemeClr val="accent1"/>
+              </a:fillRef>
+              <a:effectRef idx="0">
+                <a:schemeClr val="accent1"/>
+              </a:effectRef>
+              <a:fontRef idx="minor">
+                <a:schemeClr val="tx1"/>
+              </a:fontRef>
+            </p:style>
+          </p:cxnSp>
+          <p:cxnSp>
+            <p:nvCxnSpPr>
+              <p:cNvPr id="10" name="Connector: Elbow 9">
+                <a:extLst>
+                  <a:ext uri="{FF2B5EF4-FFF2-40B4-BE49-F238E27FC236}">
+                    <a16:creationId xmlns:a16="http://schemas.microsoft.com/office/drawing/2014/main" id="{F4A8AE63-5FA3-47F6-A45E-666C2F5D04EB}"/>
+                  </a:ext>
+                </a:extLst>
+              </p:cNvPr>
+              <p:cNvCxnSpPr/>
+              <p:nvPr/>
+            </p:nvCxnSpPr>
+            <p:spPr>
+              <a:xfrm flipV="1">
+                <a:off x="1279832" y="1058585"/>
+                <a:ext cx="487960" cy="1"/>
+              </a:xfrm>
+              <a:prstGeom prst="bentConnector3">
+                <a:avLst/>
+              </a:prstGeom>
+              <a:ln w="38100">
+                <a:prstDash val="solid"/>
+                <a:tailEnd type="triangle"/>
+              </a:ln>
+            </p:spPr>
+            <p:style>
+              <a:lnRef idx="1">
+                <a:schemeClr val="accent1"/>
+              </a:lnRef>
+              <a:fillRef idx="0">
+                <a:schemeClr val="accent1"/>
+              </a:fillRef>
+              <a:effectRef idx="0">
+                <a:schemeClr val="accent1"/>
+              </a:effectRef>
+              <a:fontRef idx="minor">
+                <a:schemeClr val="tx1"/>
+              </a:fontRef>
+            </p:style>
+          </p:cxnSp>
+          <p:cxnSp>
+            <p:nvCxnSpPr>
+              <p:cNvPr id="11" name="Connector: Elbow 10">
+                <a:extLst>
+                  <a:ext uri="{FF2B5EF4-FFF2-40B4-BE49-F238E27FC236}">
+                    <a16:creationId xmlns:a16="http://schemas.microsoft.com/office/drawing/2014/main" id="{0DB508B3-B853-4CE0-A363-D1F94C7A03D8}"/>
+                  </a:ext>
+                </a:extLst>
+              </p:cNvPr>
+              <p:cNvCxnSpPr/>
+              <p:nvPr/>
+            </p:nvCxnSpPr>
+            <p:spPr>
+              <a:xfrm flipV="1">
+                <a:off x="3530878" y="1058585"/>
+                <a:ext cx="487960" cy="1"/>
+              </a:xfrm>
+              <a:prstGeom prst="bentConnector3">
+                <a:avLst/>
+              </a:prstGeom>
+              <a:ln w="38100">
+                <a:tailEnd type="triangle"/>
+              </a:ln>
+            </p:spPr>
+            <p:style>
+              <a:lnRef idx="1">
+                <a:schemeClr val="accent1"/>
+              </a:lnRef>
+              <a:fillRef idx="0">
+                <a:schemeClr val="accent1"/>
+              </a:fillRef>
+              <a:effectRef idx="0">
+                <a:schemeClr val="accent1"/>
+              </a:effectRef>
+              <a:fontRef idx="minor">
+                <a:schemeClr val="tx1"/>
+              </a:fontRef>
+            </p:style>
+          </p:cxnSp>
+          <p:cxnSp>
+            <p:nvCxnSpPr>
+              <p:cNvPr id="36" name="Connector: Elbow 35">
+                <a:extLst>
+                  <a:ext uri="{FF2B5EF4-FFF2-40B4-BE49-F238E27FC236}">
+                    <a16:creationId xmlns:a16="http://schemas.microsoft.com/office/drawing/2014/main" id="{E9F6DEE7-D3D4-43B8-A3D0-B0144177BF3E}"/>
+                  </a:ext>
+                </a:extLst>
+              </p:cNvPr>
+              <p:cNvCxnSpPr>
+                <a:cxnSpLocks/>
+              </p:cNvCxnSpPr>
+              <p:nvPr/>
+            </p:nvCxnSpPr>
+            <p:spPr>
+              <a:xfrm rot="16200000" flipV="1">
+                <a:off x="3006568" y="1499704"/>
+                <a:ext cx="437620" cy="1"/>
+              </a:xfrm>
+              <a:prstGeom prst="bentConnector3">
+                <a:avLst>
+                  <a:gd name="adj1" fmla="val 50000"/>
+                </a:avLst>
+              </a:prstGeom>
+              <a:ln w="38100">
+                <a:tailEnd type="triangle"/>
+              </a:ln>
+            </p:spPr>
+            <p:style>
+              <a:lnRef idx="1">
+                <a:schemeClr val="accent1"/>
+              </a:lnRef>
+              <a:fillRef idx="0">
+                <a:schemeClr val="accent1"/>
+              </a:fillRef>
+              <a:effectRef idx="0">
+                <a:schemeClr val="accent1"/>
+              </a:effectRef>
+              <a:fontRef idx="minor">
+                <a:schemeClr val="tx1"/>
+              </a:fontRef>
+            </p:style>
+          </p:cxnSp>
+          <p:cxnSp>
+            <p:nvCxnSpPr>
+              <p:cNvPr id="38" name="Connector: Elbow 37">
+                <a:extLst>
+                  <a:ext uri="{FF2B5EF4-FFF2-40B4-BE49-F238E27FC236}">
+                    <a16:creationId xmlns:a16="http://schemas.microsoft.com/office/drawing/2014/main" id="{7F06C7E2-ADA3-4383-B7CE-793DEA9AE7F0}"/>
+                  </a:ext>
+                </a:extLst>
+              </p:cNvPr>
+              <p:cNvCxnSpPr>
+                <a:cxnSpLocks/>
+              </p:cNvCxnSpPr>
+              <p:nvPr/>
+            </p:nvCxnSpPr>
+            <p:spPr>
+              <a:xfrm rot="16200000" flipV="1">
+                <a:off x="1888033" y="1505272"/>
+                <a:ext cx="437620" cy="1"/>
+              </a:xfrm>
+              <a:prstGeom prst="bentConnector3">
+                <a:avLst>
+                  <a:gd name="adj1" fmla="val 50000"/>
+                </a:avLst>
+              </a:prstGeom>
+              <a:ln w="38100">
+                <a:prstDash val="solid"/>
+                <a:tailEnd type="triangle"/>
+              </a:ln>
+            </p:spPr>
+            <p:style>
+              <a:lnRef idx="1">
+                <a:schemeClr val="accent1"/>
+              </a:lnRef>
+              <a:fillRef idx="0">
+                <a:schemeClr val="accent1"/>
+              </a:fillRef>
+              <a:effectRef idx="0">
+                <a:schemeClr val="accent1"/>
+              </a:effectRef>
+              <a:fontRef idx="minor">
+                <a:schemeClr val="tx1"/>
+              </a:fontRef>
+            </p:style>
+          </p:cxnSp>
+          <p:sp>
+            <p:nvSpPr>
+              <p:cNvPr id="68" name="TextBox 67">
+                <a:extLst>
+                  <a:ext uri="{FF2B5EF4-FFF2-40B4-BE49-F238E27FC236}">
+                    <a16:creationId xmlns:a16="http://schemas.microsoft.com/office/drawing/2014/main" id="{9DAFB769-BD7D-4F21-AA1B-24CB2A26BF8E}"/>
+                  </a:ext>
+                </a:extLst>
+              </p:cNvPr>
+              <p:cNvSpPr txBox="1"/>
+              <p:nvPr/>
+            </p:nvSpPr>
+            <p:spPr>
+              <a:xfrm>
+                <a:off x="2366882" y="1136140"/>
+                <a:ext cx="564578" cy="369332"/>
+              </a:xfrm>
+              <a:prstGeom prst="rect">
+                <a:avLst/>
+              </a:prstGeom>
+              <a:noFill/>
+            </p:spPr>
+            <p:txBody>
+              <a:bodyPr wrap="none" rtlCol="0">
+                <a:spAutoFit/>
+              </a:bodyPr>
+              <a:lstStyle/>
+              <a:p>
+                <a:pPr algn="ctr"/>
+                <a:r>
+                  <a:rPr lang="en-GB" dirty="0"/>
+                  <a:t>h(1)</a:t>
+                </a:r>
+              </a:p>
+            </p:txBody>
+          </p:sp>
+          <p:cxnSp>
+            <p:nvCxnSpPr>
+              <p:cNvPr id="73" name="Connector: Elbow 72">
+                <a:extLst>
+                  <a:ext uri="{FF2B5EF4-FFF2-40B4-BE49-F238E27FC236}">
+                    <a16:creationId xmlns:a16="http://schemas.microsoft.com/office/drawing/2014/main" id="{868E8445-1387-40D4-9F81-2A677F510123}"/>
+                  </a:ext>
+                </a:extLst>
+              </p:cNvPr>
+              <p:cNvCxnSpPr>
+                <a:cxnSpLocks/>
+              </p:cNvCxnSpPr>
+              <p:nvPr/>
+            </p:nvCxnSpPr>
+            <p:spPr>
+              <a:xfrm rot="16200000" flipV="1">
+                <a:off x="4113438" y="631071"/>
+                <a:ext cx="437620" cy="1"/>
+              </a:xfrm>
+              <a:prstGeom prst="bentConnector3">
+                <a:avLst>
+                  <a:gd name="adj1" fmla="val 50000"/>
+                </a:avLst>
+              </a:prstGeom>
+              <a:ln w="38100">
+                <a:prstDash val="solid"/>
+                <a:tailEnd type="triangle"/>
+              </a:ln>
+            </p:spPr>
+            <p:style>
+              <a:lnRef idx="1">
+                <a:schemeClr val="accent1"/>
+              </a:lnRef>
+              <a:fillRef idx="0">
+                <a:schemeClr val="accent1"/>
+              </a:fillRef>
+              <a:effectRef idx="0">
+                <a:schemeClr val="accent1"/>
+              </a:effectRef>
+              <a:fontRef idx="minor">
+                <a:schemeClr val="tx1"/>
+              </a:fontRef>
+            </p:style>
+          </p:cxnSp>
+          <p:cxnSp>
+            <p:nvCxnSpPr>
+              <p:cNvPr id="74" name="Connector: Elbow 73">
+                <a:extLst>
+                  <a:ext uri="{FF2B5EF4-FFF2-40B4-BE49-F238E27FC236}">
+                    <a16:creationId xmlns:a16="http://schemas.microsoft.com/office/drawing/2014/main" id="{464A9A80-37EC-44AD-9EC6-1F176C8284DB}"/>
+                  </a:ext>
+                </a:extLst>
+              </p:cNvPr>
+              <p:cNvCxnSpPr>
+                <a:cxnSpLocks/>
+              </p:cNvCxnSpPr>
+              <p:nvPr/>
+            </p:nvCxnSpPr>
+            <p:spPr>
+              <a:xfrm rot="16200000" flipV="1">
+                <a:off x="4140482" y="1499704"/>
+                <a:ext cx="437620" cy="1"/>
+              </a:xfrm>
+              <a:prstGeom prst="bentConnector3">
+                <a:avLst>
+                  <a:gd name="adj1" fmla="val 50000"/>
+                </a:avLst>
+              </a:prstGeom>
+              <a:ln w="38100">
+                <a:prstDash val="solid"/>
+                <a:tailEnd type="triangle"/>
+              </a:ln>
+            </p:spPr>
+            <p:style>
+              <a:lnRef idx="1">
+                <a:schemeClr val="accent1"/>
+              </a:lnRef>
+              <a:fillRef idx="0">
+                <a:schemeClr val="accent1"/>
+              </a:fillRef>
+              <a:effectRef idx="0">
+                <a:schemeClr val="accent1"/>
+              </a:effectRef>
+              <a:fontRef idx="minor">
+                <a:schemeClr val="tx1"/>
+              </a:fontRef>
+            </p:style>
+          </p:cxnSp>
+          <p:sp>
+            <p:nvSpPr>
+              <p:cNvPr id="88" name="TextBox 87">
+                <a:extLst>
+                  <a:ext uri="{FF2B5EF4-FFF2-40B4-BE49-F238E27FC236}">
+                    <a16:creationId xmlns:a16="http://schemas.microsoft.com/office/drawing/2014/main" id="{2FE78267-E236-45A5-BEA9-205190D61F2F}"/>
+                  </a:ext>
+                </a:extLst>
+              </p:cNvPr>
+              <p:cNvSpPr txBox="1"/>
+              <p:nvPr/>
+            </p:nvSpPr>
+            <p:spPr>
+              <a:xfrm>
+                <a:off x="1826073" y="1707547"/>
+                <a:ext cx="542135" cy="369332"/>
+              </a:xfrm>
+              <a:prstGeom prst="rect">
+                <a:avLst/>
+              </a:prstGeom>
+              <a:noFill/>
+            </p:spPr>
+            <p:txBody>
+              <a:bodyPr wrap="none" rtlCol="0">
+                <a:spAutoFit/>
+              </a:bodyPr>
+              <a:lstStyle/>
+              <a:p>
+                <a:pPr algn="ctr"/>
+                <a:r>
+                  <a:rPr lang="en-GB" dirty="0"/>
+                  <a:t>x(0)</a:t>
+                </a:r>
+              </a:p>
+            </p:txBody>
+          </p:sp>
+          <p:sp>
+            <p:nvSpPr>
+              <p:cNvPr id="89" name="TextBox 88">
+                <a:extLst>
+                  <a:ext uri="{FF2B5EF4-FFF2-40B4-BE49-F238E27FC236}">
+                    <a16:creationId xmlns:a16="http://schemas.microsoft.com/office/drawing/2014/main" id="{B76420EB-A99F-4DDA-87B6-2BCBDAF41C6D}"/>
+                  </a:ext>
+                </a:extLst>
+              </p:cNvPr>
+              <p:cNvSpPr txBox="1"/>
+              <p:nvPr/>
+            </p:nvSpPr>
+            <p:spPr>
+              <a:xfrm>
+                <a:off x="2902147" y="1701824"/>
+                <a:ext cx="542135" cy="369332"/>
+              </a:xfrm>
+              <a:prstGeom prst="rect">
+                <a:avLst/>
+              </a:prstGeom>
+              <a:noFill/>
+            </p:spPr>
+            <p:txBody>
+              <a:bodyPr wrap="none" rtlCol="0">
+                <a:spAutoFit/>
+              </a:bodyPr>
+              <a:lstStyle/>
+              <a:p>
+                <a:pPr algn="ctr"/>
+                <a:r>
+                  <a:rPr lang="en-GB" dirty="0"/>
+                  <a:t>x(1)</a:t>
+                </a:r>
+              </a:p>
+            </p:txBody>
+          </p:sp>
+          <p:sp>
+            <p:nvSpPr>
+              <p:cNvPr id="91" name="TextBox 90">
+                <a:extLst>
+                  <a:ext uri="{FF2B5EF4-FFF2-40B4-BE49-F238E27FC236}">
+                    <a16:creationId xmlns:a16="http://schemas.microsoft.com/office/drawing/2014/main" id="{D17D2A43-2523-4E7A-BB19-AB60BCDAA344}"/>
+                  </a:ext>
+                </a:extLst>
+              </p:cNvPr>
+              <p:cNvSpPr txBox="1"/>
+              <p:nvPr/>
+            </p:nvSpPr>
+            <p:spPr>
+              <a:xfrm>
+                <a:off x="4053591" y="1704637"/>
+                <a:ext cx="542135" cy="369332"/>
+              </a:xfrm>
+              <a:prstGeom prst="rect">
+                <a:avLst/>
+              </a:prstGeom>
+              <a:noFill/>
+            </p:spPr>
+            <p:txBody>
+              <a:bodyPr wrap="none" rtlCol="0">
+                <a:spAutoFit/>
+              </a:bodyPr>
+              <a:lstStyle/>
+              <a:p>
+                <a:pPr algn="ctr"/>
+                <a:r>
+                  <a:rPr lang="en-GB" dirty="0"/>
+                  <a:t>x(2)</a:t>
+                </a:r>
+              </a:p>
+            </p:txBody>
+          </p:sp>
+          <p:sp>
+            <p:nvSpPr>
+              <p:cNvPr id="170" name="TextBox 169">
+                <a:extLst>
+                  <a:ext uri="{FF2B5EF4-FFF2-40B4-BE49-F238E27FC236}">
+                    <a16:creationId xmlns:a16="http://schemas.microsoft.com/office/drawing/2014/main" id="{27EEF8E9-04B1-4320-9D52-1D3ADF927F17}"/>
+                  </a:ext>
+                </a:extLst>
+              </p:cNvPr>
+              <p:cNvSpPr txBox="1"/>
+              <p:nvPr/>
+            </p:nvSpPr>
+            <p:spPr>
+              <a:xfrm>
+                <a:off x="1264514" y="1099127"/>
+                <a:ext cx="564578" cy="369332"/>
+              </a:xfrm>
+              <a:prstGeom prst="rect">
+                <a:avLst/>
+              </a:prstGeom>
+              <a:noFill/>
+            </p:spPr>
+            <p:txBody>
+              <a:bodyPr wrap="none" rtlCol="0">
+                <a:spAutoFit/>
+              </a:bodyPr>
+              <a:lstStyle/>
+              <a:p>
+                <a:pPr algn="ctr"/>
+                <a:r>
+                  <a:rPr lang="en-GB" dirty="0"/>
+                  <a:t>h(0)</a:t>
+                </a:r>
+              </a:p>
+            </p:txBody>
+          </p:sp>
+          <p:sp>
+            <p:nvSpPr>
+              <p:cNvPr id="171" name="TextBox 170">
+                <a:extLst>
+                  <a:ext uri="{FF2B5EF4-FFF2-40B4-BE49-F238E27FC236}">
+                    <a16:creationId xmlns:a16="http://schemas.microsoft.com/office/drawing/2014/main" id="{23AD89EC-5346-4E0E-B213-A221D3ED6A5B}"/>
+                  </a:ext>
+                </a:extLst>
+              </p:cNvPr>
+              <p:cNvSpPr txBox="1"/>
+              <p:nvPr/>
+            </p:nvSpPr>
+            <p:spPr>
+              <a:xfrm>
+                <a:off x="3513544" y="1157158"/>
+                <a:ext cx="564578" cy="369332"/>
+              </a:xfrm>
+              <a:prstGeom prst="rect">
+                <a:avLst/>
+              </a:prstGeom>
+              <a:noFill/>
+            </p:spPr>
+            <p:txBody>
+              <a:bodyPr wrap="none" rtlCol="0">
+                <a:spAutoFit/>
+              </a:bodyPr>
+              <a:lstStyle/>
+              <a:p>
+                <a:pPr algn="ctr"/>
+                <a:r>
+                  <a:rPr lang="en-GB" dirty="0"/>
+                  <a:t>h(2)</a:t>
+                </a:r>
+              </a:p>
+            </p:txBody>
+          </p:sp>
+        </p:grpSp>
+      </p:grpSp>
+      <p:grpSp>
+        <p:nvGrpSpPr>
+          <p:cNvPr id="22" name="Group 21">
+            <a:extLst>
+              <a:ext uri="{FF2B5EF4-FFF2-40B4-BE49-F238E27FC236}">
+                <a16:creationId xmlns:a16="http://schemas.microsoft.com/office/drawing/2014/main" id="{F0B7ACDD-0734-4AE0-B857-A2416076C6EB}"/>
+              </a:ext>
+            </a:extLst>
+          </p:cNvPr>
+          <p:cNvGrpSpPr/>
+          <p:nvPr/>
+        </p:nvGrpSpPr>
+        <p:grpSpPr>
+          <a:xfrm>
+            <a:off x="1590814" y="2001062"/>
+            <a:ext cx="6709973" cy="2629448"/>
+            <a:chOff x="1633899" y="2134548"/>
+            <a:chExt cx="6709973" cy="2629448"/>
+          </a:xfrm>
+        </p:grpSpPr>
+        <p:sp>
+          <p:nvSpPr>
+            <p:cNvPr id="17" name="Rectangle: Rounded Corners 16">
+              <a:extLst>
+                <a:ext uri="{FF2B5EF4-FFF2-40B4-BE49-F238E27FC236}">
+                  <a16:creationId xmlns:a16="http://schemas.microsoft.com/office/drawing/2014/main" id="{B39103AE-1153-40CB-9731-F5066322B76D}"/>
+                </a:ext>
+              </a:extLst>
+            </p:cNvPr>
+            <p:cNvSpPr/>
+            <p:nvPr/>
+          </p:nvSpPr>
+          <p:spPr>
+            <a:xfrm>
+              <a:off x="5458437" y="2902236"/>
+              <a:ext cx="637563" cy="478173"/>
+            </a:xfrm>
+            <a:prstGeom prst="roundRect">
+              <a:avLst/>
+            </a:prstGeom>
+            <a:ln w="38100"/>
+          </p:spPr>
+          <p:style>
+            <a:lnRef idx="1">
+              <a:schemeClr val="accent1"/>
+            </a:lnRef>
+            <a:fillRef idx="2">
+              <a:schemeClr val="accent1"/>
+            </a:fillRef>
+            <a:effectRef idx="1">
+              <a:schemeClr val="accent1"/>
+            </a:effectRef>
+            <a:fontRef idx="minor">
+              <a:schemeClr val="dk1"/>
+            </a:fontRef>
+          </p:style>
+          <p:txBody>
+            <a:bodyPr rtlCol="0" anchor="ctr"/>
+            <a:lstStyle/>
+            <a:p>
+              <a:pPr algn="ctr"/>
+              <a:endParaRPr lang="en-GB" dirty="0"/>
+            </a:p>
+          </p:txBody>
+        </p:sp>
+        <p:sp>
+          <p:nvSpPr>
+            <p:cNvPr id="93" name="Rectangle: Rounded Corners 92">
+              <a:extLst>
+                <a:ext uri="{FF2B5EF4-FFF2-40B4-BE49-F238E27FC236}">
+                  <a16:creationId xmlns:a16="http://schemas.microsoft.com/office/drawing/2014/main" id="{91B499B5-2C97-45A0-939D-27FCC3F6EAB1}"/>
+                </a:ext>
+              </a:extLst>
+            </p:cNvPr>
+            <p:cNvSpPr/>
+            <p:nvPr/>
+          </p:nvSpPr>
+          <p:spPr>
+            <a:xfrm>
+              <a:off x="2152621" y="3548563"/>
+              <a:ext cx="637563" cy="478173"/>
+            </a:xfrm>
+            <a:prstGeom prst="roundRect">
+              <a:avLst/>
+            </a:prstGeom>
+            <a:ln w="38100">
+              <a:prstDash val="solid"/>
+            </a:ln>
+          </p:spPr>
+          <p:style>
+            <a:lnRef idx="1">
+              <a:schemeClr val="accent2"/>
+            </a:lnRef>
+            <a:fillRef idx="2">
+              <a:schemeClr val="accent2"/>
+            </a:fillRef>
+            <a:effectRef idx="1">
+              <a:schemeClr val="accent2"/>
+            </a:effectRef>
+            <a:fontRef idx="minor">
+              <a:schemeClr val="dk1"/>
+            </a:fontRef>
+          </p:style>
+          <p:txBody>
+            <a:bodyPr rtlCol="0" anchor="ctr"/>
+            <a:lstStyle/>
+            <a:p>
+              <a:pPr algn="ctr"/>
+              <a:endParaRPr lang="en-GB"/>
+            </a:p>
+          </p:txBody>
+        </p:sp>
+        <p:sp>
+          <p:nvSpPr>
+            <p:cNvPr id="102" name="Rectangle: Rounded Corners 101">
+              <a:extLst>
+                <a:ext uri="{FF2B5EF4-FFF2-40B4-BE49-F238E27FC236}">
+                  <a16:creationId xmlns:a16="http://schemas.microsoft.com/office/drawing/2014/main" id="{6D269CFA-78F7-4F85-8FC8-2B0BBC6AD7B4}"/>
+                </a:ext>
+              </a:extLst>
+            </p:cNvPr>
+            <p:cNvSpPr/>
+            <p:nvPr/>
+          </p:nvSpPr>
+          <p:spPr>
+            <a:xfrm>
+              <a:off x="3278144" y="3548562"/>
+              <a:ext cx="637563" cy="478173"/>
+            </a:xfrm>
+            <a:prstGeom prst="roundRect">
+              <a:avLst/>
+            </a:prstGeom>
+            <a:ln w="38100"/>
+          </p:spPr>
+          <p:style>
+            <a:lnRef idx="1">
+              <a:schemeClr val="accent2"/>
+            </a:lnRef>
+            <a:fillRef idx="2">
+              <a:schemeClr val="accent2"/>
+            </a:fillRef>
+            <a:effectRef idx="1">
+              <a:schemeClr val="accent2"/>
+            </a:effectRef>
+            <a:fontRef idx="minor">
+              <a:schemeClr val="dk1"/>
+            </a:fontRef>
+          </p:style>
+          <p:txBody>
+            <a:bodyPr rtlCol="0" anchor="ctr"/>
+            <a:lstStyle/>
+            <a:p>
+              <a:pPr algn="ctr"/>
+              <a:endParaRPr lang="en-GB"/>
+            </a:p>
+          </p:txBody>
+        </p:sp>
+        <p:sp>
+          <p:nvSpPr>
+            <p:cNvPr id="103" name="Rectangle: Rounded Corners 102">
+              <a:extLst>
+                <a:ext uri="{FF2B5EF4-FFF2-40B4-BE49-F238E27FC236}">
+                  <a16:creationId xmlns:a16="http://schemas.microsoft.com/office/drawing/2014/main" id="{87D5DABE-03EE-468A-BB25-4FB63F14A694}"/>
+                </a:ext>
+              </a:extLst>
+            </p:cNvPr>
+            <p:cNvSpPr/>
+            <p:nvPr/>
+          </p:nvSpPr>
+          <p:spPr>
+            <a:xfrm>
+              <a:off x="4403667" y="3548561"/>
+              <a:ext cx="637563" cy="478173"/>
+            </a:xfrm>
+            <a:prstGeom prst="roundRect">
+              <a:avLst/>
+            </a:prstGeom>
+            <a:ln w="38100">
+              <a:prstDash val="solid"/>
+            </a:ln>
+          </p:spPr>
+          <p:style>
+            <a:lnRef idx="1">
+              <a:schemeClr val="accent2"/>
+            </a:lnRef>
+            <a:fillRef idx="2">
+              <a:schemeClr val="accent2"/>
+            </a:fillRef>
+            <a:effectRef idx="1">
+              <a:schemeClr val="accent2"/>
+            </a:effectRef>
+            <a:fontRef idx="minor">
+              <a:schemeClr val="dk1"/>
+            </a:fontRef>
+          </p:style>
+          <p:txBody>
+            <a:bodyPr rtlCol="0" anchor="ctr"/>
+            <a:lstStyle/>
+            <a:p>
+              <a:pPr algn="ctr"/>
+              <a:endParaRPr lang="en-GB"/>
+            </a:p>
+          </p:txBody>
+        </p:sp>
+        <p:cxnSp>
+          <p:nvCxnSpPr>
+            <p:cNvPr id="104" name="Connector: Elbow 103">
+              <a:extLst>
+                <a:ext uri="{FF2B5EF4-FFF2-40B4-BE49-F238E27FC236}">
+                  <a16:creationId xmlns:a16="http://schemas.microsoft.com/office/drawing/2014/main" id="{0D7CFABA-E528-411D-98AE-B8B9FDD77386}"/>
+                </a:ext>
+              </a:extLst>
+            </p:cNvPr>
+            <p:cNvCxnSpPr>
+              <a:stCxn id="93" idx="3"/>
+              <a:endCxn id="102" idx="1"/>
+            </p:cNvCxnSpPr>
+            <p:nvPr/>
+          </p:nvCxnSpPr>
+          <p:spPr>
+            <a:xfrm flipV="1">
+              <a:off x="2790184" y="3787649"/>
+              <a:ext cx="487960" cy="1"/>
+            </a:xfrm>
+            <a:prstGeom prst="bentConnector3">
+              <a:avLst/>
+            </a:prstGeom>
+            <a:ln w="38100">
+              <a:tailEnd type="triangle"/>
+            </a:ln>
+          </p:spPr>
+          <p:style>
+            <a:lnRef idx="1">
+              <a:schemeClr val="accent1"/>
+            </a:lnRef>
+            <a:fillRef idx="0">
+              <a:schemeClr val="accent1"/>
+            </a:fillRef>
+            <a:effectRef idx="0">
+              <a:schemeClr val="accent1"/>
+            </a:effectRef>
+            <a:fontRef idx="minor">
+              <a:schemeClr val="tx1"/>
+            </a:fontRef>
+          </p:style>
+        </p:cxnSp>
+        <p:cxnSp>
+          <p:nvCxnSpPr>
+            <p:cNvPr id="105" name="Connector: Elbow 104">
+              <a:extLst>
+                <a:ext uri="{FF2B5EF4-FFF2-40B4-BE49-F238E27FC236}">
+                  <a16:creationId xmlns:a16="http://schemas.microsoft.com/office/drawing/2014/main" id="{9565F250-3EA4-411D-B2B5-40C9B6C491DA}"/>
+                </a:ext>
+              </a:extLst>
+            </p:cNvPr>
+            <p:cNvCxnSpPr/>
+            <p:nvPr/>
+          </p:nvCxnSpPr>
+          <p:spPr>
+            <a:xfrm flipV="1">
+              <a:off x="1664661" y="3787647"/>
+              <a:ext cx="487960" cy="1"/>
+            </a:xfrm>
+            <a:prstGeom prst="bentConnector3">
+              <a:avLst/>
+            </a:prstGeom>
+            <a:ln w="38100">
+              <a:prstDash val="solid"/>
+              <a:tailEnd type="triangle"/>
+            </a:ln>
+          </p:spPr>
+          <p:style>
+            <a:lnRef idx="1">
+              <a:schemeClr val="accent1"/>
+            </a:lnRef>
+            <a:fillRef idx="0">
+              <a:schemeClr val="accent1"/>
+            </a:fillRef>
+            <a:effectRef idx="0">
+              <a:schemeClr val="accent1"/>
+            </a:effectRef>
+            <a:fontRef idx="minor">
+              <a:schemeClr val="tx1"/>
+            </a:fontRef>
+          </p:style>
+        </p:cxnSp>
+        <p:cxnSp>
+          <p:nvCxnSpPr>
+            <p:cNvPr id="117" name="Connector: Elbow 116">
+              <a:extLst>
+                <a:ext uri="{FF2B5EF4-FFF2-40B4-BE49-F238E27FC236}">
+                  <a16:creationId xmlns:a16="http://schemas.microsoft.com/office/drawing/2014/main" id="{DFCB6374-0529-4AAA-8505-062F3E984142}"/>
+                </a:ext>
+              </a:extLst>
+            </p:cNvPr>
+            <p:cNvCxnSpPr/>
+            <p:nvPr/>
+          </p:nvCxnSpPr>
+          <p:spPr>
+            <a:xfrm flipV="1">
+              <a:off x="3915707" y="3787647"/>
+              <a:ext cx="487960" cy="1"/>
+            </a:xfrm>
+            <a:prstGeom prst="bentConnector3">
+              <a:avLst/>
+            </a:prstGeom>
+            <a:ln w="38100">
+              <a:tailEnd type="triangle"/>
+            </a:ln>
+          </p:spPr>
+          <p:style>
+            <a:lnRef idx="1">
+              <a:schemeClr val="accent1"/>
+            </a:lnRef>
+            <a:fillRef idx="0">
+              <a:schemeClr val="accent1"/>
+            </a:fillRef>
+            <a:effectRef idx="0">
+              <a:schemeClr val="accent1"/>
+            </a:effectRef>
+            <a:fontRef idx="minor">
+              <a:schemeClr val="tx1"/>
+            </a:fontRef>
+          </p:style>
+        </p:cxnSp>
+        <p:cxnSp>
+          <p:nvCxnSpPr>
+            <p:cNvPr id="119" name="Connector: Elbow 118">
+              <a:extLst>
+                <a:ext uri="{FF2B5EF4-FFF2-40B4-BE49-F238E27FC236}">
+                  <a16:creationId xmlns:a16="http://schemas.microsoft.com/office/drawing/2014/main" id="{072F25C0-262A-496A-B46C-8D0E335466AA}"/>
+                </a:ext>
+              </a:extLst>
+            </p:cNvPr>
+            <p:cNvCxnSpPr>
+              <a:cxnSpLocks/>
+            </p:cNvCxnSpPr>
+            <p:nvPr/>
+          </p:nvCxnSpPr>
+          <p:spPr>
+            <a:xfrm rot="16200000" flipV="1">
+              <a:off x="3391397" y="4228766"/>
+              <a:ext cx="437620" cy="1"/>
+            </a:xfrm>
+            <a:prstGeom prst="bentConnector3">
+              <a:avLst>
+                <a:gd name="adj1" fmla="val 50000"/>
+              </a:avLst>
+            </a:prstGeom>
+            <a:ln w="38100">
+              <a:tailEnd type="triangle"/>
+            </a:ln>
+          </p:spPr>
+          <p:style>
+            <a:lnRef idx="1">
+              <a:schemeClr val="accent1"/>
+            </a:lnRef>
+            <a:fillRef idx="0">
+              <a:schemeClr val="accent1"/>
+            </a:fillRef>
+            <a:effectRef idx="0">
+              <a:schemeClr val="accent1"/>
+            </a:effectRef>
+            <a:fontRef idx="minor">
+              <a:schemeClr val="tx1"/>
+            </a:fontRef>
+          </p:style>
+        </p:cxnSp>
+        <p:cxnSp>
+          <p:nvCxnSpPr>
+            <p:cNvPr id="126" name="Connector: Elbow 125">
+              <a:extLst>
+                <a:ext uri="{FF2B5EF4-FFF2-40B4-BE49-F238E27FC236}">
+                  <a16:creationId xmlns:a16="http://schemas.microsoft.com/office/drawing/2014/main" id="{BB199200-020E-4901-AA00-B5CF2022FEA0}"/>
+                </a:ext>
+              </a:extLst>
+            </p:cNvPr>
+            <p:cNvCxnSpPr>
+              <a:cxnSpLocks/>
+            </p:cNvCxnSpPr>
+            <p:nvPr/>
+          </p:nvCxnSpPr>
+          <p:spPr>
+            <a:xfrm rot="16200000" flipV="1">
+              <a:off x="2272862" y="4234334"/>
+              <a:ext cx="437620" cy="1"/>
+            </a:xfrm>
+            <a:prstGeom prst="bentConnector3">
+              <a:avLst>
+                <a:gd name="adj1" fmla="val 50000"/>
+              </a:avLst>
+            </a:prstGeom>
+            <a:ln w="38100">
+              <a:prstDash val="solid"/>
+              <a:tailEnd type="triangle"/>
+            </a:ln>
+          </p:spPr>
+          <p:style>
+            <a:lnRef idx="1">
+              <a:schemeClr val="accent1"/>
+            </a:lnRef>
+            <a:fillRef idx="0">
+              <a:schemeClr val="accent1"/>
+            </a:fillRef>
+            <a:effectRef idx="0">
+              <a:schemeClr val="accent1"/>
+            </a:effectRef>
+            <a:fontRef idx="minor">
+              <a:schemeClr val="tx1"/>
+            </a:fontRef>
+          </p:style>
+        </p:cxnSp>
+        <p:sp>
+          <p:nvSpPr>
+            <p:cNvPr id="127" name="TextBox 126">
+              <a:extLst>
+                <a:ext uri="{FF2B5EF4-FFF2-40B4-BE49-F238E27FC236}">
+                  <a16:creationId xmlns:a16="http://schemas.microsoft.com/office/drawing/2014/main" id="{BFFC3F8C-40AB-4153-B2A1-F826FE88938E}"/>
+                </a:ext>
+              </a:extLst>
+            </p:cNvPr>
+            <p:cNvSpPr txBox="1"/>
+            <p:nvPr/>
+          </p:nvSpPr>
+          <p:spPr>
+            <a:xfrm>
+              <a:off x="3899764" y="3783744"/>
+              <a:ext cx="564578" cy="369332"/>
+            </a:xfrm>
+            <a:prstGeom prst="rect">
+              <a:avLst/>
+            </a:prstGeom>
+            <a:noFill/>
+          </p:spPr>
+          <p:txBody>
+            <a:bodyPr wrap="none" rtlCol="0">
+              <a:spAutoFit/>
+            </a:bodyPr>
+            <a:lstStyle/>
+            <a:p>
+              <a:pPr algn="ctr"/>
+              <a:r>
+                <a:rPr lang="en-GB" dirty="0"/>
+                <a:t>h(2)</a:t>
+              </a:r>
+            </a:p>
+          </p:txBody>
+        </p:sp>
+        <p:cxnSp>
+          <p:nvCxnSpPr>
+            <p:cNvPr id="131" name="Connector: Elbow 130">
+              <a:extLst>
+                <a:ext uri="{FF2B5EF4-FFF2-40B4-BE49-F238E27FC236}">
+                  <a16:creationId xmlns:a16="http://schemas.microsoft.com/office/drawing/2014/main" id="{85165F4C-6DFD-4797-8020-873FD0A8EE6D}"/>
+                </a:ext>
+              </a:extLst>
+            </p:cNvPr>
+            <p:cNvCxnSpPr>
+              <a:cxnSpLocks/>
+              <a:stCxn id="103" idx="0"/>
+              <a:endCxn id="17" idx="1"/>
+            </p:cNvCxnSpPr>
+            <p:nvPr/>
+          </p:nvCxnSpPr>
+          <p:spPr>
+            <a:xfrm rot="5400000" flipH="1" flipV="1">
+              <a:off x="4886824" y="2976948"/>
+              <a:ext cx="407238" cy="735988"/>
+            </a:xfrm>
+            <a:prstGeom prst="bentConnector2">
+              <a:avLst/>
+            </a:prstGeom>
+            <a:ln w="38100">
+              <a:prstDash val="solid"/>
+              <a:tailEnd type="triangle"/>
+            </a:ln>
+          </p:spPr>
+          <p:style>
+            <a:lnRef idx="1">
+              <a:schemeClr val="accent1"/>
+            </a:lnRef>
+            <a:fillRef idx="0">
+              <a:schemeClr val="accent1"/>
+            </a:fillRef>
+            <a:effectRef idx="0">
+              <a:schemeClr val="accent1"/>
+            </a:effectRef>
+            <a:fontRef idx="minor">
+              <a:schemeClr val="tx1"/>
+            </a:fontRef>
+          </p:style>
+        </p:cxnSp>
+        <p:cxnSp>
+          <p:nvCxnSpPr>
+            <p:cNvPr id="132" name="Connector: Elbow 131">
+              <a:extLst>
+                <a:ext uri="{FF2B5EF4-FFF2-40B4-BE49-F238E27FC236}">
+                  <a16:creationId xmlns:a16="http://schemas.microsoft.com/office/drawing/2014/main" id="{CE4FAFFF-B33D-4C4D-AD75-3560AE9CDD87}"/>
+                </a:ext>
+              </a:extLst>
+            </p:cNvPr>
+            <p:cNvCxnSpPr>
+              <a:cxnSpLocks/>
+            </p:cNvCxnSpPr>
+            <p:nvPr/>
+          </p:nvCxnSpPr>
+          <p:spPr>
+            <a:xfrm rot="16200000" flipV="1">
+              <a:off x="4525311" y="4228766"/>
+              <a:ext cx="437620" cy="1"/>
+            </a:xfrm>
+            <a:prstGeom prst="bentConnector3">
+              <a:avLst>
+                <a:gd name="adj1" fmla="val 50000"/>
+              </a:avLst>
+            </a:prstGeom>
+            <a:ln w="38100">
+              <a:prstDash val="solid"/>
+              <a:tailEnd type="triangle"/>
+            </a:ln>
+          </p:spPr>
+          <p:style>
+            <a:lnRef idx="1">
+              <a:schemeClr val="accent1"/>
+            </a:lnRef>
+            <a:fillRef idx="0">
+              <a:schemeClr val="accent1"/>
+            </a:fillRef>
+            <a:effectRef idx="0">
+              <a:schemeClr val="accent1"/>
+            </a:effectRef>
+            <a:fontRef idx="minor">
+              <a:schemeClr val="tx1"/>
+            </a:fontRef>
+          </p:style>
+        </p:cxnSp>
+        <p:sp>
+          <p:nvSpPr>
+            <p:cNvPr id="133" name="TextBox 132">
+              <a:extLst>
+                <a:ext uri="{FF2B5EF4-FFF2-40B4-BE49-F238E27FC236}">
+                  <a16:creationId xmlns:a16="http://schemas.microsoft.com/office/drawing/2014/main" id="{0CDDBD5F-CE10-43C1-9C88-787D1B86FC7B}"/>
+                </a:ext>
+              </a:extLst>
+            </p:cNvPr>
+            <p:cNvSpPr txBox="1"/>
+            <p:nvPr/>
+          </p:nvSpPr>
+          <p:spPr>
+            <a:xfrm>
+              <a:off x="2210902" y="4394664"/>
+              <a:ext cx="542135" cy="369332"/>
+            </a:xfrm>
+            <a:prstGeom prst="rect">
+              <a:avLst/>
+            </a:prstGeom>
+            <a:noFill/>
+          </p:spPr>
+          <p:txBody>
+            <a:bodyPr wrap="none" rtlCol="0">
+              <a:spAutoFit/>
+            </a:bodyPr>
+            <a:lstStyle/>
+            <a:p>
+              <a:pPr algn="ctr"/>
+              <a:r>
+                <a:rPr lang="en-GB" dirty="0"/>
+                <a:t>x(0)</a:t>
+              </a:r>
+            </a:p>
+          </p:txBody>
+        </p:sp>
+        <p:sp>
+          <p:nvSpPr>
+            <p:cNvPr id="134" name="TextBox 133">
+              <a:extLst>
+                <a:ext uri="{FF2B5EF4-FFF2-40B4-BE49-F238E27FC236}">
+                  <a16:creationId xmlns:a16="http://schemas.microsoft.com/office/drawing/2014/main" id="{38F94BE3-615B-4F27-9DC3-E5FAF0AEFAE2}"/>
+                </a:ext>
+              </a:extLst>
+            </p:cNvPr>
+            <p:cNvSpPr txBox="1"/>
+            <p:nvPr/>
+          </p:nvSpPr>
+          <p:spPr>
+            <a:xfrm>
+              <a:off x="3286976" y="4388941"/>
+              <a:ext cx="542135" cy="369332"/>
+            </a:xfrm>
+            <a:prstGeom prst="rect">
+              <a:avLst/>
+            </a:prstGeom>
+            <a:noFill/>
+          </p:spPr>
+          <p:txBody>
+            <a:bodyPr wrap="none" rtlCol="0">
+              <a:spAutoFit/>
+            </a:bodyPr>
+            <a:lstStyle/>
+            <a:p>
+              <a:pPr algn="ctr"/>
+              <a:r>
+                <a:rPr lang="en-GB" dirty="0"/>
+                <a:t>x(1)</a:t>
+              </a:r>
+            </a:p>
+          </p:txBody>
+        </p:sp>
+        <p:sp>
+          <p:nvSpPr>
+            <p:cNvPr id="135" name="TextBox 134">
+              <a:extLst>
+                <a:ext uri="{FF2B5EF4-FFF2-40B4-BE49-F238E27FC236}">
+                  <a16:creationId xmlns:a16="http://schemas.microsoft.com/office/drawing/2014/main" id="{B9BE7A23-6ABB-4B76-87EA-2CFAB8A45D6F}"/>
+                </a:ext>
+              </a:extLst>
+            </p:cNvPr>
+            <p:cNvSpPr txBox="1"/>
+            <p:nvPr/>
+          </p:nvSpPr>
+          <p:spPr>
+            <a:xfrm>
+              <a:off x="4438420" y="4391754"/>
+              <a:ext cx="542135" cy="369332"/>
+            </a:xfrm>
+            <a:prstGeom prst="rect">
+              <a:avLst/>
+            </a:prstGeom>
+            <a:noFill/>
+          </p:spPr>
+          <p:txBody>
+            <a:bodyPr wrap="none" rtlCol="0">
+              <a:spAutoFit/>
+            </a:bodyPr>
+            <a:lstStyle/>
+            <a:p>
+              <a:pPr algn="ctr"/>
+              <a:r>
+                <a:rPr lang="en-GB" dirty="0"/>
+                <a:t>x(2)</a:t>
+              </a:r>
+            </a:p>
+          </p:txBody>
+        </p:sp>
+        <p:sp>
+          <p:nvSpPr>
+            <p:cNvPr id="155" name="Rectangle: Rounded Corners 154">
+              <a:extLst>
+                <a:ext uri="{FF2B5EF4-FFF2-40B4-BE49-F238E27FC236}">
+                  <a16:creationId xmlns:a16="http://schemas.microsoft.com/office/drawing/2014/main" id="{701C7AFB-0E4F-423E-B218-5D983286C144}"/>
+                </a:ext>
+              </a:extLst>
+            </p:cNvPr>
+            <p:cNvSpPr/>
+            <p:nvPr/>
+          </p:nvSpPr>
+          <p:spPr>
+            <a:xfrm>
+              <a:off x="6580786" y="2902238"/>
+              <a:ext cx="637563" cy="478173"/>
+            </a:xfrm>
+            <a:prstGeom prst="roundRect">
+              <a:avLst/>
+            </a:prstGeom>
+            <a:ln w="38100">
+              <a:prstDash val="solid"/>
+            </a:ln>
+          </p:spPr>
+          <p:style>
+            <a:lnRef idx="1">
+              <a:schemeClr val="accent2"/>
+            </a:lnRef>
+            <a:fillRef idx="2">
+              <a:schemeClr val="accent2"/>
+            </a:fillRef>
+            <a:effectRef idx="1">
+              <a:schemeClr val="accent2"/>
+            </a:effectRef>
+            <a:fontRef idx="minor">
+              <a:schemeClr val="dk1"/>
+            </a:fontRef>
+          </p:style>
+          <p:txBody>
+            <a:bodyPr rtlCol="0" anchor="ctr"/>
+            <a:lstStyle/>
+            <a:p>
+              <a:pPr algn="ctr"/>
+              <a:endParaRPr lang="en-GB"/>
+            </a:p>
+          </p:txBody>
+        </p:sp>
+        <p:sp>
+          <p:nvSpPr>
+            <p:cNvPr id="156" name="Rectangle: Rounded Corners 155">
+              <a:extLst>
+                <a:ext uri="{FF2B5EF4-FFF2-40B4-BE49-F238E27FC236}">
+                  <a16:creationId xmlns:a16="http://schemas.microsoft.com/office/drawing/2014/main" id="{533CB4D1-0254-4DA2-A777-26D4939E45CF}"/>
+                </a:ext>
+              </a:extLst>
+            </p:cNvPr>
+            <p:cNvSpPr/>
+            <p:nvPr/>
+          </p:nvSpPr>
+          <p:spPr>
+            <a:xfrm>
+              <a:off x="7706309" y="2902237"/>
+              <a:ext cx="637563" cy="478173"/>
+            </a:xfrm>
+            <a:prstGeom prst="roundRect">
+              <a:avLst/>
+            </a:prstGeom>
+            <a:ln w="38100"/>
+          </p:spPr>
+          <p:style>
+            <a:lnRef idx="1">
+              <a:schemeClr val="accent2"/>
+            </a:lnRef>
+            <a:fillRef idx="2">
+              <a:schemeClr val="accent2"/>
+            </a:fillRef>
+            <a:effectRef idx="1">
+              <a:schemeClr val="accent2"/>
+            </a:effectRef>
+            <a:fontRef idx="minor">
+              <a:schemeClr val="dk1"/>
+            </a:fontRef>
+          </p:style>
+          <p:txBody>
+            <a:bodyPr rtlCol="0" anchor="ctr"/>
+            <a:lstStyle/>
+            <a:p>
+              <a:pPr algn="ctr"/>
+              <a:endParaRPr lang="en-GB"/>
+            </a:p>
+          </p:txBody>
+        </p:sp>
+        <p:cxnSp>
+          <p:nvCxnSpPr>
+            <p:cNvPr id="158" name="Connector: Elbow 157">
+              <a:extLst>
+                <a:ext uri="{FF2B5EF4-FFF2-40B4-BE49-F238E27FC236}">
+                  <a16:creationId xmlns:a16="http://schemas.microsoft.com/office/drawing/2014/main" id="{29991B9E-0517-4239-858B-547DA2D70C87}"/>
+                </a:ext>
+              </a:extLst>
+            </p:cNvPr>
+            <p:cNvCxnSpPr>
+              <a:stCxn id="155" idx="3"/>
+              <a:endCxn id="156" idx="1"/>
+            </p:cNvCxnSpPr>
+            <p:nvPr/>
+          </p:nvCxnSpPr>
+          <p:spPr>
+            <a:xfrm flipV="1">
+              <a:off x="7218349" y="3141324"/>
+              <a:ext cx="487960" cy="1"/>
+            </a:xfrm>
+            <a:prstGeom prst="bentConnector3">
+              <a:avLst/>
+            </a:prstGeom>
+            <a:ln w="38100">
+              <a:tailEnd type="triangle"/>
+            </a:ln>
+          </p:spPr>
+          <p:style>
+            <a:lnRef idx="1">
+              <a:schemeClr val="accent1"/>
+            </a:lnRef>
+            <a:fillRef idx="0">
+              <a:schemeClr val="accent1"/>
+            </a:fillRef>
+            <a:effectRef idx="0">
+              <a:schemeClr val="accent1"/>
+            </a:effectRef>
+            <a:fontRef idx="minor">
+              <a:schemeClr val="tx1"/>
+            </a:fontRef>
+          </p:style>
+        </p:cxnSp>
+        <p:cxnSp>
+          <p:nvCxnSpPr>
+            <p:cNvPr id="159" name="Connector: Elbow 158">
+              <a:extLst>
+                <a:ext uri="{FF2B5EF4-FFF2-40B4-BE49-F238E27FC236}">
+                  <a16:creationId xmlns:a16="http://schemas.microsoft.com/office/drawing/2014/main" id="{ED59A329-3A24-4AF2-BB6D-7F244EE6A3D4}"/>
+                </a:ext>
+              </a:extLst>
+            </p:cNvPr>
+            <p:cNvCxnSpPr/>
+            <p:nvPr/>
+          </p:nvCxnSpPr>
+          <p:spPr>
+            <a:xfrm flipV="1">
+              <a:off x="6092826" y="3141322"/>
+              <a:ext cx="487960" cy="1"/>
+            </a:xfrm>
+            <a:prstGeom prst="bentConnector3">
+              <a:avLst/>
+            </a:prstGeom>
+            <a:ln w="38100">
+              <a:prstDash val="solid"/>
+              <a:tailEnd type="triangle"/>
+            </a:ln>
+          </p:spPr>
+          <p:style>
+            <a:lnRef idx="1">
+              <a:schemeClr val="accent1"/>
+            </a:lnRef>
+            <a:fillRef idx="0">
+              <a:schemeClr val="accent1"/>
+            </a:fillRef>
+            <a:effectRef idx="0">
+              <a:schemeClr val="accent1"/>
+            </a:effectRef>
+            <a:fontRef idx="minor">
+              <a:schemeClr val="tx1"/>
+            </a:fontRef>
+          </p:style>
+        </p:cxnSp>
+        <p:cxnSp>
+          <p:nvCxnSpPr>
+            <p:cNvPr id="161" name="Connector: Elbow 160">
+              <a:extLst>
+                <a:ext uri="{FF2B5EF4-FFF2-40B4-BE49-F238E27FC236}">
+                  <a16:creationId xmlns:a16="http://schemas.microsoft.com/office/drawing/2014/main" id="{5B7E7730-D57F-40C9-8B2F-839A9996889E}"/>
+                </a:ext>
+              </a:extLst>
+            </p:cNvPr>
+            <p:cNvCxnSpPr>
+              <a:cxnSpLocks/>
+            </p:cNvCxnSpPr>
+            <p:nvPr/>
+          </p:nvCxnSpPr>
+          <p:spPr>
+            <a:xfrm rot="16200000" flipV="1">
+              <a:off x="7806279" y="2701597"/>
+              <a:ext cx="437620" cy="1"/>
+            </a:xfrm>
+            <a:prstGeom prst="bentConnector3">
+              <a:avLst>
+                <a:gd name="adj1" fmla="val 25079"/>
+              </a:avLst>
+            </a:prstGeom>
+            <a:ln w="38100">
+              <a:tailEnd type="triangle"/>
+            </a:ln>
+          </p:spPr>
+          <p:style>
+            <a:lnRef idx="1">
+              <a:schemeClr val="accent1"/>
+            </a:lnRef>
+            <a:fillRef idx="0">
+              <a:schemeClr val="accent1"/>
+            </a:fillRef>
+            <a:effectRef idx="0">
+              <a:schemeClr val="accent1"/>
+            </a:effectRef>
+            <a:fontRef idx="minor">
+              <a:schemeClr val="tx1"/>
+            </a:fontRef>
+          </p:style>
+        </p:cxnSp>
+        <p:cxnSp>
+          <p:nvCxnSpPr>
+            <p:cNvPr id="162" name="Connector: Elbow 161">
+              <a:extLst>
+                <a:ext uri="{FF2B5EF4-FFF2-40B4-BE49-F238E27FC236}">
+                  <a16:creationId xmlns:a16="http://schemas.microsoft.com/office/drawing/2014/main" id="{B66556C3-8DB6-437D-B099-BEBCB091A240}"/>
+                </a:ext>
+              </a:extLst>
+            </p:cNvPr>
+            <p:cNvCxnSpPr>
+              <a:cxnSpLocks/>
+            </p:cNvCxnSpPr>
+            <p:nvPr/>
+          </p:nvCxnSpPr>
+          <p:spPr>
+            <a:xfrm rot="16200000" flipV="1">
+              <a:off x="6701028" y="2726770"/>
+              <a:ext cx="437620" cy="1"/>
+            </a:xfrm>
+            <a:prstGeom prst="bentConnector3">
+              <a:avLst>
+                <a:gd name="adj1" fmla="val 50000"/>
+              </a:avLst>
+            </a:prstGeom>
+            <a:ln w="38100">
+              <a:prstDash val="solid"/>
+              <a:tailEnd type="triangle"/>
+            </a:ln>
+          </p:spPr>
+          <p:style>
+            <a:lnRef idx="1">
+              <a:schemeClr val="accent1"/>
+            </a:lnRef>
+            <a:fillRef idx="0">
+              <a:schemeClr val="accent1"/>
+            </a:fillRef>
+            <a:effectRef idx="0">
+              <a:schemeClr val="accent1"/>
+            </a:effectRef>
+            <a:fontRef idx="minor">
+              <a:schemeClr val="tx1"/>
+            </a:fontRef>
+          </p:style>
+        </p:cxnSp>
+        <p:sp>
+          <p:nvSpPr>
+            <p:cNvPr id="163" name="TextBox 162">
+              <a:extLst>
+                <a:ext uri="{FF2B5EF4-FFF2-40B4-BE49-F238E27FC236}">
+                  <a16:creationId xmlns:a16="http://schemas.microsoft.com/office/drawing/2014/main" id="{1D75D92F-A8AA-452A-AD56-3EE0B0B82609}"/>
+                </a:ext>
+              </a:extLst>
+            </p:cNvPr>
+            <p:cNvSpPr txBox="1"/>
+            <p:nvPr/>
+          </p:nvSpPr>
+          <p:spPr>
+            <a:xfrm>
+              <a:off x="7179515" y="3160140"/>
+              <a:ext cx="564578" cy="369332"/>
+            </a:xfrm>
+            <a:prstGeom prst="rect">
+              <a:avLst/>
+            </a:prstGeom>
+            <a:noFill/>
+          </p:spPr>
+          <p:txBody>
+            <a:bodyPr wrap="none" rtlCol="0">
+              <a:spAutoFit/>
+            </a:bodyPr>
+            <a:lstStyle/>
+            <a:p>
+              <a:pPr algn="ctr"/>
+              <a:r>
+                <a:rPr lang="en-GB" dirty="0"/>
+                <a:t>h(2)</a:t>
+              </a:r>
+            </a:p>
+          </p:txBody>
+        </p:sp>
+        <p:sp>
+          <p:nvSpPr>
+            <p:cNvPr id="164" name="TextBox 163">
+              <a:extLst>
+                <a:ext uri="{FF2B5EF4-FFF2-40B4-BE49-F238E27FC236}">
+                  <a16:creationId xmlns:a16="http://schemas.microsoft.com/office/drawing/2014/main" id="{7624C866-8C0D-4FDC-868F-5112D48697F8}"/>
+                </a:ext>
+              </a:extLst>
+            </p:cNvPr>
+            <p:cNvSpPr txBox="1"/>
+            <p:nvPr/>
+          </p:nvSpPr>
+          <p:spPr>
+            <a:xfrm>
+              <a:off x="6664988" y="2219837"/>
+              <a:ext cx="542135" cy="369332"/>
+            </a:xfrm>
+            <a:prstGeom prst="rect">
+              <a:avLst/>
+            </a:prstGeom>
+            <a:noFill/>
+          </p:spPr>
+          <p:txBody>
+            <a:bodyPr wrap="none" rtlCol="0">
+              <a:spAutoFit/>
+            </a:bodyPr>
+            <a:lstStyle/>
+            <a:p>
+              <a:pPr algn="ctr"/>
+              <a:r>
+                <a:rPr lang="en-GB" dirty="0"/>
+                <a:t>y(1)</a:t>
+              </a:r>
+            </a:p>
+          </p:txBody>
+        </p:sp>
+        <p:sp>
+          <p:nvSpPr>
+            <p:cNvPr id="165" name="TextBox 164">
+              <a:extLst>
+                <a:ext uri="{FF2B5EF4-FFF2-40B4-BE49-F238E27FC236}">
+                  <a16:creationId xmlns:a16="http://schemas.microsoft.com/office/drawing/2014/main" id="{32EBFB6D-EACE-462B-8FDD-6C7F3AEB53D2}"/>
+                </a:ext>
+              </a:extLst>
+            </p:cNvPr>
+            <p:cNvSpPr txBox="1"/>
+            <p:nvPr/>
+          </p:nvSpPr>
+          <p:spPr>
+            <a:xfrm>
+              <a:off x="7741062" y="2214114"/>
+              <a:ext cx="542135" cy="369332"/>
+            </a:xfrm>
+            <a:prstGeom prst="rect">
+              <a:avLst/>
+            </a:prstGeom>
+            <a:noFill/>
+          </p:spPr>
+          <p:txBody>
+            <a:bodyPr wrap="none" rtlCol="0">
+              <a:spAutoFit/>
+            </a:bodyPr>
+            <a:lstStyle/>
+            <a:p>
+              <a:pPr algn="ctr"/>
+              <a:r>
+                <a:rPr lang="en-GB" dirty="0"/>
+                <a:t>y(2)</a:t>
+              </a:r>
+            </a:p>
+          </p:txBody>
+        </p:sp>
+        <p:cxnSp>
+          <p:nvCxnSpPr>
+            <p:cNvPr id="168" name="Connector: Elbow 167">
+              <a:extLst>
+                <a:ext uri="{FF2B5EF4-FFF2-40B4-BE49-F238E27FC236}">
+                  <a16:creationId xmlns:a16="http://schemas.microsoft.com/office/drawing/2014/main" id="{B0173572-B9C3-4CD1-BEC2-05B5334702A5}"/>
+                </a:ext>
+              </a:extLst>
+            </p:cNvPr>
+            <p:cNvCxnSpPr>
+              <a:cxnSpLocks/>
+            </p:cNvCxnSpPr>
+            <p:nvPr/>
+          </p:nvCxnSpPr>
+          <p:spPr>
+            <a:xfrm rot="16200000" flipV="1">
+              <a:off x="5575506" y="2683426"/>
+              <a:ext cx="437620" cy="1"/>
+            </a:xfrm>
+            <a:prstGeom prst="bentConnector3">
+              <a:avLst>
+                <a:gd name="adj1" fmla="val 50000"/>
+              </a:avLst>
+            </a:prstGeom>
+            <a:ln w="38100">
+              <a:prstDash val="solid"/>
+              <a:tailEnd type="triangle"/>
+            </a:ln>
+          </p:spPr>
+          <p:style>
+            <a:lnRef idx="1">
+              <a:schemeClr val="accent1"/>
+            </a:lnRef>
+            <a:fillRef idx="0">
+              <a:schemeClr val="accent1"/>
+            </a:fillRef>
+            <a:effectRef idx="0">
+              <a:schemeClr val="accent1"/>
+            </a:effectRef>
+            <a:fontRef idx="minor">
+              <a:schemeClr val="tx1"/>
+            </a:fontRef>
+          </p:style>
+        </p:cxnSp>
+        <p:sp>
+          <p:nvSpPr>
+            <p:cNvPr id="169" name="TextBox 168">
+              <a:extLst>
+                <a:ext uri="{FF2B5EF4-FFF2-40B4-BE49-F238E27FC236}">
+                  <a16:creationId xmlns:a16="http://schemas.microsoft.com/office/drawing/2014/main" id="{86BA28AD-1EED-4F8F-BCE5-2FCCC9ACFCF7}"/>
+                </a:ext>
+              </a:extLst>
+            </p:cNvPr>
+            <p:cNvSpPr txBox="1"/>
+            <p:nvPr/>
+          </p:nvSpPr>
+          <p:spPr>
+            <a:xfrm>
+              <a:off x="5539466" y="2134548"/>
+              <a:ext cx="542135" cy="369332"/>
+            </a:xfrm>
+            <a:prstGeom prst="rect">
+              <a:avLst/>
+            </a:prstGeom>
+            <a:noFill/>
+          </p:spPr>
+          <p:txBody>
+            <a:bodyPr wrap="none" rtlCol="0">
+              <a:spAutoFit/>
+            </a:bodyPr>
+            <a:lstStyle/>
+            <a:p>
+              <a:pPr algn="ctr"/>
+              <a:r>
+                <a:rPr lang="en-GB" dirty="0"/>
+                <a:t>y(0)</a:t>
+              </a:r>
+            </a:p>
+          </p:txBody>
+        </p:sp>
+        <p:sp>
+          <p:nvSpPr>
+            <p:cNvPr id="172" name="TextBox 171">
+              <a:extLst>
+                <a:ext uri="{FF2B5EF4-FFF2-40B4-BE49-F238E27FC236}">
+                  <a16:creationId xmlns:a16="http://schemas.microsoft.com/office/drawing/2014/main" id="{5446DA85-3BBA-4419-8DBB-C1BE8DFBCD39}"/>
+                </a:ext>
+              </a:extLst>
+            </p:cNvPr>
+            <p:cNvSpPr txBox="1"/>
+            <p:nvPr/>
+          </p:nvSpPr>
+          <p:spPr>
+            <a:xfrm>
+              <a:off x="1633899" y="3799064"/>
+              <a:ext cx="564578" cy="369332"/>
+            </a:xfrm>
+            <a:prstGeom prst="rect">
+              <a:avLst/>
+            </a:prstGeom>
+            <a:noFill/>
+          </p:spPr>
+          <p:txBody>
+            <a:bodyPr wrap="none" rtlCol="0">
+              <a:spAutoFit/>
+            </a:bodyPr>
+            <a:lstStyle/>
+            <a:p>
+              <a:pPr algn="ctr"/>
+              <a:r>
+                <a:rPr lang="en-GB" dirty="0"/>
+                <a:t>h(0)</a:t>
+              </a:r>
+            </a:p>
+          </p:txBody>
+        </p:sp>
+      </p:grpSp>
+      <p:grpSp>
+        <p:nvGrpSpPr>
+          <p:cNvPr id="25" name="Group 24">
+            <a:extLst>
+              <a:ext uri="{FF2B5EF4-FFF2-40B4-BE49-F238E27FC236}">
+                <a16:creationId xmlns:a16="http://schemas.microsoft.com/office/drawing/2014/main" id="{D8281FF8-5DDC-4BF1-9F73-A06E56D8A0FF}"/>
+              </a:ext>
+            </a:extLst>
+          </p:cNvPr>
+          <p:cNvGrpSpPr/>
+          <p:nvPr/>
+        </p:nvGrpSpPr>
+        <p:grpSpPr>
+          <a:xfrm>
+            <a:off x="1603986" y="4899933"/>
+            <a:ext cx="3376569" cy="1945502"/>
+            <a:chOff x="1603986" y="4899933"/>
+            <a:chExt cx="3376569" cy="1945502"/>
+          </a:xfrm>
+        </p:grpSpPr>
+        <p:sp>
+          <p:nvSpPr>
+            <p:cNvPr id="136" name="Rectangle: Rounded Corners 135">
+              <a:extLst>
+                <a:ext uri="{FF2B5EF4-FFF2-40B4-BE49-F238E27FC236}">
+                  <a16:creationId xmlns:a16="http://schemas.microsoft.com/office/drawing/2014/main" id="{8666F7BF-F2B4-4DF9-B424-828B40F579B7}"/>
+                </a:ext>
+              </a:extLst>
+            </p:cNvPr>
+            <p:cNvSpPr/>
+            <p:nvPr/>
+          </p:nvSpPr>
+          <p:spPr>
+            <a:xfrm>
+              <a:off x="2091946" y="5588057"/>
+              <a:ext cx="637563" cy="478173"/>
+            </a:xfrm>
+            <a:prstGeom prst="roundRect">
+              <a:avLst/>
+            </a:prstGeom>
+            <a:ln w="38100">
+              <a:prstDash val="solid"/>
+            </a:ln>
+          </p:spPr>
+          <p:style>
+            <a:lnRef idx="1">
+              <a:schemeClr val="accent2"/>
+            </a:lnRef>
+            <a:fillRef idx="2">
+              <a:schemeClr val="accent2"/>
+            </a:fillRef>
+            <a:effectRef idx="1">
+              <a:schemeClr val="accent2"/>
+            </a:effectRef>
+            <a:fontRef idx="minor">
+              <a:schemeClr val="dk1"/>
+            </a:fontRef>
+          </p:style>
+          <p:txBody>
+            <a:bodyPr rtlCol="0" anchor="ctr"/>
+            <a:lstStyle/>
+            <a:p>
+              <a:pPr algn="ctr"/>
+              <a:endParaRPr lang="en-GB"/>
+            </a:p>
+          </p:txBody>
+        </p:sp>
+        <p:sp>
+          <p:nvSpPr>
+            <p:cNvPr id="137" name="Rectangle: Rounded Corners 136">
+              <a:extLst>
+                <a:ext uri="{FF2B5EF4-FFF2-40B4-BE49-F238E27FC236}">
+                  <a16:creationId xmlns:a16="http://schemas.microsoft.com/office/drawing/2014/main" id="{E5229DB1-2C35-42B8-83D9-9507312D71B0}"/>
+                </a:ext>
+              </a:extLst>
+            </p:cNvPr>
+            <p:cNvSpPr/>
+            <p:nvPr/>
+          </p:nvSpPr>
+          <p:spPr>
+            <a:xfrm>
+              <a:off x="3217469" y="5588056"/>
+              <a:ext cx="637563" cy="478173"/>
+            </a:xfrm>
+            <a:prstGeom prst="roundRect">
+              <a:avLst/>
+            </a:prstGeom>
+            <a:ln w="38100"/>
+          </p:spPr>
+          <p:style>
+            <a:lnRef idx="1">
+              <a:schemeClr val="accent2"/>
+            </a:lnRef>
+            <a:fillRef idx="2">
+              <a:schemeClr val="accent2"/>
+            </a:fillRef>
+            <a:effectRef idx="1">
+              <a:schemeClr val="accent2"/>
+            </a:effectRef>
+            <a:fontRef idx="minor">
+              <a:schemeClr val="dk1"/>
+            </a:fontRef>
+          </p:style>
+          <p:txBody>
+            <a:bodyPr rtlCol="0" anchor="ctr"/>
+            <a:lstStyle/>
+            <a:p>
+              <a:pPr algn="ctr"/>
+              <a:endParaRPr lang="en-GB"/>
+            </a:p>
+          </p:txBody>
+        </p:sp>
+        <p:sp>
+          <p:nvSpPr>
+            <p:cNvPr id="138" name="Rectangle: Rounded Corners 137">
+              <a:extLst>
+                <a:ext uri="{FF2B5EF4-FFF2-40B4-BE49-F238E27FC236}">
+                  <a16:creationId xmlns:a16="http://schemas.microsoft.com/office/drawing/2014/main" id="{2711C0A5-8BA5-4DDA-A449-9E29A8FD5613}"/>
+                </a:ext>
+              </a:extLst>
+            </p:cNvPr>
+            <p:cNvSpPr/>
+            <p:nvPr/>
+          </p:nvSpPr>
+          <p:spPr>
+            <a:xfrm>
+              <a:off x="4342992" y="5588055"/>
+              <a:ext cx="637563" cy="478173"/>
+            </a:xfrm>
+            <a:prstGeom prst="roundRect">
+              <a:avLst/>
+            </a:prstGeom>
+            <a:ln w="38100">
+              <a:prstDash val="solid"/>
+            </a:ln>
+          </p:spPr>
+          <p:style>
+            <a:lnRef idx="1">
+              <a:schemeClr val="accent2"/>
+            </a:lnRef>
+            <a:fillRef idx="2">
+              <a:schemeClr val="accent2"/>
+            </a:fillRef>
+            <a:effectRef idx="1">
+              <a:schemeClr val="accent2"/>
+            </a:effectRef>
+            <a:fontRef idx="minor">
+              <a:schemeClr val="dk1"/>
+            </a:fontRef>
+          </p:style>
+          <p:txBody>
+            <a:bodyPr rtlCol="0" anchor="ctr"/>
+            <a:lstStyle/>
+            <a:p>
+              <a:pPr algn="ctr"/>
+              <a:endParaRPr lang="en-GB"/>
+            </a:p>
+          </p:txBody>
+        </p:sp>
+        <p:cxnSp>
+          <p:nvCxnSpPr>
+            <p:cNvPr id="139" name="Connector: Elbow 138">
+              <a:extLst>
+                <a:ext uri="{FF2B5EF4-FFF2-40B4-BE49-F238E27FC236}">
+                  <a16:creationId xmlns:a16="http://schemas.microsoft.com/office/drawing/2014/main" id="{725FAF35-9973-4EC7-8E2E-46A7E93C82B5}"/>
+                </a:ext>
+              </a:extLst>
+            </p:cNvPr>
+            <p:cNvCxnSpPr>
+              <a:stCxn id="136" idx="3"/>
+              <a:endCxn id="137" idx="1"/>
+            </p:cNvCxnSpPr>
+            <p:nvPr/>
+          </p:nvCxnSpPr>
+          <p:spPr>
+            <a:xfrm flipV="1">
+              <a:off x="2729509" y="5827143"/>
+              <a:ext cx="487960" cy="1"/>
+            </a:xfrm>
+            <a:prstGeom prst="bentConnector3">
+              <a:avLst/>
+            </a:prstGeom>
+            <a:ln w="38100">
+              <a:tailEnd type="triangle"/>
+            </a:ln>
+          </p:spPr>
+          <p:style>
+            <a:lnRef idx="1">
+              <a:schemeClr val="accent1"/>
+            </a:lnRef>
+            <a:fillRef idx="0">
+              <a:schemeClr val="accent1"/>
+            </a:fillRef>
+            <a:effectRef idx="0">
+              <a:schemeClr val="accent1"/>
+            </a:effectRef>
+            <a:fontRef idx="minor">
+              <a:schemeClr val="tx1"/>
+            </a:fontRef>
+          </p:style>
+        </p:cxnSp>
+        <p:cxnSp>
+          <p:nvCxnSpPr>
+            <p:cNvPr id="140" name="Connector: Elbow 139">
+              <a:extLst>
+                <a:ext uri="{FF2B5EF4-FFF2-40B4-BE49-F238E27FC236}">
+                  <a16:creationId xmlns:a16="http://schemas.microsoft.com/office/drawing/2014/main" id="{C475C2A6-54C7-442D-AD37-C2979F721395}"/>
+                </a:ext>
+              </a:extLst>
+            </p:cNvPr>
+            <p:cNvCxnSpPr/>
+            <p:nvPr/>
+          </p:nvCxnSpPr>
+          <p:spPr>
+            <a:xfrm flipV="1">
+              <a:off x="1603986" y="5827141"/>
+              <a:ext cx="487960" cy="1"/>
+            </a:xfrm>
+            <a:prstGeom prst="bentConnector3">
+              <a:avLst/>
+            </a:prstGeom>
+            <a:ln w="38100">
+              <a:prstDash val="solid"/>
+              <a:tailEnd type="triangle"/>
+            </a:ln>
+          </p:spPr>
+          <p:style>
+            <a:lnRef idx="1">
+              <a:schemeClr val="accent1"/>
+            </a:lnRef>
+            <a:fillRef idx="0">
+              <a:schemeClr val="accent1"/>
+            </a:fillRef>
+            <a:effectRef idx="0">
+              <a:schemeClr val="accent1"/>
+            </a:effectRef>
+            <a:fontRef idx="minor">
+              <a:schemeClr val="tx1"/>
+            </a:fontRef>
+          </p:style>
+        </p:cxnSp>
+        <p:cxnSp>
+          <p:nvCxnSpPr>
+            <p:cNvPr id="141" name="Connector: Elbow 140">
+              <a:extLst>
+                <a:ext uri="{FF2B5EF4-FFF2-40B4-BE49-F238E27FC236}">
+                  <a16:creationId xmlns:a16="http://schemas.microsoft.com/office/drawing/2014/main" id="{3460F03D-1233-4F52-9549-DE36ACDB96AC}"/>
+                </a:ext>
+              </a:extLst>
+            </p:cNvPr>
+            <p:cNvCxnSpPr/>
+            <p:nvPr/>
+          </p:nvCxnSpPr>
+          <p:spPr>
+            <a:xfrm flipV="1">
+              <a:off x="3855032" y="5827141"/>
+              <a:ext cx="487960" cy="1"/>
+            </a:xfrm>
+            <a:prstGeom prst="bentConnector3">
+              <a:avLst/>
+            </a:prstGeom>
+            <a:ln w="38100">
+              <a:tailEnd type="triangle"/>
+            </a:ln>
+          </p:spPr>
+          <p:style>
+            <a:lnRef idx="1">
+              <a:schemeClr val="accent1"/>
+            </a:lnRef>
+            <a:fillRef idx="0">
+              <a:schemeClr val="accent1"/>
+            </a:fillRef>
+            <a:effectRef idx="0">
+              <a:schemeClr val="accent1"/>
+            </a:effectRef>
+            <a:fontRef idx="minor">
+              <a:schemeClr val="tx1"/>
+            </a:fontRef>
+          </p:style>
+        </p:cxnSp>
+        <p:cxnSp>
+          <p:nvCxnSpPr>
+            <p:cNvPr id="142" name="Connector: Elbow 141">
+              <a:extLst>
+                <a:ext uri="{FF2B5EF4-FFF2-40B4-BE49-F238E27FC236}">
+                  <a16:creationId xmlns:a16="http://schemas.microsoft.com/office/drawing/2014/main" id="{81FA37CE-E94A-43D0-B8F7-E5C1125CCEA8}"/>
+                </a:ext>
+              </a:extLst>
+            </p:cNvPr>
+            <p:cNvCxnSpPr>
+              <a:cxnSpLocks/>
+            </p:cNvCxnSpPr>
+            <p:nvPr/>
+          </p:nvCxnSpPr>
+          <p:spPr>
+            <a:xfrm rot="16200000" flipV="1">
+              <a:off x="3317439" y="5387416"/>
+              <a:ext cx="437620" cy="1"/>
+            </a:xfrm>
+            <a:prstGeom prst="bentConnector3">
+              <a:avLst>
+                <a:gd name="adj1" fmla="val 25079"/>
+              </a:avLst>
+            </a:prstGeom>
+            <a:ln w="38100">
+              <a:tailEnd type="triangle"/>
+            </a:ln>
+          </p:spPr>
+          <p:style>
+            <a:lnRef idx="1">
+              <a:schemeClr val="accent1"/>
+            </a:lnRef>
+            <a:fillRef idx="0">
+              <a:schemeClr val="accent1"/>
+            </a:fillRef>
+            <a:effectRef idx="0">
+              <a:schemeClr val="accent1"/>
+            </a:effectRef>
+            <a:fontRef idx="minor">
+              <a:schemeClr val="tx1"/>
+            </a:fontRef>
+          </p:style>
+        </p:cxnSp>
+        <p:cxnSp>
+          <p:nvCxnSpPr>
+            <p:cNvPr id="143" name="Connector: Elbow 142">
+              <a:extLst>
+                <a:ext uri="{FF2B5EF4-FFF2-40B4-BE49-F238E27FC236}">
+                  <a16:creationId xmlns:a16="http://schemas.microsoft.com/office/drawing/2014/main" id="{C811F903-F9F0-48C0-BBAB-AFAB06AF6CAB}"/>
+                </a:ext>
+              </a:extLst>
+            </p:cNvPr>
+            <p:cNvCxnSpPr>
+              <a:cxnSpLocks/>
+            </p:cNvCxnSpPr>
+            <p:nvPr/>
+          </p:nvCxnSpPr>
+          <p:spPr>
+            <a:xfrm rot="16200000" flipV="1">
+              <a:off x="3330722" y="6268260"/>
+              <a:ext cx="437620" cy="1"/>
+            </a:xfrm>
+            <a:prstGeom prst="bentConnector3">
+              <a:avLst>
+                <a:gd name="adj1" fmla="val 50000"/>
+              </a:avLst>
+            </a:prstGeom>
+            <a:ln w="38100">
+              <a:tailEnd type="triangle"/>
+            </a:ln>
+          </p:spPr>
+          <p:style>
+            <a:lnRef idx="1">
+              <a:schemeClr val="accent1"/>
+            </a:lnRef>
+            <a:fillRef idx="0">
+              <a:schemeClr val="accent1"/>
+            </a:fillRef>
+            <a:effectRef idx="0">
+              <a:schemeClr val="accent1"/>
+            </a:effectRef>
+            <a:fontRef idx="minor">
+              <a:schemeClr val="tx1"/>
+            </a:fontRef>
+          </p:style>
+        </p:cxnSp>
+        <p:cxnSp>
+          <p:nvCxnSpPr>
+            <p:cNvPr id="144" name="Connector: Elbow 143">
+              <a:extLst>
+                <a:ext uri="{FF2B5EF4-FFF2-40B4-BE49-F238E27FC236}">
+                  <a16:creationId xmlns:a16="http://schemas.microsoft.com/office/drawing/2014/main" id="{612A037D-9B00-487B-954D-0677F49B527C}"/>
+                </a:ext>
+              </a:extLst>
+            </p:cNvPr>
+            <p:cNvCxnSpPr>
+              <a:cxnSpLocks/>
+            </p:cNvCxnSpPr>
+            <p:nvPr/>
+          </p:nvCxnSpPr>
+          <p:spPr>
+            <a:xfrm rot="16200000" flipV="1">
+              <a:off x="2212188" y="5412589"/>
+              <a:ext cx="437620" cy="1"/>
+            </a:xfrm>
+            <a:prstGeom prst="bentConnector3">
+              <a:avLst>
+                <a:gd name="adj1" fmla="val 50000"/>
+              </a:avLst>
+            </a:prstGeom>
+            <a:ln w="38100">
+              <a:prstDash val="solid"/>
+              <a:tailEnd type="triangle"/>
+            </a:ln>
+          </p:spPr>
+          <p:style>
+            <a:lnRef idx="1">
+              <a:schemeClr val="accent1"/>
+            </a:lnRef>
+            <a:fillRef idx="0">
+              <a:schemeClr val="accent1"/>
+            </a:fillRef>
+            <a:effectRef idx="0">
+              <a:schemeClr val="accent1"/>
+            </a:effectRef>
+            <a:fontRef idx="minor">
+              <a:schemeClr val="tx1"/>
+            </a:fontRef>
+          </p:style>
+        </p:cxnSp>
+        <p:cxnSp>
+          <p:nvCxnSpPr>
+            <p:cNvPr id="145" name="Connector: Elbow 144">
+              <a:extLst>
+                <a:ext uri="{FF2B5EF4-FFF2-40B4-BE49-F238E27FC236}">
+                  <a16:creationId xmlns:a16="http://schemas.microsoft.com/office/drawing/2014/main" id="{7CF570BF-377B-4C68-A215-C64506E189DE}"/>
+                </a:ext>
+              </a:extLst>
+            </p:cNvPr>
+            <p:cNvCxnSpPr>
+              <a:cxnSpLocks/>
+            </p:cNvCxnSpPr>
+            <p:nvPr/>
+          </p:nvCxnSpPr>
+          <p:spPr>
+            <a:xfrm rot="16200000" flipV="1">
+              <a:off x="2212187" y="6273828"/>
+              <a:ext cx="437620" cy="1"/>
+            </a:xfrm>
+            <a:prstGeom prst="bentConnector3">
+              <a:avLst>
+                <a:gd name="adj1" fmla="val 50000"/>
+              </a:avLst>
+            </a:prstGeom>
+            <a:ln w="38100">
+              <a:prstDash val="solid"/>
+              <a:tailEnd type="triangle"/>
+            </a:ln>
+          </p:spPr>
+          <p:style>
+            <a:lnRef idx="1">
+              <a:schemeClr val="accent1"/>
+            </a:lnRef>
+            <a:fillRef idx="0">
+              <a:schemeClr val="accent1"/>
+            </a:fillRef>
+            <a:effectRef idx="0">
+              <a:schemeClr val="accent1"/>
+            </a:effectRef>
+            <a:fontRef idx="minor">
+              <a:schemeClr val="tx1"/>
+            </a:fontRef>
+          </p:style>
+        </p:cxnSp>
+        <p:sp>
+          <p:nvSpPr>
+            <p:cNvPr id="146" name="TextBox 145">
+              <a:extLst>
+                <a:ext uri="{FF2B5EF4-FFF2-40B4-BE49-F238E27FC236}">
+                  <a16:creationId xmlns:a16="http://schemas.microsoft.com/office/drawing/2014/main" id="{D81DEECE-4703-4E77-BE7D-CB8B348906CC}"/>
+                </a:ext>
+              </a:extLst>
+            </p:cNvPr>
+            <p:cNvSpPr txBox="1"/>
+            <p:nvPr/>
+          </p:nvSpPr>
+          <p:spPr>
+            <a:xfrm>
+              <a:off x="2690675" y="5845959"/>
+              <a:ext cx="564578" cy="369332"/>
+            </a:xfrm>
+            <a:prstGeom prst="rect">
+              <a:avLst/>
+            </a:prstGeom>
+            <a:noFill/>
+          </p:spPr>
+          <p:txBody>
+            <a:bodyPr wrap="none" rtlCol="0">
+              <a:spAutoFit/>
+            </a:bodyPr>
+            <a:lstStyle/>
+            <a:p>
+              <a:pPr algn="ctr"/>
+              <a:r>
+                <a:rPr lang="en-GB" dirty="0"/>
+                <a:t>h(0)</a:t>
+              </a:r>
+            </a:p>
+          </p:txBody>
+        </p:sp>
+        <p:sp>
+          <p:nvSpPr>
+            <p:cNvPr id="147" name="TextBox 146">
+              <a:extLst>
+                <a:ext uri="{FF2B5EF4-FFF2-40B4-BE49-F238E27FC236}">
+                  <a16:creationId xmlns:a16="http://schemas.microsoft.com/office/drawing/2014/main" id="{5858EFCA-2483-4A16-9D8A-94ED8088F4EE}"/>
+                </a:ext>
+              </a:extLst>
+            </p:cNvPr>
+            <p:cNvSpPr txBox="1"/>
+            <p:nvPr/>
+          </p:nvSpPr>
+          <p:spPr>
+            <a:xfrm>
+              <a:off x="2176148" y="4905656"/>
+              <a:ext cx="542135" cy="369332"/>
+            </a:xfrm>
+            <a:prstGeom prst="rect">
+              <a:avLst/>
+            </a:prstGeom>
+            <a:noFill/>
+          </p:spPr>
+          <p:txBody>
+            <a:bodyPr wrap="none" rtlCol="0">
+              <a:spAutoFit/>
+            </a:bodyPr>
+            <a:lstStyle/>
+            <a:p>
+              <a:pPr algn="ctr"/>
+              <a:r>
+                <a:rPr lang="en-GB" dirty="0"/>
+                <a:t>x(1)</a:t>
+              </a:r>
+            </a:p>
+          </p:txBody>
+        </p:sp>
+        <p:sp>
+          <p:nvSpPr>
+            <p:cNvPr id="148" name="TextBox 147">
+              <a:extLst>
+                <a:ext uri="{FF2B5EF4-FFF2-40B4-BE49-F238E27FC236}">
+                  <a16:creationId xmlns:a16="http://schemas.microsoft.com/office/drawing/2014/main" id="{818F6804-5929-41CE-8BBA-7631EC3E243D}"/>
+                </a:ext>
+              </a:extLst>
+            </p:cNvPr>
+            <p:cNvSpPr txBox="1"/>
+            <p:nvPr/>
+          </p:nvSpPr>
+          <p:spPr>
+            <a:xfrm>
+              <a:off x="3252222" y="4899933"/>
+              <a:ext cx="542135" cy="369332"/>
+            </a:xfrm>
+            <a:prstGeom prst="rect">
+              <a:avLst/>
+            </a:prstGeom>
+            <a:noFill/>
+          </p:spPr>
+          <p:txBody>
+            <a:bodyPr wrap="none" rtlCol="0">
+              <a:spAutoFit/>
+            </a:bodyPr>
+            <a:lstStyle/>
+            <a:p>
+              <a:pPr algn="ctr"/>
+              <a:r>
+                <a:rPr lang="en-GB" dirty="0"/>
+                <a:t>x(2)</a:t>
+              </a:r>
+            </a:p>
+          </p:txBody>
+        </p:sp>
+        <p:sp>
+          <p:nvSpPr>
+            <p:cNvPr id="149" name="TextBox 148">
+              <a:extLst>
+                <a:ext uri="{FF2B5EF4-FFF2-40B4-BE49-F238E27FC236}">
+                  <a16:creationId xmlns:a16="http://schemas.microsoft.com/office/drawing/2014/main" id="{AB561FE7-D61B-4C62-8847-2B86E0CE7E92}"/>
+                </a:ext>
+              </a:extLst>
+            </p:cNvPr>
+            <p:cNvSpPr txBox="1"/>
+            <p:nvPr/>
+          </p:nvSpPr>
+          <p:spPr>
+            <a:xfrm>
+              <a:off x="4403666" y="4902746"/>
+              <a:ext cx="542135" cy="369332"/>
+            </a:xfrm>
+            <a:prstGeom prst="rect">
+              <a:avLst/>
+            </a:prstGeom>
+            <a:noFill/>
+          </p:spPr>
+          <p:txBody>
+            <a:bodyPr wrap="none" rtlCol="0">
+              <a:spAutoFit/>
+            </a:bodyPr>
+            <a:lstStyle/>
+            <a:p>
+              <a:pPr algn="ctr"/>
+              <a:r>
+                <a:rPr lang="en-GB" dirty="0"/>
+                <a:t>x(3)</a:t>
+              </a:r>
+            </a:p>
+          </p:txBody>
+        </p:sp>
+        <p:cxnSp>
+          <p:nvCxnSpPr>
+            <p:cNvPr id="150" name="Connector: Elbow 149">
+              <a:extLst>
+                <a:ext uri="{FF2B5EF4-FFF2-40B4-BE49-F238E27FC236}">
+                  <a16:creationId xmlns:a16="http://schemas.microsoft.com/office/drawing/2014/main" id="{494DBFF2-AECD-47BE-9428-D5DA27915D9A}"/>
+                </a:ext>
+              </a:extLst>
+            </p:cNvPr>
+            <p:cNvCxnSpPr>
+              <a:cxnSpLocks/>
+            </p:cNvCxnSpPr>
+            <p:nvPr/>
+          </p:nvCxnSpPr>
+          <p:spPr>
+            <a:xfrm rot="16200000" flipV="1">
+              <a:off x="4437592" y="5399627"/>
+              <a:ext cx="437620" cy="1"/>
+            </a:xfrm>
+            <a:prstGeom prst="bentConnector3">
+              <a:avLst>
+                <a:gd name="adj1" fmla="val 50000"/>
+              </a:avLst>
+            </a:prstGeom>
+            <a:ln w="38100">
+              <a:prstDash val="solid"/>
+              <a:tailEnd type="triangle"/>
+            </a:ln>
+          </p:spPr>
+          <p:style>
+            <a:lnRef idx="1">
+              <a:schemeClr val="accent1"/>
+            </a:lnRef>
+            <a:fillRef idx="0">
+              <a:schemeClr val="accent1"/>
+            </a:fillRef>
+            <a:effectRef idx="0">
+              <a:schemeClr val="accent1"/>
+            </a:effectRef>
+            <a:fontRef idx="minor">
+              <a:schemeClr val="tx1"/>
+            </a:fontRef>
+          </p:style>
+        </p:cxnSp>
+        <p:cxnSp>
+          <p:nvCxnSpPr>
+            <p:cNvPr id="151" name="Connector: Elbow 150">
+              <a:extLst>
+                <a:ext uri="{FF2B5EF4-FFF2-40B4-BE49-F238E27FC236}">
+                  <a16:creationId xmlns:a16="http://schemas.microsoft.com/office/drawing/2014/main" id="{AEB64FF7-CB16-45BF-AA23-9ED588F1CFD7}"/>
+                </a:ext>
+              </a:extLst>
+            </p:cNvPr>
+            <p:cNvCxnSpPr>
+              <a:cxnSpLocks/>
+            </p:cNvCxnSpPr>
+            <p:nvPr/>
+          </p:nvCxnSpPr>
+          <p:spPr>
+            <a:xfrm rot="16200000" flipV="1">
+              <a:off x="4464636" y="6268260"/>
+              <a:ext cx="437620" cy="1"/>
+            </a:xfrm>
+            <a:prstGeom prst="bentConnector3">
+              <a:avLst>
+                <a:gd name="adj1" fmla="val 50000"/>
+              </a:avLst>
+            </a:prstGeom>
+            <a:ln w="38100">
+              <a:prstDash val="solid"/>
+              <a:tailEnd type="triangle"/>
+            </a:ln>
+          </p:spPr>
+          <p:style>
+            <a:lnRef idx="1">
+              <a:schemeClr val="accent1"/>
+            </a:lnRef>
+            <a:fillRef idx="0">
+              <a:schemeClr val="accent1"/>
+            </a:fillRef>
+            <a:effectRef idx="0">
+              <a:schemeClr val="accent1"/>
+            </a:effectRef>
+            <a:fontRef idx="minor">
+              <a:schemeClr val="tx1"/>
+            </a:fontRef>
+          </p:style>
+        </p:cxnSp>
+        <p:sp>
+          <p:nvSpPr>
+            <p:cNvPr id="152" name="TextBox 151">
+              <a:extLst>
+                <a:ext uri="{FF2B5EF4-FFF2-40B4-BE49-F238E27FC236}">
+                  <a16:creationId xmlns:a16="http://schemas.microsoft.com/office/drawing/2014/main" id="{9E18A45A-53B3-42DB-B17A-7BE644D656E2}"/>
+                </a:ext>
+              </a:extLst>
+            </p:cNvPr>
+            <p:cNvSpPr txBox="1"/>
+            <p:nvPr/>
+          </p:nvSpPr>
+          <p:spPr>
+            <a:xfrm>
+              <a:off x="2150227" y="6476103"/>
+              <a:ext cx="542135" cy="369332"/>
+            </a:xfrm>
+            <a:prstGeom prst="rect">
+              <a:avLst/>
+            </a:prstGeom>
+            <a:noFill/>
+          </p:spPr>
+          <p:txBody>
+            <a:bodyPr wrap="none" rtlCol="0">
+              <a:spAutoFit/>
+            </a:bodyPr>
+            <a:lstStyle/>
+            <a:p>
+              <a:pPr algn="ctr"/>
+              <a:r>
+                <a:rPr lang="en-GB" dirty="0"/>
+                <a:t>x(0)</a:t>
+              </a:r>
+            </a:p>
+          </p:txBody>
+        </p:sp>
+        <p:sp>
+          <p:nvSpPr>
+            <p:cNvPr id="153" name="TextBox 152">
+              <a:extLst>
+                <a:ext uri="{FF2B5EF4-FFF2-40B4-BE49-F238E27FC236}">
+                  <a16:creationId xmlns:a16="http://schemas.microsoft.com/office/drawing/2014/main" id="{6E31D58B-1F09-40B1-B7B7-A65D3E491E4F}"/>
+                </a:ext>
+              </a:extLst>
+            </p:cNvPr>
+            <p:cNvSpPr txBox="1"/>
+            <p:nvPr/>
+          </p:nvSpPr>
+          <p:spPr>
+            <a:xfrm>
+              <a:off x="3226301" y="6470380"/>
+              <a:ext cx="542135" cy="369332"/>
+            </a:xfrm>
+            <a:prstGeom prst="rect">
+              <a:avLst/>
+            </a:prstGeom>
+            <a:noFill/>
+          </p:spPr>
+          <p:txBody>
+            <a:bodyPr wrap="none" rtlCol="0">
+              <a:spAutoFit/>
+            </a:bodyPr>
+            <a:lstStyle/>
+            <a:p>
+              <a:pPr algn="ctr"/>
+              <a:r>
+                <a:rPr lang="en-GB" dirty="0"/>
+                <a:t>x(1)</a:t>
+              </a:r>
+            </a:p>
+          </p:txBody>
+        </p:sp>
+        <p:sp>
+          <p:nvSpPr>
+            <p:cNvPr id="154" name="TextBox 153">
+              <a:extLst>
+                <a:ext uri="{FF2B5EF4-FFF2-40B4-BE49-F238E27FC236}">
+                  <a16:creationId xmlns:a16="http://schemas.microsoft.com/office/drawing/2014/main" id="{976693C6-7946-4E2B-9CA8-646BA9DD81A1}"/>
+                </a:ext>
+              </a:extLst>
+            </p:cNvPr>
+            <p:cNvSpPr txBox="1"/>
+            <p:nvPr/>
+          </p:nvSpPr>
+          <p:spPr>
+            <a:xfrm>
+              <a:off x="4377745" y="6473193"/>
+              <a:ext cx="542135" cy="369332"/>
+            </a:xfrm>
+            <a:prstGeom prst="rect">
+              <a:avLst/>
+            </a:prstGeom>
+            <a:noFill/>
+          </p:spPr>
+          <p:txBody>
+            <a:bodyPr wrap="none" rtlCol="0">
+              <a:spAutoFit/>
+            </a:bodyPr>
+            <a:lstStyle/>
+            <a:p>
+              <a:pPr algn="ctr"/>
+              <a:r>
+                <a:rPr lang="en-GB" dirty="0"/>
+                <a:t>x(2)</a:t>
+              </a:r>
+            </a:p>
+          </p:txBody>
+        </p:sp>
+        <p:sp>
+          <p:nvSpPr>
+            <p:cNvPr id="173" name="TextBox 172">
+              <a:extLst>
+                <a:ext uri="{FF2B5EF4-FFF2-40B4-BE49-F238E27FC236}">
+                  <a16:creationId xmlns:a16="http://schemas.microsoft.com/office/drawing/2014/main" id="{34F48AF8-D1E9-48CA-B1C6-111B6F9EB774}"/>
+                </a:ext>
+              </a:extLst>
+            </p:cNvPr>
+            <p:cNvSpPr txBox="1"/>
+            <p:nvPr/>
+          </p:nvSpPr>
+          <p:spPr>
+            <a:xfrm>
+              <a:off x="3830324" y="5845959"/>
+              <a:ext cx="564578" cy="369332"/>
+            </a:xfrm>
+            <a:prstGeom prst="rect">
+              <a:avLst/>
+            </a:prstGeom>
+            <a:noFill/>
+          </p:spPr>
+          <p:txBody>
+            <a:bodyPr wrap="none" rtlCol="0">
+              <a:spAutoFit/>
+            </a:bodyPr>
+            <a:lstStyle/>
+            <a:p>
+              <a:pPr algn="ctr"/>
+              <a:r>
+                <a:rPr lang="en-GB" dirty="0"/>
+                <a:t>h(1)</a:t>
+              </a:r>
+            </a:p>
+          </p:txBody>
+        </p:sp>
+      </p:grpSp>
+    </p:spTree>
+    <p:extLst>
+      <p:ext uri="{BB962C8B-B14F-4D97-AF65-F5344CB8AC3E}">
+        <p14:creationId xmlns:p14="http://schemas.microsoft.com/office/powerpoint/2010/main" val="2167760568"/>
+      </p:ext>
+    </p:extLst>
+  </p:cSld>
+  <p:clrMapOvr>
+    <a:masterClrMapping/>
+  </p:clrMapOvr>
+</p:sld>
+</file>
+
 <file path=ppt/slides/slide2.xml><?xml version="1.0" encoding="utf-8"?>
 <p:sld xmlns:a="http://schemas.openxmlformats.org/drawingml/2006/main" xmlns:r="http://schemas.openxmlformats.org/officeDocument/2006/relationships" xmlns:p="http://schemas.openxmlformats.org/presentationml/2006/main">
   <p:cSld>

--- a/thesis.pptx
+++ b/thesis.pptx
@@ -20,6 +20,7 @@
     <p:sldId id="266" r:id="rId14"/>
     <p:sldId id="269" r:id="rId15"/>
     <p:sldId id="270" r:id="rId16"/>
+    <p:sldId id="271" r:id="rId17"/>
   </p:sldIdLst>
   <p:sldSz cx="12192000" cy="6858000"/>
   <p:notesSz cx="6858000" cy="9144000"/>
@@ -146,6 +147,7 @@
           <p14:sldIdLst>
             <p14:sldId id="269"/>
             <p14:sldId id="270"/>
+            <p14:sldId id="271"/>
           </p14:sldIdLst>
         </p14:section>
       </p14:sectionLst>
@@ -9632,7 +9634,7 @@
           <a:p>
             <a:fld id="{868DB8A7-3A18-4C2F-83F4-935BFDFABEE2}" type="datetimeFigureOut">
               <a:rPr lang="en-GB" smtClean="0"/>
-              <a:t>04/01/2021</a:t>
+              <a:t>05/01/2021</a:t>
             </a:fld>
             <a:endParaRPr lang="en-GB"/>
           </a:p>
@@ -9802,7 +9804,7 @@
           <a:p>
             <a:fld id="{868DB8A7-3A18-4C2F-83F4-935BFDFABEE2}" type="datetimeFigureOut">
               <a:rPr lang="en-GB" smtClean="0"/>
-              <a:t>04/01/2021</a:t>
+              <a:t>05/01/2021</a:t>
             </a:fld>
             <a:endParaRPr lang="en-GB"/>
           </a:p>
@@ -9982,7 +9984,7 @@
           <a:p>
             <a:fld id="{868DB8A7-3A18-4C2F-83F4-935BFDFABEE2}" type="datetimeFigureOut">
               <a:rPr lang="en-GB" smtClean="0"/>
-              <a:t>04/01/2021</a:t>
+              <a:t>05/01/2021</a:t>
             </a:fld>
             <a:endParaRPr lang="en-GB"/>
           </a:p>
@@ -10152,7 +10154,7 @@
           <a:p>
             <a:fld id="{868DB8A7-3A18-4C2F-83F4-935BFDFABEE2}" type="datetimeFigureOut">
               <a:rPr lang="en-GB" smtClean="0"/>
-              <a:t>04/01/2021</a:t>
+              <a:t>05/01/2021</a:t>
             </a:fld>
             <a:endParaRPr lang="en-GB"/>
           </a:p>
@@ -10398,7 +10400,7 @@
           <a:p>
             <a:fld id="{868DB8A7-3A18-4C2F-83F4-935BFDFABEE2}" type="datetimeFigureOut">
               <a:rPr lang="en-GB" smtClean="0"/>
-              <a:t>04/01/2021</a:t>
+              <a:t>05/01/2021</a:t>
             </a:fld>
             <a:endParaRPr lang="en-GB"/>
           </a:p>
@@ -10630,7 +10632,7 @@
           <a:p>
             <a:fld id="{868DB8A7-3A18-4C2F-83F4-935BFDFABEE2}" type="datetimeFigureOut">
               <a:rPr lang="en-GB" smtClean="0"/>
-              <a:t>04/01/2021</a:t>
+              <a:t>05/01/2021</a:t>
             </a:fld>
             <a:endParaRPr lang="en-GB"/>
           </a:p>
@@ -10997,7 +10999,7 @@
           <a:p>
             <a:fld id="{868DB8A7-3A18-4C2F-83F4-935BFDFABEE2}" type="datetimeFigureOut">
               <a:rPr lang="en-GB" smtClean="0"/>
-              <a:t>04/01/2021</a:t>
+              <a:t>05/01/2021</a:t>
             </a:fld>
             <a:endParaRPr lang="en-GB"/>
           </a:p>
@@ -11115,7 +11117,7 @@
           <a:p>
             <a:fld id="{868DB8A7-3A18-4C2F-83F4-935BFDFABEE2}" type="datetimeFigureOut">
               <a:rPr lang="en-GB" smtClean="0"/>
-              <a:t>04/01/2021</a:t>
+              <a:t>05/01/2021</a:t>
             </a:fld>
             <a:endParaRPr lang="en-GB"/>
           </a:p>
@@ -11210,7 +11212,7 @@
           <a:p>
             <a:fld id="{868DB8A7-3A18-4C2F-83F4-935BFDFABEE2}" type="datetimeFigureOut">
               <a:rPr lang="en-GB" smtClean="0"/>
-              <a:t>04/01/2021</a:t>
+              <a:t>05/01/2021</a:t>
             </a:fld>
             <a:endParaRPr lang="en-GB"/>
           </a:p>
@@ -11487,7 +11489,7 @@
           <a:p>
             <a:fld id="{868DB8A7-3A18-4C2F-83F4-935BFDFABEE2}" type="datetimeFigureOut">
               <a:rPr lang="en-GB" smtClean="0"/>
-              <a:t>04/01/2021</a:t>
+              <a:t>05/01/2021</a:t>
             </a:fld>
             <a:endParaRPr lang="en-GB"/>
           </a:p>
@@ -11740,7 +11742,7 @@
           <a:p>
             <a:fld id="{868DB8A7-3A18-4C2F-83F4-935BFDFABEE2}" type="datetimeFigureOut">
               <a:rPr lang="en-GB" smtClean="0"/>
-              <a:t>04/01/2021</a:t>
+              <a:t>05/01/2021</a:t>
             </a:fld>
             <a:endParaRPr lang="en-GB"/>
           </a:p>
@@ -11953,7 +11955,7 @@
           <a:p>
             <a:fld id="{868DB8A7-3A18-4C2F-83F4-935BFDFABEE2}" type="datetimeFigureOut">
               <a:rPr lang="en-GB" smtClean="0"/>
-              <a:t>04/01/2021</a:t>
+              <a:t>05/01/2021</a:t>
             </a:fld>
             <a:endParaRPr lang="en-GB"/>
           </a:p>
@@ -21055,6 +21057,130 @@
 </file>
 
 <file path=ppt/slides/slide15.xml><?xml version="1.0" encoding="utf-8"?>
+<p:sld xmlns:a="http://schemas.openxmlformats.org/drawingml/2006/main" xmlns:r="http://schemas.openxmlformats.org/officeDocument/2006/relationships" xmlns:p="http://schemas.openxmlformats.org/presentationml/2006/main">
+  <p:cSld>
+    <p:spTree>
+      <p:nvGrpSpPr>
+        <p:cNvPr id="1" name=""/>
+        <p:cNvGrpSpPr/>
+        <p:nvPr/>
+      </p:nvGrpSpPr>
+      <p:grpSpPr>
+        <a:xfrm>
+          <a:off x="0" y="0"/>
+          <a:ext cx="0" cy="0"/>
+          <a:chOff x="0" y="0"/>
+          <a:chExt cx="0" cy="0"/>
+        </a:xfrm>
+      </p:grpSpPr>
+      <p:pic>
+        <p:nvPicPr>
+          <p:cNvPr id="72" name="Picture 71" descr="A screenshot of a computer&#10;&#10;Description automatically generated with low confidence">
+            <a:extLst>
+              <a:ext uri="{FF2B5EF4-FFF2-40B4-BE49-F238E27FC236}">
+                <a16:creationId xmlns:a16="http://schemas.microsoft.com/office/drawing/2014/main" id="{660BCC47-5290-46CF-9911-C760145ACE8E}"/>
+              </a:ext>
+            </a:extLst>
+          </p:cNvPr>
+          <p:cNvPicPr>
+            <a:picLocks noChangeAspect="1"/>
+          </p:cNvPicPr>
+          <p:nvPr/>
+        </p:nvPicPr>
+        <p:blipFill>
+          <a:blip r:embed="rId2">
+            <a:extLst>
+              <a:ext uri="{28A0092B-C50C-407E-A947-70E740481C1C}">
+                <a14:useLocalDpi xmlns:a14="http://schemas.microsoft.com/office/drawing/2010/main" val="0"/>
+              </a:ext>
+            </a:extLst>
+          </a:blip>
+          <a:stretch>
+            <a:fillRect/>
+          </a:stretch>
+        </p:blipFill>
+        <p:spPr>
+          <a:xfrm>
+            <a:off x="0" y="1520846"/>
+            <a:ext cx="12192000" cy="3816307"/>
+          </a:xfrm>
+          <a:prstGeom prst="rect">
+            <a:avLst/>
+          </a:prstGeom>
+        </p:spPr>
+      </p:pic>
+      <p:sp>
+        <p:nvSpPr>
+          <p:cNvPr id="7" name="Rectangle 6">
+            <a:extLst>
+              <a:ext uri="{FF2B5EF4-FFF2-40B4-BE49-F238E27FC236}">
+                <a16:creationId xmlns:a16="http://schemas.microsoft.com/office/drawing/2014/main" id="{2FF99591-430B-46D0-825D-87D2A56D4323}"/>
+              </a:ext>
+            </a:extLst>
+          </p:cNvPr>
+          <p:cNvSpPr/>
+          <p:nvPr/>
+        </p:nvSpPr>
+        <p:spPr>
+          <a:xfrm>
+            <a:off x="509754" y="4980695"/>
+            <a:ext cx="10685938" cy="923330"/>
+          </a:xfrm>
+          <a:prstGeom prst="rect">
+            <a:avLst/>
+          </a:prstGeom>
+          <a:noFill/>
+        </p:spPr>
+        <p:txBody>
+          <a:bodyPr wrap="none" lIns="91440" tIns="45720" rIns="91440" bIns="45720">
+            <a:spAutoFit/>
+          </a:bodyPr>
+          <a:lstStyle/>
+          <a:p>
+            <a:pPr algn="ctr"/>
+            <a:r>
+              <a:rPr lang="en-US" sz="5400" dirty="0">
+                <a:ln w="0"/>
+                <a:effectLst>
+                  <a:outerShdw blurRad="38100" dist="19050" dir="2700000" algn="tl" rotWithShape="0">
+                    <a:schemeClr val="dk1">
+                      <a:alpha val="40000"/>
+                    </a:schemeClr>
+                  </a:outerShdw>
+                </a:effectLst>
+              </a:rPr>
+              <a:t>a		b		     c 			d			e</a:t>
+            </a:r>
+            <a:endParaRPr lang="en-US" sz="5400" b="0" cap="none" spc="0" dirty="0">
+              <a:ln w="0"/>
+              <a:solidFill>
+                <a:schemeClr val="tx1"/>
+              </a:solidFill>
+              <a:effectLst>
+                <a:outerShdw blurRad="38100" dist="19050" dir="2700000" algn="tl" rotWithShape="0">
+                  <a:schemeClr val="dk1">
+                    <a:alpha val="40000"/>
+                  </a:schemeClr>
+                </a:outerShdw>
+              </a:effectLst>
+            </a:endParaRPr>
+          </a:p>
+        </p:txBody>
+      </p:sp>
+    </p:spTree>
+    <p:extLst>
+      <p:ext uri="{BB962C8B-B14F-4D97-AF65-F5344CB8AC3E}">
+        <p14:creationId xmlns:p14="http://schemas.microsoft.com/office/powerpoint/2010/main" val="2167760568"/>
+      </p:ext>
+    </p:extLst>
+  </p:cSld>
+  <p:clrMapOvr>
+    <a:masterClrMapping/>
+  </p:clrMapOvr>
+</p:sld>
+</file>
+
+<file path=ppt/slides/slide16.xml><?xml version="1.0" encoding="utf-8"?>
 <p:sld xmlns:a="http://schemas.openxmlformats.org/drawingml/2006/main" xmlns:r="http://schemas.openxmlformats.org/officeDocument/2006/relationships" xmlns:p="http://schemas.openxmlformats.org/presentationml/2006/main">
   <p:cSld>
     <p:spTree>
@@ -23761,10 +23887,46 @@
           </p:txBody>
         </p:sp>
       </p:grpSp>
+      <p:pic>
+        <p:nvPicPr>
+          <p:cNvPr id="6" name="Picture 5" descr="A screenshot of a computer&#10;&#10;Description automatically generated with low confidence">
+            <a:extLst>
+              <a:ext uri="{FF2B5EF4-FFF2-40B4-BE49-F238E27FC236}">
+                <a16:creationId xmlns:a16="http://schemas.microsoft.com/office/drawing/2014/main" id="{B7B4E1F4-8E0B-4881-8B0D-1726EF8C8C38}"/>
+              </a:ext>
+            </a:extLst>
+          </p:cNvPr>
+          <p:cNvPicPr>
+            <a:picLocks noChangeAspect="1"/>
+          </p:cNvPicPr>
+          <p:nvPr/>
+        </p:nvPicPr>
+        <p:blipFill>
+          <a:blip r:embed="rId2">
+            <a:extLst>
+              <a:ext uri="{28A0092B-C50C-407E-A947-70E740481C1C}">
+                <a14:useLocalDpi xmlns:a14="http://schemas.microsoft.com/office/drawing/2010/main" val="0"/>
+              </a:ext>
+            </a:extLst>
+          </a:blip>
+          <a:stretch>
+            <a:fillRect/>
+          </a:stretch>
+        </p:blipFill>
+        <p:spPr>
+          <a:xfrm>
+            <a:off x="0" y="1520846"/>
+            <a:ext cx="12192000" cy="3816307"/>
+          </a:xfrm>
+          <a:prstGeom prst="rect">
+            <a:avLst/>
+          </a:prstGeom>
+        </p:spPr>
+      </p:pic>
     </p:spTree>
     <p:extLst>
       <p:ext uri="{BB962C8B-B14F-4D97-AF65-F5344CB8AC3E}">
-        <p14:creationId xmlns:p14="http://schemas.microsoft.com/office/powerpoint/2010/main" val="2167760568"/>
+        <p14:creationId xmlns:p14="http://schemas.microsoft.com/office/powerpoint/2010/main" val="1139780574"/>
       </p:ext>
     </p:extLst>
   </p:cSld>

--- a/thesis.pptx
+++ b/thesis.pptx
@@ -21087,7 +21087,7 @@
           </p:cNvPicPr>
           <p:nvPr/>
         </p:nvPicPr>
-        <p:blipFill>
+        <p:blipFill rotWithShape="1">
           <a:blip r:embed="rId2">
             <a:extLst>
               <a:ext uri="{28A0092B-C50C-407E-A947-70E740481C1C}">
@@ -21095,14 +21095,13 @@
               </a:ext>
             </a:extLst>
           </a:blip>
-          <a:stretch>
-            <a:fillRect/>
-          </a:stretch>
+          <a:srcRect l="982"/>
+          <a:stretch/>
         </p:blipFill>
         <p:spPr>
           <a:xfrm>
-            <a:off x="0" y="1520846"/>
-            <a:ext cx="12192000" cy="3816307"/>
+            <a:off x="76912" y="1520846"/>
+            <a:ext cx="12072358" cy="3816307"/>
           </a:xfrm>
           <a:prstGeom prst="rect">
             <a:avLst/>
@@ -21123,8 +21122,8 @@
         </p:nvSpPr>
         <p:spPr>
           <a:xfrm>
-            <a:off x="509754" y="4980695"/>
-            <a:ext cx="10685938" cy="923330"/>
+            <a:off x="-83649" y="5108885"/>
+            <a:ext cx="12419682" cy="830997"/>
           </a:xfrm>
           <a:prstGeom prst="rect">
             <a:avLst/>
@@ -21139,31 +21138,16 @@
           <a:p>
             <a:pPr algn="ctr"/>
             <a:r>
-              <a:rPr lang="en-US" sz="5400" dirty="0">
-                <a:ln w="0"/>
-                <a:effectLst>
-                  <a:outerShdw blurRad="38100" dist="19050" dir="2700000" algn="tl" rotWithShape="0">
-                    <a:schemeClr val="dk1">
-                      <a:alpha val="40000"/>
-                    </a:schemeClr>
-                  </a:outerShdw>
-                </a:effectLst>
-              </a:rPr>
-              <a:t>a		b		     c 			d			e</a:t>
+              <a:rPr lang="en-US" sz="2400" dirty="0"/>
+              <a:t>(a) SISO	(b) SIMO     		(c) MISO	    (d) Asynchronous		 (e) Synchronous</a:t>
             </a:r>
-            <a:endParaRPr lang="en-US" sz="5400" b="0" cap="none" spc="0" dirty="0">
-              <a:ln w="0"/>
-              <a:solidFill>
-                <a:schemeClr val="tx1"/>
-              </a:solidFill>
-              <a:effectLst>
-                <a:outerShdw blurRad="38100" dist="19050" dir="2700000" algn="tl" rotWithShape="0">
-                  <a:schemeClr val="dk1">
-                    <a:alpha val="40000"/>
-                  </a:schemeClr>
-                </a:outerShdw>
-              </a:effectLst>
-            </a:endParaRPr>
+          </a:p>
+          <a:p>
+            <a:pPr algn="ctr"/>
+            <a:r>
+              <a:rPr lang="en-US" sz="2400" dirty="0"/>
+              <a:t>							MIMO 		 		MIMO 	</a:t>
+            </a:r>
           </a:p>
         </p:txBody>
       </p:sp>

--- a/thesis.pptx
+++ b/thesis.pptx
@@ -9634,7 +9634,7 @@
           <a:p>
             <a:fld id="{868DB8A7-3A18-4C2F-83F4-935BFDFABEE2}" type="datetimeFigureOut">
               <a:rPr lang="en-GB" smtClean="0"/>
-              <a:t>05/01/2021</a:t>
+              <a:t>14/01/2021</a:t>
             </a:fld>
             <a:endParaRPr lang="en-GB"/>
           </a:p>
@@ -9804,7 +9804,7 @@
           <a:p>
             <a:fld id="{868DB8A7-3A18-4C2F-83F4-935BFDFABEE2}" type="datetimeFigureOut">
               <a:rPr lang="en-GB" smtClean="0"/>
-              <a:t>05/01/2021</a:t>
+              <a:t>14/01/2021</a:t>
             </a:fld>
             <a:endParaRPr lang="en-GB"/>
           </a:p>
@@ -9984,7 +9984,7 @@
           <a:p>
             <a:fld id="{868DB8A7-3A18-4C2F-83F4-935BFDFABEE2}" type="datetimeFigureOut">
               <a:rPr lang="en-GB" smtClean="0"/>
-              <a:t>05/01/2021</a:t>
+              <a:t>14/01/2021</a:t>
             </a:fld>
             <a:endParaRPr lang="en-GB"/>
           </a:p>
@@ -10154,7 +10154,7 @@
           <a:p>
             <a:fld id="{868DB8A7-3A18-4C2F-83F4-935BFDFABEE2}" type="datetimeFigureOut">
               <a:rPr lang="en-GB" smtClean="0"/>
-              <a:t>05/01/2021</a:t>
+              <a:t>14/01/2021</a:t>
             </a:fld>
             <a:endParaRPr lang="en-GB"/>
           </a:p>
@@ -10400,7 +10400,7 @@
           <a:p>
             <a:fld id="{868DB8A7-3A18-4C2F-83F4-935BFDFABEE2}" type="datetimeFigureOut">
               <a:rPr lang="en-GB" smtClean="0"/>
-              <a:t>05/01/2021</a:t>
+              <a:t>14/01/2021</a:t>
             </a:fld>
             <a:endParaRPr lang="en-GB"/>
           </a:p>
@@ -10632,7 +10632,7 @@
           <a:p>
             <a:fld id="{868DB8A7-3A18-4C2F-83F4-935BFDFABEE2}" type="datetimeFigureOut">
               <a:rPr lang="en-GB" smtClean="0"/>
-              <a:t>05/01/2021</a:t>
+              <a:t>14/01/2021</a:t>
             </a:fld>
             <a:endParaRPr lang="en-GB"/>
           </a:p>
@@ -10999,7 +10999,7 @@
           <a:p>
             <a:fld id="{868DB8A7-3A18-4C2F-83F4-935BFDFABEE2}" type="datetimeFigureOut">
               <a:rPr lang="en-GB" smtClean="0"/>
-              <a:t>05/01/2021</a:t>
+              <a:t>14/01/2021</a:t>
             </a:fld>
             <a:endParaRPr lang="en-GB"/>
           </a:p>
@@ -11117,7 +11117,7 @@
           <a:p>
             <a:fld id="{868DB8A7-3A18-4C2F-83F4-935BFDFABEE2}" type="datetimeFigureOut">
               <a:rPr lang="en-GB" smtClean="0"/>
-              <a:t>05/01/2021</a:t>
+              <a:t>14/01/2021</a:t>
             </a:fld>
             <a:endParaRPr lang="en-GB"/>
           </a:p>
@@ -11212,7 +11212,7 @@
           <a:p>
             <a:fld id="{868DB8A7-3A18-4C2F-83F4-935BFDFABEE2}" type="datetimeFigureOut">
               <a:rPr lang="en-GB" smtClean="0"/>
-              <a:t>05/01/2021</a:t>
+              <a:t>14/01/2021</a:t>
             </a:fld>
             <a:endParaRPr lang="en-GB"/>
           </a:p>
@@ -11489,7 +11489,7 @@
           <a:p>
             <a:fld id="{868DB8A7-3A18-4C2F-83F4-935BFDFABEE2}" type="datetimeFigureOut">
               <a:rPr lang="en-GB" smtClean="0"/>
-              <a:t>05/01/2021</a:t>
+              <a:t>14/01/2021</a:t>
             </a:fld>
             <a:endParaRPr lang="en-GB"/>
           </a:p>
@@ -11742,7 +11742,7 @@
           <a:p>
             <a:fld id="{868DB8A7-3A18-4C2F-83F4-935BFDFABEE2}" type="datetimeFigureOut">
               <a:rPr lang="en-GB" smtClean="0"/>
-              <a:t>05/01/2021</a:t>
+              <a:t>14/01/2021</a:t>
             </a:fld>
             <a:endParaRPr lang="en-GB"/>
           </a:p>
@@ -11955,7 +11955,7 @@
           <a:p>
             <a:fld id="{868DB8A7-3A18-4C2F-83F4-935BFDFABEE2}" type="datetimeFigureOut">
               <a:rPr lang="en-GB" smtClean="0"/>
-              <a:t>05/01/2021</a:t>
+              <a:t>14/01/2021</a:t>
             </a:fld>
             <a:endParaRPr lang="en-GB"/>
           </a:p>
@@ -17332,6 +17332,198 @@
           </a:prstGeom>
         </p:spPr>
       </p:pic>
+      <p:sp>
+        <p:nvSpPr>
+          <p:cNvPr id="2" name="Rectangle 1">
+            <a:extLst>
+              <a:ext uri="{FF2B5EF4-FFF2-40B4-BE49-F238E27FC236}">
+                <a16:creationId xmlns:a16="http://schemas.microsoft.com/office/drawing/2014/main" id="{BEA0C31A-4F5A-411C-BC81-852B8294853E}"/>
+              </a:ext>
+            </a:extLst>
+          </p:cNvPr>
+          <p:cNvSpPr/>
+          <p:nvPr/>
+        </p:nvSpPr>
+        <p:spPr>
+          <a:xfrm>
+            <a:off x="2584304" y="1190786"/>
+            <a:ext cx="516487" cy="923330"/>
+          </a:xfrm>
+          <a:prstGeom prst="rect">
+            <a:avLst/>
+          </a:prstGeom>
+          <a:noFill/>
+        </p:spPr>
+        <p:txBody>
+          <a:bodyPr wrap="none" lIns="91440" tIns="45720" rIns="91440" bIns="45720">
+            <a:spAutoFit/>
+          </a:bodyPr>
+          <a:lstStyle/>
+          <a:p>
+            <a:pPr algn="ctr"/>
+            <a:r>
+              <a:rPr lang="en-US" sz="5400" b="0" cap="none" spc="0" dirty="0">
+                <a:ln w="0"/>
+                <a:solidFill>
+                  <a:schemeClr val="tx1"/>
+                </a:solidFill>
+                <a:effectLst>
+                  <a:outerShdw blurRad="38100" dist="19050" dir="2700000" algn="tl" rotWithShape="0">
+                    <a:schemeClr val="dk1">
+                      <a:alpha val="40000"/>
+                    </a:schemeClr>
+                  </a:outerShdw>
+                </a:effectLst>
+              </a:rPr>
+              <a:t>a</a:t>
+            </a:r>
+          </a:p>
+        </p:txBody>
+      </p:sp>
+      <p:sp>
+        <p:nvSpPr>
+          <p:cNvPr id="8" name="Rectangle 7">
+            <a:extLst>
+              <a:ext uri="{FF2B5EF4-FFF2-40B4-BE49-F238E27FC236}">
+                <a16:creationId xmlns:a16="http://schemas.microsoft.com/office/drawing/2014/main" id="{C04D5775-9F37-4F85-95A5-2B55EC41861E}"/>
+              </a:ext>
+            </a:extLst>
+          </p:cNvPr>
+          <p:cNvSpPr/>
+          <p:nvPr/>
+        </p:nvSpPr>
+        <p:spPr>
+          <a:xfrm>
+            <a:off x="8561796" y="1190786"/>
+            <a:ext cx="548548" cy="923330"/>
+          </a:xfrm>
+          <a:prstGeom prst="rect">
+            <a:avLst/>
+          </a:prstGeom>
+          <a:noFill/>
+        </p:spPr>
+        <p:txBody>
+          <a:bodyPr wrap="none" lIns="91440" tIns="45720" rIns="91440" bIns="45720">
+            <a:spAutoFit/>
+          </a:bodyPr>
+          <a:lstStyle/>
+          <a:p>
+            <a:pPr algn="ctr"/>
+            <a:r>
+              <a:rPr lang="en-US" sz="5400" b="0" cap="none" spc="0" dirty="0">
+                <a:ln w="0"/>
+                <a:solidFill>
+                  <a:schemeClr val="tx1"/>
+                </a:solidFill>
+                <a:effectLst>
+                  <a:outerShdw blurRad="38100" dist="19050" dir="2700000" algn="tl" rotWithShape="0">
+                    <a:schemeClr val="dk1">
+                      <a:alpha val="40000"/>
+                    </a:schemeClr>
+                  </a:outerShdw>
+                </a:effectLst>
+              </a:rPr>
+              <a:t>b</a:t>
+            </a:r>
+          </a:p>
+        </p:txBody>
+      </p:sp>
+      <p:sp>
+        <p:nvSpPr>
+          <p:cNvPr id="10" name="Rectangle 9">
+            <a:extLst>
+              <a:ext uri="{FF2B5EF4-FFF2-40B4-BE49-F238E27FC236}">
+                <a16:creationId xmlns:a16="http://schemas.microsoft.com/office/drawing/2014/main" id="{03E2D422-B5C6-4A64-AFB2-58B4558A66C4}"/>
+              </a:ext>
+            </a:extLst>
+          </p:cNvPr>
+          <p:cNvSpPr/>
+          <p:nvPr/>
+        </p:nvSpPr>
+        <p:spPr>
+          <a:xfrm>
+            <a:off x="2619570" y="3510858"/>
+            <a:ext cx="478015" cy="923330"/>
+          </a:xfrm>
+          <a:prstGeom prst="rect">
+            <a:avLst/>
+          </a:prstGeom>
+          <a:noFill/>
+        </p:spPr>
+        <p:txBody>
+          <a:bodyPr wrap="none" lIns="91440" tIns="45720" rIns="91440" bIns="45720">
+            <a:spAutoFit/>
+          </a:bodyPr>
+          <a:lstStyle/>
+          <a:p>
+            <a:pPr algn="ctr"/>
+            <a:r>
+              <a:rPr lang="en-US" sz="5400" b="0" cap="none" spc="0" dirty="0">
+                <a:ln w="0"/>
+                <a:solidFill>
+                  <a:schemeClr val="tx1"/>
+                </a:solidFill>
+                <a:effectLst>
+                  <a:outerShdw blurRad="38100" dist="19050" dir="2700000" algn="tl" rotWithShape="0">
+                    <a:schemeClr val="dk1">
+                      <a:alpha val="40000"/>
+                    </a:schemeClr>
+                  </a:outerShdw>
+                </a:effectLst>
+              </a:rPr>
+              <a:t>c</a:t>
+            </a:r>
+          </a:p>
+        </p:txBody>
+      </p:sp>
+      <p:sp>
+        <p:nvSpPr>
+          <p:cNvPr id="11" name="Rectangle 10">
+            <a:extLst>
+              <a:ext uri="{FF2B5EF4-FFF2-40B4-BE49-F238E27FC236}">
+                <a16:creationId xmlns:a16="http://schemas.microsoft.com/office/drawing/2014/main" id="{C2E25EF7-FE24-494B-B9AE-9591FB876E6A}"/>
+              </a:ext>
+            </a:extLst>
+          </p:cNvPr>
+          <p:cNvSpPr/>
+          <p:nvPr/>
+        </p:nvSpPr>
+        <p:spPr>
+          <a:xfrm>
+            <a:off x="8597063" y="3520354"/>
+            <a:ext cx="548548" cy="923330"/>
+          </a:xfrm>
+          <a:prstGeom prst="rect">
+            <a:avLst/>
+          </a:prstGeom>
+          <a:noFill/>
+        </p:spPr>
+        <p:txBody>
+          <a:bodyPr wrap="none" lIns="91440" tIns="45720" rIns="91440" bIns="45720">
+            <a:spAutoFit/>
+          </a:bodyPr>
+          <a:lstStyle/>
+          <a:p>
+            <a:pPr algn="ctr"/>
+            <a:r>
+              <a:rPr lang="en-US" sz="5400" b="0" cap="none" spc="0" dirty="0">
+                <a:ln w="0"/>
+                <a:solidFill>
+                  <a:schemeClr val="tx1"/>
+                </a:solidFill>
+                <a:effectLst>
+                  <a:outerShdw blurRad="38100" dist="19050" dir="2700000" algn="tl" rotWithShape="0">
+                    <a:schemeClr val="dk1">
+                      <a:alpha val="40000"/>
+                    </a:schemeClr>
+                  </a:outerShdw>
+                </a:effectLst>
+              </a:rPr>
+              <a:t>d</a:t>
+            </a:r>
+          </a:p>
+        </p:txBody>
+      </p:sp>
     </p:spTree>
     <p:extLst>
       <p:ext uri="{BB962C8B-B14F-4D97-AF65-F5344CB8AC3E}">
